--- a/Protecting App Secrets.pptx
+++ b/Protecting App Secrets.pptx
@@ -218,7 +218,7 @@
           <a:p>
             <a:fld id="{03886B9A-ACA2-4D2C-AAF6-D8003DE96699}" type="datetimeFigureOut">
               <a:rPr lang="en-US" smtClean="0"/>
-              <a:t>8/27/2018</a:t>
+              <a:t>8/29/2018</a:t>
             </a:fld>
             <a:endParaRPr lang="en-US"/>
           </a:p>
@@ -901,7 +901,10 @@
           <a:bodyPr/>
           <a:lstStyle/>
           <a:p>
-            <a:endParaRPr lang="en-US"/>
+            <a:r>
+              <a:rPr lang="en-US" dirty="0"/>
+              <a:t>“Meet John: an overworked, underpaid developer fueled by caffeine and pizza.”</a:t>
+            </a:r>
           </a:p>
         </p:txBody>
       </p:sp>
@@ -2015,7 +2018,7 @@
           <a:p>
             <a:fld id="{B5D86D52-4857-4668-9EB7-B41E21252CF7}" type="datetimeFigureOut">
               <a:rPr lang="en-US" smtClean="0"/>
-              <a:t>8/27/2018</a:t>
+              <a:t>8/29/2018</a:t>
             </a:fld>
             <a:endParaRPr lang="en-US"/>
           </a:p>
@@ -2213,7 +2216,7 @@
           <a:p>
             <a:fld id="{B5D86D52-4857-4668-9EB7-B41E21252CF7}" type="datetimeFigureOut">
               <a:rPr lang="en-US" smtClean="0"/>
-              <a:t>8/27/2018</a:t>
+              <a:t>8/29/2018</a:t>
             </a:fld>
             <a:endParaRPr lang="en-US"/>
           </a:p>
@@ -2421,7 +2424,7 @@
           <a:p>
             <a:fld id="{B5D86D52-4857-4668-9EB7-B41E21252CF7}" type="datetimeFigureOut">
               <a:rPr lang="en-US" smtClean="0"/>
-              <a:t>8/27/2018</a:t>
+              <a:t>8/29/2018</a:t>
             </a:fld>
             <a:endParaRPr lang="en-US"/>
           </a:p>
@@ -2625,7 +2628,7 @@
           <a:p>
             <a:fld id="{EEC3160E-2579-4584-9765-DC1BA0B358F9}" type="datetimeFigureOut">
               <a:rPr lang="en-US" smtClean="0"/>
-              <a:t>8/27/2018</a:t>
+              <a:t>8/29/2018</a:t>
             </a:fld>
             <a:endParaRPr lang="en-US"/>
           </a:p>
@@ -2795,7 +2798,7 @@
           <a:p>
             <a:fld id="{EEC3160E-2579-4584-9765-DC1BA0B358F9}" type="datetimeFigureOut">
               <a:rPr lang="en-US" smtClean="0"/>
-              <a:t>8/27/2018</a:t>
+              <a:t>8/29/2018</a:t>
             </a:fld>
             <a:endParaRPr lang="en-US"/>
           </a:p>
@@ -3041,7 +3044,7 @@
           <a:p>
             <a:fld id="{EEC3160E-2579-4584-9765-DC1BA0B358F9}" type="datetimeFigureOut">
               <a:rPr lang="en-US" smtClean="0"/>
-              <a:t>8/27/2018</a:t>
+              <a:t>8/29/2018</a:t>
             </a:fld>
             <a:endParaRPr lang="en-US"/>
           </a:p>
@@ -3273,7 +3276,7 @@
           <a:p>
             <a:fld id="{EEC3160E-2579-4584-9765-DC1BA0B358F9}" type="datetimeFigureOut">
               <a:rPr lang="en-US" smtClean="0"/>
-              <a:t>8/27/2018</a:t>
+              <a:t>8/29/2018</a:t>
             </a:fld>
             <a:endParaRPr lang="en-US"/>
           </a:p>
@@ -3640,7 +3643,7 @@
           <a:p>
             <a:fld id="{EEC3160E-2579-4584-9765-DC1BA0B358F9}" type="datetimeFigureOut">
               <a:rPr lang="en-US" smtClean="0"/>
-              <a:t>8/27/2018</a:t>
+              <a:t>8/29/2018</a:t>
             </a:fld>
             <a:endParaRPr lang="en-US"/>
           </a:p>
@@ -3758,7 +3761,7 @@
           <a:p>
             <a:fld id="{EEC3160E-2579-4584-9765-DC1BA0B358F9}" type="datetimeFigureOut">
               <a:rPr lang="en-US" smtClean="0"/>
-              <a:t>8/27/2018</a:t>
+              <a:t>8/29/2018</a:t>
             </a:fld>
             <a:endParaRPr lang="en-US"/>
           </a:p>
@@ -3853,7 +3856,7 @@
           <a:p>
             <a:fld id="{EEC3160E-2579-4584-9765-DC1BA0B358F9}" type="datetimeFigureOut">
               <a:rPr lang="en-US" smtClean="0"/>
-              <a:t>8/27/2018</a:t>
+              <a:t>8/29/2018</a:t>
             </a:fld>
             <a:endParaRPr lang="en-US"/>
           </a:p>
@@ -4130,7 +4133,7 @@
           <a:p>
             <a:fld id="{EEC3160E-2579-4584-9765-DC1BA0B358F9}" type="datetimeFigureOut">
               <a:rPr lang="en-US" smtClean="0"/>
-              <a:t>8/27/2018</a:t>
+              <a:t>8/29/2018</a:t>
             </a:fld>
             <a:endParaRPr lang="en-US"/>
           </a:p>
@@ -4316,7 +4319,7 @@
           <a:p>
             <a:fld id="{B5D86D52-4857-4668-9EB7-B41E21252CF7}" type="datetimeFigureOut">
               <a:rPr lang="en-US" smtClean="0"/>
-              <a:t>8/27/2018</a:t>
+              <a:t>8/29/2018</a:t>
             </a:fld>
             <a:endParaRPr lang="en-US"/>
           </a:p>
@@ -4585,7 +4588,7 @@
           <a:p>
             <a:fld id="{EEC3160E-2579-4584-9765-DC1BA0B358F9}" type="datetimeFigureOut">
               <a:rPr lang="en-US" smtClean="0"/>
-              <a:t>8/27/2018</a:t>
+              <a:t>8/29/2018</a:t>
             </a:fld>
             <a:endParaRPr lang="en-US"/>
           </a:p>
@@ -4755,7 +4758,7 @@
           <a:p>
             <a:fld id="{EEC3160E-2579-4584-9765-DC1BA0B358F9}" type="datetimeFigureOut">
               <a:rPr lang="en-US" smtClean="0"/>
-              <a:t>8/27/2018</a:t>
+              <a:t>8/29/2018</a:t>
             </a:fld>
             <a:endParaRPr lang="en-US"/>
           </a:p>
@@ -4935,7 +4938,7 @@
           <a:p>
             <a:fld id="{EEC3160E-2579-4584-9765-DC1BA0B358F9}" type="datetimeFigureOut">
               <a:rPr lang="en-US" smtClean="0"/>
-              <a:t>8/27/2018</a:t>
+              <a:t>8/29/2018</a:t>
             </a:fld>
             <a:endParaRPr lang="en-US"/>
           </a:p>
@@ -5198,7 +5201,7 @@
           <a:p>
             <a:fld id="{B5D86D52-4857-4668-9EB7-B41E21252CF7}" type="datetimeFigureOut">
               <a:rPr lang="en-US" smtClean="0"/>
-              <a:t>8/27/2018</a:t>
+              <a:t>8/29/2018</a:t>
             </a:fld>
             <a:endParaRPr lang="en-US"/>
           </a:p>
@@ -5463,7 +5466,7 @@
           <a:p>
             <a:fld id="{B5D86D52-4857-4668-9EB7-B41E21252CF7}" type="datetimeFigureOut">
               <a:rPr lang="en-US" smtClean="0"/>
-              <a:t>8/27/2018</a:t>
+              <a:t>8/29/2018</a:t>
             </a:fld>
             <a:endParaRPr lang="en-US"/>
           </a:p>
@@ -5875,7 +5878,7 @@
           <a:p>
             <a:fld id="{B5D86D52-4857-4668-9EB7-B41E21252CF7}" type="datetimeFigureOut">
               <a:rPr lang="en-US" smtClean="0"/>
-              <a:t>8/27/2018</a:t>
+              <a:t>8/29/2018</a:t>
             </a:fld>
             <a:endParaRPr lang="en-US"/>
           </a:p>
@@ -6016,7 +6019,7 @@
           <a:p>
             <a:fld id="{B5D86D52-4857-4668-9EB7-B41E21252CF7}" type="datetimeFigureOut">
               <a:rPr lang="en-US" smtClean="0"/>
-              <a:t>8/27/2018</a:t>
+              <a:t>8/29/2018</a:t>
             </a:fld>
             <a:endParaRPr lang="en-US"/>
           </a:p>
@@ -6129,7 +6132,7 @@
           <a:p>
             <a:fld id="{B5D86D52-4857-4668-9EB7-B41E21252CF7}" type="datetimeFigureOut">
               <a:rPr lang="en-US" smtClean="0"/>
-              <a:t>8/27/2018</a:t>
+              <a:t>8/29/2018</a:t>
             </a:fld>
             <a:endParaRPr lang="en-US"/>
           </a:p>
@@ -6440,7 +6443,7 @@
           <a:p>
             <a:fld id="{B5D86D52-4857-4668-9EB7-B41E21252CF7}" type="datetimeFigureOut">
               <a:rPr lang="en-US" smtClean="0"/>
-              <a:t>8/27/2018</a:t>
+              <a:t>8/29/2018</a:t>
             </a:fld>
             <a:endParaRPr lang="en-US"/>
           </a:p>
@@ -6728,7 +6731,7 @@
           <a:p>
             <a:fld id="{B5D86D52-4857-4668-9EB7-B41E21252CF7}" type="datetimeFigureOut">
               <a:rPr lang="en-US" smtClean="0"/>
-              <a:t>8/27/2018</a:t>
+              <a:t>8/29/2018</a:t>
             </a:fld>
             <a:endParaRPr lang="en-US"/>
           </a:p>
@@ -6969,7 +6972,7 @@
           <a:p>
             <a:fld id="{B5D86D52-4857-4668-9EB7-B41E21252CF7}" type="datetimeFigureOut">
               <a:rPr lang="en-US" smtClean="0"/>
-              <a:t>8/27/2018</a:t>
+              <a:t>8/29/2018</a:t>
             </a:fld>
             <a:endParaRPr lang="en-US"/>
           </a:p>
@@ -7521,7 +7524,7 @@
           <a:p>
             <a:fld id="{EEC3160E-2579-4584-9765-DC1BA0B358F9}" type="datetimeFigureOut">
               <a:rPr lang="en-US" smtClean="0"/>
-              <a:t>8/27/2018</a:t>
+              <a:t>8/29/2018</a:t>
             </a:fld>
             <a:endParaRPr lang="en-US"/>
           </a:p>
@@ -9400,21 +9403,21 @@
           <p:nvPr>
             <p:extLst>
               <p:ext uri="{D42A27DB-BD31-4B8C-83A1-F6EECF244321}">
-                <p14:modId xmlns:p14="http://schemas.microsoft.com/office/powerpoint/2010/main" val="1083870586"/>
+                <p14:modId xmlns:p14="http://schemas.microsoft.com/office/powerpoint/2010/main" val="4261986974"/>
               </p:ext>
             </p:extLst>
           </p:nvPr>
         </p:nvGraphicFramePr>
         <p:xfrm>
           <a:off x="1775690" y="4656406"/>
-          <a:ext cx="10416310" cy="1920240"/>
+          <a:ext cx="9614799" cy="1920240"/>
         </p:xfrm>
         <a:graphic>
           <a:graphicData uri="http://schemas.openxmlformats.org/drawingml/2006/table">
             <a:tbl>
               <a:tblPr firstRow="1" bandRow="1"/>
               <a:tblGrid>
-                <a:gridCol w="10416310">
+                <a:gridCol w="9614799">
                   <a:extLst>
                     <a:ext uri="{9D8B030D-6E8A-4147-A177-3AD203B41FA5}">
                       <a16:colId xmlns:a16="http://schemas.microsoft.com/office/drawing/2014/main" val="1057070397"/>
@@ -9849,6 +9852,413 @@
           </a:p>
         </p:txBody>
       </p:sp>
+      <p:sp>
+        <p:nvSpPr>
+          <p:cNvPr id="2" name="Arrow: Bent-Up 1">
+            <a:extLst>
+              <a:ext uri="{FF2B5EF4-FFF2-40B4-BE49-F238E27FC236}">
+                <a16:creationId xmlns:a16="http://schemas.microsoft.com/office/drawing/2014/main" id="{FC3BD9FA-65EB-4386-801D-29957407726C}"/>
+              </a:ext>
+            </a:extLst>
+          </p:cNvPr>
+          <p:cNvSpPr/>
+          <p:nvPr/>
+        </p:nvSpPr>
+        <p:spPr>
+          <a:xfrm flipV="1">
+            <a:off x="1362891" y="2901542"/>
+            <a:ext cx="1800665" cy="1308294"/>
+          </a:xfrm>
+          <a:prstGeom prst="bentUpArrow">
+            <a:avLst/>
+          </a:prstGeom>
+        </p:spPr>
+        <p:style>
+          <a:lnRef idx="2">
+            <a:schemeClr val="accent1">
+              <a:shade val="50000"/>
+            </a:schemeClr>
+          </a:lnRef>
+          <a:fillRef idx="1">
+            <a:schemeClr val="accent1"/>
+          </a:fillRef>
+          <a:effectRef idx="0">
+            <a:schemeClr val="accent1"/>
+          </a:effectRef>
+          <a:fontRef idx="minor">
+            <a:schemeClr val="lt1"/>
+          </a:fontRef>
+        </p:style>
+        <p:txBody>
+          <a:bodyPr rtlCol="0" anchor="ctr"/>
+          <a:lstStyle/>
+          <a:p>
+            <a:pPr algn="ctr"/>
+            <a:endParaRPr lang="en-US"/>
+          </a:p>
+        </p:txBody>
+      </p:sp>
+      <p:sp>
+        <p:nvSpPr>
+          <p:cNvPr id="3" name="Rectangle 2">
+            <a:extLst>
+              <a:ext uri="{FF2B5EF4-FFF2-40B4-BE49-F238E27FC236}">
+                <a16:creationId xmlns:a16="http://schemas.microsoft.com/office/drawing/2014/main" id="{6D757BB9-2330-486F-9C16-E1B2A227C476}"/>
+              </a:ext>
+            </a:extLst>
+          </p:cNvPr>
+          <p:cNvSpPr/>
+          <p:nvPr/>
+        </p:nvSpPr>
+        <p:spPr>
+          <a:xfrm>
+            <a:off x="2269067" y="5610578"/>
+            <a:ext cx="1049866" cy="349955"/>
+          </a:xfrm>
+          <a:prstGeom prst="rect">
+            <a:avLst/>
+          </a:prstGeom>
+          <a:noFill/>
+          <a:ln w="38100">
+            <a:solidFill>
+              <a:schemeClr val="accent1"/>
+            </a:solidFill>
+          </a:ln>
+        </p:spPr>
+        <p:style>
+          <a:lnRef idx="2">
+            <a:schemeClr val="accent1">
+              <a:shade val="50000"/>
+            </a:schemeClr>
+          </a:lnRef>
+          <a:fillRef idx="1">
+            <a:schemeClr val="accent1"/>
+          </a:fillRef>
+          <a:effectRef idx="0">
+            <a:schemeClr val="accent1"/>
+          </a:effectRef>
+          <a:fontRef idx="minor">
+            <a:schemeClr val="lt1"/>
+          </a:fontRef>
+        </p:style>
+        <p:txBody>
+          <a:bodyPr rtlCol="0" anchor="ctr"/>
+          <a:lstStyle/>
+          <a:p>
+            <a:pPr algn="ctr"/>
+            <a:endParaRPr lang="en-US"/>
+          </a:p>
+        </p:txBody>
+      </p:sp>
+      <p:sp>
+        <p:nvSpPr>
+          <p:cNvPr id="10" name="Rectangle 9">
+            <a:extLst>
+              <a:ext uri="{FF2B5EF4-FFF2-40B4-BE49-F238E27FC236}">
+                <a16:creationId xmlns:a16="http://schemas.microsoft.com/office/drawing/2014/main" id="{E73C8A40-85D1-4203-A0B0-AC5EECB8A621}"/>
+              </a:ext>
+            </a:extLst>
+          </p:cNvPr>
+          <p:cNvSpPr/>
+          <p:nvPr/>
+        </p:nvSpPr>
+        <p:spPr>
+          <a:xfrm>
+            <a:off x="4625072" y="5610578"/>
+            <a:ext cx="1049866" cy="349955"/>
+          </a:xfrm>
+          <a:prstGeom prst="rect">
+            <a:avLst/>
+          </a:prstGeom>
+          <a:noFill/>
+          <a:ln w="38100">
+            <a:solidFill>
+              <a:schemeClr val="accent1"/>
+            </a:solidFill>
+          </a:ln>
+        </p:spPr>
+        <p:style>
+          <a:lnRef idx="2">
+            <a:schemeClr val="accent1">
+              <a:shade val="50000"/>
+            </a:schemeClr>
+          </a:lnRef>
+          <a:fillRef idx="1">
+            <a:schemeClr val="accent1"/>
+          </a:fillRef>
+          <a:effectRef idx="0">
+            <a:schemeClr val="accent1"/>
+          </a:effectRef>
+          <a:fontRef idx="minor">
+            <a:schemeClr val="lt1"/>
+          </a:fontRef>
+        </p:style>
+        <p:txBody>
+          <a:bodyPr rtlCol="0" anchor="ctr"/>
+          <a:lstStyle/>
+          <a:p>
+            <a:pPr algn="ctr"/>
+            <a:endParaRPr lang="en-US"/>
+          </a:p>
+        </p:txBody>
+      </p:sp>
+      <p:sp>
+        <p:nvSpPr>
+          <p:cNvPr id="4" name="TextBox 3">
+            <a:extLst>
+              <a:ext uri="{FF2B5EF4-FFF2-40B4-BE49-F238E27FC236}">
+                <a16:creationId xmlns:a16="http://schemas.microsoft.com/office/drawing/2014/main" id="{7730F965-92A7-4C9C-9B62-C7C2A5EDDC39}"/>
+              </a:ext>
+            </a:extLst>
+          </p:cNvPr>
+          <p:cNvSpPr txBox="1"/>
+          <p:nvPr/>
+        </p:nvSpPr>
+        <p:spPr>
+          <a:xfrm>
+            <a:off x="0" y="-11290"/>
+            <a:ext cx="7428089" cy="338554"/>
+          </a:xfrm>
+          <a:prstGeom prst="rect">
+            <a:avLst/>
+          </a:prstGeom>
+          <a:solidFill>
+            <a:srgbClr val="505050">
+              <a:alpha val="69804"/>
+            </a:srgbClr>
+          </a:solidFill>
+        </p:spPr>
+        <p:txBody>
+          <a:bodyPr wrap="square" rtlCol="0">
+            <a:spAutoFit/>
+          </a:bodyPr>
+          <a:lstStyle/>
+          <a:p>
+            <a:r>
+              <a:rPr lang="en-US" sz="1600" b="1" dirty="0">
+                <a:solidFill>
+                  <a:schemeClr val="bg1"/>
+                </a:solidFill>
+                <a:latin typeface="Courier New" panose="02070309020205020404" pitchFamily="49" charset="0"/>
+                <a:cs typeface="Courier New" panose="02070309020205020404" pitchFamily="49" charset="0"/>
+              </a:rPr>
+              <a:t>&gt;</a:t>
+            </a:r>
+            <a:r>
+              <a:rPr lang="en-US" sz="1600" dirty="0">
+                <a:solidFill>
+                  <a:schemeClr val="bg1"/>
+                </a:solidFill>
+                <a:latin typeface="Courier New" panose="02070309020205020404" pitchFamily="49" charset="0"/>
+                <a:cs typeface="Courier New" panose="02070309020205020404" pitchFamily="49" charset="0"/>
+              </a:rPr>
+              <a:t> git add .</a:t>
+            </a:r>
+          </a:p>
+        </p:txBody>
+      </p:sp>
+      <p:sp>
+        <p:nvSpPr>
+          <p:cNvPr id="12" name="TextBox 11">
+            <a:extLst>
+              <a:ext uri="{FF2B5EF4-FFF2-40B4-BE49-F238E27FC236}">
+                <a16:creationId xmlns:a16="http://schemas.microsoft.com/office/drawing/2014/main" id="{484A697C-8B6E-41A5-9C40-0276CB55C4A9}"/>
+              </a:ext>
+            </a:extLst>
+          </p:cNvPr>
+          <p:cNvSpPr txBox="1"/>
+          <p:nvPr/>
+        </p:nvSpPr>
+        <p:spPr>
+          <a:xfrm>
+            <a:off x="0" y="333121"/>
+            <a:ext cx="7428089" cy="338554"/>
+          </a:xfrm>
+          <a:prstGeom prst="rect">
+            <a:avLst/>
+          </a:prstGeom>
+          <a:solidFill>
+            <a:srgbClr val="505050">
+              <a:alpha val="69804"/>
+            </a:srgbClr>
+          </a:solidFill>
+        </p:spPr>
+        <p:txBody>
+          <a:bodyPr wrap="square" rtlCol="0">
+            <a:spAutoFit/>
+          </a:bodyPr>
+          <a:lstStyle/>
+          <a:p>
+            <a:r>
+              <a:rPr lang="en-US" sz="1600" b="1" dirty="0">
+                <a:solidFill>
+                  <a:schemeClr val="bg1"/>
+                </a:solidFill>
+                <a:latin typeface="Courier New" panose="02070309020205020404" pitchFamily="49" charset="0"/>
+                <a:cs typeface="Courier New" panose="02070309020205020404" pitchFamily="49" charset="0"/>
+              </a:rPr>
+              <a:t>&gt;</a:t>
+            </a:r>
+            <a:r>
+              <a:rPr lang="en-US" sz="1600" dirty="0">
+                <a:solidFill>
+                  <a:schemeClr val="bg1"/>
+                </a:solidFill>
+                <a:latin typeface="Courier New" panose="02070309020205020404" pitchFamily="49" charset="0"/>
+                <a:cs typeface="Courier New" panose="02070309020205020404" pitchFamily="49" charset="0"/>
+              </a:rPr>
+              <a:t> git commit –m “Add connection string to </a:t>
+            </a:r>
+            <a:r>
+              <a:rPr lang="en-US" sz="1600" dirty="0" err="1">
+                <a:solidFill>
+                  <a:schemeClr val="bg1"/>
+                </a:solidFill>
+                <a:latin typeface="Courier New" panose="02070309020205020404" pitchFamily="49" charset="0"/>
+                <a:cs typeface="Courier New" panose="02070309020205020404" pitchFamily="49" charset="0"/>
+              </a:rPr>
+              <a:t>appsettings.json</a:t>
+            </a:r>
+            <a:r>
+              <a:rPr lang="en-US" sz="1600" dirty="0">
+                <a:solidFill>
+                  <a:schemeClr val="bg1"/>
+                </a:solidFill>
+                <a:latin typeface="Courier New" panose="02070309020205020404" pitchFamily="49" charset="0"/>
+                <a:cs typeface="Courier New" panose="02070309020205020404" pitchFamily="49" charset="0"/>
+              </a:rPr>
+              <a:t>”</a:t>
+            </a:r>
+          </a:p>
+        </p:txBody>
+      </p:sp>
+      <p:sp>
+        <p:nvSpPr>
+          <p:cNvPr id="13" name="TextBox 12">
+            <a:extLst>
+              <a:ext uri="{FF2B5EF4-FFF2-40B4-BE49-F238E27FC236}">
+                <a16:creationId xmlns:a16="http://schemas.microsoft.com/office/drawing/2014/main" id="{2A393489-0C2B-42E6-8A48-D28D60218A08}"/>
+              </a:ext>
+            </a:extLst>
+          </p:cNvPr>
+          <p:cNvSpPr txBox="1"/>
+          <p:nvPr/>
+        </p:nvSpPr>
+        <p:spPr>
+          <a:xfrm>
+            <a:off x="0" y="672720"/>
+            <a:ext cx="7428089" cy="338554"/>
+          </a:xfrm>
+          <a:prstGeom prst="rect">
+            <a:avLst/>
+          </a:prstGeom>
+          <a:solidFill>
+            <a:srgbClr val="505050">
+              <a:alpha val="69804"/>
+            </a:srgbClr>
+          </a:solidFill>
+        </p:spPr>
+        <p:txBody>
+          <a:bodyPr wrap="square" rtlCol="0">
+            <a:spAutoFit/>
+          </a:bodyPr>
+          <a:lstStyle/>
+          <a:p>
+            <a:r>
+              <a:rPr lang="en-US" sz="1600" b="1" dirty="0">
+                <a:solidFill>
+                  <a:schemeClr val="bg1"/>
+                </a:solidFill>
+                <a:latin typeface="Courier New" panose="02070309020205020404" pitchFamily="49" charset="0"/>
+                <a:cs typeface="Courier New" panose="02070309020205020404" pitchFamily="49" charset="0"/>
+              </a:rPr>
+              <a:t>&gt;</a:t>
+            </a:r>
+            <a:r>
+              <a:rPr lang="en-US" sz="1600" dirty="0">
+                <a:solidFill>
+                  <a:schemeClr val="bg1"/>
+                </a:solidFill>
+                <a:latin typeface="Courier New" panose="02070309020205020404" pitchFamily="49" charset="0"/>
+                <a:cs typeface="Courier New" panose="02070309020205020404" pitchFamily="49" charset="0"/>
+              </a:rPr>
+              <a:t> git push origin master</a:t>
+            </a:r>
+          </a:p>
+        </p:txBody>
+      </p:sp>
+      <p:sp>
+        <p:nvSpPr>
+          <p:cNvPr id="14" name="TextBox 13">
+            <a:extLst>
+              <a:ext uri="{FF2B5EF4-FFF2-40B4-BE49-F238E27FC236}">
+                <a16:creationId xmlns:a16="http://schemas.microsoft.com/office/drawing/2014/main" id="{2F39763A-D482-48C4-87E9-CF77260226F3}"/>
+              </a:ext>
+            </a:extLst>
+          </p:cNvPr>
+          <p:cNvSpPr txBox="1"/>
+          <p:nvPr/>
+        </p:nvSpPr>
+        <p:spPr>
+          <a:xfrm>
+            <a:off x="0" y="1006887"/>
+            <a:ext cx="7428089" cy="338554"/>
+          </a:xfrm>
+          <a:prstGeom prst="rect">
+            <a:avLst/>
+          </a:prstGeom>
+          <a:solidFill>
+            <a:srgbClr val="505050">
+              <a:alpha val="69804"/>
+            </a:srgbClr>
+          </a:solidFill>
+        </p:spPr>
+        <p:txBody>
+          <a:bodyPr wrap="square" rtlCol="0">
+            <a:spAutoFit/>
+          </a:bodyPr>
+          <a:lstStyle/>
+          <a:p>
+            <a:r>
+              <a:rPr lang="en-US" sz="1600" b="1" dirty="0">
+                <a:solidFill>
+                  <a:schemeClr val="bg1"/>
+                </a:solidFill>
+                <a:latin typeface="Courier New" panose="02070309020205020404" pitchFamily="49" charset="0"/>
+                <a:cs typeface="Courier New" panose="02070309020205020404" pitchFamily="49" charset="0"/>
+              </a:rPr>
+              <a:t>&gt;</a:t>
+            </a:r>
+            <a:r>
+              <a:rPr lang="en-US" sz="1600" dirty="0">
+                <a:solidFill>
+                  <a:schemeClr val="bg1"/>
+                </a:solidFill>
+                <a:latin typeface="Courier New" panose="02070309020205020404" pitchFamily="49" charset="0"/>
+                <a:cs typeface="Courier New" panose="02070309020205020404" pitchFamily="49" charset="0"/>
+              </a:rPr>
+              <a:t> </a:t>
+            </a:r>
+            <a:r>
+              <a:rPr lang="en-US" sz="1600" dirty="0" err="1">
+                <a:solidFill>
+                  <a:schemeClr val="bg1"/>
+                </a:solidFill>
+                <a:latin typeface="Courier New" panose="02070309020205020404" pitchFamily="49" charset="0"/>
+                <a:cs typeface="Courier New" panose="02070309020205020404" pitchFamily="49" charset="0"/>
+              </a:rPr>
+              <a:t>asdfkasdfkjlasdflkhadfgjfg</a:t>
+            </a:r>
+            <a:endParaRPr lang="en-US" sz="1600" dirty="0">
+              <a:solidFill>
+                <a:schemeClr val="bg1"/>
+              </a:solidFill>
+              <a:latin typeface="Courier New" panose="02070309020205020404" pitchFamily="49" charset="0"/>
+              <a:cs typeface="Courier New" panose="02070309020205020404" pitchFamily="49" charset="0"/>
+            </a:endParaRPr>
+          </a:p>
+        </p:txBody>
+      </p:sp>
     </p:spTree>
     <p:extLst>
       <p:ext uri="{BB962C8B-B14F-4D97-AF65-F5344CB8AC3E}">
@@ -9880,14 +10290,119 @@
                             </p:stCondLst>
                             <p:childTnLst>
                               <p:par>
-                                <p:cTn id="5" presetID="10" presetClass="entr" presetSubtype="0" fill="hold" nodeType="clickEffect">
+                                <p:cTn id="5" presetID="1" presetClass="mediacall" presetSubtype="0" fill="hold" nodeType="clickEffect">
+                                  <p:stCondLst>
+                                    <p:cond delay="0"/>
+                                  </p:stCondLst>
+                                  <p:childTnLst>
+                                    <p:cmd type="call" cmd="playFrom(0.0)">
+                                      <p:cBhvr>
+                                        <p:cTn id="6" dur="24320" fill="hold"/>
+                                        <p:tgtEl>
+                                          <p:spTgt spid="7"/>
+                                        </p:tgtEl>
+                                      </p:cBhvr>
+                                    </p:cmd>
+                                  </p:childTnLst>
+                                </p:cTn>
+                              </p:par>
+                            </p:childTnLst>
+                          </p:cTn>
+                        </p:par>
+                      </p:childTnLst>
+                    </p:cTn>
+                  </p:par>
+                  <p:par>
+                    <p:cTn id="7" fill="hold">
+                      <p:stCondLst>
+                        <p:cond delay="indefinite"/>
+                      </p:stCondLst>
+                      <p:childTnLst>
+                        <p:par>
+                          <p:cTn id="8" fill="hold">
+                            <p:stCondLst>
+                              <p:cond delay="0"/>
+                            </p:stCondLst>
+                            <p:childTnLst>
+                              <p:par>
+                                <p:cTn id="9" presetID="10" presetClass="entr" presetSubtype="0" fill="hold" grpId="0" nodeType="clickEffect">
                                   <p:stCondLst>
                                     <p:cond delay="0"/>
                                   </p:stCondLst>
                                   <p:childTnLst>
                                     <p:set>
                                       <p:cBhvr>
-                                        <p:cTn id="6" dur="1" fill="hold">
+                                        <p:cTn id="10" dur="1" fill="hold">
+                                          <p:stCondLst>
+                                            <p:cond delay="0"/>
+                                          </p:stCondLst>
+                                        </p:cTn>
+                                        <p:tgtEl>
+                                          <p:spTgt spid="2"/>
+                                        </p:tgtEl>
+                                        <p:attrNameLst>
+                                          <p:attrName>style.visibility</p:attrName>
+                                        </p:attrNameLst>
+                                      </p:cBhvr>
+                                      <p:to>
+                                        <p:strVal val="visible"/>
+                                      </p:to>
+                                    </p:set>
+                                    <p:animEffect transition="in" filter="fade">
+                                      <p:cBhvr>
+                                        <p:cTn id="11" dur="500"/>
+                                        <p:tgtEl>
+                                          <p:spTgt spid="2"/>
+                                        </p:tgtEl>
+                                      </p:cBhvr>
+                                    </p:animEffect>
+                                  </p:childTnLst>
+                                </p:cTn>
+                              </p:par>
+                              <p:par>
+                                <p:cTn id="12" presetID="10" presetClass="entr" presetSubtype="0" fill="hold" grpId="0" nodeType="withEffect">
+                                  <p:stCondLst>
+                                    <p:cond delay="0"/>
+                                  </p:stCondLst>
+                                  <p:childTnLst>
+                                    <p:set>
+                                      <p:cBhvr>
+                                        <p:cTn id="13" dur="1" fill="hold">
+                                          <p:stCondLst>
+                                            <p:cond delay="0"/>
+                                          </p:stCondLst>
+                                        </p:cTn>
+                                        <p:tgtEl>
+                                          <p:spTgt spid="9"/>
+                                        </p:tgtEl>
+                                        <p:attrNameLst>
+                                          <p:attrName>style.visibility</p:attrName>
+                                        </p:attrNameLst>
+                                      </p:cBhvr>
+                                      <p:to>
+                                        <p:strVal val="visible"/>
+                                      </p:to>
+                                    </p:set>
+                                    <p:animEffect transition="in" filter="fade">
+                                      <p:cBhvr>
+                                        <p:cTn id="14" dur="500"/>
+                                        <p:tgtEl>
+                                          <p:spTgt spid="9"/>
+                                        </p:tgtEl>
+                                      </p:cBhvr>
+                                    </p:animEffect>
+                                  </p:childTnLst>
+                                </p:cTn>
+                              </p:par>
+                              <p:par>
+                                <p:cTn id="15" presetID="10" presetClass="entr" presetSubtype="0" fill="hold" nodeType="withEffect">
+                                  <p:stCondLst>
+                                    <p:cond delay="0"/>
+                                  </p:stCondLst>
+                                  <p:childTnLst>
+                                    <p:set>
+                                      <p:cBhvr>
+                                        <p:cTn id="16" dur="1" fill="hold">
                                           <p:stCondLst>
                                             <p:cond delay="0"/>
                                           </p:stCondLst>
@@ -9905,7 +10420,7 @@
                                     </p:set>
                                     <p:animEffect transition="in" filter="fade">
                                       <p:cBhvr>
-                                        <p:cTn id="7" dur="500"/>
+                                        <p:cTn id="17" dur="500"/>
                                         <p:tgtEl>
                                           <p:spTgt spid="8"/>
                                         </p:tgtEl>
@@ -9914,21 +10429,39 @@
                                   </p:childTnLst>
                                 </p:cTn>
                               </p:par>
+                            </p:childTnLst>
+                          </p:cTn>
+                        </p:par>
+                      </p:childTnLst>
+                    </p:cTn>
+                  </p:par>
+                  <p:par>
+                    <p:cTn id="18" fill="hold">
+                      <p:stCondLst>
+                        <p:cond delay="indefinite"/>
+                      </p:stCondLst>
+                      <p:childTnLst>
+                        <p:par>
+                          <p:cTn id="19" fill="hold">
+                            <p:stCondLst>
+                              <p:cond delay="0"/>
+                            </p:stCondLst>
+                            <p:childTnLst>
                               <p:par>
-                                <p:cTn id="8" presetID="10" presetClass="entr" presetSubtype="0" fill="hold" grpId="0" nodeType="withEffect">
+                                <p:cTn id="20" presetID="10" presetClass="entr" presetSubtype="0" fill="hold" grpId="0" nodeType="clickEffect">
                                   <p:stCondLst>
                                     <p:cond delay="0"/>
                                   </p:stCondLst>
                                   <p:childTnLst>
                                     <p:set>
                                       <p:cBhvr>
-                                        <p:cTn id="9" dur="1" fill="hold">
+                                        <p:cTn id="21" dur="1" fill="hold">
                                           <p:stCondLst>
                                             <p:cond delay="0"/>
                                           </p:stCondLst>
                                         </p:cTn>
                                         <p:tgtEl>
-                                          <p:spTgt spid="9"/>
+                                          <p:spTgt spid="3"/>
                                         </p:tgtEl>
                                         <p:attrNameLst>
                                           <p:attrName>style.visibility</p:attrName>
@@ -9940,9 +10473,44 @@
                                     </p:set>
                                     <p:animEffect transition="in" filter="fade">
                                       <p:cBhvr>
-                                        <p:cTn id="10" dur="500"/>
+                                        <p:cTn id="22" dur="500"/>
                                         <p:tgtEl>
-                                          <p:spTgt spid="9"/>
+                                          <p:spTgt spid="3"/>
+                                        </p:tgtEl>
+                                      </p:cBhvr>
+                                    </p:animEffect>
+                                  </p:childTnLst>
+                                </p:cTn>
+                              </p:par>
+                              <p:par>
+                                <p:cTn id="23" presetID="10" presetClass="entr" presetSubtype="0" fill="hold" grpId="0" nodeType="withEffect">
+                                  <p:stCondLst>
+                                    <p:cond delay="0"/>
+                                  </p:stCondLst>
+                                  <p:childTnLst>
+                                    <p:set>
+                                      <p:cBhvr>
+                                        <p:cTn id="24" dur="1" fill="hold">
+                                          <p:stCondLst>
+                                            <p:cond delay="0"/>
+                                          </p:stCondLst>
+                                        </p:cTn>
+                                        <p:tgtEl>
+                                          <p:spTgt spid="10"/>
+                                        </p:tgtEl>
+                                        <p:attrNameLst>
+                                          <p:attrName>style.visibility</p:attrName>
+                                        </p:attrNameLst>
+                                      </p:cBhvr>
+                                      <p:to>
+                                        <p:strVal val="visible"/>
+                                      </p:to>
+                                    </p:set>
+                                    <p:animEffect transition="in" filter="fade">
+                                      <p:cBhvr>
+                                        <p:cTn id="25" dur="500"/>
+                                        <p:tgtEl>
+                                          <p:spTgt spid="10"/>
                                         </p:tgtEl>
                                       </p:cBhvr>
                                     </p:animEffect>
@@ -9952,26 +10520,208 @@
                             </p:childTnLst>
                           </p:cTn>
                         </p:par>
+                      </p:childTnLst>
+                    </p:cTn>
+                  </p:par>
+                  <p:par>
+                    <p:cTn id="26" fill="hold">
+                      <p:stCondLst>
+                        <p:cond delay="indefinite"/>
+                      </p:stCondLst>
+                      <p:childTnLst>
                         <p:par>
-                          <p:cTn id="11" fill="hold">
+                          <p:cTn id="27" fill="hold">
                             <p:stCondLst>
-                              <p:cond delay="500"/>
+                              <p:cond delay="0"/>
                             </p:stCondLst>
                             <p:childTnLst>
                               <p:par>
-                                <p:cTn id="12" presetID="1" presetClass="mediacall" presetSubtype="0" fill="hold" nodeType="afterEffect">
+                                <p:cTn id="28" presetID="1" presetClass="entr" presetSubtype="0" fill="hold" nodeType="clickEffect">
                                   <p:stCondLst>
                                     <p:cond delay="0"/>
                                   </p:stCondLst>
+                                  <p:iterate type="lt">
+                                    <p:tmAbs val="100"/>
+                                  </p:iterate>
                                   <p:childTnLst>
-                                    <p:cmd type="call" cmd="playFrom(0.0)">
+                                    <p:set>
                                       <p:cBhvr>
-                                        <p:cTn id="13" dur="24320" fill="hold"/>
+                                        <p:cTn id="29" dur="1" fill="hold">
+                                          <p:stCondLst>
+                                            <p:cond delay="0"/>
+                                          </p:stCondLst>
+                                        </p:cTn>
                                         <p:tgtEl>
-                                          <p:spTgt spid="7"/>
+                                          <p:spTgt spid="4">
+                                            <p:txEl>
+                                              <p:pRg st="0" end="0"/>
+                                            </p:txEl>
+                                          </p:spTgt>
                                         </p:tgtEl>
+                                        <p:attrNameLst>
+                                          <p:attrName>style.visibility</p:attrName>
+                                        </p:attrNameLst>
                                       </p:cBhvr>
-                                    </p:cmd>
+                                      <p:to>
+                                        <p:strVal val="visible"/>
+                                      </p:to>
+                                    </p:set>
+                                  </p:childTnLst>
+                                </p:cTn>
+                              </p:par>
+                            </p:childTnLst>
+                          </p:cTn>
+                        </p:par>
+                      </p:childTnLst>
+                    </p:cTn>
+                  </p:par>
+                  <p:par>
+                    <p:cTn id="30" fill="hold">
+                      <p:stCondLst>
+                        <p:cond delay="indefinite"/>
+                      </p:stCondLst>
+                      <p:childTnLst>
+                        <p:par>
+                          <p:cTn id="31" fill="hold">
+                            <p:stCondLst>
+                              <p:cond delay="0"/>
+                            </p:stCondLst>
+                            <p:childTnLst>
+                              <p:par>
+                                <p:cTn id="32" presetID="1" presetClass="entr" presetSubtype="0" fill="hold" nodeType="clickEffect">
+                                  <p:stCondLst>
+                                    <p:cond delay="0"/>
+                                  </p:stCondLst>
+                                  <p:iterate type="lt">
+                                    <p:tmAbs val="100"/>
+                                  </p:iterate>
+                                  <p:childTnLst>
+                                    <p:set>
+                                      <p:cBhvr>
+                                        <p:cTn id="33" dur="1" fill="hold">
+                                          <p:stCondLst>
+                                            <p:cond delay="0"/>
+                                          </p:stCondLst>
+                                        </p:cTn>
+                                        <p:tgtEl>
+                                          <p:spTgt spid="12">
+                                            <p:txEl>
+                                              <p:pRg st="0" end="0"/>
+                                            </p:txEl>
+                                          </p:spTgt>
+                                        </p:tgtEl>
+                                        <p:attrNameLst>
+                                          <p:attrName>style.visibility</p:attrName>
+                                        </p:attrNameLst>
+                                      </p:cBhvr>
+                                      <p:to>
+                                        <p:strVal val="visible"/>
+                                      </p:to>
+                                    </p:set>
+                                  </p:childTnLst>
+                                </p:cTn>
+                              </p:par>
+                            </p:childTnLst>
+                          </p:cTn>
+                        </p:par>
+                      </p:childTnLst>
+                    </p:cTn>
+                  </p:par>
+                  <p:par>
+                    <p:cTn id="34" fill="hold">
+                      <p:stCondLst>
+                        <p:cond delay="indefinite"/>
+                      </p:stCondLst>
+                      <p:childTnLst>
+                        <p:par>
+                          <p:cTn id="35" fill="hold">
+                            <p:stCondLst>
+                              <p:cond delay="0"/>
+                            </p:stCondLst>
+                            <p:childTnLst>
+                              <p:par>
+                                <p:cTn id="36" presetID="1" presetClass="entr" presetSubtype="0" fill="hold" nodeType="clickEffect">
+                                  <p:stCondLst>
+                                    <p:cond delay="0"/>
+                                  </p:stCondLst>
+                                  <p:iterate type="lt">
+                                    <p:tmAbs val="100"/>
+                                  </p:iterate>
+                                  <p:childTnLst>
+                                    <p:set>
+                                      <p:cBhvr>
+                                        <p:cTn id="37" dur="1" fill="hold">
+                                          <p:stCondLst>
+                                            <p:cond delay="0"/>
+                                          </p:stCondLst>
+                                        </p:cTn>
+                                        <p:tgtEl>
+                                          <p:spTgt spid="13">
+                                            <p:txEl>
+                                              <p:pRg st="0" end="0"/>
+                                            </p:txEl>
+                                          </p:spTgt>
+                                        </p:tgtEl>
+                                        <p:attrNameLst>
+                                          <p:attrName>style.visibility</p:attrName>
+                                        </p:attrNameLst>
+                                      </p:cBhvr>
+                                      <p:to>
+                                        <p:strVal val="visible"/>
+                                      </p:to>
+                                    </p:set>
+                                  </p:childTnLst>
+                                </p:cTn>
+                              </p:par>
+                            </p:childTnLst>
+                          </p:cTn>
+                        </p:par>
+                      </p:childTnLst>
+                    </p:cTn>
+                  </p:par>
+                  <p:par>
+                    <p:cTn id="38" fill="hold">
+                      <p:stCondLst>
+                        <p:cond delay="indefinite"/>
+                      </p:stCondLst>
+                      <p:childTnLst>
+                        <p:par>
+                          <p:cTn id="39" fill="hold">
+                            <p:stCondLst>
+                              <p:cond delay="0"/>
+                            </p:stCondLst>
+                            <p:childTnLst>
+                              <p:par>
+                                <p:cTn id="40" presetID="1" presetClass="entr" presetSubtype="0" fill="hold" nodeType="clickEffect">
+                                  <p:stCondLst>
+                                    <p:cond delay="0"/>
+                                  </p:stCondLst>
+                                  <p:iterate type="lt">
+                                    <p:tmAbs val="300"/>
+                                  </p:iterate>
+                                  <p:childTnLst>
+                                    <p:set>
+                                      <p:cBhvr>
+                                        <p:cTn id="41" dur="1" fill="hold">
+                                          <p:stCondLst>
+                                            <p:cond delay="0"/>
+                                          </p:stCondLst>
+                                        </p:cTn>
+                                        <p:tgtEl>
+                                          <p:spTgt spid="14">
+                                            <p:txEl>
+                                              <p:pRg st="0" end="0"/>
+                                            </p:txEl>
+                                          </p:spTgt>
+                                        </p:tgtEl>
+                                        <p:attrNameLst>
+                                          <p:attrName>style.visibility</p:attrName>
+                                        </p:attrNameLst>
+                                      </p:cBhvr>
+                                      <p:to>
+                                        <p:strVal val="visible"/>
+                                      </p:to>
+                                    </p:set>
                                   </p:childTnLst>
                                 </p:cTn>
                               </p:par>
@@ -10000,7 +10750,7 @@
             </p:seq>
             <p:video>
               <p:cMediaNode vol="80000">
-                <p:cTn id="14" fill="hold" display="0">
+                <p:cTn id="42" fill="hold" display="0">
                   <p:stCondLst>
                     <p:cond delay="indefinite"/>
                   </p:stCondLst>
@@ -10011,7 +10761,7 @@
               </p:cMediaNode>
             </p:video>
             <p:seq concurrent="1" nextAc="seek">
-              <p:cTn id="15" restart="whenNotActive" fill="hold" evtFilter="cancelBubble" nodeType="interactiveSeq">
+              <p:cTn id="43" restart="whenNotActive" fill="hold" evtFilter="cancelBubble" nodeType="interactiveSeq">
                 <p:stCondLst>
                   <p:cond evt="onClick" delay="0">
                     <p:tgtEl>
@@ -10024,26 +10774,26 @@
                 </p:endSync>
                 <p:childTnLst>
                   <p:par>
-                    <p:cTn id="16" fill="hold">
+                    <p:cTn id="44" fill="hold">
                       <p:stCondLst>
                         <p:cond delay="0"/>
                       </p:stCondLst>
                       <p:childTnLst>
                         <p:par>
-                          <p:cTn id="17" fill="hold">
+                          <p:cTn id="45" fill="hold">
                             <p:stCondLst>
                               <p:cond delay="0"/>
                             </p:stCondLst>
                             <p:childTnLst>
                               <p:par>
-                                <p:cTn id="18" presetID="2" presetClass="mediacall" presetSubtype="0" fill="hold" nodeType="clickEffect">
+                                <p:cTn id="46" presetID="2" presetClass="mediacall" presetSubtype="0" fill="hold" nodeType="clickEffect">
                                   <p:stCondLst>
                                     <p:cond delay="0"/>
                                   </p:stCondLst>
                                   <p:childTnLst>
                                     <p:cmd type="call" cmd="togglePause">
                                       <p:cBhvr>
-                                        <p:cTn id="19" dur="1" fill="hold"/>
+                                        <p:cTn id="47" dur="1" fill="hold"/>
                                         <p:tgtEl>
                                           <p:spTgt spid="7"/>
                                         </p:tgtEl>
@@ -10074,6 +10824,9 @@
     </p:tnLst>
     <p:bldLst>
       <p:bldP spid="9" grpId="0" animBg="1"/>
+      <p:bldP spid="2" grpId="0" animBg="1"/>
+      <p:bldP spid="3" grpId="0" animBg="1"/>
+      <p:bldP spid="10" grpId="0" animBg="1"/>
     </p:bldLst>
   </p:timing>
 </p:sld>
@@ -10688,6 +11441,58 @@
           </a:prstGeom>
         </p:spPr>
       </p:pic>
+      <p:sp>
+        <p:nvSpPr>
+          <p:cNvPr id="6" name="Rectangle 5">
+            <a:extLst>
+              <a:ext uri="{FF2B5EF4-FFF2-40B4-BE49-F238E27FC236}">
+                <a16:creationId xmlns:a16="http://schemas.microsoft.com/office/drawing/2014/main" id="{07836FFB-654E-4CD8-B9A0-724062B5D912}"/>
+              </a:ext>
+            </a:extLst>
+          </p:cNvPr>
+          <p:cNvSpPr/>
+          <p:nvPr/>
+        </p:nvSpPr>
+        <p:spPr>
+          <a:xfrm>
+            <a:off x="372533" y="5305778"/>
+            <a:ext cx="3612445" cy="349955"/>
+          </a:xfrm>
+          <a:prstGeom prst="rect">
+            <a:avLst/>
+          </a:prstGeom>
+          <a:noFill/>
+          <a:ln w="38100">
+            <a:solidFill>
+              <a:schemeClr val="accent1"/>
+            </a:solidFill>
+          </a:ln>
+        </p:spPr>
+        <p:style>
+          <a:lnRef idx="2">
+            <a:schemeClr val="accent1">
+              <a:shade val="50000"/>
+            </a:schemeClr>
+          </a:lnRef>
+          <a:fillRef idx="1">
+            <a:schemeClr val="accent1"/>
+          </a:fillRef>
+          <a:effectRef idx="0">
+            <a:schemeClr val="accent1"/>
+          </a:effectRef>
+          <a:fontRef idx="minor">
+            <a:schemeClr val="lt1"/>
+          </a:fontRef>
+        </p:style>
+        <p:txBody>
+          <a:bodyPr rtlCol="0" anchor="ctr"/>
+          <a:lstStyle/>
+          <a:p>
+            <a:pPr algn="ctr"/>
+            <a:endParaRPr lang="en-US"/>
+          </a:p>
+        </p:txBody>
+      </p:sp>
     </p:spTree>
     <p:extLst>
       <p:ext uri="{BB962C8B-B14F-4D97-AF65-F5344CB8AC3E}">
@@ -10698,6 +11503,86 @@
   <p:clrMapOvr>
     <a:masterClrMapping/>
   </p:clrMapOvr>
+  <p:timing>
+    <p:tnLst>
+      <p:par>
+        <p:cTn id="1" dur="indefinite" restart="never" nodeType="tmRoot">
+          <p:childTnLst>
+            <p:seq concurrent="1" nextAc="seek">
+              <p:cTn id="2" dur="indefinite" nodeType="mainSeq">
+                <p:childTnLst>
+                  <p:par>
+                    <p:cTn id="3" fill="hold">
+                      <p:stCondLst>
+                        <p:cond delay="indefinite"/>
+                        <p:cond evt="onBegin" delay="0">
+                          <p:tn val="2"/>
+                        </p:cond>
+                      </p:stCondLst>
+                      <p:childTnLst>
+                        <p:par>
+                          <p:cTn id="4" fill="hold">
+                            <p:stCondLst>
+                              <p:cond delay="0"/>
+                            </p:stCondLst>
+                            <p:childTnLst>
+                              <p:par>
+                                <p:cTn id="5" presetID="26" presetClass="emph" presetSubtype="0" fill="hold" grpId="0" nodeType="afterEffect">
+                                  <p:stCondLst>
+                                    <p:cond delay="0"/>
+                                  </p:stCondLst>
+                                  <p:childTnLst>
+                                    <p:animEffect transition="out" filter="fade">
+                                      <p:cBhvr>
+                                        <p:cTn id="6" dur="750" tmFilter="0, 0; .2, .5; .8, .5; 1, 0"/>
+                                        <p:tgtEl>
+                                          <p:spTgt spid="6"/>
+                                        </p:tgtEl>
+                                      </p:cBhvr>
+                                    </p:animEffect>
+                                    <p:animScale>
+                                      <p:cBhvr>
+                                        <p:cTn id="7" dur="375" autoRev="1" fill="hold"/>
+                                        <p:tgtEl>
+                                          <p:spTgt spid="6"/>
+                                        </p:tgtEl>
+                                      </p:cBhvr>
+                                      <p:by x="105000" y="105000"/>
+                                    </p:animScale>
+                                  </p:childTnLst>
+                                </p:cTn>
+                              </p:par>
+                            </p:childTnLst>
+                          </p:cTn>
+                        </p:par>
+                      </p:childTnLst>
+                    </p:cTn>
+                  </p:par>
+                </p:childTnLst>
+              </p:cTn>
+              <p:prevCondLst>
+                <p:cond evt="onPrev" delay="0">
+                  <p:tgtEl>
+                    <p:sldTgt/>
+                  </p:tgtEl>
+                </p:cond>
+              </p:prevCondLst>
+              <p:nextCondLst>
+                <p:cond evt="onNext" delay="0">
+                  <p:tgtEl>
+                    <p:sldTgt/>
+                  </p:tgtEl>
+                </p:cond>
+              </p:nextCondLst>
+            </p:seq>
+          </p:childTnLst>
+        </p:cTn>
+      </p:par>
+    </p:tnLst>
+    <p:bldLst>
+      <p:bldP spid="6" grpId="0" animBg="1"/>
+    </p:bldLst>
+  </p:timing>
 </p:sld>
 </file>
 
@@ -10743,7 +11628,7 @@
           <a:p>
             <a:r>
               <a:rPr lang="en-US" dirty="0"/>
-              <a:t>Problem statement</a:t>
+              <a:t>Problem statements</a:t>
             </a:r>
           </a:p>
         </p:txBody>
@@ -10767,7 +11652,11 @@
               <a:buNone/>
             </a:pPr>
             <a:r>
-              <a:rPr lang="en-US" b="1" dirty="0"/>
+              <a:rPr lang="en-US" b="1" dirty="0">
+                <a:solidFill>
+                  <a:schemeClr val="accent4"/>
+                </a:solidFill>
+              </a:rPr>
               <a:t>Developer:</a:t>
             </a:r>
           </a:p>
@@ -10778,6 +11667,34 @@
             <a:r>
               <a:rPr lang="en-US" dirty="0"/>
               <a:t>“I want my ASP.NET Core app’s sensitive configuration data to be protected, without having to write the code myself.”</a:t>
+            </a:r>
+          </a:p>
+          <a:p>
+            <a:pPr marL="0" indent="0">
+              <a:buNone/>
+            </a:pPr>
+            <a:endParaRPr lang="en-US" dirty="0"/>
+          </a:p>
+          <a:p>
+            <a:pPr marL="0" indent="0">
+              <a:buNone/>
+            </a:pPr>
+            <a:r>
+              <a:rPr lang="en-US" b="1" dirty="0">
+                <a:solidFill>
+                  <a:schemeClr val="accent4"/>
+                </a:solidFill>
+              </a:rPr>
+              <a:t>CISO:</a:t>
+            </a:r>
+          </a:p>
+          <a:p>
+            <a:pPr marL="0" indent="0">
+              <a:buNone/>
+            </a:pPr>
+            <a:r>
+              <a:rPr lang="en-US" dirty="0"/>
+              <a:t>“I want to know that our apps comply with FIPS 140-2 Level 2 HSMs for secure key management.”</a:t>
             </a:r>
           </a:p>
           <a:p>
@@ -10825,7 +11742,7 @@
                             </p:stCondLst>
                             <p:childTnLst>
                               <p:par>
-                                <p:cTn id="5" presetID="10" presetClass="entr" presetSubtype="0" fill="hold" nodeType="clickEffect">
+                                <p:cTn id="5" presetID="10" presetClass="entr" presetSubtype="0" fill="hold" grpId="0" nodeType="clickEffect">
                                   <p:stCondLst>
                                     <p:cond delay="0"/>
                                   </p:stCondLst>
@@ -10840,7 +11757,7 @@
                                         <p:tgtEl>
                                           <p:spTgt spid="3">
                                             <p:txEl>
-                                              <p:pRg st="1" end="1"/>
+                                              <p:pRg st="0" end="0"/>
                                             </p:txEl>
                                           </p:spTgt>
                                         </p:tgtEl>
@@ -10858,7 +11775,7 @@
                                         <p:tgtEl>
                                           <p:spTgt spid="3">
                                             <p:txEl>
-                                              <p:pRg st="1" end="1"/>
+                                              <p:pRg st="0" end="0"/>
                                             </p:txEl>
                                           </p:spTgt>
                                         </p:tgtEl>
@@ -10886,7 +11803,7 @@
                             </p:stCondLst>
                             <p:childTnLst>
                               <p:par>
-                                <p:cTn id="10" presetID="10" presetClass="entr" presetSubtype="0" fill="hold" nodeType="clickEffect">
+                                <p:cTn id="10" presetID="10" presetClass="entr" presetSubtype="0" fill="hold" grpId="0" nodeType="clickEffect">
                                   <p:stCondLst>
                                     <p:cond delay="0"/>
                                   </p:stCondLst>
@@ -10901,7 +11818,7 @@
                                         <p:tgtEl>
                                           <p:spTgt spid="3">
                                             <p:txEl>
-                                              <p:pRg st="0" end="0"/>
+                                              <p:pRg st="1" end="1"/>
                                             </p:txEl>
                                           </p:spTgt>
                                         </p:tgtEl>
@@ -10919,7 +11836,129 @@
                                         <p:tgtEl>
                                           <p:spTgt spid="3">
                                             <p:txEl>
-                                              <p:pRg st="0" end="0"/>
+                                              <p:pRg st="1" end="1"/>
+                                            </p:txEl>
+                                          </p:spTgt>
+                                        </p:tgtEl>
+                                      </p:cBhvr>
+                                    </p:animEffect>
+                                  </p:childTnLst>
+                                </p:cTn>
+                              </p:par>
+                            </p:childTnLst>
+                          </p:cTn>
+                        </p:par>
+                      </p:childTnLst>
+                    </p:cTn>
+                  </p:par>
+                  <p:par>
+                    <p:cTn id="13" fill="hold">
+                      <p:stCondLst>
+                        <p:cond delay="indefinite"/>
+                      </p:stCondLst>
+                      <p:childTnLst>
+                        <p:par>
+                          <p:cTn id="14" fill="hold">
+                            <p:stCondLst>
+                              <p:cond delay="0"/>
+                            </p:stCondLst>
+                            <p:childTnLst>
+                              <p:par>
+                                <p:cTn id="15" presetID="10" presetClass="entr" presetSubtype="0" fill="hold" grpId="0" nodeType="clickEffect">
+                                  <p:stCondLst>
+                                    <p:cond delay="0"/>
+                                  </p:stCondLst>
+                                  <p:childTnLst>
+                                    <p:set>
+                                      <p:cBhvr>
+                                        <p:cTn id="16" dur="1" fill="hold">
+                                          <p:stCondLst>
+                                            <p:cond delay="0"/>
+                                          </p:stCondLst>
+                                        </p:cTn>
+                                        <p:tgtEl>
+                                          <p:spTgt spid="3">
+                                            <p:txEl>
+                                              <p:pRg st="3" end="3"/>
+                                            </p:txEl>
+                                          </p:spTgt>
+                                        </p:tgtEl>
+                                        <p:attrNameLst>
+                                          <p:attrName>style.visibility</p:attrName>
+                                        </p:attrNameLst>
+                                      </p:cBhvr>
+                                      <p:to>
+                                        <p:strVal val="visible"/>
+                                      </p:to>
+                                    </p:set>
+                                    <p:animEffect transition="in" filter="fade">
+                                      <p:cBhvr>
+                                        <p:cTn id="17" dur="500"/>
+                                        <p:tgtEl>
+                                          <p:spTgt spid="3">
+                                            <p:txEl>
+                                              <p:pRg st="3" end="3"/>
+                                            </p:txEl>
+                                          </p:spTgt>
+                                        </p:tgtEl>
+                                      </p:cBhvr>
+                                    </p:animEffect>
+                                  </p:childTnLst>
+                                </p:cTn>
+                              </p:par>
+                            </p:childTnLst>
+                          </p:cTn>
+                        </p:par>
+                      </p:childTnLst>
+                    </p:cTn>
+                  </p:par>
+                  <p:par>
+                    <p:cTn id="18" fill="hold">
+                      <p:stCondLst>
+                        <p:cond delay="indefinite"/>
+                      </p:stCondLst>
+                      <p:childTnLst>
+                        <p:par>
+                          <p:cTn id="19" fill="hold">
+                            <p:stCondLst>
+                              <p:cond delay="0"/>
+                            </p:stCondLst>
+                            <p:childTnLst>
+                              <p:par>
+                                <p:cTn id="20" presetID="10" presetClass="entr" presetSubtype="0" fill="hold" grpId="0" nodeType="clickEffect">
+                                  <p:stCondLst>
+                                    <p:cond delay="0"/>
+                                  </p:stCondLst>
+                                  <p:childTnLst>
+                                    <p:set>
+                                      <p:cBhvr>
+                                        <p:cTn id="21" dur="1" fill="hold">
+                                          <p:stCondLst>
+                                            <p:cond delay="0"/>
+                                          </p:stCondLst>
+                                        </p:cTn>
+                                        <p:tgtEl>
+                                          <p:spTgt spid="3">
+                                            <p:txEl>
+                                              <p:pRg st="4" end="4"/>
+                                            </p:txEl>
+                                          </p:spTgt>
+                                        </p:tgtEl>
+                                        <p:attrNameLst>
+                                          <p:attrName>style.visibility</p:attrName>
+                                        </p:attrNameLst>
+                                      </p:cBhvr>
+                                      <p:to>
+                                        <p:strVal val="visible"/>
+                                      </p:to>
+                                    </p:set>
+                                    <p:animEffect transition="in" filter="fade">
+                                      <p:cBhvr>
+                                        <p:cTn id="22" dur="500"/>
+                                        <p:tgtEl>
+                                          <p:spTgt spid="3">
+                                            <p:txEl>
+                                              <p:pRg st="4" end="4"/>
                                             </p:txEl>
                                           </p:spTgt>
                                         </p:tgtEl>
@@ -10955,6 +11994,9 @@
         </p:cTn>
       </p:par>
     </p:tnLst>
+    <p:bldLst>
+      <p:bldP spid="3" grpId="0" build="p"/>
+    </p:bldLst>
   </p:timing>
 </p:sld>
 </file>
@@ -11984,6 +13026,12 @@
           <a:p>
             <a:r>
               <a:rPr lang="en-US" dirty="0"/>
+              <a:t>dotnet user-secrets </a:t>
+            </a:r>
+          </a:p>
+          <a:p>
+            <a:r>
+              <a:rPr lang="en-US" dirty="0"/>
               <a:t>Solution Explorer &gt; right-click project &gt; Manage User Secrets</a:t>
             </a:r>
           </a:p>
@@ -12066,7 +13114,7 @@
                                         <p:tgtEl>
                                           <p:spTgt spid="3">
                                             <p:txEl>
-                                              <p:pRg st="1" end="1"/>
+                                              <p:pRg st="2" end="2"/>
                                             </p:txEl>
                                           </p:spTgt>
                                         </p:tgtEl>
@@ -12084,7 +13132,7 @@
                                         <p:tgtEl>
                                           <p:spTgt spid="3">
                                             <p:txEl>
-                                              <p:pRg st="1" end="1"/>
+                                              <p:pRg st="2" end="2"/>
                                             </p:txEl>
                                           </p:spTgt>
                                         </p:tgtEl>
@@ -12127,7 +13175,7 @@
                                         <p:tgtEl>
                                           <p:spTgt spid="3">
                                             <p:txEl>
-                                              <p:pRg st="0" end="0"/>
+                                              <p:pRg st="1" end="1"/>
                                             </p:txEl>
                                           </p:spTgt>
                                         </p:tgtEl>
@@ -12145,7 +13193,7 @@
                                         <p:tgtEl>
                                           <p:spTgt spid="3">
                                             <p:txEl>
-                                              <p:pRg st="0" end="0"/>
+                                              <p:pRg st="1" end="1"/>
                                             </p:txEl>
                                           </p:spTgt>
                                         </p:tgtEl>
@@ -12188,7 +13236,7 @@
                                         <p:tgtEl>
                                           <p:spTgt spid="3">
                                             <p:txEl>
-                                              <p:pRg st="2" end="2"/>
+                                              <p:pRg st="0" end="0"/>
                                             </p:txEl>
                                           </p:spTgt>
                                         </p:tgtEl>
@@ -12206,7 +13254,68 @@
                                         <p:tgtEl>
                                           <p:spTgt spid="3">
                                             <p:txEl>
-                                              <p:pRg st="2" end="2"/>
+                                              <p:pRg st="0" end="0"/>
+                                            </p:txEl>
+                                          </p:spTgt>
+                                        </p:tgtEl>
+                                      </p:cBhvr>
+                                    </p:animEffect>
+                                  </p:childTnLst>
+                                </p:cTn>
+                              </p:par>
+                            </p:childTnLst>
+                          </p:cTn>
+                        </p:par>
+                      </p:childTnLst>
+                    </p:cTn>
+                  </p:par>
+                  <p:par>
+                    <p:cTn id="18" fill="hold">
+                      <p:stCondLst>
+                        <p:cond delay="indefinite"/>
+                      </p:stCondLst>
+                      <p:childTnLst>
+                        <p:par>
+                          <p:cTn id="19" fill="hold">
+                            <p:stCondLst>
+                              <p:cond delay="0"/>
+                            </p:stCondLst>
+                            <p:childTnLst>
+                              <p:par>
+                                <p:cTn id="20" presetID="10" presetClass="entr" presetSubtype="0" fill="hold" nodeType="clickEffect">
+                                  <p:stCondLst>
+                                    <p:cond delay="0"/>
+                                  </p:stCondLst>
+                                  <p:childTnLst>
+                                    <p:set>
+                                      <p:cBhvr>
+                                        <p:cTn id="21" dur="1" fill="hold">
+                                          <p:stCondLst>
+                                            <p:cond delay="0"/>
+                                          </p:stCondLst>
+                                        </p:cTn>
+                                        <p:tgtEl>
+                                          <p:spTgt spid="3">
+                                            <p:txEl>
+                                              <p:pRg st="3" end="3"/>
+                                            </p:txEl>
+                                          </p:spTgt>
+                                        </p:tgtEl>
+                                        <p:attrNameLst>
+                                          <p:attrName>style.visibility</p:attrName>
+                                        </p:attrNameLst>
+                                      </p:cBhvr>
+                                      <p:to>
+                                        <p:strVal val="visible"/>
+                                      </p:to>
+                                    </p:set>
+                                    <p:animEffect transition="in" filter="fade">
+                                      <p:cBhvr>
+                                        <p:cTn id="22" dur="500"/>
+                                        <p:tgtEl>
+                                          <p:spTgt spid="3">
+                                            <p:txEl>
+                                              <p:pRg st="3" end="3"/>
                                             </p:txEl>
                                           </p:spTgt>
                                         </p:tgtEl>
@@ -12281,15 +13390,21 @@
             <p:ph type="title"/>
           </p:nvPr>
         </p:nvSpPr>
-        <p:spPr/>
+        <p:spPr>
+          <a:xfrm>
+            <a:off x="838200" y="365125"/>
+            <a:ext cx="10515600" cy="1325563"/>
+          </a:xfrm>
+        </p:spPr>
         <p:txBody>
           <a:bodyPr/>
           <a:lstStyle/>
           <a:p>
             <a:r>
-              <a:rPr lang="en-US" dirty="0"/>
+              <a:rPr lang="en-US"/>
               <a:t>Azure Key Vault</a:t>
             </a:r>
+            <a:endParaRPr lang="en-US" dirty="0"/>
           </a:p>
         </p:txBody>
       </p:sp>
@@ -12303,22 +13418,28 @@
             <p:ph idx="1"/>
           </p:nvPr>
         </p:nvSpPr>
-        <p:spPr/>
+        <p:spPr>
+          <a:xfrm>
+            <a:off x="838200" y="1825625"/>
+            <a:ext cx="10515600" cy="4351338"/>
+          </a:xfrm>
+        </p:spPr>
         <p:txBody>
           <a:bodyPr/>
           <a:lstStyle/>
           <a:p>
             <a:r>
-              <a:rPr lang="en-US" dirty="0"/>
+              <a:rPr lang="en-US"/>
               <a:t>VS 15.7 introduces Connected Services node Key Vault creation</a:t>
             </a:r>
           </a:p>
           <a:p>
             <a:pPr lvl="1"/>
             <a:r>
-              <a:rPr lang="en-US" dirty="0"/>
+              <a:rPr lang="en-US"/>
               <a:t>Solution Explorer &gt; double-click Connected Services &gt; Secure Secrets with Azure Key Vault</a:t>
             </a:r>
+            <a:endParaRPr lang="en-US" dirty="0"/>
           </a:p>
         </p:txBody>
       </p:sp>

--- a/Protecting App Secrets.pptx
+++ b/Protecting App Secrets.pptx
@@ -6,7 +6,7 @@
     <p:sldMasterId id="2147483660" r:id="rId2"/>
   </p:sldMasterIdLst>
   <p:notesMasterIdLst>
-    <p:notesMasterId r:id="rId13"/>
+    <p:notesMasterId r:id="rId15"/>
   </p:notesMasterIdLst>
   <p:sldIdLst>
     <p:sldId id="256" r:id="rId3"/>
@@ -15,10 +15,12 @@
     <p:sldId id="328" r:id="rId6"/>
     <p:sldId id="330" r:id="rId7"/>
     <p:sldId id="323" r:id="rId8"/>
-    <p:sldId id="327" r:id="rId9"/>
-    <p:sldId id="324" r:id="rId10"/>
-    <p:sldId id="325" r:id="rId11"/>
-    <p:sldId id="326" r:id="rId12"/>
+    <p:sldId id="324" r:id="rId9"/>
+    <p:sldId id="332" r:id="rId10"/>
+    <p:sldId id="333" r:id="rId11"/>
+    <p:sldId id="325" r:id="rId12"/>
+    <p:sldId id="331" r:id="rId13"/>
+    <p:sldId id="326" r:id="rId14"/>
   </p:sldIdLst>
   <p:sldSz cx="12192000" cy="6858000"/>
   <p:notesSz cx="6858000" cy="9144000"/>
@@ -613,7 +615,10 @@
           <a:bodyPr/>
           <a:lstStyle/>
           <a:p>
-            <a:endParaRPr lang="en-US"/>
+            <a:r>
+              <a:rPr lang="en-US" dirty="0"/>
+              <a:t>- Key Vault takes precedence over Secret Manager at runtime, since it’s more secure</a:t>
+            </a:r>
           </a:p>
         </p:txBody>
       </p:sp>
@@ -703,6 +708,294 @@
     </p:spTree>
     <p:extLst>
       <p:ext uri="{BB962C8B-B14F-4D97-AF65-F5344CB8AC3E}">
+        <p14:creationId xmlns:p14="http://schemas.microsoft.com/office/powerpoint/2010/main" val="2216393245"/>
+      </p:ext>
+    </p:extLst>
+  </p:cSld>
+  <p:clrMapOvr>
+    <a:masterClrMapping/>
+  </p:clrMapOvr>
+</p:notes>
+</file>
+
+<file path=ppt/notesSlides/notesSlide11.xml><?xml version="1.0" encoding="utf-8"?>
+<p:notes xmlns:a="http://schemas.openxmlformats.org/drawingml/2006/main" xmlns:r="http://schemas.openxmlformats.org/officeDocument/2006/relationships" xmlns:p="http://schemas.openxmlformats.org/presentationml/2006/main">
+  <p:cSld>
+    <p:spTree>
+      <p:nvGrpSpPr>
+        <p:cNvPr id="1" name=""/>
+        <p:cNvGrpSpPr/>
+        <p:nvPr/>
+      </p:nvGrpSpPr>
+      <p:grpSpPr>
+        <a:xfrm>
+          <a:off x="0" y="0"/>
+          <a:ext cx="0" cy="0"/>
+          <a:chOff x="0" y="0"/>
+          <a:chExt cx="0" cy="0"/>
+        </a:xfrm>
+      </p:grpSpPr>
+      <p:sp>
+        <p:nvSpPr>
+          <p:cNvPr id="2" name="Slide Image Placeholder 1"/>
+          <p:cNvSpPr>
+            <a:spLocks noGrp="1" noRot="1" noChangeAspect="1"/>
+          </p:cNvSpPr>
+          <p:nvPr>
+            <p:ph type="sldImg"/>
+          </p:nvPr>
+        </p:nvSpPr>
+        <p:spPr/>
+      </p:sp>
+      <p:sp>
+        <p:nvSpPr>
+          <p:cNvPr id="3" name="Notes Placeholder 2"/>
+          <p:cNvSpPr>
+            <a:spLocks noGrp="1"/>
+          </p:cNvSpPr>
+          <p:nvPr>
+            <p:ph type="body" idx="1"/>
+          </p:nvPr>
+        </p:nvSpPr>
+        <p:spPr/>
+        <p:txBody>
+          <a:bodyPr/>
+          <a:lstStyle/>
+          <a:p>
+            <a:endParaRPr lang="en-US" dirty="0"/>
+          </a:p>
+        </p:txBody>
+      </p:sp>
+      <p:sp>
+        <p:nvSpPr>
+          <p:cNvPr id="4" name="Slide Number Placeholder 3"/>
+          <p:cNvSpPr>
+            <a:spLocks noGrp="1"/>
+          </p:cNvSpPr>
+          <p:nvPr>
+            <p:ph type="sldNum" sz="quarter" idx="10"/>
+          </p:nvPr>
+        </p:nvSpPr>
+        <p:spPr/>
+        <p:txBody>
+          <a:bodyPr/>
+          <a:lstStyle/>
+          <a:p>
+            <a:pPr marL="0" marR="0" lvl="0" indent="0" algn="r" defTabSz="457200" rtl="0" eaLnBrk="1" fontAlgn="auto" latinLnBrk="0" hangingPunct="1">
+              <a:lnSpc>
+                <a:spcPct val="100000"/>
+              </a:lnSpc>
+              <a:spcBef>
+                <a:spcPts val="0"/>
+              </a:spcBef>
+              <a:spcAft>
+                <a:spcPts val="0"/>
+              </a:spcAft>
+              <a:buClrTx/>
+              <a:buSzTx/>
+              <a:buFontTx/>
+              <a:buNone/>
+              <a:tabLst/>
+              <a:defRPr/>
+            </a:pPr>
+            <a:fld id="{16A87904-88DE-4022-A424-ACD2E6FC1751}" type="slidenum">
+              <a:rPr kumimoji="0" lang="en-US" sz="1200" b="0" i="0" u="none" strike="noStrike" kern="1200" cap="none" spc="0" normalizeH="0" baseline="0" noProof="0" smtClean="0">
+                <a:ln>
+                  <a:noFill/>
+                </a:ln>
+                <a:solidFill>
+                  <a:prstClr val="black"/>
+                </a:solidFill>
+                <a:effectLst/>
+                <a:uLnTx/>
+                <a:uFillTx/>
+                <a:latin typeface="Calibri" panose="020F0502020204030204"/>
+                <a:ea typeface="+mn-ea"/>
+                <a:cs typeface="+mn-cs"/>
+              </a:rPr>
+              <a:pPr marL="0" marR="0" lvl="0" indent="0" algn="r" defTabSz="457200" rtl="0" eaLnBrk="1" fontAlgn="auto" latinLnBrk="0" hangingPunct="1">
+                <a:lnSpc>
+                  <a:spcPct val="100000"/>
+                </a:lnSpc>
+                <a:spcBef>
+                  <a:spcPts val="0"/>
+                </a:spcBef>
+                <a:spcAft>
+                  <a:spcPts val="0"/>
+                </a:spcAft>
+                <a:buClrTx/>
+                <a:buSzTx/>
+                <a:buFontTx/>
+                <a:buNone/>
+                <a:tabLst/>
+                <a:defRPr/>
+              </a:pPr>
+              <a:t>11</a:t>
+            </a:fld>
+            <a:endParaRPr kumimoji="0" lang="en-US" sz="1200" b="0" i="0" u="none" strike="noStrike" kern="1200" cap="none" spc="0" normalizeH="0" baseline="0" noProof="0">
+              <a:ln>
+                <a:noFill/>
+              </a:ln>
+              <a:solidFill>
+                <a:prstClr val="black"/>
+              </a:solidFill>
+              <a:effectLst/>
+              <a:uLnTx/>
+              <a:uFillTx/>
+              <a:latin typeface="Calibri" panose="020F0502020204030204"/>
+              <a:ea typeface="+mn-ea"/>
+              <a:cs typeface="+mn-cs"/>
+            </a:endParaRPr>
+          </a:p>
+        </p:txBody>
+      </p:sp>
+    </p:spTree>
+    <p:extLst>
+      <p:ext uri="{BB962C8B-B14F-4D97-AF65-F5344CB8AC3E}">
+        <p14:creationId xmlns:p14="http://schemas.microsoft.com/office/powerpoint/2010/main" val="2232734480"/>
+      </p:ext>
+    </p:extLst>
+  </p:cSld>
+  <p:clrMapOvr>
+    <a:masterClrMapping/>
+  </p:clrMapOvr>
+</p:notes>
+</file>
+
+<file path=ppt/notesSlides/notesSlide12.xml><?xml version="1.0" encoding="utf-8"?>
+<p:notes xmlns:a="http://schemas.openxmlformats.org/drawingml/2006/main" xmlns:r="http://schemas.openxmlformats.org/officeDocument/2006/relationships" xmlns:p="http://schemas.openxmlformats.org/presentationml/2006/main">
+  <p:cSld>
+    <p:spTree>
+      <p:nvGrpSpPr>
+        <p:cNvPr id="1" name=""/>
+        <p:cNvGrpSpPr/>
+        <p:nvPr/>
+      </p:nvGrpSpPr>
+      <p:grpSpPr>
+        <a:xfrm>
+          <a:off x="0" y="0"/>
+          <a:ext cx="0" cy="0"/>
+          <a:chOff x="0" y="0"/>
+          <a:chExt cx="0" cy="0"/>
+        </a:xfrm>
+      </p:grpSpPr>
+      <p:sp>
+        <p:nvSpPr>
+          <p:cNvPr id="2" name="Slide Image Placeholder 1"/>
+          <p:cNvSpPr>
+            <a:spLocks noGrp="1" noRot="1" noChangeAspect="1"/>
+          </p:cNvSpPr>
+          <p:nvPr>
+            <p:ph type="sldImg"/>
+          </p:nvPr>
+        </p:nvSpPr>
+        <p:spPr/>
+      </p:sp>
+      <p:sp>
+        <p:nvSpPr>
+          <p:cNvPr id="3" name="Notes Placeholder 2"/>
+          <p:cNvSpPr>
+            <a:spLocks noGrp="1"/>
+          </p:cNvSpPr>
+          <p:nvPr>
+            <p:ph type="body" idx="1"/>
+          </p:nvPr>
+        </p:nvSpPr>
+        <p:spPr/>
+        <p:txBody>
+          <a:bodyPr/>
+          <a:lstStyle/>
+          <a:p>
+            <a:endParaRPr lang="en-US"/>
+          </a:p>
+        </p:txBody>
+      </p:sp>
+      <p:sp>
+        <p:nvSpPr>
+          <p:cNvPr id="4" name="Slide Number Placeholder 3"/>
+          <p:cNvSpPr>
+            <a:spLocks noGrp="1"/>
+          </p:cNvSpPr>
+          <p:nvPr>
+            <p:ph type="sldNum" sz="quarter" idx="10"/>
+          </p:nvPr>
+        </p:nvSpPr>
+        <p:spPr/>
+        <p:txBody>
+          <a:bodyPr/>
+          <a:lstStyle/>
+          <a:p>
+            <a:pPr marL="0" marR="0" lvl="0" indent="0" algn="r" defTabSz="457200" rtl="0" eaLnBrk="1" fontAlgn="auto" latinLnBrk="0" hangingPunct="1">
+              <a:lnSpc>
+                <a:spcPct val="100000"/>
+              </a:lnSpc>
+              <a:spcBef>
+                <a:spcPts val="0"/>
+              </a:spcBef>
+              <a:spcAft>
+                <a:spcPts val="0"/>
+              </a:spcAft>
+              <a:buClrTx/>
+              <a:buSzTx/>
+              <a:buFontTx/>
+              <a:buNone/>
+              <a:tabLst/>
+              <a:defRPr/>
+            </a:pPr>
+            <a:fld id="{16A87904-88DE-4022-A424-ACD2E6FC1751}" type="slidenum">
+              <a:rPr kumimoji="0" lang="en-US" sz="1200" b="0" i="0" u="none" strike="noStrike" kern="1200" cap="none" spc="0" normalizeH="0" baseline="0" noProof="0" smtClean="0">
+                <a:ln>
+                  <a:noFill/>
+                </a:ln>
+                <a:solidFill>
+                  <a:prstClr val="black"/>
+                </a:solidFill>
+                <a:effectLst/>
+                <a:uLnTx/>
+                <a:uFillTx/>
+                <a:latin typeface="Calibri" panose="020F0502020204030204"/>
+                <a:ea typeface="+mn-ea"/>
+                <a:cs typeface="+mn-cs"/>
+              </a:rPr>
+              <a:pPr marL="0" marR="0" lvl="0" indent="0" algn="r" defTabSz="457200" rtl="0" eaLnBrk="1" fontAlgn="auto" latinLnBrk="0" hangingPunct="1">
+                <a:lnSpc>
+                  <a:spcPct val="100000"/>
+                </a:lnSpc>
+                <a:spcBef>
+                  <a:spcPts val="0"/>
+                </a:spcBef>
+                <a:spcAft>
+                  <a:spcPts val="0"/>
+                </a:spcAft>
+                <a:buClrTx/>
+                <a:buSzTx/>
+                <a:buFontTx/>
+                <a:buNone/>
+                <a:tabLst/>
+                <a:defRPr/>
+              </a:pPr>
+              <a:t>12</a:t>
+            </a:fld>
+            <a:endParaRPr kumimoji="0" lang="en-US" sz="1200" b="0" i="0" u="none" strike="noStrike" kern="1200" cap="none" spc="0" normalizeH="0" baseline="0" noProof="0">
+              <a:ln>
+                <a:noFill/>
+              </a:ln>
+              <a:solidFill>
+                <a:prstClr val="black"/>
+              </a:solidFill>
+              <a:effectLst/>
+              <a:uLnTx/>
+              <a:uFillTx/>
+              <a:latin typeface="Calibri" panose="020F0502020204030204"/>
+              <a:ea typeface="+mn-ea"/>
+              <a:cs typeface="+mn-cs"/>
+            </a:endParaRPr>
+          </a:p>
+        </p:txBody>
+      </p:sp>
+    </p:spTree>
+    <p:extLst>
+      <p:ext uri="{BB962C8B-B14F-4D97-AF65-F5344CB8AC3E}">
         <p14:creationId xmlns:p14="http://schemas.microsoft.com/office/powerpoint/2010/main" val="2271797707"/>
       </p:ext>
     </p:extLst>
@@ -1480,7 +1773,30 @@
           <a:bodyPr/>
           <a:lstStyle/>
           <a:p>
-            <a:endParaRPr lang="en-US" dirty="0"/>
+            <a:r>
+              <a:rPr lang="en-US" u="sng" dirty="0"/>
+              <a:t>VS SUPPORT</a:t>
+            </a:r>
+          </a:p>
+          <a:p>
+            <a:r>
+              <a:rPr lang="en-US" dirty="0"/>
+              <a:t>- .NET Core support ONLY in 15.7 (</a:t>
+            </a:r>
+            <a:r>
+              <a:rPr lang="en-US" dirty="0" err="1"/>
+              <a:t>secrets.json</a:t>
+            </a:r>
+            <a:r>
+              <a:rPr lang="en-US" dirty="0"/>
+              <a:t>)</a:t>
+            </a:r>
+          </a:p>
+          <a:p>
+            <a:r>
+              <a:rPr lang="en-US" dirty="0"/>
+              <a:t>- .NET Framework support in 15.8 (secrets.xml)</a:t>
+            </a:r>
           </a:p>
         </p:txBody>
       </p:sp>
@@ -1570,7 +1886,7 @@
     </p:spTree>
     <p:extLst>
       <p:ext uri="{BB962C8B-B14F-4D97-AF65-F5344CB8AC3E}">
-        <p14:creationId xmlns:p14="http://schemas.microsoft.com/office/powerpoint/2010/main" val="2260955387"/>
+        <p14:creationId xmlns:p14="http://schemas.microsoft.com/office/powerpoint/2010/main" val="2727991651"/>
       </p:ext>
     </p:extLst>
   </p:cSld>
@@ -1714,7 +2030,7 @@
     </p:spTree>
     <p:extLst>
       <p:ext uri="{BB962C8B-B14F-4D97-AF65-F5344CB8AC3E}">
-        <p14:creationId xmlns:p14="http://schemas.microsoft.com/office/powerpoint/2010/main" val="2727991651"/>
+        <p14:creationId xmlns:p14="http://schemas.microsoft.com/office/powerpoint/2010/main" val="2365127105"/>
       </p:ext>
     </p:extLst>
   </p:cSld>
@@ -1768,10 +2084,7 @@
           <a:bodyPr/>
           <a:lstStyle/>
           <a:p>
-            <a:r>
-              <a:rPr lang="en-US" dirty="0"/>
-              <a:t>- Key Vault takes precedence over Secret Manager at runtime, since it’s more secure</a:t>
-            </a:r>
+            <a:endParaRPr lang="en-US"/>
           </a:p>
         </p:txBody>
       </p:sp>
@@ -1861,7 +2174,7 @@
     </p:spTree>
     <p:extLst>
       <p:ext uri="{BB962C8B-B14F-4D97-AF65-F5344CB8AC3E}">
-        <p14:creationId xmlns:p14="http://schemas.microsoft.com/office/powerpoint/2010/main" val="2216393245"/>
+        <p14:creationId xmlns:p14="http://schemas.microsoft.com/office/powerpoint/2010/main" val="2133419073"/>
       </p:ext>
     </p:extLst>
   </p:cSld>
@@ -8592,6 +8905,1253 @@
 </file>
 
 <file path=ppt/slides/slide10.xml><?xml version="1.0" encoding="utf-8"?>
+<p:sld xmlns:a="http://schemas.openxmlformats.org/drawingml/2006/main" xmlns:r="http://schemas.openxmlformats.org/officeDocument/2006/relationships" xmlns:p="http://schemas.openxmlformats.org/presentationml/2006/main">
+  <p:cSld>
+    <p:bg>
+      <p:bgPr>
+        <a:solidFill>
+          <a:srgbClr val="505050"/>
+        </a:solidFill>
+        <a:effectLst/>
+      </p:bgPr>
+    </p:bg>
+    <p:spTree>
+      <p:nvGrpSpPr>
+        <p:cNvPr id="1" name=""/>
+        <p:cNvGrpSpPr/>
+        <p:nvPr/>
+      </p:nvGrpSpPr>
+      <p:grpSpPr>
+        <a:xfrm>
+          <a:off x="0" y="0"/>
+          <a:ext cx="0" cy="0"/>
+          <a:chOff x="0" y="0"/>
+          <a:chExt cx="0" cy="0"/>
+        </a:xfrm>
+      </p:grpSpPr>
+      <p:sp>
+        <p:nvSpPr>
+          <p:cNvPr id="2" name="Title 1"/>
+          <p:cNvSpPr>
+            <a:spLocks noGrp="1"/>
+          </p:cNvSpPr>
+          <p:nvPr>
+            <p:ph type="title"/>
+          </p:nvPr>
+        </p:nvSpPr>
+        <p:spPr>
+          <a:xfrm>
+            <a:off x="838200" y="365125"/>
+            <a:ext cx="10515600" cy="1325563"/>
+          </a:xfrm>
+        </p:spPr>
+        <p:txBody>
+          <a:bodyPr/>
+          <a:lstStyle/>
+          <a:p>
+            <a:r>
+              <a:rPr lang="en-US"/>
+              <a:t>Azure Key Vault</a:t>
+            </a:r>
+            <a:endParaRPr lang="en-US" dirty="0"/>
+          </a:p>
+        </p:txBody>
+      </p:sp>
+      <p:sp>
+        <p:nvSpPr>
+          <p:cNvPr id="3" name="Content Placeholder 2"/>
+          <p:cNvSpPr>
+            <a:spLocks noGrp="1"/>
+          </p:cNvSpPr>
+          <p:nvPr>
+            <p:ph idx="1"/>
+          </p:nvPr>
+        </p:nvSpPr>
+        <p:spPr>
+          <a:xfrm>
+            <a:off x="838200" y="1825625"/>
+            <a:ext cx="10515600" cy="4351338"/>
+          </a:xfrm>
+        </p:spPr>
+        <p:txBody>
+          <a:bodyPr/>
+          <a:lstStyle/>
+          <a:p>
+            <a:r>
+              <a:rPr lang="en-US" dirty="0"/>
+              <a:t>VS 15.7 introduces Connected Services node Key Vault creation</a:t>
+            </a:r>
+          </a:p>
+          <a:p>
+            <a:pPr lvl="1"/>
+            <a:r>
+              <a:rPr lang="en-US" dirty="0"/>
+              <a:t>Solution Explorer &gt; double-click Connected Services &gt; Secure Secrets with Azure Key Vault</a:t>
+            </a:r>
+          </a:p>
+        </p:txBody>
+      </p:sp>
+    </p:spTree>
+    <p:extLst>
+      <p:ext uri="{BB962C8B-B14F-4D97-AF65-F5344CB8AC3E}">
+        <p14:creationId xmlns:p14="http://schemas.microsoft.com/office/powerpoint/2010/main" val="1332892662"/>
+      </p:ext>
+    </p:extLst>
+  </p:cSld>
+  <p:clrMapOvr>
+    <a:masterClrMapping/>
+  </p:clrMapOvr>
+  <p:timing>
+    <p:tnLst>
+      <p:par>
+        <p:cTn id="1" dur="indefinite" restart="never" nodeType="tmRoot">
+          <p:childTnLst>
+            <p:seq concurrent="1" nextAc="seek">
+              <p:cTn id="2" dur="indefinite" nodeType="mainSeq">
+                <p:childTnLst>
+                  <p:par>
+                    <p:cTn id="3" fill="hold">
+                      <p:stCondLst>
+                        <p:cond delay="indefinite"/>
+                      </p:stCondLst>
+                      <p:childTnLst>
+                        <p:par>
+                          <p:cTn id="4" fill="hold">
+                            <p:stCondLst>
+                              <p:cond delay="0"/>
+                            </p:stCondLst>
+                            <p:childTnLst>
+                              <p:par>
+                                <p:cTn id="5" presetID="10" presetClass="entr" presetSubtype="0" fill="hold" nodeType="clickEffect">
+                                  <p:stCondLst>
+                                    <p:cond delay="0"/>
+                                  </p:stCondLst>
+                                  <p:childTnLst>
+                                    <p:set>
+                                      <p:cBhvr>
+                                        <p:cTn id="6" dur="1" fill="hold">
+                                          <p:stCondLst>
+                                            <p:cond delay="0"/>
+                                          </p:stCondLst>
+                                        </p:cTn>
+                                        <p:tgtEl>
+                                          <p:spTgt spid="3">
+                                            <p:txEl>
+                                              <p:pRg st="0" end="0"/>
+                                            </p:txEl>
+                                          </p:spTgt>
+                                        </p:tgtEl>
+                                        <p:attrNameLst>
+                                          <p:attrName>style.visibility</p:attrName>
+                                        </p:attrNameLst>
+                                      </p:cBhvr>
+                                      <p:to>
+                                        <p:strVal val="visible"/>
+                                      </p:to>
+                                    </p:set>
+                                    <p:animEffect transition="in" filter="fade">
+                                      <p:cBhvr>
+                                        <p:cTn id="7" dur="500"/>
+                                        <p:tgtEl>
+                                          <p:spTgt spid="3">
+                                            <p:txEl>
+                                              <p:pRg st="0" end="0"/>
+                                            </p:txEl>
+                                          </p:spTgt>
+                                        </p:tgtEl>
+                                      </p:cBhvr>
+                                    </p:animEffect>
+                                  </p:childTnLst>
+                                </p:cTn>
+                              </p:par>
+                            </p:childTnLst>
+                          </p:cTn>
+                        </p:par>
+                      </p:childTnLst>
+                    </p:cTn>
+                  </p:par>
+                  <p:par>
+                    <p:cTn id="8" fill="hold">
+                      <p:stCondLst>
+                        <p:cond delay="indefinite"/>
+                      </p:stCondLst>
+                      <p:childTnLst>
+                        <p:par>
+                          <p:cTn id="9" fill="hold">
+                            <p:stCondLst>
+                              <p:cond delay="0"/>
+                            </p:stCondLst>
+                            <p:childTnLst>
+                              <p:par>
+                                <p:cTn id="10" presetID="10" presetClass="entr" presetSubtype="0" fill="hold" nodeType="clickEffect">
+                                  <p:stCondLst>
+                                    <p:cond delay="0"/>
+                                  </p:stCondLst>
+                                  <p:childTnLst>
+                                    <p:set>
+                                      <p:cBhvr>
+                                        <p:cTn id="11" dur="1" fill="hold">
+                                          <p:stCondLst>
+                                            <p:cond delay="0"/>
+                                          </p:stCondLst>
+                                        </p:cTn>
+                                        <p:tgtEl>
+                                          <p:spTgt spid="3">
+                                            <p:txEl>
+                                              <p:pRg st="1" end="1"/>
+                                            </p:txEl>
+                                          </p:spTgt>
+                                        </p:tgtEl>
+                                        <p:attrNameLst>
+                                          <p:attrName>style.visibility</p:attrName>
+                                        </p:attrNameLst>
+                                      </p:cBhvr>
+                                      <p:to>
+                                        <p:strVal val="visible"/>
+                                      </p:to>
+                                    </p:set>
+                                    <p:animEffect transition="in" filter="fade">
+                                      <p:cBhvr>
+                                        <p:cTn id="12" dur="500"/>
+                                        <p:tgtEl>
+                                          <p:spTgt spid="3">
+                                            <p:txEl>
+                                              <p:pRg st="1" end="1"/>
+                                            </p:txEl>
+                                          </p:spTgt>
+                                        </p:tgtEl>
+                                      </p:cBhvr>
+                                    </p:animEffect>
+                                  </p:childTnLst>
+                                </p:cTn>
+                              </p:par>
+                            </p:childTnLst>
+                          </p:cTn>
+                        </p:par>
+                      </p:childTnLst>
+                    </p:cTn>
+                  </p:par>
+                </p:childTnLst>
+              </p:cTn>
+              <p:prevCondLst>
+                <p:cond evt="onPrev" delay="0">
+                  <p:tgtEl>
+                    <p:sldTgt/>
+                  </p:tgtEl>
+                </p:cond>
+              </p:prevCondLst>
+              <p:nextCondLst>
+                <p:cond evt="onNext" delay="0">
+                  <p:tgtEl>
+                    <p:sldTgt/>
+                  </p:tgtEl>
+                </p:cond>
+              </p:nextCondLst>
+            </p:seq>
+          </p:childTnLst>
+        </p:cTn>
+      </p:par>
+    </p:tnLst>
+  </p:timing>
+</p:sld>
+</file>
+
+<file path=ppt/slides/slide11.xml><?xml version="1.0" encoding="utf-8"?>
+<p:sld xmlns:a="http://schemas.openxmlformats.org/drawingml/2006/main" xmlns:r="http://schemas.openxmlformats.org/officeDocument/2006/relationships" xmlns:p="http://schemas.openxmlformats.org/presentationml/2006/main">
+  <p:cSld>
+    <p:bg>
+      <p:bgPr>
+        <a:solidFill>
+          <a:srgbClr val="505050"/>
+        </a:solidFill>
+        <a:effectLst/>
+      </p:bgPr>
+    </p:bg>
+    <p:spTree>
+      <p:nvGrpSpPr>
+        <p:cNvPr id="1" name=""/>
+        <p:cNvGrpSpPr/>
+        <p:nvPr/>
+      </p:nvGrpSpPr>
+      <p:grpSpPr>
+        <a:xfrm>
+          <a:off x="0" y="0"/>
+          <a:ext cx="0" cy="0"/>
+          <a:chOff x="0" y="0"/>
+          <a:chExt cx="0" cy="0"/>
+        </a:xfrm>
+      </p:grpSpPr>
+      <p:sp>
+        <p:nvSpPr>
+          <p:cNvPr id="9" name="Content Placeholder 8">
+            <a:extLst>
+              <a:ext uri="{FF2B5EF4-FFF2-40B4-BE49-F238E27FC236}">
+                <a16:creationId xmlns:a16="http://schemas.microsoft.com/office/drawing/2014/main" id="{1D1D5618-6BDF-4FDD-A68D-6252FC8A99C0}"/>
+              </a:ext>
+            </a:extLst>
+          </p:cNvPr>
+          <p:cNvSpPr>
+            <a:spLocks noGrp="1"/>
+          </p:cNvSpPr>
+          <p:nvPr>
+            <p:ph idx="1"/>
+          </p:nvPr>
+        </p:nvSpPr>
+        <p:spPr/>
+        <p:txBody>
+          <a:bodyPr/>
+          <a:lstStyle/>
+          <a:p>
+            <a:pPr marL="0" indent="0">
+              <a:buNone/>
+            </a:pPr>
+            <a:endParaRPr lang="en-US" dirty="0"/>
+          </a:p>
+        </p:txBody>
+      </p:sp>
+      <p:sp>
+        <p:nvSpPr>
+          <p:cNvPr id="2" name="Title 1"/>
+          <p:cNvSpPr>
+            <a:spLocks noGrp="1"/>
+          </p:cNvSpPr>
+          <p:nvPr>
+            <p:ph type="title"/>
+          </p:nvPr>
+        </p:nvSpPr>
+        <p:spPr/>
+        <p:txBody>
+          <a:bodyPr/>
+          <a:lstStyle/>
+          <a:p>
+            <a:r>
+              <a:rPr lang="en-US" dirty="0"/>
+              <a:t>Comparison of solutions</a:t>
+            </a:r>
+          </a:p>
+        </p:txBody>
+      </p:sp>
+      <p:graphicFrame>
+        <p:nvGraphicFramePr>
+          <p:cNvPr id="5" name="Table 4">
+            <a:extLst>
+              <a:ext uri="{FF2B5EF4-FFF2-40B4-BE49-F238E27FC236}">
+                <a16:creationId xmlns:a16="http://schemas.microsoft.com/office/drawing/2014/main" id="{B11B5F89-CEA0-4F9B-8FF2-082E53048DC8}"/>
+              </a:ext>
+            </a:extLst>
+          </p:cNvPr>
+          <p:cNvGraphicFramePr>
+            <a:graphicFrameLocks noGrp="1"/>
+          </p:cNvGraphicFramePr>
+          <p:nvPr>
+            <p:extLst>
+              <p:ext uri="{D42A27DB-BD31-4B8C-83A1-F6EECF244321}">
+                <p14:modId xmlns:p14="http://schemas.microsoft.com/office/powerpoint/2010/main" val="1432491185"/>
+              </p:ext>
+            </p:extLst>
+          </p:nvPr>
+        </p:nvGraphicFramePr>
+        <p:xfrm>
+          <a:off x="976923" y="2017151"/>
+          <a:ext cx="8575201" cy="3017520"/>
+        </p:xfrm>
+        <a:graphic>
+          <a:graphicData uri="http://schemas.openxmlformats.org/drawingml/2006/table">
+            <a:tbl>
+              <a:tblPr firstRow="1" bandRow="1">
+                <a:tableStyleId>{327F97BB-C833-4FB7-BDE5-3F7075034690}</a:tableStyleId>
+              </a:tblPr>
+              <a:tblGrid>
+                <a:gridCol w="3374195">
+                  <a:extLst>
+                    <a:ext uri="{9D8B030D-6E8A-4147-A177-3AD203B41FA5}">
+                      <a16:colId xmlns:a16="http://schemas.microsoft.com/office/drawing/2014/main" val="3393553294"/>
+                    </a:ext>
+                  </a:extLst>
+                </a:gridCol>
+                <a:gridCol w="2623693">
+                  <a:extLst>
+                    <a:ext uri="{9D8B030D-6E8A-4147-A177-3AD203B41FA5}">
+                      <a16:colId xmlns:a16="http://schemas.microsoft.com/office/drawing/2014/main" val="3103465248"/>
+                    </a:ext>
+                  </a:extLst>
+                </a:gridCol>
+                <a:gridCol w="2577313">
+                  <a:extLst>
+                    <a:ext uri="{9D8B030D-6E8A-4147-A177-3AD203B41FA5}">
+                      <a16:colId xmlns:a16="http://schemas.microsoft.com/office/drawing/2014/main" val="1329647999"/>
+                    </a:ext>
+                  </a:extLst>
+                </a:gridCol>
+              </a:tblGrid>
+              <a:tr h="0">
+                <a:tc>
+                  <a:txBody>
+                    <a:bodyPr/>
+                    <a:lstStyle/>
+                    <a:p>
+                      <a:endParaRPr lang="en-US" sz="2800" b="1" dirty="0"/>
+                    </a:p>
+                  </a:txBody>
+                  <a:tcPr>
+                    <a:lnL w="12700" cap="flat" cmpd="sng" algn="ctr">
+                      <a:solidFill>
+                        <a:schemeClr val="tx1"/>
+                      </a:solidFill>
+                      <a:prstDash val="solid"/>
+                      <a:round/>
+                      <a:headEnd type="none" w="med" len="med"/>
+                      <a:tailEnd type="none" w="med" len="med"/>
+                    </a:lnL>
+                    <a:lnR w="12700" cap="flat" cmpd="sng" algn="ctr">
+                      <a:solidFill>
+                        <a:schemeClr val="tx1"/>
+                      </a:solidFill>
+                      <a:prstDash val="solid"/>
+                      <a:round/>
+                      <a:headEnd type="none" w="med" len="med"/>
+                      <a:tailEnd type="none" w="med" len="med"/>
+                    </a:lnR>
+                    <a:lnT w="12700" cap="flat" cmpd="sng" algn="ctr">
+                      <a:solidFill>
+                        <a:schemeClr val="tx1"/>
+                      </a:solidFill>
+                      <a:prstDash val="solid"/>
+                      <a:round/>
+                      <a:headEnd type="none" w="med" len="med"/>
+                      <a:tailEnd type="none" w="med" len="med"/>
+                    </a:lnT>
+                    <a:lnB w="12700" cap="flat" cmpd="sng" algn="ctr">
+                      <a:solidFill>
+                        <a:schemeClr val="tx1"/>
+                      </a:solidFill>
+                      <a:prstDash val="solid"/>
+                      <a:round/>
+                      <a:headEnd type="none" w="med" len="med"/>
+                      <a:tailEnd type="none" w="med" len="med"/>
+                    </a:lnB>
+                  </a:tcPr>
+                </a:tc>
+                <a:tc>
+                  <a:txBody>
+                    <a:bodyPr/>
+                    <a:lstStyle/>
+                    <a:p>
+                      <a:r>
+                        <a:rPr lang="en-US" sz="2800" dirty="0"/>
+                        <a:t>Secret Manager</a:t>
+                      </a:r>
+                    </a:p>
+                  </a:txBody>
+                  <a:tcPr>
+                    <a:lnL w="12700" cap="flat" cmpd="sng" algn="ctr">
+                      <a:solidFill>
+                        <a:schemeClr val="tx1"/>
+                      </a:solidFill>
+                      <a:prstDash val="solid"/>
+                      <a:round/>
+                      <a:headEnd type="none" w="med" len="med"/>
+                      <a:tailEnd type="none" w="med" len="med"/>
+                    </a:lnL>
+                    <a:lnR w="12700" cap="flat" cmpd="sng" algn="ctr">
+                      <a:solidFill>
+                        <a:schemeClr val="tx1"/>
+                      </a:solidFill>
+                      <a:prstDash val="solid"/>
+                      <a:round/>
+                      <a:headEnd type="none" w="med" len="med"/>
+                      <a:tailEnd type="none" w="med" len="med"/>
+                    </a:lnR>
+                    <a:lnT w="12700" cap="flat" cmpd="sng" algn="ctr">
+                      <a:solidFill>
+                        <a:schemeClr val="tx1"/>
+                      </a:solidFill>
+                      <a:prstDash val="solid"/>
+                      <a:round/>
+                      <a:headEnd type="none" w="med" len="med"/>
+                      <a:tailEnd type="none" w="med" len="med"/>
+                    </a:lnT>
+                    <a:lnB w="12700" cap="flat" cmpd="sng" algn="ctr">
+                      <a:solidFill>
+                        <a:schemeClr val="tx1"/>
+                      </a:solidFill>
+                      <a:prstDash val="solid"/>
+                      <a:round/>
+                      <a:headEnd type="none" w="med" len="med"/>
+                      <a:tailEnd type="none" w="med" len="med"/>
+                    </a:lnB>
+                  </a:tcPr>
+                </a:tc>
+                <a:tc>
+                  <a:txBody>
+                    <a:bodyPr/>
+                    <a:lstStyle/>
+                    <a:p>
+                      <a:r>
+                        <a:rPr lang="en-US" sz="2800" dirty="0"/>
+                        <a:t>Azure Key Vault</a:t>
+                      </a:r>
+                    </a:p>
+                  </a:txBody>
+                  <a:tcPr>
+                    <a:lnL w="12700" cap="flat" cmpd="sng" algn="ctr">
+                      <a:solidFill>
+                        <a:schemeClr val="tx1"/>
+                      </a:solidFill>
+                      <a:prstDash val="solid"/>
+                      <a:round/>
+                      <a:headEnd type="none" w="med" len="med"/>
+                      <a:tailEnd type="none" w="med" len="med"/>
+                    </a:lnL>
+                    <a:lnR w="12700" cap="flat" cmpd="sng" algn="ctr">
+                      <a:solidFill>
+                        <a:schemeClr val="tx1"/>
+                      </a:solidFill>
+                      <a:prstDash val="solid"/>
+                      <a:round/>
+                      <a:headEnd type="none" w="med" len="med"/>
+                      <a:tailEnd type="none" w="med" len="med"/>
+                    </a:lnR>
+                    <a:lnT w="12700" cap="flat" cmpd="sng" algn="ctr">
+                      <a:solidFill>
+                        <a:schemeClr val="tx1"/>
+                      </a:solidFill>
+                      <a:prstDash val="solid"/>
+                      <a:round/>
+                      <a:headEnd type="none" w="med" len="med"/>
+                      <a:tailEnd type="none" w="med" len="med"/>
+                    </a:lnT>
+                    <a:lnB w="12700" cap="flat" cmpd="sng" algn="ctr">
+                      <a:solidFill>
+                        <a:schemeClr val="tx1"/>
+                      </a:solidFill>
+                      <a:prstDash val="solid"/>
+                      <a:round/>
+                      <a:headEnd type="none" w="med" len="med"/>
+                      <a:tailEnd type="none" w="med" len="med"/>
+                    </a:lnB>
+                  </a:tcPr>
+                </a:tc>
+                <a:extLst>
+                  <a:ext uri="{0D108BD9-81ED-4DB2-BD59-A6C34878D82A}">
+                    <a16:rowId xmlns:a16="http://schemas.microsoft.com/office/drawing/2014/main" val="1056126699"/>
+                  </a:ext>
+                </a:extLst>
+              </a:tr>
+              <a:tr h="370840">
+                <a:tc>
+                  <a:txBody>
+                    <a:bodyPr/>
+                    <a:lstStyle/>
+                    <a:p>
+                      <a:pPr marL="0" marR="0" lvl="0" indent="0" algn="l" defTabSz="914400" rtl="0" eaLnBrk="1" fontAlgn="auto" latinLnBrk="0" hangingPunct="1">
+                        <a:lnSpc>
+                          <a:spcPct val="100000"/>
+                        </a:lnSpc>
+                        <a:spcBef>
+                          <a:spcPts val="0"/>
+                        </a:spcBef>
+                        <a:spcAft>
+                          <a:spcPts val="0"/>
+                        </a:spcAft>
+                        <a:buClrTx/>
+                        <a:buSzTx/>
+                        <a:buFontTx/>
+                        <a:buNone/>
+                        <a:tabLst/>
+                        <a:defRPr/>
+                      </a:pPr>
+                      <a:r>
+                        <a:rPr lang="en-US" sz="2800" b="1" dirty="0"/>
+                        <a:t>Environments</a:t>
+                      </a:r>
+                    </a:p>
+                  </a:txBody>
+                  <a:tcPr>
+                    <a:lnL w="12700" cap="flat" cmpd="sng" algn="ctr">
+                      <a:solidFill>
+                        <a:schemeClr val="tx1"/>
+                      </a:solidFill>
+                      <a:prstDash val="solid"/>
+                      <a:round/>
+                      <a:headEnd type="none" w="med" len="med"/>
+                      <a:tailEnd type="none" w="med" len="med"/>
+                    </a:lnL>
+                    <a:lnR w="12700" cap="flat" cmpd="sng" algn="ctr">
+                      <a:solidFill>
+                        <a:schemeClr val="tx1"/>
+                      </a:solidFill>
+                      <a:prstDash val="solid"/>
+                      <a:round/>
+                      <a:headEnd type="none" w="med" len="med"/>
+                      <a:tailEnd type="none" w="med" len="med"/>
+                    </a:lnR>
+                    <a:lnT w="12700" cap="flat" cmpd="sng" algn="ctr">
+                      <a:solidFill>
+                        <a:schemeClr val="tx1"/>
+                      </a:solidFill>
+                      <a:prstDash val="solid"/>
+                      <a:round/>
+                      <a:headEnd type="none" w="med" len="med"/>
+                      <a:tailEnd type="none" w="med" len="med"/>
+                    </a:lnT>
+                    <a:lnB w="12700" cap="flat" cmpd="sng" algn="ctr">
+                      <a:solidFill>
+                        <a:schemeClr val="tx1"/>
+                      </a:solidFill>
+                      <a:prstDash val="solid"/>
+                      <a:round/>
+                      <a:headEnd type="none" w="med" len="med"/>
+                      <a:tailEnd type="none" w="med" len="med"/>
+                    </a:lnB>
+                  </a:tcPr>
+                </a:tc>
+                <a:tc>
+                  <a:txBody>
+                    <a:bodyPr/>
+                    <a:lstStyle/>
+                    <a:p>
+                      <a:r>
+                        <a:rPr lang="en-US" sz="2800" dirty="0"/>
+                        <a:t>Dev</a:t>
+                      </a:r>
+                    </a:p>
+                  </a:txBody>
+                  <a:tcPr>
+                    <a:lnL w="12700" cap="flat" cmpd="sng" algn="ctr">
+                      <a:solidFill>
+                        <a:schemeClr val="tx1"/>
+                      </a:solidFill>
+                      <a:prstDash val="solid"/>
+                      <a:round/>
+                      <a:headEnd type="none" w="med" len="med"/>
+                      <a:tailEnd type="none" w="med" len="med"/>
+                    </a:lnL>
+                    <a:lnR w="12700" cap="flat" cmpd="sng" algn="ctr">
+                      <a:solidFill>
+                        <a:schemeClr val="tx1"/>
+                      </a:solidFill>
+                      <a:prstDash val="solid"/>
+                      <a:round/>
+                      <a:headEnd type="none" w="med" len="med"/>
+                      <a:tailEnd type="none" w="med" len="med"/>
+                    </a:lnR>
+                    <a:lnT w="12700" cap="flat" cmpd="sng" algn="ctr">
+                      <a:solidFill>
+                        <a:schemeClr val="tx1"/>
+                      </a:solidFill>
+                      <a:prstDash val="solid"/>
+                      <a:round/>
+                      <a:headEnd type="none" w="med" len="med"/>
+                      <a:tailEnd type="none" w="med" len="med"/>
+                    </a:lnT>
+                    <a:lnB w="12700" cap="flat" cmpd="sng" algn="ctr">
+                      <a:solidFill>
+                        <a:schemeClr val="tx1"/>
+                      </a:solidFill>
+                      <a:prstDash val="solid"/>
+                      <a:round/>
+                      <a:headEnd type="none" w="med" len="med"/>
+                      <a:tailEnd type="none" w="med" len="med"/>
+                    </a:lnB>
+                  </a:tcPr>
+                </a:tc>
+                <a:tc>
+                  <a:txBody>
+                    <a:bodyPr/>
+                    <a:lstStyle/>
+                    <a:p>
+                      <a:r>
+                        <a:rPr lang="en-US" sz="2800" dirty="0"/>
+                        <a:t>Dev, Prod</a:t>
+                      </a:r>
+                    </a:p>
+                  </a:txBody>
+                  <a:tcPr>
+                    <a:lnL w="12700" cap="flat" cmpd="sng" algn="ctr">
+                      <a:solidFill>
+                        <a:schemeClr val="tx1"/>
+                      </a:solidFill>
+                      <a:prstDash val="solid"/>
+                      <a:round/>
+                      <a:headEnd type="none" w="med" len="med"/>
+                      <a:tailEnd type="none" w="med" len="med"/>
+                    </a:lnL>
+                    <a:lnR w="12700" cap="flat" cmpd="sng" algn="ctr">
+                      <a:solidFill>
+                        <a:schemeClr val="tx1"/>
+                      </a:solidFill>
+                      <a:prstDash val="solid"/>
+                      <a:round/>
+                      <a:headEnd type="none" w="med" len="med"/>
+                      <a:tailEnd type="none" w="med" len="med"/>
+                    </a:lnR>
+                    <a:lnT w="12700" cap="flat" cmpd="sng" algn="ctr">
+                      <a:solidFill>
+                        <a:schemeClr val="tx1"/>
+                      </a:solidFill>
+                      <a:prstDash val="solid"/>
+                      <a:round/>
+                      <a:headEnd type="none" w="med" len="med"/>
+                      <a:tailEnd type="none" w="med" len="med"/>
+                    </a:lnT>
+                    <a:lnB w="12700" cap="flat" cmpd="sng" algn="ctr">
+                      <a:solidFill>
+                        <a:schemeClr val="tx1"/>
+                      </a:solidFill>
+                      <a:prstDash val="solid"/>
+                      <a:round/>
+                      <a:headEnd type="none" w="med" len="med"/>
+                      <a:tailEnd type="none" w="med" len="med"/>
+                    </a:lnB>
+                  </a:tcPr>
+                </a:tc>
+                <a:extLst>
+                  <a:ext uri="{0D108BD9-81ED-4DB2-BD59-A6C34878D82A}">
+                    <a16:rowId xmlns:a16="http://schemas.microsoft.com/office/drawing/2014/main" val="3600246297"/>
+                  </a:ext>
+                </a:extLst>
+              </a:tr>
+              <a:tr h="370840">
+                <a:tc>
+                  <a:txBody>
+                    <a:bodyPr/>
+                    <a:lstStyle/>
+                    <a:p>
+                      <a:pPr marL="0" marR="0" lvl="0" indent="0" algn="l" defTabSz="914400" rtl="0" eaLnBrk="1" fontAlgn="auto" latinLnBrk="0" hangingPunct="1">
+                        <a:lnSpc>
+                          <a:spcPct val="100000"/>
+                        </a:lnSpc>
+                        <a:spcBef>
+                          <a:spcPts val="0"/>
+                        </a:spcBef>
+                        <a:spcAft>
+                          <a:spcPts val="0"/>
+                        </a:spcAft>
+                        <a:buClrTx/>
+                        <a:buSzTx/>
+                        <a:buFontTx/>
+                        <a:buNone/>
+                        <a:tabLst/>
+                        <a:defRPr/>
+                      </a:pPr>
+                      <a:r>
+                        <a:rPr lang="en-US" sz="2800" b="1" dirty="0"/>
+                        <a:t>Pricing</a:t>
+                      </a:r>
+                    </a:p>
+                  </a:txBody>
+                  <a:tcPr>
+                    <a:lnL w="12700" cap="flat" cmpd="sng" algn="ctr">
+                      <a:solidFill>
+                        <a:schemeClr val="tx1"/>
+                      </a:solidFill>
+                      <a:prstDash val="solid"/>
+                      <a:round/>
+                      <a:headEnd type="none" w="med" len="med"/>
+                      <a:tailEnd type="none" w="med" len="med"/>
+                    </a:lnL>
+                    <a:lnR w="12700" cap="flat" cmpd="sng" algn="ctr">
+                      <a:solidFill>
+                        <a:schemeClr val="tx1"/>
+                      </a:solidFill>
+                      <a:prstDash val="solid"/>
+                      <a:round/>
+                      <a:headEnd type="none" w="med" len="med"/>
+                      <a:tailEnd type="none" w="med" len="med"/>
+                    </a:lnR>
+                    <a:lnT w="12700" cap="flat" cmpd="sng" algn="ctr">
+                      <a:solidFill>
+                        <a:schemeClr val="tx1"/>
+                      </a:solidFill>
+                      <a:prstDash val="solid"/>
+                      <a:round/>
+                      <a:headEnd type="none" w="med" len="med"/>
+                      <a:tailEnd type="none" w="med" len="med"/>
+                    </a:lnT>
+                    <a:lnB w="12700" cap="flat" cmpd="sng" algn="ctr">
+                      <a:solidFill>
+                        <a:schemeClr val="tx1"/>
+                      </a:solidFill>
+                      <a:prstDash val="solid"/>
+                      <a:round/>
+                      <a:headEnd type="none" w="med" len="med"/>
+                      <a:tailEnd type="none" w="med" len="med"/>
+                    </a:lnB>
+                  </a:tcPr>
+                </a:tc>
+                <a:tc>
+                  <a:txBody>
+                    <a:bodyPr/>
+                    <a:lstStyle/>
+                    <a:p>
+                      <a:r>
+                        <a:rPr lang="en-US" sz="2800" dirty="0"/>
+                        <a:t>Free</a:t>
+                      </a:r>
+                    </a:p>
+                  </a:txBody>
+                  <a:tcPr>
+                    <a:lnL w="12700" cap="flat" cmpd="sng" algn="ctr">
+                      <a:solidFill>
+                        <a:schemeClr val="tx1"/>
+                      </a:solidFill>
+                      <a:prstDash val="solid"/>
+                      <a:round/>
+                      <a:headEnd type="none" w="med" len="med"/>
+                      <a:tailEnd type="none" w="med" len="med"/>
+                    </a:lnL>
+                    <a:lnR w="12700" cap="flat" cmpd="sng" algn="ctr">
+                      <a:solidFill>
+                        <a:schemeClr val="tx1"/>
+                      </a:solidFill>
+                      <a:prstDash val="solid"/>
+                      <a:round/>
+                      <a:headEnd type="none" w="med" len="med"/>
+                      <a:tailEnd type="none" w="med" len="med"/>
+                    </a:lnR>
+                    <a:lnT w="12700" cap="flat" cmpd="sng" algn="ctr">
+                      <a:solidFill>
+                        <a:schemeClr val="tx1"/>
+                      </a:solidFill>
+                      <a:prstDash val="solid"/>
+                      <a:round/>
+                      <a:headEnd type="none" w="med" len="med"/>
+                      <a:tailEnd type="none" w="med" len="med"/>
+                    </a:lnT>
+                    <a:lnB w="12700" cap="flat" cmpd="sng" algn="ctr">
+                      <a:solidFill>
+                        <a:schemeClr val="tx1"/>
+                      </a:solidFill>
+                      <a:prstDash val="solid"/>
+                      <a:round/>
+                      <a:headEnd type="none" w="med" len="med"/>
+                      <a:tailEnd type="none" w="med" len="med"/>
+                    </a:lnB>
+                  </a:tcPr>
+                </a:tc>
+                <a:tc>
+                  <a:txBody>
+                    <a:bodyPr/>
+                    <a:lstStyle/>
+                    <a:p>
+                      <a:r>
+                        <a:rPr lang="en-US" sz="2800" dirty="0"/>
+                        <a:t>$0.03 / 10k operations</a:t>
+                      </a:r>
+                    </a:p>
+                  </a:txBody>
+                  <a:tcPr>
+                    <a:lnL w="12700" cap="flat" cmpd="sng" algn="ctr">
+                      <a:solidFill>
+                        <a:schemeClr val="tx1"/>
+                      </a:solidFill>
+                      <a:prstDash val="solid"/>
+                      <a:round/>
+                      <a:headEnd type="none" w="med" len="med"/>
+                      <a:tailEnd type="none" w="med" len="med"/>
+                    </a:lnL>
+                    <a:lnR w="12700" cap="flat" cmpd="sng" algn="ctr">
+                      <a:solidFill>
+                        <a:schemeClr val="tx1"/>
+                      </a:solidFill>
+                      <a:prstDash val="solid"/>
+                      <a:round/>
+                      <a:headEnd type="none" w="med" len="med"/>
+                      <a:tailEnd type="none" w="med" len="med"/>
+                    </a:lnR>
+                    <a:lnT w="12700" cap="flat" cmpd="sng" algn="ctr">
+                      <a:solidFill>
+                        <a:schemeClr val="tx1"/>
+                      </a:solidFill>
+                      <a:prstDash val="solid"/>
+                      <a:round/>
+                      <a:headEnd type="none" w="med" len="med"/>
+                      <a:tailEnd type="none" w="med" len="med"/>
+                    </a:lnT>
+                    <a:lnB w="12700" cap="flat" cmpd="sng" algn="ctr">
+                      <a:solidFill>
+                        <a:schemeClr val="tx1"/>
+                      </a:solidFill>
+                      <a:prstDash val="solid"/>
+                      <a:round/>
+                      <a:headEnd type="none" w="med" len="med"/>
+                      <a:tailEnd type="none" w="med" len="med"/>
+                    </a:lnB>
+                  </a:tcPr>
+                </a:tc>
+                <a:extLst>
+                  <a:ext uri="{0D108BD9-81ED-4DB2-BD59-A6C34878D82A}">
+                    <a16:rowId xmlns:a16="http://schemas.microsoft.com/office/drawing/2014/main" val="3242695606"/>
+                  </a:ext>
+                </a:extLst>
+              </a:tr>
+              <a:tr h="370840">
+                <a:tc>
+                  <a:txBody>
+                    <a:bodyPr/>
+                    <a:lstStyle/>
+                    <a:p>
+                      <a:pPr marL="0" marR="0" lvl="0" indent="0" algn="l" defTabSz="914400" rtl="0" eaLnBrk="1" fontAlgn="auto" latinLnBrk="0" hangingPunct="1">
+                        <a:lnSpc>
+                          <a:spcPct val="100000"/>
+                        </a:lnSpc>
+                        <a:spcBef>
+                          <a:spcPts val="0"/>
+                        </a:spcBef>
+                        <a:spcAft>
+                          <a:spcPts val="0"/>
+                        </a:spcAft>
+                        <a:buClrTx/>
+                        <a:buSzTx/>
+                        <a:buFontTx/>
+                        <a:buNone/>
+                        <a:tabLst/>
+                        <a:defRPr/>
+                      </a:pPr>
+                      <a:r>
+                        <a:rPr lang="en-US" sz="2800" b="1" dirty="0"/>
+                        <a:t>Encryption</a:t>
+                      </a:r>
+                    </a:p>
+                  </a:txBody>
+                  <a:tcPr>
+                    <a:lnL w="12700" cap="flat" cmpd="sng" algn="ctr">
+                      <a:solidFill>
+                        <a:schemeClr val="tx1"/>
+                      </a:solidFill>
+                      <a:prstDash val="solid"/>
+                      <a:round/>
+                      <a:headEnd type="none" w="med" len="med"/>
+                      <a:tailEnd type="none" w="med" len="med"/>
+                    </a:lnL>
+                    <a:lnR w="12700" cap="flat" cmpd="sng" algn="ctr">
+                      <a:solidFill>
+                        <a:schemeClr val="tx1"/>
+                      </a:solidFill>
+                      <a:prstDash val="solid"/>
+                      <a:round/>
+                      <a:headEnd type="none" w="med" len="med"/>
+                      <a:tailEnd type="none" w="med" len="med"/>
+                    </a:lnR>
+                    <a:lnT w="12700" cap="flat" cmpd="sng" algn="ctr">
+                      <a:solidFill>
+                        <a:schemeClr val="tx1"/>
+                      </a:solidFill>
+                      <a:prstDash val="solid"/>
+                      <a:round/>
+                      <a:headEnd type="none" w="med" len="med"/>
+                      <a:tailEnd type="none" w="med" len="med"/>
+                    </a:lnT>
+                    <a:lnB w="12700" cap="flat" cmpd="sng" algn="ctr">
+                      <a:solidFill>
+                        <a:schemeClr val="tx1"/>
+                      </a:solidFill>
+                      <a:prstDash val="solid"/>
+                      <a:round/>
+                      <a:headEnd type="none" w="med" len="med"/>
+                      <a:tailEnd type="none" w="med" len="med"/>
+                    </a:lnB>
+                  </a:tcPr>
+                </a:tc>
+                <a:tc>
+                  <a:txBody>
+                    <a:bodyPr/>
+                    <a:lstStyle/>
+                    <a:p>
+                      <a:r>
+                        <a:rPr lang="en-US" sz="2800" dirty="0"/>
+                        <a:t>No</a:t>
+                      </a:r>
+                    </a:p>
+                  </a:txBody>
+                  <a:tcPr>
+                    <a:lnL w="12700" cap="flat" cmpd="sng" algn="ctr">
+                      <a:solidFill>
+                        <a:schemeClr val="tx1"/>
+                      </a:solidFill>
+                      <a:prstDash val="solid"/>
+                      <a:round/>
+                      <a:headEnd type="none" w="med" len="med"/>
+                      <a:tailEnd type="none" w="med" len="med"/>
+                    </a:lnL>
+                    <a:lnR w="12700" cap="flat" cmpd="sng" algn="ctr">
+                      <a:solidFill>
+                        <a:schemeClr val="tx1"/>
+                      </a:solidFill>
+                      <a:prstDash val="solid"/>
+                      <a:round/>
+                      <a:headEnd type="none" w="med" len="med"/>
+                      <a:tailEnd type="none" w="med" len="med"/>
+                    </a:lnR>
+                    <a:lnT w="12700" cap="flat" cmpd="sng" algn="ctr">
+                      <a:solidFill>
+                        <a:schemeClr val="tx1"/>
+                      </a:solidFill>
+                      <a:prstDash val="solid"/>
+                      <a:round/>
+                      <a:headEnd type="none" w="med" len="med"/>
+                      <a:tailEnd type="none" w="med" len="med"/>
+                    </a:lnT>
+                    <a:lnB w="12700" cap="flat" cmpd="sng" algn="ctr">
+                      <a:solidFill>
+                        <a:schemeClr val="tx1"/>
+                      </a:solidFill>
+                      <a:prstDash val="solid"/>
+                      <a:round/>
+                      <a:headEnd type="none" w="med" len="med"/>
+                      <a:tailEnd type="none" w="med" len="med"/>
+                    </a:lnB>
+                  </a:tcPr>
+                </a:tc>
+                <a:tc>
+                  <a:txBody>
+                    <a:bodyPr/>
+                    <a:lstStyle/>
+                    <a:p>
+                      <a:r>
+                        <a:rPr lang="en-US" sz="2800" dirty="0"/>
+                        <a:t>Yes</a:t>
+                      </a:r>
+                    </a:p>
+                  </a:txBody>
+                  <a:tcPr>
+                    <a:lnL w="12700" cap="flat" cmpd="sng" algn="ctr">
+                      <a:solidFill>
+                        <a:schemeClr val="tx1"/>
+                      </a:solidFill>
+                      <a:prstDash val="solid"/>
+                      <a:round/>
+                      <a:headEnd type="none" w="med" len="med"/>
+                      <a:tailEnd type="none" w="med" len="med"/>
+                    </a:lnL>
+                    <a:lnR w="12700" cap="flat" cmpd="sng" algn="ctr">
+                      <a:solidFill>
+                        <a:schemeClr val="tx1"/>
+                      </a:solidFill>
+                      <a:prstDash val="solid"/>
+                      <a:round/>
+                      <a:headEnd type="none" w="med" len="med"/>
+                      <a:tailEnd type="none" w="med" len="med"/>
+                    </a:lnR>
+                    <a:lnT w="12700" cap="flat" cmpd="sng" algn="ctr">
+                      <a:solidFill>
+                        <a:schemeClr val="tx1"/>
+                      </a:solidFill>
+                      <a:prstDash val="solid"/>
+                      <a:round/>
+                      <a:headEnd type="none" w="med" len="med"/>
+                      <a:tailEnd type="none" w="med" len="med"/>
+                    </a:lnT>
+                    <a:lnB w="12700" cap="flat" cmpd="sng" algn="ctr">
+                      <a:solidFill>
+                        <a:schemeClr val="tx1"/>
+                      </a:solidFill>
+                      <a:prstDash val="solid"/>
+                      <a:round/>
+                      <a:headEnd type="none" w="med" len="med"/>
+                      <a:tailEnd type="none" w="med" len="med"/>
+                    </a:lnB>
+                  </a:tcPr>
+                </a:tc>
+                <a:extLst>
+                  <a:ext uri="{0D108BD9-81ED-4DB2-BD59-A6C34878D82A}">
+                    <a16:rowId xmlns:a16="http://schemas.microsoft.com/office/drawing/2014/main" val="4113498180"/>
+                  </a:ext>
+                </a:extLst>
+              </a:tr>
+              <a:tr h="370840">
+                <a:tc>
+                  <a:txBody>
+                    <a:bodyPr/>
+                    <a:lstStyle/>
+                    <a:p>
+                      <a:pPr marL="0" marR="0" lvl="0" indent="0" algn="l" defTabSz="914400" rtl="0" eaLnBrk="1" fontAlgn="auto" latinLnBrk="0" hangingPunct="1">
+                        <a:lnSpc>
+                          <a:spcPct val="100000"/>
+                        </a:lnSpc>
+                        <a:spcBef>
+                          <a:spcPts val="0"/>
+                        </a:spcBef>
+                        <a:spcAft>
+                          <a:spcPts val="0"/>
+                        </a:spcAft>
+                        <a:buClrTx/>
+                        <a:buSzTx/>
+                        <a:buFontTx/>
+                        <a:buNone/>
+                        <a:tabLst/>
+                        <a:defRPr/>
+                      </a:pPr>
+                      <a:r>
+                        <a:rPr lang="en-US" sz="2800" b="1" dirty="0"/>
+                        <a:t>Storage</a:t>
+                      </a:r>
+                    </a:p>
+                  </a:txBody>
+                  <a:tcPr>
+                    <a:lnL w="12700" cap="flat" cmpd="sng" algn="ctr">
+                      <a:solidFill>
+                        <a:schemeClr val="tx1"/>
+                      </a:solidFill>
+                      <a:prstDash val="solid"/>
+                      <a:round/>
+                      <a:headEnd type="none" w="med" len="med"/>
+                      <a:tailEnd type="none" w="med" len="med"/>
+                    </a:lnL>
+                    <a:lnR w="12700" cap="flat" cmpd="sng" algn="ctr">
+                      <a:solidFill>
+                        <a:schemeClr val="tx1"/>
+                      </a:solidFill>
+                      <a:prstDash val="solid"/>
+                      <a:round/>
+                      <a:headEnd type="none" w="med" len="med"/>
+                      <a:tailEnd type="none" w="med" len="med"/>
+                    </a:lnR>
+                    <a:lnT w="12700" cap="flat" cmpd="sng" algn="ctr">
+                      <a:solidFill>
+                        <a:schemeClr val="tx1"/>
+                      </a:solidFill>
+                      <a:prstDash val="solid"/>
+                      <a:round/>
+                      <a:headEnd type="none" w="med" len="med"/>
+                      <a:tailEnd type="none" w="med" len="med"/>
+                    </a:lnT>
+                    <a:lnB w="12700" cap="flat" cmpd="sng" algn="ctr">
+                      <a:solidFill>
+                        <a:schemeClr val="tx1"/>
+                      </a:solidFill>
+                      <a:prstDash val="solid"/>
+                      <a:round/>
+                      <a:headEnd type="none" w="med" len="med"/>
+                      <a:tailEnd type="none" w="med" len="med"/>
+                    </a:lnB>
+                  </a:tcPr>
+                </a:tc>
+                <a:tc>
+                  <a:txBody>
+                    <a:bodyPr/>
+                    <a:lstStyle/>
+                    <a:p>
+                      <a:r>
+                        <a:rPr lang="en-US" sz="2800" dirty="0"/>
+                        <a:t>Local machine</a:t>
+                      </a:r>
+                    </a:p>
+                  </a:txBody>
+                  <a:tcPr>
+                    <a:lnL w="12700" cap="flat" cmpd="sng" algn="ctr">
+                      <a:solidFill>
+                        <a:schemeClr val="tx1"/>
+                      </a:solidFill>
+                      <a:prstDash val="solid"/>
+                      <a:round/>
+                      <a:headEnd type="none" w="med" len="med"/>
+                      <a:tailEnd type="none" w="med" len="med"/>
+                    </a:lnL>
+                    <a:lnR w="12700" cap="flat" cmpd="sng" algn="ctr">
+                      <a:solidFill>
+                        <a:schemeClr val="tx1"/>
+                      </a:solidFill>
+                      <a:prstDash val="solid"/>
+                      <a:round/>
+                      <a:headEnd type="none" w="med" len="med"/>
+                      <a:tailEnd type="none" w="med" len="med"/>
+                    </a:lnR>
+                    <a:lnT w="12700" cap="flat" cmpd="sng" algn="ctr">
+                      <a:solidFill>
+                        <a:schemeClr val="tx1"/>
+                      </a:solidFill>
+                      <a:prstDash val="solid"/>
+                      <a:round/>
+                      <a:headEnd type="none" w="med" len="med"/>
+                      <a:tailEnd type="none" w="med" len="med"/>
+                    </a:lnT>
+                    <a:lnB w="12700" cap="flat" cmpd="sng" algn="ctr">
+                      <a:solidFill>
+                        <a:schemeClr val="tx1"/>
+                      </a:solidFill>
+                      <a:prstDash val="solid"/>
+                      <a:round/>
+                      <a:headEnd type="none" w="med" len="med"/>
+                      <a:tailEnd type="none" w="med" len="med"/>
+                    </a:lnB>
+                  </a:tcPr>
+                </a:tc>
+                <a:tc>
+                  <a:txBody>
+                    <a:bodyPr/>
+                    <a:lstStyle/>
+                    <a:p>
+                      <a:r>
+                        <a:rPr lang="en-US" sz="2800" dirty="0"/>
+                        <a:t>Azure Storage</a:t>
+                      </a:r>
+                    </a:p>
+                  </a:txBody>
+                  <a:tcPr>
+                    <a:lnL w="12700" cap="flat" cmpd="sng" algn="ctr">
+                      <a:solidFill>
+                        <a:schemeClr val="tx1"/>
+                      </a:solidFill>
+                      <a:prstDash val="solid"/>
+                      <a:round/>
+                      <a:headEnd type="none" w="med" len="med"/>
+                      <a:tailEnd type="none" w="med" len="med"/>
+                    </a:lnL>
+                    <a:lnR w="12700" cap="flat" cmpd="sng" algn="ctr">
+                      <a:solidFill>
+                        <a:schemeClr val="tx1"/>
+                      </a:solidFill>
+                      <a:prstDash val="solid"/>
+                      <a:round/>
+                      <a:headEnd type="none" w="med" len="med"/>
+                      <a:tailEnd type="none" w="med" len="med"/>
+                    </a:lnR>
+                    <a:lnT w="12700" cap="flat" cmpd="sng" algn="ctr">
+                      <a:solidFill>
+                        <a:schemeClr val="tx1"/>
+                      </a:solidFill>
+                      <a:prstDash val="solid"/>
+                      <a:round/>
+                      <a:headEnd type="none" w="med" len="med"/>
+                      <a:tailEnd type="none" w="med" len="med"/>
+                    </a:lnT>
+                    <a:lnB w="12700" cap="flat" cmpd="sng" algn="ctr">
+                      <a:solidFill>
+                        <a:schemeClr val="tx1"/>
+                      </a:solidFill>
+                      <a:prstDash val="solid"/>
+                      <a:round/>
+                      <a:headEnd type="none" w="med" len="med"/>
+                      <a:tailEnd type="none" w="med" len="med"/>
+                    </a:lnB>
+                  </a:tcPr>
+                </a:tc>
+                <a:extLst>
+                  <a:ext uri="{0D108BD9-81ED-4DB2-BD59-A6C34878D82A}">
+                    <a16:rowId xmlns:a16="http://schemas.microsoft.com/office/drawing/2014/main" val="2053637856"/>
+                  </a:ext>
+                </a:extLst>
+              </a:tr>
+            </a:tbl>
+          </a:graphicData>
+        </a:graphic>
+      </p:graphicFrame>
+    </p:spTree>
+    <p:extLst>
+      <p:ext uri="{BB962C8B-B14F-4D97-AF65-F5344CB8AC3E}">
+        <p14:creationId xmlns:p14="http://schemas.microsoft.com/office/powerpoint/2010/main" val="2274126501"/>
+      </p:ext>
+    </p:extLst>
+  </p:cSld>
+  <p:clrMapOvr>
+    <a:masterClrMapping/>
+  </p:clrMapOvr>
+</p:sld>
+</file>
+
+<file path=ppt/slides/slide12.xml><?xml version="1.0" encoding="utf-8"?>
 <p:sld xmlns:a="http://schemas.openxmlformats.org/drawingml/2006/main" xmlns:r="http://schemas.openxmlformats.org/officeDocument/2006/relationships" xmlns:p="http://schemas.openxmlformats.org/presentationml/2006/main">
   <p:cSld>
     <p:bg>
@@ -12028,13 +13588,29 @@
       </p:grpSpPr>
       <p:sp>
         <p:nvSpPr>
-          <p:cNvPr id="9" name="Content Placeholder 8">
-            <a:extLst>
-              <a:ext uri="{FF2B5EF4-FFF2-40B4-BE49-F238E27FC236}">
-                <a16:creationId xmlns:a16="http://schemas.microsoft.com/office/drawing/2014/main" id="{1D1D5618-6BDF-4FDD-A68D-6252FC8A99C0}"/>
-              </a:ext>
-            </a:extLst>
-          </p:cNvPr>
+          <p:cNvPr id="2" name="Title 1"/>
+          <p:cNvSpPr>
+            <a:spLocks noGrp="1"/>
+          </p:cNvSpPr>
+          <p:nvPr>
+            <p:ph type="title"/>
+          </p:nvPr>
+        </p:nvSpPr>
+        <p:spPr/>
+        <p:txBody>
+          <a:bodyPr/>
+          <a:lstStyle/>
+          <a:p>
+            <a:r>
+              <a:rPr lang="en-US" dirty="0"/>
+              <a:t>Secret Manager</a:t>
+            </a:r>
+          </a:p>
+        </p:txBody>
+      </p:sp>
+      <p:sp>
+        <p:nvSpPr>
+          <p:cNvPr id="3" name="Content Placeholder 2"/>
           <p:cNvSpPr>
             <a:spLocks noGrp="1"/>
           </p:cNvSpPr>
@@ -12044,921 +13620,485 @@
         </p:nvSpPr>
         <p:spPr/>
         <p:txBody>
-          <a:bodyPr/>
+          <a:bodyPr>
+            <a:normAutofit fontScale="92500" lnSpcReduction="10000"/>
+          </a:bodyPr>
           <a:lstStyle/>
           <a:p>
             <a:pPr marL="0" indent="0">
               <a:buNone/>
             </a:pPr>
+            <a:r>
+              <a:rPr lang="en-US" dirty="0">
+                <a:solidFill>
+                  <a:schemeClr val="accent4"/>
+                </a:solidFill>
+              </a:rPr>
+              <a:t>Prerequisites</a:t>
+            </a:r>
+          </a:p>
+          <a:p>
+            <a:r>
+              <a:rPr lang="en-US" dirty="0"/>
+              <a:t>.NET Core SDK v2.1</a:t>
+            </a:r>
+          </a:p>
+          <a:p>
+            <a:r>
+              <a:rPr lang="en-US" dirty="0"/>
+              <a:t>Visual Studio 2017</a:t>
+            </a:r>
+          </a:p>
+          <a:p>
+            <a:pPr lvl="1"/>
+            <a:r>
+              <a:rPr lang="en-US" dirty="0"/>
+              <a:t>.NET Core cross-platform development</a:t>
+            </a:r>
+          </a:p>
+          <a:p>
+            <a:pPr lvl="1"/>
+            <a:r>
+              <a:rPr lang="en-US" dirty="0"/>
+              <a:t>ASP.NET and web development</a:t>
+            </a:r>
+          </a:p>
+          <a:p>
+            <a:pPr lvl="1"/>
             <a:endParaRPr lang="en-US" dirty="0"/>
           </a:p>
-        </p:txBody>
-      </p:sp>
-      <p:sp>
-        <p:nvSpPr>
-          <p:cNvPr id="2" name="Title 1"/>
-          <p:cNvSpPr>
-            <a:spLocks noGrp="1"/>
-          </p:cNvSpPr>
-          <p:nvPr>
-            <p:ph type="title"/>
-          </p:nvPr>
-        </p:nvSpPr>
-        <p:spPr/>
-        <p:txBody>
-          <a:bodyPr/>
-          <a:lstStyle/>
-          <a:p>
+          <a:p>
+            <a:pPr marL="0" indent="0">
+              <a:buNone/>
+            </a:pPr>
+            <a:r>
+              <a:rPr lang="en-US" dirty="0">
+                <a:solidFill>
+                  <a:schemeClr val="accent4"/>
+                </a:solidFill>
+              </a:rPr>
+              <a:t>Usage</a:t>
+            </a:r>
+          </a:p>
+          <a:p>
+            <a:pPr marL="0" indent="0">
+              <a:buNone/>
+            </a:pPr>
+            <a:r>
+              <a:rPr lang="en-US" b="1" dirty="0">
+                <a:latin typeface="Courier New" panose="02070309020205020404" pitchFamily="49" charset="0"/>
+                <a:cs typeface="Courier New" panose="02070309020205020404" pitchFamily="49" charset="0"/>
+              </a:rPr>
+              <a:t>&gt;</a:t>
+            </a:r>
+            <a:r>
+              <a:rPr lang="en-US" dirty="0">
+                <a:latin typeface="Courier New" panose="02070309020205020404" pitchFamily="49" charset="0"/>
+                <a:cs typeface="Courier New" panose="02070309020205020404" pitchFamily="49" charset="0"/>
+              </a:rPr>
+              <a:t> dotnet user-secrets</a:t>
+            </a:r>
             <a:r>
               <a:rPr lang="en-US" dirty="0"/>
-              <a:t>Comparison of solutions</a:t>
-            </a:r>
-          </a:p>
-        </p:txBody>
-      </p:sp>
-      <p:graphicFrame>
-        <p:nvGraphicFramePr>
-          <p:cNvPr id="5" name="Table 4">
-            <a:extLst>
-              <a:ext uri="{FF2B5EF4-FFF2-40B4-BE49-F238E27FC236}">
-                <a16:creationId xmlns:a16="http://schemas.microsoft.com/office/drawing/2014/main" id="{B11B5F89-CEA0-4F9B-8FF2-082E53048DC8}"/>
-              </a:ext>
-            </a:extLst>
-          </p:cNvPr>
-          <p:cNvGraphicFramePr>
-            <a:graphicFrameLocks noGrp="1"/>
-          </p:cNvGraphicFramePr>
-          <p:nvPr>
-            <p:extLst>
-              <p:ext uri="{D42A27DB-BD31-4B8C-83A1-F6EECF244321}">
-                <p14:modId xmlns:p14="http://schemas.microsoft.com/office/powerpoint/2010/main" val="1083158645"/>
-              </p:ext>
-            </p:extLst>
-          </p:nvPr>
-        </p:nvGraphicFramePr>
-        <p:xfrm>
-          <a:off x="976923" y="2017151"/>
-          <a:ext cx="9583555" cy="3261360"/>
-        </p:xfrm>
-        <a:graphic>
-          <a:graphicData uri="http://schemas.openxmlformats.org/drawingml/2006/table">
-            <a:tbl>
-              <a:tblPr firstRow="1" bandRow="1">
-                <a:tableStyleId>{327F97BB-C833-4FB7-BDE5-3F7075034690}</a:tableStyleId>
-              </a:tblPr>
-              <a:tblGrid>
-                <a:gridCol w="2142461">
-                  <a:extLst>
-                    <a:ext uri="{9D8B030D-6E8A-4147-A177-3AD203B41FA5}">
-                      <a16:colId xmlns:a16="http://schemas.microsoft.com/office/drawing/2014/main" val="3393553294"/>
-                    </a:ext>
-                  </a:extLst>
-                </a:gridCol>
-                <a:gridCol w="2290318">
-                  <a:extLst>
-                    <a:ext uri="{9D8B030D-6E8A-4147-A177-3AD203B41FA5}">
-                      <a16:colId xmlns:a16="http://schemas.microsoft.com/office/drawing/2014/main" val="3103465248"/>
-                    </a:ext>
-                  </a:extLst>
-                </a:gridCol>
-                <a:gridCol w="1636477">
-                  <a:extLst>
-                    <a:ext uri="{9D8B030D-6E8A-4147-A177-3AD203B41FA5}">
-                      <a16:colId xmlns:a16="http://schemas.microsoft.com/office/drawing/2014/main" val="1329647999"/>
-                    </a:ext>
-                  </a:extLst>
-                </a:gridCol>
-                <a:gridCol w="1877822">
-                  <a:extLst>
-                    <a:ext uri="{9D8B030D-6E8A-4147-A177-3AD203B41FA5}">
-                      <a16:colId xmlns:a16="http://schemas.microsoft.com/office/drawing/2014/main" val="1748776855"/>
-                    </a:ext>
-                  </a:extLst>
-                </a:gridCol>
-                <a:gridCol w="1636477">
-                  <a:extLst>
-                    <a:ext uri="{9D8B030D-6E8A-4147-A177-3AD203B41FA5}">
-                      <a16:colId xmlns:a16="http://schemas.microsoft.com/office/drawing/2014/main" val="792689166"/>
-                    </a:ext>
-                  </a:extLst>
-                </a:gridCol>
-              </a:tblGrid>
-              <a:tr h="0">
-                <a:tc>
-                  <a:txBody>
-                    <a:bodyPr/>
-                    <a:lstStyle/>
-                    <a:p>
-                      <a:endParaRPr lang="en-US" sz="2800" b="1" dirty="0"/>
-                    </a:p>
-                  </a:txBody>
-                  <a:tcPr>
-                    <a:lnL w="12700" cap="flat" cmpd="sng" algn="ctr">
-                      <a:solidFill>
-                        <a:schemeClr val="tx1"/>
-                      </a:solidFill>
-                      <a:prstDash val="solid"/>
-                      <a:round/>
-                      <a:headEnd type="none" w="med" len="med"/>
-                      <a:tailEnd type="none" w="med" len="med"/>
-                    </a:lnL>
-                    <a:lnR w="12700" cap="flat" cmpd="sng" algn="ctr">
-                      <a:solidFill>
-                        <a:schemeClr val="tx1"/>
-                      </a:solidFill>
-                      <a:prstDash val="solid"/>
-                      <a:round/>
-                      <a:headEnd type="none" w="med" len="med"/>
-                      <a:tailEnd type="none" w="med" len="med"/>
-                    </a:lnR>
-                    <a:lnT w="12700" cap="flat" cmpd="sng" algn="ctr">
-                      <a:solidFill>
-                        <a:schemeClr val="tx1"/>
-                      </a:solidFill>
-                      <a:prstDash val="solid"/>
-                      <a:round/>
-                      <a:headEnd type="none" w="med" len="med"/>
-                      <a:tailEnd type="none" w="med" len="med"/>
-                    </a:lnT>
-                    <a:lnB w="12700" cap="flat" cmpd="sng" algn="ctr">
-                      <a:solidFill>
-                        <a:schemeClr val="tx1"/>
-                      </a:solidFill>
-                      <a:prstDash val="solid"/>
-                      <a:round/>
-                      <a:headEnd type="none" w="med" len="med"/>
-                      <a:tailEnd type="none" w="med" len="med"/>
-                    </a:lnB>
-                  </a:tcPr>
-                </a:tc>
-                <a:tc>
-                  <a:txBody>
-                    <a:bodyPr/>
-                    <a:lstStyle/>
-                    <a:p>
-                      <a:r>
-                        <a:rPr lang="en-US" sz="2800" dirty="0"/>
-                        <a:t>Environments</a:t>
-                      </a:r>
-                    </a:p>
-                  </a:txBody>
-                  <a:tcPr>
-                    <a:lnL w="12700" cap="flat" cmpd="sng" algn="ctr">
-                      <a:solidFill>
-                        <a:schemeClr val="tx1"/>
-                      </a:solidFill>
-                      <a:prstDash val="solid"/>
-                      <a:round/>
-                      <a:headEnd type="none" w="med" len="med"/>
-                      <a:tailEnd type="none" w="med" len="med"/>
-                    </a:lnL>
-                    <a:lnR w="12700" cap="flat" cmpd="sng" algn="ctr">
-                      <a:solidFill>
-                        <a:schemeClr val="tx1"/>
-                      </a:solidFill>
-                      <a:prstDash val="solid"/>
-                      <a:round/>
-                      <a:headEnd type="none" w="med" len="med"/>
-                      <a:tailEnd type="none" w="med" len="med"/>
-                    </a:lnR>
-                    <a:lnT w="12700" cap="flat" cmpd="sng" algn="ctr">
-                      <a:solidFill>
-                        <a:schemeClr val="tx1"/>
-                      </a:solidFill>
-                      <a:prstDash val="solid"/>
-                      <a:round/>
-                      <a:headEnd type="none" w="med" len="med"/>
-                      <a:tailEnd type="none" w="med" len="med"/>
-                    </a:lnT>
-                    <a:lnB w="12700" cap="flat" cmpd="sng" algn="ctr">
-                      <a:solidFill>
-                        <a:schemeClr val="tx1"/>
-                      </a:solidFill>
-                      <a:prstDash val="solid"/>
-                      <a:round/>
-                      <a:headEnd type="none" w="med" len="med"/>
-                      <a:tailEnd type="none" w="med" len="med"/>
-                    </a:lnB>
-                  </a:tcPr>
-                </a:tc>
-                <a:tc>
-                  <a:txBody>
-                    <a:bodyPr/>
-                    <a:lstStyle/>
-                    <a:p>
-                      <a:r>
-                        <a:rPr lang="en-US" sz="2800" dirty="0"/>
-                        <a:t>Pricing</a:t>
-                      </a:r>
-                    </a:p>
-                  </a:txBody>
-                  <a:tcPr>
-                    <a:lnL w="12700" cap="flat" cmpd="sng" algn="ctr">
-                      <a:solidFill>
-                        <a:schemeClr val="tx1"/>
-                      </a:solidFill>
-                      <a:prstDash val="solid"/>
-                      <a:round/>
-                      <a:headEnd type="none" w="med" len="med"/>
-                      <a:tailEnd type="none" w="med" len="med"/>
-                    </a:lnL>
-                    <a:lnR w="12700" cap="flat" cmpd="sng" algn="ctr">
-                      <a:solidFill>
-                        <a:schemeClr val="tx1"/>
-                      </a:solidFill>
-                      <a:prstDash val="solid"/>
-                      <a:round/>
-                      <a:headEnd type="none" w="med" len="med"/>
-                      <a:tailEnd type="none" w="med" len="med"/>
-                    </a:lnR>
-                    <a:lnT w="12700" cap="flat" cmpd="sng" algn="ctr">
-                      <a:solidFill>
-                        <a:schemeClr val="tx1"/>
-                      </a:solidFill>
-                      <a:prstDash val="solid"/>
-                      <a:round/>
-                      <a:headEnd type="none" w="med" len="med"/>
-                      <a:tailEnd type="none" w="med" len="med"/>
-                    </a:lnT>
-                    <a:lnB w="12700" cap="flat" cmpd="sng" algn="ctr">
-                      <a:solidFill>
-                        <a:schemeClr val="tx1"/>
-                      </a:solidFill>
-                      <a:prstDash val="solid"/>
-                      <a:round/>
-                      <a:headEnd type="none" w="med" len="med"/>
-                      <a:tailEnd type="none" w="med" len="med"/>
-                    </a:lnB>
-                  </a:tcPr>
-                </a:tc>
-                <a:tc>
-                  <a:txBody>
-                    <a:bodyPr/>
-                    <a:lstStyle/>
-                    <a:p>
-                      <a:r>
-                        <a:rPr lang="en-US" sz="2800" dirty="0"/>
-                        <a:t>Encryption</a:t>
-                      </a:r>
-                    </a:p>
-                  </a:txBody>
-                  <a:tcPr>
-                    <a:lnL w="12700" cap="flat" cmpd="sng" algn="ctr">
-                      <a:solidFill>
-                        <a:schemeClr val="tx1"/>
-                      </a:solidFill>
-                      <a:prstDash val="solid"/>
-                      <a:round/>
-                      <a:headEnd type="none" w="med" len="med"/>
-                      <a:tailEnd type="none" w="med" len="med"/>
-                    </a:lnL>
-                    <a:lnR w="12700" cap="flat" cmpd="sng" algn="ctr">
-                      <a:solidFill>
-                        <a:schemeClr val="tx1"/>
-                      </a:solidFill>
-                      <a:prstDash val="solid"/>
-                      <a:round/>
-                      <a:headEnd type="none" w="med" len="med"/>
-                      <a:tailEnd type="none" w="med" len="med"/>
-                    </a:lnR>
-                    <a:lnT w="12700" cap="flat" cmpd="sng" algn="ctr">
-                      <a:solidFill>
-                        <a:schemeClr val="tx1"/>
-                      </a:solidFill>
-                      <a:prstDash val="solid"/>
-                      <a:round/>
-                      <a:headEnd type="none" w="med" len="med"/>
-                      <a:tailEnd type="none" w="med" len="med"/>
-                    </a:lnT>
-                    <a:lnB w="12700" cap="flat" cmpd="sng" algn="ctr">
-                      <a:solidFill>
-                        <a:schemeClr val="tx1"/>
-                      </a:solidFill>
-                      <a:prstDash val="solid"/>
-                      <a:round/>
-                      <a:headEnd type="none" w="med" len="med"/>
-                      <a:tailEnd type="none" w="med" len="med"/>
-                    </a:lnB>
-                  </a:tcPr>
-                </a:tc>
-                <a:tc>
-                  <a:txBody>
-                    <a:bodyPr/>
-                    <a:lstStyle/>
-                    <a:p>
-                      <a:r>
-                        <a:rPr lang="en-US" sz="2800" dirty="0"/>
-                        <a:t>Storage</a:t>
-                      </a:r>
-                    </a:p>
-                  </a:txBody>
-                  <a:tcPr>
-                    <a:lnL w="12700" cap="flat" cmpd="sng" algn="ctr">
-                      <a:solidFill>
-                        <a:schemeClr val="tx1"/>
-                      </a:solidFill>
-                      <a:prstDash val="solid"/>
-                      <a:round/>
-                      <a:headEnd type="none" w="med" len="med"/>
-                      <a:tailEnd type="none" w="med" len="med"/>
-                    </a:lnL>
-                    <a:lnR w="12700" cap="flat" cmpd="sng" algn="ctr">
-                      <a:solidFill>
-                        <a:schemeClr val="tx1"/>
-                      </a:solidFill>
-                      <a:prstDash val="solid"/>
-                      <a:round/>
-                      <a:headEnd type="none" w="med" len="med"/>
-                      <a:tailEnd type="none" w="med" len="med"/>
-                    </a:lnR>
-                    <a:lnT w="12700" cap="flat" cmpd="sng" algn="ctr">
-                      <a:solidFill>
-                        <a:schemeClr val="tx1"/>
-                      </a:solidFill>
-                      <a:prstDash val="solid"/>
-                      <a:round/>
-                      <a:headEnd type="none" w="med" len="med"/>
-                      <a:tailEnd type="none" w="med" len="med"/>
-                    </a:lnT>
-                    <a:lnB w="12700" cap="flat" cmpd="sng" algn="ctr">
-                      <a:solidFill>
-                        <a:schemeClr val="tx1"/>
-                      </a:solidFill>
-                      <a:prstDash val="solid"/>
-                      <a:round/>
-                      <a:headEnd type="none" w="med" len="med"/>
-                      <a:tailEnd type="none" w="med" len="med"/>
-                    </a:lnB>
-                  </a:tcPr>
-                </a:tc>
-                <a:extLst>
-                  <a:ext uri="{0D108BD9-81ED-4DB2-BD59-A6C34878D82A}">
-                    <a16:rowId xmlns:a16="http://schemas.microsoft.com/office/drawing/2014/main" val="1056126699"/>
-                  </a:ext>
-                </a:extLst>
-              </a:tr>
-              <a:tr h="370840">
-                <a:tc>
-                  <a:txBody>
-                    <a:bodyPr/>
-                    <a:lstStyle/>
-                    <a:p>
-                      <a:pPr marL="0" marR="0" lvl="0" indent="0" algn="l" defTabSz="914400" rtl="0" eaLnBrk="1" fontAlgn="auto" latinLnBrk="0" hangingPunct="1">
-                        <a:lnSpc>
-                          <a:spcPct val="100000"/>
-                        </a:lnSpc>
-                        <a:spcBef>
-                          <a:spcPts val="0"/>
-                        </a:spcBef>
-                        <a:spcAft>
-                          <a:spcPts val="0"/>
-                        </a:spcAft>
-                        <a:buClrTx/>
-                        <a:buSzTx/>
-                        <a:buFontTx/>
-                        <a:buNone/>
-                        <a:tabLst/>
-                        <a:defRPr/>
-                      </a:pPr>
-                      <a:r>
-                        <a:rPr lang="en-US" sz="2800" b="1" dirty="0"/>
-                        <a:t>Secret Manager</a:t>
-                      </a:r>
-                    </a:p>
-                  </a:txBody>
-                  <a:tcPr>
-                    <a:lnL w="12700" cap="flat" cmpd="sng" algn="ctr">
-                      <a:solidFill>
-                        <a:schemeClr val="tx1"/>
-                      </a:solidFill>
-                      <a:prstDash val="solid"/>
-                      <a:round/>
-                      <a:headEnd type="none" w="med" len="med"/>
-                      <a:tailEnd type="none" w="med" len="med"/>
-                    </a:lnL>
-                    <a:lnR w="12700" cap="flat" cmpd="sng" algn="ctr">
-                      <a:solidFill>
-                        <a:schemeClr val="tx1"/>
-                      </a:solidFill>
-                      <a:prstDash val="solid"/>
-                      <a:round/>
-                      <a:headEnd type="none" w="med" len="med"/>
-                      <a:tailEnd type="none" w="med" len="med"/>
-                    </a:lnR>
-                    <a:lnT w="12700" cap="flat" cmpd="sng" algn="ctr">
-                      <a:solidFill>
-                        <a:schemeClr val="tx1"/>
-                      </a:solidFill>
-                      <a:prstDash val="solid"/>
-                      <a:round/>
-                      <a:headEnd type="none" w="med" len="med"/>
-                      <a:tailEnd type="none" w="med" len="med"/>
-                    </a:lnT>
-                    <a:lnB w="12700" cap="flat" cmpd="sng" algn="ctr">
-                      <a:solidFill>
-                        <a:schemeClr val="tx1"/>
-                      </a:solidFill>
-                      <a:prstDash val="solid"/>
-                      <a:round/>
-                      <a:headEnd type="none" w="med" len="med"/>
-                      <a:tailEnd type="none" w="med" len="med"/>
-                    </a:lnB>
-                  </a:tcPr>
-                </a:tc>
-                <a:tc>
-                  <a:txBody>
-                    <a:bodyPr/>
-                    <a:lstStyle/>
-                    <a:p>
-                      <a:r>
-                        <a:rPr lang="en-US" sz="2800" dirty="0"/>
-                        <a:t>Dev</a:t>
-                      </a:r>
-                    </a:p>
-                  </a:txBody>
-                  <a:tcPr>
-                    <a:lnL w="12700" cap="flat" cmpd="sng" algn="ctr">
-                      <a:solidFill>
-                        <a:schemeClr val="tx1"/>
-                      </a:solidFill>
-                      <a:prstDash val="solid"/>
-                      <a:round/>
-                      <a:headEnd type="none" w="med" len="med"/>
-                      <a:tailEnd type="none" w="med" len="med"/>
-                    </a:lnL>
-                    <a:lnR w="12700" cap="flat" cmpd="sng" algn="ctr">
-                      <a:solidFill>
-                        <a:schemeClr val="tx1"/>
-                      </a:solidFill>
-                      <a:prstDash val="solid"/>
-                      <a:round/>
-                      <a:headEnd type="none" w="med" len="med"/>
-                      <a:tailEnd type="none" w="med" len="med"/>
-                    </a:lnR>
-                    <a:lnT w="12700" cap="flat" cmpd="sng" algn="ctr">
-                      <a:solidFill>
-                        <a:schemeClr val="tx1"/>
-                      </a:solidFill>
-                      <a:prstDash val="solid"/>
-                      <a:round/>
-                      <a:headEnd type="none" w="med" len="med"/>
-                      <a:tailEnd type="none" w="med" len="med"/>
-                    </a:lnT>
-                    <a:lnB w="12700" cap="flat" cmpd="sng" algn="ctr">
-                      <a:solidFill>
-                        <a:schemeClr val="tx1"/>
-                      </a:solidFill>
-                      <a:prstDash val="solid"/>
-                      <a:round/>
-                      <a:headEnd type="none" w="med" len="med"/>
-                      <a:tailEnd type="none" w="med" len="med"/>
-                    </a:lnB>
-                  </a:tcPr>
-                </a:tc>
-                <a:tc>
-                  <a:txBody>
-                    <a:bodyPr/>
-                    <a:lstStyle/>
-                    <a:p>
-                      <a:r>
-                        <a:rPr lang="en-US" sz="2800" dirty="0"/>
-                        <a:t>Free</a:t>
-                      </a:r>
-                    </a:p>
-                  </a:txBody>
-                  <a:tcPr>
-                    <a:lnL w="12700" cap="flat" cmpd="sng" algn="ctr">
-                      <a:solidFill>
-                        <a:schemeClr val="tx1"/>
-                      </a:solidFill>
-                      <a:prstDash val="solid"/>
-                      <a:round/>
-                      <a:headEnd type="none" w="med" len="med"/>
-                      <a:tailEnd type="none" w="med" len="med"/>
-                    </a:lnL>
-                    <a:lnR w="12700" cap="flat" cmpd="sng" algn="ctr">
-                      <a:solidFill>
-                        <a:schemeClr val="tx1"/>
-                      </a:solidFill>
-                      <a:prstDash val="solid"/>
-                      <a:round/>
-                      <a:headEnd type="none" w="med" len="med"/>
-                      <a:tailEnd type="none" w="med" len="med"/>
-                    </a:lnR>
-                    <a:lnT w="12700" cap="flat" cmpd="sng" algn="ctr">
-                      <a:solidFill>
-                        <a:schemeClr val="tx1"/>
-                      </a:solidFill>
-                      <a:prstDash val="solid"/>
-                      <a:round/>
-                      <a:headEnd type="none" w="med" len="med"/>
-                      <a:tailEnd type="none" w="med" len="med"/>
-                    </a:lnT>
-                    <a:lnB w="12700" cap="flat" cmpd="sng" algn="ctr">
-                      <a:solidFill>
-                        <a:schemeClr val="tx1"/>
-                      </a:solidFill>
-                      <a:prstDash val="solid"/>
-                      <a:round/>
-                      <a:headEnd type="none" w="med" len="med"/>
-                      <a:tailEnd type="none" w="med" len="med"/>
-                    </a:lnB>
-                  </a:tcPr>
-                </a:tc>
-                <a:tc>
-                  <a:txBody>
-                    <a:bodyPr/>
-                    <a:lstStyle/>
-                    <a:p>
-                      <a:r>
-                        <a:rPr lang="en-US" sz="2800" dirty="0"/>
-                        <a:t>No</a:t>
-                      </a:r>
-                    </a:p>
-                  </a:txBody>
-                  <a:tcPr>
-                    <a:lnL w="12700" cap="flat" cmpd="sng" algn="ctr">
-                      <a:solidFill>
-                        <a:schemeClr val="tx1"/>
-                      </a:solidFill>
-                      <a:prstDash val="solid"/>
-                      <a:round/>
-                      <a:headEnd type="none" w="med" len="med"/>
-                      <a:tailEnd type="none" w="med" len="med"/>
-                    </a:lnL>
-                    <a:lnR w="12700" cap="flat" cmpd="sng" algn="ctr">
-                      <a:solidFill>
-                        <a:schemeClr val="tx1"/>
-                      </a:solidFill>
-                      <a:prstDash val="solid"/>
-                      <a:round/>
-                      <a:headEnd type="none" w="med" len="med"/>
-                      <a:tailEnd type="none" w="med" len="med"/>
-                    </a:lnR>
-                    <a:lnT w="12700" cap="flat" cmpd="sng" algn="ctr">
-                      <a:solidFill>
-                        <a:schemeClr val="tx1"/>
-                      </a:solidFill>
-                      <a:prstDash val="solid"/>
-                      <a:round/>
-                      <a:headEnd type="none" w="med" len="med"/>
-                      <a:tailEnd type="none" w="med" len="med"/>
-                    </a:lnT>
-                    <a:lnB w="12700" cap="flat" cmpd="sng" algn="ctr">
-                      <a:solidFill>
-                        <a:schemeClr val="tx1"/>
-                      </a:solidFill>
-                      <a:prstDash val="solid"/>
-                      <a:round/>
-                      <a:headEnd type="none" w="med" len="med"/>
-                      <a:tailEnd type="none" w="med" len="med"/>
-                    </a:lnB>
-                  </a:tcPr>
-                </a:tc>
-                <a:tc>
-                  <a:txBody>
-                    <a:bodyPr/>
-                    <a:lstStyle/>
-                    <a:p>
-                      <a:r>
-                        <a:rPr lang="en-US" sz="2800" dirty="0"/>
-                        <a:t>Local machine</a:t>
-                      </a:r>
-                    </a:p>
-                  </a:txBody>
-                  <a:tcPr>
-                    <a:lnL w="12700" cap="flat" cmpd="sng" algn="ctr">
-                      <a:solidFill>
-                        <a:schemeClr val="tx1"/>
-                      </a:solidFill>
-                      <a:prstDash val="solid"/>
-                      <a:round/>
-                      <a:headEnd type="none" w="med" len="med"/>
-                      <a:tailEnd type="none" w="med" len="med"/>
-                    </a:lnL>
-                    <a:lnR w="12700" cap="flat" cmpd="sng" algn="ctr">
-                      <a:solidFill>
-                        <a:schemeClr val="tx1"/>
-                      </a:solidFill>
-                      <a:prstDash val="solid"/>
-                      <a:round/>
-                      <a:headEnd type="none" w="med" len="med"/>
-                      <a:tailEnd type="none" w="med" len="med"/>
-                    </a:lnR>
-                    <a:lnT w="12700" cap="flat" cmpd="sng" algn="ctr">
-                      <a:solidFill>
-                        <a:schemeClr val="tx1"/>
-                      </a:solidFill>
-                      <a:prstDash val="solid"/>
-                      <a:round/>
-                      <a:headEnd type="none" w="med" len="med"/>
-                      <a:tailEnd type="none" w="med" len="med"/>
-                    </a:lnT>
-                    <a:lnB w="12700" cap="flat" cmpd="sng" algn="ctr">
-                      <a:solidFill>
-                        <a:schemeClr val="tx1"/>
-                      </a:solidFill>
-                      <a:prstDash val="solid"/>
-                      <a:round/>
-                      <a:headEnd type="none" w="med" len="med"/>
-                      <a:tailEnd type="none" w="med" len="med"/>
-                    </a:lnB>
-                  </a:tcPr>
-                </a:tc>
-                <a:extLst>
-                  <a:ext uri="{0D108BD9-81ED-4DB2-BD59-A6C34878D82A}">
-                    <a16:rowId xmlns:a16="http://schemas.microsoft.com/office/drawing/2014/main" val="3600246297"/>
-                  </a:ext>
-                </a:extLst>
-              </a:tr>
-              <a:tr h="370840">
-                <a:tc>
-                  <a:txBody>
-                    <a:bodyPr/>
-                    <a:lstStyle/>
-                    <a:p>
-                      <a:pPr marL="0" marR="0" lvl="0" indent="0" algn="l" defTabSz="914400" rtl="0" eaLnBrk="1" fontAlgn="auto" latinLnBrk="0" hangingPunct="1">
-                        <a:lnSpc>
-                          <a:spcPct val="100000"/>
-                        </a:lnSpc>
-                        <a:spcBef>
-                          <a:spcPts val="0"/>
-                        </a:spcBef>
-                        <a:spcAft>
-                          <a:spcPts val="0"/>
-                        </a:spcAft>
-                        <a:buClrTx/>
-                        <a:buSzTx/>
-                        <a:buFontTx/>
-                        <a:buNone/>
-                        <a:tabLst/>
-                        <a:defRPr/>
-                      </a:pPr>
-                      <a:r>
-                        <a:rPr lang="en-US" sz="2800" b="1" dirty="0"/>
-                        <a:t>Azure Key Vault</a:t>
-                      </a:r>
-                    </a:p>
-                  </a:txBody>
-                  <a:tcPr>
-                    <a:lnL w="12700" cap="flat" cmpd="sng" algn="ctr">
-                      <a:solidFill>
-                        <a:schemeClr val="tx1"/>
-                      </a:solidFill>
-                      <a:prstDash val="solid"/>
-                      <a:round/>
-                      <a:headEnd type="none" w="med" len="med"/>
-                      <a:tailEnd type="none" w="med" len="med"/>
-                    </a:lnL>
-                    <a:lnR w="12700" cap="flat" cmpd="sng" algn="ctr">
-                      <a:solidFill>
-                        <a:schemeClr val="tx1"/>
-                      </a:solidFill>
-                      <a:prstDash val="solid"/>
-                      <a:round/>
-                      <a:headEnd type="none" w="med" len="med"/>
-                      <a:tailEnd type="none" w="med" len="med"/>
-                    </a:lnR>
-                    <a:lnT w="12700" cap="flat" cmpd="sng" algn="ctr">
-                      <a:solidFill>
-                        <a:schemeClr val="tx1"/>
-                      </a:solidFill>
-                      <a:prstDash val="solid"/>
-                      <a:round/>
-                      <a:headEnd type="none" w="med" len="med"/>
-                      <a:tailEnd type="none" w="med" len="med"/>
-                    </a:lnT>
-                    <a:lnB w="12700" cap="flat" cmpd="sng" algn="ctr">
-                      <a:solidFill>
-                        <a:schemeClr val="tx1"/>
-                      </a:solidFill>
-                      <a:prstDash val="solid"/>
-                      <a:round/>
-                      <a:headEnd type="none" w="med" len="med"/>
-                      <a:tailEnd type="none" w="med" len="med"/>
-                    </a:lnB>
-                  </a:tcPr>
-                </a:tc>
-                <a:tc>
-                  <a:txBody>
-                    <a:bodyPr/>
-                    <a:lstStyle/>
-                    <a:p>
-                      <a:r>
-                        <a:rPr lang="en-US" sz="2800" dirty="0"/>
-                        <a:t>All</a:t>
-                      </a:r>
-                    </a:p>
-                  </a:txBody>
-                  <a:tcPr>
-                    <a:lnL w="12700" cap="flat" cmpd="sng" algn="ctr">
-                      <a:solidFill>
-                        <a:schemeClr val="tx1"/>
-                      </a:solidFill>
-                      <a:prstDash val="solid"/>
-                      <a:round/>
-                      <a:headEnd type="none" w="med" len="med"/>
-                      <a:tailEnd type="none" w="med" len="med"/>
-                    </a:lnL>
-                    <a:lnR w="12700" cap="flat" cmpd="sng" algn="ctr">
-                      <a:solidFill>
-                        <a:schemeClr val="tx1"/>
-                      </a:solidFill>
-                      <a:prstDash val="solid"/>
-                      <a:round/>
-                      <a:headEnd type="none" w="med" len="med"/>
-                      <a:tailEnd type="none" w="med" len="med"/>
-                    </a:lnR>
-                    <a:lnT w="12700" cap="flat" cmpd="sng" algn="ctr">
-                      <a:solidFill>
-                        <a:schemeClr val="tx1"/>
-                      </a:solidFill>
-                      <a:prstDash val="solid"/>
-                      <a:round/>
-                      <a:headEnd type="none" w="med" len="med"/>
-                      <a:tailEnd type="none" w="med" len="med"/>
-                    </a:lnT>
-                    <a:lnB w="12700" cap="flat" cmpd="sng" algn="ctr">
-                      <a:solidFill>
-                        <a:schemeClr val="tx1"/>
-                      </a:solidFill>
-                      <a:prstDash val="solid"/>
-                      <a:round/>
-                      <a:headEnd type="none" w="med" len="med"/>
-                      <a:tailEnd type="none" w="med" len="med"/>
-                    </a:lnB>
-                  </a:tcPr>
-                </a:tc>
-                <a:tc>
-                  <a:txBody>
-                    <a:bodyPr/>
-                    <a:lstStyle/>
-                    <a:p>
-                      <a:r>
-                        <a:rPr lang="en-US" sz="2800" dirty="0"/>
-                        <a:t>$0.03 / 10k operations</a:t>
-                      </a:r>
-                    </a:p>
-                  </a:txBody>
-                  <a:tcPr>
-                    <a:lnL w="12700" cap="flat" cmpd="sng" algn="ctr">
-                      <a:solidFill>
-                        <a:schemeClr val="tx1"/>
-                      </a:solidFill>
-                      <a:prstDash val="solid"/>
-                      <a:round/>
-                      <a:headEnd type="none" w="med" len="med"/>
-                      <a:tailEnd type="none" w="med" len="med"/>
-                    </a:lnL>
-                    <a:lnR w="12700" cap="flat" cmpd="sng" algn="ctr">
-                      <a:solidFill>
-                        <a:schemeClr val="tx1"/>
-                      </a:solidFill>
-                      <a:prstDash val="solid"/>
-                      <a:round/>
-                      <a:headEnd type="none" w="med" len="med"/>
-                      <a:tailEnd type="none" w="med" len="med"/>
-                    </a:lnR>
-                    <a:lnT w="12700" cap="flat" cmpd="sng" algn="ctr">
-                      <a:solidFill>
-                        <a:schemeClr val="tx1"/>
-                      </a:solidFill>
-                      <a:prstDash val="solid"/>
-                      <a:round/>
-                      <a:headEnd type="none" w="med" len="med"/>
-                      <a:tailEnd type="none" w="med" len="med"/>
-                    </a:lnT>
-                    <a:lnB w="12700" cap="flat" cmpd="sng" algn="ctr">
-                      <a:solidFill>
-                        <a:schemeClr val="tx1"/>
-                      </a:solidFill>
-                      <a:prstDash val="solid"/>
-                      <a:round/>
-                      <a:headEnd type="none" w="med" len="med"/>
-                      <a:tailEnd type="none" w="med" len="med"/>
-                    </a:lnB>
-                  </a:tcPr>
-                </a:tc>
-                <a:tc>
-                  <a:txBody>
-                    <a:bodyPr/>
-                    <a:lstStyle/>
-                    <a:p>
-                      <a:r>
-                        <a:rPr lang="en-US" sz="2800" dirty="0"/>
-                        <a:t>Yes</a:t>
-                      </a:r>
-                    </a:p>
-                  </a:txBody>
-                  <a:tcPr>
-                    <a:lnL w="12700" cap="flat" cmpd="sng" algn="ctr">
-                      <a:solidFill>
-                        <a:schemeClr val="tx1"/>
-                      </a:solidFill>
-                      <a:prstDash val="solid"/>
-                      <a:round/>
-                      <a:headEnd type="none" w="med" len="med"/>
-                      <a:tailEnd type="none" w="med" len="med"/>
-                    </a:lnL>
-                    <a:lnR w="12700" cap="flat" cmpd="sng" algn="ctr">
-                      <a:solidFill>
-                        <a:schemeClr val="tx1"/>
-                      </a:solidFill>
-                      <a:prstDash val="solid"/>
-                      <a:round/>
-                      <a:headEnd type="none" w="med" len="med"/>
-                      <a:tailEnd type="none" w="med" len="med"/>
-                    </a:lnR>
-                    <a:lnT w="12700" cap="flat" cmpd="sng" algn="ctr">
-                      <a:solidFill>
-                        <a:schemeClr val="tx1"/>
-                      </a:solidFill>
-                      <a:prstDash val="solid"/>
-                      <a:round/>
-                      <a:headEnd type="none" w="med" len="med"/>
-                      <a:tailEnd type="none" w="med" len="med"/>
-                    </a:lnT>
-                    <a:lnB w="12700" cap="flat" cmpd="sng" algn="ctr">
-                      <a:solidFill>
-                        <a:schemeClr val="tx1"/>
-                      </a:solidFill>
-                      <a:prstDash val="solid"/>
-                      <a:round/>
-                      <a:headEnd type="none" w="med" len="med"/>
-                      <a:tailEnd type="none" w="med" len="med"/>
-                    </a:lnB>
-                  </a:tcPr>
-                </a:tc>
-                <a:tc>
-                  <a:txBody>
-                    <a:bodyPr/>
-                    <a:lstStyle/>
-                    <a:p>
-                      <a:r>
-                        <a:rPr lang="en-US" sz="2800" dirty="0"/>
-                        <a:t>Azure Storage</a:t>
-                      </a:r>
-                    </a:p>
-                  </a:txBody>
-                  <a:tcPr>
-                    <a:lnL w="12700" cap="flat" cmpd="sng" algn="ctr">
-                      <a:solidFill>
-                        <a:schemeClr val="tx1"/>
-                      </a:solidFill>
-                      <a:prstDash val="solid"/>
-                      <a:round/>
-                      <a:headEnd type="none" w="med" len="med"/>
-                      <a:tailEnd type="none" w="med" len="med"/>
-                    </a:lnL>
-                    <a:lnR w="12700" cap="flat" cmpd="sng" algn="ctr">
-                      <a:solidFill>
-                        <a:schemeClr val="tx1"/>
-                      </a:solidFill>
-                      <a:prstDash val="solid"/>
-                      <a:round/>
-                      <a:headEnd type="none" w="med" len="med"/>
-                      <a:tailEnd type="none" w="med" len="med"/>
-                    </a:lnR>
-                    <a:lnT w="12700" cap="flat" cmpd="sng" algn="ctr">
-                      <a:solidFill>
-                        <a:schemeClr val="tx1"/>
-                      </a:solidFill>
-                      <a:prstDash val="solid"/>
-                      <a:round/>
-                      <a:headEnd type="none" w="med" len="med"/>
-                      <a:tailEnd type="none" w="med" len="med"/>
-                    </a:lnT>
-                    <a:lnB w="12700" cap="flat" cmpd="sng" algn="ctr">
-                      <a:solidFill>
-                        <a:schemeClr val="tx1"/>
-                      </a:solidFill>
-                      <a:prstDash val="solid"/>
-                      <a:round/>
-                      <a:headEnd type="none" w="med" len="med"/>
-                      <a:tailEnd type="none" w="med" len="med"/>
-                    </a:lnB>
-                  </a:tcPr>
-                </a:tc>
-                <a:extLst>
-                  <a:ext uri="{0D108BD9-81ED-4DB2-BD59-A6C34878D82A}">
-                    <a16:rowId xmlns:a16="http://schemas.microsoft.com/office/drawing/2014/main" val="3242695606"/>
-                  </a:ext>
-                </a:extLst>
-              </a:tr>
-            </a:tbl>
-          </a:graphicData>
-        </a:graphic>
-      </p:graphicFrame>
+              <a:t> </a:t>
+            </a:r>
+          </a:p>
+          <a:p>
+            <a:pPr marL="0" indent="0">
+              <a:buNone/>
+            </a:pPr>
+            <a:r>
+              <a:rPr lang="en-US" dirty="0"/>
+              <a:t>	- or -</a:t>
+            </a:r>
+          </a:p>
+          <a:p>
+            <a:pPr marL="0" indent="0">
+              <a:buNone/>
+            </a:pPr>
+            <a:r>
+              <a:rPr lang="en-US" dirty="0"/>
+              <a:t>Solution Explorer </a:t>
+            </a:r>
+            <a:r>
+              <a:rPr lang="en-US" sz="3500" b="1" dirty="0"/>
+              <a:t>&gt;</a:t>
+            </a:r>
+            <a:r>
+              <a:rPr lang="en-US" dirty="0"/>
+              <a:t> right-click project </a:t>
+            </a:r>
+            <a:r>
+              <a:rPr lang="en-US" sz="3500" b="1" dirty="0"/>
+              <a:t>&gt;</a:t>
+            </a:r>
+            <a:r>
+              <a:rPr lang="en-US" dirty="0"/>
+              <a:t> Manage User Secrets</a:t>
+            </a:r>
+          </a:p>
+        </p:txBody>
+      </p:sp>
     </p:spTree>
     <p:extLst>
       <p:ext uri="{BB962C8B-B14F-4D97-AF65-F5344CB8AC3E}">
-        <p14:creationId xmlns:p14="http://schemas.microsoft.com/office/powerpoint/2010/main" val="2315616826"/>
+        <p14:creationId xmlns:p14="http://schemas.microsoft.com/office/powerpoint/2010/main" val="1291707926"/>
       </p:ext>
     </p:extLst>
   </p:cSld>
   <p:clrMapOvr>
     <a:masterClrMapping/>
   </p:clrMapOvr>
+  <p:timing>
+    <p:tnLst>
+      <p:par>
+        <p:cTn id="1" dur="indefinite" restart="never" nodeType="tmRoot">
+          <p:childTnLst>
+            <p:seq concurrent="1" nextAc="seek">
+              <p:cTn id="2" dur="indefinite" nodeType="mainSeq">
+                <p:childTnLst>
+                  <p:par>
+                    <p:cTn id="3" fill="hold">
+                      <p:stCondLst>
+                        <p:cond delay="indefinite"/>
+                      </p:stCondLst>
+                      <p:childTnLst>
+                        <p:par>
+                          <p:cTn id="4" fill="hold">
+                            <p:stCondLst>
+                              <p:cond delay="0"/>
+                            </p:stCondLst>
+                            <p:childTnLst>
+                              <p:par>
+                                <p:cTn id="5" presetID="1" presetClass="entr" presetSubtype="0" fill="hold" nodeType="clickEffect">
+                                  <p:stCondLst>
+                                    <p:cond delay="0"/>
+                                  </p:stCondLst>
+                                  <p:childTnLst>
+                                    <p:set>
+                                      <p:cBhvr>
+                                        <p:cTn id="6" dur="1" fill="hold">
+                                          <p:stCondLst>
+                                            <p:cond delay="0"/>
+                                          </p:stCondLst>
+                                        </p:cTn>
+                                        <p:tgtEl>
+                                          <p:spTgt spid="3">
+                                            <p:txEl>
+                                              <p:pRg st="1" end="1"/>
+                                            </p:txEl>
+                                          </p:spTgt>
+                                        </p:tgtEl>
+                                        <p:attrNameLst>
+                                          <p:attrName>style.visibility</p:attrName>
+                                        </p:attrNameLst>
+                                      </p:cBhvr>
+                                      <p:to>
+                                        <p:strVal val="visible"/>
+                                      </p:to>
+                                    </p:set>
+                                  </p:childTnLst>
+                                </p:cTn>
+                              </p:par>
+                            </p:childTnLst>
+                          </p:cTn>
+                        </p:par>
+                      </p:childTnLst>
+                    </p:cTn>
+                  </p:par>
+                  <p:par>
+                    <p:cTn id="7" fill="hold">
+                      <p:stCondLst>
+                        <p:cond delay="indefinite"/>
+                      </p:stCondLst>
+                      <p:childTnLst>
+                        <p:par>
+                          <p:cTn id="8" fill="hold">
+                            <p:stCondLst>
+                              <p:cond delay="0"/>
+                            </p:stCondLst>
+                            <p:childTnLst>
+                              <p:par>
+                                <p:cTn id="9" presetID="1" presetClass="entr" presetSubtype="0" fill="hold" nodeType="clickEffect">
+                                  <p:stCondLst>
+                                    <p:cond delay="0"/>
+                                  </p:stCondLst>
+                                  <p:childTnLst>
+                                    <p:set>
+                                      <p:cBhvr>
+                                        <p:cTn id="10" dur="1" fill="hold">
+                                          <p:stCondLst>
+                                            <p:cond delay="0"/>
+                                          </p:stCondLst>
+                                        </p:cTn>
+                                        <p:tgtEl>
+                                          <p:spTgt spid="3">
+                                            <p:txEl>
+                                              <p:pRg st="2" end="2"/>
+                                            </p:txEl>
+                                          </p:spTgt>
+                                        </p:tgtEl>
+                                        <p:attrNameLst>
+                                          <p:attrName>style.visibility</p:attrName>
+                                        </p:attrNameLst>
+                                      </p:cBhvr>
+                                      <p:to>
+                                        <p:strVal val="visible"/>
+                                      </p:to>
+                                    </p:set>
+                                  </p:childTnLst>
+                                </p:cTn>
+                              </p:par>
+                              <p:par>
+                                <p:cTn id="11" presetID="1" presetClass="entr" presetSubtype="0" fill="hold" nodeType="withEffect">
+                                  <p:stCondLst>
+                                    <p:cond delay="0"/>
+                                  </p:stCondLst>
+                                  <p:childTnLst>
+                                    <p:set>
+                                      <p:cBhvr>
+                                        <p:cTn id="12" dur="1" fill="hold">
+                                          <p:stCondLst>
+                                            <p:cond delay="0"/>
+                                          </p:stCondLst>
+                                        </p:cTn>
+                                        <p:tgtEl>
+                                          <p:spTgt spid="3">
+                                            <p:txEl>
+                                              <p:pRg st="3" end="3"/>
+                                            </p:txEl>
+                                          </p:spTgt>
+                                        </p:tgtEl>
+                                        <p:attrNameLst>
+                                          <p:attrName>style.visibility</p:attrName>
+                                        </p:attrNameLst>
+                                      </p:cBhvr>
+                                      <p:to>
+                                        <p:strVal val="visible"/>
+                                      </p:to>
+                                    </p:set>
+                                  </p:childTnLst>
+                                </p:cTn>
+                              </p:par>
+                              <p:par>
+                                <p:cTn id="13" presetID="1" presetClass="entr" presetSubtype="0" fill="hold" nodeType="withEffect">
+                                  <p:stCondLst>
+                                    <p:cond delay="0"/>
+                                  </p:stCondLst>
+                                  <p:childTnLst>
+                                    <p:set>
+                                      <p:cBhvr>
+                                        <p:cTn id="14" dur="1" fill="hold">
+                                          <p:stCondLst>
+                                            <p:cond delay="0"/>
+                                          </p:stCondLst>
+                                        </p:cTn>
+                                        <p:tgtEl>
+                                          <p:spTgt spid="3">
+                                            <p:txEl>
+                                              <p:pRg st="4" end="4"/>
+                                            </p:txEl>
+                                          </p:spTgt>
+                                        </p:tgtEl>
+                                        <p:attrNameLst>
+                                          <p:attrName>style.visibility</p:attrName>
+                                        </p:attrNameLst>
+                                      </p:cBhvr>
+                                      <p:to>
+                                        <p:strVal val="visible"/>
+                                      </p:to>
+                                    </p:set>
+                                  </p:childTnLst>
+                                </p:cTn>
+                              </p:par>
+                            </p:childTnLst>
+                          </p:cTn>
+                        </p:par>
+                      </p:childTnLst>
+                    </p:cTn>
+                  </p:par>
+                  <p:par>
+                    <p:cTn id="15" fill="hold">
+                      <p:stCondLst>
+                        <p:cond delay="indefinite"/>
+                      </p:stCondLst>
+                      <p:childTnLst>
+                        <p:par>
+                          <p:cTn id="16" fill="hold">
+                            <p:stCondLst>
+                              <p:cond delay="0"/>
+                            </p:stCondLst>
+                            <p:childTnLst>
+                              <p:par>
+                                <p:cTn id="17" presetID="1" presetClass="entr" presetSubtype="0" fill="hold" nodeType="clickEffect">
+                                  <p:stCondLst>
+                                    <p:cond delay="0"/>
+                                  </p:stCondLst>
+                                  <p:childTnLst>
+                                    <p:set>
+                                      <p:cBhvr>
+                                        <p:cTn id="18" dur="1" fill="hold">
+                                          <p:stCondLst>
+                                            <p:cond delay="0"/>
+                                          </p:stCondLst>
+                                        </p:cTn>
+                                        <p:tgtEl>
+                                          <p:spTgt spid="3">
+                                            <p:txEl>
+                                              <p:pRg st="6" end="6"/>
+                                            </p:txEl>
+                                          </p:spTgt>
+                                        </p:tgtEl>
+                                        <p:attrNameLst>
+                                          <p:attrName>style.visibility</p:attrName>
+                                        </p:attrNameLst>
+                                      </p:cBhvr>
+                                      <p:to>
+                                        <p:strVal val="visible"/>
+                                      </p:to>
+                                    </p:set>
+                                  </p:childTnLst>
+                                </p:cTn>
+                              </p:par>
+                              <p:par>
+                                <p:cTn id="19" presetID="1" presetClass="entr" presetSubtype="0" fill="hold" nodeType="withEffect">
+                                  <p:stCondLst>
+                                    <p:cond delay="0"/>
+                                  </p:stCondLst>
+                                  <p:childTnLst>
+                                    <p:set>
+                                      <p:cBhvr>
+                                        <p:cTn id="20" dur="1" fill="hold">
+                                          <p:stCondLst>
+                                            <p:cond delay="0"/>
+                                          </p:stCondLst>
+                                        </p:cTn>
+                                        <p:tgtEl>
+                                          <p:spTgt spid="3">
+                                            <p:txEl>
+                                              <p:pRg st="7" end="7"/>
+                                            </p:txEl>
+                                          </p:spTgt>
+                                        </p:tgtEl>
+                                        <p:attrNameLst>
+                                          <p:attrName>style.visibility</p:attrName>
+                                        </p:attrNameLst>
+                                      </p:cBhvr>
+                                      <p:to>
+                                        <p:strVal val="visible"/>
+                                      </p:to>
+                                    </p:set>
+                                  </p:childTnLst>
+                                </p:cTn>
+                              </p:par>
+                            </p:childTnLst>
+                          </p:cTn>
+                        </p:par>
+                      </p:childTnLst>
+                    </p:cTn>
+                  </p:par>
+                  <p:par>
+                    <p:cTn id="21" fill="hold">
+                      <p:stCondLst>
+                        <p:cond delay="indefinite"/>
+                      </p:stCondLst>
+                      <p:childTnLst>
+                        <p:par>
+                          <p:cTn id="22" fill="hold">
+                            <p:stCondLst>
+                              <p:cond delay="0"/>
+                            </p:stCondLst>
+                            <p:childTnLst>
+                              <p:par>
+                                <p:cTn id="23" presetID="1" presetClass="entr" presetSubtype="0" fill="hold" nodeType="clickEffect">
+                                  <p:stCondLst>
+                                    <p:cond delay="0"/>
+                                  </p:stCondLst>
+                                  <p:childTnLst>
+                                    <p:set>
+                                      <p:cBhvr>
+                                        <p:cTn id="24" dur="1" fill="hold">
+                                          <p:stCondLst>
+                                            <p:cond delay="0"/>
+                                          </p:stCondLst>
+                                        </p:cTn>
+                                        <p:tgtEl>
+                                          <p:spTgt spid="3">
+                                            <p:txEl>
+                                              <p:pRg st="8" end="8"/>
+                                            </p:txEl>
+                                          </p:spTgt>
+                                        </p:tgtEl>
+                                        <p:attrNameLst>
+                                          <p:attrName>style.visibility</p:attrName>
+                                        </p:attrNameLst>
+                                      </p:cBhvr>
+                                      <p:to>
+                                        <p:strVal val="visible"/>
+                                      </p:to>
+                                    </p:set>
+                                  </p:childTnLst>
+                                </p:cTn>
+                              </p:par>
+                              <p:par>
+                                <p:cTn id="25" presetID="1" presetClass="entr" presetSubtype="0" fill="hold" nodeType="withEffect">
+                                  <p:stCondLst>
+                                    <p:cond delay="0"/>
+                                  </p:stCondLst>
+                                  <p:childTnLst>
+                                    <p:set>
+                                      <p:cBhvr>
+                                        <p:cTn id="26" dur="1" fill="hold">
+                                          <p:stCondLst>
+                                            <p:cond delay="0"/>
+                                          </p:stCondLst>
+                                        </p:cTn>
+                                        <p:tgtEl>
+                                          <p:spTgt spid="3">
+                                            <p:txEl>
+                                              <p:pRg st="9" end="9"/>
+                                            </p:txEl>
+                                          </p:spTgt>
+                                        </p:tgtEl>
+                                        <p:attrNameLst>
+                                          <p:attrName>style.visibility</p:attrName>
+                                        </p:attrNameLst>
+                                      </p:cBhvr>
+                                      <p:to>
+                                        <p:strVal val="visible"/>
+                                      </p:to>
+                                    </p:set>
+                                  </p:childTnLst>
+                                </p:cTn>
+                              </p:par>
+                            </p:childTnLst>
+                          </p:cTn>
+                        </p:par>
+                      </p:childTnLst>
+                    </p:cTn>
+                  </p:par>
+                </p:childTnLst>
+              </p:cTn>
+              <p:prevCondLst>
+                <p:cond evt="onPrev" delay="0">
+                  <p:tgtEl>
+                    <p:sldTgt/>
+                  </p:tgtEl>
+                </p:cond>
+              </p:prevCondLst>
+              <p:nextCondLst>
+                <p:cond evt="onNext" delay="0">
+                  <p:tgtEl>
+                    <p:sldTgt/>
+                  </p:tgtEl>
+                </p:cond>
+              </p:nextCondLst>
+            </p:seq>
+          </p:childTnLst>
+        </p:cTn>
+      </p:par>
+    </p:tnLst>
+  </p:timing>
 </p:sld>
 </file>
 
@@ -13004,7 +14144,7 @@
           <a:p>
             <a:r>
               <a:rPr lang="en-US" dirty="0"/>
-              <a:t>Secret Manager</a:t>
+              <a:t>Secret Manager: .NET Core CLI</a:t>
             </a:r>
           </a:p>
         </p:txBody>
@@ -13024,46 +14164,1000 @@
           <a:bodyPr/>
           <a:lstStyle/>
           <a:p>
-            <a:r>
-              <a:rPr lang="en-US" dirty="0"/>
-              <a:t>dotnet user-secrets </a:t>
-            </a:r>
-          </a:p>
-          <a:p>
-            <a:r>
-              <a:rPr lang="en-US" dirty="0"/>
-              <a:t>Solution Explorer &gt; right-click project &gt; Manage User Secrets</a:t>
-            </a:r>
-          </a:p>
-          <a:p>
-            <a:r>
-              <a:rPr lang="en-US" dirty="0"/>
-              <a:t>.NET Core only feature (before VS 15.8) (</a:t>
-            </a:r>
-            <a:r>
-              <a:rPr lang="en-US" i="1" dirty="0" err="1"/>
-              <a:t>secrets.json</a:t>
-            </a:r>
-            <a:r>
-              <a:rPr lang="en-US" dirty="0"/>
-              <a:t>)</a:t>
-            </a:r>
-          </a:p>
-          <a:p>
-            <a:r>
-              <a:rPr lang="en-US" dirty="0"/>
-              <a:t>15.8 adds support for .NET Framework projects (</a:t>
-            </a:r>
-            <a:r>
-              <a:rPr lang="en-US" i="1" dirty="0"/>
-              <a:t>secrets.xml</a:t>
-            </a:r>
-            <a:r>
-              <a:rPr lang="en-US" dirty="0"/>
-              <a:t>)</a:t>
-            </a:r>
-          </a:p>
-          <a:p>
+            <a:pPr marL="0" indent="0">
+              <a:buNone/>
+            </a:pPr>
+            <a:r>
+              <a:rPr lang="en-US" sz="2400" b="1" dirty="0">
+                <a:latin typeface="Courier New" panose="02070309020205020404" pitchFamily="49" charset="0"/>
+                <a:cs typeface="Courier New" panose="02070309020205020404" pitchFamily="49" charset="0"/>
+              </a:rPr>
+              <a:t>&gt; </a:t>
+            </a:r>
+            <a:r>
+              <a:rPr lang="en-US" sz="2400" dirty="0">
+                <a:latin typeface="Courier New" panose="02070309020205020404" pitchFamily="49" charset="0"/>
+                <a:cs typeface="Courier New" panose="02070309020205020404" pitchFamily="49" charset="0"/>
+              </a:rPr>
+              <a:t>dotnet user-secrets set “</a:t>
+            </a:r>
+            <a:r>
+              <a:rPr lang="en-US" sz="2400" dirty="0" err="1">
+                <a:latin typeface="Courier New" panose="02070309020205020404" pitchFamily="49" charset="0"/>
+                <a:cs typeface="Courier New" panose="02070309020205020404" pitchFamily="49" charset="0"/>
+              </a:rPr>
+              <a:t>Movies:Password</a:t>
+            </a:r>
+            <a:r>
+              <a:rPr lang="en-US" sz="2400" dirty="0">
+                <a:latin typeface="Courier New" panose="02070309020205020404" pitchFamily="49" charset="0"/>
+                <a:cs typeface="Courier New" panose="02070309020205020404" pitchFamily="49" charset="0"/>
+              </a:rPr>
+              <a:t>” “pass123”</a:t>
+            </a:r>
+          </a:p>
+          <a:p>
+            <a:pPr marL="0" indent="0">
+              <a:buNone/>
+            </a:pPr>
+            <a:r>
+              <a:rPr lang="en-US" sz="2400" b="1" dirty="0">
+                <a:latin typeface="Courier New" panose="02070309020205020404" pitchFamily="49" charset="0"/>
+                <a:cs typeface="Courier New" panose="02070309020205020404" pitchFamily="49" charset="0"/>
+              </a:rPr>
+              <a:t>&gt; </a:t>
+            </a:r>
+            <a:r>
+              <a:rPr lang="en-US" sz="2400" dirty="0">
+                <a:latin typeface="Courier New" panose="02070309020205020404" pitchFamily="49" charset="0"/>
+                <a:cs typeface="Courier New" panose="02070309020205020404" pitchFamily="49" charset="0"/>
+              </a:rPr>
+              <a:t>dotnet user-secrets set “</a:t>
+            </a:r>
+            <a:r>
+              <a:rPr lang="en-US" sz="2400" dirty="0" err="1">
+                <a:latin typeface="Courier New" panose="02070309020205020404" pitchFamily="49" charset="0"/>
+                <a:cs typeface="Courier New" panose="02070309020205020404" pitchFamily="49" charset="0"/>
+              </a:rPr>
+              <a:t>Movies:User</a:t>
+            </a:r>
+            <a:r>
+              <a:rPr lang="en-US" sz="2400" dirty="0">
+                <a:latin typeface="Courier New" panose="02070309020205020404" pitchFamily="49" charset="0"/>
+                <a:cs typeface="Courier New" panose="02070309020205020404" pitchFamily="49" charset="0"/>
+              </a:rPr>
+              <a:t>” “</a:t>
+            </a:r>
+            <a:r>
+              <a:rPr lang="en-US" sz="2400" dirty="0" err="1">
+                <a:latin typeface="Courier New" panose="02070309020205020404" pitchFamily="49" charset="0"/>
+                <a:cs typeface="Courier New" panose="02070309020205020404" pitchFamily="49" charset="0"/>
+              </a:rPr>
+              <a:t>johndoe</a:t>
+            </a:r>
+            <a:r>
+              <a:rPr lang="en-US" sz="2400" dirty="0">
+                <a:latin typeface="Courier New" panose="02070309020205020404" pitchFamily="49" charset="0"/>
+                <a:cs typeface="Courier New" panose="02070309020205020404" pitchFamily="49" charset="0"/>
+              </a:rPr>
+              <a:t>”</a:t>
+            </a:r>
+            <a:endParaRPr lang="en-US" dirty="0">
+              <a:latin typeface="Courier New" panose="02070309020205020404" pitchFamily="49" charset="0"/>
+              <a:cs typeface="Courier New" panose="02070309020205020404" pitchFamily="49" charset="0"/>
+            </a:endParaRPr>
+          </a:p>
+          <a:p>
+            <a:pPr marL="0" indent="0">
+              <a:buNone/>
+            </a:pPr>
+            <a:endParaRPr lang="en-US" b="1" dirty="0">
+              <a:latin typeface="Courier New" panose="02070309020205020404" pitchFamily="49" charset="0"/>
+              <a:cs typeface="Courier New" panose="02070309020205020404" pitchFamily="49" charset="0"/>
+            </a:endParaRPr>
+          </a:p>
+        </p:txBody>
+      </p:sp>
+      <p:sp>
+        <p:nvSpPr>
+          <p:cNvPr id="12" name="Rounded Rectangle 34">
+            <a:extLst>
+              <a:ext uri="{FF2B5EF4-FFF2-40B4-BE49-F238E27FC236}">
+                <a16:creationId xmlns:a16="http://schemas.microsoft.com/office/drawing/2014/main" id="{077CB370-22FE-4090-AAD0-2DF355C68841}"/>
+              </a:ext>
+            </a:extLst>
+          </p:cNvPr>
+          <p:cNvSpPr/>
+          <p:nvPr/>
+        </p:nvSpPr>
+        <p:spPr>
+          <a:xfrm>
+            <a:off x="1083272" y="3429000"/>
+            <a:ext cx="9062157" cy="691116"/>
+          </a:xfrm>
+          <a:prstGeom prst="roundRect">
+            <a:avLst/>
+          </a:prstGeom>
+          <a:solidFill>
+            <a:schemeClr val="bg2"/>
+          </a:solidFill>
+        </p:spPr>
+        <p:style>
+          <a:lnRef idx="2">
+            <a:schemeClr val="accent1">
+              <a:shade val="50000"/>
+            </a:schemeClr>
+          </a:lnRef>
+          <a:fillRef idx="1">
+            <a:schemeClr val="accent1"/>
+          </a:fillRef>
+          <a:effectRef idx="0">
+            <a:schemeClr val="accent1"/>
+          </a:effectRef>
+          <a:fontRef idx="minor">
+            <a:schemeClr val="lt1"/>
+          </a:fontRef>
+        </p:style>
+        <p:txBody>
+          <a:bodyPr rtlCol="0" anchor="ctr"/>
+          <a:lstStyle/>
+          <a:p>
+            <a:pPr marL="0" marR="0" lvl="0" indent="0" algn="l" defTabSz="457200" rtl="0" eaLnBrk="1" fontAlgn="auto" latinLnBrk="0" hangingPunct="1">
+              <a:lnSpc>
+                <a:spcPct val="100000"/>
+              </a:lnSpc>
+              <a:spcBef>
+                <a:spcPts val="0"/>
+              </a:spcBef>
+              <a:spcAft>
+                <a:spcPts val="0"/>
+              </a:spcAft>
+              <a:buClrTx/>
+              <a:buSzTx/>
+              <a:buFontTx/>
+              <a:buNone/>
+              <a:tabLst/>
+              <a:defRPr/>
+            </a:pPr>
+            <a:endParaRPr kumimoji="0" lang="en-US" sz="1600" b="1" i="0" u="none" strike="noStrike" kern="1200" cap="none" spc="0" normalizeH="0" baseline="0" noProof="0" dirty="0">
+              <a:ln>
+                <a:noFill/>
+              </a:ln>
+              <a:solidFill>
+                <a:prstClr val="white"/>
+              </a:solidFill>
+              <a:effectLst/>
+              <a:uLnTx/>
+              <a:uFillTx/>
+              <a:latin typeface="Segoe UI Light"/>
+              <a:ea typeface="+mn-ea"/>
+              <a:cs typeface="+mn-cs"/>
+            </a:endParaRPr>
+          </a:p>
+        </p:txBody>
+      </p:sp>
+      <p:pic>
+        <p:nvPicPr>
+          <p:cNvPr id="13" name="Picture 2" descr="http://files.softicons.com/download/system-icons/windows-8-metro-icons-by-dakirby309/png/512x512/Folders%20&amp;%20OS/Linux.png">
+            <a:extLst>
+              <a:ext uri="{FF2B5EF4-FFF2-40B4-BE49-F238E27FC236}">
+                <a16:creationId xmlns:a16="http://schemas.microsoft.com/office/drawing/2014/main" id="{38C17031-0BA0-4706-8ED9-57F2EB289A8A}"/>
+              </a:ext>
+            </a:extLst>
+          </p:cNvPr>
+          <p:cNvPicPr>
+            <a:picLocks noChangeAspect="1" noChangeArrowheads="1"/>
+          </p:cNvPicPr>
+          <p:nvPr/>
+        </p:nvPicPr>
+        <p:blipFill>
+          <a:blip r:embed="rId3" cstate="print">
+            <a:extLst>
+              <a:ext uri="{BEBA8EAE-BF5A-486C-A8C5-ECC9F3942E4B}">
+                <a14:imgProps xmlns:a14="http://schemas.microsoft.com/office/drawing/2010/main">
+                  <a14:imgLayer r:embed="rId4">
+                    <a14:imgEffect>
+                      <a14:backgroundRemoval t="10000" b="90000" l="10000" r="90000"/>
+                    </a14:imgEffect>
+                  </a14:imgLayer>
+                </a14:imgProps>
+              </a:ext>
+              <a:ext uri="{28A0092B-C50C-407E-A947-70E740481C1C}">
+                <a14:useLocalDpi xmlns:a14="http://schemas.microsoft.com/office/drawing/2010/main" val="0"/>
+              </a:ext>
+            </a:extLst>
+          </a:blip>
+          <a:srcRect/>
+          <a:stretch>
+            <a:fillRect/>
+          </a:stretch>
+        </p:blipFill>
+        <p:spPr bwMode="auto">
+          <a:xfrm>
+            <a:off x="1180650" y="3556720"/>
+            <a:ext cx="507863" cy="498593"/>
+          </a:xfrm>
+          <a:prstGeom prst="rect">
+            <a:avLst/>
+          </a:prstGeom>
+          <a:noFill/>
+          <a:extLst>
+            <a:ext uri="{909E8E84-426E-40DD-AFC4-6F175D3DCCD1}">
+              <a14:hiddenFill xmlns:a14="http://schemas.microsoft.com/office/drawing/2010/main">
+                <a:solidFill>
+                  <a:srgbClr val="FFFFFF"/>
+                </a:solidFill>
+              </a14:hiddenFill>
+            </a:ext>
+          </a:extLst>
+        </p:spPr>
+      </p:pic>
+      <p:pic>
+        <p:nvPicPr>
+          <p:cNvPr id="14" name="Picture 13">
+            <a:extLst>
+              <a:ext uri="{FF2B5EF4-FFF2-40B4-BE49-F238E27FC236}">
+                <a16:creationId xmlns:a16="http://schemas.microsoft.com/office/drawing/2014/main" id="{0046F8F4-4512-484A-933F-4FCFDDCDC868}"/>
+              </a:ext>
+            </a:extLst>
+          </p:cNvPr>
+          <p:cNvPicPr>
+            <a:picLocks noChangeAspect="1"/>
+          </p:cNvPicPr>
+          <p:nvPr/>
+        </p:nvPicPr>
+        <p:blipFill>
+          <a:blip r:embed="rId5" cstate="print">
+            <a:lum bright="70000" contrast="-70000"/>
+            <a:extLst>
+              <a:ext uri="{28A0092B-C50C-407E-A947-70E740481C1C}">
+                <a14:useLocalDpi xmlns:a14="http://schemas.microsoft.com/office/drawing/2010/main" val="0"/>
+              </a:ext>
+            </a:extLst>
+          </a:blip>
+          <a:stretch>
+            <a:fillRect/>
+          </a:stretch>
+        </p:blipFill>
+        <p:spPr>
+          <a:xfrm>
+            <a:off x="1681865" y="3556720"/>
+            <a:ext cx="385752" cy="454164"/>
+          </a:xfrm>
+          <a:prstGeom prst="rect">
+            <a:avLst/>
+          </a:prstGeom>
+        </p:spPr>
+      </p:pic>
+      <p:pic>
+        <p:nvPicPr>
+          <p:cNvPr id="15" name="Picture 6" descr="C:\temp\WinAzure_rgb_Wht_S.png">
+            <a:extLst>
+              <a:ext uri="{FF2B5EF4-FFF2-40B4-BE49-F238E27FC236}">
+                <a16:creationId xmlns:a16="http://schemas.microsoft.com/office/drawing/2014/main" id="{9E236C65-B717-4E03-A30D-5799CF2DF5E1}"/>
+              </a:ext>
+            </a:extLst>
+          </p:cNvPr>
+          <p:cNvPicPr>
+            <a:picLocks noChangeAspect="1" noChangeArrowheads="1"/>
+          </p:cNvPicPr>
+          <p:nvPr/>
+        </p:nvPicPr>
+        <p:blipFill rotWithShape="1">
+          <a:blip r:embed="rId6" cstate="print">
+            <a:extLst>
+              <a:ext uri="{28A0092B-C50C-407E-A947-70E740481C1C}">
+                <a14:useLocalDpi xmlns:a14="http://schemas.microsoft.com/office/drawing/2010/main" val="0"/>
+              </a:ext>
+            </a:extLst>
+          </a:blip>
+          <a:srcRect l="3371" t="15460" r="80628" b="15496"/>
+          <a:stretch/>
+        </p:blipFill>
+        <p:spPr bwMode="auto">
+          <a:xfrm>
+            <a:off x="5297712" y="3568233"/>
+            <a:ext cx="455848" cy="462964"/>
+          </a:xfrm>
+          <a:prstGeom prst="rect">
+            <a:avLst/>
+          </a:prstGeom>
+          <a:noFill/>
+          <a:extLst>
+            <a:ext uri="{909E8E84-426E-40DD-AFC4-6F175D3DCCD1}">
+              <a14:hiddenFill xmlns:a14="http://schemas.microsoft.com/office/drawing/2010/main">
+                <a:solidFill>
+                  <a:srgbClr val="FFFFFF"/>
+                </a:solidFill>
+              </a14:hiddenFill>
+            </a:ext>
+          </a:extLst>
+        </p:spPr>
+      </p:pic>
+      <p:cxnSp>
+        <p:nvCxnSpPr>
+          <p:cNvPr id="16" name="Straight Connector 15">
+            <a:extLst>
+              <a:ext uri="{FF2B5EF4-FFF2-40B4-BE49-F238E27FC236}">
+                <a16:creationId xmlns:a16="http://schemas.microsoft.com/office/drawing/2014/main" id="{F14BE7E3-F985-4FC4-8D5C-A84E7CB244A3}"/>
+              </a:ext>
+            </a:extLst>
+          </p:cNvPr>
+          <p:cNvCxnSpPr>
+            <a:cxnSpLocks/>
+          </p:cNvCxnSpPr>
+          <p:nvPr/>
+        </p:nvCxnSpPr>
+        <p:spPr>
+          <a:xfrm>
+            <a:off x="5211002" y="3437725"/>
+            <a:ext cx="0" cy="670439"/>
+          </a:xfrm>
+          <a:prstGeom prst="line">
+            <a:avLst/>
+          </a:prstGeom>
+          <a:ln>
+            <a:solidFill>
+              <a:schemeClr val="tx1"/>
+            </a:solidFill>
+          </a:ln>
+        </p:spPr>
+        <p:style>
+          <a:lnRef idx="3">
+            <a:schemeClr val="dk1"/>
+          </a:lnRef>
+          <a:fillRef idx="0">
+            <a:schemeClr val="dk1"/>
+          </a:fillRef>
+          <a:effectRef idx="2">
+            <a:schemeClr val="dk1"/>
+          </a:effectRef>
+          <a:fontRef idx="minor">
+            <a:schemeClr val="tx1"/>
+          </a:fontRef>
+        </p:style>
+      </p:cxnSp>
+      <p:sp>
+        <p:nvSpPr>
+          <p:cNvPr id="19" name="TextBox 18">
+            <a:extLst>
+              <a:ext uri="{FF2B5EF4-FFF2-40B4-BE49-F238E27FC236}">
+                <a16:creationId xmlns:a16="http://schemas.microsoft.com/office/drawing/2014/main" id="{8FFD9B3F-F792-46B2-9774-C75647C484FD}"/>
+              </a:ext>
+            </a:extLst>
+          </p:cNvPr>
+          <p:cNvSpPr txBox="1"/>
+          <p:nvPr/>
+        </p:nvSpPr>
+        <p:spPr>
+          <a:xfrm>
+            <a:off x="2061716" y="3610578"/>
+            <a:ext cx="3864488" cy="369332"/>
+          </a:xfrm>
+          <a:prstGeom prst="rect">
+            <a:avLst/>
+          </a:prstGeom>
+          <a:noFill/>
+        </p:spPr>
+        <p:txBody>
+          <a:bodyPr wrap="square" rtlCol="0">
+            <a:spAutoFit/>
+          </a:bodyPr>
+          <a:lstStyle/>
+          <a:p>
+            <a:r>
+              <a:rPr lang="en-US" b="1" dirty="0"/>
+              <a:t>~/.</a:t>
+            </a:r>
+            <a:r>
+              <a:rPr lang="en-US" b="1" dirty="0" err="1"/>
+              <a:t>microsoft</a:t>
+            </a:r>
+            <a:r>
+              <a:rPr lang="en-US" b="1" dirty="0"/>
+              <a:t>/</a:t>
+            </a:r>
+            <a:r>
+              <a:rPr lang="en-US" b="1" dirty="0" err="1"/>
+              <a:t>usersecrets</a:t>
+            </a:r>
+            <a:r>
+              <a:rPr lang="en-US" b="1" dirty="0"/>
+              <a:t>/&lt;id&gt;/</a:t>
+            </a:r>
+          </a:p>
+        </p:txBody>
+      </p:sp>
+      <p:sp>
+        <p:nvSpPr>
+          <p:cNvPr id="20" name="TextBox 19">
+            <a:extLst>
+              <a:ext uri="{FF2B5EF4-FFF2-40B4-BE49-F238E27FC236}">
+                <a16:creationId xmlns:a16="http://schemas.microsoft.com/office/drawing/2014/main" id="{36B146A5-2A1D-4338-A475-43BF6F17EBA0}"/>
+              </a:ext>
+            </a:extLst>
+          </p:cNvPr>
+          <p:cNvSpPr txBox="1"/>
+          <p:nvPr/>
+        </p:nvSpPr>
+        <p:spPr>
+          <a:xfrm>
+            <a:off x="5803635" y="3638222"/>
+            <a:ext cx="4286576" cy="369332"/>
+          </a:xfrm>
+          <a:prstGeom prst="rect">
+            <a:avLst/>
+          </a:prstGeom>
+          <a:noFill/>
+        </p:spPr>
+        <p:txBody>
+          <a:bodyPr wrap="square" rtlCol="0">
+            <a:spAutoFit/>
+          </a:bodyPr>
+          <a:lstStyle/>
+          <a:p>
+            <a:r>
+              <a:rPr lang="en-US" b="1" dirty="0"/>
+              <a:t>%APPDATA%\Microsoft\</a:t>
+            </a:r>
+            <a:r>
+              <a:rPr lang="en-US" b="1" dirty="0" err="1"/>
+              <a:t>UserSecrets</a:t>
+            </a:r>
+            <a:r>
+              <a:rPr lang="en-US" b="1" dirty="0"/>
+              <a:t>\&lt;id&gt;\</a:t>
+            </a:r>
+          </a:p>
+        </p:txBody>
+      </p:sp>
+      <p:graphicFrame>
+        <p:nvGraphicFramePr>
+          <p:cNvPr id="24" name="Table 23">
+            <a:extLst>
+              <a:ext uri="{FF2B5EF4-FFF2-40B4-BE49-F238E27FC236}">
+                <a16:creationId xmlns:a16="http://schemas.microsoft.com/office/drawing/2014/main" id="{67C1FFF0-174A-454A-90B0-BBEC81F03940}"/>
+              </a:ext>
+            </a:extLst>
+          </p:cNvPr>
+          <p:cNvGraphicFramePr>
+            <a:graphicFrameLocks noGrp="1"/>
+          </p:cNvGraphicFramePr>
+          <p:nvPr>
+            <p:extLst>
+              <p:ext uri="{D42A27DB-BD31-4B8C-83A1-F6EECF244321}">
+                <p14:modId xmlns:p14="http://schemas.microsoft.com/office/powerpoint/2010/main" val="30356997"/>
+              </p:ext>
+            </p:extLst>
+          </p:nvPr>
+        </p:nvGraphicFramePr>
+        <p:xfrm>
+          <a:off x="2932563" y="5304335"/>
+          <a:ext cx="4556877" cy="1310640"/>
+        </p:xfrm>
+        <a:graphic>
+          <a:graphicData uri="http://schemas.openxmlformats.org/drawingml/2006/table">
+            <a:tbl>
+              <a:tblPr firstRow="1" bandRow="1"/>
+              <a:tblGrid>
+                <a:gridCol w="4556877">
+                  <a:extLst>
+                    <a:ext uri="{9D8B030D-6E8A-4147-A177-3AD203B41FA5}">
+                      <a16:colId xmlns:a16="http://schemas.microsoft.com/office/drawing/2014/main" val="1057070397"/>
+                    </a:ext>
+                  </a:extLst>
+                </a:gridCol>
+              </a:tblGrid>
+              <a:tr h="584446">
+                <a:tc>
+                  <a:txBody>
+                    <a:bodyPr/>
+                    <a:lstStyle>
+                      <a:lvl1pPr marL="0" algn="l" defTabSz="914400" rtl="0" eaLnBrk="1" latinLnBrk="0" hangingPunct="1">
+                        <a:defRPr sz="1800" b="1" kern="1200">
+                          <a:solidFill>
+                            <a:schemeClr val="lt1"/>
+                          </a:solidFill>
+                          <a:latin typeface="Segoe UI Light"/>
+                        </a:defRPr>
+                      </a:lvl1pPr>
+                      <a:lvl2pPr marL="457200" algn="l" defTabSz="914400" rtl="0" eaLnBrk="1" latinLnBrk="0" hangingPunct="1">
+                        <a:defRPr sz="1800" b="1" kern="1200">
+                          <a:solidFill>
+                            <a:schemeClr val="lt1"/>
+                          </a:solidFill>
+                          <a:latin typeface="Segoe UI Light"/>
+                        </a:defRPr>
+                      </a:lvl2pPr>
+                      <a:lvl3pPr marL="914400" algn="l" defTabSz="914400" rtl="0" eaLnBrk="1" latinLnBrk="0" hangingPunct="1">
+                        <a:defRPr sz="1800" b="1" kern="1200">
+                          <a:solidFill>
+                            <a:schemeClr val="lt1"/>
+                          </a:solidFill>
+                          <a:latin typeface="Segoe UI Light"/>
+                        </a:defRPr>
+                      </a:lvl3pPr>
+                      <a:lvl4pPr marL="1371600" algn="l" defTabSz="914400" rtl="0" eaLnBrk="1" latinLnBrk="0" hangingPunct="1">
+                        <a:defRPr sz="1800" b="1" kern="1200">
+                          <a:solidFill>
+                            <a:schemeClr val="lt1"/>
+                          </a:solidFill>
+                          <a:latin typeface="Segoe UI Light"/>
+                        </a:defRPr>
+                      </a:lvl4pPr>
+                      <a:lvl5pPr marL="1828800" algn="l" defTabSz="914400" rtl="0" eaLnBrk="1" latinLnBrk="0" hangingPunct="1">
+                        <a:defRPr sz="1800" b="1" kern="1200">
+                          <a:solidFill>
+                            <a:schemeClr val="lt1"/>
+                          </a:solidFill>
+                          <a:latin typeface="Segoe UI Light"/>
+                        </a:defRPr>
+                      </a:lvl5pPr>
+                      <a:lvl6pPr marL="2286000" algn="l" defTabSz="914400" rtl="0" eaLnBrk="1" latinLnBrk="0" hangingPunct="1">
+                        <a:defRPr sz="1800" b="1" kern="1200">
+                          <a:solidFill>
+                            <a:schemeClr val="lt1"/>
+                          </a:solidFill>
+                          <a:latin typeface="Segoe UI Light"/>
+                        </a:defRPr>
+                      </a:lvl6pPr>
+                      <a:lvl7pPr marL="2743200" algn="l" defTabSz="914400" rtl="0" eaLnBrk="1" latinLnBrk="0" hangingPunct="1">
+                        <a:defRPr sz="1800" b="1" kern="1200">
+                          <a:solidFill>
+                            <a:schemeClr val="lt1"/>
+                          </a:solidFill>
+                          <a:latin typeface="Segoe UI Light"/>
+                        </a:defRPr>
+                      </a:lvl7pPr>
+                      <a:lvl8pPr marL="3200400" algn="l" defTabSz="914400" rtl="0" eaLnBrk="1" latinLnBrk="0" hangingPunct="1">
+                        <a:defRPr sz="1800" b="1" kern="1200">
+                          <a:solidFill>
+                            <a:schemeClr val="lt1"/>
+                          </a:solidFill>
+                          <a:latin typeface="Segoe UI Light"/>
+                        </a:defRPr>
+                      </a:lvl8pPr>
+                      <a:lvl9pPr marL="3657600" algn="l" defTabSz="914400" rtl="0" eaLnBrk="1" latinLnBrk="0" hangingPunct="1">
+                        <a:defRPr sz="1800" b="1" kern="1200">
+                          <a:solidFill>
+                            <a:schemeClr val="lt1"/>
+                          </a:solidFill>
+                          <a:latin typeface="Segoe UI Light"/>
+                        </a:defRPr>
+                      </a:lvl9pPr>
+                    </a:lstStyle>
+                    <a:p>
+                      <a:r>
+                        <a:rPr lang="en-US" sz="2000" dirty="0">
+                          <a:solidFill>
+                            <a:srgbClr val="000000"/>
+                          </a:solidFill>
+                          <a:latin typeface="Consolas" panose="020B0609020204030204" pitchFamily="49" charset="0"/>
+                        </a:rPr>
+                        <a:t>{</a:t>
+                      </a:r>
+                    </a:p>
+                    <a:p>
+                      <a:r>
+                        <a:rPr lang="en-US" sz="2000" dirty="0">
+                          <a:solidFill>
+                            <a:srgbClr val="000000"/>
+                          </a:solidFill>
+                          <a:latin typeface="Consolas" panose="020B0609020204030204" pitchFamily="49" charset="0"/>
+                        </a:rPr>
+                        <a:t>  </a:t>
+                      </a:r>
+                      <a:r>
+                        <a:rPr lang="en-US" sz="2000" dirty="0">
+                          <a:solidFill>
+                            <a:srgbClr val="2E75B6"/>
+                          </a:solidFill>
+                          <a:latin typeface="Consolas" panose="020B0609020204030204" pitchFamily="49" charset="0"/>
+                        </a:rPr>
+                        <a:t>"</a:t>
+                      </a:r>
+                      <a:r>
+                        <a:rPr lang="en-US" sz="2000" dirty="0" err="1">
+                          <a:solidFill>
+                            <a:srgbClr val="2E75B6"/>
+                          </a:solidFill>
+                          <a:latin typeface="Consolas" panose="020B0609020204030204" pitchFamily="49" charset="0"/>
+                        </a:rPr>
+                        <a:t>Movies:Password</a:t>
+                      </a:r>
+                      <a:r>
+                        <a:rPr lang="en-US" sz="2000" dirty="0">
+                          <a:solidFill>
+                            <a:srgbClr val="2E75B6"/>
+                          </a:solidFill>
+                          <a:latin typeface="Consolas" panose="020B0609020204030204" pitchFamily="49" charset="0"/>
+                        </a:rPr>
+                        <a:t>"</a:t>
+                      </a:r>
+                      <a:r>
+                        <a:rPr lang="en-US" sz="2000" dirty="0">
+                          <a:solidFill>
+                            <a:srgbClr val="000000"/>
+                          </a:solidFill>
+                          <a:latin typeface="Consolas" panose="020B0609020204030204" pitchFamily="49" charset="0"/>
+                        </a:rPr>
+                        <a:t>: </a:t>
+                      </a:r>
+                      <a:r>
+                        <a:rPr lang="en-US" sz="2000" dirty="0">
+                          <a:solidFill>
+                            <a:srgbClr val="A31515"/>
+                          </a:solidFill>
+                          <a:latin typeface="Consolas" panose="020B0609020204030204" pitchFamily="49" charset="0"/>
+                        </a:rPr>
+                        <a:t>"pass123",</a:t>
+                      </a:r>
+                      <a:endParaRPr lang="en-US" sz="2000" dirty="0">
+                        <a:solidFill>
+                          <a:srgbClr val="000000"/>
+                        </a:solidFill>
+                        <a:latin typeface="Consolas" panose="020B0609020204030204" pitchFamily="49" charset="0"/>
+                      </a:endParaRPr>
+                    </a:p>
+                    <a:p>
+                      <a:r>
+                        <a:rPr lang="en-US" sz="2000" dirty="0">
+                          <a:solidFill>
+                            <a:srgbClr val="000000"/>
+                          </a:solidFill>
+                          <a:latin typeface="Consolas" panose="020B0609020204030204" pitchFamily="49" charset="0"/>
+                        </a:rPr>
+                        <a:t>  </a:t>
+                      </a:r>
+                      <a:r>
+                        <a:rPr lang="en-US" sz="2000" dirty="0">
+                          <a:solidFill>
+                            <a:srgbClr val="2E75B6"/>
+                          </a:solidFill>
+                          <a:latin typeface="Consolas" panose="020B0609020204030204" pitchFamily="49" charset="0"/>
+                        </a:rPr>
+                        <a:t>"</a:t>
+                      </a:r>
+                      <a:r>
+                        <a:rPr lang="en-US" sz="2000" dirty="0" err="1">
+                          <a:solidFill>
+                            <a:srgbClr val="2E75B6"/>
+                          </a:solidFill>
+                          <a:latin typeface="Consolas" panose="020B0609020204030204" pitchFamily="49" charset="0"/>
+                        </a:rPr>
+                        <a:t>Movies:User</a:t>
+                      </a:r>
+                      <a:r>
+                        <a:rPr lang="en-US" sz="2000" dirty="0">
+                          <a:solidFill>
+                            <a:srgbClr val="2E75B6"/>
+                          </a:solidFill>
+                          <a:latin typeface="Consolas" panose="020B0609020204030204" pitchFamily="49" charset="0"/>
+                        </a:rPr>
+                        <a:t>"</a:t>
+                      </a:r>
+                      <a:r>
+                        <a:rPr lang="en-US" sz="2000" dirty="0">
+                          <a:solidFill>
+                            <a:srgbClr val="000000"/>
+                          </a:solidFill>
+                          <a:latin typeface="Consolas" panose="020B0609020204030204" pitchFamily="49" charset="0"/>
+                        </a:rPr>
+                        <a:t>: </a:t>
+                      </a:r>
+                      <a:r>
+                        <a:rPr lang="en-US" sz="2000" dirty="0">
+                          <a:solidFill>
+                            <a:srgbClr val="A31515"/>
+                          </a:solidFill>
+                          <a:latin typeface="Consolas" panose="020B0609020204030204" pitchFamily="49" charset="0"/>
+                        </a:rPr>
+                        <a:t>"</a:t>
+                      </a:r>
+                      <a:r>
+                        <a:rPr lang="en-US" sz="2000" dirty="0" err="1">
+                          <a:solidFill>
+                            <a:srgbClr val="A31515"/>
+                          </a:solidFill>
+                          <a:latin typeface="Consolas" panose="020B0609020204030204" pitchFamily="49" charset="0"/>
+                        </a:rPr>
+                        <a:t>johndoe</a:t>
+                      </a:r>
+                      <a:r>
+                        <a:rPr lang="en-US" sz="2000" dirty="0">
+                          <a:solidFill>
+                            <a:srgbClr val="A31515"/>
+                          </a:solidFill>
+                          <a:latin typeface="Consolas" panose="020B0609020204030204" pitchFamily="49" charset="0"/>
+                        </a:rPr>
+                        <a:t>"</a:t>
+                      </a:r>
+                      <a:endParaRPr lang="en-US" sz="2000" dirty="0">
+                        <a:solidFill>
+                          <a:srgbClr val="000000"/>
+                        </a:solidFill>
+                        <a:latin typeface="Consolas" panose="020B0609020204030204" pitchFamily="49" charset="0"/>
+                      </a:endParaRPr>
+                    </a:p>
+                    <a:p>
+                      <a:r>
+                        <a:rPr lang="en-US" sz="2000" dirty="0">
+                          <a:solidFill>
+                            <a:srgbClr val="000000"/>
+                          </a:solidFill>
+                          <a:latin typeface="Consolas" panose="020B0609020204030204" pitchFamily="49" charset="0"/>
+                        </a:rPr>
+                        <a:t>}</a:t>
+                      </a:r>
+                    </a:p>
+                  </a:txBody>
+                  <a:tcPr>
+                    <a:lnL w="12700" cap="flat" cmpd="sng" algn="ctr">
+                      <a:solidFill>
+                        <a:sysClr val="window" lastClr="FFFFFF"/>
+                      </a:solidFill>
+                      <a:prstDash val="solid"/>
+                      <a:round/>
+                      <a:headEnd type="none" w="med" len="med"/>
+                      <a:tailEnd type="none" w="med" len="med"/>
+                    </a:lnL>
+                    <a:lnR w="12700" cap="flat" cmpd="sng" algn="ctr">
+                      <a:solidFill>
+                        <a:sysClr val="window" lastClr="FFFFFF"/>
+                      </a:solidFill>
+                      <a:prstDash val="solid"/>
+                      <a:round/>
+                      <a:headEnd type="none" w="med" len="med"/>
+                      <a:tailEnd type="none" w="med" len="med"/>
+                    </a:lnR>
+                    <a:lnT w="12700" cap="flat" cmpd="sng" algn="ctr">
+                      <a:solidFill>
+                        <a:sysClr val="window" lastClr="FFFFFF"/>
+                      </a:solidFill>
+                      <a:prstDash val="solid"/>
+                      <a:round/>
+                      <a:headEnd type="none" w="med" len="med"/>
+                      <a:tailEnd type="none" w="med" len="med"/>
+                    </a:lnT>
+                    <a:lnB w="12700" cap="flat" cmpd="sng" algn="ctr">
+                      <a:solidFill>
+                        <a:sysClr val="window" lastClr="FFFFFF"/>
+                      </a:solidFill>
+                      <a:prstDash val="solid"/>
+                      <a:round/>
+                      <a:headEnd type="none" w="med" len="med"/>
+                      <a:tailEnd type="none" w="med" len="med"/>
+                    </a:lnB>
+                    <a:lnTlToBr w="12700" cmpd="sng">
+                      <a:noFill/>
+                      <a:prstDash val="solid"/>
+                    </a:lnTlToBr>
+                    <a:lnBlToTr w="12700" cmpd="sng">
+                      <a:noFill/>
+                      <a:prstDash val="solid"/>
+                    </a:lnBlToTr>
+                    <a:solidFill>
+                      <a:sysClr val="window" lastClr="FFFFFF"/>
+                    </a:solidFill>
+                  </a:tcPr>
+                </a:tc>
+                <a:extLst>
+                  <a:ext uri="{0D108BD9-81ED-4DB2-BD59-A6C34878D82A}">
+                    <a16:rowId xmlns:a16="http://schemas.microsoft.com/office/drawing/2014/main" val="3473222697"/>
+                  </a:ext>
+                </a:extLst>
+              </a:tr>
+            </a:tbl>
+          </a:graphicData>
+        </a:graphic>
+      </p:graphicFrame>
+      <p:sp>
+        <p:nvSpPr>
+          <p:cNvPr id="25" name="Rectangle 24">
+            <a:extLst>
+              <a:ext uri="{FF2B5EF4-FFF2-40B4-BE49-F238E27FC236}">
+                <a16:creationId xmlns:a16="http://schemas.microsoft.com/office/drawing/2014/main" id="{EE34EF64-5E28-4C84-9F46-DB4686EB6269}"/>
+              </a:ext>
+            </a:extLst>
+          </p:cNvPr>
+          <p:cNvSpPr/>
+          <p:nvPr/>
+        </p:nvSpPr>
+        <p:spPr>
+          <a:xfrm>
+            <a:off x="2926300" y="4857766"/>
+            <a:ext cx="1374817" cy="446567"/>
+          </a:xfrm>
+          <a:prstGeom prst="rect">
+            <a:avLst/>
+          </a:prstGeom>
+          <a:gradFill rotWithShape="1">
+            <a:gsLst>
+              <a:gs pos="0">
+                <a:srgbClr val="5B9BD5">
+                  <a:lumMod val="110000"/>
+                  <a:satMod val="105000"/>
+                  <a:tint val="67000"/>
+                </a:srgbClr>
+              </a:gs>
+              <a:gs pos="50000">
+                <a:srgbClr val="5B9BD5">
+                  <a:lumMod val="105000"/>
+                  <a:satMod val="103000"/>
+                  <a:tint val="73000"/>
+                </a:srgbClr>
+              </a:gs>
+              <a:gs pos="100000">
+                <a:srgbClr val="5B9BD5">
+                  <a:lumMod val="105000"/>
+                  <a:satMod val="109000"/>
+                  <a:tint val="81000"/>
+                </a:srgbClr>
+              </a:gs>
+            </a:gsLst>
+            <a:lin ang="5400000" scaled="0"/>
+          </a:gradFill>
+          <a:ln w="6350" cap="flat" cmpd="sng" algn="ctr">
+            <a:solidFill>
+              <a:srgbClr val="5B9BD5"/>
+            </a:solidFill>
+            <a:prstDash val="solid"/>
+            <a:miter lim="800000"/>
+          </a:ln>
+          <a:effectLst/>
+        </p:spPr>
+        <p:txBody>
+          <a:bodyPr rtlCol="0" anchor="ctr"/>
+          <a:lstStyle/>
+          <a:p>
+            <a:pPr marL="0" marR="0" lvl="0" indent="0" algn="ctr" defTabSz="914400" eaLnBrk="1" fontAlgn="auto" latinLnBrk="0" hangingPunct="1">
+              <a:lnSpc>
+                <a:spcPct val="100000"/>
+              </a:lnSpc>
+              <a:spcBef>
+                <a:spcPts val="0"/>
+              </a:spcBef>
+              <a:spcAft>
+                <a:spcPts val="0"/>
+              </a:spcAft>
+              <a:buClrTx/>
+              <a:buSzTx/>
+              <a:buFontTx/>
+              <a:buNone/>
+              <a:tabLst/>
+              <a:defRPr/>
+            </a:pPr>
+            <a:r>
+              <a:rPr lang="en-US" b="1" kern="0" dirty="0">
+                <a:solidFill>
+                  <a:prstClr val="black"/>
+                </a:solidFill>
+                <a:latin typeface="Segoe UI Light"/>
+              </a:rPr>
+              <a:t>secret</a:t>
+            </a:r>
+            <a:r>
+              <a:rPr kumimoji="0" lang="en-US" sz="1800" b="1" i="0" u="none" strike="noStrike" kern="0" cap="none" spc="0" normalizeH="0" baseline="0" noProof="0" dirty="0" err="1">
+                <a:ln>
+                  <a:noFill/>
+                </a:ln>
+                <a:solidFill>
+                  <a:prstClr val="black"/>
+                </a:solidFill>
+                <a:effectLst/>
+                <a:uLnTx/>
+                <a:uFillTx/>
+                <a:latin typeface="Segoe UI Light"/>
+                <a:ea typeface="+mn-ea"/>
+                <a:cs typeface="+mn-cs"/>
+              </a:rPr>
+              <a:t>s.json</a:t>
+            </a:r>
+            <a:endParaRPr kumimoji="0" lang="en-US" sz="1800" b="1" i="0" u="none" strike="noStrike" kern="0" cap="none" spc="0" normalizeH="0" baseline="0" noProof="0" dirty="0">
+              <a:ln>
+                <a:noFill/>
+              </a:ln>
+              <a:solidFill>
+                <a:prstClr val="black"/>
+              </a:solidFill>
+              <a:effectLst/>
+              <a:uLnTx/>
+              <a:uFillTx/>
+              <a:latin typeface="Segoe UI Light"/>
+              <a:ea typeface="+mn-ea"/>
+              <a:cs typeface="+mn-cs"/>
+            </a:endParaRPr>
+          </a:p>
+        </p:txBody>
+      </p:sp>
+      <p:sp>
+        <p:nvSpPr>
+          <p:cNvPr id="26" name="Arrow: Down 25">
+            <a:extLst>
+              <a:ext uri="{FF2B5EF4-FFF2-40B4-BE49-F238E27FC236}">
+                <a16:creationId xmlns:a16="http://schemas.microsoft.com/office/drawing/2014/main" id="{75402EAC-AD68-45D5-9633-1E3F2946480E}"/>
+              </a:ext>
+            </a:extLst>
+          </p:cNvPr>
+          <p:cNvSpPr/>
+          <p:nvPr/>
+        </p:nvSpPr>
+        <p:spPr>
+          <a:xfrm>
+            <a:off x="4998875" y="2711302"/>
+            <a:ext cx="424254" cy="628779"/>
+          </a:xfrm>
+          <a:prstGeom prst="downArrow">
+            <a:avLst/>
+          </a:prstGeom>
+        </p:spPr>
+        <p:style>
+          <a:lnRef idx="2">
+            <a:schemeClr val="accent1">
+              <a:shade val="50000"/>
+            </a:schemeClr>
+          </a:lnRef>
+          <a:fillRef idx="1">
+            <a:schemeClr val="accent1"/>
+          </a:fillRef>
+          <a:effectRef idx="0">
+            <a:schemeClr val="accent1"/>
+          </a:effectRef>
+          <a:fontRef idx="minor">
+            <a:schemeClr val="lt1"/>
+          </a:fontRef>
+        </p:style>
+        <p:txBody>
+          <a:bodyPr rtlCol="0" anchor="ctr"/>
+          <a:lstStyle/>
+          <a:p>
+            <a:pPr algn="ctr"/>
+            <a:endParaRPr lang="en-US"/>
+          </a:p>
+        </p:txBody>
+      </p:sp>
+      <p:sp>
+        <p:nvSpPr>
+          <p:cNvPr id="27" name="Arrow: Down 26">
+            <a:extLst>
+              <a:ext uri="{FF2B5EF4-FFF2-40B4-BE49-F238E27FC236}">
+                <a16:creationId xmlns:a16="http://schemas.microsoft.com/office/drawing/2014/main" id="{7CCD985B-8017-47CC-868C-6B7DA89AA851}"/>
+              </a:ext>
+            </a:extLst>
+          </p:cNvPr>
+          <p:cNvSpPr/>
+          <p:nvPr/>
+        </p:nvSpPr>
+        <p:spPr>
+          <a:xfrm rot="2984580">
+            <a:off x="4612609" y="4135011"/>
+            <a:ext cx="424254" cy="880286"/>
+          </a:xfrm>
+          <a:prstGeom prst="downArrow">
+            <a:avLst/>
+          </a:prstGeom>
+        </p:spPr>
+        <p:style>
+          <a:lnRef idx="2">
+            <a:schemeClr val="accent1">
+              <a:shade val="50000"/>
+            </a:schemeClr>
+          </a:lnRef>
+          <a:fillRef idx="1">
+            <a:schemeClr val="accent1"/>
+          </a:fillRef>
+          <a:effectRef idx="0">
+            <a:schemeClr val="accent1"/>
+          </a:effectRef>
+          <a:fontRef idx="minor">
+            <a:schemeClr val="lt1"/>
+          </a:fontRef>
+        </p:style>
+        <p:txBody>
+          <a:bodyPr rtlCol="0" anchor="ctr"/>
+          <a:lstStyle/>
+          <a:p>
+            <a:pPr algn="ctr"/>
             <a:endParaRPr lang="en-US" dirty="0"/>
           </a:p>
         </p:txBody>
@@ -13071,7 +15165,7 @@
     </p:spTree>
     <p:extLst>
       <p:ext uri="{BB962C8B-B14F-4D97-AF65-F5344CB8AC3E}">
-        <p14:creationId xmlns:p14="http://schemas.microsoft.com/office/powerpoint/2010/main" val="1291707926"/>
+        <p14:creationId xmlns:p14="http://schemas.microsoft.com/office/powerpoint/2010/main" val="1129120759"/>
       </p:ext>
     </p:extLst>
   </p:cSld>
@@ -13114,7 +15208,7 @@
                                         <p:tgtEl>
                                           <p:spTgt spid="3">
                                             <p:txEl>
-                                              <p:pRg st="2" end="2"/>
+                                              <p:pRg st="1" end="1"/>
                                             </p:txEl>
                                           </p:spTgt>
                                         </p:tgtEl>
@@ -13132,67 +15226,6 @@
                                         <p:tgtEl>
                                           <p:spTgt spid="3">
                                             <p:txEl>
-                                              <p:pRg st="2" end="2"/>
-                                            </p:txEl>
-                                          </p:spTgt>
-                                        </p:tgtEl>
-                                      </p:cBhvr>
-                                    </p:animEffect>
-                                  </p:childTnLst>
-                                </p:cTn>
-                              </p:par>
-                            </p:childTnLst>
-                          </p:cTn>
-                        </p:par>
-                      </p:childTnLst>
-                    </p:cTn>
-                  </p:par>
-                  <p:par>
-                    <p:cTn id="8" fill="hold">
-                      <p:stCondLst>
-                        <p:cond delay="indefinite"/>
-                      </p:stCondLst>
-                      <p:childTnLst>
-                        <p:par>
-                          <p:cTn id="9" fill="hold">
-                            <p:stCondLst>
-                              <p:cond delay="0"/>
-                            </p:stCondLst>
-                            <p:childTnLst>
-                              <p:par>
-                                <p:cTn id="10" presetID="10" presetClass="entr" presetSubtype="0" fill="hold" nodeType="clickEffect">
-                                  <p:stCondLst>
-                                    <p:cond delay="0"/>
-                                  </p:stCondLst>
-                                  <p:childTnLst>
-                                    <p:set>
-                                      <p:cBhvr>
-                                        <p:cTn id="11" dur="1" fill="hold">
-                                          <p:stCondLst>
-                                            <p:cond delay="0"/>
-                                          </p:stCondLst>
-                                        </p:cTn>
-                                        <p:tgtEl>
-                                          <p:spTgt spid="3">
-                                            <p:txEl>
-                                              <p:pRg st="1" end="1"/>
-                                            </p:txEl>
-                                          </p:spTgt>
-                                        </p:tgtEl>
-                                        <p:attrNameLst>
-                                          <p:attrName>style.visibility</p:attrName>
-                                        </p:attrNameLst>
-                                      </p:cBhvr>
-                                      <p:to>
-                                        <p:strVal val="visible"/>
-                                      </p:to>
-                                    </p:set>
-                                    <p:animEffect transition="in" filter="fade">
-                                      <p:cBhvr>
-                                        <p:cTn id="12" dur="500"/>
-                                        <p:tgtEl>
-                                          <p:spTgt spid="3">
-                                            <p:txEl>
                                               <p:pRg st="1" end="1"/>
                                             </p:txEl>
                                           </p:spTgt>
@@ -13202,33 +15235,15 @@
                                   </p:childTnLst>
                                 </p:cTn>
                               </p:par>
-                            </p:childTnLst>
-                          </p:cTn>
-                        </p:par>
-                      </p:childTnLst>
-                    </p:cTn>
-                  </p:par>
-                  <p:par>
-                    <p:cTn id="13" fill="hold">
-                      <p:stCondLst>
-                        <p:cond delay="indefinite"/>
-                      </p:stCondLst>
-                      <p:childTnLst>
-                        <p:par>
-                          <p:cTn id="14" fill="hold">
-                            <p:stCondLst>
-                              <p:cond delay="0"/>
-                            </p:stCondLst>
-                            <p:childTnLst>
                               <p:par>
-                                <p:cTn id="15" presetID="10" presetClass="entr" presetSubtype="0" fill="hold" nodeType="clickEffect">
+                                <p:cTn id="8" presetID="10" presetClass="entr" presetSubtype="0" fill="hold" nodeType="withEffect">
                                   <p:stCondLst>
                                     <p:cond delay="0"/>
                                   </p:stCondLst>
                                   <p:childTnLst>
                                     <p:set>
                                       <p:cBhvr>
-                                        <p:cTn id="16" dur="1" fill="hold">
+                                        <p:cTn id="9" dur="1" fill="hold">
                                           <p:stCondLst>
                                             <p:cond delay="0"/>
                                           </p:stCondLst>
@@ -13250,7 +15265,7 @@
                                     </p:set>
                                     <p:animEffect transition="in" filter="fade">
                                       <p:cBhvr>
-                                        <p:cTn id="17" dur="500"/>
+                                        <p:cTn id="10" dur="500"/>
                                         <p:tgtEl>
                                           <p:spTgt spid="3">
                                             <p:txEl>
@@ -13270,19 +15285,98 @@
                     </p:cTn>
                   </p:par>
                   <p:par>
-                    <p:cTn id="18" fill="hold">
+                    <p:cTn id="11" fill="hold">
                       <p:stCondLst>
                         <p:cond delay="indefinite"/>
                       </p:stCondLst>
                       <p:childTnLst>
                         <p:par>
-                          <p:cTn id="19" fill="hold">
+                          <p:cTn id="12" fill="hold">
                             <p:stCondLst>
                               <p:cond delay="0"/>
                             </p:stCondLst>
                             <p:childTnLst>
                               <p:par>
-                                <p:cTn id="20" presetID="10" presetClass="entr" presetSubtype="0" fill="hold" nodeType="clickEffect">
+                                <p:cTn id="13" presetID="10" presetClass="entr" presetSubtype="0" fill="hold" grpId="0" nodeType="clickEffect">
+                                  <p:stCondLst>
+                                    <p:cond delay="0"/>
+                                  </p:stCondLst>
+                                  <p:childTnLst>
+                                    <p:set>
+                                      <p:cBhvr>
+                                        <p:cTn id="14" dur="1" fill="hold">
+                                          <p:stCondLst>
+                                            <p:cond delay="0"/>
+                                          </p:stCondLst>
+                                        </p:cTn>
+                                        <p:tgtEl>
+                                          <p:spTgt spid="12"/>
+                                        </p:tgtEl>
+                                        <p:attrNameLst>
+                                          <p:attrName>style.visibility</p:attrName>
+                                        </p:attrNameLst>
+                                      </p:cBhvr>
+                                      <p:to>
+                                        <p:strVal val="visible"/>
+                                      </p:to>
+                                    </p:set>
+                                    <p:animEffect transition="in" filter="fade">
+                                      <p:cBhvr>
+                                        <p:cTn id="15" dur="500"/>
+                                        <p:tgtEl>
+                                          <p:spTgt spid="12"/>
+                                        </p:tgtEl>
+                                      </p:cBhvr>
+                                    </p:animEffect>
+                                  </p:childTnLst>
+                                </p:cTn>
+                              </p:par>
+                            </p:childTnLst>
+                          </p:cTn>
+                        </p:par>
+                        <p:par>
+                          <p:cTn id="16" fill="hold">
+                            <p:stCondLst>
+                              <p:cond delay="500"/>
+                            </p:stCondLst>
+                            <p:childTnLst>
+                              <p:par>
+                                <p:cTn id="17" presetID="10" presetClass="entr" presetSubtype="0" fill="hold" grpId="0" nodeType="afterEffect">
+                                  <p:stCondLst>
+                                    <p:cond delay="0"/>
+                                  </p:stCondLst>
+                                  <p:childTnLst>
+                                    <p:set>
+                                      <p:cBhvr>
+                                        <p:cTn id="18" dur="1" fill="hold">
+                                          <p:stCondLst>
+                                            <p:cond delay="0"/>
+                                          </p:stCondLst>
+                                        </p:cTn>
+                                        <p:tgtEl>
+                                          <p:spTgt spid="26"/>
+                                        </p:tgtEl>
+                                        <p:attrNameLst>
+                                          <p:attrName>style.visibility</p:attrName>
+                                        </p:attrNameLst>
+                                      </p:cBhvr>
+                                      <p:to>
+                                        <p:strVal val="visible"/>
+                                      </p:to>
+                                    </p:set>
+                                    <p:animEffect transition="in" filter="fade">
+                                      <p:cBhvr>
+                                        <p:cTn id="19" dur="500"/>
+                                        <p:tgtEl>
+                                          <p:spTgt spid="26"/>
+                                        </p:tgtEl>
+                                      </p:cBhvr>
+                                    </p:animEffect>
+                                  </p:childTnLst>
+                                </p:cTn>
+                              </p:par>
+                              <p:par>
+                                <p:cTn id="20" presetID="10" presetClass="entr" presetSubtype="0" fill="hold" nodeType="withEffect">
                                   <p:stCondLst>
                                     <p:cond delay="0"/>
                                   </p:stCondLst>
@@ -13295,11 +15389,7 @@
                                           </p:stCondLst>
                                         </p:cTn>
                                         <p:tgtEl>
-                                          <p:spTgt spid="3">
-                                            <p:txEl>
-                                              <p:pRg st="3" end="3"/>
-                                            </p:txEl>
-                                          </p:spTgt>
+                                          <p:spTgt spid="13"/>
                                         </p:tgtEl>
                                         <p:attrNameLst>
                                           <p:attrName>style.visibility</p:attrName>
@@ -13313,11 +15403,305 @@
                                       <p:cBhvr>
                                         <p:cTn id="22" dur="500"/>
                                         <p:tgtEl>
-                                          <p:spTgt spid="3">
-                                            <p:txEl>
-                                              <p:pRg st="3" end="3"/>
-                                            </p:txEl>
-                                          </p:spTgt>
+                                          <p:spTgt spid="13"/>
+                                        </p:tgtEl>
+                                      </p:cBhvr>
+                                    </p:animEffect>
+                                  </p:childTnLst>
+                                </p:cTn>
+                              </p:par>
+                              <p:par>
+                                <p:cTn id="23" presetID="10" presetClass="entr" presetSubtype="0" fill="hold" nodeType="withEffect">
+                                  <p:stCondLst>
+                                    <p:cond delay="0"/>
+                                  </p:stCondLst>
+                                  <p:childTnLst>
+                                    <p:set>
+                                      <p:cBhvr>
+                                        <p:cTn id="24" dur="1" fill="hold">
+                                          <p:stCondLst>
+                                            <p:cond delay="0"/>
+                                          </p:stCondLst>
+                                        </p:cTn>
+                                        <p:tgtEl>
+                                          <p:spTgt spid="14"/>
+                                        </p:tgtEl>
+                                        <p:attrNameLst>
+                                          <p:attrName>style.visibility</p:attrName>
+                                        </p:attrNameLst>
+                                      </p:cBhvr>
+                                      <p:to>
+                                        <p:strVal val="visible"/>
+                                      </p:to>
+                                    </p:set>
+                                    <p:animEffect transition="in" filter="fade">
+                                      <p:cBhvr>
+                                        <p:cTn id="25" dur="500"/>
+                                        <p:tgtEl>
+                                          <p:spTgt spid="14"/>
+                                        </p:tgtEl>
+                                      </p:cBhvr>
+                                    </p:animEffect>
+                                  </p:childTnLst>
+                                </p:cTn>
+                              </p:par>
+                              <p:par>
+                                <p:cTn id="26" presetID="10" presetClass="entr" presetSubtype="0" fill="hold" nodeType="withEffect">
+                                  <p:stCondLst>
+                                    <p:cond delay="0"/>
+                                  </p:stCondLst>
+                                  <p:childTnLst>
+                                    <p:set>
+                                      <p:cBhvr>
+                                        <p:cTn id="27" dur="1" fill="hold">
+                                          <p:stCondLst>
+                                            <p:cond delay="0"/>
+                                          </p:stCondLst>
+                                        </p:cTn>
+                                        <p:tgtEl>
+                                          <p:spTgt spid="15"/>
+                                        </p:tgtEl>
+                                        <p:attrNameLst>
+                                          <p:attrName>style.visibility</p:attrName>
+                                        </p:attrNameLst>
+                                      </p:cBhvr>
+                                      <p:to>
+                                        <p:strVal val="visible"/>
+                                      </p:to>
+                                    </p:set>
+                                    <p:animEffect transition="in" filter="fade">
+                                      <p:cBhvr>
+                                        <p:cTn id="28" dur="500"/>
+                                        <p:tgtEl>
+                                          <p:spTgt spid="15"/>
+                                        </p:tgtEl>
+                                      </p:cBhvr>
+                                    </p:animEffect>
+                                  </p:childTnLst>
+                                </p:cTn>
+                              </p:par>
+                              <p:par>
+                                <p:cTn id="29" presetID="10" presetClass="entr" presetSubtype="0" fill="hold" nodeType="withEffect">
+                                  <p:stCondLst>
+                                    <p:cond delay="0"/>
+                                  </p:stCondLst>
+                                  <p:childTnLst>
+                                    <p:set>
+                                      <p:cBhvr>
+                                        <p:cTn id="30" dur="1" fill="hold">
+                                          <p:stCondLst>
+                                            <p:cond delay="0"/>
+                                          </p:stCondLst>
+                                        </p:cTn>
+                                        <p:tgtEl>
+                                          <p:spTgt spid="16"/>
+                                        </p:tgtEl>
+                                        <p:attrNameLst>
+                                          <p:attrName>style.visibility</p:attrName>
+                                        </p:attrNameLst>
+                                      </p:cBhvr>
+                                      <p:to>
+                                        <p:strVal val="visible"/>
+                                      </p:to>
+                                    </p:set>
+                                    <p:animEffect transition="in" filter="fade">
+                                      <p:cBhvr>
+                                        <p:cTn id="31" dur="500"/>
+                                        <p:tgtEl>
+                                          <p:spTgt spid="16"/>
+                                        </p:tgtEl>
+                                      </p:cBhvr>
+                                    </p:animEffect>
+                                  </p:childTnLst>
+                                </p:cTn>
+                              </p:par>
+                              <p:par>
+                                <p:cTn id="32" presetID="10" presetClass="entr" presetSubtype="0" fill="hold" grpId="0" nodeType="withEffect">
+                                  <p:stCondLst>
+                                    <p:cond delay="0"/>
+                                  </p:stCondLst>
+                                  <p:childTnLst>
+                                    <p:set>
+                                      <p:cBhvr>
+                                        <p:cTn id="33" dur="1" fill="hold">
+                                          <p:stCondLst>
+                                            <p:cond delay="0"/>
+                                          </p:stCondLst>
+                                        </p:cTn>
+                                        <p:tgtEl>
+                                          <p:spTgt spid="19"/>
+                                        </p:tgtEl>
+                                        <p:attrNameLst>
+                                          <p:attrName>style.visibility</p:attrName>
+                                        </p:attrNameLst>
+                                      </p:cBhvr>
+                                      <p:to>
+                                        <p:strVal val="visible"/>
+                                      </p:to>
+                                    </p:set>
+                                    <p:animEffect transition="in" filter="fade">
+                                      <p:cBhvr>
+                                        <p:cTn id="34" dur="500"/>
+                                        <p:tgtEl>
+                                          <p:spTgt spid="19"/>
+                                        </p:tgtEl>
+                                      </p:cBhvr>
+                                    </p:animEffect>
+                                  </p:childTnLst>
+                                </p:cTn>
+                              </p:par>
+                              <p:par>
+                                <p:cTn id="35" presetID="10" presetClass="entr" presetSubtype="0" fill="hold" grpId="0" nodeType="withEffect">
+                                  <p:stCondLst>
+                                    <p:cond delay="0"/>
+                                  </p:stCondLst>
+                                  <p:childTnLst>
+                                    <p:set>
+                                      <p:cBhvr>
+                                        <p:cTn id="36" dur="1" fill="hold">
+                                          <p:stCondLst>
+                                            <p:cond delay="0"/>
+                                          </p:stCondLst>
+                                        </p:cTn>
+                                        <p:tgtEl>
+                                          <p:spTgt spid="20"/>
+                                        </p:tgtEl>
+                                        <p:attrNameLst>
+                                          <p:attrName>style.visibility</p:attrName>
+                                        </p:attrNameLst>
+                                      </p:cBhvr>
+                                      <p:to>
+                                        <p:strVal val="visible"/>
+                                      </p:to>
+                                    </p:set>
+                                    <p:animEffect transition="in" filter="fade">
+                                      <p:cBhvr>
+                                        <p:cTn id="37" dur="500"/>
+                                        <p:tgtEl>
+                                          <p:spTgt spid="20"/>
+                                        </p:tgtEl>
+                                      </p:cBhvr>
+                                    </p:animEffect>
+                                  </p:childTnLst>
+                                </p:cTn>
+                              </p:par>
+                            </p:childTnLst>
+                          </p:cTn>
+                        </p:par>
+                      </p:childTnLst>
+                    </p:cTn>
+                  </p:par>
+                  <p:par>
+                    <p:cTn id="38" fill="hold">
+                      <p:stCondLst>
+                        <p:cond delay="indefinite"/>
+                      </p:stCondLst>
+                      <p:childTnLst>
+                        <p:par>
+                          <p:cTn id="39" fill="hold">
+                            <p:stCondLst>
+                              <p:cond delay="0"/>
+                            </p:stCondLst>
+                            <p:childTnLst>
+                              <p:par>
+                                <p:cTn id="40" presetID="10" presetClass="entr" presetSubtype="0" fill="hold" grpId="0" nodeType="clickEffect">
+                                  <p:stCondLst>
+                                    <p:cond delay="0"/>
+                                  </p:stCondLst>
+                                  <p:childTnLst>
+                                    <p:set>
+                                      <p:cBhvr>
+                                        <p:cTn id="41" dur="1" fill="hold">
+                                          <p:stCondLst>
+                                            <p:cond delay="0"/>
+                                          </p:stCondLst>
+                                        </p:cTn>
+                                        <p:tgtEl>
+                                          <p:spTgt spid="27"/>
+                                        </p:tgtEl>
+                                        <p:attrNameLst>
+                                          <p:attrName>style.visibility</p:attrName>
+                                        </p:attrNameLst>
+                                      </p:cBhvr>
+                                      <p:to>
+                                        <p:strVal val="visible"/>
+                                      </p:to>
+                                    </p:set>
+                                    <p:animEffect transition="in" filter="fade">
+                                      <p:cBhvr>
+                                        <p:cTn id="42" dur="500"/>
+                                        <p:tgtEl>
+                                          <p:spTgt spid="27"/>
+                                        </p:tgtEl>
+                                      </p:cBhvr>
+                                    </p:animEffect>
+                                  </p:childTnLst>
+                                </p:cTn>
+                              </p:par>
+                              <p:par>
+                                <p:cTn id="43" presetID="10" presetClass="entr" presetSubtype="0" fill="hold" grpId="0" nodeType="withEffect">
+                                  <p:stCondLst>
+                                    <p:cond delay="0"/>
+                                  </p:stCondLst>
+                                  <p:childTnLst>
+                                    <p:set>
+                                      <p:cBhvr>
+                                        <p:cTn id="44" dur="1" fill="hold">
+                                          <p:stCondLst>
+                                            <p:cond delay="0"/>
+                                          </p:stCondLst>
+                                        </p:cTn>
+                                        <p:tgtEl>
+                                          <p:spTgt spid="25"/>
+                                        </p:tgtEl>
+                                        <p:attrNameLst>
+                                          <p:attrName>style.visibility</p:attrName>
+                                        </p:attrNameLst>
+                                      </p:cBhvr>
+                                      <p:to>
+                                        <p:strVal val="visible"/>
+                                      </p:to>
+                                    </p:set>
+                                    <p:animEffect transition="in" filter="fade">
+                                      <p:cBhvr>
+                                        <p:cTn id="45" dur="500"/>
+                                        <p:tgtEl>
+                                          <p:spTgt spid="25"/>
+                                        </p:tgtEl>
+                                      </p:cBhvr>
+                                    </p:animEffect>
+                                  </p:childTnLst>
+                                </p:cTn>
+                              </p:par>
+                              <p:par>
+                                <p:cTn id="46" presetID="10" presetClass="entr" presetSubtype="0" fill="hold" nodeType="withEffect">
+                                  <p:stCondLst>
+                                    <p:cond delay="0"/>
+                                  </p:stCondLst>
+                                  <p:childTnLst>
+                                    <p:set>
+                                      <p:cBhvr>
+                                        <p:cTn id="47" dur="1" fill="hold">
+                                          <p:stCondLst>
+                                            <p:cond delay="0"/>
+                                          </p:stCondLst>
+                                        </p:cTn>
+                                        <p:tgtEl>
+                                          <p:spTgt spid="24"/>
+                                        </p:tgtEl>
+                                        <p:attrNameLst>
+                                          <p:attrName>style.visibility</p:attrName>
+                                        </p:attrNameLst>
+                                      </p:cBhvr>
+                                      <p:to>
+                                        <p:strVal val="visible"/>
+                                      </p:to>
+                                    </p:set>
+                                    <p:animEffect transition="in" filter="fade">
+                                      <p:cBhvr>
+                                        <p:cTn id="48" dur="500"/>
+                                        <p:tgtEl>
+                                          <p:spTgt spid="24"/>
                                         </p:tgtEl>
                                       </p:cBhvr>
                                     </p:animEffect>
@@ -13351,6 +15735,14 @@
         </p:cTn>
       </p:par>
     </p:tnLst>
+    <p:bldLst>
+      <p:bldP spid="12" grpId="0" animBg="1"/>
+      <p:bldP spid="19" grpId="0"/>
+      <p:bldP spid="20" grpId="0"/>
+      <p:bldP spid="25" grpId="0" animBg="1"/>
+      <p:bldP spid="26" grpId="0" animBg="1"/>
+      <p:bldP spid="27" grpId="0" animBg="1"/>
+    </p:bldLst>
   </p:timing>
 </p:sld>
 </file>
@@ -13390,21 +15782,15 @@
             <p:ph type="title"/>
           </p:nvPr>
         </p:nvSpPr>
-        <p:spPr>
-          <a:xfrm>
-            <a:off x="838200" y="365125"/>
-            <a:ext cx="10515600" cy="1325563"/>
-          </a:xfrm>
-        </p:spPr>
+        <p:spPr/>
         <p:txBody>
           <a:bodyPr/>
           <a:lstStyle/>
           <a:p>
             <a:r>
-              <a:rPr lang="en-US"/>
-              <a:t>Azure Key Vault</a:t>
-            </a:r>
-            <a:endParaRPr lang="en-US" dirty="0"/>
+              <a:rPr lang="en-US" dirty="0"/>
+              <a:t>Secret Manager: VS 2017</a:t>
+            </a:r>
           </a:p>
         </p:txBody>
       </p:sp>
@@ -13418,27 +15804,11 @@
             <p:ph idx="1"/>
           </p:nvPr>
         </p:nvSpPr>
-        <p:spPr>
-          <a:xfrm>
-            <a:off x="838200" y="1825625"/>
-            <a:ext cx="10515600" cy="4351338"/>
-          </a:xfrm>
-        </p:spPr>
+        <p:spPr/>
         <p:txBody>
           <a:bodyPr/>
           <a:lstStyle/>
           <a:p>
-            <a:r>
-              <a:rPr lang="en-US"/>
-              <a:t>VS 15.7 introduces Connected Services node Key Vault creation</a:t>
-            </a:r>
-          </a:p>
-          <a:p>
-            <a:pPr lvl="1"/>
-            <a:r>
-              <a:rPr lang="en-US"/>
-              <a:t>Solution Explorer &gt; double-click Connected Services &gt; Secure Secrets with Azure Key Vault</a:t>
-            </a:r>
             <a:endParaRPr lang="en-US" dirty="0"/>
           </a:p>
         </p:txBody>
@@ -13446,7 +15816,7 @@
     </p:spTree>
     <p:extLst>
       <p:ext uri="{BB962C8B-B14F-4D97-AF65-F5344CB8AC3E}">
-        <p14:creationId xmlns:p14="http://schemas.microsoft.com/office/powerpoint/2010/main" val="1332892662"/>
+        <p14:creationId xmlns:p14="http://schemas.microsoft.com/office/powerpoint/2010/main" val="972511945"/>
       </p:ext>
     </p:extLst>
   </p:cSld>
@@ -13474,10 +15844,15 @@
                             </p:stCondLst>
                             <p:childTnLst>
                               <p:par>
-                                <p:cTn id="5" presetID="10" presetClass="entr" presetSubtype="0" fill="hold" nodeType="clickEffect">
+                                <p:cTn id="5" presetID="10" presetClass="entr" presetSubtype="0" fill="hold" nodeType="clickEffect" nodePh="1">
                                   <p:stCondLst>
                                     <p:cond delay="0"/>
                                   </p:stCondLst>
+                                  <p:endCondLst>
+                                    <p:cond evt="begin" delay="0">
+                                      <p:tn val="5"/>
+                                    </p:cond>
+                                  </p:endCondLst>
                                   <p:childTnLst>
                                     <p:set>
                                       <p:cBhvr>
@@ -13508,67 +15883,6 @@
                                           <p:spTgt spid="3">
                                             <p:txEl>
                                               <p:pRg st="0" end="0"/>
-                                            </p:txEl>
-                                          </p:spTgt>
-                                        </p:tgtEl>
-                                      </p:cBhvr>
-                                    </p:animEffect>
-                                  </p:childTnLst>
-                                </p:cTn>
-                              </p:par>
-                            </p:childTnLst>
-                          </p:cTn>
-                        </p:par>
-                      </p:childTnLst>
-                    </p:cTn>
-                  </p:par>
-                  <p:par>
-                    <p:cTn id="8" fill="hold">
-                      <p:stCondLst>
-                        <p:cond delay="indefinite"/>
-                      </p:stCondLst>
-                      <p:childTnLst>
-                        <p:par>
-                          <p:cTn id="9" fill="hold">
-                            <p:stCondLst>
-                              <p:cond delay="0"/>
-                            </p:stCondLst>
-                            <p:childTnLst>
-                              <p:par>
-                                <p:cTn id="10" presetID="10" presetClass="entr" presetSubtype="0" fill="hold" nodeType="clickEffect">
-                                  <p:stCondLst>
-                                    <p:cond delay="0"/>
-                                  </p:stCondLst>
-                                  <p:childTnLst>
-                                    <p:set>
-                                      <p:cBhvr>
-                                        <p:cTn id="11" dur="1" fill="hold">
-                                          <p:stCondLst>
-                                            <p:cond delay="0"/>
-                                          </p:stCondLst>
-                                        </p:cTn>
-                                        <p:tgtEl>
-                                          <p:spTgt spid="3">
-                                            <p:txEl>
-                                              <p:pRg st="1" end="1"/>
-                                            </p:txEl>
-                                          </p:spTgt>
-                                        </p:tgtEl>
-                                        <p:attrNameLst>
-                                          <p:attrName>style.visibility</p:attrName>
-                                        </p:attrNameLst>
-                                      </p:cBhvr>
-                                      <p:to>
-                                        <p:strVal val="visible"/>
-                                      </p:to>
-                                    </p:set>
-                                    <p:animEffect transition="in" filter="fade">
-                                      <p:cBhvr>
-                                        <p:cTn id="12" dur="500"/>
-                                        <p:tgtEl>
-                                          <p:spTgt spid="3">
-                                            <p:txEl>
-                                              <p:pRg st="1" end="1"/>
                                             </p:txEl>
                                           </p:spTgt>
                                         </p:tgtEl>

--- a/Protecting App Secrets.pptx
+++ b/Protecting App Secrets.pptx
@@ -11432,6 +11432,11 @@
           <a:prstGeom prst="bentUpArrow">
             <a:avLst/>
           </a:prstGeom>
+          <a:solidFill>
+            <a:srgbClr val="4472C4">
+              <a:alpha val="69804"/>
+            </a:srgbClr>
+          </a:solidFill>
         </p:spPr>
         <p:style>
           <a:lnRef idx="2">
@@ -15789,7 +15794,7 @@
           <a:p>
             <a:r>
               <a:rPr lang="en-US" dirty="0"/>
-              <a:t>Secret Manager: VS 2017</a:t>
+              <a:t>Secret Manager: Retrieval</a:t>
             </a:r>
           </a:p>
         </p:txBody>
@@ -15809,7 +15814,1005 @@
           <a:bodyPr/>
           <a:lstStyle/>
           <a:p>
+            <a:pPr marL="0" indent="0">
+              <a:buNone/>
+            </a:pPr>
             <a:endParaRPr lang="en-US" dirty="0"/>
+          </a:p>
+        </p:txBody>
+      </p:sp>
+      <p:graphicFrame>
+        <p:nvGraphicFramePr>
+          <p:cNvPr id="4" name="Table 3">
+            <a:extLst>
+              <a:ext uri="{FF2B5EF4-FFF2-40B4-BE49-F238E27FC236}">
+                <a16:creationId xmlns:a16="http://schemas.microsoft.com/office/drawing/2014/main" id="{FB18C7D4-3492-4E4E-800A-CAFC344516DD}"/>
+              </a:ext>
+            </a:extLst>
+          </p:cNvPr>
+          <p:cNvGraphicFramePr>
+            <a:graphicFrameLocks noGrp="1"/>
+          </p:cNvGraphicFramePr>
+          <p:nvPr>
+            <p:extLst>
+              <p:ext uri="{D42A27DB-BD31-4B8C-83A1-F6EECF244321}">
+                <p14:modId xmlns:p14="http://schemas.microsoft.com/office/powerpoint/2010/main" val="3139221817"/>
+              </p:ext>
+            </p:extLst>
+          </p:nvPr>
+        </p:nvGraphicFramePr>
+        <p:xfrm>
+          <a:off x="844462" y="1920875"/>
+          <a:ext cx="9165812" cy="4849684"/>
+        </p:xfrm>
+        <a:graphic>
+          <a:graphicData uri="http://schemas.openxmlformats.org/drawingml/2006/table">
+            <a:tbl>
+              <a:tblPr firstRow="1" bandRow="1"/>
+              <a:tblGrid>
+                <a:gridCol w="9165812">
+                  <a:extLst>
+                    <a:ext uri="{9D8B030D-6E8A-4147-A177-3AD203B41FA5}">
+                      <a16:colId xmlns:a16="http://schemas.microsoft.com/office/drawing/2014/main" val="1057070397"/>
+                    </a:ext>
+                  </a:extLst>
+                </a:gridCol>
+              </a:tblGrid>
+              <a:tr h="4483924">
+                <a:tc>
+                  <a:txBody>
+                    <a:bodyPr/>
+                    <a:lstStyle>
+                      <a:lvl1pPr marL="0" algn="l" defTabSz="914400" rtl="0" eaLnBrk="1" latinLnBrk="0" hangingPunct="1">
+                        <a:defRPr sz="1800" b="1" kern="1200">
+                          <a:solidFill>
+                            <a:schemeClr val="lt1"/>
+                          </a:solidFill>
+                          <a:latin typeface="Segoe UI Light"/>
+                        </a:defRPr>
+                      </a:lvl1pPr>
+                      <a:lvl2pPr marL="457200" algn="l" defTabSz="914400" rtl="0" eaLnBrk="1" latinLnBrk="0" hangingPunct="1">
+                        <a:defRPr sz="1800" b="1" kern="1200">
+                          <a:solidFill>
+                            <a:schemeClr val="lt1"/>
+                          </a:solidFill>
+                          <a:latin typeface="Segoe UI Light"/>
+                        </a:defRPr>
+                      </a:lvl2pPr>
+                      <a:lvl3pPr marL="914400" algn="l" defTabSz="914400" rtl="0" eaLnBrk="1" latinLnBrk="0" hangingPunct="1">
+                        <a:defRPr sz="1800" b="1" kern="1200">
+                          <a:solidFill>
+                            <a:schemeClr val="lt1"/>
+                          </a:solidFill>
+                          <a:latin typeface="Segoe UI Light"/>
+                        </a:defRPr>
+                      </a:lvl3pPr>
+                      <a:lvl4pPr marL="1371600" algn="l" defTabSz="914400" rtl="0" eaLnBrk="1" latinLnBrk="0" hangingPunct="1">
+                        <a:defRPr sz="1800" b="1" kern="1200">
+                          <a:solidFill>
+                            <a:schemeClr val="lt1"/>
+                          </a:solidFill>
+                          <a:latin typeface="Segoe UI Light"/>
+                        </a:defRPr>
+                      </a:lvl4pPr>
+                      <a:lvl5pPr marL="1828800" algn="l" defTabSz="914400" rtl="0" eaLnBrk="1" latinLnBrk="0" hangingPunct="1">
+                        <a:defRPr sz="1800" b="1" kern="1200">
+                          <a:solidFill>
+                            <a:schemeClr val="lt1"/>
+                          </a:solidFill>
+                          <a:latin typeface="Segoe UI Light"/>
+                        </a:defRPr>
+                      </a:lvl5pPr>
+                      <a:lvl6pPr marL="2286000" algn="l" defTabSz="914400" rtl="0" eaLnBrk="1" latinLnBrk="0" hangingPunct="1">
+                        <a:defRPr sz="1800" b="1" kern="1200">
+                          <a:solidFill>
+                            <a:schemeClr val="lt1"/>
+                          </a:solidFill>
+                          <a:latin typeface="Segoe UI Light"/>
+                        </a:defRPr>
+                      </a:lvl6pPr>
+                      <a:lvl7pPr marL="2743200" algn="l" defTabSz="914400" rtl="0" eaLnBrk="1" latinLnBrk="0" hangingPunct="1">
+                        <a:defRPr sz="1800" b="1" kern="1200">
+                          <a:solidFill>
+                            <a:schemeClr val="lt1"/>
+                          </a:solidFill>
+                          <a:latin typeface="Segoe UI Light"/>
+                        </a:defRPr>
+                      </a:lvl7pPr>
+                      <a:lvl8pPr marL="3200400" algn="l" defTabSz="914400" rtl="0" eaLnBrk="1" latinLnBrk="0" hangingPunct="1">
+                        <a:defRPr sz="1800" b="1" kern="1200">
+                          <a:solidFill>
+                            <a:schemeClr val="lt1"/>
+                          </a:solidFill>
+                          <a:latin typeface="Segoe UI Light"/>
+                        </a:defRPr>
+                      </a:lvl8pPr>
+                      <a:lvl9pPr marL="3657600" algn="l" defTabSz="914400" rtl="0" eaLnBrk="1" latinLnBrk="0" hangingPunct="1">
+                        <a:defRPr sz="1800" b="1" kern="1200">
+                          <a:solidFill>
+                            <a:schemeClr val="lt1"/>
+                          </a:solidFill>
+                          <a:latin typeface="Segoe UI Light"/>
+                        </a:defRPr>
+                      </a:lvl9pPr>
+                    </a:lstStyle>
+                    <a:p>
+                      <a:r>
+                        <a:rPr lang="en-US" sz="1800" dirty="0">
+                          <a:solidFill>
+                            <a:srgbClr val="0000FF"/>
+                          </a:solidFill>
+                          <a:latin typeface="Consolas" panose="020B0609020204030204" pitchFamily="49" charset="0"/>
+                        </a:rPr>
+                        <a:t>public</a:t>
+                      </a:r>
+                      <a:r>
+                        <a:rPr lang="en-US" sz="1800" dirty="0">
+                          <a:solidFill>
+                            <a:srgbClr val="000000"/>
+                          </a:solidFill>
+                          <a:latin typeface="Consolas" panose="020B0609020204030204" pitchFamily="49" charset="0"/>
+                        </a:rPr>
+                        <a:t> </a:t>
+                      </a:r>
+                      <a:r>
+                        <a:rPr lang="en-US" sz="1800" dirty="0">
+                          <a:solidFill>
+                            <a:srgbClr val="0000FF"/>
+                          </a:solidFill>
+                          <a:latin typeface="Consolas" panose="020B0609020204030204" pitchFamily="49" charset="0"/>
+                        </a:rPr>
+                        <a:t>class</a:t>
+                      </a:r>
+                      <a:r>
+                        <a:rPr lang="en-US" sz="1800" dirty="0">
+                          <a:solidFill>
+                            <a:srgbClr val="000000"/>
+                          </a:solidFill>
+                          <a:latin typeface="Consolas" panose="020B0609020204030204" pitchFamily="49" charset="0"/>
+                        </a:rPr>
+                        <a:t> </a:t>
+                      </a:r>
+                      <a:r>
+                        <a:rPr lang="en-US" sz="1800" dirty="0">
+                          <a:solidFill>
+                            <a:srgbClr val="2B91AF"/>
+                          </a:solidFill>
+                          <a:latin typeface="Consolas" panose="020B0609020204030204" pitchFamily="49" charset="0"/>
+                        </a:rPr>
+                        <a:t>Startup</a:t>
+                      </a:r>
+                      <a:endParaRPr lang="en-US" sz="1800" dirty="0">
+                        <a:solidFill>
+                          <a:srgbClr val="000000"/>
+                        </a:solidFill>
+                        <a:latin typeface="Consolas" panose="020B0609020204030204" pitchFamily="49" charset="0"/>
+                      </a:endParaRPr>
+                    </a:p>
+                    <a:p>
+                      <a:r>
+                        <a:rPr lang="en-US" sz="1800" dirty="0">
+                          <a:solidFill>
+                            <a:srgbClr val="000000"/>
+                          </a:solidFill>
+                          <a:latin typeface="Consolas" panose="020B0609020204030204" pitchFamily="49" charset="0"/>
+                        </a:rPr>
+                        <a:t>{</a:t>
+                      </a:r>
+                    </a:p>
+                    <a:p>
+                      <a:r>
+                        <a:rPr lang="en-US" sz="1800" dirty="0">
+                          <a:solidFill>
+                            <a:srgbClr val="000000"/>
+                          </a:solidFill>
+                          <a:latin typeface="Consolas" panose="020B0609020204030204" pitchFamily="49" charset="0"/>
+                        </a:rPr>
+                        <a:t>    </a:t>
+                      </a:r>
+                      <a:r>
+                        <a:rPr lang="en-US" sz="1800" dirty="0">
+                          <a:solidFill>
+                            <a:srgbClr val="0000FF"/>
+                          </a:solidFill>
+                          <a:latin typeface="Consolas" panose="020B0609020204030204" pitchFamily="49" charset="0"/>
+                        </a:rPr>
+                        <a:t>private</a:t>
+                      </a:r>
+                      <a:r>
+                        <a:rPr lang="en-US" sz="1800" dirty="0">
+                          <a:solidFill>
+                            <a:srgbClr val="000000"/>
+                          </a:solidFill>
+                          <a:latin typeface="Consolas" panose="020B0609020204030204" pitchFamily="49" charset="0"/>
+                        </a:rPr>
+                        <a:t> </a:t>
+                      </a:r>
+                      <a:r>
+                        <a:rPr lang="en-US" sz="1800" dirty="0">
+                          <a:solidFill>
+                            <a:srgbClr val="0000FF"/>
+                          </a:solidFill>
+                          <a:latin typeface="Consolas" panose="020B0609020204030204" pitchFamily="49" charset="0"/>
+                        </a:rPr>
+                        <a:t>string</a:t>
+                      </a:r>
+                      <a:r>
+                        <a:rPr lang="en-US" sz="1800" dirty="0">
+                          <a:solidFill>
+                            <a:srgbClr val="000000"/>
+                          </a:solidFill>
+                          <a:latin typeface="Consolas" panose="020B0609020204030204" pitchFamily="49" charset="0"/>
+                        </a:rPr>
+                        <a:t> _connection = </a:t>
+                      </a:r>
+                      <a:r>
+                        <a:rPr lang="en-US" sz="1800" dirty="0">
+                          <a:solidFill>
+                            <a:srgbClr val="0000FF"/>
+                          </a:solidFill>
+                          <a:latin typeface="Consolas" panose="020B0609020204030204" pitchFamily="49" charset="0"/>
+                        </a:rPr>
+                        <a:t>null</a:t>
+                      </a:r>
+                      <a:r>
+                        <a:rPr lang="en-US" sz="1800" dirty="0">
+                          <a:solidFill>
+                            <a:srgbClr val="000000"/>
+                          </a:solidFill>
+                          <a:latin typeface="Consolas" panose="020B0609020204030204" pitchFamily="49" charset="0"/>
+                        </a:rPr>
+                        <a:t>;</a:t>
+                      </a:r>
+                    </a:p>
+                    <a:p>
+                      <a:endParaRPr lang="en-US" sz="1800" dirty="0">
+                        <a:solidFill>
+                          <a:srgbClr val="000000"/>
+                        </a:solidFill>
+                        <a:latin typeface="Consolas" panose="020B0609020204030204" pitchFamily="49" charset="0"/>
+                      </a:endParaRPr>
+                    </a:p>
+                    <a:p>
+                      <a:r>
+                        <a:rPr lang="en-US" sz="1800" dirty="0">
+                          <a:solidFill>
+                            <a:srgbClr val="000000"/>
+                          </a:solidFill>
+                          <a:latin typeface="Consolas" panose="020B0609020204030204" pitchFamily="49" charset="0"/>
+                        </a:rPr>
+                        <a:t>    </a:t>
+                      </a:r>
+                      <a:r>
+                        <a:rPr lang="en-US" sz="1800" dirty="0">
+                          <a:solidFill>
+                            <a:srgbClr val="0000FF"/>
+                          </a:solidFill>
+                          <a:latin typeface="Consolas" panose="020B0609020204030204" pitchFamily="49" charset="0"/>
+                        </a:rPr>
+                        <a:t>public</a:t>
+                      </a:r>
+                      <a:r>
+                        <a:rPr lang="en-US" sz="1800" dirty="0">
+                          <a:solidFill>
+                            <a:srgbClr val="000000"/>
+                          </a:solidFill>
+                          <a:latin typeface="Consolas" panose="020B0609020204030204" pitchFamily="49" charset="0"/>
+                        </a:rPr>
+                        <a:t> Startup(</a:t>
+                      </a:r>
+                      <a:r>
+                        <a:rPr lang="en-US" sz="1800" dirty="0" err="1">
+                          <a:solidFill>
+                            <a:srgbClr val="000000"/>
+                          </a:solidFill>
+                          <a:latin typeface="Consolas" panose="020B0609020204030204" pitchFamily="49" charset="0"/>
+                        </a:rPr>
+                        <a:t>IConfiguration</a:t>
+                      </a:r>
+                      <a:r>
+                        <a:rPr lang="en-US" sz="1800" dirty="0">
+                          <a:solidFill>
+                            <a:srgbClr val="000000"/>
+                          </a:solidFill>
+                          <a:latin typeface="Consolas" panose="020B0609020204030204" pitchFamily="49" charset="0"/>
+                        </a:rPr>
+                        <a:t> configuration)</a:t>
+                      </a:r>
+                    </a:p>
+                    <a:p>
+                      <a:r>
+                        <a:rPr lang="en-US" sz="1800" dirty="0">
+                          <a:solidFill>
+                            <a:srgbClr val="000000"/>
+                          </a:solidFill>
+                          <a:latin typeface="Consolas" panose="020B0609020204030204" pitchFamily="49" charset="0"/>
+                        </a:rPr>
+                        <a:t>        =&gt; Configuration = configuration;</a:t>
+                      </a:r>
+                    </a:p>
+                    <a:p>
+                      <a:endParaRPr lang="en-US" sz="1800" dirty="0">
+                        <a:solidFill>
+                          <a:srgbClr val="000000"/>
+                        </a:solidFill>
+                        <a:latin typeface="Consolas" panose="020B0609020204030204" pitchFamily="49" charset="0"/>
+                      </a:endParaRPr>
+                    </a:p>
+                    <a:p>
+                      <a:r>
+                        <a:rPr lang="en-US" sz="1800" dirty="0">
+                          <a:solidFill>
+                            <a:srgbClr val="000000"/>
+                          </a:solidFill>
+                          <a:latin typeface="Consolas" panose="020B0609020204030204" pitchFamily="49" charset="0"/>
+                        </a:rPr>
+                        <a:t>    </a:t>
+                      </a:r>
+                      <a:r>
+                        <a:rPr lang="en-US" sz="1800" dirty="0">
+                          <a:solidFill>
+                            <a:srgbClr val="0000FF"/>
+                          </a:solidFill>
+                          <a:latin typeface="Consolas" panose="020B0609020204030204" pitchFamily="49" charset="0"/>
+                        </a:rPr>
+                        <a:t>public</a:t>
+                      </a:r>
+                      <a:r>
+                        <a:rPr lang="en-US" sz="1800" dirty="0">
+                          <a:solidFill>
+                            <a:srgbClr val="000000"/>
+                          </a:solidFill>
+                          <a:latin typeface="Consolas" panose="020B0609020204030204" pitchFamily="49" charset="0"/>
+                        </a:rPr>
+                        <a:t> </a:t>
+                      </a:r>
+                      <a:r>
+                        <a:rPr lang="en-US" sz="1800" dirty="0" err="1">
+                          <a:solidFill>
+                            <a:srgbClr val="000000"/>
+                          </a:solidFill>
+                          <a:latin typeface="Consolas" panose="020B0609020204030204" pitchFamily="49" charset="0"/>
+                        </a:rPr>
+                        <a:t>IConfiguration</a:t>
+                      </a:r>
+                      <a:r>
+                        <a:rPr lang="en-US" sz="1800" dirty="0">
+                          <a:solidFill>
+                            <a:srgbClr val="000000"/>
+                          </a:solidFill>
+                          <a:latin typeface="Consolas" panose="020B0609020204030204" pitchFamily="49" charset="0"/>
+                        </a:rPr>
+                        <a:t> Configuration { </a:t>
+                      </a:r>
+                      <a:r>
+                        <a:rPr lang="en-US" sz="1800" dirty="0">
+                          <a:solidFill>
+                            <a:srgbClr val="0000FF"/>
+                          </a:solidFill>
+                          <a:latin typeface="Consolas" panose="020B0609020204030204" pitchFamily="49" charset="0"/>
+                        </a:rPr>
+                        <a:t>get</a:t>
+                      </a:r>
+                      <a:r>
+                        <a:rPr lang="en-US" sz="1800" dirty="0">
+                          <a:solidFill>
+                            <a:srgbClr val="000000"/>
+                          </a:solidFill>
+                          <a:latin typeface="Consolas" panose="020B0609020204030204" pitchFamily="49" charset="0"/>
+                        </a:rPr>
+                        <a:t>; }</a:t>
+                      </a:r>
+                    </a:p>
+                    <a:p>
+                      <a:endParaRPr lang="en-US" sz="1800" dirty="0">
+                        <a:solidFill>
+                          <a:srgbClr val="000000"/>
+                        </a:solidFill>
+                        <a:latin typeface="Consolas" panose="020B0609020204030204" pitchFamily="49" charset="0"/>
+                      </a:endParaRPr>
+                    </a:p>
+                    <a:p>
+                      <a:r>
+                        <a:rPr lang="en-US" sz="1800" dirty="0">
+                          <a:solidFill>
+                            <a:srgbClr val="000000"/>
+                          </a:solidFill>
+                          <a:latin typeface="Consolas" panose="020B0609020204030204" pitchFamily="49" charset="0"/>
+                        </a:rPr>
+                        <a:t>    </a:t>
+                      </a:r>
+                      <a:r>
+                        <a:rPr lang="en-US" sz="1800" dirty="0">
+                          <a:solidFill>
+                            <a:srgbClr val="0000FF"/>
+                          </a:solidFill>
+                          <a:latin typeface="Consolas" panose="020B0609020204030204" pitchFamily="49" charset="0"/>
+                        </a:rPr>
+                        <a:t>public</a:t>
+                      </a:r>
+                      <a:r>
+                        <a:rPr lang="en-US" sz="1800" dirty="0">
+                          <a:solidFill>
+                            <a:srgbClr val="000000"/>
+                          </a:solidFill>
+                          <a:latin typeface="Consolas" panose="020B0609020204030204" pitchFamily="49" charset="0"/>
+                        </a:rPr>
+                        <a:t> </a:t>
+                      </a:r>
+                      <a:r>
+                        <a:rPr lang="en-US" sz="1800" dirty="0">
+                          <a:solidFill>
+                            <a:srgbClr val="0000FF"/>
+                          </a:solidFill>
+                          <a:latin typeface="Consolas" panose="020B0609020204030204" pitchFamily="49" charset="0"/>
+                        </a:rPr>
+                        <a:t>void</a:t>
+                      </a:r>
+                      <a:r>
+                        <a:rPr lang="en-US" sz="1800" dirty="0">
+                          <a:solidFill>
+                            <a:srgbClr val="000000"/>
+                          </a:solidFill>
+                          <a:latin typeface="Consolas" panose="020B0609020204030204" pitchFamily="49" charset="0"/>
+                        </a:rPr>
+                        <a:t> </a:t>
+                      </a:r>
+                      <a:r>
+                        <a:rPr lang="en-US" sz="1800" dirty="0" err="1">
+                          <a:solidFill>
+                            <a:srgbClr val="000000"/>
+                          </a:solidFill>
+                          <a:latin typeface="Consolas" panose="020B0609020204030204" pitchFamily="49" charset="0"/>
+                        </a:rPr>
+                        <a:t>ConfigureServices</a:t>
+                      </a:r>
+                      <a:r>
+                        <a:rPr lang="en-US" sz="1800" dirty="0">
+                          <a:solidFill>
+                            <a:srgbClr val="000000"/>
+                          </a:solidFill>
+                          <a:latin typeface="Consolas" panose="020B0609020204030204" pitchFamily="49" charset="0"/>
+                        </a:rPr>
+                        <a:t>(</a:t>
+                      </a:r>
+                      <a:r>
+                        <a:rPr lang="en-US" sz="1800" dirty="0" err="1">
+                          <a:solidFill>
+                            <a:srgbClr val="000000"/>
+                          </a:solidFill>
+                          <a:latin typeface="Consolas" panose="020B0609020204030204" pitchFamily="49" charset="0"/>
+                        </a:rPr>
+                        <a:t>IServiceCollection</a:t>
+                      </a:r>
+                      <a:r>
+                        <a:rPr lang="en-US" sz="1800" dirty="0">
+                          <a:solidFill>
+                            <a:srgbClr val="000000"/>
+                          </a:solidFill>
+                          <a:latin typeface="Consolas" panose="020B0609020204030204" pitchFamily="49" charset="0"/>
+                        </a:rPr>
+                        <a:t> services)</a:t>
+                      </a:r>
+                    </a:p>
+                    <a:p>
+                      <a:r>
+                        <a:rPr lang="en-US" sz="1800" dirty="0">
+                          <a:solidFill>
+                            <a:srgbClr val="000000"/>
+                          </a:solidFill>
+                          <a:latin typeface="Consolas" panose="020B0609020204030204" pitchFamily="49" charset="0"/>
+                        </a:rPr>
+                        <a:t>    {</a:t>
+                      </a:r>
+                    </a:p>
+                    <a:p>
+                      <a:r>
+                        <a:rPr lang="en-US" sz="1800" dirty="0">
+                          <a:solidFill>
+                            <a:srgbClr val="000000"/>
+                          </a:solidFill>
+                          <a:latin typeface="Consolas" panose="020B0609020204030204" pitchFamily="49" charset="0"/>
+                        </a:rPr>
+                        <a:t>        </a:t>
+                      </a:r>
+                      <a:r>
+                        <a:rPr lang="en-US" sz="1800" dirty="0">
+                          <a:solidFill>
+                            <a:srgbClr val="0000FF"/>
+                          </a:solidFill>
+                          <a:latin typeface="Consolas" panose="020B0609020204030204" pitchFamily="49" charset="0"/>
+                        </a:rPr>
+                        <a:t>var</a:t>
+                      </a:r>
+                      <a:r>
+                        <a:rPr lang="en-US" sz="1800" dirty="0">
+                          <a:solidFill>
+                            <a:srgbClr val="000000"/>
+                          </a:solidFill>
+                          <a:latin typeface="Consolas" panose="020B0609020204030204" pitchFamily="49" charset="0"/>
+                        </a:rPr>
+                        <a:t> builder = </a:t>
+                      </a:r>
+                      <a:r>
+                        <a:rPr lang="en-US" sz="1800" dirty="0">
+                          <a:solidFill>
+                            <a:srgbClr val="0000FF"/>
+                          </a:solidFill>
+                          <a:latin typeface="Consolas" panose="020B0609020204030204" pitchFamily="49" charset="0"/>
+                        </a:rPr>
+                        <a:t>new</a:t>
+                      </a:r>
+                      <a:r>
+                        <a:rPr lang="en-US" sz="1800" dirty="0">
+                          <a:solidFill>
+                            <a:srgbClr val="000000"/>
+                          </a:solidFill>
+                          <a:latin typeface="Consolas" panose="020B0609020204030204" pitchFamily="49" charset="0"/>
+                        </a:rPr>
+                        <a:t> </a:t>
+                      </a:r>
+                      <a:r>
+                        <a:rPr lang="en-US" sz="1800" dirty="0" err="1">
+                          <a:solidFill>
+                            <a:srgbClr val="000000"/>
+                          </a:solidFill>
+                          <a:latin typeface="Consolas" panose="020B0609020204030204" pitchFamily="49" charset="0"/>
+                        </a:rPr>
+                        <a:t>SqlConnectionStringBuilder</a:t>
+                      </a:r>
+                      <a:r>
+                        <a:rPr lang="en-US" sz="1800" dirty="0">
+                          <a:solidFill>
+                            <a:srgbClr val="000000"/>
+                          </a:solidFill>
+                          <a:latin typeface="Consolas" panose="020B0609020204030204" pitchFamily="49" charset="0"/>
+                        </a:rPr>
+                        <a:t>(</a:t>
+                      </a:r>
+                    </a:p>
+                    <a:p>
+                      <a:r>
+                        <a:rPr lang="en-US" sz="1800" dirty="0">
+                          <a:solidFill>
+                            <a:srgbClr val="000000"/>
+                          </a:solidFill>
+                          <a:latin typeface="Consolas" panose="020B0609020204030204" pitchFamily="49" charset="0"/>
+                        </a:rPr>
+                        <a:t>            </a:t>
+                      </a:r>
+                      <a:r>
+                        <a:rPr lang="en-US" sz="1800" dirty="0" err="1">
+                          <a:solidFill>
+                            <a:srgbClr val="000000"/>
+                          </a:solidFill>
+                          <a:latin typeface="Consolas" panose="020B0609020204030204" pitchFamily="49" charset="0"/>
+                        </a:rPr>
+                        <a:t>Configuration.GetConnectionString</a:t>
+                      </a:r>
+                      <a:r>
+                        <a:rPr lang="en-US" sz="1800" dirty="0">
+                          <a:solidFill>
+                            <a:srgbClr val="000000"/>
+                          </a:solidFill>
+                          <a:latin typeface="Consolas" panose="020B0609020204030204" pitchFamily="49" charset="0"/>
+                        </a:rPr>
+                        <a:t>(</a:t>
+                      </a:r>
+                      <a:r>
+                        <a:rPr lang="en-US" sz="1800" dirty="0">
+                          <a:solidFill>
+                            <a:srgbClr val="A31515"/>
+                          </a:solidFill>
+                          <a:latin typeface="Consolas" panose="020B0609020204030204" pitchFamily="49" charset="0"/>
+                        </a:rPr>
+                        <a:t>"Movies"</a:t>
+                      </a:r>
+                      <a:r>
+                        <a:rPr lang="en-US" sz="1800" dirty="0">
+                          <a:solidFill>
+                            <a:srgbClr val="000000"/>
+                          </a:solidFill>
+                          <a:latin typeface="Consolas" panose="020B0609020204030204" pitchFamily="49" charset="0"/>
+                        </a:rPr>
+                        <a:t>));</a:t>
+                      </a:r>
+                    </a:p>
+                    <a:p>
+                      <a:r>
+                        <a:rPr lang="en-US" sz="1800" dirty="0">
+                          <a:solidFill>
+                            <a:srgbClr val="000000"/>
+                          </a:solidFill>
+                          <a:latin typeface="Consolas" panose="020B0609020204030204" pitchFamily="49" charset="0"/>
+                        </a:rPr>
+                        <a:t>        </a:t>
+                      </a:r>
+                      <a:r>
+                        <a:rPr lang="en-US" sz="1800" dirty="0" err="1">
+                          <a:solidFill>
+                            <a:srgbClr val="000000"/>
+                          </a:solidFill>
+                          <a:latin typeface="Consolas" panose="020B0609020204030204" pitchFamily="49" charset="0"/>
+                        </a:rPr>
+                        <a:t>builder.UserID</a:t>
+                      </a:r>
+                      <a:r>
+                        <a:rPr lang="en-US" sz="1800" dirty="0">
+                          <a:solidFill>
+                            <a:srgbClr val="000000"/>
+                          </a:solidFill>
+                          <a:latin typeface="Consolas" panose="020B0609020204030204" pitchFamily="49" charset="0"/>
+                        </a:rPr>
+                        <a:t> = Configuration[</a:t>
+                      </a:r>
+                      <a:r>
+                        <a:rPr lang="en-US" sz="1800" dirty="0">
+                          <a:solidFill>
+                            <a:srgbClr val="A31515"/>
+                          </a:solidFill>
+                          <a:latin typeface="Consolas" panose="020B0609020204030204" pitchFamily="49" charset="0"/>
+                        </a:rPr>
+                        <a:t>"</a:t>
+                      </a:r>
+                      <a:r>
+                        <a:rPr lang="en-US" sz="1800" dirty="0" err="1">
+                          <a:solidFill>
+                            <a:srgbClr val="A31515"/>
+                          </a:solidFill>
+                          <a:latin typeface="Consolas" panose="020B0609020204030204" pitchFamily="49" charset="0"/>
+                        </a:rPr>
+                        <a:t>Movies:User</a:t>
+                      </a:r>
+                      <a:r>
+                        <a:rPr lang="en-US" sz="1800" dirty="0">
+                          <a:solidFill>
+                            <a:srgbClr val="A31515"/>
+                          </a:solidFill>
+                          <a:latin typeface="Consolas" panose="020B0609020204030204" pitchFamily="49" charset="0"/>
+                        </a:rPr>
+                        <a:t>"</a:t>
+                      </a:r>
+                      <a:r>
+                        <a:rPr lang="en-US" sz="1800" dirty="0">
+                          <a:solidFill>
+                            <a:srgbClr val="000000"/>
+                          </a:solidFill>
+                          <a:latin typeface="Consolas" panose="020B0609020204030204" pitchFamily="49" charset="0"/>
+                        </a:rPr>
+                        <a:t>];</a:t>
+                      </a:r>
+                    </a:p>
+                    <a:p>
+                      <a:r>
+                        <a:rPr lang="en-US" sz="1800" dirty="0">
+                          <a:solidFill>
+                            <a:srgbClr val="000000"/>
+                          </a:solidFill>
+                          <a:latin typeface="Consolas" panose="020B0609020204030204" pitchFamily="49" charset="0"/>
+                        </a:rPr>
+                        <a:t>        </a:t>
+                      </a:r>
+                      <a:r>
+                        <a:rPr lang="en-US" sz="1800" dirty="0" err="1">
+                          <a:solidFill>
+                            <a:srgbClr val="000000"/>
+                          </a:solidFill>
+                          <a:latin typeface="Consolas" panose="020B0609020204030204" pitchFamily="49" charset="0"/>
+                        </a:rPr>
+                        <a:t>builder.Password</a:t>
+                      </a:r>
+                      <a:r>
+                        <a:rPr lang="en-US" sz="1800" dirty="0">
+                          <a:solidFill>
+                            <a:srgbClr val="000000"/>
+                          </a:solidFill>
+                          <a:latin typeface="Consolas" panose="020B0609020204030204" pitchFamily="49" charset="0"/>
+                        </a:rPr>
+                        <a:t> = Configuration[</a:t>
+                      </a:r>
+                      <a:r>
+                        <a:rPr lang="en-US" sz="1800" dirty="0">
+                          <a:solidFill>
+                            <a:srgbClr val="A31515"/>
+                          </a:solidFill>
+                          <a:latin typeface="Consolas" panose="020B0609020204030204" pitchFamily="49" charset="0"/>
+                        </a:rPr>
+                        <a:t>"</a:t>
+                      </a:r>
+                      <a:r>
+                        <a:rPr lang="en-US" sz="1800" dirty="0" err="1">
+                          <a:solidFill>
+                            <a:srgbClr val="A31515"/>
+                          </a:solidFill>
+                          <a:latin typeface="Consolas" panose="020B0609020204030204" pitchFamily="49" charset="0"/>
+                        </a:rPr>
+                        <a:t>Movies:Password</a:t>
+                      </a:r>
+                      <a:r>
+                        <a:rPr lang="en-US" sz="1800" dirty="0">
+                          <a:solidFill>
+                            <a:srgbClr val="A31515"/>
+                          </a:solidFill>
+                          <a:latin typeface="Consolas" panose="020B0609020204030204" pitchFamily="49" charset="0"/>
+                        </a:rPr>
+                        <a:t>"</a:t>
+                      </a:r>
+                      <a:r>
+                        <a:rPr lang="en-US" sz="1800" dirty="0">
+                          <a:solidFill>
+                            <a:srgbClr val="000000"/>
+                          </a:solidFill>
+                          <a:latin typeface="Consolas" panose="020B0609020204030204" pitchFamily="49" charset="0"/>
+                        </a:rPr>
+                        <a:t>];</a:t>
+                      </a:r>
+                    </a:p>
+                    <a:p>
+                      <a:r>
+                        <a:rPr lang="en-US" sz="1800" dirty="0">
+                          <a:solidFill>
+                            <a:srgbClr val="000000"/>
+                          </a:solidFill>
+                          <a:latin typeface="Consolas" panose="020B0609020204030204" pitchFamily="49" charset="0"/>
+                        </a:rPr>
+                        <a:t>        _connection = </a:t>
+                      </a:r>
+                      <a:r>
+                        <a:rPr lang="en-US" sz="1800" dirty="0" err="1">
+                          <a:solidFill>
+                            <a:srgbClr val="000000"/>
+                          </a:solidFill>
+                          <a:latin typeface="Consolas" panose="020B0609020204030204" pitchFamily="49" charset="0"/>
+                        </a:rPr>
+                        <a:t>builder.ConnectionString</a:t>
+                      </a:r>
+                      <a:r>
+                        <a:rPr lang="en-US" sz="1800">
+                          <a:solidFill>
+                            <a:srgbClr val="000000"/>
+                          </a:solidFill>
+                          <a:latin typeface="Consolas" panose="020B0609020204030204" pitchFamily="49" charset="0"/>
+                        </a:rPr>
+                        <a:t>;</a:t>
+                      </a:r>
+                      <a:endParaRPr lang="en-US" sz="1800" dirty="0">
+                        <a:solidFill>
+                          <a:srgbClr val="000000"/>
+                        </a:solidFill>
+                        <a:latin typeface="Consolas" panose="020B0609020204030204" pitchFamily="49" charset="0"/>
+                      </a:endParaRPr>
+                    </a:p>
+                  </a:txBody>
+                  <a:tcPr>
+                    <a:lnL w="12700" cap="flat" cmpd="sng" algn="ctr">
+                      <a:solidFill>
+                        <a:sysClr val="window" lastClr="FFFFFF"/>
+                      </a:solidFill>
+                      <a:prstDash val="solid"/>
+                      <a:round/>
+                      <a:headEnd type="none" w="med" len="med"/>
+                      <a:tailEnd type="none" w="med" len="med"/>
+                    </a:lnL>
+                    <a:lnR w="12700" cap="flat" cmpd="sng" algn="ctr">
+                      <a:solidFill>
+                        <a:sysClr val="window" lastClr="FFFFFF"/>
+                      </a:solidFill>
+                      <a:prstDash val="solid"/>
+                      <a:round/>
+                      <a:headEnd type="none" w="med" len="med"/>
+                      <a:tailEnd type="none" w="med" len="med"/>
+                    </a:lnR>
+                    <a:lnT w="12700" cap="flat" cmpd="sng" algn="ctr">
+                      <a:solidFill>
+                        <a:sysClr val="window" lastClr="FFFFFF"/>
+                      </a:solidFill>
+                      <a:prstDash val="solid"/>
+                      <a:round/>
+                      <a:headEnd type="none" w="med" len="med"/>
+                      <a:tailEnd type="none" w="med" len="med"/>
+                    </a:lnT>
+                    <a:lnB w="12700" cap="flat" cmpd="sng" algn="ctr">
+                      <a:solidFill>
+                        <a:sysClr val="window" lastClr="FFFFFF"/>
+                      </a:solidFill>
+                      <a:prstDash val="solid"/>
+                      <a:round/>
+                      <a:headEnd type="none" w="med" len="med"/>
+                      <a:tailEnd type="none" w="med" len="med"/>
+                    </a:lnB>
+                    <a:lnTlToBr w="12700" cmpd="sng">
+                      <a:noFill/>
+                      <a:prstDash val="solid"/>
+                    </a:lnTlToBr>
+                    <a:lnBlToTr w="12700" cmpd="sng">
+                      <a:noFill/>
+                      <a:prstDash val="solid"/>
+                    </a:lnBlToTr>
+                    <a:solidFill>
+                      <a:sysClr val="window" lastClr="FFFFFF"/>
+                    </a:solidFill>
+                  </a:tcPr>
+                </a:tc>
+                <a:extLst>
+                  <a:ext uri="{0D108BD9-81ED-4DB2-BD59-A6C34878D82A}">
+                    <a16:rowId xmlns:a16="http://schemas.microsoft.com/office/drawing/2014/main" val="3473222697"/>
+                  </a:ext>
+                </a:extLst>
+              </a:tr>
+              <a:tr h="344917">
+                <a:tc>
+                  <a:txBody>
+                    <a:bodyPr/>
+                    <a:lstStyle/>
+                    <a:p>
+                      <a:endParaRPr lang="en-US" sz="1800" dirty="0">
+                        <a:solidFill>
+                          <a:srgbClr val="000000"/>
+                        </a:solidFill>
+                        <a:latin typeface="Consolas" panose="020B0609020204030204" pitchFamily="49" charset="0"/>
+                      </a:endParaRPr>
+                    </a:p>
+                  </a:txBody>
+                  <a:tcPr>
+                    <a:lnL w="12700" cap="flat" cmpd="sng" algn="ctr">
+                      <a:solidFill>
+                        <a:sysClr val="window" lastClr="FFFFFF"/>
+                      </a:solidFill>
+                      <a:prstDash val="solid"/>
+                      <a:round/>
+                      <a:headEnd type="none" w="med" len="med"/>
+                      <a:tailEnd type="none" w="med" len="med"/>
+                    </a:lnL>
+                    <a:lnR w="12700" cap="flat" cmpd="sng" algn="ctr">
+                      <a:solidFill>
+                        <a:sysClr val="window" lastClr="FFFFFF"/>
+                      </a:solidFill>
+                      <a:prstDash val="solid"/>
+                      <a:round/>
+                      <a:headEnd type="none" w="med" len="med"/>
+                      <a:tailEnd type="none" w="med" len="med"/>
+                    </a:lnR>
+                    <a:lnT w="12700" cap="flat" cmpd="sng" algn="ctr">
+                      <a:solidFill>
+                        <a:sysClr val="window" lastClr="FFFFFF"/>
+                      </a:solidFill>
+                      <a:prstDash val="solid"/>
+                      <a:round/>
+                      <a:headEnd type="none" w="med" len="med"/>
+                      <a:tailEnd type="none" w="med" len="med"/>
+                    </a:lnT>
+                    <a:lnB w="12700" cap="flat" cmpd="sng" algn="ctr">
+                      <a:solidFill>
+                        <a:sysClr val="window" lastClr="FFFFFF"/>
+                      </a:solidFill>
+                      <a:prstDash val="solid"/>
+                      <a:round/>
+                      <a:headEnd type="none" w="med" len="med"/>
+                      <a:tailEnd type="none" w="med" len="med"/>
+                    </a:lnB>
+                    <a:lnTlToBr w="12700" cmpd="sng">
+                      <a:noFill/>
+                      <a:prstDash val="solid"/>
+                    </a:lnTlToBr>
+                    <a:lnBlToTr w="12700" cmpd="sng">
+                      <a:noFill/>
+                      <a:prstDash val="solid"/>
+                    </a:lnBlToTr>
+                    <a:solidFill>
+                      <a:sysClr val="window" lastClr="FFFFFF"/>
+                    </a:solidFill>
+                  </a:tcPr>
+                </a:tc>
+                <a:extLst>
+                  <a:ext uri="{0D108BD9-81ED-4DB2-BD59-A6C34878D82A}">
+                    <a16:rowId xmlns:a16="http://schemas.microsoft.com/office/drawing/2014/main" val="97062865"/>
+                  </a:ext>
+                </a:extLst>
+              </a:tr>
+            </a:tbl>
+          </a:graphicData>
+        </a:graphic>
+      </p:graphicFrame>
+      <p:sp>
+        <p:nvSpPr>
+          <p:cNvPr id="5" name="Rectangle 4">
+            <a:extLst>
+              <a:ext uri="{FF2B5EF4-FFF2-40B4-BE49-F238E27FC236}">
+                <a16:creationId xmlns:a16="http://schemas.microsoft.com/office/drawing/2014/main" id="{968B1320-9F80-48D4-8F49-987C2A75ECD9}"/>
+              </a:ext>
+            </a:extLst>
+          </p:cNvPr>
+          <p:cNvSpPr/>
+          <p:nvPr/>
+        </p:nvSpPr>
+        <p:spPr>
+          <a:xfrm>
+            <a:off x="838200" y="1474306"/>
+            <a:ext cx="1978891" cy="446567"/>
+          </a:xfrm>
+          <a:prstGeom prst="rect">
+            <a:avLst/>
+          </a:prstGeom>
+          <a:gradFill rotWithShape="1">
+            <a:gsLst>
+              <a:gs pos="0">
+                <a:srgbClr val="5B9BD5">
+                  <a:lumMod val="110000"/>
+                  <a:satMod val="105000"/>
+                  <a:tint val="67000"/>
+                </a:srgbClr>
+              </a:gs>
+              <a:gs pos="50000">
+                <a:srgbClr val="5B9BD5">
+                  <a:lumMod val="105000"/>
+                  <a:satMod val="103000"/>
+                  <a:tint val="73000"/>
+                </a:srgbClr>
+              </a:gs>
+              <a:gs pos="100000">
+                <a:srgbClr val="5B9BD5">
+                  <a:lumMod val="105000"/>
+                  <a:satMod val="109000"/>
+                  <a:tint val="81000"/>
+                </a:srgbClr>
+              </a:gs>
+            </a:gsLst>
+            <a:lin ang="5400000" scaled="0"/>
+          </a:gradFill>
+          <a:ln w="6350" cap="flat" cmpd="sng" algn="ctr">
+            <a:solidFill>
+              <a:srgbClr val="5B9BD5"/>
+            </a:solidFill>
+            <a:prstDash val="solid"/>
+            <a:miter lim="800000"/>
+          </a:ln>
+          <a:effectLst/>
+        </p:spPr>
+        <p:txBody>
+          <a:bodyPr rtlCol="0" anchor="ctr"/>
+          <a:lstStyle/>
+          <a:p>
+            <a:pPr marL="0" marR="0" lvl="0" indent="0" algn="ctr" defTabSz="914400" eaLnBrk="1" fontAlgn="auto" latinLnBrk="0" hangingPunct="1">
+              <a:lnSpc>
+                <a:spcPct val="100000"/>
+              </a:lnSpc>
+              <a:spcBef>
+                <a:spcPts val="0"/>
+              </a:spcBef>
+              <a:spcAft>
+                <a:spcPts val="0"/>
+              </a:spcAft>
+              <a:buClrTx/>
+              <a:buSzTx/>
+              <a:buFontTx/>
+              <a:buNone/>
+              <a:tabLst/>
+              <a:defRPr/>
+            </a:pPr>
+            <a:r>
+              <a:rPr lang="en-US" b="1" kern="0" dirty="0" err="1">
+                <a:solidFill>
+                  <a:prstClr val="black"/>
+                </a:solidFill>
+                <a:latin typeface="Segoe UI Light"/>
+              </a:rPr>
+              <a:t>Startup.cs</a:t>
+            </a:r>
+            <a:endParaRPr kumimoji="0" lang="en-US" sz="1800" b="1" i="0" u="none" strike="noStrike" kern="0" cap="none" spc="0" normalizeH="0" baseline="0" noProof="0" dirty="0">
+              <a:ln>
+                <a:noFill/>
+              </a:ln>
+              <a:solidFill>
+                <a:prstClr val="black"/>
+              </a:solidFill>
+              <a:effectLst/>
+              <a:uLnTx/>
+              <a:uFillTx/>
+              <a:latin typeface="Segoe UI Light"/>
+              <a:ea typeface="+mn-ea"/>
+              <a:cs typeface="+mn-cs"/>
+            </a:endParaRPr>
           </a:p>
         </p:txBody>
       </p:sp>
@@ -15891,6 +16894,76 @@
                                   </p:childTnLst>
                                 </p:cTn>
                               </p:par>
+                              <p:par>
+                                <p:cTn id="8" presetID="10" presetClass="entr" presetSubtype="0" fill="hold" grpId="0" nodeType="withEffect">
+                                  <p:stCondLst>
+                                    <p:cond delay="0"/>
+                                  </p:stCondLst>
+                                  <p:childTnLst>
+                                    <p:set>
+                                      <p:cBhvr>
+                                        <p:cTn id="9" dur="1" fill="hold">
+                                          <p:stCondLst>
+                                            <p:cond delay="0"/>
+                                          </p:stCondLst>
+                                        </p:cTn>
+                                        <p:tgtEl>
+                                          <p:spTgt spid="5"/>
+                                        </p:tgtEl>
+                                        <p:attrNameLst>
+                                          <p:attrName>style.visibility</p:attrName>
+                                        </p:attrNameLst>
+                                      </p:cBhvr>
+                                      <p:to>
+                                        <p:strVal val="visible"/>
+                                      </p:to>
+                                    </p:set>
+                                    <p:animEffect transition="in" filter="fade">
+                                      <p:cBhvr>
+                                        <p:cTn id="10" dur="500"/>
+                                        <p:tgtEl>
+                                          <p:spTgt spid="5"/>
+                                        </p:tgtEl>
+                                      </p:cBhvr>
+                                    </p:animEffect>
+                                  </p:childTnLst>
+                                </p:cTn>
+                              </p:par>
+                              <p:par>
+                                <p:cTn id="11" presetID="10" presetClass="entr" presetSubtype="0" fill="hold" nodeType="withEffect">
+                                  <p:stCondLst>
+                                    <p:cond delay="0"/>
+                                  </p:stCondLst>
+                                  <p:childTnLst>
+                                    <p:set>
+                                      <p:cBhvr>
+                                        <p:cTn id="12" dur="1" fill="hold">
+                                          <p:stCondLst>
+                                            <p:cond delay="0"/>
+                                          </p:stCondLst>
+                                        </p:cTn>
+                                        <p:tgtEl>
+                                          <p:spTgt spid="4"/>
+                                        </p:tgtEl>
+                                        <p:attrNameLst>
+                                          <p:attrName>style.visibility</p:attrName>
+                                        </p:attrNameLst>
+                                      </p:cBhvr>
+                                      <p:to>
+                                        <p:strVal val="visible"/>
+                                      </p:to>
+                                    </p:set>
+                                    <p:animEffect transition="in" filter="fade">
+                                      <p:cBhvr>
+                                        <p:cTn id="13" dur="500"/>
+                                        <p:tgtEl>
+                                          <p:spTgt spid="4"/>
+                                        </p:tgtEl>
+                                      </p:cBhvr>
+                                    </p:animEffect>
+                                  </p:childTnLst>
+                                </p:cTn>
+                              </p:par>
                             </p:childTnLst>
                           </p:cTn>
                         </p:par>
@@ -15918,6 +16991,9 @@
         </p:cTn>
       </p:par>
     </p:tnLst>
+    <p:bldLst>
+      <p:bldP spid="5" grpId="0" animBg="1"/>
+    </p:bldLst>
   </p:timing>
 </p:sld>
 </file>

--- a/Protecting App Secrets.pptx
+++ b/Protecting App Secrets.pptx
@@ -220,7 +220,7 @@
           <a:p>
             <a:fld id="{03886B9A-ACA2-4D2C-AAF6-D8003DE96699}" type="datetimeFigureOut">
               <a:rPr lang="en-US" smtClean="0"/>
-              <a:t>8/29/2018</a:t>
+              <a:t>8/31/2018</a:t>
             </a:fld>
             <a:endParaRPr lang="en-US"/>
           </a:p>
@@ -2331,7 +2331,7 @@
           <a:p>
             <a:fld id="{B5D86D52-4857-4668-9EB7-B41E21252CF7}" type="datetimeFigureOut">
               <a:rPr lang="en-US" smtClean="0"/>
-              <a:t>8/29/2018</a:t>
+              <a:t>8/31/2018</a:t>
             </a:fld>
             <a:endParaRPr lang="en-US"/>
           </a:p>
@@ -2529,7 +2529,7 @@
           <a:p>
             <a:fld id="{B5D86D52-4857-4668-9EB7-B41E21252CF7}" type="datetimeFigureOut">
               <a:rPr lang="en-US" smtClean="0"/>
-              <a:t>8/29/2018</a:t>
+              <a:t>8/31/2018</a:t>
             </a:fld>
             <a:endParaRPr lang="en-US"/>
           </a:p>
@@ -2737,7 +2737,7 @@
           <a:p>
             <a:fld id="{B5D86D52-4857-4668-9EB7-B41E21252CF7}" type="datetimeFigureOut">
               <a:rPr lang="en-US" smtClean="0"/>
-              <a:t>8/29/2018</a:t>
+              <a:t>8/31/2018</a:t>
             </a:fld>
             <a:endParaRPr lang="en-US"/>
           </a:p>
@@ -2941,7 +2941,7 @@
           <a:p>
             <a:fld id="{EEC3160E-2579-4584-9765-DC1BA0B358F9}" type="datetimeFigureOut">
               <a:rPr lang="en-US" smtClean="0"/>
-              <a:t>8/29/2018</a:t>
+              <a:t>8/31/2018</a:t>
             </a:fld>
             <a:endParaRPr lang="en-US"/>
           </a:p>
@@ -3111,7 +3111,7 @@
           <a:p>
             <a:fld id="{EEC3160E-2579-4584-9765-DC1BA0B358F9}" type="datetimeFigureOut">
               <a:rPr lang="en-US" smtClean="0"/>
-              <a:t>8/29/2018</a:t>
+              <a:t>8/31/2018</a:t>
             </a:fld>
             <a:endParaRPr lang="en-US"/>
           </a:p>
@@ -3357,7 +3357,7 @@
           <a:p>
             <a:fld id="{EEC3160E-2579-4584-9765-DC1BA0B358F9}" type="datetimeFigureOut">
               <a:rPr lang="en-US" smtClean="0"/>
-              <a:t>8/29/2018</a:t>
+              <a:t>8/31/2018</a:t>
             </a:fld>
             <a:endParaRPr lang="en-US"/>
           </a:p>
@@ -3589,7 +3589,7 @@
           <a:p>
             <a:fld id="{EEC3160E-2579-4584-9765-DC1BA0B358F9}" type="datetimeFigureOut">
               <a:rPr lang="en-US" smtClean="0"/>
-              <a:t>8/29/2018</a:t>
+              <a:t>8/31/2018</a:t>
             </a:fld>
             <a:endParaRPr lang="en-US"/>
           </a:p>
@@ -3956,7 +3956,7 @@
           <a:p>
             <a:fld id="{EEC3160E-2579-4584-9765-DC1BA0B358F9}" type="datetimeFigureOut">
               <a:rPr lang="en-US" smtClean="0"/>
-              <a:t>8/29/2018</a:t>
+              <a:t>8/31/2018</a:t>
             </a:fld>
             <a:endParaRPr lang="en-US"/>
           </a:p>
@@ -4074,7 +4074,7 @@
           <a:p>
             <a:fld id="{EEC3160E-2579-4584-9765-DC1BA0B358F9}" type="datetimeFigureOut">
               <a:rPr lang="en-US" smtClean="0"/>
-              <a:t>8/29/2018</a:t>
+              <a:t>8/31/2018</a:t>
             </a:fld>
             <a:endParaRPr lang="en-US"/>
           </a:p>
@@ -4169,7 +4169,7 @@
           <a:p>
             <a:fld id="{EEC3160E-2579-4584-9765-DC1BA0B358F9}" type="datetimeFigureOut">
               <a:rPr lang="en-US" smtClean="0"/>
-              <a:t>8/29/2018</a:t>
+              <a:t>8/31/2018</a:t>
             </a:fld>
             <a:endParaRPr lang="en-US"/>
           </a:p>
@@ -4446,7 +4446,7 @@
           <a:p>
             <a:fld id="{EEC3160E-2579-4584-9765-DC1BA0B358F9}" type="datetimeFigureOut">
               <a:rPr lang="en-US" smtClean="0"/>
-              <a:t>8/29/2018</a:t>
+              <a:t>8/31/2018</a:t>
             </a:fld>
             <a:endParaRPr lang="en-US"/>
           </a:p>
@@ -4632,7 +4632,7 @@
           <a:p>
             <a:fld id="{B5D86D52-4857-4668-9EB7-B41E21252CF7}" type="datetimeFigureOut">
               <a:rPr lang="en-US" smtClean="0"/>
-              <a:t>8/29/2018</a:t>
+              <a:t>8/31/2018</a:t>
             </a:fld>
             <a:endParaRPr lang="en-US"/>
           </a:p>
@@ -4901,7 +4901,7 @@
           <a:p>
             <a:fld id="{EEC3160E-2579-4584-9765-DC1BA0B358F9}" type="datetimeFigureOut">
               <a:rPr lang="en-US" smtClean="0"/>
-              <a:t>8/29/2018</a:t>
+              <a:t>8/31/2018</a:t>
             </a:fld>
             <a:endParaRPr lang="en-US"/>
           </a:p>
@@ -5071,7 +5071,7 @@
           <a:p>
             <a:fld id="{EEC3160E-2579-4584-9765-DC1BA0B358F9}" type="datetimeFigureOut">
               <a:rPr lang="en-US" smtClean="0"/>
-              <a:t>8/29/2018</a:t>
+              <a:t>8/31/2018</a:t>
             </a:fld>
             <a:endParaRPr lang="en-US"/>
           </a:p>
@@ -5251,7 +5251,7 @@
           <a:p>
             <a:fld id="{EEC3160E-2579-4584-9765-DC1BA0B358F9}" type="datetimeFigureOut">
               <a:rPr lang="en-US" smtClean="0"/>
-              <a:t>8/29/2018</a:t>
+              <a:t>8/31/2018</a:t>
             </a:fld>
             <a:endParaRPr lang="en-US"/>
           </a:p>
@@ -5514,7 +5514,7 @@
           <a:p>
             <a:fld id="{B5D86D52-4857-4668-9EB7-B41E21252CF7}" type="datetimeFigureOut">
               <a:rPr lang="en-US" smtClean="0"/>
-              <a:t>8/29/2018</a:t>
+              <a:t>8/31/2018</a:t>
             </a:fld>
             <a:endParaRPr lang="en-US"/>
           </a:p>
@@ -5779,7 +5779,7 @@
           <a:p>
             <a:fld id="{B5D86D52-4857-4668-9EB7-B41E21252CF7}" type="datetimeFigureOut">
               <a:rPr lang="en-US" smtClean="0"/>
-              <a:t>8/29/2018</a:t>
+              <a:t>8/31/2018</a:t>
             </a:fld>
             <a:endParaRPr lang="en-US"/>
           </a:p>
@@ -6191,7 +6191,7 @@
           <a:p>
             <a:fld id="{B5D86D52-4857-4668-9EB7-B41E21252CF7}" type="datetimeFigureOut">
               <a:rPr lang="en-US" smtClean="0"/>
-              <a:t>8/29/2018</a:t>
+              <a:t>8/31/2018</a:t>
             </a:fld>
             <a:endParaRPr lang="en-US"/>
           </a:p>
@@ -6332,7 +6332,7 @@
           <a:p>
             <a:fld id="{B5D86D52-4857-4668-9EB7-B41E21252CF7}" type="datetimeFigureOut">
               <a:rPr lang="en-US" smtClean="0"/>
-              <a:t>8/29/2018</a:t>
+              <a:t>8/31/2018</a:t>
             </a:fld>
             <a:endParaRPr lang="en-US"/>
           </a:p>
@@ -6445,7 +6445,7 @@
           <a:p>
             <a:fld id="{B5D86D52-4857-4668-9EB7-B41E21252CF7}" type="datetimeFigureOut">
               <a:rPr lang="en-US" smtClean="0"/>
-              <a:t>8/29/2018</a:t>
+              <a:t>8/31/2018</a:t>
             </a:fld>
             <a:endParaRPr lang="en-US"/>
           </a:p>
@@ -6756,7 +6756,7 @@
           <a:p>
             <a:fld id="{B5D86D52-4857-4668-9EB7-B41E21252CF7}" type="datetimeFigureOut">
               <a:rPr lang="en-US" smtClean="0"/>
-              <a:t>8/29/2018</a:t>
+              <a:t>8/31/2018</a:t>
             </a:fld>
             <a:endParaRPr lang="en-US"/>
           </a:p>
@@ -7044,7 +7044,7 @@
           <a:p>
             <a:fld id="{B5D86D52-4857-4668-9EB7-B41E21252CF7}" type="datetimeFigureOut">
               <a:rPr lang="en-US" smtClean="0"/>
-              <a:t>8/29/2018</a:t>
+              <a:t>8/31/2018</a:t>
             </a:fld>
             <a:endParaRPr lang="en-US"/>
           </a:p>
@@ -7285,7 +7285,7 @@
           <a:p>
             <a:fld id="{B5D86D52-4857-4668-9EB7-B41E21252CF7}" type="datetimeFigureOut">
               <a:rPr lang="en-US" smtClean="0"/>
-              <a:t>8/29/2018</a:t>
+              <a:t>8/31/2018</a:t>
             </a:fld>
             <a:endParaRPr lang="en-US"/>
           </a:p>
@@ -7837,7 +7837,7 @@
           <a:p>
             <a:fld id="{EEC3160E-2579-4584-9765-DC1BA0B358F9}" type="datetimeFigureOut">
               <a:rPr lang="en-US" smtClean="0"/>
-              <a:t>8/29/2018</a:t>
+              <a:t>8/31/2018</a:t>
             </a:fld>
             <a:endParaRPr lang="en-US"/>
           </a:p>
@@ -14263,359 +14263,6 @@
           </a:p>
         </p:txBody>
       </p:sp>
-      <p:sp>
-        <p:nvSpPr>
-          <p:cNvPr id="12" name="Rounded Rectangle 34">
-            <a:extLst>
-              <a:ext uri="{FF2B5EF4-FFF2-40B4-BE49-F238E27FC236}">
-                <a16:creationId xmlns:a16="http://schemas.microsoft.com/office/drawing/2014/main" id="{077CB370-22FE-4090-AAD0-2DF355C68841}"/>
-              </a:ext>
-            </a:extLst>
-          </p:cNvPr>
-          <p:cNvSpPr/>
-          <p:nvPr/>
-        </p:nvSpPr>
-        <p:spPr>
-          <a:xfrm>
-            <a:off x="1083272" y="3429000"/>
-            <a:ext cx="9062157" cy="691116"/>
-          </a:xfrm>
-          <a:prstGeom prst="roundRect">
-            <a:avLst/>
-          </a:prstGeom>
-          <a:solidFill>
-            <a:schemeClr val="bg2"/>
-          </a:solidFill>
-        </p:spPr>
-        <p:style>
-          <a:lnRef idx="2">
-            <a:schemeClr val="accent1">
-              <a:shade val="50000"/>
-            </a:schemeClr>
-          </a:lnRef>
-          <a:fillRef idx="1">
-            <a:schemeClr val="accent1"/>
-          </a:fillRef>
-          <a:effectRef idx="0">
-            <a:schemeClr val="accent1"/>
-          </a:effectRef>
-          <a:fontRef idx="minor">
-            <a:schemeClr val="lt1"/>
-          </a:fontRef>
-        </p:style>
-        <p:txBody>
-          <a:bodyPr rtlCol="0" anchor="ctr"/>
-          <a:lstStyle/>
-          <a:p>
-            <a:pPr marL="0" marR="0" lvl="0" indent="0" algn="l" defTabSz="457200" rtl="0" eaLnBrk="1" fontAlgn="auto" latinLnBrk="0" hangingPunct="1">
-              <a:lnSpc>
-                <a:spcPct val="100000"/>
-              </a:lnSpc>
-              <a:spcBef>
-                <a:spcPts val="0"/>
-              </a:spcBef>
-              <a:spcAft>
-                <a:spcPts val="0"/>
-              </a:spcAft>
-              <a:buClrTx/>
-              <a:buSzTx/>
-              <a:buFontTx/>
-              <a:buNone/>
-              <a:tabLst/>
-              <a:defRPr/>
-            </a:pPr>
-            <a:endParaRPr kumimoji="0" lang="en-US" sz="1600" b="1" i="0" u="none" strike="noStrike" kern="1200" cap="none" spc="0" normalizeH="0" baseline="0" noProof="0" dirty="0">
-              <a:ln>
-                <a:noFill/>
-              </a:ln>
-              <a:solidFill>
-                <a:prstClr val="white"/>
-              </a:solidFill>
-              <a:effectLst/>
-              <a:uLnTx/>
-              <a:uFillTx/>
-              <a:latin typeface="Segoe UI Light"/>
-              <a:ea typeface="+mn-ea"/>
-              <a:cs typeface="+mn-cs"/>
-            </a:endParaRPr>
-          </a:p>
-        </p:txBody>
-      </p:sp>
-      <p:pic>
-        <p:nvPicPr>
-          <p:cNvPr id="13" name="Picture 2" descr="http://files.softicons.com/download/system-icons/windows-8-metro-icons-by-dakirby309/png/512x512/Folders%20&amp;%20OS/Linux.png">
-            <a:extLst>
-              <a:ext uri="{FF2B5EF4-FFF2-40B4-BE49-F238E27FC236}">
-                <a16:creationId xmlns:a16="http://schemas.microsoft.com/office/drawing/2014/main" id="{38C17031-0BA0-4706-8ED9-57F2EB289A8A}"/>
-              </a:ext>
-            </a:extLst>
-          </p:cNvPr>
-          <p:cNvPicPr>
-            <a:picLocks noChangeAspect="1" noChangeArrowheads="1"/>
-          </p:cNvPicPr>
-          <p:nvPr/>
-        </p:nvPicPr>
-        <p:blipFill>
-          <a:blip r:embed="rId3" cstate="print">
-            <a:extLst>
-              <a:ext uri="{BEBA8EAE-BF5A-486C-A8C5-ECC9F3942E4B}">
-                <a14:imgProps xmlns:a14="http://schemas.microsoft.com/office/drawing/2010/main">
-                  <a14:imgLayer r:embed="rId4">
-                    <a14:imgEffect>
-                      <a14:backgroundRemoval t="10000" b="90000" l="10000" r="90000"/>
-                    </a14:imgEffect>
-                  </a14:imgLayer>
-                </a14:imgProps>
-              </a:ext>
-              <a:ext uri="{28A0092B-C50C-407E-A947-70E740481C1C}">
-                <a14:useLocalDpi xmlns:a14="http://schemas.microsoft.com/office/drawing/2010/main" val="0"/>
-              </a:ext>
-            </a:extLst>
-          </a:blip>
-          <a:srcRect/>
-          <a:stretch>
-            <a:fillRect/>
-          </a:stretch>
-        </p:blipFill>
-        <p:spPr bwMode="auto">
-          <a:xfrm>
-            <a:off x="1180650" y="3556720"/>
-            <a:ext cx="507863" cy="498593"/>
-          </a:xfrm>
-          <a:prstGeom prst="rect">
-            <a:avLst/>
-          </a:prstGeom>
-          <a:noFill/>
-          <a:extLst>
-            <a:ext uri="{909E8E84-426E-40DD-AFC4-6F175D3DCCD1}">
-              <a14:hiddenFill xmlns:a14="http://schemas.microsoft.com/office/drawing/2010/main">
-                <a:solidFill>
-                  <a:srgbClr val="FFFFFF"/>
-                </a:solidFill>
-              </a14:hiddenFill>
-            </a:ext>
-          </a:extLst>
-        </p:spPr>
-      </p:pic>
-      <p:pic>
-        <p:nvPicPr>
-          <p:cNvPr id="14" name="Picture 13">
-            <a:extLst>
-              <a:ext uri="{FF2B5EF4-FFF2-40B4-BE49-F238E27FC236}">
-                <a16:creationId xmlns:a16="http://schemas.microsoft.com/office/drawing/2014/main" id="{0046F8F4-4512-484A-933F-4FCFDDCDC868}"/>
-              </a:ext>
-            </a:extLst>
-          </p:cNvPr>
-          <p:cNvPicPr>
-            <a:picLocks noChangeAspect="1"/>
-          </p:cNvPicPr>
-          <p:nvPr/>
-        </p:nvPicPr>
-        <p:blipFill>
-          <a:blip r:embed="rId5" cstate="print">
-            <a:lum bright="70000" contrast="-70000"/>
-            <a:extLst>
-              <a:ext uri="{28A0092B-C50C-407E-A947-70E740481C1C}">
-                <a14:useLocalDpi xmlns:a14="http://schemas.microsoft.com/office/drawing/2010/main" val="0"/>
-              </a:ext>
-            </a:extLst>
-          </a:blip>
-          <a:stretch>
-            <a:fillRect/>
-          </a:stretch>
-        </p:blipFill>
-        <p:spPr>
-          <a:xfrm>
-            <a:off x="1681865" y="3556720"/>
-            <a:ext cx="385752" cy="454164"/>
-          </a:xfrm>
-          <a:prstGeom prst="rect">
-            <a:avLst/>
-          </a:prstGeom>
-        </p:spPr>
-      </p:pic>
-      <p:pic>
-        <p:nvPicPr>
-          <p:cNvPr id="15" name="Picture 6" descr="C:\temp\WinAzure_rgb_Wht_S.png">
-            <a:extLst>
-              <a:ext uri="{FF2B5EF4-FFF2-40B4-BE49-F238E27FC236}">
-                <a16:creationId xmlns:a16="http://schemas.microsoft.com/office/drawing/2014/main" id="{9E236C65-B717-4E03-A30D-5799CF2DF5E1}"/>
-              </a:ext>
-            </a:extLst>
-          </p:cNvPr>
-          <p:cNvPicPr>
-            <a:picLocks noChangeAspect="1" noChangeArrowheads="1"/>
-          </p:cNvPicPr>
-          <p:nvPr/>
-        </p:nvPicPr>
-        <p:blipFill rotWithShape="1">
-          <a:blip r:embed="rId6" cstate="print">
-            <a:extLst>
-              <a:ext uri="{28A0092B-C50C-407E-A947-70E740481C1C}">
-                <a14:useLocalDpi xmlns:a14="http://schemas.microsoft.com/office/drawing/2010/main" val="0"/>
-              </a:ext>
-            </a:extLst>
-          </a:blip>
-          <a:srcRect l="3371" t="15460" r="80628" b="15496"/>
-          <a:stretch/>
-        </p:blipFill>
-        <p:spPr bwMode="auto">
-          <a:xfrm>
-            <a:off x="5297712" y="3568233"/>
-            <a:ext cx="455848" cy="462964"/>
-          </a:xfrm>
-          <a:prstGeom prst="rect">
-            <a:avLst/>
-          </a:prstGeom>
-          <a:noFill/>
-          <a:extLst>
-            <a:ext uri="{909E8E84-426E-40DD-AFC4-6F175D3DCCD1}">
-              <a14:hiddenFill xmlns:a14="http://schemas.microsoft.com/office/drawing/2010/main">
-                <a:solidFill>
-                  <a:srgbClr val="FFFFFF"/>
-                </a:solidFill>
-              </a14:hiddenFill>
-            </a:ext>
-          </a:extLst>
-        </p:spPr>
-      </p:pic>
-      <p:cxnSp>
-        <p:nvCxnSpPr>
-          <p:cNvPr id="16" name="Straight Connector 15">
-            <a:extLst>
-              <a:ext uri="{FF2B5EF4-FFF2-40B4-BE49-F238E27FC236}">
-                <a16:creationId xmlns:a16="http://schemas.microsoft.com/office/drawing/2014/main" id="{F14BE7E3-F985-4FC4-8D5C-A84E7CB244A3}"/>
-              </a:ext>
-            </a:extLst>
-          </p:cNvPr>
-          <p:cNvCxnSpPr>
-            <a:cxnSpLocks/>
-          </p:cNvCxnSpPr>
-          <p:nvPr/>
-        </p:nvCxnSpPr>
-        <p:spPr>
-          <a:xfrm>
-            <a:off x="5211002" y="3437725"/>
-            <a:ext cx="0" cy="670439"/>
-          </a:xfrm>
-          <a:prstGeom prst="line">
-            <a:avLst/>
-          </a:prstGeom>
-          <a:ln>
-            <a:solidFill>
-              <a:schemeClr val="tx1"/>
-            </a:solidFill>
-          </a:ln>
-        </p:spPr>
-        <p:style>
-          <a:lnRef idx="3">
-            <a:schemeClr val="dk1"/>
-          </a:lnRef>
-          <a:fillRef idx="0">
-            <a:schemeClr val="dk1"/>
-          </a:fillRef>
-          <a:effectRef idx="2">
-            <a:schemeClr val="dk1"/>
-          </a:effectRef>
-          <a:fontRef idx="minor">
-            <a:schemeClr val="tx1"/>
-          </a:fontRef>
-        </p:style>
-      </p:cxnSp>
-      <p:sp>
-        <p:nvSpPr>
-          <p:cNvPr id="19" name="TextBox 18">
-            <a:extLst>
-              <a:ext uri="{FF2B5EF4-FFF2-40B4-BE49-F238E27FC236}">
-                <a16:creationId xmlns:a16="http://schemas.microsoft.com/office/drawing/2014/main" id="{8FFD9B3F-F792-46B2-9774-C75647C484FD}"/>
-              </a:ext>
-            </a:extLst>
-          </p:cNvPr>
-          <p:cNvSpPr txBox="1"/>
-          <p:nvPr/>
-        </p:nvSpPr>
-        <p:spPr>
-          <a:xfrm>
-            <a:off x="2061716" y="3610578"/>
-            <a:ext cx="3864488" cy="369332"/>
-          </a:xfrm>
-          <a:prstGeom prst="rect">
-            <a:avLst/>
-          </a:prstGeom>
-          <a:noFill/>
-        </p:spPr>
-        <p:txBody>
-          <a:bodyPr wrap="square" rtlCol="0">
-            <a:spAutoFit/>
-          </a:bodyPr>
-          <a:lstStyle/>
-          <a:p>
-            <a:r>
-              <a:rPr lang="en-US" b="1" dirty="0"/>
-              <a:t>~/.</a:t>
-            </a:r>
-            <a:r>
-              <a:rPr lang="en-US" b="1" dirty="0" err="1"/>
-              <a:t>microsoft</a:t>
-            </a:r>
-            <a:r>
-              <a:rPr lang="en-US" b="1" dirty="0"/>
-              <a:t>/</a:t>
-            </a:r>
-            <a:r>
-              <a:rPr lang="en-US" b="1" dirty="0" err="1"/>
-              <a:t>usersecrets</a:t>
-            </a:r>
-            <a:r>
-              <a:rPr lang="en-US" b="1" dirty="0"/>
-              <a:t>/&lt;id&gt;/</a:t>
-            </a:r>
-          </a:p>
-        </p:txBody>
-      </p:sp>
-      <p:sp>
-        <p:nvSpPr>
-          <p:cNvPr id="20" name="TextBox 19">
-            <a:extLst>
-              <a:ext uri="{FF2B5EF4-FFF2-40B4-BE49-F238E27FC236}">
-                <a16:creationId xmlns:a16="http://schemas.microsoft.com/office/drawing/2014/main" id="{36B146A5-2A1D-4338-A475-43BF6F17EBA0}"/>
-              </a:ext>
-            </a:extLst>
-          </p:cNvPr>
-          <p:cNvSpPr txBox="1"/>
-          <p:nvPr/>
-        </p:nvSpPr>
-        <p:spPr>
-          <a:xfrm>
-            <a:off x="5803635" y="3638222"/>
-            <a:ext cx="4286576" cy="369332"/>
-          </a:xfrm>
-          <a:prstGeom prst="rect">
-            <a:avLst/>
-          </a:prstGeom>
-          <a:noFill/>
-        </p:spPr>
-        <p:txBody>
-          <a:bodyPr wrap="square" rtlCol="0">
-            <a:spAutoFit/>
-          </a:bodyPr>
-          <a:lstStyle/>
-          <a:p>
-            <a:r>
-              <a:rPr lang="en-US" b="1" dirty="0"/>
-              <a:t>%APPDATA%\Microsoft\</a:t>
-            </a:r>
-            <a:r>
-              <a:rPr lang="en-US" b="1" dirty="0" err="1"/>
-              <a:t>UserSecrets</a:t>
-            </a:r>
-            <a:r>
-              <a:rPr lang="en-US" b="1" dirty="0"/>
-              <a:t>\&lt;id&gt;\</a:t>
-            </a:r>
-          </a:p>
-        </p:txBody>
-      </p:sp>
       <p:graphicFrame>
         <p:nvGraphicFramePr>
           <p:cNvPr id="24" name="Table 23">
@@ -14631,21 +14278,21 @@
           <p:nvPr>
             <p:extLst>
               <p:ext uri="{D42A27DB-BD31-4B8C-83A1-F6EECF244321}">
-                <p14:modId xmlns:p14="http://schemas.microsoft.com/office/powerpoint/2010/main" val="30356997"/>
+                <p14:modId xmlns:p14="http://schemas.microsoft.com/office/powerpoint/2010/main" val="2121491548"/>
               </p:ext>
             </p:extLst>
           </p:nvPr>
         </p:nvGraphicFramePr>
         <p:xfrm>
-          <a:off x="2932563" y="5304335"/>
-          <a:ext cx="4556877" cy="1310640"/>
+          <a:off x="6544491" y="5248939"/>
+          <a:ext cx="4150726" cy="1188720"/>
         </p:xfrm>
         <a:graphic>
           <a:graphicData uri="http://schemas.openxmlformats.org/drawingml/2006/table">
             <a:tbl>
               <a:tblPr firstRow="1" bandRow="1"/>
               <a:tblGrid>
-                <a:gridCol w="4556877">
+                <a:gridCol w="4150726">
                   <a:extLst>
                     <a:ext uri="{9D8B030D-6E8A-4147-A177-3AD203B41FA5}">
                       <a16:colId xmlns:a16="http://schemas.microsoft.com/office/drawing/2014/main" val="1057070397"/>
@@ -14733,7 +14380,7 @@
                     </a:lstStyle>
                     <a:p>
                       <a:r>
-                        <a:rPr lang="en-US" sz="2000" dirty="0">
+                        <a:rPr lang="en-US" sz="1800" dirty="0">
                           <a:solidFill>
                             <a:srgbClr val="000000"/>
                           </a:solidFill>
@@ -14744,7 +14391,7 @@
                     </a:p>
                     <a:p>
                       <a:r>
-                        <a:rPr lang="en-US" sz="2000" dirty="0">
+                        <a:rPr lang="en-US" sz="1800" dirty="0">
                           <a:solidFill>
                             <a:srgbClr val="000000"/>
                           </a:solidFill>
@@ -14753,7 +14400,7 @@
                         <a:t>  </a:t>
                       </a:r>
                       <a:r>
-                        <a:rPr lang="en-US" sz="2000" dirty="0">
+                        <a:rPr lang="en-US" sz="1800" dirty="0">
                           <a:solidFill>
                             <a:srgbClr val="2E75B6"/>
                           </a:solidFill>
@@ -14762,7 +14409,7 @@
                         <a:t>"</a:t>
                       </a:r>
                       <a:r>
-                        <a:rPr lang="en-US" sz="2000" dirty="0" err="1">
+                        <a:rPr lang="en-US" sz="1800" dirty="0" err="1">
                           <a:solidFill>
                             <a:srgbClr val="2E75B6"/>
                           </a:solidFill>
@@ -14771,7 +14418,7 @@
                         <a:t>Movies:Password</a:t>
                       </a:r>
                       <a:r>
-                        <a:rPr lang="en-US" sz="2000" dirty="0">
+                        <a:rPr lang="en-US" sz="1800" dirty="0">
                           <a:solidFill>
                             <a:srgbClr val="2E75B6"/>
                           </a:solidFill>
@@ -14780,7 +14427,7 @@
                         <a:t>"</a:t>
                       </a:r>
                       <a:r>
-                        <a:rPr lang="en-US" sz="2000" dirty="0">
+                        <a:rPr lang="en-US" sz="1800" dirty="0">
                           <a:solidFill>
                             <a:srgbClr val="000000"/>
                           </a:solidFill>
@@ -14789,7 +14436,7 @@
                         <a:t>: </a:t>
                       </a:r>
                       <a:r>
-                        <a:rPr lang="en-US" sz="2000" dirty="0">
+                        <a:rPr lang="en-US" sz="1800" dirty="0">
                           <a:solidFill>
                             <a:srgbClr val="A31515"/>
                           </a:solidFill>
@@ -14797,7 +14444,7 @@
                         </a:rPr>
                         <a:t>"pass123",</a:t>
                       </a:r>
-                      <a:endParaRPr lang="en-US" sz="2000" dirty="0">
+                      <a:endParaRPr lang="en-US" sz="1800" dirty="0">
                         <a:solidFill>
                           <a:srgbClr val="000000"/>
                         </a:solidFill>
@@ -14806,7 +14453,7 @@
                     </a:p>
                     <a:p>
                       <a:r>
-                        <a:rPr lang="en-US" sz="2000" dirty="0">
+                        <a:rPr lang="en-US" sz="1800" dirty="0">
                           <a:solidFill>
                             <a:srgbClr val="000000"/>
                           </a:solidFill>
@@ -14815,7 +14462,7 @@
                         <a:t>  </a:t>
                       </a:r>
                       <a:r>
-                        <a:rPr lang="en-US" sz="2000" dirty="0">
+                        <a:rPr lang="en-US" sz="1800" dirty="0">
                           <a:solidFill>
                             <a:srgbClr val="2E75B6"/>
                           </a:solidFill>
@@ -14824,7 +14471,7 @@
                         <a:t>"</a:t>
                       </a:r>
                       <a:r>
-                        <a:rPr lang="en-US" sz="2000" dirty="0" err="1">
+                        <a:rPr lang="en-US" sz="1800" dirty="0" err="1">
                           <a:solidFill>
                             <a:srgbClr val="2E75B6"/>
                           </a:solidFill>
@@ -14833,7 +14480,7 @@
                         <a:t>Movies:User</a:t>
                       </a:r>
                       <a:r>
-                        <a:rPr lang="en-US" sz="2000" dirty="0">
+                        <a:rPr lang="en-US" sz="1800" dirty="0">
                           <a:solidFill>
                             <a:srgbClr val="2E75B6"/>
                           </a:solidFill>
@@ -14842,7 +14489,7 @@
                         <a:t>"</a:t>
                       </a:r>
                       <a:r>
-                        <a:rPr lang="en-US" sz="2000" dirty="0">
+                        <a:rPr lang="en-US" sz="1800" dirty="0">
                           <a:solidFill>
                             <a:srgbClr val="000000"/>
                           </a:solidFill>
@@ -14851,7 +14498,7 @@
                         <a:t>: </a:t>
                       </a:r>
                       <a:r>
-                        <a:rPr lang="en-US" sz="2000" dirty="0">
+                        <a:rPr lang="en-US" sz="1800" dirty="0">
                           <a:solidFill>
                             <a:srgbClr val="A31515"/>
                           </a:solidFill>
@@ -14860,7 +14507,7 @@
                         <a:t>"</a:t>
                       </a:r>
                       <a:r>
-                        <a:rPr lang="en-US" sz="2000" dirty="0" err="1">
+                        <a:rPr lang="en-US" sz="1800" dirty="0" err="1">
                           <a:solidFill>
                             <a:srgbClr val="A31515"/>
                           </a:solidFill>
@@ -14869,7 +14516,7 @@
                         <a:t>johndoe</a:t>
                       </a:r>
                       <a:r>
-                        <a:rPr lang="en-US" sz="2000" dirty="0">
+                        <a:rPr lang="en-US" sz="1800" dirty="0">
                           <a:solidFill>
                             <a:srgbClr val="A31515"/>
                           </a:solidFill>
@@ -14877,7 +14524,7 @@
                         </a:rPr>
                         <a:t>"</a:t>
                       </a:r>
-                      <a:endParaRPr lang="en-US" sz="2000" dirty="0">
+                      <a:endParaRPr lang="en-US" sz="1800" dirty="0">
                         <a:solidFill>
                           <a:srgbClr val="000000"/>
                         </a:solidFill>
@@ -14886,7 +14533,7 @@
                     </a:p>
                     <a:p>
                       <a:r>
-                        <a:rPr lang="en-US" sz="2000" dirty="0">
+                        <a:rPr lang="en-US" sz="1800" dirty="0">
                           <a:solidFill>
                             <a:srgbClr val="000000"/>
                           </a:solidFill>
@@ -14970,7 +14617,7 @@
         </p:nvSpPr>
         <p:spPr>
           <a:xfrm>
-            <a:off x="2926300" y="4857766"/>
+            <a:off x="6541905" y="4796367"/>
             <a:ext cx="1374817" cy="446567"/>
           </a:xfrm>
           <a:prstGeom prst="rect">
@@ -15075,6 +14722,868 @@
           </a:p>
         </p:txBody>
       </p:sp>
+      <p:graphicFrame>
+        <p:nvGraphicFramePr>
+          <p:cNvPr id="17" name="Table 16">
+            <a:extLst>
+              <a:ext uri="{FF2B5EF4-FFF2-40B4-BE49-F238E27FC236}">
+                <a16:creationId xmlns:a16="http://schemas.microsoft.com/office/drawing/2014/main" id="{A713F803-C21F-4FEC-B9B8-F341DE09592E}"/>
+              </a:ext>
+            </a:extLst>
+          </p:cNvPr>
+          <p:cNvGraphicFramePr>
+            <a:graphicFrameLocks noGrp="1"/>
+          </p:cNvGraphicFramePr>
+          <p:nvPr>
+            <p:extLst>
+              <p:ext uri="{D42A27DB-BD31-4B8C-83A1-F6EECF244321}">
+                <p14:modId xmlns:p14="http://schemas.microsoft.com/office/powerpoint/2010/main" val="3142848316"/>
+              </p:ext>
+            </p:extLst>
+          </p:nvPr>
+        </p:nvGraphicFramePr>
+        <p:xfrm>
+          <a:off x="838665" y="3357095"/>
+          <a:ext cx="8082419" cy="1310640"/>
+        </p:xfrm>
+        <a:graphic>
+          <a:graphicData uri="http://schemas.openxmlformats.org/drawingml/2006/table">
+            <a:tbl>
+              <a:tblPr firstRow="1" bandRow="1"/>
+              <a:tblGrid>
+                <a:gridCol w="8082419">
+                  <a:extLst>
+                    <a:ext uri="{9D8B030D-6E8A-4147-A177-3AD203B41FA5}">
+                      <a16:colId xmlns:a16="http://schemas.microsoft.com/office/drawing/2014/main" val="1057070397"/>
+                    </a:ext>
+                  </a:extLst>
+                </a:gridCol>
+              </a:tblGrid>
+              <a:tr h="584446">
+                <a:tc>
+                  <a:txBody>
+                    <a:bodyPr/>
+                    <a:lstStyle>
+                      <a:lvl1pPr marL="0" algn="l" defTabSz="914400" rtl="0" eaLnBrk="1" latinLnBrk="0" hangingPunct="1">
+                        <a:defRPr sz="1800" b="1" kern="1200">
+                          <a:solidFill>
+                            <a:schemeClr val="lt1"/>
+                          </a:solidFill>
+                          <a:latin typeface="Segoe UI Light"/>
+                        </a:defRPr>
+                      </a:lvl1pPr>
+                      <a:lvl2pPr marL="457200" algn="l" defTabSz="914400" rtl="0" eaLnBrk="1" latinLnBrk="0" hangingPunct="1">
+                        <a:defRPr sz="1800" b="1" kern="1200">
+                          <a:solidFill>
+                            <a:schemeClr val="lt1"/>
+                          </a:solidFill>
+                          <a:latin typeface="Segoe UI Light"/>
+                        </a:defRPr>
+                      </a:lvl2pPr>
+                      <a:lvl3pPr marL="914400" algn="l" defTabSz="914400" rtl="0" eaLnBrk="1" latinLnBrk="0" hangingPunct="1">
+                        <a:defRPr sz="1800" b="1" kern="1200">
+                          <a:solidFill>
+                            <a:schemeClr val="lt1"/>
+                          </a:solidFill>
+                          <a:latin typeface="Segoe UI Light"/>
+                        </a:defRPr>
+                      </a:lvl3pPr>
+                      <a:lvl4pPr marL="1371600" algn="l" defTabSz="914400" rtl="0" eaLnBrk="1" latinLnBrk="0" hangingPunct="1">
+                        <a:defRPr sz="1800" b="1" kern="1200">
+                          <a:solidFill>
+                            <a:schemeClr val="lt1"/>
+                          </a:solidFill>
+                          <a:latin typeface="Segoe UI Light"/>
+                        </a:defRPr>
+                      </a:lvl4pPr>
+                      <a:lvl5pPr marL="1828800" algn="l" defTabSz="914400" rtl="0" eaLnBrk="1" latinLnBrk="0" hangingPunct="1">
+                        <a:defRPr sz="1800" b="1" kern="1200">
+                          <a:solidFill>
+                            <a:schemeClr val="lt1"/>
+                          </a:solidFill>
+                          <a:latin typeface="Segoe UI Light"/>
+                        </a:defRPr>
+                      </a:lvl5pPr>
+                      <a:lvl6pPr marL="2286000" algn="l" defTabSz="914400" rtl="0" eaLnBrk="1" latinLnBrk="0" hangingPunct="1">
+                        <a:defRPr sz="1800" b="1" kern="1200">
+                          <a:solidFill>
+                            <a:schemeClr val="lt1"/>
+                          </a:solidFill>
+                          <a:latin typeface="Segoe UI Light"/>
+                        </a:defRPr>
+                      </a:lvl6pPr>
+                      <a:lvl7pPr marL="2743200" algn="l" defTabSz="914400" rtl="0" eaLnBrk="1" latinLnBrk="0" hangingPunct="1">
+                        <a:defRPr sz="1800" b="1" kern="1200">
+                          <a:solidFill>
+                            <a:schemeClr val="lt1"/>
+                          </a:solidFill>
+                          <a:latin typeface="Segoe UI Light"/>
+                        </a:defRPr>
+                      </a:lvl7pPr>
+                      <a:lvl8pPr marL="3200400" algn="l" defTabSz="914400" rtl="0" eaLnBrk="1" latinLnBrk="0" hangingPunct="1">
+                        <a:defRPr sz="1800" b="1" kern="1200">
+                          <a:solidFill>
+                            <a:schemeClr val="lt1"/>
+                          </a:solidFill>
+                          <a:latin typeface="Segoe UI Light"/>
+                        </a:defRPr>
+                      </a:lvl8pPr>
+                      <a:lvl9pPr marL="3657600" algn="l" defTabSz="914400" rtl="0" eaLnBrk="1" latinLnBrk="0" hangingPunct="1">
+                        <a:defRPr sz="1800" b="1" kern="1200">
+                          <a:solidFill>
+                            <a:schemeClr val="lt1"/>
+                          </a:solidFill>
+                          <a:latin typeface="Segoe UI Light"/>
+                        </a:defRPr>
+                      </a:lvl9pPr>
+                    </a:lstStyle>
+                    <a:p>
+                      <a:r>
+                        <a:rPr lang="en-US" sz="1600" dirty="0">
+                          <a:solidFill>
+                            <a:srgbClr val="0000FF"/>
+                          </a:solidFill>
+                          <a:latin typeface="Consolas" panose="020B0609020204030204" pitchFamily="49" charset="0"/>
+                        </a:rPr>
+                        <a:t>&lt;</a:t>
+                      </a:r>
+                      <a:r>
+                        <a:rPr lang="en-US" sz="1600" dirty="0">
+                          <a:solidFill>
+                            <a:srgbClr val="A31515"/>
+                          </a:solidFill>
+                          <a:latin typeface="Consolas" panose="020B0609020204030204" pitchFamily="49" charset="0"/>
+                        </a:rPr>
+                        <a:t>Project</a:t>
+                      </a:r>
+                      <a:r>
+                        <a:rPr lang="en-US" sz="1600" dirty="0">
+                          <a:solidFill>
+                            <a:srgbClr val="0000FF"/>
+                          </a:solidFill>
+                          <a:latin typeface="Consolas" panose="020B0609020204030204" pitchFamily="49" charset="0"/>
+                        </a:rPr>
+                        <a:t> </a:t>
+                      </a:r>
+                      <a:r>
+                        <a:rPr lang="en-US" sz="1600" dirty="0" err="1">
+                          <a:solidFill>
+                            <a:srgbClr val="FF0000"/>
+                          </a:solidFill>
+                          <a:latin typeface="Consolas" panose="020B0609020204030204" pitchFamily="49" charset="0"/>
+                        </a:rPr>
+                        <a:t>Sdk</a:t>
+                      </a:r>
+                      <a:r>
+                        <a:rPr lang="en-US" sz="1600" dirty="0">
+                          <a:solidFill>
+                            <a:srgbClr val="0000FF"/>
+                          </a:solidFill>
+                          <a:latin typeface="Consolas" panose="020B0609020204030204" pitchFamily="49" charset="0"/>
+                        </a:rPr>
+                        <a:t>=</a:t>
+                      </a:r>
+                      <a:r>
+                        <a:rPr lang="en-US" sz="1600" dirty="0">
+                          <a:solidFill>
+                            <a:srgbClr val="000000"/>
+                          </a:solidFill>
+                          <a:latin typeface="Consolas" panose="020B0609020204030204" pitchFamily="49" charset="0"/>
+                        </a:rPr>
+                        <a:t>"</a:t>
+                      </a:r>
+                      <a:r>
+                        <a:rPr lang="en-US" sz="1600" dirty="0" err="1">
+                          <a:solidFill>
+                            <a:srgbClr val="0000FF"/>
+                          </a:solidFill>
+                          <a:latin typeface="Consolas" panose="020B0609020204030204" pitchFamily="49" charset="0"/>
+                        </a:rPr>
+                        <a:t>Microsoft.NET.Sdk.Web</a:t>
+                      </a:r>
+                      <a:r>
+                        <a:rPr lang="en-US" sz="1600" dirty="0">
+                          <a:solidFill>
+                            <a:srgbClr val="000000"/>
+                          </a:solidFill>
+                          <a:latin typeface="Consolas" panose="020B0609020204030204" pitchFamily="49" charset="0"/>
+                        </a:rPr>
+                        <a:t>"</a:t>
+                      </a:r>
+                      <a:r>
+                        <a:rPr lang="en-US" sz="1600" dirty="0">
+                          <a:solidFill>
+                            <a:srgbClr val="0000FF"/>
+                          </a:solidFill>
+                          <a:latin typeface="Consolas" panose="020B0609020204030204" pitchFamily="49" charset="0"/>
+                        </a:rPr>
+                        <a:t>&gt;</a:t>
+                      </a:r>
+                      <a:endParaRPr lang="en-US" sz="1600" dirty="0">
+                        <a:solidFill>
+                          <a:srgbClr val="000000"/>
+                        </a:solidFill>
+                        <a:latin typeface="Consolas" panose="020B0609020204030204" pitchFamily="49" charset="0"/>
+                      </a:endParaRPr>
+                    </a:p>
+                    <a:p>
+                      <a:r>
+                        <a:rPr lang="en-US" sz="1600" dirty="0">
+                          <a:solidFill>
+                            <a:srgbClr val="0000FF"/>
+                          </a:solidFill>
+                          <a:latin typeface="Consolas" panose="020B0609020204030204" pitchFamily="49" charset="0"/>
+                        </a:rPr>
+                        <a:t>  &lt;</a:t>
+                      </a:r>
+                      <a:r>
+                        <a:rPr lang="en-US" sz="1600" dirty="0" err="1">
+                          <a:solidFill>
+                            <a:srgbClr val="A31515"/>
+                          </a:solidFill>
+                          <a:latin typeface="Consolas" panose="020B0609020204030204" pitchFamily="49" charset="0"/>
+                        </a:rPr>
+                        <a:t>PropertyGroup</a:t>
+                      </a:r>
+                      <a:r>
+                        <a:rPr lang="en-US" sz="1600" dirty="0">
+                          <a:solidFill>
+                            <a:srgbClr val="0000FF"/>
+                          </a:solidFill>
+                          <a:latin typeface="Consolas" panose="020B0609020204030204" pitchFamily="49" charset="0"/>
+                        </a:rPr>
+                        <a:t>&gt;</a:t>
+                      </a:r>
+                      <a:endParaRPr lang="en-US" sz="1600" dirty="0">
+                        <a:solidFill>
+                          <a:srgbClr val="000000"/>
+                        </a:solidFill>
+                        <a:latin typeface="Consolas" panose="020B0609020204030204" pitchFamily="49" charset="0"/>
+                      </a:endParaRPr>
+                    </a:p>
+                    <a:p>
+                      <a:r>
+                        <a:rPr lang="en-US" sz="1600" dirty="0">
+                          <a:solidFill>
+                            <a:srgbClr val="0000FF"/>
+                          </a:solidFill>
+                          <a:latin typeface="Consolas" panose="020B0609020204030204" pitchFamily="49" charset="0"/>
+                        </a:rPr>
+                        <a:t>    &lt;</a:t>
+                      </a:r>
+                      <a:r>
+                        <a:rPr lang="en-US" sz="1600" dirty="0" err="1">
+                          <a:solidFill>
+                            <a:srgbClr val="A31515"/>
+                          </a:solidFill>
+                          <a:latin typeface="Consolas" panose="020B0609020204030204" pitchFamily="49" charset="0"/>
+                        </a:rPr>
+                        <a:t>TargetFramework</a:t>
+                      </a:r>
+                      <a:r>
+                        <a:rPr lang="en-US" sz="1600" dirty="0">
+                          <a:solidFill>
+                            <a:srgbClr val="0000FF"/>
+                          </a:solidFill>
+                          <a:latin typeface="Consolas" panose="020B0609020204030204" pitchFamily="49" charset="0"/>
+                        </a:rPr>
+                        <a:t>&gt;</a:t>
+                      </a:r>
+                      <a:r>
+                        <a:rPr lang="en-US" sz="1600" dirty="0">
+                          <a:solidFill>
+                            <a:srgbClr val="000000"/>
+                          </a:solidFill>
+                          <a:latin typeface="Consolas" panose="020B0609020204030204" pitchFamily="49" charset="0"/>
+                        </a:rPr>
+                        <a:t>netcoreapp2.1</a:t>
+                      </a:r>
+                      <a:r>
+                        <a:rPr lang="en-US" sz="1600" dirty="0">
+                          <a:solidFill>
+                            <a:srgbClr val="0000FF"/>
+                          </a:solidFill>
+                          <a:latin typeface="Consolas" panose="020B0609020204030204" pitchFamily="49" charset="0"/>
+                        </a:rPr>
+                        <a:t>&lt;/</a:t>
+                      </a:r>
+                      <a:r>
+                        <a:rPr lang="en-US" sz="1600" dirty="0" err="1">
+                          <a:solidFill>
+                            <a:srgbClr val="A31515"/>
+                          </a:solidFill>
+                          <a:latin typeface="Consolas" panose="020B0609020204030204" pitchFamily="49" charset="0"/>
+                        </a:rPr>
+                        <a:t>TargetFramework</a:t>
+                      </a:r>
+                      <a:r>
+                        <a:rPr lang="en-US" sz="1600" dirty="0">
+                          <a:solidFill>
+                            <a:srgbClr val="0000FF"/>
+                          </a:solidFill>
+                          <a:latin typeface="Consolas" panose="020B0609020204030204" pitchFamily="49" charset="0"/>
+                        </a:rPr>
+                        <a:t>&gt;</a:t>
+                      </a:r>
+                      <a:endParaRPr lang="en-US" sz="1600" dirty="0">
+                        <a:solidFill>
+                          <a:srgbClr val="000000"/>
+                        </a:solidFill>
+                        <a:latin typeface="Consolas" panose="020B0609020204030204" pitchFamily="49" charset="0"/>
+                      </a:endParaRPr>
+                    </a:p>
+                    <a:p>
+                      <a:r>
+                        <a:rPr lang="en-US" sz="1600" dirty="0">
+                          <a:solidFill>
+                            <a:srgbClr val="0000FF"/>
+                          </a:solidFill>
+                          <a:latin typeface="Consolas" panose="020B0609020204030204" pitchFamily="49" charset="0"/>
+                        </a:rPr>
+                        <a:t>    &lt;</a:t>
+                      </a:r>
+                      <a:r>
+                        <a:rPr lang="en-US" sz="1600" dirty="0" err="1">
+                          <a:solidFill>
+                            <a:srgbClr val="A31515"/>
+                          </a:solidFill>
+                          <a:latin typeface="Consolas" panose="020B0609020204030204" pitchFamily="49" charset="0"/>
+                        </a:rPr>
+                        <a:t>UserSecretsId</a:t>
+                      </a:r>
+                      <a:r>
+                        <a:rPr lang="en-US" sz="1600" dirty="0">
+                          <a:solidFill>
+                            <a:srgbClr val="0000FF"/>
+                          </a:solidFill>
+                          <a:latin typeface="Consolas" panose="020B0609020204030204" pitchFamily="49" charset="0"/>
+                        </a:rPr>
+                        <a:t>&gt;</a:t>
+                      </a:r>
+                      <a:r>
+                        <a:rPr lang="en-US" sz="1600" dirty="0">
+                          <a:solidFill>
+                            <a:srgbClr val="000000"/>
+                          </a:solidFill>
+                          <a:latin typeface="Consolas" panose="020B0609020204030204" pitchFamily="49" charset="0"/>
+                        </a:rPr>
+                        <a:t>0087f3aa-237b-4c08-a9dc-5927be11eadd</a:t>
+                      </a:r>
+                      <a:r>
+                        <a:rPr lang="en-US" sz="1600" dirty="0">
+                          <a:solidFill>
+                            <a:srgbClr val="0000FF"/>
+                          </a:solidFill>
+                          <a:latin typeface="Consolas" panose="020B0609020204030204" pitchFamily="49" charset="0"/>
+                        </a:rPr>
+                        <a:t>&lt;/</a:t>
+                      </a:r>
+                      <a:r>
+                        <a:rPr lang="en-US" sz="1600" dirty="0" err="1">
+                          <a:solidFill>
+                            <a:srgbClr val="A31515"/>
+                          </a:solidFill>
+                          <a:latin typeface="Consolas" panose="020B0609020204030204" pitchFamily="49" charset="0"/>
+                        </a:rPr>
+                        <a:t>UserSecretsId</a:t>
+                      </a:r>
+                      <a:r>
+                        <a:rPr lang="en-US" sz="1600" dirty="0">
+                          <a:solidFill>
+                            <a:srgbClr val="0000FF"/>
+                          </a:solidFill>
+                          <a:latin typeface="Consolas" panose="020B0609020204030204" pitchFamily="49" charset="0"/>
+                        </a:rPr>
+                        <a:t>&gt;</a:t>
+                      </a:r>
+                      <a:endParaRPr lang="en-US" sz="1600" dirty="0">
+                        <a:solidFill>
+                          <a:srgbClr val="000000"/>
+                        </a:solidFill>
+                        <a:latin typeface="Consolas" panose="020B0609020204030204" pitchFamily="49" charset="0"/>
+                      </a:endParaRPr>
+                    </a:p>
+                    <a:p>
+                      <a:r>
+                        <a:rPr lang="en-US" sz="1600" dirty="0">
+                          <a:solidFill>
+                            <a:srgbClr val="0000FF"/>
+                          </a:solidFill>
+                          <a:latin typeface="Consolas" panose="020B0609020204030204" pitchFamily="49" charset="0"/>
+                        </a:rPr>
+                        <a:t>  &lt;/</a:t>
+                      </a:r>
+                      <a:r>
+                        <a:rPr lang="en-US" sz="1600" dirty="0" err="1">
+                          <a:solidFill>
+                            <a:srgbClr val="A31515"/>
+                          </a:solidFill>
+                          <a:latin typeface="Consolas" panose="020B0609020204030204" pitchFamily="49" charset="0"/>
+                        </a:rPr>
+                        <a:t>PropertyGroup</a:t>
+                      </a:r>
+                      <a:r>
+                        <a:rPr lang="en-US" sz="1600" dirty="0">
+                          <a:solidFill>
+                            <a:srgbClr val="0000FF"/>
+                          </a:solidFill>
+                          <a:latin typeface="Consolas" panose="020B0609020204030204" pitchFamily="49" charset="0"/>
+                        </a:rPr>
+                        <a:t>&gt;</a:t>
+                      </a:r>
+                      <a:endParaRPr lang="en-US" sz="1600" dirty="0">
+                        <a:solidFill>
+                          <a:srgbClr val="000000"/>
+                        </a:solidFill>
+                        <a:latin typeface="Consolas" panose="020B0609020204030204" pitchFamily="49" charset="0"/>
+                      </a:endParaRPr>
+                    </a:p>
+                  </a:txBody>
+                  <a:tcPr>
+                    <a:lnL w="12700" cap="flat" cmpd="sng" algn="ctr">
+                      <a:solidFill>
+                        <a:sysClr val="window" lastClr="FFFFFF"/>
+                      </a:solidFill>
+                      <a:prstDash val="solid"/>
+                      <a:round/>
+                      <a:headEnd type="none" w="med" len="med"/>
+                      <a:tailEnd type="none" w="med" len="med"/>
+                    </a:lnL>
+                    <a:lnR w="12700" cap="flat" cmpd="sng" algn="ctr">
+                      <a:solidFill>
+                        <a:sysClr val="window" lastClr="FFFFFF"/>
+                      </a:solidFill>
+                      <a:prstDash val="solid"/>
+                      <a:round/>
+                      <a:headEnd type="none" w="med" len="med"/>
+                      <a:tailEnd type="none" w="med" len="med"/>
+                    </a:lnR>
+                    <a:lnT w="12700" cap="flat" cmpd="sng" algn="ctr">
+                      <a:solidFill>
+                        <a:sysClr val="window" lastClr="FFFFFF"/>
+                      </a:solidFill>
+                      <a:prstDash val="solid"/>
+                      <a:round/>
+                      <a:headEnd type="none" w="med" len="med"/>
+                      <a:tailEnd type="none" w="med" len="med"/>
+                    </a:lnT>
+                    <a:lnB w="12700" cap="flat" cmpd="sng" algn="ctr">
+                      <a:solidFill>
+                        <a:sysClr val="window" lastClr="FFFFFF"/>
+                      </a:solidFill>
+                      <a:prstDash val="solid"/>
+                      <a:round/>
+                      <a:headEnd type="none" w="med" len="med"/>
+                      <a:tailEnd type="none" w="med" len="med"/>
+                    </a:lnB>
+                    <a:lnTlToBr w="12700" cmpd="sng">
+                      <a:noFill/>
+                      <a:prstDash val="solid"/>
+                    </a:lnTlToBr>
+                    <a:lnBlToTr w="12700" cmpd="sng">
+                      <a:noFill/>
+                      <a:prstDash val="solid"/>
+                    </a:lnBlToTr>
+                    <a:solidFill>
+                      <a:sysClr val="window" lastClr="FFFFFF"/>
+                    </a:solidFill>
+                  </a:tcPr>
+                </a:tc>
+                <a:extLst>
+                  <a:ext uri="{0D108BD9-81ED-4DB2-BD59-A6C34878D82A}">
+                    <a16:rowId xmlns:a16="http://schemas.microsoft.com/office/drawing/2014/main" val="3473222697"/>
+                  </a:ext>
+                </a:extLst>
+              </a:tr>
+            </a:tbl>
+          </a:graphicData>
+        </a:graphic>
+      </p:graphicFrame>
+      <p:sp>
+        <p:nvSpPr>
+          <p:cNvPr id="18" name="Rectangle 17">
+            <a:extLst>
+              <a:ext uri="{FF2B5EF4-FFF2-40B4-BE49-F238E27FC236}">
+                <a16:creationId xmlns:a16="http://schemas.microsoft.com/office/drawing/2014/main" id="{5940E52A-4BCB-4A62-AA2C-726ACE00FA72}"/>
+              </a:ext>
+            </a:extLst>
+          </p:cNvPr>
+          <p:cNvSpPr/>
+          <p:nvPr/>
+        </p:nvSpPr>
+        <p:spPr>
+          <a:xfrm>
+            <a:off x="832403" y="2910526"/>
+            <a:ext cx="2195881" cy="446567"/>
+          </a:xfrm>
+          <a:prstGeom prst="rect">
+            <a:avLst/>
+          </a:prstGeom>
+          <a:gradFill rotWithShape="1">
+            <a:gsLst>
+              <a:gs pos="0">
+                <a:srgbClr val="5B9BD5">
+                  <a:lumMod val="110000"/>
+                  <a:satMod val="105000"/>
+                  <a:tint val="67000"/>
+                </a:srgbClr>
+              </a:gs>
+              <a:gs pos="50000">
+                <a:srgbClr val="5B9BD5">
+                  <a:lumMod val="105000"/>
+                  <a:satMod val="103000"/>
+                  <a:tint val="73000"/>
+                </a:srgbClr>
+              </a:gs>
+              <a:gs pos="100000">
+                <a:srgbClr val="5B9BD5">
+                  <a:lumMod val="105000"/>
+                  <a:satMod val="109000"/>
+                  <a:tint val="81000"/>
+                </a:srgbClr>
+              </a:gs>
+            </a:gsLst>
+            <a:lin ang="5400000" scaled="0"/>
+          </a:gradFill>
+          <a:ln w="6350" cap="flat" cmpd="sng" algn="ctr">
+            <a:solidFill>
+              <a:srgbClr val="5B9BD5"/>
+            </a:solidFill>
+            <a:prstDash val="solid"/>
+            <a:miter lim="800000"/>
+          </a:ln>
+          <a:effectLst/>
+        </p:spPr>
+        <p:txBody>
+          <a:bodyPr rtlCol="0" anchor="ctr"/>
+          <a:lstStyle/>
+          <a:p>
+            <a:pPr marL="0" marR="0" lvl="0" indent="0" algn="ctr" defTabSz="914400" eaLnBrk="1" fontAlgn="auto" latinLnBrk="0" hangingPunct="1">
+              <a:lnSpc>
+                <a:spcPct val="100000"/>
+              </a:lnSpc>
+              <a:spcBef>
+                <a:spcPts val="0"/>
+              </a:spcBef>
+              <a:spcAft>
+                <a:spcPts val="0"/>
+              </a:spcAft>
+              <a:buClrTx/>
+              <a:buSzTx/>
+              <a:buFontTx/>
+              <a:buNone/>
+              <a:tabLst/>
+              <a:defRPr/>
+            </a:pPr>
+            <a:r>
+              <a:rPr lang="en-US" b="1" kern="0" noProof="0" dirty="0" err="1">
+                <a:solidFill>
+                  <a:prstClr val="black"/>
+                </a:solidFill>
+                <a:latin typeface="Segoe UI Light"/>
+              </a:rPr>
+              <a:t>MovieCatalog</a:t>
+            </a:r>
+            <a:r>
+              <a:rPr kumimoji="0" lang="en-US" sz="1800" b="1" i="0" u="none" strike="noStrike" kern="0" cap="none" spc="0" normalizeH="0" baseline="0" noProof="0" dirty="0" err="1">
+                <a:ln>
+                  <a:noFill/>
+                </a:ln>
+                <a:solidFill>
+                  <a:prstClr val="black"/>
+                </a:solidFill>
+                <a:effectLst/>
+                <a:uLnTx/>
+                <a:uFillTx/>
+                <a:latin typeface="Segoe UI Light"/>
+                <a:ea typeface="+mn-ea"/>
+                <a:cs typeface="+mn-cs"/>
+              </a:rPr>
+              <a:t>.csproj</a:t>
+            </a:r>
+            <a:endParaRPr kumimoji="0" lang="en-US" sz="1800" b="1" i="0" u="none" strike="noStrike" kern="0" cap="none" spc="0" normalizeH="0" baseline="0" noProof="0" dirty="0">
+              <a:ln>
+                <a:noFill/>
+              </a:ln>
+              <a:solidFill>
+                <a:prstClr val="black"/>
+              </a:solidFill>
+              <a:effectLst/>
+              <a:uLnTx/>
+              <a:uFillTx/>
+              <a:latin typeface="Segoe UI Light"/>
+              <a:ea typeface="+mn-ea"/>
+              <a:cs typeface="+mn-cs"/>
+            </a:endParaRPr>
+          </a:p>
+        </p:txBody>
+      </p:sp>
+      <p:sp>
+        <p:nvSpPr>
+          <p:cNvPr id="21" name="Rounded Rectangle 33">
+            <a:extLst>
+              <a:ext uri="{FF2B5EF4-FFF2-40B4-BE49-F238E27FC236}">
+                <a16:creationId xmlns:a16="http://schemas.microsoft.com/office/drawing/2014/main" id="{6AFE4F7A-E550-4C62-A076-FB8E38CCBF2C}"/>
+              </a:ext>
+            </a:extLst>
+          </p:cNvPr>
+          <p:cNvSpPr/>
+          <p:nvPr/>
+        </p:nvSpPr>
+        <p:spPr>
+          <a:xfrm>
+            <a:off x="832403" y="4938045"/>
+            <a:ext cx="4923882" cy="691116"/>
+          </a:xfrm>
+          <a:prstGeom prst="roundRect">
+            <a:avLst/>
+          </a:prstGeom>
+          <a:solidFill>
+            <a:schemeClr val="bg2"/>
+          </a:solidFill>
+        </p:spPr>
+        <p:style>
+          <a:lnRef idx="2">
+            <a:schemeClr val="accent1">
+              <a:shade val="50000"/>
+            </a:schemeClr>
+          </a:lnRef>
+          <a:fillRef idx="1">
+            <a:schemeClr val="accent1"/>
+          </a:fillRef>
+          <a:effectRef idx="0">
+            <a:schemeClr val="accent1"/>
+          </a:effectRef>
+          <a:fontRef idx="minor">
+            <a:schemeClr val="lt1"/>
+          </a:fontRef>
+        </p:style>
+        <p:txBody>
+          <a:bodyPr rtlCol="0" anchor="ctr"/>
+          <a:lstStyle/>
+          <a:p>
+            <a:pPr algn="r"/>
+            <a:r>
+              <a:rPr lang="en-US" b="1" dirty="0"/>
+              <a:t>~/.</a:t>
+            </a:r>
+            <a:r>
+              <a:rPr lang="en-US" b="1" dirty="0" err="1"/>
+              <a:t>microsoft</a:t>
+            </a:r>
+            <a:r>
+              <a:rPr lang="en-US" b="1" dirty="0"/>
+              <a:t>/</a:t>
+            </a:r>
+            <a:r>
+              <a:rPr lang="en-US" b="1" dirty="0" err="1"/>
+              <a:t>usersecrets</a:t>
+            </a:r>
+            <a:r>
+              <a:rPr lang="en-US" b="1" dirty="0"/>
+              <a:t>/&lt;id&gt;/</a:t>
+            </a:r>
+          </a:p>
+        </p:txBody>
+      </p:sp>
+      <p:pic>
+        <p:nvPicPr>
+          <p:cNvPr id="22" name="Picture 2" descr="http://files.softicons.com/download/system-icons/windows-8-metro-icons-by-dakirby309/png/512x512/Folders%20&amp;%20OS/Linux.png">
+            <a:extLst>
+              <a:ext uri="{FF2B5EF4-FFF2-40B4-BE49-F238E27FC236}">
+                <a16:creationId xmlns:a16="http://schemas.microsoft.com/office/drawing/2014/main" id="{E7649DFC-684E-4B40-B1F3-772480D769E7}"/>
+              </a:ext>
+            </a:extLst>
+          </p:cNvPr>
+          <p:cNvPicPr>
+            <a:picLocks noChangeAspect="1" noChangeArrowheads="1"/>
+          </p:cNvPicPr>
+          <p:nvPr/>
+        </p:nvPicPr>
+        <p:blipFill>
+          <a:blip r:embed="rId3" cstate="print">
+            <a:extLst>
+              <a:ext uri="{BEBA8EAE-BF5A-486C-A8C5-ECC9F3942E4B}">
+                <a14:imgProps xmlns:a14="http://schemas.microsoft.com/office/drawing/2010/main">
+                  <a14:imgLayer r:embed="rId4">
+                    <a14:imgEffect>
+                      <a14:backgroundRemoval t="10000" b="90000" l="10000" r="90000"/>
+                    </a14:imgEffect>
+                  </a14:imgLayer>
+                </a14:imgProps>
+              </a:ext>
+              <a:ext uri="{28A0092B-C50C-407E-A947-70E740481C1C}">
+                <a14:useLocalDpi xmlns:a14="http://schemas.microsoft.com/office/drawing/2010/main" val="0"/>
+              </a:ext>
+            </a:extLst>
+          </a:blip>
+          <a:srcRect/>
+          <a:stretch>
+            <a:fillRect/>
+          </a:stretch>
+        </p:blipFill>
+        <p:spPr bwMode="auto">
+          <a:xfrm>
+            <a:off x="919113" y="5012110"/>
+            <a:ext cx="507863" cy="498593"/>
+          </a:xfrm>
+          <a:prstGeom prst="rect">
+            <a:avLst/>
+          </a:prstGeom>
+          <a:noFill/>
+          <a:extLst>
+            <a:ext uri="{909E8E84-426E-40DD-AFC4-6F175D3DCCD1}">
+              <a14:hiddenFill xmlns:a14="http://schemas.microsoft.com/office/drawing/2010/main">
+                <a:solidFill>
+                  <a:srgbClr val="FFFFFF"/>
+                </a:solidFill>
+              </a14:hiddenFill>
+            </a:ext>
+          </a:extLst>
+        </p:spPr>
+      </p:pic>
+      <p:pic>
+        <p:nvPicPr>
+          <p:cNvPr id="23" name="Picture 22">
+            <a:extLst>
+              <a:ext uri="{FF2B5EF4-FFF2-40B4-BE49-F238E27FC236}">
+                <a16:creationId xmlns:a16="http://schemas.microsoft.com/office/drawing/2014/main" id="{A5D81AF3-B696-42DE-ADDB-C258A83509C1}"/>
+              </a:ext>
+            </a:extLst>
+          </p:cNvPr>
+          <p:cNvPicPr>
+            <a:picLocks noChangeAspect="1"/>
+          </p:cNvPicPr>
+          <p:nvPr/>
+        </p:nvPicPr>
+        <p:blipFill>
+          <a:blip r:embed="rId5" cstate="print">
+            <a:lum bright="70000" contrast="-70000"/>
+            <a:extLst>
+              <a:ext uri="{28A0092B-C50C-407E-A947-70E740481C1C}">
+                <a14:useLocalDpi xmlns:a14="http://schemas.microsoft.com/office/drawing/2010/main" val="0"/>
+              </a:ext>
+            </a:extLst>
+          </a:blip>
+          <a:stretch>
+            <a:fillRect/>
+          </a:stretch>
+        </p:blipFill>
+        <p:spPr>
+          <a:xfrm>
+            <a:off x="1420328" y="5012110"/>
+            <a:ext cx="385752" cy="454164"/>
+          </a:xfrm>
+          <a:prstGeom prst="rect">
+            <a:avLst/>
+          </a:prstGeom>
+        </p:spPr>
+      </p:pic>
+      <p:sp>
+        <p:nvSpPr>
+          <p:cNvPr id="30" name="Rounded Rectangle 33">
+            <a:extLst>
+              <a:ext uri="{FF2B5EF4-FFF2-40B4-BE49-F238E27FC236}">
+                <a16:creationId xmlns:a16="http://schemas.microsoft.com/office/drawing/2014/main" id="{C42CA6AF-7109-4AFA-A004-B35DCE3D8F3A}"/>
+              </a:ext>
+            </a:extLst>
+          </p:cNvPr>
+          <p:cNvSpPr/>
+          <p:nvPr/>
+        </p:nvSpPr>
+        <p:spPr>
+          <a:xfrm>
+            <a:off x="832402" y="5645640"/>
+            <a:ext cx="4934427" cy="691116"/>
+          </a:xfrm>
+          <a:prstGeom prst="roundRect">
+            <a:avLst/>
+          </a:prstGeom>
+          <a:solidFill>
+            <a:schemeClr val="bg2"/>
+          </a:solidFill>
+        </p:spPr>
+        <p:style>
+          <a:lnRef idx="2">
+            <a:schemeClr val="accent1">
+              <a:shade val="50000"/>
+            </a:schemeClr>
+          </a:lnRef>
+          <a:fillRef idx="1">
+            <a:schemeClr val="accent1"/>
+          </a:fillRef>
+          <a:effectRef idx="0">
+            <a:schemeClr val="accent1"/>
+          </a:effectRef>
+          <a:fontRef idx="minor">
+            <a:schemeClr val="lt1"/>
+          </a:fontRef>
+        </p:style>
+        <p:txBody>
+          <a:bodyPr rtlCol="0" anchor="ctr"/>
+          <a:lstStyle/>
+          <a:p>
+            <a:pPr algn="r"/>
+            <a:r>
+              <a:rPr lang="en-US" b="1" dirty="0"/>
+              <a:t>%APPDATA%\Microsoft\</a:t>
+            </a:r>
+            <a:r>
+              <a:rPr lang="en-US" b="1" dirty="0" err="1"/>
+              <a:t>UserSecrets</a:t>
+            </a:r>
+            <a:r>
+              <a:rPr lang="en-US" b="1" dirty="0"/>
+              <a:t>\&lt;id&gt;\</a:t>
+            </a:r>
+          </a:p>
+        </p:txBody>
+      </p:sp>
+      <p:pic>
+        <p:nvPicPr>
+          <p:cNvPr id="15" name="Picture 6" descr="C:\temp\WinAzure_rgb_Wht_S.png">
+            <a:extLst>
+              <a:ext uri="{FF2B5EF4-FFF2-40B4-BE49-F238E27FC236}">
+                <a16:creationId xmlns:a16="http://schemas.microsoft.com/office/drawing/2014/main" id="{9E236C65-B717-4E03-A30D-5799CF2DF5E1}"/>
+              </a:ext>
+            </a:extLst>
+          </p:cNvPr>
+          <p:cNvPicPr>
+            <a:picLocks noChangeAspect="1" noChangeArrowheads="1"/>
+          </p:cNvPicPr>
+          <p:nvPr/>
+        </p:nvPicPr>
+        <p:blipFill rotWithShape="1">
+          <a:blip r:embed="rId6" cstate="print">
+            <a:extLst>
+              <a:ext uri="{28A0092B-C50C-407E-A947-70E740481C1C}">
+                <a14:useLocalDpi xmlns:a14="http://schemas.microsoft.com/office/drawing/2010/main" val="0"/>
+              </a:ext>
+            </a:extLst>
+          </a:blip>
+          <a:srcRect l="3371" t="15460" r="80628" b="15496"/>
+          <a:stretch/>
+        </p:blipFill>
+        <p:spPr bwMode="auto">
+          <a:xfrm>
+            <a:off x="945120" y="5759716"/>
+            <a:ext cx="455848" cy="462964"/>
+          </a:xfrm>
+          <a:prstGeom prst="rect">
+            <a:avLst/>
+          </a:prstGeom>
+          <a:noFill/>
+          <a:extLst>
+            <a:ext uri="{909E8E84-426E-40DD-AFC4-6F175D3DCCD1}">
+              <a14:hiddenFill xmlns:a14="http://schemas.microsoft.com/office/drawing/2010/main">
+                <a:solidFill>
+                  <a:srgbClr val="FFFFFF"/>
+                </a:solidFill>
+              </a14:hiddenFill>
+            </a:ext>
+          </a:extLst>
+        </p:spPr>
+      </p:pic>
       <p:sp>
         <p:nvSpPr>
           <p:cNvPr id="26" name="Arrow: Down 25">
@@ -15088,9 +15597,9 @@
           <p:nvPr/>
         </p:nvSpPr>
         <p:spPr>
-          <a:xfrm>
-            <a:off x="4998875" y="2711302"/>
-            <a:ext cx="424254" cy="628779"/>
+          <a:xfrm rot="2065940">
+            <a:off x="4715271" y="2623424"/>
+            <a:ext cx="424254" cy="1631919"/>
           </a:xfrm>
           <a:prstGeom prst="downArrow">
             <a:avLst/>
@@ -15123,6 +15632,58 @@
       </p:sp>
       <p:sp>
         <p:nvSpPr>
+          <p:cNvPr id="31" name="Rectangle 30">
+            <a:extLst>
+              <a:ext uri="{FF2B5EF4-FFF2-40B4-BE49-F238E27FC236}">
+                <a16:creationId xmlns:a16="http://schemas.microsoft.com/office/drawing/2014/main" id="{C1232EE9-6DC4-4EAA-9752-FC7A7A739EBE}"/>
+              </a:ext>
+            </a:extLst>
+          </p:cNvPr>
+          <p:cNvSpPr/>
+          <p:nvPr/>
+        </p:nvSpPr>
+        <p:spPr>
+          <a:xfrm>
+            <a:off x="1324372" y="4125462"/>
+            <a:ext cx="7525630" cy="277638"/>
+          </a:xfrm>
+          <a:prstGeom prst="rect">
+            <a:avLst/>
+          </a:prstGeom>
+          <a:noFill/>
+          <a:ln w="38100">
+            <a:solidFill>
+              <a:schemeClr val="accent1"/>
+            </a:solidFill>
+          </a:ln>
+        </p:spPr>
+        <p:style>
+          <a:lnRef idx="2">
+            <a:schemeClr val="accent1">
+              <a:shade val="50000"/>
+            </a:schemeClr>
+          </a:lnRef>
+          <a:fillRef idx="1">
+            <a:schemeClr val="accent1"/>
+          </a:fillRef>
+          <a:effectRef idx="0">
+            <a:schemeClr val="accent1"/>
+          </a:effectRef>
+          <a:fontRef idx="minor">
+            <a:schemeClr val="lt1"/>
+          </a:fontRef>
+        </p:style>
+        <p:txBody>
+          <a:bodyPr rtlCol="0" anchor="ctr"/>
+          <a:lstStyle/>
+          <a:p>
+            <a:pPr algn="ctr"/>
+            <a:endParaRPr lang="en-US"/>
+          </a:p>
+        </p:txBody>
+      </p:sp>
+      <p:sp>
+        <p:nvSpPr>
           <p:cNvPr id="27" name="Arrow: Down 26">
             <a:extLst>
               <a:ext uri="{FF2B5EF4-FFF2-40B4-BE49-F238E27FC236}">
@@ -15134,8 +15695,8 @@
           <p:nvPr/>
         </p:nvSpPr>
         <p:spPr>
-          <a:xfrm rot="2984580">
-            <a:off x="4612609" y="4135011"/>
+          <a:xfrm rot="19265801">
+            <a:off x="4649274" y="4367720"/>
             <a:ext cx="424254" cy="880286"/>
           </a:xfrm>
           <a:prstGeom prst="downArrow">
@@ -15164,6 +15725,104 @@
           <a:p>
             <a:pPr algn="ctr"/>
             <a:endParaRPr lang="en-US" dirty="0"/>
+          </a:p>
+        </p:txBody>
+      </p:sp>
+      <p:sp>
+        <p:nvSpPr>
+          <p:cNvPr id="32" name="Arrow: Down 31">
+            <a:extLst>
+              <a:ext uri="{FF2B5EF4-FFF2-40B4-BE49-F238E27FC236}">
+                <a16:creationId xmlns:a16="http://schemas.microsoft.com/office/drawing/2014/main" id="{6657C575-E8A6-409F-8D48-3C1718512A67}"/>
+              </a:ext>
+            </a:extLst>
+          </p:cNvPr>
+          <p:cNvSpPr/>
+          <p:nvPr/>
+        </p:nvSpPr>
+        <p:spPr>
+          <a:xfrm rot="16200000">
+            <a:off x="5953976" y="5204124"/>
+            <a:ext cx="424254" cy="880286"/>
+          </a:xfrm>
+          <a:prstGeom prst="downArrow">
+            <a:avLst/>
+          </a:prstGeom>
+        </p:spPr>
+        <p:style>
+          <a:lnRef idx="2">
+            <a:schemeClr val="accent1">
+              <a:shade val="50000"/>
+            </a:schemeClr>
+          </a:lnRef>
+          <a:fillRef idx="1">
+            <a:schemeClr val="accent1"/>
+          </a:fillRef>
+          <a:effectRef idx="0">
+            <a:schemeClr val="accent1"/>
+          </a:effectRef>
+          <a:fontRef idx="minor">
+            <a:schemeClr val="lt1"/>
+          </a:fontRef>
+        </p:style>
+        <p:txBody>
+          <a:bodyPr rtlCol="0" anchor="ctr"/>
+          <a:lstStyle/>
+          <a:p>
+            <a:pPr algn="ctr"/>
+            <a:endParaRPr lang="en-US" dirty="0"/>
+          </a:p>
+        </p:txBody>
+      </p:sp>
+      <p:sp>
+        <p:nvSpPr>
+          <p:cNvPr id="33" name="Rectangle 32">
+            <a:extLst>
+              <a:ext uri="{FF2B5EF4-FFF2-40B4-BE49-F238E27FC236}">
+                <a16:creationId xmlns:a16="http://schemas.microsoft.com/office/drawing/2014/main" id="{853C5F33-C267-44A2-98A4-E0AE5E5503EF}"/>
+              </a:ext>
+            </a:extLst>
+          </p:cNvPr>
+          <p:cNvSpPr/>
+          <p:nvPr/>
+        </p:nvSpPr>
+        <p:spPr>
+          <a:xfrm>
+            <a:off x="5089007" y="5155298"/>
+            <a:ext cx="465280" cy="993247"/>
+          </a:xfrm>
+          <a:prstGeom prst="rect">
+            <a:avLst/>
+          </a:prstGeom>
+          <a:noFill/>
+          <a:ln w="38100">
+            <a:solidFill>
+              <a:schemeClr val="accent1"/>
+            </a:solidFill>
+          </a:ln>
+        </p:spPr>
+        <p:style>
+          <a:lnRef idx="2">
+            <a:schemeClr val="accent1">
+              <a:shade val="50000"/>
+            </a:schemeClr>
+          </a:lnRef>
+          <a:fillRef idx="1">
+            <a:schemeClr val="accent1"/>
+          </a:fillRef>
+          <a:effectRef idx="0">
+            <a:schemeClr val="accent1"/>
+          </a:effectRef>
+          <a:fontRef idx="minor">
+            <a:schemeClr val="lt1"/>
+          </a:fontRef>
+        </p:style>
+        <p:txBody>
+          <a:bodyPr rtlCol="0" anchor="ctr"/>
+          <a:lstStyle/>
+          <a:p>
+            <a:pPr algn="ctr"/>
+            <a:endParaRPr lang="en-US"/>
           </a:p>
         </p:txBody>
       </p:sp>
@@ -15315,7 +15974,7 @@
                                           </p:stCondLst>
                                         </p:cTn>
                                         <p:tgtEl>
-                                          <p:spTgt spid="12"/>
+                                          <p:spTgt spid="18"/>
                                         </p:tgtEl>
                                         <p:attrNameLst>
                                           <p:attrName>style.visibility</p:attrName>
@@ -15329,31 +15988,57 @@
                                       <p:cBhvr>
                                         <p:cTn id="15" dur="500"/>
                                         <p:tgtEl>
-                                          <p:spTgt spid="12"/>
+                                          <p:spTgt spid="18"/>
                                         </p:tgtEl>
                                       </p:cBhvr>
                                     </p:animEffect>
                                   </p:childTnLst>
                                 </p:cTn>
                               </p:par>
-                            </p:childTnLst>
-                          </p:cTn>
-                        </p:par>
-                        <p:par>
-                          <p:cTn id="16" fill="hold">
-                            <p:stCondLst>
-                              <p:cond delay="500"/>
-                            </p:stCondLst>
-                            <p:childTnLst>
                               <p:par>
-                                <p:cTn id="17" presetID="10" presetClass="entr" presetSubtype="0" fill="hold" grpId="0" nodeType="afterEffect">
+                                <p:cTn id="16" presetID="10" presetClass="entr" presetSubtype="0" fill="hold" nodeType="withEffect">
                                   <p:stCondLst>
                                     <p:cond delay="0"/>
                                   </p:stCondLst>
                                   <p:childTnLst>
                                     <p:set>
                                       <p:cBhvr>
-                                        <p:cTn id="18" dur="1" fill="hold">
+                                        <p:cTn id="17" dur="1" fill="hold">
+                                          <p:stCondLst>
+                                            <p:cond delay="0"/>
+                                          </p:stCondLst>
+                                        </p:cTn>
+                                        <p:tgtEl>
+                                          <p:spTgt spid="17"/>
+                                        </p:tgtEl>
+                                        <p:attrNameLst>
+                                          <p:attrName>style.visibility</p:attrName>
+                                        </p:attrNameLst>
+                                      </p:cBhvr>
+                                      <p:to>
+                                        <p:strVal val="visible"/>
+                                      </p:to>
+                                    </p:set>
+                                    <p:animEffect transition="in" filter="fade">
+                                      <p:cBhvr>
+                                        <p:cTn id="18" dur="500"/>
+                                        <p:tgtEl>
+                                          <p:spTgt spid="17"/>
+                                        </p:tgtEl>
+                                      </p:cBhvr>
+                                    </p:animEffect>
+                                  </p:childTnLst>
+                                </p:cTn>
+                              </p:par>
+                              <p:par>
+                                <p:cTn id="19" presetID="10" presetClass="entr" presetSubtype="0" fill="hold" grpId="0" nodeType="withEffect">
+                                  <p:stCondLst>
+                                    <p:cond delay="0"/>
+                                  </p:stCondLst>
+                                  <p:childTnLst>
+                                    <p:set>
+                                      <p:cBhvr>
+                                        <p:cTn id="20" dur="1" fill="hold">
                                           <p:stCondLst>
                                             <p:cond delay="0"/>
                                           </p:stCondLst>
@@ -15371,7 +16056,7 @@
                                     </p:set>
                                     <p:animEffect transition="in" filter="fade">
                                       <p:cBhvr>
-                                        <p:cTn id="19" dur="500"/>
+                                        <p:cTn id="21" dur="500"/>
                                         <p:tgtEl>
                                           <p:spTgt spid="26"/>
                                         </p:tgtEl>
@@ -15381,20 +16066,20 @@
                                 </p:cTn>
                               </p:par>
                               <p:par>
-                                <p:cTn id="20" presetID="10" presetClass="entr" presetSubtype="0" fill="hold" nodeType="withEffect">
+                                <p:cTn id="22" presetID="10" presetClass="entr" presetSubtype="0" fill="hold" grpId="0" nodeType="withEffect">
                                   <p:stCondLst>
                                     <p:cond delay="0"/>
                                   </p:stCondLst>
                                   <p:childTnLst>
                                     <p:set>
                                       <p:cBhvr>
-                                        <p:cTn id="21" dur="1" fill="hold">
+                                        <p:cTn id="23" dur="1" fill="hold">
                                           <p:stCondLst>
                                             <p:cond delay="0"/>
                                           </p:stCondLst>
                                         </p:cTn>
                                         <p:tgtEl>
-                                          <p:spTgt spid="13"/>
+                                          <p:spTgt spid="31"/>
                                         </p:tgtEl>
                                         <p:attrNameLst>
                                           <p:attrName>style.visibility</p:attrName>
@@ -15406,30 +16091,48 @@
                                     </p:set>
                                     <p:animEffect transition="in" filter="fade">
                                       <p:cBhvr>
-                                        <p:cTn id="22" dur="500"/>
+                                        <p:cTn id="24" dur="500"/>
                                         <p:tgtEl>
-                                          <p:spTgt spid="13"/>
+                                          <p:spTgt spid="31"/>
                                         </p:tgtEl>
                                       </p:cBhvr>
                                     </p:animEffect>
                                   </p:childTnLst>
                                 </p:cTn>
                               </p:par>
+                            </p:childTnLst>
+                          </p:cTn>
+                        </p:par>
+                      </p:childTnLst>
+                    </p:cTn>
+                  </p:par>
+                  <p:par>
+                    <p:cTn id="25" fill="hold">
+                      <p:stCondLst>
+                        <p:cond delay="indefinite"/>
+                      </p:stCondLst>
+                      <p:childTnLst>
+                        <p:par>
+                          <p:cTn id="26" fill="hold">
+                            <p:stCondLst>
+                              <p:cond delay="0"/>
+                            </p:stCondLst>
+                            <p:childTnLst>
                               <p:par>
-                                <p:cTn id="23" presetID="10" presetClass="entr" presetSubtype="0" fill="hold" nodeType="withEffect">
+                                <p:cTn id="27" presetID="10" presetClass="entr" presetSubtype="0" fill="hold" grpId="0" nodeType="clickEffect">
                                   <p:stCondLst>
                                     <p:cond delay="0"/>
                                   </p:stCondLst>
                                   <p:childTnLst>
                                     <p:set>
                                       <p:cBhvr>
-                                        <p:cTn id="24" dur="1" fill="hold">
+                                        <p:cTn id="28" dur="1" fill="hold">
                                           <p:stCondLst>
                                             <p:cond delay="0"/>
                                           </p:stCondLst>
                                         </p:cTn>
                                         <p:tgtEl>
-                                          <p:spTgt spid="14"/>
+                                          <p:spTgt spid="27"/>
                                         </p:tgtEl>
                                         <p:attrNameLst>
                                           <p:attrName>style.visibility</p:attrName>
@@ -15441,9 +16144,9 @@
                                     </p:set>
                                     <p:animEffect transition="in" filter="fade">
                                       <p:cBhvr>
-                                        <p:cTn id="25" dur="500"/>
+                                        <p:cTn id="29" dur="500"/>
                                         <p:tgtEl>
-                                          <p:spTgt spid="14"/>
+                                          <p:spTgt spid="27"/>
                                         </p:tgtEl>
                                       </p:cBhvr>
                                     </p:animEffect>
@@ -15451,14 +16154,154 @@
                                 </p:cTn>
                               </p:par>
                               <p:par>
-                                <p:cTn id="26" presetID="10" presetClass="entr" presetSubtype="0" fill="hold" nodeType="withEffect">
+                                <p:cTn id="30" presetID="10" presetClass="entr" presetSubtype="0" fill="hold" grpId="0" nodeType="withEffect">
                                   <p:stCondLst>
                                     <p:cond delay="0"/>
                                   </p:stCondLst>
                                   <p:childTnLst>
                                     <p:set>
                                       <p:cBhvr>
-                                        <p:cTn id="27" dur="1" fill="hold">
+                                        <p:cTn id="31" dur="1" fill="hold">
+                                          <p:stCondLst>
+                                            <p:cond delay="0"/>
+                                          </p:stCondLst>
+                                        </p:cTn>
+                                        <p:tgtEl>
+                                          <p:spTgt spid="21"/>
+                                        </p:tgtEl>
+                                        <p:attrNameLst>
+                                          <p:attrName>style.visibility</p:attrName>
+                                        </p:attrNameLst>
+                                      </p:cBhvr>
+                                      <p:to>
+                                        <p:strVal val="visible"/>
+                                      </p:to>
+                                    </p:set>
+                                    <p:animEffect transition="in" filter="fade">
+                                      <p:cBhvr>
+                                        <p:cTn id="32" dur="500"/>
+                                        <p:tgtEl>
+                                          <p:spTgt spid="21"/>
+                                        </p:tgtEl>
+                                      </p:cBhvr>
+                                    </p:animEffect>
+                                  </p:childTnLst>
+                                </p:cTn>
+                              </p:par>
+                              <p:par>
+                                <p:cTn id="33" presetID="10" presetClass="entr" presetSubtype="0" fill="hold" nodeType="withEffect">
+                                  <p:stCondLst>
+                                    <p:cond delay="0"/>
+                                  </p:stCondLst>
+                                  <p:childTnLst>
+                                    <p:set>
+                                      <p:cBhvr>
+                                        <p:cTn id="34" dur="1" fill="hold">
+                                          <p:stCondLst>
+                                            <p:cond delay="0"/>
+                                          </p:stCondLst>
+                                        </p:cTn>
+                                        <p:tgtEl>
+                                          <p:spTgt spid="22"/>
+                                        </p:tgtEl>
+                                        <p:attrNameLst>
+                                          <p:attrName>style.visibility</p:attrName>
+                                        </p:attrNameLst>
+                                      </p:cBhvr>
+                                      <p:to>
+                                        <p:strVal val="visible"/>
+                                      </p:to>
+                                    </p:set>
+                                    <p:animEffect transition="in" filter="fade">
+                                      <p:cBhvr>
+                                        <p:cTn id="35" dur="500"/>
+                                        <p:tgtEl>
+                                          <p:spTgt spid="22"/>
+                                        </p:tgtEl>
+                                      </p:cBhvr>
+                                    </p:animEffect>
+                                  </p:childTnLst>
+                                </p:cTn>
+                              </p:par>
+                              <p:par>
+                                <p:cTn id="36" presetID="10" presetClass="entr" presetSubtype="0" fill="hold" nodeType="withEffect">
+                                  <p:stCondLst>
+                                    <p:cond delay="0"/>
+                                  </p:stCondLst>
+                                  <p:childTnLst>
+                                    <p:set>
+                                      <p:cBhvr>
+                                        <p:cTn id="37" dur="1" fill="hold">
+                                          <p:stCondLst>
+                                            <p:cond delay="0"/>
+                                          </p:stCondLst>
+                                        </p:cTn>
+                                        <p:tgtEl>
+                                          <p:spTgt spid="23"/>
+                                        </p:tgtEl>
+                                        <p:attrNameLst>
+                                          <p:attrName>style.visibility</p:attrName>
+                                        </p:attrNameLst>
+                                      </p:cBhvr>
+                                      <p:to>
+                                        <p:strVal val="visible"/>
+                                      </p:to>
+                                    </p:set>
+                                    <p:animEffect transition="in" filter="fade">
+                                      <p:cBhvr>
+                                        <p:cTn id="38" dur="500"/>
+                                        <p:tgtEl>
+                                          <p:spTgt spid="23"/>
+                                        </p:tgtEl>
+                                      </p:cBhvr>
+                                    </p:animEffect>
+                                  </p:childTnLst>
+                                </p:cTn>
+                              </p:par>
+                              <p:par>
+                                <p:cTn id="39" presetID="10" presetClass="entr" presetSubtype="0" fill="hold" grpId="0" nodeType="withEffect">
+                                  <p:stCondLst>
+                                    <p:cond delay="0"/>
+                                  </p:stCondLst>
+                                  <p:childTnLst>
+                                    <p:set>
+                                      <p:cBhvr>
+                                        <p:cTn id="40" dur="1" fill="hold">
+                                          <p:stCondLst>
+                                            <p:cond delay="0"/>
+                                          </p:stCondLst>
+                                        </p:cTn>
+                                        <p:tgtEl>
+                                          <p:spTgt spid="30"/>
+                                        </p:tgtEl>
+                                        <p:attrNameLst>
+                                          <p:attrName>style.visibility</p:attrName>
+                                        </p:attrNameLst>
+                                      </p:cBhvr>
+                                      <p:to>
+                                        <p:strVal val="visible"/>
+                                      </p:to>
+                                    </p:set>
+                                    <p:animEffect transition="in" filter="fade">
+                                      <p:cBhvr>
+                                        <p:cTn id="41" dur="500"/>
+                                        <p:tgtEl>
+                                          <p:spTgt spid="30"/>
+                                        </p:tgtEl>
+                                      </p:cBhvr>
+                                    </p:animEffect>
+                                  </p:childTnLst>
+                                </p:cTn>
+                              </p:par>
+                              <p:par>
+                                <p:cTn id="42" presetID="10" presetClass="entr" presetSubtype="0" fill="hold" nodeType="withEffect">
+                                  <p:stCondLst>
+                                    <p:cond delay="0"/>
+                                  </p:stCondLst>
+                                  <p:childTnLst>
+                                    <p:set>
+                                      <p:cBhvr>
+                                        <p:cTn id="43" dur="1" fill="hold">
                                           <p:stCondLst>
                                             <p:cond delay="0"/>
                                           </p:stCondLst>
@@ -15476,7 +16319,7 @@
                                     </p:set>
                                     <p:animEffect transition="in" filter="fade">
                                       <p:cBhvr>
-                                        <p:cTn id="28" dur="500"/>
+                                        <p:cTn id="44" dur="500"/>
                                         <p:tgtEl>
                                           <p:spTgt spid="15"/>
                                         </p:tgtEl>
@@ -15486,20 +16329,20 @@
                                 </p:cTn>
                               </p:par>
                               <p:par>
-                                <p:cTn id="29" presetID="10" presetClass="entr" presetSubtype="0" fill="hold" nodeType="withEffect">
+                                <p:cTn id="45" presetID="10" presetClass="entr" presetSubtype="0" fill="hold" grpId="0" nodeType="withEffect">
                                   <p:stCondLst>
                                     <p:cond delay="0"/>
                                   </p:stCondLst>
                                   <p:childTnLst>
                                     <p:set>
                                       <p:cBhvr>
-                                        <p:cTn id="30" dur="1" fill="hold">
+                                        <p:cTn id="46" dur="1" fill="hold">
                                           <p:stCondLst>
                                             <p:cond delay="0"/>
                                           </p:stCondLst>
                                         </p:cTn>
                                         <p:tgtEl>
-                                          <p:spTgt spid="16"/>
+                                          <p:spTgt spid="33"/>
                                         </p:tgtEl>
                                         <p:attrNameLst>
                                           <p:attrName>style.visibility</p:attrName>
@@ -15511,79 +16354,9 @@
                                     </p:set>
                                     <p:animEffect transition="in" filter="fade">
                                       <p:cBhvr>
-                                        <p:cTn id="31" dur="500"/>
+                                        <p:cTn id="47" dur="500"/>
                                         <p:tgtEl>
-                                          <p:spTgt spid="16"/>
-                                        </p:tgtEl>
-                                      </p:cBhvr>
-                                    </p:animEffect>
-                                  </p:childTnLst>
-                                </p:cTn>
-                              </p:par>
-                              <p:par>
-                                <p:cTn id="32" presetID="10" presetClass="entr" presetSubtype="0" fill="hold" grpId="0" nodeType="withEffect">
-                                  <p:stCondLst>
-                                    <p:cond delay="0"/>
-                                  </p:stCondLst>
-                                  <p:childTnLst>
-                                    <p:set>
-                                      <p:cBhvr>
-                                        <p:cTn id="33" dur="1" fill="hold">
-                                          <p:stCondLst>
-                                            <p:cond delay="0"/>
-                                          </p:stCondLst>
-                                        </p:cTn>
-                                        <p:tgtEl>
-                                          <p:spTgt spid="19"/>
-                                        </p:tgtEl>
-                                        <p:attrNameLst>
-                                          <p:attrName>style.visibility</p:attrName>
-                                        </p:attrNameLst>
-                                      </p:cBhvr>
-                                      <p:to>
-                                        <p:strVal val="visible"/>
-                                      </p:to>
-                                    </p:set>
-                                    <p:animEffect transition="in" filter="fade">
-                                      <p:cBhvr>
-                                        <p:cTn id="34" dur="500"/>
-                                        <p:tgtEl>
-                                          <p:spTgt spid="19"/>
-                                        </p:tgtEl>
-                                      </p:cBhvr>
-                                    </p:animEffect>
-                                  </p:childTnLst>
-                                </p:cTn>
-                              </p:par>
-                              <p:par>
-                                <p:cTn id="35" presetID="10" presetClass="entr" presetSubtype="0" fill="hold" grpId="0" nodeType="withEffect">
-                                  <p:stCondLst>
-                                    <p:cond delay="0"/>
-                                  </p:stCondLst>
-                                  <p:childTnLst>
-                                    <p:set>
-                                      <p:cBhvr>
-                                        <p:cTn id="36" dur="1" fill="hold">
-                                          <p:stCondLst>
-                                            <p:cond delay="0"/>
-                                          </p:stCondLst>
-                                        </p:cTn>
-                                        <p:tgtEl>
-                                          <p:spTgt spid="20"/>
-                                        </p:tgtEl>
-                                        <p:attrNameLst>
-                                          <p:attrName>style.visibility</p:attrName>
-                                        </p:attrNameLst>
-                                      </p:cBhvr>
-                                      <p:to>
-                                        <p:strVal val="visible"/>
-                                      </p:to>
-                                    </p:set>
-                                    <p:animEffect transition="in" filter="fade">
-                                      <p:cBhvr>
-                                        <p:cTn id="37" dur="500"/>
-                                        <p:tgtEl>
-                                          <p:spTgt spid="20"/>
+                                          <p:spTgt spid="33"/>
                                         </p:tgtEl>
                                       </p:cBhvr>
                                     </p:animEffect>
@@ -15597,32 +16370,32 @@
                     </p:cTn>
                   </p:par>
                   <p:par>
-                    <p:cTn id="38" fill="hold">
+                    <p:cTn id="48" fill="hold">
                       <p:stCondLst>
                         <p:cond delay="indefinite"/>
                       </p:stCondLst>
                       <p:childTnLst>
                         <p:par>
-                          <p:cTn id="39" fill="hold">
+                          <p:cTn id="49" fill="hold">
                             <p:stCondLst>
                               <p:cond delay="0"/>
                             </p:stCondLst>
                             <p:childTnLst>
                               <p:par>
-                                <p:cTn id="40" presetID="10" presetClass="entr" presetSubtype="0" fill="hold" grpId="0" nodeType="clickEffect">
+                                <p:cTn id="50" presetID="10" presetClass="entr" presetSubtype="0" fill="hold" nodeType="clickEffect">
                                   <p:stCondLst>
                                     <p:cond delay="0"/>
                                   </p:stCondLst>
                                   <p:childTnLst>
                                     <p:set>
                                       <p:cBhvr>
-                                        <p:cTn id="41" dur="1" fill="hold">
+                                        <p:cTn id="51" dur="1" fill="hold">
                                           <p:stCondLst>
                                             <p:cond delay="0"/>
                                           </p:stCondLst>
                                         </p:cTn>
                                         <p:tgtEl>
-                                          <p:spTgt spid="27"/>
+                                          <p:spTgt spid="24"/>
                                         </p:tgtEl>
                                         <p:attrNameLst>
                                           <p:attrName>style.visibility</p:attrName>
@@ -15634,9 +16407,9 @@
                                     </p:set>
                                     <p:animEffect transition="in" filter="fade">
                                       <p:cBhvr>
-                                        <p:cTn id="42" dur="500"/>
+                                        <p:cTn id="52" dur="500"/>
                                         <p:tgtEl>
-                                          <p:spTgt spid="27"/>
+                                          <p:spTgt spid="24"/>
                                         </p:tgtEl>
                                       </p:cBhvr>
                                     </p:animEffect>
@@ -15644,14 +16417,14 @@
                                 </p:cTn>
                               </p:par>
                               <p:par>
-                                <p:cTn id="43" presetID="10" presetClass="entr" presetSubtype="0" fill="hold" grpId="0" nodeType="withEffect">
+                                <p:cTn id="53" presetID="10" presetClass="entr" presetSubtype="0" fill="hold" grpId="0" nodeType="withEffect">
                                   <p:stCondLst>
                                     <p:cond delay="0"/>
                                   </p:stCondLst>
                                   <p:childTnLst>
                                     <p:set>
                                       <p:cBhvr>
-                                        <p:cTn id="44" dur="1" fill="hold">
+                                        <p:cTn id="54" dur="1" fill="hold">
                                           <p:stCondLst>
                                             <p:cond delay="0"/>
                                           </p:stCondLst>
@@ -15669,7 +16442,7 @@
                                     </p:set>
                                     <p:animEffect transition="in" filter="fade">
                                       <p:cBhvr>
-                                        <p:cTn id="45" dur="500"/>
+                                        <p:cTn id="55" dur="500"/>
                                         <p:tgtEl>
                                           <p:spTgt spid="25"/>
                                         </p:tgtEl>
@@ -15679,20 +16452,20 @@
                                 </p:cTn>
                               </p:par>
                               <p:par>
-                                <p:cTn id="46" presetID="10" presetClass="entr" presetSubtype="0" fill="hold" nodeType="withEffect">
+                                <p:cTn id="56" presetID="10" presetClass="entr" presetSubtype="0" fill="hold" grpId="0" nodeType="withEffect">
                                   <p:stCondLst>
                                     <p:cond delay="0"/>
                                   </p:stCondLst>
                                   <p:childTnLst>
                                     <p:set>
                                       <p:cBhvr>
-                                        <p:cTn id="47" dur="1" fill="hold">
+                                        <p:cTn id="57" dur="1" fill="hold">
                                           <p:stCondLst>
                                             <p:cond delay="0"/>
                                           </p:stCondLst>
                                         </p:cTn>
                                         <p:tgtEl>
-                                          <p:spTgt spid="24"/>
+                                          <p:spTgt spid="32"/>
                                         </p:tgtEl>
                                         <p:attrNameLst>
                                           <p:attrName>style.visibility</p:attrName>
@@ -15704,9 +16477,9 @@
                                     </p:set>
                                     <p:animEffect transition="in" filter="fade">
                                       <p:cBhvr>
-                                        <p:cTn id="48" dur="500"/>
+                                        <p:cTn id="58" dur="500"/>
                                         <p:tgtEl>
-                                          <p:spTgt spid="24"/>
+                                          <p:spTgt spid="32"/>
                                         </p:tgtEl>
                                       </p:cBhvr>
                                     </p:animEffect>
@@ -15741,12 +16514,15 @@
       </p:par>
     </p:tnLst>
     <p:bldLst>
-      <p:bldP spid="12" grpId="0" animBg="1"/>
-      <p:bldP spid="19" grpId="0"/>
-      <p:bldP spid="20" grpId="0"/>
       <p:bldP spid="25" grpId="0" animBg="1"/>
+      <p:bldP spid="18" grpId="0" animBg="1"/>
+      <p:bldP spid="21" grpId="0" animBg="1"/>
+      <p:bldP spid="30" grpId="0" animBg="1"/>
       <p:bldP spid="26" grpId="0" animBg="1"/>
+      <p:bldP spid="31" grpId="0" animBg="1"/>
       <p:bldP spid="27" grpId="0" animBg="1"/>
+      <p:bldP spid="32" grpId="0" animBg="1"/>
+      <p:bldP spid="33" grpId="0" animBg="1"/>
     </p:bldLst>
   </p:timing>
 </p:sld>

--- a/Protecting App Secrets.pptx
+++ b/Protecting App Secrets.pptx
@@ -6,7 +6,7 @@
     <p:sldMasterId id="2147483660" r:id="rId2"/>
   </p:sldMasterIdLst>
   <p:notesMasterIdLst>
-    <p:notesMasterId r:id="rId15"/>
+    <p:notesMasterId r:id="rId18"/>
   </p:notesMasterIdLst>
   <p:sldIdLst>
     <p:sldId id="256" r:id="rId3"/>
@@ -19,8 +19,11 @@
     <p:sldId id="332" r:id="rId10"/>
     <p:sldId id="333" r:id="rId11"/>
     <p:sldId id="325" r:id="rId12"/>
-    <p:sldId id="331" r:id="rId13"/>
-    <p:sldId id="326" r:id="rId14"/>
+    <p:sldId id="335" r:id="rId13"/>
+    <p:sldId id="336" r:id="rId14"/>
+    <p:sldId id="331" r:id="rId15"/>
+    <p:sldId id="334" r:id="rId16"/>
+    <p:sldId id="326" r:id="rId17"/>
   </p:sldIdLst>
   <p:sldSz cx="12192000" cy="6858000"/>
   <p:notesSz cx="6858000" cy="9144000"/>
@@ -617,6 +620,12 @@
           <a:p>
             <a:r>
               <a:rPr lang="en-US" dirty="0"/>
+              <a:t>- VS 15.7 introduces Connected Services node Key Vault creation</a:t>
+            </a:r>
+          </a:p>
+          <a:p>
+            <a:r>
+              <a:rPr lang="en-US" dirty="0"/>
               <a:t>- Key Vault takes precedence over Secret Manager at runtime, since it’s more secure</a:t>
             </a:r>
           </a:p>
@@ -762,7 +771,7 @@
           <a:bodyPr/>
           <a:lstStyle/>
           <a:p>
-            <a:endParaRPr lang="en-US" dirty="0"/>
+            <a:endParaRPr lang="en-US"/>
           </a:p>
         </p:txBody>
       </p:sp>
@@ -852,7 +861,7 @@
     </p:spTree>
     <p:extLst>
       <p:ext uri="{BB962C8B-B14F-4D97-AF65-F5344CB8AC3E}">
-        <p14:creationId xmlns:p14="http://schemas.microsoft.com/office/powerpoint/2010/main" val="2232734480"/>
+        <p14:creationId xmlns:p14="http://schemas.microsoft.com/office/powerpoint/2010/main" val="2284713912"/>
       </p:ext>
     </p:extLst>
   </p:cSld>
@@ -996,6 +1005,438 @@
     </p:spTree>
     <p:extLst>
       <p:ext uri="{BB962C8B-B14F-4D97-AF65-F5344CB8AC3E}">
+        <p14:creationId xmlns:p14="http://schemas.microsoft.com/office/powerpoint/2010/main" val="662898044"/>
+      </p:ext>
+    </p:extLst>
+  </p:cSld>
+  <p:clrMapOvr>
+    <a:masterClrMapping/>
+  </p:clrMapOvr>
+</p:notes>
+</file>
+
+<file path=ppt/notesSlides/notesSlide13.xml><?xml version="1.0" encoding="utf-8"?>
+<p:notes xmlns:a="http://schemas.openxmlformats.org/drawingml/2006/main" xmlns:r="http://schemas.openxmlformats.org/officeDocument/2006/relationships" xmlns:p="http://schemas.openxmlformats.org/presentationml/2006/main">
+  <p:cSld>
+    <p:spTree>
+      <p:nvGrpSpPr>
+        <p:cNvPr id="1" name=""/>
+        <p:cNvGrpSpPr/>
+        <p:nvPr/>
+      </p:nvGrpSpPr>
+      <p:grpSpPr>
+        <a:xfrm>
+          <a:off x="0" y="0"/>
+          <a:ext cx="0" cy="0"/>
+          <a:chOff x="0" y="0"/>
+          <a:chExt cx="0" cy="0"/>
+        </a:xfrm>
+      </p:grpSpPr>
+      <p:sp>
+        <p:nvSpPr>
+          <p:cNvPr id="2" name="Slide Image Placeholder 1"/>
+          <p:cNvSpPr>
+            <a:spLocks noGrp="1" noRot="1" noChangeAspect="1"/>
+          </p:cNvSpPr>
+          <p:nvPr>
+            <p:ph type="sldImg"/>
+          </p:nvPr>
+        </p:nvSpPr>
+        <p:spPr/>
+      </p:sp>
+      <p:sp>
+        <p:nvSpPr>
+          <p:cNvPr id="3" name="Notes Placeholder 2"/>
+          <p:cNvSpPr>
+            <a:spLocks noGrp="1"/>
+          </p:cNvSpPr>
+          <p:nvPr>
+            <p:ph type="body" idx="1"/>
+          </p:nvPr>
+        </p:nvSpPr>
+        <p:spPr/>
+        <p:txBody>
+          <a:bodyPr/>
+          <a:lstStyle/>
+          <a:p>
+            <a:endParaRPr lang="en-US" dirty="0"/>
+          </a:p>
+        </p:txBody>
+      </p:sp>
+      <p:sp>
+        <p:nvSpPr>
+          <p:cNvPr id="4" name="Slide Number Placeholder 3"/>
+          <p:cNvSpPr>
+            <a:spLocks noGrp="1"/>
+          </p:cNvSpPr>
+          <p:nvPr>
+            <p:ph type="sldNum" sz="quarter" idx="10"/>
+          </p:nvPr>
+        </p:nvSpPr>
+        <p:spPr/>
+        <p:txBody>
+          <a:bodyPr/>
+          <a:lstStyle/>
+          <a:p>
+            <a:pPr marL="0" marR="0" lvl="0" indent="0" algn="r" defTabSz="457200" rtl="0" eaLnBrk="1" fontAlgn="auto" latinLnBrk="0" hangingPunct="1">
+              <a:lnSpc>
+                <a:spcPct val="100000"/>
+              </a:lnSpc>
+              <a:spcBef>
+                <a:spcPts val="0"/>
+              </a:spcBef>
+              <a:spcAft>
+                <a:spcPts val="0"/>
+              </a:spcAft>
+              <a:buClrTx/>
+              <a:buSzTx/>
+              <a:buFontTx/>
+              <a:buNone/>
+              <a:tabLst/>
+              <a:defRPr/>
+            </a:pPr>
+            <a:fld id="{16A87904-88DE-4022-A424-ACD2E6FC1751}" type="slidenum">
+              <a:rPr kumimoji="0" lang="en-US" sz="1200" b="0" i="0" u="none" strike="noStrike" kern="1200" cap="none" spc="0" normalizeH="0" baseline="0" noProof="0" smtClean="0">
+                <a:ln>
+                  <a:noFill/>
+                </a:ln>
+                <a:solidFill>
+                  <a:prstClr val="black"/>
+                </a:solidFill>
+                <a:effectLst/>
+                <a:uLnTx/>
+                <a:uFillTx/>
+                <a:latin typeface="Calibri" panose="020F0502020204030204"/>
+                <a:ea typeface="+mn-ea"/>
+                <a:cs typeface="+mn-cs"/>
+              </a:rPr>
+              <a:pPr marL="0" marR="0" lvl="0" indent="0" algn="r" defTabSz="457200" rtl="0" eaLnBrk="1" fontAlgn="auto" latinLnBrk="0" hangingPunct="1">
+                <a:lnSpc>
+                  <a:spcPct val="100000"/>
+                </a:lnSpc>
+                <a:spcBef>
+                  <a:spcPts val="0"/>
+                </a:spcBef>
+                <a:spcAft>
+                  <a:spcPts val="0"/>
+                </a:spcAft>
+                <a:buClrTx/>
+                <a:buSzTx/>
+                <a:buFontTx/>
+                <a:buNone/>
+                <a:tabLst/>
+                <a:defRPr/>
+              </a:pPr>
+              <a:t>13</a:t>
+            </a:fld>
+            <a:endParaRPr kumimoji="0" lang="en-US" sz="1200" b="0" i="0" u="none" strike="noStrike" kern="1200" cap="none" spc="0" normalizeH="0" baseline="0" noProof="0">
+              <a:ln>
+                <a:noFill/>
+              </a:ln>
+              <a:solidFill>
+                <a:prstClr val="black"/>
+              </a:solidFill>
+              <a:effectLst/>
+              <a:uLnTx/>
+              <a:uFillTx/>
+              <a:latin typeface="Calibri" panose="020F0502020204030204"/>
+              <a:ea typeface="+mn-ea"/>
+              <a:cs typeface="+mn-cs"/>
+            </a:endParaRPr>
+          </a:p>
+        </p:txBody>
+      </p:sp>
+    </p:spTree>
+    <p:extLst>
+      <p:ext uri="{BB962C8B-B14F-4D97-AF65-F5344CB8AC3E}">
+        <p14:creationId xmlns:p14="http://schemas.microsoft.com/office/powerpoint/2010/main" val="2232734480"/>
+      </p:ext>
+    </p:extLst>
+  </p:cSld>
+  <p:clrMapOvr>
+    <a:masterClrMapping/>
+  </p:clrMapOvr>
+</p:notes>
+</file>
+
+<file path=ppt/notesSlides/notesSlide14.xml><?xml version="1.0" encoding="utf-8"?>
+<p:notes xmlns:a="http://schemas.openxmlformats.org/drawingml/2006/main" xmlns:r="http://schemas.openxmlformats.org/officeDocument/2006/relationships" xmlns:p="http://schemas.openxmlformats.org/presentationml/2006/main">
+  <p:cSld>
+    <p:spTree>
+      <p:nvGrpSpPr>
+        <p:cNvPr id="1" name=""/>
+        <p:cNvGrpSpPr/>
+        <p:nvPr/>
+      </p:nvGrpSpPr>
+      <p:grpSpPr>
+        <a:xfrm>
+          <a:off x="0" y="0"/>
+          <a:ext cx="0" cy="0"/>
+          <a:chOff x="0" y="0"/>
+          <a:chExt cx="0" cy="0"/>
+        </a:xfrm>
+      </p:grpSpPr>
+      <p:sp>
+        <p:nvSpPr>
+          <p:cNvPr id="2" name="Slide Image Placeholder 1"/>
+          <p:cNvSpPr>
+            <a:spLocks noGrp="1" noRot="1" noChangeAspect="1"/>
+          </p:cNvSpPr>
+          <p:nvPr>
+            <p:ph type="sldImg"/>
+          </p:nvPr>
+        </p:nvSpPr>
+        <p:spPr/>
+      </p:sp>
+      <p:sp>
+        <p:nvSpPr>
+          <p:cNvPr id="3" name="Notes Placeholder 2"/>
+          <p:cNvSpPr>
+            <a:spLocks noGrp="1"/>
+          </p:cNvSpPr>
+          <p:nvPr>
+            <p:ph type="body" idx="1"/>
+          </p:nvPr>
+        </p:nvSpPr>
+        <p:spPr/>
+        <p:txBody>
+          <a:bodyPr/>
+          <a:lstStyle/>
+          <a:p>
+            <a:endParaRPr lang="en-US" dirty="0"/>
+          </a:p>
+        </p:txBody>
+      </p:sp>
+      <p:sp>
+        <p:nvSpPr>
+          <p:cNvPr id="4" name="Slide Number Placeholder 3"/>
+          <p:cNvSpPr>
+            <a:spLocks noGrp="1"/>
+          </p:cNvSpPr>
+          <p:nvPr>
+            <p:ph type="sldNum" sz="quarter" idx="10"/>
+          </p:nvPr>
+        </p:nvSpPr>
+        <p:spPr/>
+        <p:txBody>
+          <a:bodyPr/>
+          <a:lstStyle/>
+          <a:p>
+            <a:pPr marL="0" marR="0" lvl="0" indent="0" algn="r" defTabSz="457200" rtl="0" eaLnBrk="1" fontAlgn="auto" latinLnBrk="0" hangingPunct="1">
+              <a:lnSpc>
+                <a:spcPct val="100000"/>
+              </a:lnSpc>
+              <a:spcBef>
+                <a:spcPts val="0"/>
+              </a:spcBef>
+              <a:spcAft>
+                <a:spcPts val="0"/>
+              </a:spcAft>
+              <a:buClrTx/>
+              <a:buSzTx/>
+              <a:buFontTx/>
+              <a:buNone/>
+              <a:tabLst/>
+              <a:defRPr/>
+            </a:pPr>
+            <a:fld id="{16A87904-88DE-4022-A424-ACD2E6FC1751}" type="slidenum">
+              <a:rPr kumimoji="0" lang="en-US" sz="1200" b="0" i="0" u="none" strike="noStrike" kern="1200" cap="none" spc="0" normalizeH="0" baseline="0" noProof="0" smtClean="0">
+                <a:ln>
+                  <a:noFill/>
+                </a:ln>
+                <a:solidFill>
+                  <a:prstClr val="black"/>
+                </a:solidFill>
+                <a:effectLst/>
+                <a:uLnTx/>
+                <a:uFillTx/>
+                <a:latin typeface="Calibri" panose="020F0502020204030204"/>
+                <a:ea typeface="+mn-ea"/>
+                <a:cs typeface="+mn-cs"/>
+              </a:rPr>
+              <a:pPr marL="0" marR="0" lvl="0" indent="0" algn="r" defTabSz="457200" rtl="0" eaLnBrk="1" fontAlgn="auto" latinLnBrk="0" hangingPunct="1">
+                <a:lnSpc>
+                  <a:spcPct val="100000"/>
+                </a:lnSpc>
+                <a:spcBef>
+                  <a:spcPts val="0"/>
+                </a:spcBef>
+                <a:spcAft>
+                  <a:spcPts val="0"/>
+                </a:spcAft>
+                <a:buClrTx/>
+                <a:buSzTx/>
+                <a:buFontTx/>
+                <a:buNone/>
+                <a:tabLst/>
+                <a:defRPr/>
+              </a:pPr>
+              <a:t>14</a:t>
+            </a:fld>
+            <a:endParaRPr kumimoji="0" lang="en-US" sz="1200" b="0" i="0" u="none" strike="noStrike" kern="1200" cap="none" spc="0" normalizeH="0" baseline="0" noProof="0">
+              <a:ln>
+                <a:noFill/>
+              </a:ln>
+              <a:solidFill>
+                <a:prstClr val="black"/>
+              </a:solidFill>
+              <a:effectLst/>
+              <a:uLnTx/>
+              <a:uFillTx/>
+              <a:latin typeface="Calibri" panose="020F0502020204030204"/>
+              <a:ea typeface="+mn-ea"/>
+              <a:cs typeface="+mn-cs"/>
+            </a:endParaRPr>
+          </a:p>
+        </p:txBody>
+      </p:sp>
+    </p:spTree>
+    <p:extLst>
+      <p:ext uri="{BB962C8B-B14F-4D97-AF65-F5344CB8AC3E}">
+        <p14:creationId xmlns:p14="http://schemas.microsoft.com/office/powerpoint/2010/main" val="1203295569"/>
+      </p:ext>
+    </p:extLst>
+  </p:cSld>
+  <p:clrMapOvr>
+    <a:masterClrMapping/>
+  </p:clrMapOvr>
+</p:notes>
+</file>
+
+<file path=ppt/notesSlides/notesSlide15.xml><?xml version="1.0" encoding="utf-8"?>
+<p:notes xmlns:a="http://schemas.openxmlformats.org/drawingml/2006/main" xmlns:r="http://schemas.openxmlformats.org/officeDocument/2006/relationships" xmlns:p="http://schemas.openxmlformats.org/presentationml/2006/main">
+  <p:cSld>
+    <p:spTree>
+      <p:nvGrpSpPr>
+        <p:cNvPr id="1" name=""/>
+        <p:cNvGrpSpPr/>
+        <p:nvPr/>
+      </p:nvGrpSpPr>
+      <p:grpSpPr>
+        <a:xfrm>
+          <a:off x="0" y="0"/>
+          <a:ext cx="0" cy="0"/>
+          <a:chOff x="0" y="0"/>
+          <a:chExt cx="0" cy="0"/>
+        </a:xfrm>
+      </p:grpSpPr>
+      <p:sp>
+        <p:nvSpPr>
+          <p:cNvPr id="2" name="Slide Image Placeholder 1"/>
+          <p:cNvSpPr>
+            <a:spLocks noGrp="1" noRot="1" noChangeAspect="1"/>
+          </p:cNvSpPr>
+          <p:nvPr>
+            <p:ph type="sldImg"/>
+          </p:nvPr>
+        </p:nvSpPr>
+        <p:spPr/>
+      </p:sp>
+      <p:sp>
+        <p:nvSpPr>
+          <p:cNvPr id="3" name="Notes Placeholder 2"/>
+          <p:cNvSpPr>
+            <a:spLocks noGrp="1"/>
+          </p:cNvSpPr>
+          <p:nvPr>
+            <p:ph type="body" idx="1"/>
+          </p:nvPr>
+        </p:nvSpPr>
+        <p:spPr/>
+        <p:txBody>
+          <a:bodyPr/>
+          <a:lstStyle/>
+          <a:p>
+            <a:endParaRPr lang="en-US"/>
+          </a:p>
+        </p:txBody>
+      </p:sp>
+      <p:sp>
+        <p:nvSpPr>
+          <p:cNvPr id="4" name="Slide Number Placeholder 3"/>
+          <p:cNvSpPr>
+            <a:spLocks noGrp="1"/>
+          </p:cNvSpPr>
+          <p:nvPr>
+            <p:ph type="sldNum" sz="quarter" idx="10"/>
+          </p:nvPr>
+        </p:nvSpPr>
+        <p:spPr/>
+        <p:txBody>
+          <a:bodyPr/>
+          <a:lstStyle/>
+          <a:p>
+            <a:pPr marL="0" marR="0" lvl="0" indent="0" algn="r" defTabSz="457200" rtl="0" eaLnBrk="1" fontAlgn="auto" latinLnBrk="0" hangingPunct="1">
+              <a:lnSpc>
+                <a:spcPct val="100000"/>
+              </a:lnSpc>
+              <a:spcBef>
+                <a:spcPts val="0"/>
+              </a:spcBef>
+              <a:spcAft>
+                <a:spcPts val="0"/>
+              </a:spcAft>
+              <a:buClrTx/>
+              <a:buSzTx/>
+              <a:buFontTx/>
+              <a:buNone/>
+              <a:tabLst/>
+              <a:defRPr/>
+            </a:pPr>
+            <a:fld id="{16A87904-88DE-4022-A424-ACD2E6FC1751}" type="slidenum">
+              <a:rPr kumimoji="0" lang="en-US" sz="1200" b="0" i="0" u="none" strike="noStrike" kern="1200" cap="none" spc="0" normalizeH="0" baseline="0" noProof="0" smtClean="0">
+                <a:ln>
+                  <a:noFill/>
+                </a:ln>
+                <a:solidFill>
+                  <a:prstClr val="black"/>
+                </a:solidFill>
+                <a:effectLst/>
+                <a:uLnTx/>
+                <a:uFillTx/>
+                <a:latin typeface="Calibri" panose="020F0502020204030204"/>
+                <a:ea typeface="+mn-ea"/>
+                <a:cs typeface="+mn-cs"/>
+              </a:rPr>
+              <a:pPr marL="0" marR="0" lvl="0" indent="0" algn="r" defTabSz="457200" rtl="0" eaLnBrk="1" fontAlgn="auto" latinLnBrk="0" hangingPunct="1">
+                <a:lnSpc>
+                  <a:spcPct val="100000"/>
+                </a:lnSpc>
+                <a:spcBef>
+                  <a:spcPts val="0"/>
+                </a:spcBef>
+                <a:spcAft>
+                  <a:spcPts val="0"/>
+                </a:spcAft>
+                <a:buClrTx/>
+                <a:buSzTx/>
+                <a:buFontTx/>
+                <a:buNone/>
+                <a:tabLst/>
+                <a:defRPr/>
+              </a:pPr>
+              <a:t>15</a:t>
+            </a:fld>
+            <a:endParaRPr kumimoji="0" lang="en-US" sz="1200" b="0" i="0" u="none" strike="noStrike" kern="1200" cap="none" spc="0" normalizeH="0" baseline="0" noProof="0">
+              <a:ln>
+                <a:noFill/>
+              </a:ln>
+              <a:solidFill>
+                <a:prstClr val="black"/>
+              </a:solidFill>
+              <a:effectLst/>
+              <a:uLnTx/>
+              <a:uFillTx/>
+              <a:latin typeface="Calibri" panose="020F0502020204030204"/>
+              <a:ea typeface="+mn-ea"/>
+              <a:cs typeface="+mn-cs"/>
+            </a:endParaRPr>
+          </a:p>
+        </p:txBody>
+      </p:sp>
+    </p:spTree>
+    <p:extLst>
+      <p:ext uri="{BB962C8B-B14F-4D97-AF65-F5344CB8AC3E}">
         <p14:creationId xmlns:p14="http://schemas.microsoft.com/office/powerpoint/2010/main" val="2271797707"/>
       </p:ext>
     </p:extLst>
@@ -1779,9 +2220,13 @@
             </a:r>
           </a:p>
           <a:p>
+            <a:pPr marL="171450" indent="-171450">
+              <a:buFontTx/>
+              <a:buChar char="-"/>
+            </a:pPr>
             <a:r>
               <a:rPr lang="en-US" dirty="0"/>
-              <a:t>- .NET Core support ONLY in 15.7 (</a:t>
+              <a:t>.NET Core support ONLY in 15.7 (</a:t>
             </a:r>
             <a:r>
               <a:rPr lang="en-US" dirty="0" err="1"/>
@@ -1793,9 +2238,30 @@
             </a:r>
           </a:p>
           <a:p>
+            <a:pPr marL="171450" indent="-171450">
+              <a:buFontTx/>
+              <a:buChar char="-"/>
+            </a:pPr>
             <a:r>
               <a:rPr lang="en-US" dirty="0"/>
-              <a:t>- .NET Framework support in 15.8 (secrets.xml)</a:t>
+              <a:t>.NET Framework support in 15.8 (secrets.xml)</a:t>
+            </a:r>
+          </a:p>
+          <a:p>
+            <a:pPr marL="171450" indent="-171450">
+              <a:buFontTx/>
+              <a:buChar char="-"/>
+            </a:pPr>
+            <a:endParaRPr lang="en-US" dirty="0"/>
+          </a:p>
+          <a:p>
+            <a:pPr marL="0" indent="0">
+              <a:buFontTx/>
+              <a:buNone/>
+            </a:pPr>
+            <a:r>
+              <a:rPr lang="en-US" dirty="0"/>
+              <a:t>.NET Core SDK 2.1.300 bundles user-secrets command</a:t>
             </a:r>
           </a:p>
         </p:txBody>
@@ -8974,19 +9440,118 @@
           </a:xfrm>
         </p:spPr>
         <p:txBody>
-          <a:bodyPr/>
+          <a:bodyPr>
+            <a:normAutofit/>
+          </a:bodyPr>
           <a:lstStyle/>
           <a:p>
+            <a:pPr marL="0" indent="0">
+              <a:buNone/>
+            </a:pPr>
+            <a:r>
+              <a:rPr lang="en-US" b="1" dirty="0">
+                <a:solidFill>
+                  <a:schemeClr val="accent4"/>
+                </a:solidFill>
+              </a:rPr>
+              <a:t>Prerequisites</a:t>
+            </a:r>
+          </a:p>
+          <a:p>
             <a:r>
               <a:rPr lang="en-US" dirty="0"/>
-              <a:t>VS 15.7 introduces Connected Services node Key Vault creation</a:t>
-            </a:r>
-          </a:p>
-          <a:p>
-            <a:pPr lvl="1"/>
+              <a:t>Azure subscription</a:t>
+            </a:r>
+          </a:p>
+          <a:p>
+            <a:endParaRPr lang="en-US" dirty="0"/>
+          </a:p>
+          <a:p>
+            <a:pPr marL="0" indent="0">
+              <a:buNone/>
+            </a:pPr>
+            <a:r>
+              <a:rPr lang="en-US" b="1" dirty="0">
+                <a:solidFill>
+                  <a:schemeClr val="accent4"/>
+                </a:solidFill>
+              </a:rPr>
+              <a:t>Usage</a:t>
+            </a:r>
+          </a:p>
+          <a:p>
+            <a:pPr marL="0" indent="0">
+              <a:buNone/>
+            </a:pPr>
+            <a:r>
+              <a:rPr lang="en-US" b="1" dirty="0">
+                <a:latin typeface="Courier New" panose="02070309020205020404" pitchFamily="49" charset="0"/>
+                <a:cs typeface="Courier New" panose="02070309020205020404" pitchFamily="49" charset="0"/>
+              </a:rPr>
+              <a:t>&gt;</a:t>
+            </a:r>
+            <a:r>
+              <a:rPr lang="en-US" dirty="0">
+                <a:latin typeface="Courier New" panose="02070309020205020404" pitchFamily="49" charset="0"/>
+                <a:cs typeface="Courier New" panose="02070309020205020404" pitchFamily="49" charset="0"/>
+              </a:rPr>
+              <a:t> </a:t>
+            </a:r>
+            <a:r>
+              <a:rPr lang="en-US" dirty="0" err="1">
+                <a:latin typeface="Courier New" panose="02070309020205020404" pitchFamily="49" charset="0"/>
+                <a:cs typeface="Courier New" panose="02070309020205020404" pitchFamily="49" charset="0"/>
+              </a:rPr>
+              <a:t>az</a:t>
+            </a:r>
+            <a:r>
+              <a:rPr lang="en-US" dirty="0">
+                <a:latin typeface="Courier New" panose="02070309020205020404" pitchFamily="49" charset="0"/>
+                <a:cs typeface="Courier New" panose="02070309020205020404" pitchFamily="49" charset="0"/>
+              </a:rPr>
+              <a:t> </a:t>
+            </a:r>
+            <a:r>
+              <a:rPr lang="en-US" dirty="0" err="1">
+                <a:latin typeface="Courier New" panose="02070309020205020404" pitchFamily="49" charset="0"/>
+                <a:cs typeface="Courier New" panose="02070309020205020404" pitchFamily="49" charset="0"/>
+              </a:rPr>
+              <a:t>keyvault</a:t>
+            </a:r>
+            <a:endParaRPr lang="en-US" dirty="0"/>
+          </a:p>
+          <a:p>
+            <a:pPr marL="0" indent="0">
+              <a:buNone/>
+            </a:pPr>
             <a:r>
               <a:rPr lang="en-US" dirty="0"/>
-              <a:t>Solution Explorer &gt; double-click Connected Services &gt; Secure Secrets with Azure Key Vault</a:t>
+              <a:t>	- or –</a:t>
+            </a:r>
+          </a:p>
+          <a:p>
+            <a:pPr marL="0" indent="0">
+              <a:buNone/>
+            </a:pPr>
+            <a:r>
+              <a:rPr lang="en-US" dirty="0"/>
+              <a:t>Solution Explorer </a:t>
+            </a:r>
+            <a:r>
+              <a:rPr lang="en-US" b="1" dirty="0"/>
+              <a:t>&gt;</a:t>
+            </a:r>
+            <a:r>
+              <a:rPr lang="en-US" dirty="0"/>
+              <a:t> double-click Connected Services </a:t>
+            </a:r>
+            <a:r>
+              <a:rPr lang="en-US" b="1" dirty="0"/>
+              <a:t>&gt;</a:t>
+            </a:r>
+            <a:r>
+              <a:rPr lang="en-US" dirty="0"/>
+              <a:t> Secure Secrets with Azure Key Vault</a:t>
             </a:r>
           </a:p>
         </p:txBody>
@@ -9131,6 +9696,250 @@
                       </p:childTnLst>
                     </p:cTn>
                   </p:par>
+                  <p:par>
+                    <p:cTn id="13" fill="hold">
+                      <p:stCondLst>
+                        <p:cond delay="indefinite"/>
+                      </p:stCondLst>
+                      <p:childTnLst>
+                        <p:par>
+                          <p:cTn id="14" fill="hold">
+                            <p:stCondLst>
+                              <p:cond delay="0"/>
+                            </p:stCondLst>
+                            <p:childTnLst>
+                              <p:par>
+                                <p:cTn id="15" presetID="10" presetClass="entr" presetSubtype="0" fill="hold" nodeType="clickEffect">
+                                  <p:stCondLst>
+                                    <p:cond delay="0"/>
+                                  </p:stCondLst>
+                                  <p:childTnLst>
+                                    <p:set>
+                                      <p:cBhvr>
+                                        <p:cTn id="16" dur="1" fill="hold">
+                                          <p:stCondLst>
+                                            <p:cond delay="0"/>
+                                          </p:stCondLst>
+                                        </p:cTn>
+                                        <p:tgtEl>
+                                          <p:spTgt spid="3">
+                                            <p:txEl>
+                                              <p:pRg st="3" end="3"/>
+                                            </p:txEl>
+                                          </p:spTgt>
+                                        </p:tgtEl>
+                                        <p:attrNameLst>
+                                          <p:attrName>style.visibility</p:attrName>
+                                        </p:attrNameLst>
+                                      </p:cBhvr>
+                                      <p:to>
+                                        <p:strVal val="visible"/>
+                                      </p:to>
+                                    </p:set>
+                                    <p:animEffect transition="in" filter="fade">
+                                      <p:cBhvr>
+                                        <p:cTn id="17" dur="500"/>
+                                        <p:tgtEl>
+                                          <p:spTgt spid="3">
+                                            <p:txEl>
+                                              <p:pRg st="3" end="3"/>
+                                            </p:txEl>
+                                          </p:spTgt>
+                                        </p:tgtEl>
+                                      </p:cBhvr>
+                                    </p:animEffect>
+                                  </p:childTnLst>
+                                </p:cTn>
+                              </p:par>
+                            </p:childTnLst>
+                          </p:cTn>
+                        </p:par>
+                      </p:childTnLst>
+                    </p:cTn>
+                  </p:par>
+                  <p:par>
+                    <p:cTn id="18" fill="hold">
+                      <p:stCondLst>
+                        <p:cond delay="indefinite"/>
+                      </p:stCondLst>
+                      <p:childTnLst>
+                        <p:par>
+                          <p:cTn id="19" fill="hold">
+                            <p:stCondLst>
+                              <p:cond delay="0"/>
+                            </p:stCondLst>
+                            <p:childTnLst>
+                              <p:par>
+                                <p:cTn id="20" presetID="10" presetClass="entr" presetSubtype="0" fill="hold" nodeType="clickEffect">
+                                  <p:stCondLst>
+                                    <p:cond delay="0"/>
+                                  </p:stCondLst>
+                                  <p:childTnLst>
+                                    <p:set>
+                                      <p:cBhvr>
+                                        <p:cTn id="21" dur="1" fill="hold">
+                                          <p:stCondLst>
+                                            <p:cond delay="0"/>
+                                          </p:stCondLst>
+                                        </p:cTn>
+                                        <p:tgtEl>
+                                          <p:spTgt spid="3">
+                                            <p:txEl>
+                                              <p:pRg st="4" end="4"/>
+                                            </p:txEl>
+                                          </p:spTgt>
+                                        </p:tgtEl>
+                                        <p:attrNameLst>
+                                          <p:attrName>style.visibility</p:attrName>
+                                        </p:attrNameLst>
+                                      </p:cBhvr>
+                                      <p:to>
+                                        <p:strVal val="visible"/>
+                                      </p:to>
+                                    </p:set>
+                                    <p:animEffect transition="in" filter="fade">
+                                      <p:cBhvr>
+                                        <p:cTn id="22" dur="500"/>
+                                        <p:tgtEl>
+                                          <p:spTgt spid="3">
+                                            <p:txEl>
+                                              <p:pRg st="4" end="4"/>
+                                            </p:txEl>
+                                          </p:spTgt>
+                                        </p:tgtEl>
+                                      </p:cBhvr>
+                                    </p:animEffect>
+                                  </p:childTnLst>
+                                </p:cTn>
+                              </p:par>
+                            </p:childTnLst>
+                          </p:cTn>
+                        </p:par>
+                      </p:childTnLst>
+                    </p:cTn>
+                  </p:par>
+                  <p:par>
+                    <p:cTn id="23" fill="hold">
+                      <p:stCondLst>
+                        <p:cond delay="indefinite"/>
+                      </p:stCondLst>
+                      <p:childTnLst>
+                        <p:par>
+                          <p:cTn id="24" fill="hold">
+                            <p:stCondLst>
+                              <p:cond delay="0"/>
+                            </p:stCondLst>
+                            <p:childTnLst>
+                              <p:par>
+                                <p:cTn id="25" presetID="10" presetClass="entr" presetSubtype="0" fill="hold" nodeType="clickEffect">
+                                  <p:stCondLst>
+                                    <p:cond delay="0"/>
+                                  </p:stCondLst>
+                                  <p:childTnLst>
+                                    <p:set>
+                                      <p:cBhvr>
+                                        <p:cTn id="26" dur="1" fill="hold">
+                                          <p:stCondLst>
+                                            <p:cond delay="0"/>
+                                          </p:stCondLst>
+                                        </p:cTn>
+                                        <p:tgtEl>
+                                          <p:spTgt spid="3">
+                                            <p:txEl>
+                                              <p:pRg st="5" end="5"/>
+                                            </p:txEl>
+                                          </p:spTgt>
+                                        </p:tgtEl>
+                                        <p:attrNameLst>
+                                          <p:attrName>style.visibility</p:attrName>
+                                        </p:attrNameLst>
+                                      </p:cBhvr>
+                                      <p:to>
+                                        <p:strVal val="visible"/>
+                                      </p:to>
+                                    </p:set>
+                                    <p:animEffect transition="in" filter="fade">
+                                      <p:cBhvr>
+                                        <p:cTn id="27" dur="500"/>
+                                        <p:tgtEl>
+                                          <p:spTgt spid="3">
+                                            <p:txEl>
+                                              <p:pRg st="5" end="5"/>
+                                            </p:txEl>
+                                          </p:spTgt>
+                                        </p:tgtEl>
+                                      </p:cBhvr>
+                                    </p:animEffect>
+                                  </p:childTnLst>
+                                </p:cTn>
+                              </p:par>
+                            </p:childTnLst>
+                          </p:cTn>
+                        </p:par>
+                      </p:childTnLst>
+                    </p:cTn>
+                  </p:par>
+                  <p:par>
+                    <p:cTn id="28" fill="hold">
+                      <p:stCondLst>
+                        <p:cond delay="indefinite"/>
+                      </p:stCondLst>
+                      <p:childTnLst>
+                        <p:par>
+                          <p:cTn id="29" fill="hold">
+                            <p:stCondLst>
+                              <p:cond delay="0"/>
+                            </p:stCondLst>
+                            <p:childTnLst>
+                              <p:par>
+                                <p:cTn id="30" presetID="10" presetClass="entr" presetSubtype="0" fill="hold" nodeType="clickEffect">
+                                  <p:stCondLst>
+                                    <p:cond delay="0"/>
+                                  </p:stCondLst>
+                                  <p:childTnLst>
+                                    <p:set>
+                                      <p:cBhvr>
+                                        <p:cTn id="31" dur="1" fill="hold">
+                                          <p:stCondLst>
+                                            <p:cond delay="0"/>
+                                          </p:stCondLst>
+                                        </p:cTn>
+                                        <p:tgtEl>
+                                          <p:spTgt spid="3">
+                                            <p:txEl>
+                                              <p:pRg st="6" end="6"/>
+                                            </p:txEl>
+                                          </p:spTgt>
+                                        </p:tgtEl>
+                                        <p:attrNameLst>
+                                          <p:attrName>style.visibility</p:attrName>
+                                        </p:attrNameLst>
+                                      </p:cBhvr>
+                                      <p:to>
+                                        <p:strVal val="visible"/>
+                                      </p:to>
+                                    </p:set>
+                                    <p:animEffect transition="in" filter="fade">
+                                      <p:cBhvr>
+                                        <p:cTn id="32" dur="500"/>
+                                        <p:tgtEl>
+                                          <p:spTgt spid="3">
+                                            <p:txEl>
+                                              <p:pRg st="6" end="6"/>
+                                            </p:txEl>
+                                          </p:spTgt>
+                                        </p:tgtEl>
+                                      </p:cBhvr>
+                                    </p:animEffect>
+                                  </p:childTnLst>
+                                </p:cTn>
+                              </p:par>
+                            </p:childTnLst>
+                          </p:cTn>
+                        </p:par>
+                      </p:childTnLst>
+                    </p:cTn>
+                  </p:par>
                 </p:childTnLst>
               </p:cTn>
               <p:prevCondLst>
@@ -9157,6 +9966,1448 @@
 </file>
 
 <file path=ppt/slides/slide11.xml><?xml version="1.0" encoding="utf-8"?>
+<p:sld xmlns:a="http://schemas.openxmlformats.org/drawingml/2006/main" xmlns:r="http://schemas.openxmlformats.org/officeDocument/2006/relationships" xmlns:p="http://schemas.openxmlformats.org/presentationml/2006/main">
+  <p:cSld>
+    <p:bg>
+      <p:bgPr>
+        <a:solidFill>
+          <a:srgbClr val="505050"/>
+        </a:solidFill>
+        <a:effectLst/>
+      </p:bgPr>
+    </p:bg>
+    <p:spTree>
+      <p:nvGrpSpPr>
+        <p:cNvPr id="1" name=""/>
+        <p:cNvGrpSpPr/>
+        <p:nvPr/>
+      </p:nvGrpSpPr>
+      <p:grpSpPr>
+        <a:xfrm>
+          <a:off x="0" y="0"/>
+          <a:ext cx="0" cy="0"/>
+          <a:chOff x="0" y="0"/>
+          <a:chExt cx="0" cy="0"/>
+        </a:xfrm>
+      </p:grpSpPr>
+      <p:sp>
+        <p:nvSpPr>
+          <p:cNvPr id="2" name="Title 1"/>
+          <p:cNvSpPr>
+            <a:spLocks noGrp="1"/>
+          </p:cNvSpPr>
+          <p:nvPr>
+            <p:ph type="title"/>
+          </p:nvPr>
+        </p:nvSpPr>
+        <p:spPr/>
+        <p:txBody>
+          <a:bodyPr/>
+          <a:lstStyle/>
+          <a:p>
+            <a:r>
+              <a:rPr lang="en-US" dirty="0"/>
+              <a:t>Key Vault: Azure CLI</a:t>
+            </a:r>
+          </a:p>
+        </p:txBody>
+      </p:sp>
+      <p:sp>
+        <p:nvSpPr>
+          <p:cNvPr id="3" name="Content Placeholder 2"/>
+          <p:cNvSpPr>
+            <a:spLocks noGrp="1"/>
+          </p:cNvSpPr>
+          <p:nvPr>
+            <p:ph idx="1"/>
+          </p:nvPr>
+        </p:nvSpPr>
+        <p:spPr/>
+        <p:txBody>
+          <a:bodyPr/>
+          <a:lstStyle/>
+          <a:p>
+            <a:pPr marL="0" indent="0">
+              <a:buNone/>
+            </a:pPr>
+            <a:r>
+              <a:rPr lang="en-US" sz="2400" b="1" dirty="0">
+                <a:latin typeface="Courier New" panose="02070309020205020404" pitchFamily="49" charset="0"/>
+                <a:cs typeface="Courier New" panose="02070309020205020404" pitchFamily="49" charset="0"/>
+              </a:rPr>
+              <a:t>&gt; </a:t>
+            </a:r>
+            <a:r>
+              <a:rPr lang="en-US" sz="2400" dirty="0" err="1">
+                <a:latin typeface="Courier New" panose="02070309020205020404" pitchFamily="49" charset="0"/>
+                <a:cs typeface="Courier New" panose="02070309020205020404" pitchFamily="49" charset="0"/>
+              </a:rPr>
+              <a:t>az</a:t>
+            </a:r>
+            <a:r>
+              <a:rPr lang="en-US" sz="2400" dirty="0">
+                <a:latin typeface="Courier New" panose="02070309020205020404" pitchFamily="49" charset="0"/>
+                <a:cs typeface="Courier New" panose="02070309020205020404" pitchFamily="49" charset="0"/>
+              </a:rPr>
+              <a:t> </a:t>
+            </a:r>
+            <a:r>
+              <a:rPr lang="en-US" sz="2400" dirty="0" err="1">
+                <a:latin typeface="Courier New" panose="02070309020205020404" pitchFamily="49" charset="0"/>
+                <a:cs typeface="Courier New" panose="02070309020205020404" pitchFamily="49" charset="0"/>
+              </a:rPr>
+              <a:t>keyvault</a:t>
+            </a:r>
+            <a:r>
+              <a:rPr lang="en-US" sz="2400" dirty="0">
+                <a:latin typeface="Courier New" panose="02070309020205020404" pitchFamily="49" charset="0"/>
+                <a:cs typeface="Courier New" panose="02070309020205020404" pitchFamily="49" charset="0"/>
+              </a:rPr>
+              <a:t> create --name `</a:t>
+            </a:r>
+            <a:r>
+              <a:rPr lang="en-US" sz="2400" dirty="0" err="1">
+                <a:latin typeface="Courier New" panose="02070309020205020404" pitchFamily="49" charset="0"/>
+                <a:cs typeface="Courier New" panose="02070309020205020404" pitchFamily="49" charset="0"/>
+              </a:rPr>
+              <a:t>MoviesVault</a:t>
+            </a:r>
+            <a:r>
+              <a:rPr lang="en-US" sz="2400" dirty="0">
+                <a:latin typeface="Courier New" panose="02070309020205020404" pitchFamily="49" charset="0"/>
+                <a:cs typeface="Courier New" panose="02070309020205020404" pitchFamily="49" charset="0"/>
+              </a:rPr>
+              <a:t>`</a:t>
+            </a:r>
+          </a:p>
+          <a:p>
+            <a:pPr marL="0" indent="0">
+              <a:buNone/>
+            </a:pPr>
+            <a:r>
+              <a:rPr lang="en-US" sz="2400" dirty="0">
+                <a:latin typeface="Courier New" panose="02070309020205020404" pitchFamily="49" charset="0"/>
+                <a:cs typeface="Courier New" panose="02070309020205020404" pitchFamily="49" charset="0"/>
+              </a:rPr>
+              <a:t>				 --resource-group `</a:t>
+            </a:r>
+            <a:r>
+              <a:rPr lang="en-US" sz="2400" dirty="0" err="1">
+                <a:latin typeface="Courier New" panose="02070309020205020404" pitchFamily="49" charset="0"/>
+                <a:cs typeface="Courier New" panose="02070309020205020404" pitchFamily="49" charset="0"/>
+              </a:rPr>
+              <a:t>MoviesRG</a:t>
+            </a:r>
+            <a:r>
+              <a:rPr lang="en-US" sz="2400" dirty="0">
+                <a:latin typeface="Courier New" panose="02070309020205020404" pitchFamily="49" charset="0"/>
+                <a:cs typeface="Courier New" panose="02070309020205020404" pitchFamily="49" charset="0"/>
+              </a:rPr>
+              <a:t>`</a:t>
+            </a:r>
+          </a:p>
+          <a:p>
+            <a:pPr marL="0" indent="0">
+              <a:buNone/>
+            </a:pPr>
+            <a:r>
+              <a:rPr lang="en-US" sz="2400" dirty="0">
+                <a:latin typeface="Courier New" panose="02070309020205020404" pitchFamily="49" charset="0"/>
+                <a:cs typeface="Courier New" panose="02070309020205020404" pitchFamily="49" charset="0"/>
+              </a:rPr>
+              <a:t>				 --location </a:t>
+            </a:r>
+            <a:r>
+              <a:rPr lang="en-US" sz="2400" dirty="0" err="1">
+                <a:latin typeface="Courier New" panose="02070309020205020404" pitchFamily="49" charset="0"/>
+                <a:cs typeface="Courier New" panose="02070309020205020404" pitchFamily="49" charset="0"/>
+              </a:rPr>
+              <a:t>eastus</a:t>
+            </a:r>
+            <a:endParaRPr lang="en-US" sz="2400" dirty="0">
+              <a:latin typeface="Courier New" panose="02070309020205020404" pitchFamily="49" charset="0"/>
+              <a:cs typeface="Courier New" panose="02070309020205020404" pitchFamily="49" charset="0"/>
+            </a:endParaRPr>
+          </a:p>
+          <a:p>
+            <a:pPr marL="0" indent="0">
+              <a:buNone/>
+            </a:pPr>
+            <a:r>
+              <a:rPr lang="en-US" sz="2400" b="1" dirty="0">
+                <a:latin typeface="Courier New" panose="02070309020205020404" pitchFamily="49" charset="0"/>
+                <a:cs typeface="Courier New" panose="02070309020205020404" pitchFamily="49" charset="0"/>
+              </a:rPr>
+              <a:t>&gt; </a:t>
+            </a:r>
+            <a:r>
+              <a:rPr lang="en-US" sz="2400" dirty="0" err="1">
+                <a:latin typeface="Courier New" panose="02070309020205020404" pitchFamily="49" charset="0"/>
+                <a:cs typeface="Courier New" panose="02070309020205020404" pitchFamily="49" charset="0"/>
+              </a:rPr>
+              <a:t>az</a:t>
+            </a:r>
+            <a:r>
+              <a:rPr lang="en-US" sz="2400" dirty="0">
+                <a:latin typeface="Courier New" panose="02070309020205020404" pitchFamily="49" charset="0"/>
+                <a:cs typeface="Courier New" panose="02070309020205020404" pitchFamily="49" charset="0"/>
+              </a:rPr>
+              <a:t> </a:t>
+            </a:r>
+            <a:r>
+              <a:rPr lang="en-US" sz="2400" dirty="0" err="1">
+                <a:latin typeface="Courier New" panose="02070309020205020404" pitchFamily="49" charset="0"/>
+                <a:cs typeface="Courier New" panose="02070309020205020404" pitchFamily="49" charset="0"/>
+              </a:rPr>
+              <a:t>keyvault</a:t>
+            </a:r>
+            <a:r>
+              <a:rPr lang="en-US" sz="2400" dirty="0">
+                <a:latin typeface="Courier New" panose="02070309020205020404" pitchFamily="49" charset="0"/>
+                <a:cs typeface="Courier New" panose="02070309020205020404" pitchFamily="49" charset="0"/>
+              </a:rPr>
+              <a:t> secret set --vault-name `</a:t>
+            </a:r>
+            <a:r>
+              <a:rPr lang="en-US" sz="2400" dirty="0" err="1">
+                <a:latin typeface="Courier New" panose="02070309020205020404" pitchFamily="49" charset="0"/>
+                <a:cs typeface="Courier New" panose="02070309020205020404" pitchFamily="49" charset="0"/>
+              </a:rPr>
+              <a:t>MoviesVault</a:t>
+            </a:r>
+            <a:r>
+              <a:rPr lang="en-US" sz="2400" dirty="0">
+                <a:latin typeface="Courier New" panose="02070309020205020404" pitchFamily="49" charset="0"/>
+                <a:cs typeface="Courier New" panose="02070309020205020404" pitchFamily="49" charset="0"/>
+              </a:rPr>
+              <a:t>`</a:t>
+            </a:r>
+          </a:p>
+          <a:p>
+            <a:pPr marL="0" indent="0">
+              <a:buNone/>
+            </a:pPr>
+            <a:r>
+              <a:rPr lang="en-US" dirty="0">
+                <a:latin typeface="Courier New" panose="02070309020205020404" pitchFamily="49" charset="0"/>
+                <a:cs typeface="Courier New" panose="02070309020205020404" pitchFamily="49" charset="0"/>
+              </a:rPr>
+              <a:t>					</a:t>
+            </a:r>
+            <a:r>
+              <a:rPr lang="en-US" sz="2400" dirty="0">
+                <a:latin typeface="Courier New" panose="02070309020205020404" pitchFamily="49" charset="0"/>
+                <a:cs typeface="Courier New" panose="02070309020205020404" pitchFamily="49" charset="0"/>
+              </a:rPr>
+              <a:t>--name `Password`</a:t>
+            </a:r>
+          </a:p>
+          <a:p>
+            <a:pPr marL="0" indent="0">
+              <a:buNone/>
+            </a:pPr>
+            <a:r>
+              <a:rPr lang="en-US" sz="2400" dirty="0">
+                <a:latin typeface="Courier New" panose="02070309020205020404" pitchFamily="49" charset="0"/>
+                <a:cs typeface="Courier New" panose="02070309020205020404" pitchFamily="49" charset="0"/>
+              </a:rPr>
+              <a:t>					--value `pass123`</a:t>
+            </a:r>
+            <a:endParaRPr lang="en-US" b="1" dirty="0">
+              <a:latin typeface="Courier New" panose="02070309020205020404" pitchFamily="49" charset="0"/>
+              <a:cs typeface="Courier New" panose="02070309020205020404" pitchFamily="49" charset="0"/>
+            </a:endParaRPr>
+          </a:p>
+          <a:p>
+            <a:pPr marL="0" indent="0">
+              <a:buNone/>
+            </a:pPr>
+            <a:r>
+              <a:rPr lang="en-US" sz="2400" b="1" dirty="0">
+                <a:latin typeface="Courier New" panose="02070309020205020404" pitchFamily="49" charset="0"/>
+                <a:cs typeface="Courier New" panose="02070309020205020404" pitchFamily="49" charset="0"/>
+              </a:rPr>
+              <a:t>&gt; </a:t>
+            </a:r>
+            <a:r>
+              <a:rPr lang="en-US" sz="2400" dirty="0" err="1">
+                <a:latin typeface="Courier New" panose="02070309020205020404" pitchFamily="49" charset="0"/>
+                <a:cs typeface="Courier New" panose="02070309020205020404" pitchFamily="49" charset="0"/>
+              </a:rPr>
+              <a:t>az</a:t>
+            </a:r>
+            <a:r>
+              <a:rPr lang="en-US" sz="2400" dirty="0">
+                <a:latin typeface="Courier New" panose="02070309020205020404" pitchFamily="49" charset="0"/>
+                <a:cs typeface="Courier New" panose="02070309020205020404" pitchFamily="49" charset="0"/>
+              </a:rPr>
+              <a:t> </a:t>
+            </a:r>
+            <a:r>
+              <a:rPr lang="en-US" sz="2400" dirty="0" err="1">
+                <a:latin typeface="Courier New" panose="02070309020205020404" pitchFamily="49" charset="0"/>
+                <a:cs typeface="Courier New" panose="02070309020205020404" pitchFamily="49" charset="0"/>
+              </a:rPr>
+              <a:t>keyvault</a:t>
+            </a:r>
+            <a:r>
+              <a:rPr lang="en-US" sz="2400" dirty="0">
+                <a:latin typeface="Courier New" panose="02070309020205020404" pitchFamily="49" charset="0"/>
+                <a:cs typeface="Courier New" panose="02070309020205020404" pitchFamily="49" charset="0"/>
+              </a:rPr>
+              <a:t> secret set --vault-name `</a:t>
+            </a:r>
+            <a:r>
+              <a:rPr lang="en-US" sz="2400" dirty="0" err="1">
+                <a:latin typeface="Courier New" panose="02070309020205020404" pitchFamily="49" charset="0"/>
+                <a:cs typeface="Courier New" panose="02070309020205020404" pitchFamily="49" charset="0"/>
+              </a:rPr>
+              <a:t>MoviesVault</a:t>
+            </a:r>
+            <a:r>
+              <a:rPr lang="en-US" sz="2400" dirty="0">
+                <a:latin typeface="Courier New" panose="02070309020205020404" pitchFamily="49" charset="0"/>
+                <a:cs typeface="Courier New" panose="02070309020205020404" pitchFamily="49" charset="0"/>
+              </a:rPr>
+              <a:t>`</a:t>
+            </a:r>
+          </a:p>
+          <a:p>
+            <a:pPr marL="0" indent="0">
+              <a:buNone/>
+            </a:pPr>
+            <a:r>
+              <a:rPr lang="en-US" sz="2400" dirty="0">
+                <a:latin typeface="Courier New" panose="02070309020205020404" pitchFamily="49" charset="0"/>
+                <a:cs typeface="Courier New" panose="02070309020205020404" pitchFamily="49" charset="0"/>
+              </a:rPr>
+              <a:t>					--name `User`</a:t>
+            </a:r>
+          </a:p>
+          <a:p>
+            <a:pPr marL="0" indent="0">
+              <a:buNone/>
+            </a:pPr>
+            <a:r>
+              <a:rPr lang="en-US" sz="2400" dirty="0">
+                <a:latin typeface="Courier New" panose="02070309020205020404" pitchFamily="49" charset="0"/>
+                <a:cs typeface="Courier New" panose="02070309020205020404" pitchFamily="49" charset="0"/>
+              </a:rPr>
+              <a:t>					--value `</a:t>
+            </a:r>
+            <a:r>
+              <a:rPr lang="en-US" sz="2400" dirty="0" err="1">
+                <a:latin typeface="Courier New" panose="02070309020205020404" pitchFamily="49" charset="0"/>
+                <a:cs typeface="Courier New" panose="02070309020205020404" pitchFamily="49" charset="0"/>
+              </a:rPr>
+              <a:t>johndoe</a:t>
+            </a:r>
+            <a:r>
+              <a:rPr lang="en-US" sz="2400" dirty="0">
+                <a:latin typeface="Courier New" panose="02070309020205020404" pitchFamily="49" charset="0"/>
+                <a:cs typeface="Courier New" panose="02070309020205020404" pitchFamily="49" charset="0"/>
+              </a:rPr>
+              <a:t>`</a:t>
+            </a:r>
+          </a:p>
+          <a:p>
+            <a:pPr marL="0" indent="0">
+              <a:buNone/>
+            </a:pPr>
+            <a:endParaRPr lang="en-US" sz="2400" dirty="0">
+              <a:latin typeface="Courier New" panose="02070309020205020404" pitchFamily="49" charset="0"/>
+              <a:cs typeface="Courier New" panose="02070309020205020404" pitchFamily="49" charset="0"/>
+            </a:endParaRPr>
+          </a:p>
+        </p:txBody>
+      </p:sp>
+    </p:spTree>
+    <p:extLst>
+      <p:ext uri="{BB962C8B-B14F-4D97-AF65-F5344CB8AC3E}">
+        <p14:creationId xmlns:p14="http://schemas.microsoft.com/office/powerpoint/2010/main" val="774116234"/>
+      </p:ext>
+    </p:extLst>
+  </p:cSld>
+  <p:clrMapOvr>
+    <a:masterClrMapping/>
+  </p:clrMapOvr>
+  <p:timing>
+    <p:tnLst>
+      <p:par>
+        <p:cTn id="1" dur="indefinite" restart="never" nodeType="tmRoot">
+          <p:childTnLst>
+            <p:seq concurrent="1" nextAc="seek">
+              <p:cTn id="2" dur="indefinite" nodeType="mainSeq">
+                <p:childTnLst>
+                  <p:par>
+                    <p:cTn id="3" fill="hold">
+                      <p:stCondLst>
+                        <p:cond delay="indefinite"/>
+                      </p:stCondLst>
+                      <p:childTnLst>
+                        <p:par>
+                          <p:cTn id="4" fill="hold">
+                            <p:stCondLst>
+                              <p:cond delay="0"/>
+                            </p:stCondLst>
+                            <p:childTnLst>
+                              <p:par>
+                                <p:cTn id="5" presetID="10" presetClass="entr" presetSubtype="0" fill="hold" nodeType="clickEffect">
+                                  <p:stCondLst>
+                                    <p:cond delay="0"/>
+                                  </p:stCondLst>
+                                  <p:childTnLst>
+                                    <p:set>
+                                      <p:cBhvr>
+                                        <p:cTn id="6" dur="1" fill="hold">
+                                          <p:stCondLst>
+                                            <p:cond delay="0"/>
+                                          </p:stCondLst>
+                                        </p:cTn>
+                                        <p:tgtEl>
+                                          <p:spTgt spid="3">
+                                            <p:txEl>
+                                              <p:pRg st="3" end="3"/>
+                                            </p:txEl>
+                                          </p:spTgt>
+                                        </p:tgtEl>
+                                        <p:attrNameLst>
+                                          <p:attrName>style.visibility</p:attrName>
+                                        </p:attrNameLst>
+                                      </p:cBhvr>
+                                      <p:to>
+                                        <p:strVal val="visible"/>
+                                      </p:to>
+                                    </p:set>
+                                    <p:animEffect transition="in" filter="fade">
+                                      <p:cBhvr>
+                                        <p:cTn id="7" dur="500"/>
+                                        <p:tgtEl>
+                                          <p:spTgt spid="3">
+                                            <p:txEl>
+                                              <p:pRg st="3" end="3"/>
+                                            </p:txEl>
+                                          </p:spTgt>
+                                        </p:tgtEl>
+                                      </p:cBhvr>
+                                    </p:animEffect>
+                                  </p:childTnLst>
+                                </p:cTn>
+                              </p:par>
+                            </p:childTnLst>
+                          </p:cTn>
+                        </p:par>
+                      </p:childTnLst>
+                    </p:cTn>
+                  </p:par>
+                  <p:par>
+                    <p:cTn id="8" fill="hold">
+                      <p:stCondLst>
+                        <p:cond delay="indefinite"/>
+                      </p:stCondLst>
+                      <p:childTnLst>
+                        <p:par>
+                          <p:cTn id="9" fill="hold">
+                            <p:stCondLst>
+                              <p:cond delay="0"/>
+                            </p:stCondLst>
+                            <p:childTnLst>
+                              <p:par>
+                                <p:cTn id="10" presetID="10" presetClass="entr" presetSubtype="0" fill="hold" nodeType="clickEffect">
+                                  <p:stCondLst>
+                                    <p:cond delay="0"/>
+                                  </p:stCondLst>
+                                  <p:childTnLst>
+                                    <p:set>
+                                      <p:cBhvr>
+                                        <p:cTn id="11" dur="1" fill="hold">
+                                          <p:stCondLst>
+                                            <p:cond delay="0"/>
+                                          </p:stCondLst>
+                                        </p:cTn>
+                                        <p:tgtEl>
+                                          <p:spTgt spid="3">
+                                            <p:txEl>
+                                              <p:pRg st="4" end="4"/>
+                                            </p:txEl>
+                                          </p:spTgt>
+                                        </p:tgtEl>
+                                        <p:attrNameLst>
+                                          <p:attrName>style.visibility</p:attrName>
+                                        </p:attrNameLst>
+                                      </p:cBhvr>
+                                      <p:to>
+                                        <p:strVal val="visible"/>
+                                      </p:to>
+                                    </p:set>
+                                    <p:animEffect transition="in" filter="fade">
+                                      <p:cBhvr>
+                                        <p:cTn id="12" dur="500"/>
+                                        <p:tgtEl>
+                                          <p:spTgt spid="3">
+                                            <p:txEl>
+                                              <p:pRg st="4" end="4"/>
+                                            </p:txEl>
+                                          </p:spTgt>
+                                        </p:tgtEl>
+                                      </p:cBhvr>
+                                    </p:animEffect>
+                                  </p:childTnLst>
+                                </p:cTn>
+                              </p:par>
+                            </p:childTnLst>
+                          </p:cTn>
+                        </p:par>
+                      </p:childTnLst>
+                    </p:cTn>
+                  </p:par>
+                  <p:par>
+                    <p:cTn id="13" fill="hold">
+                      <p:stCondLst>
+                        <p:cond delay="indefinite"/>
+                      </p:stCondLst>
+                      <p:childTnLst>
+                        <p:par>
+                          <p:cTn id="14" fill="hold">
+                            <p:stCondLst>
+                              <p:cond delay="0"/>
+                            </p:stCondLst>
+                            <p:childTnLst>
+                              <p:par>
+                                <p:cTn id="15" presetID="10" presetClass="entr" presetSubtype="0" fill="hold" nodeType="clickEffect">
+                                  <p:stCondLst>
+                                    <p:cond delay="0"/>
+                                  </p:stCondLst>
+                                  <p:childTnLst>
+                                    <p:set>
+                                      <p:cBhvr>
+                                        <p:cTn id="16" dur="1" fill="hold">
+                                          <p:stCondLst>
+                                            <p:cond delay="0"/>
+                                          </p:stCondLst>
+                                        </p:cTn>
+                                        <p:tgtEl>
+                                          <p:spTgt spid="3">
+                                            <p:txEl>
+                                              <p:pRg st="5" end="5"/>
+                                            </p:txEl>
+                                          </p:spTgt>
+                                        </p:tgtEl>
+                                        <p:attrNameLst>
+                                          <p:attrName>style.visibility</p:attrName>
+                                        </p:attrNameLst>
+                                      </p:cBhvr>
+                                      <p:to>
+                                        <p:strVal val="visible"/>
+                                      </p:to>
+                                    </p:set>
+                                    <p:animEffect transition="in" filter="fade">
+                                      <p:cBhvr>
+                                        <p:cTn id="17" dur="500"/>
+                                        <p:tgtEl>
+                                          <p:spTgt spid="3">
+                                            <p:txEl>
+                                              <p:pRg st="5" end="5"/>
+                                            </p:txEl>
+                                          </p:spTgt>
+                                        </p:tgtEl>
+                                      </p:cBhvr>
+                                    </p:animEffect>
+                                  </p:childTnLst>
+                                </p:cTn>
+                              </p:par>
+                            </p:childTnLst>
+                          </p:cTn>
+                        </p:par>
+                      </p:childTnLst>
+                    </p:cTn>
+                  </p:par>
+                  <p:par>
+                    <p:cTn id="18" fill="hold">
+                      <p:stCondLst>
+                        <p:cond delay="indefinite"/>
+                      </p:stCondLst>
+                      <p:childTnLst>
+                        <p:par>
+                          <p:cTn id="19" fill="hold">
+                            <p:stCondLst>
+                              <p:cond delay="0"/>
+                            </p:stCondLst>
+                            <p:childTnLst>
+                              <p:par>
+                                <p:cTn id="20" presetID="10" presetClass="entr" presetSubtype="0" fill="hold" nodeType="clickEffect">
+                                  <p:stCondLst>
+                                    <p:cond delay="0"/>
+                                  </p:stCondLst>
+                                  <p:childTnLst>
+                                    <p:set>
+                                      <p:cBhvr>
+                                        <p:cTn id="21" dur="1" fill="hold">
+                                          <p:stCondLst>
+                                            <p:cond delay="0"/>
+                                          </p:stCondLst>
+                                        </p:cTn>
+                                        <p:tgtEl>
+                                          <p:spTgt spid="3">
+                                            <p:txEl>
+                                              <p:pRg st="6" end="6"/>
+                                            </p:txEl>
+                                          </p:spTgt>
+                                        </p:tgtEl>
+                                        <p:attrNameLst>
+                                          <p:attrName>style.visibility</p:attrName>
+                                        </p:attrNameLst>
+                                      </p:cBhvr>
+                                      <p:to>
+                                        <p:strVal val="visible"/>
+                                      </p:to>
+                                    </p:set>
+                                    <p:animEffect transition="in" filter="fade">
+                                      <p:cBhvr>
+                                        <p:cTn id="22" dur="500"/>
+                                        <p:tgtEl>
+                                          <p:spTgt spid="3">
+                                            <p:txEl>
+                                              <p:pRg st="6" end="6"/>
+                                            </p:txEl>
+                                          </p:spTgt>
+                                        </p:tgtEl>
+                                      </p:cBhvr>
+                                    </p:animEffect>
+                                  </p:childTnLst>
+                                </p:cTn>
+                              </p:par>
+                            </p:childTnLst>
+                          </p:cTn>
+                        </p:par>
+                      </p:childTnLst>
+                    </p:cTn>
+                  </p:par>
+                  <p:par>
+                    <p:cTn id="23" fill="hold">
+                      <p:stCondLst>
+                        <p:cond delay="indefinite"/>
+                      </p:stCondLst>
+                      <p:childTnLst>
+                        <p:par>
+                          <p:cTn id="24" fill="hold">
+                            <p:stCondLst>
+                              <p:cond delay="0"/>
+                            </p:stCondLst>
+                            <p:childTnLst>
+                              <p:par>
+                                <p:cTn id="25" presetID="10" presetClass="entr" presetSubtype="0" fill="hold" nodeType="clickEffect">
+                                  <p:stCondLst>
+                                    <p:cond delay="0"/>
+                                  </p:stCondLst>
+                                  <p:childTnLst>
+                                    <p:set>
+                                      <p:cBhvr>
+                                        <p:cTn id="26" dur="1" fill="hold">
+                                          <p:stCondLst>
+                                            <p:cond delay="0"/>
+                                          </p:stCondLst>
+                                        </p:cTn>
+                                        <p:tgtEl>
+                                          <p:spTgt spid="3">
+                                            <p:txEl>
+                                              <p:pRg st="7" end="7"/>
+                                            </p:txEl>
+                                          </p:spTgt>
+                                        </p:tgtEl>
+                                        <p:attrNameLst>
+                                          <p:attrName>style.visibility</p:attrName>
+                                        </p:attrNameLst>
+                                      </p:cBhvr>
+                                      <p:to>
+                                        <p:strVal val="visible"/>
+                                      </p:to>
+                                    </p:set>
+                                    <p:animEffect transition="in" filter="fade">
+                                      <p:cBhvr>
+                                        <p:cTn id="27" dur="500"/>
+                                        <p:tgtEl>
+                                          <p:spTgt spid="3">
+                                            <p:txEl>
+                                              <p:pRg st="7" end="7"/>
+                                            </p:txEl>
+                                          </p:spTgt>
+                                        </p:tgtEl>
+                                      </p:cBhvr>
+                                    </p:animEffect>
+                                  </p:childTnLst>
+                                </p:cTn>
+                              </p:par>
+                            </p:childTnLst>
+                          </p:cTn>
+                        </p:par>
+                      </p:childTnLst>
+                    </p:cTn>
+                  </p:par>
+                  <p:par>
+                    <p:cTn id="28" fill="hold">
+                      <p:stCondLst>
+                        <p:cond delay="indefinite"/>
+                      </p:stCondLst>
+                      <p:childTnLst>
+                        <p:par>
+                          <p:cTn id="29" fill="hold">
+                            <p:stCondLst>
+                              <p:cond delay="0"/>
+                            </p:stCondLst>
+                            <p:childTnLst>
+                              <p:par>
+                                <p:cTn id="30" presetID="10" presetClass="entr" presetSubtype="0" fill="hold" nodeType="clickEffect">
+                                  <p:stCondLst>
+                                    <p:cond delay="0"/>
+                                  </p:stCondLst>
+                                  <p:childTnLst>
+                                    <p:set>
+                                      <p:cBhvr>
+                                        <p:cTn id="31" dur="1" fill="hold">
+                                          <p:stCondLst>
+                                            <p:cond delay="0"/>
+                                          </p:stCondLst>
+                                        </p:cTn>
+                                        <p:tgtEl>
+                                          <p:spTgt spid="3">
+                                            <p:txEl>
+                                              <p:pRg st="8" end="8"/>
+                                            </p:txEl>
+                                          </p:spTgt>
+                                        </p:tgtEl>
+                                        <p:attrNameLst>
+                                          <p:attrName>style.visibility</p:attrName>
+                                        </p:attrNameLst>
+                                      </p:cBhvr>
+                                      <p:to>
+                                        <p:strVal val="visible"/>
+                                      </p:to>
+                                    </p:set>
+                                    <p:animEffect transition="in" filter="fade">
+                                      <p:cBhvr>
+                                        <p:cTn id="32" dur="500"/>
+                                        <p:tgtEl>
+                                          <p:spTgt spid="3">
+                                            <p:txEl>
+                                              <p:pRg st="8" end="8"/>
+                                            </p:txEl>
+                                          </p:spTgt>
+                                        </p:tgtEl>
+                                      </p:cBhvr>
+                                    </p:animEffect>
+                                  </p:childTnLst>
+                                </p:cTn>
+                              </p:par>
+                              <p:par>
+                                <p:cTn id="33" presetID="10" presetClass="entr" presetSubtype="0" fill="hold" nodeType="withEffect">
+                                  <p:stCondLst>
+                                    <p:cond delay="0"/>
+                                  </p:stCondLst>
+                                  <p:childTnLst>
+                                    <p:set>
+                                      <p:cBhvr>
+                                        <p:cTn id="34" dur="1" fill="hold">
+                                          <p:stCondLst>
+                                            <p:cond delay="0"/>
+                                          </p:stCondLst>
+                                        </p:cTn>
+                                        <p:tgtEl>
+                                          <p:spTgt spid="3">
+                                            <p:txEl>
+                                              <p:pRg st="0" end="0"/>
+                                            </p:txEl>
+                                          </p:spTgt>
+                                        </p:tgtEl>
+                                        <p:attrNameLst>
+                                          <p:attrName>style.visibility</p:attrName>
+                                        </p:attrNameLst>
+                                      </p:cBhvr>
+                                      <p:to>
+                                        <p:strVal val="visible"/>
+                                      </p:to>
+                                    </p:set>
+                                    <p:animEffect transition="in" filter="fade">
+                                      <p:cBhvr>
+                                        <p:cTn id="35" dur="500"/>
+                                        <p:tgtEl>
+                                          <p:spTgt spid="3">
+                                            <p:txEl>
+                                              <p:pRg st="0" end="0"/>
+                                            </p:txEl>
+                                          </p:spTgt>
+                                        </p:tgtEl>
+                                      </p:cBhvr>
+                                    </p:animEffect>
+                                  </p:childTnLst>
+                                </p:cTn>
+                              </p:par>
+                              <p:par>
+                                <p:cTn id="36" presetID="10" presetClass="entr" presetSubtype="0" fill="hold" nodeType="withEffect">
+                                  <p:stCondLst>
+                                    <p:cond delay="0"/>
+                                  </p:stCondLst>
+                                  <p:childTnLst>
+                                    <p:set>
+                                      <p:cBhvr>
+                                        <p:cTn id="37" dur="1" fill="hold">
+                                          <p:stCondLst>
+                                            <p:cond delay="0"/>
+                                          </p:stCondLst>
+                                        </p:cTn>
+                                        <p:tgtEl>
+                                          <p:spTgt spid="3">
+                                            <p:txEl>
+                                              <p:pRg st="1" end="1"/>
+                                            </p:txEl>
+                                          </p:spTgt>
+                                        </p:tgtEl>
+                                        <p:attrNameLst>
+                                          <p:attrName>style.visibility</p:attrName>
+                                        </p:attrNameLst>
+                                      </p:cBhvr>
+                                      <p:to>
+                                        <p:strVal val="visible"/>
+                                      </p:to>
+                                    </p:set>
+                                    <p:animEffect transition="in" filter="fade">
+                                      <p:cBhvr>
+                                        <p:cTn id="38" dur="500"/>
+                                        <p:tgtEl>
+                                          <p:spTgt spid="3">
+                                            <p:txEl>
+                                              <p:pRg st="1" end="1"/>
+                                            </p:txEl>
+                                          </p:spTgt>
+                                        </p:tgtEl>
+                                      </p:cBhvr>
+                                    </p:animEffect>
+                                  </p:childTnLst>
+                                </p:cTn>
+                              </p:par>
+                              <p:par>
+                                <p:cTn id="39" presetID="10" presetClass="entr" presetSubtype="0" fill="hold" nodeType="withEffect">
+                                  <p:stCondLst>
+                                    <p:cond delay="0"/>
+                                  </p:stCondLst>
+                                  <p:childTnLst>
+                                    <p:set>
+                                      <p:cBhvr>
+                                        <p:cTn id="40" dur="1" fill="hold">
+                                          <p:stCondLst>
+                                            <p:cond delay="0"/>
+                                          </p:stCondLst>
+                                        </p:cTn>
+                                        <p:tgtEl>
+                                          <p:spTgt spid="3">
+                                            <p:txEl>
+                                              <p:pRg st="2" end="2"/>
+                                            </p:txEl>
+                                          </p:spTgt>
+                                        </p:tgtEl>
+                                        <p:attrNameLst>
+                                          <p:attrName>style.visibility</p:attrName>
+                                        </p:attrNameLst>
+                                      </p:cBhvr>
+                                      <p:to>
+                                        <p:strVal val="visible"/>
+                                      </p:to>
+                                    </p:set>
+                                    <p:animEffect transition="in" filter="fade">
+                                      <p:cBhvr>
+                                        <p:cTn id="41" dur="500"/>
+                                        <p:tgtEl>
+                                          <p:spTgt spid="3">
+                                            <p:txEl>
+                                              <p:pRg st="2" end="2"/>
+                                            </p:txEl>
+                                          </p:spTgt>
+                                        </p:tgtEl>
+                                      </p:cBhvr>
+                                    </p:animEffect>
+                                  </p:childTnLst>
+                                </p:cTn>
+                              </p:par>
+                            </p:childTnLst>
+                          </p:cTn>
+                        </p:par>
+                      </p:childTnLst>
+                    </p:cTn>
+                  </p:par>
+                </p:childTnLst>
+              </p:cTn>
+              <p:prevCondLst>
+                <p:cond evt="onPrev" delay="0">
+                  <p:tgtEl>
+                    <p:sldTgt/>
+                  </p:tgtEl>
+                </p:cond>
+              </p:prevCondLst>
+              <p:nextCondLst>
+                <p:cond evt="onNext" delay="0">
+                  <p:tgtEl>
+                    <p:sldTgt/>
+                  </p:tgtEl>
+                </p:cond>
+              </p:nextCondLst>
+            </p:seq>
+          </p:childTnLst>
+        </p:cTn>
+      </p:par>
+    </p:tnLst>
+  </p:timing>
+</p:sld>
+</file>
+
+<file path=ppt/slides/slide12.xml><?xml version="1.0" encoding="utf-8"?>
+<p:sld xmlns:a="http://schemas.openxmlformats.org/drawingml/2006/main" xmlns:r="http://schemas.openxmlformats.org/officeDocument/2006/relationships" xmlns:p="http://schemas.openxmlformats.org/presentationml/2006/main">
+  <p:cSld>
+    <p:bg>
+      <p:bgPr>
+        <a:solidFill>
+          <a:srgbClr val="505050"/>
+        </a:solidFill>
+        <a:effectLst/>
+      </p:bgPr>
+    </p:bg>
+    <p:spTree>
+      <p:nvGrpSpPr>
+        <p:cNvPr id="1" name=""/>
+        <p:cNvGrpSpPr/>
+        <p:nvPr/>
+      </p:nvGrpSpPr>
+      <p:grpSpPr>
+        <a:xfrm>
+          <a:off x="0" y="0"/>
+          <a:ext cx="0" cy="0"/>
+          <a:chOff x="0" y="0"/>
+          <a:chExt cx="0" cy="0"/>
+        </a:xfrm>
+      </p:grpSpPr>
+      <p:sp>
+        <p:nvSpPr>
+          <p:cNvPr id="2" name="Title 1"/>
+          <p:cNvSpPr>
+            <a:spLocks noGrp="1"/>
+          </p:cNvSpPr>
+          <p:nvPr>
+            <p:ph type="title"/>
+          </p:nvPr>
+        </p:nvSpPr>
+        <p:spPr/>
+        <p:txBody>
+          <a:bodyPr/>
+          <a:lstStyle/>
+          <a:p>
+            <a:r>
+              <a:rPr lang="en-US" dirty="0"/>
+              <a:t>Key Vault: Retrieval</a:t>
+            </a:r>
+          </a:p>
+        </p:txBody>
+      </p:sp>
+      <p:graphicFrame>
+        <p:nvGraphicFramePr>
+          <p:cNvPr id="4" name="Table 3">
+            <a:extLst>
+              <a:ext uri="{FF2B5EF4-FFF2-40B4-BE49-F238E27FC236}">
+                <a16:creationId xmlns:a16="http://schemas.microsoft.com/office/drawing/2014/main" id="{FB18C7D4-3492-4E4E-800A-CAFC344516DD}"/>
+              </a:ext>
+            </a:extLst>
+          </p:cNvPr>
+          <p:cNvGraphicFramePr>
+            <a:graphicFrameLocks noGrp="1"/>
+          </p:cNvGraphicFramePr>
+          <p:nvPr>
+            <p:extLst>
+              <p:ext uri="{D42A27DB-BD31-4B8C-83A1-F6EECF244321}">
+                <p14:modId xmlns:p14="http://schemas.microsoft.com/office/powerpoint/2010/main" val="3815910926"/>
+              </p:ext>
+            </p:extLst>
+          </p:nvPr>
+        </p:nvGraphicFramePr>
+        <p:xfrm>
+          <a:off x="844462" y="1920876"/>
+          <a:ext cx="9165812" cy="4135854"/>
+        </p:xfrm>
+        <a:graphic>
+          <a:graphicData uri="http://schemas.openxmlformats.org/drawingml/2006/table">
+            <a:tbl>
+              <a:tblPr firstRow="1" bandRow="1"/>
+              <a:tblGrid>
+                <a:gridCol w="9165812">
+                  <a:extLst>
+                    <a:ext uri="{9D8B030D-6E8A-4147-A177-3AD203B41FA5}">
+                      <a16:colId xmlns:a16="http://schemas.microsoft.com/office/drawing/2014/main" val="1057070397"/>
+                    </a:ext>
+                  </a:extLst>
+                </a:gridCol>
+              </a:tblGrid>
+              <a:tr h="3800574">
+                <a:tc>
+                  <a:txBody>
+                    <a:bodyPr/>
+                    <a:lstStyle>
+                      <a:lvl1pPr marL="0" algn="l" defTabSz="914400" rtl="0" eaLnBrk="1" latinLnBrk="0" hangingPunct="1">
+                        <a:defRPr sz="1800" b="1" kern="1200">
+                          <a:solidFill>
+                            <a:schemeClr val="lt1"/>
+                          </a:solidFill>
+                          <a:latin typeface="Segoe UI Light"/>
+                        </a:defRPr>
+                      </a:lvl1pPr>
+                      <a:lvl2pPr marL="457200" algn="l" defTabSz="914400" rtl="0" eaLnBrk="1" latinLnBrk="0" hangingPunct="1">
+                        <a:defRPr sz="1800" b="1" kern="1200">
+                          <a:solidFill>
+                            <a:schemeClr val="lt1"/>
+                          </a:solidFill>
+                          <a:latin typeface="Segoe UI Light"/>
+                        </a:defRPr>
+                      </a:lvl2pPr>
+                      <a:lvl3pPr marL="914400" algn="l" defTabSz="914400" rtl="0" eaLnBrk="1" latinLnBrk="0" hangingPunct="1">
+                        <a:defRPr sz="1800" b="1" kern="1200">
+                          <a:solidFill>
+                            <a:schemeClr val="lt1"/>
+                          </a:solidFill>
+                          <a:latin typeface="Segoe UI Light"/>
+                        </a:defRPr>
+                      </a:lvl3pPr>
+                      <a:lvl4pPr marL="1371600" algn="l" defTabSz="914400" rtl="0" eaLnBrk="1" latinLnBrk="0" hangingPunct="1">
+                        <a:defRPr sz="1800" b="1" kern="1200">
+                          <a:solidFill>
+                            <a:schemeClr val="lt1"/>
+                          </a:solidFill>
+                          <a:latin typeface="Segoe UI Light"/>
+                        </a:defRPr>
+                      </a:lvl4pPr>
+                      <a:lvl5pPr marL="1828800" algn="l" defTabSz="914400" rtl="0" eaLnBrk="1" latinLnBrk="0" hangingPunct="1">
+                        <a:defRPr sz="1800" b="1" kern="1200">
+                          <a:solidFill>
+                            <a:schemeClr val="lt1"/>
+                          </a:solidFill>
+                          <a:latin typeface="Segoe UI Light"/>
+                        </a:defRPr>
+                      </a:lvl5pPr>
+                      <a:lvl6pPr marL="2286000" algn="l" defTabSz="914400" rtl="0" eaLnBrk="1" latinLnBrk="0" hangingPunct="1">
+                        <a:defRPr sz="1800" b="1" kern="1200">
+                          <a:solidFill>
+                            <a:schemeClr val="lt1"/>
+                          </a:solidFill>
+                          <a:latin typeface="Segoe UI Light"/>
+                        </a:defRPr>
+                      </a:lvl6pPr>
+                      <a:lvl7pPr marL="2743200" algn="l" defTabSz="914400" rtl="0" eaLnBrk="1" latinLnBrk="0" hangingPunct="1">
+                        <a:defRPr sz="1800" b="1" kern="1200">
+                          <a:solidFill>
+                            <a:schemeClr val="lt1"/>
+                          </a:solidFill>
+                          <a:latin typeface="Segoe UI Light"/>
+                        </a:defRPr>
+                      </a:lvl7pPr>
+                      <a:lvl8pPr marL="3200400" algn="l" defTabSz="914400" rtl="0" eaLnBrk="1" latinLnBrk="0" hangingPunct="1">
+                        <a:defRPr sz="1800" b="1" kern="1200">
+                          <a:solidFill>
+                            <a:schemeClr val="lt1"/>
+                          </a:solidFill>
+                          <a:latin typeface="Segoe UI Light"/>
+                        </a:defRPr>
+                      </a:lvl8pPr>
+                      <a:lvl9pPr marL="3657600" algn="l" defTabSz="914400" rtl="0" eaLnBrk="1" latinLnBrk="0" hangingPunct="1">
+                        <a:defRPr sz="1800" b="1" kern="1200">
+                          <a:solidFill>
+                            <a:schemeClr val="lt1"/>
+                          </a:solidFill>
+                          <a:latin typeface="Segoe UI Light"/>
+                        </a:defRPr>
+                      </a:lvl9pPr>
+                    </a:lstStyle>
+                    <a:p>
+                      <a:endParaRPr lang="en-US" sz="1600" dirty="0">
+                        <a:solidFill>
+                          <a:srgbClr val="000000"/>
+                        </a:solidFill>
+                        <a:latin typeface="Consolas" panose="020B0609020204030204" pitchFamily="49" charset="0"/>
+                      </a:endParaRPr>
+                    </a:p>
+                  </a:txBody>
+                  <a:tcPr>
+                    <a:lnL w="12700" cap="flat" cmpd="sng" algn="ctr">
+                      <a:solidFill>
+                        <a:sysClr val="window" lastClr="FFFFFF"/>
+                      </a:solidFill>
+                      <a:prstDash val="solid"/>
+                      <a:round/>
+                      <a:headEnd type="none" w="med" len="med"/>
+                      <a:tailEnd type="none" w="med" len="med"/>
+                    </a:lnL>
+                    <a:lnR w="12700" cap="flat" cmpd="sng" algn="ctr">
+                      <a:solidFill>
+                        <a:sysClr val="window" lastClr="FFFFFF"/>
+                      </a:solidFill>
+                      <a:prstDash val="solid"/>
+                      <a:round/>
+                      <a:headEnd type="none" w="med" len="med"/>
+                      <a:tailEnd type="none" w="med" len="med"/>
+                    </a:lnR>
+                    <a:lnT w="12700" cap="flat" cmpd="sng" algn="ctr">
+                      <a:solidFill>
+                        <a:sysClr val="window" lastClr="FFFFFF"/>
+                      </a:solidFill>
+                      <a:prstDash val="solid"/>
+                      <a:round/>
+                      <a:headEnd type="none" w="med" len="med"/>
+                      <a:tailEnd type="none" w="med" len="med"/>
+                    </a:lnT>
+                    <a:lnB w="12700" cap="flat" cmpd="sng" algn="ctr">
+                      <a:solidFill>
+                        <a:sysClr val="window" lastClr="FFFFFF"/>
+                      </a:solidFill>
+                      <a:prstDash val="solid"/>
+                      <a:round/>
+                      <a:headEnd type="none" w="med" len="med"/>
+                      <a:tailEnd type="none" w="med" len="med"/>
+                    </a:lnB>
+                    <a:lnTlToBr w="12700" cmpd="sng">
+                      <a:noFill/>
+                      <a:prstDash val="solid"/>
+                    </a:lnTlToBr>
+                    <a:lnBlToTr w="12700" cmpd="sng">
+                      <a:noFill/>
+                      <a:prstDash val="solid"/>
+                    </a:lnBlToTr>
+                    <a:solidFill>
+                      <a:sysClr val="window" lastClr="FFFFFF"/>
+                    </a:solidFill>
+                  </a:tcPr>
+                </a:tc>
+                <a:extLst>
+                  <a:ext uri="{0D108BD9-81ED-4DB2-BD59-A6C34878D82A}">
+                    <a16:rowId xmlns:a16="http://schemas.microsoft.com/office/drawing/2014/main" val="3473222697"/>
+                  </a:ext>
+                </a:extLst>
+              </a:tr>
+              <a:tr h="319132">
+                <a:tc>
+                  <a:txBody>
+                    <a:bodyPr/>
+                    <a:lstStyle/>
+                    <a:p>
+                      <a:endParaRPr lang="en-US" sz="1600" dirty="0">
+                        <a:solidFill>
+                          <a:srgbClr val="000000"/>
+                        </a:solidFill>
+                        <a:latin typeface="Consolas" panose="020B0609020204030204" pitchFamily="49" charset="0"/>
+                      </a:endParaRPr>
+                    </a:p>
+                  </a:txBody>
+                  <a:tcPr>
+                    <a:lnL w="12700" cap="flat" cmpd="sng" algn="ctr">
+                      <a:solidFill>
+                        <a:sysClr val="window" lastClr="FFFFFF"/>
+                      </a:solidFill>
+                      <a:prstDash val="solid"/>
+                      <a:round/>
+                      <a:headEnd type="none" w="med" len="med"/>
+                      <a:tailEnd type="none" w="med" len="med"/>
+                    </a:lnL>
+                    <a:lnR w="12700" cap="flat" cmpd="sng" algn="ctr">
+                      <a:solidFill>
+                        <a:sysClr val="window" lastClr="FFFFFF"/>
+                      </a:solidFill>
+                      <a:prstDash val="solid"/>
+                      <a:round/>
+                      <a:headEnd type="none" w="med" len="med"/>
+                      <a:tailEnd type="none" w="med" len="med"/>
+                    </a:lnR>
+                    <a:lnT w="12700" cap="flat" cmpd="sng" algn="ctr">
+                      <a:solidFill>
+                        <a:sysClr val="window" lastClr="FFFFFF"/>
+                      </a:solidFill>
+                      <a:prstDash val="solid"/>
+                      <a:round/>
+                      <a:headEnd type="none" w="med" len="med"/>
+                      <a:tailEnd type="none" w="med" len="med"/>
+                    </a:lnT>
+                    <a:lnB w="12700" cap="flat" cmpd="sng" algn="ctr">
+                      <a:solidFill>
+                        <a:sysClr val="window" lastClr="FFFFFF"/>
+                      </a:solidFill>
+                      <a:prstDash val="solid"/>
+                      <a:round/>
+                      <a:headEnd type="none" w="med" len="med"/>
+                      <a:tailEnd type="none" w="med" len="med"/>
+                    </a:lnB>
+                    <a:lnTlToBr w="12700" cmpd="sng">
+                      <a:noFill/>
+                      <a:prstDash val="solid"/>
+                    </a:lnTlToBr>
+                    <a:lnBlToTr w="12700" cmpd="sng">
+                      <a:noFill/>
+                      <a:prstDash val="solid"/>
+                    </a:lnBlToTr>
+                    <a:solidFill>
+                      <a:sysClr val="window" lastClr="FFFFFF"/>
+                    </a:solidFill>
+                  </a:tcPr>
+                </a:tc>
+                <a:extLst>
+                  <a:ext uri="{0D108BD9-81ED-4DB2-BD59-A6C34878D82A}">
+                    <a16:rowId xmlns:a16="http://schemas.microsoft.com/office/drawing/2014/main" val="97062865"/>
+                  </a:ext>
+                </a:extLst>
+              </a:tr>
+            </a:tbl>
+          </a:graphicData>
+        </a:graphic>
+      </p:graphicFrame>
+      <p:sp>
+        <p:nvSpPr>
+          <p:cNvPr id="5" name="Rectangle 4">
+            <a:extLst>
+              <a:ext uri="{FF2B5EF4-FFF2-40B4-BE49-F238E27FC236}">
+                <a16:creationId xmlns:a16="http://schemas.microsoft.com/office/drawing/2014/main" id="{968B1320-9F80-48D4-8F49-987C2A75ECD9}"/>
+              </a:ext>
+            </a:extLst>
+          </p:cNvPr>
+          <p:cNvSpPr/>
+          <p:nvPr/>
+        </p:nvSpPr>
+        <p:spPr>
+          <a:xfrm>
+            <a:off x="838200" y="1474306"/>
+            <a:ext cx="1978891" cy="446567"/>
+          </a:xfrm>
+          <a:prstGeom prst="rect">
+            <a:avLst/>
+          </a:prstGeom>
+          <a:gradFill rotWithShape="1">
+            <a:gsLst>
+              <a:gs pos="0">
+                <a:srgbClr val="5B9BD5">
+                  <a:lumMod val="110000"/>
+                  <a:satMod val="105000"/>
+                  <a:tint val="67000"/>
+                </a:srgbClr>
+              </a:gs>
+              <a:gs pos="50000">
+                <a:srgbClr val="5B9BD5">
+                  <a:lumMod val="105000"/>
+                  <a:satMod val="103000"/>
+                  <a:tint val="73000"/>
+                </a:srgbClr>
+              </a:gs>
+              <a:gs pos="100000">
+                <a:srgbClr val="5B9BD5">
+                  <a:lumMod val="105000"/>
+                  <a:satMod val="109000"/>
+                  <a:tint val="81000"/>
+                </a:srgbClr>
+              </a:gs>
+            </a:gsLst>
+            <a:lin ang="5400000" scaled="0"/>
+          </a:gradFill>
+          <a:ln w="6350" cap="flat" cmpd="sng" algn="ctr">
+            <a:solidFill>
+              <a:srgbClr val="5B9BD5"/>
+            </a:solidFill>
+            <a:prstDash val="solid"/>
+            <a:miter lim="800000"/>
+          </a:ln>
+          <a:effectLst/>
+        </p:spPr>
+        <p:txBody>
+          <a:bodyPr rtlCol="0" anchor="ctr"/>
+          <a:lstStyle/>
+          <a:p>
+            <a:pPr marL="0" marR="0" lvl="0" indent="0" algn="ctr" defTabSz="914400" rtl="0" eaLnBrk="1" fontAlgn="auto" latinLnBrk="0" hangingPunct="1">
+              <a:lnSpc>
+                <a:spcPct val="100000"/>
+              </a:lnSpc>
+              <a:spcBef>
+                <a:spcPts val="0"/>
+              </a:spcBef>
+              <a:spcAft>
+                <a:spcPts val="0"/>
+              </a:spcAft>
+              <a:buClrTx/>
+              <a:buSzTx/>
+              <a:buFontTx/>
+              <a:buNone/>
+              <a:tabLst/>
+              <a:defRPr/>
+            </a:pPr>
+            <a:r>
+              <a:rPr kumimoji="0" lang="en-US" sz="1800" b="1" i="0" u="none" strike="noStrike" kern="0" cap="none" spc="0" normalizeH="0" baseline="0" noProof="0" dirty="0" err="1">
+                <a:ln>
+                  <a:noFill/>
+                </a:ln>
+                <a:solidFill>
+                  <a:prstClr val="black"/>
+                </a:solidFill>
+                <a:effectLst/>
+                <a:uLnTx/>
+                <a:uFillTx/>
+                <a:latin typeface="Segoe UI Light"/>
+                <a:ea typeface="+mn-ea"/>
+                <a:cs typeface="+mn-cs"/>
+              </a:rPr>
+              <a:t>Program.cs</a:t>
+            </a:r>
+            <a:endParaRPr kumimoji="0" lang="en-US" sz="1800" b="1" i="0" u="none" strike="noStrike" kern="0" cap="none" spc="0" normalizeH="0" baseline="0" noProof="0" dirty="0">
+              <a:ln>
+                <a:noFill/>
+              </a:ln>
+              <a:solidFill>
+                <a:prstClr val="black"/>
+              </a:solidFill>
+              <a:effectLst/>
+              <a:uLnTx/>
+              <a:uFillTx/>
+              <a:latin typeface="Segoe UI Light"/>
+              <a:ea typeface="+mn-ea"/>
+              <a:cs typeface="+mn-cs"/>
+            </a:endParaRPr>
+          </a:p>
+        </p:txBody>
+      </p:sp>
+    </p:spTree>
+    <p:extLst>
+      <p:ext uri="{BB962C8B-B14F-4D97-AF65-F5344CB8AC3E}">
+        <p14:creationId xmlns:p14="http://schemas.microsoft.com/office/powerpoint/2010/main" val="496605018"/>
+      </p:ext>
+    </p:extLst>
+  </p:cSld>
+  <p:clrMapOvr>
+    <a:masterClrMapping/>
+  </p:clrMapOvr>
+  <p:timing>
+    <p:tnLst>
+      <p:par>
+        <p:cTn id="1" dur="indefinite" restart="never" nodeType="tmRoot">
+          <p:childTnLst>
+            <p:seq concurrent="1" nextAc="seek">
+              <p:cTn id="2" dur="indefinite" nodeType="mainSeq">
+                <p:childTnLst>
+                  <p:par>
+                    <p:cTn id="3" fill="hold">
+                      <p:stCondLst>
+                        <p:cond delay="indefinite"/>
+                        <p:cond evt="onBegin" delay="0">
+                          <p:tn val="2"/>
+                        </p:cond>
+                      </p:stCondLst>
+                      <p:childTnLst>
+                        <p:par>
+                          <p:cTn id="4" fill="hold">
+                            <p:stCondLst>
+                              <p:cond delay="0"/>
+                            </p:stCondLst>
+                            <p:childTnLst>
+                              <p:par>
+                                <p:cTn id="5" presetID="10" presetClass="entr" presetSubtype="0" fill="hold" grpId="0" nodeType="withEffect">
+                                  <p:stCondLst>
+                                    <p:cond delay="0"/>
+                                  </p:stCondLst>
+                                  <p:childTnLst>
+                                    <p:set>
+                                      <p:cBhvr>
+                                        <p:cTn id="6" dur="1" fill="hold">
+                                          <p:stCondLst>
+                                            <p:cond delay="0"/>
+                                          </p:stCondLst>
+                                        </p:cTn>
+                                        <p:tgtEl>
+                                          <p:spTgt spid="5"/>
+                                        </p:tgtEl>
+                                        <p:attrNameLst>
+                                          <p:attrName>style.visibility</p:attrName>
+                                        </p:attrNameLst>
+                                      </p:cBhvr>
+                                      <p:to>
+                                        <p:strVal val="visible"/>
+                                      </p:to>
+                                    </p:set>
+                                    <p:animEffect transition="in" filter="fade">
+                                      <p:cBhvr>
+                                        <p:cTn id="7" dur="500"/>
+                                        <p:tgtEl>
+                                          <p:spTgt spid="5"/>
+                                        </p:tgtEl>
+                                      </p:cBhvr>
+                                    </p:animEffect>
+                                  </p:childTnLst>
+                                </p:cTn>
+                              </p:par>
+                              <p:par>
+                                <p:cTn id="8" presetID="10" presetClass="entr" presetSubtype="0" fill="hold" nodeType="withEffect">
+                                  <p:stCondLst>
+                                    <p:cond delay="0"/>
+                                  </p:stCondLst>
+                                  <p:childTnLst>
+                                    <p:set>
+                                      <p:cBhvr>
+                                        <p:cTn id="9" dur="1" fill="hold">
+                                          <p:stCondLst>
+                                            <p:cond delay="0"/>
+                                          </p:stCondLst>
+                                        </p:cTn>
+                                        <p:tgtEl>
+                                          <p:spTgt spid="4"/>
+                                        </p:tgtEl>
+                                        <p:attrNameLst>
+                                          <p:attrName>style.visibility</p:attrName>
+                                        </p:attrNameLst>
+                                      </p:cBhvr>
+                                      <p:to>
+                                        <p:strVal val="visible"/>
+                                      </p:to>
+                                    </p:set>
+                                    <p:animEffect transition="in" filter="fade">
+                                      <p:cBhvr>
+                                        <p:cTn id="10" dur="500"/>
+                                        <p:tgtEl>
+                                          <p:spTgt spid="4"/>
+                                        </p:tgtEl>
+                                      </p:cBhvr>
+                                    </p:animEffect>
+                                  </p:childTnLst>
+                                </p:cTn>
+                              </p:par>
+                            </p:childTnLst>
+                          </p:cTn>
+                        </p:par>
+                      </p:childTnLst>
+                    </p:cTn>
+                  </p:par>
+                </p:childTnLst>
+              </p:cTn>
+              <p:prevCondLst>
+                <p:cond evt="onPrev" delay="0">
+                  <p:tgtEl>
+                    <p:sldTgt/>
+                  </p:tgtEl>
+                </p:cond>
+              </p:prevCondLst>
+              <p:nextCondLst>
+                <p:cond evt="onNext" delay="0">
+                  <p:tgtEl>
+                    <p:sldTgt/>
+                  </p:tgtEl>
+                </p:cond>
+              </p:nextCondLst>
+            </p:seq>
+          </p:childTnLst>
+        </p:cTn>
+      </p:par>
+    </p:tnLst>
+    <p:bldLst>
+      <p:bldP spid="5" grpId="0" animBg="1"/>
+    </p:bldLst>
+  </p:timing>
+</p:sld>
+</file>
+
+<file path=ppt/slides/slide13.xml><?xml version="1.0" encoding="utf-8"?>
 <p:sld xmlns:a="http://schemas.openxmlformats.org/drawingml/2006/main" xmlns:r="http://schemas.openxmlformats.org/officeDocument/2006/relationships" xmlns:p="http://schemas.openxmlformats.org/presentationml/2006/main">
   <p:cSld>
     <p:bg>
@@ -10151,7 +12402,154 @@
 </p:sld>
 </file>
 
-<file path=ppt/slides/slide12.xml><?xml version="1.0" encoding="utf-8"?>
+<file path=ppt/slides/slide14.xml><?xml version="1.0" encoding="utf-8"?>
+<p:sld xmlns:a="http://schemas.openxmlformats.org/drawingml/2006/main" xmlns:r="http://schemas.openxmlformats.org/officeDocument/2006/relationships" xmlns:p="http://schemas.openxmlformats.org/presentationml/2006/main">
+  <p:cSld>
+    <p:bg>
+      <p:bgPr>
+        <a:solidFill>
+          <a:srgbClr val="505050"/>
+        </a:solidFill>
+        <a:effectLst/>
+      </p:bgPr>
+    </p:bg>
+    <p:spTree>
+      <p:nvGrpSpPr>
+        <p:cNvPr id="1" name=""/>
+        <p:cNvGrpSpPr/>
+        <p:nvPr/>
+      </p:nvGrpSpPr>
+      <p:grpSpPr>
+        <a:xfrm>
+          <a:off x="0" y="0"/>
+          <a:ext cx="0" cy="0"/>
+          <a:chOff x="0" y="0"/>
+          <a:chExt cx="0" cy="0"/>
+        </a:xfrm>
+      </p:grpSpPr>
+      <p:pic>
+        <p:nvPicPr>
+          <p:cNvPr id="3074" name="Picture 2" descr="Image result for azure key vault">
+            <a:extLst>
+              <a:ext uri="{FF2B5EF4-FFF2-40B4-BE49-F238E27FC236}">
+                <a16:creationId xmlns:a16="http://schemas.microsoft.com/office/drawing/2014/main" id="{6061F9CD-076F-4429-BE2C-CFC00CE4E774}"/>
+              </a:ext>
+            </a:extLst>
+          </p:cNvPr>
+          <p:cNvPicPr>
+            <a:picLocks noChangeAspect="1" noChangeArrowheads="1"/>
+          </p:cNvPicPr>
+          <p:nvPr/>
+        </p:nvPicPr>
+        <p:blipFill>
+          <a:blip r:embed="rId3">
+            <a:extLst>
+              <a:ext uri="{28A0092B-C50C-407E-A947-70E740481C1C}">
+                <a14:useLocalDpi xmlns:a14="http://schemas.microsoft.com/office/drawing/2010/main" val="0"/>
+              </a:ext>
+            </a:extLst>
+          </a:blip>
+          <a:srcRect/>
+          <a:stretch>
+            <a:fillRect/>
+          </a:stretch>
+        </p:blipFill>
+        <p:spPr bwMode="auto">
+          <a:xfrm>
+            <a:off x="2977795" y="2956896"/>
+            <a:ext cx="2600325" cy="1714500"/>
+          </a:xfrm>
+          <a:prstGeom prst="rect">
+            <a:avLst/>
+          </a:prstGeom>
+          <a:noFill/>
+          <a:extLst>
+            <a:ext uri="{909E8E84-426E-40DD-AFC4-6F175D3DCCD1}">
+              <a14:hiddenFill xmlns:a14="http://schemas.microsoft.com/office/drawing/2010/main">
+                <a:solidFill>
+                  <a:srgbClr val="FFFFFF"/>
+                </a:solidFill>
+              </a14:hiddenFill>
+            </a:ext>
+          </a:extLst>
+        </p:spPr>
+      </p:pic>
+      <p:sp>
+        <p:nvSpPr>
+          <p:cNvPr id="2" name="Title 1"/>
+          <p:cNvSpPr>
+            <a:spLocks noGrp="1"/>
+          </p:cNvSpPr>
+          <p:nvPr>
+            <p:ph type="title"/>
+          </p:nvPr>
+        </p:nvSpPr>
+        <p:spPr>
+          <a:xfrm>
+            <a:off x="831850" y="1709738"/>
+            <a:ext cx="10515600" cy="2852737"/>
+          </a:xfrm>
+        </p:spPr>
+        <p:txBody>
+          <a:bodyPr/>
+          <a:lstStyle/>
+          <a:p>
+            <a:r>
+              <a:rPr lang="en-US"/>
+              <a:t>Demo</a:t>
+            </a:r>
+            <a:endParaRPr lang="en-US" dirty="0"/>
+          </a:p>
+        </p:txBody>
+      </p:sp>
+      <p:sp>
+        <p:nvSpPr>
+          <p:cNvPr id="4" name="Text Placeholder 3">
+            <a:extLst>
+              <a:ext uri="{FF2B5EF4-FFF2-40B4-BE49-F238E27FC236}">
+                <a16:creationId xmlns:a16="http://schemas.microsoft.com/office/drawing/2014/main" id="{3BCC483B-E1AE-440E-BC8D-2AA2A6FD23E2}"/>
+              </a:ext>
+            </a:extLst>
+          </p:cNvPr>
+          <p:cNvSpPr>
+            <a:spLocks noGrp="1"/>
+          </p:cNvSpPr>
+          <p:nvPr>
+            <p:ph type="body" idx="1"/>
+          </p:nvPr>
+        </p:nvSpPr>
+        <p:spPr>
+          <a:xfrm>
+            <a:off x="831850" y="4589463"/>
+            <a:ext cx="10515600" cy="1500187"/>
+          </a:xfrm>
+        </p:spPr>
+        <p:txBody>
+          <a:bodyPr/>
+          <a:lstStyle/>
+          <a:p>
+            <a:r>
+              <a:rPr lang="en-US"/>
+              <a:t>Secret Manager + Azure Key Vault</a:t>
+            </a:r>
+            <a:endParaRPr lang="en-US" dirty="0"/>
+          </a:p>
+        </p:txBody>
+      </p:sp>
+    </p:spTree>
+    <p:extLst>
+      <p:ext uri="{BB962C8B-B14F-4D97-AF65-F5344CB8AC3E}">
+        <p14:creationId xmlns:p14="http://schemas.microsoft.com/office/powerpoint/2010/main" val="2460411575"/>
+      </p:ext>
+    </p:extLst>
+  </p:cSld>
+  <p:clrMapOvr>
+    <a:masterClrMapping/>
+  </p:clrMapOvr>
+</p:sld>
+</file>
+
+<file path=ppt/slides/slide15.xml><?xml version="1.0" encoding="utf-8"?>
 <p:sld xmlns:a="http://schemas.openxmlformats.org/drawingml/2006/main" xmlns:r="http://schemas.openxmlformats.org/officeDocument/2006/relationships" xmlns:p="http://schemas.openxmlformats.org/presentationml/2006/main">
   <p:cSld>
     <p:bg>
@@ -10263,15 +12661,15 @@
               <a:rPr lang="en-US" dirty="0">
                 <a:hlinkClick r:id="rId4"/>
               </a:rPr>
-              <a:t>https://docs.microsoft.com/aspnet/core/security/app-secrets</a:t>
+              <a:t>aka.ms/dotnet-secret-mgr</a:t>
             </a:r>
           </a:p>
           <a:p>
             <a:r>
               <a:rPr lang="en-US" dirty="0">
-                <a:hlinkClick r:id="rId4"/>
+                <a:hlinkClick r:id="rId5"/>
               </a:rPr>
-              <a:t>https://docs.microsoft.com/azure/key-vault/vs-key-vault-add-connected-service</a:t>
+              <a:t>aka.ms/az-key-vault</a:t>
             </a:r>
             <a:endParaRPr lang="en-US" dirty="0"/>
           </a:p>
@@ -10323,7 +12721,7 @@
                                         <p:tgtEl>
                                           <p:spTgt spid="3">
                                             <p:txEl>
-                                              <p:pRg st="1" end="1"/>
+                                              <p:pRg st="0" end="0"/>
                                             </p:txEl>
                                           </p:spTgt>
                                         </p:tgtEl>
@@ -10338,67 +12736,6 @@
                                     <p:animEffect transition="in" filter="fade">
                                       <p:cBhvr>
                                         <p:cTn id="7" dur="500"/>
-                                        <p:tgtEl>
-                                          <p:spTgt spid="3">
-                                            <p:txEl>
-                                              <p:pRg st="1" end="1"/>
-                                            </p:txEl>
-                                          </p:spTgt>
-                                        </p:tgtEl>
-                                      </p:cBhvr>
-                                    </p:animEffect>
-                                  </p:childTnLst>
-                                </p:cTn>
-                              </p:par>
-                            </p:childTnLst>
-                          </p:cTn>
-                        </p:par>
-                      </p:childTnLst>
-                    </p:cTn>
-                  </p:par>
-                  <p:par>
-                    <p:cTn id="8" fill="hold">
-                      <p:stCondLst>
-                        <p:cond delay="indefinite"/>
-                      </p:stCondLst>
-                      <p:childTnLst>
-                        <p:par>
-                          <p:cTn id="9" fill="hold">
-                            <p:stCondLst>
-                              <p:cond delay="0"/>
-                            </p:stCondLst>
-                            <p:childTnLst>
-                              <p:par>
-                                <p:cTn id="10" presetID="10" presetClass="entr" presetSubtype="0" fill="hold" nodeType="clickEffect">
-                                  <p:stCondLst>
-                                    <p:cond delay="0"/>
-                                  </p:stCondLst>
-                                  <p:childTnLst>
-                                    <p:set>
-                                      <p:cBhvr>
-                                        <p:cTn id="11" dur="1" fill="hold">
-                                          <p:stCondLst>
-                                            <p:cond delay="0"/>
-                                          </p:stCondLst>
-                                        </p:cTn>
-                                        <p:tgtEl>
-                                          <p:spTgt spid="3">
-                                            <p:txEl>
-                                              <p:pRg st="0" end="0"/>
-                                            </p:txEl>
-                                          </p:spTgt>
-                                        </p:tgtEl>
-                                        <p:attrNameLst>
-                                          <p:attrName>style.visibility</p:attrName>
-                                        </p:attrNameLst>
-                                      </p:cBhvr>
-                                      <p:to>
-                                        <p:strVal val="visible"/>
-                                      </p:to>
-                                    </p:set>
-                                    <p:animEffect transition="in" filter="fade">
-                                      <p:cBhvr>
-                                        <p:cTn id="12" dur="500"/>
                                         <p:tgtEl>
                                           <p:spTgt spid="3">
                                             <p:txEl>
@@ -13601,15 +15938,21 @@
             <p:ph type="title"/>
           </p:nvPr>
         </p:nvSpPr>
-        <p:spPr/>
+        <p:spPr>
+          <a:xfrm>
+            <a:off x="838200" y="365125"/>
+            <a:ext cx="10515600" cy="1325563"/>
+          </a:xfrm>
+        </p:spPr>
         <p:txBody>
           <a:bodyPr/>
           <a:lstStyle/>
           <a:p>
             <a:r>
-              <a:rPr lang="en-US" dirty="0"/>
+              <a:rPr lang="en-US"/>
               <a:t>Secret Manager</a:t>
             </a:r>
+            <a:endParaRPr lang="en-US" dirty="0"/>
           </a:p>
         </p:txBody>
       </p:sp>
@@ -13623,7 +15966,12 @@
             <p:ph idx="1"/>
           </p:nvPr>
         </p:nvSpPr>
-        <p:spPr/>
+        <p:spPr>
+          <a:xfrm>
+            <a:off x="838200" y="1825625"/>
+            <a:ext cx="10515600" cy="4351338"/>
+          </a:xfrm>
+        </p:spPr>
         <p:txBody>
           <a:bodyPr>
             <a:normAutofit fontScale="92500" lnSpcReduction="10000"/>
@@ -13634,7 +15982,7 @@
               <a:buNone/>
             </a:pPr>
             <a:r>
-              <a:rPr lang="en-US" dirty="0">
+              <a:rPr lang="en-US" b="1" dirty="0">
                 <a:solidFill>
                   <a:schemeClr val="accent4"/>
                 </a:solidFill>
@@ -13677,7 +16025,7 @@
               <a:buNone/>
             </a:pPr>
             <a:r>
-              <a:rPr lang="en-US" dirty="0">
+              <a:rPr lang="en-US" b="1" dirty="0">
                 <a:solidFill>
                   <a:schemeClr val="accent4"/>
                 </a:solidFill>
@@ -16575,28 +18923,6 @@
           </a:p>
         </p:txBody>
       </p:sp>
-      <p:sp>
-        <p:nvSpPr>
-          <p:cNvPr id="3" name="Content Placeholder 2"/>
-          <p:cNvSpPr>
-            <a:spLocks noGrp="1"/>
-          </p:cNvSpPr>
-          <p:nvPr>
-            <p:ph idx="1"/>
-          </p:nvPr>
-        </p:nvSpPr>
-        <p:spPr/>
-        <p:txBody>
-          <a:bodyPr/>
-          <a:lstStyle/>
-          <a:p>
-            <a:pPr marL="0" indent="0">
-              <a:buNone/>
-            </a:pPr>
-            <a:endParaRPr lang="en-US" dirty="0"/>
-          </a:p>
-        </p:txBody>
-      </p:sp>
       <p:graphicFrame>
         <p:nvGraphicFramePr>
           <p:cNvPr id="4" name="Table 3">
@@ -16612,14 +18938,14 @@
           <p:nvPr>
             <p:extLst>
               <p:ext uri="{D42A27DB-BD31-4B8C-83A1-F6EECF244321}">
-                <p14:modId xmlns:p14="http://schemas.microsoft.com/office/powerpoint/2010/main" val="3139221817"/>
+                <p14:modId xmlns:p14="http://schemas.microsoft.com/office/powerpoint/2010/main" val="2112485447"/>
               </p:ext>
             </p:extLst>
           </p:nvPr>
         </p:nvGraphicFramePr>
         <p:xfrm>
-          <a:off x="844462" y="1920875"/>
-          <a:ext cx="9165812" cy="4849684"/>
+          <a:off x="844462" y="1920876"/>
+          <a:ext cx="9165812" cy="4328160"/>
         </p:xfrm>
         <a:graphic>
           <a:graphicData uri="http://schemas.openxmlformats.org/drawingml/2006/table">
@@ -16634,7 +18960,7 @@
                   </a:extLst>
                 </a:gridCol>
               </a:tblGrid>
-              <a:tr h="4483924">
+              <a:tr h="3800574">
                 <a:tc>
                   <a:txBody>
                     <a:bodyPr/>
@@ -16714,7 +19040,7 @@
                     </a:lstStyle>
                     <a:p>
                       <a:r>
-                        <a:rPr lang="en-US" sz="1800" dirty="0">
+                        <a:rPr lang="en-US" sz="1600" dirty="0">
                           <a:solidFill>
                             <a:srgbClr val="0000FF"/>
                           </a:solidFill>
@@ -16723,7 +19049,7 @@
                         <a:t>public</a:t>
                       </a:r>
                       <a:r>
-                        <a:rPr lang="en-US" sz="1800" dirty="0">
+                        <a:rPr lang="en-US" sz="1600" dirty="0">
                           <a:solidFill>
                             <a:srgbClr val="000000"/>
                           </a:solidFill>
@@ -16732,7 +19058,7 @@
                         <a:t> </a:t>
                       </a:r>
                       <a:r>
-                        <a:rPr lang="en-US" sz="1800" dirty="0">
+                        <a:rPr lang="en-US" sz="1600" dirty="0">
                           <a:solidFill>
                             <a:srgbClr val="0000FF"/>
                           </a:solidFill>
@@ -16741,7 +19067,7 @@
                         <a:t>class</a:t>
                       </a:r>
                       <a:r>
-                        <a:rPr lang="en-US" sz="1800" dirty="0">
+                        <a:rPr lang="en-US" sz="1600" dirty="0">
                           <a:solidFill>
                             <a:srgbClr val="000000"/>
                           </a:solidFill>
@@ -16750,7 +19076,7 @@
                         <a:t> </a:t>
                       </a:r>
                       <a:r>
-                        <a:rPr lang="en-US" sz="1800" dirty="0">
+                        <a:rPr lang="en-US" sz="1600" dirty="0">
                           <a:solidFill>
                             <a:srgbClr val="2B91AF"/>
                           </a:solidFill>
@@ -16758,7 +19084,7 @@
                         </a:rPr>
                         <a:t>Startup</a:t>
                       </a:r>
-                      <a:endParaRPr lang="en-US" sz="1800" dirty="0">
+                      <a:endParaRPr lang="en-US" sz="1600" dirty="0">
                         <a:solidFill>
                           <a:srgbClr val="000000"/>
                         </a:solidFill>
@@ -16767,7 +19093,7 @@
                     </a:p>
                     <a:p>
                       <a:r>
-                        <a:rPr lang="en-US" sz="1800" dirty="0">
+                        <a:rPr lang="en-US" sz="1600" dirty="0">
                           <a:solidFill>
                             <a:srgbClr val="000000"/>
                           </a:solidFill>
@@ -16778,7 +19104,7 @@
                     </a:p>
                     <a:p>
                       <a:r>
-                        <a:rPr lang="en-US" sz="1800" dirty="0">
+                        <a:rPr lang="en-US" sz="1600" dirty="0">
                           <a:solidFill>
                             <a:srgbClr val="000000"/>
                           </a:solidFill>
@@ -16787,7 +19113,7 @@
                         <a:t>    </a:t>
                       </a:r>
                       <a:r>
-                        <a:rPr lang="en-US" sz="1800" dirty="0">
+                        <a:rPr lang="en-US" sz="1600" dirty="0">
                           <a:solidFill>
                             <a:srgbClr val="0000FF"/>
                           </a:solidFill>
@@ -16796,7 +19122,7 @@
                         <a:t>private</a:t>
                       </a:r>
                       <a:r>
-                        <a:rPr lang="en-US" sz="1800" dirty="0">
+                        <a:rPr lang="en-US" sz="1600" dirty="0">
                           <a:solidFill>
                             <a:srgbClr val="000000"/>
                           </a:solidFill>
@@ -16805,7 +19131,7 @@
                         <a:t> </a:t>
                       </a:r>
                       <a:r>
-                        <a:rPr lang="en-US" sz="1800" dirty="0">
+                        <a:rPr lang="en-US" sz="1600" dirty="0">
                           <a:solidFill>
                             <a:srgbClr val="0000FF"/>
                           </a:solidFill>
@@ -16814,7 +19140,7 @@
                         <a:t>string</a:t>
                       </a:r>
                       <a:r>
-                        <a:rPr lang="en-US" sz="1800" dirty="0">
+                        <a:rPr lang="en-US" sz="1600" dirty="0">
                           <a:solidFill>
                             <a:srgbClr val="000000"/>
                           </a:solidFill>
@@ -16823,7 +19149,7 @@
                         <a:t> _connection = </a:t>
                       </a:r>
                       <a:r>
-                        <a:rPr lang="en-US" sz="1800" dirty="0">
+                        <a:rPr lang="en-US" sz="1600" dirty="0">
                           <a:solidFill>
                             <a:srgbClr val="0000FF"/>
                           </a:solidFill>
@@ -16832,7 +19158,7 @@
                         <a:t>null</a:t>
                       </a:r>
                       <a:r>
-                        <a:rPr lang="en-US" sz="1800" dirty="0">
+                        <a:rPr lang="en-US" sz="1600" dirty="0">
                           <a:solidFill>
                             <a:srgbClr val="000000"/>
                           </a:solidFill>
@@ -16842,7 +19168,7 @@
                       </a:r>
                     </a:p>
                     <a:p>
-                      <a:endParaRPr lang="en-US" sz="1800" dirty="0">
+                      <a:endParaRPr lang="en-US" sz="1600" dirty="0">
                         <a:solidFill>
                           <a:srgbClr val="000000"/>
                         </a:solidFill>
@@ -16851,7 +19177,7 @@
                     </a:p>
                     <a:p>
                       <a:r>
-                        <a:rPr lang="en-US" sz="1800" dirty="0">
+                        <a:rPr lang="en-US" sz="1600" dirty="0">
                           <a:solidFill>
                             <a:srgbClr val="000000"/>
                           </a:solidFill>
@@ -16860,7 +19186,7 @@
                         <a:t>    </a:t>
                       </a:r>
                       <a:r>
-                        <a:rPr lang="en-US" sz="1800" dirty="0">
+                        <a:rPr lang="en-US" sz="1600" dirty="0">
                           <a:solidFill>
                             <a:srgbClr val="0000FF"/>
                           </a:solidFill>
@@ -16869,7 +19195,7 @@
                         <a:t>public</a:t>
                       </a:r>
                       <a:r>
-                        <a:rPr lang="en-US" sz="1800" dirty="0">
+                        <a:rPr lang="en-US" sz="1600" dirty="0">
                           <a:solidFill>
                             <a:srgbClr val="000000"/>
                           </a:solidFill>
@@ -16878,7 +19204,7 @@
                         <a:t> Startup(</a:t>
                       </a:r>
                       <a:r>
-                        <a:rPr lang="en-US" sz="1800" dirty="0" err="1">
+                        <a:rPr lang="en-US" sz="1600" dirty="0" err="1">
                           <a:solidFill>
                             <a:srgbClr val="000000"/>
                           </a:solidFill>
@@ -16887,7 +19213,7 @@
                         <a:t>IConfiguration</a:t>
                       </a:r>
                       <a:r>
-                        <a:rPr lang="en-US" sz="1800" dirty="0">
+                        <a:rPr lang="en-US" sz="1600" dirty="0">
                           <a:solidFill>
                             <a:srgbClr val="000000"/>
                           </a:solidFill>
@@ -16898,7 +19224,7 @@
                     </a:p>
                     <a:p>
                       <a:r>
-                        <a:rPr lang="en-US" sz="1800" dirty="0">
+                        <a:rPr lang="en-US" sz="1600" dirty="0">
                           <a:solidFill>
                             <a:srgbClr val="000000"/>
                           </a:solidFill>
@@ -16908,7 +19234,7 @@
                       </a:r>
                     </a:p>
                     <a:p>
-                      <a:endParaRPr lang="en-US" sz="1800" dirty="0">
+                      <a:endParaRPr lang="en-US" sz="1600" dirty="0">
                         <a:solidFill>
                           <a:srgbClr val="000000"/>
                         </a:solidFill>
@@ -16917,7 +19243,7 @@
                     </a:p>
                     <a:p>
                       <a:r>
-                        <a:rPr lang="en-US" sz="1800" dirty="0">
+                        <a:rPr lang="en-US" sz="1600" dirty="0">
                           <a:solidFill>
                             <a:srgbClr val="000000"/>
                           </a:solidFill>
@@ -16926,7 +19252,7 @@
                         <a:t>    </a:t>
                       </a:r>
                       <a:r>
-                        <a:rPr lang="en-US" sz="1800" dirty="0">
+                        <a:rPr lang="en-US" sz="1600" dirty="0">
                           <a:solidFill>
                             <a:srgbClr val="0000FF"/>
                           </a:solidFill>
@@ -16935,7 +19261,7 @@
                         <a:t>public</a:t>
                       </a:r>
                       <a:r>
-                        <a:rPr lang="en-US" sz="1800" dirty="0">
+                        <a:rPr lang="en-US" sz="1600" dirty="0">
                           <a:solidFill>
                             <a:srgbClr val="000000"/>
                           </a:solidFill>
@@ -16944,7 +19270,7 @@
                         <a:t> </a:t>
                       </a:r>
                       <a:r>
-                        <a:rPr lang="en-US" sz="1800" dirty="0" err="1">
+                        <a:rPr lang="en-US" sz="1600" dirty="0" err="1">
                           <a:solidFill>
                             <a:srgbClr val="000000"/>
                           </a:solidFill>
@@ -16953,7 +19279,7 @@
                         <a:t>IConfiguration</a:t>
                       </a:r>
                       <a:r>
-                        <a:rPr lang="en-US" sz="1800" dirty="0">
+                        <a:rPr lang="en-US" sz="1600" dirty="0">
                           <a:solidFill>
                             <a:srgbClr val="000000"/>
                           </a:solidFill>
@@ -16962,7 +19288,7 @@
                         <a:t> Configuration { </a:t>
                       </a:r>
                       <a:r>
-                        <a:rPr lang="en-US" sz="1800" dirty="0">
+                        <a:rPr lang="en-US" sz="1600" dirty="0">
                           <a:solidFill>
                             <a:srgbClr val="0000FF"/>
                           </a:solidFill>
@@ -16971,7 +19297,7 @@
                         <a:t>get</a:t>
                       </a:r>
                       <a:r>
-                        <a:rPr lang="en-US" sz="1800" dirty="0">
+                        <a:rPr lang="en-US" sz="1600" dirty="0">
                           <a:solidFill>
                             <a:srgbClr val="000000"/>
                           </a:solidFill>
@@ -16981,7 +19307,7 @@
                       </a:r>
                     </a:p>
                     <a:p>
-                      <a:endParaRPr lang="en-US" sz="1800" dirty="0">
+                      <a:endParaRPr lang="en-US" sz="1600" dirty="0">
                         <a:solidFill>
                           <a:srgbClr val="000000"/>
                         </a:solidFill>
@@ -16990,7 +19316,7 @@
                     </a:p>
                     <a:p>
                       <a:r>
-                        <a:rPr lang="en-US" sz="1800" dirty="0">
+                        <a:rPr lang="en-US" sz="1600" dirty="0">
                           <a:solidFill>
                             <a:srgbClr val="000000"/>
                           </a:solidFill>
@@ -16999,7 +19325,7 @@
                         <a:t>    </a:t>
                       </a:r>
                       <a:r>
-                        <a:rPr lang="en-US" sz="1800" dirty="0">
+                        <a:rPr lang="en-US" sz="1600" dirty="0">
                           <a:solidFill>
                             <a:srgbClr val="0000FF"/>
                           </a:solidFill>
@@ -17008,7 +19334,7 @@
                         <a:t>public</a:t>
                       </a:r>
                       <a:r>
-                        <a:rPr lang="en-US" sz="1800" dirty="0">
+                        <a:rPr lang="en-US" sz="1600" dirty="0">
                           <a:solidFill>
                             <a:srgbClr val="000000"/>
                           </a:solidFill>
@@ -17017,7 +19343,7 @@
                         <a:t> </a:t>
                       </a:r>
                       <a:r>
-                        <a:rPr lang="en-US" sz="1800" dirty="0">
+                        <a:rPr lang="en-US" sz="1600" dirty="0">
                           <a:solidFill>
                             <a:srgbClr val="0000FF"/>
                           </a:solidFill>
@@ -17026,7 +19352,7 @@
                         <a:t>void</a:t>
                       </a:r>
                       <a:r>
-                        <a:rPr lang="en-US" sz="1800" dirty="0">
+                        <a:rPr lang="en-US" sz="1600" dirty="0">
                           <a:solidFill>
                             <a:srgbClr val="000000"/>
                           </a:solidFill>
@@ -17035,7 +19361,7 @@
                         <a:t> </a:t>
                       </a:r>
                       <a:r>
-                        <a:rPr lang="en-US" sz="1800" dirty="0" err="1">
+                        <a:rPr lang="en-US" sz="1600" dirty="0" err="1">
                           <a:solidFill>
                             <a:srgbClr val="000000"/>
                           </a:solidFill>
@@ -17044,7 +19370,7 @@
                         <a:t>ConfigureServices</a:t>
                       </a:r>
                       <a:r>
-                        <a:rPr lang="en-US" sz="1800" dirty="0">
+                        <a:rPr lang="en-US" sz="1600" dirty="0">
                           <a:solidFill>
                             <a:srgbClr val="000000"/>
                           </a:solidFill>
@@ -17053,7 +19379,7 @@
                         <a:t>(</a:t>
                       </a:r>
                       <a:r>
-                        <a:rPr lang="en-US" sz="1800" dirty="0" err="1">
+                        <a:rPr lang="en-US" sz="1600" dirty="0" err="1">
                           <a:solidFill>
                             <a:srgbClr val="000000"/>
                           </a:solidFill>
@@ -17062,7 +19388,7 @@
                         <a:t>IServiceCollection</a:t>
                       </a:r>
                       <a:r>
-                        <a:rPr lang="en-US" sz="1800" dirty="0">
+                        <a:rPr lang="en-US" sz="1600" dirty="0">
                           <a:solidFill>
                             <a:srgbClr val="000000"/>
                           </a:solidFill>
@@ -17073,7 +19399,7 @@
                     </a:p>
                     <a:p>
                       <a:r>
-                        <a:rPr lang="en-US" sz="1800" dirty="0">
+                        <a:rPr lang="en-US" sz="1600" dirty="0">
                           <a:solidFill>
                             <a:srgbClr val="000000"/>
                           </a:solidFill>
@@ -17084,7 +19410,7 @@
                     </a:p>
                     <a:p>
                       <a:r>
-                        <a:rPr lang="en-US" sz="1800" dirty="0">
+                        <a:rPr lang="en-US" sz="1600" dirty="0">
                           <a:solidFill>
                             <a:srgbClr val="000000"/>
                           </a:solidFill>
@@ -17093,7 +19419,7 @@
                         <a:t>        </a:t>
                       </a:r>
                       <a:r>
-                        <a:rPr lang="en-US" sz="1800" dirty="0">
+                        <a:rPr lang="en-US" sz="1600" dirty="0">
                           <a:solidFill>
                             <a:srgbClr val="0000FF"/>
                           </a:solidFill>
@@ -17102,7 +19428,7 @@
                         <a:t>var</a:t>
                       </a:r>
                       <a:r>
-                        <a:rPr lang="en-US" sz="1800" dirty="0">
+                        <a:rPr lang="en-US" sz="1600" dirty="0">
                           <a:solidFill>
                             <a:srgbClr val="000000"/>
                           </a:solidFill>
@@ -17111,7 +19437,7 @@
                         <a:t> builder = </a:t>
                       </a:r>
                       <a:r>
-                        <a:rPr lang="en-US" sz="1800" dirty="0">
+                        <a:rPr lang="en-US" sz="1600" dirty="0">
                           <a:solidFill>
                             <a:srgbClr val="0000FF"/>
                           </a:solidFill>
@@ -17120,7 +19446,7 @@
                         <a:t>new</a:t>
                       </a:r>
                       <a:r>
-                        <a:rPr lang="en-US" sz="1800" dirty="0">
+                        <a:rPr lang="en-US" sz="1600" dirty="0">
                           <a:solidFill>
                             <a:srgbClr val="000000"/>
                           </a:solidFill>
@@ -17129,7 +19455,7 @@
                         <a:t> </a:t>
                       </a:r>
                       <a:r>
-                        <a:rPr lang="en-US" sz="1800" dirty="0" err="1">
+                        <a:rPr lang="en-US" sz="1600" dirty="0" err="1">
                           <a:solidFill>
                             <a:srgbClr val="000000"/>
                           </a:solidFill>
@@ -17138,7 +19464,7 @@
                         <a:t>SqlConnectionStringBuilder</a:t>
                       </a:r>
                       <a:r>
-                        <a:rPr lang="en-US" sz="1800" dirty="0">
+                        <a:rPr lang="en-US" sz="1600" dirty="0">
                           <a:solidFill>
                             <a:srgbClr val="000000"/>
                           </a:solidFill>
@@ -17149,7 +19475,7 @@
                     </a:p>
                     <a:p>
                       <a:r>
-                        <a:rPr lang="en-US" sz="1800" dirty="0">
+                        <a:rPr lang="en-US" sz="1600" dirty="0">
                           <a:solidFill>
                             <a:srgbClr val="000000"/>
                           </a:solidFill>
@@ -17158,7 +19484,7 @@
                         <a:t>            </a:t>
                       </a:r>
                       <a:r>
-                        <a:rPr lang="en-US" sz="1800" dirty="0" err="1">
+                        <a:rPr lang="en-US" sz="1600" dirty="0" err="1">
                           <a:solidFill>
                             <a:srgbClr val="000000"/>
                           </a:solidFill>
@@ -17167,7 +19493,7 @@
                         <a:t>Configuration.GetConnectionString</a:t>
                       </a:r>
                       <a:r>
-                        <a:rPr lang="en-US" sz="1800" dirty="0">
+                        <a:rPr lang="en-US" sz="1600" dirty="0">
                           <a:solidFill>
                             <a:srgbClr val="000000"/>
                           </a:solidFill>
@@ -17176,7 +19502,7 @@
                         <a:t>(</a:t>
                       </a:r>
                       <a:r>
-                        <a:rPr lang="en-US" sz="1800" dirty="0">
+                        <a:rPr lang="en-US" sz="1600" dirty="0">
                           <a:solidFill>
                             <a:srgbClr val="A31515"/>
                           </a:solidFill>
@@ -17185,7 +19511,7 @@
                         <a:t>"Movies"</a:t>
                       </a:r>
                       <a:r>
-                        <a:rPr lang="en-US" sz="1800" dirty="0">
+                        <a:rPr lang="en-US" sz="1600" dirty="0">
                           <a:solidFill>
                             <a:srgbClr val="000000"/>
                           </a:solidFill>
@@ -17196,7 +19522,7 @@
                     </a:p>
                     <a:p>
                       <a:r>
-                        <a:rPr lang="en-US" sz="1800" dirty="0">
+                        <a:rPr lang="en-US" sz="1600" dirty="0">
                           <a:solidFill>
                             <a:srgbClr val="000000"/>
                           </a:solidFill>
@@ -17205,7 +19531,7 @@
                         <a:t>        </a:t>
                       </a:r>
                       <a:r>
-                        <a:rPr lang="en-US" sz="1800" dirty="0" err="1">
+                        <a:rPr lang="en-US" sz="1600" dirty="0" err="1">
                           <a:solidFill>
                             <a:srgbClr val="000000"/>
                           </a:solidFill>
@@ -17214,7 +19540,7 @@
                         <a:t>builder.UserID</a:t>
                       </a:r>
                       <a:r>
-                        <a:rPr lang="en-US" sz="1800" dirty="0">
+                        <a:rPr lang="en-US" sz="1600" dirty="0">
                           <a:solidFill>
                             <a:srgbClr val="000000"/>
                           </a:solidFill>
@@ -17223,7 +19549,7 @@
                         <a:t> = Configuration[</a:t>
                       </a:r>
                       <a:r>
-                        <a:rPr lang="en-US" sz="1800" dirty="0">
+                        <a:rPr lang="en-US" sz="1600" dirty="0">
                           <a:solidFill>
                             <a:srgbClr val="A31515"/>
                           </a:solidFill>
@@ -17232,7 +19558,7 @@
                         <a:t>"</a:t>
                       </a:r>
                       <a:r>
-                        <a:rPr lang="en-US" sz="1800" dirty="0" err="1">
+                        <a:rPr lang="en-US" sz="1600" dirty="0" err="1">
                           <a:solidFill>
                             <a:srgbClr val="A31515"/>
                           </a:solidFill>
@@ -17241,7 +19567,7 @@
                         <a:t>Movies:User</a:t>
                       </a:r>
                       <a:r>
-                        <a:rPr lang="en-US" sz="1800" dirty="0">
+                        <a:rPr lang="en-US" sz="1600" dirty="0">
                           <a:solidFill>
                             <a:srgbClr val="A31515"/>
                           </a:solidFill>
@@ -17250,7 +19576,7 @@
                         <a:t>"</a:t>
                       </a:r>
                       <a:r>
-                        <a:rPr lang="en-US" sz="1800" dirty="0">
+                        <a:rPr lang="en-US" sz="1600" dirty="0">
                           <a:solidFill>
                             <a:srgbClr val="000000"/>
                           </a:solidFill>
@@ -17261,7 +19587,7 @@
                     </a:p>
                     <a:p>
                       <a:r>
-                        <a:rPr lang="en-US" sz="1800" dirty="0">
+                        <a:rPr lang="en-US" sz="1600" dirty="0">
                           <a:solidFill>
                             <a:srgbClr val="000000"/>
                           </a:solidFill>
@@ -17270,7 +19596,7 @@
                         <a:t>        </a:t>
                       </a:r>
                       <a:r>
-                        <a:rPr lang="en-US" sz="1800" dirty="0" err="1">
+                        <a:rPr lang="en-US" sz="1600" dirty="0" err="1">
                           <a:solidFill>
                             <a:srgbClr val="000000"/>
                           </a:solidFill>
@@ -17279,7 +19605,7 @@
                         <a:t>builder.Password</a:t>
                       </a:r>
                       <a:r>
-                        <a:rPr lang="en-US" sz="1800" dirty="0">
+                        <a:rPr lang="en-US" sz="1600" dirty="0">
                           <a:solidFill>
                             <a:srgbClr val="000000"/>
                           </a:solidFill>
@@ -17288,7 +19614,7 @@
                         <a:t> = Configuration[</a:t>
                       </a:r>
                       <a:r>
-                        <a:rPr lang="en-US" sz="1800" dirty="0">
+                        <a:rPr lang="en-US" sz="1600" dirty="0">
                           <a:solidFill>
                             <a:srgbClr val="A31515"/>
                           </a:solidFill>
@@ -17297,7 +19623,7 @@
                         <a:t>"</a:t>
                       </a:r>
                       <a:r>
-                        <a:rPr lang="en-US" sz="1800" dirty="0" err="1">
+                        <a:rPr lang="en-US" sz="1600" dirty="0" err="1">
                           <a:solidFill>
                             <a:srgbClr val="A31515"/>
                           </a:solidFill>
@@ -17306,7 +19632,7 @@
                         <a:t>Movies:Password</a:t>
                       </a:r>
                       <a:r>
-                        <a:rPr lang="en-US" sz="1800" dirty="0">
+                        <a:rPr lang="en-US" sz="1600" dirty="0">
                           <a:solidFill>
                             <a:srgbClr val="A31515"/>
                           </a:solidFill>
@@ -17315,7 +19641,7 @@
                         <a:t>"</a:t>
                       </a:r>
                       <a:r>
-                        <a:rPr lang="en-US" sz="1800" dirty="0">
+                        <a:rPr lang="en-US" sz="1600" dirty="0">
                           <a:solidFill>
                             <a:srgbClr val="000000"/>
                           </a:solidFill>
@@ -17326,7 +19652,7 @@
                     </a:p>
                     <a:p>
                       <a:r>
-                        <a:rPr lang="en-US" sz="1800" dirty="0">
+                        <a:rPr lang="en-US" sz="1600" dirty="0">
                           <a:solidFill>
                             <a:srgbClr val="000000"/>
                           </a:solidFill>
@@ -17335,7 +19661,7 @@
                         <a:t>        _connection = </a:t>
                       </a:r>
                       <a:r>
-                        <a:rPr lang="en-US" sz="1800" dirty="0" err="1">
+                        <a:rPr lang="en-US" sz="1600" dirty="0" err="1">
                           <a:solidFill>
                             <a:srgbClr val="000000"/>
                           </a:solidFill>
@@ -17344,7 +19670,7 @@
                         <a:t>builder.ConnectionString</a:t>
                       </a:r>
                       <a:r>
-                        <a:rPr lang="en-US" sz="1800">
+                        <a:rPr lang="en-US" sz="1600" dirty="0">
                           <a:solidFill>
                             <a:srgbClr val="000000"/>
                           </a:solidFill>
@@ -17352,12 +19678,6 @@
                         </a:rPr>
                         <a:t>;</a:t>
                       </a:r>
-                      <a:endParaRPr lang="en-US" sz="1800" dirty="0">
-                        <a:solidFill>
-                          <a:srgbClr val="000000"/>
-                        </a:solidFill>
-                        <a:latin typeface="Consolas" panose="020B0609020204030204" pitchFamily="49" charset="0"/>
-                      </a:endParaRPr>
                     </a:p>
                   </a:txBody>
                   <a:tcPr>
@@ -17416,13 +19736,13 @@
                   </a:ext>
                 </a:extLst>
               </a:tr>
-              <a:tr h="344917">
+              <a:tr h="319132">
                 <a:tc>
                   <a:txBody>
                     <a:bodyPr/>
                     <a:lstStyle/>
                     <a:p>
-                      <a:endParaRPr lang="en-US" sz="1800" dirty="0">
+                      <a:endParaRPr lang="en-US" sz="1600" dirty="0">
                         <a:solidFill>
                           <a:srgbClr val="000000"/>
                         </a:solidFill>
@@ -17592,6 +19912,61 @@
           </a:p>
         </p:txBody>
       </p:sp>
+      <p:sp>
+        <p:nvSpPr>
+          <p:cNvPr id="6" name="Content Placeholder 5">
+            <a:extLst>
+              <a:ext uri="{FF2B5EF4-FFF2-40B4-BE49-F238E27FC236}">
+                <a16:creationId xmlns:a16="http://schemas.microsoft.com/office/drawing/2014/main" id="{E5A9F2D8-89AD-4C13-B6B2-AF06F5805B64}"/>
+              </a:ext>
+            </a:extLst>
+          </p:cNvPr>
+          <p:cNvSpPr>
+            <a:spLocks noGrp="1"/>
+          </p:cNvSpPr>
+          <p:nvPr>
+            <p:ph idx="1"/>
+          </p:nvPr>
+        </p:nvSpPr>
+        <p:spPr>
+          <a:xfrm>
+            <a:off x="1745673" y="5135418"/>
+            <a:ext cx="5902036" cy="517238"/>
+          </a:xfrm>
+          <a:prstGeom prst="rect">
+            <a:avLst/>
+          </a:prstGeom>
+          <a:noFill/>
+          <a:ln w="38100">
+            <a:solidFill>
+              <a:schemeClr val="accent1"/>
+            </a:solidFill>
+          </a:ln>
+        </p:spPr>
+        <p:style>
+          <a:lnRef idx="2">
+            <a:schemeClr val="accent1">
+              <a:shade val="50000"/>
+            </a:schemeClr>
+          </a:lnRef>
+          <a:fillRef idx="1">
+            <a:schemeClr val="accent1"/>
+          </a:fillRef>
+          <a:effectRef idx="0">
+            <a:schemeClr val="accent1"/>
+          </a:effectRef>
+          <a:fontRef idx="minor">
+            <a:schemeClr val="lt1"/>
+          </a:fontRef>
+        </p:style>
+        <p:txBody>
+          <a:bodyPr rtlCol="0" anchor="ctr"/>
+          <a:lstStyle/>
+          <a:p>
+            <a:endParaRPr lang="en-US" dirty="0"/>
+          </a:p>
+        </p:txBody>
+      </p:sp>
     </p:spTree>
     <p:extLst>
       <p:ext uri="{BB962C8B-B14F-4D97-AF65-F5344CB8AC3E}">
@@ -17614,6 +19989,9 @@
                     <p:cTn id="3" fill="hold">
                       <p:stCondLst>
                         <p:cond delay="indefinite"/>
+                        <p:cond evt="onBegin" delay="0">
+                          <p:tn val="2"/>
+                        </p:cond>
                       </p:stCondLst>
                       <p:childTnLst>
                         <p:par>
@@ -17623,62 +20001,14 @@
                             </p:stCondLst>
                             <p:childTnLst>
                               <p:par>
-                                <p:cTn id="5" presetID="10" presetClass="entr" presetSubtype="0" fill="hold" nodeType="clickEffect" nodePh="1">
-                                  <p:stCondLst>
-                                    <p:cond delay="0"/>
-                                  </p:stCondLst>
-                                  <p:endCondLst>
-                                    <p:cond evt="begin" delay="0">
-                                      <p:tn val="5"/>
-                                    </p:cond>
-                                  </p:endCondLst>
-                                  <p:childTnLst>
-                                    <p:set>
-                                      <p:cBhvr>
-                                        <p:cTn id="6" dur="1" fill="hold">
-                                          <p:stCondLst>
-                                            <p:cond delay="0"/>
-                                          </p:stCondLst>
-                                        </p:cTn>
-                                        <p:tgtEl>
-                                          <p:spTgt spid="3">
-                                            <p:txEl>
-                                              <p:pRg st="0" end="0"/>
-                                            </p:txEl>
-                                          </p:spTgt>
-                                        </p:tgtEl>
-                                        <p:attrNameLst>
-                                          <p:attrName>style.visibility</p:attrName>
-                                        </p:attrNameLst>
-                                      </p:cBhvr>
-                                      <p:to>
-                                        <p:strVal val="visible"/>
-                                      </p:to>
-                                    </p:set>
-                                    <p:animEffect transition="in" filter="fade">
-                                      <p:cBhvr>
-                                        <p:cTn id="7" dur="500"/>
-                                        <p:tgtEl>
-                                          <p:spTgt spid="3">
-                                            <p:txEl>
-                                              <p:pRg st="0" end="0"/>
-                                            </p:txEl>
-                                          </p:spTgt>
-                                        </p:tgtEl>
-                                      </p:cBhvr>
-                                    </p:animEffect>
-                                  </p:childTnLst>
-                                </p:cTn>
-                              </p:par>
-                              <p:par>
-                                <p:cTn id="8" presetID="10" presetClass="entr" presetSubtype="0" fill="hold" grpId="0" nodeType="withEffect">
+                                <p:cTn id="5" presetID="10" presetClass="entr" presetSubtype="0" fill="hold" grpId="0" nodeType="withEffect">
                                   <p:stCondLst>
                                     <p:cond delay="0"/>
                                   </p:stCondLst>
                                   <p:childTnLst>
                                     <p:set>
                                       <p:cBhvr>
-                                        <p:cTn id="9" dur="1" fill="hold">
+                                        <p:cTn id="6" dur="1" fill="hold">
                                           <p:stCondLst>
                                             <p:cond delay="0"/>
                                           </p:stCondLst>
@@ -17696,7 +20026,7 @@
                                     </p:set>
                                     <p:animEffect transition="in" filter="fade">
                                       <p:cBhvr>
-                                        <p:cTn id="10" dur="500"/>
+                                        <p:cTn id="7" dur="500"/>
                                         <p:tgtEl>
                                           <p:spTgt spid="5"/>
                                         </p:tgtEl>
@@ -17706,14 +20036,14 @@
                                 </p:cTn>
                               </p:par>
                               <p:par>
-                                <p:cTn id="11" presetID="10" presetClass="entr" presetSubtype="0" fill="hold" nodeType="withEffect">
+                                <p:cTn id="8" presetID="10" presetClass="entr" presetSubtype="0" fill="hold" nodeType="withEffect">
                                   <p:stCondLst>
                                     <p:cond delay="0"/>
                                   </p:stCondLst>
                                   <p:childTnLst>
                                     <p:set>
                                       <p:cBhvr>
-                                        <p:cTn id="12" dur="1" fill="hold">
+                                        <p:cTn id="9" dur="1" fill="hold">
                                           <p:stCondLst>
                                             <p:cond delay="0"/>
                                           </p:stCondLst>
@@ -17731,9 +20061,44 @@
                                     </p:set>
                                     <p:animEffect transition="in" filter="fade">
                                       <p:cBhvr>
+                                        <p:cTn id="10" dur="500"/>
+                                        <p:tgtEl>
+                                          <p:spTgt spid="4"/>
+                                        </p:tgtEl>
+                                      </p:cBhvr>
+                                    </p:animEffect>
+                                  </p:childTnLst>
+                                </p:cTn>
+                              </p:par>
+                              <p:par>
+                                <p:cTn id="11" presetID="10" presetClass="entr" presetSubtype="0" fill="hold" grpId="0" nodeType="withEffect">
+                                  <p:stCondLst>
+                                    <p:cond delay="0"/>
+                                  </p:stCondLst>
+                                  <p:childTnLst>
+                                    <p:set>
+                                      <p:cBhvr>
+                                        <p:cTn id="12" dur="1" fill="hold">
+                                          <p:stCondLst>
+                                            <p:cond delay="0"/>
+                                          </p:stCondLst>
+                                        </p:cTn>
+                                        <p:tgtEl>
+                                          <p:spTgt spid="6"/>
+                                        </p:tgtEl>
+                                        <p:attrNameLst>
+                                          <p:attrName>style.visibility</p:attrName>
+                                        </p:attrNameLst>
+                                      </p:cBhvr>
+                                      <p:to>
+                                        <p:strVal val="visible"/>
+                                      </p:to>
+                                    </p:set>
+                                    <p:animEffect transition="in" filter="fade">
+                                      <p:cBhvr>
                                         <p:cTn id="13" dur="500"/>
                                         <p:tgtEl>
-                                          <p:spTgt spid="4"/>
+                                          <p:spTgt spid="6"/>
                                         </p:tgtEl>
                                       </p:cBhvr>
                                     </p:animEffect>
@@ -17769,6 +20134,7 @@
     </p:tnLst>
     <p:bldLst>
       <p:bldP spid="5" grpId="0" animBg="1"/>
+      <p:bldP spid="6" grpId="0" animBg="1"/>
     </p:bldLst>
   </p:timing>
 </p:sld>

--- a/Protecting App Secrets.pptx
+++ b/Protecting App Secrets.pptx
@@ -15,10 +15,10 @@
     <p:sldId id="328" r:id="rId6"/>
     <p:sldId id="330" r:id="rId7"/>
     <p:sldId id="323" r:id="rId8"/>
-    <p:sldId id="324" r:id="rId9"/>
+    <p:sldId id="337" r:id="rId9"/>
     <p:sldId id="332" r:id="rId10"/>
     <p:sldId id="333" r:id="rId11"/>
-    <p:sldId id="325" r:id="rId12"/>
+    <p:sldId id="338" r:id="rId12"/>
     <p:sldId id="335" r:id="rId13"/>
     <p:sldId id="336" r:id="rId14"/>
     <p:sldId id="331" r:id="rId15"/>
@@ -717,7 +717,7 @@
     </p:spTree>
     <p:extLst>
       <p:ext uri="{BB962C8B-B14F-4D97-AF65-F5344CB8AC3E}">
-        <p14:creationId xmlns:p14="http://schemas.microsoft.com/office/powerpoint/2010/main" val="2216393245"/>
+        <p14:creationId xmlns:p14="http://schemas.microsoft.com/office/powerpoint/2010/main" val="3438339408"/>
       </p:ext>
     </p:extLst>
   </p:cSld>
@@ -2352,7 +2352,7 @@
     </p:spTree>
     <p:extLst>
       <p:ext uri="{BB962C8B-B14F-4D97-AF65-F5344CB8AC3E}">
-        <p14:creationId xmlns:p14="http://schemas.microsoft.com/office/powerpoint/2010/main" val="2727991651"/>
+        <p14:creationId xmlns:p14="http://schemas.microsoft.com/office/powerpoint/2010/main" val="1196958691"/>
       </p:ext>
     </p:extLst>
   </p:cSld>
@@ -9405,21 +9405,43 @@
             <p:ph type="title"/>
           </p:nvPr>
         </p:nvSpPr>
-        <p:spPr>
-          <a:xfrm>
-            <a:off x="838200" y="365125"/>
-            <a:ext cx="10515600" cy="1325563"/>
-          </a:xfrm>
-        </p:spPr>
+        <p:spPr/>
         <p:txBody>
           <a:bodyPr/>
           <a:lstStyle/>
           <a:p>
             <a:r>
-              <a:rPr lang="en-US"/>
+              <a:rPr lang="en-US" dirty="0"/>
               <a:t>Azure Key Vault</a:t>
             </a:r>
-            <a:endParaRPr lang="en-US" dirty="0"/>
+          </a:p>
+        </p:txBody>
+      </p:sp>
+      <p:sp>
+        <p:nvSpPr>
+          <p:cNvPr id="4" name="Text Placeholder 3">
+            <a:extLst>
+              <a:ext uri="{FF2B5EF4-FFF2-40B4-BE49-F238E27FC236}">
+                <a16:creationId xmlns:a16="http://schemas.microsoft.com/office/drawing/2014/main" id="{109FC969-AA43-422D-90BF-A85F00DB39CB}"/>
+              </a:ext>
+            </a:extLst>
+          </p:cNvPr>
+          <p:cNvSpPr>
+            <a:spLocks noGrp="1"/>
+          </p:cNvSpPr>
+          <p:nvPr>
+            <p:ph type="body" idx="1"/>
+          </p:nvPr>
+        </p:nvSpPr>
+        <p:spPr/>
+        <p:txBody>
+          <a:bodyPr/>
+          <a:lstStyle/>
+          <a:p>
+            <a:r>
+              <a:rPr lang="en-US" dirty="0"/>
+              <a:t>CLI</a:t>
+            </a:r>
           </a:p>
         </p:txBody>
       </p:sp>
@@ -9430,18 +9452,13 @@
             <a:spLocks noGrp="1"/>
           </p:cNvSpPr>
           <p:nvPr>
-            <p:ph idx="1"/>
-          </p:nvPr>
-        </p:nvSpPr>
-        <p:spPr>
-          <a:xfrm>
-            <a:off x="838200" y="1825625"/>
-            <a:ext cx="10515600" cy="4351338"/>
-          </a:xfrm>
-        </p:spPr>
+            <p:ph sz="half" idx="2"/>
+          </p:nvPr>
+        </p:nvSpPr>
+        <p:spPr/>
         <p:txBody>
           <a:bodyPr>
-            <a:normAutofit/>
+            <a:normAutofit fontScale="77500" lnSpcReduction="20000"/>
           </a:bodyPr>
           <a:lstStyle/>
           <a:p>
@@ -9464,7 +9481,44 @@
             </a:r>
           </a:p>
           <a:p>
+            <a:r>
+              <a:rPr lang="en-US" dirty="0"/>
+              <a:t>Azure CLI</a:t>
+            </a:r>
+          </a:p>
+          <a:p>
+            <a:pPr lvl="1"/>
             <a:endParaRPr lang="en-US" dirty="0"/>
+          </a:p>
+          <a:p>
+            <a:pPr marL="0" indent="0">
+              <a:buNone/>
+            </a:pPr>
+            <a:endParaRPr lang="en-US" b="1" dirty="0">
+              <a:solidFill>
+                <a:schemeClr val="accent4"/>
+              </a:solidFill>
+            </a:endParaRPr>
+          </a:p>
+          <a:p>
+            <a:pPr marL="0" indent="0">
+              <a:buNone/>
+            </a:pPr>
+            <a:endParaRPr lang="en-US" b="1" dirty="0">
+              <a:solidFill>
+                <a:schemeClr val="accent4"/>
+              </a:solidFill>
+            </a:endParaRPr>
+          </a:p>
+          <a:p>
+            <a:pPr marL="0" indent="0">
+              <a:buNone/>
+            </a:pPr>
+            <a:endParaRPr lang="en-US" b="1" dirty="0">
+              <a:solidFill>
+                <a:schemeClr val="accent4"/>
+              </a:solidFill>
+            </a:endParaRPr>
           </a:p>
           <a:p>
             <a:pPr marL="0" indent="0">
@@ -9520,19 +9574,140 @@
             </a:r>
             <a:endParaRPr lang="en-US" dirty="0"/>
           </a:p>
+        </p:txBody>
+      </p:sp>
+      <p:sp>
+        <p:nvSpPr>
+          <p:cNvPr id="5" name="Text Placeholder 4">
+            <a:extLst>
+              <a:ext uri="{FF2B5EF4-FFF2-40B4-BE49-F238E27FC236}">
+                <a16:creationId xmlns:a16="http://schemas.microsoft.com/office/drawing/2014/main" id="{ECDC9AF0-AA09-4AB1-A66F-A4F1038AE417}"/>
+              </a:ext>
+            </a:extLst>
+          </p:cNvPr>
+          <p:cNvSpPr>
+            <a:spLocks noGrp="1"/>
+          </p:cNvSpPr>
+          <p:nvPr>
+            <p:ph type="body" sz="quarter" idx="3"/>
+          </p:nvPr>
+        </p:nvSpPr>
+        <p:spPr>
+          <a:xfrm>
+            <a:off x="5421854" y="1681163"/>
+            <a:ext cx="5933534" cy="823912"/>
+          </a:xfrm>
+        </p:spPr>
+        <p:txBody>
+          <a:bodyPr/>
+          <a:lstStyle/>
+          <a:p>
+            <a:r>
+              <a:rPr lang="en-US" dirty="0"/>
+              <a:t>IDE</a:t>
+            </a:r>
+          </a:p>
+        </p:txBody>
+      </p:sp>
+      <p:sp>
+        <p:nvSpPr>
+          <p:cNvPr id="6" name="Content Placeholder 5">
+            <a:extLst>
+              <a:ext uri="{FF2B5EF4-FFF2-40B4-BE49-F238E27FC236}">
+                <a16:creationId xmlns:a16="http://schemas.microsoft.com/office/drawing/2014/main" id="{3446258C-CBD9-4682-9583-5FEA1E9B2882}"/>
+              </a:ext>
+            </a:extLst>
+          </p:cNvPr>
+          <p:cNvSpPr>
+            <a:spLocks noGrp="1"/>
+          </p:cNvSpPr>
+          <p:nvPr>
+            <p:ph sz="quarter" idx="4"/>
+          </p:nvPr>
+        </p:nvSpPr>
+        <p:spPr>
+          <a:xfrm>
+            <a:off x="5421854" y="2505075"/>
+            <a:ext cx="5933534" cy="3684588"/>
+          </a:xfrm>
+        </p:spPr>
+        <p:txBody>
+          <a:bodyPr>
+            <a:normAutofit fontScale="77500" lnSpcReduction="20000"/>
+          </a:bodyPr>
+          <a:lstStyle/>
           <a:p>
             <a:pPr marL="0" indent="0">
               <a:buNone/>
             </a:pPr>
             <a:r>
+              <a:rPr lang="en-US" b="1" dirty="0">
+                <a:solidFill>
+                  <a:schemeClr val="accent4"/>
+                </a:solidFill>
+              </a:rPr>
+              <a:t>Prerequisites</a:t>
+            </a:r>
+          </a:p>
+          <a:p>
+            <a:r>
               <a:rPr lang="en-US" dirty="0"/>
-              <a:t>	- or –</a:t>
+              <a:t>Azure subscription</a:t>
+            </a:r>
+          </a:p>
+          <a:p>
+            <a:r>
+              <a:rPr lang="en-US" dirty="0"/>
+              <a:t>.NET Core SDK v2.1</a:t>
+            </a:r>
+          </a:p>
+          <a:p>
+            <a:r>
+              <a:rPr lang="en-US" dirty="0"/>
+              <a:t>VS 2017</a:t>
+            </a:r>
+          </a:p>
+          <a:p>
+            <a:pPr lvl="1"/>
+            <a:r>
+              <a:rPr lang="en-US" dirty="0"/>
+              <a:t>.NET Core cross-platform development</a:t>
+            </a:r>
+          </a:p>
+          <a:p>
+            <a:pPr lvl="1"/>
+            <a:r>
+              <a:rPr lang="en-US" dirty="0"/>
+              <a:t>ASP.NET and web development</a:t>
             </a:r>
           </a:p>
           <a:p>
             <a:pPr marL="0" indent="0">
               <a:buNone/>
             </a:pPr>
+            <a:endParaRPr lang="en-US" b="1" dirty="0">
+              <a:solidFill>
+                <a:schemeClr val="accent4"/>
+              </a:solidFill>
+            </a:endParaRPr>
+          </a:p>
+          <a:p>
+            <a:pPr marL="0" indent="0">
+              <a:buNone/>
+            </a:pPr>
+            <a:r>
+              <a:rPr lang="en-US" b="1" dirty="0">
+                <a:solidFill>
+                  <a:schemeClr val="accent4"/>
+                </a:solidFill>
+              </a:rPr>
+              <a:t>Usage</a:t>
+            </a:r>
+          </a:p>
+          <a:p>
+            <a:pPr marL="0" indent="0">
+              <a:buNone/>
+            </a:pPr>
             <a:r>
               <a:rPr lang="en-US" dirty="0"/>
               <a:t>Solution Explorer </a:t>
@@ -9556,10 +9731,51 @@
           </a:p>
         </p:txBody>
       </p:sp>
+      <p:cxnSp>
+        <p:nvCxnSpPr>
+          <p:cNvPr id="8" name="Straight Connector 7">
+            <a:extLst>
+              <a:ext uri="{FF2B5EF4-FFF2-40B4-BE49-F238E27FC236}">
+                <a16:creationId xmlns:a16="http://schemas.microsoft.com/office/drawing/2014/main" id="{F0E94C23-5E74-4562-86A4-F6B443133B32}"/>
+              </a:ext>
+            </a:extLst>
+          </p:cNvPr>
+          <p:cNvCxnSpPr/>
+          <p:nvPr/>
+        </p:nvCxnSpPr>
+        <p:spPr>
+          <a:xfrm>
+            <a:off x="5181600" y="1925619"/>
+            <a:ext cx="0" cy="4264044"/>
+          </a:xfrm>
+          <a:prstGeom prst="line">
+            <a:avLst/>
+          </a:prstGeom>
+          <a:ln w="38100">
+            <a:solidFill>
+              <a:schemeClr val="tx2"/>
+            </a:solidFill>
+          </a:ln>
+        </p:spPr>
+        <p:style>
+          <a:lnRef idx="3">
+            <a:schemeClr val="accent1"/>
+          </a:lnRef>
+          <a:fillRef idx="0">
+            <a:schemeClr val="accent1"/>
+          </a:fillRef>
+          <a:effectRef idx="2">
+            <a:schemeClr val="accent1"/>
+          </a:effectRef>
+          <a:fontRef idx="minor">
+            <a:schemeClr val="tx1"/>
+          </a:fontRef>
+        </p:style>
+      </p:cxnSp>
     </p:spTree>
     <p:extLst>
       <p:ext uri="{BB962C8B-B14F-4D97-AF65-F5344CB8AC3E}">
-        <p14:creationId xmlns:p14="http://schemas.microsoft.com/office/powerpoint/2010/main" val="1332892662"/>
+        <p14:creationId xmlns:p14="http://schemas.microsoft.com/office/powerpoint/2010/main" val="3241453242"/>
       </p:ext>
     </p:extLst>
   </p:cSld>
@@ -9587,7 +9803,7 @@
                             </p:stCondLst>
                             <p:childTnLst>
                               <p:par>
-                                <p:cTn id="5" presetID="10" presetClass="entr" presetSubtype="0" fill="hold" nodeType="clickEffect">
+                                <p:cTn id="5" presetID="1" presetClass="entr" presetSubtype="0" fill="hold" nodeType="clickEffect">
                                   <p:stCondLst>
                                     <p:cond delay="0"/>
                                   </p:stCondLst>
@@ -9602,7 +9818,7 @@
                                         <p:tgtEl>
                                           <p:spTgt spid="3">
                                             <p:txEl>
-                                              <p:pRg st="0" end="0"/>
+                                              <p:pRg st="2" end="2"/>
                                             </p:txEl>
                                           </p:spTgt>
                                         </p:tgtEl>
@@ -9614,18 +9830,6 @@
                                         <p:strVal val="visible"/>
                                       </p:to>
                                     </p:set>
-                                    <p:animEffect transition="in" filter="fade">
-                                      <p:cBhvr>
-                                        <p:cTn id="7" dur="500"/>
-                                        <p:tgtEl>
-                                          <p:spTgt spid="3">
-                                            <p:txEl>
-                                              <p:pRg st="0" end="0"/>
-                                            </p:txEl>
-                                          </p:spTgt>
-                                        </p:tgtEl>
-                                      </p:cBhvr>
-                                    </p:animEffect>
                                   </p:childTnLst>
                                 </p:cTn>
                               </p:par>
@@ -9636,26 +9840,26 @@
                     </p:cTn>
                   </p:par>
                   <p:par>
-                    <p:cTn id="8" fill="hold">
+                    <p:cTn id="7" fill="hold">
                       <p:stCondLst>
                         <p:cond delay="indefinite"/>
                       </p:stCondLst>
                       <p:childTnLst>
                         <p:par>
-                          <p:cTn id="9" fill="hold">
+                          <p:cTn id="8" fill="hold">
                             <p:stCondLst>
                               <p:cond delay="0"/>
                             </p:stCondLst>
                             <p:childTnLst>
                               <p:par>
-                                <p:cTn id="10" presetID="10" presetClass="entr" presetSubtype="0" fill="hold" nodeType="clickEffect">
+                                <p:cTn id="9" presetID="1" presetClass="entr" presetSubtype="0" fill="hold" nodeType="clickEffect">
                                   <p:stCondLst>
                                     <p:cond delay="0"/>
                                   </p:stCondLst>
                                   <p:childTnLst>
                                     <p:set>
                                       <p:cBhvr>
-                                        <p:cTn id="11" dur="1" fill="hold">
+                                        <p:cTn id="10" dur="1" fill="hold">
                                           <p:stCondLst>
                                             <p:cond delay="0"/>
                                           </p:stCondLst>
@@ -9663,7 +9867,7 @@
                                         <p:tgtEl>
                                           <p:spTgt spid="3">
                                             <p:txEl>
-                                              <p:pRg st="1" end="1"/>
+                                              <p:pRg st="7" end="7"/>
                                             </p:txEl>
                                           </p:spTgt>
                                         </p:tgtEl>
@@ -9675,48 +9879,18 @@
                                         <p:strVal val="visible"/>
                                       </p:to>
                                     </p:set>
-                                    <p:animEffect transition="in" filter="fade">
-                                      <p:cBhvr>
-                                        <p:cTn id="12" dur="500"/>
-                                        <p:tgtEl>
-                                          <p:spTgt spid="3">
-                                            <p:txEl>
-                                              <p:pRg st="1" end="1"/>
-                                            </p:txEl>
-                                          </p:spTgt>
-                                        </p:tgtEl>
-                                      </p:cBhvr>
-                                    </p:animEffect>
                                   </p:childTnLst>
                                 </p:cTn>
                               </p:par>
-                            </p:childTnLst>
-                          </p:cTn>
-                        </p:par>
-                      </p:childTnLst>
-                    </p:cTn>
-                  </p:par>
-                  <p:par>
-                    <p:cTn id="13" fill="hold">
-                      <p:stCondLst>
-                        <p:cond delay="indefinite"/>
-                      </p:stCondLst>
-                      <p:childTnLst>
-                        <p:par>
-                          <p:cTn id="14" fill="hold">
-                            <p:stCondLst>
-                              <p:cond delay="0"/>
-                            </p:stCondLst>
-                            <p:childTnLst>
                               <p:par>
-                                <p:cTn id="15" presetID="10" presetClass="entr" presetSubtype="0" fill="hold" nodeType="clickEffect">
+                                <p:cTn id="11" presetID="1" presetClass="entr" presetSubtype="0" fill="hold" nodeType="withEffect">
                                   <p:stCondLst>
                                     <p:cond delay="0"/>
                                   </p:stCondLst>
                                   <p:childTnLst>
                                     <p:set>
                                       <p:cBhvr>
-                                        <p:cTn id="16" dur="1" fill="hold">
+                                        <p:cTn id="12" dur="1" fill="hold">
                                           <p:stCondLst>
                                             <p:cond delay="0"/>
                                           </p:stCondLst>
@@ -9724,7 +9898,7 @@
                                         <p:tgtEl>
                                           <p:spTgt spid="3">
                                             <p:txEl>
-                                              <p:pRg st="3" end="3"/>
+                                              <p:pRg st="8" end="8"/>
                                             </p:txEl>
                                           </p:spTgt>
                                         </p:tgtEl>
@@ -9736,201 +9910,6 @@
                                         <p:strVal val="visible"/>
                                       </p:to>
                                     </p:set>
-                                    <p:animEffect transition="in" filter="fade">
-                                      <p:cBhvr>
-                                        <p:cTn id="17" dur="500"/>
-                                        <p:tgtEl>
-                                          <p:spTgt spid="3">
-                                            <p:txEl>
-                                              <p:pRg st="3" end="3"/>
-                                            </p:txEl>
-                                          </p:spTgt>
-                                        </p:tgtEl>
-                                      </p:cBhvr>
-                                    </p:animEffect>
-                                  </p:childTnLst>
-                                </p:cTn>
-                              </p:par>
-                            </p:childTnLst>
-                          </p:cTn>
-                        </p:par>
-                      </p:childTnLst>
-                    </p:cTn>
-                  </p:par>
-                  <p:par>
-                    <p:cTn id="18" fill="hold">
-                      <p:stCondLst>
-                        <p:cond delay="indefinite"/>
-                      </p:stCondLst>
-                      <p:childTnLst>
-                        <p:par>
-                          <p:cTn id="19" fill="hold">
-                            <p:stCondLst>
-                              <p:cond delay="0"/>
-                            </p:stCondLst>
-                            <p:childTnLst>
-                              <p:par>
-                                <p:cTn id="20" presetID="10" presetClass="entr" presetSubtype="0" fill="hold" nodeType="clickEffect">
-                                  <p:stCondLst>
-                                    <p:cond delay="0"/>
-                                  </p:stCondLst>
-                                  <p:childTnLst>
-                                    <p:set>
-                                      <p:cBhvr>
-                                        <p:cTn id="21" dur="1" fill="hold">
-                                          <p:stCondLst>
-                                            <p:cond delay="0"/>
-                                          </p:stCondLst>
-                                        </p:cTn>
-                                        <p:tgtEl>
-                                          <p:spTgt spid="3">
-                                            <p:txEl>
-                                              <p:pRg st="4" end="4"/>
-                                            </p:txEl>
-                                          </p:spTgt>
-                                        </p:tgtEl>
-                                        <p:attrNameLst>
-                                          <p:attrName>style.visibility</p:attrName>
-                                        </p:attrNameLst>
-                                      </p:cBhvr>
-                                      <p:to>
-                                        <p:strVal val="visible"/>
-                                      </p:to>
-                                    </p:set>
-                                    <p:animEffect transition="in" filter="fade">
-                                      <p:cBhvr>
-                                        <p:cTn id="22" dur="500"/>
-                                        <p:tgtEl>
-                                          <p:spTgt spid="3">
-                                            <p:txEl>
-                                              <p:pRg st="4" end="4"/>
-                                            </p:txEl>
-                                          </p:spTgt>
-                                        </p:tgtEl>
-                                      </p:cBhvr>
-                                    </p:animEffect>
-                                  </p:childTnLst>
-                                </p:cTn>
-                              </p:par>
-                            </p:childTnLst>
-                          </p:cTn>
-                        </p:par>
-                      </p:childTnLst>
-                    </p:cTn>
-                  </p:par>
-                  <p:par>
-                    <p:cTn id="23" fill="hold">
-                      <p:stCondLst>
-                        <p:cond delay="indefinite"/>
-                      </p:stCondLst>
-                      <p:childTnLst>
-                        <p:par>
-                          <p:cTn id="24" fill="hold">
-                            <p:stCondLst>
-                              <p:cond delay="0"/>
-                            </p:stCondLst>
-                            <p:childTnLst>
-                              <p:par>
-                                <p:cTn id="25" presetID="10" presetClass="entr" presetSubtype="0" fill="hold" nodeType="clickEffect">
-                                  <p:stCondLst>
-                                    <p:cond delay="0"/>
-                                  </p:stCondLst>
-                                  <p:childTnLst>
-                                    <p:set>
-                                      <p:cBhvr>
-                                        <p:cTn id="26" dur="1" fill="hold">
-                                          <p:stCondLst>
-                                            <p:cond delay="0"/>
-                                          </p:stCondLst>
-                                        </p:cTn>
-                                        <p:tgtEl>
-                                          <p:spTgt spid="3">
-                                            <p:txEl>
-                                              <p:pRg st="5" end="5"/>
-                                            </p:txEl>
-                                          </p:spTgt>
-                                        </p:tgtEl>
-                                        <p:attrNameLst>
-                                          <p:attrName>style.visibility</p:attrName>
-                                        </p:attrNameLst>
-                                      </p:cBhvr>
-                                      <p:to>
-                                        <p:strVal val="visible"/>
-                                      </p:to>
-                                    </p:set>
-                                    <p:animEffect transition="in" filter="fade">
-                                      <p:cBhvr>
-                                        <p:cTn id="27" dur="500"/>
-                                        <p:tgtEl>
-                                          <p:spTgt spid="3">
-                                            <p:txEl>
-                                              <p:pRg st="5" end="5"/>
-                                            </p:txEl>
-                                          </p:spTgt>
-                                        </p:tgtEl>
-                                      </p:cBhvr>
-                                    </p:animEffect>
-                                  </p:childTnLst>
-                                </p:cTn>
-                              </p:par>
-                            </p:childTnLst>
-                          </p:cTn>
-                        </p:par>
-                      </p:childTnLst>
-                    </p:cTn>
-                  </p:par>
-                  <p:par>
-                    <p:cTn id="28" fill="hold">
-                      <p:stCondLst>
-                        <p:cond delay="indefinite"/>
-                      </p:stCondLst>
-                      <p:childTnLst>
-                        <p:par>
-                          <p:cTn id="29" fill="hold">
-                            <p:stCondLst>
-                              <p:cond delay="0"/>
-                            </p:stCondLst>
-                            <p:childTnLst>
-                              <p:par>
-                                <p:cTn id="30" presetID="10" presetClass="entr" presetSubtype="0" fill="hold" nodeType="clickEffect">
-                                  <p:stCondLst>
-                                    <p:cond delay="0"/>
-                                  </p:stCondLst>
-                                  <p:childTnLst>
-                                    <p:set>
-                                      <p:cBhvr>
-                                        <p:cTn id="31" dur="1" fill="hold">
-                                          <p:stCondLst>
-                                            <p:cond delay="0"/>
-                                          </p:stCondLst>
-                                        </p:cTn>
-                                        <p:tgtEl>
-                                          <p:spTgt spid="3">
-                                            <p:txEl>
-                                              <p:pRg st="6" end="6"/>
-                                            </p:txEl>
-                                          </p:spTgt>
-                                        </p:tgtEl>
-                                        <p:attrNameLst>
-                                          <p:attrName>style.visibility</p:attrName>
-                                        </p:attrNameLst>
-                                      </p:cBhvr>
-                                      <p:to>
-                                        <p:strVal val="visible"/>
-                                      </p:to>
-                                    </p:set>
-                                    <p:animEffect transition="in" filter="fade">
-                                      <p:cBhvr>
-                                        <p:cTn id="32" dur="500"/>
-                                        <p:tgtEl>
-                                          <p:spTgt spid="3">
-                                            <p:txEl>
-                                              <p:pRg st="6" end="6"/>
-                                            </p:txEl>
-                                          </p:spTgt>
-                                        </p:tgtEl>
-                                      </p:cBhvr>
-                                    </p:animEffect>
                                   </p:childTnLst>
                                 </p:cTn>
                               </p:par>
@@ -10921,14 +10900,14 @@
           <p:nvPr>
             <p:extLst>
               <p:ext uri="{D42A27DB-BD31-4B8C-83A1-F6EECF244321}">
-                <p14:modId xmlns:p14="http://schemas.microsoft.com/office/powerpoint/2010/main" val="3815910926"/>
+                <p14:modId xmlns:p14="http://schemas.microsoft.com/office/powerpoint/2010/main" val="18966878"/>
               </p:ext>
             </p:extLst>
           </p:nvPr>
         </p:nvGraphicFramePr>
         <p:xfrm>
           <a:off x="844462" y="1920876"/>
-          <a:ext cx="9165812" cy="4135854"/>
+          <a:ext cx="9165812" cy="2133600"/>
         </p:xfrm>
         <a:graphic>
           <a:graphicData uri="http://schemas.openxmlformats.org/drawingml/2006/table">
@@ -10943,7 +10922,7 @@
                   </a:extLst>
                 </a:gridCol>
               </a:tblGrid>
-              <a:tr h="3800574">
+              <a:tr h="1754102">
                 <a:tc>
                   <a:txBody>
                     <a:bodyPr/>
@@ -11022,12 +11001,359 @@
                       </a:lvl9pPr>
                     </a:lstStyle>
                     <a:p>
+                      <a:r>
+                        <a:rPr lang="en-US" sz="1600" dirty="0">
+                          <a:solidFill>
+                            <a:srgbClr val="000000"/>
+                          </a:solidFill>
+                          <a:highlight>
+                            <a:srgbClr val="FFFF00"/>
+                          </a:highlight>
+                          <a:latin typeface="Consolas" panose="020B0609020204030204" pitchFamily="49" charset="0"/>
+                        </a:rPr>
+                        <a:t>@page</a:t>
+                      </a:r>
+                    </a:p>
+                    <a:p>
+                      <a:r>
+                        <a:rPr lang="en-US" sz="1600" dirty="0">
+                          <a:solidFill>
+                            <a:srgbClr val="000000"/>
+                          </a:solidFill>
+                          <a:highlight>
+                            <a:srgbClr val="FFFF00"/>
+                          </a:highlight>
+                          <a:latin typeface="Consolas" panose="020B0609020204030204" pitchFamily="49" charset="0"/>
+                        </a:rPr>
+                        <a:t>@model</a:t>
+                      </a:r>
+                      <a:r>
+                        <a:rPr lang="en-US" sz="1600" dirty="0">
+                          <a:solidFill>
+                            <a:srgbClr val="000000"/>
+                          </a:solidFill>
+                          <a:latin typeface="Consolas" panose="020B0609020204030204" pitchFamily="49" charset="0"/>
+                        </a:rPr>
+                        <a:t> </a:t>
+                      </a:r>
+                      <a:r>
+                        <a:rPr lang="en-US" sz="1600" dirty="0" err="1">
+                          <a:solidFill>
+                            <a:srgbClr val="000000"/>
+                          </a:solidFill>
+                          <a:latin typeface="Consolas" panose="020B0609020204030204" pitchFamily="49" charset="0"/>
+                        </a:rPr>
+                        <a:t>IndexModel</a:t>
+                      </a:r>
                       <a:endParaRPr lang="en-US" sz="1600" dirty="0">
                         <a:solidFill>
                           <a:srgbClr val="000000"/>
                         </a:solidFill>
+                        <a:highlight>
+                          <a:srgbClr val="FFFF00"/>
+                        </a:highlight>
                         <a:latin typeface="Consolas" panose="020B0609020204030204" pitchFamily="49" charset="0"/>
                       </a:endParaRPr>
+                    </a:p>
+                    <a:p>
+                      <a:r>
+                        <a:rPr lang="en-US" sz="1600" dirty="0">
+                          <a:solidFill>
+                            <a:srgbClr val="000000"/>
+                          </a:solidFill>
+                          <a:highlight>
+                            <a:srgbClr val="FFFF00"/>
+                          </a:highlight>
+                          <a:latin typeface="Consolas" panose="020B0609020204030204" pitchFamily="49" charset="0"/>
+                        </a:rPr>
+                        <a:t>@inject</a:t>
+                      </a:r>
+                      <a:r>
+                        <a:rPr lang="en-US" sz="1600" dirty="0">
+                          <a:solidFill>
+                            <a:srgbClr val="000000"/>
+                          </a:solidFill>
+                          <a:latin typeface="Consolas" panose="020B0609020204030204" pitchFamily="49" charset="0"/>
+                        </a:rPr>
+                        <a:t> </a:t>
+                      </a:r>
+                      <a:r>
+                        <a:rPr lang="en-US" sz="1600" dirty="0" err="1">
+                          <a:solidFill>
+                            <a:srgbClr val="000000"/>
+                          </a:solidFill>
+                          <a:latin typeface="Consolas" panose="020B0609020204030204" pitchFamily="49" charset="0"/>
+                        </a:rPr>
+                        <a:t>Microsoft.Extensions.Configuration.IConfiguration</a:t>
+                      </a:r>
+                      <a:r>
+                        <a:rPr lang="en-US" sz="1600" dirty="0">
+                          <a:solidFill>
+                            <a:srgbClr val="000000"/>
+                          </a:solidFill>
+                          <a:latin typeface="Consolas" panose="020B0609020204030204" pitchFamily="49" charset="0"/>
+                        </a:rPr>
+                        <a:t> config</a:t>
+                      </a:r>
+                    </a:p>
+                    <a:p>
+                      <a:endParaRPr lang="en-US" sz="1600" dirty="0">
+                        <a:solidFill>
+                          <a:srgbClr val="0000FF"/>
+                        </a:solidFill>
+                        <a:latin typeface="Consolas" panose="020B0609020204030204" pitchFamily="49" charset="0"/>
+                      </a:endParaRPr>
+                    </a:p>
+                    <a:p>
+                      <a:pPr marL="0" marR="0" lvl="0" indent="0" algn="l" defTabSz="914400" rtl="0" eaLnBrk="1" fontAlgn="auto" latinLnBrk="0" hangingPunct="1">
+                        <a:lnSpc>
+                          <a:spcPct val="100000"/>
+                        </a:lnSpc>
+                        <a:spcBef>
+                          <a:spcPts val="0"/>
+                        </a:spcBef>
+                        <a:spcAft>
+                          <a:spcPts val="0"/>
+                        </a:spcAft>
+                        <a:buClrTx/>
+                        <a:buSzTx/>
+                        <a:buFontTx/>
+                        <a:buNone/>
+                        <a:tabLst/>
+                        <a:defRPr/>
+                      </a:pPr>
+                      <a:r>
+                        <a:rPr lang="en-US" sz="1600" dirty="0">
+                          <a:solidFill>
+                            <a:srgbClr val="0000FF"/>
+                          </a:solidFill>
+                          <a:latin typeface="Consolas" panose="020B0609020204030204" pitchFamily="49" charset="0"/>
+                        </a:rPr>
+                        <a:t>&lt;</a:t>
+                      </a:r>
+                      <a:r>
+                        <a:rPr lang="en-US" sz="1600" dirty="0">
+                          <a:solidFill>
+                            <a:srgbClr val="800000"/>
+                          </a:solidFill>
+                          <a:latin typeface="Consolas" panose="020B0609020204030204" pitchFamily="49" charset="0"/>
+                        </a:rPr>
+                        <a:t>strong</a:t>
+                      </a:r>
+                      <a:r>
+                        <a:rPr lang="en-US" sz="1600" dirty="0">
+                          <a:solidFill>
+                            <a:srgbClr val="0000FF"/>
+                          </a:solidFill>
+                          <a:latin typeface="Consolas" panose="020B0609020204030204" pitchFamily="49" charset="0"/>
+                        </a:rPr>
+                        <a:t>&gt;</a:t>
+                      </a:r>
+                      <a:r>
+                        <a:rPr lang="en-US" sz="1600" dirty="0">
+                          <a:solidFill>
+                            <a:srgbClr val="000000"/>
+                          </a:solidFill>
+                          <a:latin typeface="Consolas" panose="020B0609020204030204" pitchFamily="49" charset="0"/>
+                        </a:rPr>
+                        <a:t>Username:</a:t>
+                      </a:r>
+                      <a:r>
+                        <a:rPr lang="en-US" sz="1600" dirty="0">
+                          <a:solidFill>
+                            <a:srgbClr val="0000FF"/>
+                          </a:solidFill>
+                          <a:latin typeface="Consolas" panose="020B0609020204030204" pitchFamily="49" charset="0"/>
+                        </a:rPr>
+                        <a:t>&lt;/</a:t>
+                      </a:r>
+                      <a:r>
+                        <a:rPr lang="en-US" sz="1600" dirty="0">
+                          <a:solidFill>
+                            <a:srgbClr val="800000"/>
+                          </a:solidFill>
+                          <a:latin typeface="Consolas" panose="020B0609020204030204" pitchFamily="49" charset="0"/>
+                        </a:rPr>
+                        <a:t>strong</a:t>
+                      </a:r>
+                      <a:r>
+                        <a:rPr lang="en-US" sz="1600" dirty="0">
+                          <a:solidFill>
+                            <a:srgbClr val="0000FF"/>
+                          </a:solidFill>
+                          <a:latin typeface="Consolas" panose="020B0609020204030204" pitchFamily="49" charset="0"/>
+                        </a:rPr>
+                        <a:t>&gt;</a:t>
+                      </a:r>
+                      <a:r>
+                        <a:rPr lang="en-US" sz="1600" dirty="0">
+                          <a:solidFill>
+                            <a:srgbClr val="000000"/>
+                          </a:solidFill>
+                          <a:latin typeface="Consolas" panose="020B0609020204030204" pitchFamily="49" charset="0"/>
+                        </a:rPr>
+                        <a:t> </a:t>
+                      </a:r>
+                      <a:r>
+                        <a:rPr lang="en-US" sz="1600" dirty="0">
+                          <a:solidFill>
+                            <a:srgbClr val="000000"/>
+                          </a:solidFill>
+                          <a:highlight>
+                            <a:srgbClr val="FFFF00"/>
+                          </a:highlight>
+                          <a:latin typeface="Consolas" panose="020B0609020204030204" pitchFamily="49" charset="0"/>
+                        </a:rPr>
+                        <a:t>@</a:t>
+                      </a:r>
+                      <a:r>
+                        <a:rPr lang="en-US" sz="1600" dirty="0">
+                          <a:solidFill>
+                            <a:srgbClr val="000000"/>
+                          </a:solidFill>
+                          <a:latin typeface="Consolas" panose="020B0609020204030204" pitchFamily="49" charset="0"/>
+                        </a:rPr>
+                        <a:t>config[</a:t>
+                      </a:r>
+                      <a:r>
+                        <a:rPr lang="en-US" sz="1600" dirty="0">
+                          <a:solidFill>
+                            <a:srgbClr val="A31515"/>
+                          </a:solidFill>
+                          <a:latin typeface="Consolas" panose="020B0609020204030204" pitchFamily="49" charset="0"/>
+                        </a:rPr>
+                        <a:t>"User"</a:t>
+                      </a:r>
+                      <a:r>
+                        <a:rPr lang="en-US" sz="1600" dirty="0">
+                          <a:solidFill>
+                            <a:srgbClr val="000000"/>
+                          </a:solidFill>
+                          <a:latin typeface="Consolas" panose="020B0609020204030204" pitchFamily="49" charset="0"/>
+                        </a:rPr>
+                        <a:t>]</a:t>
+                      </a:r>
+                    </a:p>
+                    <a:p>
+                      <a:endParaRPr lang="en-US" sz="1600" dirty="0">
+                        <a:solidFill>
+                          <a:srgbClr val="0000FF"/>
+                        </a:solidFill>
+                        <a:latin typeface="Consolas" panose="020B0609020204030204" pitchFamily="49" charset="0"/>
+                      </a:endParaRPr>
+                    </a:p>
+                    <a:p>
+                      <a:r>
+                        <a:rPr lang="en-US" sz="1600" dirty="0">
+                          <a:solidFill>
+                            <a:srgbClr val="0000FF"/>
+                          </a:solidFill>
+                          <a:latin typeface="Consolas" panose="020B0609020204030204" pitchFamily="49" charset="0"/>
+                        </a:rPr>
+                        <a:t>&lt;</a:t>
+                      </a:r>
+                      <a:r>
+                        <a:rPr lang="en-US" sz="1600" dirty="0">
+                          <a:solidFill>
+                            <a:srgbClr val="800000"/>
+                          </a:solidFill>
+                          <a:latin typeface="Consolas" panose="020B0609020204030204" pitchFamily="49" charset="0"/>
+                        </a:rPr>
+                        <a:t>strong</a:t>
+                      </a:r>
+                      <a:r>
+                        <a:rPr lang="en-US" sz="1600" dirty="0">
+                          <a:solidFill>
+                            <a:srgbClr val="0000FF"/>
+                          </a:solidFill>
+                          <a:latin typeface="Consolas" panose="020B0609020204030204" pitchFamily="49" charset="0"/>
+                        </a:rPr>
+                        <a:t>&gt;</a:t>
+                      </a:r>
+                      <a:r>
+                        <a:rPr lang="en-US" sz="1600" dirty="0">
+                          <a:solidFill>
+                            <a:srgbClr val="000000"/>
+                          </a:solidFill>
+                          <a:latin typeface="Consolas" panose="020B0609020204030204" pitchFamily="49" charset="0"/>
+                        </a:rPr>
+                        <a:t>Password:</a:t>
+                      </a:r>
+                      <a:r>
+                        <a:rPr lang="en-US" sz="1600" dirty="0">
+                          <a:solidFill>
+                            <a:srgbClr val="0000FF"/>
+                          </a:solidFill>
+                          <a:latin typeface="Consolas" panose="020B0609020204030204" pitchFamily="49" charset="0"/>
+                        </a:rPr>
+                        <a:t>&lt;/</a:t>
+                      </a:r>
+                      <a:r>
+                        <a:rPr lang="en-US" sz="1600" dirty="0">
+                          <a:solidFill>
+                            <a:srgbClr val="800000"/>
+                          </a:solidFill>
+                          <a:latin typeface="Consolas" panose="020B0609020204030204" pitchFamily="49" charset="0"/>
+                        </a:rPr>
+                        <a:t>strong</a:t>
+                      </a:r>
+                      <a:r>
+                        <a:rPr lang="en-US" sz="1600" dirty="0">
+                          <a:solidFill>
+                            <a:srgbClr val="0000FF"/>
+                          </a:solidFill>
+                          <a:latin typeface="Consolas" panose="020B0609020204030204" pitchFamily="49" charset="0"/>
+                        </a:rPr>
+                        <a:t>&gt;</a:t>
+                      </a:r>
+                      <a:r>
+                        <a:rPr lang="en-US" sz="1600" dirty="0">
+                          <a:solidFill>
+                            <a:srgbClr val="000000"/>
+                          </a:solidFill>
+                          <a:latin typeface="Consolas" panose="020B0609020204030204" pitchFamily="49" charset="0"/>
+                        </a:rPr>
+                        <a:t> </a:t>
+                      </a:r>
+                      <a:r>
+                        <a:rPr lang="en-US" sz="1600" dirty="0">
+                          <a:solidFill>
+                            <a:srgbClr val="000000"/>
+                          </a:solidFill>
+                          <a:highlight>
+                            <a:srgbClr val="FFFF00"/>
+                          </a:highlight>
+                          <a:latin typeface="Consolas" panose="020B0609020204030204" pitchFamily="49" charset="0"/>
+                        </a:rPr>
+                        <a:t>@</a:t>
+                      </a:r>
+                      <a:r>
+                        <a:rPr lang="en-US" sz="1600" dirty="0">
+                          <a:solidFill>
+                            <a:srgbClr val="000000"/>
+                          </a:solidFill>
+                          <a:latin typeface="Consolas" panose="020B0609020204030204" pitchFamily="49" charset="0"/>
+                        </a:rPr>
+                        <a:t>config[</a:t>
+                      </a:r>
+                      <a:r>
+                        <a:rPr lang="en-US" sz="1600" dirty="0">
+                          <a:solidFill>
+                            <a:srgbClr val="A31515"/>
+                          </a:solidFill>
+                          <a:latin typeface="Consolas" panose="020B0609020204030204" pitchFamily="49" charset="0"/>
+                        </a:rPr>
+                        <a:t>"Password"</a:t>
+                      </a:r>
+                      <a:r>
+                        <a:rPr lang="en-US" sz="1600" dirty="0">
+                          <a:solidFill>
+                            <a:srgbClr val="000000"/>
+                          </a:solidFill>
+                          <a:latin typeface="Consolas" panose="020B0609020204030204" pitchFamily="49" charset="0"/>
+                        </a:rPr>
+                        <a:t>]</a:t>
+                      </a:r>
                     </a:p>
                   </a:txBody>
                   <a:tcPr>
@@ -11086,7 +11412,7 @@
                   </a:ext>
                 </a:extLst>
               </a:tr>
-              <a:tr h="319132">
+              <a:tr h="154744">
                 <a:tc>
                   <a:txBody>
                     <a:bodyPr/>
@@ -11251,7 +11577,7 @@
                 <a:ea typeface="+mn-ea"/>
                 <a:cs typeface="+mn-cs"/>
               </a:rPr>
-              <a:t>Program.cs</a:t>
+              <a:t>Index.cshtml</a:t>
             </a:r>
             <a:endParaRPr kumimoji="0" lang="en-US" sz="1800" b="1" i="0" u="none" strike="noStrike" kern="0" cap="none" spc="0" normalizeH="0" baseline="0" noProof="0" dirty="0">
               <a:ln>
@@ -15938,12 +16264,7 @@
             <p:ph type="title"/>
           </p:nvPr>
         </p:nvSpPr>
-        <p:spPr>
-          <a:xfrm>
-            <a:off x="838200" y="365125"/>
-            <a:ext cx="10515600" cy="1325563"/>
-          </a:xfrm>
-        </p:spPr>
+        <p:spPr/>
         <p:txBody>
           <a:bodyPr/>
           <a:lstStyle/>
@@ -15953,6 +16274,34 @@
               <a:t>Secret Manager</a:t>
             </a:r>
             <a:endParaRPr lang="en-US" dirty="0"/>
+          </a:p>
+        </p:txBody>
+      </p:sp>
+      <p:sp>
+        <p:nvSpPr>
+          <p:cNvPr id="4" name="Text Placeholder 3">
+            <a:extLst>
+              <a:ext uri="{FF2B5EF4-FFF2-40B4-BE49-F238E27FC236}">
+                <a16:creationId xmlns:a16="http://schemas.microsoft.com/office/drawing/2014/main" id="{109FC969-AA43-422D-90BF-A85F00DB39CB}"/>
+              </a:ext>
+            </a:extLst>
+          </p:cNvPr>
+          <p:cNvSpPr>
+            <a:spLocks noGrp="1"/>
+          </p:cNvSpPr>
+          <p:nvPr>
+            <p:ph type="body" idx="1"/>
+          </p:nvPr>
+        </p:nvSpPr>
+        <p:spPr/>
+        <p:txBody>
+          <a:bodyPr/>
+          <a:lstStyle/>
+          <a:p>
+            <a:r>
+              <a:rPr lang="en-US" dirty="0"/>
+              <a:t>CLI</a:t>
+            </a:r>
           </a:p>
         </p:txBody>
       </p:sp>
@@ -15963,18 +16312,13 @@
             <a:spLocks noGrp="1"/>
           </p:cNvSpPr>
           <p:nvPr>
-            <p:ph idx="1"/>
-          </p:nvPr>
-        </p:nvSpPr>
-        <p:spPr>
-          <a:xfrm>
-            <a:off x="838200" y="1825625"/>
-            <a:ext cx="10515600" cy="4351338"/>
-          </a:xfrm>
-        </p:spPr>
+            <p:ph sz="half" idx="2"/>
+          </p:nvPr>
+        </p:nvSpPr>
+        <p:spPr/>
         <p:txBody>
           <a:bodyPr>
-            <a:normAutofit fontScale="92500" lnSpcReduction="10000"/>
+            <a:normAutofit fontScale="92500" lnSpcReduction="20000"/>
           </a:bodyPr>
           <a:lstStyle/>
           <a:p>
@@ -15997,28 +16341,38 @@
             </a:r>
           </a:p>
           <a:p>
-            <a:r>
-              <a:rPr lang="en-US" dirty="0"/>
-              <a:t>Visual Studio 2017</a:t>
-            </a:r>
-          </a:p>
-          <a:p>
-            <a:pPr lvl="1"/>
-            <a:r>
-              <a:rPr lang="en-US" dirty="0"/>
-              <a:t>.NET Core cross-platform development</a:t>
-            </a:r>
-          </a:p>
-          <a:p>
-            <a:pPr lvl="1"/>
-            <a:r>
-              <a:rPr lang="en-US" dirty="0"/>
-              <a:t>ASP.NET and web development</a:t>
-            </a:r>
-          </a:p>
-          <a:p>
             <a:pPr lvl="1"/>
             <a:endParaRPr lang="en-US" dirty="0"/>
+          </a:p>
+          <a:p>
+            <a:pPr marL="0" indent="0">
+              <a:buNone/>
+            </a:pPr>
+            <a:endParaRPr lang="en-US" b="1" dirty="0">
+              <a:solidFill>
+                <a:schemeClr val="accent4"/>
+              </a:solidFill>
+            </a:endParaRPr>
+          </a:p>
+          <a:p>
+            <a:pPr marL="0" indent="0">
+              <a:buNone/>
+            </a:pPr>
+            <a:endParaRPr lang="en-US" b="1" dirty="0">
+              <a:solidFill>
+                <a:schemeClr val="accent4"/>
+              </a:solidFill>
+            </a:endParaRPr>
+          </a:p>
+          <a:p>
+            <a:pPr marL="0" indent="0">
+              <a:buNone/>
+            </a:pPr>
+            <a:endParaRPr lang="en-US" b="1" dirty="0">
+              <a:solidFill>
+                <a:schemeClr val="accent4"/>
+              </a:solidFill>
+            </a:endParaRPr>
           </a:p>
           <a:p>
             <a:pPr marL="0" indent="0">
@@ -16051,30 +16405,142 @@
               </a:rPr>
               <a:t> dotnet user-secrets</a:t>
             </a:r>
+            <a:endParaRPr lang="en-US" dirty="0"/>
+          </a:p>
+        </p:txBody>
+      </p:sp>
+      <p:sp>
+        <p:nvSpPr>
+          <p:cNvPr id="5" name="Text Placeholder 4">
+            <a:extLst>
+              <a:ext uri="{FF2B5EF4-FFF2-40B4-BE49-F238E27FC236}">
+                <a16:creationId xmlns:a16="http://schemas.microsoft.com/office/drawing/2014/main" id="{ECDC9AF0-AA09-4AB1-A66F-A4F1038AE417}"/>
+              </a:ext>
+            </a:extLst>
+          </p:cNvPr>
+          <p:cNvSpPr>
+            <a:spLocks noGrp="1"/>
+          </p:cNvSpPr>
+          <p:nvPr>
+            <p:ph type="body" sz="quarter" idx="3"/>
+          </p:nvPr>
+        </p:nvSpPr>
+        <p:spPr>
+          <a:xfrm>
+            <a:off x="5421854" y="1681163"/>
+            <a:ext cx="5933534" cy="823912"/>
+          </a:xfrm>
+        </p:spPr>
+        <p:txBody>
+          <a:bodyPr/>
+          <a:lstStyle/>
+          <a:p>
             <a:r>
               <a:rPr lang="en-US" dirty="0"/>
-              <a:t> </a:t>
-            </a:r>
-          </a:p>
+              <a:t>IDE</a:t>
+            </a:r>
+          </a:p>
+        </p:txBody>
+      </p:sp>
+      <p:sp>
+        <p:nvSpPr>
+          <p:cNvPr id="6" name="Content Placeholder 5">
+            <a:extLst>
+              <a:ext uri="{FF2B5EF4-FFF2-40B4-BE49-F238E27FC236}">
+                <a16:creationId xmlns:a16="http://schemas.microsoft.com/office/drawing/2014/main" id="{3446258C-CBD9-4682-9583-5FEA1E9B2882}"/>
+              </a:ext>
+            </a:extLst>
+          </p:cNvPr>
+          <p:cNvSpPr>
+            <a:spLocks noGrp="1"/>
+          </p:cNvSpPr>
+          <p:nvPr>
+            <p:ph sz="quarter" idx="4"/>
+          </p:nvPr>
+        </p:nvSpPr>
+        <p:spPr>
+          <a:xfrm>
+            <a:off x="5421854" y="2505075"/>
+            <a:ext cx="5933534" cy="3684588"/>
+          </a:xfrm>
+        </p:spPr>
+        <p:txBody>
+          <a:bodyPr>
+            <a:normAutofit fontScale="92500" lnSpcReduction="20000"/>
+          </a:bodyPr>
+          <a:lstStyle/>
           <a:p>
             <a:pPr marL="0" indent="0">
               <a:buNone/>
             </a:pPr>
             <a:r>
+              <a:rPr lang="en-US" b="1" dirty="0">
+                <a:solidFill>
+                  <a:schemeClr val="accent4"/>
+                </a:solidFill>
+              </a:rPr>
+              <a:t>Prerequisites</a:t>
+            </a:r>
+          </a:p>
+          <a:p>
+            <a:r>
               <a:rPr lang="en-US" dirty="0"/>
-              <a:t>	- or -</a:t>
+              <a:t>.NET Core SDK v2.1</a:t>
+            </a:r>
+          </a:p>
+          <a:p>
+            <a:r>
+              <a:rPr lang="en-US" dirty="0"/>
+              <a:t>VS 2017</a:t>
+            </a:r>
+          </a:p>
+          <a:p>
+            <a:pPr lvl="1"/>
+            <a:r>
+              <a:rPr lang="en-US" dirty="0"/>
+              <a:t>.NET Core cross-platform development</a:t>
+            </a:r>
+          </a:p>
+          <a:p>
+            <a:pPr lvl="1"/>
+            <a:r>
+              <a:rPr lang="en-US" dirty="0"/>
+              <a:t>ASP.NET and web development</a:t>
             </a:r>
           </a:p>
           <a:p>
             <a:pPr marL="0" indent="0">
               <a:buNone/>
             </a:pPr>
+            <a:endParaRPr lang="en-US" b="1" dirty="0">
+              <a:solidFill>
+                <a:schemeClr val="accent4"/>
+              </a:solidFill>
+            </a:endParaRPr>
+          </a:p>
+          <a:p>
+            <a:pPr marL="0" indent="0">
+              <a:buNone/>
+            </a:pPr>
+            <a:r>
+              <a:rPr lang="en-US" b="1" dirty="0">
+                <a:solidFill>
+                  <a:schemeClr val="accent4"/>
+                </a:solidFill>
+              </a:rPr>
+              <a:t>Usage</a:t>
+            </a:r>
+          </a:p>
+          <a:p>
+            <a:pPr marL="0" indent="0">
+              <a:buNone/>
+            </a:pPr>
             <a:r>
               <a:rPr lang="en-US" dirty="0"/>
               <a:t>Solution Explorer </a:t>
             </a:r>
             <a:r>
-              <a:rPr lang="en-US" sz="3500" b="1" dirty="0"/>
+              <a:rPr lang="en-US" sz="3600" b="1" dirty="0"/>
               <a:t>&gt;</a:t>
             </a:r>
             <a:r>
@@ -16082,7 +16548,7 @@
               <a:t> right-click project </a:t>
             </a:r>
             <a:r>
-              <a:rPr lang="en-US" sz="3500" b="1" dirty="0"/>
+              <a:rPr lang="en-US" sz="3600" b="1" dirty="0"/>
               <a:t>&gt;</a:t>
             </a:r>
             <a:r>
@@ -16092,10 +16558,51 @@
           </a:p>
         </p:txBody>
       </p:sp>
+      <p:cxnSp>
+        <p:nvCxnSpPr>
+          <p:cNvPr id="8" name="Straight Connector 7">
+            <a:extLst>
+              <a:ext uri="{FF2B5EF4-FFF2-40B4-BE49-F238E27FC236}">
+                <a16:creationId xmlns:a16="http://schemas.microsoft.com/office/drawing/2014/main" id="{F0E94C23-5E74-4562-86A4-F6B443133B32}"/>
+              </a:ext>
+            </a:extLst>
+          </p:cNvPr>
+          <p:cNvCxnSpPr/>
+          <p:nvPr/>
+        </p:nvCxnSpPr>
+        <p:spPr>
+          <a:xfrm>
+            <a:off x="5267661" y="1925619"/>
+            <a:ext cx="0" cy="4264044"/>
+          </a:xfrm>
+          <a:prstGeom prst="line">
+            <a:avLst/>
+          </a:prstGeom>
+          <a:ln w="38100">
+            <a:solidFill>
+              <a:schemeClr val="tx2"/>
+            </a:solidFill>
+          </a:ln>
+        </p:spPr>
+        <p:style>
+          <a:lnRef idx="3">
+            <a:schemeClr val="accent1"/>
+          </a:lnRef>
+          <a:fillRef idx="0">
+            <a:schemeClr val="accent1"/>
+          </a:fillRef>
+          <a:effectRef idx="2">
+            <a:schemeClr val="accent1"/>
+          </a:effectRef>
+          <a:fontRef idx="minor">
+            <a:schemeClr val="tx1"/>
+          </a:fontRef>
+        </p:style>
+      </p:cxnSp>
     </p:spTree>
     <p:extLst>
       <p:ext uri="{BB962C8B-B14F-4D97-AF65-F5344CB8AC3E}">
-        <p14:creationId xmlns:p14="http://schemas.microsoft.com/office/powerpoint/2010/main" val="1291707926"/>
+        <p14:creationId xmlns:p14="http://schemas.microsoft.com/office/powerpoint/2010/main" val="394954555"/>
       </p:ext>
     </p:extLst>
   </p:cSld>
@@ -16187,7 +16694,7 @@
                                         <p:tgtEl>
                                           <p:spTgt spid="3">
                                             <p:txEl>
-                                              <p:pRg st="2" end="2"/>
+                                              <p:pRg st="6" end="6"/>
                                             </p:txEl>
                                           </p:spTgt>
                                         </p:tgtEl>
@@ -16218,198 +16725,7 @@
                                         <p:tgtEl>
                                           <p:spTgt spid="3">
                                             <p:txEl>
-                                              <p:pRg st="3" end="3"/>
-                                            </p:txEl>
-                                          </p:spTgt>
-                                        </p:tgtEl>
-                                        <p:attrNameLst>
-                                          <p:attrName>style.visibility</p:attrName>
-                                        </p:attrNameLst>
-                                      </p:cBhvr>
-                                      <p:to>
-                                        <p:strVal val="visible"/>
-                                      </p:to>
-                                    </p:set>
-                                  </p:childTnLst>
-                                </p:cTn>
-                              </p:par>
-                              <p:par>
-                                <p:cTn id="13" presetID="1" presetClass="entr" presetSubtype="0" fill="hold" nodeType="withEffect">
-                                  <p:stCondLst>
-                                    <p:cond delay="0"/>
-                                  </p:stCondLst>
-                                  <p:childTnLst>
-                                    <p:set>
-                                      <p:cBhvr>
-                                        <p:cTn id="14" dur="1" fill="hold">
-                                          <p:stCondLst>
-                                            <p:cond delay="0"/>
-                                          </p:stCondLst>
-                                        </p:cTn>
-                                        <p:tgtEl>
-                                          <p:spTgt spid="3">
-                                            <p:txEl>
-                                              <p:pRg st="4" end="4"/>
-                                            </p:txEl>
-                                          </p:spTgt>
-                                        </p:tgtEl>
-                                        <p:attrNameLst>
-                                          <p:attrName>style.visibility</p:attrName>
-                                        </p:attrNameLst>
-                                      </p:cBhvr>
-                                      <p:to>
-                                        <p:strVal val="visible"/>
-                                      </p:to>
-                                    </p:set>
-                                  </p:childTnLst>
-                                </p:cTn>
-                              </p:par>
-                            </p:childTnLst>
-                          </p:cTn>
-                        </p:par>
-                      </p:childTnLst>
-                    </p:cTn>
-                  </p:par>
-                  <p:par>
-                    <p:cTn id="15" fill="hold">
-                      <p:stCondLst>
-                        <p:cond delay="indefinite"/>
-                      </p:stCondLst>
-                      <p:childTnLst>
-                        <p:par>
-                          <p:cTn id="16" fill="hold">
-                            <p:stCondLst>
-                              <p:cond delay="0"/>
-                            </p:stCondLst>
-                            <p:childTnLst>
-                              <p:par>
-                                <p:cTn id="17" presetID="1" presetClass="entr" presetSubtype="0" fill="hold" nodeType="clickEffect">
-                                  <p:stCondLst>
-                                    <p:cond delay="0"/>
-                                  </p:stCondLst>
-                                  <p:childTnLst>
-                                    <p:set>
-                                      <p:cBhvr>
-                                        <p:cTn id="18" dur="1" fill="hold">
-                                          <p:stCondLst>
-                                            <p:cond delay="0"/>
-                                          </p:stCondLst>
-                                        </p:cTn>
-                                        <p:tgtEl>
-                                          <p:spTgt spid="3">
-                                            <p:txEl>
-                                              <p:pRg st="6" end="6"/>
-                                            </p:txEl>
-                                          </p:spTgt>
-                                        </p:tgtEl>
-                                        <p:attrNameLst>
-                                          <p:attrName>style.visibility</p:attrName>
-                                        </p:attrNameLst>
-                                      </p:cBhvr>
-                                      <p:to>
-                                        <p:strVal val="visible"/>
-                                      </p:to>
-                                    </p:set>
-                                  </p:childTnLst>
-                                </p:cTn>
-                              </p:par>
-                              <p:par>
-                                <p:cTn id="19" presetID="1" presetClass="entr" presetSubtype="0" fill="hold" nodeType="withEffect">
-                                  <p:stCondLst>
-                                    <p:cond delay="0"/>
-                                  </p:stCondLst>
-                                  <p:childTnLst>
-                                    <p:set>
-                                      <p:cBhvr>
-                                        <p:cTn id="20" dur="1" fill="hold">
-                                          <p:stCondLst>
-                                            <p:cond delay="0"/>
-                                          </p:stCondLst>
-                                        </p:cTn>
-                                        <p:tgtEl>
-                                          <p:spTgt spid="3">
-                                            <p:txEl>
                                               <p:pRg st="7" end="7"/>
-                                            </p:txEl>
-                                          </p:spTgt>
-                                        </p:tgtEl>
-                                        <p:attrNameLst>
-                                          <p:attrName>style.visibility</p:attrName>
-                                        </p:attrNameLst>
-                                      </p:cBhvr>
-                                      <p:to>
-                                        <p:strVal val="visible"/>
-                                      </p:to>
-                                    </p:set>
-                                  </p:childTnLst>
-                                </p:cTn>
-                              </p:par>
-                            </p:childTnLst>
-                          </p:cTn>
-                        </p:par>
-                      </p:childTnLst>
-                    </p:cTn>
-                  </p:par>
-                  <p:par>
-                    <p:cTn id="21" fill="hold">
-                      <p:stCondLst>
-                        <p:cond delay="indefinite"/>
-                      </p:stCondLst>
-                      <p:childTnLst>
-                        <p:par>
-                          <p:cTn id="22" fill="hold">
-                            <p:stCondLst>
-                              <p:cond delay="0"/>
-                            </p:stCondLst>
-                            <p:childTnLst>
-                              <p:par>
-                                <p:cTn id="23" presetID="1" presetClass="entr" presetSubtype="0" fill="hold" nodeType="clickEffect">
-                                  <p:stCondLst>
-                                    <p:cond delay="0"/>
-                                  </p:stCondLst>
-                                  <p:childTnLst>
-                                    <p:set>
-                                      <p:cBhvr>
-                                        <p:cTn id="24" dur="1" fill="hold">
-                                          <p:stCondLst>
-                                            <p:cond delay="0"/>
-                                          </p:stCondLst>
-                                        </p:cTn>
-                                        <p:tgtEl>
-                                          <p:spTgt spid="3">
-                                            <p:txEl>
-                                              <p:pRg st="8" end="8"/>
-                                            </p:txEl>
-                                          </p:spTgt>
-                                        </p:tgtEl>
-                                        <p:attrNameLst>
-                                          <p:attrName>style.visibility</p:attrName>
-                                        </p:attrNameLst>
-                                      </p:cBhvr>
-                                      <p:to>
-                                        <p:strVal val="visible"/>
-                                      </p:to>
-                                    </p:set>
-                                  </p:childTnLst>
-                                </p:cTn>
-                              </p:par>
-                              <p:par>
-                                <p:cTn id="25" presetID="1" presetClass="entr" presetSubtype="0" fill="hold" nodeType="withEffect">
-                                  <p:stCondLst>
-                                    <p:cond delay="0"/>
-                                  </p:stCondLst>
-                                  <p:childTnLst>
-                                    <p:set>
-                                      <p:cBhvr>
-                                        <p:cTn id="26" dur="1" fill="hold">
-                                          <p:stCondLst>
-                                            <p:cond delay="0"/>
-                                          </p:stCondLst>
-                                        </p:cTn>
-                                        <p:tgtEl>
-                                          <p:spTgt spid="3">
-                                            <p:txEl>
-                                              <p:pRg st="9" end="9"/>
                                             </p:txEl>
                                           </p:spTgt>
                                         </p:tgtEl>

--- a/Protecting App Secrets.pptx
+++ b/Protecting App Secrets.pptx
@@ -223,7 +223,7 @@
           <a:p>
             <a:fld id="{03886B9A-ACA2-4D2C-AAF6-D8003DE96699}" type="datetimeFigureOut">
               <a:rPr lang="en-US" smtClean="0"/>
-              <a:t>8/31/2018</a:t>
+              <a:t>9/1/2018</a:t>
             </a:fld>
             <a:endParaRPr lang="en-US"/>
           </a:p>
@@ -2797,7 +2797,7 @@
           <a:p>
             <a:fld id="{B5D86D52-4857-4668-9EB7-B41E21252CF7}" type="datetimeFigureOut">
               <a:rPr lang="en-US" smtClean="0"/>
-              <a:t>8/31/2018</a:t>
+              <a:t>9/1/2018</a:t>
             </a:fld>
             <a:endParaRPr lang="en-US"/>
           </a:p>
@@ -2995,7 +2995,7 @@
           <a:p>
             <a:fld id="{B5D86D52-4857-4668-9EB7-B41E21252CF7}" type="datetimeFigureOut">
               <a:rPr lang="en-US" smtClean="0"/>
-              <a:t>8/31/2018</a:t>
+              <a:t>9/1/2018</a:t>
             </a:fld>
             <a:endParaRPr lang="en-US"/>
           </a:p>
@@ -3203,7 +3203,7 @@
           <a:p>
             <a:fld id="{B5D86D52-4857-4668-9EB7-B41E21252CF7}" type="datetimeFigureOut">
               <a:rPr lang="en-US" smtClean="0"/>
-              <a:t>8/31/2018</a:t>
+              <a:t>9/1/2018</a:t>
             </a:fld>
             <a:endParaRPr lang="en-US"/>
           </a:p>
@@ -3407,7 +3407,7 @@
           <a:p>
             <a:fld id="{EEC3160E-2579-4584-9765-DC1BA0B358F9}" type="datetimeFigureOut">
               <a:rPr lang="en-US" smtClean="0"/>
-              <a:t>8/31/2018</a:t>
+              <a:t>9/1/2018</a:t>
             </a:fld>
             <a:endParaRPr lang="en-US"/>
           </a:p>
@@ -3577,7 +3577,7 @@
           <a:p>
             <a:fld id="{EEC3160E-2579-4584-9765-DC1BA0B358F9}" type="datetimeFigureOut">
               <a:rPr lang="en-US" smtClean="0"/>
-              <a:t>8/31/2018</a:t>
+              <a:t>9/1/2018</a:t>
             </a:fld>
             <a:endParaRPr lang="en-US"/>
           </a:p>
@@ -3823,7 +3823,7 @@
           <a:p>
             <a:fld id="{EEC3160E-2579-4584-9765-DC1BA0B358F9}" type="datetimeFigureOut">
               <a:rPr lang="en-US" smtClean="0"/>
-              <a:t>8/31/2018</a:t>
+              <a:t>9/1/2018</a:t>
             </a:fld>
             <a:endParaRPr lang="en-US"/>
           </a:p>
@@ -4055,7 +4055,7 @@
           <a:p>
             <a:fld id="{EEC3160E-2579-4584-9765-DC1BA0B358F9}" type="datetimeFigureOut">
               <a:rPr lang="en-US" smtClean="0"/>
-              <a:t>8/31/2018</a:t>
+              <a:t>9/1/2018</a:t>
             </a:fld>
             <a:endParaRPr lang="en-US"/>
           </a:p>
@@ -4422,7 +4422,7 @@
           <a:p>
             <a:fld id="{EEC3160E-2579-4584-9765-DC1BA0B358F9}" type="datetimeFigureOut">
               <a:rPr lang="en-US" smtClean="0"/>
-              <a:t>8/31/2018</a:t>
+              <a:t>9/1/2018</a:t>
             </a:fld>
             <a:endParaRPr lang="en-US"/>
           </a:p>
@@ -4540,7 +4540,7 @@
           <a:p>
             <a:fld id="{EEC3160E-2579-4584-9765-DC1BA0B358F9}" type="datetimeFigureOut">
               <a:rPr lang="en-US" smtClean="0"/>
-              <a:t>8/31/2018</a:t>
+              <a:t>9/1/2018</a:t>
             </a:fld>
             <a:endParaRPr lang="en-US"/>
           </a:p>
@@ -4635,7 +4635,7 @@
           <a:p>
             <a:fld id="{EEC3160E-2579-4584-9765-DC1BA0B358F9}" type="datetimeFigureOut">
               <a:rPr lang="en-US" smtClean="0"/>
-              <a:t>8/31/2018</a:t>
+              <a:t>9/1/2018</a:t>
             </a:fld>
             <a:endParaRPr lang="en-US"/>
           </a:p>
@@ -4912,7 +4912,7 @@
           <a:p>
             <a:fld id="{EEC3160E-2579-4584-9765-DC1BA0B358F9}" type="datetimeFigureOut">
               <a:rPr lang="en-US" smtClean="0"/>
-              <a:t>8/31/2018</a:t>
+              <a:t>9/1/2018</a:t>
             </a:fld>
             <a:endParaRPr lang="en-US"/>
           </a:p>
@@ -5098,7 +5098,7 @@
           <a:p>
             <a:fld id="{B5D86D52-4857-4668-9EB7-B41E21252CF7}" type="datetimeFigureOut">
               <a:rPr lang="en-US" smtClean="0"/>
-              <a:t>8/31/2018</a:t>
+              <a:t>9/1/2018</a:t>
             </a:fld>
             <a:endParaRPr lang="en-US"/>
           </a:p>
@@ -5367,7 +5367,7 @@
           <a:p>
             <a:fld id="{EEC3160E-2579-4584-9765-DC1BA0B358F9}" type="datetimeFigureOut">
               <a:rPr lang="en-US" smtClean="0"/>
-              <a:t>8/31/2018</a:t>
+              <a:t>9/1/2018</a:t>
             </a:fld>
             <a:endParaRPr lang="en-US"/>
           </a:p>
@@ -5537,7 +5537,7 @@
           <a:p>
             <a:fld id="{EEC3160E-2579-4584-9765-DC1BA0B358F9}" type="datetimeFigureOut">
               <a:rPr lang="en-US" smtClean="0"/>
-              <a:t>8/31/2018</a:t>
+              <a:t>9/1/2018</a:t>
             </a:fld>
             <a:endParaRPr lang="en-US"/>
           </a:p>
@@ -5717,7 +5717,7 @@
           <a:p>
             <a:fld id="{EEC3160E-2579-4584-9765-DC1BA0B358F9}" type="datetimeFigureOut">
               <a:rPr lang="en-US" smtClean="0"/>
-              <a:t>8/31/2018</a:t>
+              <a:t>9/1/2018</a:t>
             </a:fld>
             <a:endParaRPr lang="en-US"/>
           </a:p>
@@ -5980,7 +5980,7 @@
           <a:p>
             <a:fld id="{B5D86D52-4857-4668-9EB7-B41E21252CF7}" type="datetimeFigureOut">
               <a:rPr lang="en-US" smtClean="0"/>
-              <a:t>8/31/2018</a:t>
+              <a:t>9/1/2018</a:t>
             </a:fld>
             <a:endParaRPr lang="en-US"/>
           </a:p>
@@ -6245,7 +6245,7 @@
           <a:p>
             <a:fld id="{B5D86D52-4857-4668-9EB7-B41E21252CF7}" type="datetimeFigureOut">
               <a:rPr lang="en-US" smtClean="0"/>
-              <a:t>8/31/2018</a:t>
+              <a:t>9/1/2018</a:t>
             </a:fld>
             <a:endParaRPr lang="en-US"/>
           </a:p>
@@ -6657,7 +6657,7 @@
           <a:p>
             <a:fld id="{B5D86D52-4857-4668-9EB7-B41E21252CF7}" type="datetimeFigureOut">
               <a:rPr lang="en-US" smtClean="0"/>
-              <a:t>8/31/2018</a:t>
+              <a:t>9/1/2018</a:t>
             </a:fld>
             <a:endParaRPr lang="en-US"/>
           </a:p>
@@ -6798,7 +6798,7 @@
           <a:p>
             <a:fld id="{B5D86D52-4857-4668-9EB7-B41E21252CF7}" type="datetimeFigureOut">
               <a:rPr lang="en-US" smtClean="0"/>
-              <a:t>8/31/2018</a:t>
+              <a:t>9/1/2018</a:t>
             </a:fld>
             <a:endParaRPr lang="en-US"/>
           </a:p>
@@ -6911,7 +6911,7 @@
           <a:p>
             <a:fld id="{B5D86D52-4857-4668-9EB7-B41E21252CF7}" type="datetimeFigureOut">
               <a:rPr lang="en-US" smtClean="0"/>
-              <a:t>8/31/2018</a:t>
+              <a:t>9/1/2018</a:t>
             </a:fld>
             <a:endParaRPr lang="en-US"/>
           </a:p>
@@ -7222,7 +7222,7 @@
           <a:p>
             <a:fld id="{B5D86D52-4857-4668-9EB7-B41E21252CF7}" type="datetimeFigureOut">
               <a:rPr lang="en-US" smtClean="0"/>
-              <a:t>8/31/2018</a:t>
+              <a:t>9/1/2018</a:t>
             </a:fld>
             <a:endParaRPr lang="en-US"/>
           </a:p>
@@ -7510,7 +7510,7 @@
           <a:p>
             <a:fld id="{B5D86D52-4857-4668-9EB7-B41E21252CF7}" type="datetimeFigureOut">
               <a:rPr lang="en-US" smtClean="0"/>
-              <a:t>8/31/2018</a:t>
+              <a:t>9/1/2018</a:t>
             </a:fld>
             <a:endParaRPr lang="en-US"/>
           </a:p>
@@ -7751,7 +7751,7 @@
           <a:p>
             <a:fld id="{B5D86D52-4857-4668-9EB7-B41E21252CF7}" type="datetimeFigureOut">
               <a:rPr lang="en-US" smtClean="0"/>
-              <a:t>8/31/2018</a:t>
+              <a:t>9/1/2018</a:t>
             </a:fld>
             <a:endParaRPr lang="en-US"/>
           </a:p>
@@ -8303,7 +8303,7 @@
           <a:p>
             <a:fld id="{EEC3160E-2579-4584-9765-DC1BA0B358F9}" type="datetimeFigureOut">
               <a:rPr lang="en-US" smtClean="0"/>
-              <a:t>8/31/2018</a:t>
+              <a:t>9/1/2018</a:t>
             </a:fld>
             <a:endParaRPr lang="en-US"/>
           </a:p>
@@ -9803,7 +9803,7 @@
                             </p:stCondLst>
                             <p:childTnLst>
                               <p:par>
-                                <p:cTn id="5" presetID="1" presetClass="entr" presetSubtype="0" fill="hold" nodeType="clickEffect">
+                                <p:cTn id="5" presetID="10" presetClass="entr" presetSubtype="0" fill="hold" grpId="0" nodeType="clickEffect">
                                   <p:stCondLst>
                                     <p:cond delay="0"/>
                                   </p:stCondLst>
@@ -9811,6 +9811,135 @@
                                     <p:set>
                                       <p:cBhvr>
                                         <p:cTn id="6" dur="1" fill="hold">
+                                          <p:stCondLst>
+                                            <p:cond delay="0"/>
+                                          </p:stCondLst>
+                                        </p:cTn>
+                                        <p:tgtEl>
+                                          <p:spTgt spid="4">
+                                            <p:txEl>
+                                              <p:pRg st="0" end="0"/>
+                                            </p:txEl>
+                                          </p:spTgt>
+                                        </p:tgtEl>
+                                        <p:attrNameLst>
+                                          <p:attrName>style.visibility</p:attrName>
+                                        </p:attrNameLst>
+                                      </p:cBhvr>
+                                      <p:to>
+                                        <p:strVal val="visible"/>
+                                      </p:to>
+                                    </p:set>
+                                    <p:animEffect transition="in" filter="fade">
+                                      <p:cBhvr>
+                                        <p:cTn id="7" dur="500"/>
+                                        <p:tgtEl>
+                                          <p:spTgt spid="4">
+                                            <p:txEl>
+                                              <p:pRg st="0" end="0"/>
+                                            </p:txEl>
+                                          </p:spTgt>
+                                        </p:tgtEl>
+                                      </p:cBhvr>
+                                    </p:animEffect>
+                                  </p:childTnLst>
+                                </p:cTn>
+                              </p:par>
+                              <p:par>
+                                <p:cTn id="8" presetID="10" presetClass="entr" presetSubtype="0" fill="hold" nodeType="withEffect">
+                                  <p:stCondLst>
+                                    <p:cond delay="0"/>
+                                  </p:stCondLst>
+                                  <p:childTnLst>
+                                    <p:set>
+                                      <p:cBhvr>
+                                        <p:cTn id="9" dur="1" fill="hold">
+                                          <p:stCondLst>
+                                            <p:cond delay="0"/>
+                                          </p:stCondLst>
+                                        </p:cTn>
+                                        <p:tgtEl>
+                                          <p:spTgt spid="3">
+                                            <p:txEl>
+                                              <p:pRg st="0" end="0"/>
+                                            </p:txEl>
+                                          </p:spTgt>
+                                        </p:tgtEl>
+                                        <p:attrNameLst>
+                                          <p:attrName>style.visibility</p:attrName>
+                                        </p:attrNameLst>
+                                      </p:cBhvr>
+                                      <p:to>
+                                        <p:strVal val="visible"/>
+                                      </p:to>
+                                    </p:set>
+                                    <p:animEffect transition="in" filter="fade">
+                                      <p:cBhvr>
+                                        <p:cTn id="10" dur="500"/>
+                                        <p:tgtEl>
+                                          <p:spTgt spid="3">
+                                            <p:txEl>
+                                              <p:pRg st="0" end="0"/>
+                                            </p:txEl>
+                                          </p:spTgt>
+                                        </p:tgtEl>
+                                      </p:cBhvr>
+                                    </p:animEffect>
+                                  </p:childTnLst>
+                                </p:cTn>
+                              </p:par>
+                              <p:par>
+                                <p:cTn id="11" presetID="10" presetClass="entr" presetSubtype="0" fill="hold" nodeType="withEffect">
+                                  <p:stCondLst>
+                                    <p:cond delay="0"/>
+                                  </p:stCondLst>
+                                  <p:childTnLst>
+                                    <p:set>
+                                      <p:cBhvr>
+                                        <p:cTn id="12" dur="1" fill="hold">
+                                          <p:stCondLst>
+                                            <p:cond delay="0"/>
+                                          </p:stCondLst>
+                                        </p:cTn>
+                                        <p:tgtEl>
+                                          <p:spTgt spid="3">
+                                            <p:txEl>
+                                              <p:pRg st="1" end="1"/>
+                                            </p:txEl>
+                                          </p:spTgt>
+                                        </p:tgtEl>
+                                        <p:attrNameLst>
+                                          <p:attrName>style.visibility</p:attrName>
+                                        </p:attrNameLst>
+                                      </p:cBhvr>
+                                      <p:to>
+                                        <p:strVal val="visible"/>
+                                      </p:to>
+                                    </p:set>
+                                    <p:animEffect transition="in" filter="fade">
+                                      <p:cBhvr>
+                                        <p:cTn id="13" dur="500"/>
+                                        <p:tgtEl>
+                                          <p:spTgt spid="3">
+                                            <p:txEl>
+                                              <p:pRg st="1" end="1"/>
+                                            </p:txEl>
+                                          </p:spTgt>
+                                        </p:tgtEl>
+                                      </p:cBhvr>
+                                    </p:animEffect>
+                                  </p:childTnLst>
+                                </p:cTn>
+                              </p:par>
+                              <p:par>
+                                <p:cTn id="14" presetID="10" presetClass="entr" presetSubtype="0" fill="hold" nodeType="withEffect">
+                                  <p:stCondLst>
+                                    <p:cond delay="0"/>
+                                  </p:stCondLst>
+                                  <p:childTnLst>
+                                    <p:set>
+                                      <p:cBhvr>
+                                        <p:cTn id="15" dur="1" fill="hold">
                                           <p:stCondLst>
                                             <p:cond delay="0"/>
                                           </p:stCondLst>
@@ -9830,6 +9959,18 @@
                                         <p:strVal val="visible"/>
                                       </p:to>
                                     </p:set>
+                                    <p:animEffect transition="in" filter="fade">
+                                      <p:cBhvr>
+                                        <p:cTn id="16" dur="500"/>
+                                        <p:tgtEl>
+                                          <p:spTgt spid="3">
+                                            <p:txEl>
+                                              <p:pRg st="2" end="2"/>
+                                            </p:txEl>
+                                          </p:spTgt>
+                                        </p:tgtEl>
+                                      </p:cBhvr>
+                                    </p:animEffect>
                                   </p:childTnLst>
                                 </p:cTn>
                               </p:par>
@@ -9840,26 +9981,26 @@
                     </p:cTn>
                   </p:par>
                   <p:par>
-                    <p:cTn id="7" fill="hold">
+                    <p:cTn id="17" fill="hold">
                       <p:stCondLst>
                         <p:cond delay="indefinite"/>
                       </p:stCondLst>
                       <p:childTnLst>
                         <p:par>
-                          <p:cTn id="8" fill="hold">
+                          <p:cTn id="18" fill="hold">
                             <p:stCondLst>
                               <p:cond delay="0"/>
                             </p:stCondLst>
                             <p:childTnLst>
                               <p:par>
-                                <p:cTn id="9" presetID="1" presetClass="entr" presetSubtype="0" fill="hold" nodeType="clickEffect">
+                                <p:cTn id="19" presetID="10" presetClass="entr" presetSubtype="0" fill="hold" nodeType="clickEffect">
                                   <p:stCondLst>
                                     <p:cond delay="0"/>
                                   </p:stCondLst>
                                   <p:childTnLst>
                                     <p:set>
                                       <p:cBhvr>
-                                        <p:cTn id="10" dur="1" fill="hold">
+                                        <p:cTn id="20" dur="1" fill="hold">
                                           <p:stCondLst>
                                             <p:cond delay="0"/>
                                           </p:stCondLst>
@@ -9879,18 +10020,30 @@
                                         <p:strVal val="visible"/>
                                       </p:to>
                                     </p:set>
+                                    <p:animEffect transition="in" filter="fade">
+                                      <p:cBhvr>
+                                        <p:cTn id="21" dur="500"/>
+                                        <p:tgtEl>
+                                          <p:spTgt spid="3">
+                                            <p:txEl>
+                                              <p:pRg st="7" end="7"/>
+                                            </p:txEl>
+                                          </p:spTgt>
+                                        </p:tgtEl>
+                                      </p:cBhvr>
+                                    </p:animEffect>
                                   </p:childTnLst>
                                 </p:cTn>
                               </p:par>
                               <p:par>
-                                <p:cTn id="11" presetID="1" presetClass="entr" presetSubtype="0" fill="hold" nodeType="withEffect">
+                                <p:cTn id="22" presetID="10" presetClass="entr" presetSubtype="0" fill="hold" nodeType="withEffect">
                                   <p:stCondLst>
                                     <p:cond delay="0"/>
                                   </p:stCondLst>
                                   <p:childTnLst>
                                     <p:set>
                                       <p:cBhvr>
-                                        <p:cTn id="12" dur="1" fill="hold">
+                                        <p:cTn id="23" dur="1" fill="hold">
                                           <p:stCondLst>
                                             <p:cond delay="0"/>
                                           </p:stCondLst>
@@ -9910,6 +10063,532 @@
                                         <p:strVal val="visible"/>
                                       </p:to>
                                     </p:set>
+                                    <p:animEffect transition="in" filter="fade">
+                                      <p:cBhvr>
+                                        <p:cTn id="24" dur="500"/>
+                                        <p:tgtEl>
+                                          <p:spTgt spid="3">
+                                            <p:txEl>
+                                              <p:pRg st="8" end="8"/>
+                                            </p:txEl>
+                                          </p:spTgt>
+                                        </p:tgtEl>
+                                      </p:cBhvr>
+                                    </p:animEffect>
+                                  </p:childTnLst>
+                                </p:cTn>
+                              </p:par>
+                            </p:childTnLst>
+                          </p:cTn>
+                        </p:par>
+                      </p:childTnLst>
+                    </p:cTn>
+                  </p:par>
+                  <p:par>
+                    <p:cTn id="25" fill="hold">
+                      <p:stCondLst>
+                        <p:cond delay="indefinite"/>
+                      </p:stCondLst>
+                      <p:childTnLst>
+                        <p:par>
+                          <p:cTn id="26" fill="hold">
+                            <p:stCondLst>
+                              <p:cond delay="0"/>
+                            </p:stCondLst>
+                            <p:childTnLst>
+                              <p:par>
+                                <p:cTn id="27" presetID="2" presetClass="entr" presetSubtype="4" fill="hold" nodeType="clickEffect">
+                                  <p:stCondLst>
+                                    <p:cond delay="0"/>
+                                  </p:stCondLst>
+                                  <p:childTnLst>
+                                    <p:set>
+                                      <p:cBhvr>
+                                        <p:cTn id="28" dur="1" fill="hold">
+                                          <p:stCondLst>
+                                            <p:cond delay="0"/>
+                                          </p:stCondLst>
+                                        </p:cTn>
+                                        <p:tgtEl>
+                                          <p:spTgt spid="8"/>
+                                        </p:tgtEl>
+                                        <p:attrNameLst>
+                                          <p:attrName>style.visibility</p:attrName>
+                                        </p:attrNameLst>
+                                      </p:cBhvr>
+                                      <p:to>
+                                        <p:strVal val="visible"/>
+                                      </p:to>
+                                    </p:set>
+                                    <p:anim calcmode="lin" valueType="num">
+                                      <p:cBhvr additive="base">
+                                        <p:cTn id="29" dur="500" fill="hold"/>
+                                        <p:tgtEl>
+                                          <p:spTgt spid="8"/>
+                                        </p:tgtEl>
+                                        <p:attrNameLst>
+                                          <p:attrName>ppt_x</p:attrName>
+                                        </p:attrNameLst>
+                                      </p:cBhvr>
+                                      <p:tavLst>
+                                        <p:tav tm="0">
+                                          <p:val>
+                                            <p:strVal val="#ppt_x"/>
+                                          </p:val>
+                                        </p:tav>
+                                        <p:tav tm="100000">
+                                          <p:val>
+                                            <p:strVal val="#ppt_x"/>
+                                          </p:val>
+                                        </p:tav>
+                                      </p:tavLst>
+                                    </p:anim>
+                                    <p:anim calcmode="lin" valueType="num">
+                                      <p:cBhvr additive="base">
+                                        <p:cTn id="30" dur="500" fill="hold"/>
+                                        <p:tgtEl>
+                                          <p:spTgt spid="8"/>
+                                        </p:tgtEl>
+                                        <p:attrNameLst>
+                                          <p:attrName>ppt_y</p:attrName>
+                                        </p:attrNameLst>
+                                      </p:cBhvr>
+                                      <p:tavLst>
+                                        <p:tav tm="0">
+                                          <p:val>
+                                            <p:strVal val="1+#ppt_h/2"/>
+                                          </p:val>
+                                        </p:tav>
+                                        <p:tav tm="100000">
+                                          <p:val>
+                                            <p:strVal val="#ppt_y"/>
+                                          </p:val>
+                                        </p:tav>
+                                      </p:tavLst>
+                                    </p:anim>
+                                  </p:childTnLst>
+                                </p:cTn>
+                              </p:par>
+                            </p:childTnLst>
+                          </p:cTn>
+                        </p:par>
+                      </p:childTnLst>
+                    </p:cTn>
+                  </p:par>
+                  <p:par>
+                    <p:cTn id="31" fill="hold">
+                      <p:stCondLst>
+                        <p:cond delay="indefinite"/>
+                      </p:stCondLst>
+                      <p:childTnLst>
+                        <p:par>
+                          <p:cTn id="32" fill="hold">
+                            <p:stCondLst>
+                              <p:cond delay="0"/>
+                            </p:stCondLst>
+                            <p:childTnLst>
+                              <p:par>
+                                <p:cTn id="33" presetID="10" presetClass="entr" presetSubtype="0" fill="hold" grpId="0" nodeType="clickEffect">
+                                  <p:stCondLst>
+                                    <p:cond delay="0"/>
+                                  </p:stCondLst>
+                                  <p:childTnLst>
+                                    <p:set>
+                                      <p:cBhvr>
+                                        <p:cTn id="34" dur="1" fill="hold">
+                                          <p:stCondLst>
+                                            <p:cond delay="0"/>
+                                          </p:stCondLst>
+                                        </p:cTn>
+                                        <p:tgtEl>
+                                          <p:spTgt spid="5">
+                                            <p:txEl>
+                                              <p:pRg st="0" end="0"/>
+                                            </p:txEl>
+                                          </p:spTgt>
+                                        </p:tgtEl>
+                                        <p:attrNameLst>
+                                          <p:attrName>style.visibility</p:attrName>
+                                        </p:attrNameLst>
+                                      </p:cBhvr>
+                                      <p:to>
+                                        <p:strVal val="visible"/>
+                                      </p:to>
+                                    </p:set>
+                                    <p:animEffect transition="in" filter="fade">
+                                      <p:cBhvr>
+                                        <p:cTn id="35" dur="500"/>
+                                        <p:tgtEl>
+                                          <p:spTgt spid="5">
+                                            <p:txEl>
+                                              <p:pRg st="0" end="0"/>
+                                            </p:txEl>
+                                          </p:spTgt>
+                                        </p:tgtEl>
+                                      </p:cBhvr>
+                                    </p:animEffect>
+                                  </p:childTnLst>
+                                </p:cTn>
+                              </p:par>
+                              <p:par>
+                                <p:cTn id="36" presetID="10" presetClass="entr" presetSubtype="0" fill="hold" nodeType="withEffect">
+                                  <p:stCondLst>
+                                    <p:cond delay="0"/>
+                                  </p:stCondLst>
+                                  <p:childTnLst>
+                                    <p:set>
+                                      <p:cBhvr>
+                                        <p:cTn id="37" dur="1" fill="hold">
+                                          <p:stCondLst>
+                                            <p:cond delay="0"/>
+                                          </p:stCondLst>
+                                        </p:cTn>
+                                        <p:tgtEl>
+                                          <p:spTgt spid="6">
+                                            <p:txEl>
+                                              <p:pRg st="0" end="0"/>
+                                            </p:txEl>
+                                          </p:spTgt>
+                                        </p:tgtEl>
+                                        <p:attrNameLst>
+                                          <p:attrName>style.visibility</p:attrName>
+                                        </p:attrNameLst>
+                                      </p:cBhvr>
+                                      <p:to>
+                                        <p:strVal val="visible"/>
+                                      </p:to>
+                                    </p:set>
+                                    <p:animEffect transition="in" filter="fade">
+                                      <p:cBhvr>
+                                        <p:cTn id="38" dur="500"/>
+                                        <p:tgtEl>
+                                          <p:spTgt spid="6">
+                                            <p:txEl>
+                                              <p:pRg st="0" end="0"/>
+                                            </p:txEl>
+                                          </p:spTgt>
+                                        </p:tgtEl>
+                                      </p:cBhvr>
+                                    </p:animEffect>
+                                  </p:childTnLst>
+                                </p:cTn>
+                              </p:par>
+                              <p:par>
+                                <p:cTn id="39" presetID="10" presetClass="entr" presetSubtype="0" fill="hold" nodeType="withEffect">
+                                  <p:stCondLst>
+                                    <p:cond delay="0"/>
+                                  </p:stCondLst>
+                                  <p:childTnLst>
+                                    <p:set>
+                                      <p:cBhvr>
+                                        <p:cTn id="40" dur="1" fill="hold">
+                                          <p:stCondLst>
+                                            <p:cond delay="0"/>
+                                          </p:stCondLst>
+                                        </p:cTn>
+                                        <p:tgtEl>
+                                          <p:spTgt spid="6">
+                                            <p:txEl>
+                                              <p:pRg st="1" end="1"/>
+                                            </p:txEl>
+                                          </p:spTgt>
+                                        </p:tgtEl>
+                                        <p:attrNameLst>
+                                          <p:attrName>style.visibility</p:attrName>
+                                        </p:attrNameLst>
+                                      </p:cBhvr>
+                                      <p:to>
+                                        <p:strVal val="visible"/>
+                                      </p:to>
+                                    </p:set>
+                                    <p:animEffect transition="in" filter="fade">
+                                      <p:cBhvr>
+                                        <p:cTn id="41" dur="500"/>
+                                        <p:tgtEl>
+                                          <p:spTgt spid="6">
+                                            <p:txEl>
+                                              <p:pRg st="1" end="1"/>
+                                            </p:txEl>
+                                          </p:spTgt>
+                                        </p:tgtEl>
+                                      </p:cBhvr>
+                                    </p:animEffect>
+                                  </p:childTnLst>
+                                </p:cTn>
+                              </p:par>
+                              <p:par>
+                                <p:cTn id="42" presetID="10" presetClass="entr" presetSubtype="0" fill="hold" nodeType="withEffect">
+                                  <p:stCondLst>
+                                    <p:cond delay="0"/>
+                                  </p:stCondLst>
+                                  <p:childTnLst>
+                                    <p:set>
+                                      <p:cBhvr>
+                                        <p:cTn id="43" dur="1" fill="hold">
+                                          <p:stCondLst>
+                                            <p:cond delay="0"/>
+                                          </p:stCondLst>
+                                        </p:cTn>
+                                        <p:tgtEl>
+                                          <p:spTgt spid="6">
+                                            <p:txEl>
+                                              <p:pRg st="2" end="2"/>
+                                            </p:txEl>
+                                          </p:spTgt>
+                                        </p:tgtEl>
+                                        <p:attrNameLst>
+                                          <p:attrName>style.visibility</p:attrName>
+                                        </p:attrNameLst>
+                                      </p:cBhvr>
+                                      <p:to>
+                                        <p:strVal val="visible"/>
+                                      </p:to>
+                                    </p:set>
+                                    <p:animEffect transition="in" filter="fade">
+                                      <p:cBhvr>
+                                        <p:cTn id="44" dur="500"/>
+                                        <p:tgtEl>
+                                          <p:spTgt spid="6">
+                                            <p:txEl>
+                                              <p:pRg st="2" end="2"/>
+                                            </p:txEl>
+                                          </p:spTgt>
+                                        </p:tgtEl>
+                                      </p:cBhvr>
+                                    </p:animEffect>
+                                  </p:childTnLst>
+                                </p:cTn>
+                              </p:par>
+                              <p:par>
+                                <p:cTn id="45" presetID="10" presetClass="entr" presetSubtype="0" fill="hold" nodeType="withEffect">
+                                  <p:stCondLst>
+                                    <p:cond delay="0"/>
+                                  </p:stCondLst>
+                                  <p:childTnLst>
+                                    <p:set>
+                                      <p:cBhvr>
+                                        <p:cTn id="46" dur="1" fill="hold">
+                                          <p:stCondLst>
+                                            <p:cond delay="0"/>
+                                          </p:stCondLst>
+                                        </p:cTn>
+                                        <p:tgtEl>
+                                          <p:spTgt spid="6">
+                                            <p:txEl>
+                                              <p:pRg st="3" end="3"/>
+                                            </p:txEl>
+                                          </p:spTgt>
+                                        </p:tgtEl>
+                                        <p:attrNameLst>
+                                          <p:attrName>style.visibility</p:attrName>
+                                        </p:attrNameLst>
+                                      </p:cBhvr>
+                                      <p:to>
+                                        <p:strVal val="visible"/>
+                                      </p:to>
+                                    </p:set>
+                                    <p:animEffect transition="in" filter="fade">
+                                      <p:cBhvr>
+                                        <p:cTn id="47" dur="500"/>
+                                        <p:tgtEl>
+                                          <p:spTgt spid="6">
+                                            <p:txEl>
+                                              <p:pRg st="3" end="3"/>
+                                            </p:txEl>
+                                          </p:spTgt>
+                                        </p:tgtEl>
+                                      </p:cBhvr>
+                                    </p:animEffect>
+                                  </p:childTnLst>
+                                </p:cTn>
+                              </p:par>
+                              <p:par>
+                                <p:cTn id="48" presetID="10" presetClass="entr" presetSubtype="0" fill="hold" nodeType="withEffect">
+                                  <p:stCondLst>
+                                    <p:cond delay="0"/>
+                                  </p:stCondLst>
+                                  <p:childTnLst>
+                                    <p:set>
+                                      <p:cBhvr>
+                                        <p:cTn id="49" dur="1" fill="hold">
+                                          <p:stCondLst>
+                                            <p:cond delay="0"/>
+                                          </p:stCondLst>
+                                        </p:cTn>
+                                        <p:tgtEl>
+                                          <p:spTgt spid="6">
+                                            <p:txEl>
+                                              <p:pRg st="4" end="4"/>
+                                            </p:txEl>
+                                          </p:spTgt>
+                                        </p:tgtEl>
+                                        <p:attrNameLst>
+                                          <p:attrName>style.visibility</p:attrName>
+                                        </p:attrNameLst>
+                                      </p:cBhvr>
+                                      <p:to>
+                                        <p:strVal val="visible"/>
+                                      </p:to>
+                                    </p:set>
+                                    <p:animEffect transition="in" filter="fade">
+                                      <p:cBhvr>
+                                        <p:cTn id="50" dur="500"/>
+                                        <p:tgtEl>
+                                          <p:spTgt spid="6">
+                                            <p:txEl>
+                                              <p:pRg st="4" end="4"/>
+                                            </p:txEl>
+                                          </p:spTgt>
+                                        </p:tgtEl>
+                                      </p:cBhvr>
+                                    </p:animEffect>
+                                  </p:childTnLst>
+                                </p:cTn>
+                              </p:par>
+                              <p:par>
+                                <p:cTn id="51" presetID="10" presetClass="entr" presetSubtype="0" fill="hold" nodeType="withEffect">
+                                  <p:stCondLst>
+                                    <p:cond delay="0"/>
+                                  </p:stCondLst>
+                                  <p:childTnLst>
+                                    <p:set>
+                                      <p:cBhvr>
+                                        <p:cTn id="52" dur="1" fill="hold">
+                                          <p:stCondLst>
+                                            <p:cond delay="0"/>
+                                          </p:stCondLst>
+                                        </p:cTn>
+                                        <p:tgtEl>
+                                          <p:spTgt spid="6">
+                                            <p:txEl>
+                                              <p:pRg st="5" end="5"/>
+                                            </p:txEl>
+                                          </p:spTgt>
+                                        </p:tgtEl>
+                                        <p:attrNameLst>
+                                          <p:attrName>style.visibility</p:attrName>
+                                        </p:attrNameLst>
+                                      </p:cBhvr>
+                                      <p:to>
+                                        <p:strVal val="visible"/>
+                                      </p:to>
+                                    </p:set>
+                                    <p:animEffect transition="in" filter="fade">
+                                      <p:cBhvr>
+                                        <p:cTn id="53" dur="500"/>
+                                        <p:tgtEl>
+                                          <p:spTgt spid="6">
+                                            <p:txEl>
+                                              <p:pRg st="5" end="5"/>
+                                            </p:txEl>
+                                          </p:spTgt>
+                                        </p:tgtEl>
+                                      </p:cBhvr>
+                                    </p:animEffect>
+                                  </p:childTnLst>
+                                </p:cTn>
+                              </p:par>
+                            </p:childTnLst>
+                          </p:cTn>
+                        </p:par>
+                      </p:childTnLst>
+                    </p:cTn>
+                  </p:par>
+                  <p:par>
+                    <p:cTn id="54" fill="hold">
+                      <p:stCondLst>
+                        <p:cond delay="indefinite"/>
+                      </p:stCondLst>
+                      <p:childTnLst>
+                        <p:par>
+                          <p:cTn id="55" fill="hold">
+                            <p:stCondLst>
+                              <p:cond delay="0"/>
+                            </p:stCondLst>
+                            <p:childTnLst>
+                              <p:par>
+                                <p:cTn id="56" presetID="10" presetClass="entr" presetSubtype="0" fill="hold" nodeType="clickEffect">
+                                  <p:stCondLst>
+                                    <p:cond delay="0"/>
+                                  </p:stCondLst>
+                                  <p:childTnLst>
+                                    <p:set>
+                                      <p:cBhvr>
+                                        <p:cTn id="57" dur="1" fill="hold">
+                                          <p:stCondLst>
+                                            <p:cond delay="0"/>
+                                          </p:stCondLst>
+                                        </p:cTn>
+                                        <p:tgtEl>
+                                          <p:spTgt spid="6">
+                                            <p:txEl>
+                                              <p:pRg st="7" end="7"/>
+                                            </p:txEl>
+                                          </p:spTgt>
+                                        </p:tgtEl>
+                                        <p:attrNameLst>
+                                          <p:attrName>style.visibility</p:attrName>
+                                        </p:attrNameLst>
+                                      </p:cBhvr>
+                                      <p:to>
+                                        <p:strVal val="visible"/>
+                                      </p:to>
+                                    </p:set>
+                                    <p:animEffect transition="in" filter="fade">
+                                      <p:cBhvr>
+                                        <p:cTn id="58" dur="500"/>
+                                        <p:tgtEl>
+                                          <p:spTgt spid="6">
+                                            <p:txEl>
+                                              <p:pRg st="7" end="7"/>
+                                            </p:txEl>
+                                          </p:spTgt>
+                                        </p:tgtEl>
+                                      </p:cBhvr>
+                                    </p:animEffect>
+                                  </p:childTnLst>
+                                </p:cTn>
+                              </p:par>
+                              <p:par>
+                                <p:cTn id="59" presetID="10" presetClass="entr" presetSubtype="0" fill="hold" nodeType="withEffect">
+                                  <p:stCondLst>
+                                    <p:cond delay="0"/>
+                                  </p:stCondLst>
+                                  <p:childTnLst>
+                                    <p:set>
+                                      <p:cBhvr>
+                                        <p:cTn id="60" dur="1" fill="hold">
+                                          <p:stCondLst>
+                                            <p:cond delay="0"/>
+                                          </p:stCondLst>
+                                        </p:cTn>
+                                        <p:tgtEl>
+                                          <p:spTgt spid="6">
+                                            <p:txEl>
+                                              <p:pRg st="8" end="8"/>
+                                            </p:txEl>
+                                          </p:spTgt>
+                                        </p:tgtEl>
+                                        <p:attrNameLst>
+                                          <p:attrName>style.visibility</p:attrName>
+                                        </p:attrNameLst>
+                                      </p:cBhvr>
+                                      <p:to>
+                                        <p:strVal val="visible"/>
+                                      </p:to>
+                                    </p:set>
+                                    <p:animEffect transition="in" filter="fade">
+                                      <p:cBhvr>
+                                        <p:cTn id="61" dur="500"/>
+                                        <p:tgtEl>
+                                          <p:spTgt spid="6">
+                                            <p:txEl>
+                                              <p:pRg st="8" end="8"/>
+                                            </p:txEl>
+                                          </p:spTgt>
+                                        </p:tgtEl>
+                                      </p:cBhvr>
+                                    </p:animEffect>
                                   </p:childTnLst>
                                 </p:cTn>
                               </p:par>
@@ -9940,6 +10619,10 @@
         </p:cTn>
       </p:par>
     </p:tnLst>
+    <p:bldLst>
+      <p:bldP spid="4" grpId="0" build="p"/>
+      <p:bldP spid="5" grpId="0" build="p"/>
+    </p:bldLst>
   </p:timing>
 </p:sld>
 </file>
@@ -10346,7 +11029,7 @@
                                         <p:tgtEl>
                                           <p:spTgt spid="3">
                                             <p:txEl>
-                                              <p:pRg st="3" end="3"/>
+                                              <p:pRg st="0" end="0"/>
                                             </p:txEl>
                                           </p:spTgt>
                                         </p:tgtEl>
@@ -10364,7 +11047,93 @@
                                         <p:tgtEl>
                                           <p:spTgt spid="3">
                                             <p:txEl>
-                                              <p:pRg st="3" end="3"/>
+                                              <p:pRg st="0" end="0"/>
+                                            </p:txEl>
+                                          </p:spTgt>
+                                        </p:tgtEl>
+                                      </p:cBhvr>
+                                    </p:animEffect>
+                                  </p:childTnLst>
+                                </p:cTn>
+                              </p:par>
+                              <p:par>
+                                <p:cTn id="8" presetID="10" presetClass="entr" presetSubtype="0" fill="hold" nodeType="withEffect">
+                                  <p:stCondLst>
+                                    <p:cond delay="0"/>
+                                  </p:stCondLst>
+                                  <p:childTnLst>
+                                    <p:set>
+                                      <p:cBhvr>
+                                        <p:cTn id="9" dur="1" fill="hold">
+                                          <p:stCondLst>
+                                            <p:cond delay="0"/>
+                                          </p:stCondLst>
+                                        </p:cTn>
+                                        <p:tgtEl>
+                                          <p:spTgt spid="3">
+                                            <p:txEl>
+                                              <p:pRg st="1" end="1"/>
+                                            </p:txEl>
+                                          </p:spTgt>
+                                        </p:tgtEl>
+                                        <p:attrNameLst>
+                                          <p:attrName>style.visibility</p:attrName>
+                                        </p:attrNameLst>
+                                      </p:cBhvr>
+                                      <p:to>
+                                        <p:strVal val="visible"/>
+                                      </p:to>
+                                    </p:set>
+                                    <p:animEffect transition="in" filter="fade">
+                                      <p:cBhvr>
+                                        <p:cTn id="10" dur="500"/>
+                                        <p:tgtEl>
+                                          <p:spTgt spid="3">
+                                            <p:txEl>
+                                              <p:pRg st="1" end="1"/>
+                                            </p:txEl>
+                                          </p:spTgt>
+                                        </p:tgtEl>
+                                      </p:cBhvr>
+                                    </p:animEffect>
+                                  </p:childTnLst>
+                                </p:cTn>
+                              </p:par>
+                              <p:par>
+                                <p:cTn id="11" presetID="10" presetClass="entr" presetSubtype="0" fill="hold" nodeType="withEffect">
+                                  <p:stCondLst>
+                                    <p:cond delay="0"/>
+                                  </p:stCondLst>
+                                  <p:childTnLst>
+                                    <p:set>
+                                      <p:cBhvr>
+                                        <p:cTn id="12" dur="1" fill="hold">
+                                          <p:stCondLst>
+                                            <p:cond delay="0"/>
+                                          </p:stCondLst>
+                                        </p:cTn>
+                                        <p:tgtEl>
+                                          <p:spTgt spid="3">
+                                            <p:txEl>
+                                              <p:pRg st="2" end="2"/>
+                                            </p:txEl>
+                                          </p:spTgt>
+                                        </p:tgtEl>
+                                        <p:attrNameLst>
+                                          <p:attrName>style.visibility</p:attrName>
+                                        </p:attrNameLst>
+                                      </p:cBhvr>
+                                      <p:to>
+                                        <p:strVal val="visible"/>
+                                      </p:to>
+                                    </p:set>
+                                    <p:animEffect transition="in" filter="fade">
+                                      <p:cBhvr>
+                                        <p:cTn id="13" dur="500"/>
+                                        <p:tgtEl>
+                                          <p:spTgt spid="3">
+                                            <p:txEl>
+                                              <p:pRg st="2" end="2"/>
                                             </p:txEl>
                                           </p:spTgt>
                                         </p:tgtEl>
@@ -10380,26 +11149,69 @@
                     </p:cTn>
                   </p:par>
                   <p:par>
-                    <p:cTn id="8" fill="hold">
+                    <p:cTn id="14" fill="hold">
                       <p:stCondLst>
                         <p:cond delay="indefinite"/>
                       </p:stCondLst>
                       <p:childTnLst>
                         <p:par>
-                          <p:cTn id="9" fill="hold">
+                          <p:cTn id="15" fill="hold">
                             <p:stCondLst>
                               <p:cond delay="0"/>
                             </p:stCondLst>
                             <p:childTnLst>
                               <p:par>
-                                <p:cTn id="10" presetID="10" presetClass="entr" presetSubtype="0" fill="hold" nodeType="clickEffect">
+                                <p:cTn id="16" presetID="10" presetClass="entr" presetSubtype="0" fill="hold" nodeType="clickEffect">
                                   <p:stCondLst>
                                     <p:cond delay="0"/>
                                   </p:stCondLst>
                                   <p:childTnLst>
                                     <p:set>
                                       <p:cBhvr>
-                                        <p:cTn id="11" dur="1" fill="hold">
+                                        <p:cTn id="17" dur="1" fill="hold">
+                                          <p:stCondLst>
+                                            <p:cond delay="0"/>
+                                          </p:stCondLst>
+                                        </p:cTn>
+                                        <p:tgtEl>
+                                          <p:spTgt spid="3">
+                                            <p:txEl>
+                                              <p:pRg st="3" end="3"/>
+                                            </p:txEl>
+                                          </p:spTgt>
+                                        </p:tgtEl>
+                                        <p:attrNameLst>
+                                          <p:attrName>style.visibility</p:attrName>
+                                        </p:attrNameLst>
+                                      </p:cBhvr>
+                                      <p:to>
+                                        <p:strVal val="visible"/>
+                                      </p:to>
+                                    </p:set>
+                                    <p:animEffect transition="in" filter="fade">
+                                      <p:cBhvr>
+                                        <p:cTn id="18" dur="500"/>
+                                        <p:tgtEl>
+                                          <p:spTgt spid="3">
+                                            <p:txEl>
+                                              <p:pRg st="3" end="3"/>
+                                            </p:txEl>
+                                          </p:spTgt>
+                                        </p:tgtEl>
+                                      </p:cBhvr>
+                                    </p:animEffect>
+                                  </p:childTnLst>
+                                </p:cTn>
+                              </p:par>
+                              <p:par>
+                                <p:cTn id="19" presetID="10" presetClass="entr" presetSubtype="0" fill="hold" nodeType="withEffect">
+                                  <p:stCondLst>
+                                    <p:cond delay="0"/>
+                                  </p:stCondLst>
+                                  <p:childTnLst>
+                                    <p:set>
+                                      <p:cBhvr>
+                                        <p:cTn id="20" dur="1" fill="hold">
                                           <p:stCondLst>
                                             <p:cond delay="0"/>
                                           </p:stCondLst>
@@ -10421,7 +11233,7 @@
                                     </p:set>
                                     <p:animEffect transition="in" filter="fade">
                                       <p:cBhvr>
-                                        <p:cTn id="12" dur="500"/>
+                                        <p:cTn id="21" dur="500"/>
                                         <p:tgtEl>
                                           <p:spTgt spid="3">
                                             <p:txEl>
@@ -10434,33 +11246,15 @@
                                   </p:childTnLst>
                                 </p:cTn>
                               </p:par>
-                            </p:childTnLst>
-                          </p:cTn>
-                        </p:par>
-                      </p:childTnLst>
-                    </p:cTn>
-                  </p:par>
-                  <p:par>
-                    <p:cTn id="13" fill="hold">
-                      <p:stCondLst>
-                        <p:cond delay="indefinite"/>
-                      </p:stCondLst>
-                      <p:childTnLst>
-                        <p:par>
-                          <p:cTn id="14" fill="hold">
-                            <p:stCondLst>
-                              <p:cond delay="0"/>
-                            </p:stCondLst>
-                            <p:childTnLst>
                               <p:par>
-                                <p:cTn id="15" presetID="10" presetClass="entr" presetSubtype="0" fill="hold" nodeType="clickEffect">
+                                <p:cTn id="22" presetID="10" presetClass="entr" presetSubtype="0" fill="hold" nodeType="withEffect">
                                   <p:stCondLst>
                                     <p:cond delay="0"/>
                                   </p:stCondLst>
                                   <p:childTnLst>
                                     <p:set>
                                       <p:cBhvr>
-                                        <p:cTn id="16" dur="1" fill="hold">
+                                        <p:cTn id="23" dur="1" fill="hold">
                                           <p:stCondLst>
                                             <p:cond delay="0"/>
                                           </p:stCondLst>
@@ -10482,7 +11276,7 @@
                                     </p:set>
                                     <p:animEffect transition="in" filter="fade">
                                       <p:cBhvr>
-                                        <p:cTn id="17" dur="500"/>
+                                        <p:cTn id="24" dur="500"/>
                                         <p:tgtEl>
                                           <p:spTgt spid="3">
                                             <p:txEl>
@@ -10495,33 +11289,15 @@
                                   </p:childTnLst>
                                 </p:cTn>
                               </p:par>
-                            </p:childTnLst>
-                          </p:cTn>
-                        </p:par>
-                      </p:childTnLst>
-                    </p:cTn>
-                  </p:par>
-                  <p:par>
-                    <p:cTn id="18" fill="hold">
-                      <p:stCondLst>
-                        <p:cond delay="indefinite"/>
-                      </p:stCondLst>
-                      <p:childTnLst>
-                        <p:par>
-                          <p:cTn id="19" fill="hold">
-                            <p:stCondLst>
-                              <p:cond delay="0"/>
-                            </p:stCondLst>
-                            <p:childTnLst>
                               <p:par>
-                                <p:cTn id="20" presetID="10" presetClass="entr" presetSubtype="0" fill="hold" nodeType="clickEffect">
+                                <p:cTn id="25" presetID="10" presetClass="entr" presetSubtype="0" fill="hold" nodeType="withEffect">
                                   <p:stCondLst>
                                     <p:cond delay="0"/>
                                   </p:stCondLst>
                                   <p:childTnLst>
                                     <p:set>
                                       <p:cBhvr>
-                                        <p:cTn id="21" dur="1" fill="hold">
+                                        <p:cTn id="26" dur="1" fill="hold">
                                           <p:stCondLst>
                                             <p:cond delay="0"/>
                                           </p:stCondLst>
@@ -10543,7 +11319,7 @@
                                     </p:set>
                                     <p:animEffect transition="in" filter="fade">
                                       <p:cBhvr>
-                                        <p:cTn id="22" dur="500"/>
+                                        <p:cTn id="27" dur="500"/>
                                         <p:tgtEl>
                                           <p:spTgt spid="3">
                                             <p:txEl>
@@ -10556,33 +11332,15 @@
                                   </p:childTnLst>
                                 </p:cTn>
                               </p:par>
-                            </p:childTnLst>
-                          </p:cTn>
-                        </p:par>
-                      </p:childTnLst>
-                    </p:cTn>
-                  </p:par>
-                  <p:par>
-                    <p:cTn id="23" fill="hold">
-                      <p:stCondLst>
-                        <p:cond delay="indefinite"/>
-                      </p:stCondLst>
-                      <p:childTnLst>
-                        <p:par>
-                          <p:cTn id="24" fill="hold">
-                            <p:stCondLst>
-                              <p:cond delay="0"/>
-                            </p:stCondLst>
-                            <p:childTnLst>
                               <p:par>
-                                <p:cTn id="25" presetID="10" presetClass="entr" presetSubtype="0" fill="hold" nodeType="clickEffect">
+                                <p:cTn id="28" presetID="10" presetClass="entr" presetSubtype="0" fill="hold" nodeType="withEffect">
                                   <p:stCondLst>
                                     <p:cond delay="0"/>
                                   </p:stCondLst>
                                   <p:childTnLst>
                                     <p:set>
                                       <p:cBhvr>
-                                        <p:cTn id="26" dur="1" fill="hold">
+                                        <p:cTn id="29" dur="1" fill="hold">
                                           <p:stCondLst>
                                             <p:cond delay="0"/>
                                           </p:stCondLst>
@@ -10604,7 +11362,7 @@
                                     </p:set>
                                     <p:animEffect transition="in" filter="fade">
                                       <p:cBhvr>
-                                        <p:cTn id="27" dur="500"/>
+                                        <p:cTn id="30" dur="500"/>
                                         <p:tgtEl>
                                           <p:spTgt spid="3">
                                             <p:txEl>
@@ -10617,33 +11375,15 @@
                                   </p:childTnLst>
                                 </p:cTn>
                               </p:par>
-                            </p:childTnLst>
-                          </p:cTn>
-                        </p:par>
-                      </p:childTnLst>
-                    </p:cTn>
-                  </p:par>
-                  <p:par>
-                    <p:cTn id="28" fill="hold">
-                      <p:stCondLst>
-                        <p:cond delay="indefinite"/>
-                      </p:stCondLst>
-                      <p:childTnLst>
-                        <p:par>
-                          <p:cTn id="29" fill="hold">
-                            <p:stCondLst>
-                              <p:cond delay="0"/>
-                            </p:stCondLst>
-                            <p:childTnLst>
                               <p:par>
-                                <p:cTn id="30" presetID="10" presetClass="entr" presetSubtype="0" fill="hold" nodeType="clickEffect">
+                                <p:cTn id="31" presetID="10" presetClass="entr" presetSubtype="0" fill="hold" nodeType="withEffect">
                                   <p:stCondLst>
                                     <p:cond delay="0"/>
                                   </p:stCondLst>
                                   <p:childTnLst>
                                     <p:set>
                                       <p:cBhvr>
-                                        <p:cTn id="31" dur="1" fill="hold">
+                                        <p:cTn id="32" dur="1" fill="hold">
                                           <p:stCondLst>
                                             <p:cond delay="0"/>
                                           </p:stCondLst>
@@ -10665,140 +11405,11 @@
                                     </p:set>
                                     <p:animEffect transition="in" filter="fade">
                                       <p:cBhvr>
-                                        <p:cTn id="32" dur="500"/>
+                                        <p:cTn id="33" dur="500"/>
                                         <p:tgtEl>
                                           <p:spTgt spid="3">
                                             <p:txEl>
                                               <p:pRg st="8" end="8"/>
-                                            </p:txEl>
-                                          </p:spTgt>
-                                        </p:tgtEl>
-                                      </p:cBhvr>
-                                    </p:animEffect>
-                                  </p:childTnLst>
-                                </p:cTn>
-                              </p:par>
-                              <p:par>
-                                <p:cTn id="33" presetID="10" presetClass="entr" presetSubtype="0" fill="hold" nodeType="withEffect">
-                                  <p:stCondLst>
-                                    <p:cond delay="0"/>
-                                  </p:stCondLst>
-                                  <p:childTnLst>
-                                    <p:set>
-                                      <p:cBhvr>
-                                        <p:cTn id="34" dur="1" fill="hold">
-                                          <p:stCondLst>
-                                            <p:cond delay="0"/>
-                                          </p:stCondLst>
-                                        </p:cTn>
-                                        <p:tgtEl>
-                                          <p:spTgt spid="3">
-                                            <p:txEl>
-                                              <p:pRg st="0" end="0"/>
-                                            </p:txEl>
-                                          </p:spTgt>
-                                        </p:tgtEl>
-                                        <p:attrNameLst>
-                                          <p:attrName>style.visibility</p:attrName>
-                                        </p:attrNameLst>
-                                      </p:cBhvr>
-                                      <p:to>
-                                        <p:strVal val="visible"/>
-                                      </p:to>
-                                    </p:set>
-                                    <p:animEffect transition="in" filter="fade">
-                                      <p:cBhvr>
-                                        <p:cTn id="35" dur="500"/>
-                                        <p:tgtEl>
-                                          <p:spTgt spid="3">
-                                            <p:txEl>
-                                              <p:pRg st="0" end="0"/>
-                                            </p:txEl>
-                                          </p:spTgt>
-                                        </p:tgtEl>
-                                      </p:cBhvr>
-                                    </p:animEffect>
-                                  </p:childTnLst>
-                                </p:cTn>
-                              </p:par>
-                              <p:par>
-                                <p:cTn id="36" presetID="10" presetClass="entr" presetSubtype="0" fill="hold" nodeType="withEffect">
-                                  <p:stCondLst>
-                                    <p:cond delay="0"/>
-                                  </p:stCondLst>
-                                  <p:childTnLst>
-                                    <p:set>
-                                      <p:cBhvr>
-                                        <p:cTn id="37" dur="1" fill="hold">
-                                          <p:stCondLst>
-                                            <p:cond delay="0"/>
-                                          </p:stCondLst>
-                                        </p:cTn>
-                                        <p:tgtEl>
-                                          <p:spTgt spid="3">
-                                            <p:txEl>
-                                              <p:pRg st="1" end="1"/>
-                                            </p:txEl>
-                                          </p:spTgt>
-                                        </p:tgtEl>
-                                        <p:attrNameLst>
-                                          <p:attrName>style.visibility</p:attrName>
-                                        </p:attrNameLst>
-                                      </p:cBhvr>
-                                      <p:to>
-                                        <p:strVal val="visible"/>
-                                      </p:to>
-                                    </p:set>
-                                    <p:animEffect transition="in" filter="fade">
-                                      <p:cBhvr>
-                                        <p:cTn id="38" dur="500"/>
-                                        <p:tgtEl>
-                                          <p:spTgt spid="3">
-                                            <p:txEl>
-                                              <p:pRg st="1" end="1"/>
-                                            </p:txEl>
-                                          </p:spTgt>
-                                        </p:tgtEl>
-                                      </p:cBhvr>
-                                    </p:animEffect>
-                                  </p:childTnLst>
-                                </p:cTn>
-                              </p:par>
-                              <p:par>
-                                <p:cTn id="39" presetID="10" presetClass="entr" presetSubtype="0" fill="hold" nodeType="withEffect">
-                                  <p:stCondLst>
-                                    <p:cond delay="0"/>
-                                  </p:stCondLst>
-                                  <p:childTnLst>
-                                    <p:set>
-                                      <p:cBhvr>
-                                        <p:cTn id="40" dur="1" fill="hold">
-                                          <p:stCondLst>
-                                            <p:cond delay="0"/>
-                                          </p:stCondLst>
-                                        </p:cTn>
-                                        <p:tgtEl>
-                                          <p:spTgt spid="3">
-                                            <p:txEl>
-                                              <p:pRg st="2" end="2"/>
-                                            </p:txEl>
-                                          </p:spTgt>
-                                        </p:tgtEl>
-                                        <p:attrNameLst>
-                                          <p:attrName>style.visibility</p:attrName>
-                                        </p:attrNameLst>
-                                      </p:cBhvr>
-                                      <p:to>
-                                        <p:strVal val="visible"/>
-                                      </p:to>
-                                    </p:set>
-                                    <p:animEffect transition="in" filter="fade">
-                                      <p:cBhvr>
-                                        <p:cTn id="41" dur="500"/>
-                                        <p:tgtEl>
-                                          <p:spTgt spid="3">
-                                            <p:txEl>
-                                              <p:pRg st="2" end="2"/>
                                             </p:txEl>
                                           </p:spTgt>
                                         </p:tgtEl>
@@ -11739,7 +12350,7 @@
     <p:bg>
       <p:bgPr>
         <a:solidFill>
-          <a:srgbClr val="505050"/>
+          <a:schemeClr val="bg1"/>
         </a:solidFill>
         <a:effectLst/>
       </p:bgPr>
@@ -11760,29 +12371,96 @@
       </p:grpSpPr>
       <p:sp>
         <p:nvSpPr>
-          <p:cNvPr id="9" name="Content Placeholder 8">
+          <p:cNvPr id="15" name="Down Arrow 7">
             <a:extLst>
               <a:ext uri="{FF2B5EF4-FFF2-40B4-BE49-F238E27FC236}">
-                <a16:creationId xmlns:a16="http://schemas.microsoft.com/office/drawing/2014/main" id="{1D1D5618-6BDF-4FDD-A68D-6252FC8A99C0}"/>
+                <a16:creationId xmlns:a16="http://schemas.microsoft.com/office/drawing/2014/main" id="{73DE2CFE-42F2-48F0-8706-5264E012B10C}"/>
+              </a:ext>
+              <a:ext uri="{C183D7F6-B498-43B3-948B-1728B52AA6E4}">
+                <adec:decorative xmlns:adec="http://schemas.microsoft.com/office/drawing/2017/decorative" val="1"/>
               </a:ext>
             </a:extLst>
           </p:cNvPr>
           <p:cNvSpPr>
-            <a:spLocks noGrp="1"/>
+            <a:spLocks noGrp="1" noRot="1" noChangeAspect="1" noMove="1" noResize="1" noEditPoints="1" noAdjustHandles="1" noChangeArrowheads="1" noChangeShapeType="1" noTextEdit="1"/>
           </p:cNvSpPr>
           <p:nvPr>
-            <p:ph idx="1"/>
+            <p:extLst>
+              <p:ext uri="{386F3935-93C4-4BCD-93E2-E3B085C9AB24}">
+                <p16:designElem xmlns:p16="http://schemas.microsoft.com/office/powerpoint/2015/main" val="1"/>
+              </p:ext>
+            </p:extLst>
           </p:nvPr>
         </p:nvSpPr>
-        <p:spPr/>
+        <p:spPr>
+          <a:xfrm rot="16200000">
+            <a:off x="5662795" y="-3745097"/>
+            <a:ext cx="1354979" cy="10750169"/>
+          </a:xfrm>
+          <a:prstGeom prst="downArrow">
+            <a:avLst>
+              <a:gd name="adj1" fmla="val 100000"/>
+              <a:gd name="adj2" fmla="val 22582"/>
+            </a:avLst>
+          </a:prstGeom>
+          <a:solidFill>
+            <a:srgbClr val="404040"/>
+          </a:solidFill>
+          <a:ln w="53975">
+            <a:noFill/>
+          </a:ln>
+        </p:spPr>
+        <p:style>
+          <a:lnRef idx="2">
+            <a:schemeClr val="accent1">
+              <a:shade val="50000"/>
+            </a:schemeClr>
+          </a:lnRef>
+          <a:fillRef idx="1">
+            <a:schemeClr val="accent1"/>
+          </a:fillRef>
+          <a:effectRef idx="0">
+            <a:schemeClr val="accent1"/>
+          </a:effectRef>
+          <a:fontRef idx="minor">
+            <a:schemeClr val="lt1"/>
+          </a:fontRef>
+        </p:style>
         <p:txBody>
-          <a:bodyPr/>
+          <a:bodyPr rtlCol="0" anchor="ctr"/>
           <a:lstStyle/>
           <a:p>
-            <a:pPr marL="0" indent="0">
+            <a:pPr marL="0" marR="0" lvl="0" indent="0" algn="ctr" defTabSz="457200" rtl="0" eaLnBrk="1" fontAlgn="auto" latinLnBrk="0" hangingPunct="1">
+              <a:lnSpc>
+                <a:spcPct val="100000"/>
+              </a:lnSpc>
+              <a:spcBef>
+                <a:spcPts val="0"/>
+              </a:spcBef>
+              <a:spcAft>
+                <a:spcPts val="0"/>
+              </a:spcAft>
+              <a:buClrTx/>
+              <a:buSzTx/>
+              <a:buFontTx/>
               <a:buNone/>
+              <a:tabLst/>
+              <a:defRPr/>
             </a:pPr>
-            <a:endParaRPr lang="en-US" dirty="0"/>
+            <a:endParaRPr kumimoji="0" lang="en-US" sz="1800" b="0" i="0" u="none" strike="noStrike" kern="1200" cap="none" spc="0" normalizeH="0" baseline="0" noProof="0">
+              <a:ln>
+                <a:noFill/>
+              </a:ln>
+              <a:solidFill>
+                <a:prstClr val="white"/>
+              </a:solidFill>
+              <a:effectLst/>
+              <a:uLnTx/>
+              <a:uFillTx/>
+              <a:latin typeface="Calibri" panose="020F0502020204030204"/>
+              <a:ea typeface="+mn-ea"/>
+              <a:cs typeface="+mn-cs"/>
+            </a:endParaRPr>
           </a:p>
         </p:txBody>
       </p:sp>
@@ -11796,13 +12474,24 @@
             <p:ph type="title"/>
           </p:nvPr>
         </p:nvSpPr>
-        <p:spPr/>
+        <p:spPr>
+          <a:xfrm>
+            <a:off x="1286932" y="1204109"/>
+            <a:ext cx="10023398" cy="857894"/>
+          </a:xfrm>
+        </p:spPr>
         <p:txBody>
-          <a:bodyPr/>
+          <a:bodyPr>
+            <a:normAutofit/>
+          </a:bodyPr>
           <a:lstStyle/>
           <a:p>
             <a:r>
-              <a:rPr lang="en-US" dirty="0"/>
+              <a:rPr lang="en-US" sz="4000" dirty="0">
+                <a:solidFill>
+                  <a:srgbClr val="FFFFFF"/>
+                </a:solidFill>
+              </a:rPr>
               <a:t>Comparison of solutions</a:t>
             </a:r>
           </a:p>
@@ -11810,7 +12499,7 @@
       </p:sp>
       <p:graphicFrame>
         <p:nvGraphicFramePr>
-          <p:cNvPr id="5" name="Table 4">
+          <p:cNvPr id="11" name="Content Placeholder 4">
             <a:extLst>
               <a:ext uri="{FF2B5EF4-FFF2-40B4-BE49-F238E27FC236}">
                 <a16:creationId xmlns:a16="http://schemas.microsoft.com/office/drawing/2014/main" id="{B11B5F89-CEA0-4F9B-8FF2-082E53048DC8}"/>
@@ -11821,6 +12510,7 @@
             <a:graphicFrameLocks noGrp="1"/>
           </p:cNvGraphicFramePr>
           <p:nvPr>
+            <p:ph idx="1"/>
             <p:extLst>
               <p:ext uri="{D42A27DB-BD31-4B8C-83A1-F6EECF244321}">
                 <p14:modId xmlns:p14="http://schemas.microsoft.com/office/powerpoint/2010/main" val="1432491185"/>
@@ -11829,31 +12519,31 @@
           </p:nvPr>
         </p:nvGraphicFramePr>
         <p:xfrm>
-          <a:off x="976923" y="2017151"/>
-          <a:ext cx="8575201" cy="3017520"/>
+          <a:off x="1287463" y="3042655"/>
+          <a:ext cx="10066338" cy="2658641"/>
         </p:xfrm>
         <a:graphic>
           <a:graphicData uri="http://schemas.openxmlformats.org/drawingml/2006/table">
             <a:tbl>
               <a:tblPr firstRow="1" bandRow="1">
-                <a:tableStyleId>{327F97BB-C833-4FB7-BDE5-3F7075034690}</a:tableStyleId>
+                <a:tableStyleId>{9D7B26C5-4107-4FEC-AEDC-1716B250A1EF}</a:tableStyleId>
               </a:tblPr>
               <a:tblGrid>
-                <a:gridCol w="3374195">
+                <a:gridCol w="3870368">
                   <a:extLst>
                     <a:ext uri="{9D8B030D-6E8A-4147-A177-3AD203B41FA5}">
                       <a16:colId xmlns:a16="http://schemas.microsoft.com/office/drawing/2014/main" val="3393553294"/>
                     </a:ext>
                   </a:extLst>
                 </a:gridCol>
-                <a:gridCol w="2623693">
+                <a:gridCol w="3118873">
                   <a:extLst>
                     <a:ext uri="{9D8B030D-6E8A-4147-A177-3AD203B41FA5}">
                       <a16:colId xmlns:a16="http://schemas.microsoft.com/office/drawing/2014/main" val="3103465248"/>
                     </a:ext>
                   </a:extLst>
                 </a:gridCol>
-                <a:gridCol w="2577313">
+                <a:gridCol w="3077097">
                   <a:extLst>
                     <a:ext uri="{9D8B030D-6E8A-4147-A177-3AD203B41FA5}">
                       <a16:colId xmlns:a16="http://schemas.microsoft.com/office/drawing/2014/main" val="1329647999"/>
@@ -11861,53 +12551,16 @@
                   </a:extLst>
                 </a:gridCol>
               </a:tblGrid>
-              <a:tr h="0">
+              <a:tr h="460831">
                 <a:tc>
                   <a:txBody>
                     <a:bodyPr/>
                     <a:lstStyle/>
                     <a:p>
-                      <a:endParaRPr lang="en-US" sz="2800" b="1" dirty="0"/>
+                      <a:endParaRPr lang="en-US" sz="2300" b="1"/>
                     </a:p>
                   </a:txBody>
-                  <a:tcPr>
-                    <a:lnL w="12700" cap="flat" cmpd="sng" algn="ctr">
-                      <a:solidFill>
-                        <a:schemeClr val="tx1"/>
-                      </a:solidFill>
-                      <a:prstDash val="solid"/>
-                      <a:round/>
-                      <a:headEnd type="none" w="med" len="med"/>
-                      <a:tailEnd type="none" w="med" len="med"/>
-                    </a:lnL>
-                    <a:lnR w="12700" cap="flat" cmpd="sng" algn="ctr">
-                      <a:solidFill>
-                        <a:schemeClr val="tx1"/>
-                      </a:solidFill>
-                      <a:prstDash val="solid"/>
-                      <a:round/>
-                      <a:headEnd type="none" w="med" len="med"/>
-                      <a:tailEnd type="none" w="med" len="med"/>
-                    </a:lnR>
-                    <a:lnT w="12700" cap="flat" cmpd="sng" algn="ctr">
-                      <a:solidFill>
-                        <a:schemeClr val="tx1"/>
-                      </a:solidFill>
-                      <a:prstDash val="solid"/>
-                      <a:round/>
-                      <a:headEnd type="none" w="med" len="med"/>
-                      <a:tailEnd type="none" w="med" len="med"/>
-                    </a:lnT>
-                    <a:lnB w="12700" cap="flat" cmpd="sng" algn="ctr">
-                      <a:solidFill>
-                        <a:schemeClr val="tx1"/>
-                      </a:solidFill>
-                      <a:prstDash val="solid"/>
-                      <a:round/>
-                      <a:headEnd type="none" w="med" len="med"/>
-                      <a:tailEnd type="none" w="med" len="med"/>
-                    </a:lnB>
-                  </a:tcPr>
+                  <a:tcPr marL="75961" marR="75961" marT="37981" marB="37981"/>
                 </a:tc>
                 <a:tc>
                   <a:txBody>
@@ -11915,49 +12568,12 @@
                     <a:lstStyle/>
                     <a:p>
                       <a:r>
-                        <a:rPr lang="en-US" sz="2800" dirty="0"/>
+                        <a:rPr lang="en-US" sz="2300"/>
                         <a:t>Secret Manager</a:t>
                       </a:r>
                     </a:p>
                   </a:txBody>
-                  <a:tcPr>
-                    <a:lnL w="12700" cap="flat" cmpd="sng" algn="ctr">
-                      <a:solidFill>
-                        <a:schemeClr val="tx1"/>
-                      </a:solidFill>
-                      <a:prstDash val="solid"/>
-                      <a:round/>
-                      <a:headEnd type="none" w="med" len="med"/>
-                      <a:tailEnd type="none" w="med" len="med"/>
-                    </a:lnL>
-                    <a:lnR w="12700" cap="flat" cmpd="sng" algn="ctr">
-                      <a:solidFill>
-                        <a:schemeClr val="tx1"/>
-                      </a:solidFill>
-                      <a:prstDash val="solid"/>
-                      <a:round/>
-                      <a:headEnd type="none" w="med" len="med"/>
-                      <a:tailEnd type="none" w="med" len="med"/>
-                    </a:lnR>
-                    <a:lnT w="12700" cap="flat" cmpd="sng" algn="ctr">
-                      <a:solidFill>
-                        <a:schemeClr val="tx1"/>
-                      </a:solidFill>
-                      <a:prstDash val="solid"/>
-                      <a:round/>
-                      <a:headEnd type="none" w="med" len="med"/>
-                      <a:tailEnd type="none" w="med" len="med"/>
-                    </a:lnT>
-                    <a:lnB w="12700" cap="flat" cmpd="sng" algn="ctr">
-                      <a:solidFill>
-                        <a:schemeClr val="tx1"/>
-                      </a:solidFill>
-                      <a:prstDash val="solid"/>
-                      <a:round/>
-                      <a:headEnd type="none" w="med" len="med"/>
-                      <a:tailEnd type="none" w="med" len="med"/>
-                    </a:lnB>
-                  </a:tcPr>
+                  <a:tcPr marL="75961" marR="75961" marT="37981" marB="37981"/>
                 </a:tc>
                 <a:tc>
                   <a:txBody>
@@ -11965,49 +12581,12 @@
                     <a:lstStyle/>
                     <a:p>
                       <a:r>
-                        <a:rPr lang="en-US" sz="2800" dirty="0"/>
+                        <a:rPr lang="en-US" sz="2300"/>
                         <a:t>Azure Key Vault</a:t>
                       </a:r>
                     </a:p>
                   </a:txBody>
-                  <a:tcPr>
-                    <a:lnL w="12700" cap="flat" cmpd="sng" algn="ctr">
-                      <a:solidFill>
-                        <a:schemeClr val="tx1"/>
-                      </a:solidFill>
-                      <a:prstDash val="solid"/>
-                      <a:round/>
-                      <a:headEnd type="none" w="med" len="med"/>
-                      <a:tailEnd type="none" w="med" len="med"/>
-                    </a:lnL>
-                    <a:lnR w="12700" cap="flat" cmpd="sng" algn="ctr">
-                      <a:solidFill>
-                        <a:schemeClr val="tx1"/>
-                      </a:solidFill>
-                      <a:prstDash val="solid"/>
-                      <a:round/>
-                      <a:headEnd type="none" w="med" len="med"/>
-                      <a:tailEnd type="none" w="med" len="med"/>
-                    </a:lnR>
-                    <a:lnT w="12700" cap="flat" cmpd="sng" algn="ctr">
-                      <a:solidFill>
-                        <a:schemeClr val="tx1"/>
-                      </a:solidFill>
-                      <a:prstDash val="solid"/>
-                      <a:round/>
-                      <a:headEnd type="none" w="med" len="med"/>
-                      <a:tailEnd type="none" w="med" len="med"/>
-                    </a:lnT>
-                    <a:lnB w="12700" cap="flat" cmpd="sng" algn="ctr">
-                      <a:solidFill>
-                        <a:schemeClr val="tx1"/>
-                      </a:solidFill>
-                      <a:prstDash val="solid"/>
-                      <a:round/>
-                      <a:headEnd type="none" w="med" len="med"/>
-                      <a:tailEnd type="none" w="med" len="med"/>
-                    </a:lnB>
-                  </a:tcPr>
+                  <a:tcPr marL="75961" marR="75961" marT="37981" marB="37981"/>
                 </a:tc>
                 <a:extLst>
                   <a:ext uri="{0D108BD9-81ED-4DB2-BD59-A6C34878D82A}">
@@ -12015,7 +12594,7 @@
                   </a:ext>
                 </a:extLst>
               </a:tr>
-              <a:tr h="370840">
+              <a:tr h="460831">
                 <a:tc>
                   <a:txBody>
                     <a:bodyPr/>
@@ -12039,49 +12618,13 @@
                         <a:defRPr/>
                       </a:pPr>
                       <a:r>
-                        <a:rPr lang="en-US" sz="2800" b="1" dirty="0"/>
+                        <a:rPr lang="en-US" sz="2300"/>
                         <a:t>Environments</a:t>
                       </a:r>
+                      <a:endParaRPr lang="en-US" sz="2300" b="1"/>
                     </a:p>
                   </a:txBody>
-                  <a:tcPr>
-                    <a:lnL w="12700" cap="flat" cmpd="sng" algn="ctr">
-                      <a:solidFill>
-                        <a:schemeClr val="tx1"/>
-                      </a:solidFill>
-                      <a:prstDash val="solid"/>
-                      <a:round/>
-                      <a:headEnd type="none" w="med" len="med"/>
-                      <a:tailEnd type="none" w="med" len="med"/>
-                    </a:lnL>
-                    <a:lnR w="12700" cap="flat" cmpd="sng" algn="ctr">
-                      <a:solidFill>
-                        <a:schemeClr val="tx1"/>
-                      </a:solidFill>
-                      <a:prstDash val="solid"/>
-                      <a:round/>
-                      <a:headEnd type="none" w="med" len="med"/>
-                      <a:tailEnd type="none" w="med" len="med"/>
-                    </a:lnR>
-                    <a:lnT w="12700" cap="flat" cmpd="sng" algn="ctr">
-                      <a:solidFill>
-                        <a:schemeClr val="tx1"/>
-                      </a:solidFill>
-                      <a:prstDash val="solid"/>
-                      <a:round/>
-                      <a:headEnd type="none" w="med" len="med"/>
-                      <a:tailEnd type="none" w="med" len="med"/>
-                    </a:lnT>
-                    <a:lnB w="12700" cap="flat" cmpd="sng" algn="ctr">
-                      <a:solidFill>
-                        <a:schemeClr val="tx1"/>
-                      </a:solidFill>
-                      <a:prstDash val="solid"/>
-                      <a:round/>
-                      <a:headEnd type="none" w="med" len="med"/>
-                      <a:tailEnd type="none" w="med" len="med"/>
-                    </a:lnB>
-                  </a:tcPr>
+                  <a:tcPr marL="75961" marR="75961" marT="37981" marB="37981"/>
                 </a:tc>
                 <a:tc>
                   <a:txBody>
@@ -12089,49 +12632,12 @@
                     <a:lstStyle/>
                     <a:p>
                       <a:r>
-                        <a:rPr lang="en-US" sz="2800" dirty="0"/>
+                        <a:rPr lang="en-US" sz="2300"/>
                         <a:t>Dev</a:t>
                       </a:r>
                     </a:p>
                   </a:txBody>
-                  <a:tcPr>
-                    <a:lnL w="12700" cap="flat" cmpd="sng" algn="ctr">
-                      <a:solidFill>
-                        <a:schemeClr val="tx1"/>
-                      </a:solidFill>
-                      <a:prstDash val="solid"/>
-                      <a:round/>
-                      <a:headEnd type="none" w="med" len="med"/>
-                      <a:tailEnd type="none" w="med" len="med"/>
-                    </a:lnL>
-                    <a:lnR w="12700" cap="flat" cmpd="sng" algn="ctr">
-                      <a:solidFill>
-                        <a:schemeClr val="tx1"/>
-                      </a:solidFill>
-                      <a:prstDash val="solid"/>
-                      <a:round/>
-                      <a:headEnd type="none" w="med" len="med"/>
-                      <a:tailEnd type="none" w="med" len="med"/>
-                    </a:lnR>
-                    <a:lnT w="12700" cap="flat" cmpd="sng" algn="ctr">
-                      <a:solidFill>
-                        <a:schemeClr val="tx1"/>
-                      </a:solidFill>
-                      <a:prstDash val="solid"/>
-                      <a:round/>
-                      <a:headEnd type="none" w="med" len="med"/>
-                      <a:tailEnd type="none" w="med" len="med"/>
-                    </a:lnT>
-                    <a:lnB w="12700" cap="flat" cmpd="sng" algn="ctr">
-                      <a:solidFill>
-                        <a:schemeClr val="tx1"/>
-                      </a:solidFill>
-                      <a:prstDash val="solid"/>
-                      <a:round/>
-                      <a:headEnd type="none" w="med" len="med"/>
-                      <a:tailEnd type="none" w="med" len="med"/>
-                    </a:lnB>
-                  </a:tcPr>
+                  <a:tcPr marL="75961" marR="75961" marT="37981" marB="37981"/>
                 </a:tc>
                 <a:tc>
                   <a:txBody>
@@ -12139,49 +12645,12 @@
                     <a:lstStyle/>
                     <a:p>
                       <a:r>
-                        <a:rPr lang="en-US" sz="2800" dirty="0"/>
+                        <a:rPr lang="en-US" sz="2300"/>
                         <a:t>Dev, Prod</a:t>
                       </a:r>
                     </a:p>
                   </a:txBody>
-                  <a:tcPr>
-                    <a:lnL w="12700" cap="flat" cmpd="sng" algn="ctr">
-                      <a:solidFill>
-                        <a:schemeClr val="tx1"/>
-                      </a:solidFill>
-                      <a:prstDash val="solid"/>
-                      <a:round/>
-                      <a:headEnd type="none" w="med" len="med"/>
-                      <a:tailEnd type="none" w="med" len="med"/>
-                    </a:lnL>
-                    <a:lnR w="12700" cap="flat" cmpd="sng" algn="ctr">
-                      <a:solidFill>
-                        <a:schemeClr val="tx1"/>
-                      </a:solidFill>
-                      <a:prstDash val="solid"/>
-                      <a:round/>
-                      <a:headEnd type="none" w="med" len="med"/>
-                      <a:tailEnd type="none" w="med" len="med"/>
-                    </a:lnR>
-                    <a:lnT w="12700" cap="flat" cmpd="sng" algn="ctr">
-                      <a:solidFill>
-                        <a:schemeClr val="tx1"/>
-                      </a:solidFill>
-                      <a:prstDash val="solid"/>
-                      <a:round/>
-                      <a:headEnd type="none" w="med" len="med"/>
-                      <a:tailEnd type="none" w="med" len="med"/>
-                    </a:lnT>
-                    <a:lnB w="12700" cap="flat" cmpd="sng" algn="ctr">
-                      <a:solidFill>
-                        <a:schemeClr val="tx1"/>
-                      </a:solidFill>
-                      <a:prstDash val="solid"/>
-                      <a:round/>
-                      <a:headEnd type="none" w="med" len="med"/>
-                      <a:tailEnd type="none" w="med" len="med"/>
-                    </a:lnB>
-                  </a:tcPr>
+                  <a:tcPr marL="75961" marR="75961" marT="37981" marB="37981"/>
                 </a:tc>
                 <a:extLst>
                   <a:ext uri="{0D108BD9-81ED-4DB2-BD59-A6C34878D82A}">
@@ -12189,7 +12658,7 @@
                   </a:ext>
                 </a:extLst>
               </a:tr>
-              <a:tr h="370840">
+              <a:tr h="815317">
                 <a:tc>
                   <a:txBody>
                     <a:bodyPr/>
@@ -12213,49 +12682,13 @@
                         <a:defRPr/>
                       </a:pPr>
                       <a:r>
-                        <a:rPr lang="en-US" sz="2800" b="1" dirty="0"/>
+                        <a:rPr lang="en-US" sz="2300"/>
                         <a:t>Pricing</a:t>
                       </a:r>
+                      <a:endParaRPr lang="en-US" sz="2300" b="1"/>
                     </a:p>
                   </a:txBody>
-                  <a:tcPr>
-                    <a:lnL w="12700" cap="flat" cmpd="sng" algn="ctr">
-                      <a:solidFill>
-                        <a:schemeClr val="tx1"/>
-                      </a:solidFill>
-                      <a:prstDash val="solid"/>
-                      <a:round/>
-                      <a:headEnd type="none" w="med" len="med"/>
-                      <a:tailEnd type="none" w="med" len="med"/>
-                    </a:lnL>
-                    <a:lnR w="12700" cap="flat" cmpd="sng" algn="ctr">
-                      <a:solidFill>
-                        <a:schemeClr val="tx1"/>
-                      </a:solidFill>
-                      <a:prstDash val="solid"/>
-                      <a:round/>
-                      <a:headEnd type="none" w="med" len="med"/>
-                      <a:tailEnd type="none" w="med" len="med"/>
-                    </a:lnR>
-                    <a:lnT w="12700" cap="flat" cmpd="sng" algn="ctr">
-                      <a:solidFill>
-                        <a:schemeClr val="tx1"/>
-                      </a:solidFill>
-                      <a:prstDash val="solid"/>
-                      <a:round/>
-                      <a:headEnd type="none" w="med" len="med"/>
-                      <a:tailEnd type="none" w="med" len="med"/>
-                    </a:lnT>
-                    <a:lnB w="12700" cap="flat" cmpd="sng" algn="ctr">
-                      <a:solidFill>
-                        <a:schemeClr val="tx1"/>
-                      </a:solidFill>
-                      <a:prstDash val="solid"/>
-                      <a:round/>
-                      <a:headEnd type="none" w="med" len="med"/>
-                      <a:tailEnd type="none" w="med" len="med"/>
-                    </a:lnB>
-                  </a:tcPr>
+                  <a:tcPr marL="75961" marR="75961" marT="37981" marB="37981"/>
                 </a:tc>
                 <a:tc>
                   <a:txBody>
@@ -12263,49 +12696,12 @@
                     <a:lstStyle/>
                     <a:p>
                       <a:r>
-                        <a:rPr lang="en-US" sz="2800" dirty="0"/>
+                        <a:rPr lang="en-US" sz="2300"/>
                         <a:t>Free</a:t>
                       </a:r>
                     </a:p>
                   </a:txBody>
-                  <a:tcPr>
-                    <a:lnL w="12700" cap="flat" cmpd="sng" algn="ctr">
-                      <a:solidFill>
-                        <a:schemeClr val="tx1"/>
-                      </a:solidFill>
-                      <a:prstDash val="solid"/>
-                      <a:round/>
-                      <a:headEnd type="none" w="med" len="med"/>
-                      <a:tailEnd type="none" w="med" len="med"/>
-                    </a:lnL>
-                    <a:lnR w="12700" cap="flat" cmpd="sng" algn="ctr">
-                      <a:solidFill>
-                        <a:schemeClr val="tx1"/>
-                      </a:solidFill>
-                      <a:prstDash val="solid"/>
-                      <a:round/>
-                      <a:headEnd type="none" w="med" len="med"/>
-                      <a:tailEnd type="none" w="med" len="med"/>
-                    </a:lnR>
-                    <a:lnT w="12700" cap="flat" cmpd="sng" algn="ctr">
-                      <a:solidFill>
-                        <a:schemeClr val="tx1"/>
-                      </a:solidFill>
-                      <a:prstDash val="solid"/>
-                      <a:round/>
-                      <a:headEnd type="none" w="med" len="med"/>
-                      <a:tailEnd type="none" w="med" len="med"/>
-                    </a:lnT>
-                    <a:lnB w="12700" cap="flat" cmpd="sng" algn="ctr">
-                      <a:solidFill>
-                        <a:schemeClr val="tx1"/>
-                      </a:solidFill>
-                      <a:prstDash val="solid"/>
-                      <a:round/>
-                      <a:headEnd type="none" w="med" len="med"/>
-                      <a:tailEnd type="none" w="med" len="med"/>
-                    </a:lnB>
-                  </a:tcPr>
+                  <a:tcPr marL="75961" marR="75961" marT="37981" marB="37981"/>
                 </a:tc>
                 <a:tc>
                   <a:txBody>
@@ -12313,49 +12709,12 @@
                     <a:lstStyle/>
                     <a:p>
                       <a:r>
-                        <a:rPr lang="en-US" sz="2800" dirty="0"/>
+                        <a:rPr lang="en-US" sz="2300"/>
                         <a:t>$0.03 / 10k operations</a:t>
                       </a:r>
                     </a:p>
                   </a:txBody>
-                  <a:tcPr>
-                    <a:lnL w="12700" cap="flat" cmpd="sng" algn="ctr">
-                      <a:solidFill>
-                        <a:schemeClr val="tx1"/>
-                      </a:solidFill>
-                      <a:prstDash val="solid"/>
-                      <a:round/>
-                      <a:headEnd type="none" w="med" len="med"/>
-                      <a:tailEnd type="none" w="med" len="med"/>
-                    </a:lnL>
-                    <a:lnR w="12700" cap="flat" cmpd="sng" algn="ctr">
-                      <a:solidFill>
-                        <a:schemeClr val="tx1"/>
-                      </a:solidFill>
-                      <a:prstDash val="solid"/>
-                      <a:round/>
-                      <a:headEnd type="none" w="med" len="med"/>
-                      <a:tailEnd type="none" w="med" len="med"/>
-                    </a:lnR>
-                    <a:lnT w="12700" cap="flat" cmpd="sng" algn="ctr">
-                      <a:solidFill>
-                        <a:schemeClr val="tx1"/>
-                      </a:solidFill>
-                      <a:prstDash val="solid"/>
-                      <a:round/>
-                      <a:headEnd type="none" w="med" len="med"/>
-                      <a:tailEnd type="none" w="med" len="med"/>
-                    </a:lnT>
-                    <a:lnB w="12700" cap="flat" cmpd="sng" algn="ctr">
-                      <a:solidFill>
-                        <a:schemeClr val="tx1"/>
-                      </a:solidFill>
-                      <a:prstDash val="solid"/>
-                      <a:round/>
-                      <a:headEnd type="none" w="med" len="med"/>
-                      <a:tailEnd type="none" w="med" len="med"/>
-                    </a:lnB>
-                  </a:tcPr>
+                  <a:tcPr marL="75961" marR="75961" marT="37981" marB="37981"/>
                 </a:tc>
                 <a:extLst>
                   <a:ext uri="{0D108BD9-81ED-4DB2-BD59-A6C34878D82A}">
@@ -12363,7 +12722,7 @@
                   </a:ext>
                 </a:extLst>
               </a:tr>
-              <a:tr h="370840">
+              <a:tr h="460831">
                 <a:tc>
                   <a:txBody>
                     <a:bodyPr/>
@@ -12387,49 +12746,13 @@
                         <a:defRPr/>
                       </a:pPr>
                       <a:r>
-                        <a:rPr lang="en-US" sz="2800" b="1" dirty="0"/>
+                        <a:rPr lang="en-US" sz="2300"/>
                         <a:t>Encryption</a:t>
                       </a:r>
+                      <a:endParaRPr lang="en-US" sz="2300" b="1"/>
                     </a:p>
                   </a:txBody>
-                  <a:tcPr>
-                    <a:lnL w="12700" cap="flat" cmpd="sng" algn="ctr">
-                      <a:solidFill>
-                        <a:schemeClr val="tx1"/>
-                      </a:solidFill>
-                      <a:prstDash val="solid"/>
-                      <a:round/>
-                      <a:headEnd type="none" w="med" len="med"/>
-                      <a:tailEnd type="none" w="med" len="med"/>
-                    </a:lnL>
-                    <a:lnR w="12700" cap="flat" cmpd="sng" algn="ctr">
-                      <a:solidFill>
-                        <a:schemeClr val="tx1"/>
-                      </a:solidFill>
-                      <a:prstDash val="solid"/>
-                      <a:round/>
-                      <a:headEnd type="none" w="med" len="med"/>
-                      <a:tailEnd type="none" w="med" len="med"/>
-                    </a:lnR>
-                    <a:lnT w="12700" cap="flat" cmpd="sng" algn="ctr">
-                      <a:solidFill>
-                        <a:schemeClr val="tx1"/>
-                      </a:solidFill>
-                      <a:prstDash val="solid"/>
-                      <a:round/>
-                      <a:headEnd type="none" w="med" len="med"/>
-                      <a:tailEnd type="none" w="med" len="med"/>
-                    </a:lnT>
-                    <a:lnB w="12700" cap="flat" cmpd="sng" algn="ctr">
-                      <a:solidFill>
-                        <a:schemeClr val="tx1"/>
-                      </a:solidFill>
-                      <a:prstDash val="solid"/>
-                      <a:round/>
-                      <a:headEnd type="none" w="med" len="med"/>
-                      <a:tailEnd type="none" w="med" len="med"/>
-                    </a:lnB>
-                  </a:tcPr>
+                  <a:tcPr marL="75961" marR="75961" marT="37981" marB="37981"/>
                 </a:tc>
                 <a:tc>
                   <a:txBody>
@@ -12437,49 +12760,12 @@
                     <a:lstStyle/>
                     <a:p>
                       <a:r>
-                        <a:rPr lang="en-US" sz="2800" dirty="0"/>
+                        <a:rPr lang="en-US" sz="2300"/>
                         <a:t>No</a:t>
                       </a:r>
                     </a:p>
                   </a:txBody>
-                  <a:tcPr>
-                    <a:lnL w="12700" cap="flat" cmpd="sng" algn="ctr">
-                      <a:solidFill>
-                        <a:schemeClr val="tx1"/>
-                      </a:solidFill>
-                      <a:prstDash val="solid"/>
-                      <a:round/>
-                      <a:headEnd type="none" w="med" len="med"/>
-                      <a:tailEnd type="none" w="med" len="med"/>
-                    </a:lnL>
-                    <a:lnR w="12700" cap="flat" cmpd="sng" algn="ctr">
-                      <a:solidFill>
-                        <a:schemeClr val="tx1"/>
-                      </a:solidFill>
-                      <a:prstDash val="solid"/>
-                      <a:round/>
-                      <a:headEnd type="none" w="med" len="med"/>
-                      <a:tailEnd type="none" w="med" len="med"/>
-                    </a:lnR>
-                    <a:lnT w="12700" cap="flat" cmpd="sng" algn="ctr">
-                      <a:solidFill>
-                        <a:schemeClr val="tx1"/>
-                      </a:solidFill>
-                      <a:prstDash val="solid"/>
-                      <a:round/>
-                      <a:headEnd type="none" w="med" len="med"/>
-                      <a:tailEnd type="none" w="med" len="med"/>
-                    </a:lnT>
-                    <a:lnB w="12700" cap="flat" cmpd="sng" algn="ctr">
-                      <a:solidFill>
-                        <a:schemeClr val="tx1"/>
-                      </a:solidFill>
-                      <a:prstDash val="solid"/>
-                      <a:round/>
-                      <a:headEnd type="none" w="med" len="med"/>
-                      <a:tailEnd type="none" w="med" len="med"/>
-                    </a:lnB>
-                  </a:tcPr>
+                  <a:tcPr marL="75961" marR="75961" marT="37981" marB="37981"/>
                 </a:tc>
                 <a:tc>
                   <a:txBody>
@@ -12487,49 +12773,12 @@
                     <a:lstStyle/>
                     <a:p>
                       <a:r>
-                        <a:rPr lang="en-US" sz="2800" dirty="0"/>
+                        <a:rPr lang="en-US" sz="2300"/>
                         <a:t>Yes</a:t>
                       </a:r>
                     </a:p>
                   </a:txBody>
-                  <a:tcPr>
-                    <a:lnL w="12700" cap="flat" cmpd="sng" algn="ctr">
-                      <a:solidFill>
-                        <a:schemeClr val="tx1"/>
-                      </a:solidFill>
-                      <a:prstDash val="solid"/>
-                      <a:round/>
-                      <a:headEnd type="none" w="med" len="med"/>
-                      <a:tailEnd type="none" w="med" len="med"/>
-                    </a:lnL>
-                    <a:lnR w="12700" cap="flat" cmpd="sng" algn="ctr">
-                      <a:solidFill>
-                        <a:schemeClr val="tx1"/>
-                      </a:solidFill>
-                      <a:prstDash val="solid"/>
-                      <a:round/>
-                      <a:headEnd type="none" w="med" len="med"/>
-                      <a:tailEnd type="none" w="med" len="med"/>
-                    </a:lnR>
-                    <a:lnT w="12700" cap="flat" cmpd="sng" algn="ctr">
-                      <a:solidFill>
-                        <a:schemeClr val="tx1"/>
-                      </a:solidFill>
-                      <a:prstDash val="solid"/>
-                      <a:round/>
-                      <a:headEnd type="none" w="med" len="med"/>
-                      <a:tailEnd type="none" w="med" len="med"/>
-                    </a:lnT>
-                    <a:lnB w="12700" cap="flat" cmpd="sng" algn="ctr">
-                      <a:solidFill>
-                        <a:schemeClr val="tx1"/>
-                      </a:solidFill>
-                      <a:prstDash val="solid"/>
-                      <a:round/>
-                      <a:headEnd type="none" w="med" len="med"/>
-                      <a:tailEnd type="none" w="med" len="med"/>
-                    </a:lnB>
-                  </a:tcPr>
+                  <a:tcPr marL="75961" marR="75961" marT="37981" marB="37981"/>
                 </a:tc>
                 <a:extLst>
                   <a:ext uri="{0D108BD9-81ED-4DB2-BD59-A6C34878D82A}">
@@ -12537,7 +12786,7 @@
                   </a:ext>
                 </a:extLst>
               </a:tr>
-              <a:tr h="370840">
+              <a:tr h="460831">
                 <a:tc>
                   <a:txBody>
                     <a:bodyPr/>
@@ -12561,49 +12810,13 @@
                         <a:defRPr/>
                       </a:pPr>
                       <a:r>
-                        <a:rPr lang="en-US" sz="2800" b="1" dirty="0"/>
+                        <a:rPr lang="en-US" sz="2300"/>
                         <a:t>Storage</a:t>
                       </a:r>
+                      <a:endParaRPr lang="en-US" sz="2300" b="1"/>
                     </a:p>
                   </a:txBody>
-                  <a:tcPr>
-                    <a:lnL w="12700" cap="flat" cmpd="sng" algn="ctr">
-                      <a:solidFill>
-                        <a:schemeClr val="tx1"/>
-                      </a:solidFill>
-                      <a:prstDash val="solid"/>
-                      <a:round/>
-                      <a:headEnd type="none" w="med" len="med"/>
-                      <a:tailEnd type="none" w="med" len="med"/>
-                    </a:lnL>
-                    <a:lnR w="12700" cap="flat" cmpd="sng" algn="ctr">
-                      <a:solidFill>
-                        <a:schemeClr val="tx1"/>
-                      </a:solidFill>
-                      <a:prstDash val="solid"/>
-                      <a:round/>
-                      <a:headEnd type="none" w="med" len="med"/>
-                      <a:tailEnd type="none" w="med" len="med"/>
-                    </a:lnR>
-                    <a:lnT w="12700" cap="flat" cmpd="sng" algn="ctr">
-                      <a:solidFill>
-                        <a:schemeClr val="tx1"/>
-                      </a:solidFill>
-                      <a:prstDash val="solid"/>
-                      <a:round/>
-                      <a:headEnd type="none" w="med" len="med"/>
-                      <a:tailEnd type="none" w="med" len="med"/>
-                    </a:lnT>
-                    <a:lnB w="12700" cap="flat" cmpd="sng" algn="ctr">
-                      <a:solidFill>
-                        <a:schemeClr val="tx1"/>
-                      </a:solidFill>
-                      <a:prstDash val="solid"/>
-                      <a:round/>
-                      <a:headEnd type="none" w="med" len="med"/>
-                      <a:tailEnd type="none" w="med" len="med"/>
-                    </a:lnB>
-                  </a:tcPr>
+                  <a:tcPr marL="75961" marR="75961" marT="37981" marB="37981"/>
                 </a:tc>
                 <a:tc>
                   <a:txBody>
@@ -12611,49 +12824,12 @@
                     <a:lstStyle/>
                     <a:p>
                       <a:r>
-                        <a:rPr lang="en-US" sz="2800" dirty="0"/>
+                        <a:rPr lang="en-US" sz="2300"/>
                         <a:t>Local machine</a:t>
                       </a:r>
                     </a:p>
                   </a:txBody>
-                  <a:tcPr>
-                    <a:lnL w="12700" cap="flat" cmpd="sng" algn="ctr">
-                      <a:solidFill>
-                        <a:schemeClr val="tx1"/>
-                      </a:solidFill>
-                      <a:prstDash val="solid"/>
-                      <a:round/>
-                      <a:headEnd type="none" w="med" len="med"/>
-                      <a:tailEnd type="none" w="med" len="med"/>
-                    </a:lnL>
-                    <a:lnR w="12700" cap="flat" cmpd="sng" algn="ctr">
-                      <a:solidFill>
-                        <a:schemeClr val="tx1"/>
-                      </a:solidFill>
-                      <a:prstDash val="solid"/>
-                      <a:round/>
-                      <a:headEnd type="none" w="med" len="med"/>
-                      <a:tailEnd type="none" w="med" len="med"/>
-                    </a:lnR>
-                    <a:lnT w="12700" cap="flat" cmpd="sng" algn="ctr">
-                      <a:solidFill>
-                        <a:schemeClr val="tx1"/>
-                      </a:solidFill>
-                      <a:prstDash val="solid"/>
-                      <a:round/>
-                      <a:headEnd type="none" w="med" len="med"/>
-                      <a:tailEnd type="none" w="med" len="med"/>
-                    </a:lnT>
-                    <a:lnB w="12700" cap="flat" cmpd="sng" algn="ctr">
-                      <a:solidFill>
-                        <a:schemeClr val="tx1"/>
-                      </a:solidFill>
-                      <a:prstDash val="solid"/>
-                      <a:round/>
-                      <a:headEnd type="none" w="med" len="med"/>
-                      <a:tailEnd type="none" w="med" len="med"/>
-                    </a:lnB>
-                  </a:tcPr>
+                  <a:tcPr marL="75961" marR="75961" marT="37981" marB="37981"/>
                 </a:tc>
                 <a:tc>
                   <a:txBody>
@@ -12661,49 +12837,12 @@
                     <a:lstStyle/>
                     <a:p>
                       <a:r>
-                        <a:rPr lang="en-US" sz="2800" dirty="0"/>
+                        <a:rPr lang="en-US" sz="2300"/>
                         <a:t>Azure Storage</a:t>
                       </a:r>
                     </a:p>
                   </a:txBody>
-                  <a:tcPr>
-                    <a:lnL w="12700" cap="flat" cmpd="sng" algn="ctr">
-                      <a:solidFill>
-                        <a:schemeClr val="tx1"/>
-                      </a:solidFill>
-                      <a:prstDash val="solid"/>
-                      <a:round/>
-                      <a:headEnd type="none" w="med" len="med"/>
-                      <a:tailEnd type="none" w="med" len="med"/>
-                    </a:lnL>
-                    <a:lnR w="12700" cap="flat" cmpd="sng" algn="ctr">
-                      <a:solidFill>
-                        <a:schemeClr val="tx1"/>
-                      </a:solidFill>
-                      <a:prstDash val="solid"/>
-                      <a:round/>
-                      <a:headEnd type="none" w="med" len="med"/>
-                      <a:tailEnd type="none" w="med" len="med"/>
-                    </a:lnR>
-                    <a:lnT w="12700" cap="flat" cmpd="sng" algn="ctr">
-                      <a:solidFill>
-                        <a:schemeClr val="tx1"/>
-                      </a:solidFill>
-                      <a:prstDash val="solid"/>
-                      <a:round/>
-                      <a:headEnd type="none" w="med" len="med"/>
-                      <a:tailEnd type="none" w="med" len="med"/>
-                    </a:lnT>
-                    <a:lnB w="12700" cap="flat" cmpd="sng" algn="ctr">
-                      <a:solidFill>
-                        <a:schemeClr val="tx1"/>
-                      </a:solidFill>
-                      <a:prstDash val="solid"/>
-                      <a:round/>
-                      <a:headEnd type="none" w="med" len="med"/>
-                      <a:tailEnd type="none" w="med" len="med"/>
-                    </a:lnB>
-                  </a:tcPr>
+                  <a:tcPr marL="75961" marR="75961" marT="37981" marB="37981"/>
                 </a:tc>
                 <a:extLst>
                   <a:ext uri="{0D108BD9-81ED-4DB2-BD59-A6C34878D82A}">
@@ -12917,7 +13056,7 @@
           <a:p>
             <a:r>
               <a:rPr lang="en-US" dirty="0"/>
-              <a:t>Thank you</a:t>
+              <a:t>Resources</a:t>
             </a:r>
           </a:p>
         </p:txBody>
@@ -12955,8 +13094,8 @@
         </p:blipFill>
         <p:spPr>
           <a:xfrm>
-            <a:off x="5334000" y="0"/>
-            <a:ext cx="6858000" cy="6858000"/>
+            <a:off x="8325292" y="2991292"/>
+            <a:ext cx="3866707" cy="3866707"/>
           </a:xfrm>
           <a:prstGeom prst="rect">
             <a:avLst/>
@@ -12975,16 +13114,34 @@
         </p:nvSpPr>
         <p:spPr>
           <a:xfrm>
-            <a:off x="838200" y="1825625"/>
-            <a:ext cx="6197082" cy="4351338"/>
+            <a:off x="838199" y="1825625"/>
+            <a:ext cx="10411047" cy="4351338"/>
           </a:xfrm>
         </p:spPr>
         <p:txBody>
-          <a:bodyPr/>
+          <a:bodyPr>
+            <a:normAutofit fontScale="92500"/>
+          </a:bodyPr>
           <a:lstStyle/>
           <a:p>
-            <a:r>
-              <a:rPr lang="en-US" dirty="0">
+            <a:pPr marL="0" indent="0">
+              <a:buNone/>
+            </a:pPr>
+            <a:r>
+              <a:rPr lang="en-US" b="1" dirty="0"/>
+              <a:t>Docs 									@</a:t>
+            </a:r>
+            <a:r>
+              <a:rPr lang="en-US" b="1" dirty="0" err="1"/>
+              <a:t>Scott_Addie</a:t>
+            </a:r>
+            <a:endParaRPr lang="en-US" dirty="0">
+              <a:hlinkClick r:id="rId4"/>
+            </a:endParaRPr>
+          </a:p>
+          <a:p>
+            <a:r>
+              <a:rPr lang="en-US" b="1" dirty="0">
                 <a:hlinkClick r:id="rId4"/>
               </a:rPr>
               <a:t>aka.ms/dotnet-secret-mgr</a:t>
@@ -12992,15 +13149,114 @@
           </a:p>
           <a:p>
             <a:r>
-              <a:rPr lang="en-US" dirty="0">
+              <a:rPr lang="en-US" b="1" dirty="0">
                 <a:hlinkClick r:id="rId5"/>
               </a:rPr>
-              <a:t>aka.ms/az-key-vault</a:t>
-            </a:r>
+              <a:t>aka.ms/</a:t>
+            </a:r>
+            <a:r>
+              <a:rPr lang="en-US" b="1" dirty="0" err="1">
+                <a:hlinkClick r:id="rId5"/>
+              </a:rPr>
+              <a:t>az</a:t>
+            </a:r>
+            <a:r>
+              <a:rPr lang="en-US" b="1" dirty="0">
+                <a:hlinkClick r:id="rId5"/>
+              </a:rPr>
+              <a:t>-key-vault</a:t>
+            </a:r>
+            <a:endParaRPr lang="en-US" b="1" dirty="0"/>
+          </a:p>
+          <a:p>
             <a:endParaRPr lang="en-US" dirty="0"/>
           </a:p>
+          <a:p>
+            <a:pPr marL="0" indent="0">
+              <a:buNone/>
+            </a:pPr>
+            <a:r>
+              <a:rPr lang="en-US" b="1" dirty="0"/>
+              <a:t>Slides</a:t>
+            </a:r>
+          </a:p>
+          <a:p>
+            <a:pPr marL="0" indent="0">
+              <a:buNone/>
+            </a:pPr>
+            <a:r>
+              <a:rPr lang="en-US" b="1" dirty="0">
+                <a:hlinkClick r:id="rId6"/>
+              </a:rPr>
+              <a:t>aka.ms/app-secrets-slides</a:t>
+            </a:r>
+            <a:endParaRPr lang="en-US" b="1" dirty="0"/>
+          </a:p>
+          <a:p>
+            <a:pPr marL="0" indent="0">
+              <a:buNone/>
+            </a:pPr>
+            <a:endParaRPr lang="en-US" b="1" dirty="0"/>
+          </a:p>
+          <a:p>
+            <a:pPr marL="0" indent="0">
+              <a:buNone/>
+            </a:pPr>
+            <a:r>
+              <a:rPr lang="en-US" b="1" dirty="0"/>
+              <a:t>Code</a:t>
+            </a:r>
+          </a:p>
+          <a:p>
+            <a:pPr marL="0" indent="0">
+              <a:buNone/>
+            </a:pPr>
+            <a:r>
+              <a:rPr lang="en-US" b="1" dirty="0">
+                <a:hlinkClick r:id="rId7"/>
+              </a:rPr>
+              <a:t>aka.ms/app-secrets-code</a:t>
+            </a:r>
+            <a:endParaRPr lang="en-US" b="1" dirty="0"/>
+          </a:p>
         </p:txBody>
       </p:sp>
+      <p:pic>
+        <p:nvPicPr>
+          <p:cNvPr id="5" name="Picture 4">
+            <a:extLst>
+              <a:ext uri="{FF2B5EF4-FFF2-40B4-BE49-F238E27FC236}">
+                <a16:creationId xmlns:a16="http://schemas.microsoft.com/office/drawing/2014/main" id="{A87E2C7C-B662-43BA-A5DB-0A1A5D5542DE}"/>
+              </a:ext>
+            </a:extLst>
+          </p:cNvPr>
+          <p:cNvPicPr>
+            <a:picLocks noChangeAspect="1"/>
+          </p:cNvPicPr>
+          <p:nvPr/>
+        </p:nvPicPr>
+        <p:blipFill>
+          <a:blip r:embed="rId8" cstate="print">
+            <a:extLst>
+              <a:ext uri="{28A0092B-C50C-407E-A947-70E740481C1C}">
+                <a14:useLocalDpi xmlns:a14="http://schemas.microsoft.com/office/drawing/2010/main" val="0"/>
+              </a:ext>
+            </a:extLst>
+          </a:blip>
+          <a:stretch>
+            <a:fillRect/>
+          </a:stretch>
+        </p:blipFill>
+        <p:spPr>
+          <a:xfrm>
+            <a:off x="8474876" y="1753612"/>
+            <a:ext cx="682893" cy="555188"/>
+          </a:xfrm>
+          <a:prstGeom prst="rect">
+            <a:avLst/>
+          </a:prstGeom>
+        </p:spPr>
+      </p:pic>
     </p:spTree>
     <p:extLst>
       <p:ext uri="{BB962C8B-B14F-4D97-AF65-F5344CB8AC3E}">
@@ -13011,97 +13267,6 @@
   <p:clrMapOvr>
     <a:masterClrMapping/>
   </p:clrMapOvr>
-  <p:timing>
-    <p:tnLst>
-      <p:par>
-        <p:cTn id="1" dur="indefinite" restart="never" nodeType="tmRoot">
-          <p:childTnLst>
-            <p:seq concurrent="1" nextAc="seek">
-              <p:cTn id="2" dur="indefinite" nodeType="mainSeq">
-                <p:childTnLst>
-                  <p:par>
-                    <p:cTn id="3" fill="hold">
-                      <p:stCondLst>
-                        <p:cond delay="indefinite"/>
-                      </p:stCondLst>
-                      <p:childTnLst>
-                        <p:par>
-                          <p:cTn id="4" fill="hold">
-                            <p:stCondLst>
-                              <p:cond delay="0"/>
-                            </p:stCondLst>
-                            <p:childTnLst>
-                              <p:par>
-                                <p:cTn id="5" presetID="10" presetClass="entr" presetSubtype="0" fill="hold" nodeType="clickEffect">
-                                  <p:stCondLst>
-                                    <p:cond delay="0"/>
-                                  </p:stCondLst>
-                                  <p:childTnLst>
-                                    <p:set>
-                                      <p:cBhvr>
-                                        <p:cTn id="6" dur="1" fill="hold">
-                                          <p:stCondLst>
-                                            <p:cond delay="0"/>
-                                          </p:stCondLst>
-                                        </p:cTn>
-                                        <p:tgtEl>
-                                          <p:spTgt spid="3">
-                                            <p:txEl>
-                                              <p:pRg st="0" end="0"/>
-                                            </p:txEl>
-                                          </p:spTgt>
-                                        </p:tgtEl>
-                                        <p:attrNameLst>
-                                          <p:attrName>style.visibility</p:attrName>
-                                        </p:attrNameLst>
-                                      </p:cBhvr>
-                                      <p:to>
-                                        <p:strVal val="visible"/>
-                                      </p:to>
-                                    </p:set>
-                                    <p:animEffect transition="in" filter="fade">
-                                      <p:cBhvr>
-                                        <p:cTn id="7" dur="500"/>
-                                        <p:tgtEl>
-                                          <p:spTgt spid="3">
-                                            <p:txEl>
-                                              <p:pRg st="0" end="0"/>
-                                            </p:txEl>
-                                          </p:spTgt>
-                                        </p:tgtEl>
-                                      </p:cBhvr>
-                                    </p:animEffect>
-                                  </p:childTnLst>
-                                </p:cTn>
-                              </p:par>
-                            </p:childTnLst>
-                          </p:cTn>
-                        </p:par>
-                      </p:childTnLst>
-                    </p:cTn>
-                  </p:par>
-                </p:childTnLst>
-              </p:cTn>
-              <p:prevCondLst>
-                <p:cond evt="onPrev" delay="0">
-                  <p:tgtEl>
-                    <p:sldTgt/>
-                  </p:tgtEl>
-                </p:cond>
-              </p:prevCondLst>
-              <p:nextCondLst>
-                <p:cond evt="onNext" delay="0">
-                  <p:tgtEl>
-                    <p:sldTgt/>
-                  </p:tgtEl>
-                </p:cond>
-              </p:nextCondLst>
-            </p:seq>
-          </p:childTnLst>
-        </p:cTn>
-      </p:par>
-    </p:tnLst>
-  </p:timing>
 </p:sld>
 </file>
 
@@ -13190,6 +13355,12 @@
             <a:r>
               <a:rPr lang="en-US" dirty="0"/>
               <a:t>Azure Key Vault</a:t>
+            </a:r>
+          </a:p>
+          <a:p>
+            <a:r>
+              <a:rPr lang="en-US" dirty="0"/>
+              <a:t>Comparison of solutions</a:t>
             </a:r>
           </a:p>
           <a:p>
@@ -13509,6 +13680,67 @@
                                           <p:spTgt spid="3">
                                             <p:txEl>
                                               <p:pRg st="4" end="4"/>
+                                            </p:txEl>
+                                          </p:spTgt>
+                                        </p:tgtEl>
+                                      </p:cBhvr>
+                                    </p:animEffect>
+                                  </p:childTnLst>
+                                </p:cTn>
+                              </p:par>
+                            </p:childTnLst>
+                          </p:cTn>
+                        </p:par>
+                      </p:childTnLst>
+                    </p:cTn>
+                  </p:par>
+                  <p:par>
+                    <p:cTn id="28" fill="hold">
+                      <p:stCondLst>
+                        <p:cond delay="indefinite"/>
+                      </p:stCondLst>
+                      <p:childTnLst>
+                        <p:par>
+                          <p:cTn id="29" fill="hold">
+                            <p:stCondLst>
+                              <p:cond delay="0"/>
+                            </p:stCondLst>
+                            <p:childTnLst>
+                              <p:par>
+                                <p:cTn id="30" presetID="10" presetClass="entr" presetSubtype="0" fill="hold" nodeType="clickEffect">
+                                  <p:stCondLst>
+                                    <p:cond delay="0"/>
+                                  </p:stCondLst>
+                                  <p:childTnLst>
+                                    <p:set>
+                                      <p:cBhvr>
+                                        <p:cTn id="31" dur="1" fill="hold">
+                                          <p:stCondLst>
+                                            <p:cond delay="0"/>
+                                          </p:stCondLst>
+                                        </p:cTn>
+                                        <p:tgtEl>
+                                          <p:spTgt spid="3">
+                                            <p:txEl>
+                                              <p:pRg st="5" end="5"/>
+                                            </p:txEl>
+                                          </p:spTgt>
+                                        </p:tgtEl>
+                                        <p:attrNameLst>
+                                          <p:attrName>style.visibility</p:attrName>
+                                        </p:attrNameLst>
+                                      </p:cBhvr>
+                                      <p:to>
+                                        <p:strVal val="visible"/>
+                                      </p:to>
+                                    </p:set>
+                                    <p:animEffect transition="in" filter="fade">
+                                      <p:cBhvr>
+                                        <p:cTn id="32" dur="500"/>
+                                        <p:tgtEl>
+                                          <p:spTgt spid="3">
+                                            <p:txEl>
+                                              <p:pRg st="5" end="5"/>
                                             </p:txEl>
                                           </p:spTgt>
                                         </p:tgtEl>
@@ -14141,7 +14373,7 @@
         <p:spPr>
           <a:xfrm>
             <a:off x="2269067" y="5610578"/>
-            <a:ext cx="1049866" cy="349955"/>
+            <a:ext cx="1011077" cy="349955"/>
           </a:xfrm>
           <a:prstGeom prst="rect">
             <a:avLst/>
@@ -14192,8 +14424,8 @@
         </p:nvSpPr>
         <p:spPr>
           <a:xfrm>
-            <a:off x="4625072" y="5610578"/>
-            <a:ext cx="1049866" cy="349955"/>
+            <a:off x="4646336" y="5610578"/>
+            <a:ext cx="1011077" cy="349955"/>
           </a:xfrm>
           <a:prstGeom prst="rect">
             <a:avLst/>
@@ -16012,33 +16244,15 @@
                                   </p:childTnLst>
                                 </p:cTn>
                               </p:par>
-                            </p:childTnLst>
-                          </p:cTn>
-                        </p:par>
-                      </p:childTnLst>
-                    </p:cTn>
-                  </p:par>
-                  <p:par>
-                    <p:cTn id="8" fill="hold">
-                      <p:stCondLst>
-                        <p:cond delay="indefinite"/>
-                      </p:stCondLst>
-                      <p:childTnLst>
-                        <p:par>
-                          <p:cTn id="9" fill="hold">
-                            <p:stCondLst>
-                              <p:cond delay="0"/>
-                            </p:stCondLst>
-                            <p:childTnLst>
                               <p:par>
-                                <p:cTn id="10" presetID="10" presetClass="entr" presetSubtype="0" fill="hold" grpId="0" nodeType="clickEffect">
+                                <p:cTn id="8" presetID="10" presetClass="entr" presetSubtype="0" fill="hold" grpId="0" nodeType="withEffect">
                                   <p:stCondLst>
                                     <p:cond delay="0"/>
                                   </p:stCondLst>
                                   <p:childTnLst>
                                     <p:set>
                                       <p:cBhvr>
-                                        <p:cTn id="11" dur="1" fill="hold">
+                                        <p:cTn id="9" dur="1" fill="hold">
                                           <p:stCondLst>
                                             <p:cond delay="0"/>
                                           </p:stCondLst>
@@ -16060,7 +16274,7 @@
                                     </p:set>
                                     <p:animEffect transition="in" filter="fade">
                                       <p:cBhvr>
-                                        <p:cTn id="12" dur="500"/>
+                                        <p:cTn id="10" dur="500"/>
                                         <p:tgtEl>
                                           <p:spTgt spid="3">
                                             <p:txEl>
@@ -16080,26 +16294,26 @@
                     </p:cTn>
                   </p:par>
                   <p:par>
-                    <p:cTn id="13" fill="hold">
+                    <p:cTn id="11" fill="hold">
                       <p:stCondLst>
                         <p:cond delay="indefinite"/>
                       </p:stCondLst>
                       <p:childTnLst>
                         <p:par>
-                          <p:cTn id="14" fill="hold">
+                          <p:cTn id="12" fill="hold">
                             <p:stCondLst>
                               <p:cond delay="0"/>
                             </p:stCondLst>
                             <p:childTnLst>
                               <p:par>
-                                <p:cTn id="15" presetID="10" presetClass="entr" presetSubtype="0" fill="hold" grpId="0" nodeType="clickEffect">
+                                <p:cTn id="13" presetID="10" presetClass="entr" presetSubtype="0" fill="hold" grpId="0" nodeType="clickEffect">
                                   <p:stCondLst>
                                     <p:cond delay="0"/>
                                   </p:stCondLst>
                                   <p:childTnLst>
                                     <p:set>
                                       <p:cBhvr>
-                                        <p:cTn id="16" dur="1" fill="hold">
+                                        <p:cTn id="14" dur="1" fill="hold">
                                           <p:stCondLst>
                                             <p:cond delay="0"/>
                                           </p:stCondLst>
@@ -16121,7 +16335,7 @@
                                     </p:set>
                                     <p:animEffect transition="in" filter="fade">
                                       <p:cBhvr>
-                                        <p:cTn id="17" dur="500"/>
+                                        <p:cTn id="15" dur="500"/>
                                         <p:tgtEl>
                                           <p:spTgt spid="3">
                                             <p:txEl>
@@ -16134,33 +16348,15 @@
                                   </p:childTnLst>
                                 </p:cTn>
                               </p:par>
-                            </p:childTnLst>
-                          </p:cTn>
-                        </p:par>
-                      </p:childTnLst>
-                    </p:cTn>
-                  </p:par>
-                  <p:par>
-                    <p:cTn id="18" fill="hold">
-                      <p:stCondLst>
-                        <p:cond delay="indefinite"/>
-                      </p:stCondLst>
-                      <p:childTnLst>
-                        <p:par>
-                          <p:cTn id="19" fill="hold">
-                            <p:stCondLst>
-                              <p:cond delay="0"/>
-                            </p:stCondLst>
-                            <p:childTnLst>
                               <p:par>
-                                <p:cTn id="20" presetID="10" presetClass="entr" presetSubtype="0" fill="hold" grpId="0" nodeType="clickEffect">
+                                <p:cTn id="16" presetID="10" presetClass="entr" presetSubtype="0" fill="hold" grpId="0" nodeType="withEffect">
                                   <p:stCondLst>
                                     <p:cond delay="0"/>
                                   </p:stCondLst>
                                   <p:childTnLst>
                                     <p:set>
                                       <p:cBhvr>
-                                        <p:cTn id="21" dur="1" fill="hold">
+                                        <p:cTn id="17" dur="1" fill="hold">
                                           <p:stCondLst>
                                             <p:cond delay="0"/>
                                           </p:stCondLst>
@@ -16182,7 +16378,7 @@
                                     </p:set>
                                     <p:animEffect transition="in" filter="fade">
                                       <p:cBhvr>
-                                        <p:cTn id="22" dur="500"/>
+                                        <p:cTn id="18" dur="500"/>
                                         <p:tgtEl>
                                           <p:spTgt spid="3">
                                             <p:txEl>
@@ -16223,7 +16419,7 @@
       </p:par>
     </p:tnLst>
     <p:bldLst>
-      <p:bldP spid="3" grpId="0" build="p"/>
+      <p:bldP spid="3" grpId="0" uiExpand="1" build="p"/>
     </p:bldLst>
   </p:timing>
 </p:sld>
@@ -16630,7 +16826,7 @@
                             </p:stCondLst>
                             <p:childTnLst>
                               <p:par>
-                                <p:cTn id="5" presetID="1" presetClass="entr" presetSubtype="0" fill="hold" nodeType="clickEffect">
+                                <p:cTn id="5" presetID="10" presetClass="entr" presetSubtype="0" fill="hold" grpId="0" nodeType="clickEffect">
                                   <p:stCondLst>
                                     <p:cond delay="0"/>
                                   </p:stCondLst>
@@ -16638,6 +16834,92 @@
                                     <p:set>
                                       <p:cBhvr>
                                         <p:cTn id="6" dur="1" fill="hold">
+                                          <p:stCondLst>
+                                            <p:cond delay="0"/>
+                                          </p:stCondLst>
+                                        </p:cTn>
+                                        <p:tgtEl>
+                                          <p:spTgt spid="4">
+                                            <p:txEl>
+                                              <p:pRg st="0" end="0"/>
+                                            </p:txEl>
+                                          </p:spTgt>
+                                        </p:tgtEl>
+                                        <p:attrNameLst>
+                                          <p:attrName>style.visibility</p:attrName>
+                                        </p:attrNameLst>
+                                      </p:cBhvr>
+                                      <p:to>
+                                        <p:strVal val="visible"/>
+                                      </p:to>
+                                    </p:set>
+                                    <p:animEffect transition="in" filter="fade">
+                                      <p:cBhvr>
+                                        <p:cTn id="7" dur="500"/>
+                                        <p:tgtEl>
+                                          <p:spTgt spid="4">
+                                            <p:txEl>
+                                              <p:pRg st="0" end="0"/>
+                                            </p:txEl>
+                                          </p:spTgt>
+                                        </p:tgtEl>
+                                      </p:cBhvr>
+                                    </p:animEffect>
+                                  </p:childTnLst>
+                                </p:cTn>
+                              </p:par>
+                              <p:par>
+                                <p:cTn id="8" presetID="10" presetClass="entr" presetSubtype="0" fill="hold" grpId="0" nodeType="withEffect">
+                                  <p:stCondLst>
+                                    <p:cond delay="0"/>
+                                  </p:stCondLst>
+                                  <p:childTnLst>
+                                    <p:set>
+                                      <p:cBhvr>
+                                        <p:cTn id="9" dur="1" fill="hold">
+                                          <p:stCondLst>
+                                            <p:cond delay="0"/>
+                                          </p:stCondLst>
+                                        </p:cTn>
+                                        <p:tgtEl>
+                                          <p:spTgt spid="3">
+                                            <p:txEl>
+                                              <p:pRg st="0" end="0"/>
+                                            </p:txEl>
+                                          </p:spTgt>
+                                        </p:tgtEl>
+                                        <p:attrNameLst>
+                                          <p:attrName>style.visibility</p:attrName>
+                                        </p:attrNameLst>
+                                      </p:cBhvr>
+                                      <p:to>
+                                        <p:strVal val="visible"/>
+                                      </p:to>
+                                    </p:set>
+                                    <p:animEffect transition="in" filter="fade">
+                                      <p:cBhvr>
+                                        <p:cTn id="10" dur="500"/>
+                                        <p:tgtEl>
+                                          <p:spTgt spid="3">
+                                            <p:txEl>
+                                              <p:pRg st="0" end="0"/>
+                                            </p:txEl>
+                                          </p:spTgt>
+                                        </p:tgtEl>
+                                      </p:cBhvr>
+                                    </p:animEffect>
+                                  </p:childTnLst>
+                                </p:cTn>
+                              </p:par>
+                              <p:par>
+                                <p:cTn id="11" presetID="10" presetClass="entr" presetSubtype="0" fill="hold" grpId="0" nodeType="withEffect">
+                                  <p:stCondLst>
+                                    <p:cond delay="0"/>
+                                  </p:stCondLst>
+                                  <p:childTnLst>
+                                    <p:set>
+                                      <p:cBhvr>
+                                        <p:cTn id="12" dur="1" fill="hold">
                                           <p:stCondLst>
                                             <p:cond delay="0"/>
                                           </p:stCondLst>
@@ -16657,6 +16939,18 @@
                                         <p:strVal val="visible"/>
                                       </p:to>
                                     </p:set>
+                                    <p:animEffect transition="in" filter="fade">
+                                      <p:cBhvr>
+                                        <p:cTn id="13" dur="500"/>
+                                        <p:tgtEl>
+                                          <p:spTgt spid="3">
+                                            <p:txEl>
+                                              <p:pRg st="1" end="1"/>
+                                            </p:txEl>
+                                          </p:spTgt>
+                                        </p:tgtEl>
+                                      </p:cBhvr>
+                                    </p:animEffect>
                                   </p:childTnLst>
                                 </p:cTn>
                               </p:par>
@@ -16667,26 +16961,26 @@
                     </p:cTn>
                   </p:par>
                   <p:par>
-                    <p:cTn id="7" fill="hold">
+                    <p:cTn id="14" fill="hold">
                       <p:stCondLst>
                         <p:cond delay="indefinite"/>
                       </p:stCondLst>
                       <p:childTnLst>
                         <p:par>
-                          <p:cTn id="8" fill="hold">
+                          <p:cTn id="15" fill="hold">
                             <p:stCondLst>
                               <p:cond delay="0"/>
                             </p:stCondLst>
                             <p:childTnLst>
                               <p:par>
-                                <p:cTn id="9" presetID="1" presetClass="entr" presetSubtype="0" fill="hold" nodeType="clickEffect">
+                                <p:cTn id="16" presetID="10" presetClass="entr" presetSubtype="0" fill="hold" grpId="0" nodeType="clickEffect">
                                   <p:stCondLst>
                                     <p:cond delay="0"/>
                                   </p:stCondLst>
                                   <p:childTnLst>
                                     <p:set>
                                       <p:cBhvr>
-                                        <p:cTn id="10" dur="1" fill="hold">
+                                        <p:cTn id="17" dur="1" fill="hold">
                                           <p:stCondLst>
                                             <p:cond delay="0"/>
                                           </p:stCondLst>
@@ -16706,18 +17000,30 @@
                                         <p:strVal val="visible"/>
                                       </p:to>
                                     </p:set>
+                                    <p:animEffect transition="in" filter="fade">
+                                      <p:cBhvr>
+                                        <p:cTn id="18" dur="500"/>
+                                        <p:tgtEl>
+                                          <p:spTgt spid="3">
+                                            <p:txEl>
+                                              <p:pRg st="6" end="6"/>
+                                            </p:txEl>
+                                          </p:spTgt>
+                                        </p:tgtEl>
+                                      </p:cBhvr>
+                                    </p:animEffect>
                                   </p:childTnLst>
                                 </p:cTn>
                               </p:par>
                               <p:par>
-                                <p:cTn id="11" presetID="1" presetClass="entr" presetSubtype="0" fill="hold" nodeType="withEffect">
+                                <p:cTn id="19" presetID="10" presetClass="entr" presetSubtype="0" fill="hold" grpId="0" nodeType="withEffect">
                                   <p:stCondLst>
                                     <p:cond delay="0"/>
                                   </p:stCondLst>
                                   <p:childTnLst>
                                     <p:set>
                                       <p:cBhvr>
-                                        <p:cTn id="12" dur="1" fill="hold">
+                                        <p:cTn id="20" dur="1" fill="hold">
                                           <p:stCondLst>
                                             <p:cond delay="0"/>
                                           </p:stCondLst>
@@ -16737,6 +17043,489 @@
                                         <p:strVal val="visible"/>
                                       </p:to>
                                     </p:set>
+                                    <p:animEffect transition="in" filter="fade">
+                                      <p:cBhvr>
+                                        <p:cTn id="21" dur="500"/>
+                                        <p:tgtEl>
+                                          <p:spTgt spid="3">
+                                            <p:txEl>
+                                              <p:pRg st="7" end="7"/>
+                                            </p:txEl>
+                                          </p:spTgt>
+                                        </p:tgtEl>
+                                      </p:cBhvr>
+                                    </p:animEffect>
+                                  </p:childTnLst>
+                                </p:cTn>
+                              </p:par>
+                            </p:childTnLst>
+                          </p:cTn>
+                        </p:par>
+                      </p:childTnLst>
+                    </p:cTn>
+                  </p:par>
+                  <p:par>
+                    <p:cTn id="22" fill="hold">
+                      <p:stCondLst>
+                        <p:cond delay="indefinite"/>
+                      </p:stCondLst>
+                      <p:childTnLst>
+                        <p:par>
+                          <p:cTn id="23" fill="hold">
+                            <p:stCondLst>
+                              <p:cond delay="0"/>
+                            </p:stCondLst>
+                            <p:childTnLst>
+                              <p:par>
+                                <p:cTn id="24" presetID="2" presetClass="entr" presetSubtype="4" fill="hold" nodeType="clickEffect">
+                                  <p:stCondLst>
+                                    <p:cond delay="0"/>
+                                  </p:stCondLst>
+                                  <p:childTnLst>
+                                    <p:set>
+                                      <p:cBhvr>
+                                        <p:cTn id="25" dur="1" fill="hold">
+                                          <p:stCondLst>
+                                            <p:cond delay="0"/>
+                                          </p:stCondLst>
+                                        </p:cTn>
+                                        <p:tgtEl>
+                                          <p:spTgt spid="8"/>
+                                        </p:tgtEl>
+                                        <p:attrNameLst>
+                                          <p:attrName>style.visibility</p:attrName>
+                                        </p:attrNameLst>
+                                      </p:cBhvr>
+                                      <p:to>
+                                        <p:strVal val="visible"/>
+                                      </p:to>
+                                    </p:set>
+                                    <p:anim calcmode="lin" valueType="num">
+                                      <p:cBhvr additive="base">
+                                        <p:cTn id="26" dur="500" fill="hold"/>
+                                        <p:tgtEl>
+                                          <p:spTgt spid="8"/>
+                                        </p:tgtEl>
+                                        <p:attrNameLst>
+                                          <p:attrName>ppt_x</p:attrName>
+                                        </p:attrNameLst>
+                                      </p:cBhvr>
+                                      <p:tavLst>
+                                        <p:tav tm="0">
+                                          <p:val>
+                                            <p:strVal val="#ppt_x"/>
+                                          </p:val>
+                                        </p:tav>
+                                        <p:tav tm="100000">
+                                          <p:val>
+                                            <p:strVal val="#ppt_x"/>
+                                          </p:val>
+                                        </p:tav>
+                                      </p:tavLst>
+                                    </p:anim>
+                                    <p:anim calcmode="lin" valueType="num">
+                                      <p:cBhvr additive="base">
+                                        <p:cTn id="27" dur="500" fill="hold"/>
+                                        <p:tgtEl>
+                                          <p:spTgt spid="8"/>
+                                        </p:tgtEl>
+                                        <p:attrNameLst>
+                                          <p:attrName>ppt_y</p:attrName>
+                                        </p:attrNameLst>
+                                      </p:cBhvr>
+                                      <p:tavLst>
+                                        <p:tav tm="0">
+                                          <p:val>
+                                            <p:strVal val="1+#ppt_h/2"/>
+                                          </p:val>
+                                        </p:tav>
+                                        <p:tav tm="100000">
+                                          <p:val>
+                                            <p:strVal val="#ppt_y"/>
+                                          </p:val>
+                                        </p:tav>
+                                      </p:tavLst>
+                                    </p:anim>
+                                  </p:childTnLst>
+                                </p:cTn>
+                              </p:par>
+                            </p:childTnLst>
+                          </p:cTn>
+                        </p:par>
+                      </p:childTnLst>
+                    </p:cTn>
+                  </p:par>
+                  <p:par>
+                    <p:cTn id="28" fill="hold">
+                      <p:stCondLst>
+                        <p:cond delay="indefinite"/>
+                      </p:stCondLst>
+                      <p:childTnLst>
+                        <p:par>
+                          <p:cTn id="29" fill="hold">
+                            <p:stCondLst>
+                              <p:cond delay="0"/>
+                            </p:stCondLst>
+                            <p:childTnLst>
+                              <p:par>
+                                <p:cTn id="30" presetID="10" presetClass="entr" presetSubtype="0" fill="hold" grpId="0" nodeType="clickEffect">
+                                  <p:stCondLst>
+                                    <p:cond delay="0"/>
+                                  </p:stCondLst>
+                                  <p:childTnLst>
+                                    <p:set>
+                                      <p:cBhvr>
+                                        <p:cTn id="31" dur="1" fill="hold">
+                                          <p:stCondLst>
+                                            <p:cond delay="0"/>
+                                          </p:stCondLst>
+                                        </p:cTn>
+                                        <p:tgtEl>
+                                          <p:spTgt spid="5">
+                                            <p:txEl>
+                                              <p:pRg st="0" end="0"/>
+                                            </p:txEl>
+                                          </p:spTgt>
+                                        </p:tgtEl>
+                                        <p:attrNameLst>
+                                          <p:attrName>style.visibility</p:attrName>
+                                        </p:attrNameLst>
+                                      </p:cBhvr>
+                                      <p:to>
+                                        <p:strVal val="visible"/>
+                                      </p:to>
+                                    </p:set>
+                                    <p:animEffect transition="in" filter="fade">
+                                      <p:cBhvr>
+                                        <p:cTn id="32" dur="500"/>
+                                        <p:tgtEl>
+                                          <p:spTgt spid="5">
+                                            <p:txEl>
+                                              <p:pRg st="0" end="0"/>
+                                            </p:txEl>
+                                          </p:spTgt>
+                                        </p:tgtEl>
+                                      </p:cBhvr>
+                                    </p:animEffect>
+                                  </p:childTnLst>
+                                </p:cTn>
+                              </p:par>
+                              <p:par>
+                                <p:cTn id="33" presetID="10" presetClass="entr" presetSubtype="0" fill="hold" nodeType="withEffect">
+                                  <p:stCondLst>
+                                    <p:cond delay="0"/>
+                                  </p:stCondLst>
+                                  <p:childTnLst>
+                                    <p:set>
+                                      <p:cBhvr>
+                                        <p:cTn id="34" dur="1" fill="hold">
+                                          <p:stCondLst>
+                                            <p:cond delay="0"/>
+                                          </p:stCondLst>
+                                        </p:cTn>
+                                        <p:tgtEl>
+                                          <p:spTgt spid="6">
+                                            <p:txEl>
+                                              <p:pRg st="0" end="0"/>
+                                            </p:txEl>
+                                          </p:spTgt>
+                                        </p:tgtEl>
+                                        <p:attrNameLst>
+                                          <p:attrName>style.visibility</p:attrName>
+                                        </p:attrNameLst>
+                                      </p:cBhvr>
+                                      <p:to>
+                                        <p:strVal val="visible"/>
+                                      </p:to>
+                                    </p:set>
+                                    <p:animEffect transition="in" filter="fade">
+                                      <p:cBhvr>
+                                        <p:cTn id="35" dur="500"/>
+                                        <p:tgtEl>
+                                          <p:spTgt spid="6">
+                                            <p:txEl>
+                                              <p:pRg st="0" end="0"/>
+                                            </p:txEl>
+                                          </p:spTgt>
+                                        </p:tgtEl>
+                                      </p:cBhvr>
+                                    </p:animEffect>
+                                  </p:childTnLst>
+                                </p:cTn>
+                              </p:par>
+                              <p:par>
+                                <p:cTn id="36" presetID="10" presetClass="entr" presetSubtype="0" fill="hold" nodeType="withEffect">
+                                  <p:stCondLst>
+                                    <p:cond delay="0"/>
+                                  </p:stCondLst>
+                                  <p:childTnLst>
+                                    <p:set>
+                                      <p:cBhvr>
+                                        <p:cTn id="37" dur="1" fill="hold">
+                                          <p:stCondLst>
+                                            <p:cond delay="0"/>
+                                          </p:stCondLst>
+                                        </p:cTn>
+                                        <p:tgtEl>
+                                          <p:spTgt spid="6">
+                                            <p:txEl>
+                                              <p:pRg st="1" end="1"/>
+                                            </p:txEl>
+                                          </p:spTgt>
+                                        </p:tgtEl>
+                                        <p:attrNameLst>
+                                          <p:attrName>style.visibility</p:attrName>
+                                        </p:attrNameLst>
+                                      </p:cBhvr>
+                                      <p:to>
+                                        <p:strVal val="visible"/>
+                                      </p:to>
+                                    </p:set>
+                                    <p:animEffect transition="in" filter="fade">
+                                      <p:cBhvr>
+                                        <p:cTn id="38" dur="500"/>
+                                        <p:tgtEl>
+                                          <p:spTgt spid="6">
+                                            <p:txEl>
+                                              <p:pRg st="1" end="1"/>
+                                            </p:txEl>
+                                          </p:spTgt>
+                                        </p:tgtEl>
+                                      </p:cBhvr>
+                                    </p:animEffect>
+                                  </p:childTnLst>
+                                </p:cTn>
+                              </p:par>
+                              <p:par>
+                                <p:cTn id="39" presetID="10" presetClass="entr" presetSubtype="0" fill="hold" nodeType="withEffect">
+                                  <p:stCondLst>
+                                    <p:cond delay="0"/>
+                                  </p:stCondLst>
+                                  <p:childTnLst>
+                                    <p:set>
+                                      <p:cBhvr>
+                                        <p:cTn id="40" dur="1" fill="hold">
+                                          <p:stCondLst>
+                                            <p:cond delay="0"/>
+                                          </p:stCondLst>
+                                        </p:cTn>
+                                        <p:tgtEl>
+                                          <p:spTgt spid="6">
+                                            <p:txEl>
+                                              <p:pRg st="2" end="2"/>
+                                            </p:txEl>
+                                          </p:spTgt>
+                                        </p:tgtEl>
+                                        <p:attrNameLst>
+                                          <p:attrName>style.visibility</p:attrName>
+                                        </p:attrNameLst>
+                                      </p:cBhvr>
+                                      <p:to>
+                                        <p:strVal val="visible"/>
+                                      </p:to>
+                                    </p:set>
+                                    <p:animEffect transition="in" filter="fade">
+                                      <p:cBhvr>
+                                        <p:cTn id="41" dur="500"/>
+                                        <p:tgtEl>
+                                          <p:spTgt spid="6">
+                                            <p:txEl>
+                                              <p:pRg st="2" end="2"/>
+                                            </p:txEl>
+                                          </p:spTgt>
+                                        </p:tgtEl>
+                                      </p:cBhvr>
+                                    </p:animEffect>
+                                  </p:childTnLst>
+                                </p:cTn>
+                              </p:par>
+                              <p:par>
+                                <p:cTn id="42" presetID="10" presetClass="entr" presetSubtype="0" fill="hold" nodeType="withEffect">
+                                  <p:stCondLst>
+                                    <p:cond delay="0"/>
+                                  </p:stCondLst>
+                                  <p:childTnLst>
+                                    <p:set>
+                                      <p:cBhvr>
+                                        <p:cTn id="43" dur="1" fill="hold">
+                                          <p:stCondLst>
+                                            <p:cond delay="0"/>
+                                          </p:stCondLst>
+                                        </p:cTn>
+                                        <p:tgtEl>
+                                          <p:spTgt spid="6">
+                                            <p:txEl>
+                                              <p:pRg st="3" end="3"/>
+                                            </p:txEl>
+                                          </p:spTgt>
+                                        </p:tgtEl>
+                                        <p:attrNameLst>
+                                          <p:attrName>style.visibility</p:attrName>
+                                        </p:attrNameLst>
+                                      </p:cBhvr>
+                                      <p:to>
+                                        <p:strVal val="visible"/>
+                                      </p:to>
+                                    </p:set>
+                                    <p:animEffect transition="in" filter="fade">
+                                      <p:cBhvr>
+                                        <p:cTn id="44" dur="500"/>
+                                        <p:tgtEl>
+                                          <p:spTgt spid="6">
+                                            <p:txEl>
+                                              <p:pRg st="3" end="3"/>
+                                            </p:txEl>
+                                          </p:spTgt>
+                                        </p:tgtEl>
+                                      </p:cBhvr>
+                                    </p:animEffect>
+                                  </p:childTnLst>
+                                </p:cTn>
+                              </p:par>
+                              <p:par>
+                                <p:cTn id="45" presetID="10" presetClass="entr" presetSubtype="0" fill="hold" nodeType="withEffect">
+                                  <p:stCondLst>
+                                    <p:cond delay="0"/>
+                                  </p:stCondLst>
+                                  <p:childTnLst>
+                                    <p:set>
+                                      <p:cBhvr>
+                                        <p:cTn id="46" dur="1" fill="hold">
+                                          <p:stCondLst>
+                                            <p:cond delay="0"/>
+                                          </p:stCondLst>
+                                        </p:cTn>
+                                        <p:tgtEl>
+                                          <p:spTgt spid="6">
+                                            <p:txEl>
+                                              <p:pRg st="4" end="4"/>
+                                            </p:txEl>
+                                          </p:spTgt>
+                                        </p:tgtEl>
+                                        <p:attrNameLst>
+                                          <p:attrName>style.visibility</p:attrName>
+                                        </p:attrNameLst>
+                                      </p:cBhvr>
+                                      <p:to>
+                                        <p:strVal val="visible"/>
+                                      </p:to>
+                                    </p:set>
+                                    <p:animEffect transition="in" filter="fade">
+                                      <p:cBhvr>
+                                        <p:cTn id="47" dur="500"/>
+                                        <p:tgtEl>
+                                          <p:spTgt spid="6">
+                                            <p:txEl>
+                                              <p:pRg st="4" end="4"/>
+                                            </p:txEl>
+                                          </p:spTgt>
+                                        </p:tgtEl>
+                                      </p:cBhvr>
+                                    </p:animEffect>
+                                  </p:childTnLst>
+                                </p:cTn>
+                              </p:par>
+                            </p:childTnLst>
+                          </p:cTn>
+                        </p:par>
+                      </p:childTnLst>
+                    </p:cTn>
+                  </p:par>
+                  <p:par>
+                    <p:cTn id="48" fill="hold">
+                      <p:stCondLst>
+                        <p:cond delay="indefinite"/>
+                      </p:stCondLst>
+                      <p:childTnLst>
+                        <p:par>
+                          <p:cTn id="49" fill="hold">
+                            <p:stCondLst>
+                              <p:cond delay="0"/>
+                            </p:stCondLst>
+                            <p:childTnLst>
+                              <p:par>
+                                <p:cTn id="50" presetID="10" presetClass="entr" presetSubtype="0" fill="hold" nodeType="clickEffect">
+                                  <p:stCondLst>
+                                    <p:cond delay="0"/>
+                                  </p:stCondLst>
+                                  <p:childTnLst>
+                                    <p:set>
+                                      <p:cBhvr>
+                                        <p:cTn id="51" dur="1" fill="hold">
+                                          <p:stCondLst>
+                                            <p:cond delay="0"/>
+                                          </p:stCondLst>
+                                        </p:cTn>
+                                        <p:tgtEl>
+                                          <p:spTgt spid="6">
+                                            <p:txEl>
+                                              <p:pRg st="6" end="6"/>
+                                            </p:txEl>
+                                          </p:spTgt>
+                                        </p:tgtEl>
+                                        <p:attrNameLst>
+                                          <p:attrName>style.visibility</p:attrName>
+                                        </p:attrNameLst>
+                                      </p:cBhvr>
+                                      <p:to>
+                                        <p:strVal val="visible"/>
+                                      </p:to>
+                                    </p:set>
+                                    <p:animEffect transition="in" filter="fade">
+                                      <p:cBhvr>
+                                        <p:cTn id="52" dur="500"/>
+                                        <p:tgtEl>
+                                          <p:spTgt spid="6">
+                                            <p:txEl>
+                                              <p:pRg st="6" end="6"/>
+                                            </p:txEl>
+                                          </p:spTgt>
+                                        </p:tgtEl>
+                                      </p:cBhvr>
+                                    </p:animEffect>
+                                  </p:childTnLst>
+                                </p:cTn>
+                              </p:par>
+                              <p:par>
+                                <p:cTn id="53" presetID="10" presetClass="entr" presetSubtype="0" fill="hold" nodeType="withEffect">
+                                  <p:stCondLst>
+                                    <p:cond delay="0"/>
+                                  </p:stCondLst>
+                                  <p:childTnLst>
+                                    <p:set>
+                                      <p:cBhvr>
+                                        <p:cTn id="54" dur="1" fill="hold">
+                                          <p:stCondLst>
+                                            <p:cond delay="0"/>
+                                          </p:stCondLst>
+                                        </p:cTn>
+                                        <p:tgtEl>
+                                          <p:spTgt spid="6">
+                                            <p:txEl>
+                                              <p:pRg st="7" end="7"/>
+                                            </p:txEl>
+                                          </p:spTgt>
+                                        </p:tgtEl>
+                                        <p:attrNameLst>
+                                          <p:attrName>style.visibility</p:attrName>
+                                        </p:attrNameLst>
+                                      </p:cBhvr>
+                                      <p:to>
+                                        <p:strVal val="visible"/>
+                                      </p:to>
+                                    </p:set>
+                                    <p:animEffect transition="in" filter="fade">
+                                      <p:cBhvr>
+                                        <p:cTn id="55" dur="500"/>
+                                        <p:tgtEl>
+                                          <p:spTgt spid="6">
+                                            <p:txEl>
+                                              <p:pRg st="7" end="7"/>
+                                            </p:txEl>
+                                          </p:spTgt>
+                                        </p:tgtEl>
+                                      </p:cBhvr>
+                                    </p:animEffect>
                                   </p:childTnLst>
                                 </p:cTn>
                               </p:par>
@@ -16767,6 +17556,11 @@
         </p:cTn>
       </p:par>
     </p:tnLst>
+    <p:bldLst>
+      <p:bldP spid="4" grpId="0" build="p"/>
+      <p:bldP spid="3" grpId="0" uiExpand="1" build="p"/>
+      <p:bldP spid="5" grpId="0" build="p"/>
+    </p:bldLst>
   </p:timing>
 </p:sld>
 </file>

--- a/Protecting App Secrets.pptx
+++ b/Protecting App Secrets.pptx
@@ -12994,10 +12994,9 @@
           <a:lstStyle/>
           <a:p>
             <a:r>
-              <a:rPr lang="en-US"/>
+              <a:rPr lang="en-US" dirty="0"/>
               <a:t>Secret Manager + Azure Key Vault</a:t>
             </a:r>
-            <a:endParaRPr lang="en-US" dirty="0"/>
           </a:p>
         </p:txBody>
       </p:sp>
@@ -13129,10 +13128,14 @@
             </a:pPr>
             <a:r>
               <a:rPr lang="en-US" b="1" dirty="0"/>
-              <a:t>Docs 									@</a:t>
-            </a:r>
-            <a:r>
-              <a:rPr lang="en-US" b="1" dirty="0" err="1"/>
+              <a:t>Docs 									</a:t>
+            </a:r>
+            <a:r>
+              <a:rPr lang="en-US" dirty="0"/>
+              <a:t>@</a:t>
+            </a:r>
+            <a:r>
+              <a:rPr lang="en-US" dirty="0" err="1"/>
               <a:t>Scott_Addie</a:t>
             </a:r>
             <a:endParaRPr lang="en-US" dirty="0">
@@ -13141,7 +13144,7 @@
           </a:p>
           <a:p>
             <a:r>
-              <a:rPr lang="en-US" b="1" dirty="0">
+              <a:rPr lang="en-US" dirty="0">
                 <a:hlinkClick r:id="rId4"/>
               </a:rPr>
               <a:t>aka.ms/dotnet-secret-mgr</a:t>
@@ -13149,24 +13152,24 @@
           </a:p>
           <a:p>
             <a:r>
-              <a:rPr lang="en-US" b="1" dirty="0">
+              <a:rPr lang="en-US" dirty="0">
                 <a:hlinkClick r:id="rId5"/>
               </a:rPr>
               <a:t>aka.ms/</a:t>
             </a:r>
             <a:r>
-              <a:rPr lang="en-US" b="1" dirty="0" err="1">
+              <a:rPr lang="en-US" dirty="0" err="1">
                 <a:hlinkClick r:id="rId5"/>
               </a:rPr>
               <a:t>az</a:t>
             </a:r>
             <a:r>
-              <a:rPr lang="en-US" b="1" dirty="0">
+              <a:rPr lang="en-US" dirty="0">
                 <a:hlinkClick r:id="rId5"/>
               </a:rPr>
               <a:t>-key-vault</a:t>
             </a:r>
-            <a:endParaRPr lang="en-US" b="1" dirty="0"/>
+            <a:endParaRPr lang="en-US" dirty="0"/>
           </a:p>
           <a:p>
             <a:endParaRPr lang="en-US" dirty="0"/>
@@ -13185,12 +13188,12 @@
               <a:buNone/>
             </a:pPr>
             <a:r>
-              <a:rPr lang="en-US" b="1" dirty="0">
+              <a:rPr lang="en-US" dirty="0">
                 <a:hlinkClick r:id="rId6"/>
               </a:rPr>
               <a:t>aka.ms/app-secrets-slides</a:t>
             </a:r>
-            <a:endParaRPr lang="en-US" b="1" dirty="0"/>
+            <a:endParaRPr lang="en-US" dirty="0"/>
           </a:p>
           <a:p>
             <a:pPr marL="0" indent="0">
@@ -13212,12 +13215,12 @@
               <a:buNone/>
             </a:pPr>
             <a:r>
-              <a:rPr lang="en-US" b="1" dirty="0">
+              <a:rPr lang="en-US" dirty="0">
                 <a:hlinkClick r:id="rId7"/>
               </a:rPr>
               <a:t>aka.ms/app-secrets-code</a:t>
             </a:r>
-            <a:endParaRPr lang="en-US" b="1" dirty="0"/>
+            <a:endParaRPr lang="en-US" dirty="0"/>
           </a:p>
         </p:txBody>
       </p:sp>

--- a/Protecting App Secrets.pptx
+++ b/Protecting App Secrets.pptx
@@ -617,6 +617,25 @@
         <p:txBody>
           <a:bodyPr/>
           <a:lstStyle/>
+          <a:p>
+            <a:r>
+              <a:rPr lang="en-US" dirty="0"/>
+              <a:t>- Azure Cloud Shell </a:t>
+            </a:r>
+            <a:r>
+              <a:rPr lang="en-US" dirty="0">
+                <a:sym typeface="Wingdings" panose="05000000000000000000" pitchFamily="2" charset="2"/>
+              </a:rPr>
+              <a:t> the best CLI is the one you don’t have </a:t>
+            </a:r>
+            <a:r>
+              <a:rPr lang="en-US">
+                <a:sym typeface="Wingdings" panose="05000000000000000000" pitchFamily="2" charset="2"/>
+              </a:rPr>
+              <a:t>to install</a:t>
+            </a:r>
+            <a:endParaRPr lang="en-US"/>
+          </a:p>
           <a:p>
             <a:r>
               <a:rPr lang="en-US" dirty="0"/>

--- a/Protecting App Secrets.pptx
+++ b/Protecting App Secrets.pptx
@@ -223,7 +223,7 @@
           <a:p>
             <a:fld id="{03886B9A-ACA2-4D2C-AAF6-D8003DE96699}" type="datetimeFigureOut">
               <a:rPr lang="en-US" smtClean="0"/>
-              <a:t>9/1/2018</a:t>
+              <a:t>9/4/2018</a:t>
             </a:fld>
             <a:endParaRPr lang="en-US"/>
           </a:p>
@@ -934,7 +934,24 @@
           <a:bodyPr/>
           <a:lstStyle/>
           <a:p>
-            <a:endParaRPr lang="en-US"/>
+            <a:pPr marL="171450" indent="-171450">
+              <a:buFontTx/>
+              <a:buChar char="-"/>
+            </a:pPr>
+            <a:r>
+              <a:rPr lang="en-US" dirty="0"/>
+              <a:t>Download secrets from key vault with build task</a:t>
+            </a:r>
+          </a:p>
+          <a:p>
+            <a:pPr marL="628650" lvl="1" indent="-171450">
+              <a:buFontTx/>
+              <a:buChar char="-"/>
+            </a:pPr>
+            <a:r>
+              <a:rPr lang="en-US" dirty="0"/>
+              <a:t>Can use secrets as task variables in other build tasks</a:t>
+            </a:r>
           </a:p>
         </p:txBody>
       </p:sp>
@@ -2089,7 +2106,10 @@
           <a:bodyPr/>
           <a:lstStyle/>
           <a:p>
-            <a:endParaRPr lang="en-US"/>
+            <a:r>
+              <a:rPr lang="en-US" dirty="0"/>
+              <a:t>FIPS = Federal Information Processing Standard</a:t>
+            </a:r>
           </a:p>
         </p:txBody>
       </p:sp>
@@ -2816,7 +2836,7 @@
           <a:p>
             <a:fld id="{B5D86D52-4857-4668-9EB7-B41E21252CF7}" type="datetimeFigureOut">
               <a:rPr lang="en-US" smtClean="0"/>
-              <a:t>9/1/2018</a:t>
+              <a:t>9/4/2018</a:t>
             </a:fld>
             <a:endParaRPr lang="en-US"/>
           </a:p>
@@ -3014,7 +3034,7 @@
           <a:p>
             <a:fld id="{B5D86D52-4857-4668-9EB7-B41E21252CF7}" type="datetimeFigureOut">
               <a:rPr lang="en-US" smtClean="0"/>
-              <a:t>9/1/2018</a:t>
+              <a:t>9/4/2018</a:t>
             </a:fld>
             <a:endParaRPr lang="en-US"/>
           </a:p>
@@ -3222,7 +3242,7 @@
           <a:p>
             <a:fld id="{B5D86D52-4857-4668-9EB7-B41E21252CF7}" type="datetimeFigureOut">
               <a:rPr lang="en-US" smtClean="0"/>
-              <a:t>9/1/2018</a:t>
+              <a:t>9/4/2018</a:t>
             </a:fld>
             <a:endParaRPr lang="en-US"/>
           </a:p>
@@ -3426,7 +3446,7 @@
           <a:p>
             <a:fld id="{EEC3160E-2579-4584-9765-DC1BA0B358F9}" type="datetimeFigureOut">
               <a:rPr lang="en-US" smtClean="0"/>
-              <a:t>9/1/2018</a:t>
+              <a:t>9/4/2018</a:t>
             </a:fld>
             <a:endParaRPr lang="en-US"/>
           </a:p>
@@ -3596,7 +3616,7 @@
           <a:p>
             <a:fld id="{EEC3160E-2579-4584-9765-DC1BA0B358F9}" type="datetimeFigureOut">
               <a:rPr lang="en-US" smtClean="0"/>
-              <a:t>9/1/2018</a:t>
+              <a:t>9/4/2018</a:t>
             </a:fld>
             <a:endParaRPr lang="en-US"/>
           </a:p>
@@ -3842,7 +3862,7 @@
           <a:p>
             <a:fld id="{EEC3160E-2579-4584-9765-DC1BA0B358F9}" type="datetimeFigureOut">
               <a:rPr lang="en-US" smtClean="0"/>
-              <a:t>9/1/2018</a:t>
+              <a:t>9/4/2018</a:t>
             </a:fld>
             <a:endParaRPr lang="en-US"/>
           </a:p>
@@ -4074,7 +4094,7 @@
           <a:p>
             <a:fld id="{EEC3160E-2579-4584-9765-DC1BA0B358F9}" type="datetimeFigureOut">
               <a:rPr lang="en-US" smtClean="0"/>
-              <a:t>9/1/2018</a:t>
+              <a:t>9/4/2018</a:t>
             </a:fld>
             <a:endParaRPr lang="en-US"/>
           </a:p>
@@ -4441,7 +4461,7 @@
           <a:p>
             <a:fld id="{EEC3160E-2579-4584-9765-DC1BA0B358F9}" type="datetimeFigureOut">
               <a:rPr lang="en-US" smtClean="0"/>
-              <a:t>9/1/2018</a:t>
+              <a:t>9/4/2018</a:t>
             </a:fld>
             <a:endParaRPr lang="en-US"/>
           </a:p>
@@ -4559,7 +4579,7 @@
           <a:p>
             <a:fld id="{EEC3160E-2579-4584-9765-DC1BA0B358F9}" type="datetimeFigureOut">
               <a:rPr lang="en-US" smtClean="0"/>
-              <a:t>9/1/2018</a:t>
+              <a:t>9/4/2018</a:t>
             </a:fld>
             <a:endParaRPr lang="en-US"/>
           </a:p>
@@ -4654,7 +4674,7 @@
           <a:p>
             <a:fld id="{EEC3160E-2579-4584-9765-DC1BA0B358F9}" type="datetimeFigureOut">
               <a:rPr lang="en-US" smtClean="0"/>
-              <a:t>9/1/2018</a:t>
+              <a:t>9/4/2018</a:t>
             </a:fld>
             <a:endParaRPr lang="en-US"/>
           </a:p>
@@ -4931,7 +4951,7 @@
           <a:p>
             <a:fld id="{EEC3160E-2579-4584-9765-DC1BA0B358F9}" type="datetimeFigureOut">
               <a:rPr lang="en-US" smtClean="0"/>
-              <a:t>9/1/2018</a:t>
+              <a:t>9/4/2018</a:t>
             </a:fld>
             <a:endParaRPr lang="en-US"/>
           </a:p>
@@ -5117,7 +5137,7 @@
           <a:p>
             <a:fld id="{B5D86D52-4857-4668-9EB7-B41E21252CF7}" type="datetimeFigureOut">
               <a:rPr lang="en-US" smtClean="0"/>
-              <a:t>9/1/2018</a:t>
+              <a:t>9/4/2018</a:t>
             </a:fld>
             <a:endParaRPr lang="en-US"/>
           </a:p>
@@ -5386,7 +5406,7 @@
           <a:p>
             <a:fld id="{EEC3160E-2579-4584-9765-DC1BA0B358F9}" type="datetimeFigureOut">
               <a:rPr lang="en-US" smtClean="0"/>
-              <a:t>9/1/2018</a:t>
+              <a:t>9/4/2018</a:t>
             </a:fld>
             <a:endParaRPr lang="en-US"/>
           </a:p>
@@ -5556,7 +5576,7 @@
           <a:p>
             <a:fld id="{EEC3160E-2579-4584-9765-DC1BA0B358F9}" type="datetimeFigureOut">
               <a:rPr lang="en-US" smtClean="0"/>
-              <a:t>9/1/2018</a:t>
+              <a:t>9/4/2018</a:t>
             </a:fld>
             <a:endParaRPr lang="en-US"/>
           </a:p>
@@ -5736,7 +5756,7 @@
           <a:p>
             <a:fld id="{EEC3160E-2579-4584-9765-DC1BA0B358F9}" type="datetimeFigureOut">
               <a:rPr lang="en-US" smtClean="0"/>
-              <a:t>9/1/2018</a:t>
+              <a:t>9/4/2018</a:t>
             </a:fld>
             <a:endParaRPr lang="en-US"/>
           </a:p>
@@ -5999,7 +6019,7 @@
           <a:p>
             <a:fld id="{B5D86D52-4857-4668-9EB7-B41E21252CF7}" type="datetimeFigureOut">
               <a:rPr lang="en-US" smtClean="0"/>
-              <a:t>9/1/2018</a:t>
+              <a:t>9/4/2018</a:t>
             </a:fld>
             <a:endParaRPr lang="en-US"/>
           </a:p>
@@ -6264,7 +6284,7 @@
           <a:p>
             <a:fld id="{B5D86D52-4857-4668-9EB7-B41E21252CF7}" type="datetimeFigureOut">
               <a:rPr lang="en-US" smtClean="0"/>
-              <a:t>9/1/2018</a:t>
+              <a:t>9/4/2018</a:t>
             </a:fld>
             <a:endParaRPr lang="en-US"/>
           </a:p>
@@ -6676,7 +6696,7 @@
           <a:p>
             <a:fld id="{B5D86D52-4857-4668-9EB7-B41E21252CF7}" type="datetimeFigureOut">
               <a:rPr lang="en-US" smtClean="0"/>
-              <a:t>9/1/2018</a:t>
+              <a:t>9/4/2018</a:t>
             </a:fld>
             <a:endParaRPr lang="en-US"/>
           </a:p>
@@ -6817,7 +6837,7 @@
           <a:p>
             <a:fld id="{B5D86D52-4857-4668-9EB7-B41E21252CF7}" type="datetimeFigureOut">
               <a:rPr lang="en-US" smtClean="0"/>
-              <a:t>9/1/2018</a:t>
+              <a:t>9/4/2018</a:t>
             </a:fld>
             <a:endParaRPr lang="en-US"/>
           </a:p>
@@ -6930,7 +6950,7 @@
           <a:p>
             <a:fld id="{B5D86D52-4857-4668-9EB7-B41E21252CF7}" type="datetimeFigureOut">
               <a:rPr lang="en-US" smtClean="0"/>
-              <a:t>9/1/2018</a:t>
+              <a:t>9/4/2018</a:t>
             </a:fld>
             <a:endParaRPr lang="en-US"/>
           </a:p>
@@ -7241,7 +7261,7 @@
           <a:p>
             <a:fld id="{B5D86D52-4857-4668-9EB7-B41E21252CF7}" type="datetimeFigureOut">
               <a:rPr lang="en-US" smtClean="0"/>
-              <a:t>9/1/2018</a:t>
+              <a:t>9/4/2018</a:t>
             </a:fld>
             <a:endParaRPr lang="en-US"/>
           </a:p>
@@ -7529,7 +7549,7 @@
           <a:p>
             <a:fld id="{B5D86D52-4857-4668-9EB7-B41E21252CF7}" type="datetimeFigureOut">
               <a:rPr lang="en-US" smtClean="0"/>
-              <a:t>9/1/2018</a:t>
+              <a:t>9/4/2018</a:t>
             </a:fld>
             <a:endParaRPr lang="en-US"/>
           </a:p>
@@ -7770,7 +7790,7 @@
           <a:p>
             <a:fld id="{B5D86D52-4857-4668-9EB7-B41E21252CF7}" type="datetimeFigureOut">
               <a:rPr lang="en-US" smtClean="0"/>
-              <a:t>9/1/2018</a:t>
+              <a:t>9/4/2018</a:t>
             </a:fld>
             <a:endParaRPr lang="en-US"/>
           </a:p>
@@ -8322,7 +8342,7 @@
           <a:p>
             <a:fld id="{EEC3160E-2579-4584-9765-DC1BA0B358F9}" type="datetimeFigureOut">
               <a:rPr lang="en-US" smtClean="0"/>
-              <a:t>9/1/2018</a:t>
+              <a:t>9/4/2018</a:t>
             </a:fld>
             <a:endParaRPr lang="en-US"/>
           </a:p>
@@ -9677,14 +9697,15 @@
           <a:p>
             <a:r>
               <a:rPr lang="en-US" dirty="0"/>
-              <a:t>.NET Core SDK v2.1</a:t>
-            </a:r>
-          </a:p>
-          <a:p>
-            <a:r>
-              <a:rPr lang="en-US" dirty="0"/>
-              <a:t>VS 2017</a:t>
-            </a:r>
+              <a:t>.NET Core SDK v2.1+</a:t>
+            </a:r>
+          </a:p>
+          <a:p>
+            <a:r>
+              <a:rPr lang="en-US"/>
+              <a:t>VS 2017 15.7+</a:t>
+            </a:r>
+            <a:endParaRPr lang="en-US" dirty="0"/>
           </a:p>
           <a:p>
             <a:pPr lvl="1"/>
@@ -11515,6 +11536,62 @@
           </a:p>
         </p:txBody>
       </p:sp>
+      <p:sp>
+        <p:nvSpPr>
+          <p:cNvPr id="3" name="Content Placeholder 2">
+            <a:extLst>
+              <a:ext uri="{FF2B5EF4-FFF2-40B4-BE49-F238E27FC236}">
+                <a16:creationId xmlns:a16="http://schemas.microsoft.com/office/drawing/2014/main" id="{309C1DDD-9C6F-4C98-B29C-D7570234B882}"/>
+              </a:ext>
+            </a:extLst>
+          </p:cNvPr>
+          <p:cNvSpPr>
+            <a:spLocks noGrp="1"/>
+          </p:cNvSpPr>
+          <p:nvPr>
+            <p:ph idx="1"/>
+          </p:nvPr>
+        </p:nvSpPr>
+        <p:spPr/>
+        <p:txBody>
+          <a:bodyPr/>
+          <a:lstStyle/>
+          <a:p>
+            <a:r>
+              <a:rPr lang="en-US" dirty="0"/>
+              <a:t>ASP.NET Core app:</a:t>
+            </a:r>
+          </a:p>
+          <a:p>
+            <a:endParaRPr lang="en-US" dirty="0"/>
+          </a:p>
+          <a:p>
+            <a:endParaRPr lang="en-US" dirty="0"/>
+          </a:p>
+          <a:p>
+            <a:endParaRPr lang="en-US" dirty="0"/>
+          </a:p>
+          <a:p>
+            <a:endParaRPr lang="en-US" dirty="0"/>
+          </a:p>
+          <a:p>
+            <a:endParaRPr lang="en-US" dirty="0"/>
+          </a:p>
+          <a:p>
+            <a:r>
+              <a:rPr lang="en-US" dirty="0"/>
+              <a:t>Azure Pipelines build:</a:t>
+            </a:r>
+          </a:p>
+          <a:p>
+            <a:pPr lvl="1"/>
+            <a:r>
+              <a:rPr lang="en-US" dirty="0"/>
+              <a:t>Azure Key Vault task</a:t>
+            </a:r>
+          </a:p>
+        </p:txBody>
+      </p:sp>
       <p:graphicFrame>
         <p:nvGraphicFramePr>
           <p:cNvPr id="4" name="Table 3">
@@ -11530,13 +11607,13 @@
           <p:nvPr>
             <p:extLst>
               <p:ext uri="{D42A27DB-BD31-4B8C-83A1-F6EECF244321}">
-                <p14:modId xmlns:p14="http://schemas.microsoft.com/office/powerpoint/2010/main" val="18966878"/>
+                <p14:modId xmlns:p14="http://schemas.microsoft.com/office/powerpoint/2010/main" val="2652412917"/>
               </p:ext>
             </p:extLst>
           </p:nvPr>
         </p:nvGraphicFramePr>
         <p:xfrm>
-          <a:off x="844462" y="1920876"/>
+          <a:off x="1167192" y="2738457"/>
           <a:ext cx="9165812" cy="2133600"/>
         </p:xfrm>
         <a:graphic>
@@ -12130,7 +12207,7 @@
         </p:nvSpPr>
         <p:spPr>
           <a:xfrm>
-            <a:off x="838200" y="1474306"/>
+            <a:off x="1160930" y="2291887"/>
             <a:ext cx="1978891" cy="446567"/>
           </a:xfrm>
           <a:prstGeom prst="rect">
@@ -12236,130 +12313,6 @@
   <p:clrMapOvr>
     <a:masterClrMapping/>
   </p:clrMapOvr>
-  <p:timing>
-    <p:tnLst>
-      <p:par>
-        <p:cTn id="1" dur="indefinite" restart="never" nodeType="tmRoot">
-          <p:childTnLst>
-            <p:seq concurrent="1" nextAc="seek">
-              <p:cTn id="2" dur="indefinite" nodeType="mainSeq">
-                <p:childTnLst>
-                  <p:par>
-                    <p:cTn id="3" fill="hold">
-                      <p:stCondLst>
-                        <p:cond delay="indefinite"/>
-                        <p:cond evt="onBegin" delay="0">
-                          <p:tn val="2"/>
-                        </p:cond>
-                      </p:stCondLst>
-                      <p:childTnLst>
-                        <p:par>
-                          <p:cTn id="4" fill="hold">
-                            <p:stCondLst>
-                              <p:cond delay="0"/>
-                            </p:stCondLst>
-                            <p:childTnLst>
-                              <p:par>
-                                <p:cTn id="5" presetID="10" presetClass="entr" presetSubtype="0" fill="hold" grpId="0" nodeType="withEffect">
-                                  <p:stCondLst>
-                                    <p:cond delay="0"/>
-                                  </p:stCondLst>
-                                  <p:childTnLst>
-                                    <p:set>
-                                      <p:cBhvr>
-                                        <p:cTn id="6" dur="1" fill="hold">
-                                          <p:stCondLst>
-                                            <p:cond delay="0"/>
-                                          </p:stCondLst>
-                                        </p:cTn>
-                                        <p:tgtEl>
-                                          <p:spTgt spid="5"/>
-                                        </p:tgtEl>
-                                        <p:attrNameLst>
-                                          <p:attrName>style.visibility</p:attrName>
-                                        </p:attrNameLst>
-                                      </p:cBhvr>
-                                      <p:to>
-                                        <p:strVal val="visible"/>
-                                      </p:to>
-                                    </p:set>
-                                    <p:animEffect transition="in" filter="fade">
-                                      <p:cBhvr>
-                                        <p:cTn id="7" dur="500"/>
-                                        <p:tgtEl>
-                                          <p:spTgt spid="5"/>
-                                        </p:tgtEl>
-                                      </p:cBhvr>
-                                    </p:animEffect>
-                                  </p:childTnLst>
-                                </p:cTn>
-                              </p:par>
-                              <p:par>
-                                <p:cTn id="8" presetID="10" presetClass="entr" presetSubtype="0" fill="hold" nodeType="withEffect">
-                                  <p:stCondLst>
-                                    <p:cond delay="0"/>
-                                  </p:stCondLst>
-                                  <p:childTnLst>
-                                    <p:set>
-                                      <p:cBhvr>
-                                        <p:cTn id="9" dur="1" fill="hold">
-                                          <p:stCondLst>
-                                            <p:cond delay="0"/>
-                                          </p:stCondLst>
-                                        </p:cTn>
-                                        <p:tgtEl>
-                                          <p:spTgt spid="4"/>
-                                        </p:tgtEl>
-                                        <p:attrNameLst>
-                                          <p:attrName>style.visibility</p:attrName>
-                                        </p:attrNameLst>
-                                      </p:cBhvr>
-                                      <p:to>
-                                        <p:strVal val="visible"/>
-                                      </p:to>
-                                    </p:set>
-                                    <p:animEffect transition="in" filter="fade">
-                                      <p:cBhvr>
-                                        <p:cTn id="10" dur="500"/>
-                                        <p:tgtEl>
-                                          <p:spTgt spid="4"/>
-                                        </p:tgtEl>
-                                      </p:cBhvr>
-                                    </p:animEffect>
-                                  </p:childTnLst>
-                                </p:cTn>
-                              </p:par>
-                            </p:childTnLst>
-                          </p:cTn>
-                        </p:par>
-                      </p:childTnLst>
-                    </p:cTn>
-                  </p:par>
-                </p:childTnLst>
-              </p:cTn>
-              <p:prevCondLst>
-                <p:cond evt="onPrev" delay="0">
-                  <p:tgtEl>
-                    <p:sldTgt/>
-                  </p:tgtEl>
-                </p:cond>
-              </p:prevCondLst>
-              <p:nextCondLst>
-                <p:cond evt="onNext" delay="0">
-                  <p:tgtEl>
-                    <p:sldTgt/>
-                  </p:tgtEl>
-                </p:cond>
-              </p:nextCondLst>
-            </p:seq>
-          </p:childTnLst>
-        </p:cTn>
-      </p:par>
-    </p:tnLst>
-    <p:bldLst>
-      <p:bldP spid="5" grpId="0" animBg="1"/>
-    </p:bldLst>
-  </p:timing>
 </p:sld>
 </file>
 
@@ -16555,7 +16508,7 @@
           <a:p>
             <a:r>
               <a:rPr lang="en-US" dirty="0"/>
-              <a:t>.NET Core SDK v2.1</a:t>
+              <a:t>.NET Core SDK v2.1+</a:t>
             </a:r>
           </a:p>
           <a:p>
@@ -16703,13 +16656,13 @@
           <a:p>
             <a:r>
               <a:rPr lang="en-US" dirty="0"/>
-              <a:t>.NET Core SDK v2.1</a:t>
+              <a:t>.NET Core SDK v2.1+</a:t>
             </a:r>
           </a:p>
           <a:p>
             <a:r>
               <a:rPr lang="en-US" dirty="0"/>
-              <a:t>VS 2017</a:t>
+              <a:t>VS 2017 15.7+</a:t>
             </a:r>
           </a:p>
           <a:p>

--- a/Protecting App Secrets.pptx
+++ b/Protecting App Secrets.pptx
@@ -6,7 +6,7 @@
     <p:sldMasterId id="2147483660" r:id="rId2"/>
   </p:sldMasterIdLst>
   <p:notesMasterIdLst>
-    <p:notesMasterId r:id="rId18"/>
+    <p:notesMasterId r:id="rId19"/>
   </p:notesMasterIdLst>
   <p:sldIdLst>
     <p:sldId id="256" r:id="rId3"/>
@@ -21,9 +21,10 @@
     <p:sldId id="338" r:id="rId12"/>
     <p:sldId id="335" r:id="rId13"/>
     <p:sldId id="336" r:id="rId14"/>
-    <p:sldId id="331" r:id="rId15"/>
-    <p:sldId id="334" r:id="rId16"/>
-    <p:sldId id="326" r:id="rId17"/>
+    <p:sldId id="339" r:id="rId15"/>
+    <p:sldId id="331" r:id="rId16"/>
+    <p:sldId id="334" r:id="rId17"/>
+    <p:sldId id="326" r:id="rId18"/>
   </p:sldIdLst>
   <p:sldSz cx="12192000" cy="6858000"/>
   <p:notesSz cx="6858000" cy="9144000"/>
@@ -223,7 +224,7 @@
           <a:p>
             <a:fld id="{03886B9A-ACA2-4D2C-AAF6-D8003DE96699}" type="datetimeFigureOut">
               <a:rPr lang="en-US" smtClean="0"/>
-              <a:t>9/4/2018</a:t>
+              <a:t>9/19/2018</a:t>
             </a:fld>
             <a:endParaRPr lang="en-US"/>
           </a:p>
@@ -1095,7 +1096,24 @@
           <a:bodyPr/>
           <a:lstStyle/>
           <a:p>
-            <a:endParaRPr lang="en-US" dirty="0"/>
+            <a:pPr marL="171450" indent="-171450">
+              <a:buFontTx/>
+              <a:buChar char="-"/>
+            </a:pPr>
+            <a:r>
+              <a:rPr lang="en-US" dirty="0"/>
+              <a:t>Download secrets from key vault with build task</a:t>
+            </a:r>
+          </a:p>
+          <a:p>
+            <a:pPr marL="628650" lvl="1" indent="-171450">
+              <a:buFontTx/>
+              <a:buChar char="-"/>
+            </a:pPr>
+            <a:r>
+              <a:rPr lang="en-US" dirty="0"/>
+              <a:t>Can use secrets as task variables in other build tasks</a:t>
+            </a:r>
           </a:p>
         </p:txBody>
       </p:sp>
@@ -1185,7 +1203,7 @@
     </p:spTree>
     <p:extLst>
       <p:ext uri="{BB962C8B-B14F-4D97-AF65-F5344CB8AC3E}">
-        <p14:creationId xmlns:p14="http://schemas.microsoft.com/office/powerpoint/2010/main" val="2232734480"/>
+        <p14:creationId xmlns:p14="http://schemas.microsoft.com/office/powerpoint/2010/main" val="585389256"/>
       </p:ext>
     </p:extLst>
   </p:cSld>
@@ -1329,7 +1347,7 @@
     </p:spTree>
     <p:extLst>
       <p:ext uri="{BB962C8B-B14F-4D97-AF65-F5344CB8AC3E}">
-        <p14:creationId xmlns:p14="http://schemas.microsoft.com/office/powerpoint/2010/main" val="1203295569"/>
+        <p14:creationId xmlns:p14="http://schemas.microsoft.com/office/powerpoint/2010/main" val="2232734480"/>
       </p:ext>
     </p:extLst>
   </p:cSld>
@@ -1383,7 +1401,7 @@
           <a:bodyPr/>
           <a:lstStyle/>
           <a:p>
-            <a:endParaRPr lang="en-US"/>
+            <a:endParaRPr lang="en-US" dirty="0"/>
           </a:p>
         </p:txBody>
       </p:sp>
@@ -1473,6 +1491,150 @@
     </p:spTree>
     <p:extLst>
       <p:ext uri="{BB962C8B-B14F-4D97-AF65-F5344CB8AC3E}">
+        <p14:creationId xmlns:p14="http://schemas.microsoft.com/office/powerpoint/2010/main" val="1203295569"/>
+      </p:ext>
+    </p:extLst>
+  </p:cSld>
+  <p:clrMapOvr>
+    <a:masterClrMapping/>
+  </p:clrMapOvr>
+</p:notes>
+</file>
+
+<file path=ppt/notesSlides/notesSlide16.xml><?xml version="1.0" encoding="utf-8"?>
+<p:notes xmlns:a="http://schemas.openxmlformats.org/drawingml/2006/main" xmlns:r="http://schemas.openxmlformats.org/officeDocument/2006/relationships" xmlns:p="http://schemas.openxmlformats.org/presentationml/2006/main">
+  <p:cSld>
+    <p:spTree>
+      <p:nvGrpSpPr>
+        <p:cNvPr id="1" name=""/>
+        <p:cNvGrpSpPr/>
+        <p:nvPr/>
+      </p:nvGrpSpPr>
+      <p:grpSpPr>
+        <a:xfrm>
+          <a:off x="0" y="0"/>
+          <a:ext cx="0" cy="0"/>
+          <a:chOff x="0" y="0"/>
+          <a:chExt cx="0" cy="0"/>
+        </a:xfrm>
+      </p:grpSpPr>
+      <p:sp>
+        <p:nvSpPr>
+          <p:cNvPr id="2" name="Slide Image Placeholder 1"/>
+          <p:cNvSpPr>
+            <a:spLocks noGrp="1" noRot="1" noChangeAspect="1"/>
+          </p:cNvSpPr>
+          <p:nvPr>
+            <p:ph type="sldImg"/>
+          </p:nvPr>
+        </p:nvSpPr>
+        <p:spPr/>
+      </p:sp>
+      <p:sp>
+        <p:nvSpPr>
+          <p:cNvPr id="3" name="Notes Placeholder 2"/>
+          <p:cNvSpPr>
+            <a:spLocks noGrp="1"/>
+          </p:cNvSpPr>
+          <p:nvPr>
+            <p:ph type="body" idx="1"/>
+          </p:nvPr>
+        </p:nvSpPr>
+        <p:spPr/>
+        <p:txBody>
+          <a:bodyPr/>
+          <a:lstStyle/>
+          <a:p>
+            <a:endParaRPr lang="en-US"/>
+          </a:p>
+        </p:txBody>
+      </p:sp>
+      <p:sp>
+        <p:nvSpPr>
+          <p:cNvPr id="4" name="Slide Number Placeholder 3"/>
+          <p:cNvSpPr>
+            <a:spLocks noGrp="1"/>
+          </p:cNvSpPr>
+          <p:nvPr>
+            <p:ph type="sldNum" sz="quarter" idx="10"/>
+          </p:nvPr>
+        </p:nvSpPr>
+        <p:spPr/>
+        <p:txBody>
+          <a:bodyPr/>
+          <a:lstStyle/>
+          <a:p>
+            <a:pPr marL="0" marR="0" lvl="0" indent="0" algn="r" defTabSz="457200" rtl="0" eaLnBrk="1" fontAlgn="auto" latinLnBrk="0" hangingPunct="1">
+              <a:lnSpc>
+                <a:spcPct val="100000"/>
+              </a:lnSpc>
+              <a:spcBef>
+                <a:spcPts val="0"/>
+              </a:spcBef>
+              <a:spcAft>
+                <a:spcPts val="0"/>
+              </a:spcAft>
+              <a:buClrTx/>
+              <a:buSzTx/>
+              <a:buFontTx/>
+              <a:buNone/>
+              <a:tabLst/>
+              <a:defRPr/>
+            </a:pPr>
+            <a:fld id="{16A87904-88DE-4022-A424-ACD2E6FC1751}" type="slidenum">
+              <a:rPr kumimoji="0" lang="en-US" sz="1200" b="0" i="0" u="none" strike="noStrike" kern="1200" cap="none" spc="0" normalizeH="0" baseline="0" noProof="0" smtClean="0">
+                <a:ln>
+                  <a:noFill/>
+                </a:ln>
+                <a:solidFill>
+                  <a:prstClr val="black"/>
+                </a:solidFill>
+                <a:effectLst/>
+                <a:uLnTx/>
+                <a:uFillTx/>
+                <a:latin typeface="Calibri" panose="020F0502020204030204"/>
+                <a:ea typeface="+mn-ea"/>
+                <a:cs typeface="+mn-cs"/>
+              </a:rPr>
+              <a:pPr marL="0" marR="0" lvl="0" indent="0" algn="r" defTabSz="457200" rtl="0" eaLnBrk="1" fontAlgn="auto" latinLnBrk="0" hangingPunct="1">
+                <a:lnSpc>
+                  <a:spcPct val="100000"/>
+                </a:lnSpc>
+                <a:spcBef>
+                  <a:spcPts val="0"/>
+                </a:spcBef>
+                <a:spcAft>
+                  <a:spcPts val="0"/>
+                </a:spcAft>
+                <a:buClrTx/>
+                <a:buSzTx/>
+                <a:buFontTx/>
+                <a:buNone/>
+                <a:tabLst/>
+                <a:defRPr/>
+              </a:pPr>
+              <a:t>16</a:t>
+            </a:fld>
+            <a:endParaRPr kumimoji="0" lang="en-US" sz="1200" b="0" i="0" u="none" strike="noStrike" kern="1200" cap="none" spc="0" normalizeH="0" baseline="0" noProof="0">
+              <a:ln>
+                <a:noFill/>
+              </a:ln>
+              <a:solidFill>
+                <a:prstClr val="black"/>
+              </a:solidFill>
+              <a:effectLst/>
+              <a:uLnTx/>
+              <a:uFillTx/>
+              <a:latin typeface="Calibri" panose="020F0502020204030204"/>
+              <a:ea typeface="+mn-ea"/>
+              <a:cs typeface="+mn-cs"/>
+            </a:endParaRPr>
+          </a:p>
+        </p:txBody>
+      </p:sp>
+    </p:spTree>
+    <p:extLst>
+      <p:ext uri="{BB962C8B-B14F-4D97-AF65-F5344CB8AC3E}">
         <p14:creationId xmlns:p14="http://schemas.microsoft.com/office/powerpoint/2010/main" val="2271797707"/>
       </p:ext>
     </p:extLst>
@@ -2836,7 +2998,7 @@
           <a:p>
             <a:fld id="{B5D86D52-4857-4668-9EB7-B41E21252CF7}" type="datetimeFigureOut">
               <a:rPr lang="en-US" smtClean="0"/>
-              <a:t>9/4/2018</a:t>
+              <a:t>9/19/2018</a:t>
             </a:fld>
             <a:endParaRPr lang="en-US"/>
           </a:p>
@@ -3034,7 +3196,7 @@
           <a:p>
             <a:fld id="{B5D86D52-4857-4668-9EB7-B41E21252CF7}" type="datetimeFigureOut">
               <a:rPr lang="en-US" smtClean="0"/>
-              <a:t>9/4/2018</a:t>
+              <a:t>9/19/2018</a:t>
             </a:fld>
             <a:endParaRPr lang="en-US"/>
           </a:p>
@@ -3242,7 +3404,7 @@
           <a:p>
             <a:fld id="{B5D86D52-4857-4668-9EB7-B41E21252CF7}" type="datetimeFigureOut">
               <a:rPr lang="en-US" smtClean="0"/>
-              <a:t>9/4/2018</a:t>
+              <a:t>9/19/2018</a:t>
             </a:fld>
             <a:endParaRPr lang="en-US"/>
           </a:p>
@@ -3446,7 +3608,7 @@
           <a:p>
             <a:fld id="{EEC3160E-2579-4584-9765-DC1BA0B358F9}" type="datetimeFigureOut">
               <a:rPr lang="en-US" smtClean="0"/>
-              <a:t>9/4/2018</a:t>
+              <a:t>9/19/2018</a:t>
             </a:fld>
             <a:endParaRPr lang="en-US"/>
           </a:p>
@@ -3616,7 +3778,7 @@
           <a:p>
             <a:fld id="{EEC3160E-2579-4584-9765-DC1BA0B358F9}" type="datetimeFigureOut">
               <a:rPr lang="en-US" smtClean="0"/>
-              <a:t>9/4/2018</a:t>
+              <a:t>9/19/2018</a:t>
             </a:fld>
             <a:endParaRPr lang="en-US"/>
           </a:p>
@@ -3862,7 +4024,7 @@
           <a:p>
             <a:fld id="{EEC3160E-2579-4584-9765-DC1BA0B358F9}" type="datetimeFigureOut">
               <a:rPr lang="en-US" smtClean="0"/>
-              <a:t>9/4/2018</a:t>
+              <a:t>9/19/2018</a:t>
             </a:fld>
             <a:endParaRPr lang="en-US"/>
           </a:p>
@@ -4094,7 +4256,7 @@
           <a:p>
             <a:fld id="{EEC3160E-2579-4584-9765-DC1BA0B358F9}" type="datetimeFigureOut">
               <a:rPr lang="en-US" smtClean="0"/>
-              <a:t>9/4/2018</a:t>
+              <a:t>9/19/2018</a:t>
             </a:fld>
             <a:endParaRPr lang="en-US"/>
           </a:p>
@@ -4461,7 +4623,7 @@
           <a:p>
             <a:fld id="{EEC3160E-2579-4584-9765-DC1BA0B358F9}" type="datetimeFigureOut">
               <a:rPr lang="en-US" smtClean="0"/>
-              <a:t>9/4/2018</a:t>
+              <a:t>9/19/2018</a:t>
             </a:fld>
             <a:endParaRPr lang="en-US"/>
           </a:p>
@@ -4579,7 +4741,7 @@
           <a:p>
             <a:fld id="{EEC3160E-2579-4584-9765-DC1BA0B358F9}" type="datetimeFigureOut">
               <a:rPr lang="en-US" smtClean="0"/>
-              <a:t>9/4/2018</a:t>
+              <a:t>9/19/2018</a:t>
             </a:fld>
             <a:endParaRPr lang="en-US"/>
           </a:p>
@@ -4674,7 +4836,7 @@
           <a:p>
             <a:fld id="{EEC3160E-2579-4584-9765-DC1BA0B358F9}" type="datetimeFigureOut">
               <a:rPr lang="en-US" smtClean="0"/>
-              <a:t>9/4/2018</a:t>
+              <a:t>9/19/2018</a:t>
             </a:fld>
             <a:endParaRPr lang="en-US"/>
           </a:p>
@@ -4951,7 +5113,7 @@
           <a:p>
             <a:fld id="{EEC3160E-2579-4584-9765-DC1BA0B358F9}" type="datetimeFigureOut">
               <a:rPr lang="en-US" smtClean="0"/>
-              <a:t>9/4/2018</a:t>
+              <a:t>9/19/2018</a:t>
             </a:fld>
             <a:endParaRPr lang="en-US"/>
           </a:p>
@@ -5137,7 +5299,7 @@
           <a:p>
             <a:fld id="{B5D86D52-4857-4668-9EB7-B41E21252CF7}" type="datetimeFigureOut">
               <a:rPr lang="en-US" smtClean="0"/>
-              <a:t>9/4/2018</a:t>
+              <a:t>9/19/2018</a:t>
             </a:fld>
             <a:endParaRPr lang="en-US"/>
           </a:p>
@@ -5406,7 +5568,7 @@
           <a:p>
             <a:fld id="{EEC3160E-2579-4584-9765-DC1BA0B358F9}" type="datetimeFigureOut">
               <a:rPr lang="en-US" smtClean="0"/>
-              <a:t>9/4/2018</a:t>
+              <a:t>9/19/2018</a:t>
             </a:fld>
             <a:endParaRPr lang="en-US"/>
           </a:p>
@@ -5576,7 +5738,7 @@
           <a:p>
             <a:fld id="{EEC3160E-2579-4584-9765-DC1BA0B358F9}" type="datetimeFigureOut">
               <a:rPr lang="en-US" smtClean="0"/>
-              <a:t>9/4/2018</a:t>
+              <a:t>9/19/2018</a:t>
             </a:fld>
             <a:endParaRPr lang="en-US"/>
           </a:p>
@@ -5756,7 +5918,7 @@
           <a:p>
             <a:fld id="{EEC3160E-2579-4584-9765-DC1BA0B358F9}" type="datetimeFigureOut">
               <a:rPr lang="en-US" smtClean="0"/>
-              <a:t>9/4/2018</a:t>
+              <a:t>9/19/2018</a:t>
             </a:fld>
             <a:endParaRPr lang="en-US"/>
           </a:p>
@@ -6019,7 +6181,7 @@
           <a:p>
             <a:fld id="{B5D86D52-4857-4668-9EB7-B41E21252CF7}" type="datetimeFigureOut">
               <a:rPr lang="en-US" smtClean="0"/>
-              <a:t>9/4/2018</a:t>
+              <a:t>9/19/2018</a:t>
             </a:fld>
             <a:endParaRPr lang="en-US"/>
           </a:p>
@@ -6284,7 +6446,7 @@
           <a:p>
             <a:fld id="{B5D86D52-4857-4668-9EB7-B41E21252CF7}" type="datetimeFigureOut">
               <a:rPr lang="en-US" smtClean="0"/>
-              <a:t>9/4/2018</a:t>
+              <a:t>9/19/2018</a:t>
             </a:fld>
             <a:endParaRPr lang="en-US"/>
           </a:p>
@@ -6696,7 +6858,7 @@
           <a:p>
             <a:fld id="{B5D86D52-4857-4668-9EB7-B41E21252CF7}" type="datetimeFigureOut">
               <a:rPr lang="en-US" smtClean="0"/>
-              <a:t>9/4/2018</a:t>
+              <a:t>9/19/2018</a:t>
             </a:fld>
             <a:endParaRPr lang="en-US"/>
           </a:p>
@@ -6837,7 +6999,7 @@
           <a:p>
             <a:fld id="{B5D86D52-4857-4668-9EB7-B41E21252CF7}" type="datetimeFigureOut">
               <a:rPr lang="en-US" smtClean="0"/>
-              <a:t>9/4/2018</a:t>
+              <a:t>9/19/2018</a:t>
             </a:fld>
             <a:endParaRPr lang="en-US"/>
           </a:p>
@@ -6950,7 +7112,7 @@
           <a:p>
             <a:fld id="{B5D86D52-4857-4668-9EB7-B41E21252CF7}" type="datetimeFigureOut">
               <a:rPr lang="en-US" smtClean="0"/>
-              <a:t>9/4/2018</a:t>
+              <a:t>9/19/2018</a:t>
             </a:fld>
             <a:endParaRPr lang="en-US"/>
           </a:p>
@@ -7261,7 +7423,7 @@
           <a:p>
             <a:fld id="{B5D86D52-4857-4668-9EB7-B41E21252CF7}" type="datetimeFigureOut">
               <a:rPr lang="en-US" smtClean="0"/>
-              <a:t>9/4/2018</a:t>
+              <a:t>9/19/2018</a:t>
             </a:fld>
             <a:endParaRPr lang="en-US"/>
           </a:p>
@@ -7549,7 +7711,7 @@
           <a:p>
             <a:fld id="{B5D86D52-4857-4668-9EB7-B41E21252CF7}" type="datetimeFigureOut">
               <a:rPr lang="en-US" smtClean="0"/>
-              <a:t>9/4/2018</a:t>
+              <a:t>9/19/2018</a:t>
             </a:fld>
             <a:endParaRPr lang="en-US"/>
           </a:p>
@@ -7790,7 +7952,7 @@
           <a:p>
             <a:fld id="{B5D86D52-4857-4668-9EB7-B41E21252CF7}" type="datetimeFigureOut">
               <a:rPr lang="en-US" smtClean="0"/>
-              <a:t>9/4/2018</a:t>
+              <a:t>9/19/2018</a:t>
             </a:fld>
             <a:endParaRPr lang="en-US"/>
           </a:p>
@@ -8342,7 +8504,7 @@
           <a:p>
             <a:fld id="{EEC3160E-2579-4584-9765-DC1BA0B358F9}" type="datetimeFigureOut">
               <a:rPr lang="en-US" smtClean="0"/>
-              <a:t>9/4/2018</a:t>
+              <a:t>9/19/2018</a:t>
             </a:fld>
             <a:endParaRPr lang="en-US"/>
           </a:p>
@@ -11557,6 +11719,9 @@
           <a:bodyPr/>
           <a:lstStyle/>
           <a:p>
+            <a:pPr marL="0" indent="0">
+              <a:buNone/>
+            </a:pPr>
             <a:r>
               <a:rPr lang="en-US" dirty="0"/>
               <a:t>ASP.NET Core app:</a:t>
@@ -11575,20 +11740,10 @@
             <a:endParaRPr lang="en-US" dirty="0"/>
           </a:p>
           <a:p>
+            <a:pPr marL="0" indent="0">
+              <a:buNone/>
+            </a:pPr>
             <a:endParaRPr lang="en-US" dirty="0"/>
-          </a:p>
-          <a:p>
-            <a:r>
-              <a:rPr lang="en-US" dirty="0"/>
-              <a:t>Azure Pipelines build:</a:t>
-            </a:r>
-          </a:p>
-          <a:p>
-            <a:pPr lvl="1"/>
-            <a:r>
-              <a:rPr lang="en-US" dirty="0"/>
-              <a:t>Azure Key Vault task</a:t>
-            </a:r>
           </a:p>
         </p:txBody>
       </p:sp>
@@ -12322,6 +12477,370 @@
     <p:bg>
       <p:bgPr>
         <a:solidFill>
+          <a:srgbClr val="505050"/>
+        </a:solidFill>
+        <a:effectLst/>
+      </p:bgPr>
+    </p:bg>
+    <p:spTree>
+      <p:nvGrpSpPr>
+        <p:cNvPr id="1" name=""/>
+        <p:cNvGrpSpPr/>
+        <p:nvPr/>
+      </p:nvGrpSpPr>
+      <p:grpSpPr>
+        <a:xfrm>
+          <a:off x="0" y="0"/>
+          <a:ext cx="0" cy="0"/>
+          <a:chOff x="0" y="0"/>
+          <a:chExt cx="0" cy="0"/>
+        </a:xfrm>
+      </p:grpSpPr>
+      <p:sp>
+        <p:nvSpPr>
+          <p:cNvPr id="2" name="Title 1"/>
+          <p:cNvSpPr>
+            <a:spLocks noGrp="1"/>
+          </p:cNvSpPr>
+          <p:nvPr>
+            <p:ph type="title"/>
+          </p:nvPr>
+        </p:nvSpPr>
+        <p:spPr/>
+        <p:txBody>
+          <a:bodyPr/>
+          <a:lstStyle/>
+          <a:p>
+            <a:r>
+              <a:rPr lang="en-US" dirty="0"/>
+              <a:t>Key Vault: Retrieval (cont.)</a:t>
+            </a:r>
+          </a:p>
+        </p:txBody>
+      </p:sp>
+      <p:sp>
+        <p:nvSpPr>
+          <p:cNvPr id="3" name="Content Placeholder 2">
+            <a:extLst>
+              <a:ext uri="{FF2B5EF4-FFF2-40B4-BE49-F238E27FC236}">
+                <a16:creationId xmlns:a16="http://schemas.microsoft.com/office/drawing/2014/main" id="{309C1DDD-9C6F-4C98-B29C-D7570234B882}"/>
+              </a:ext>
+            </a:extLst>
+          </p:cNvPr>
+          <p:cNvSpPr>
+            <a:spLocks noGrp="1"/>
+          </p:cNvSpPr>
+          <p:nvPr>
+            <p:ph idx="1"/>
+          </p:nvPr>
+        </p:nvSpPr>
+        <p:spPr/>
+        <p:txBody>
+          <a:bodyPr/>
+          <a:lstStyle/>
+          <a:p>
+            <a:pPr marL="0" indent="0">
+              <a:buNone/>
+            </a:pPr>
+            <a:r>
+              <a:rPr lang="en-US" dirty="0"/>
+              <a:t>Azure Pipelines build:</a:t>
+            </a:r>
+          </a:p>
+          <a:p>
+            <a:pPr lvl="1"/>
+            <a:r>
+              <a:rPr lang="en-US" dirty="0"/>
+              <a:t>Azure Key Vault task</a:t>
+            </a:r>
+          </a:p>
+          <a:p>
+            <a:pPr marL="457200" lvl="1" indent="0">
+              <a:buNone/>
+            </a:pPr>
+            <a:endParaRPr lang="en-US" dirty="0"/>
+          </a:p>
+        </p:txBody>
+      </p:sp>
+      <p:pic>
+        <p:nvPicPr>
+          <p:cNvPr id="4" name="Picture 3">
+            <a:extLst>
+              <a:ext uri="{FF2B5EF4-FFF2-40B4-BE49-F238E27FC236}">
+                <a16:creationId xmlns:a16="http://schemas.microsoft.com/office/drawing/2014/main" id="{9761853C-59CC-49CF-A4E2-54A3B3A2EF92}"/>
+              </a:ext>
+            </a:extLst>
+          </p:cNvPr>
+          <p:cNvPicPr>
+            <a:picLocks noChangeAspect="1"/>
+          </p:cNvPicPr>
+          <p:nvPr/>
+        </p:nvPicPr>
+        <p:blipFill>
+          <a:blip r:embed="rId3"/>
+          <a:stretch>
+            <a:fillRect/>
+          </a:stretch>
+        </p:blipFill>
+        <p:spPr>
+          <a:xfrm>
+            <a:off x="6143625" y="1576388"/>
+            <a:ext cx="5210175" cy="4600575"/>
+          </a:xfrm>
+          <a:prstGeom prst="rect">
+            <a:avLst/>
+          </a:prstGeom>
+        </p:spPr>
+      </p:pic>
+      <p:pic>
+        <p:nvPicPr>
+          <p:cNvPr id="5" name="Picture 4">
+            <a:extLst>
+              <a:ext uri="{FF2B5EF4-FFF2-40B4-BE49-F238E27FC236}">
+                <a16:creationId xmlns:a16="http://schemas.microsoft.com/office/drawing/2014/main" id="{AEE02EFB-0CE1-466A-BCC7-C684081FF5E8}"/>
+              </a:ext>
+              <a:ext uri="{C183D7F6-B498-43B3-948B-1728B52AA6E4}">
+                <adec:decorative xmlns:adec="http://schemas.microsoft.com/office/drawing/2017/decorative" val="1"/>
+              </a:ext>
+            </a:extLst>
+          </p:cNvPr>
+          <p:cNvPicPr>
+            <a:picLocks noChangeAspect="1"/>
+          </p:cNvPicPr>
+          <p:nvPr/>
+        </p:nvPicPr>
+        <p:blipFill>
+          <a:blip r:embed="rId4"/>
+          <a:stretch>
+            <a:fillRect/>
+          </a:stretch>
+        </p:blipFill>
+        <p:spPr>
+          <a:xfrm>
+            <a:off x="4363361" y="1801851"/>
+            <a:ext cx="722780" cy="720000"/>
+          </a:xfrm>
+          <a:prstGeom prst="rect">
+            <a:avLst/>
+          </a:prstGeom>
+        </p:spPr>
+      </p:pic>
+      <p:pic>
+        <p:nvPicPr>
+          <p:cNvPr id="7" name="Picture 6">
+            <a:extLst>
+              <a:ext uri="{FF2B5EF4-FFF2-40B4-BE49-F238E27FC236}">
+                <a16:creationId xmlns:a16="http://schemas.microsoft.com/office/drawing/2014/main" id="{453379C1-F107-4D23-BA80-6D6A87828491}"/>
+              </a:ext>
+            </a:extLst>
+          </p:cNvPr>
+          <p:cNvPicPr>
+            <a:picLocks noChangeAspect="1"/>
+          </p:cNvPicPr>
+          <p:nvPr/>
+        </p:nvPicPr>
+        <p:blipFill>
+          <a:blip r:embed="rId5"/>
+          <a:stretch>
+            <a:fillRect/>
+          </a:stretch>
+        </p:blipFill>
+        <p:spPr>
+          <a:xfrm>
+            <a:off x="967459" y="2987320"/>
+            <a:ext cx="3286125" cy="2733675"/>
+          </a:xfrm>
+          <a:prstGeom prst="rect">
+            <a:avLst/>
+          </a:prstGeom>
+        </p:spPr>
+      </p:pic>
+      <p:sp>
+        <p:nvSpPr>
+          <p:cNvPr id="8" name="Arrow: Down 7">
+            <a:extLst>
+              <a:ext uri="{FF2B5EF4-FFF2-40B4-BE49-F238E27FC236}">
+                <a16:creationId xmlns:a16="http://schemas.microsoft.com/office/drawing/2014/main" id="{F7807FDB-B944-4A3B-9C81-715F4B8CCB09}"/>
+              </a:ext>
+            </a:extLst>
+          </p:cNvPr>
+          <p:cNvSpPr/>
+          <p:nvPr/>
+        </p:nvSpPr>
+        <p:spPr>
+          <a:xfrm rot="14773509">
+            <a:off x="4985029" y="3828606"/>
+            <a:ext cx="424254" cy="2142415"/>
+          </a:xfrm>
+          <a:prstGeom prst="downArrow">
+            <a:avLst/>
+          </a:prstGeom>
+        </p:spPr>
+        <p:style>
+          <a:lnRef idx="2">
+            <a:schemeClr val="accent1">
+              <a:shade val="50000"/>
+            </a:schemeClr>
+          </a:lnRef>
+          <a:fillRef idx="1">
+            <a:schemeClr val="accent1"/>
+          </a:fillRef>
+          <a:effectRef idx="0">
+            <a:schemeClr val="accent1"/>
+          </a:effectRef>
+          <a:fontRef idx="minor">
+            <a:schemeClr val="lt1"/>
+          </a:fontRef>
+        </p:style>
+        <p:txBody>
+          <a:bodyPr rtlCol="0" anchor="ctr"/>
+          <a:lstStyle/>
+          <a:p>
+            <a:pPr algn="ctr"/>
+            <a:endParaRPr lang="en-US" dirty="0"/>
+          </a:p>
+        </p:txBody>
+      </p:sp>
+    </p:spTree>
+    <p:extLst>
+      <p:ext uri="{BB962C8B-B14F-4D97-AF65-F5344CB8AC3E}">
+        <p14:creationId xmlns:p14="http://schemas.microsoft.com/office/powerpoint/2010/main" val="1130521262"/>
+      </p:ext>
+    </p:extLst>
+  </p:cSld>
+  <p:clrMapOvr>
+    <a:masterClrMapping/>
+  </p:clrMapOvr>
+  <p:timing>
+    <p:tnLst>
+      <p:par>
+        <p:cTn id="1" dur="indefinite" restart="never" nodeType="tmRoot">
+          <p:childTnLst>
+            <p:seq concurrent="1" nextAc="seek">
+              <p:cTn id="2" dur="indefinite" nodeType="mainSeq">
+                <p:childTnLst>
+                  <p:par>
+                    <p:cTn id="3" fill="hold">
+                      <p:stCondLst>
+                        <p:cond delay="indefinite"/>
+                      </p:stCondLst>
+                      <p:childTnLst>
+                        <p:par>
+                          <p:cTn id="4" fill="hold">
+                            <p:stCondLst>
+                              <p:cond delay="0"/>
+                            </p:stCondLst>
+                            <p:childTnLst>
+                              <p:par>
+                                <p:cTn id="5" presetID="10" presetClass="entr" presetSubtype="0" fill="hold" grpId="0" nodeType="clickEffect">
+                                  <p:stCondLst>
+                                    <p:cond delay="0"/>
+                                  </p:stCondLst>
+                                  <p:childTnLst>
+                                    <p:set>
+                                      <p:cBhvr>
+                                        <p:cTn id="6" dur="1" fill="hold">
+                                          <p:stCondLst>
+                                            <p:cond delay="0"/>
+                                          </p:stCondLst>
+                                        </p:cTn>
+                                        <p:tgtEl>
+                                          <p:spTgt spid="8"/>
+                                        </p:tgtEl>
+                                        <p:attrNameLst>
+                                          <p:attrName>style.visibility</p:attrName>
+                                        </p:attrNameLst>
+                                      </p:cBhvr>
+                                      <p:to>
+                                        <p:strVal val="visible"/>
+                                      </p:to>
+                                    </p:set>
+                                    <p:animEffect transition="in" filter="fade">
+                                      <p:cBhvr>
+                                        <p:cTn id="7" dur="500"/>
+                                        <p:tgtEl>
+                                          <p:spTgt spid="8"/>
+                                        </p:tgtEl>
+                                      </p:cBhvr>
+                                    </p:animEffect>
+                                  </p:childTnLst>
+                                </p:cTn>
+                              </p:par>
+                              <p:par>
+                                <p:cTn id="8" presetID="10" presetClass="entr" presetSubtype="0" fill="hold" nodeType="withEffect">
+                                  <p:stCondLst>
+                                    <p:cond delay="0"/>
+                                  </p:stCondLst>
+                                  <p:childTnLst>
+                                    <p:set>
+                                      <p:cBhvr>
+                                        <p:cTn id="9" dur="1" fill="hold">
+                                          <p:stCondLst>
+                                            <p:cond delay="0"/>
+                                          </p:stCondLst>
+                                        </p:cTn>
+                                        <p:tgtEl>
+                                          <p:spTgt spid="4"/>
+                                        </p:tgtEl>
+                                        <p:attrNameLst>
+                                          <p:attrName>style.visibility</p:attrName>
+                                        </p:attrNameLst>
+                                      </p:cBhvr>
+                                      <p:to>
+                                        <p:strVal val="visible"/>
+                                      </p:to>
+                                    </p:set>
+                                    <p:animEffect transition="in" filter="fade">
+                                      <p:cBhvr>
+                                        <p:cTn id="10" dur="500"/>
+                                        <p:tgtEl>
+                                          <p:spTgt spid="4"/>
+                                        </p:tgtEl>
+                                      </p:cBhvr>
+                                    </p:animEffect>
+                                  </p:childTnLst>
+                                </p:cTn>
+                              </p:par>
+                            </p:childTnLst>
+                          </p:cTn>
+                        </p:par>
+                      </p:childTnLst>
+                    </p:cTn>
+                  </p:par>
+                </p:childTnLst>
+              </p:cTn>
+              <p:prevCondLst>
+                <p:cond evt="onPrev" delay="0">
+                  <p:tgtEl>
+                    <p:sldTgt/>
+                  </p:tgtEl>
+                </p:cond>
+              </p:prevCondLst>
+              <p:nextCondLst>
+                <p:cond evt="onNext" delay="0">
+                  <p:tgtEl>
+                    <p:sldTgt/>
+                  </p:tgtEl>
+                </p:cond>
+              </p:nextCondLst>
+            </p:seq>
+          </p:childTnLst>
+        </p:cTn>
+      </p:par>
+    </p:tnLst>
+    <p:bldLst>
+      <p:bldP spid="8" grpId="0" animBg="1"/>
+    </p:bldLst>
+  </p:timing>
+</p:sld>
+</file>
+
+<file path=ppt/slides/slide14.xml><?xml version="1.0" encoding="utf-8"?>
+<p:sld xmlns:a="http://schemas.openxmlformats.org/drawingml/2006/main" xmlns:r="http://schemas.openxmlformats.org/officeDocument/2006/relationships" xmlns:p="http://schemas.openxmlformats.org/presentationml/2006/main">
+  <p:cSld>
+    <p:bg>
+      <p:bgPr>
+        <a:solidFill>
           <a:schemeClr val="bg1"/>
         </a:solidFill>
         <a:effectLst/>
@@ -12839,7 +13358,7 @@
 </p:sld>
 </file>
 
-<file path=ppt/slides/slide14.xml><?xml version="1.0" encoding="utf-8"?>
+<file path=ppt/slides/slide15.xml><?xml version="1.0" encoding="utf-8"?>
 <p:sld xmlns:a="http://schemas.openxmlformats.org/drawingml/2006/main" xmlns:r="http://schemas.openxmlformats.org/officeDocument/2006/relationships" xmlns:p="http://schemas.openxmlformats.org/presentationml/2006/main">
   <p:cSld>
     <p:bg>
@@ -12985,7 +13504,7 @@
 </p:sld>
 </file>
 
-<file path=ppt/slides/slide15.xml><?xml version="1.0" encoding="utf-8"?>
+<file path=ppt/slides/slide16.xml><?xml version="1.0" encoding="utf-8"?>
 <p:sld xmlns:a="http://schemas.openxmlformats.org/drawingml/2006/main" xmlns:r="http://schemas.openxmlformats.org/officeDocument/2006/relationships" xmlns:p="http://schemas.openxmlformats.org/presentationml/2006/main">
   <p:cSld>
     <p:bg>

--- a/Protecting App Secrets.pptx
+++ b/Protecting App Secrets.pptx
@@ -224,7 +224,7 @@
           <a:p>
             <a:fld id="{03886B9A-ACA2-4D2C-AAF6-D8003DE96699}" type="datetimeFigureOut">
               <a:rPr lang="en-US" smtClean="0"/>
-              <a:t>9/19/2018</a:t>
+              <a:t>10/1/2018</a:t>
             </a:fld>
             <a:endParaRPr lang="en-US"/>
           </a:p>
@@ -2998,7 +2998,7 @@
           <a:p>
             <a:fld id="{B5D86D52-4857-4668-9EB7-B41E21252CF7}" type="datetimeFigureOut">
               <a:rPr lang="en-US" smtClean="0"/>
-              <a:t>9/19/2018</a:t>
+              <a:t>10/1/2018</a:t>
             </a:fld>
             <a:endParaRPr lang="en-US"/>
           </a:p>
@@ -3196,7 +3196,7 @@
           <a:p>
             <a:fld id="{B5D86D52-4857-4668-9EB7-B41E21252CF7}" type="datetimeFigureOut">
               <a:rPr lang="en-US" smtClean="0"/>
-              <a:t>9/19/2018</a:t>
+              <a:t>10/1/2018</a:t>
             </a:fld>
             <a:endParaRPr lang="en-US"/>
           </a:p>
@@ -3404,7 +3404,7 @@
           <a:p>
             <a:fld id="{B5D86D52-4857-4668-9EB7-B41E21252CF7}" type="datetimeFigureOut">
               <a:rPr lang="en-US" smtClean="0"/>
-              <a:t>9/19/2018</a:t>
+              <a:t>10/1/2018</a:t>
             </a:fld>
             <a:endParaRPr lang="en-US"/>
           </a:p>
@@ -3608,7 +3608,7 @@
           <a:p>
             <a:fld id="{EEC3160E-2579-4584-9765-DC1BA0B358F9}" type="datetimeFigureOut">
               <a:rPr lang="en-US" smtClean="0"/>
-              <a:t>9/19/2018</a:t>
+              <a:t>10/1/2018</a:t>
             </a:fld>
             <a:endParaRPr lang="en-US"/>
           </a:p>
@@ -3778,7 +3778,7 @@
           <a:p>
             <a:fld id="{EEC3160E-2579-4584-9765-DC1BA0B358F9}" type="datetimeFigureOut">
               <a:rPr lang="en-US" smtClean="0"/>
-              <a:t>9/19/2018</a:t>
+              <a:t>10/1/2018</a:t>
             </a:fld>
             <a:endParaRPr lang="en-US"/>
           </a:p>
@@ -4024,7 +4024,7 @@
           <a:p>
             <a:fld id="{EEC3160E-2579-4584-9765-DC1BA0B358F9}" type="datetimeFigureOut">
               <a:rPr lang="en-US" smtClean="0"/>
-              <a:t>9/19/2018</a:t>
+              <a:t>10/1/2018</a:t>
             </a:fld>
             <a:endParaRPr lang="en-US"/>
           </a:p>
@@ -4256,7 +4256,7 @@
           <a:p>
             <a:fld id="{EEC3160E-2579-4584-9765-DC1BA0B358F9}" type="datetimeFigureOut">
               <a:rPr lang="en-US" smtClean="0"/>
-              <a:t>9/19/2018</a:t>
+              <a:t>10/1/2018</a:t>
             </a:fld>
             <a:endParaRPr lang="en-US"/>
           </a:p>
@@ -4623,7 +4623,7 @@
           <a:p>
             <a:fld id="{EEC3160E-2579-4584-9765-DC1BA0B358F9}" type="datetimeFigureOut">
               <a:rPr lang="en-US" smtClean="0"/>
-              <a:t>9/19/2018</a:t>
+              <a:t>10/1/2018</a:t>
             </a:fld>
             <a:endParaRPr lang="en-US"/>
           </a:p>
@@ -4741,7 +4741,7 @@
           <a:p>
             <a:fld id="{EEC3160E-2579-4584-9765-DC1BA0B358F9}" type="datetimeFigureOut">
               <a:rPr lang="en-US" smtClean="0"/>
-              <a:t>9/19/2018</a:t>
+              <a:t>10/1/2018</a:t>
             </a:fld>
             <a:endParaRPr lang="en-US"/>
           </a:p>
@@ -4836,7 +4836,7 @@
           <a:p>
             <a:fld id="{EEC3160E-2579-4584-9765-DC1BA0B358F9}" type="datetimeFigureOut">
               <a:rPr lang="en-US" smtClean="0"/>
-              <a:t>9/19/2018</a:t>
+              <a:t>10/1/2018</a:t>
             </a:fld>
             <a:endParaRPr lang="en-US"/>
           </a:p>
@@ -5113,7 +5113,7 @@
           <a:p>
             <a:fld id="{EEC3160E-2579-4584-9765-DC1BA0B358F9}" type="datetimeFigureOut">
               <a:rPr lang="en-US" smtClean="0"/>
-              <a:t>9/19/2018</a:t>
+              <a:t>10/1/2018</a:t>
             </a:fld>
             <a:endParaRPr lang="en-US"/>
           </a:p>
@@ -5299,7 +5299,7 @@
           <a:p>
             <a:fld id="{B5D86D52-4857-4668-9EB7-B41E21252CF7}" type="datetimeFigureOut">
               <a:rPr lang="en-US" smtClean="0"/>
-              <a:t>9/19/2018</a:t>
+              <a:t>10/1/2018</a:t>
             </a:fld>
             <a:endParaRPr lang="en-US"/>
           </a:p>
@@ -5568,7 +5568,7 @@
           <a:p>
             <a:fld id="{EEC3160E-2579-4584-9765-DC1BA0B358F9}" type="datetimeFigureOut">
               <a:rPr lang="en-US" smtClean="0"/>
-              <a:t>9/19/2018</a:t>
+              <a:t>10/1/2018</a:t>
             </a:fld>
             <a:endParaRPr lang="en-US"/>
           </a:p>
@@ -5738,7 +5738,7 @@
           <a:p>
             <a:fld id="{EEC3160E-2579-4584-9765-DC1BA0B358F9}" type="datetimeFigureOut">
               <a:rPr lang="en-US" smtClean="0"/>
-              <a:t>9/19/2018</a:t>
+              <a:t>10/1/2018</a:t>
             </a:fld>
             <a:endParaRPr lang="en-US"/>
           </a:p>
@@ -5918,7 +5918,7 @@
           <a:p>
             <a:fld id="{EEC3160E-2579-4584-9765-DC1BA0B358F9}" type="datetimeFigureOut">
               <a:rPr lang="en-US" smtClean="0"/>
-              <a:t>9/19/2018</a:t>
+              <a:t>10/1/2018</a:t>
             </a:fld>
             <a:endParaRPr lang="en-US"/>
           </a:p>
@@ -6181,7 +6181,7 @@
           <a:p>
             <a:fld id="{B5D86D52-4857-4668-9EB7-B41E21252CF7}" type="datetimeFigureOut">
               <a:rPr lang="en-US" smtClean="0"/>
-              <a:t>9/19/2018</a:t>
+              <a:t>10/1/2018</a:t>
             </a:fld>
             <a:endParaRPr lang="en-US"/>
           </a:p>
@@ -6446,7 +6446,7 @@
           <a:p>
             <a:fld id="{B5D86D52-4857-4668-9EB7-B41E21252CF7}" type="datetimeFigureOut">
               <a:rPr lang="en-US" smtClean="0"/>
-              <a:t>9/19/2018</a:t>
+              <a:t>10/1/2018</a:t>
             </a:fld>
             <a:endParaRPr lang="en-US"/>
           </a:p>
@@ -6858,7 +6858,7 @@
           <a:p>
             <a:fld id="{B5D86D52-4857-4668-9EB7-B41E21252CF7}" type="datetimeFigureOut">
               <a:rPr lang="en-US" smtClean="0"/>
-              <a:t>9/19/2018</a:t>
+              <a:t>10/1/2018</a:t>
             </a:fld>
             <a:endParaRPr lang="en-US"/>
           </a:p>
@@ -6999,7 +6999,7 @@
           <a:p>
             <a:fld id="{B5D86D52-4857-4668-9EB7-B41E21252CF7}" type="datetimeFigureOut">
               <a:rPr lang="en-US" smtClean="0"/>
-              <a:t>9/19/2018</a:t>
+              <a:t>10/1/2018</a:t>
             </a:fld>
             <a:endParaRPr lang="en-US"/>
           </a:p>
@@ -7112,7 +7112,7 @@
           <a:p>
             <a:fld id="{B5D86D52-4857-4668-9EB7-B41E21252CF7}" type="datetimeFigureOut">
               <a:rPr lang="en-US" smtClean="0"/>
-              <a:t>9/19/2018</a:t>
+              <a:t>10/1/2018</a:t>
             </a:fld>
             <a:endParaRPr lang="en-US"/>
           </a:p>
@@ -7423,7 +7423,7 @@
           <a:p>
             <a:fld id="{B5D86D52-4857-4668-9EB7-B41E21252CF7}" type="datetimeFigureOut">
               <a:rPr lang="en-US" smtClean="0"/>
-              <a:t>9/19/2018</a:t>
+              <a:t>10/1/2018</a:t>
             </a:fld>
             <a:endParaRPr lang="en-US"/>
           </a:p>
@@ -7711,7 +7711,7 @@
           <a:p>
             <a:fld id="{B5D86D52-4857-4668-9EB7-B41E21252CF7}" type="datetimeFigureOut">
               <a:rPr lang="en-US" smtClean="0"/>
-              <a:t>9/19/2018</a:t>
+              <a:t>10/1/2018</a:t>
             </a:fld>
             <a:endParaRPr lang="en-US"/>
           </a:p>
@@ -7952,7 +7952,7 @@
           <a:p>
             <a:fld id="{B5D86D52-4857-4668-9EB7-B41E21252CF7}" type="datetimeFigureOut">
               <a:rPr lang="en-US" smtClean="0"/>
-              <a:t>9/19/2018</a:t>
+              <a:t>10/1/2018</a:t>
             </a:fld>
             <a:endParaRPr lang="en-US"/>
           </a:p>
@@ -8504,7 +8504,7 @@
           <a:p>
             <a:fld id="{EEC3160E-2579-4584-9765-DC1BA0B358F9}" type="datetimeFigureOut">
               <a:rPr lang="en-US" smtClean="0"/>
-              <a:t>9/19/2018</a:t>
+              <a:t>10/1/2018</a:t>
             </a:fld>
             <a:endParaRPr lang="en-US"/>
           </a:p>

--- a/Protecting App Secrets.pptx
+++ b/Protecting App Secrets.pptx
@@ -224,7 +224,7 @@
           <a:p>
             <a:fld id="{03886B9A-ACA2-4D2C-AAF6-D8003DE96699}" type="datetimeFigureOut">
               <a:rPr lang="en-US" smtClean="0"/>
-              <a:t>10/1/2018</a:t>
+              <a:t>10/6/2018</a:t>
             </a:fld>
             <a:endParaRPr lang="en-US"/>
           </a:p>
@@ -935,24 +935,11 @@
           <a:bodyPr/>
           <a:lstStyle/>
           <a:p>
-            <a:pPr marL="171450" indent="-171450">
+            <a:pPr marL="0" indent="0">
               <a:buFontTx/>
-              <a:buChar char="-"/>
+              <a:buNone/>
             </a:pPr>
-            <a:r>
-              <a:rPr lang="en-US" dirty="0"/>
-              <a:t>Download secrets from key vault with build task</a:t>
-            </a:r>
-          </a:p>
-          <a:p>
-            <a:pPr marL="628650" lvl="1" indent="-171450">
-              <a:buFontTx/>
-              <a:buChar char="-"/>
-            </a:pPr>
-            <a:r>
-              <a:rPr lang="en-US" dirty="0"/>
-              <a:t>Can use secrets as task variables in other build tasks</a:t>
-            </a:r>
+            <a:endParaRPr lang="en-US" dirty="0"/>
           </a:p>
         </p:txBody>
       </p:sp>
@@ -2998,7 +2985,7 @@
           <a:p>
             <a:fld id="{B5D86D52-4857-4668-9EB7-B41E21252CF7}" type="datetimeFigureOut">
               <a:rPr lang="en-US" smtClean="0"/>
-              <a:t>10/1/2018</a:t>
+              <a:t>10/6/2018</a:t>
             </a:fld>
             <a:endParaRPr lang="en-US"/>
           </a:p>
@@ -3196,7 +3183,7 @@
           <a:p>
             <a:fld id="{B5D86D52-4857-4668-9EB7-B41E21252CF7}" type="datetimeFigureOut">
               <a:rPr lang="en-US" smtClean="0"/>
-              <a:t>10/1/2018</a:t>
+              <a:t>10/6/2018</a:t>
             </a:fld>
             <a:endParaRPr lang="en-US"/>
           </a:p>
@@ -3404,7 +3391,7 @@
           <a:p>
             <a:fld id="{B5D86D52-4857-4668-9EB7-B41E21252CF7}" type="datetimeFigureOut">
               <a:rPr lang="en-US" smtClean="0"/>
-              <a:t>10/1/2018</a:t>
+              <a:t>10/6/2018</a:t>
             </a:fld>
             <a:endParaRPr lang="en-US"/>
           </a:p>
@@ -3608,7 +3595,7 @@
           <a:p>
             <a:fld id="{EEC3160E-2579-4584-9765-DC1BA0B358F9}" type="datetimeFigureOut">
               <a:rPr lang="en-US" smtClean="0"/>
-              <a:t>10/1/2018</a:t>
+              <a:t>10/6/2018</a:t>
             </a:fld>
             <a:endParaRPr lang="en-US"/>
           </a:p>
@@ -3778,7 +3765,7 @@
           <a:p>
             <a:fld id="{EEC3160E-2579-4584-9765-DC1BA0B358F9}" type="datetimeFigureOut">
               <a:rPr lang="en-US" smtClean="0"/>
-              <a:t>10/1/2018</a:t>
+              <a:t>10/6/2018</a:t>
             </a:fld>
             <a:endParaRPr lang="en-US"/>
           </a:p>
@@ -4024,7 +4011,7 @@
           <a:p>
             <a:fld id="{EEC3160E-2579-4584-9765-DC1BA0B358F9}" type="datetimeFigureOut">
               <a:rPr lang="en-US" smtClean="0"/>
-              <a:t>10/1/2018</a:t>
+              <a:t>10/6/2018</a:t>
             </a:fld>
             <a:endParaRPr lang="en-US"/>
           </a:p>
@@ -4256,7 +4243,7 @@
           <a:p>
             <a:fld id="{EEC3160E-2579-4584-9765-DC1BA0B358F9}" type="datetimeFigureOut">
               <a:rPr lang="en-US" smtClean="0"/>
-              <a:t>10/1/2018</a:t>
+              <a:t>10/6/2018</a:t>
             </a:fld>
             <a:endParaRPr lang="en-US"/>
           </a:p>
@@ -4623,7 +4610,7 @@
           <a:p>
             <a:fld id="{EEC3160E-2579-4584-9765-DC1BA0B358F9}" type="datetimeFigureOut">
               <a:rPr lang="en-US" smtClean="0"/>
-              <a:t>10/1/2018</a:t>
+              <a:t>10/6/2018</a:t>
             </a:fld>
             <a:endParaRPr lang="en-US"/>
           </a:p>
@@ -4741,7 +4728,7 @@
           <a:p>
             <a:fld id="{EEC3160E-2579-4584-9765-DC1BA0B358F9}" type="datetimeFigureOut">
               <a:rPr lang="en-US" smtClean="0"/>
-              <a:t>10/1/2018</a:t>
+              <a:t>10/6/2018</a:t>
             </a:fld>
             <a:endParaRPr lang="en-US"/>
           </a:p>
@@ -4836,7 +4823,7 @@
           <a:p>
             <a:fld id="{EEC3160E-2579-4584-9765-DC1BA0B358F9}" type="datetimeFigureOut">
               <a:rPr lang="en-US" smtClean="0"/>
-              <a:t>10/1/2018</a:t>
+              <a:t>10/6/2018</a:t>
             </a:fld>
             <a:endParaRPr lang="en-US"/>
           </a:p>
@@ -5113,7 +5100,7 @@
           <a:p>
             <a:fld id="{EEC3160E-2579-4584-9765-DC1BA0B358F9}" type="datetimeFigureOut">
               <a:rPr lang="en-US" smtClean="0"/>
-              <a:t>10/1/2018</a:t>
+              <a:t>10/6/2018</a:t>
             </a:fld>
             <a:endParaRPr lang="en-US"/>
           </a:p>
@@ -5299,7 +5286,7 @@
           <a:p>
             <a:fld id="{B5D86D52-4857-4668-9EB7-B41E21252CF7}" type="datetimeFigureOut">
               <a:rPr lang="en-US" smtClean="0"/>
-              <a:t>10/1/2018</a:t>
+              <a:t>10/6/2018</a:t>
             </a:fld>
             <a:endParaRPr lang="en-US"/>
           </a:p>
@@ -5568,7 +5555,7 @@
           <a:p>
             <a:fld id="{EEC3160E-2579-4584-9765-DC1BA0B358F9}" type="datetimeFigureOut">
               <a:rPr lang="en-US" smtClean="0"/>
-              <a:t>10/1/2018</a:t>
+              <a:t>10/6/2018</a:t>
             </a:fld>
             <a:endParaRPr lang="en-US"/>
           </a:p>
@@ -5738,7 +5725,7 @@
           <a:p>
             <a:fld id="{EEC3160E-2579-4584-9765-DC1BA0B358F9}" type="datetimeFigureOut">
               <a:rPr lang="en-US" smtClean="0"/>
-              <a:t>10/1/2018</a:t>
+              <a:t>10/6/2018</a:t>
             </a:fld>
             <a:endParaRPr lang="en-US"/>
           </a:p>
@@ -5918,7 +5905,7 @@
           <a:p>
             <a:fld id="{EEC3160E-2579-4584-9765-DC1BA0B358F9}" type="datetimeFigureOut">
               <a:rPr lang="en-US" smtClean="0"/>
-              <a:t>10/1/2018</a:t>
+              <a:t>10/6/2018</a:t>
             </a:fld>
             <a:endParaRPr lang="en-US"/>
           </a:p>
@@ -6181,7 +6168,7 @@
           <a:p>
             <a:fld id="{B5D86D52-4857-4668-9EB7-B41E21252CF7}" type="datetimeFigureOut">
               <a:rPr lang="en-US" smtClean="0"/>
-              <a:t>10/1/2018</a:t>
+              <a:t>10/6/2018</a:t>
             </a:fld>
             <a:endParaRPr lang="en-US"/>
           </a:p>
@@ -6446,7 +6433,7 @@
           <a:p>
             <a:fld id="{B5D86D52-4857-4668-9EB7-B41E21252CF7}" type="datetimeFigureOut">
               <a:rPr lang="en-US" smtClean="0"/>
-              <a:t>10/1/2018</a:t>
+              <a:t>10/6/2018</a:t>
             </a:fld>
             <a:endParaRPr lang="en-US"/>
           </a:p>
@@ -6858,7 +6845,7 @@
           <a:p>
             <a:fld id="{B5D86D52-4857-4668-9EB7-B41E21252CF7}" type="datetimeFigureOut">
               <a:rPr lang="en-US" smtClean="0"/>
-              <a:t>10/1/2018</a:t>
+              <a:t>10/6/2018</a:t>
             </a:fld>
             <a:endParaRPr lang="en-US"/>
           </a:p>
@@ -6999,7 +6986,7 @@
           <a:p>
             <a:fld id="{B5D86D52-4857-4668-9EB7-B41E21252CF7}" type="datetimeFigureOut">
               <a:rPr lang="en-US" smtClean="0"/>
-              <a:t>10/1/2018</a:t>
+              <a:t>10/6/2018</a:t>
             </a:fld>
             <a:endParaRPr lang="en-US"/>
           </a:p>
@@ -7112,7 +7099,7 @@
           <a:p>
             <a:fld id="{B5D86D52-4857-4668-9EB7-B41E21252CF7}" type="datetimeFigureOut">
               <a:rPr lang="en-US" smtClean="0"/>
-              <a:t>10/1/2018</a:t>
+              <a:t>10/6/2018</a:t>
             </a:fld>
             <a:endParaRPr lang="en-US"/>
           </a:p>
@@ -7423,7 +7410,7 @@
           <a:p>
             <a:fld id="{B5D86D52-4857-4668-9EB7-B41E21252CF7}" type="datetimeFigureOut">
               <a:rPr lang="en-US" smtClean="0"/>
-              <a:t>10/1/2018</a:t>
+              <a:t>10/6/2018</a:t>
             </a:fld>
             <a:endParaRPr lang="en-US"/>
           </a:p>
@@ -7711,7 +7698,7 @@
           <a:p>
             <a:fld id="{B5D86D52-4857-4668-9EB7-B41E21252CF7}" type="datetimeFigureOut">
               <a:rPr lang="en-US" smtClean="0"/>
-              <a:t>10/1/2018</a:t>
+              <a:t>10/6/2018</a:t>
             </a:fld>
             <a:endParaRPr lang="en-US"/>
           </a:p>
@@ -7952,7 +7939,7 @@
           <a:p>
             <a:fld id="{B5D86D52-4857-4668-9EB7-B41E21252CF7}" type="datetimeFigureOut">
               <a:rPr lang="en-US" smtClean="0"/>
-              <a:t>10/1/2018</a:t>
+              <a:t>10/6/2018</a:t>
             </a:fld>
             <a:endParaRPr lang="en-US"/>
           </a:p>
@@ -8504,7 +8491,7 @@
           <a:p>
             <a:fld id="{EEC3160E-2579-4584-9765-DC1BA0B358F9}" type="datetimeFigureOut">
               <a:rPr lang="en-US" smtClean="0"/>
-              <a:t>10/1/2018</a:t>
+              <a:t>10/6/2018</a:t>
             </a:fld>
             <a:endParaRPr lang="en-US"/>
           </a:p>

--- a/Protecting App Secrets.pptx
+++ b/Protecting App Secrets.pptx
@@ -6,12 +6,12 @@
     <p:sldMasterId id="2147483660" r:id="rId2"/>
   </p:sldMasterIdLst>
   <p:notesMasterIdLst>
-    <p:notesMasterId r:id="rId19"/>
+    <p:notesMasterId r:id="rId21"/>
   </p:notesMasterIdLst>
   <p:sldIdLst>
     <p:sldId id="256" r:id="rId3"/>
     <p:sldId id="322" r:id="rId4"/>
-    <p:sldId id="329" r:id="rId5"/>
+    <p:sldId id="342" r:id="rId5"/>
     <p:sldId id="328" r:id="rId6"/>
     <p:sldId id="330" r:id="rId7"/>
     <p:sldId id="323" r:id="rId8"/>
@@ -20,11 +20,13 @@
     <p:sldId id="333" r:id="rId11"/>
     <p:sldId id="338" r:id="rId12"/>
     <p:sldId id="335" r:id="rId13"/>
-    <p:sldId id="336" r:id="rId14"/>
-    <p:sldId id="339" r:id="rId15"/>
-    <p:sldId id="331" r:id="rId16"/>
-    <p:sldId id="334" r:id="rId17"/>
-    <p:sldId id="326" r:id="rId18"/>
+    <p:sldId id="340" r:id="rId14"/>
+    <p:sldId id="341" r:id="rId15"/>
+    <p:sldId id="336" r:id="rId16"/>
+    <p:sldId id="339" r:id="rId17"/>
+    <p:sldId id="331" r:id="rId18"/>
+    <p:sldId id="334" r:id="rId19"/>
+    <p:sldId id="326" r:id="rId20"/>
   </p:sldIdLst>
   <p:sldSz cx="12192000" cy="6858000"/>
   <p:notesSz cx="6858000" cy="9144000"/>
@@ -224,7 +226,7 @@
           <a:p>
             <a:fld id="{03886B9A-ACA2-4D2C-AAF6-D8003DE96699}" type="datetimeFigureOut">
               <a:rPr lang="en-US" smtClean="0"/>
-              <a:t>10/6/2018</a:t>
+              <a:t>10/7/2018</a:t>
             </a:fld>
             <a:endParaRPr lang="en-US"/>
           </a:p>
@@ -935,11 +937,7 @@
           <a:bodyPr/>
           <a:lstStyle/>
           <a:p>
-            <a:pPr marL="0" indent="0">
-              <a:buFontTx/>
-              <a:buNone/>
-            </a:pPr>
-            <a:endParaRPr lang="en-US" dirty="0"/>
+            <a:endParaRPr lang="en-US"/>
           </a:p>
         </p:txBody>
       </p:sp>
@@ -1029,7 +1027,7 @@
     </p:spTree>
     <p:extLst>
       <p:ext uri="{BB962C8B-B14F-4D97-AF65-F5344CB8AC3E}">
-        <p14:creationId xmlns:p14="http://schemas.microsoft.com/office/powerpoint/2010/main" val="662898044"/>
+        <p14:creationId xmlns:p14="http://schemas.microsoft.com/office/powerpoint/2010/main" val="2089021986"/>
       </p:ext>
     </p:extLst>
   </p:cSld>
@@ -1083,24 +1081,7 @@
           <a:bodyPr/>
           <a:lstStyle/>
           <a:p>
-            <a:pPr marL="171450" indent="-171450">
-              <a:buFontTx/>
-              <a:buChar char="-"/>
-            </a:pPr>
-            <a:r>
-              <a:rPr lang="en-US" dirty="0"/>
-              <a:t>Download secrets from key vault with build task</a:t>
-            </a:r>
-          </a:p>
-          <a:p>
-            <a:pPr marL="628650" lvl="1" indent="-171450">
-              <a:buFontTx/>
-              <a:buChar char="-"/>
-            </a:pPr>
-            <a:r>
-              <a:rPr lang="en-US" dirty="0"/>
-              <a:t>Can use secrets as task variables in other build tasks</a:t>
-            </a:r>
+            <a:endParaRPr lang="en-US"/>
           </a:p>
         </p:txBody>
       </p:sp>
@@ -1190,7 +1171,7 @@
     </p:spTree>
     <p:extLst>
       <p:ext uri="{BB962C8B-B14F-4D97-AF65-F5344CB8AC3E}">
-        <p14:creationId xmlns:p14="http://schemas.microsoft.com/office/powerpoint/2010/main" val="585389256"/>
+        <p14:creationId xmlns:p14="http://schemas.microsoft.com/office/powerpoint/2010/main" val="2286787676"/>
       </p:ext>
     </p:extLst>
   </p:cSld>
@@ -1244,6 +1225,10 @@
           <a:bodyPr/>
           <a:lstStyle/>
           <a:p>
+            <a:pPr marL="0" indent="0">
+              <a:buFontTx/>
+              <a:buNone/>
+            </a:pPr>
             <a:endParaRPr lang="en-US" dirty="0"/>
           </a:p>
         </p:txBody>
@@ -1334,7 +1319,7 @@
     </p:spTree>
     <p:extLst>
       <p:ext uri="{BB962C8B-B14F-4D97-AF65-F5344CB8AC3E}">
-        <p14:creationId xmlns:p14="http://schemas.microsoft.com/office/powerpoint/2010/main" val="2232734480"/>
+        <p14:creationId xmlns:p14="http://schemas.microsoft.com/office/powerpoint/2010/main" val="662898044"/>
       </p:ext>
     </p:extLst>
   </p:cSld>
@@ -1388,7 +1373,24 @@
           <a:bodyPr/>
           <a:lstStyle/>
           <a:p>
-            <a:endParaRPr lang="en-US" dirty="0"/>
+            <a:pPr marL="171450" indent="-171450">
+              <a:buFontTx/>
+              <a:buChar char="-"/>
+            </a:pPr>
+            <a:r>
+              <a:rPr lang="en-US" dirty="0"/>
+              <a:t>Download secrets from key vault with build task</a:t>
+            </a:r>
+          </a:p>
+          <a:p>
+            <a:pPr marL="628650" lvl="1" indent="-171450">
+              <a:buFontTx/>
+              <a:buChar char="-"/>
+            </a:pPr>
+            <a:r>
+              <a:rPr lang="en-US" dirty="0"/>
+              <a:t>Can use secrets as task variables in other build tasks</a:t>
+            </a:r>
           </a:p>
         </p:txBody>
       </p:sp>
@@ -1478,7 +1480,7 @@
     </p:spTree>
     <p:extLst>
       <p:ext uri="{BB962C8B-B14F-4D97-AF65-F5344CB8AC3E}">
-        <p14:creationId xmlns:p14="http://schemas.microsoft.com/office/powerpoint/2010/main" val="1203295569"/>
+        <p14:creationId xmlns:p14="http://schemas.microsoft.com/office/powerpoint/2010/main" val="585389256"/>
       </p:ext>
     </p:extLst>
   </p:cSld>
@@ -1532,7 +1534,7 @@
           <a:bodyPr/>
           <a:lstStyle/>
           <a:p>
-            <a:endParaRPr lang="en-US"/>
+            <a:endParaRPr lang="en-US" dirty="0"/>
           </a:p>
         </p:txBody>
       </p:sp>
@@ -1622,6 +1624,294 @@
     </p:spTree>
     <p:extLst>
       <p:ext uri="{BB962C8B-B14F-4D97-AF65-F5344CB8AC3E}">
+        <p14:creationId xmlns:p14="http://schemas.microsoft.com/office/powerpoint/2010/main" val="2232734480"/>
+      </p:ext>
+    </p:extLst>
+  </p:cSld>
+  <p:clrMapOvr>
+    <a:masterClrMapping/>
+  </p:clrMapOvr>
+</p:notes>
+</file>
+
+<file path=ppt/notesSlides/notesSlide17.xml><?xml version="1.0" encoding="utf-8"?>
+<p:notes xmlns:a="http://schemas.openxmlformats.org/drawingml/2006/main" xmlns:r="http://schemas.openxmlformats.org/officeDocument/2006/relationships" xmlns:p="http://schemas.openxmlformats.org/presentationml/2006/main">
+  <p:cSld>
+    <p:spTree>
+      <p:nvGrpSpPr>
+        <p:cNvPr id="1" name=""/>
+        <p:cNvGrpSpPr/>
+        <p:nvPr/>
+      </p:nvGrpSpPr>
+      <p:grpSpPr>
+        <a:xfrm>
+          <a:off x="0" y="0"/>
+          <a:ext cx="0" cy="0"/>
+          <a:chOff x="0" y="0"/>
+          <a:chExt cx="0" cy="0"/>
+        </a:xfrm>
+      </p:grpSpPr>
+      <p:sp>
+        <p:nvSpPr>
+          <p:cNvPr id="2" name="Slide Image Placeholder 1"/>
+          <p:cNvSpPr>
+            <a:spLocks noGrp="1" noRot="1" noChangeAspect="1"/>
+          </p:cNvSpPr>
+          <p:nvPr>
+            <p:ph type="sldImg"/>
+          </p:nvPr>
+        </p:nvSpPr>
+        <p:spPr/>
+      </p:sp>
+      <p:sp>
+        <p:nvSpPr>
+          <p:cNvPr id="3" name="Notes Placeholder 2"/>
+          <p:cNvSpPr>
+            <a:spLocks noGrp="1"/>
+          </p:cNvSpPr>
+          <p:nvPr>
+            <p:ph type="body" idx="1"/>
+          </p:nvPr>
+        </p:nvSpPr>
+        <p:spPr/>
+        <p:txBody>
+          <a:bodyPr/>
+          <a:lstStyle/>
+          <a:p>
+            <a:endParaRPr lang="en-US" dirty="0"/>
+          </a:p>
+        </p:txBody>
+      </p:sp>
+      <p:sp>
+        <p:nvSpPr>
+          <p:cNvPr id="4" name="Slide Number Placeholder 3"/>
+          <p:cNvSpPr>
+            <a:spLocks noGrp="1"/>
+          </p:cNvSpPr>
+          <p:nvPr>
+            <p:ph type="sldNum" sz="quarter" idx="10"/>
+          </p:nvPr>
+        </p:nvSpPr>
+        <p:spPr/>
+        <p:txBody>
+          <a:bodyPr/>
+          <a:lstStyle/>
+          <a:p>
+            <a:pPr marL="0" marR="0" lvl="0" indent="0" algn="r" defTabSz="457200" rtl="0" eaLnBrk="1" fontAlgn="auto" latinLnBrk="0" hangingPunct="1">
+              <a:lnSpc>
+                <a:spcPct val="100000"/>
+              </a:lnSpc>
+              <a:spcBef>
+                <a:spcPts val="0"/>
+              </a:spcBef>
+              <a:spcAft>
+                <a:spcPts val="0"/>
+              </a:spcAft>
+              <a:buClrTx/>
+              <a:buSzTx/>
+              <a:buFontTx/>
+              <a:buNone/>
+              <a:tabLst/>
+              <a:defRPr/>
+            </a:pPr>
+            <a:fld id="{16A87904-88DE-4022-A424-ACD2E6FC1751}" type="slidenum">
+              <a:rPr kumimoji="0" lang="en-US" sz="1200" b="0" i="0" u="none" strike="noStrike" kern="1200" cap="none" spc="0" normalizeH="0" baseline="0" noProof="0" smtClean="0">
+                <a:ln>
+                  <a:noFill/>
+                </a:ln>
+                <a:solidFill>
+                  <a:prstClr val="black"/>
+                </a:solidFill>
+                <a:effectLst/>
+                <a:uLnTx/>
+                <a:uFillTx/>
+                <a:latin typeface="Calibri" panose="020F0502020204030204"/>
+                <a:ea typeface="+mn-ea"/>
+                <a:cs typeface="+mn-cs"/>
+              </a:rPr>
+              <a:pPr marL="0" marR="0" lvl="0" indent="0" algn="r" defTabSz="457200" rtl="0" eaLnBrk="1" fontAlgn="auto" latinLnBrk="0" hangingPunct="1">
+                <a:lnSpc>
+                  <a:spcPct val="100000"/>
+                </a:lnSpc>
+                <a:spcBef>
+                  <a:spcPts val="0"/>
+                </a:spcBef>
+                <a:spcAft>
+                  <a:spcPts val="0"/>
+                </a:spcAft>
+                <a:buClrTx/>
+                <a:buSzTx/>
+                <a:buFontTx/>
+                <a:buNone/>
+                <a:tabLst/>
+                <a:defRPr/>
+              </a:pPr>
+              <a:t>17</a:t>
+            </a:fld>
+            <a:endParaRPr kumimoji="0" lang="en-US" sz="1200" b="0" i="0" u="none" strike="noStrike" kern="1200" cap="none" spc="0" normalizeH="0" baseline="0" noProof="0">
+              <a:ln>
+                <a:noFill/>
+              </a:ln>
+              <a:solidFill>
+                <a:prstClr val="black"/>
+              </a:solidFill>
+              <a:effectLst/>
+              <a:uLnTx/>
+              <a:uFillTx/>
+              <a:latin typeface="Calibri" panose="020F0502020204030204"/>
+              <a:ea typeface="+mn-ea"/>
+              <a:cs typeface="+mn-cs"/>
+            </a:endParaRPr>
+          </a:p>
+        </p:txBody>
+      </p:sp>
+    </p:spTree>
+    <p:extLst>
+      <p:ext uri="{BB962C8B-B14F-4D97-AF65-F5344CB8AC3E}">
+        <p14:creationId xmlns:p14="http://schemas.microsoft.com/office/powerpoint/2010/main" val="1203295569"/>
+      </p:ext>
+    </p:extLst>
+  </p:cSld>
+  <p:clrMapOvr>
+    <a:masterClrMapping/>
+  </p:clrMapOvr>
+</p:notes>
+</file>
+
+<file path=ppt/notesSlides/notesSlide18.xml><?xml version="1.0" encoding="utf-8"?>
+<p:notes xmlns:a="http://schemas.openxmlformats.org/drawingml/2006/main" xmlns:r="http://schemas.openxmlformats.org/officeDocument/2006/relationships" xmlns:p="http://schemas.openxmlformats.org/presentationml/2006/main">
+  <p:cSld>
+    <p:spTree>
+      <p:nvGrpSpPr>
+        <p:cNvPr id="1" name=""/>
+        <p:cNvGrpSpPr/>
+        <p:nvPr/>
+      </p:nvGrpSpPr>
+      <p:grpSpPr>
+        <a:xfrm>
+          <a:off x="0" y="0"/>
+          <a:ext cx="0" cy="0"/>
+          <a:chOff x="0" y="0"/>
+          <a:chExt cx="0" cy="0"/>
+        </a:xfrm>
+      </p:grpSpPr>
+      <p:sp>
+        <p:nvSpPr>
+          <p:cNvPr id="2" name="Slide Image Placeholder 1"/>
+          <p:cNvSpPr>
+            <a:spLocks noGrp="1" noRot="1" noChangeAspect="1"/>
+          </p:cNvSpPr>
+          <p:nvPr>
+            <p:ph type="sldImg"/>
+          </p:nvPr>
+        </p:nvSpPr>
+        <p:spPr/>
+      </p:sp>
+      <p:sp>
+        <p:nvSpPr>
+          <p:cNvPr id="3" name="Notes Placeholder 2"/>
+          <p:cNvSpPr>
+            <a:spLocks noGrp="1"/>
+          </p:cNvSpPr>
+          <p:nvPr>
+            <p:ph type="body" idx="1"/>
+          </p:nvPr>
+        </p:nvSpPr>
+        <p:spPr/>
+        <p:txBody>
+          <a:bodyPr/>
+          <a:lstStyle/>
+          <a:p>
+            <a:endParaRPr lang="en-US"/>
+          </a:p>
+        </p:txBody>
+      </p:sp>
+      <p:sp>
+        <p:nvSpPr>
+          <p:cNvPr id="4" name="Slide Number Placeholder 3"/>
+          <p:cNvSpPr>
+            <a:spLocks noGrp="1"/>
+          </p:cNvSpPr>
+          <p:nvPr>
+            <p:ph type="sldNum" sz="quarter" idx="10"/>
+          </p:nvPr>
+        </p:nvSpPr>
+        <p:spPr/>
+        <p:txBody>
+          <a:bodyPr/>
+          <a:lstStyle/>
+          <a:p>
+            <a:pPr marL="0" marR="0" lvl="0" indent="0" algn="r" defTabSz="457200" rtl="0" eaLnBrk="1" fontAlgn="auto" latinLnBrk="0" hangingPunct="1">
+              <a:lnSpc>
+                <a:spcPct val="100000"/>
+              </a:lnSpc>
+              <a:spcBef>
+                <a:spcPts val="0"/>
+              </a:spcBef>
+              <a:spcAft>
+                <a:spcPts val="0"/>
+              </a:spcAft>
+              <a:buClrTx/>
+              <a:buSzTx/>
+              <a:buFontTx/>
+              <a:buNone/>
+              <a:tabLst/>
+              <a:defRPr/>
+            </a:pPr>
+            <a:fld id="{16A87904-88DE-4022-A424-ACD2E6FC1751}" type="slidenum">
+              <a:rPr kumimoji="0" lang="en-US" sz="1200" b="0" i="0" u="none" strike="noStrike" kern="1200" cap="none" spc="0" normalizeH="0" baseline="0" noProof="0" smtClean="0">
+                <a:ln>
+                  <a:noFill/>
+                </a:ln>
+                <a:solidFill>
+                  <a:prstClr val="black"/>
+                </a:solidFill>
+                <a:effectLst/>
+                <a:uLnTx/>
+                <a:uFillTx/>
+                <a:latin typeface="Calibri" panose="020F0502020204030204"/>
+                <a:ea typeface="+mn-ea"/>
+                <a:cs typeface="+mn-cs"/>
+              </a:rPr>
+              <a:pPr marL="0" marR="0" lvl="0" indent="0" algn="r" defTabSz="457200" rtl="0" eaLnBrk="1" fontAlgn="auto" latinLnBrk="0" hangingPunct="1">
+                <a:lnSpc>
+                  <a:spcPct val="100000"/>
+                </a:lnSpc>
+                <a:spcBef>
+                  <a:spcPts val="0"/>
+                </a:spcBef>
+                <a:spcAft>
+                  <a:spcPts val="0"/>
+                </a:spcAft>
+                <a:buClrTx/>
+                <a:buSzTx/>
+                <a:buFontTx/>
+                <a:buNone/>
+                <a:tabLst/>
+                <a:defRPr/>
+              </a:pPr>
+              <a:t>18</a:t>
+            </a:fld>
+            <a:endParaRPr kumimoji="0" lang="en-US" sz="1200" b="0" i="0" u="none" strike="noStrike" kern="1200" cap="none" spc="0" normalizeH="0" baseline="0" noProof="0">
+              <a:ln>
+                <a:noFill/>
+              </a:ln>
+              <a:solidFill>
+                <a:prstClr val="black"/>
+              </a:solidFill>
+              <a:effectLst/>
+              <a:uLnTx/>
+              <a:uFillTx/>
+              <a:latin typeface="Calibri" panose="020F0502020204030204"/>
+              <a:ea typeface="+mn-ea"/>
+              <a:cs typeface="+mn-cs"/>
+            </a:endParaRPr>
+          </a:p>
+        </p:txBody>
+      </p:sp>
+    </p:spTree>
+    <p:extLst>
+      <p:ext uri="{BB962C8B-B14F-4D97-AF65-F5344CB8AC3E}">
         <p14:creationId xmlns:p14="http://schemas.microsoft.com/office/powerpoint/2010/main" val="2271797707"/>
       </p:ext>
     </p:extLst>
@@ -1913,7 +2203,7 @@
     </p:spTree>
     <p:extLst>
       <p:ext uri="{BB962C8B-B14F-4D97-AF65-F5344CB8AC3E}">
-        <p14:creationId xmlns:p14="http://schemas.microsoft.com/office/powerpoint/2010/main" val="3690956939"/>
+        <p14:creationId xmlns:p14="http://schemas.microsoft.com/office/powerpoint/2010/main" val="3314926284"/>
       </p:ext>
     </p:extLst>
   </p:cSld>
@@ -2985,7 +3275,7 @@
           <a:p>
             <a:fld id="{B5D86D52-4857-4668-9EB7-B41E21252CF7}" type="datetimeFigureOut">
               <a:rPr lang="en-US" smtClean="0"/>
-              <a:t>10/6/2018</a:t>
+              <a:t>10/7/2018</a:t>
             </a:fld>
             <a:endParaRPr lang="en-US"/>
           </a:p>
@@ -3183,7 +3473,7 @@
           <a:p>
             <a:fld id="{B5D86D52-4857-4668-9EB7-B41E21252CF7}" type="datetimeFigureOut">
               <a:rPr lang="en-US" smtClean="0"/>
-              <a:t>10/6/2018</a:t>
+              <a:t>10/7/2018</a:t>
             </a:fld>
             <a:endParaRPr lang="en-US"/>
           </a:p>
@@ -3391,7 +3681,7 @@
           <a:p>
             <a:fld id="{B5D86D52-4857-4668-9EB7-B41E21252CF7}" type="datetimeFigureOut">
               <a:rPr lang="en-US" smtClean="0"/>
-              <a:t>10/6/2018</a:t>
+              <a:t>10/7/2018</a:t>
             </a:fld>
             <a:endParaRPr lang="en-US"/>
           </a:p>
@@ -3595,7 +3885,7 @@
           <a:p>
             <a:fld id="{EEC3160E-2579-4584-9765-DC1BA0B358F9}" type="datetimeFigureOut">
               <a:rPr lang="en-US" smtClean="0"/>
-              <a:t>10/6/2018</a:t>
+              <a:t>10/7/2018</a:t>
             </a:fld>
             <a:endParaRPr lang="en-US"/>
           </a:p>
@@ -3765,7 +4055,7 @@
           <a:p>
             <a:fld id="{EEC3160E-2579-4584-9765-DC1BA0B358F9}" type="datetimeFigureOut">
               <a:rPr lang="en-US" smtClean="0"/>
-              <a:t>10/6/2018</a:t>
+              <a:t>10/7/2018</a:t>
             </a:fld>
             <a:endParaRPr lang="en-US"/>
           </a:p>
@@ -4011,7 +4301,7 @@
           <a:p>
             <a:fld id="{EEC3160E-2579-4584-9765-DC1BA0B358F9}" type="datetimeFigureOut">
               <a:rPr lang="en-US" smtClean="0"/>
-              <a:t>10/6/2018</a:t>
+              <a:t>10/7/2018</a:t>
             </a:fld>
             <a:endParaRPr lang="en-US"/>
           </a:p>
@@ -4243,7 +4533,7 @@
           <a:p>
             <a:fld id="{EEC3160E-2579-4584-9765-DC1BA0B358F9}" type="datetimeFigureOut">
               <a:rPr lang="en-US" smtClean="0"/>
-              <a:t>10/6/2018</a:t>
+              <a:t>10/7/2018</a:t>
             </a:fld>
             <a:endParaRPr lang="en-US"/>
           </a:p>
@@ -4610,7 +4900,7 @@
           <a:p>
             <a:fld id="{EEC3160E-2579-4584-9765-DC1BA0B358F9}" type="datetimeFigureOut">
               <a:rPr lang="en-US" smtClean="0"/>
-              <a:t>10/6/2018</a:t>
+              <a:t>10/7/2018</a:t>
             </a:fld>
             <a:endParaRPr lang="en-US"/>
           </a:p>
@@ -4728,7 +5018,7 @@
           <a:p>
             <a:fld id="{EEC3160E-2579-4584-9765-DC1BA0B358F9}" type="datetimeFigureOut">
               <a:rPr lang="en-US" smtClean="0"/>
-              <a:t>10/6/2018</a:t>
+              <a:t>10/7/2018</a:t>
             </a:fld>
             <a:endParaRPr lang="en-US"/>
           </a:p>
@@ -4823,7 +5113,7 @@
           <a:p>
             <a:fld id="{EEC3160E-2579-4584-9765-DC1BA0B358F9}" type="datetimeFigureOut">
               <a:rPr lang="en-US" smtClean="0"/>
-              <a:t>10/6/2018</a:t>
+              <a:t>10/7/2018</a:t>
             </a:fld>
             <a:endParaRPr lang="en-US"/>
           </a:p>
@@ -5100,7 +5390,7 @@
           <a:p>
             <a:fld id="{EEC3160E-2579-4584-9765-DC1BA0B358F9}" type="datetimeFigureOut">
               <a:rPr lang="en-US" smtClean="0"/>
-              <a:t>10/6/2018</a:t>
+              <a:t>10/7/2018</a:t>
             </a:fld>
             <a:endParaRPr lang="en-US"/>
           </a:p>
@@ -5286,7 +5576,7 @@
           <a:p>
             <a:fld id="{B5D86D52-4857-4668-9EB7-B41E21252CF7}" type="datetimeFigureOut">
               <a:rPr lang="en-US" smtClean="0"/>
-              <a:t>10/6/2018</a:t>
+              <a:t>10/7/2018</a:t>
             </a:fld>
             <a:endParaRPr lang="en-US"/>
           </a:p>
@@ -5555,7 +5845,7 @@
           <a:p>
             <a:fld id="{EEC3160E-2579-4584-9765-DC1BA0B358F9}" type="datetimeFigureOut">
               <a:rPr lang="en-US" smtClean="0"/>
-              <a:t>10/6/2018</a:t>
+              <a:t>10/7/2018</a:t>
             </a:fld>
             <a:endParaRPr lang="en-US"/>
           </a:p>
@@ -5725,7 +6015,7 @@
           <a:p>
             <a:fld id="{EEC3160E-2579-4584-9765-DC1BA0B358F9}" type="datetimeFigureOut">
               <a:rPr lang="en-US" smtClean="0"/>
-              <a:t>10/6/2018</a:t>
+              <a:t>10/7/2018</a:t>
             </a:fld>
             <a:endParaRPr lang="en-US"/>
           </a:p>
@@ -5905,7 +6195,7 @@
           <a:p>
             <a:fld id="{EEC3160E-2579-4584-9765-DC1BA0B358F9}" type="datetimeFigureOut">
               <a:rPr lang="en-US" smtClean="0"/>
-              <a:t>10/6/2018</a:t>
+              <a:t>10/7/2018</a:t>
             </a:fld>
             <a:endParaRPr lang="en-US"/>
           </a:p>
@@ -6168,7 +6458,7 @@
           <a:p>
             <a:fld id="{B5D86D52-4857-4668-9EB7-B41E21252CF7}" type="datetimeFigureOut">
               <a:rPr lang="en-US" smtClean="0"/>
-              <a:t>10/6/2018</a:t>
+              <a:t>10/7/2018</a:t>
             </a:fld>
             <a:endParaRPr lang="en-US"/>
           </a:p>
@@ -6433,7 +6723,7 @@
           <a:p>
             <a:fld id="{B5D86D52-4857-4668-9EB7-B41E21252CF7}" type="datetimeFigureOut">
               <a:rPr lang="en-US" smtClean="0"/>
-              <a:t>10/6/2018</a:t>
+              <a:t>10/7/2018</a:t>
             </a:fld>
             <a:endParaRPr lang="en-US"/>
           </a:p>
@@ -6845,7 +7135,7 @@
           <a:p>
             <a:fld id="{B5D86D52-4857-4668-9EB7-B41E21252CF7}" type="datetimeFigureOut">
               <a:rPr lang="en-US" smtClean="0"/>
-              <a:t>10/6/2018</a:t>
+              <a:t>10/7/2018</a:t>
             </a:fld>
             <a:endParaRPr lang="en-US"/>
           </a:p>
@@ -6986,7 +7276,7 @@
           <a:p>
             <a:fld id="{B5D86D52-4857-4668-9EB7-B41E21252CF7}" type="datetimeFigureOut">
               <a:rPr lang="en-US" smtClean="0"/>
-              <a:t>10/6/2018</a:t>
+              <a:t>10/7/2018</a:t>
             </a:fld>
             <a:endParaRPr lang="en-US"/>
           </a:p>
@@ -7099,7 +7389,7 @@
           <a:p>
             <a:fld id="{B5D86D52-4857-4668-9EB7-B41E21252CF7}" type="datetimeFigureOut">
               <a:rPr lang="en-US" smtClean="0"/>
-              <a:t>10/6/2018</a:t>
+              <a:t>10/7/2018</a:t>
             </a:fld>
             <a:endParaRPr lang="en-US"/>
           </a:p>
@@ -7410,7 +7700,7 @@
           <a:p>
             <a:fld id="{B5D86D52-4857-4668-9EB7-B41E21252CF7}" type="datetimeFigureOut">
               <a:rPr lang="en-US" smtClean="0"/>
-              <a:t>10/6/2018</a:t>
+              <a:t>10/7/2018</a:t>
             </a:fld>
             <a:endParaRPr lang="en-US"/>
           </a:p>
@@ -7698,7 +7988,7 @@
           <a:p>
             <a:fld id="{B5D86D52-4857-4668-9EB7-B41E21252CF7}" type="datetimeFigureOut">
               <a:rPr lang="en-US" smtClean="0"/>
-              <a:t>10/6/2018</a:t>
+              <a:t>10/7/2018</a:t>
             </a:fld>
             <a:endParaRPr lang="en-US"/>
           </a:p>
@@ -7939,7 +8229,7 @@
           <a:p>
             <a:fld id="{B5D86D52-4857-4668-9EB7-B41E21252CF7}" type="datetimeFigureOut">
               <a:rPr lang="en-US" smtClean="0"/>
-              <a:t>10/6/2018</a:t>
+              <a:t>10/7/2018</a:t>
             </a:fld>
             <a:endParaRPr lang="en-US"/>
           </a:p>
@@ -8491,7 +8781,7 @@
           <a:p>
             <a:fld id="{EEC3160E-2579-4584-9765-DC1BA0B358F9}" type="datetimeFigureOut">
               <a:rPr lang="en-US" smtClean="0"/>
-              <a:t>10/6/2018</a:t>
+              <a:t>10/7/2018</a:t>
             </a:fld>
             <a:endParaRPr lang="en-US"/>
           </a:p>
@@ -9646,7 +9936,7 @@
         <p:spPr/>
         <p:txBody>
           <a:bodyPr>
-            <a:normAutofit fontScale="77500" lnSpcReduction="20000"/>
+            <a:normAutofit fontScale="70000" lnSpcReduction="20000"/>
           </a:bodyPr>
           <a:lstStyle/>
           <a:p>
@@ -9654,7 +9944,7 @@
               <a:buNone/>
             </a:pPr>
             <a:r>
-              <a:rPr lang="en-US" b="1" dirty="0">
+              <a:rPr lang="en-US" sz="3400" b="1" dirty="0">
                 <a:solidFill>
                   <a:schemeClr val="accent4"/>
                 </a:solidFill>
@@ -9664,13 +9954,13 @@
           </a:p>
           <a:p>
             <a:r>
-              <a:rPr lang="en-US" dirty="0"/>
+              <a:rPr lang="en-US" sz="3100" dirty="0"/>
               <a:t>Azure subscription</a:t>
             </a:r>
           </a:p>
           <a:p>
             <a:r>
-              <a:rPr lang="en-US" dirty="0"/>
+              <a:rPr lang="en-US" sz="3100" dirty="0"/>
               <a:t>Azure CLI</a:t>
             </a:r>
           </a:p>
@@ -9713,7 +10003,7 @@
               <a:buNone/>
             </a:pPr>
             <a:r>
-              <a:rPr lang="en-US" b="1" dirty="0">
+              <a:rPr lang="en-US" sz="3400" b="1" dirty="0">
                 <a:solidFill>
                   <a:schemeClr val="accent4"/>
                 </a:solidFill>
@@ -9726,41 +10016,41 @@
               <a:buNone/>
             </a:pPr>
             <a:r>
-              <a:rPr lang="en-US" b="1" dirty="0">
+              <a:rPr lang="en-US" sz="3100" b="1" dirty="0">
                 <a:latin typeface="Courier New" panose="02070309020205020404" pitchFamily="49" charset="0"/>
                 <a:cs typeface="Courier New" panose="02070309020205020404" pitchFamily="49" charset="0"/>
               </a:rPr>
               <a:t>&gt;</a:t>
             </a:r>
             <a:r>
-              <a:rPr lang="en-US" dirty="0">
+              <a:rPr lang="en-US" sz="3100" dirty="0">
                 <a:latin typeface="Courier New" panose="02070309020205020404" pitchFamily="49" charset="0"/>
                 <a:cs typeface="Courier New" panose="02070309020205020404" pitchFamily="49" charset="0"/>
               </a:rPr>
               <a:t> </a:t>
             </a:r>
             <a:r>
-              <a:rPr lang="en-US" dirty="0" err="1">
+              <a:rPr lang="en-US" sz="3100" dirty="0" err="1">
                 <a:latin typeface="Courier New" panose="02070309020205020404" pitchFamily="49" charset="0"/>
                 <a:cs typeface="Courier New" panose="02070309020205020404" pitchFamily="49" charset="0"/>
               </a:rPr>
               <a:t>az</a:t>
             </a:r>
             <a:r>
-              <a:rPr lang="en-US" dirty="0">
+              <a:rPr lang="en-US" sz="3100" dirty="0">
                 <a:latin typeface="Courier New" panose="02070309020205020404" pitchFamily="49" charset="0"/>
                 <a:cs typeface="Courier New" panose="02070309020205020404" pitchFamily="49" charset="0"/>
               </a:rPr>
               <a:t> </a:t>
             </a:r>
             <a:r>
-              <a:rPr lang="en-US" dirty="0" err="1">
+              <a:rPr lang="en-US" sz="3100" dirty="0" err="1">
                 <a:latin typeface="Courier New" panose="02070309020205020404" pitchFamily="49" charset="0"/>
                 <a:cs typeface="Courier New" panose="02070309020205020404" pitchFamily="49" charset="0"/>
               </a:rPr>
               <a:t>keyvault</a:t>
             </a:r>
-            <a:endParaRPr lang="en-US" dirty="0"/>
+            <a:endParaRPr lang="en-US" sz="3100" dirty="0"/>
           </a:p>
         </p:txBody>
       </p:sp>
@@ -9821,7 +10111,7 @@
         </p:spPr>
         <p:txBody>
           <a:bodyPr>
-            <a:normAutofit fontScale="77500" lnSpcReduction="20000"/>
+            <a:normAutofit fontScale="70000" lnSpcReduction="20000"/>
           </a:bodyPr>
           <a:lstStyle/>
           <a:p>
@@ -9829,7 +10119,7 @@
               <a:buNone/>
             </a:pPr>
             <a:r>
-              <a:rPr lang="en-US" b="1" dirty="0">
+              <a:rPr lang="en-US" sz="3400" b="1" dirty="0">
                 <a:solidFill>
                   <a:schemeClr val="accent4"/>
                 </a:solidFill>
@@ -9839,34 +10129,33 @@
           </a:p>
           <a:p>
             <a:r>
-              <a:rPr lang="en-US" dirty="0"/>
+              <a:rPr lang="en-US" sz="3100" dirty="0"/>
               <a:t>Azure subscription</a:t>
             </a:r>
           </a:p>
           <a:p>
             <a:r>
-              <a:rPr lang="en-US" dirty="0"/>
+              <a:rPr lang="en-US" sz="3100" dirty="0"/>
               <a:t>.NET Core SDK v2.1+</a:t>
             </a:r>
           </a:p>
           <a:p>
             <a:r>
-              <a:rPr lang="en-US"/>
+              <a:rPr lang="en-US" sz="3100" dirty="0"/>
               <a:t>VS 2017 15.7+</a:t>
             </a:r>
-            <a:endParaRPr lang="en-US" dirty="0"/>
           </a:p>
           <a:p>
             <a:pPr lvl="1"/>
             <a:r>
-              <a:rPr lang="en-US" dirty="0"/>
+              <a:rPr lang="en-US" sz="3100" dirty="0"/>
               <a:t>.NET Core cross-platform development</a:t>
             </a:r>
           </a:p>
           <a:p>
             <a:pPr lvl="1"/>
             <a:r>
-              <a:rPr lang="en-US" dirty="0"/>
+              <a:rPr lang="en-US" sz="3100" dirty="0"/>
               <a:t>ASP.NET and web development</a:t>
             </a:r>
           </a:p>
@@ -9885,7 +10174,7 @@
               <a:buNone/>
             </a:pPr>
             <a:r>
-              <a:rPr lang="en-US" b="1" dirty="0">
+              <a:rPr lang="en-US" sz="3400" b="1" dirty="0">
                 <a:solidFill>
                   <a:schemeClr val="accent4"/>
                 </a:solidFill>
@@ -9902,7 +10191,11 @@
               <a:t>Solution Explorer </a:t>
             </a:r>
             <a:r>
-              <a:rPr lang="en-US" b="1" dirty="0"/>
+              <a:rPr lang="en-US" sz="4300" b="1" dirty="0">
+                <a:solidFill>
+                  <a:schemeClr val="accent4"/>
+                </a:solidFill>
+              </a:rPr>
               <a:t>&gt;</a:t>
             </a:r>
             <a:r>
@@ -9910,7 +10203,11 @@
               <a:t> double-click Connected Services </a:t>
             </a:r>
             <a:r>
-              <a:rPr lang="en-US" b="1" dirty="0"/>
+              <a:rPr lang="en-US" sz="4300" b="1" dirty="0">
+                <a:solidFill>
+                  <a:schemeClr val="accent4"/>
+                </a:solidFill>
+              </a:rPr>
               <a:t>&gt;</a:t>
             </a:r>
             <a:r>
@@ -11680,6 +11977,527 @@
           <a:p>
             <a:r>
               <a:rPr lang="en-US" dirty="0"/>
+              <a:t>Key Vault: Configure access</a:t>
+            </a:r>
+          </a:p>
+        </p:txBody>
+      </p:sp>
+      <p:pic>
+        <p:nvPicPr>
+          <p:cNvPr id="4" name="Content Placeholder 3">
+            <a:extLst>
+              <a:ext uri="{FF2B5EF4-FFF2-40B4-BE49-F238E27FC236}">
+                <a16:creationId xmlns:a16="http://schemas.microsoft.com/office/drawing/2014/main" id="{14BEC922-47AD-4973-84E6-93B63223D7ED}"/>
+              </a:ext>
+            </a:extLst>
+          </p:cNvPr>
+          <p:cNvPicPr>
+            <a:picLocks noGrp="1" noChangeAspect="1"/>
+          </p:cNvPicPr>
+          <p:nvPr>
+            <p:ph idx="1"/>
+          </p:nvPr>
+        </p:nvPicPr>
+        <p:blipFill>
+          <a:blip r:embed="rId3"/>
+          <a:stretch>
+            <a:fillRect/>
+          </a:stretch>
+        </p:blipFill>
+        <p:spPr>
+          <a:xfrm>
+            <a:off x="938372" y="1606303"/>
+            <a:ext cx="10555399" cy="3849412"/>
+          </a:xfrm>
+          <a:prstGeom prst="rect">
+            <a:avLst/>
+          </a:prstGeom>
+        </p:spPr>
+      </p:pic>
+    </p:spTree>
+    <p:extLst>
+      <p:ext uri="{BB962C8B-B14F-4D97-AF65-F5344CB8AC3E}">
+        <p14:creationId xmlns:p14="http://schemas.microsoft.com/office/powerpoint/2010/main" val="2178576446"/>
+      </p:ext>
+    </p:extLst>
+  </p:cSld>
+  <p:clrMapOvr>
+    <a:masterClrMapping/>
+  </p:clrMapOvr>
+</p:sld>
+</file>
+
+<file path=ppt/slides/slide13.xml><?xml version="1.0" encoding="utf-8"?>
+<p:sld xmlns:a="http://schemas.openxmlformats.org/drawingml/2006/main" xmlns:r="http://schemas.openxmlformats.org/officeDocument/2006/relationships" xmlns:p="http://schemas.openxmlformats.org/presentationml/2006/main">
+  <p:cSld>
+    <p:bg>
+      <p:bgPr>
+        <a:solidFill>
+          <a:srgbClr val="505050"/>
+        </a:solidFill>
+        <a:effectLst/>
+      </p:bgPr>
+    </p:bg>
+    <p:spTree>
+      <p:nvGrpSpPr>
+        <p:cNvPr id="1" name=""/>
+        <p:cNvGrpSpPr/>
+        <p:nvPr/>
+      </p:nvGrpSpPr>
+      <p:grpSpPr>
+        <a:xfrm>
+          <a:off x="0" y="0"/>
+          <a:ext cx="0" cy="0"/>
+          <a:chOff x="0" y="0"/>
+          <a:chExt cx="0" cy="0"/>
+        </a:xfrm>
+      </p:grpSpPr>
+      <p:sp>
+        <p:nvSpPr>
+          <p:cNvPr id="2" name="Title 1"/>
+          <p:cNvSpPr>
+            <a:spLocks noGrp="1"/>
+          </p:cNvSpPr>
+          <p:nvPr>
+            <p:ph type="title"/>
+          </p:nvPr>
+        </p:nvSpPr>
+        <p:spPr/>
+        <p:txBody>
+          <a:bodyPr/>
+          <a:lstStyle/>
+          <a:p>
+            <a:r>
+              <a:rPr lang="en-US" dirty="0"/>
+              <a:t>Key Vault: Configure access (cont.)</a:t>
+            </a:r>
+          </a:p>
+        </p:txBody>
+      </p:sp>
+      <p:pic>
+        <p:nvPicPr>
+          <p:cNvPr id="7" name="Content Placeholder 6">
+            <a:extLst>
+              <a:ext uri="{FF2B5EF4-FFF2-40B4-BE49-F238E27FC236}">
+                <a16:creationId xmlns:a16="http://schemas.microsoft.com/office/drawing/2014/main" id="{F5811D25-5A94-4382-AD6B-B6F8A24C1411}"/>
+              </a:ext>
+            </a:extLst>
+          </p:cNvPr>
+          <p:cNvPicPr>
+            <a:picLocks noGrp="1" noChangeAspect="1"/>
+          </p:cNvPicPr>
+          <p:nvPr>
+            <p:ph idx="1"/>
+          </p:nvPr>
+        </p:nvPicPr>
+        <p:blipFill>
+          <a:blip r:embed="rId3"/>
+          <a:stretch>
+            <a:fillRect/>
+          </a:stretch>
+        </p:blipFill>
+        <p:spPr>
+          <a:xfrm>
+            <a:off x="6465780" y="1805218"/>
+            <a:ext cx="2637174" cy="4351338"/>
+          </a:xfrm>
+          <a:prstGeom prst="rect">
+            <a:avLst/>
+          </a:prstGeom>
+        </p:spPr>
+      </p:pic>
+      <p:pic>
+        <p:nvPicPr>
+          <p:cNvPr id="6" name="Picture 5">
+            <a:extLst>
+              <a:ext uri="{FF2B5EF4-FFF2-40B4-BE49-F238E27FC236}">
+                <a16:creationId xmlns:a16="http://schemas.microsoft.com/office/drawing/2014/main" id="{0571DCE1-58E5-454B-9E00-505CC5F52BED}"/>
+              </a:ext>
+            </a:extLst>
+          </p:cNvPr>
+          <p:cNvPicPr>
+            <a:picLocks noChangeAspect="1"/>
+          </p:cNvPicPr>
+          <p:nvPr/>
+        </p:nvPicPr>
+        <p:blipFill>
+          <a:blip r:embed="rId4"/>
+          <a:stretch>
+            <a:fillRect/>
+          </a:stretch>
+        </p:blipFill>
+        <p:spPr>
+          <a:xfrm>
+            <a:off x="838200" y="1825625"/>
+            <a:ext cx="5452136" cy="4357578"/>
+          </a:xfrm>
+          <a:prstGeom prst="rect">
+            <a:avLst/>
+          </a:prstGeom>
+        </p:spPr>
+      </p:pic>
+      <p:pic>
+        <p:nvPicPr>
+          <p:cNvPr id="8" name="Picture 7">
+            <a:extLst>
+              <a:ext uri="{FF2B5EF4-FFF2-40B4-BE49-F238E27FC236}">
+                <a16:creationId xmlns:a16="http://schemas.microsoft.com/office/drawing/2014/main" id="{41B33B12-2E78-4E84-8699-A6C11F13B1FF}"/>
+              </a:ext>
+            </a:extLst>
+          </p:cNvPr>
+          <p:cNvPicPr>
+            <a:picLocks noChangeAspect="1"/>
+          </p:cNvPicPr>
+          <p:nvPr/>
+        </p:nvPicPr>
+        <p:blipFill>
+          <a:blip r:embed="rId5"/>
+          <a:stretch>
+            <a:fillRect/>
+          </a:stretch>
+        </p:blipFill>
+        <p:spPr>
+          <a:xfrm>
+            <a:off x="8492857" y="2440668"/>
+            <a:ext cx="2633682" cy="2952772"/>
+          </a:xfrm>
+          <a:prstGeom prst="rect">
+            <a:avLst/>
+          </a:prstGeom>
+          <a:effectLst>
+            <a:outerShdw blurRad="50800" dist="38100" dir="8100000" algn="tr" rotWithShape="0">
+              <a:prstClr val="black">
+                <a:alpha val="40000"/>
+              </a:prstClr>
+            </a:outerShdw>
+          </a:effectLst>
+        </p:spPr>
+      </p:pic>
+      <p:sp>
+        <p:nvSpPr>
+          <p:cNvPr id="9" name="Arrow: Down 8">
+            <a:extLst>
+              <a:ext uri="{FF2B5EF4-FFF2-40B4-BE49-F238E27FC236}">
+                <a16:creationId xmlns:a16="http://schemas.microsoft.com/office/drawing/2014/main" id="{A0E20085-73EB-424C-A3FC-37C6B46F76FD}"/>
+              </a:ext>
+            </a:extLst>
+          </p:cNvPr>
+          <p:cNvSpPr/>
+          <p:nvPr/>
+        </p:nvSpPr>
+        <p:spPr>
+          <a:xfrm rot="14773509">
+            <a:off x="5555692" y="1963016"/>
+            <a:ext cx="424254" cy="1812869"/>
+          </a:xfrm>
+          <a:prstGeom prst="downArrow">
+            <a:avLst/>
+          </a:prstGeom>
+        </p:spPr>
+        <p:style>
+          <a:lnRef idx="2">
+            <a:schemeClr val="accent1">
+              <a:shade val="50000"/>
+            </a:schemeClr>
+          </a:lnRef>
+          <a:fillRef idx="1">
+            <a:schemeClr val="accent1"/>
+          </a:fillRef>
+          <a:effectRef idx="0">
+            <a:schemeClr val="accent1"/>
+          </a:effectRef>
+          <a:fontRef idx="minor">
+            <a:schemeClr val="lt1"/>
+          </a:fontRef>
+        </p:style>
+        <p:txBody>
+          <a:bodyPr rtlCol="0" anchor="ctr"/>
+          <a:lstStyle/>
+          <a:p>
+            <a:pPr algn="ctr"/>
+            <a:endParaRPr lang="en-US" dirty="0"/>
+          </a:p>
+        </p:txBody>
+      </p:sp>
+      <p:sp>
+        <p:nvSpPr>
+          <p:cNvPr id="10" name="Arrow: Down 9">
+            <a:extLst>
+              <a:ext uri="{FF2B5EF4-FFF2-40B4-BE49-F238E27FC236}">
+                <a16:creationId xmlns:a16="http://schemas.microsoft.com/office/drawing/2014/main" id="{7FF33B08-6944-44F1-9883-DFD480ABD01D}"/>
+              </a:ext>
+            </a:extLst>
+          </p:cNvPr>
+          <p:cNvSpPr/>
+          <p:nvPr/>
+        </p:nvSpPr>
+        <p:spPr>
+          <a:xfrm rot="14773509">
+            <a:off x="7841689" y="3315120"/>
+            <a:ext cx="424254" cy="997005"/>
+          </a:xfrm>
+          <a:prstGeom prst="downArrow">
+            <a:avLst/>
+          </a:prstGeom>
+        </p:spPr>
+        <p:style>
+          <a:lnRef idx="2">
+            <a:schemeClr val="accent1">
+              <a:shade val="50000"/>
+            </a:schemeClr>
+          </a:lnRef>
+          <a:fillRef idx="1">
+            <a:schemeClr val="accent1"/>
+          </a:fillRef>
+          <a:effectRef idx="0">
+            <a:schemeClr val="accent1"/>
+          </a:effectRef>
+          <a:fontRef idx="minor">
+            <a:schemeClr val="lt1"/>
+          </a:fontRef>
+        </p:style>
+        <p:txBody>
+          <a:bodyPr rtlCol="0" anchor="ctr"/>
+          <a:lstStyle/>
+          <a:p>
+            <a:pPr algn="ctr"/>
+            <a:endParaRPr lang="en-US" dirty="0"/>
+          </a:p>
+        </p:txBody>
+      </p:sp>
+    </p:spTree>
+    <p:extLst>
+      <p:ext uri="{BB962C8B-B14F-4D97-AF65-F5344CB8AC3E}">
+        <p14:creationId xmlns:p14="http://schemas.microsoft.com/office/powerpoint/2010/main" val="4017086765"/>
+      </p:ext>
+    </p:extLst>
+  </p:cSld>
+  <p:clrMapOvr>
+    <a:masterClrMapping/>
+  </p:clrMapOvr>
+  <p:timing>
+    <p:tnLst>
+      <p:par>
+        <p:cTn id="1" dur="indefinite" restart="never" nodeType="tmRoot">
+          <p:childTnLst>
+            <p:seq concurrent="1" nextAc="seek">
+              <p:cTn id="2" dur="indefinite" nodeType="mainSeq">
+                <p:childTnLst>
+                  <p:par>
+                    <p:cTn id="3" fill="hold">
+                      <p:stCondLst>
+                        <p:cond delay="indefinite"/>
+                      </p:stCondLst>
+                      <p:childTnLst>
+                        <p:par>
+                          <p:cTn id="4" fill="hold">
+                            <p:stCondLst>
+                              <p:cond delay="0"/>
+                            </p:stCondLst>
+                            <p:childTnLst>
+                              <p:par>
+                                <p:cTn id="5" presetID="1" presetClass="entr" presetSubtype="0" fill="hold" grpId="0" nodeType="clickEffect">
+                                  <p:stCondLst>
+                                    <p:cond delay="0"/>
+                                  </p:stCondLst>
+                                  <p:childTnLst>
+                                    <p:set>
+                                      <p:cBhvr>
+                                        <p:cTn id="6" dur="1" fill="hold">
+                                          <p:stCondLst>
+                                            <p:cond delay="0"/>
+                                          </p:stCondLst>
+                                        </p:cTn>
+                                        <p:tgtEl>
+                                          <p:spTgt spid="9"/>
+                                        </p:tgtEl>
+                                        <p:attrNameLst>
+                                          <p:attrName>style.visibility</p:attrName>
+                                        </p:attrNameLst>
+                                      </p:cBhvr>
+                                      <p:to>
+                                        <p:strVal val="visible"/>
+                                      </p:to>
+                                    </p:set>
+                                  </p:childTnLst>
+                                </p:cTn>
+                              </p:par>
+                              <p:par>
+                                <p:cTn id="7" presetID="1" presetClass="entr" presetSubtype="0" fill="hold" nodeType="withEffect">
+                                  <p:stCondLst>
+                                    <p:cond delay="0"/>
+                                  </p:stCondLst>
+                                  <p:childTnLst>
+                                    <p:set>
+                                      <p:cBhvr>
+                                        <p:cTn id="8" dur="1" fill="hold">
+                                          <p:stCondLst>
+                                            <p:cond delay="0"/>
+                                          </p:stCondLst>
+                                        </p:cTn>
+                                        <p:tgtEl>
+                                          <p:spTgt spid="7"/>
+                                        </p:tgtEl>
+                                        <p:attrNameLst>
+                                          <p:attrName>style.visibility</p:attrName>
+                                        </p:attrNameLst>
+                                      </p:cBhvr>
+                                      <p:to>
+                                        <p:strVal val="visible"/>
+                                      </p:to>
+                                    </p:set>
+                                  </p:childTnLst>
+                                </p:cTn>
+                              </p:par>
+                            </p:childTnLst>
+                          </p:cTn>
+                        </p:par>
+                      </p:childTnLst>
+                    </p:cTn>
+                  </p:par>
+                  <p:par>
+                    <p:cTn id="9" fill="hold">
+                      <p:stCondLst>
+                        <p:cond delay="indefinite"/>
+                      </p:stCondLst>
+                      <p:childTnLst>
+                        <p:par>
+                          <p:cTn id="10" fill="hold">
+                            <p:stCondLst>
+                              <p:cond delay="0"/>
+                            </p:stCondLst>
+                            <p:childTnLst>
+                              <p:par>
+                                <p:cTn id="11" presetID="1" presetClass="entr" presetSubtype="0" fill="hold" grpId="0" nodeType="clickEffect">
+                                  <p:stCondLst>
+                                    <p:cond delay="0"/>
+                                  </p:stCondLst>
+                                  <p:childTnLst>
+                                    <p:set>
+                                      <p:cBhvr>
+                                        <p:cTn id="12" dur="1" fill="hold">
+                                          <p:stCondLst>
+                                            <p:cond delay="0"/>
+                                          </p:stCondLst>
+                                        </p:cTn>
+                                        <p:tgtEl>
+                                          <p:spTgt spid="10"/>
+                                        </p:tgtEl>
+                                        <p:attrNameLst>
+                                          <p:attrName>style.visibility</p:attrName>
+                                        </p:attrNameLst>
+                                      </p:cBhvr>
+                                      <p:to>
+                                        <p:strVal val="visible"/>
+                                      </p:to>
+                                    </p:set>
+                                  </p:childTnLst>
+                                </p:cTn>
+                              </p:par>
+                              <p:par>
+                                <p:cTn id="13" presetID="1" presetClass="entr" presetSubtype="0" fill="hold" nodeType="withEffect">
+                                  <p:stCondLst>
+                                    <p:cond delay="0"/>
+                                  </p:stCondLst>
+                                  <p:childTnLst>
+                                    <p:set>
+                                      <p:cBhvr>
+                                        <p:cTn id="14" dur="1" fill="hold">
+                                          <p:stCondLst>
+                                            <p:cond delay="0"/>
+                                          </p:stCondLst>
+                                        </p:cTn>
+                                        <p:tgtEl>
+                                          <p:spTgt spid="8"/>
+                                        </p:tgtEl>
+                                        <p:attrNameLst>
+                                          <p:attrName>style.visibility</p:attrName>
+                                        </p:attrNameLst>
+                                      </p:cBhvr>
+                                      <p:to>
+                                        <p:strVal val="visible"/>
+                                      </p:to>
+                                    </p:set>
+                                  </p:childTnLst>
+                                </p:cTn>
+                              </p:par>
+                            </p:childTnLst>
+                          </p:cTn>
+                        </p:par>
+                      </p:childTnLst>
+                    </p:cTn>
+                  </p:par>
+                </p:childTnLst>
+              </p:cTn>
+              <p:prevCondLst>
+                <p:cond evt="onPrev" delay="0">
+                  <p:tgtEl>
+                    <p:sldTgt/>
+                  </p:tgtEl>
+                </p:cond>
+              </p:prevCondLst>
+              <p:nextCondLst>
+                <p:cond evt="onNext" delay="0">
+                  <p:tgtEl>
+                    <p:sldTgt/>
+                  </p:tgtEl>
+                </p:cond>
+              </p:nextCondLst>
+            </p:seq>
+          </p:childTnLst>
+        </p:cTn>
+      </p:par>
+    </p:tnLst>
+    <p:bldLst>
+      <p:bldP spid="9" grpId="0" animBg="1"/>
+      <p:bldP spid="10" grpId="0" animBg="1"/>
+    </p:bldLst>
+  </p:timing>
+</p:sld>
+</file>
+
+<file path=ppt/slides/slide14.xml><?xml version="1.0" encoding="utf-8"?>
+<p:sld xmlns:a="http://schemas.openxmlformats.org/drawingml/2006/main" xmlns:r="http://schemas.openxmlformats.org/officeDocument/2006/relationships" xmlns:p="http://schemas.openxmlformats.org/presentationml/2006/main">
+  <p:cSld>
+    <p:bg>
+      <p:bgPr>
+        <a:solidFill>
+          <a:srgbClr val="505050"/>
+        </a:solidFill>
+        <a:effectLst/>
+      </p:bgPr>
+    </p:bg>
+    <p:spTree>
+      <p:nvGrpSpPr>
+        <p:cNvPr id="1" name=""/>
+        <p:cNvGrpSpPr/>
+        <p:nvPr/>
+      </p:nvGrpSpPr>
+      <p:grpSpPr>
+        <a:xfrm>
+          <a:off x="0" y="0"/>
+          <a:ext cx="0" cy="0"/>
+          <a:chOff x="0" y="0"/>
+          <a:chExt cx="0" cy="0"/>
+        </a:xfrm>
+      </p:grpSpPr>
+      <p:sp>
+        <p:nvSpPr>
+          <p:cNvPr id="2" name="Title 1"/>
+          <p:cNvSpPr>
+            <a:spLocks noGrp="1"/>
+          </p:cNvSpPr>
+          <p:nvPr>
+            <p:ph type="title"/>
+          </p:nvPr>
+        </p:nvSpPr>
+        <p:spPr/>
+        <p:txBody>
+          <a:bodyPr/>
+          <a:lstStyle/>
+          <a:p>
+            <a:r>
+              <a:rPr lang="en-US" dirty="0"/>
               <a:t>Key Vault: Retrieval</a:t>
             </a:r>
           </a:p>
@@ -12458,7 +13276,7 @@
 </p:sld>
 </file>
 
-<file path=ppt/slides/slide13.xml><?xml version="1.0" encoding="utf-8"?>
+<file path=ppt/slides/slide15.xml><?xml version="1.0" encoding="utf-8"?>
 <p:sld xmlns:a="http://schemas.openxmlformats.org/drawingml/2006/main" xmlns:r="http://schemas.openxmlformats.org/officeDocument/2006/relationships" xmlns:p="http://schemas.openxmlformats.org/presentationml/2006/main">
   <p:cSld>
     <p:bg>
@@ -12822,7 +13640,7 @@
 </p:sld>
 </file>
 
-<file path=ppt/slides/slide14.xml><?xml version="1.0" encoding="utf-8"?>
+<file path=ppt/slides/slide16.xml><?xml version="1.0" encoding="utf-8"?>
 <p:sld xmlns:a="http://schemas.openxmlformats.org/drawingml/2006/main" xmlns:r="http://schemas.openxmlformats.org/officeDocument/2006/relationships" xmlns:p="http://schemas.openxmlformats.org/presentationml/2006/main">
   <p:cSld>
     <p:bg>
@@ -13345,7 +14163,7 @@
 </p:sld>
 </file>
 
-<file path=ppt/slides/slide15.xml><?xml version="1.0" encoding="utf-8"?>
+<file path=ppt/slides/slide17.xml><?xml version="1.0" encoding="utf-8"?>
 <p:sld xmlns:a="http://schemas.openxmlformats.org/drawingml/2006/main" xmlns:r="http://schemas.openxmlformats.org/officeDocument/2006/relationships" xmlns:p="http://schemas.openxmlformats.org/presentationml/2006/main">
   <p:cSld>
     <p:bg>
@@ -13491,7 +14309,7 @@
 </p:sld>
 </file>
 
-<file path=ppt/slides/slide16.xml><?xml version="1.0" encoding="utf-8"?>
+<file path=ppt/slides/slide18.xml><?xml version="1.0" encoding="utf-8"?>
 <p:sld xmlns:a="http://schemas.openxmlformats.org/drawingml/2006/main" xmlns:r="http://schemas.openxmlformats.org/officeDocument/2006/relationships" xmlns:p="http://schemas.openxmlformats.org/presentationml/2006/main">
   <p:cSld>
     <p:bg>
@@ -13621,14 +14439,32 @@
             </a:endParaRPr>
           </a:p>
           <a:p>
+            <a:pPr marL="0" indent="0">
+              <a:buNone/>
+            </a:pPr>
+            <a:r>
+              <a:rPr lang="en-US">
+                <a:hlinkClick r:id="rId4"/>
+              </a:rPr>
+              <a:t>a</a:t>
+            </a:r>
+            <a:r>
+              <a:rPr lang="en-US">
+                <a:hlinkClick r:id="rId4"/>
+              </a:rPr>
+              <a:t>ka</a:t>
+            </a:r>
             <a:r>
               <a:rPr lang="en-US" dirty="0">
                 <a:hlinkClick r:id="rId4"/>
               </a:rPr>
-              <a:t>aka.ms/dotnet-secret-mgr</a:t>
-            </a:r>
-          </a:p>
-          <a:p>
+              <a:t>.ms/dotnet-secret-mgr</a:t>
+            </a:r>
+          </a:p>
+          <a:p>
+            <a:pPr marL="0" indent="0">
+              <a:buNone/>
+            </a:pPr>
             <a:r>
               <a:rPr lang="en-US" dirty="0">
                 <a:hlinkClick r:id="rId5"/>
@@ -13815,7 +14651,7 @@
           <a:p>
             <a:r>
               <a:rPr lang="en-US" dirty="0"/>
-              <a:t>The problem</a:t>
+              <a:t>Identify the problem</a:t>
             </a:r>
           </a:p>
           <a:p>
@@ -14300,10 +15136,12 @@
             <a:picLocks noChangeAspect="1"/>
           </p:cNvPicPr>
           <p:nvPr>
-            <a:videoFile r:link="rId2"/>
+            <a:videoFile r:link="rId1"/>
             <p:extLst>
               <p:ext uri="{DAA4B4D4-6D71-4841-9C94-3DE7FCFB9230}">
-                <p14:media xmlns:p14="http://schemas.microsoft.com/office/powerpoint/2010/main" r:embed="rId1"/>
+                <p14:media xmlns:p14="http://schemas.microsoft.com/office/powerpoint/2010/main" r:embed="rId2">
+                  <p14:trim end="197"/>
+                </p14:media>
               </p:ext>
             </p:extLst>
           </p:nvPr>
@@ -14337,11 +15175,7 @@
             <a:graphicFrameLocks noGrp="1"/>
           </p:cNvGraphicFramePr>
           <p:nvPr>
-            <p:extLst>
-              <p:ext uri="{D42A27DB-BD31-4B8C-83A1-F6EECF244321}">
-                <p14:modId xmlns:p14="http://schemas.microsoft.com/office/powerpoint/2010/main" val="4261986974"/>
-              </p:ext>
-            </p:extLst>
+            <p:extLst/>
           </p:nvPr>
         </p:nvGraphicFramePr>
         <p:xfrm>
@@ -15012,7 +15846,7 @@
         </p:nvSpPr>
         <p:spPr>
           <a:xfrm>
-            <a:off x="0" y="333121"/>
+            <a:off x="0" y="327511"/>
             <a:ext cx="7428089" cy="338554"/>
           </a:xfrm>
           <a:prstGeom prst="rect">
@@ -15087,7 +15921,7 @@
         </p:nvSpPr>
         <p:spPr>
           <a:xfrm>
-            <a:off x="0" y="672720"/>
+            <a:off x="0" y="667110"/>
             <a:ext cx="7428089" cy="338554"/>
           </a:xfrm>
           <a:prstGeom prst="rect">
@@ -15203,7 +16037,7 @@
     </p:spTree>
     <p:extLst>
       <p:ext uri="{BB962C8B-B14F-4D97-AF65-F5344CB8AC3E}">
-        <p14:creationId xmlns:p14="http://schemas.microsoft.com/office/powerpoint/2010/main" val="2501423874"/>
+        <p14:creationId xmlns:p14="http://schemas.microsoft.com/office/powerpoint/2010/main" val="2690261117"/>
       </p:ext>
     </p:extLst>
   </p:cSld>
@@ -15222,6 +16056,9 @@
                     <p:cTn id="3" fill="hold">
                       <p:stCondLst>
                         <p:cond delay="indefinite"/>
+                        <p:cond evt="onBegin" delay="0">
+                          <p:tn val="2"/>
+                        </p:cond>
                       </p:stCondLst>
                       <p:childTnLst>
                         <p:par>
@@ -15231,14 +16068,14 @@
                             </p:stCondLst>
                             <p:childTnLst>
                               <p:par>
-                                <p:cTn id="5" presetID="1" presetClass="mediacall" presetSubtype="0" fill="hold" nodeType="clickEffect">
+                                <p:cTn id="5" presetID="1" presetClass="mediacall" presetSubtype="0" fill="hold" nodeType="afterEffect">
                                   <p:stCondLst>
                                     <p:cond delay="0"/>
                                   </p:stCondLst>
                                   <p:childTnLst>
                                     <p:cmd type="call" cmd="playFrom(0.0)">
                                       <p:cBhvr>
-                                        <p:cTn id="6" dur="24320" fill="hold"/>
+                                        <p:cTn id="6" dur="24123" fill="hold"/>
                                         <p:tgtEl>
                                           <p:spTgt spid="7"/>
                                         </p:tgtEl>
@@ -15247,33 +16084,15 @@
                                   </p:childTnLst>
                                 </p:cTn>
                               </p:par>
-                            </p:childTnLst>
-                          </p:cTn>
-                        </p:par>
-                      </p:childTnLst>
-                    </p:cTn>
-                  </p:par>
-                  <p:par>
-                    <p:cTn id="7" fill="hold">
-                      <p:stCondLst>
-                        <p:cond delay="indefinite"/>
-                      </p:stCondLst>
-                      <p:childTnLst>
-                        <p:par>
-                          <p:cTn id="8" fill="hold">
-                            <p:stCondLst>
-                              <p:cond delay="0"/>
-                            </p:stCondLst>
-                            <p:childTnLst>
                               <p:par>
-                                <p:cTn id="9" presetID="10" presetClass="entr" presetSubtype="0" fill="hold" grpId="0" nodeType="clickEffect">
+                                <p:cTn id="7" presetID="10" presetClass="entr" presetSubtype="0" fill="hold" grpId="0" nodeType="withEffect">
                                   <p:stCondLst>
-                                    <p:cond delay="0"/>
+                                    <p:cond delay="1000"/>
                                   </p:stCondLst>
                                   <p:childTnLst>
                                     <p:set>
                                       <p:cBhvr>
-                                        <p:cTn id="10" dur="1" fill="hold">
+                                        <p:cTn id="8" dur="1" fill="hold">
                                           <p:stCondLst>
                                             <p:cond delay="0"/>
                                           </p:stCondLst>
@@ -15291,7 +16110,7 @@
                                     </p:set>
                                     <p:animEffect transition="in" filter="fade">
                                       <p:cBhvr>
-                                        <p:cTn id="11" dur="500"/>
+                                        <p:cTn id="9" dur="500"/>
                                         <p:tgtEl>
                                           <p:spTgt spid="2"/>
                                         </p:tgtEl>
@@ -15301,14 +16120,14 @@
                                 </p:cTn>
                               </p:par>
                               <p:par>
-                                <p:cTn id="12" presetID="10" presetClass="entr" presetSubtype="0" fill="hold" grpId="0" nodeType="withEffect">
+                                <p:cTn id="10" presetID="10" presetClass="entr" presetSubtype="0" fill="hold" grpId="0" nodeType="withEffect">
                                   <p:stCondLst>
-                                    <p:cond delay="0"/>
+                                    <p:cond delay="1000"/>
                                   </p:stCondLst>
                                   <p:childTnLst>
                                     <p:set>
                                       <p:cBhvr>
-                                        <p:cTn id="13" dur="1" fill="hold">
+                                        <p:cTn id="11" dur="1" fill="hold">
                                           <p:stCondLst>
                                             <p:cond delay="0"/>
                                           </p:stCondLst>
@@ -15326,7 +16145,7 @@
                                     </p:set>
                                     <p:animEffect transition="in" filter="fade">
                                       <p:cBhvr>
-                                        <p:cTn id="14" dur="500"/>
+                                        <p:cTn id="12" dur="500"/>
                                         <p:tgtEl>
                                           <p:spTgt spid="9"/>
                                         </p:tgtEl>
@@ -15336,14 +16155,14 @@
                                 </p:cTn>
                               </p:par>
                               <p:par>
-                                <p:cTn id="15" presetID="10" presetClass="entr" presetSubtype="0" fill="hold" nodeType="withEffect">
+                                <p:cTn id="13" presetID="10" presetClass="entr" presetSubtype="0" fill="hold" nodeType="withEffect">
                                   <p:stCondLst>
-                                    <p:cond delay="0"/>
+                                    <p:cond delay="1000"/>
                                   </p:stCondLst>
                                   <p:childTnLst>
                                     <p:set>
                                       <p:cBhvr>
-                                        <p:cTn id="16" dur="1" fill="hold">
+                                        <p:cTn id="14" dur="1" fill="hold">
                                           <p:stCondLst>
                                             <p:cond delay="0"/>
                                           </p:stCondLst>
@@ -15361,7 +16180,7 @@
                                     </p:set>
                                     <p:animEffect transition="in" filter="fade">
                                       <p:cBhvr>
-                                        <p:cTn id="17" dur="500"/>
+                                        <p:cTn id="15" dur="500"/>
                                         <p:tgtEl>
                                           <p:spTgt spid="8"/>
                                         </p:tgtEl>
@@ -15370,33 +16189,15 @@
                                   </p:childTnLst>
                                 </p:cTn>
                               </p:par>
-                            </p:childTnLst>
-                          </p:cTn>
-                        </p:par>
-                      </p:childTnLst>
-                    </p:cTn>
-                  </p:par>
-                  <p:par>
-                    <p:cTn id="18" fill="hold">
-                      <p:stCondLst>
-                        <p:cond delay="indefinite"/>
-                      </p:stCondLst>
-                      <p:childTnLst>
-                        <p:par>
-                          <p:cTn id="19" fill="hold">
-                            <p:stCondLst>
-                              <p:cond delay="0"/>
-                            </p:stCondLst>
-                            <p:childTnLst>
                               <p:par>
-                                <p:cTn id="20" presetID="10" presetClass="entr" presetSubtype="0" fill="hold" grpId="0" nodeType="clickEffect">
+                                <p:cTn id="16" presetID="10" presetClass="entr" presetSubtype="0" fill="hold" grpId="0" nodeType="withEffect">
                                   <p:stCondLst>
-                                    <p:cond delay="0"/>
+                                    <p:cond delay="1000"/>
                                   </p:stCondLst>
                                   <p:childTnLst>
                                     <p:set>
                                       <p:cBhvr>
-                                        <p:cTn id="21" dur="1" fill="hold">
+                                        <p:cTn id="17" dur="1" fill="hold">
                                           <p:stCondLst>
                                             <p:cond delay="0"/>
                                           </p:stCondLst>
@@ -15414,7 +16215,7 @@
                                     </p:set>
                                     <p:animEffect transition="in" filter="fade">
                                       <p:cBhvr>
-                                        <p:cTn id="22" dur="500"/>
+                                        <p:cTn id="18" dur="500"/>
                                         <p:tgtEl>
                                           <p:spTgt spid="3"/>
                                         </p:tgtEl>
@@ -15424,14 +16225,14 @@
                                 </p:cTn>
                               </p:par>
                               <p:par>
-                                <p:cTn id="23" presetID="10" presetClass="entr" presetSubtype="0" fill="hold" grpId="0" nodeType="withEffect">
+                                <p:cTn id="19" presetID="10" presetClass="entr" presetSubtype="0" fill="hold" grpId="0" nodeType="withEffect">
                                   <p:stCondLst>
-                                    <p:cond delay="0"/>
+                                    <p:cond delay="1000"/>
                                   </p:stCondLst>
                                   <p:childTnLst>
                                     <p:set>
                                       <p:cBhvr>
-                                        <p:cTn id="24" dur="1" fill="hold">
+                                        <p:cTn id="20" dur="1" fill="hold">
                                           <p:stCondLst>
                                             <p:cond delay="0"/>
                                           </p:stCondLst>
@@ -15449,7 +16250,7 @@
                                     </p:set>
                                     <p:animEffect transition="in" filter="fade">
                                       <p:cBhvr>
-                                        <p:cTn id="25" dur="500"/>
+                                        <p:cTn id="21" dur="500"/>
                                         <p:tgtEl>
                                           <p:spTgt spid="10"/>
                                         </p:tgtEl>
@@ -15458,28 +16259,10 @@
                                   </p:childTnLst>
                                 </p:cTn>
                               </p:par>
-                            </p:childTnLst>
-                          </p:cTn>
-                        </p:par>
-                      </p:childTnLst>
-                    </p:cTn>
-                  </p:par>
-                  <p:par>
-                    <p:cTn id="26" fill="hold">
-                      <p:stCondLst>
-                        <p:cond delay="indefinite"/>
-                      </p:stCondLst>
-                      <p:childTnLst>
-                        <p:par>
-                          <p:cTn id="27" fill="hold">
-                            <p:stCondLst>
-                              <p:cond delay="0"/>
-                            </p:stCondLst>
-                            <p:childTnLst>
                               <p:par>
-                                <p:cTn id="28" presetID="1" presetClass="entr" presetSubtype="0" fill="hold" nodeType="clickEffect">
+                                <p:cTn id="22" presetID="1" presetClass="entr" presetSubtype="0" fill="hold" nodeType="withEffect">
                                   <p:stCondLst>
-                                    <p:cond delay="0"/>
+                                    <p:cond delay="2000"/>
                                   </p:stCondLst>
                                   <p:iterate type="lt">
                                     <p:tmAbs val="100"/>
@@ -15487,7 +16270,7 @@
                                   <p:childTnLst>
                                     <p:set>
                                       <p:cBhvr>
-                                        <p:cTn id="29" dur="1" fill="hold">
+                                        <p:cTn id="23" dur="1" fill="hold">
                                           <p:stCondLst>
                                             <p:cond delay="0"/>
                                           </p:stCondLst>
@@ -15510,28 +16293,10 @@
                                   </p:childTnLst>
                                 </p:cTn>
                               </p:par>
-                            </p:childTnLst>
-                          </p:cTn>
-                        </p:par>
-                      </p:childTnLst>
-                    </p:cTn>
-                  </p:par>
-                  <p:par>
-                    <p:cTn id="30" fill="hold">
-                      <p:stCondLst>
-                        <p:cond delay="indefinite"/>
-                      </p:stCondLst>
-                      <p:childTnLst>
-                        <p:par>
-                          <p:cTn id="31" fill="hold">
-                            <p:stCondLst>
-                              <p:cond delay="0"/>
-                            </p:stCondLst>
-                            <p:childTnLst>
                               <p:par>
-                                <p:cTn id="32" presetID="1" presetClass="entr" presetSubtype="0" fill="hold" nodeType="clickEffect">
+                                <p:cTn id="24" presetID="1" presetClass="entr" presetSubtype="0" fill="hold" nodeType="withEffect">
                                   <p:stCondLst>
-                                    <p:cond delay="0"/>
+                                    <p:cond delay="4000"/>
                                   </p:stCondLst>
                                   <p:iterate type="lt">
                                     <p:tmAbs val="100"/>
@@ -15539,7 +16304,7 @@
                                   <p:childTnLst>
                                     <p:set>
                                       <p:cBhvr>
-                                        <p:cTn id="33" dur="1" fill="hold">
+                                        <p:cTn id="25" dur="1" fill="hold">
                                           <p:stCondLst>
                                             <p:cond delay="0"/>
                                           </p:stCondLst>
@@ -15562,28 +16327,10 @@
                                   </p:childTnLst>
                                 </p:cTn>
                               </p:par>
-                            </p:childTnLst>
-                          </p:cTn>
-                        </p:par>
-                      </p:childTnLst>
-                    </p:cTn>
-                  </p:par>
-                  <p:par>
-                    <p:cTn id="34" fill="hold">
-                      <p:stCondLst>
-                        <p:cond delay="indefinite"/>
-                      </p:stCondLst>
-                      <p:childTnLst>
-                        <p:par>
-                          <p:cTn id="35" fill="hold">
-                            <p:stCondLst>
-                              <p:cond delay="0"/>
-                            </p:stCondLst>
-                            <p:childTnLst>
                               <p:par>
-                                <p:cTn id="36" presetID="1" presetClass="entr" presetSubtype="0" fill="hold" nodeType="clickEffect">
+                                <p:cTn id="26" presetID="1" presetClass="entr" presetSubtype="0" fill="hold" nodeType="withEffect">
                                   <p:stCondLst>
-                                    <p:cond delay="0"/>
+                                    <p:cond delay="10000"/>
                                   </p:stCondLst>
                                   <p:iterate type="lt">
                                     <p:tmAbs val="100"/>
@@ -15591,7 +16338,7 @@
                                   <p:childTnLst>
                                     <p:set>
                                       <p:cBhvr>
-                                        <p:cTn id="37" dur="1" fill="hold">
+                                        <p:cTn id="27" dur="1" fill="hold">
                                           <p:stCondLst>
                                             <p:cond delay="0"/>
                                           </p:stCondLst>
@@ -15614,28 +16361,10 @@
                                   </p:childTnLst>
                                 </p:cTn>
                               </p:par>
-                            </p:childTnLst>
-                          </p:cTn>
-                        </p:par>
-                      </p:childTnLst>
-                    </p:cTn>
-                  </p:par>
-                  <p:par>
-                    <p:cTn id="38" fill="hold">
-                      <p:stCondLst>
-                        <p:cond delay="indefinite"/>
-                      </p:stCondLst>
-                      <p:childTnLst>
-                        <p:par>
-                          <p:cTn id="39" fill="hold">
-                            <p:stCondLst>
-                              <p:cond delay="0"/>
-                            </p:stCondLst>
-                            <p:childTnLst>
                               <p:par>
-                                <p:cTn id="40" presetID="1" presetClass="entr" presetSubtype="0" fill="hold" nodeType="clickEffect">
+                                <p:cTn id="28" presetID="1" presetClass="entr" presetSubtype="0" fill="hold" nodeType="withEffect">
                                   <p:stCondLst>
-                                    <p:cond delay="0"/>
+                                    <p:cond delay="17500"/>
                                   </p:stCondLst>
                                   <p:iterate type="lt">
                                     <p:tmAbs val="300"/>
@@ -15643,9 +16372,9 @@
                                   <p:childTnLst>
                                     <p:set>
                                       <p:cBhvr>
-                                        <p:cTn id="41" dur="1" fill="hold">
+                                        <p:cTn id="29" dur="1" fill="hold">
                                           <p:stCondLst>
-                                            <p:cond delay="0"/>
+                                            <p:cond delay="499"/>
                                           </p:stCondLst>
                                         </p:cTn>
                                         <p:tgtEl>
@@ -15691,7 +16420,7 @@
             </p:seq>
             <p:video>
               <p:cMediaNode vol="80000">
-                <p:cTn id="42" fill="hold" display="0">
+                <p:cTn id="30" fill="hold" display="0">
                   <p:stCondLst>
                     <p:cond delay="indefinite"/>
                   </p:stCondLst>
@@ -15701,64 +16430,6 @@
                 </p:tgtEl>
               </p:cMediaNode>
             </p:video>
-            <p:seq concurrent="1" nextAc="seek">
-              <p:cTn id="43" restart="whenNotActive" fill="hold" evtFilter="cancelBubble" nodeType="interactiveSeq">
-                <p:stCondLst>
-                  <p:cond evt="onClick" delay="0">
-                    <p:tgtEl>
-                      <p:spTgt spid="7"/>
-                    </p:tgtEl>
-                  </p:cond>
-                </p:stCondLst>
-                <p:endSync evt="end" delay="0">
-                  <p:rtn val="all"/>
-                </p:endSync>
-                <p:childTnLst>
-                  <p:par>
-                    <p:cTn id="44" fill="hold">
-                      <p:stCondLst>
-                        <p:cond delay="0"/>
-                      </p:stCondLst>
-                      <p:childTnLst>
-                        <p:par>
-                          <p:cTn id="45" fill="hold">
-                            <p:stCondLst>
-                              <p:cond delay="0"/>
-                            </p:stCondLst>
-                            <p:childTnLst>
-                              <p:par>
-                                <p:cTn id="46" presetID="2" presetClass="mediacall" presetSubtype="0" fill="hold" nodeType="clickEffect">
-                                  <p:stCondLst>
-                                    <p:cond delay="0"/>
-                                  </p:stCondLst>
-                                  <p:childTnLst>
-                                    <p:cmd type="call" cmd="togglePause">
-                                      <p:cBhvr>
-                                        <p:cTn id="47" dur="1" fill="hold"/>
-                                        <p:tgtEl>
-                                          <p:spTgt spid="7"/>
-                                        </p:tgtEl>
-                                      </p:cBhvr>
-                                    </p:cmd>
-                                  </p:childTnLst>
-                                </p:cTn>
-                              </p:par>
-                            </p:childTnLst>
-                          </p:cTn>
-                        </p:par>
-                      </p:childTnLst>
-                    </p:cTn>
-                  </p:par>
-                </p:childTnLst>
-              </p:cTn>
-              <p:nextCondLst>
-                <p:cond evt="onClick" delay="0">
-                  <p:tgtEl>
-                    <p:spTgt spid="7"/>
-                  </p:tgtEl>
-                </p:cond>
-              </p:nextCondLst>
-            </p:seq>
           </p:childTnLst>
         </p:cTn>
       </p:par>
@@ -17217,7 +17888,11 @@
               <a:t>Solution Explorer </a:t>
             </a:r>
             <a:r>
-              <a:rPr lang="en-US" sz="3600" b="1" dirty="0"/>
+              <a:rPr lang="en-US" sz="3600" b="1" dirty="0">
+                <a:solidFill>
+                  <a:schemeClr val="accent4"/>
+                </a:solidFill>
+              </a:rPr>
               <a:t>&gt;</a:t>
             </a:r>
             <a:r>
@@ -17225,7 +17900,11 @@
               <a:t> right-click project </a:t>
             </a:r>
             <a:r>
-              <a:rPr lang="en-US" sz="3600" b="1" dirty="0"/>
+              <a:rPr lang="en-US" sz="3600" b="1" dirty="0">
+                <a:solidFill>
+                  <a:schemeClr val="accent4"/>
+                </a:solidFill>
+              </a:rPr>
               <a:t>&gt;</a:t>
             </a:r>
             <a:r>

--- a/Protecting App Secrets.pptx
+++ b/Protecting App Secrets.pptx
@@ -6,27 +6,28 @@
     <p:sldMasterId id="2147483660" r:id="rId2"/>
   </p:sldMasterIdLst>
   <p:notesMasterIdLst>
-    <p:notesMasterId r:id="rId21"/>
+    <p:notesMasterId r:id="rId22"/>
   </p:notesMasterIdLst>
   <p:sldIdLst>
     <p:sldId id="256" r:id="rId3"/>
-    <p:sldId id="322" r:id="rId4"/>
-    <p:sldId id="342" r:id="rId5"/>
-    <p:sldId id="328" r:id="rId6"/>
-    <p:sldId id="330" r:id="rId7"/>
-    <p:sldId id="323" r:id="rId8"/>
-    <p:sldId id="337" r:id="rId9"/>
-    <p:sldId id="332" r:id="rId10"/>
-    <p:sldId id="333" r:id="rId11"/>
-    <p:sldId id="338" r:id="rId12"/>
-    <p:sldId id="335" r:id="rId13"/>
-    <p:sldId id="340" r:id="rId14"/>
-    <p:sldId id="341" r:id="rId15"/>
-    <p:sldId id="336" r:id="rId16"/>
-    <p:sldId id="339" r:id="rId17"/>
-    <p:sldId id="331" r:id="rId18"/>
-    <p:sldId id="334" r:id="rId19"/>
-    <p:sldId id="326" r:id="rId20"/>
+    <p:sldId id="257" r:id="rId4"/>
+    <p:sldId id="322" r:id="rId5"/>
+    <p:sldId id="342" r:id="rId6"/>
+    <p:sldId id="328" r:id="rId7"/>
+    <p:sldId id="330" r:id="rId8"/>
+    <p:sldId id="323" r:id="rId9"/>
+    <p:sldId id="337" r:id="rId10"/>
+    <p:sldId id="332" r:id="rId11"/>
+    <p:sldId id="333" r:id="rId12"/>
+    <p:sldId id="338" r:id="rId13"/>
+    <p:sldId id="335" r:id="rId14"/>
+    <p:sldId id="336" r:id="rId15"/>
+    <p:sldId id="339" r:id="rId16"/>
+    <p:sldId id="340" r:id="rId17"/>
+    <p:sldId id="341" r:id="rId18"/>
+    <p:sldId id="331" r:id="rId19"/>
+    <p:sldId id="334" r:id="rId20"/>
+    <p:sldId id="326" r:id="rId21"/>
   </p:sldIdLst>
   <p:sldSz cx="12192000" cy="6858000"/>
   <p:notesSz cx="6858000" cy="9144000"/>
@@ -717,150 +718,6 @@
                 <a:tabLst/>
                 <a:defRPr/>
               </a:pPr>
-              <a:t>10</a:t>
-            </a:fld>
-            <a:endParaRPr kumimoji="0" lang="en-US" sz="1200" b="0" i="0" u="none" strike="noStrike" kern="1200" cap="none" spc="0" normalizeH="0" baseline="0" noProof="0">
-              <a:ln>
-                <a:noFill/>
-              </a:ln>
-              <a:solidFill>
-                <a:prstClr val="black"/>
-              </a:solidFill>
-              <a:effectLst/>
-              <a:uLnTx/>
-              <a:uFillTx/>
-              <a:latin typeface="Calibri" panose="020F0502020204030204"/>
-              <a:ea typeface="+mn-ea"/>
-              <a:cs typeface="+mn-cs"/>
-            </a:endParaRPr>
-          </a:p>
-        </p:txBody>
-      </p:sp>
-    </p:spTree>
-    <p:extLst>
-      <p:ext uri="{BB962C8B-B14F-4D97-AF65-F5344CB8AC3E}">
-        <p14:creationId xmlns:p14="http://schemas.microsoft.com/office/powerpoint/2010/main" val="3438339408"/>
-      </p:ext>
-    </p:extLst>
-  </p:cSld>
-  <p:clrMapOvr>
-    <a:masterClrMapping/>
-  </p:clrMapOvr>
-</p:notes>
-</file>
-
-<file path=ppt/notesSlides/notesSlide11.xml><?xml version="1.0" encoding="utf-8"?>
-<p:notes xmlns:a="http://schemas.openxmlformats.org/drawingml/2006/main" xmlns:r="http://schemas.openxmlformats.org/officeDocument/2006/relationships" xmlns:p="http://schemas.openxmlformats.org/presentationml/2006/main">
-  <p:cSld>
-    <p:spTree>
-      <p:nvGrpSpPr>
-        <p:cNvPr id="1" name=""/>
-        <p:cNvGrpSpPr/>
-        <p:nvPr/>
-      </p:nvGrpSpPr>
-      <p:grpSpPr>
-        <a:xfrm>
-          <a:off x="0" y="0"/>
-          <a:ext cx="0" cy="0"/>
-          <a:chOff x="0" y="0"/>
-          <a:chExt cx="0" cy="0"/>
-        </a:xfrm>
-      </p:grpSpPr>
-      <p:sp>
-        <p:nvSpPr>
-          <p:cNvPr id="2" name="Slide Image Placeholder 1"/>
-          <p:cNvSpPr>
-            <a:spLocks noGrp="1" noRot="1" noChangeAspect="1"/>
-          </p:cNvSpPr>
-          <p:nvPr>
-            <p:ph type="sldImg"/>
-          </p:nvPr>
-        </p:nvSpPr>
-        <p:spPr/>
-      </p:sp>
-      <p:sp>
-        <p:nvSpPr>
-          <p:cNvPr id="3" name="Notes Placeholder 2"/>
-          <p:cNvSpPr>
-            <a:spLocks noGrp="1"/>
-          </p:cNvSpPr>
-          <p:nvPr>
-            <p:ph type="body" idx="1"/>
-          </p:nvPr>
-        </p:nvSpPr>
-        <p:spPr/>
-        <p:txBody>
-          <a:bodyPr/>
-          <a:lstStyle/>
-          <a:p>
-            <a:endParaRPr lang="en-US"/>
-          </a:p>
-        </p:txBody>
-      </p:sp>
-      <p:sp>
-        <p:nvSpPr>
-          <p:cNvPr id="4" name="Slide Number Placeholder 3"/>
-          <p:cNvSpPr>
-            <a:spLocks noGrp="1"/>
-          </p:cNvSpPr>
-          <p:nvPr>
-            <p:ph type="sldNum" sz="quarter" idx="10"/>
-          </p:nvPr>
-        </p:nvSpPr>
-        <p:spPr/>
-        <p:txBody>
-          <a:bodyPr/>
-          <a:lstStyle/>
-          <a:p>
-            <a:pPr marL="0" marR="0" lvl="0" indent="0" algn="r" defTabSz="457200" rtl="0" eaLnBrk="1" fontAlgn="auto" latinLnBrk="0" hangingPunct="1">
-              <a:lnSpc>
-                <a:spcPct val="100000"/>
-              </a:lnSpc>
-              <a:spcBef>
-                <a:spcPts val="0"/>
-              </a:spcBef>
-              <a:spcAft>
-                <a:spcPts val="0"/>
-              </a:spcAft>
-              <a:buClrTx/>
-              <a:buSzTx/>
-              <a:buFontTx/>
-              <a:buNone/>
-              <a:tabLst/>
-              <a:defRPr/>
-            </a:pPr>
-            <a:fld id="{16A87904-88DE-4022-A424-ACD2E6FC1751}" type="slidenum">
-              <a:rPr kumimoji="0" lang="en-US" sz="1200" b="0" i="0" u="none" strike="noStrike" kern="1200" cap="none" spc="0" normalizeH="0" baseline="0" noProof="0" smtClean="0">
-                <a:ln>
-                  <a:noFill/>
-                </a:ln>
-                <a:solidFill>
-                  <a:prstClr val="black"/>
-                </a:solidFill>
-                <a:effectLst/>
-                <a:uLnTx/>
-                <a:uFillTx/>
-                <a:latin typeface="Calibri" panose="020F0502020204030204"/>
-                <a:ea typeface="+mn-ea"/>
-                <a:cs typeface="+mn-cs"/>
-              </a:rPr>
-              <a:pPr marL="0" marR="0" lvl="0" indent="0" algn="r" defTabSz="457200" rtl="0" eaLnBrk="1" fontAlgn="auto" latinLnBrk="0" hangingPunct="1">
-                <a:lnSpc>
-                  <a:spcPct val="100000"/>
-                </a:lnSpc>
-                <a:spcBef>
-                  <a:spcPts val="0"/>
-                </a:spcBef>
-                <a:spcAft>
-                  <a:spcPts val="0"/>
-                </a:spcAft>
-                <a:buClrTx/>
-                <a:buSzTx/>
-                <a:buFontTx/>
-                <a:buNone/>
-                <a:tabLst/>
-                <a:defRPr/>
-              </a:pPr>
               <a:t>11</a:t>
             </a:fld>
             <a:endParaRPr kumimoji="0" lang="en-US" sz="1200" b="0" i="0" u="none" strike="noStrike" kern="1200" cap="none" spc="0" normalizeH="0" baseline="0" noProof="0">
@@ -883,7 +740,7 @@
     </p:spTree>
     <p:extLst>
       <p:ext uri="{BB962C8B-B14F-4D97-AF65-F5344CB8AC3E}">
-        <p14:creationId xmlns:p14="http://schemas.microsoft.com/office/powerpoint/2010/main" val="2284713912"/>
+        <p14:creationId xmlns:p14="http://schemas.microsoft.com/office/powerpoint/2010/main" val="3438339408"/>
       </p:ext>
     </p:extLst>
   </p:cSld>
@@ -893,7 +750,7 @@
 </p:notes>
 </file>
 
-<file path=ppt/notesSlides/notesSlide12.xml><?xml version="1.0" encoding="utf-8"?>
+<file path=ppt/notesSlides/notesSlide11.xml><?xml version="1.0" encoding="utf-8"?>
 <p:notes xmlns:a="http://schemas.openxmlformats.org/drawingml/2006/main" xmlns:r="http://schemas.openxmlformats.org/officeDocument/2006/relationships" xmlns:p="http://schemas.openxmlformats.org/presentationml/2006/main">
   <p:cSld>
     <p:spTree>
@@ -1027,7 +884,7 @@
     </p:spTree>
     <p:extLst>
       <p:ext uri="{BB962C8B-B14F-4D97-AF65-F5344CB8AC3E}">
-        <p14:creationId xmlns:p14="http://schemas.microsoft.com/office/powerpoint/2010/main" val="2089021986"/>
+        <p14:creationId xmlns:p14="http://schemas.microsoft.com/office/powerpoint/2010/main" val="2284713912"/>
       </p:ext>
     </p:extLst>
   </p:cSld>
@@ -1037,7 +894,7 @@
 </p:notes>
 </file>
 
-<file path=ppt/notesSlides/notesSlide13.xml><?xml version="1.0" encoding="utf-8"?>
+<file path=ppt/notesSlides/notesSlide12.xml><?xml version="1.0" encoding="utf-8"?>
 <p:notes xmlns:a="http://schemas.openxmlformats.org/drawingml/2006/main" xmlns:r="http://schemas.openxmlformats.org/officeDocument/2006/relationships" xmlns:p="http://schemas.openxmlformats.org/presentationml/2006/main">
   <p:cSld>
     <p:spTree>
@@ -1081,7 +938,11 @@
           <a:bodyPr/>
           <a:lstStyle/>
           <a:p>
-            <a:endParaRPr lang="en-US"/>
+            <a:pPr marL="0" indent="0">
+              <a:buFontTx/>
+              <a:buNone/>
+            </a:pPr>
+            <a:endParaRPr lang="en-US" dirty="0"/>
           </a:p>
         </p:txBody>
       </p:sp>
@@ -1171,7 +1032,7 @@
     </p:spTree>
     <p:extLst>
       <p:ext uri="{BB962C8B-B14F-4D97-AF65-F5344CB8AC3E}">
-        <p14:creationId xmlns:p14="http://schemas.microsoft.com/office/powerpoint/2010/main" val="2286787676"/>
+        <p14:creationId xmlns:p14="http://schemas.microsoft.com/office/powerpoint/2010/main" val="662898044"/>
       </p:ext>
     </p:extLst>
   </p:cSld>
@@ -1181,7 +1042,7 @@
 </p:notes>
 </file>
 
-<file path=ppt/notesSlides/notesSlide14.xml><?xml version="1.0" encoding="utf-8"?>
+<file path=ppt/notesSlides/notesSlide13.xml><?xml version="1.0" encoding="utf-8"?>
 <p:notes xmlns:a="http://schemas.openxmlformats.org/drawingml/2006/main" xmlns:r="http://schemas.openxmlformats.org/officeDocument/2006/relationships" xmlns:p="http://schemas.openxmlformats.org/presentationml/2006/main">
   <p:cSld>
     <p:spTree>
@@ -1225,11 +1086,24 @@
           <a:bodyPr/>
           <a:lstStyle/>
           <a:p>
-            <a:pPr marL="0" indent="0">
+            <a:pPr marL="171450" indent="-171450">
               <a:buFontTx/>
-              <a:buNone/>
+              <a:buChar char="-"/>
             </a:pPr>
-            <a:endParaRPr lang="en-US" dirty="0"/>
+            <a:r>
+              <a:rPr lang="en-US" dirty="0"/>
+              <a:t>Download secrets from key vault with build task</a:t>
+            </a:r>
+          </a:p>
+          <a:p>
+            <a:pPr marL="628650" lvl="1" indent="-171450">
+              <a:buFontTx/>
+              <a:buChar char="-"/>
+            </a:pPr>
+            <a:r>
+              <a:rPr lang="en-US" dirty="0"/>
+              <a:t>Can use secrets as task variables in other build tasks</a:t>
+            </a:r>
           </a:p>
         </p:txBody>
       </p:sp>
@@ -1319,7 +1193,7 @@
     </p:spTree>
     <p:extLst>
       <p:ext uri="{BB962C8B-B14F-4D97-AF65-F5344CB8AC3E}">
-        <p14:creationId xmlns:p14="http://schemas.microsoft.com/office/powerpoint/2010/main" val="662898044"/>
+        <p14:creationId xmlns:p14="http://schemas.microsoft.com/office/powerpoint/2010/main" val="585389256"/>
       </p:ext>
     </p:extLst>
   </p:cSld>
@@ -1329,7 +1203,7 @@
 </p:notes>
 </file>
 
-<file path=ppt/notesSlides/notesSlide15.xml><?xml version="1.0" encoding="utf-8"?>
+<file path=ppt/notesSlides/notesSlide14.xml><?xml version="1.0" encoding="utf-8"?>
 <p:notes xmlns:a="http://schemas.openxmlformats.org/drawingml/2006/main" xmlns:r="http://schemas.openxmlformats.org/officeDocument/2006/relationships" xmlns:p="http://schemas.openxmlformats.org/presentationml/2006/main">
   <p:cSld>
     <p:spTree>
@@ -1373,24 +1247,7 @@
           <a:bodyPr/>
           <a:lstStyle/>
           <a:p>
-            <a:pPr marL="171450" indent="-171450">
-              <a:buFontTx/>
-              <a:buChar char="-"/>
-            </a:pPr>
-            <a:r>
-              <a:rPr lang="en-US" dirty="0"/>
-              <a:t>Download secrets from key vault with build task</a:t>
-            </a:r>
-          </a:p>
-          <a:p>
-            <a:pPr marL="628650" lvl="1" indent="-171450">
-              <a:buFontTx/>
-              <a:buChar char="-"/>
-            </a:pPr>
-            <a:r>
-              <a:rPr lang="en-US" dirty="0"/>
-              <a:t>Can use secrets as task variables in other build tasks</a:t>
-            </a:r>
+            <a:endParaRPr lang="en-US"/>
           </a:p>
         </p:txBody>
       </p:sp>
@@ -1480,7 +1337,7 @@
     </p:spTree>
     <p:extLst>
       <p:ext uri="{BB962C8B-B14F-4D97-AF65-F5344CB8AC3E}">
-        <p14:creationId xmlns:p14="http://schemas.microsoft.com/office/powerpoint/2010/main" val="585389256"/>
+        <p14:creationId xmlns:p14="http://schemas.microsoft.com/office/powerpoint/2010/main" val="2089021986"/>
       </p:ext>
     </p:extLst>
   </p:cSld>
@@ -1490,7 +1347,7 @@
 </p:notes>
 </file>
 
-<file path=ppt/notesSlides/notesSlide16.xml><?xml version="1.0" encoding="utf-8"?>
+<file path=ppt/notesSlides/notesSlide15.xml><?xml version="1.0" encoding="utf-8"?>
 <p:notes xmlns:a="http://schemas.openxmlformats.org/drawingml/2006/main" xmlns:r="http://schemas.openxmlformats.org/officeDocument/2006/relationships" xmlns:p="http://schemas.openxmlformats.org/presentationml/2006/main">
   <p:cSld>
     <p:spTree>
@@ -1534,7 +1391,7 @@
           <a:bodyPr/>
           <a:lstStyle/>
           <a:p>
-            <a:endParaRPr lang="en-US" dirty="0"/>
+            <a:endParaRPr lang="en-US"/>
           </a:p>
         </p:txBody>
       </p:sp>
@@ -1624,7 +1481,7 @@
     </p:spTree>
     <p:extLst>
       <p:ext uri="{BB962C8B-B14F-4D97-AF65-F5344CB8AC3E}">
-        <p14:creationId xmlns:p14="http://schemas.microsoft.com/office/powerpoint/2010/main" val="2232734480"/>
+        <p14:creationId xmlns:p14="http://schemas.microsoft.com/office/powerpoint/2010/main" val="2286787676"/>
       </p:ext>
     </p:extLst>
   </p:cSld>
@@ -1634,7 +1491,7 @@
 </p:notes>
 </file>
 
-<file path=ppt/notesSlides/notesSlide17.xml><?xml version="1.0" encoding="utf-8"?>
+<file path=ppt/notesSlides/notesSlide16.xml><?xml version="1.0" encoding="utf-8"?>
 <p:notes xmlns:a="http://schemas.openxmlformats.org/drawingml/2006/main" xmlns:r="http://schemas.openxmlformats.org/officeDocument/2006/relationships" xmlns:p="http://schemas.openxmlformats.org/presentationml/2006/main">
   <p:cSld>
     <p:spTree>
@@ -1768,7 +1625,7 @@
     </p:spTree>
     <p:extLst>
       <p:ext uri="{BB962C8B-B14F-4D97-AF65-F5344CB8AC3E}">
-        <p14:creationId xmlns:p14="http://schemas.microsoft.com/office/powerpoint/2010/main" val="1203295569"/>
+        <p14:creationId xmlns:p14="http://schemas.microsoft.com/office/powerpoint/2010/main" val="2232734480"/>
       </p:ext>
     </p:extLst>
   </p:cSld>
@@ -1778,7 +1635,7 @@
 </p:notes>
 </file>
 
-<file path=ppt/notesSlides/notesSlide18.xml><?xml version="1.0" encoding="utf-8"?>
+<file path=ppt/notesSlides/notesSlide17.xml><?xml version="1.0" encoding="utf-8"?>
 <p:notes xmlns:a="http://schemas.openxmlformats.org/drawingml/2006/main" xmlns:r="http://schemas.openxmlformats.org/officeDocument/2006/relationships" xmlns:p="http://schemas.openxmlformats.org/presentationml/2006/main">
   <p:cSld>
     <p:spTree>
@@ -1822,7 +1679,7 @@
           <a:bodyPr/>
           <a:lstStyle/>
           <a:p>
-            <a:endParaRPr lang="en-US"/>
+            <a:endParaRPr lang="en-US" dirty="0"/>
           </a:p>
         </p:txBody>
       </p:sp>
@@ -1912,7 +1769,7 @@
     </p:spTree>
     <p:extLst>
       <p:ext uri="{BB962C8B-B14F-4D97-AF65-F5344CB8AC3E}">
-        <p14:creationId xmlns:p14="http://schemas.microsoft.com/office/powerpoint/2010/main" val="2271797707"/>
+        <p14:creationId xmlns:p14="http://schemas.microsoft.com/office/powerpoint/2010/main" val="1203295569"/>
       </p:ext>
     </p:extLst>
   </p:cSld>
@@ -1922,7 +1779,7 @@
 </p:notes>
 </file>
 
-<file path=ppt/notesSlides/notesSlide2.xml><?xml version="1.0" encoding="utf-8"?>
+<file path=ppt/notesSlides/notesSlide18.xml><?xml version="1.0" encoding="utf-8"?>
 <p:notes xmlns:a="http://schemas.openxmlformats.org/drawingml/2006/main" xmlns:r="http://schemas.openxmlformats.org/officeDocument/2006/relationships" xmlns:p="http://schemas.openxmlformats.org/presentationml/2006/main">
   <p:cSld>
     <p:spTree>
@@ -2034,7 +1891,7 @@
                 <a:tabLst/>
                 <a:defRPr/>
               </a:pPr>
-              <a:t>2</a:t>
+              <a:t>19</a:t>
             </a:fld>
             <a:endParaRPr kumimoji="0" lang="en-US" sz="1200" b="0" i="0" u="none" strike="noStrike" kern="1200" cap="none" spc="0" normalizeH="0" baseline="0" noProof="0">
               <a:ln>
@@ -2056,7 +1913,7 @@
     </p:spTree>
     <p:extLst>
       <p:ext uri="{BB962C8B-B14F-4D97-AF65-F5344CB8AC3E}">
-        <p14:creationId xmlns:p14="http://schemas.microsoft.com/office/powerpoint/2010/main" val="1039297501"/>
+        <p14:creationId xmlns:p14="http://schemas.microsoft.com/office/powerpoint/2010/main" val="2271797707"/>
       </p:ext>
     </p:extLst>
   </p:cSld>
@@ -2066,7 +1923,7 @@
 </p:notes>
 </file>
 
-<file path=ppt/notesSlides/notesSlide3.xml><?xml version="1.0" encoding="utf-8"?>
+<file path=ppt/notesSlides/notesSlide2.xml><?xml version="1.0" encoding="utf-8"?>
 <p:notes xmlns:a="http://schemas.openxmlformats.org/drawingml/2006/main" xmlns:r="http://schemas.openxmlformats.org/officeDocument/2006/relationships" xmlns:p="http://schemas.openxmlformats.org/presentationml/2006/main">
   <p:cSld>
     <p:spTree>
@@ -2110,10 +1967,7 @@
           <a:bodyPr/>
           <a:lstStyle/>
           <a:p>
-            <a:r>
-              <a:rPr lang="en-US" dirty="0"/>
-              <a:t>“Meet John: an overworked, underpaid developer fueled by caffeine and pizza.”</a:t>
-            </a:r>
+            <a:endParaRPr lang="en-US"/>
           </a:p>
         </p:txBody>
       </p:sp>
@@ -2203,7 +2057,7 @@
     </p:spTree>
     <p:extLst>
       <p:ext uri="{BB962C8B-B14F-4D97-AF65-F5344CB8AC3E}">
-        <p14:creationId xmlns:p14="http://schemas.microsoft.com/office/powerpoint/2010/main" val="3314926284"/>
+        <p14:creationId xmlns:p14="http://schemas.microsoft.com/office/powerpoint/2010/main" val="1039297501"/>
       </p:ext>
     </p:extLst>
   </p:cSld>
@@ -2213,7 +2067,7 @@
 </p:notes>
 </file>
 
-<file path=ppt/notesSlides/notesSlide4.xml><?xml version="1.0" encoding="utf-8"?>
+<file path=ppt/notesSlides/notesSlide3.xml><?xml version="1.0" encoding="utf-8"?>
 <p:notes xmlns:a="http://schemas.openxmlformats.org/drawingml/2006/main" xmlns:r="http://schemas.openxmlformats.org/officeDocument/2006/relationships" xmlns:p="http://schemas.openxmlformats.org/presentationml/2006/main">
   <p:cSld>
     <p:spTree>
@@ -2257,7 +2111,10 @@
           <a:bodyPr/>
           <a:lstStyle/>
           <a:p>
-            <a:endParaRPr lang="en-US" dirty="0"/>
+            <a:r>
+              <a:rPr lang="en-US" dirty="0"/>
+              <a:t>“Meet John: an overworked, underpaid developer fueled by caffeine and pizza.”</a:t>
+            </a:r>
           </a:p>
         </p:txBody>
       </p:sp>
@@ -2347,7 +2204,7 @@
     </p:spTree>
     <p:extLst>
       <p:ext uri="{BB962C8B-B14F-4D97-AF65-F5344CB8AC3E}">
-        <p14:creationId xmlns:p14="http://schemas.microsoft.com/office/powerpoint/2010/main" val="3606351379"/>
+        <p14:creationId xmlns:p14="http://schemas.microsoft.com/office/powerpoint/2010/main" val="3314926284"/>
       </p:ext>
     </p:extLst>
   </p:cSld>
@@ -2357,7 +2214,7 @@
 </p:notes>
 </file>
 
-<file path=ppt/notesSlides/notesSlide5.xml><?xml version="1.0" encoding="utf-8"?>
+<file path=ppt/notesSlides/notesSlide4.xml><?xml version="1.0" encoding="utf-8"?>
 <p:notes xmlns:a="http://schemas.openxmlformats.org/drawingml/2006/main" xmlns:r="http://schemas.openxmlformats.org/officeDocument/2006/relationships" xmlns:p="http://schemas.openxmlformats.org/presentationml/2006/main">
   <p:cSld>
     <p:spTree>
@@ -2401,7 +2258,7 @@
           <a:bodyPr/>
           <a:lstStyle/>
           <a:p>
-            <a:endParaRPr lang="en-US"/>
+            <a:endParaRPr lang="en-US" dirty="0"/>
           </a:p>
         </p:txBody>
       </p:sp>
@@ -2491,7 +2348,7 @@
     </p:spTree>
     <p:extLst>
       <p:ext uri="{BB962C8B-B14F-4D97-AF65-F5344CB8AC3E}">
-        <p14:creationId xmlns:p14="http://schemas.microsoft.com/office/powerpoint/2010/main" val="2086605041"/>
+        <p14:creationId xmlns:p14="http://schemas.microsoft.com/office/powerpoint/2010/main" val="3606351379"/>
       </p:ext>
     </p:extLst>
   </p:cSld>
@@ -2501,7 +2358,7 @@
 </p:notes>
 </file>
 
-<file path=ppt/notesSlides/notesSlide6.xml><?xml version="1.0" encoding="utf-8"?>
+<file path=ppt/notesSlides/notesSlide5.xml><?xml version="1.0" encoding="utf-8"?>
 <p:notes xmlns:a="http://schemas.openxmlformats.org/drawingml/2006/main" xmlns:r="http://schemas.openxmlformats.org/officeDocument/2006/relationships" xmlns:p="http://schemas.openxmlformats.org/presentationml/2006/main">
   <p:cSld>
     <p:spTree>
@@ -2545,10 +2402,7 @@
           <a:bodyPr/>
           <a:lstStyle/>
           <a:p>
-            <a:r>
-              <a:rPr lang="en-US" dirty="0"/>
-              <a:t>FIPS = Federal Information Processing Standard</a:t>
-            </a:r>
+            <a:endParaRPr lang="en-US"/>
           </a:p>
         </p:txBody>
       </p:sp>
@@ -2638,7 +2492,7 @@
     </p:spTree>
     <p:extLst>
       <p:ext uri="{BB962C8B-B14F-4D97-AF65-F5344CB8AC3E}">
-        <p14:creationId xmlns:p14="http://schemas.microsoft.com/office/powerpoint/2010/main" val="1098370839"/>
+        <p14:creationId xmlns:p14="http://schemas.microsoft.com/office/powerpoint/2010/main" val="2086605041"/>
       </p:ext>
     </p:extLst>
   </p:cSld>
@@ -2648,7 +2502,7 @@
 </p:notes>
 </file>
 
-<file path=ppt/notesSlides/notesSlide7.xml><?xml version="1.0" encoding="utf-8"?>
+<file path=ppt/notesSlides/notesSlide6.xml><?xml version="1.0" encoding="utf-8"?>
 <p:notes xmlns:a="http://schemas.openxmlformats.org/drawingml/2006/main" xmlns:r="http://schemas.openxmlformats.org/officeDocument/2006/relationships" xmlns:p="http://schemas.openxmlformats.org/presentationml/2006/main">
   <p:cSld>
     <p:spTree>
@@ -2693,53 +2547,8 @@
           <a:lstStyle/>
           <a:p>
             <a:r>
-              <a:rPr lang="en-US" u="sng" dirty="0"/>
-              <a:t>VS SUPPORT</a:t>
-            </a:r>
-          </a:p>
-          <a:p>
-            <a:pPr marL="171450" indent="-171450">
-              <a:buFontTx/>
-              <a:buChar char="-"/>
-            </a:pPr>
-            <a:r>
               <a:rPr lang="en-US" dirty="0"/>
-              <a:t>.NET Core support ONLY in 15.7 (</a:t>
-            </a:r>
-            <a:r>
-              <a:rPr lang="en-US" dirty="0" err="1"/>
-              <a:t>secrets.json</a:t>
-            </a:r>
-            <a:r>
-              <a:rPr lang="en-US" dirty="0"/>
-              <a:t>)</a:t>
-            </a:r>
-          </a:p>
-          <a:p>
-            <a:pPr marL="171450" indent="-171450">
-              <a:buFontTx/>
-              <a:buChar char="-"/>
-            </a:pPr>
-            <a:r>
-              <a:rPr lang="en-US" dirty="0"/>
-              <a:t>.NET Framework support in 15.8 (secrets.xml)</a:t>
-            </a:r>
-          </a:p>
-          <a:p>
-            <a:pPr marL="171450" indent="-171450">
-              <a:buFontTx/>
-              <a:buChar char="-"/>
-            </a:pPr>
-            <a:endParaRPr lang="en-US" dirty="0"/>
-          </a:p>
-          <a:p>
-            <a:pPr marL="0" indent="0">
-              <a:buFontTx/>
-              <a:buNone/>
-            </a:pPr>
-            <a:r>
-              <a:rPr lang="en-US" dirty="0"/>
-              <a:t>.NET Core SDK 2.1.300 bundles user-secrets command</a:t>
+              <a:t>FIPS = Federal Information Processing Standard</a:t>
             </a:r>
           </a:p>
         </p:txBody>
@@ -2830,7 +2639,7 @@
     </p:spTree>
     <p:extLst>
       <p:ext uri="{BB962C8B-B14F-4D97-AF65-F5344CB8AC3E}">
-        <p14:creationId xmlns:p14="http://schemas.microsoft.com/office/powerpoint/2010/main" val="1196958691"/>
+        <p14:creationId xmlns:p14="http://schemas.microsoft.com/office/powerpoint/2010/main" val="1098370839"/>
       </p:ext>
     </p:extLst>
   </p:cSld>
@@ -2840,7 +2649,7 @@
 </p:notes>
 </file>
 
-<file path=ppt/notesSlides/notesSlide8.xml><?xml version="1.0" encoding="utf-8"?>
+<file path=ppt/notesSlides/notesSlide7.xml><?xml version="1.0" encoding="utf-8"?>
 <p:notes xmlns:a="http://schemas.openxmlformats.org/drawingml/2006/main" xmlns:r="http://schemas.openxmlformats.org/officeDocument/2006/relationships" xmlns:p="http://schemas.openxmlformats.org/presentationml/2006/main">
   <p:cSld>
     <p:spTree>
@@ -2884,7 +2693,55 @@
           <a:bodyPr/>
           <a:lstStyle/>
           <a:p>
-            <a:endParaRPr lang="en-US"/>
+            <a:r>
+              <a:rPr lang="en-US" u="sng" dirty="0"/>
+              <a:t>VS SUPPORT</a:t>
+            </a:r>
+          </a:p>
+          <a:p>
+            <a:pPr marL="171450" indent="-171450">
+              <a:buFontTx/>
+              <a:buChar char="-"/>
+            </a:pPr>
+            <a:r>
+              <a:rPr lang="en-US" dirty="0"/>
+              <a:t>.NET Core support ONLY in 15.7 (</a:t>
+            </a:r>
+            <a:r>
+              <a:rPr lang="en-US" dirty="0" err="1"/>
+              <a:t>secrets.json</a:t>
+            </a:r>
+            <a:r>
+              <a:rPr lang="en-US" dirty="0"/>
+              <a:t>)</a:t>
+            </a:r>
+          </a:p>
+          <a:p>
+            <a:pPr marL="171450" indent="-171450">
+              <a:buFontTx/>
+              <a:buChar char="-"/>
+            </a:pPr>
+            <a:r>
+              <a:rPr lang="en-US" dirty="0"/>
+              <a:t>.NET Framework support in 15.8 (secrets.xml)</a:t>
+            </a:r>
+          </a:p>
+          <a:p>
+            <a:pPr marL="171450" indent="-171450">
+              <a:buFontTx/>
+              <a:buChar char="-"/>
+            </a:pPr>
+            <a:endParaRPr lang="en-US" dirty="0"/>
+          </a:p>
+          <a:p>
+            <a:pPr marL="0" indent="0">
+              <a:buFontTx/>
+              <a:buNone/>
+            </a:pPr>
+            <a:r>
+              <a:rPr lang="en-US" dirty="0"/>
+              <a:t>.NET Core SDK 2.1.300 bundles user-secrets command</a:t>
+            </a:r>
           </a:p>
         </p:txBody>
       </p:sp>
@@ -2974,7 +2831,7 @@
     </p:spTree>
     <p:extLst>
       <p:ext uri="{BB962C8B-B14F-4D97-AF65-F5344CB8AC3E}">
-        <p14:creationId xmlns:p14="http://schemas.microsoft.com/office/powerpoint/2010/main" val="2365127105"/>
+        <p14:creationId xmlns:p14="http://schemas.microsoft.com/office/powerpoint/2010/main" val="1196958691"/>
       </p:ext>
     </p:extLst>
   </p:cSld>
@@ -2984,7 +2841,7 @@
 </p:notes>
 </file>
 
-<file path=ppt/notesSlides/notesSlide9.xml><?xml version="1.0" encoding="utf-8"?>
+<file path=ppt/notesSlides/notesSlide8.xml><?xml version="1.0" encoding="utf-8"?>
 <p:notes xmlns:a="http://schemas.openxmlformats.org/drawingml/2006/main" xmlns:r="http://schemas.openxmlformats.org/officeDocument/2006/relationships" xmlns:p="http://schemas.openxmlformats.org/presentationml/2006/main">
   <p:cSld>
     <p:spTree>
@@ -3097,6 +2954,150 @@
                 <a:defRPr/>
               </a:pPr>
               <a:t>9</a:t>
+            </a:fld>
+            <a:endParaRPr kumimoji="0" lang="en-US" sz="1200" b="0" i="0" u="none" strike="noStrike" kern="1200" cap="none" spc="0" normalizeH="0" baseline="0" noProof="0">
+              <a:ln>
+                <a:noFill/>
+              </a:ln>
+              <a:solidFill>
+                <a:prstClr val="black"/>
+              </a:solidFill>
+              <a:effectLst/>
+              <a:uLnTx/>
+              <a:uFillTx/>
+              <a:latin typeface="Calibri" panose="020F0502020204030204"/>
+              <a:ea typeface="+mn-ea"/>
+              <a:cs typeface="+mn-cs"/>
+            </a:endParaRPr>
+          </a:p>
+        </p:txBody>
+      </p:sp>
+    </p:spTree>
+    <p:extLst>
+      <p:ext uri="{BB962C8B-B14F-4D97-AF65-F5344CB8AC3E}">
+        <p14:creationId xmlns:p14="http://schemas.microsoft.com/office/powerpoint/2010/main" val="2365127105"/>
+      </p:ext>
+    </p:extLst>
+  </p:cSld>
+  <p:clrMapOvr>
+    <a:masterClrMapping/>
+  </p:clrMapOvr>
+</p:notes>
+</file>
+
+<file path=ppt/notesSlides/notesSlide9.xml><?xml version="1.0" encoding="utf-8"?>
+<p:notes xmlns:a="http://schemas.openxmlformats.org/drawingml/2006/main" xmlns:r="http://schemas.openxmlformats.org/officeDocument/2006/relationships" xmlns:p="http://schemas.openxmlformats.org/presentationml/2006/main">
+  <p:cSld>
+    <p:spTree>
+      <p:nvGrpSpPr>
+        <p:cNvPr id="1" name=""/>
+        <p:cNvGrpSpPr/>
+        <p:nvPr/>
+      </p:nvGrpSpPr>
+      <p:grpSpPr>
+        <a:xfrm>
+          <a:off x="0" y="0"/>
+          <a:ext cx="0" cy="0"/>
+          <a:chOff x="0" y="0"/>
+          <a:chExt cx="0" cy="0"/>
+        </a:xfrm>
+      </p:grpSpPr>
+      <p:sp>
+        <p:nvSpPr>
+          <p:cNvPr id="2" name="Slide Image Placeholder 1"/>
+          <p:cNvSpPr>
+            <a:spLocks noGrp="1" noRot="1" noChangeAspect="1"/>
+          </p:cNvSpPr>
+          <p:nvPr>
+            <p:ph type="sldImg"/>
+          </p:nvPr>
+        </p:nvSpPr>
+        <p:spPr/>
+      </p:sp>
+      <p:sp>
+        <p:nvSpPr>
+          <p:cNvPr id="3" name="Notes Placeholder 2"/>
+          <p:cNvSpPr>
+            <a:spLocks noGrp="1"/>
+          </p:cNvSpPr>
+          <p:nvPr>
+            <p:ph type="body" idx="1"/>
+          </p:nvPr>
+        </p:nvSpPr>
+        <p:spPr/>
+        <p:txBody>
+          <a:bodyPr/>
+          <a:lstStyle/>
+          <a:p>
+            <a:endParaRPr lang="en-US"/>
+          </a:p>
+        </p:txBody>
+      </p:sp>
+      <p:sp>
+        <p:nvSpPr>
+          <p:cNvPr id="4" name="Slide Number Placeholder 3"/>
+          <p:cNvSpPr>
+            <a:spLocks noGrp="1"/>
+          </p:cNvSpPr>
+          <p:nvPr>
+            <p:ph type="sldNum" sz="quarter" idx="10"/>
+          </p:nvPr>
+        </p:nvSpPr>
+        <p:spPr/>
+        <p:txBody>
+          <a:bodyPr/>
+          <a:lstStyle/>
+          <a:p>
+            <a:pPr marL="0" marR="0" lvl="0" indent="0" algn="r" defTabSz="457200" rtl="0" eaLnBrk="1" fontAlgn="auto" latinLnBrk="0" hangingPunct="1">
+              <a:lnSpc>
+                <a:spcPct val="100000"/>
+              </a:lnSpc>
+              <a:spcBef>
+                <a:spcPts val="0"/>
+              </a:spcBef>
+              <a:spcAft>
+                <a:spcPts val="0"/>
+              </a:spcAft>
+              <a:buClrTx/>
+              <a:buSzTx/>
+              <a:buFontTx/>
+              <a:buNone/>
+              <a:tabLst/>
+              <a:defRPr/>
+            </a:pPr>
+            <a:fld id="{16A87904-88DE-4022-A424-ACD2E6FC1751}" type="slidenum">
+              <a:rPr kumimoji="0" lang="en-US" sz="1200" b="0" i="0" u="none" strike="noStrike" kern="1200" cap="none" spc="0" normalizeH="0" baseline="0" noProof="0" smtClean="0">
+                <a:ln>
+                  <a:noFill/>
+                </a:ln>
+                <a:solidFill>
+                  <a:prstClr val="black"/>
+                </a:solidFill>
+                <a:effectLst/>
+                <a:uLnTx/>
+                <a:uFillTx/>
+                <a:latin typeface="Calibri" panose="020F0502020204030204"/>
+                <a:ea typeface="+mn-ea"/>
+                <a:cs typeface="+mn-cs"/>
+              </a:rPr>
+              <a:pPr marL="0" marR="0" lvl="0" indent="0" algn="r" defTabSz="457200" rtl="0" eaLnBrk="1" fontAlgn="auto" latinLnBrk="0" hangingPunct="1">
+                <a:lnSpc>
+                  <a:spcPct val="100000"/>
+                </a:lnSpc>
+                <a:spcBef>
+                  <a:spcPts val="0"/>
+                </a:spcBef>
+                <a:spcAft>
+                  <a:spcPts val="0"/>
+                </a:spcAft>
+                <a:buClrTx/>
+                <a:buSzTx/>
+                <a:buFontTx/>
+                <a:buNone/>
+                <a:tabLst/>
+                <a:defRPr/>
+              </a:pPr>
+              <a:t>10</a:t>
             </a:fld>
             <a:endParaRPr kumimoji="0" lang="en-US" sz="1200" b="0" i="0" u="none" strike="noStrike" kern="1200" cap="none" spc="0" normalizeH="0" baseline="0" noProof="0">
               <a:ln>
@@ -9849,6 +9850,1270 @@
 </file>
 
 <file path=ppt/slides/slide10.xml><?xml version="1.0" encoding="utf-8"?>
+<p:sld xmlns:a="http://schemas.openxmlformats.org/drawingml/2006/main" xmlns:r="http://schemas.openxmlformats.org/officeDocument/2006/relationships" xmlns:p="http://schemas.openxmlformats.org/presentationml/2006/main">
+  <p:cSld>
+    <p:bg>
+      <p:bgPr>
+        <a:solidFill>
+          <a:srgbClr val="505050"/>
+        </a:solidFill>
+        <a:effectLst/>
+      </p:bgPr>
+    </p:bg>
+    <p:spTree>
+      <p:nvGrpSpPr>
+        <p:cNvPr id="1" name=""/>
+        <p:cNvGrpSpPr/>
+        <p:nvPr/>
+      </p:nvGrpSpPr>
+      <p:grpSpPr>
+        <a:xfrm>
+          <a:off x="0" y="0"/>
+          <a:ext cx="0" cy="0"/>
+          <a:chOff x="0" y="0"/>
+          <a:chExt cx="0" cy="0"/>
+        </a:xfrm>
+      </p:grpSpPr>
+      <p:sp>
+        <p:nvSpPr>
+          <p:cNvPr id="2" name="Title 1"/>
+          <p:cNvSpPr>
+            <a:spLocks noGrp="1"/>
+          </p:cNvSpPr>
+          <p:nvPr>
+            <p:ph type="title"/>
+          </p:nvPr>
+        </p:nvSpPr>
+        <p:spPr/>
+        <p:txBody>
+          <a:bodyPr/>
+          <a:lstStyle/>
+          <a:p>
+            <a:r>
+              <a:rPr lang="en-US" dirty="0"/>
+              <a:t>Secret Manager: Retrieval</a:t>
+            </a:r>
+          </a:p>
+        </p:txBody>
+      </p:sp>
+      <p:graphicFrame>
+        <p:nvGraphicFramePr>
+          <p:cNvPr id="4" name="Table 3">
+            <a:extLst>
+              <a:ext uri="{FF2B5EF4-FFF2-40B4-BE49-F238E27FC236}">
+                <a16:creationId xmlns:a16="http://schemas.microsoft.com/office/drawing/2014/main" id="{FB18C7D4-3492-4E4E-800A-CAFC344516DD}"/>
+              </a:ext>
+            </a:extLst>
+          </p:cNvPr>
+          <p:cNvGraphicFramePr>
+            <a:graphicFrameLocks noGrp="1"/>
+          </p:cNvGraphicFramePr>
+          <p:nvPr>
+            <p:extLst>
+              <p:ext uri="{D42A27DB-BD31-4B8C-83A1-F6EECF244321}">
+                <p14:modId xmlns:p14="http://schemas.microsoft.com/office/powerpoint/2010/main" val="2112485447"/>
+              </p:ext>
+            </p:extLst>
+          </p:nvPr>
+        </p:nvGraphicFramePr>
+        <p:xfrm>
+          <a:off x="844462" y="1920876"/>
+          <a:ext cx="9165812" cy="4328160"/>
+        </p:xfrm>
+        <a:graphic>
+          <a:graphicData uri="http://schemas.openxmlformats.org/drawingml/2006/table">
+            <a:tbl>
+              <a:tblPr firstRow="1" bandRow="1"/>
+              <a:tblGrid>
+                <a:gridCol w="9165812">
+                  <a:extLst>
+                    <a:ext uri="{9D8B030D-6E8A-4147-A177-3AD203B41FA5}">
+                      <a16:colId xmlns:a16="http://schemas.microsoft.com/office/drawing/2014/main" val="1057070397"/>
+                    </a:ext>
+                  </a:extLst>
+                </a:gridCol>
+              </a:tblGrid>
+              <a:tr h="3800574">
+                <a:tc>
+                  <a:txBody>
+                    <a:bodyPr/>
+                    <a:lstStyle>
+                      <a:lvl1pPr marL="0" algn="l" defTabSz="914400" rtl="0" eaLnBrk="1" latinLnBrk="0" hangingPunct="1">
+                        <a:defRPr sz="1800" b="1" kern="1200">
+                          <a:solidFill>
+                            <a:schemeClr val="lt1"/>
+                          </a:solidFill>
+                          <a:latin typeface="Segoe UI Light"/>
+                        </a:defRPr>
+                      </a:lvl1pPr>
+                      <a:lvl2pPr marL="457200" algn="l" defTabSz="914400" rtl="0" eaLnBrk="1" latinLnBrk="0" hangingPunct="1">
+                        <a:defRPr sz="1800" b="1" kern="1200">
+                          <a:solidFill>
+                            <a:schemeClr val="lt1"/>
+                          </a:solidFill>
+                          <a:latin typeface="Segoe UI Light"/>
+                        </a:defRPr>
+                      </a:lvl2pPr>
+                      <a:lvl3pPr marL="914400" algn="l" defTabSz="914400" rtl="0" eaLnBrk="1" latinLnBrk="0" hangingPunct="1">
+                        <a:defRPr sz="1800" b="1" kern="1200">
+                          <a:solidFill>
+                            <a:schemeClr val="lt1"/>
+                          </a:solidFill>
+                          <a:latin typeface="Segoe UI Light"/>
+                        </a:defRPr>
+                      </a:lvl3pPr>
+                      <a:lvl4pPr marL="1371600" algn="l" defTabSz="914400" rtl="0" eaLnBrk="1" latinLnBrk="0" hangingPunct="1">
+                        <a:defRPr sz="1800" b="1" kern="1200">
+                          <a:solidFill>
+                            <a:schemeClr val="lt1"/>
+                          </a:solidFill>
+                          <a:latin typeface="Segoe UI Light"/>
+                        </a:defRPr>
+                      </a:lvl4pPr>
+                      <a:lvl5pPr marL="1828800" algn="l" defTabSz="914400" rtl="0" eaLnBrk="1" latinLnBrk="0" hangingPunct="1">
+                        <a:defRPr sz="1800" b="1" kern="1200">
+                          <a:solidFill>
+                            <a:schemeClr val="lt1"/>
+                          </a:solidFill>
+                          <a:latin typeface="Segoe UI Light"/>
+                        </a:defRPr>
+                      </a:lvl5pPr>
+                      <a:lvl6pPr marL="2286000" algn="l" defTabSz="914400" rtl="0" eaLnBrk="1" latinLnBrk="0" hangingPunct="1">
+                        <a:defRPr sz="1800" b="1" kern="1200">
+                          <a:solidFill>
+                            <a:schemeClr val="lt1"/>
+                          </a:solidFill>
+                          <a:latin typeface="Segoe UI Light"/>
+                        </a:defRPr>
+                      </a:lvl6pPr>
+                      <a:lvl7pPr marL="2743200" algn="l" defTabSz="914400" rtl="0" eaLnBrk="1" latinLnBrk="0" hangingPunct="1">
+                        <a:defRPr sz="1800" b="1" kern="1200">
+                          <a:solidFill>
+                            <a:schemeClr val="lt1"/>
+                          </a:solidFill>
+                          <a:latin typeface="Segoe UI Light"/>
+                        </a:defRPr>
+                      </a:lvl7pPr>
+                      <a:lvl8pPr marL="3200400" algn="l" defTabSz="914400" rtl="0" eaLnBrk="1" latinLnBrk="0" hangingPunct="1">
+                        <a:defRPr sz="1800" b="1" kern="1200">
+                          <a:solidFill>
+                            <a:schemeClr val="lt1"/>
+                          </a:solidFill>
+                          <a:latin typeface="Segoe UI Light"/>
+                        </a:defRPr>
+                      </a:lvl8pPr>
+                      <a:lvl9pPr marL="3657600" algn="l" defTabSz="914400" rtl="0" eaLnBrk="1" latinLnBrk="0" hangingPunct="1">
+                        <a:defRPr sz="1800" b="1" kern="1200">
+                          <a:solidFill>
+                            <a:schemeClr val="lt1"/>
+                          </a:solidFill>
+                          <a:latin typeface="Segoe UI Light"/>
+                        </a:defRPr>
+                      </a:lvl9pPr>
+                    </a:lstStyle>
+                    <a:p>
+                      <a:r>
+                        <a:rPr lang="en-US" sz="1600" dirty="0">
+                          <a:solidFill>
+                            <a:srgbClr val="0000FF"/>
+                          </a:solidFill>
+                          <a:latin typeface="Consolas" panose="020B0609020204030204" pitchFamily="49" charset="0"/>
+                        </a:rPr>
+                        <a:t>public</a:t>
+                      </a:r>
+                      <a:r>
+                        <a:rPr lang="en-US" sz="1600" dirty="0">
+                          <a:solidFill>
+                            <a:srgbClr val="000000"/>
+                          </a:solidFill>
+                          <a:latin typeface="Consolas" panose="020B0609020204030204" pitchFamily="49" charset="0"/>
+                        </a:rPr>
+                        <a:t> </a:t>
+                      </a:r>
+                      <a:r>
+                        <a:rPr lang="en-US" sz="1600" dirty="0">
+                          <a:solidFill>
+                            <a:srgbClr val="0000FF"/>
+                          </a:solidFill>
+                          <a:latin typeface="Consolas" panose="020B0609020204030204" pitchFamily="49" charset="0"/>
+                        </a:rPr>
+                        <a:t>class</a:t>
+                      </a:r>
+                      <a:r>
+                        <a:rPr lang="en-US" sz="1600" dirty="0">
+                          <a:solidFill>
+                            <a:srgbClr val="000000"/>
+                          </a:solidFill>
+                          <a:latin typeface="Consolas" panose="020B0609020204030204" pitchFamily="49" charset="0"/>
+                        </a:rPr>
+                        <a:t> </a:t>
+                      </a:r>
+                      <a:r>
+                        <a:rPr lang="en-US" sz="1600" dirty="0">
+                          <a:solidFill>
+                            <a:srgbClr val="2B91AF"/>
+                          </a:solidFill>
+                          <a:latin typeface="Consolas" panose="020B0609020204030204" pitchFamily="49" charset="0"/>
+                        </a:rPr>
+                        <a:t>Startup</a:t>
+                      </a:r>
+                      <a:endParaRPr lang="en-US" sz="1600" dirty="0">
+                        <a:solidFill>
+                          <a:srgbClr val="000000"/>
+                        </a:solidFill>
+                        <a:latin typeface="Consolas" panose="020B0609020204030204" pitchFamily="49" charset="0"/>
+                      </a:endParaRPr>
+                    </a:p>
+                    <a:p>
+                      <a:r>
+                        <a:rPr lang="en-US" sz="1600" dirty="0">
+                          <a:solidFill>
+                            <a:srgbClr val="000000"/>
+                          </a:solidFill>
+                          <a:latin typeface="Consolas" panose="020B0609020204030204" pitchFamily="49" charset="0"/>
+                        </a:rPr>
+                        <a:t>{</a:t>
+                      </a:r>
+                    </a:p>
+                    <a:p>
+                      <a:r>
+                        <a:rPr lang="en-US" sz="1600" dirty="0">
+                          <a:solidFill>
+                            <a:srgbClr val="000000"/>
+                          </a:solidFill>
+                          <a:latin typeface="Consolas" panose="020B0609020204030204" pitchFamily="49" charset="0"/>
+                        </a:rPr>
+                        <a:t>    </a:t>
+                      </a:r>
+                      <a:r>
+                        <a:rPr lang="en-US" sz="1600" dirty="0">
+                          <a:solidFill>
+                            <a:srgbClr val="0000FF"/>
+                          </a:solidFill>
+                          <a:latin typeface="Consolas" panose="020B0609020204030204" pitchFamily="49" charset="0"/>
+                        </a:rPr>
+                        <a:t>private</a:t>
+                      </a:r>
+                      <a:r>
+                        <a:rPr lang="en-US" sz="1600" dirty="0">
+                          <a:solidFill>
+                            <a:srgbClr val="000000"/>
+                          </a:solidFill>
+                          <a:latin typeface="Consolas" panose="020B0609020204030204" pitchFamily="49" charset="0"/>
+                        </a:rPr>
+                        <a:t> </a:t>
+                      </a:r>
+                      <a:r>
+                        <a:rPr lang="en-US" sz="1600" dirty="0">
+                          <a:solidFill>
+                            <a:srgbClr val="0000FF"/>
+                          </a:solidFill>
+                          <a:latin typeface="Consolas" panose="020B0609020204030204" pitchFamily="49" charset="0"/>
+                        </a:rPr>
+                        <a:t>string</a:t>
+                      </a:r>
+                      <a:r>
+                        <a:rPr lang="en-US" sz="1600" dirty="0">
+                          <a:solidFill>
+                            <a:srgbClr val="000000"/>
+                          </a:solidFill>
+                          <a:latin typeface="Consolas" panose="020B0609020204030204" pitchFamily="49" charset="0"/>
+                        </a:rPr>
+                        <a:t> _connection = </a:t>
+                      </a:r>
+                      <a:r>
+                        <a:rPr lang="en-US" sz="1600" dirty="0">
+                          <a:solidFill>
+                            <a:srgbClr val="0000FF"/>
+                          </a:solidFill>
+                          <a:latin typeface="Consolas" panose="020B0609020204030204" pitchFamily="49" charset="0"/>
+                        </a:rPr>
+                        <a:t>null</a:t>
+                      </a:r>
+                      <a:r>
+                        <a:rPr lang="en-US" sz="1600" dirty="0">
+                          <a:solidFill>
+                            <a:srgbClr val="000000"/>
+                          </a:solidFill>
+                          <a:latin typeface="Consolas" panose="020B0609020204030204" pitchFamily="49" charset="0"/>
+                        </a:rPr>
+                        <a:t>;</a:t>
+                      </a:r>
+                    </a:p>
+                    <a:p>
+                      <a:endParaRPr lang="en-US" sz="1600" dirty="0">
+                        <a:solidFill>
+                          <a:srgbClr val="000000"/>
+                        </a:solidFill>
+                        <a:latin typeface="Consolas" panose="020B0609020204030204" pitchFamily="49" charset="0"/>
+                      </a:endParaRPr>
+                    </a:p>
+                    <a:p>
+                      <a:r>
+                        <a:rPr lang="en-US" sz="1600" dirty="0">
+                          <a:solidFill>
+                            <a:srgbClr val="000000"/>
+                          </a:solidFill>
+                          <a:latin typeface="Consolas" panose="020B0609020204030204" pitchFamily="49" charset="0"/>
+                        </a:rPr>
+                        <a:t>    </a:t>
+                      </a:r>
+                      <a:r>
+                        <a:rPr lang="en-US" sz="1600" dirty="0">
+                          <a:solidFill>
+                            <a:srgbClr val="0000FF"/>
+                          </a:solidFill>
+                          <a:latin typeface="Consolas" panose="020B0609020204030204" pitchFamily="49" charset="0"/>
+                        </a:rPr>
+                        <a:t>public</a:t>
+                      </a:r>
+                      <a:r>
+                        <a:rPr lang="en-US" sz="1600" dirty="0">
+                          <a:solidFill>
+                            <a:srgbClr val="000000"/>
+                          </a:solidFill>
+                          <a:latin typeface="Consolas" panose="020B0609020204030204" pitchFamily="49" charset="0"/>
+                        </a:rPr>
+                        <a:t> Startup(</a:t>
+                      </a:r>
+                      <a:r>
+                        <a:rPr lang="en-US" sz="1600" dirty="0" err="1">
+                          <a:solidFill>
+                            <a:srgbClr val="000000"/>
+                          </a:solidFill>
+                          <a:latin typeface="Consolas" panose="020B0609020204030204" pitchFamily="49" charset="0"/>
+                        </a:rPr>
+                        <a:t>IConfiguration</a:t>
+                      </a:r>
+                      <a:r>
+                        <a:rPr lang="en-US" sz="1600" dirty="0">
+                          <a:solidFill>
+                            <a:srgbClr val="000000"/>
+                          </a:solidFill>
+                          <a:latin typeface="Consolas" panose="020B0609020204030204" pitchFamily="49" charset="0"/>
+                        </a:rPr>
+                        <a:t> configuration)</a:t>
+                      </a:r>
+                    </a:p>
+                    <a:p>
+                      <a:r>
+                        <a:rPr lang="en-US" sz="1600" dirty="0">
+                          <a:solidFill>
+                            <a:srgbClr val="000000"/>
+                          </a:solidFill>
+                          <a:latin typeface="Consolas" panose="020B0609020204030204" pitchFamily="49" charset="0"/>
+                        </a:rPr>
+                        <a:t>        =&gt; Configuration = configuration;</a:t>
+                      </a:r>
+                    </a:p>
+                    <a:p>
+                      <a:endParaRPr lang="en-US" sz="1600" dirty="0">
+                        <a:solidFill>
+                          <a:srgbClr val="000000"/>
+                        </a:solidFill>
+                        <a:latin typeface="Consolas" panose="020B0609020204030204" pitchFamily="49" charset="0"/>
+                      </a:endParaRPr>
+                    </a:p>
+                    <a:p>
+                      <a:r>
+                        <a:rPr lang="en-US" sz="1600" dirty="0">
+                          <a:solidFill>
+                            <a:srgbClr val="000000"/>
+                          </a:solidFill>
+                          <a:latin typeface="Consolas" panose="020B0609020204030204" pitchFamily="49" charset="0"/>
+                        </a:rPr>
+                        <a:t>    </a:t>
+                      </a:r>
+                      <a:r>
+                        <a:rPr lang="en-US" sz="1600" dirty="0">
+                          <a:solidFill>
+                            <a:srgbClr val="0000FF"/>
+                          </a:solidFill>
+                          <a:latin typeface="Consolas" panose="020B0609020204030204" pitchFamily="49" charset="0"/>
+                        </a:rPr>
+                        <a:t>public</a:t>
+                      </a:r>
+                      <a:r>
+                        <a:rPr lang="en-US" sz="1600" dirty="0">
+                          <a:solidFill>
+                            <a:srgbClr val="000000"/>
+                          </a:solidFill>
+                          <a:latin typeface="Consolas" panose="020B0609020204030204" pitchFamily="49" charset="0"/>
+                        </a:rPr>
+                        <a:t> </a:t>
+                      </a:r>
+                      <a:r>
+                        <a:rPr lang="en-US" sz="1600" dirty="0" err="1">
+                          <a:solidFill>
+                            <a:srgbClr val="000000"/>
+                          </a:solidFill>
+                          <a:latin typeface="Consolas" panose="020B0609020204030204" pitchFamily="49" charset="0"/>
+                        </a:rPr>
+                        <a:t>IConfiguration</a:t>
+                      </a:r>
+                      <a:r>
+                        <a:rPr lang="en-US" sz="1600" dirty="0">
+                          <a:solidFill>
+                            <a:srgbClr val="000000"/>
+                          </a:solidFill>
+                          <a:latin typeface="Consolas" panose="020B0609020204030204" pitchFamily="49" charset="0"/>
+                        </a:rPr>
+                        <a:t> Configuration { </a:t>
+                      </a:r>
+                      <a:r>
+                        <a:rPr lang="en-US" sz="1600" dirty="0">
+                          <a:solidFill>
+                            <a:srgbClr val="0000FF"/>
+                          </a:solidFill>
+                          <a:latin typeface="Consolas" panose="020B0609020204030204" pitchFamily="49" charset="0"/>
+                        </a:rPr>
+                        <a:t>get</a:t>
+                      </a:r>
+                      <a:r>
+                        <a:rPr lang="en-US" sz="1600" dirty="0">
+                          <a:solidFill>
+                            <a:srgbClr val="000000"/>
+                          </a:solidFill>
+                          <a:latin typeface="Consolas" panose="020B0609020204030204" pitchFamily="49" charset="0"/>
+                        </a:rPr>
+                        <a:t>; }</a:t>
+                      </a:r>
+                    </a:p>
+                    <a:p>
+                      <a:endParaRPr lang="en-US" sz="1600" dirty="0">
+                        <a:solidFill>
+                          <a:srgbClr val="000000"/>
+                        </a:solidFill>
+                        <a:latin typeface="Consolas" panose="020B0609020204030204" pitchFamily="49" charset="0"/>
+                      </a:endParaRPr>
+                    </a:p>
+                    <a:p>
+                      <a:r>
+                        <a:rPr lang="en-US" sz="1600" dirty="0">
+                          <a:solidFill>
+                            <a:srgbClr val="000000"/>
+                          </a:solidFill>
+                          <a:latin typeface="Consolas" panose="020B0609020204030204" pitchFamily="49" charset="0"/>
+                        </a:rPr>
+                        <a:t>    </a:t>
+                      </a:r>
+                      <a:r>
+                        <a:rPr lang="en-US" sz="1600" dirty="0">
+                          <a:solidFill>
+                            <a:srgbClr val="0000FF"/>
+                          </a:solidFill>
+                          <a:latin typeface="Consolas" panose="020B0609020204030204" pitchFamily="49" charset="0"/>
+                        </a:rPr>
+                        <a:t>public</a:t>
+                      </a:r>
+                      <a:r>
+                        <a:rPr lang="en-US" sz="1600" dirty="0">
+                          <a:solidFill>
+                            <a:srgbClr val="000000"/>
+                          </a:solidFill>
+                          <a:latin typeface="Consolas" panose="020B0609020204030204" pitchFamily="49" charset="0"/>
+                        </a:rPr>
+                        <a:t> </a:t>
+                      </a:r>
+                      <a:r>
+                        <a:rPr lang="en-US" sz="1600" dirty="0">
+                          <a:solidFill>
+                            <a:srgbClr val="0000FF"/>
+                          </a:solidFill>
+                          <a:latin typeface="Consolas" panose="020B0609020204030204" pitchFamily="49" charset="0"/>
+                        </a:rPr>
+                        <a:t>void</a:t>
+                      </a:r>
+                      <a:r>
+                        <a:rPr lang="en-US" sz="1600" dirty="0">
+                          <a:solidFill>
+                            <a:srgbClr val="000000"/>
+                          </a:solidFill>
+                          <a:latin typeface="Consolas" panose="020B0609020204030204" pitchFamily="49" charset="0"/>
+                        </a:rPr>
+                        <a:t> </a:t>
+                      </a:r>
+                      <a:r>
+                        <a:rPr lang="en-US" sz="1600" dirty="0" err="1">
+                          <a:solidFill>
+                            <a:srgbClr val="000000"/>
+                          </a:solidFill>
+                          <a:latin typeface="Consolas" panose="020B0609020204030204" pitchFamily="49" charset="0"/>
+                        </a:rPr>
+                        <a:t>ConfigureServices</a:t>
+                      </a:r>
+                      <a:r>
+                        <a:rPr lang="en-US" sz="1600" dirty="0">
+                          <a:solidFill>
+                            <a:srgbClr val="000000"/>
+                          </a:solidFill>
+                          <a:latin typeface="Consolas" panose="020B0609020204030204" pitchFamily="49" charset="0"/>
+                        </a:rPr>
+                        <a:t>(</a:t>
+                      </a:r>
+                      <a:r>
+                        <a:rPr lang="en-US" sz="1600" dirty="0" err="1">
+                          <a:solidFill>
+                            <a:srgbClr val="000000"/>
+                          </a:solidFill>
+                          <a:latin typeface="Consolas" panose="020B0609020204030204" pitchFamily="49" charset="0"/>
+                        </a:rPr>
+                        <a:t>IServiceCollection</a:t>
+                      </a:r>
+                      <a:r>
+                        <a:rPr lang="en-US" sz="1600" dirty="0">
+                          <a:solidFill>
+                            <a:srgbClr val="000000"/>
+                          </a:solidFill>
+                          <a:latin typeface="Consolas" panose="020B0609020204030204" pitchFamily="49" charset="0"/>
+                        </a:rPr>
+                        <a:t> services)</a:t>
+                      </a:r>
+                    </a:p>
+                    <a:p>
+                      <a:r>
+                        <a:rPr lang="en-US" sz="1600" dirty="0">
+                          <a:solidFill>
+                            <a:srgbClr val="000000"/>
+                          </a:solidFill>
+                          <a:latin typeface="Consolas" panose="020B0609020204030204" pitchFamily="49" charset="0"/>
+                        </a:rPr>
+                        <a:t>    {</a:t>
+                      </a:r>
+                    </a:p>
+                    <a:p>
+                      <a:r>
+                        <a:rPr lang="en-US" sz="1600" dirty="0">
+                          <a:solidFill>
+                            <a:srgbClr val="000000"/>
+                          </a:solidFill>
+                          <a:latin typeface="Consolas" panose="020B0609020204030204" pitchFamily="49" charset="0"/>
+                        </a:rPr>
+                        <a:t>        </a:t>
+                      </a:r>
+                      <a:r>
+                        <a:rPr lang="en-US" sz="1600" dirty="0">
+                          <a:solidFill>
+                            <a:srgbClr val="0000FF"/>
+                          </a:solidFill>
+                          <a:latin typeface="Consolas" panose="020B0609020204030204" pitchFamily="49" charset="0"/>
+                        </a:rPr>
+                        <a:t>var</a:t>
+                      </a:r>
+                      <a:r>
+                        <a:rPr lang="en-US" sz="1600" dirty="0">
+                          <a:solidFill>
+                            <a:srgbClr val="000000"/>
+                          </a:solidFill>
+                          <a:latin typeface="Consolas" panose="020B0609020204030204" pitchFamily="49" charset="0"/>
+                        </a:rPr>
+                        <a:t> builder = </a:t>
+                      </a:r>
+                      <a:r>
+                        <a:rPr lang="en-US" sz="1600" dirty="0">
+                          <a:solidFill>
+                            <a:srgbClr val="0000FF"/>
+                          </a:solidFill>
+                          <a:latin typeface="Consolas" panose="020B0609020204030204" pitchFamily="49" charset="0"/>
+                        </a:rPr>
+                        <a:t>new</a:t>
+                      </a:r>
+                      <a:r>
+                        <a:rPr lang="en-US" sz="1600" dirty="0">
+                          <a:solidFill>
+                            <a:srgbClr val="000000"/>
+                          </a:solidFill>
+                          <a:latin typeface="Consolas" panose="020B0609020204030204" pitchFamily="49" charset="0"/>
+                        </a:rPr>
+                        <a:t> </a:t>
+                      </a:r>
+                      <a:r>
+                        <a:rPr lang="en-US" sz="1600" dirty="0" err="1">
+                          <a:solidFill>
+                            <a:srgbClr val="000000"/>
+                          </a:solidFill>
+                          <a:latin typeface="Consolas" panose="020B0609020204030204" pitchFamily="49" charset="0"/>
+                        </a:rPr>
+                        <a:t>SqlConnectionStringBuilder</a:t>
+                      </a:r>
+                      <a:r>
+                        <a:rPr lang="en-US" sz="1600" dirty="0">
+                          <a:solidFill>
+                            <a:srgbClr val="000000"/>
+                          </a:solidFill>
+                          <a:latin typeface="Consolas" panose="020B0609020204030204" pitchFamily="49" charset="0"/>
+                        </a:rPr>
+                        <a:t>(</a:t>
+                      </a:r>
+                    </a:p>
+                    <a:p>
+                      <a:r>
+                        <a:rPr lang="en-US" sz="1600" dirty="0">
+                          <a:solidFill>
+                            <a:srgbClr val="000000"/>
+                          </a:solidFill>
+                          <a:latin typeface="Consolas" panose="020B0609020204030204" pitchFamily="49" charset="0"/>
+                        </a:rPr>
+                        <a:t>            </a:t>
+                      </a:r>
+                      <a:r>
+                        <a:rPr lang="en-US" sz="1600" dirty="0" err="1">
+                          <a:solidFill>
+                            <a:srgbClr val="000000"/>
+                          </a:solidFill>
+                          <a:latin typeface="Consolas" panose="020B0609020204030204" pitchFamily="49" charset="0"/>
+                        </a:rPr>
+                        <a:t>Configuration.GetConnectionString</a:t>
+                      </a:r>
+                      <a:r>
+                        <a:rPr lang="en-US" sz="1600" dirty="0">
+                          <a:solidFill>
+                            <a:srgbClr val="000000"/>
+                          </a:solidFill>
+                          <a:latin typeface="Consolas" panose="020B0609020204030204" pitchFamily="49" charset="0"/>
+                        </a:rPr>
+                        <a:t>(</a:t>
+                      </a:r>
+                      <a:r>
+                        <a:rPr lang="en-US" sz="1600" dirty="0">
+                          <a:solidFill>
+                            <a:srgbClr val="A31515"/>
+                          </a:solidFill>
+                          <a:latin typeface="Consolas" panose="020B0609020204030204" pitchFamily="49" charset="0"/>
+                        </a:rPr>
+                        <a:t>"Movies"</a:t>
+                      </a:r>
+                      <a:r>
+                        <a:rPr lang="en-US" sz="1600" dirty="0">
+                          <a:solidFill>
+                            <a:srgbClr val="000000"/>
+                          </a:solidFill>
+                          <a:latin typeface="Consolas" panose="020B0609020204030204" pitchFamily="49" charset="0"/>
+                        </a:rPr>
+                        <a:t>));</a:t>
+                      </a:r>
+                    </a:p>
+                    <a:p>
+                      <a:r>
+                        <a:rPr lang="en-US" sz="1600" dirty="0">
+                          <a:solidFill>
+                            <a:srgbClr val="000000"/>
+                          </a:solidFill>
+                          <a:latin typeface="Consolas" panose="020B0609020204030204" pitchFamily="49" charset="0"/>
+                        </a:rPr>
+                        <a:t>        </a:t>
+                      </a:r>
+                      <a:r>
+                        <a:rPr lang="en-US" sz="1600" dirty="0" err="1">
+                          <a:solidFill>
+                            <a:srgbClr val="000000"/>
+                          </a:solidFill>
+                          <a:latin typeface="Consolas" panose="020B0609020204030204" pitchFamily="49" charset="0"/>
+                        </a:rPr>
+                        <a:t>builder.UserID</a:t>
+                      </a:r>
+                      <a:r>
+                        <a:rPr lang="en-US" sz="1600" dirty="0">
+                          <a:solidFill>
+                            <a:srgbClr val="000000"/>
+                          </a:solidFill>
+                          <a:latin typeface="Consolas" panose="020B0609020204030204" pitchFamily="49" charset="0"/>
+                        </a:rPr>
+                        <a:t> = Configuration[</a:t>
+                      </a:r>
+                      <a:r>
+                        <a:rPr lang="en-US" sz="1600" dirty="0">
+                          <a:solidFill>
+                            <a:srgbClr val="A31515"/>
+                          </a:solidFill>
+                          <a:latin typeface="Consolas" panose="020B0609020204030204" pitchFamily="49" charset="0"/>
+                        </a:rPr>
+                        <a:t>"</a:t>
+                      </a:r>
+                      <a:r>
+                        <a:rPr lang="en-US" sz="1600" dirty="0" err="1">
+                          <a:solidFill>
+                            <a:srgbClr val="A31515"/>
+                          </a:solidFill>
+                          <a:latin typeface="Consolas" panose="020B0609020204030204" pitchFamily="49" charset="0"/>
+                        </a:rPr>
+                        <a:t>Movies:User</a:t>
+                      </a:r>
+                      <a:r>
+                        <a:rPr lang="en-US" sz="1600" dirty="0">
+                          <a:solidFill>
+                            <a:srgbClr val="A31515"/>
+                          </a:solidFill>
+                          <a:latin typeface="Consolas" panose="020B0609020204030204" pitchFamily="49" charset="0"/>
+                        </a:rPr>
+                        <a:t>"</a:t>
+                      </a:r>
+                      <a:r>
+                        <a:rPr lang="en-US" sz="1600" dirty="0">
+                          <a:solidFill>
+                            <a:srgbClr val="000000"/>
+                          </a:solidFill>
+                          <a:latin typeface="Consolas" panose="020B0609020204030204" pitchFamily="49" charset="0"/>
+                        </a:rPr>
+                        <a:t>];</a:t>
+                      </a:r>
+                    </a:p>
+                    <a:p>
+                      <a:r>
+                        <a:rPr lang="en-US" sz="1600" dirty="0">
+                          <a:solidFill>
+                            <a:srgbClr val="000000"/>
+                          </a:solidFill>
+                          <a:latin typeface="Consolas" panose="020B0609020204030204" pitchFamily="49" charset="0"/>
+                        </a:rPr>
+                        <a:t>        </a:t>
+                      </a:r>
+                      <a:r>
+                        <a:rPr lang="en-US" sz="1600" dirty="0" err="1">
+                          <a:solidFill>
+                            <a:srgbClr val="000000"/>
+                          </a:solidFill>
+                          <a:latin typeface="Consolas" panose="020B0609020204030204" pitchFamily="49" charset="0"/>
+                        </a:rPr>
+                        <a:t>builder.Password</a:t>
+                      </a:r>
+                      <a:r>
+                        <a:rPr lang="en-US" sz="1600" dirty="0">
+                          <a:solidFill>
+                            <a:srgbClr val="000000"/>
+                          </a:solidFill>
+                          <a:latin typeface="Consolas" panose="020B0609020204030204" pitchFamily="49" charset="0"/>
+                        </a:rPr>
+                        <a:t> = Configuration[</a:t>
+                      </a:r>
+                      <a:r>
+                        <a:rPr lang="en-US" sz="1600" dirty="0">
+                          <a:solidFill>
+                            <a:srgbClr val="A31515"/>
+                          </a:solidFill>
+                          <a:latin typeface="Consolas" panose="020B0609020204030204" pitchFamily="49" charset="0"/>
+                        </a:rPr>
+                        <a:t>"</a:t>
+                      </a:r>
+                      <a:r>
+                        <a:rPr lang="en-US" sz="1600" dirty="0" err="1">
+                          <a:solidFill>
+                            <a:srgbClr val="A31515"/>
+                          </a:solidFill>
+                          <a:latin typeface="Consolas" panose="020B0609020204030204" pitchFamily="49" charset="0"/>
+                        </a:rPr>
+                        <a:t>Movies:Password</a:t>
+                      </a:r>
+                      <a:r>
+                        <a:rPr lang="en-US" sz="1600" dirty="0">
+                          <a:solidFill>
+                            <a:srgbClr val="A31515"/>
+                          </a:solidFill>
+                          <a:latin typeface="Consolas" panose="020B0609020204030204" pitchFamily="49" charset="0"/>
+                        </a:rPr>
+                        <a:t>"</a:t>
+                      </a:r>
+                      <a:r>
+                        <a:rPr lang="en-US" sz="1600" dirty="0">
+                          <a:solidFill>
+                            <a:srgbClr val="000000"/>
+                          </a:solidFill>
+                          <a:latin typeface="Consolas" panose="020B0609020204030204" pitchFamily="49" charset="0"/>
+                        </a:rPr>
+                        <a:t>];</a:t>
+                      </a:r>
+                    </a:p>
+                    <a:p>
+                      <a:r>
+                        <a:rPr lang="en-US" sz="1600" dirty="0">
+                          <a:solidFill>
+                            <a:srgbClr val="000000"/>
+                          </a:solidFill>
+                          <a:latin typeface="Consolas" panose="020B0609020204030204" pitchFamily="49" charset="0"/>
+                        </a:rPr>
+                        <a:t>        _connection = </a:t>
+                      </a:r>
+                      <a:r>
+                        <a:rPr lang="en-US" sz="1600" dirty="0" err="1">
+                          <a:solidFill>
+                            <a:srgbClr val="000000"/>
+                          </a:solidFill>
+                          <a:latin typeface="Consolas" panose="020B0609020204030204" pitchFamily="49" charset="0"/>
+                        </a:rPr>
+                        <a:t>builder.ConnectionString</a:t>
+                      </a:r>
+                      <a:r>
+                        <a:rPr lang="en-US" sz="1600" dirty="0">
+                          <a:solidFill>
+                            <a:srgbClr val="000000"/>
+                          </a:solidFill>
+                          <a:latin typeface="Consolas" panose="020B0609020204030204" pitchFamily="49" charset="0"/>
+                        </a:rPr>
+                        <a:t>;</a:t>
+                      </a:r>
+                    </a:p>
+                  </a:txBody>
+                  <a:tcPr>
+                    <a:lnL w="12700" cap="flat" cmpd="sng" algn="ctr">
+                      <a:solidFill>
+                        <a:sysClr val="window" lastClr="FFFFFF"/>
+                      </a:solidFill>
+                      <a:prstDash val="solid"/>
+                      <a:round/>
+                      <a:headEnd type="none" w="med" len="med"/>
+                      <a:tailEnd type="none" w="med" len="med"/>
+                    </a:lnL>
+                    <a:lnR w="12700" cap="flat" cmpd="sng" algn="ctr">
+                      <a:solidFill>
+                        <a:sysClr val="window" lastClr="FFFFFF"/>
+                      </a:solidFill>
+                      <a:prstDash val="solid"/>
+                      <a:round/>
+                      <a:headEnd type="none" w="med" len="med"/>
+                      <a:tailEnd type="none" w="med" len="med"/>
+                    </a:lnR>
+                    <a:lnT w="12700" cap="flat" cmpd="sng" algn="ctr">
+                      <a:solidFill>
+                        <a:sysClr val="window" lastClr="FFFFFF"/>
+                      </a:solidFill>
+                      <a:prstDash val="solid"/>
+                      <a:round/>
+                      <a:headEnd type="none" w="med" len="med"/>
+                      <a:tailEnd type="none" w="med" len="med"/>
+                    </a:lnT>
+                    <a:lnB w="12700" cap="flat" cmpd="sng" algn="ctr">
+                      <a:solidFill>
+                        <a:sysClr val="window" lastClr="FFFFFF"/>
+                      </a:solidFill>
+                      <a:prstDash val="solid"/>
+                      <a:round/>
+                      <a:headEnd type="none" w="med" len="med"/>
+                      <a:tailEnd type="none" w="med" len="med"/>
+                    </a:lnB>
+                    <a:lnTlToBr w="12700" cmpd="sng">
+                      <a:noFill/>
+                      <a:prstDash val="solid"/>
+                    </a:lnTlToBr>
+                    <a:lnBlToTr w="12700" cmpd="sng">
+                      <a:noFill/>
+                      <a:prstDash val="solid"/>
+                    </a:lnBlToTr>
+                    <a:solidFill>
+                      <a:sysClr val="window" lastClr="FFFFFF"/>
+                    </a:solidFill>
+                  </a:tcPr>
+                </a:tc>
+                <a:extLst>
+                  <a:ext uri="{0D108BD9-81ED-4DB2-BD59-A6C34878D82A}">
+                    <a16:rowId xmlns:a16="http://schemas.microsoft.com/office/drawing/2014/main" val="3473222697"/>
+                  </a:ext>
+                </a:extLst>
+              </a:tr>
+              <a:tr h="319132">
+                <a:tc>
+                  <a:txBody>
+                    <a:bodyPr/>
+                    <a:lstStyle/>
+                    <a:p>
+                      <a:endParaRPr lang="en-US" sz="1600" dirty="0">
+                        <a:solidFill>
+                          <a:srgbClr val="000000"/>
+                        </a:solidFill>
+                        <a:latin typeface="Consolas" panose="020B0609020204030204" pitchFamily="49" charset="0"/>
+                      </a:endParaRPr>
+                    </a:p>
+                  </a:txBody>
+                  <a:tcPr>
+                    <a:lnL w="12700" cap="flat" cmpd="sng" algn="ctr">
+                      <a:solidFill>
+                        <a:sysClr val="window" lastClr="FFFFFF"/>
+                      </a:solidFill>
+                      <a:prstDash val="solid"/>
+                      <a:round/>
+                      <a:headEnd type="none" w="med" len="med"/>
+                      <a:tailEnd type="none" w="med" len="med"/>
+                    </a:lnL>
+                    <a:lnR w="12700" cap="flat" cmpd="sng" algn="ctr">
+                      <a:solidFill>
+                        <a:sysClr val="window" lastClr="FFFFFF"/>
+                      </a:solidFill>
+                      <a:prstDash val="solid"/>
+                      <a:round/>
+                      <a:headEnd type="none" w="med" len="med"/>
+                      <a:tailEnd type="none" w="med" len="med"/>
+                    </a:lnR>
+                    <a:lnT w="12700" cap="flat" cmpd="sng" algn="ctr">
+                      <a:solidFill>
+                        <a:sysClr val="window" lastClr="FFFFFF"/>
+                      </a:solidFill>
+                      <a:prstDash val="solid"/>
+                      <a:round/>
+                      <a:headEnd type="none" w="med" len="med"/>
+                      <a:tailEnd type="none" w="med" len="med"/>
+                    </a:lnT>
+                    <a:lnB w="12700" cap="flat" cmpd="sng" algn="ctr">
+                      <a:solidFill>
+                        <a:sysClr val="window" lastClr="FFFFFF"/>
+                      </a:solidFill>
+                      <a:prstDash val="solid"/>
+                      <a:round/>
+                      <a:headEnd type="none" w="med" len="med"/>
+                      <a:tailEnd type="none" w="med" len="med"/>
+                    </a:lnB>
+                    <a:lnTlToBr w="12700" cmpd="sng">
+                      <a:noFill/>
+                      <a:prstDash val="solid"/>
+                    </a:lnTlToBr>
+                    <a:lnBlToTr w="12700" cmpd="sng">
+                      <a:noFill/>
+                      <a:prstDash val="solid"/>
+                    </a:lnBlToTr>
+                    <a:solidFill>
+                      <a:sysClr val="window" lastClr="FFFFFF"/>
+                    </a:solidFill>
+                  </a:tcPr>
+                </a:tc>
+                <a:extLst>
+                  <a:ext uri="{0D108BD9-81ED-4DB2-BD59-A6C34878D82A}">
+                    <a16:rowId xmlns:a16="http://schemas.microsoft.com/office/drawing/2014/main" val="97062865"/>
+                  </a:ext>
+                </a:extLst>
+              </a:tr>
+            </a:tbl>
+          </a:graphicData>
+        </a:graphic>
+      </p:graphicFrame>
+      <p:sp>
+        <p:nvSpPr>
+          <p:cNvPr id="5" name="Rectangle 4">
+            <a:extLst>
+              <a:ext uri="{FF2B5EF4-FFF2-40B4-BE49-F238E27FC236}">
+                <a16:creationId xmlns:a16="http://schemas.microsoft.com/office/drawing/2014/main" id="{968B1320-9F80-48D4-8F49-987C2A75ECD9}"/>
+              </a:ext>
+            </a:extLst>
+          </p:cNvPr>
+          <p:cNvSpPr/>
+          <p:nvPr/>
+        </p:nvSpPr>
+        <p:spPr>
+          <a:xfrm>
+            <a:off x="838200" y="1474306"/>
+            <a:ext cx="1978891" cy="446567"/>
+          </a:xfrm>
+          <a:prstGeom prst="rect">
+            <a:avLst/>
+          </a:prstGeom>
+          <a:gradFill rotWithShape="1">
+            <a:gsLst>
+              <a:gs pos="0">
+                <a:srgbClr val="5B9BD5">
+                  <a:lumMod val="110000"/>
+                  <a:satMod val="105000"/>
+                  <a:tint val="67000"/>
+                </a:srgbClr>
+              </a:gs>
+              <a:gs pos="50000">
+                <a:srgbClr val="5B9BD5">
+                  <a:lumMod val="105000"/>
+                  <a:satMod val="103000"/>
+                  <a:tint val="73000"/>
+                </a:srgbClr>
+              </a:gs>
+              <a:gs pos="100000">
+                <a:srgbClr val="5B9BD5">
+                  <a:lumMod val="105000"/>
+                  <a:satMod val="109000"/>
+                  <a:tint val="81000"/>
+                </a:srgbClr>
+              </a:gs>
+            </a:gsLst>
+            <a:lin ang="5400000" scaled="0"/>
+          </a:gradFill>
+          <a:ln w="6350" cap="flat" cmpd="sng" algn="ctr">
+            <a:solidFill>
+              <a:srgbClr val="5B9BD5"/>
+            </a:solidFill>
+            <a:prstDash val="solid"/>
+            <a:miter lim="800000"/>
+          </a:ln>
+          <a:effectLst/>
+        </p:spPr>
+        <p:txBody>
+          <a:bodyPr rtlCol="0" anchor="ctr"/>
+          <a:lstStyle/>
+          <a:p>
+            <a:pPr marL="0" marR="0" lvl="0" indent="0" algn="ctr" defTabSz="914400" eaLnBrk="1" fontAlgn="auto" latinLnBrk="0" hangingPunct="1">
+              <a:lnSpc>
+                <a:spcPct val="100000"/>
+              </a:lnSpc>
+              <a:spcBef>
+                <a:spcPts val="0"/>
+              </a:spcBef>
+              <a:spcAft>
+                <a:spcPts val="0"/>
+              </a:spcAft>
+              <a:buClrTx/>
+              <a:buSzTx/>
+              <a:buFontTx/>
+              <a:buNone/>
+              <a:tabLst/>
+              <a:defRPr/>
+            </a:pPr>
+            <a:r>
+              <a:rPr lang="en-US" b="1" kern="0" dirty="0" err="1">
+                <a:solidFill>
+                  <a:prstClr val="black"/>
+                </a:solidFill>
+                <a:latin typeface="Segoe UI Light"/>
+              </a:rPr>
+              <a:t>Startup.cs</a:t>
+            </a:r>
+            <a:endParaRPr kumimoji="0" lang="en-US" sz="1800" b="1" i="0" u="none" strike="noStrike" kern="0" cap="none" spc="0" normalizeH="0" baseline="0" noProof="0" dirty="0">
+              <a:ln>
+                <a:noFill/>
+              </a:ln>
+              <a:solidFill>
+                <a:prstClr val="black"/>
+              </a:solidFill>
+              <a:effectLst/>
+              <a:uLnTx/>
+              <a:uFillTx/>
+              <a:latin typeface="Segoe UI Light"/>
+              <a:ea typeface="+mn-ea"/>
+              <a:cs typeface="+mn-cs"/>
+            </a:endParaRPr>
+          </a:p>
+        </p:txBody>
+      </p:sp>
+      <p:sp>
+        <p:nvSpPr>
+          <p:cNvPr id="6" name="Content Placeholder 5">
+            <a:extLst>
+              <a:ext uri="{FF2B5EF4-FFF2-40B4-BE49-F238E27FC236}">
+                <a16:creationId xmlns:a16="http://schemas.microsoft.com/office/drawing/2014/main" id="{E5A9F2D8-89AD-4C13-B6B2-AF06F5805B64}"/>
+              </a:ext>
+            </a:extLst>
+          </p:cNvPr>
+          <p:cNvSpPr>
+            <a:spLocks noGrp="1"/>
+          </p:cNvSpPr>
+          <p:nvPr>
+            <p:ph idx="1"/>
+          </p:nvPr>
+        </p:nvSpPr>
+        <p:spPr>
+          <a:xfrm>
+            <a:off x="1745673" y="5135418"/>
+            <a:ext cx="5902036" cy="517238"/>
+          </a:xfrm>
+          <a:prstGeom prst="rect">
+            <a:avLst/>
+          </a:prstGeom>
+          <a:noFill/>
+          <a:ln w="38100">
+            <a:solidFill>
+              <a:schemeClr val="accent1"/>
+            </a:solidFill>
+          </a:ln>
+        </p:spPr>
+        <p:style>
+          <a:lnRef idx="2">
+            <a:schemeClr val="accent1">
+              <a:shade val="50000"/>
+            </a:schemeClr>
+          </a:lnRef>
+          <a:fillRef idx="1">
+            <a:schemeClr val="accent1"/>
+          </a:fillRef>
+          <a:effectRef idx="0">
+            <a:schemeClr val="accent1"/>
+          </a:effectRef>
+          <a:fontRef idx="minor">
+            <a:schemeClr val="lt1"/>
+          </a:fontRef>
+        </p:style>
+        <p:txBody>
+          <a:bodyPr rtlCol="0" anchor="ctr"/>
+          <a:lstStyle/>
+          <a:p>
+            <a:endParaRPr lang="en-US" dirty="0"/>
+          </a:p>
+        </p:txBody>
+      </p:sp>
+    </p:spTree>
+    <p:extLst>
+      <p:ext uri="{BB962C8B-B14F-4D97-AF65-F5344CB8AC3E}">
+        <p14:creationId xmlns:p14="http://schemas.microsoft.com/office/powerpoint/2010/main" val="972511945"/>
+      </p:ext>
+    </p:extLst>
+  </p:cSld>
+  <p:clrMapOvr>
+    <a:masterClrMapping/>
+  </p:clrMapOvr>
+  <p:timing>
+    <p:tnLst>
+      <p:par>
+        <p:cTn id="1" dur="indefinite" restart="never" nodeType="tmRoot">
+          <p:childTnLst>
+            <p:seq concurrent="1" nextAc="seek">
+              <p:cTn id="2" dur="indefinite" nodeType="mainSeq">
+                <p:childTnLst>
+                  <p:par>
+                    <p:cTn id="3" fill="hold">
+                      <p:stCondLst>
+                        <p:cond delay="indefinite"/>
+                        <p:cond evt="onBegin" delay="0">
+                          <p:tn val="2"/>
+                        </p:cond>
+                      </p:stCondLst>
+                      <p:childTnLst>
+                        <p:par>
+                          <p:cTn id="4" fill="hold">
+                            <p:stCondLst>
+                              <p:cond delay="0"/>
+                            </p:stCondLst>
+                            <p:childTnLst>
+                              <p:par>
+                                <p:cTn id="5" presetID="10" presetClass="entr" presetSubtype="0" fill="hold" grpId="0" nodeType="withEffect">
+                                  <p:stCondLst>
+                                    <p:cond delay="0"/>
+                                  </p:stCondLst>
+                                  <p:childTnLst>
+                                    <p:set>
+                                      <p:cBhvr>
+                                        <p:cTn id="6" dur="1" fill="hold">
+                                          <p:stCondLst>
+                                            <p:cond delay="0"/>
+                                          </p:stCondLst>
+                                        </p:cTn>
+                                        <p:tgtEl>
+                                          <p:spTgt spid="5"/>
+                                        </p:tgtEl>
+                                        <p:attrNameLst>
+                                          <p:attrName>style.visibility</p:attrName>
+                                        </p:attrNameLst>
+                                      </p:cBhvr>
+                                      <p:to>
+                                        <p:strVal val="visible"/>
+                                      </p:to>
+                                    </p:set>
+                                    <p:animEffect transition="in" filter="fade">
+                                      <p:cBhvr>
+                                        <p:cTn id="7" dur="500"/>
+                                        <p:tgtEl>
+                                          <p:spTgt spid="5"/>
+                                        </p:tgtEl>
+                                      </p:cBhvr>
+                                    </p:animEffect>
+                                  </p:childTnLst>
+                                </p:cTn>
+                              </p:par>
+                              <p:par>
+                                <p:cTn id="8" presetID="10" presetClass="entr" presetSubtype="0" fill="hold" nodeType="withEffect">
+                                  <p:stCondLst>
+                                    <p:cond delay="0"/>
+                                  </p:stCondLst>
+                                  <p:childTnLst>
+                                    <p:set>
+                                      <p:cBhvr>
+                                        <p:cTn id="9" dur="1" fill="hold">
+                                          <p:stCondLst>
+                                            <p:cond delay="0"/>
+                                          </p:stCondLst>
+                                        </p:cTn>
+                                        <p:tgtEl>
+                                          <p:spTgt spid="4"/>
+                                        </p:tgtEl>
+                                        <p:attrNameLst>
+                                          <p:attrName>style.visibility</p:attrName>
+                                        </p:attrNameLst>
+                                      </p:cBhvr>
+                                      <p:to>
+                                        <p:strVal val="visible"/>
+                                      </p:to>
+                                    </p:set>
+                                    <p:animEffect transition="in" filter="fade">
+                                      <p:cBhvr>
+                                        <p:cTn id="10" dur="500"/>
+                                        <p:tgtEl>
+                                          <p:spTgt spid="4"/>
+                                        </p:tgtEl>
+                                      </p:cBhvr>
+                                    </p:animEffect>
+                                  </p:childTnLst>
+                                </p:cTn>
+                              </p:par>
+                              <p:par>
+                                <p:cTn id="11" presetID="10" presetClass="entr" presetSubtype="0" fill="hold" grpId="0" nodeType="withEffect">
+                                  <p:stCondLst>
+                                    <p:cond delay="0"/>
+                                  </p:stCondLst>
+                                  <p:childTnLst>
+                                    <p:set>
+                                      <p:cBhvr>
+                                        <p:cTn id="12" dur="1" fill="hold">
+                                          <p:stCondLst>
+                                            <p:cond delay="0"/>
+                                          </p:stCondLst>
+                                        </p:cTn>
+                                        <p:tgtEl>
+                                          <p:spTgt spid="6"/>
+                                        </p:tgtEl>
+                                        <p:attrNameLst>
+                                          <p:attrName>style.visibility</p:attrName>
+                                        </p:attrNameLst>
+                                      </p:cBhvr>
+                                      <p:to>
+                                        <p:strVal val="visible"/>
+                                      </p:to>
+                                    </p:set>
+                                    <p:animEffect transition="in" filter="fade">
+                                      <p:cBhvr>
+                                        <p:cTn id="13" dur="500"/>
+                                        <p:tgtEl>
+                                          <p:spTgt spid="6"/>
+                                        </p:tgtEl>
+                                      </p:cBhvr>
+                                    </p:animEffect>
+                                  </p:childTnLst>
+                                </p:cTn>
+                              </p:par>
+                            </p:childTnLst>
+                          </p:cTn>
+                        </p:par>
+                      </p:childTnLst>
+                    </p:cTn>
+                  </p:par>
+                </p:childTnLst>
+              </p:cTn>
+              <p:prevCondLst>
+                <p:cond evt="onPrev" delay="0">
+                  <p:tgtEl>
+                    <p:sldTgt/>
+                  </p:tgtEl>
+                </p:cond>
+              </p:prevCondLst>
+              <p:nextCondLst>
+                <p:cond evt="onNext" delay="0">
+                  <p:tgtEl>
+                    <p:sldTgt/>
+                  </p:tgtEl>
+                </p:cond>
+              </p:nextCondLst>
+            </p:seq>
+          </p:childTnLst>
+        </p:cTn>
+      </p:par>
+    </p:tnLst>
+    <p:bldLst>
+      <p:bldP spid="5" grpId="0" animBg="1"/>
+      <p:bldP spid="6" grpId="0" animBg="1"/>
+    </p:bldLst>
+  </p:timing>
+</p:sld>
+</file>
+
+<file path=ppt/slides/slide11.xml><?xml version="1.0" encoding="utf-8"?>
 <p:sld xmlns:a="http://schemas.openxmlformats.org/drawingml/2006/main" xmlns:r="http://schemas.openxmlformats.org/officeDocument/2006/relationships" xmlns:p="http://schemas.openxmlformats.org/presentationml/2006/main">
   <p:cSld>
     <p:bg>
@@ -11113,7 +12378,7 @@
 </p:sld>
 </file>
 
-<file path=ppt/slides/slide11.xml><?xml version="1.0" encoding="utf-8"?>
+<file path=ppt/slides/slide12.xml><?xml version="1.0" encoding="utf-8"?>
 <p:sld xmlns:a="http://schemas.openxmlformats.org/drawingml/2006/main" xmlns:r="http://schemas.openxmlformats.org/officeDocument/2006/relationships" xmlns:p="http://schemas.openxmlformats.org/presentationml/2006/main">
   <p:cSld>
     <p:bg>
@@ -11935,528 +13200,7 @@
 </p:sld>
 </file>
 
-<file path=ppt/slides/slide12.xml><?xml version="1.0" encoding="utf-8"?>
-<p:sld xmlns:a="http://schemas.openxmlformats.org/drawingml/2006/main" xmlns:r="http://schemas.openxmlformats.org/officeDocument/2006/relationships" xmlns:p="http://schemas.openxmlformats.org/presentationml/2006/main">
-  <p:cSld>
-    <p:bg>
-      <p:bgPr>
-        <a:solidFill>
-          <a:srgbClr val="505050"/>
-        </a:solidFill>
-        <a:effectLst/>
-      </p:bgPr>
-    </p:bg>
-    <p:spTree>
-      <p:nvGrpSpPr>
-        <p:cNvPr id="1" name=""/>
-        <p:cNvGrpSpPr/>
-        <p:nvPr/>
-      </p:nvGrpSpPr>
-      <p:grpSpPr>
-        <a:xfrm>
-          <a:off x="0" y="0"/>
-          <a:ext cx="0" cy="0"/>
-          <a:chOff x="0" y="0"/>
-          <a:chExt cx="0" cy="0"/>
-        </a:xfrm>
-      </p:grpSpPr>
-      <p:sp>
-        <p:nvSpPr>
-          <p:cNvPr id="2" name="Title 1"/>
-          <p:cNvSpPr>
-            <a:spLocks noGrp="1"/>
-          </p:cNvSpPr>
-          <p:nvPr>
-            <p:ph type="title"/>
-          </p:nvPr>
-        </p:nvSpPr>
-        <p:spPr/>
-        <p:txBody>
-          <a:bodyPr/>
-          <a:lstStyle/>
-          <a:p>
-            <a:r>
-              <a:rPr lang="en-US" dirty="0"/>
-              <a:t>Key Vault: Configure access</a:t>
-            </a:r>
-          </a:p>
-        </p:txBody>
-      </p:sp>
-      <p:pic>
-        <p:nvPicPr>
-          <p:cNvPr id="4" name="Content Placeholder 3">
-            <a:extLst>
-              <a:ext uri="{FF2B5EF4-FFF2-40B4-BE49-F238E27FC236}">
-                <a16:creationId xmlns:a16="http://schemas.microsoft.com/office/drawing/2014/main" id="{14BEC922-47AD-4973-84E6-93B63223D7ED}"/>
-              </a:ext>
-            </a:extLst>
-          </p:cNvPr>
-          <p:cNvPicPr>
-            <a:picLocks noGrp="1" noChangeAspect="1"/>
-          </p:cNvPicPr>
-          <p:nvPr>
-            <p:ph idx="1"/>
-          </p:nvPr>
-        </p:nvPicPr>
-        <p:blipFill>
-          <a:blip r:embed="rId3"/>
-          <a:stretch>
-            <a:fillRect/>
-          </a:stretch>
-        </p:blipFill>
-        <p:spPr>
-          <a:xfrm>
-            <a:off x="938372" y="1606303"/>
-            <a:ext cx="10555399" cy="3849412"/>
-          </a:xfrm>
-          <a:prstGeom prst="rect">
-            <a:avLst/>
-          </a:prstGeom>
-        </p:spPr>
-      </p:pic>
-    </p:spTree>
-    <p:extLst>
-      <p:ext uri="{BB962C8B-B14F-4D97-AF65-F5344CB8AC3E}">
-        <p14:creationId xmlns:p14="http://schemas.microsoft.com/office/powerpoint/2010/main" val="2178576446"/>
-      </p:ext>
-    </p:extLst>
-  </p:cSld>
-  <p:clrMapOvr>
-    <a:masterClrMapping/>
-  </p:clrMapOvr>
-</p:sld>
-</file>
-
 <file path=ppt/slides/slide13.xml><?xml version="1.0" encoding="utf-8"?>
-<p:sld xmlns:a="http://schemas.openxmlformats.org/drawingml/2006/main" xmlns:r="http://schemas.openxmlformats.org/officeDocument/2006/relationships" xmlns:p="http://schemas.openxmlformats.org/presentationml/2006/main">
-  <p:cSld>
-    <p:bg>
-      <p:bgPr>
-        <a:solidFill>
-          <a:srgbClr val="505050"/>
-        </a:solidFill>
-        <a:effectLst/>
-      </p:bgPr>
-    </p:bg>
-    <p:spTree>
-      <p:nvGrpSpPr>
-        <p:cNvPr id="1" name=""/>
-        <p:cNvGrpSpPr/>
-        <p:nvPr/>
-      </p:nvGrpSpPr>
-      <p:grpSpPr>
-        <a:xfrm>
-          <a:off x="0" y="0"/>
-          <a:ext cx="0" cy="0"/>
-          <a:chOff x="0" y="0"/>
-          <a:chExt cx="0" cy="0"/>
-        </a:xfrm>
-      </p:grpSpPr>
-      <p:sp>
-        <p:nvSpPr>
-          <p:cNvPr id="2" name="Title 1"/>
-          <p:cNvSpPr>
-            <a:spLocks noGrp="1"/>
-          </p:cNvSpPr>
-          <p:nvPr>
-            <p:ph type="title"/>
-          </p:nvPr>
-        </p:nvSpPr>
-        <p:spPr/>
-        <p:txBody>
-          <a:bodyPr/>
-          <a:lstStyle/>
-          <a:p>
-            <a:r>
-              <a:rPr lang="en-US" dirty="0"/>
-              <a:t>Key Vault: Configure access (cont.)</a:t>
-            </a:r>
-          </a:p>
-        </p:txBody>
-      </p:sp>
-      <p:pic>
-        <p:nvPicPr>
-          <p:cNvPr id="7" name="Content Placeholder 6">
-            <a:extLst>
-              <a:ext uri="{FF2B5EF4-FFF2-40B4-BE49-F238E27FC236}">
-                <a16:creationId xmlns:a16="http://schemas.microsoft.com/office/drawing/2014/main" id="{F5811D25-5A94-4382-AD6B-B6F8A24C1411}"/>
-              </a:ext>
-            </a:extLst>
-          </p:cNvPr>
-          <p:cNvPicPr>
-            <a:picLocks noGrp="1" noChangeAspect="1"/>
-          </p:cNvPicPr>
-          <p:nvPr>
-            <p:ph idx="1"/>
-          </p:nvPr>
-        </p:nvPicPr>
-        <p:blipFill>
-          <a:blip r:embed="rId3"/>
-          <a:stretch>
-            <a:fillRect/>
-          </a:stretch>
-        </p:blipFill>
-        <p:spPr>
-          <a:xfrm>
-            <a:off x="6465780" y="1805218"/>
-            <a:ext cx="2637174" cy="4351338"/>
-          </a:xfrm>
-          <a:prstGeom prst="rect">
-            <a:avLst/>
-          </a:prstGeom>
-        </p:spPr>
-      </p:pic>
-      <p:pic>
-        <p:nvPicPr>
-          <p:cNvPr id="6" name="Picture 5">
-            <a:extLst>
-              <a:ext uri="{FF2B5EF4-FFF2-40B4-BE49-F238E27FC236}">
-                <a16:creationId xmlns:a16="http://schemas.microsoft.com/office/drawing/2014/main" id="{0571DCE1-58E5-454B-9E00-505CC5F52BED}"/>
-              </a:ext>
-            </a:extLst>
-          </p:cNvPr>
-          <p:cNvPicPr>
-            <a:picLocks noChangeAspect="1"/>
-          </p:cNvPicPr>
-          <p:nvPr/>
-        </p:nvPicPr>
-        <p:blipFill>
-          <a:blip r:embed="rId4"/>
-          <a:stretch>
-            <a:fillRect/>
-          </a:stretch>
-        </p:blipFill>
-        <p:spPr>
-          <a:xfrm>
-            <a:off x="838200" y="1825625"/>
-            <a:ext cx="5452136" cy="4357578"/>
-          </a:xfrm>
-          <a:prstGeom prst="rect">
-            <a:avLst/>
-          </a:prstGeom>
-        </p:spPr>
-      </p:pic>
-      <p:pic>
-        <p:nvPicPr>
-          <p:cNvPr id="8" name="Picture 7">
-            <a:extLst>
-              <a:ext uri="{FF2B5EF4-FFF2-40B4-BE49-F238E27FC236}">
-                <a16:creationId xmlns:a16="http://schemas.microsoft.com/office/drawing/2014/main" id="{41B33B12-2E78-4E84-8699-A6C11F13B1FF}"/>
-              </a:ext>
-            </a:extLst>
-          </p:cNvPr>
-          <p:cNvPicPr>
-            <a:picLocks noChangeAspect="1"/>
-          </p:cNvPicPr>
-          <p:nvPr/>
-        </p:nvPicPr>
-        <p:blipFill>
-          <a:blip r:embed="rId5"/>
-          <a:stretch>
-            <a:fillRect/>
-          </a:stretch>
-        </p:blipFill>
-        <p:spPr>
-          <a:xfrm>
-            <a:off x="8492857" y="2440668"/>
-            <a:ext cx="2633682" cy="2952772"/>
-          </a:xfrm>
-          <a:prstGeom prst="rect">
-            <a:avLst/>
-          </a:prstGeom>
-          <a:effectLst>
-            <a:outerShdw blurRad="50800" dist="38100" dir="8100000" algn="tr" rotWithShape="0">
-              <a:prstClr val="black">
-                <a:alpha val="40000"/>
-              </a:prstClr>
-            </a:outerShdw>
-          </a:effectLst>
-        </p:spPr>
-      </p:pic>
-      <p:sp>
-        <p:nvSpPr>
-          <p:cNvPr id="9" name="Arrow: Down 8">
-            <a:extLst>
-              <a:ext uri="{FF2B5EF4-FFF2-40B4-BE49-F238E27FC236}">
-                <a16:creationId xmlns:a16="http://schemas.microsoft.com/office/drawing/2014/main" id="{A0E20085-73EB-424C-A3FC-37C6B46F76FD}"/>
-              </a:ext>
-            </a:extLst>
-          </p:cNvPr>
-          <p:cNvSpPr/>
-          <p:nvPr/>
-        </p:nvSpPr>
-        <p:spPr>
-          <a:xfrm rot="14773509">
-            <a:off x="5555692" y="1963016"/>
-            <a:ext cx="424254" cy="1812869"/>
-          </a:xfrm>
-          <a:prstGeom prst="downArrow">
-            <a:avLst/>
-          </a:prstGeom>
-        </p:spPr>
-        <p:style>
-          <a:lnRef idx="2">
-            <a:schemeClr val="accent1">
-              <a:shade val="50000"/>
-            </a:schemeClr>
-          </a:lnRef>
-          <a:fillRef idx="1">
-            <a:schemeClr val="accent1"/>
-          </a:fillRef>
-          <a:effectRef idx="0">
-            <a:schemeClr val="accent1"/>
-          </a:effectRef>
-          <a:fontRef idx="minor">
-            <a:schemeClr val="lt1"/>
-          </a:fontRef>
-        </p:style>
-        <p:txBody>
-          <a:bodyPr rtlCol="0" anchor="ctr"/>
-          <a:lstStyle/>
-          <a:p>
-            <a:pPr algn="ctr"/>
-            <a:endParaRPr lang="en-US" dirty="0"/>
-          </a:p>
-        </p:txBody>
-      </p:sp>
-      <p:sp>
-        <p:nvSpPr>
-          <p:cNvPr id="10" name="Arrow: Down 9">
-            <a:extLst>
-              <a:ext uri="{FF2B5EF4-FFF2-40B4-BE49-F238E27FC236}">
-                <a16:creationId xmlns:a16="http://schemas.microsoft.com/office/drawing/2014/main" id="{7FF33B08-6944-44F1-9883-DFD480ABD01D}"/>
-              </a:ext>
-            </a:extLst>
-          </p:cNvPr>
-          <p:cNvSpPr/>
-          <p:nvPr/>
-        </p:nvSpPr>
-        <p:spPr>
-          <a:xfrm rot="14773509">
-            <a:off x="7841689" y="3315120"/>
-            <a:ext cx="424254" cy="997005"/>
-          </a:xfrm>
-          <a:prstGeom prst="downArrow">
-            <a:avLst/>
-          </a:prstGeom>
-        </p:spPr>
-        <p:style>
-          <a:lnRef idx="2">
-            <a:schemeClr val="accent1">
-              <a:shade val="50000"/>
-            </a:schemeClr>
-          </a:lnRef>
-          <a:fillRef idx="1">
-            <a:schemeClr val="accent1"/>
-          </a:fillRef>
-          <a:effectRef idx="0">
-            <a:schemeClr val="accent1"/>
-          </a:effectRef>
-          <a:fontRef idx="minor">
-            <a:schemeClr val="lt1"/>
-          </a:fontRef>
-        </p:style>
-        <p:txBody>
-          <a:bodyPr rtlCol="0" anchor="ctr"/>
-          <a:lstStyle/>
-          <a:p>
-            <a:pPr algn="ctr"/>
-            <a:endParaRPr lang="en-US" dirty="0"/>
-          </a:p>
-        </p:txBody>
-      </p:sp>
-    </p:spTree>
-    <p:extLst>
-      <p:ext uri="{BB962C8B-B14F-4D97-AF65-F5344CB8AC3E}">
-        <p14:creationId xmlns:p14="http://schemas.microsoft.com/office/powerpoint/2010/main" val="4017086765"/>
-      </p:ext>
-    </p:extLst>
-  </p:cSld>
-  <p:clrMapOvr>
-    <a:masterClrMapping/>
-  </p:clrMapOvr>
-  <p:timing>
-    <p:tnLst>
-      <p:par>
-        <p:cTn id="1" dur="indefinite" restart="never" nodeType="tmRoot">
-          <p:childTnLst>
-            <p:seq concurrent="1" nextAc="seek">
-              <p:cTn id="2" dur="indefinite" nodeType="mainSeq">
-                <p:childTnLst>
-                  <p:par>
-                    <p:cTn id="3" fill="hold">
-                      <p:stCondLst>
-                        <p:cond delay="indefinite"/>
-                      </p:stCondLst>
-                      <p:childTnLst>
-                        <p:par>
-                          <p:cTn id="4" fill="hold">
-                            <p:stCondLst>
-                              <p:cond delay="0"/>
-                            </p:stCondLst>
-                            <p:childTnLst>
-                              <p:par>
-                                <p:cTn id="5" presetID="1" presetClass="entr" presetSubtype="0" fill="hold" grpId="0" nodeType="clickEffect">
-                                  <p:stCondLst>
-                                    <p:cond delay="0"/>
-                                  </p:stCondLst>
-                                  <p:childTnLst>
-                                    <p:set>
-                                      <p:cBhvr>
-                                        <p:cTn id="6" dur="1" fill="hold">
-                                          <p:stCondLst>
-                                            <p:cond delay="0"/>
-                                          </p:stCondLst>
-                                        </p:cTn>
-                                        <p:tgtEl>
-                                          <p:spTgt spid="9"/>
-                                        </p:tgtEl>
-                                        <p:attrNameLst>
-                                          <p:attrName>style.visibility</p:attrName>
-                                        </p:attrNameLst>
-                                      </p:cBhvr>
-                                      <p:to>
-                                        <p:strVal val="visible"/>
-                                      </p:to>
-                                    </p:set>
-                                  </p:childTnLst>
-                                </p:cTn>
-                              </p:par>
-                              <p:par>
-                                <p:cTn id="7" presetID="1" presetClass="entr" presetSubtype="0" fill="hold" nodeType="withEffect">
-                                  <p:stCondLst>
-                                    <p:cond delay="0"/>
-                                  </p:stCondLst>
-                                  <p:childTnLst>
-                                    <p:set>
-                                      <p:cBhvr>
-                                        <p:cTn id="8" dur="1" fill="hold">
-                                          <p:stCondLst>
-                                            <p:cond delay="0"/>
-                                          </p:stCondLst>
-                                        </p:cTn>
-                                        <p:tgtEl>
-                                          <p:spTgt spid="7"/>
-                                        </p:tgtEl>
-                                        <p:attrNameLst>
-                                          <p:attrName>style.visibility</p:attrName>
-                                        </p:attrNameLst>
-                                      </p:cBhvr>
-                                      <p:to>
-                                        <p:strVal val="visible"/>
-                                      </p:to>
-                                    </p:set>
-                                  </p:childTnLst>
-                                </p:cTn>
-                              </p:par>
-                            </p:childTnLst>
-                          </p:cTn>
-                        </p:par>
-                      </p:childTnLst>
-                    </p:cTn>
-                  </p:par>
-                  <p:par>
-                    <p:cTn id="9" fill="hold">
-                      <p:stCondLst>
-                        <p:cond delay="indefinite"/>
-                      </p:stCondLst>
-                      <p:childTnLst>
-                        <p:par>
-                          <p:cTn id="10" fill="hold">
-                            <p:stCondLst>
-                              <p:cond delay="0"/>
-                            </p:stCondLst>
-                            <p:childTnLst>
-                              <p:par>
-                                <p:cTn id="11" presetID="1" presetClass="entr" presetSubtype="0" fill="hold" grpId="0" nodeType="clickEffect">
-                                  <p:stCondLst>
-                                    <p:cond delay="0"/>
-                                  </p:stCondLst>
-                                  <p:childTnLst>
-                                    <p:set>
-                                      <p:cBhvr>
-                                        <p:cTn id="12" dur="1" fill="hold">
-                                          <p:stCondLst>
-                                            <p:cond delay="0"/>
-                                          </p:stCondLst>
-                                        </p:cTn>
-                                        <p:tgtEl>
-                                          <p:spTgt spid="10"/>
-                                        </p:tgtEl>
-                                        <p:attrNameLst>
-                                          <p:attrName>style.visibility</p:attrName>
-                                        </p:attrNameLst>
-                                      </p:cBhvr>
-                                      <p:to>
-                                        <p:strVal val="visible"/>
-                                      </p:to>
-                                    </p:set>
-                                  </p:childTnLst>
-                                </p:cTn>
-                              </p:par>
-                              <p:par>
-                                <p:cTn id="13" presetID="1" presetClass="entr" presetSubtype="0" fill="hold" nodeType="withEffect">
-                                  <p:stCondLst>
-                                    <p:cond delay="0"/>
-                                  </p:stCondLst>
-                                  <p:childTnLst>
-                                    <p:set>
-                                      <p:cBhvr>
-                                        <p:cTn id="14" dur="1" fill="hold">
-                                          <p:stCondLst>
-                                            <p:cond delay="0"/>
-                                          </p:stCondLst>
-                                        </p:cTn>
-                                        <p:tgtEl>
-                                          <p:spTgt spid="8"/>
-                                        </p:tgtEl>
-                                        <p:attrNameLst>
-                                          <p:attrName>style.visibility</p:attrName>
-                                        </p:attrNameLst>
-                                      </p:cBhvr>
-                                      <p:to>
-                                        <p:strVal val="visible"/>
-                                      </p:to>
-                                    </p:set>
-                                  </p:childTnLst>
-                                </p:cTn>
-                              </p:par>
-                            </p:childTnLst>
-                          </p:cTn>
-                        </p:par>
-                      </p:childTnLst>
-                    </p:cTn>
-                  </p:par>
-                </p:childTnLst>
-              </p:cTn>
-              <p:prevCondLst>
-                <p:cond evt="onPrev" delay="0">
-                  <p:tgtEl>
-                    <p:sldTgt/>
-                  </p:tgtEl>
-                </p:cond>
-              </p:prevCondLst>
-              <p:nextCondLst>
-                <p:cond evt="onNext" delay="0">
-                  <p:tgtEl>
-                    <p:sldTgt/>
-                  </p:tgtEl>
-                </p:cond>
-              </p:nextCondLst>
-            </p:seq>
-          </p:childTnLst>
-        </p:cTn>
-      </p:par>
-    </p:tnLst>
-    <p:bldLst>
-      <p:bldP spid="9" grpId="0" animBg="1"/>
-      <p:bldP spid="10" grpId="0" animBg="1"/>
-    </p:bldLst>
-  </p:timing>
-</p:sld>
-</file>
-
-<file path=ppt/slides/slide14.xml><?xml version="1.0" encoding="utf-8"?>
 <p:sld xmlns:a="http://schemas.openxmlformats.org/drawingml/2006/main" xmlns:r="http://schemas.openxmlformats.org/officeDocument/2006/relationships" xmlns:p="http://schemas.openxmlformats.org/presentationml/2006/main">
   <p:cSld>
     <p:bg>
@@ -13276,7 +14020,7 @@
 </p:sld>
 </file>
 
-<file path=ppt/slides/slide15.xml><?xml version="1.0" encoding="utf-8"?>
+<file path=ppt/slides/slide14.xml><?xml version="1.0" encoding="utf-8"?>
 <p:sld xmlns:a="http://schemas.openxmlformats.org/drawingml/2006/main" xmlns:r="http://schemas.openxmlformats.org/officeDocument/2006/relationships" xmlns:p="http://schemas.openxmlformats.org/presentationml/2006/main">
   <p:cSld>
     <p:bg>
@@ -13640,7 +14384,528 @@
 </p:sld>
 </file>
 
+<file path=ppt/slides/slide15.xml><?xml version="1.0" encoding="utf-8"?>
+<p:sld xmlns:a="http://schemas.openxmlformats.org/drawingml/2006/main" xmlns:r="http://schemas.openxmlformats.org/officeDocument/2006/relationships" xmlns:p="http://schemas.openxmlformats.org/presentationml/2006/main">
+  <p:cSld>
+    <p:bg>
+      <p:bgPr>
+        <a:solidFill>
+          <a:srgbClr val="505050"/>
+        </a:solidFill>
+        <a:effectLst/>
+      </p:bgPr>
+    </p:bg>
+    <p:spTree>
+      <p:nvGrpSpPr>
+        <p:cNvPr id="1" name=""/>
+        <p:cNvGrpSpPr/>
+        <p:nvPr/>
+      </p:nvGrpSpPr>
+      <p:grpSpPr>
+        <a:xfrm>
+          <a:off x="0" y="0"/>
+          <a:ext cx="0" cy="0"/>
+          <a:chOff x="0" y="0"/>
+          <a:chExt cx="0" cy="0"/>
+        </a:xfrm>
+      </p:grpSpPr>
+      <p:sp>
+        <p:nvSpPr>
+          <p:cNvPr id="2" name="Title 1"/>
+          <p:cNvSpPr>
+            <a:spLocks noGrp="1"/>
+          </p:cNvSpPr>
+          <p:nvPr>
+            <p:ph type="title"/>
+          </p:nvPr>
+        </p:nvSpPr>
+        <p:spPr/>
+        <p:txBody>
+          <a:bodyPr/>
+          <a:lstStyle/>
+          <a:p>
+            <a:r>
+              <a:rPr lang="en-US" dirty="0"/>
+              <a:t>Key Vault: Configure access</a:t>
+            </a:r>
+          </a:p>
+        </p:txBody>
+      </p:sp>
+      <p:pic>
+        <p:nvPicPr>
+          <p:cNvPr id="4" name="Content Placeholder 3">
+            <a:extLst>
+              <a:ext uri="{FF2B5EF4-FFF2-40B4-BE49-F238E27FC236}">
+                <a16:creationId xmlns:a16="http://schemas.microsoft.com/office/drawing/2014/main" id="{14BEC922-47AD-4973-84E6-93B63223D7ED}"/>
+              </a:ext>
+            </a:extLst>
+          </p:cNvPr>
+          <p:cNvPicPr>
+            <a:picLocks noGrp="1" noChangeAspect="1"/>
+          </p:cNvPicPr>
+          <p:nvPr>
+            <p:ph idx="1"/>
+          </p:nvPr>
+        </p:nvPicPr>
+        <p:blipFill>
+          <a:blip r:embed="rId3"/>
+          <a:stretch>
+            <a:fillRect/>
+          </a:stretch>
+        </p:blipFill>
+        <p:spPr>
+          <a:xfrm>
+            <a:off x="938372" y="1606303"/>
+            <a:ext cx="10555399" cy="3849412"/>
+          </a:xfrm>
+          <a:prstGeom prst="rect">
+            <a:avLst/>
+          </a:prstGeom>
+        </p:spPr>
+      </p:pic>
+    </p:spTree>
+    <p:extLst>
+      <p:ext uri="{BB962C8B-B14F-4D97-AF65-F5344CB8AC3E}">
+        <p14:creationId xmlns:p14="http://schemas.microsoft.com/office/powerpoint/2010/main" val="2178576446"/>
+      </p:ext>
+    </p:extLst>
+  </p:cSld>
+  <p:clrMapOvr>
+    <a:masterClrMapping/>
+  </p:clrMapOvr>
+</p:sld>
+</file>
+
 <file path=ppt/slides/slide16.xml><?xml version="1.0" encoding="utf-8"?>
+<p:sld xmlns:a="http://schemas.openxmlformats.org/drawingml/2006/main" xmlns:r="http://schemas.openxmlformats.org/officeDocument/2006/relationships" xmlns:p="http://schemas.openxmlformats.org/presentationml/2006/main">
+  <p:cSld>
+    <p:bg>
+      <p:bgPr>
+        <a:solidFill>
+          <a:srgbClr val="505050"/>
+        </a:solidFill>
+        <a:effectLst/>
+      </p:bgPr>
+    </p:bg>
+    <p:spTree>
+      <p:nvGrpSpPr>
+        <p:cNvPr id="1" name=""/>
+        <p:cNvGrpSpPr/>
+        <p:nvPr/>
+      </p:nvGrpSpPr>
+      <p:grpSpPr>
+        <a:xfrm>
+          <a:off x="0" y="0"/>
+          <a:ext cx="0" cy="0"/>
+          <a:chOff x="0" y="0"/>
+          <a:chExt cx="0" cy="0"/>
+        </a:xfrm>
+      </p:grpSpPr>
+      <p:sp>
+        <p:nvSpPr>
+          <p:cNvPr id="2" name="Title 1"/>
+          <p:cNvSpPr>
+            <a:spLocks noGrp="1"/>
+          </p:cNvSpPr>
+          <p:nvPr>
+            <p:ph type="title"/>
+          </p:nvPr>
+        </p:nvSpPr>
+        <p:spPr/>
+        <p:txBody>
+          <a:bodyPr/>
+          <a:lstStyle/>
+          <a:p>
+            <a:r>
+              <a:rPr lang="en-US" dirty="0"/>
+              <a:t>Key Vault: Configure access (cont.)</a:t>
+            </a:r>
+          </a:p>
+        </p:txBody>
+      </p:sp>
+      <p:pic>
+        <p:nvPicPr>
+          <p:cNvPr id="7" name="Content Placeholder 6">
+            <a:extLst>
+              <a:ext uri="{FF2B5EF4-FFF2-40B4-BE49-F238E27FC236}">
+                <a16:creationId xmlns:a16="http://schemas.microsoft.com/office/drawing/2014/main" id="{F5811D25-5A94-4382-AD6B-B6F8A24C1411}"/>
+              </a:ext>
+            </a:extLst>
+          </p:cNvPr>
+          <p:cNvPicPr>
+            <a:picLocks noGrp="1" noChangeAspect="1"/>
+          </p:cNvPicPr>
+          <p:nvPr>
+            <p:ph idx="1"/>
+          </p:nvPr>
+        </p:nvPicPr>
+        <p:blipFill>
+          <a:blip r:embed="rId3"/>
+          <a:stretch>
+            <a:fillRect/>
+          </a:stretch>
+        </p:blipFill>
+        <p:spPr>
+          <a:xfrm>
+            <a:off x="6465780" y="1805218"/>
+            <a:ext cx="2637174" cy="4351338"/>
+          </a:xfrm>
+          <a:prstGeom prst="rect">
+            <a:avLst/>
+          </a:prstGeom>
+        </p:spPr>
+      </p:pic>
+      <p:pic>
+        <p:nvPicPr>
+          <p:cNvPr id="6" name="Picture 5">
+            <a:extLst>
+              <a:ext uri="{FF2B5EF4-FFF2-40B4-BE49-F238E27FC236}">
+                <a16:creationId xmlns:a16="http://schemas.microsoft.com/office/drawing/2014/main" id="{0571DCE1-58E5-454B-9E00-505CC5F52BED}"/>
+              </a:ext>
+            </a:extLst>
+          </p:cNvPr>
+          <p:cNvPicPr>
+            <a:picLocks noChangeAspect="1"/>
+          </p:cNvPicPr>
+          <p:nvPr/>
+        </p:nvPicPr>
+        <p:blipFill>
+          <a:blip r:embed="rId4"/>
+          <a:stretch>
+            <a:fillRect/>
+          </a:stretch>
+        </p:blipFill>
+        <p:spPr>
+          <a:xfrm>
+            <a:off x="838200" y="1825625"/>
+            <a:ext cx="5452136" cy="4357578"/>
+          </a:xfrm>
+          <a:prstGeom prst="rect">
+            <a:avLst/>
+          </a:prstGeom>
+        </p:spPr>
+      </p:pic>
+      <p:pic>
+        <p:nvPicPr>
+          <p:cNvPr id="8" name="Picture 7">
+            <a:extLst>
+              <a:ext uri="{FF2B5EF4-FFF2-40B4-BE49-F238E27FC236}">
+                <a16:creationId xmlns:a16="http://schemas.microsoft.com/office/drawing/2014/main" id="{41B33B12-2E78-4E84-8699-A6C11F13B1FF}"/>
+              </a:ext>
+            </a:extLst>
+          </p:cNvPr>
+          <p:cNvPicPr>
+            <a:picLocks noChangeAspect="1"/>
+          </p:cNvPicPr>
+          <p:nvPr/>
+        </p:nvPicPr>
+        <p:blipFill>
+          <a:blip r:embed="rId5"/>
+          <a:stretch>
+            <a:fillRect/>
+          </a:stretch>
+        </p:blipFill>
+        <p:spPr>
+          <a:xfrm>
+            <a:off x="8492857" y="2440668"/>
+            <a:ext cx="2633682" cy="2952772"/>
+          </a:xfrm>
+          <a:prstGeom prst="rect">
+            <a:avLst/>
+          </a:prstGeom>
+          <a:effectLst>
+            <a:outerShdw blurRad="50800" dist="38100" dir="8100000" algn="tr" rotWithShape="0">
+              <a:prstClr val="black">
+                <a:alpha val="40000"/>
+              </a:prstClr>
+            </a:outerShdw>
+          </a:effectLst>
+        </p:spPr>
+      </p:pic>
+      <p:sp>
+        <p:nvSpPr>
+          <p:cNvPr id="9" name="Arrow: Down 8">
+            <a:extLst>
+              <a:ext uri="{FF2B5EF4-FFF2-40B4-BE49-F238E27FC236}">
+                <a16:creationId xmlns:a16="http://schemas.microsoft.com/office/drawing/2014/main" id="{A0E20085-73EB-424C-A3FC-37C6B46F76FD}"/>
+              </a:ext>
+            </a:extLst>
+          </p:cNvPr>
+          <p:cNvSpPr/>
+          <p:nvPr/>
+        </p:nvSpPr>
+        <p:spPr>
+          <a:xfrm rot="14773509">
+            <a:off x="5555692" y="1963016"/>
+            <a:ext cx="424254" cy="1812869"/>
+          </a:xfrm>
+          <a:prstGeom prst="downArrow">
+            <a:avLst/>
+          </a:prstGeom>
+        </p:spPr>
+        <p:style>
+          <a:lnRef idx="2">
+            <a:schemeClr val="accent1">
+              <a:shade val="50000"/>
+            </a:schemeClr>
+          </a:lnRef>
+          <a:fillRef idx="1">
+            <a:schemeClr val="accent1"/>
+          </a:fillRef>
+          <a:effectRef idx="0">
+            <a:schemeClr val="accent1"/>
+          </a:effectRef>
+          <a:fontRef idx="minor">
+            <a:schemeClr val="lt1"/>
+          </a:fontRef>
+        </p:style>
+        <p:txBody>
+          <a:bodyPr rtlCol="0" anchor="ctr"/>
+          <a:lstStyle/>
+          <a:p>
+            <a:pPr algn="ctr"/>
+            <a:endParaRPr lang="en-US" dirty="0"/>
+          </a:p>
+        </p:txBody>
+      </p:sp>
+      <p:sp>
+        <p:nvSpPr>
+          <p:cNvPr id="10" name="Arrow: Down 9">
+            <a:extLst>
+              <a:ext uri="{FF2B5EF4-FFF2-40B4-BE49-F238E27FC236}">
+                <a16:creationId xmlns:a16="http://schemas.microsoft.com/office/drawing/2014/main" id="{7FF33B08-6944-44F1-9883-DFD480ABD01D}"/>
+              </a:ext>
+            </a:extLst>
+          </p:cNvPr>
+          <p:cNvSpPr/>
+          <p:nvPr/>
+        </p:nvSpPr>
+        <p:spPr>
+          <a:xfrm rot="14773509">
+            <a:off x="7841689" y="3315120"/>
+            <a:ext cx="424254" cy="997005"/>
+          </a:xfrm>
+          <a:prstGeom prst="downArrow">
+            <a:avLst/>
+          </a:prstGeom>
+        </p:spPr>
+        <p:style>
+          <a:lnRef idx="2">
+            <a:schemeClr val="accent1">
+              <a:shade val="50000"/>
+            </a:schemeClr>
+          </a:lnRef>
+          <a:fillRef idx="1">
+            <a:schemeClr val="accent1"/>
+          </a:fillRef>
+          <a:effectRef idx="0">
+            <a:schemeClr val="accent1"/>
+          </a:effectRef>
+          <a:fontRef idx="minor">
+            <a:schemeClr val="lt1"/>
+          </a:fontRef>
+        </p:style>
+        <p:txBody>
+          <a:bodyPr rtlCol="0" anchor="ctr"/>
+          <a:lstStyle/>
+          <a:p>
+            <a:pPr algn="ctr"/>
+            <a:endParaRPr lang="en-US" dirty="0"/>
+          </a:p>
+        </p:txBody>
+      </p:sp>
+    </p:spTree>
+    <p:extLst>
+      <p:ext uri="{BB962C8B-B14F-4D97-AF65-F5344CB8AC3E}">
+        <p14:creationId xmlns:p14="http://schemas.microsoft.com/office/powerpoint/2010/main" val="4017086765"/>
+      </p:ext>
+    </p:extLst>
+  </p:cSld>
+  <p:clrMapOvr>
+    <a:masterClrMapping/>
+  </p:clrMapOvr>
+  <p:timing>
+    <p:tnLst>
+      <p:par>
+        <p:cTn id="1" dur="indefinite" restart="never" nodeType="tmRoot">
+          <p:childTnLst>
+            <p:seq concurrent="1" nextAc="seek">
+              <p:cTn id="2" dur="indefinite" nodeType="mainSeq">
+                <p:childTnLst>
+                  <p:par>
+                    <p:cTn id="3" fill="hold">
+                      <p:stCondLst>
+                        <p:cond delay="indefinite"/>
+                      </p:stCondLst>
+                      <p:childTnLst>
+                        <p:par>
+                          <p:cTn id="4" fill="hold">
+                            <p:stCondLst>
+                              <p:cond delay="0"/>
+                            </p:stCondLst>
+                            <p:childTnLst>
+                              <p:par>
+                                <p:cTn id="5" presetID="1" presetClass="entr" presetSubtype="0" fill="hold" grpId="0" nodeType="clickEffect">
+                                  <p:stCondLst>
+                                    <p:cond delay="0"/>
+                                  </p:stCondLst>
+                                  <p:childTnLst>
+                                    <p:set>
+                                      <p:cBhvr>
+                                        <p:cTn id="6" dur="1" fill="hold">
+                                          <p:stCondLst>
+                                            <p:cond delay="0"/>
+                                          </p:stCondLst>
+                                        </p:cTn>
+                                        <p:tgtEl>
+                                          <p:spTgt spid="9"/>
+                                        </p:tgtEl>
+                                        <p:attrNameLst>
+                                          <p:attrName>style.visibility</p:attrName>
+                                        </p:attrNameLst>
+                                      </p:cBhvr>
+                                      <p:to>
+                                        <p:strVal val="visible"/>
+                                      </p:to>
+                                    </p:set>
+                                  </p:childTnLst>
+                                </p:cTn>
+                              </p:par>
+                              <p:par>
+                                <p:cTn id="7" presetID="1" presetClass="entr" presetSubtype="0" fill="hold" nodeType="withEffect">
+                                  <p:stCondLst>
+                                    <p:cond delay="0"/>
+                                  </p:stCondLst>
+                                  <p:childTnLst>
+                                    <p:set>
+                                      <p:cBhvr>
+                                        <p:cTn id="8" dur="1" fill="hold">
+                                          <p:stCondLst>
+                                            <p:cond delay="0"/>
+                                          </p:stCondLst>
+                                        </p:cTn>
+                                        <p:tgtEl>
+                                          <p:spTgt spid="7"/>
+                                        </p:tgtEl>
+                                        <p:attrNameLst>
+                                          <p:attrName>style.visibility</p:attrName>
+                                        </p:attrNameLst>
+                                      </p:cBhvr>
+                                      <p:to>
+                                        <p:strVal val="visible"/>
+                                      </p:to>
+                                    </p:set>
+                                  </p:childTnLst>
+                                </p:cTn>
+                              </p:par>
+                            </p:childTnLst>
+                          </p:cTn>
+                        </p:par>
+                      </p:childTnLst>
+                    </p:cTn>
+                  </p:par>
+                  <p:par>
+                    <p:cTn id="9" fill="hold">
+                      <p:stCondLst>
+                        <p:cond delay="indefinite"/>
+                      </p:stCondLst>
+                      <p:childTnLst>
+                        <p:par>
+                          <p:cTn id="10" fill="hold">
+                            <p:stCondLst>
+                              <p:cond delay="0"/>
+                            </p:stCondLst>
+                            <p:childTnLst>
+                              <p:par>
+                                <p:cTn id="11" presetID="1" presetClass="entr" presetSubtype="0" fill="hold" grpId="0" nodeType="clickEffect">
+                                  <p:stCondLst>
+                                    <p:cond delay="0"/>
+                                  </p:stCondLst>
+                                  <p:childTnLst>
+                                    <p:set>
+                                      <p:cBhvr>
+                                        <p:cTn id="12" dur="1" fill="hold">
+                                          <p:stCondLst>
+                                            <p:cond delay="0"/>
+                                          </p:stCondLst>
+                                        </p:cTn>
+                                        <p:tgtEl>
+                                          <p:spTgt spid="10"/>
+                                        </p:tgtEl>
+                                        <p:attrNameLst>
+                                          <p:attrName>style.visibility</p:attrName>
+                                        </p:attrNameLst>
+                                      </p:cBhvr>
+                                      <p:to>
+                                        <p:strVal val="visible"/>
+                                      </p:to>
+                                    </p:set>
+                                  </p:childTnLst>
+                                </p:cTn>
+                              </p:par>
+                              <p:par>
+                                <p:cTn id="13" presetID="1" presetClass="entr" presetSubtype="0" fill="hold" nodeType="withEffect">
+                                  <p:stCondLst>
+                                    <p:cond delay="0"/>
+                                  </p:stCondLst>
+                                  <p:childTnLst>
+                                    <p:set>
+                                      <p:cBhvr>
+                                        <p:cTn id="14" dur="1" fill="hold">
+                                          <p:stCondLst>
+                                            <p:cond delay="0"/>
+                                          </p:stCondLst>
+                                        </p:cTn>
+                                        <p:tgtEl>
+                                          <p:spTgt spid="8"/>
+                                        </p:tgtEl>
+                                        <p:attrNameLst>
+                                          <p:attrName>style.visibility</p:attrName>
+                                        </p:attrNameLst>
+                                      </p:cBhvr>
+                                      <p:to>
+                                        <p:strVal val="visible"/>
+                                      </p:to>
+                                    </p:set>
+                                  </p:childTnLst>
+                                </p:cTn>
+                              </p:par>
+                            </p:childTnLst>
+                          </p:cTn>
+                        </p:par>
+                      </p:childTnLst>
+                    </p:cTn>
+                  </p:par>
+                </p:childTnLst>
+              </p:cTn>
+              <p:prevCondLst>
+                <p:cond evt="onPrev" delay="0">
+                  <p:tgtEl>
+                    <p:sldTgt/>
+                  </p:tgtEl>
+                </p:cond>
+              </p:prevCondLst>
+              <p:nextCondLst>
+                <p:cond evt="onNext" delay="0">
+                  <p:tgtEl>
+                    <p:sldTgt/>
+                  </p:tgtEl>
+                </p:cond>
+              </p:nextCondLst>
+            </p:seq>
+          </p:childTnLst>
+        </p:cTn>
+      </p:par>
+    </p:tnLst>
+    <p:bldLst>
+      <p:bldP spid="9" grpId="0" animBg="1"/>
+      <p:bldP spid="10" grpId="0" animBg="1"/>
+    </p:bldLst>
+  </p:timing>
+</p:sld>
+</file>
+
+<file path=ppt/slides/slide17.xml><?xml version="1.0" encoding="utf-8"?>
 <p:sld xmlns:a="http://schemas.openxmlformats.org/drawingml/2006/main" xmlns:r="http://schemas.openxmlformats.org/officeDocument/2006/relationships" xmlns:p="http://schemas.openxmlformats.org/presentationml/2006/main">
   <p:cSld>
     <p:bg>
@@ -14163,7 +15428,7 @@
 </p:sld>
 </file>
 
-<file path=ppt/slides/slide17.xml><?xml version="1.0" encoding="utf-8"?>
+<file path=ppt/slides/slide18.xml><?xml version="1.0" encoding="utf-8"?>
 <p:sld xmlns:a="http://schemas.openxmlformats.org/drawingml/2006/main" xmlns:r="http://schemas.openxmlformats.org/officeDocument/2006/relationships" xmlns:p="http://schemas.openxmlformats.org/presentationml/2006/main">
   <p:cSld>
     <p:bg>
@@ -14296,6 +15561,42 @@
           </a:p>
         </p:txBody>
       </p:sp>
+      <p:pic>
+        <p:nvPicPr>
+          <p:cNvPr id="6" name="Picture 5" descr="A close up of a sign&#10;&#10;Description generated with very high confidence">
+            <a:extLst>
+              <a:ext uri="{FF2B5EF4-FFF2-40B4-BE49-F238E27FC236}">
+                <a16:creationId xmlns:a16="http://schemas.microsoft.com/office/drawing/2014/main" id="{02AC1B6C-66AF-40EE-9B7A-82FA201F2FB9}"/>
+              </a:ext>
+            </a:extLst>
+          </p:cNvPr>
+          <p:cNvPicPr>
+            <a:picLocks noChangeAspect="1"/>
+          </p:cNvPicPr>
+          <p:nvPr/>
+        </p:nvPicPr>
+        <p:blipFill>
+          <a:blip r:embed="rId4">
+            <a:extLst>
+              <a:ext uri="{28A0092B-C50C-407E-A947-70E740481C1C}">
+                <a14:useLocalDpi xmlns:a14="http://schemas.microsoft.com/office/drawing/2010/main" val="0"/>
+              </a:ext>
+            </a:extLst>
+          </a:blip>
+          <a:stretch>
+            <a:fillRect/>
+          </a:stretch>
+        </p:blipFill>
+        <p:spPr>
+          <a:xfrm>
+            <a:off x="2776625" y="3127682"/>
+            <a:ext cx="838202" cy="838202"/>
+          </a:xfrm>
+          <a:prstGeom prst="rect">
+            <a:avLst/>
+          </a:prstGeom>
+        </p:spPr>
+      </p:pic>
     </p:spTree>
     <p:extLst>
       <p:ext uri="{BB962C8B-B14F-4D97-AF65-F5344CB8AC3E}">
@@ -14309,7 +15610,7 @@
 </p:sld>
 </file>
 
-<file path=ppt/slides/slide18.xml><?xml version="1.0" encoding="utf-8"?>
+<file path=ppt/slides/slide19.xml><?xml version="1.0" encoding="utf-8"?>
 <p:sld xmlns:a="http://schemas.openxmlformats.org/drawingml/2006/main" xmlns:r="http://schemas.openxmlformats.org/officeDocument/2006/relationships" xmlns:p="http://schemas.openxmlformats.org/presentationml/2006/main">
   <p:cSld>
     <p:bg>
@@ -14443,22 +15744,10 @@
               <a:buNone/>
             </a:pPr>
             <a:r>
-              <a:rPr lang="en-US">
-                <a:hlinkClick r:id="rId4"/>
-              </a:rPr>
-              <a:t>a</a:t>
-            </a:r>
-            <a:r>
-              <a:rPr lang="en-US">
-                <a:hlinkClick r:id="rId4"/>
-              </a:rPr>
-              <a:t>ka</a:t>
-            </a:r>
-            <a:r>
               <a:rPr lang="en-US" dirty="0">
                 <a:hlinkClick r:id="rId4"/>
               </a:rPr>
-              <a:t>.ms/dotnet-secret-mgr</a:t>
+              <a:t>aka.ms/dotnet-secret-mgr</a:t>
             </a:r>
           </a:p>
           <a:p>
@@ -14588,6 +15877,1690 @@
 </file>
 
 <file path=ppt/slides/slide2.xml><?xml version="1.0" encoding="utf-8"?>
+<p:sld xmlns:a="http://schemas.openxmlformats.org/drawingml/2006/main" xmlns:r="http://schemas.openxmlformats.org/officeDocument/2006/relationships" xmlns:p="http://schemas.openxmlformats.org/presentationml/2006/main">
+  <p:cSld>
+    <p:spTree>
+      <p:nvGrpSpPr>
+        <p:cNvPr id="1" name=""/>
+        <p:cNvGrpSpPr/>
+        <p:nvPr/>
+      </p:nvGrpSpPr>
+      <p:grpSpPr>
+        <a:xfrm>
+          <a:off x="0" y="0"/>
+          <a:ext cx="0" cy="0"/>
+          <a:chOff x="0" y="0"/>
+          <a:chExt cx="0" cy="0"/>
+        </a:xfrm>
+      </p:grpSpPr>
+      <p:sp>
+        <p:nvSpPr>
+          <p:cNvPr id="5" name="Rectangle 4">
+            <a:extLst>
+              <a:ext uri="{FF2B5EF4-FFF2-40B4-BE49-F238E27FC236}">
+                <a16:creationId xmlns:a16="http://schemas.microsoft.com/office/drawing/2014/main" id="{54972497-D559-4FE5-9845-0E27E9AB6F69}"/>
+              </a:ext>
+            </a:extLst>
+          </p:cNvPr>
+          <p:cNvSpPr/>
+          <p:nvPr/>
+        </p:nvSpPr>
+        <p:spPr>
+          <a:xfrm>
+            <a:off x="-19723" y="-6276"/>
+            <a:ext cx="9624467" cy="865991"/>
+          </a:xfrm>
+          <a:prstGeom prst="rect">
+            <a:avLst/>
+          </a:prstGeom>
+          <a:solidFill>
+            <a:srgbClr val="3A4481"/>
+          </a:solidFill>
+          <a:ln>
+            <a:noFill/>
+          </a:ln>
+        </p:spPr>
+        <p:style>
+          <a:lnRef idx="2">
+            <a:schemeClr val="accent1">
+              <a:shade val="50000"/>
+            </a:schemeClr>
+          </a:lnRef>
+          <a:fillRef idx="1">
+            <a:schemeClr val="accent1"/>
+          </a:fillRef>
+          <a:effectRef idx="0">
+            <a:schemeClr val="accent1"/>
+          </a:effectRef>
+          <a:fontRef idx="minor">
+            <a:schemeClr val="lt1"/>
+          </a:fontRef>
+        </p:style>
+        <p:txBody>
+          <a:bodyPr rtlCol="0" anchor="ctr"/>
+          <a:lstStyle/>
+          <a:p>
+            <a:pPr algn="ctr"/>
+            <a:endParaRPr lang="en-US"/>
+          </a:p>
+        </p:txBody>
+      </p:sp>
+      <p:sp>
+        <p:nvSpPr>
+          <p:cNvPr id="6" name="Rectangle 5">
+            <a:extLst>
+              <a:ext uri="{FF2B5EF4-FFF2-40B4-BE49-F238E27FC236}">
+                <a16:creationId xmlns:a16="http://schemas.microsoft.com/office/drawing/2014/main" id="{520501BE-589B-4344-B677-7E2C83682EA1}"/>
+              </a:ext>
+            </a:extLst>
+          </p:cNvPr>
+          <p:cNvSpPr/>
+          <p:nvPr/>
+        </p:nvSpPr>
+        <p:spPr>
+          <a:xfrm>
+            <a:off x="1" y="3708378"/>
+            <a:ext cx="9533860" cy="652739"/>
+          </a:xfrm>
+          <a:prstGeom prst="rect">
+            <a:avLst/>
+          </a:prstGeom>
+          <a:solidFill>
+            <a:srgbClr val="3A4481"/>
+          </a:solidFill>
+          <a:ln>
+            <a:noFill/>
+          </a:ln>
+        </p:spPr>
+        <p:style>
+          <a:lnRef idx="2">
+            <a:schemeClr val="accent1">
+              <a:shade val="50000"/>
+            </a:schemeClr>
+          </a:lnRef>
+          <a:fillRef idx="1">
+            <a:schemeClr val="accent1"/>
+          </a:fillRef>
+          <a:effectRef idx="0">
+            <a:schemeClr val="accent1"/>
+          </a:effectRef>
+          <a:fontRef idx="minor">
+            <a:schemeClr val="lt1"/>
+          </a:fontRef>
+        </p:style>
+        <p:txBody>
+          <a:bodyPr rtlCol="0" anchor="ctr"/>
+          <a:lstStyle/>
+          <a:p>
+            <a:pPr algn="ctr"/>
+            <a:endParaRPr lang="en-US"/>
+          </a:p>
+        </p:txBody>
+      </p:sp>
+      <p:sp>
+        <p:nvSpPr>
+          <p:cNvPr id="7" name="TextBox 6">
+            <a:extLst>
+              <a:ext uri="{FF2B5EF4-FFF2-40B4-BE49-F238E27FC236}">
+                <a16:creationId xmlns:a16="http://schemas.microsoft.com/office/drawing/2014/main" id="{D5BC6019-A32D-41C3-A651-14E5AD1B7476}"/>
+              </a:ext>
+            </a:extLst>
+          </p:cNvPr>
+          <p:cNvSpPr txBox="1"/>
+          <p:nvPr/>
+        </p:nvSpPr>
+        <p:spPr>
+          <a:xfrm>
+            <a:off x="252805" y="172122"/>
+            <a:ext cx="6299386" cy="646331"/>
+          </a:xfrm>
+          <a:prstGeom prst="rect">
+            <a:avLst/>
+          </a:prstGeom>
+          <a:noFill/>
+        </p:spPr>
+        <p:txBody>
+          <a:bodyPr wrap="square" rtlCol="0">
+            <a:spAutoFit/>
+          </a:bodyPr>
+          <a:lstStyle/>
+          <a:p>
+            <a:r>
+              <a:rPr lang="en-US" sz="3600" b="1" dirty="0">
+                <a:solidFill>
+                  <a:srgbClr val="E3138E"/>
+                </a:solidFill>
+                <a:latin typeface="Courier New" panose="02070309020205020404" pitchFamily="49" charset="0"/>
+                <a:cs typeface="Courier New" panose="02070309020205020404" pitchFamily="49" charset="0"/>
+              </a:rPr>
+              <a:t>Platinum Sponsors</a:t>
+            </a:r>
+          </a:p>
+        </p:txBody>
+      </p:sp>
+      <p:pic>
+        <p:nvPicPr>
+          <p:cNvPr id="9" name="Picture 8">
+            <a:extLst>
+              <a:ext uri="{FF2B5EF4-FFF2-40B4-BE49-F238E27FC236}">
+                <a16:creationId xmlns:a16="http://schemas.microsoft.com/office/drawing/2014/main" id="{4DD75A36-4BC5-42BB-9157-CDBDF97086CC}"/>
+              </a:ext>
+            </a:extLst>
+          </p:cNvPr>
+          <p:cNvPicPr>
+            <a:picLocks noChangeAspect="1"/>
+          </p:cNvPicPr>
+          <p:nvPr/>
+        </p:nvPicPr>
+        <p:blipFill rotWithShape="1">
+          <a:blip r:embed="rId2">
+            <a:extLst>
+              <a:ext uri="{28A0092B-C50C-407E-A947-70E740481C1C}">
+                <a14:useLocalDpi xmlns:a14="http://schemas.microsoft.com/office/drawing/2010/main" val="0"/>
+              </a:ext>
+            </a:extLst>
+          </a:blip>
+          <a:srcRect l="20724" t="40314" r="20290" b="42902"/>
+          <a:stretch/>
+        </p:blipFill>
+        <p:spPr>
+          <a:xfrm>
+            <a:off x="4481040" y="2829276"/>
+            <a:ext cx="3563778" cy="764177"/>
+          </a:xfrm>
+          <a:prstGeom prst="rect">
+            <a:avLst/>
+          </a:prstGeom>
+        </p:spPr>
+      </p:pic>
+      <p:pic>
+        <p:nvPicPr>
+          <p:cNvPr id="11" name="Picture 10">
+            <a:extLst>
+              <a:ext uri="{FF2B5EF4-FFF2-40B4-BE49-F238E27FC236}">
+                <a16:creationId xmlns:a16="http://schemas.microsoft.com/office/drawing/2014/main" id="{720694BB-5129-4A03-B27F-2C21C924CA4B}"/>
+              </a:ext>
+            </a:extLst>
+          </p:cNvPr>
+          <p:cNvPicPr>
+            <a:picLocks noChangeAspect="1"/>
+          </p:cNvPicPr>
+          <p:nvPr/>
+        </p:nvPicPr>
+        <p:blipFill rotWithShape="1">
+          <a:blip r:embed="rId3">
+            <a:extLst>
+              <a:ext uri="{28A0092B-C50C-407E-A947-70E740481C1C}">
+                <a14:useLocalDpi xmlns:a14="http://schemas.microsoft.com/office/drawing/2010/main" val="0"/>
+              </a:ext>
+            </a:extLst>
+          </a:blip>
+          <a:srcRect l="28137" t="33645" r="28054" b="31215"/>
+          <a:stretch/>
+        </p:blipFill>
+        <p:spPr>
+          <a:xfrm>
+            <a:off x="2905130" y="1552648"/>
+            <a:ext cx="2452243" cy="1482292"/>
+          </a:xfrm>
+          <a:prstGeom prst="rect">
+            <a:avLst/>
+          </a:prstGeom>
+        </p:spPr>
+      </p:pic>
+      <p:pic>
+        <p:nvPicPr>
+          <p:cNvPr id="13" name="Picture 12">
+            <a:extLst>
+              <a:ext uri="{FF2B5EF4-FFF2-40B4-BE49-F238E27FC236}">
+                <a16:creationId xmlns:a16="http://schemas.microsoft.com/office/drawing/2014/main" id="{094DA130-AAAC-479B-977E-4E964A6C4CC4}"/>
+              </a:ext>
+            </a:extLst>
+          </p:cNvPr>
+          <p:cNvPicPr>
+            <a:picLocks noChangeAspect="1"/>
+          </p:cNvPicPr>
+          <p:nvPr/>
+        </p:nvPicPr>
+        <p:blipFill rotWithShape="1">
+          <a:blip r:embed="rId4">
+            <a:extLst>
+              <a:ext uri="{28A0092B-C50C-407E-A947-70E740481C1C}">
+                <a14:useLocalDpi xmlns:a14="http://schemas.microsoft.com/office/drawing/2010/main" val="0"/>
+              </a:ext>
+            </a:extLst>
+          </a:blip>
+          <a:srcRect l="30508" t="26523" r="30051" b="23955"/>
+          <a:stretch/>
+        </p:blipFill>
+        <p:spPr>
+          <a:xfrm>
+            <a:off x="-173152" y="1094102"/>
+            <a:ext cx="2107536" cy="1994156"/>
+          </a:xfrm>
+          <a:prstGeom prst="rect">
+            <a:avLst/>
+          </a:prstGeom>
+        </p:spPr>
+      </p:pic>
+      <p:pic>
+        <p:nvPicPr>
+          <p:cNvPr id="15" name="Picture 14">
+            <a:extLst>
+              <a:ext uri="{FF2B5EF4-FFF2-40B4-BE49-F238E27FC236}">
+                <a16:creationId xmlns:a16="http://schemas.microsoft.com/office/drawing/2014/main" id="{2A900312-E5C8-4E80-AA9B-A41C93A00ADC}"/>
+              </a:ext>
+            </a:extLst>
+          </p:cNvPr>
+          <p:cNvPicPr>
+            <a:picLocks noChangeAspect="1"/>
+          </p:cNvPicPr>
+          <p:nvPr/>
+        </p:nvPicPr>
+        <p:blipFill rotWithShape="1">
+          <a:blip r:embed="rId5">
+            <a:extLst>
+              <a:ext uri="{28A0092B-C50C-407E-A947-70E740481C1C}">
+                <a14:useLocalDpi xmlns:a14="http://schemas.microsoft.com/office/drawing/2010/main" val="0"/>
+              </a:ext>
+            </a:extLst>
+          </a:blip>
+          <a:srcRect t="27183" b="27937"/>
+          <a:stretch/>
+        </p:blipFill>
+        <p:spPr>
+          <a:xfrm>
+            <a:off x="791103" y="2864628"/>
+            <a:ext cx="2538371" cy="858516"/>
+          </a:xfrm>
+          <a:prstGeom prst="rect">
+            <a:avLst/>
+          </a:prstGeom>
+        </p:spPr>
+      </p:pic>
+      <p:pic>
+        <p:nvPicPr>
+          <p:cNvPr id="17" name="Picture 16">
+            <a:extLst>
+              <a:ext uri="{FF2B5EF4-FFF2-40B4-BE49-F238E27FC236}">
+                <a16:creationId xmlns:a16="http://schemas.microsoft.com/office/drawing/2014/main" id="{E66E5D0F-94DE-49ED-9DA9-2C8C674F98DA}"/>
+              </a:ext>
+            </a:extLst>
+          </p:cNvPr>
+          <p:cNvPicPr>
+            <a:picLocks noChangeAspect="1"/>
+          </p:cNvPicPr>
+          <p:nvPr/>
+        </p:nvPicPr>
+        <p:blipFill rotWithShape="1">
+          <a:blip r:embed="rId6">
+            <a:extLst>
+              <a:ext uri="{28A0092B-C50C-407E-A947-70E740481C1C}">
+                <a14:useLocalDpi xmlns:a14="http://schemas.microsoft.com/office/drawing/2010/main" val="0"/>
+              </a:ext>
+            </a:extLst>
+          </a:blip>
+          <a:srcRect l="5281" t="33397" r="2200" b="22486"/>
+          <a:stretch/>
+        </p:blipFill>
+        <p:spPr>
+          <a:xfrm>
+            <a:off x="5614295" y="870073"/>
+            <a:ext cx="3244890" cy="1166054"/>
+          </a:xfrm>
+          <a:prstGeom prst="rect">
+            <a:avLst/>
+          </a:prstGeom>
+        </p:spPr>
+      </p:pic>
+      <p:pic>
+        <p:nvPicPr>
+          <p:cNvPr id="19" name="Picture 18">
+            <a:extLst>
+              <a:ext uri="{FF2B5EF4-FFF2-40B4-BE49-F238E27FC236}">
+                <a16:creationId xmlns:a16="http://schemas.microsoft.com/office/drawing/2014/main" id="{8A85B9A3-F405-4804-A0B6-47C08D57174B}"/>
+              </a:ext>
+            </a:extLst>
+          </p:cNvPr>
+          <p:cNvPicPr>
+            <a:picLocks noChangeAspect="1"/>
+          </p:cNvPicPr>
+          <p:nvPr/>
+        </p:nvPicPr>
+        <p:blipFill rotWithShape="1">
+          <a:blip r:embed="rId7">
+            <a:extLst>
+              <a:ext uri="{28A0092B-C50C-407E-A947-70E740481C1C}">
+                <a14:useLocalDpi xmlns:a14="http://schemas.microsoft.com/office/drawing/2010/main" val="0"/>
+              </a:ext>
+            </a:extLst>
+          </a:blip>
+          <a:srcRect l="936" t="34528" r="-936" b="37544"/>
+          <a:stretch/>
+        </p:blipFill>
+        <p:spPr>
+          <a:xfrm>
+            <a:off x="1996666" y="992833"/>
+            <a:ext cx="3357272" cy="706586"/>
+          </a:xfrm>
+          <a:prstGeom prst="rect">
+            <a:avLst/>
+          </a:prstGeom>
+        </p:spPr>
+      </p:pic>
+      <p:pic>
+        <p:nvPicPr>
+          <p:cNvPr id="21" name="Picture 20">
+            <a:extLst>
+              <a:ext uri="{FF2B5EF4-FFF2-40B4-BE49-F238E27FC236}">
+                <a16:creationId xmlns:a16="http://schemas.microsoft.com/office/drawing/2014/main" id="{6E426DB2-4F1E-4A89-B3F6-3E4C822EB035}"/>
+              </a:ext>
+            </a:extLst>
+          </p:cNvPr>
+          <p:cNvPicPr>
+            <a:picLocks noChangeAspect="1"/>
+          </p:cNvPicPr>
+          <p:nvPr/>
+        </p:nvPicPr>
+        <p:blipFill rotWithShape="1">
+          <a:blip r:embed="rId8">
+            <a:extLst>
+              <a:ext uri="{28A0092B-C50C-407E-A947-70E740481C1C}">
+                <a14:useLocalDpi xmlns:a14="http://schemas.microsoft.com/office/drawing/2010/main" val="0"/>
+              </a:ext>
+            </a:extLst>
+          </a:blip>
+          <a:srcRect t="26956" b="28082"/>
+          <a:stretch/>
+        </p:blipFill>
+        <p:spPr>
+          <a:xfrm>
+            <a:off x="6149389" y="1902180"/>
+            <a:ext cx="3237638" cy="1096992"/>
+          </a:xfrm>
+          <a:prstGeom prst="rect">
+            <a:avLst/>
+          </a:prstGeom>
+        </p:spPr>
+      </p:pic>
+      <p:sp>
+        <p:nvSpPr>
+          <p:cNvPr id="22" name="TextBox 21">
+            <a:extLst>
+              <a:ext uri="{FF2B5EF4-FFF2-40B4-BE49-F238E27FC236}">
+                <a16:creationId xmlns:a16="http://schemas.microsoft.com/office/drawing/2014/main" id="{65E5C4F2-5814-4EDD-AC4A-46EC085443B5}"/>
+              </a:ext>
+            </a:extLst>
+          </p:cNvPr>
+          <p:cNvSpPr txBox="1"/>
+          <p:nvPr/>
+        </p:nvSpPr>
+        <p:spPr>
+          <a:xfrm>
+            <a:off x="209773" y="3824119"/>
+            <a:ext cx="4840622" cy="523220"/>
+          </a:xfrm>
+          <a:prstGeom prst="rect">
+            <a:avLst/>
+          </a:prstGeom>
+          <a:noFill/>
+        </p:spPr>
+        <p:txBody>
+          <a:bodyPr wrap="square" rtlCol="0">
+            <a:spAutoFit/>
+          </a:bodyPr>
+          <a:lstStyle/>
+          <a:p>
+            <a:r>
+              <a:rPr lang="en-US" sz="2800" b="1" dirty="0">
+                <a:solidFill>
+                  <a:srgbClr val="E3138E"/>
+                </a:solidFill>
+                <a:latin typeface="Courier New" panose="02070309020205020404" pitchFamily="49" charset="0"/>
+                <a:cs typeface="Courier New" panose="02070309020205020404" pitchFamily="49" charset="0"/>
+              </a:rPr>
+              <a:t>Gold Sponsors</a:t>
+            </a:r>
+          </a:p>
+        </p:txBody>
+      </p:sp>
+      <p:pic>
+        <p:nvPicPr>
+          <p:cNvPr id="24" name="Picture 23">
+            <a:extLst>
+              <a:ext uri="{FF2B5EF4-FFF2-40B4-BE49-F238E27FC236}">
+                <a16:creationId xmlns:a16="http://schemas.microsoft.com/office/drawing/2014/main" id="{C7098E4A-F2BC-41A4-A269-1A7577643210}"/>
+              </a:ext>
+            </a:extLst>
+          </p:cNvPr>
+          <p:cNvPicPr>
+            <a:picLocks noChangeAspect="1"/>
+          </p:cNvPicPr>
+          <p:nvPr/>
+        </p:nvPicPr>
+        <p:blipFill rotWithShape="1">
+          <a:blip r:embed="rId9">
+            <a:extLst>
+              <a:ext uri="{28A0092B-C50C-407E-A947-70E740481C1C}">
+                <a14:useLocalDpi xmlns:a14="http://schemas.microsoft.com/office/drawing/2010/main" val="0"/>
+              </a:ext>
+            </a:extLst>
+          </a:blip>
+          <a:srcRect t="35526" b="35861"/>
+          <a:stretch/>
+        </p:blipFill>
+        <p:spPr>
+          <a:xfrm>
+            <a:off x="1067994" y="5026364"/>
+            <a:ext cx="1823644" cy="393222"/>
+          </a:xfrm>
+          <a:prstGeom prst="rect">
+            <a:avLst/>
+          </a:prstGeom>
+        </p:spPr>
+      </p:pic>
+      <p:pic>
+        <p:nvPicPr>
+          <p:cNvPr id="26" name="Picture 25">
+            <a:extLst>
+              <a:ext uri="{FF2B5EF4-FFF2-40B4-BE49-F238E27FC236}">
+                <a16:creationId xmlns:a16="http://schemas.microsoft.com/office/drawing/2014/main" id="{F69EFEF5-26FD-44F6-9098-0C70300DBA9E}"/>
+              </a:ext>
+            </a:extLst>
+          </p:cNvPr>
+          <p:cNvPicPr>
+            <a:picLocks noChangeAspect="1"/>
+          </p:cNvPicPr>
+          <p:nvPr/>
+        </p:nvPicPr>
+        <p:blipFill rotWithShape="1">
+          <a:blip r:embed="rId10">
+            <a:extLst>
+              <a:ext uri="{28A0092B-C50C-407E-A947-70E740481C1C}">
+                <a14:useLocalDpi xmlns:a14="http://schemas.microsoft.com/office/drawing/2010/main" val="0"/>
+              </a:ext>
+            </a:extLst>
+          </a:blip>
+          <a:srcRect l="3863" t="38818" r="13442" b="33189"/>
+          <a:stretch/>
+        </p:blipFill>
+        <p:spPr>
+          <a:xfrm>
+            <a:off x="252805" y="4510638"/>
+            <a:ext cx="1714430" cy="437336"/>
+          </a:xfrm>
+          <a:prstGeom prst="rect">
+            <a:avLst/>
+          </a:prstGeom>
+        </p:spPr>
+      </p:pic>
+      <p:pic>
+        <p:nvPicPr>
+          <p:cNvPr id="28" name="Picture 27">
+            <a:extLst>
+              <a:ext uri="{FF2B5EF4-FFF2-40B4-BE49-F238E27FC236}">
+                <a16:creationId xmlns:a16="http://schemas.microsoft.com/office/drawing/2014/main" id="{B51339C0-F553-47A0-A368-B49A2A24AFFF}"/>
+              </a:ext>
+            </a:extLst>
+          </p:cNvPr>
+          <p:cNvPicPr>
+            <a:picLocks noChangeAspect="1"/>
+          </p:cNvPicPr>
+          <p:nvPr/>
+        </p:nvPicPr>
+        <p:blipFill rotWithShape="1">
+          <a:blip r:embed="rId11">
+            <a:extLst>
+              <a:ext uri="{28A0092B-C50C-407E-A947-70E740481C1C}">
+                <a14:useLocalDpi xmlns:a14="http://schemas.microsoft.com/office/drawing/2010/main" val="0"/>
+              </a:ext>
+            </a:extLst>
+          </a:blip>
+          <a:srcRect t="30993" b="31331"/>
+          <a:stretch/>
+        </p:blipFill>
+        <p:spPr>
+          <a:xfrm>
+            <a:off x="2427490" y="4439967"/>
+            <a:ext cx="1540305" cy="437336"/>
+          </a:xfrm>
+          <a:prstGeom prst="rect">
+            <a:avLst/>
+          </a:prstGeom>
+        </p:spPr>
+      </p:pic>
+      <p:pic>
+        <p:nvPicPr>
+          <p:cNvPr id="30" name="Picture 29">
+            <a:extLst>
+              <a:ext uri="{FF2B5EF4-FFF2-40B4-BE49-F238E27FC236}">
+                <a16:creationId xmlns:a16="http://schemas.microsoft.com/office/drawing/2014/main" id="{5CF3F324-33B9-4DE9-BC46-DD2B3C4CC6E0}"/>
+              </a:ext>
+            </a:extLst>
+          </p:cNvPr>
+          <p:cNvPicPr>
+            <a:picLocks noChangeAspect="1"/>
+          </p:cNvPicPr>
+          <p:nvPr/>
+        </p:nvPicPr>
+        <p:blipFill rotWithShape="1">
+          <a:blip r:embed="rId12">
+            <a:extLst>
+              <a:ext uri="{28A0092B-C50C-407E-A947-70E740481C1C}">
+                <a14:useLocalDpi xmlns:a14="http://schemas.microsoft.com/office/drawing/2010/main" val="0"/>
+              </a:ext>
+            </a:extLst>
+          </a:blip>
+          <a:srcRect t="15897" b="18407"/>
+          <a:stretch/>
+        </p:blipFill>
+        <p:spPr>
+          <a:xfrm>
+            <a:off x="2460390" y="5436103"/>
+            <a:ext cx="1035513" cy="512660"/>
+          </a:xfrm>
+          <a:prstGeom prst="rect">
+            <a:avLst/>
+          </a:prstGeom>
+        </p:spPr>
+      </p:pic>
+      <p:pic>
+        <p:nvPicPr>
+          <p:cNvPr id="34" name="Picture 33">
+            <a:extLst>
+              <a:ext uri="{FF2B5EF4-FFF2-40B4-BE49-F238E27FC236}">
+                <a16:creationId xmlns:a16="http://schemas.microsoft.com/office/drawing/2014/main" id="{A30EBDD6-67FD-4482-94A6-C00CCFF459F0}"/>
+              </a:ext>
+            </a:extLst>
+          </p:cNvPr>
+          <p:cNvPicPr>
+            <a:picLocks noChangeAspect="1"/>
+          </p:cNvPicPr>
+          <p:nvPr/>
+        </p:nvPicPr>
+        <p:blipFill rotWithShape="1">
+          <a:blip r:embed="rId13">
+            <a:extLst>
+              <a:ext uri="{28A0092B-C50C-407E-A947-70E740481C1C}">
+                <a14:useLocalDpi xmlns:a14="http://schemas.microsoft.com/office/drawing/2010/main" val="0"/>
+              </a:ext>
+            </a:extLst>
+          </a:blip>
+          <a:srcRect l="11699" t="39657" r="11975" b="39512"/>
+          <a:stretch/>
+        </p:blipFill>
+        <p:spPr>
+          <a:xfrm>
+            <a:off x="6370217" y="5175632"/>
+            <a:ext cx="1710835" cy="351875"/>
+          </a:xfrm>
+          <a:prstGeom prst="rect">
+            <a:avLst/>
+          </a:prstGeom>
+        </p:spPr>
+      </p:pic>
+      <p:pic>
+        <p:nvPicPr>
+          <p:cNvPr id="36" name="Picture 35">
+            <a:extLst>
+              <a:ext uri="{FF2B5EF4-FFF2-40B4-BE49-F238E27FC236}">
+                <a16:creationId xmlns:a16="http://schemas.microsoft.com/office/drawing/2014/main" id="{1B1FB3D7-300B-4163-9DAF-F63B718308C2}"/>
+              </a:ext>
+            </a:extLst>
+          </p:cNvPr>
+          <p:cNvPicPr>
+            <a:picLocks noChangeAspect="1"/>
+          </p:cNvPicPr>
+          <p:nvPr/>
+        </p:nvPicPr>
+        <p:blipFill rotWithShape="1">
+          <a:blip r:embed="rId14">
+            <a:extLst>
+              <a:ext uri="{28A0092B-C50C-407E-A947-70E740481C1C}">
+                <a14:useLocalDpi xmlns:a14="http://schemas.microsoft.com/office/drawing/2010/main" val="0"/>
+              </a:ext>
+            </a:extLst>
+          </a:blip>
+          <a:srcRect l="19133" t="8514" r="19270" b="9888"/>
+          <a:stretch/>
+        </p:blipFill>
+        <p:spPr>
+          <a:xfrm>
+            <a:off x="4973188" y="5145059"/>
+            <a:ext cx="872363" cy="870885"/>
+          </a:xfrm>
+          <a:prstGeom prst="rect">
+            <a:avLst/>
+          </a:prstGeom>
+        </p:spPr>
+      </p:pic>
+      <p:pic>
+        <p:nvPicPr>
+          <p:cNvPr id="38" name="Picture 37">
+            <a:extLst>
+              <a:ext uri="{FF2B5EF4-FFF2-40B4-BE49-F238E27FC236}">
+                <a16:creationId xmlns:a16="http://schemas.microsoft.com/office/drawing/2014/main" id="{8FC3DF6B-AF34-4015-AB2C-04425853D837}"/>
+              </a:ext>
+            </a:extLst>
+          </p:cNvPr>
+          <p:cNvPicPr>
+            <a:picLocks noChangeAspect="1"/>
+          </p:cNvPicPr>
+          <p:nvPr/>
+        </p:nvPicPr>
+        <p:blipFill rotWithShape="1">
+          <a:blip r:embed="rId15">
+            <a:extLst>
+              <a:ext uri="{28A0092B-C50C-407E-A947-70E740481C1C}">
+                <a14:useLocalDpi xmlns:a14="http://schemas.microsoft.com/office/drawing/2010/main" val="0"/>
+              </a:ext>
+            </a:extLst>
+          </a:blip>
+          <a:srcRect l="31515" t="22572" r="30550" b="22008"/>
+          <a:stretch/>
+        </p:blipFill>
+        <p:spPr>
+          <a:xfrm>
+            <a:off x="92539" y="5146375"/>
+            <a:ext cx="913049" cy="1005206"/>
+          </a:xfrm>
+          <a:prstGeom prst="rect">
+            <a:avLst/>
+          </a:prstGeom>
+        </p:spPr>
+      </p:pic>
+      <p:pic>
+        <p:nvPicPr>
+          <p:cNvPr id="40" name="Picture 39">
+            <a:extLst>
+              <a:ext uri="{FF2B5EF4-FFF2-40B4-BE49-F238E27FC236}">
+                <a16:creationId xmlns:a16="http://schemas.microsoft.com/office/drawing/2014/main" id="{C938C5E1-86AA-432B-BC1C-3946F0B65653}"/>
+              </a:ext>
+            </a:extLst>
+          </p:cNvPr>
+          <p:cNvPicPr>
+            <a:picLocks noChangeAspect="1"/>
+          </p:cNvPicPr>
+          <p:nvPr/>
+        </p:nvPicPr>
+        <p:blipFill rotWithShape="1">
+          <a:blip r:embed="rId16">
+            <a:extLst>
+              <a:ext uri="{28A0092B-C50C-407E-A947-70E740481C1C}">
+                <a14:useLocalDpi xmlns:a14="http://schemas.microsoft.com/office/drawing/2010/main" val="0"/>
+              </a:ext>
+            </a:extLst>
+          </a:blip>
+          <a:srcRect t="15309" b="12562"/>
+          <a:stretch/>
+        </p:blipFill>
+        <p:spPr>
+          <a:xfrm>
+            <a:off x="5927527" y="4323108"/>
+            <a:ext cx="1540304" cy="837237"/>
+          </a:xfrm>
+          <a:prstGeom prst="rect">
+            <a:avLst/>
+          </a:prstGeom>
+        </p:spPr>
+      </p:pic>
+      <p:pic>
+        <p:nvPicPr>
+          <p:cNvPr id="42" name="Picture 41">
+            <a:extLst>
+              <a:ext uri="{FF2B5EF4-FFF2-40B4-BE49-F238E27FC236}">
+                <a16:creationId xmlns:a16="http://schemas.microsoft.com/office/drawing/2014/main" id="{A1131DA8-0512-4E33-8A42-C3AA6023DC11}"/>
+              </a:ext>
+            </a:extLst>
+          </p:cNvPr>
+          <p:cNvPicPr>
+            <a:picLocks noChangeAspect="1"/>
+          </p:cNvPicPr>
+          <p:nvPr/>
+        </p:nvPicPr>
+        <p:blipFill rotWithShape="1">
+          <a:blip r:embed="rId17">
+            <a:extLst>
+              <a:ext uri="{28A0092B-C50C-407E-A947-70E740481C1C}">
+                <a14:useLocalDpi xmlns:a14="http://schemas.microsoft.com/office/drawing/2010/main" val="0"/>
+              </a:ext>
+            </a:extLst>
+          </a:blip>
+          <a:srcRect t="16463" b="20927"/>
+          <a:stretch/>
+        </p:blipFill>
+        <p:spPr>
+          <a:xfrm>
+            <a:off x="2446939" y="6002584"/>
+            <a:ext cx="1471304" cy="694185"/>
+          </a:xfrm>
+          <a:prstGeom prst="rect">
+            <a:avLst/>
+          </a:prstGeom>
+        </p:spPr>
+      </p:pic>
+      <p:pic>
+        <p:nvPicPr>
+          <p:cNvPr id="44" name="Picture 43">
+            <a:extLst>
+              <a:ext uri="{FF2B5EF4-FFF2-40B4-BE49-F238E27FC236}">
+                <a16:creationId xmlns:a16="http://schemas.microsoft.com/office/drawing/2014/main" id="{3034DD88-B3D5-4195-87ED-561DBC400FCE}"/>
+              </a:ext>
+            </a:extLst>
+          </p:cNvPr>
+          <p:cNvPicPr>
+            <a:picLocks noChangeAspect="1"/>
+          </p:cNvPicPr>
+          <p:nvPr/>
+        </p:nvPicPr>
+        <p:blipFill rotWithShape="1">
+          <a:blip r:embed="rId18">
+            <a:extLst>
+              <a:ext uri="{28A0092B-C50C-407E-A947-70E740481C1C}">
+                <a14:useLocalDpi xmlns:a14="http://schemas.microsoft.com/office/drawing/2010/main" val="0"/>
+              </a:ext>
+            </a:extLst>
+          </a:blip>
+          <a:srcRect l="32034" t="31736" r="31795" b="32061"/>
+          <a:stretch/>
+        </p:blipFill>
+        <p:spPr>
+          <a:xfrm>
+            <a:off x="8089785" y="5175632"/>
+            <a:ext cx="1154639" cy="870885"/>
+          </a:xfrm>
+          <a:prstGeom prst="rect">
+            <a:avLst/>
+          </a:prstGeom>
+        </p:spPr>
+      </p:pic>
+      <p:pic>
+        <p:nvPicPr>
+          <p:cNvPr id="46" name="Picture 45">
+            <a:extLst>
+              <a:ext uri="{FF2B5EF4-FFF2-40B4-BE49-F238E27FC236}">
+                <a16:creationId xmlns:a16="http://schemas.microsoft.com/office/drawing/2014/main" id="{52A38EAC-B054-492E-80ED-6DB28B1B2D15}"/>
+              </a:ext>
+            </a:extLst>
+          </p:cNvPr>
+          <p:cNvPicPr>
+            <a:picLocks noChangeAspect="1"/>
+          </p:cNvPicPr>
+          <p:nvPr/>
+        </p:nvPicPr>
+        <p:blipFill rotWithShape="1">
+          <a:blip r:embed="rId19">
+            <a:extLst>
+              <a:ext uri="{28A0092B-C50C-407E-A947-70E740481C1C}">
+                <a14:useLocalDpi xmlns:a14="http://schemas.microsoft.com/office/drawing/2010/main" val="0"/>
+              </a:ext>
+            </a:extLst>
+          </a:blip>
+          <a:srcRect t="40833" b="40848"/>
+          <a:stretch/>
+        </p:blipFill>
+        <p:spPr>
+          <a:xfrm>
+            <a:off x="4165605" y="6463999"/>
+            <a:ext cx="2065480" cy="285138"/>
+          </a:xfrm>
+          <a:prstGeom prst="rect">
+            <a:avLst/>
+          </a:prstGeom>
+        </p:spPr>
+      </p:pic>
+      <p:pic>
+        <p:nvPicPr>
+          <p:cNvPr id="48" name="Picture 47">
+            <a:extLst>
+              <a:ext uri="{FF2B5EF4-FFF2-40B4-BE49-F238E27FC236}">
+                <a16:creationId xmlns:a16="http://schemas.microsoft.com/office/drawing/2014/main" id="{37CF1946-7A58-411B-8B0B-91DF3E0A1018}"/>
+              </a:ext>
+            </a:extLst>
+          </p:cNvPr>
+          <p:cNvPicPr>
+            <a:picLocks noChangeAspect="1"/>
+          </p:cNvPicPr>
+          <p:nvPr/>
+        </p:nvPicPr>
+        <p:blipFill rotWithShape="1">
+          <a:blip r:embed="rId20">
+            <a:extLst>
+              <a:ext uri="{28A0092B-C50C-407E-A947-70E740481C1C}">
+                <a14:useLocalDpi xmlns:a14="http://schemas.microsoft.com/office/drawing/2010/main" val="0"/>
+              </a:ext>
+            </a:extLst>
+          </a:blip>
+          <a:srcRect l="23294" t="40178" r="23642" b="40459"/>
+          <a:stretch/>
+        </p:blipFill>
+        <p:spPr>
+          <a:xfrm>
+            <a:off x="7763328" y="6290353"/>
+            <a:ext cx="1577848" cy="433904"/>
+          </a:xfrm>
+          <a:prstGeom prst="rect">
+            <a:avLst/>
+          </a:prstGeom>
+        </p:spPr>
+      </p:pic>
+      <p:pic>
+        <p:nvPicPr>
+          <p:cNvPr id="50" name="Picture 49">
+            <a:extLst>
+              <a:ext uri="{FF2B5EF4-FFF2-40B4-BE49-F238E27FC236}">
+                <a16:creationId xmlns:a16="http://schemas.microsoft.com/office/drawing/2014/main" id="{644DCF0B-627D-4519-B18A-50ADFCFFAFAA}"/>
+              </a:ext>
+            </a:extLst>
+          </p:cNvPr>
+          <p:cNvPicPr>
+            <a:picLocks noChangeAspect="1"/>
+          </p:cNvPicPr>
+          <p:nvPr/>
+        </p:nvPicPr>
+        <p:blipFill rotWithShape="1">
+          <a:blip r:embed="rId21">
+            <a:extLst>
+              <a:ext uri="{28A0092B-C50C-407E-A947-70E740481C1C}">
+                <a14:useLocalDpi xmlns:a14="http://schemas.microsoft.com/office/drawing/2010/main" val="0"/>
+              </a:ext>
+            </a:extLst>
+          </a:blip>
+          <a:srcRect l="14376" t="21551" r="15285" b="24149"/>
+          <a:stretch/>
+        </p:blipFill>
+        <p:spPr>
+          <a:xfrm>
+            <a:off x="609804" y="5702388"/>
+            <a:ext cx="1660603" cy="966053"/>
+          </a:xfrm>
+          <a:prstGeom prst="rect">
+            <a:avLst/>
+          </a:prstGeom>
+        </p:spPr>
+      </p:pic>
+      <p:pic>
+        <p:nvPicPr>
+          <p:cNvPr id="52" name="Picture 51">
+            <a:extLst>
+              <a:ext uri="{FF2B5EF4-FFF2-40B4-BE49-F238E27FC236}">
+                <a16:creationId xmlns:a16="http://schemas.microsoft.com/office/drawing/2014/main" id="{B49B9791-E3B1-41F4-8CD3-48A20F8972F9}"/>
+              </a:ext>
+            </a:extLst>
+          </p:cNvPr>
+          <p:cNvPicPr>
+            <a:picLocks noChangeAspect="1"/>
+          </p:cNvPicPr>
+          <p:nvPr/>
+        </p:nvPicPr>
+        <p:blipFill rotWithShape="1">
+          <a:blip r:embed="rId22">
+            <a:extLst>
+              <a:ext uri="{28A0092B-C50C-407E-A947-70E740481C1C}">
+                <a14:useLocalDpi xmlns:a14="http://schemas.microsoft.com/office/drawing/2010/main" val="0"/>
+              </a:ext>
+            </a:extLst>
+          </a:blip>
+          <a:srcRect l="11532" t="32649" r="10503" b="32358"/>
+          <a:stretch/>
+        </p:blipFill>
+        <p:spPr>
+          <a:xfrm>
+            <a:off x="6348353" y="5751879"/>
+            <a:ext cx="1461786" cy="494423"/>
+          </a:xfrm>
+          <a:prstGeom prst="rect">
+            <a:avLst/>
+          </a:prstGeom>
+        </p:spPr>
+      </p:pic>
+      <p:pic>
+        <p:nvPicPr>
+          <p:cNvPr id="54" name="Picture 53">
+            <a:extLst>
+              <a:ext uri="{FF2B5EF4-FFF2-40B4-BE49-F238E27FC236}">
+                <a16:creationId xmlns:a16="http://schemas.microsoft.com/office/drawing/2014/main" id="{0187AD4E-C8FF-4B7A-941F-A3A39786AA9C}"/>
+              </a:ext>
+            </a:extLst>
+          </p:cNvPr>
+          <p:cNvPicPr>
+            <a:picLocks noChangeAspect="1"/>
+          </p:cNvPicPr>
+          <p:nvPr/>
+        </p:nvPicPr>
+        <p:blipFill rotWithShape="1">
+          <a:blip r:embed="rId23">
+            <a:extLst>
+              <a:ext uri="{28A0092B-C50C-407E-A947-70E740481C1C}">
+                <a14:useLocalDpi xmlns:a14="http://schemas.microsoft.com/office/drawing/2010/main" val="0"/>
+              </a:ext>
+            </a:extLst>
+          </a:blip>
+          <a:srcRect l="17333" t="21073" r="19306" b="21815"/>
+          <a:stretch/>
+        </p:blipFill>
+        <p:spPr>
+          <a:xfrm>
+            <a:off x="4490474" y="4443971"/>
+            <a:ext cx="774000" cy="525767"/>
+          </a:xfrm>
+          <a:prstGeom prst="rect">
+            <a:avLst/>
+          </a:prstGeom>
+        </p:spPr>
+      </p:pic>
+      <p:pic>
+        <p:nvPicPr>
+          <p:cNvPr id="56" name="Picture 55">
+            <a:extLst>
+              <a:ext uri="{FF2B5EF4-FFF2-40B4-BE49-F238E27FC236}">
+                <a16:creationId xmlns:a16="http://schemas.microsoft.com/office/drawing/2014/main" id="{2849F42A-5CBB-4657-8E2B-5EF09161C1DC}"/>
+              </a:ext>
+            </a:extLst>
+          </p:cNvPr>
+          <p:cNvPicPr>
+            <a:picLocks noChangeAspect="1"/>
+          </p:cNvPicPr>
+          <p:nvPr/>
+        </p:nvPicPr>
+        <p:blipFill rotWithShape="1">
+          <a:blip r:embed="rId24">
+            <a:extLst>
+              <a:ext uri="{28A0092B-C50C-407E-A947-70E740481C1C}">
+                <a14:useLocalDpi xmlns:a14="http://schemas.microsoft.com/office/drawing/2010/main" val="0"/>
+              </a:ext>
+            </a:extLst>
+          </a:blip>
+          <a:srcRect l="14613" r="15173"/>
+          <a:stretch/>
+        </p:blipFill>
+        <p:spPr>
+          <a:xfrm>
+            <a:off x="3747304" y="5004501"/>
+            <a:ext cx="811434" cy="870885"/>
+          </a:xfrm>
+          <a:prstGeom prst="rect">
+            <a:avLst/>
+          </a:prstGeom>
+        </p:spPr>
+      </p:pic>
+      <p:pic>
+        <p:nvPicPr>
+          <p:cNvPr id="58" name="Picture 57">
+            <a:extLst>
+              <a:ext uri="{FF2B5EF4-FFF2-40B4-BE49-F238E27FC236}">
+                <a16:creationId xmlns:a16="http://schemas.microsoft.com/office/drawing/2014/main" id="{B456CD6D-D06D-4367-9C0C-1073561AC449}"/>
+              </a:ext>
+            </a:extLst>
+          </p:cNvPr>
+          <p:cNvPicPr>
+            <a:picLocks noChangeAspect="1"/>
+          </p:cNvPicPr>
+          <p:nvPr/>
+        </p:nvPicPr>
+        <p:blipFill rotWithShape="1">
+          <a:blip r:embed="rId25">
+            <a:extLst>
+              <a:ext uri="{28A0092B-C50C-407E-A947-70E740481C1C}">
+                <a14:useLocalDpi xmlns:a14="http://schemas.microsoft.com/office/drawing/2010/main" val="0"/>
+              </a:ext>
+            </a:extLst>
+          </a:blip>
+          <a:srcRect l="25153" t="39191" r="24919" b="38323"/>
+          <a:stretch/>
+        </p:blipFill>
+        <p:spPr>
+          <a:xfrm>
+            <a:off x="10419615" y="6189794"/>
+            <a:ext cx="978916" cy="332242"/>
+          </a:xfrm>
+          <a:prstGeom prst="rect">
+            <a:avLst/>
+          </a:prstGeom>
+        </p:spPr>
+      </p:pic>
+      <p:pic>
+        <p:nvPicPr>
+          <p:cNvPr id="60" name="Picture 59">
+            <a:extLst>
+              <a:ext uri="{FF2B5EF4-FFF2-40B4-BE49-F238E27FC236}">
+                <a16:creationId xmlns:a16="http://schemas.microsoft.com/office/drawing/2014/main" id="{F5E4E741-9177-4C90-B8CA-BD8B1693812D}"/>
+              </a:ext>
+            </a:extLst>
+          </p:cNvPr>
+          <p:cNvPicPr>
+            <a:picLocks noChangeAspect="1"/>
+          </p:cNvPicPr>
+          <p:nvPr/>
+        </p:nvPicPr>
+        <p:blipFill rotWithShape="1">
+          <a:blip r:embed="rId26">
+            <a:extLst>
+              <a:ext uri="{28A0092B-C50C-407E-A947-70E740481C1C}">
+                <a14:useLocalDpi xmlns:a14="http://schemas.microsoft.com/office/drawing/2010/main" val="0"/>
+              </a:ext>
+            </a:extLst>
+          </a:blip>
+          <a:srcRect l="9914" t="36496" r="7856" b="43497"/>
+          <a:stretch/>
+        </p:blipFill>
+        <p:spPr>
+          <a:xfrm>
+            <a:off x="9761682" y="543430"/>
+            <a:ext cx="2268279" cy="415881"/>
+          </a:xfrm>
+          <a:prstGeom prst="rect">
+            <a:avLst/>
+          </a:prstGeom>
+        </p:spPr>
+      </p:pic>
+      <p:sp>
+        <p:nvSpPr>
+          <p:cNvPr id="74" name="Rectangle 73">
+            <a:extLst>
+              <a:ext uri="{FF2B5EF4-FFF2-40B4-BE49-F238E27FC236}">
+                <a16:creationId xmlns:a16="http://schemas.microsoft.com/office/drawing/2014/main" id="{E61FEEF4-654D-4746-9121-019C5822D0A7}"/>
+              </a:ext>
+            </a:extLst>
+          </p:cNvPr>
+          <p:cNvSpPr/>
+          <p:nvPr/>
+        </p:nvSpPr>
+        <p:spPr>
+          <a:xfrm>
+            <a:off x="9647274" y="5880602"/>
+            <a:ext cx="2473842" cy="924236"/>
+          </a:xfrm>
+          <a:prstGeom prst="rect">
+            <a:avLst/>
+          </a:prstGeom>
+          <a:noFill/>
+        </p:spPr>
+        <p:style>
+          <a:lnRef idx="2">
+            <a:schemeClr val="accent1">
+              <a:shade val="50000"/>
+            </a:schemeClr>
+          </a:lnRef>
+          <a:fillRef idx="1">
+            <a:schemeClr val="accent1"/>
+          </a:fillRef>
+          <a:effectRef idx="0">
+            <a:schemeClr val="accent1"/>
+          </a:effectRef>
+          <a:fontRef idx="minor">
+            <a:schemeClr val="lt1"/>
+          </a:fontRef>
+        </p:style>
+        <p:txBody>
+          <a:bodyPr rtlCol="0" anchor="ctr"/>
+          <a:lstStyle/>
+          <a:p>
+            <a:pPr algn="ctr"/>
+            <a:endParaRPr lang="en-US"/>
+          </a:p>
+        </p:txBody>
+      </p:sp>
+      <p:sp>
+        <p:nvSpPr>
+          <p:cNvPr id="70" name="TextBox 69">
+            <a:extLst>
+              <a:ext uri="{FF2B5EF4-FFF2-40B4-BE49-F238E27FC236}">
+                <a16:creationId xmlns:a16="http://schemas.microsoft.com/office/drawing/2014/main" id="{8A1F4BB2-0C68-49F4-8EFC-DF93FFCC2060}"/>
+              </a:ext>
+            </a:extLst>
+          </p:cNvPr>
+          <p:cNvSpPr txBox="1"/>
+          <p:nvPr/>
+        </p:nvSpPr>
+        <p:spPr>
+          <a:xfrm>
+            <a:off x="10206566" y="5604624"/>
+            <a:ext cx="1250244" cy="523220"/>
+          </a:xfrm>
+          <a:prstGeom prst="rect">
+            <a:avLst/>
+          </a:prstGeom>
+          <a:solidFill>
+            <a:schemeClr val="bg1"/>
+          </a:solidFill>
+        </p:spPr>
+        <p:txBody>
+          <a:bodyPr wrap="square" rtlCol="0">
+            <a:spAutoFit/>
+          </a:bodyPr>
+          <a:lstStyle/>
+          <a:p>
+            <a:pPr algn="ctr"/>
+            <a:r>
+              <a:rPr lang="en-US" sz="2800" dirty="0">
+                <a:solidFill>
+                  <a:srgbClr val="E3138E"/>
+                </a:solidFill>
+                <a:latin typeface="Courier New" panose="02070309020205020404" pitchFamily="49" charset="0"/>
+                <a:cs typeface="Courier New" panose="02070309020205020404" pitchFamily="49" charset="0"/>
+              </a:rPr>
+              <a:t>Media</a:t>
+            </a:r>
+          </a:p>
+        </p:txBody>
+      </p:sp>
+      <p:pic>
+        <p:nvPicPr>
+          <p:cNvPr id="75" name="Picture 74">
+            <a:extLst>
+              <a:ext uri="{FF2B5EF4-FFF2-40B4-BE49-F238E27FC236}">
+                <a16:creationId xmlns:a16="http://schemas.microsoft.com/office/drawing/2014/main" id="{76CC81A9-F2B9-4158-A822-C017824D1842}"/>
+              </a:ext>
+            </a:extLst>
+          </p:cNvPr>
+          <p:cNvPicPr>
+            <a:picLocks noChangeAspect="1"/>
+          </p:cNvPicPr>
+          <p:nvPr/>
+        </p:nvPicPr>
+        <p:blipFill rotWithShape="1">
+          <a:blip r:embed="rId14">
+            <a:extLst>
+              <a:ext uri="{28A0092B-C50C-407E-A947-70E740481C1C}">
+                <a14:useLocalDpi xmlns:a14="http://schemas.microsoft.com/office/drawing/2010/main" val="0"/>
+              </a:ext>
+            </a:extLst>
+          </a:blip>
+          <a:srcRect l="19133" t="8514" r="19270" b="9888"/>
+          <a:stretch/>
+        </p:blipFill>
+        <p:spPr>
+          <a:xfrm>
+            <a:off x="10362277" y="1697129"/>
+            <a:ext cx="1035512" cy="1033758"/>
+          </a:xfrm>
+          <a:prstGeom prst="rect">
+            <a:avLst/>
+          </a:prstGeom>
+        </p:spPr>
+      </p:pic>
+      <p:pic>
+        <p:nvPicPr>
+          <p:cNvPr id="77" name="Picture 76">
+            <a:extLst>
+              <a:ext uri="{FF2B5EF4-FFF2-40B4-BE49-F238E27FC236}">
+                <a16:creationId xmlns:a16="http://schemas.microsoft.com/office/drawing/2014/main" id="{C095C728-9493-420E-AF4D-1EBD1D6E70DA}"/>
+              </a:ext>
+            </a:extLst>
+          </p:cNvPr>
+          <p:cNvPicPr>
+            <a:picLocks noChangeAspect="1"/>
+          </p:cNvPicPr>
+          <p:nvPr/>
+        </p:nvPicPr>
+        <p:blipFill rotWithShape="1">
+          <a:blip r:embed="rId6">
+            <a:extLst>
+              <a:ext uri="{28A0092B-C50C-407E-A947-70E740481C1C}">
+                <a14:useLocalDpi xmlns:a14="http://schemas.microsoft.com/office/drawing/2010/main" val="0"/>
+              </a:ext>
+            </a:extLst>
+          </a:blip>
+          <a:srcRect l="5281" t="33397" r="2200" b="22486"/>
+          <a:stretch/>
+        </p:blipFill>
+        <p:spPr>
+          <a:xfrm>
+            <a:off x="9868683" y="4708406"/>
+            <a:ext cx="2025031" cy="727697"/>
+          </a:xfrm>
+          <a:prstGeom prst="rect">
+            <a:avLst/>
+          </a:prstGeom>
+        </p:spPr>
+      </p:pic>
+      <p:sp>
+        <p:nvSpPr>
+          <p:cNvPr id="69" name="Rectangle 68">
+            <a:extLst>
+              <a:ext uri="{FF2B5EF4-FFF2-40B4-BE49-F238E27FC236}">
+                <a16:creationId xmlns:a16="http://schemas.microsoft.com/office/drawing/2014/main" id="{E403CE2D-AD2A-4A5D-938F-5B27051F8569}"/>
+              </a:ext>
+            </a:extLst>
+          </p:cNvPr>
+          <p:cNvSpPr/>
+          <p:nvPr/>
+        </p:nvSpPr>
+        <p:spPr>
+          <a:xfrm>
+            <a:off x="9654276" y="4517313"/>
+            <a:ext cx="2455661" cy="1106680"/>
+          </a:xfrm>
+          <a:prstGeom prst="rect">
+            <a:avLst/>
+          </a:prstGeom>
+          <a:noFill/>
+        </p:spPr>
+        <p:style>
+          <a:lnRef idx="2">
+            <a:schemeClr val="accent1">
+              <a:shade val="50000"/>
+            </a:schemeClr>
+          </a:lnRef>
+          <a:fillRef idx="1">
+            <a:schemeClr val="accent1"/>
+          </a:fillRef>
+          <a:effectRef idx="0">
+            <a:schemeClr val="accent1"/>
+          </a:effectRef>
+          <a:fontRef idx="minor">
+            <a:schemeClr val="lt1"/>
+          </a:fontRef>
+        </p:style>
+        <p:txBody>
+          <a:bodyPr rtlCol="0" anchor="ctr"/>
+          <a:lstStyle/>
+          <a:p>
+            <a:pPr algn="ctr"/>
+            <a:endParaRPr lang="en-US"/>
+          </a:p>
+        </p:txBody>
+      </p:sp>
+      <p:sp>
+        <p:nvSpPr>
+          <p:cNvPr id="73" name="TextBox 72">
+            <a:extLst>
+              <a:ext uri="{FF2B5EF4-FFF2-40B4-BE49-F238E27FC236}">
+                <a16:creationId xmlns:a16="http://schemas.microsoft.com/office/drawing/2014/main" id="{3A109B72-1EB8-430B-9D9B-BABAE192279E}"/>
+              </a:ext>
+            </a:extLst>
+          </p:cNvPr>
+          <p:cNvSpPr txBox="1"/>
+          <p:nvPr/>
+        </p:nvSpPr>
+        <p:spPr>
+          <a:xfrm>
+            <a:off x="9851217" y="4225214"/>
+            <a:ext cx="2131010" cy="523220"/>
+          </a:xfrm>
+          <a:prstGeom prst="rect">
+            <a:avLst/>
+          </a:prstGeom>
+          <a:solidFill>
+            <a:schemeClr val="bg1"/>
+          </a:solidFill>
+        </p:spPr>
+        <p:txBody>
+          <a:bodyPr wrap="square" rtlCol="0">
+            <a:spAutoFit/>
+          </a:bodyPr>
+          <a:lstStyle/>
+          <a:p>
+            <a:r>
+              <a:rPr lang="en-US" sz="2800" dirty="0">
+                <a:solidFill>
+                  <a:srgbClr val="E3138E"/>
+                </a:solidFill>
+                <a:latin typeface="Courier New" panose="02070309020205020404" pitchFamily="49" charset="0"/>
+                <a:cs typeface="Courier New" panose="02070309020205020404" pitchFamily="49" charset="0"/>
+              </a:rPr>
+              <a:t>Notebooks</a:t>
+            </a:r>
+          </a:p>
+        </p:txBody>
+      </p:sp>
+      <p:sp>
+        <p:nvSpPr>
+          <p:cNvPr id="72" name="Rectangle 71">
+            <a:extLst>
+              <a:ext uri="{FF2B5EF4-FFF2-40B4-BE49-F238E27FC236}">
+                <a16:creationId xmlns:a16="http://schemas.microsoft.com/office/drawing/2014/main" id="{E3A96A26-6009-41BA-B0CA-A56C405831A1}"/>
+              </a:ext>
+            </a:extLst>
+          </p:cNvPr>
+          <p:cNvSpPr/>
+          <p:nvPr/>
+        </p:nvSpPr>
+        <p:spPr>
+          <a:xfrm>
+            <a:off x="9620728" y="3088257"/>
+            <a:ext cx="2489210" cy="1164489"/>
+          </a:xfrm>
+          <a:prstGeom prst="rect">
+            <a:avLst/>
+          </a:prstGeom>
+          <a:noFill/>
+        </p:spPr>
+        <p:style>
+          <a:lnRef idx="2">
+            <a:schemeClr val="accent1">
+              <a:shade val="50000"/>
+            </a:schemeClr>
+          </a:lnRef>
+          <a:fillRef idx="1">
+            <a:schemeClr val="accent1"/>
+          </a:fillRef>
+          <a:effectRef idx="0">
+            <a:schemeClr val="accent1"/>
+          </a:effectRef>
+          <a:fontRef idx="minor">
+            <a:schemeClr val="lt1"/>
+          </a:fontRef>
+        </p:style>
+        <p:txBody>
+          <a:bodyPr rtlCol="0" anchor="ctr"/>
+          <a:lstStyle/>
+          <a:p>
+            <a:pPr algn="ctr"/>
+            <a:endParaRPr lang="en-US"/>
+          </a:p>
+        </p:txBody>
+      </p:sp>
+      <p:sp>
+        <p:nvSpPr>
+          <p:cNvPr id="62" name="TextBox 61">
+            <a:extLst>
+              <a:ext uri="{FF2B5EF4-FFF2-40B4-BE49-F238E27FC236}">
+                <a16:creationId xmlns:a16="http://schemas.microsoft.com/office/drawing/2014/main" id="{03B18486-81BA-415D-811C-48C262DDB877}"/>
+              </a:ext>
+            </a:extLst>
+          </p:cNvPr>
+          <p:cNvSpPr txBox="1"/>
+          <p:nvPr/>
+        </p:nvSpPr>
+        <p:spPr>
+          <a:xfrm>
+            <a:off x="10262641" y="2783151"/>
+            <a:ext cx="1258871" cy="523220"/>
+          </a:xfrm>
+          <a:prstGeom prst="rect">
+            <a:avLst/>
+          </a:prstGeom>
+          <a:solidFill>
+            <a:schemeClr val="bg1"/>
+          </a:solidFill>
+        </p:spPr>
+        <p:txBody>
+          <a:bodyPr wrap="square" rtlCol="0">
+            <a:spAutoFit/>
+          </a:bodyPr>
+          <a:lstStyle/>
+          <a:p>
+            <a:pPr algn="ctr"/>
+            <a:r>
+              <a:rPr lang="en-US" sz="2800" dirty="0">
+                <a:solidFill>
+                  <a:srgbClr val="E3138E"/>
+                </a:solidFill>
+                <a:latin typeface="Courier New" panose="02070309020205020404" pitchFamily="49" charset="0"/>
+                <a:cs typeface="Courier New" panose="02070309020205020404" pitchFamily="49" charset="0"/>
+              </a:rPr>
+              <a:t>Party</a:t>
+            </a:r>
+          </a:p>
+        </p:txBody>
+      </p:sp>
+      <p:sp>
+        <p:nvSpPr>
+          <p:cNvPr id="66" name="Rectangle 65">
+            <a:extLst>
+              <a:ext uri="{FF2B5EF4-FFF2-40B4-BE49-F238E27FC236}">
+                <a16:creationId xmlns:a16="http://schemas.microsoft.com/office/drawing/2014/main" id="{375D0931-2101-4C74-AC86-2EAFE98DF88E}"/>
+              </a:ext>
+            </a:extLst>
+          </p:cNvPr>
+          <p:cNvSpPr/>
+          <p:nvPr/>
+        </p:nvSpPr>
+        <p:spPr>
+          <a:xfrm>
+            <a:off x="9640245" y="1544797"/>
+            <a:ext cx="2473842" cy="1284479"/>
+          </a:xfrm>
+          <a:prstGeom prst="rect">
+            <a:avLst/>
+          </a:prstGeom>
+          <a:noFill/>
+        </p:spPr>
+        <p:style>
+          <a:lnRef idx="2">
+            <a:schemeClr val="accent1">
+              <a:shade val="50000"/>
+            </a:schemeClr>
+          </a:lnRef>
+          <a:fillRef idx="1">
+            <a:schemeClr val="accent1"/>
+          </a:fillRef>
+          <a:effectRef idx="0">
+            <a:schemeClr val="accent1"/>
+          </a:effectRef>
+          <a:fontRef idx="minor">
+            <a:schemeClr val="lt1"/>
+          </a:fontRef>
+        </p:style>
+        <p:txBody>
+          <a:bodyPr rtlCol="0" anchor="ctr"/>
+          <a:lstStyle/>
+          <a:p>
+            <a:pPr algn="ctr"/>
+            <a:endParaRPr lang="en-US"/>
+          </a:p>
+        </p:txBody>
+      </p:sp>
+      <p:sp>
+        <p:nvSpPr>
+          <p:cNvPr id="67" name="TextBox 66">
+            <a:extLst>
+              <a:ext uri="{FF2B5EF4-FFF2-40B4-BE49-F238E27FC236}">
+                <a16:creationId xmlns:a16="http://schemas.microsoft.com/office/drawing/2014/main" id="{B69E2785-D52B-410E-BDFC-AF4DED7F5845}"/>
+              </a:ext>
+            </a:extLst>
+          </p:cNvPr>
+          <p:cNvSpPr txBox="1"/>
+          <p:nvPr/>
+        </p:nvSpPr>
+        <p:spPr>
+          <a:xfrm>
+            <a:off x="9990106" y="1234007"/>
+            <a:ext cx="1903608" cy="523220"/>
+          </a:xfrm>
+          <a:prstGeom prst="rect">
+            <a:avLst/>
+          </a:prstGeom>
+          <a:solidFill>
+            <a:schemeClr val="bg1"/>
+          </a:solidFill>
+        </p:spPr>
+        <p:txBody>
+          <a:bodyPr wrap="square" rtlCol="0">
+            <a:spAutoFit/>
+          </a:bodyPr>
+          <a:lstStyle/>
+          <a:p>
+            <a:r>
+              <a:rPr lang="en-US" sz="2800" dirty="0">
+                <a:solidFill>
+                  <a:srgbClr val="E3138E"/>
+                </a:solidFill>
+                <a:latin typeface="Courier New" panose="02070309020205020404" pitchFamily="49" charset="0"/>
+                <a:cs typeface="Courier New" panose="02070309020205020404" pitchFamily="49" charset="0"/>
+              </a:rPr>
+              <a:t>Lanyards</a:t>
+            </a:r>
+          </a:p>
+        </p:txBody>
+      </p:sp>
+      <p:sp>
+        <p:nvSpPr>
+          <p:cNvPr id="63" name="Rectangle 62">
+            <a:extLst>
+              <a:ext uri="{FF2B5EF4-FFF2-40B4-BE49-F238E27FC236}">
+                <a16:creationId xmlns:a16="http://schemas.microsoft.com/office/drawing/2014/main" id="{EDADC62D-2FAD-48EA-94E3-B6D2228D322D}"/>
+              </a:ext>
+            </a:extLst>
+          </p:cNvPr>
+          <p:cNvSpPr/>
+          <p:nvPr/>
+        </p:nvSpPr>
+        <p:spPr>
+          <a:xfrm>
+            <a:off x="9662575" y="162134"/>
+            <a:ext cx="2459004" cy="1099862"/>
+          </a:xfrm>
+          <a:prstGeom prst="rect">
+            <a:avLst/>
+          </a:prstGeom>
+          <a:noFill/>
+        </p:spPr>
+        <p:style>
+          <a:lnRef idx="2">
+            <a:schemeClr val="accent1">
+              <a:shade val="50000"/>
+            </a:schemeClr>
+          </a:lnRef>
+          <a:fillRef idx="1">
+            <a:schemeClr val="accent1"/>
+          </a:fillRef>
+          <a:effectRef idx="0">
+            <a:schemeClr val="accent1"/>
+          </a:effectRef>
+          <a:fontRef idx="minor">
+            <a:schemeClr val="lt1"/>
+          </a:fontRef>
+        </p:style>
+        <p:txBody>
+          <a:bodyPr rtlCol="0" anchor="ctr"/>
+          <a:lstStyle/>
+          <a:p>
+            <a:pPr algn="ctr"/>
+            <a:endParaRPr lang="en-US"/>
+          </a:p>
+        </p:txBody>
+      </p:sp>
+      <p:sp>
+        <p:nvSpPr>
+          <p:cNvPr id="61" name="TextBox 60">
+            <a:extLst>
+              <a:ext uri="{FF2B5EF4-FFF2-40B4-BE49-F238E27FC236}">
+                <a16:creationId xmlns:a16="http://schemas.microsoft.com/office/drawing/2014/main" id="{E63D74D0-DBA3-4D08-BFC7-52A275550E69}"/>
+              </a:ext>
+            </a:extLst>
+          </p:cNvPr>
+          <p:cNvSpPr txBox="1"/>
+          <p:nvPr/>
+        </p:nvSpPr>
+        <p:spPr>
+          <a:xfrm>
+            <a:off x="9906626" y="-71487"/>
+            <a:ext cx="2123335" cy="523220"/>
+          </a:xfrm>
+          <a:prstGeom prst="rect">
+            <a:avLst/>
+          </a:prstGeom>
+          <a:solidFill>
+            <a:schemeClr val="bg1"/>
+          </a:solidFill>
+        </p:spPr>
+        <p:txBody>
+          <a:bodyPr wrap="square" rtlCol="0">
+            <a:spAutoFit/>
+          </a:bodyPr>
+          <a:lstStyle/>
+          <a:p>
+            <a:r>
+              <a:rPr lang="en-US" sz="2800" dirty="0">
+                <a:solidFill>
+                  <a:srgbClr val="E3138E"/>
+                </a:solidFill>
+                <a:latin typeface="Courier New" panose="02070309020205020404" pitchFamily="49" charset="0"/>
+                <a:cs typeface="Courier New" panose="02070309020205020404" pitchFamily="49" charset="0"/>
+              </a:rPr>
+              <a:t>Swag Bags</a:t>
+            </a:r>
+          </a:p>
+        </p:txBody>
+      </p:sp>
+      <p:pic>
+        <p:nvPicPr>
+          <p:cNvPr id="3" name="Picture 2" descr="A close up of a sign&#10;&#10;Description generated with very high confidence">
+            <a:extLst>
+              <a:ext uri="{FF2B5EF4-FFF2-40B4-BE49-F238E27FC236}">
+                <a16:creationId xmlns:a16="http://schemas.microsoft.com/office/drawing/2014/main" id="{B042BA30-82D2-4146-82B0-B7D6CC64B717}"/>
+              </a:ext>
+            </a:extLst>
+          </p:cNvPr>
+          <p:cNvPicPr>
+            <a:picLocks noChangeAspect="1"/>
+          </p:cNvPicPr>
+          <p:nvPr/>
+        </p:nvPicPr>
+        <p:blipFill>
+          <a:blip r:embed="rId27">
+            <a:extLst>
+              <a:ext uri="{28A0092B-C50C-407E-A947-70E740481C1C}">
+                <a14:useLocalDpi xmlns:a14="http://schemas.microsoft.com/office/drawing/2010/main" val="0"/>
+              </a:ext>
+            </a:extLst>
+          </a:blip>
+          <a:stretch>
+            <a:fillRect/>
+          </a:stretch>
+        </p:blipFill>
+        <p:spPr>
+          <a:xfrm>
+            <a:off x="7757782" y="4252991"/>
+            <a:ext cx="1183756" cy="892068"/>
+          </a:xfrm>
+          <a:prstGeom prst="rect">
+            <a:avLst/>
+          </a:prstGeom>
+        </p:spPr>
+      </p:pic>
+      <p:pic>
+        <p:nvPicPr>
+          <p:cNvPr id="76" name="Picture 75">
+            <a:extLst>
+              <a:ext uri="{FF2B5EF4-FFF2-40B4-BE49-F238E27FC236}">
+                <a16:creationId xmlns:a16="http://schemas.microsoft.com/office/drawing/2014/main" id="{AEF8726E-ACC4-4061-86CE-16B8AC8DB424}"/>
+              </a:ext>
+            </a:extLst>
+          </p:cNvPr>
+          <p:cNvPicPr>
+            <a:picLocks noChangeAspect="1"/>
+          </p:cNvPicPr>
+          <p:nvPr/>
+        </p:nvPicPr>
+        <p:blipFill rotWithShape="1">
+          <a:blip r:embed="rId4">
+            <a:extLst>
+              <a:ext uri="{28A0092B-C50C-407E-A947-70E740481C1C}">
+                <a14:useLocalDpi xmlns:a14="http://schemas.microsoft.com/office/drawing/2010/main" val="0"/>
+              </a:ext>
+            </a:extLst>
+          </a:blip>
+          <a:srcRect l="30508" t="26523" r="30051" b="23955"/>
+          <a:stretch/>
+        </p:blipFill>
+        <p:spPr>
+          <a:xfrm>
+            <a:off x="10324963" y="3173912"/>
+            <a:ext cx="1119143" cy="1058936"/>
+          </a:xfrm>
+          <a:prstGeom prst="rect">
+            <a:avLst/>
+          </a:prstGeom>
+        </p:spPr>
+      </p:pic>
+    </p:spTree>
+    <p:extLst>
+      <p:ext uri="{BB962C8B-B14F-4D97-AF65-F5344CB8AC3E}">
+        <p14:creationId xmlns:p14="http://schemas.microsoft.com/office/powerpoint/2010/main" val="2245526147"/>
+      </p:ext>
+    </p:extLst>
+  </p:cSld>
+  <p:clrMapOvr>
+    <a:masterClrMapping/>
+  </p:clrMapOvr>
+</p:sld>
+</file>
+
+<file path=ppt/slides/slide3.xml><?xml version="1.0" encoding="utf-8"?>
 <p:sld xmlns:a="http://schemas.openxmlformats.org/drawingml/2006/main" xmlns:r="http://schemas.openxmlformats.org/officeDocument/2006/relationships" xmlns:p="http://schemas.openxmlformats.org/presentationml/2006/main">
   <p:cSld>
     <p:bg>
@@ -15097,7 +18070,7 @@
 </p:sld>
 </file>
 
-<file path=ppt/slides/slide3.xml><?xml version="1.0" encoding="utf-8"?>
+<file path=ppt/slides/slide4.xml><?xml version="1.0" encoding="utf-8"?>
 <p:sld xmlns:a="http://schemas.openxmlformats.org/drawingml/2006/main" xmlns:r="http://schemas.openxmlformats.org/officeDocument/2006/relationships" xmlns:p="http://schemas.openxmlformats.org/presentationml/2006/main">
   <p:cSld>
     <p:bg>
@@ -16444,7 +19417,7 @@
 </p:sld>
 </file>
 
-<file path=ppt/slides/slide4.xml><?xml version="1.0" encoding="utf-8"?>
+<file path=ppt/slides/slide5.xml><?xml version="1.0" encoding="utf-8"?>
 <p:sld xmlns:a="http://schemas.openxmlformats.org/drawingml/2006/main" xmlns:r="http://schemas.openxmlformats.org/officeDocument/2006/relationships" xmlns:p="http://schemas.openxmlformats.org/presentationml/2006/main">
   <p:cSld>
     <p:bg>
@@ -16895,7 +19868,7 @@
 </p:sld>
 </file>
 
-<file path=ppt/slides/slide5.xml><?xml version="1.0" encoding="utf-8"?>
+<file path=ppt/slides/slide6.xml><?xml version="1.0" encoding="utf-8"?>
 <p:sld xmlns:a="http://schemas.openxmlformats.org/drawingml/2006/main" xmlns:r="http://schemas.openxmlformats.org/officeDocument/2006/relationships" xmlns:p="http://schemas.openxmlformats.org/presentationml/2006/main">
   <p:cSld>
     <p:bg>
@@ -17198,7 +20171,7 @@
 </p:sld>
 </file>
 
-<file path=ppt/slides/slide6.xml><?xml version="1.0" encoding="utf-8"?>
+<file path=ppt/slides/slide7.xml><?xml version="1.0" encoding="utf-8"?>
 <p:sld xmlns:a="http://schemas.openxmlformats.org/drawingml/2006/main" xmlns:r="http://schemas.openxmlformats.org/officeDocument/2006/relationships" xmlns:p="http://schemas.openxmlformats.org/presentationml/2006/main">
   <p:cSld>
     <p:bg>
@@ -17577,7 +20550,7 @@
 </p:sld>
 </file>
 
-<file path=ppt/slides/slide7.xml><?xml version="1.0" encoding="utf-8"?>
+<file path=ppt/slides/slide8.xml><?xml version="1.0" encoding="utf-8"?>
 <p:sld xmlns:a="http://schemas.openxmlformats.org/drawingml/2006/main" xmlns:r="http://schemas.openxmlformats.org/officeDocument/2006/relationships" xmlns:p="http://schemas.openxmlformats.org/presentationml/2006/main">
   <p:cSld>
     <p:bg>
@@ -18725,7 +21698,7 @@
 </p:sld>
 </file>
 
-<file path=ppt/slides/slide8.xml><?xml version="1.0" encoding="utf-8"?>
+<file path=ppt/slides/slide9.xml><?xml version="1.0" encoding="utf-8"?>
 <p:sld xmlns:a="http://schemas.openxmlformats.org/drawingml/2006/main" xmlns:r="http://schemas.openxmlformats.org/officeDocument/2006/relationships" xmlns:p="http://schemas.openxmlformats.org/presentationml/2006/main">
   <p:cSld>
     <p:bg>
@@ -21141,1270 +24114,6 @@
       <p:bldP spid="27" grpId="0" animBg="1"/>
       <p:bldP spid="32" grpId="0" animBg="1"/>
       <p:bldP spid="33" grpId="0" animBg="1"/>
-    </p:bldLst>
-  </p:timing>
-</p:sld>
-</file>
-
-<file path=ppt/slides/slide9.xml><?xml version="1.0" encoding="utf-8"?>
-<p:sld xmlns:a="http://schemas.openxmlformats.org/drawingml/2006/main" xmlns:r="http://schemas.openxmlformats.org/officeDocument/2006/relationships" xmlns:p="http://schemas.openxmlformats.org/presentationml/2006/main">
-  <p:cSld>
-    <p:bg>
-      <p:bgPr>
-        <a:solidFill>
-          <a:srgbClr val="505050"/>
-        </a:solidFill>
-        <a:effectLst/>
-      </p:bgPr>
-    </p:bg>
-    <p:spTree>
-      <p:nvGrpSpPr>
-        <p:cNvPr id="1" name=""/>
-        <p:cNvGrpSpPr/>
-        <p:nvPr/>
-      </p:nvGrpSpPr>
-      <p:grpSpPr>
-        <a:xfrm>
-          <a:off x="0" y="0"/>
-          <a:ext cx="0" cy="0"/>
-          <a:chOff x="0" y="0"/>
-          <a:chExt cx="0" cy="0"/>
-        </a:xfrm>
-      </p:grpSpPr>
-      <p:sp>
-        <p:nvSpPr>
-          <p:cNvPr id="2" name="Title 1"/>
-          <p:cNvSpPr>
-            <a:spLocks noGrp="1"/>
-          </p:cNvSpPr>
-          <p:nvPr>
-            <p:ph type="title"/>
-          </p:nvPr>
-        </p:nvSpPr>
-        <p:spPr/>
-        <p:txBody>
-          <a:bodyPr/>
-          <a:lstStyle/>
-          <a:p>
-            <a:r>
-              <a:rPr lang="en-US" dirty="0"/>
-              <a:t>Secret Manager: Retrieval</a:t>
-            </a:r>
-          </a:p>
-        </p:txBody>
-      </p:sp>
-      <p:graphicFrame>
-        <p:nvGraphicFramePr>
-          <p:cNvPr id="4" name="Table 3">
-            <a:extLst>
-              <a:ext uri="{FF2B5EF4-FFF2-40B4-BE49-F238E27FC236}">
-                <a16:creationId xmlns:a16="http://schemas.microsoft.com/office/drawing/2014/main" id="{FB18C7D4-3492-4E4E-800A-CAFC344516DD}"/>
-              </a:ext>
-            </a:extLst>
-          </p:cNvPr>
-          <p:cNvGraphicFramePr>
-            <a:graphicFrameLocks noGrp="1"/>
-          </p:cNvGraphicFramePr>
-          <p:nvPr>
-            <p:extLst>
-              <p:ext uri="{D42A27DB-BD31-4B8C-83A1-F6EECF244321}">
-                <p14:modId xmlns:p14="http://schemas.microsoft.com/office/powerpoint/2010/main" val="2112485447"/>
-              </p:ext>
-            </p:extLst>
-          </p:nvPr>
-        </p:nvGraphicFramePr>
-        <p:xfrm>
-          <a:off x="844462" y="1920876"/>
-          <a:ext cx="9165812" cy="4328160"/>
-        </p:xfrm>
-        <a:graphic>
-          <a:graphicData uri="http://schemas.openxmlformats.org/drawingml/2006/table">
-            <a:tbl>
-              <a:tblPr firstRow="1" bandRow="1"/>
-              <a:tblGrid>
-                <a:gridCol w="9165812">
-                  <a:extLst>
-                    <a:ext uri="{9D8B030D-6E8A-4147-A177-3AD203B41FA5}">
-                      <a16:colId xmlns:a16="http://schemas.microsoft.com/office/drawing/2014/main" val="1057070397"/>
-                    </a:ext>
-                  </a:extLst>
-                </a:gridCol>
-              </a:tblGrid>
-              <a:tr h="3800574">
-                <a:tc>
-                  <a:txBody>
-                    <a:bodyPr/>
-                    <a:lstStyle>
-                      <a:lvl1pPr marL="0" algn="l" defTabSz="914400" rtl="0" eaLnBrk="1" latinLnBrk="0" hangingPunct="1">
-                        <a:defRPr sz="1800" b="1" kern="1200">
-                          <a:solidFill>
-                            <a:schemeClr val="lt1"/>
-                          </a:solidFill>
-                          <a:latin typeface="Segoe UI Light"/>
-                        </a:defRPr>
-                      </a:lvl1pPr>
-                      <a:lvl2pPr marL="457200" algn="l" defTabSz="914400" rtl="0" eaLnBrk="1" latinLnBrk="0" hangingPunct="1">
-                        <a:defRPr sz="1800" b="1" kern="1200">
-                          <a:solidFill>
-                            <a:schemeClr val="lt1"/>
-                          </a:solidFill>
-                          <a:latin typeface="Segoe UI Light"/>
-                        </a:defRPr>
-                      </a:lvl2pPr>
-                      <a:lvl3pPr marL="914400" algn="l" defTabSz="914400" rtl="0" eaLnBrk="1" latinLnBrk="0" hangingPunct="1">
-                        <a:defRPr sz="1800" b="1" kern="1200">
-                          <a:solidFill>
-                            <a:schemeClr val="lt1"/>
-                          </a:solidFill>
-                          <a:latin typeface="Segoe UI Light"/>
-                        </a:defRPr>
-                      </a:lvl3pPr>
-                      <a:lvl4pPr marL="1371600" algn="l" defTabSz="914400" rtl="0" eaLnBrk="1" latinLnBrk="0" hangingPunct="1">
-                        <a:defRPr sz="1800" b="1" kern="1200">
-                          <a:solidFill>
-                            <a:schemeClr val="lt1"/>
-                          </a:solidFill>
-                          <a:latin typeface="Segoe UI Light"/>
-                        </a:defRPr>
-                      </a:lvl4pPr>
-                      <a:lvl5pPr marL="1828800" algn="l" defTabSz="914400" rtl="0" eaLnBrk="1" latinLnBrk="0" hangingPunct="1">
-                        <a:defRPr sz="1800" b="1" kern="1200">
-                          <a:solidFill>
-                            <a:schemeClr val="lt1"/>
-                          </a:solidFill>
-                          <a:latin typeface="Segoe UI Light"/>
-                        </a:defRPr>
-                      </a:lvl5pPr>
-                      <a:lvl6pPr marL="2286000" algn="l" defTabSz="914400" rtl="0" eaLnBrk="1" latinLnBrk="0" hangingPunct="1">
-                        <a:defRPr sz="1800" b="1" kern="1200">
-                          <a:solidFill>
-                            <a:schemeClr val="lt1"/>
-                          </a:solidFill>
-                          <a:latin typeface="Segoe UI Light"/>
-                        </a:defRPr>
-                      </a:lvl6pPr>
-                      <a:lvl7pPr marL="2743200" algn="l" defTabSz="914400" rtl="0" eaLnBrk="1" latinLnBrk="0" hangingPunct="1">
-                        <a:defRPr sz="1800" b="1" kern="1200">
-                          <a:solidFill>
-                            <a:schemeClr val="lt1"/>
-                          </a:solidFill>
-                          <a:latin typeface="Segoe UI Light"/>
-                        </a:defRPr>
-                      </a:lvl7pPr>
-                      <a:lvl8pPr marL="3200400" algn="l" defTabSz="914400" rtl="0" eaLnBrk="1" latinLnBrk="0" hangingPunct="1">
-                        <a:defRPr sz="1800" b="1" kern="1200">
-                          <a:solidFill>
-                            <a:schemeClr val="lt1"/>
-                          </a:solidFill>
-                          <a:latin typeface="Segoe UI Light"/>
-                        </a:defRPr>
-                      </a:lvl8pPr>
-                      <a:lvl9pPr marL="3657600" algn="l" defTabSz="914400" rtl="0" eaLnBrk="1" latinLnBrk="0" hangingPunct="1">
-                        <a:defRPr sz="1800" b="1" kern="1200">
-                          <a:solidFill>
-                            <a:schemeClr val="lt1"/>
-                          </a:solidFill>
-                          <a:latin typeface="Segoe UI Light"/>
-                        </a:defRPr>
-                      </a:lvl9pPr>
-                    </a:lstStyle>
-                    <a:p>
-                      <a:r>
-                        <a:rPr lang="en-US" sz="1600" dirty="0">
-                          <a:solidFill>
-                            <a:srgbClr val="0000FF"/>
-                          </a:solidFill>
-                          <a:latin typeface="Consolas" panose="020B0609020204030204" pitchFamily="49" charset="0"/>
-                        </a:rPr>
-                        <a:t>public</a:t>
-                      </a:r>
-                      <a:r>
-                        <a:rPr lang="en-US" sz="1600" dirty="0">
-                          <a:solidFill>
-                            <a:srgbClr val="000000"/>
-                          </a:solidFill>
-                          <a:latin typeface="Consolas" panose="020B0609020204030204" pitchFamily="49" charset="0"/>
-                        </a:rPr>
-                        <a:t> </a:t>
-                      </a:r>
-                      <a:r>
-                        <a:rPr lang="en-US" sz="1600" dirty="0">
-                          <a:solidFill>
-                            <a:srgbClr val="0000FF"/>
-                          </a:solidFill>
-                          <a:latin typeface="Consolas" panose="020B0609020204030204" pitchFamily="49" charset="0"/>
-                        </a:rPr>
-                        <a:t>class</a:t>
-                      </a:r>
-                      <a:r>
-                        <a:rPr lang="en-US" sz="1600" dirty="0">
-                          <a:solidFill>
-                            <a:srgbClr val="000000"/>
-                          </a:solidFill>
-                          <a:latin typeface="Consolas" panose="020B0609020204030204" pitchFamily="49" charset="0"/>
-                        </a:rPr>
-                        <a:t> </a:t>
-                      </a:r>
-                      <a:r>
-                        <a:rPr lang="en-US" sz="1600" dirty="0">
-                          <a:solidFill>
-                            <a:srgbClr val="2B91AF"/>
-                          </a:solidFill>
-                          <a:latin typeface="Consolas" panose="020B0609020204030204" pitchFamily="49" charset="0"/>
-                        </a:rPr>
-                        <a:t>Startup</a:t>
-                      </a:r>
-                      <a:endParaRPr lang="en-US" sz="1600" dirty="0">
-                        <a:solidFill>
-                          <a:srgbClr val="000000"/>
-                        </a:solidFill>
-                        <a:latin typeface="Consolas" panose="020B0609020204030204" pitchFamily="49" charset="0"/>
-                      </a:endParaRPr>
-                    </a:p>
-                    <a:p>
-                      <a:r>
-                        <a:rPr lang="en-US" sz="1600" dirty="0">
-                          <a:solidFill>
-                            <a:srgbClr val="000000"/>
-                          </a:solidFill>
-                          <a:latin typeface="Consolas" panose="020B0609020204030204" pitchFamily="49" charset="0"/>
-                        </a:rPr>
-                        <a:t>{</a:t>
-                      </a:r>
-                    </a:p>
-                    <a:p>
-                      <a:r>
-                        <a:rPr lang="en-US" sz="1600" dirty="0">
-                          <a:solidFill>
-                            <a:srgbClr val="000000"/>
-                          </a:solidFill>
-                          <a:latin typeface="Consolas" panose="020B0609020204030204" pitchFamily="49" charset="0"/>
-                        </a:rPr>
-                        <a:t>    </a:t>
-                      </a:r>
-                      <a:r>
-                        <a:rPr lang="en-US" sz="1600" dirty="0">
-                          <a:solidFill>
-                            <a:srgbClr val="0000FF"/>
-                          </a:solidFill>
-                          <a:latin typeface="Consolas" panose="020B0609020204030204" pitchFamily="49" charset="0"/>
-                        </a:rPr>
-                        <a:t>private</a:t>
-                      </a:r>
-                      <a:r>
-                        <a:rPr lang="en-US" sz="1600" dirty="0">
-                          <a:solidFill>
-                            <a:srgbClr val="000000"/>
-                          </a:solidFill>
-                          <a:latin typeface="Consolas" panose="020B0609020204030204" pitchFamily="49" charset="0"/>
-                        </a:rPr>
-                        <a:t> </a:t>
-                      </a:r>
-                      <a:r>
-                        <a:rPr lang="en-US" sz="1600" dirty="0">
-                          <a:solidFill>
-                            <a:srgbClr val="0000FF"/>
-                          </a:solidFill>
-                          <a:latin typeface="Consolas" panose="020B0609020204030204" pitchFamily="49" charset="0"/>
-                        </a:rPr>
-                        <a:t>string</a:t>
-                      </a:r>
-                      <a:r>
-                        <a:rPr lang="en-US" sz="1600" dirty="0">
-                          <a:solidFill>
-                            <a:srgbClr val="000000"/>
-                          </a:solidFill>
-                          <a:latin typeface="Consolas" panose="020B0609020204030204" pitchFamily="49" charset="0"/>
-                        </a:rPr>
-                        <a:t> _connection = </a:t>
-                      </a:r>
-                      <a:r>
-                        <a:rPr lang="en-US" sz="1600" dirty="0">
-                          <a:solidFill>
-                            <a:srgbClr val="0000FF"/>
-                          </a:solidFill>
-                          <a:latin typeface="Consolas" panose="020B0609020204030204" pitchFamily="49" charset="0"/>
-                        </a:rPr>
-                        <a:t>null</a:t>
-                      </a:r>
-                      <a:r>
-                        <a:rPr lang="en-US" sz="1600" dirty="0">
-                          <a:solidFill>
-                            <a:srgbClr val="000000"/>
-                          </a:solidFill>
-                          <a:latin typeface="Consolas" panose="020B0609020204030204" pitchFamily="49" charset="0"/>
-                        </a:rPr>
-                        <a:t>;</a:t>
-                      </a:r>
-                    </a:p>
-                    <a:p>
-                      <a:endParaRPr lang="en-US" sz="1600" dirty="0">
-                        <a:solidFill>
-                          <a:srgbClr val="000000"/>
-                        </a:solidFill>
-                        <a:latin typeface="Consolas" panose="020B0609020204030204" pitchFamily="49" charset="0"/>
-                      </a:endParaRPr>
-                    </a:p>
-                    <a:p>
-                      <a:r>
-                        <a:rPr lang="en-US" sz="1600" dirty="0">
-                          <a:solidFill>
-                            <a:srgbClr val="000000"/>
-                          </a:solidFill>
-                          <a:latin typeface="Consolas" panose="020B0609020204030204" pitchFamily="49" charset="0"/>
-                        </a:rPr>
-                        <a:t>    </a:t>
-                      </a:r>
-                      <a:r>
-                        <a:rPr lang="en-US" sz="1600" dirty="0">
-                          <a:solidFill>
-                            <a:srgbClr val="0000FF"/>
-                          </a:solidFill>
-                          <a:latin typeface="Consolas" panose="020B0609020204030204" pitchFamily="49" charset="0"/>
-                        </a:rPr>
-                        <a:t>public</a:t>
-                      </a:r>
-                      <a:r>
-                        <a:rPr lang="en-US" sz="1600" dirty="0">
-                          <a:solidFill>
-                            <a:srgbClr val="000000"/>
-                          </a:solidFill>
-                          <a:latin typeface="Consolas" panose="020B0609020204030204" pitchFamily="49" charset="0"/>
-                        </a:rPr>
-                        <a:t> Startup(</a:t>
-                      </a:r>
-                      <a:r>
-                        <a:rPr lang="en-US" sz="1600" dirty="0" err="1">
-                          <a:solidFill>
-                            <a:srgbClr val="000000"/>
-                          </a:solidFill>
-                          <a:latin typeface="Consolas" panose="020B0609020204030204" pitchFamily="49" charset="0"/>
-                        </a:rPr>
-                        <a:t>IConfiguration</a:t>
-                      </a:r>
-                      <a:r>
-                        <a:rPr lang="en-US" sz="1600" dirty="0">
-                          <a:solidFill>
-                            <a:srgbClr val="000000"/>
-                          </a:solidFill>
-                          <a:latin typeface="Consolas" panose="020B0609020204030204" pitchFamily="49" charset="0"/>
-                        </a:rPr>
-                        <a:t> configuration)</a:t>
-                      </a:r>
-                    </a:p>
-                    <a:p>
-                      <a:r>
-                        <a:rPr lang="en-US" sz="1600" dirty="0">
-                          <a:solidFill>
-                            <a:srgbClr val="000000"/>
-                          </a:solidFill>
-                          <a:latin typeface="Consolas" panose="020B0609020204030204" pitchFamily="49" charset="0"/>
-                        </a:rPr>
-                        <a:t>        =&gt; Configuration = configuration;</a:t>
-                      </a:r>
-                    </a:p>
-                    <a:p>
-                      <a:endParaRPr lang="en-US" sz="1600" dirty="0">
-                        <a:solidFill>
-                          <a:srgbClr val="000000"/>
-                        </a:solidFill>
-                        <a:latin typeface="Consolas" panose="020B0609020204030204" pitchFamily="49" charset="0"/>
-                      </a:endParaRPr>
-                    </a:p>
-                    <a:p>
-                      <a:r>
-                        <a:rPr lang="en-US" sz="1600" dirty="0">
-                          <a:solidFill>
-                            <a:srgbClr val="000000"/>
-                          </a:solidFill>
-                          <a:latin typeface="Consolas" panose="020B0609020204030204" pitchFamily="49" charset="0"/>
-                        </a:rPr>
-                        <a:t>    </a:t>
-                      </a:r>
-                      <a:r>
-                        <a:rPr lang="en-US" sz="1600" dirty="0">
-                          <a:solidFill>
-                            <a:srgbClr val="0000FF"/>
-                          </a:solidFill>
-                          <a:latin typeface="Consolas" panose="020B0609020204030204" pitchFamily="49" charset="0"/>
-                        </a:rPr>
-                        <a:t>public</a:t>
-                      </a:r>
-                      <a:r>
-                        <a:rPr lang="en-US" sz="1600" dirty="0">
-                          <a:solidFill>
-                            <a:srgbClr val="000000"/>
-                          </a:solidFill>
-                          <a:latin typeface="Consolas" panose="020B0609020204030204" pitchFamily="49" charset="0"/>
-                        </a:rPr>
-                        <a:t> </a:t>
-                      </a:r>
-                      <a:r>
-                        <a:rPr lang="en-US" sz="1600" dirty="0" err="1">
-                          <a:solidFill>
-                            <a:srgbClr val="000000"/>
-                          </a:solidFill>
-                          <a:latin typeface="Consolas" panose="020B0609020204030204" pitchFamily="49" charset="0"/>
-                        </a:rPr>
-                        <a:t>IConfiguration</a:t>
-                      </a:r>
-                      <a:r>
-                        <a:rPr lang="en-US" sz="1600" dirty="0">
-                          <a:solidFill>
-                            <a:srgbClr val="000000"/>
-                          </a:solidFill>
-                          <a:latin typeface="Consolas" panose="020B0609020204030204" pitchFamily="49" charset="0"/>
-                        </a:rPr>
-                        <a:t> Configuration { </a:t>
-                      </a:r>
-                      <a:r>
-                        <a:rPr lang="en-US" sz="1600" dirty="0">
-                          <a:solidFill>
-                            <a:srgbClr val="0000FF"/>
-                          </a:solidFill>
-                          <a:latin typeface="Consolas" panose="020B0609020204030204" pitchFamily="49" charset="0"/>
-                        </a:rPr>
-                        <a:t>get</a:t>
-                      </a:r>
-                      <a:r>
-                        <a:rPr lang="en-US" sz="1600" dirty="0">
-                          <a:solidFill>
-                            <a:srgbClr val="000000"/>
-                          </a:solidFill>
-                          <a:latin typeface="Consolas" panose="020B0609020204030204" pitchFamily="49" charset="0"/>
-                        </a:rPr>
-                        <a:t>; }</a:t>
-                      </a:r>
-                    </a:p>
-                    <a:p>
-                      <a:endParaRPr lang="en-US" sz="1600" dirty="0">
-                        <a:solidFill>
-                          <a:srgbClr val="000000"/>
-                        </a:solidFill>
-                        <a:latin typeface="Consolas" panose="020B0609020204030204" pitchFamily="49" charset="0"/>
-                      </a:endParaRPr>
-                    </a:p>
-                    <a:p>
-                      <a:r>
-                        <a:rPr lang="en-US" sz="1600" dirty="0">
-                          <a:solidFill>
-                            <a:srgbClr val="000000"/>
-                          </a:solidFill>
-                          <a:latin typeface="Consolas" panose="020B0609020204030204" pitchFamily="49" charset="0"/>
-                        </a:rPr>
-                        <a:t>    </a:t>
-                      </a:r>
-                      <a:r>
-                        <a:rPr lang="en-US" sz="1600" dirty="0">
-                          <a:solidFill>
-                            <a:srgbClr val="0000FF"/>
-                          </a:solidFill>
-                          <a:latin typeface="Consolas" panose="020B0609020204030204" pitchFamily="49" charset="0"/>
-                        </a:rPr>
-                        <a:t>public</a:t>
-                      </a:r>
-                      <a:r>
-                        <a:rPr lang="en-US" sz="1600" dirty="0">
-                          <a:solidFill>
-                            <a:srgbClr val="000000"/>
-                          </a:solidFill>
-                          <a:latin typeface="Consolas" panose="020B0609020204030204" pitchFamily="49" charset="0"/>
-                        </a:rPr>
-                        <a:t> </a:t>
-                      </a:r>
-                      <a:r>
-                        <a:rPr lang="en-US" sz="1600" dirty="0">
-                          <a:solidFill>
-                            <a:srgbClr val="0000FF"/>
-                          </a:solidFill>
-                          <a:latin typeface="Consolas" panose="020B0609020204030204" pitchFamily="49" charset="0"/>
-                        </a:rPr>
-                        <a:t>void</a:t>
-                      </a:r>
-                      <a:r>
-                        <a:rPr lang="en-US" sz="1600" dirty="0">
-                          <a:solidFill>
-                            <a:srgbClr val="000000"/>
-                          </a:solidFill>
-                          <a:latin typeface="Consolas" panose="020B0609020204030204" pitchFamily="49" charset="0"/>
-                        </a:rPr>
-                        <a:t> </a:t>
-                      </a:r>
-                      <a:r>
-                        <a:rPr lang="en-US" sz="1600" dirty="0" err="1">
-                          <a:solidFill>
-                            <a:srgbClr val="000000"/>
-                          </a:solidFill>
-                          <a:latin typeface="Consolas" panose="020B0609020204030204" pitchFamily="49" charset="0"/>
-                        </a:rPr>
-                        <a:t>ConfigureServices</a:t>
-                      </a:r>
-                      <a:r>
-                        <a:rPr lang="en-US" sz="1600" dirty="0">
-                          <a:solidFill>
-                            <a:srgbClr val="000000"/>
-                          </a:solidFill>
-                          <a:latin typeface="Consolas" panose="020B0609020204030204" pitchFamily="49" charset="0"/>
-                        </a:rPr>
-                        <a:t>(</a:t>
-                      </a:r>
-                      <a:r>
-                        <a:rPr lang="en-US" sz="1600" dirty="0" err="1">
-                          <a:solidFill>
-                            <a:srgbClr val="000000"/>
-                          </a:solidFill>
-                          <a:latin typeface="Consolas" panose="020B0609020204030204" pitchFamily="49" charset="0"/>
-                        </a:rPr>
-                        <a:t>IServiceCollection</a:t>
-                      </a:r>
-                      <a:r>
-                        <a:rPr lang="en-US" sz="1600" dirty="0">
-                          <a:solidFill>
-                            <a:srgbClr val="000000"/>
-                          </a:solidFill>
-                          <a:latin typeface="Consolas" panose="020B0609020204030204" pitchFamily="49" charset="0"/>
-                        </a:rPr>
-                        <a:t> services)</a:t>
-                      </a:r>
-                    </a:p>
-                    <a:p>
-                      <a:r>
-                        <a:rPr lang="en-US" sz="1600" dirty="0">
-                          <a:solidFill>
-                            <a:srgbClr val="000000"/>
-                          </a:solidFill>
-                          <a:latin typeface="Consolas" panose="020B0609020204030204" pitchFamily="49" charset="0"/>
-                        </a:rPr>
-                        <a:t>    {</a:t>
-                      </a:r>
-                    </a:p>
-                    <a:p>
-                      <a:r>
-                        <a:rPr lang="en-US" sz="1600" dirty="0">
-                          <a:solidFill>
-                            <a:srgbClr val="000000"/>
-                          </a:solidFill>
-                          <a:latin typeface="Consolas" panose="020B0609020204030204" pitchFamily="49" charset="0"/>
-                        </a:rPr>
-                        <a:t>        </a:t>
-                      </a:r>
-                      <a:r>
-                        <a:rPr lang="en-US" sz="1600" dirty="0">
-                          <a:solidFill>
-                            <a:srgbClr val="0000FF"/>
-                          </a:solidFill>
-                          <a:latin typeface="Consolas" panose="020B0609020204030204" pitchFamily="49" charset="0"/>
-                        </a:rPr>
-                        <a:t>var</a:t>
-                      </a:r>
-                      <a:r>
-                        <a:rPr lang="en-US" sz="1600" dirty="0">
-                          <a:solidFill>
-                            <a:srgbClr val="000000"/>
-                          </a:solidFill>
-                          <a:latin typeface="Consolas" panose="020B0609020204030204" pitchFamily="49" charset="0"/>
-                        </a:rPr>
-                        <a:t> builder = </a:t>
-                      </a:r>
-                      <a:r>
-                        <a:rPr lang="en-US" sz="1600" dirty="0">
-                          <a:solidFill>
-                            <a:srgbClr val="0000FF"/>
-                          </a:solidFill>
-                          <a:latin typeface="Consolas" panose="020B0609020204030204" pitchFamily="49" charset="0"/>
-                        </a:rPr>
-                        <a:t>new</a:t>
-                      </a:r>
-                      <a:r>
-                        <a:rPr lang="en-US" sz="1600" dirty="0">
-                          <a:solidFill>
-                            <a:srgbClr val="000000"/>
-                          </a:solidFill>
-                          <a:latin typeface="Consolas" panose="020B0609020204030204" pitchFamily="49" charset="0"/>
-                        </a:rPr>
-                        <a:t> </a:t>
-                      </a:r>
-                      <a:r>
-                        <a:rPr lang="en-US" sz="1600" dirty="0" err="1">
-                          <a:solidFill>
-                            <a:srgbClr val="000000"/>
-                          </a:solidFill>
-                          <a:latin typeface="Consolas" panose="020B0609020204030204" pitchFamily="49" charset="0"/>
-                        </a:rPr>
-                        <a:t>SqlConnectionStringBuilder</a:t>
-                      </a:r>
-                      <a:r>
-                        <a:rPr lang="en-US" sz="1600" dirty="0">
-                          <a:solidFill>
-                            <a:srgbClr val="000000"/>
-                          </a:solidFill>
-                          <a:latin typeface="Consolas" panose="020B0609020204030204" pitchFamily="49" charset="0"/>
-                        </a:rPr>
-                        <a:t>(</a:t>
-                      </a:r>
-                    </a:p>
-                    <a:p>
-                      <a:r>
-                        <a:rPr lang="en-US" sz="1600" dirty="0">
-                          <a:solidFill>
-                            <a:srgbClr val="000000"/>
-                          </a:solidFill>
-                          <a:latin typeface="Consolas" panose="020B0609020204030204" pitchFamily="49" charset="0"/>
-                        </a:rPr>
-                        <a:t>            </a:t>
-                      </a:r>
-                      <a:r>
-                        <a:rPr lang="en-US" sz="1600" dirty="0" err="1">
-                          <a:solidFill>
-                            <a:srgbClr val="000000"/>
-                          </a:solidFill>
-                          <a:latin typeface="Consolas" panose="020B0609020204030204" pitchFamily="49" charset="0"/>
-                        </a:rPr>
-                        <a:t>Configuration.GetConnectionString</a:t>
-                      </a:r>
-                      <a:r>
-                        <a:rPr lang="en-US" sz="1600" dirty="0">
-                          <a:solidFill>
-                            <a:srgbClr val="000000"/>
-                          </a:solidFill>
-                          <a:latin typeface="Consolas" panose="020B0609020204030204" pitchFamily="49" charset="0"/>
-                        </a:rPr>
-                        <a:t>(</a:t>
-                      </a:r>
-                      <a:r>
-                        <a:rPr lang="en-US" sz="1600" dirty="0">
-                          <a:solidFill>
-                            <a:srgbClr val="A31515"/>
-                          </a:solidFill>
-                          <a:latin typeface="Consolas" panose="020B0609020204030204" pitchFamily="49" charset="0"/>
-                        </a:rPr>
-                        <a:t>"Movies"</a:t>
-                      </a:r>
-                      <a:r>
-                        <a:rPr lang="en-US" sz="1600" dirty="0">
-                          <a:solidFill>
-                            <a:srgbClr val="000000"/>
-                          </a:solidFill>
-                          <a:latin typeface="Consolas" panose="020B0609020204030204" pitchFamily="49" charset="0"/>
-                        </a:rPr>
-                        <a:t>));</a:t>
-                      </a:r>
-                    </a:p>
-                    <a:p>
-                      <a:r>
-                        <a:rPr lang="en-US" sz="1600" dirty="0">
-                          <a:solidFill>
-                            <a:srgbClr val="000000"/>
-                          </a:solidFill>
-                          <a:latin typeface="Consolas" panose="020B0609020204030204" pitchFamily="49" charset="0"/>
-                        </a:rPr>
-                        <a:t>        </a:t>
-                      </a:r>
-                      <a:r>
-                        <a:rPr lang="en-US" sz="1600" dirty="0" err="1">
-                          <a:solidFill>
-                            <a:srgbClr val="000000"/>
-                          </a:solidFill>
-                          <a:latin typeface="Consolas" panose="020B0609020204030204" pitchFamily="49" charset="0"/>
-                        </a:rPr>
-                        <a:t>builder.UserID</a:t>
-                      </a:r>
-                      <a:r>
-                        <a:rPr lang="en-US" sz="1600" dirty="0">
-                          <a:solidFill>
-                            <a:srgbClr val="000000"/>
-                          </a:solidFill>
-                          <a:latin typeface="Consolas" panose="020B0609020204030204" pitchFamily="49" charset="0"/>
-                        </a:rPr>
-                        <a:t> = Configuration[</a:t>
-                      </a:r>
-                      <a:r>
-                        <a:rPr lang="en-US" sz="1600" dirty="0">
-                          <a:solidFill>
-                            <a:srgbClr val="A31515"/>
-                          </a:solidFill>
-                          <a:latin typeface="Consolas" panose="020B0609020204030204" pitchFamily="49" charset="0"/>
-                        </a:rPr>
-                        <a:t>"</a:t>
-                      </a:r>
-                      <a:r>
-                        <a:rPr lang="en-US" sz="1600" dirty="0" err="1">
-                          <a:solidFill>
-                            <a:srgbClr val="A31515"/>
-                          </a:solidFill>
-                          <a:latin typeface="Consolas" panose="020B0609020204030204" pitchFamily="49" charset="0"/>
-                        </a:rPr>
-                        <a:t>Movies:User</a:t>
-                      </a:r>
-                      <a:r>
-                        <a:rPr lang="en-US" sz="1600" dirty="0">
-                          <a:solidFill>
-                            <a:srgbClr val="A31515"/>
-                          </a:solidFill>
-                          <a:latin typeface="Consolas" panose="020B0609020204030204" pitchFamily="49" charset="0"/>
-                        </a:rPr>
-                        <a:t>"</a:t>
-                      </a:r>
-                      <a:r>
-                        <a:rPr lang="en-US" sz="1600" dirty="0">
-                          <a:solidFill>
-                            <a:srgbClr val="000000"/>
-                          </a:solidFill>
-                          <a:latin typeface="Consolas" panose="020B0609020204030204" pitchFamily="49" charset="0"/>
-                        </a:rPr>
-                        <a:t>];</a:t>
-                      </a:r>
-                    </a:p>
-                    <a:p>
-                      <a:r>
-                        <a:rPr lang="en-US" sz="1600" dirty="0">
-                          <a:solidFill>
-                            <a:srgbClr val="000000"/>
-                          </a:solidFill>
-                          <a:latin typeface="Consolas" panose="020B0609020204030204" pitchFamily="49" charset="0"/>
-                        </a:rPr>
-                        <a:t>        </a:t>
-                      </a:r>
-                      <a:r>
-                        <a:rPr lang="en-US" sz="1600" dirty="0" err="1">
-                          <a:solidFill>
-                            <a:srgbClr val="000000"/>
-                          </a:solidFill>
-                          <a:latin typeface="Consolas" panose="020B0609020204030204" pitchFamily="49" charset="0"/>
-                        </a:rPr>
-                        <a:t>builder.Password</a:t>
-                      </a:r>
-                      <a:r>
-                        <a:rPr lang="en-US" sz="1600" dirty="0">
-                          <a:solidFill>
-                            <a:srgbClr val="000000"/>
-                          </a:solidFill>
-                          <a:latin typeface="Consolas" panose="020B0609020204030204" pitchFamily="49" charset="0"/>
-                        </a:rPr>
-                        <a:t> = Configuration[</a:t>
-                      </a:r>
-                      <a:r>
-                        <a:rPr lang="en-US" sz="1600" dirty="0">
-                          <a:solidFill>
-                            <a:srgbClr val="A31515"/>
-                          </a:solidFill>
-                          <a:latin typeface="Consolas" panose="020B0609020204030204" pitchFamily="49" charset="0"/>
-                        </a:rPr>
-                        <a:t>"</a:t>
-                      </a:r>
-                      <a:r>
-                        <a:rPr lang="en-US" sz="1600" dirty="0" err="1">
-                          <a:solidFill>
-                            <a:srgbClr val="A31515"/>
-                          </a:solidFill>
-                          <a:latin typeface="Consolas" panose="020B0609020204030204" pitchFamily="49" charset="0"/>
-                        </a:rPr>
-                        <a:t>Movies:Password</a:t>
-                      </a:r>
-                      <a:r>
-                        <a:rPr lang="en-US" sz="1600" dirty="0">
-                          <a:solidFill>
-                            <a:srgbClr val="A31515"/>
-                          </a:solidFill>
-                          <a:latin typeface="Consolas" panose="020B0609020204030204" pitchFamily="49" charset="0"/>
-                        </a:rPr>
-                        <a:t>"</a:t>
-                      </a:r>
-                      <a:r>
-                        <a:rPr lang="en-US" sz="1600" dirty="0">
-                          <a:solidFill>
-                            <a:srgbClr val="000000"/>
-                          </a:solidFill>
-                          <a:latin typeface="Consolas" panose="020B0609020204030204" pitchFamily="49" charset="0"/>
-                        </a:rPr>
-                        <a:t>];</a:t>
-                      </a:r>
-                    </a:p>
-                    <a:p>
-                      <a:r>
-                        <a:rPr lang="en-US" sz="1600" dirty="0">
-                          <a:solidFill>
-                            <a:srgbClr val="000000"/>
-                          </a:solidFill>
-                          <a:latin typeface="Consolas" panose="020B0609020204030204" pitchFamily="49" charset="0"/>
-                        </a:rPr>
-                        <a:t>        _connection = </a:t>
-                      </a:r>
-                      <a:r>
-                        <a:rPr lang="en-US" sz="1600" dirty="0" err="1">
-                          <a:solidFill>
-                            <a:srgbClr val="000000"/>
-                          </a:solidFill>
-                          <a:latin typeface="Consolas" panose="020B0609020204030204" pitchFamily="49" charset="0"/>
-                        </a:rPr>
-                        <a:t>builder.ConnectionString</a:t>
-                      </a:r>
-                      <a:r>
-                        <a:rPr lang="en-US" sz="1600" dirty="0">
-                          <a:solidFill>
-                            <a:srgbClr val="000000"/>
-                          </a:solidFill>
-                          <a:latin typeface="Consolas" panose="020B0609020204030204" pitchFamily="49" charset="0"/>
-                        </a:rPr>
-                        <a:t>;</a:t>
-                      </a:r>
-                    </a:p>
-                  </a:txBody>
-                  <a:tcPr>
-                    <a:lnL w="12700" cap="flat" cmpd="sng" algn="ctr">
-                      <a:solidFill>
-                        <a:sysClr val="window" lastClr="FFFFFF"/>
-                      </a:solidFill>
-                      <a:prstDash val="solid"/>
-                      <a:round/>
-                      <a:headEnd type="none" w="med" len="med"/>
-                      <a:tailEnd type="none" w="med" len="med"/>
-                    </a:lnL>
-                    <a:lnR w="12700" cap="flat" cmpd="sng" algn="ctr">
-                      <a:solidFill>
-                        <a:sysClr val="window" lastClr="FFFFFF"/>
-                      </a:solidFill>
-                      <a:prstDash val="solid"/>
-                      <a:round/>
-                      <a:headEnd type="none" w="med" len="med"/>
-                      <a:tailEnd type="none" w="med" len="med"/>
-                    </a:lnR>
-                    <a:lnT w="12700" cap="flat" cmpd="sng" algn="ctr">
-                      <a:solidFill>
-                        <a:sysClr val="window" lastClr="FFFFFF"/>
-                      </a:solidFill>
-                      <a:prstDash val="solid"/>
-                      <a:round/>
-                      <a:headEnd type="none" w="med" len="med"/>
-                      <a:tailEnd type="none" w="med" len="med"/>
-                    </a:lnT>
-                    <a:lnB w="12700" cap="flat" cmpd="sng" algn="ctr">
-                      <a:solidFill>
-                        <a:sysClr val="window" lastClr="FFFFFF"/>
-                      </a:solidFill>
-                      <a:prstDash val="solid"/>
-                      <a:round/>
-                      <a:headEnd type="none" w="med" len="med"/>
-                      <a:tailEnd type="none" w="med" len="med"/>
-                    </a:lnB>
-                    <a:lnTlToBr w="12700" cmpd="sng">
-                      <a:noFill/>
-                      <a:prstDash val="solid"/>
-                    </a:lnTlToBr>
-                    <a:lnBlToTr w="12700" cmpd="sng">
-                      <a:noFill/>
-                      <a:prstDash val="solid"/>
-                    </a:lnBlToTr>
-                    <a:solidFill>
-                      <a:sysClr val="window" lastClr="FFFFFF"/>
-                    </a:solidFill>
-                  </a:tcPr>
-                </a:tc>
-                <a:extLst>
-                  <a:ext uri="{0D108BD9-81ED-4DB2-BD59-A6C34878D82A}">
-                    <a16:rowId xmlns:a16="http://schemas.microsoft.com/office/drawing/2014/main" val="3473222697"/>
-                  </a:ext>
-                </a:extLst>
-              </a:tr>
-              <a:tr h="319132">
-                <a:tc>
-                  <a:txBody>
-                    <a:bodyPr/>
-                    <a:lstStyle/>
-                    <a:p>
-                      <a:endParaRPr lang="en-US" sz="1600" dirty="0">
-                        <a:solidFill>
-                          <a:srgbClr val="000000"/>
-                        </a:solidFill>
-                        <a:latin typeface="Consolas" panose="020B0609020204030204" pitchFamily="49" charset="0"/>
-                      </a:endParaRPr>
-                    </a:p>
-                  </a:txBody>
-                  <a:tcPr>
-                    <a:lnL w="12700" cap="flat" cmpd="sng" algn="ctr">
-                      <a:solidFill>
-                        <a:sysClr val="window" lastClr="FFFFFF"/>
-                      </a:solidFill>
-                      <a:prstDash val="solid"/>
-                      <a:round/>
-                      <a:headEnd type="none" w="med" len="med"/>
-                      <a:tailEnd type="none" w="med" len="med"/>
-                    </a:lnL>
-                    <a:lnR w="12700" cap="flat" cmpd="sng" algn="ctr">
-                      <a:solidFill>
-                        <a:sysClr val="window" lastClr="FFFFFF"/>
-                      </a:solidFill>
-                      <a:prstDash val="solid"/>
-                      <a:round/>
-                      <a:headEnd type="none" w="med" len="med"/>
-                      <a:tailEnd type="none" w="med" len="med"/>
-                    </a:lnR>
-                    <a:lnT w="12700" cap="flat" cmpd="sng" algn="ctr">
-                      <a:solidFill>
-                        <a:sysClr val="window" lastClr="FFFFFF"/>
-                      </a:solidFill>
-                      <a:prstDash val="solid"/>
-                      <a:round/>
-                      <a:headEnd type="none" w="med" len="med"/>
-                      <a:tailEnd type="none" w="med" len="med"/>
-                    </a:lnT>
-                    <a:lnB w="12700" cap="flat" cmpd="sng" algn="ctr">
-                      <a:solidFill>
-                        <a:sysClr val="window" lastClr="FFFFFF"/>
-                      </a:solidFill>
-                      <a:prstDash val="solid"/>
-                      <a:round/>
-                      <a:headEnd type="none" w="med" len="med"/>
-                      <a:tailEnd type="none" w="med" len="med"/>
-                    </a:lnB>
-                    <a:lnTlToBr w="12700" cmpd="sng">
-                      <a:noFill/>
-                      <a:prstDash val="solid"/>
-                    </a:lnTlToBr>
-                    <a:lnBlToTr w="12700" cmpd="sng">
-                      <a:noFill/>
-                      <a:prstDash val="solid"/>
-                    </a:lnBlToTr>
-                    <a:solidFill>
-                      <a:sysClr val="window" lastClr="FFFFFF"/>
-                    </a:solidFill>
-                  </a:tcPr>
-                </a:tc>
-                <a:extLst>
-                  <a:ext uri="{0D108BD9-81ED-4DB2-BD59-A6C34878D82A}">
-                    <a16:rowId xmlns:a16="http://schemas.microsoft.com/office/drawing/2014/main" val="97062865"/>
-                  </a:ext>
-                </a:extLst>
-              </a:tr>
-            </a:tbl>
-          </a:graphicData>
-        </a:graphic>
-      </p:graphicFrame>
-      <p:sp>
-        <p:nvSpPr>
-          <p:cNvPr id="5" name="Rectangle 4">
-            <a:extLst>
-              <a:ext uri="{FF2B5EF4-FFF2-40B4-BE49-F238E27FC236}">
-                <a16:creationId xmlns:a16="http://schemas.microsoft.com/office/drawing/2014/main" id="{968B1320-9F80-48D4-8F49-987C2A75ECD9}"/>
-              </a:ext>
-            </a:extLst>
-          </p:cNvPr>
-          <p:cNvSpPr/>
-          <p:nvPr/>
-        </p:nvSpPr>
-        <p:spPr>
-          <a:xfrm>
-            <a:off x="838200" y="1474306"/>
-            <a:ext cx="1978891" cy="446567"/>
-          </a:xfrm>
-          <a:prstGeom prst="rect">
-            <a:avLst/>
-          </a:prstGeom>
-          <a:gradFill rotWithShape="1">
-            <a:gsLst>
-              <a:gs pos="0">
-                <a:srgbClr val="5B9BD5">
-                  <a:lumMod val="110000"/>
-                  <a:satMod val="105000"/>
-                  <a:tint val="67000"/>
-                </a:srgbClr>
-              </a:gs>
-              <a:gs pos="50000">
-                <a:srgbClr val="5B9BD5">
-                  <a:lumMod val="105000"/>
-                  <a:satMod val="103000"/>
-                  <a:tint val="73000"/>
-                </a:srgbClr>
-              </a:gs>
-              <a:gs pos="100000">
-                <a:srgbClr val="5B9BD5">
-                  <a:lumMod val="105000"/>
-                  <a:satMod val="109000"/>
-                  <a:tint val="81000"/>
-                </a:srgbClr>
-              </a:gs>
-            </a:gsLst>
-            <a:lin ang="5400000" scaled="0"/>
-          </a:gradFill>
-          <a:ln w="6350" cap="flat" cmpd="sng" algn="ctr">
-            <a:solidFill>
-              <a:srgbClr val="5B9BD5"/>
-            </a:solidFill>
-            <a:prstDash val="solid"/>
-            <a:miter lim="800000"/>
-          </a:ln>
-          <a:effectLst/>
-        </p:spPr>
-        <p:txBody>
-          <a:bodyPr rtlCol="0" anchor="ctr"/>
-          <a:lstStyle/>
-          <a:p>
-            <a:pPr marL="0" marR="0" lvl="0" indent="0" algn="ctr" defTabSz="914400" eaLnBrk="1" fontAlgn="auto" latinLnBrk="0" hangingPunct="1">
-              <a:lnSpc>
-                <a:spcPct val="100000"/>
-              </a:lnSpc>
-              <a:spcBef>
-                <a:spcPts val="0"/>
-              </a:spcBef>
-              <a:spcAft>
-                <a:spcPts val="0"/>
-              </a:spcAft>
-              <a:buClrTx/>
-              <a:buSzTx/>
-              <a:buFontTx/>
-              <a:buNone/>
-              <a:tabLst/>
-              <a:defRPr/>
-            </a:pPr>
-            <a:r>
-              <a:rPr lang="en-US" b="1" kern="0" dirty="0" err="1">
-                <a:solidFill>
-                  <a:prstClr val="black"/>
-                </a:solidFill>
-                <a:latin typeface="Segoe UI Light"/>
-              </a:rPr>
-              <a:t>Startup.cs</a:t>
-            </a:r>
-            <a:endParaRPr kumimoji="0" lang="en-US" sz="1800" b="1" i="0" u="none" strike="noStrike" kern="0" cap="none" spc="0" normalizeH="0" baseline="0" noProof="0" dirty="0">
-              <a:ln>
-                <a:noFill/>
-              </a:ln>
-              <a:solidFill>
-                <a:prstClr val="black"/>
-              </a:solidFill>
-              <a:effectLst/>
-              <a:uLnTx/>
-              <a:uFillTx/>
-              <a:latin typeface="Segoe UI Light"/>
-              <a:ea typeface="+mn-ea"/>
-              <a:cs typeface="+mn-cs"/>
-            </a:endParaRPr>
-          </a:p>
-        </p:txBody>
-      </p:sp>
-      <p:sp>
-        <p:nvSpPr>
-          <p:cNvPr id="6" name="Content Placeholder 5">
-            <a:extLst>
-              <a:ext uri="{FF2B5EF4-FFF2-40B4-BE49-F238E27FC236}">
-                <a16:creationId xmlns:a16="http://schemas.microsoft.com/office/drawing/2014/main" id="{E5A9F2D8-89AD-4C13-B6B2-AF06F5805B64}"/>
-              </a:ext>
-            </a:extLst>
-          </p:cNvPr>
-          <p:cNvSpPr>
-            <a:spLocks noGrp="1"/>
-          </p:cNvSpPr>
-          <p:nvPr>
-            <p:ph idx="1"/>
-          </p:nvPr>
-        </p:nvSpPr>
-        <p:spPr>
-          <a:xfrm>
-            <a:off x="1745673" y="5135418"/>
-            <a:ext cx="5902036" cy="517238"/>
-          </a:xfrm>
-          <a:prstGeom prst="rect">
-            <a:avLst/>
-          </a:prstGeom>
-          <a:noFill/>
-          <a:ln w="38100">
-            <a:solidFill>
-              <a:schemeClr val="accent1"/>
-            </a:solidFill>
-          </a:ln>
-        </p:spPr>
-        <p:style>
-          <a:lnRef idx="2">
-            <a:schemeClr val="accent1">
-              <a:shade val="50000"/>
-            </a:schemeClr>
-          </a:lnRef>
-          <a:fillRef idx="1">
-            <a:schemeClr val="accent1"/>
-          </a:fillRef>
-          <a:effectRef idx="0">
-            <a:schemeClr val="accent1"/>
-          </a:effectRef>
-          <a:fontRef idx="minor">
-            <a:schemeClr val="lt1"/>
-          </a:fontRef>
-        </p:style>
-        <p:txBody>
-          <a:bodyPr rtlCol="0" anchor="ctr"/>
-          <a:lstStyle/>
-          <a:p>
-            <a:endParaRPr lang="en-US" dirty="0"/>
-          </a:p>
-        </p:txBody>
-      </p:sp>
-    </p:spTree>
-    <p:extLst>
-      <p:ext uri="{BB962C8B-B14F-4D97-AF65-F5344CB8AC3E}">
-        <p14:creationId xmlns:p14="http://schemas.microsoft.com/office/powerpoint/2010/main" val="972511945"/>
-      </p:ext>
-    </p:extLst>
-  </p:cSld>
-  <p:clrMapOvr>
-    <a:masterClrMapping/>
-  </p:clrMapOvr>
-  <p:timing>
-    <p:tnLst>
-      <p:par>
-        <p:cTn id="1" dur="indefinite" restart="never" nodeType="tmRoot">
-          <p:childTnLst>
-            <p:seq concurrent="1" nextAc="seek">
-              <p:cTn id="2" dur="indefinite" nodeType="mainSeq">
-                <p:childTnLst>
-                  <p:par>
-                    <p:cTn id="3" fill="hold">
-                      <p:stCondLst>
-                        <p:cond delay="indefinite"/>
-                        <p:cond evt="onBegin" delay="0">
-                          <p:tn val="2"/>
-                        </p:cond>
-                      </p:stCondLst>
-                      <p:childTnLst>
-                        <p:par>
-                          <p:cTn id="4" fill="hold">
-                            <p:stCondLst>
-                              <p:cond delay="0"/>
-                            </p:stCondLst>
-                            <p:childTnLst>
-                              <p:par>
-                                <p:cTn id="5" presetID="10" presetClass="entr" presetSubtype="0" fill="hold" grpId="0" nodeType="withEffect">
-                                  <p:stCondLst>
-                                    <p:cond delay="0"/>
-                                  </p:stCondLst>
-                                  <p:childTnLst>
-                                    <p:set>
-                                      <p:cBhvr>
-                                        <p:cTn id="6" dur="1" fill="hold">
-                                          <p:stCondLst>
-                                            <p:cond delay="0"/>
-                                          </p:stCondLst>
-                                        </p:cTn>
-                                        <p:tgtEl>
-                                          <p:spTgt spid="5"/>
-                                        </p:tgtEl>
-                                        <p:attrNameLst>
-                                          <p:attrName>style.visibility</p:attrName>
-                                        </p:attrNameLst>
-                                      </p:cBhvr>
-                                      <p:to>
-                                        <p:strVal val="visible"/>
-                                      </p:to>
-                                    </p:set>
-                                    <p:animEffect transition="in" filter="fade">
-                                      <p:cBhvr>
-                                        <p:cTn id="7" dur="500"/>
-                                        <p:tgtEl>
-                                          <p:spTgt spid="5"/>
-                                        </p:tgtEl>
-                                      </p:cBhvr>
-                                    </p:animEffect>
-                                  </p:childTnLst>
-                                </p:cTn>
-                              </p:par>
-                              <p:par>
-                                <p:cTn id="8" presetID="10" presetClass="entr" presetSubtype="0" fill="hold" nodeType="withEffect">
-                                  <p:stCondLst>
-                                    <p:cond delay="0"/>
-                                  </p:stCondLst>
-                                  <p:childTnLst>
-                                    <p:set>
-                                      <p:cBhvr>
-                                        <p:cTn id="9" dur="1" fill="hold">
-                                          <p:stCondLst>
-                                            <p:cond delay="0"/>
-                                          </p:stCondLst>
-                                        </p:cTn>
-                                        <p:tgtEl>
-                                          <p:spTgt spid="4"/>
-                                        </p:tgtEl>
-                                        <p:attrNameLst>
-                                          <p:attrName>style.visibility</p:attrName>
-                                        </p:attrNameLst>
-                                      </p:cBhvr>
-                                      <p:to>
-                                        <p:strVal val="visible"/>
-                                      </p:to>
-                                    </p:set>
-                                    <p:animEffect transition="in" filter="fade">
-                                      <p:cBhvr>
-                                        <p:cTn id="10" dur="500"/>
-                                        <p:tgtEl>
-                                          <p:spTgt spid="4"/>
-                                        </p:tgtEl>
-                                      </p:cBhvr>
-                                    </p:animEffect>
-                                  </p:childTnLst>
-                                </p:cTn>
-                              </p:par>
-                              <p:par>
-                                <p:cTn id="11" presetID="10" presetClass="entr" presetSubtype="0" fill="hold" grpId="0" nodeType="withEffect">
-                                  <p:stCondLst>
-                                    <p:cond delay="0"/>
-                                  </p:stCondLst>
-                                  <p:childTnLst>
-                                    <p:set>
-                                      <p:cBhvr>
-                                        <p:cTn id="12" dur="1" fill="hold">
-                                          <p:stCondLst>
-                                            <p:cond delay="0"/>
-                                          </p:stCondLst>
-                                        </p:cTn>
-                                        <p:tgtEl>
-                                          <p:spTgt spid="6"/>
-                                        </p:tgtEl>
-                                        <p:attrNameLst>
-                                          <p:attrName>style.visibility</p:attrName>
-                                        </p:attrNameLst>
-                                      </p:cBhvr>
-                                      <p:to>
-                                        <p:strVal val="visible"/>
-                                      </p:to>
-                                    </p:set>
-                                    <p:animEffect transition="in" filter="fade">
-                                      <p:cBhvr>
-                                        <p:cTn id="13" dur="500"/>
-                                        <p:tgtEl>
-                                          <p:spTgt spid="6"/>
-                                        </p:tgtEl>
-                                      </p:cBhvr>
-                                    </p:animEffect>
-                                  </p:childTnLst>
-                                </p:cTn>
-                              </p:par>
-                            </p:childTnLst>
-                          </p:cTn>
-                        </p:par>
-                      </p:childTnLst>
-                    </p:cTn>
-                  </p:par>
-                </p:childTnLst>
-              </p:cTn>
-              <p:prevCondLst>
-                <p:cond evt="onPrev" delay="0">
-                  <p:tgtEl>
-                    <p:sldTgt/>
-                  </p:tgtEl>
-                </p:cond>
-              </p:prevCondLst>
-              <p:nextCondLst>
-                <p:cond evt="onNext" delay="0">
-                  <p:tgtEl>
-                    <p:sldTgt/>
-                  </p:tgtEl>
-                </p:cond>
-              </p:nextCondLst>
-            </p:seq>
-          </p:childTnLst>
-        </p:cTn>
-      </p:par>
-    </p:tnLst>
-    <p:bldLst>
-      <p:bldP spid="5" grpId="0" animBg="1"/>
-      <p:bldP spid="6" grpId="0" animBg="1"/>
     </p:bldLst>
   </p:timing>
 </p:sld>

--- a/Protecting App Secrets.pptx
+++ b/Protecting App Secrets.pptx
@@ -6,7 +6,7 @@
     <p:sldMasterId id="2147483660" r:id="rId2"/>
   </p:sldMasterIdLst>
   <p:notesMasterIdLst>
-    <p:notesMasterId r:id="rId22"/>
+    <p:notesMasterId r:id="rId23"/>
   </p:notesMasterIdLst>
   <p:sldIdLst>
     <p:sldId id="256" r:id="rId3"/>
@@ -19,15 +19,16 @@
     <p:sldId id="337" r:id="rId10"/>
     <p:sldId id="332" r:id="rId11"/>
     <p:sldId id="333" r:id="rId12"/>
-    <p:sldId id="338" r:id="rId13"/>
-    <p:sldId id="335" r:id="rId14"/>
-    <p:sldId id="336" r:id="rId15"/>
-    <p:sldId id="339" r:id="rId16"/>
-    <p:sldId id="340" r:id="rId17"/>
-    <p:sldId id="341" r:id="rId18"/>
-    <p:sldId id="331" r:id="rId19"/>
-    <p:sldId id="334" r:id="rId20"/>
-    <p:sldId id="326" r:id="rId21"/>
+    <p:sldId id="343" r:id="rId13"/>
+    <p:sldId id="338" r:id="rId14"/>
+    <p:sldId id="335" r:id="rId15"/>
+    <p:sldId id="336" r:id="rId16"/>
+    <p:sldId id="339" r:id="rId17"/>
+    <p:sldId id="340" r:id="rId18"/>
+    <p:sldId id="341" r:id="rId19"/>
+    <p:sldId id="331" r:id="rId20"/>
+    <p:sldId id="334" r:id="rId21"/>
+    <p:sldId id="326" r:id="rId22"/>
   </p:sldIdLst>
   <p:sldSz cx="12192000" cy="6858000"/>
   <p:notesSz cx="6858000" cy="9144000"/>
@@ -622,35 +623,7 @@
           <a:bodyPr/>
           <a:lstStyle/>
           <a:p>
-            <a:r>
-              <a:rPr lang="en-US" dirty="0"/>
-              <a:t>- Azure Cloud Shell </a:t>
-            </a:r>
-            <a:r>
-              <a:rPr lang="en-US" dirty="0">
-                <a:sym typeface="Wingdings" panose="05000000000000000000" pitchFamily="2" charset="2"/>
-              </a:rPr>
-              <a:t> the best CLI is the one you don’t have </a:t>
-            </a:r>
-            <a:r>
-              <a:rPr lang="en-US">
-                <a:sym typeface="Wingdings" panose="05000000000000000000" pitchFamily="2" charset="2"/>
-              </a:rPr>
-              <a:t>to install</a:t>
-            </a:r>
-            <a:endParaRPr lang="en-US"/>
-          </a:p>
-          <a:p>
-            <a:r>
-              <a:rPr lang="en-US" dirty="0"/>
-              <a:t>- VS 15.7 introduces Connected Services node Key Vault creation</a:t>
-            </a:r>
-          </a:p>
-          <a:p>
-            <a:r>
-              <a:rPr lang="en-US" dirty="0"/>
-              <a:t>- Key Vault takes precedence over Secret Manager at runtime, since it’s more secure</a:t>
-            </a:r>
+            <a:endParaRPr lang="en-US" dirty="0"/>
           </a:p>
         </p:txBody>
       </p:sp>
@@ -740,7 +713,7 @@
     </p:spTree>
     <p:extLst>
       <p:ext uri="{BB962C8B-B14F-4D97-AF65-F5344CB8AC3E}">
-        <p14:creationId xmlns:p14="http://schemas.microsoft.com/office/powerpoint/2010/main" val="3438339408"/>
+        <p14:creationId xmlns:p14="http://schemas.microsoft.com/office/powerpoint/2010/main" val="2295546409"/>
       </p:ext>
     </p:extLst>
   </p:cSld>
@@ -794,7 +767,35 @@
           <a:bodyPr/>
           <a:lstStyle/>
           <a:p>
+            <a:r>
+              <a:rPr lang="en-US" dirty="0"/>
+              <a:t>- Azure Cloud Shell </a:t>
+            </a:r>
+            <a:r>
+              <a:rPr lang="en-US" dirty="0">
+                <a:sym typeface="Wingdings" panose="05000000000000000000" pitchFamily="2" charset="2"/>
+              </a:rPr>
+              <a:t> the best CLI is the one you don’t have </a:t>
+            </a:r>
+            <a:r>
+              <a:rPr lang="en-US">
+                <a:sym typeface="Wingdings" panose="05000000000000000000" pitchFamily="2" charset="2"/>
+              </a:rPr>
+              <a:t>to install</a:t>
+            </a:r>
             <a:endParaRPr lang="en-US"/>
+          </a:p>
+          <a:p>
+            <a:r>
+              <a:rPr lang="en-US" dirty="0"/>
+              <a:t>- VS 15.7 introduces Connected Services node Key Vault creation</a:t>
+            </a:r>
+          </a:p>
+          <a:p>
+            <a:r>
+              <a:rPr lang="en-US" dirty="0"/>
+              <a:t>- Key Vault takes precedence over Secret Manager at runtime, since it’s more secure</a:t>
+            </a:r>
           </a:p>
         </p:txBody>
       </p:sp>
@@ -884,7 +885,7 @@
     </p:spTree>
     <p:extLst>
       <p:ext uri="{BB962C8B-B14F-4D97-AF65-F5344CB8AC3E}">
-        <p14:creationId xmlns:p14="http://schemas.microsoft.com/office/powerpoint/2010/main" val="2284713912"/>
+        <p14:creationId xmlns:p14="http://schemas.microsoft.com/office/powerpoint/2010/main" val="3438339408"/>
       </p:ext>
     </p:extLst>
   </p:cSld>
@@ -938,11 +939,7 @@
           <a:bodyPr/>
           <a:lstStyle/>
           <a:p>
-            <a:pPr marL="0" indent="0">
-              <a:buFontTx/>
-              <a:buNone/>
-            </a:pPr>
-            <a:endParaRPr lang="en-US" dirty="0"/>
+            <a:endParaRPr lang="en-US"/>
           </a:p>
         </p:txBody>
       </p:sp>
@@ -1032,7 +1029,7 @@
     </p:spTree>
     <p:extLst>
       <p:ext uri="{BB962C8B-B14F-4D97-AF65-F5344CB8AC3E}">
-        <p14:creationId xmlns:p14="http://schemas.microsoft.com/office/powerpoint/2010/main" val="662898044"/>
+        <p14:creationId xmlns:p14="http://schemas.microsoft.com/office/powerpoint/2010/main" val="2284713912"/>
       </p:ext>
     </p:extLst>
   </p:cSld>
@@ -1086,24 +1083,11 @@
           <a:bodyPr/>
           <a:lstStyle/>
           <a:p>
-            <a:pPr marL="171450" indent="-171450">
+            <a:pPr marL="0" indent="0">
               <a:buFontTx/>
-              <a:buChar char="-"/>
+              <a:buNone/>
             </a:pPr>
-            <a:r>
-              <a:rPr lang="en-US" dirty="0"/>
-              <a:t>Download secrets from key vault with build task</a:t>
-            </a:r>
-          </a:p>
-          <a:p>
-            <a:pPr marL="628650" lvl="1" indent="-171450">
-              <a:buFontTx/>
-              <a:buChar char="-"/>
-            </a:pPr>
-            <a:r>
-              <a:rPr lang="en-US" dirty="0"/>
-              <a:t>Can use secrets as task variables in other build tasks</a:t>
-            </a:r>
+            <a:endParaRPr lang="en-US" dirty="0"/>
           </a:p>
         </p:txBody>
       </p:sp>
@@ -1193,7 +1177,7 @@
     </p:spTree>
     <p:extLst>
       <p:ext uri="{BB962C8B-B14F-4D97-AF65-F5344CB8AC3E}">
-        <p14:creationId xmlns:p14="http://schemas.microsoft.com/office/powerpoint/2010/main" val="585389256"/>
+        <p14:creationId xmlns:p14="http://schemas.microsoft.com/office/powerpoint/2010/main" val="662898044"/>
       </p:ext>
     </p:extLst>
   </p:cSld>
@@ -1247,7 +1231,24 @@
           <a:bodyPr/>
           <a:lstStyle/>
           <a:p>
-            <a:endParaRPr lang="en-US"/>
+            <a:pPr marL="171450" indent="-171450">
+              <a:buFontTx/>
+              <a:buChar char="-"/>
+            </a:pPr>
+            <a:r>
+              <a:rPr lang="en-US" dirty="0"/>
+              <a:t>Download secrets from key vault with build task</a:t>
+            </a:r>
+          </a:p>
+          <a:p>
+            <a:pPr marL="628650" lvl="1" indent="-171450">
+              <a:buFontTx/>
+              <a:buChar char="-"/>
+            </a:pPr>
+            <a:r>
+              <a:rPr lang="en-US" dirty="0"/>
+              <a:t>Can use secrets as task variables in other build tasks</a:t>
+            </a:r>
           </a:p>
         </p:txBody>
       </p:sp>
@@ -1337,7 +1338,7 @@
     </p:spTree>
     <p:extLst>
       <p:ext uri="{BB962C8B-B14F-4D97-AF65-F5344CB8AC3E}">
-        <p14:creationId xmlns:p14="http://schemas.microsoft.com/office/powerpoint/2010/main" val="2089021986"/>
+        <p14:creationId xmlns:p14="http://schemas.microsoft.com/office/powerpoint/2010/main" val="585389256"/>
       </p:ext>
     </p:extLst>
   </p:cSld>
@@ -1481,7 +1482,7 @@
     </p:spTree>
     <p:extLst>
       <p:ext uri="{BB962C8B-B14F-4D97-AF65-F5344CB8AC3E}">
-        <p14:creationId xmlns:p14="http://schemas.microsoft.com/office/powerpoint/2010/main" val="2286787676"/>
+        <p14:creationId xmlns:p14="http://schemas.microsoft.com/office/powerpoint/2010/main" val="2089021986"/>
       </p:ext>
     </p:extLst>
   </p:cSld>
@@ -1535,7 +1536,7 @@
           <a:bodyPr/>
           <a:lstStyle/>
           <a:p>
-            <a:endParaRPr lang="en-US" dirty="0"/>
+            <a:endParaRPr lang="en-US"/>
           </a:p>
         </p:txBody>
       </p:sp>
@@ -1625,7 +1626,7 @@
     </p:spTree>
     <p:extLst>
       <p:ext uri="{BB962C8B-B14F-4D97-AF65-F5344CB8AC3E}">
-        <p14:creationId xmlns:p14="http://schemas.microsoft.com/office/powerpoint/2010/main" val="2232734480"/>
+        <p14:creationId xmlns:p14="http://schemas.microsoft.com/office/powerpoint/2010/main" val="2286787676"/>
       </p:ext>
     </p:extLst>
   </p:cSld>
@@ -1769,7 +1770,7 @@
     </p:spTree>
     <p:extLst>
       <p:ext uri="{BB962C8B-B14F-4D97-AF65-F5344CB8AC3E}">
-        <p14:creationId xmlns:p14="http://schemas.microsoft.com/office/powerpoint/2010/main" val="1203295569"/>
+        <p14:creationId xmlns:p14="http://schemas.microsoft.com/office/powerpoint/2010/main" val="2232734480"/>
       </p:ext>
     </p:extLst>
   </p:cSld>
@@ -1823,7 +1824,7 @@
           <a:bodyPr/>
           <a:lstStyle/>
           <a:p>
-            <a:endParaRPr lang="en-US"/>
+            <a:endParaRPr lang="en-US" dirty="0"/>
           </a:p>
         </p:txBody>
       </p:sp>
@@ -1892,6 +1893,150 @@
                 <a:defRPr/>
               </a:pPr>
               <a:t>19</a:t>
+            </a:fld>
+            <a:endParaRPr kumimoji="0" lang="en-US" sz="1200" b="0" i="0" u="none" strike="noStrike" kern="1200" cap="none" spc="0" normalizeH="0" baseline="0" noProof="0">
+              <a:ln>
+                <a:noFill/>
+              </a:ln>
+              <a:solidFill>
+                <a:prstClr val="black"/>
+              </a:solidFill>
+              <a:effectLst/>
+              <a:uLnTx/>
+              <a:uFillTx/>
+              <a:latin typeface="Calibri" panose="020F0502020204030204"/>
+              <a:ea typeface="+mn-ea"/>
+              <a:cs typeface="+mn-cs"/>
+            </a:endParaRPr>
+          </a:p>
+        </p:txBody>
+      </p:sp>
+    </p:spTree>
+    <p:extLst>
+      <p:ext uri="{BB962C8B-B14F-4D97-AF65-F5344CB8AC3E}">
+        <p14:creationId xmlns:p14="http://schemas.microsoft.com/office/powerpoint/2010/main" val="1203295569"/>
+      </p:ext>
+    </p:extLst>
+  </p:cSld>
+  <p:clrMapOvr>
+    <a:masterClrMapping/>
+  </p:clrMapOvr>
+</p:notes>
+</file>
+
+<file path=ppt/notesSlides/notesSlide19.xml><?xml version="1.0" encoding="utf-8"?>
+<p:notes xmlns:a="http://schemas.openxmlformats.org/drawingml/2006/main" xmlns:r="http://schemas.openxmlformats.org/officeDocument/2006/relationships" xmlns:p="http://schemas.openxmlformats.org/presentationml/2006/main">
+  <p:cSld>
+    <p:spTree>
+      <p:nvGrpSpPr>
+        <p:cNvPr id="1" name=""/>
+        <p:cNvGrpSpPr/>
+        <p:nvPr/>
+      </p:nvGrpSpPr>
+      <p:grpSpPr>
+        <a:xfrm>
+          <a:off x="0" y="0"/>
+          <a:ext cx="0" cy="0"/>
+          <a:chOff x="0" y="0"/>
+          <a:chExt cx="0" cy="0"/>
+        </a:xfrm>
+      </p:grpSpPr>
+      <p:sp>
+        <p:nvSpPr>
+          <p:cNvPr id="2" name="Slide Image Placeholder 1"/>
+          <p:cNvSpPr>
+            <a:spLocks noGrp="1" noRot="1" noChangeAspect="1"/>
+          </p:cNvSpPr>
+          <p:nvPr>
+            <p:ph type="sldImg"/>
+          </p:nvPr>
+        </p:nvSpPr>
+        <p:spPr/>
+      </p:sp>
+      <p:sp>
+        <p:nvSpPr>
+          <p:cNvPr id="3" name="Notes Placeholder 2"/>
+          <p:cNvSpPr>
+            <a:spLocks noGrp="1"/>
+          </p:cNvSpPr>
+          <p:nvPr>
+            <p:ph type="body" idx="1"/>
+          </p:nvPr>
+        </p:nvSpPr>
+        <p:spPr/>
+        <p:txBody>
+          <a:bodyPr/>
+          <a:lstStyle/>
+          <a:p>
+            <a:endParaRPr lang="en-US"/>
+          </a:p>
+        </p:txBody>
+      </p:sp>
+      <p:sp>
+        <p:nvSpPr>
+          <p:cNvPr id="4" name="Slide Number Placeholder 3"/>
+          <p:cNvSpPr>
+            <a:spLocks noGrp="1"/>
+          </p:cNvSpPr>
+          <p:nvPr>
+            <p:ph type="sldNum" sz="quarter" idx="10"/>
+          </p:nvPr>
+        </p:nvSpPr>
+        <p:spPr/>
+        <p:txBody>
+          <a:bodyPr/>
+          <a:lstStyle/>
+          <a:p>
+            <a:pPr marL="0" marR="0" lvl="0" indent="0" algn="r" defTabSz="457200" rtl="0" eaLnBrk="1" fontAlgn="auto" latinLnBrk="0" hangingPunct="1">
+              <a:lnSpc>
+                <a:spcPct val="100000"/>
+              </a:lnSpc>
+              <a:spcBef>
+                <a:spcPts val="0"/>
+              </a:spcBef>
+              <a:spcAft>
+                <a:spcPts val="0"/>
+              </a:spcAft>
+              <a:buClrTx/>
+              <a:buSzTx/>
+              <a:buFontTx/>
+              <a:buNone/>
+              <a:tabLst/>
+              <a:defRPr/>
+            </a:pPr>
+            <a:fld id="{16A87904-88DE-4022-A424-ACD2E6FC1751}" type="slidenum">
+              <a:rPr kumimoji="0" lang="en-US" sz="1200" b="0" i="0" u="none" strike="noStrike" kern="1200" cap="none" spc="0" normalizeH="0" baseline="0" noProof="0" smtClean="0">
+                <a:ln>
+                  <a:noFill/>
+                </a:ln>
+                <a:solidFill>
+                  <a:prstClr val="black"/>
+                </a:solidFill>
+                <a:effectLst/>
+                <a:uLnTx/>
+                <a:uFillTx/>
+                <a:latin typeface="Calibri" panose="020F0502020204030204"/>
+                <a:ea typeface="+mn-ea"/>
+                <a:cs typeface="+mn-cs"/>
+              </a:rPr>
+              <a:pPr marL="0" marR="0" lvl="0" indent="0" algn="r" defTabSz="457200" rtl="0" eaLnBrk="1" fontAlgn="auto" latinLnBrk="0" hangingPunct="1">
+                <a:lnSpc>
+                  <a:spcPct val="100000"/>
+                </a:lnSpc>
+                <a:spcBef>
+                  <a:spcPts val="0"/>
+                </a:spcBef>
+                <a:spcAft>
+                  <a:spcPts val="0"/>
+                </a:spcAft>
+                <a:buClrTx/>
+                <a:buSzTx/>
+                <a:buFontTx/>
+                <a:buNone/>
+                <a:tabLst/>
+                <a:defRPr/>
+              </a:pPr>
+              <a:t>20</a:t>
             </a:fld>
             <a:endParaRPr kumimoji="0" lang="en-US" sz="1200" b="0" i="0" u="none" strike="noStrike" kern="1200" cap="none" spc="0" normalizeH="0" baseline="0" noProof="0">
               <a:ln>
@@ -11114,6 +11259,140 @@
 </file>
 
 <file path=ppt/slides/slide11.xml><?xml version="1.0" encoding="utf-8"?>
+<p:sld xmlns:a="http://schemas.openxmlformats.org/drawingml/2006/main" xmlns:r="http://schemas.openxmlformats.org/officeDocument/2006/relationships" xmlns:p="http://schemas.openxmlformats.org/presentationml/2006/main">
+  <p:cSld>
+    <p:bg>
+      <p:bgPr>
+        <a:solidFill>
+          <a:srgbClr val="505050"/>
+        </a:solidFill>
+        <a:effectLst/>
+      </p:bgPr>
+    </p:bg>
+    <p:spTree>
+      <p:nvGrpSpPr>
+        <p:cNvPr id="1" name=""/>
+        <p:cNvGrpSpPr/>
+        <p:nvPr/>
+      </p:nvGrpSpPr>
+      <p:grpSpPr>
+        <a:xfrm>
+          <a:off x="0" y="0"/>
+          <a:ext cx="0" cy="0"/>
+          <a:chOff x="0" y="0"/>
+          <a:chExt cx="0" cy="0"/>
+        </a:xfrm>
+      </p:grpSpPr>
+      <p:sp>
+        <p:nvSpPr>
+          <p:cNvPr id="2" name="Title 1"/>
+          <p:cNvSpPr>
+            <a:spLocks noGrp="1"/>
+          </p:cNvSpPr>
+          <p:nvPr>
+            <p:ph type="title"/>
+          </p:nvPr>
+        </p:nvSpPr>
+        <p:spPr>
+          <a:xfrm>
+            <a:off x="831850" y="1709738"/>
+            <a:ext cx="10515600" cy="2852737"/>
+          </a:xfrm>
+        </p:spPr>
+        <p:txBody>
+          <a:bodyPr/>
+          <a:lstStyle/>
+          <a:p>
+            <a:r>
+              <a:rPr lang="en-US" dirty="0"/>
+              <a:t>Demo</a:t>
+            </a:r>
+          </a:p>
+        </p:txBody>
+      </p:sp>
+      <p:sp>
+        <p:nvSpPr>
+          <p:cNvPr id="4" name="Text Placeholder 3">
+            <a:extLst>
+              <a:ext uri="{FF2B5EF4-FFF2-40B4-BE49-F238E27FC236}">
+                <a16:creationId xmlns:a16="http://schemas.microsoft.com/office/drawing/2014/main" id="{3BCC483B-E1AE-440E-BC8D-2AA2A6FD23E2}"/>
+              </a:ext>
+            </a:extLst>
+          </p:cNvPr>
+          <p:cNvSpPr>
+            <a:spLocks noGrp="1"/>
+          </p:cNvSpPr>
+          <p:nvPr>
+            <p:ph type="body" idx="1"/>
+          </p:nvPr>
+        </p:nvSpPr>
+        <p:spPr>
+          <a:xfrm>
+            <a:off x="831850" y="4589463"/>
+            <a:ext cx="10515600" cy="1500187"/>
+          </a:xfrm>
+        </p:spPr>
+        <p:txBody>
+          <a:bodyPr/>
+          <a:lstStyle/>
+          <a:p>
+            <a:r>
+              <a:rPr lang="en-US" dirty="0"/>
+              <a:t>Secret Manager</a:t>
+            </a:r>
+          </a:p>
+        </p:txBody>
+      </p:sp>
+      <p:pic>
+        <p:nvPicPr>
+          <p:cNvPr id="6" name="Picture 5" descr="A close up of a sign&#10;&#10;Description generated with very high confidence">
+            <a:extLst>
+              <a:ext uri="{FF2B5EF4-FFF2-40B4-BE49-F238E27FC236}">
+                <a16:creationId xmlns:a16="http://schemas.microsoft.com/office/drawing/2014/main" id="{02AC1B6C-66AF-40EE-9B7A-82FA201F2FB9}"/>
+              </a:ext>
+            </a:extLst>
+          </p:cNvPr>
+          <p:cNvPicPr>
+            <a:picLocks noChangeAspect="1"/>
+          </p:cNvPicPr>
+          <p:nvPr/>
+        </p:nvPicPr>
+        <p:blipFill>
+          <a:blip r:embed="rId3">
+            <a:extLst>
+              <a:ext uri="{28A0092B-C50C-407E-A947-70E740481C1C}">
+                <a14:useLocalDpi xmlns:a14="http://schemas.microsoft.com/office/drawing/2010/main" val="0"/>
+              </a:ext>
+            </a:extLst>
+          </a:blip>
+          <a:stretch>
+            <a:fillRect/>
+          </a:stretch>
+        </p:blipFill>
+        <p:spPr>
+          <a:xfrm>
+            <a:off x="3072589" y="3632287"/>
+            <a:ext cx="1515975" cy="1515975"/>
+          </a:xfrm>
+          <a:prstGeom prst="rect">
+            <a:avLst/>
+          </a:prstGeom>
+        </p:spPr>
+      </p:pic>
+    </p:spTree>
+    <p:extLst>
+      <p:ext uri="{BB962C8B-B14F-4D97-AF65-F5344CB8AC3E}">
+        <p14:creationId xmlns:p14="http://schemas.microsoft.com/office/powerpoint/2010/main" val="1475834865"/>
+      </p:ext>
+    </p:extLst>
+  </p:cSld>
+  <p:clrMapOvr>
+    <a:masterClrMapping/>
+  </p:clrMapOvr>
+</p:sld>
+</file>
+
+<file path=ppt/slides/slide12.xml><?xml version="1.0" encoding="utf-8"?>
 <p:sld xmlns:a="http://schemas.openxmlformats.org/drawingml/2006/main" xmlns:r="http://schemas.openxmlformats.org/officeDocument/2006/relationships" xmlns:p="http://schemas.openxmlformats.org/presentationml/2006/main">
   <p:cSld>
     <p:bg>
@@ -12378,7 +12657,7 @@
 </p:sld>
 </file>
 
-<file path=ppt/slides/slide12.xml><?xml version="1.0" encoding="utf-8"?>
+<file path=ppt/slides/slide13.xml><?xml version="1.0" encoding="utf-8"?>
 <p:sld xmlns:a="http://schemas.openxmlformats.org/drawingml/2006/main" xmlns:r="http://schemas.openxmlformats.org/officeDocument/2006/relationships" xmlns:p="http://schemas.openxmlformats.org/presentationml/2006/main">
   <p:cSld>
     <p:bg>
@@ -13200,7 +13479,7 @@
 </p:sld>
 </file>
 
-<file path=ppt/slides/slide13.xml><?xml version="1.0" encoding="utf-8"?>
+<file path=ppt/slides/slide14.xml><?xml version="1.0" encoding="utf-8"?>
 <p:sld xmlns:a="http://schemas.openxmlformats.org/drawingml/2006/main" xmlns:r="http://schemas.openxmlformats.org/officeDocument/2006/relationships" xmlns:p="http://schemas.openxmlformats.org/presentationml/2006/main">
   <p:cSld>
     <p:bg>
@@ -14020,7 +14299,7 @@
 </p:sld>
 </file>
 
-<file path=ppt/slides/slide14.xml><?xml version="1.0" encoding="utf-8"?>
+<file path=ppt/slides/slide15.xml><?xml version="1.0" encoding="utf-8"?>
 <p:sld xmlns:a="http://schemas.openxmlformats.org/drawingml/2006/main" xmlns:r="http://schemas.openxmlformats.org/officeDocument/2006/relationships" xmlns:p="http://schemas.openxmlformats.org/presentationml/2006/main">
   <p:cSld>
     <p:bg>
@@ -14384,7 +14663,7 @@
 </p:sld>
 </file>
 
-<file path=ppt/slides/slide15.xml><?xml version="1.0" encoding="utf-8"?>
+<file path=ppt/slides/slide16.xml><?xml version="1.0" encoding="utf-8"?>
 <p:sld xmlns:a="http://schemas.openxmlformats.org/drawingml/2006/main" xmlns:r="http://schemas.openxmlformats.org/officeDocument/2006/relationships" xmlns:p="http://schemas.openxmlformats.org/presentationml/2006/main">
   <p:cSld>
     <p:bg>
@@ -14476,7 +14755,7 @@
 </p:sld>
 </file>
 
-<file path=ppt/slides/slide16.xml><?xml version="1.0" encoding="utf-8"?>
+<file path=ppt/slides/slide17.xml><?xml version="1.0" encoding="utf-8"?>
 <p:sld xmlns:a="http://schemas.openxmlformats.org/drawingml/2006/main" xmlns:r="http://schemas.openxmlformats.org/officeDocument/2006/relationships" xmlns:p="http://schemas.openxmlformats.org/presentationml/2006/main">
   <p:cSld>
     <p:bg>
@@ -14905,7 +15184,7 @@
 </p:sld>
 </file>
 
-<file path=ppt/slides/slide17.xml><?xml version="1.0" encoding="utf-8"?>
+<file path=ppt/slides/slide18.xml><?xml version="1.0" encoding="utf-8"?>
 <p:sld xmlns:a="http://schemas.openxmlformats.org/drawingml/2006/main" xmlns:r="http://schemas.openxmlformats.org/officeDocument/2006/relationships" xmlns:p="http://schemas.openxmlformats.org/presentationml/2006/main">
   <p:cSld>
     <p:bg>
@@ -15428,7 +15707,7 @@
 </p:sld>
 </file>
 
-<file path=ppt/slides/slide18.xml><?xml version="1.0" encoding="utf-8"?>
+<file path=ppt/slides/slide19.xml><?xml version="1.0" encoding="utf-8"?>
 <p:sld xmlns:a="http://schemas.openxmlformats.org/drawingml/2006/main" xmlns:r="http://schemas.openxmlformats.org/officeDocument/2006/relationships" xmlns:p="http://schemas.openxmlformats.org/presentationml/2006/main">
   <p:cSld>
     <p:bg>
@@ -15601,272 +15880,6 @@
     <p:extLst>
       <p:ext uri="{BB962C8B-B14F-4D97-AF65-F5344CB8AC3E}">
         <p14:creationId xmlns:p14="http://schemas.microsoft.com/office/powerpoint/2010/main" val="2460411575"/>
-      </p:ext>
-    </p:extLst>
-  </p:cSld>
-  <p:clrMapOvr>
-    <a:masterClrMapping/>
-  </p:clrMapOvr>
-</p:sld>
-</file>
-
-<file path=ppt/slides/slide19.xml><?xml version="1.0" encoding="utf-8"?>
-<p:sld xmlns:a="http://schemas.openxmlformats.org/drawingml/2006/main" xmlns:r="http://schemas.openxmlformats.org/officeDocument/2006/relationships" xmlns:p="http://schemas.openxmlformats.org/presentationml/2006/main">
-  <p:cSld>
-    <p:bg>
-      <p:bgPr>
-        <a:solidFill>
-          <a:srgbClr val="505050"/>
-        </a:solidFill>
-        <a:effectLst/>
-      </p:bgPr>
-    </p:bg>
-    <p:spTree>
-      <p:nvGrpSpPr>
-        <p:cNvPr id="1" name=""/>
-        <p:cNvGrpSpPr/>
-        <p:nvPr/>
-      </p:nvGrpSpPr>
-      <p:grpSpPr>
-        <a:xfrm>
-          <a:off x="0" y="0"/>
-          <a:ext cx="0" cy="0"/>
-          <a:chOff x="0" y="0"/>
-          <a:chExt cx="0" cy="0"/>
-        </a:xfrm>
-      </p:grpSpPr>
-      <p:sp>
-        <p:nvSpPr>
-          <p:cNvPr id="2" name="Title 1"/>
-          <p:cNvSpPr>
-            <a:spLocks noGrp="1"/>
-          </p:cNvSpPr>
-          <p:nvPr>
-            <p:ph type="title"/>
-          </p:nvPr>
-        </p:nvSpPr>
-        <p:spPr/>
-        <p:txBody>
-          <a:bodyPr/>
-          <a:lstStyle/>
-          <a:p>
-            <a:r>
-              <a:rPr lang="en-US" dirty="0"/>
-              <a:t>Resources</a:t>
-            </a:r>
-          </a:p>
-        </p:txBody>
-      </p:sp>
-      <p:pic>
-        <p:nvPicPr>
-          <p:cNvPr id="4" name="Picture 3">
-            <a:extLst>
-              <a:ext uri="{FF2B5EF4-FFF2-40B4-BE49-F238E27FC236}">
-                <a16:creationId xmlns:a16="http://schemas.microsoft.com/office/drawing/2014/main" id="{C303AB34-3270-4436-AF86-1E8F97294EB6}"/>
-              </a:ext>
-            </a:extLst>
-          </p:cNvPr>
-          <p:cNvPicPr>
-            <a:picLocks noChangeAspect="1"/>
-          </p:cNvPicPr>
-          <p:nvPr/>
-        </p:nvPicPr>
-        <p:blipFill>
-          <a:blip r:embed="rId3">
-            <a:clrChange>
-              <a:clrFrom>
-                <a:srgbClr val="002050"/>
-              </a:clrFrom>
-              <a:clrTo>
-                <a:srgbClr val="002050">
-                  <a:alpha val="0"/>
-                </a:srgbClr>
-              </a:clrTo>
-            </a:clrChange>
-          </a:blip>
-          <a:stretch>
-            <a:fillRect/>
-          </a:stretch>
-        </p:blipFill>
-        <p:spPr>
-          <a:xfrm>
-            <a:off x="8325292" y="2991292"/>
-            <a:ext cx="3866707" cy="3866707"/>
-          </a:xfrm>
-          <a:prstGeom prst="rect">
-            <a:avLst/>
-          </a:prstGeom>
-        </p:spPr>
-      </p:pic>
-      <p:sp>
-        <p:nvSpPr>
-          <p:cNvPr id="3" name="Content Placeholder 2"/>
-          <p:cNvSpPr>
-            <a:spLocks noGrp="1"/>
-          </p:cNvSpPr>
-          <p:nvPr>
-            <p:ph idx="1"/>
-          </p:nvPr>
-        </p:nvSpPr>
-        <p:spPr>
-          <a:xfrm>
-            <a:off x="838199" y="1825625"/>
-            <a:ext cx="10411047" cy="4351338"/>
-          </a:xfrm>
-        </p:spPr>
-        <p:txBody>
-          <a:bodyPr>
-            <a:normAutofit fontScale="92500"/>
-          </a:bodyPr>
-          <a:lstStyle/>
-          <a:p>
-            <a:pPr marL="0" indent="0">
-              <a:buNone/>
-            </a:pPr>
-            <a:r>
-              <a:rPr lang="en-US" b="1" dirty="0"/>
-              <a:t>Docs 									</a:t>
-            </a:r>
-            <a:r>
-              <a:rPr lang="en-US" dirty="0"/>
-              <a:t>@</a:t>
-            </a:r>
-            <a:r>
-              <a:rPr lang="en-US" dirty="0" err="1"/>
-              <a:t>Scott_Addie</a:t>
-            </a:r>
-            <a:endParaRPr lang="en-US" dirty="0">
-              <a:hlinkClick r:id="rId4"/>
-            </a:endParaRPr>
-          </a:p>
-          <a:p>
-            <a:pPr marL="0" indent="0">
-              <a:buNone/>
-            </a:pPr>
-            <a:r>
-              <a:rPr lang="en-US" dirty="0">
-                <a:hlinkClick r:id="rId4"/>
-              </a:rPr>
-              <a:t>aka.ms/dotnet-secret-mgr</a:t>
-            </a:r>
-          </a:p>
-          <a:p>
-            <a:pPr marL="0" indent="0">
-              <a:buNone/>
-            </a:pPr>
-            <a:r>
-              <a:rPr lang="en-US" dirty="0">
-                <a:hlinkClick r:id="rId5"/>
-              </a:rPr>
-              <a:t>aka.ms/</a:t>
-            </a:r>
-            <a:r>
-              <a:rPr lang="en-US" dirty="0" err="1">
-                <a:hlinkClick r:id="rId5"/>
-              </a:rPr>
-              <a:t>az</a:t>
-            </a:r>
-            <a:r>
-              <a:rPr lang="en-US" dirty="0">
-                <a:hlinkClick r:id="rId5"/>
-              </a:rPr>
-              <a:t>-key-vault</a:t>
-            </a:r>
-            <a:endParaRPr lang="en-US" dirty="0"/>
-          </a:p>
-          <a:p>
-            <a:endParaRPr lang="en-US" dirty="0"/>
-          </a:p>
-          <a:p>
-            <a:pPr marL="0" indent="0">
-              <a:buNone/>
-            </a:pPr>
-            <a:r>
-              <a:rPr lang="en-US" b="1" dirty="0"/>
-              <a:t>Slides</a:t>
-            </a:r>
-          </a:p>
-          <a:p>
-            <a:pPr marL="0" indent="0">
-              <a:buNone/>
-            </a:pPr>
-            <a:r>
-              <a:rPr lang="en-US" dirty="0">
-                <a:hlinkClick r:id="rId6"/>
-              </a:rPr>
-              <a:t>aka.ms/app-secrets-slides</a:t>
-            </a:r>
-            <a:endParaRPr lang="en-US" dirty="0"/>
-          </a:p>
-          <a:p>
-            <a:pPr marL="0" indent="0">
-              <a:buNone/>
-            </a:pPr>
-            <a:endParaRPr lang="en-US" b="1" dirty="0"/>
-          </a:p>
-          <a:p>
-            <a:pPr marL="0" indent="0">
-              <a:buNone/>
-            </a:pPr>
-            <a:r>
-              <a:rPr lang="en-US" b="1" dirty="0"/>
-              <a:t>Code</a:t>
-            </a:r>
-          </a:p>
-          <a:p>
-            <a:pPr marL="0" indent="0">
-              <a:buNone/>
-            </a:pPr>
-            <a:r>
-              <a:rPr lang="en-US" dirty="0">
-                <a:hlinkClick r:id="rId7"/>
-              </a:rPr>
-              <a:t>aka.ms/app-secrets-code</a:t>
-            </a:r>
-            <a:endParaRPr lang="en-US" dirty="0"/>
-          </a:p>
-        </p:txBody>
-      </p:sp>
-      <p:pic>
-        <p:nvPicPr>
-          <p:cNvPr id="5" name="Picture 4">
-            <a:extLst>
-              <a:ext uri="{FF2B5EF4-FFF2-40B4-BE49-F238E27FC236}">
-                <a16:creationId xmlns:a16="http://schemas.microsoft.com/office/drawing/2014/main" id="{A87E2C7C-B662-43BA-A5DB-0A1A5D5542DE}"/>
-              </a:ext>
-            </a:extLst>
-          </p:cNvPr>
-          <p:cNvPicPr>
-            <a:picLocks noChangeAspect="1"/>
-          </p:cNvPicPr>
-          <p:nvPr/>
-        </p:nvPicPr>
-        <p:blipFill>
-          <a:blip r:embed="rId8" cstate="print">
-            <a:extLst>
-              <a:ext uri="{28A0092B-C50C-407E-A947-70E740481C1C}">
-                <a14:useLocalDpi xmlns:a14="http://schemas.microsoft.com/office/drawing/2010/main" val="0"/>
-              </a:ext>
-            </a:extLst>
-          </a:blip>
-          <a:stretch>
-            <a:fillRect/>
-          </a:stretch>
-        </p:blipFill>
-        <p:spPr>
-          <a:xfrm>
-            <a:off x="8474876" y="1753612"/>
-            <a:ext cx="682893" cy="555188"/>
-          </a:xfrm>
-          <a:prstGeom prst="rect">
-            <a:avLst/>
-          </a:prstGeom>
-        </p:spPr>
-      </p:pic>
-    </p:spTree>
-    <p:extLst>
-      <p:ext uri="{BB962C8B-B14F-4D97-AF65-F5344CB8AC3E}">
-        <p14:creationId xmlns:p14="http://schemas.microsoft.com/office/powerpoint/2010/main" val="2369877498"/>
       </p:ext>
     </p:extLst>
   </p:cSld>
@@ -17551,6 +17564,272 @@
     <p:extLst>
       <p:ext uri="{BB962C8B-B14F-4D97-AF65-F5344CB8AC3E}">
         <p14:creationId xmlns:p14="http://schemas.microsoft.com/office/powerpoint/2010/main" val="2245526147"/>
+      </p:ext>
+    </p:extLst>
+  </p:cSld>
+  <p:clrMapOvr>
+    <a:masterClrMapping/>
+  </p:clrMapOvr>
+</p:sld>
+</file>
+
+<file path=ppt/slides/slide20.xml><?xml version="1.0" encoding="utf-8"?>
+<p:sld xmlns:a="http://schemas.openxmlformats.org/drawingml/2006/main" xmlns:r="http://schemas.openxmlformats.org/officeDocument/2006/relationships" xmlns:p="http://schemas.openxmlformats.org/presentationml/2006/main">
+  <p:cSld>
+    <p:bg>
+      <p:bgPr>
+        <a:solidFill>
+          <a:srgbClr val="505050"/>
+        </a:solidFill>
+        <a:effectLst/>
+      </p:bgPr>
+    </p:bg>
+    <p:spTree>
+      <p:nvGrpSpPr>
+        <p:cNvPr id="1" name=""/>
+        <p:cNvGrpSpPr/>
+        <p:nvPr/>
+      </p:nvGrpSpPr>
+      <p:grpSpPr>
+        <a:xfrm>
+          <a:off x="0" y="0"/>
+          <a:ext cx="0" cy="0"/>
+          <a:chOff x="0" y="0"/>
+          <a:chExt cx="0" cy="0"/>
+        </a:xfrm>
+      </p:grpSpPr>
+      <p:sp>
+        <p:nvSpPr>
+          <p:cNvPr id="2" name="Title 1"/>
+          <p:cNvSpPr>
+            <a:spLocks noGrp="1"/>
+          </p:cNvSpPr>
+          <p:nvPr>
+            <p:ph type="title"/>
+          </p:nvPr>
+        </p:nvSpPr>
+        <p:spPr/>
+        <p:txBody>
+          <a:bodyPr/>
+          <a:lstStyle/>
+          <a:p>
+            <a:r>
+              <a:rPr lang="en-US" dirty="0"/>
+              <a:t>Resources</a:t>
+            </a:r>
+          </a:p>
+        </p:txBody>
+      </p:sp>
+      <p:pic>
+        <p:nvPicPr>
+          <p:cNvPr id="4" name="Picture 3">
+            <a:extLst>
+              <a:ext uri="{FF2B5EF4-FFF2-40B4-BE49-F238E27FC236}">
+                <a16:creationId xmlns:a16="http://schemas.microsoft.com/office/drawing/2014/main" id="{C303AB34-3270-4436-AF86-1E8F97294EB6}"/>
+              </a:ext>
+            </a:extLst>
+          </p:cNvPr>
+          <p:cNvPicPr>
+            <a:picLocks noChangeAspect="1"/>
+          </p:cNvPicPr>
+          <p:nvPr/>
+        </p:nvPicPr>
+        <p:blipFill>
+          <a:blip r:embed="rId3">
+            <a:clrChange>
+              <a:clrFrom>
+                <a:srgbClr val="002050"/>
+              </a:clrFrom>
+              <a:clrTo>
+                <a:srgbClr val="002050">
+                  <a:alpha val="0"/>
+                </a:srgbClr>
+              </a:clrTo>
+            </a:clrChange>
+          </a:blip>
+          <a:stretch>
+            <a:fillRect/>
+          </a:stretch>
+        </p:blipFill>
+        <p:spPr>
+          <a:xfrm>
+            <a:off x="8325292" y="2991292"/>
+            <a:ext cx="3866707" cy="3866707"/>
+          </a:xfrm>
+          <a:prstGeom prst="rect">
+            <a:avLst/>
+          </a:prstGeom>
+        </p:spPr>
+      </p:pic>
+      <p:sp>
+        <p:nvSpPr>
+          <p:cNvPr id="3" name="Content Placeholder 2"/>
+          <p:cNvSpPr>
+            <a:spLocks noGrp="1"/>
+          </p:cNvSpPr>
+          <p:nvPr>
+            <p:ph idx="1"/>
+          </p:nvPr>
+        </p:nvSpPr>
+        <p:spPr>
+          <a:xfrm>
+            <a:off x="838199" y="1825625"/>
+            <a:ext cx="10411047" cy="4351338"/>
+          </a:xfrm>
+        </p:spPr>
+        <p:txBody>
+          <a:bodyPr>
+            <a:normAutofit fontScale="92500"/>
+          </a:bodyPr>
+          <a:lstStyle/>
+          <a:p>
+            <a:pPr marL="0" indent="0">
+              <a:buNone/>
+            </a:pPr>
+            <a:r>
+              <a:rPr lang="en-US" b="1" dirty="0"/>
+              <a:t>Docs 									</a:t>
+            </a:r>
+            <a:r>
+              <a:rPr lang="en-US" dirty="0"/>
+              <a:t>@</a:t>
+            </a:r>
+            <a:r>
+              <a:rPr lang="en-US" dirty="0" err="1"/>
+              <a:t>Scott_Addie</a:t>
+            </a:r>
+            <a:endParaRPr lang="en-US" dirty="0">
+              <a:hlinkClick r:id="rId4"/>
+            </a:endParaRPr>
+          </a:p>
+          <a:p>
+            <a:pPr marL="0" indent="0">
+              <a:buNone/>
+            </a:pPr>
+            <a:r>
+              <a:rPr lang="en-US" dirty="0">
+                <a:hlinkClick r:id="rId4"/>
+              </a:rPr>
+              <a:t>aka.ms/dotnet-secret-mgr</a:t>
+            </a:r>
+          </a:p>
+          <a:p>
+            <a:pPr marL="0" indent="0">
+              <a:buNone/>
+            </a:pPr>
+            <a:r>
+              <a:rPr lang="en-US" dirty="0">
+                <a:hlinkClick r:id="rId5"/>
+              </a:rPr>
+              <a:t>aka.ms/</a:t>
+            </a:r>
+            <a:r>
+              <a:rPr lang="en-US" dirty="0" err="1">
+                <a:hlinkClick r:id="rId5"/>
+              </a:rPr>
+              <a:t>az</a:t>
+            </a:r>
+            <a:r>
+              <a:rPr lang="en-US" dirty="0">
+                <a:hlinkClick r:id="rId5"/>
+              </a:rPr>
+              <a:t>-key-vault</a:t>
+            </a:r>
+            <a:endParaRPr lang="en-US" dirty="0"/>
+          </a:p>
+          <a:p>
+            <a:endParaRPr lang="en-US" dirty="0"/>
+          </a:p>
+          <a:p>
+            <a:pPr marL="0" indent="0">
+              <a:buNone/>
+            </a:pPr>
+            <a:r>
+              <a:rPr lang="en-US" b="1" dirty="0"/>
+              <a:t>Slides</a:t>
+            </a:r>
+          </a:p>
+          <a:p>
+            <a:pPr marL="0" indent="0">
+              <a:buNone/>
+            </a:pPr>
+            <a:r>
+              <a:rPr lang="en-US" dirty="0">
+                <a:hlinkClick r:id="rId6"/>
+              </a:rPr>
+              <a:t>aka.ms/app-secrets-slides</a:t>
+            </a:r>
+            <a:endParaRPr lang="en-US" dirty="0"/>
+          </a:p>
+          <a:p>
+            <a:pPr marL="0" indent="0">
+              <a:buNone/>
+            </a:pPr>
+            <a:endParaRPr lang="en-US" b="1" dirty="0"/>
+          </a:p>
+          <a:p>
+            <a:pPr marL="0" indent="0">
+              <a:buNone/>
+            </a:pPr>
+            <a:r>
+              <a:rPr lang="en-US" b="1" dirty="0"/>
+              <a:t>Code</a:t>
+            </a:r>
+          </a:p>
+          <a:p>
+            <a:pPr marL="0" indent="0">
+              <a:buNone/>
+            </a:pPr>
+            <a:r>
+              <a:rPr lang="en-US" dirty="0">
+                <a:hlinkClick r:id="rId7"/>
+              </a:rPr>
+              <a:t>aka.ms/app-secrets-code</a:t>
+            </a:r>
+            <a:endParaRPr lang="en-US" dirty="0"/>
+          </a:p>
+        </p:txBody>
+      </p:sp>
+      <p:pic>
+        <p:nvPicPr>
+          <p:cNvPr id="5" name="Picture 4">
+            <a:extLst>
+              <a:ext uri="{FF2B5EF4-FFF2-40B4-BE49-F238E27FC236}">
+                <a16:creationId xmlns:a16="http://schemas.microsoft.com/office/drawing/2014/main" id="{A87E2C7C-B662-43BA-A5DB-0A1A5D5542DE}"/>
+              </a:ext>
+            </a:extLst>
+          </p:cNvPr>
+          <p:cNvPicPr>
+            <a:picLocks noChangeAspect="1"/>
+          </p:cNvPicPr>
+          <p:nvPr/>
+        </p:nvPicPr>
+        <p:blipFill>
+          <a:blip r:embed="rId8" cstate="print">
+            <a:extLst>
+              <a:ext uri="{28A0092B-C50C-407E-A947-70E740481C1C}">
+                <a14:useLocalDpi xmlns:a14="http://schemas.microsoft.com/office/drawing/2010/main" val="0"/>
+              </a:ext>
+            </a:extLst>
+          </a:blip>
+          <a:stretch>
+            <a:fillRect/>
+          </a:stretch>
+        </p:blipFill>
+        <p:spPr>
+          <a:xfrm>
+            <a:off x="8474876" y="1753612"/>
+            <a:ext cx="682893" cy="555188"/>
+          </a:xfrm>
+          <a:prstGeom prst="rect">
+            <a:avLst/>
+          </a:prstGeom>
+        </p:spPr>
+      </p:pic>
+    </p:spTree>
+    <p:extLst>
+      <p:ext uri="{BB962C8B-B14F-4D97-AF65-F5344CB8AC3E}">
+        <p14:creationId xmlns:p14="http://schemas.microsoft.com/office/powerpoint/2010/main" val="2369877498"/>
       </p:ext>
     </p:extLst>
   </p:cSld>

--- a/Protecting App Secrets.pptx
+++ b/Protecting App Secrets.pptx
@@ -228,7 +228,7 @@
           <a:p>
             <a:fld id="{03886B9A-ACA2-4D2C-AAF6-D8003DE96699}" type="datetimeFigureOut">
               <a:rPr lang="en-US" smtClean="0"/>
-              <a:t>10/7/2018</a:t>
+              <a:t>10/8/2018</a:t>
             </a:fld>
             <a:endParaRPr lang="en-US"/>
           </a:p>
@@ -623,6 +623,377 @@
           <a:bodyPr/>
           <a:lstStyle/>
           <a:p>
+            <a:pPr marL="228600" indent="-228600">
+              <a:buAutoNum type="arabicPeriod"/>
+            </a:pPr>
+            <a:r>
+              <a:rPr lang="en-US" dirty="0"/>
+              <a:t>Add to </a:t>
+            </a:r>
+            <a:r>
+              <a:rPr lang="en-US" dirty="0" err="1"/>
+              <a:t>secrets.json</a:t>
+            </a:r>
+            <a:r>
+              <a:rPr lang="en-US" dirty="0"/>
+              <a:t>: “Event”: { “Name”: “</a:t>
+            </a:r>
+            <a:r>
+              <a:rPr lang="en-US" dirty="0" err="1"/>
+              <a:t>DevUp</a:t>
+            </a:r>
+            <a:r>
+              <a:rPr lang="en-US" dirty="0"/>
+              <a:t>” }</a:t>
+            </a:r>
+          </a:p>
+          <a:p>
+            <a:r>
+              <a:rPr lang="en-US" sz="1200" kern="1200" dirty="0">
+                <a:solidFill>
+                  <a:schemeClr val="tx1"/>
+                </a:solidFill>
+                <a:latin typeface="+mn-lt"/>
+                <a:ea typeface="+mn-ea"/>
+                <a:cs typeface="+mn-cs"/>
+              </a:rPr>
+              <a:t>2. Add to </a:t>
+            </a:r>
+            <a:r>
+              <a:rPr lang="en-US" sz="1200" kern="1200" dirty="0" err="1">
+                <a:solidFill>
+                  <a:schemeClr val="tx1"/>
+                </a:solidFill>
+                <a:latin typeface="+mn-lt"/>
+                <a:ea typeface="+mn-ea"/>
+                <a:cs typeface="+mn-cs"/>
+              </a:rPr>
+              <a:t>Index.cshtml.cs</a:t>
+            </a:r>
+            <a:r>
+              <a:rPr lang="en-US" sz="1200" kern="1200" dirty="0">
+                <a:solidFill>
+                  <a:schemeClr val="tx1"/>
+                </a:solidFill>
+                <a:latin typeface="+mn-lt"/>
+                <a:ea typeface="+mn-ea"/>
+                <a:cs typeface="+mn-cs"/>
+              </a:rPr>
+              <a:t>:</a:t>
+            </a:r>
+          </a:p>
+          <a:p>
+            <a:r>
+              <a:rPr lang="en-US" sz="1200" kern="1200" dirty="0">
+                <a:solidFill>
+                  <a:schemeClr val="tx1"/>
+                </a:solidFill>
+                <a:latin typeface="+mn-lt"/>
+                <a:ea typeface="+mn-ea"/>
+                <a:cs typeface="+mn-cs"/>
+              </a:rPr>
+              <a:t>        private </a:t>
+            </a:r>
+            <a:r>
+              <a:rPr lang="en-US" sz="1200" kern="1200" dirty="0" err="1">
+                <a:solidFill>
+                  <a:schemeClr val="tx1"/>
+                </a:solidFill>
+                <a:latin typeface="+mn-lt"/>
+                <a:ea typeface="+mn-ea"/>
+                <a:cs typeface="+mn-cs"/>
+              </a:rPr>
+              <a:t>readonly</a:t>
+            </a:r>
+            <a:r>
+              <a:rPr lang="en-US" sz="1200" kern="1200" dirty="0">
+                <a:solidFill>
+                  <a:schemeClr val="tx1"/>
+                </a:solidFill>
+                <a:latin typeface="+mn-lt"/>
+                <a:ea typeface="+mn-ea"/>
+                <a:cs typeface="+mn-cs"/>
+              </a:rPr>
+              <a:t> </a:t>
+            </a:r>
+            <a:r>
+              <a:rPr lang="en-US" sz="1200" kern="1200" dirty="0" err="1">
+                <a:solidFill>
+                  <a:schemeClr val="tx1"/>
+                </a:solidFill>
+                <a:latin typeface="+mn-lt"/>
+                <a:ea typeface="+mn-ea"/>
+                <a:cs typeface="+mn-cs"/>
+              </a:rPr>
+              <a:t>IConfiguration</a:t>
+            </a:r>
+            <a:r>
+              <a:rPr lang="en-US" sz="1200" kern="1200" dirty="0">
+                <a:solidFill>
+                  <a:schemeClr val="tx1"/>
+                </a:solidFill>
+                <a:latin typeface="+mn-lt"/>
+                <a:ea typeface="+mn-ea"/>
+                <a:cs typeface="+mn-cs"/>
+              </a:rPr>
+              <a:t> _config;</a:t>
+            </a:r>
+          </a:p>
+          <a:p>
+            <a:endParaRPr lang="en-US" sz="1200" kern="1200" dirty="0">
+              <a:solidFill>
+                <a:schemeClr val="tx1"/>
+              </a:solidFill>
+              <a:latin typeface="+mn-lt"/>
+              <a:ea typeface="+mn-ea"/>
+              <a:cs typeface="+mn-cs"/>
+            </a:endParaRPr>
+          </a:p>
+          <a:p>
+            <a:r>
+              <a:rPr lang="en-US" sz="1200" kern="1200" dirty="0">
+                <a:solidFill>
+                  <a:schemeClr val="tx1"/>
+                </a:solidFill>
+                <a:latin typeface="+mn-lt"/>
+                <a:ea typeface="+mn-ea"/>
+                <a:cs typeface="+mn-cs"/>
+              </a:rPr>
+              <a:t>        public </a:t>
+            </a:r>
+            <a:r>
+              <a:rPr lang="en-US" sz="1200" kern="1200" dirty="0" err="1">
+                <a:solidFill>
+                  <a:schemeClr val="tx1"/>
+                </a:solidFill>
+                <a:latin typeface="+mn-lt"/>
+                <a:ea typeface="+mn-ea"/>
+                <a:cs typeface="+mn-cs"/>
+              </a:rPr>
+              <a:t>IndexModel</a:t>
+            </a:r>
+            <a:r>
+              <a:rPr lang="en-US" sz="1200" kern="1200" dirty="0">
+                <a:solidFill>
+                  <a:schemeClr val="tx1"/>
+                </a:solidFill>
+                <a:latin typeface="+mn-lt"/>
+                <a:ea typeface="+mn-ea"/>
+                <a:cs typeface="+mn-cs"/>
+              </a:rPr>
+              <a:t>(</a:t>
+            </a:r>
+            <a:r>
+              <a:rPr lang="en-US" sz="1200" kern="1200" dirty="0" err="1">
+                <a:solidFill>
+                  <a:schemeClr val="tx1"/>
+                </a:solidFill>
+                <a:latin typeface="+mn-lt"/>
+                <a:ea typeface="+mn-ea"/>
+                <a:cs typeface="+mn-cs"/>
+              </a:rPr>
+              <a:t>IConfiguration</a:t>
+            </a:r>
+            <a:r>
+              <a:rPr lang="en-US" sz="1200" kern="1200" dirty="0">
+                <a:solidFill>
+                  <a:schemeClr val="tx1"/>
+                </a:solidFill>
+                <a:latin typeface="+mn-lt"/>
+                <a:ea typeface="+mn-ea"/>
+                <a:cs typeface="+mn-cs"/>
+              </a:rPr>
+              <a:t> config)</a:t>
+            </a:r>
+          </a:p>
+          <a:p>
+            <a:r>
+              <a:rPr lang="en-US" sz="1200" kern="1200" dirty="0">
+                <a:solidFill>
+                  <a:schemeClr val="tx1"/>
+                </a:solidFill>
+                <a:latin typeface="+mn-lt"/>
+                <a:ea typeface="+mn-ea"/>
+                <a:cs typeface="+mn-cs"/>
+              </a:rPr>
+              <a:t>        {</a:t>
+            </a:r>
+          </a:p>
+          <a:p>
+            <a:r>
+              <a:rPr lang="en-US" sz="1200" kern="1200" dirty="0">
+                <a:solidFill>
+                  <a:schemeClr val="tx1"/>
+                </a:solidFill>
+                <a:latin typeface="+mn-lt"/>
+                <a:ea typeface="+mn-ea"/>
+                <a:cs typeface="+mn-cs"/>
+              </a:rPr>
+              <a:t>            _config = config;</a:t>
+            </a:r>
+          </a:p>
+          <a:p>
+            <a:r>
+              <a:rPr lang="en-US" sz="1200" kern="1200" dirty="0">
+                <a:solidFill>
+                  <a:schemeClr val="tx1"/>
+                </a:solidFill>
+                <a:latin typeface="+mn-lt"/>
+                <a:ea typeface="+mn-ea"/>
+                <a:cs typeface="+mn-cs"/>
+              </a:rPr>
+              <a:t>        }</a:t>
+            </a:r>
+          </a:p>
+          <a:p>
+            <a:endParaRPr lang="en-US" sz="1200" kern="1200" dirty="0">
+              <a:solidFill>
+                <a:schemeClr val="tx1"/>
+              </a:solidFill>
+              <a:latin typeface="+mn-lt"/>
+              <a:ea typeface="+mn-ea"/>
+              <a:cs typeface="+mn-cs"/>
+            </a:endParaRPr>
+          </a:p>
+          <a:p>
+            <a:r>
+              <a:rPr lang="en-US" sz="1200" kern="1200" dirty="0">
+                <a:solidFill>
+                  <a:schemeClr val="tx1"/>
+                </a:solidFill>
+                <a:latin typeface="+mn-lt"/>
+                <a:ea typeface="+mn-ea"/>
+                <a:cs typeface="+mn-cs"/>
+              </a:rPr>
+              <a:t>        public void </a:t>
+            </a:r>
+            <a:r>
+              <a:rPr lang="en-US" sz="1200" kern="1200" dirty="0" err="1">
+                <a:solidFill>
+                  <a:schemeClr val="tx1"/>
+                </a:solidFill>
+                <a:latin typeface="+mn-lt"/>
+                <a:ea typeface="+mn-ea"/>
+                <a:cs typeface="+mn-cs"/>
+              </a:rPr>
+              <a:t>OnGet</a:t>
+            </a:r>
+            <a:r>
+              <a:rPr lang="en-US" sz="1200" kern="1200" dirty="0">
+                <a:solidFill>
+                  <a:schemeClr val="tx1"/>
+                </a:solidFill>
+                <a:latin typeface="+mn-lt"/>
+                <a:ea typeface="+mn-ea"/>
+                <a:cs typeface="+mn-cs"/>
+              </a:rPr>
+              <a:t>()</a:t>
+            </a:r>
+          </a:p>
+          <a:p>
+            <a:r>
+              <a:rPr lang="en-US" sz="1200" kern="1200" dirty="0">
+                <a:solidFill>
+                  <a:schemeClr val="tx1"/>
+                </a:solidFill>
+                <a:latin typeface="+mn-lt"/>
+                <a:ea typeface="+mn-ea"/>
+                <a:cs typeface="+mn-cs"/>
+              </a:rPr>
+              <a:t>        {</a:t>
+            </a:r>
+          </a:p>
+          <a:p>
+            <a:r>
+              <a:rPr lang="en-US" sz="1200" kern="1200" dirty="0">
+                <a:solidFill>
+                  <a:schemeClr val="tx1"/>
+                </a:solidFill>
+                <a:latin typeface="+mn-lt"/>
+                <a:ea typeface="+mn-ea"/>
+                <a:cs typeface="+mn-cs"/>
+              </a:rPr>
+              <a:t>            </a:t>
+            </a:r>
+            <a:r>
+              <a:rPr lang="en-US" sz="1200" kern="1200" dirty="0" err="1">
+                <a:solidFill>
+                  <a:schemeClr val="tx1"/>
+                </a:solidFill>
+                <a:latin typeface="+mn-lt"/>
+                <a:ea typeface="+mn-ea"/>
+                <a:cs typeface="+mn-cs"/>
+              </a:rPr>
+              <a:t>ViewData</a:t>
+            </a:r>
+            <a:r>
+              <a:rPr lang="en-US" sz="1200" kern="1200" dirty="0">
+                <a:solidFill>
+                  <a:schemeClr val="tx1"/>
+                </a:solidFill>
+                <a:latin typeface="+mn-lt"/>
+                <a:ea typeface="+mn-ea"/>
+                <a:cs typeface="+mn-cs"/>
+              </a:rPr>
+              <a:t>["</a:t>
+            </a:r>
+            <a:r>
+              <a:rPr lang="en-US" sz="1200" kern="1200" dirty="0" err="1">
+                <a:solidFill>
+                  <a:schemeClr val="tx1"/>
+                </a:solidFill>
+                <a:latin typeface="+mn-lt"/>
+                <a:ea typeface="+mn-ea"/>
+                <a:cs typeface="+mn-cs"/>
+              </a:rPr>
+              <a:t>EventName</a:t>
+            </a:r>
+            <a:r>
+              <a:rPr lang="en-US" sz="1200" kern="1200" dirty="0">
+                <a:solidFill>
+                  <a:schemeClr val="tx1"/>
+                </a:solidFill>
+                <a:latin typeface="+mn-lt"/>
+                <a:ea typeface="+mn-ea"/>
+                <a:cs typeface="+mn-cs"/>
+              </a:rPr>
+              <a:t>"] = _config["</a:t>
+            </a:r>
+            <a:r>
+              <a:rPr lang="en-US" sz="1200" kern="1200" dirty="0" err="1">
+                <a:solidFill>
+                  <a:schemeClr val="tx1"/>
+                </a:solidFill>
+                <a:latin typeface="+mn-lt"/>
+                <a:ea typeface="+mn-ea"/>
+                <a:cs typeface="+mn-cs"/>
+              </a:rPr>
+              <a:t>Event:Name</a:t>
+            </a:r>
+            <a:r>
+              <a:rPr lang="en-US" sz="1200" kern="1200" dirty="0">
+                <a:solidFill>
+                  <a:schemeClr val="tx1"/>
+                </a:solidFill>
+                <a:latin typeface="+mn-lt"/>
+                <a:ea typeface="+mn-ea"/>
+                <a:cs typeface="+mn-cs"/>
+              </a:rPr>
+              <a:t>"];</a:t>
+            </a:r>
+          </a:p>
+          <a:p>
+            <a:r>
+              <a:rPr lang="en-US" sz="1200" kern="1200" dirty="0">
+                <a:solidFill>
+                  <a:schemeClr val="tx1"/>
+                </a:solidFill>
+                <a:latin typeface="+mn-lt"/>
+                <a:ea typeface="+mn-ea"/>
+                <a:cs typeface="+mn-cs"/>
+              </a:rPr>
+              <a:t>        }</a:t>
+            </a:r>
             <a:endParaRPr lang="en-US" dirty="0"/>
           </a:p>
         </p:txBody>
@@ -1392,7 +1763,7 @@
           <a:bodyPr/>
           <a:lstStyle/>
           <a:p>
-            <a:endParaRPr lang="en-US"/>
+            <a:endParaRPr lang="en-US" dirty="0"/>
           </a:p>
         </p:txBody>
       </p:sp>
@@ -1968,7 +2339,7 @@
           <a:bodyPr/>
           <a:lstStyle/>
           <a:p>
-            <a:endParaRPr lang="en-US"/>
+            <a:endParaRPr lang="en-US" dirty="0"/>
           </a:p>
         </p:txBody>
       </p:sp>
@@ -2696,6 +3067,15 @@
               <a:t>FIPS = Federal Information Processing Standard</a:t>
             </a:r>
           </a:p>
+          <a:p>
+            <a:endParaRPr lang="en-US" dirty="0"/>
+          </a:p>
+          <a:p>
+            <a:r>
+              <a:rPr lang="en-US" dirty="0"/>
+              <a:t>1 solution to this problem is Secret Manager</a:t>
+            </a:r>
+          </a:p>
         </p:txBody>
       </p:sp>
       <p:sp>
@@ -3421,7 +3801,7 @@
           <a:p>
             <a:fld id="{B5D86D52-4857-4668-9EB7-B41E21252CF7}" type="datetimeFigureOut">
               <a:rPr lang="en-US" smtClean="0"/>
-              <a:t>10/7/2018</a:t>
+              <a:t>10/8/2018</a:t>
             </a:fld>
             <a:endParaRPr lang="en-US"/>
           </a:p>
@@ -3619,7 +3999,7 @@
           <a:p>
             <a:fld id="{B5D86D52-4857-4668-9EB7-B41E21252CF7}" type="datetimeFigureOut">
               <a:rPr lang="en-US" smtClean="0"/>
-              <a:t>10/7/2018</a:t>
+              <a:t>10/8/2018</a:t>
             </a:fld>
             <a:endParaRPr lang="en-US"/>
           </a:p>
@@ -3827,7 +4207,7 @@
           <a:p>
             <a:fld id="{B5D86D52-4857-4668-9EB7-B41E21252CF7}" type="datetimeFigureOut">
               <a:rPr lang="en-US" smtClean="0"/>
-              <a:t>10/7/2018</a:t>
+              <a:t>10/8/2018</a:t>
             </a:fld>
             <a:endParaRPr lang="en-US"/>
           </a:p>
@@ -4031,7 +4411,7 @@
           <a:p>
             <a:fld id="{EEC3160E-2579-4584-9765-DC1BA0B358F9}" type="datetimeFigureOut">
               <a:rPr lang="en-US" smtClean="0"/>
-              <a:t>10/7/2018</a:t>
+              <a:t>10/8/2018</a:t>
             </a:fld>
             <a:endParaRPr lang="en-US"/>
           </a:p>
@@ -4201,7 +4581,7 @@
           <a:p>
             <a:fld id="{EEC3160E-2579-4584-9765-DC1BA0B358F9}" type="datetimeFigureOut">
               <a:rPr lang="en-US" smtClean="0"/>
-              <a:t>10/7/2018</a:t>
+              <a:t>10/8/2018</a:t>
             </a:fld>
             <a:endParaRPr lang="en-US"/>
           </a:p>
@@ -4447,7 +4827,7 @@
           <a:p>
             <a:fld id="{EEC3160E-2579-4584-9765-DC1BA0B358F9}" type="datetimeFigureOut">
               <a:rPr lang="en-US" smtClean="0"/>
-              <a:t>10/7/2018</a:t>
+              <a:t>10/8/2018</a:t>
             </a:fld>
             <a:endParaRPr lang="en-US"/>
           </a:p>
@@ -4679,7 +5059,7 @@
           <a:p>
             <a:fld id="{EEC3160E-2579-4584-9765-DC1BA0B358F9}" type="datetimeFigureOut">
               <a:rPr lang="en-US" smtClean="0"/>
-              <a:t>10/7/2018</a:t>
+              <a:t>10/8/2018</a:t>
             </a:fld>
             <a:endParaRPr lang="en-US"/>
           </a:p>
@@ -5046,7 +5426,7 @@
           <a:p>
             <a:fld id="{EEC3160E-2579-4584-9765-DC1BA0B358F9}" type="datetimeFigureOut">
               <a:rPr lang="en-US" smtClean="0"/>
-              <a:t>10/7/2018</a:t>
+              <a:t>10/8/2018</a:t>
             </a:fld>
             <a:endParaRPr lang="en-US"/>
           </a:p>
@@ -5164,7 +5544,7 @@
           <a:p>
             <a:fld id="{EEC3160E-2579-4584-9765-DC1BA0B358F9}" type="datetimeFigureOut">
               <a:rPr lang="en-US" smtClean="0"/>
-              <a:t>10/7/2018</a:t>
+              <a:t>10/8/2018</a:t>
             </a:fld>
             <a:endParaRPr lang="en-US"/>
           </a:p>
@@ -5259,7 +5639,7 @@
           <a:p>
             <a:fld id="{EEC3160E-2579-4584-9765-DC1BA0B358F9}" type="datetimeFigureOut">
               <a:rPr lang="en-US" smtClean="0"/>
-              <a:t>10/7/2018</a:t>
+              <a:t>10/8/2018</a:t>
             </a:fld>
             <a:endParaRPr lang="en-US"/>
           </a:p>
@@ -5536,7 +5916,7 @@
           <a:p>
             <a:fld id="{EEC3160E-2579-4584-9765-DC1BA0B358F9}" type="datetimeFigureOut">
               <a:rPr lang="en-US" smtClean="0"/>
-              <a:t>10/7/2018</a:t>
+              <a:t>10/8/2018</a:t>
             </a:fld>
             <a:endParaRPr lang="en-US"/>
           </a:p>
@@ -5722,7 +6102,7 @@
           <a:p>
             <a:fld id="{B5D86D52-4857-4668-9EB7-B41E21252CF7}" type="datetimeFigureOut">
               <a:rPr lang="en-US" smtClean="0"/>
-              <a:t>10/7/2018</a:t>
+              <a:t>10/8/2018</a:t>
             </a:fld>
             <a:endParaRPr lang="en-US"/>
           </a:p>
@@ -5991,7 +6371,7 @@
           <a:p>
             <a:fld id="{EEC3160E-2579-4584-9765-DC1BA0B358F9}" type="datetimeFigureOut">
               <a:rPr lang="en-US" smtClean="0"/>
-              <a:t>10/7/2018</a:t>
+              <a:t>10/8/2018</a:t>
             </a:fld>
             <a:endParaRPr lang="en-US"/>
           </a:p>
@@ -6161,7 +6541,7 @@
           <a:p>
             <a:fld id="{EEC3160E-2579-4584-9765-DC1BA0B358F9}" type="datetimeFigureOut">
               <a:rPr lang="en-US" smtClean="0"/>
-              <a:t>10/7/2018</a:t>
+              <a:t>10/8/2018</a:t>
             </a:fld>
             <a:endParaRPr lang="en-US"/>
           </a:p>
@@ -6341,7 +6721,7 @@
           <a:p>
             <a:fld id="{EEC3160E-2579-4584-9765-DC1BA0B358F9}" type="datetimeFigureOut">
               <a:rPr lang="en-US" smtClean="0"/>
-              <a:t>10/7/2018</a:t>
+              <a:t>10/8/2018</a:t>
             </a:fld>
             <a:endParaRPr lang="en-US"/>
           </a:p>
@@ -6604,7 +6984,7 @@
           <a:p>
             <a:fld id="{B5D86D52-4857-4668-9EB7-B41E21252CF7}" type="datetimeFigureOut">
               <a:rPr lang="en-US" smtClean="0"/>
-              <a:t>10/7/2018</a:t>
+              <a:t>10/8/2018</a:t>
             </a:fld>
             <a:endParaRPr lang="en-US"/>
           </a:p>
@@ -6869,7 +7249,7 @@
           <a:p>
             <a:fld id="{B5D86D52-4857-4668-9EB7-B41E21252CF7}" type="datetimeFigureOut">
               <a:rPr lang="en-US" smtClean="0"/>
-              <a:t>10/7/2018</a:t>
+              <a:t>10/8/2018</a:t>
             </a:fld>
             <a:endParaRPr lang="en-US"/>
           </a:p>
@@ -7281,7 +7661,7 @@
           <a:p>
             <a:fld id="{B5D86D52-4857-4668-9EB7-B41E21252CF7}" type="datetimeFigureOut">
               <a:rPr lang="en-US" smtClean="0"/>
-              <a:t>10/7/2018</a:t>
+              <a:t>10/8/2018</a:t>
             </a:fld>
             <a:endParaRPr lang="en-US"/>
           </a:p>
@@ -7422,7 +7802,7 @@
           <a:p>
             <a:fld id="{B5D86D52-4857-4668-9EB7-B41E21252CF7}" type="datetimeFigureOut">
               <a:rPr lang="en-US" smtClean="0"/>
-              <a:t>10/7/2018</a:t>
+              <a:t>10/8/2018</a:t>
             </a:fld>
             <a:endParaRPr lang="en-US"/>
           </a:p>
@@ -7535,7 +7915,7 @@
           <a:p>
             <a:fld id="{B5D86D52-4857-4668-9EB7-B41E21252CF7}" type="datetimeFigureOut">
               <a:rPr lang="en-US" smtClean="0"/>
-              <a:t>10/7/2018</a:t>
+              <a:t>10/8/2018</a:t>
             </a:fld>
             <a:endParaRPr lang="en-US"/>
           </a:p>
@@ -7846,7 +8226,7 @@
           <a:p>
             <a:fld id="{B5D86D52-4857-4668-9EB7-B41E21252CF7}" type="datetimeFigureOut">
               <a:rPr lang="en-US" smtClean="0"/>
-              <a:t>10/7/2018</a:t>
+              <a:t>10/8/2018</a:t>
             </a:fld>
             <a:endParaRPr lang="en-US"/>
           </a:p>
@@ -8134,7 +8514,7 @@
           <a:p>
             <a:fld id="{B5D86D52-4857-4668-9EB7-B41E21252CF7}" type="datetimeFigureOut">
               <a:rPr lang="en-US" smtClean="0"/>
-              <a:t>10/7/2018</a:t>
+              <a:t>10/8/2018</a:t>
             </a:fld>
             <a:endParaRPr lang="en-US"/>
           </a:p>
@@ -8375,7 +8755,7 @@
           <a:p>
             <a:fld id="{B5D86D52-4857-4668-9EB7-B41E21252CF7}" type="datetimeFigureOut">
               <a:rPr lang="en-US" smtClean="0"/>
-              <a:t>10/7/2018</a:t>
+              <a:t>10/8/2018</a:t>
             </a:fld>
             <a:endParaRPr lang="en-US"/>
           </a:p>
@@ -8927,7 +9307,7 @@
           <a:p>
             <a:fld id="{EEC3160E-2579-4584-9765-DC1BA0B358F9}" type="datetimeFigureOut">
               <a:rPr lang="en-US" smtClean="0"/>
-              <a:t>10/7/2018</a:t>
+              <a:t>10/8/2018</a:t>
             </a:fld>
             <a:endParaRPr lang="en-US"/>
           </a:p>
@@ -15353,14 +15733,14 @@
             <p:ph idx="1"/>
             <p:extLst>
               <p:ext uri="{D42A27DB-BD31-4B8C-83A1-F6EECF244321}">
-                <p14:modId xmlns:p14="http://schemas.microsoft.com/office/powerpoint/2010/main" val="1432491185"/>
+                <p14:modId xmlns:p14="http://schemas.microsoft.com/office/powerpoint/2010/main" val="4254795578"/>
               </p:ext>
             </p:extLst>
           </p:nvPr>
         </p:nvGraphicFramePr>
         <p:xfrm>
           <a:off x="1287463" y="3042655"/>
-          <a:ext cx="10066338" cy="2658641"/>
+          <a:ext cx="10066338" cy="3119472"/>
         </p:xfrm>
         <a:graphic>
           <a:graphicData uri="http://schemas.openxmlformats.org/drawingml/2006/table">
@@ -15664,7 +16044,7 @@
                     <a:lstStyle/>
                     <a:p>
                       <a:r>
-                        <a:rPr lang="en-US" sz="2300"/>
+                        <a:rPr lang="en-US" sz="2300" dirty="0"/>
                         <a:t>Local machine</a:t>
                       </a:r>
                     </a:p>
@@ -15677,7 +16057,7 @@
                     <a:lstStyle/>
                     <a:p>
                       <a:r>
-                        <a:rPr lang="en-US" sz="2300"/>
+                        <a:rPr lang="en-US" sz="2300" dirty="0"/>
                         <a:t>Azure Storage</a:t>
                       </a:r>
                     </a:p>
@@ -15687,6 +16067,69 @@
                 <a:extLst>
                   <a:ext uri="{0D108BD9-81ED-4DB2-BD59-A6C34878D82A}">
                     <a16:rowId xmlns:a16="http://schemas.microsoft.com/office/drawing/2014/main" val="2053637856"/>
+                  </a:ext>
+                </a:extLst>
+              </a:tr>
+              <a:tr h="460831">
+                <a:tc>
+                  <a:txBody>
+                    <a:bodyPr/>
+                    <a:lstStyle/>
+                    <a:p>
+                      <a:pPr marL="0" marR="0" lvl="0" indent="0" algn="l" defTabSz="914400" rtl="0" eaLnBrk="1" fontAlgn="auto" latinLnBrk="0" hangingPunct="1">
+                        <a:lnSpc>
+                          <a:spcPct val="100000"/>
+                        </a:lnSpc>
+                        <a:spcBef>
+                          <a:spcPts val="0"/>
+                        </a:spcBef>
+                        <a:spcAft>
+                          <a:spcPts val="0"/>
+                        </a:spcAft>
+                        <a:buClrTx/>
+                        <a:buSzTx/>
+                        <a:buFontTx/>
+                        <a:buNone/>
+                        <a:tabLst/>
+                        <a:defRPr/>
+                      </a:pPr>
+                      <a:r>
+                        <a:rPr lang="en-US" sz="2300" b="1" dirty="0"/>
+                        <a:t>Scope</a:t>
+                      </a:r>
+                    </a:p>
+                  </a:txBody>
+                  <a:tcPr marL="75961" marR="75961" marT="37981" marB="37981"/>
+                </a:tc>
+                <a:tc>
+                  <a:txBody>
+                    <a:bodyPr/>
+                    <a:lstStyle/>
+                    <a:p>
+                      <a:r>
+                        <a:rPr lang="en-US" sz="2300" dirty="0"/>
+                        <a:t>User profile</a:t>
+                      </a:r>
+                    </a:p>
+                  </a:txBody>
+                  <a:tcPr marL="75961" marR="75961" marT="37981" marB="37981"/>
+                </a:tc>
+                <a:tc>
+                  <a:txBody>
+                    <a:bodyPr/>
+                    <a:lstStyle/>
+                    <a:p>
+                      <a:r>
+                        <a:rPr lang="en-US" sz="2300" dirty="0"/>
+                        <a:t>App</a:t>
+                      </a:r>
+                    </a:p>
+                  </a:txBody>
+                  <a:tcPr marL="75961" marR="75961" marT="37981" marB="37981"/>
+                </a:tc>
+                <a:extLst>
+                  <a:ext uri="{0D108BD9-81ED-4DB2-BD59-A6C34878D82A}">
+                    <a16:rowId xmlns:a16="http://schemas.microsoft.com/office/drawing/2014/main" val="481212226"/>
                   </a:ext>
                 </a:extLst>
               </a:tr>
@@ -17620,47 +18063,6 @@
           </a:p>
         </p:txBody>
       </p:sp>
-      <p:pic>
-        <p:nvPicPr>
-          <p:cNvPr id="4" name="Picture 3">
-            <a:extLst>
-              <a:ext uri="{FF2B5EF4-FFF2-40B4-BE49-F238E27FC236}">
-                <a16:creationId xmlns:a16="http://schemas.microsoft.com/office/drawing/2014/main" id="{C303AB34-3270-4436-AF86-1E8F97294EB6}"/>
-              </a:ext>
-            </a:extLst>
-          </p:cNvPr>
-          <p:cNvPicPr>
-            <a:picLocks noChangeAspect="1"/>
-          </p:cNvPicPr>
-          <p:nvPr/>
-        </p:nvPicPr>
-        <p:blipFill>
-          <a:blip r:embed="rId3">
-            <a:clrChange>
-              <a:clrFrom>
-                <a:srgbClr val="002050"/>
-              </a:clrFrom>
-              <a:clrTo>
-                <a:srgbClr val="002050">
-                  <a:alpha val="0"/>
-                </a:srgbClr>
-              </a:clrTo>
-            </a:clrChange>
-          </a:blip>
-          <a:stretch>
-            <a:fillRect/>
-          </a:stretch>
-        </p:blipFill>
-        <p:spPr>
-          <a:xfrm>
-            <a:off x="8325292" y="2991292"/>
-            <a:ext cx="3866707" cy="3866707"/>
-          </a:xfrm>
-          <a:prstGeom prst="rect">
-            <a:avLst/>
-          </a:prstGeom>
-        </p:spPr>
-      </p:pic>
       <p:sp>
         <p:nvSpPr>
           <p:cNvPr id="3" name="Content Placeholder 2"/>
@@ -17699,7 +18101,7 @@
               <a:t>Scott_Addie</a:t>
             </a:r>
             <a:endParaRPr lang="en-US" dirty="0">
-              <a:hlinkClick r:id="rId4"/>
+              <a:hlinkClick r:id="rId3"/>
             </a:endParaRPr>
           </a:p>
           <a:p>
@@ -17708,7 +18110,7 @@
             </a:pPr>
             <a:r>
               <a:rPr lang="en-US" dirty="0">
-                <a:hlinkClick r:id="rId4"/>
+                <a:hlinkClick r:id="rId3"/>
               </a:rPr>
               <a:t>aka.ms/dotnet-secret-mgr</a:t>
             </a:r>
@@ -17719,19 +18121,19 @@
             </a:pPr>
             <a:r>
               <a:rPr lang="en-US" dirty="0">
-                <a:hlinkClick r:id="rId5"/>
+                <a:hlinkClick r:id="rId4"/>
               </a:rPr>
               <a:t>aka.ms/</a:t>
             </a:r>
             <a:r>
               <a:rPr lang="en-US" dirty="0" err="1">
-                <a:hlinkClick r:id="rId5"/>
+                <a:hlinkClick r:id="rId4"/>
               </a:rPr>
               <a:t>az</a:t>
             </a:r>
             <a:r>
               <a:rPr lang="en-US" dirty="0">
-                <a:hlinkClick r:id="rId5"/>
+                <a:hlinkClick r:id="rId4"/>
               </a:rPr>
               <a:t>-key-vault</a:t>
             </a:r>
@@ -17755,7 +18157,7 @@
             </a:pPr>
             <a:r>
               <a:rPr lang="en-US" dirty="0">
-                <a:hlinkClick r:id="rId6"/>
+                <a:hlinkClick r:id="rId5"/>
               </a:rPr>
               <a:t>aka.ms/app-secrets-slides</a:t>
             </a:r>
@@ -17782,7 +18184,7 @@
             </a:pPr>
             <a:r>
               <a:rPr lang="en-US" dirty="0">
-                <a:hlinkClick r:id="rId7"/>
+                <a:hlinkClick r:id="rId6"/>
               </a:rPr>
               <a:t>aka.ms/app-secrets-code</a:t>
             </a:r>
@@ -17805,7 +18207,7 @@
           <p:nvPr/>
         </p:nvPicPr>
         <p:blipFill>
-          <a:blip r:embed="rId8" cstate="print">
+          <a:blip r:embed="rId7" cstate="print">
             <a:extLst>
               <a:ext uri="{28A0092B-C50C-407E-A947-70E740481C1C}">
                 <a14:useLocalDpi xmlns:a14="http://schemas.microsoft.com/office/drawing/2010/main" val="0"/>
@@ -17826,6 +18228,134 @@
           </a:prstGeom>
         </p:spPr>
       </p:pic>
+      <p:grpSp>
+        <p:nvGrpSpPr>
+          <p:cNvPr id="6" name="Group 5">
+            <a:extLst>
+              <a:ext uri="{FF2B5EF4-FFF2-40B4-BE49-F238E27FC236}">
+                <a16:creationId xmlns:a16="http://schemas.microsoft.com/office/drawing/2014/main" id="{20DB7211-326D-476D-BB91-6C8C41564E30}"/>
+              </a:ext>
+            </a:extLst>
+          </p:cNvPr>
+          <p:cNvGrpSpPr/>
+          <p:nvPr/>
+        </p:nvGrpSpPr>
+        <p:grpSpPr>
+          <a:xfrm>
+            <a:off x="6743040" y="2643144"/>
+            <a:ext cx="5337835" cy="4120209"/>
+            <a:chOff x="7116717" y="2055624"/>
+            <a:chExt cx="5337835" cy="4120209"/>
+          </a:xfrm>
+        </p:grpSpPr>
+        <p:pic>
+          <p:nvPicPr>
+            <p:cNvPr id="7" name="Picture 6">
+              <a:extLst>
+                <a:ext uri="{FF2B5EF4-FFF2-40B4-BE49-F238E27FC236}">
+                  <a16:creationId xmlns:a16="http://schemas.microsoft.com/office/drawing/2014/main" id="{867EAFBD-EBC0-4665-8891-DDEC61E19AA5}"/>
+                </a:ext>
+              </a:extLst>
+            </p:cNvPr>
+            <p:cNvPicPr>
+              <a:picLocks noChangeAspect="1"/>
+            </p:cNvPicPr>
+            <p:nvPr/>
+          </p:nvPicPr>
+          <p:blipFill>
+            <a:blip r:embed="rId8"/>
+            <a:stretch>
+              <a:fillRect/>
+            </a:stretch>
+          </p:blipFill>
+          <p:spPr>
+            <a:xfrm>
+              <a:off x="9113654" y="3914021"/>
+              <a:ext cx="3340898" cy="2261812"/>
+            </a:xfrm>
+            <a:prstGeom prst="rect">
+              <a:avLst/>
+            </a:prstGeom>
+          </p:spPr>
+        </p:pic>
+        <p:pic>
+          <p:nvPicPr>
+            <p:cNvPr id="8" name="Picture 7">
+              <a:extLst>
+                <a:ext uri="{FF2B5EF4-FFF2-40B4-BE49-F238E27FC236}">
+                  <a16:creationId xmlns:a16="http://schemas.microsoft.com/office/drawing/2014/main" id="{435929FE-5E07-494B-A7F9-349E51255D53}"/>
+                </a:ext>
+              </a:extLst>
+            </p:cNvPr>
+            <p:cNvPicPr>
+              <a:picLocks noChangeAspect="1"/>
+            </p:cNvPicPr>
+            <p:nvPr/>
+          </p:nvPicPr>
+          <p:blipFill>
+            <a:blip r:embed="rId8"/>
+            <a:stretch>
+              <a:fillRect/>
+            </a:stretch>
+          </p:blipFill>
+          <p:spPr>
+            <a:xfrm>
+              <a:off x="7116717" y="2827606"/>
+              <a:ext cx="3340898" cy="2261812"/>
+            </a:xfrm>
+            <a:prstGeom prst="rect">
+              <a:avLst/>
+            </a:prstGeom>
+          </p:spPr>
+        </p:pic>
+        <p:pic>
+          <p:nvPicPr>
+            <p:cNvPr id="9" name="Picture 2">
+              <a:extLst>
+                <a:ext uri="{FF2B5EF4-FFF2-40B4-BE49-F238E27FC236}">
+                  <a16:creationId xmlns:a16="http://schemas.microsoft.com/office/drawing/2014/main" id="{CE7277AA-BEF1-4232-AAE5-6164CBC48464}"/>
+                </a:ext>
+              </a:extLst>
+            </p:cNvPr>
+            <p:cNvPicPr>
+              <a:picLocks noChangeAspect="1" noChangeArrowheads="1"/>
+            </p:cNvPicPr>
+            <p:nvPr/>
+          </p:nvPicPr>
+          <p:blipFill>
+            <a:blip r:embed="rId9">
+              <a:extLst>
+                <a:ext uri="{28A0092B-C50C-407E-A947-70E740481C1C}">
+                  <a14:useLocalDpi xmlns:a14="http://schemas.microsoft.com/office/drawing/2010/main" val="0"/>
+                </a:ext>
+              </a:extLst>
+            </a:blip>
+            <a:srcRect/>
+            <a:stretch>
+              <a:fillRect/>
+            </a:stretch>
+          </p:blipFill>
+          <p:spPr bwMode="auto">
+            <a:xfrm>
+              <a:off x="8132763" y="2055624"/>
+              <a:ext cx="3790950" cy="3533775"/>
+            </a:xfrm>
+            <a:prstGeom prst="rect">
+              <a:avLst/>
+            </a:prstGeom>
+            <a:noFill/>
+            <a:extLst>
+              <a:ext uri="{909E8E84-426E-40DD-AFC4-6F175D3DCCD1}">
+                <a14:hiddenFill xmlns:a14="http://schemas.microsoft.com/office/drawing/2010/main">
+                  <a:solidFill>
+                    <a:srgbClr val="FFFFFF"/>
+                  </a:solidFill>
+                </a14:hiddenFill>
+              </a:ext>
+            </a:extLst>
+          </p:spPr>
+        </p:pic>
+      </p:grpSp>
     </p:spTree>
     <p:extLst>
       <p:ext uri="{BB962C8B-B14F-4D97-AF65-F5344CB8AC3E}">

--- a/Protecting App Secrets.pptx
+++ b/Protecting App Secrets.pptx
@@ -4,31 +4,32 @@
   <p:sldMasterIdLst>
     <p:sldMasterId id="2147483648" r:id="rId1"/>
     <p:sldMasterId id="2147483660" r:id="rId2"/>
+    <p:sldMasterId id="2147483672" r:id="rId3"/>
   </p:sldMasterIdLst>
   <p:notesMasterIdLst>
-    <p:notesMasterId r:id="rId23"/>
+    <p:notesMasterId r:id="rId24"/>
   </p:notesMasterIdLst>
   <p:sldIdLst>
-    <p:sldId id="256" r:id="rId3"/>
-    <p:sldId id="257" r:id="rId4"/>
-    <p:sldId id="322" r:id="rId5"/>
-    <p:sldId id="342" r:id="rId6"/>
-    <p:sldId id="328" r:id="rId7"/>
-    <p:sldId id="330" r:id="rId8"/>
-    <p:sldId id="323" r:id="rId9"/>
-    <p:sldId id="337" r:id="rId10"/>
-    <p:sldId id="332" r:id="rId11"/>
-    <p:sldId id="333" r:id="rId12"/>
-    <p:sldId id="343" r:id="rId13"/>
-    <p:sldId id="338" r:id="rId14"/>
-    <p:sldId id="335" r:id="rId15"/>
-    <p:sldId id="336" r:id="rId16"/>
-    <p:sldId id="339" r:id="rId17"/>
-    <p:sldId id="340" r:id="rId18"/>
-    <p:sldId id="341" r:id="rId19"/>
-    <p:sldId id="331" r:id="rId20"/>
-    <p:sldId id="334" r:id="rId21"/>
-    <p:sldId id="326" r:id="rId22"/>
+    <p:sldId id="256" r:id="rId4"/>
+    <p:sldId id="259" r:id="rId5"/>
+    <p:sldId id="322" r:id="rId6"/>
+    <p:sldId id="342" r:id="rId7"/>
+    <p:sldId id="328" r:id="rId8"/>
+    <p:sldId id="330" r:id="rId9"/>
+    <p:sldId id="323" r:id="rId10"/>
+    <p:sldId id="337" r:id="rId11"/>
+    <p:sldId id="332" r:id="rId12"/>
+    <p:sldId id="333" r:id="rId13"/>
+    <p:sldId id="343" r:id="rId14"/>
+    <p:sldId id="338" r:id="rId15"/>
+    <p:sldId id="335" r:id="rId16"/>
+    <p:sldId id="336" r:id="rId17"/>
+    <p:sldId id="339" r:id="rId18"/>
+    <p:sldId id="340" r:id="rId19"/>
+    <p:sldId id="341" r:id="rId20"/>
+    <p:sldId id="331" r:id="rId21"/>
+    <p:sldId id="334" r:id="rId22"/>
+    <p:sldId id="326" r:id="rId23"/>
   </p:sldIdLst>
   <p:sldSz cx="12192000" cy="6858000"/>
   <p:notesSz cx="6858000" cy="9144000"/>
@@ -228,7 +229,7 @@
           <a:p>
             <a:fld id="{03886B9A-ACA2-4D2C-AAF6-D8003DE96699}" type="datetimeFigureOut">
               <a:rPr lang="en-US" smtClean="0"/>
-              <a:t>10/8/2018</a:t>
+              <a:t>10/12/2018</a:t>
             </a:fld>
             <a:endParaRPr lang="en-US"/>
           </a:p>
@@ -636,15 +637,7 @@
             </a:r>
             <a:r>
               <a:rPr lang="en-US" dirty="0"/>
-              <a:t>: “Event”: { “Name”: “</a:t>
-            </a:r>
-            <a:r>
-              <a:rPr lang="en-US" dirty="0" err="1"/>
-              <a:t>DevUp</a:t>
-            </a:r>
-            <a:r>
-              <a:rPr lang="en-US" dirty="0"/>
-              <a:t>” }</a:t>
+              <a:t>: “Event”: { “Name”: “Cream City Code” }</a:t>
             </a:r>
           </a:p>
           <a:p>
@@ -1763,7 +1756,10 @@
           <a:bodyPr/>
           <a:lstStyle/>
           <a:p>
-            <a:endParaRPr lang="en-US" dirty="0"/>
+            <a:r>
+              <a:rPr lang="en-US" dirty="0"/>
+              <a:t>Allow your app service to communicate w/ other Azure services</a:t>
+            </a:r>
           </a:p>
         </p:txBody>
       </p:sp>
@@ -1907,7 +1903,10 @@
           <a:bodyPr/>
           <a:lstStyle/>
           <a:p>
-            <a:endParaRPr lang="en-US"/>
+            <a:r>
+              <a:rPr lang="en-US" dirty="0"/>
+              <a:t>Add yourself for local development support</a:t>
+            </a:r>
           </a:p>
         </p:txBody>
       </p:sp>
@@ -3410,7 +3409,10 @@
           <a:bodyPr/>
           <a:lstStyle/>
           <a:p>
-            <a:endParaRPr lang="en-US"/>
+            <a:r>
+              <a:rPr lang="en-US" dirty="0"/>
+              <a:t>VS shells out to the .NET Core CLI Secret Manager</a:t>
+            </a:r>
           </a:p>
         </p:txBody>
       </p:sp>
@@ -3801,7 +3803,7 @@
           <a:p>
             <a:fld id="{B5D86D52-4857-4668-9EB7-B41E21252CF7}" type="datetimeFigureOut">
               <a:rPr lang="en-US" smtClean="0"/>
-              <a:t>10/8/2018</a:t>
+              <a:t>10/12/2018</a:t>
             </a:fld>
             <a:endParaRPr lang="en-US"/>
           </a:p>
@@ -3999,7 +4001,7 @@
           <a:p>
             <a:fld id="{B5D86D52-4857-4668-9EB7-B41E21252CF7}" type="datetimeFigureOut">
               <a:rPr lang="en-US" smtClean="0"/>
-              <a:t>10/8/2018</a:t>
+              <a:t>10/12/2018</a:t>
             </a:fld>
             <a:endParaRPr lang="en-US"/>
           </a:p>
@@ -4207,7 +4209,7 @@
           <a:p>
             <a:fld id="{B5D86D52-4857-4668-9EB7-B41E21252CF7}" type="datetimeFigureOut">
               <a:rPr lang="en-US" smtClean="0"/>
-              <a:t>10/8/2018</a:t>
+              <a:t>10/12/2018</a:t>
             </a:fld>
             <a:endParaRPr lang="en-US"/>
           </a:p>
@@ -4411,7 +4413,7 @@
           <a:p>
             <a:fld id="{EEC3160E-2579-4584-9765-DC1BA0B358F9}" type="datetimeFigureOut">
               <a:rPr lang="en-US" smtClean="0"/>
-              <a:t>10/8/2018</a:t>
+              <a:t>10/12/2018</a:t>
             </a:fld>
             <a:endParaRPr lang="en-US"/>
           </a:p>
@@ -4581,7 +4583,7 @@
           <a:p>
             <a:fld id="{EEC3160E-2579-4584-9765-DC1BA0B358F9}" type="datetimeFigureOut">
               <a:rPr lang="en-US" smtClean="0"/>
-              <a:t>10/8/2018</a:t>
+              <a:t>10/12/2018</a:t>
             </a:fld>
             <a:endParaRPr lang="en-US"/>
           </a:p>
@@ -4827,7 +4829,7 @@
           <a:p>
             <a:fld id="{EEC3160E-2579-4584-9765-DC1BA0B358F9}" type="datetimeFigureOut">
               <a:rPr lang="en-US" smtClean="0"/>
-              <a:t>10/8/2018</a:t>
+              <a:t>10/12/2018</a:t>
             </a:fld>
             <a:endParaRPr lang="en-US"/>
           </a:p>
@@ -5059,7 +5061,7 @@
           <a:p>
             <a:fld id="{EEC3160E-2579-4584-9765-DC1BA0B358F9}" type="datetimeFigureOut">
               <a:rPr lang="en-US" smtClean="0"/>
-              <a:t>10/8/2018</a:t>
+              <a:t>10/12/2018</a:t>
             </a:fld>
             <a:endParaRPr lang="en-US"/>
           </a:p>
@@ -5426,7 +5428,7 @@
           <a:p>
             <a:fld id="{EEC3160E-2579-4584-9765-DC1BA0B358F9}" type="datetimeFigureOut">
               <a:rPr lang="en-US" smtClean="0"/>
-              <a:t>10/8/2018</a:t>
+              <a:t>10/12/2018</a:t>
             </a:fld>
             <a:endParaRPr lang="en-US"/>
           </a:p>
@@ -5544,7 +5546,7 @@
           <a:p>
             <a:fld id="{EEC3160E-2579-4584-9765-DC1BA0B358F9}" type="datetimeFigureOut">
               <a:rPr lang="en-US" smtClean="0"/>
-              <a:t>10/8/2018</a:t>
+              <a:t>10/12/2018</a:t>
             </a:fld>
             <a:endParaRPr lang="en-US"/>
           </a:p>
@@ -5639,7 +5641,7 @@
           <a:p>
             <a:fld id="{EEC3160E-2579-4584-9765-DC1BA0B358F9}" type="datetimeFigureOut">
               <a:rPr lang="en-US" smtClean="0"/>
-              <a:t>10/8/2018</a:t>
+              <a:t>10/12/2018</a:t>
             </a:fld>
             <a:endParaRPr lang="en-US"/>
           </a:p>
@@ -5916,7 +5918,7 @@
           <a:p>
             <a:fld id="{EEC3160E-2579-4584-9765-DC1BA0B358F9}" type="datetimeFigureOut">
               <a:rPr lang="en-US" smtClean="0"/>
-              <a:t>10/8/2018</a:t>
+              <a:t>10/12/2018</a:t>
             </a:fld>
             <a:endParaRPr lang="en-US"/>
           </a:p>
@@ -6102,7 +6104,7 @@
           <a:p>
             <a:fld id="{B5D86D52-4857-4668-9EB7-B41E21252CF7}" type="datetimeFigureOut">
               <a:rPr lang="en-US" smtClean="0"/>
-              <a:t>10/8/2018</a:t>
+              <a:t>10/12/2018</a:t>
             </a:fld>
             <a:endParaRPr lang="en-US"/>
           </a:p>
@@ -6371,7 +6373,7 @@
           <a:p>
             <a:fld id="{EEC3160E-2579-4584-9765-DC1BA0B358F9}" type="datetimeFigureOut">
               <a:rPr lang="en-US" smtClean="0"/>
-              <a:t>10/8/2018</a:t>
+              <a:t>10/12/2018</a:t>
             </a:fld>
             <a:endParaRPr lang="en-US"/>
           </a:p>
@@ -6541,7 +6543,7 @@
           <a:p>
             <a:fld id="{EEC3160E-2579-4584-9765-DC1BA0B358F9}" type="datetimeFigureOut">
               <a:rPr lang="en-US" smtClean="0"/>
-              <a:t>10/8/2018</a:t>
+              <a:t>10/12/2018</a:t>
             </a:fld>
             <a:endParaRPr lang="en-US"/>
           </a:p>
@@ -6721,7 +6723,7 @@
           <a:p>
             <a:fld id="{EEC3160E-2579-4584-9765-DC1BA0B358F9}" type="datetimeFigureOut">
               <a:rPr lang="en-US" smtClean="0"/>
-              <a:t>10/8/2018</a:t>
+              <a:t>10/12/2018</a:t>
             </a:fld>
             <a:endParaRPr lang="en-US"/>
           </a:p>
@@ -6782,7 +6784,365 @@
 </p:sldLayout>
 </file>
 
-<file path=ppt/slideLayouts/slideLayout3.xml><?xml version="1.0" encoding="utf-8"?>
+<file path=ppt/slideLayouts/slideLayout23.xml><?xml version="1.0" encoding="utf-8"?>
+<p:sldLayout xmlns:a="http://schemas.openxmlformats.org/drawingml/2006/main" xmlns:r="http://schemas.openxmlformats.org/officeDocument/2006/relationships" xmlns:p="http://schemas.openxmlformats.org/presentationml/2006/main" type="title" preserve="1">
+  <p:cSld name="Title Slide">
+    <p:spTree>
+      <p:nvGrpSpPr>
+        <p:cNvPr id="1" name=""/>
+        <p:cNvGrpSpPr/>
+        <p:nvPr/>
+      </p:nvGrpSpPr>
+      <p:grpSpPr>
+        <a:xfrm>
+          <a:off x="0" y="0"/>
+          <a:ext cx="0" cy="0"/>
+          <a:chOff x="0" y="0"/>
+          <a:chExt cx="0" cy="0"/>
+        </a:xfrm>
+      </p:grpSpPr>
+      <p:sp>
+        <p:nvSpPr>
+          <p:cNvPr id="2" name="Title 1"/>
+          <p:cNvSpPr>
+            <a:spLocks noGrp="1"/>
+          </p:cNvSpPr>
+          <p:nvPr>
+            <p:ph type="ctrTitle"/>
+          </p:nvPr>
+        </p:nvSpPr>
+        <p:spPr>
+          <a:xfrm>
+            <a:off x="1524000" y="1122363"/>
+            <a:ext cx="9144000" cy="2387600"/>
+          </a:xfrm>
+        </p:spPr>
+        <p:txBody>
+          <a:bodyPr anchor="b"/>
+          <a:lstStyle>
+            <a:lvl1pPr algn="ctr">
+              <a:defRPr sz="6000"/>
+            </a:lvl1pPr>
+          </a:lstStyle>
+          <a:p>
+            <a:r>
+              <a:rPr lang="en-US"/>
+              <a:t>Click to edit Master title style</a:t>
+            </a:r>
+          </a:p>
+        </p:txBody>
+      </p:sp>
+      <p:sp>
+        <p:nvSpPr>
+          <p:cNvPr id="3" name="Subtitle 2"/>
+          <p:cNvSpPr>
+            <a:spLocks noGrp="1"/>
+          </p:cNvSpPr>
+          <p:nvPr>
+            <p:ph type="subTitle" idx="1"/>
+          </p:nvPr>
+        </p:nvSpPr>
+        <p:spPr>
+          <a:xfrm>
+            <a:off x="1524000" y="3602038"/>
+            <a:ext cx="9144000" cy="1655762"/>
+          </a:xfrm>
+        </p:spPr>
+        <p:txBody>
+          <a:bodyPr/>
+          <a:lstStyle>
+            <a:lvl1pPr marL="0" indent="0" algn="ctr">
+              <a:buNone/>
+              <a:defRPr sz="2400"/>
+            </a:lvl1pPr>
+            <a:lvl2pPr marL="457200" indent="0" algn="ctr">
+              <a:buNone/>
+              <a:defRPr sz="2000"/>
+            </a:lvl2pPr>
+            <a:lvl3pPr marL="914400" indent="0" algn="ctr">
+              <a:buNone/>
+              <a:defRPr sz="1800"/>
+            </a:lvl3pPr>
+            <a:lvl4pPr marL="1371600" indent="0" algn="ctr">
+              <a:buNone/>
+              <a:defRPr sz="1600"/>
+            </a:lvl4pPr>
+            <a:lvl5pPr marL="1828800" indent="0" algn="ctr">
+              <a:buNone/>
+              <a:defRPr sz="1600"/>
+            </a:lvl5pPr>
+            <a:lvl6pPr marL="2286000" indent="0" algn="ctr">
+              <a:buNone/>
+              <a:defRPr sz="1600"/>
+            </a:lvl6pPr>
+            <a:lvl7pPr marL="2743200" indent="0" algn="ctr">
+              <a:buNone/>
+              <a:defRPr sz="1600"/>
+            </a:lvl7pPr>
+            <a:lvl8pPr marL="3200400" indent="0" algn="ctr">
+              <a:buNone/>
+              <a:defRPr sz="1600"/>
+            </a:lvl8pPr>
+            <a:lvl9pPr marL="3657600" indent="0" algn="ctr">
+              <a:buNone/>
+              <a:defRPr sz="1600"/>
+            </a:lvl9pPr>
+          </a:lstStyle>
+          <a:p>
+            <a:r>
+              <a:rPr lang="en-US"/>
+              <a:t>Click to edit Master subtitle style</a:t>
+            </a:r>
+          </a:p>
+        </p:txBody>
+      </p:sp>
+      <p:sp>
+        <p:nvSpPr>
+          <p:cNvPr id="4" name="Date Placeholder 3"/>
+          <p:cNvSpPr>
+            <a:spLocks noGrp="1"/>
+          </p:cNvSpPr>
+          <p:nvPr>
+            <p:ph type="dt" sz="half" idx="10"/>
+          </p:nvPr>
+        </p:nvSpPr>
+        <p:spPr/>
+        <p:txBody>
+          <a:bodyPr/>
+          <a:lstStyle/>
+          <a:p>
+            <a:fld id="{1906F911-B8F3-1042-B226-54911C0C3F55}" type="datetimeFigureOut">
+              <a:rPr lang="en-US" smtClean="0"/>
+              <a:t>10/12/2018</a:t>
+            </a:fld>
+            <a:endParaRPr lang="en-US"/>
+          </a:p>
+        </p:txBody>
+      </p:sp>
+      <p:sp>
+        <p:nvSpPr>
+          <p:cNvPr id="5" name="Footer Placeholder 4"/>
+          <p:cNvSpPr>
+            <a:spLocks noGrp="1"/>
+          </p:cNvSpPr>
+          <p:nvPr>
+            <p:ph type="ftr" sz="quarter" idx="11"/>
+          </p:nvPr>
+        </p:nvSpPr>
+        <p:spPr/>
+        <p:txBody>
+          <a:bodyPr/>
+          <a:lstStyle/>
+          <a:p>
+            <a:endParaRPr lang="en-US"/>
+          </a:p>
+        </p:txBody>
+      </p:sp>
+      <p:sp>
+        <p:nvSpPr>
+          <p:cNvPr id="6" name="Slide Number Placeholder 5"/>
+          <p:cNvSpPr>
+            <a:spLocks noGrp="1"/>
+          </p:cNvSpPr>
+          <p:nvPr>
+            <p:ph type="sldNum" sz="quarter" idx="12"/>
+          </p:nvPr>
+        </p:nvSpPr>
+        <p:spPr/>
+        <p:txBody>
+          <a:bodyPr/>
+          <a:lstStyle/>
+          <a:p>
+            <a:fld id="{FF3A7EF9-53EA-2943-A568-BF2FEAB92E94}" type="slidenum">
+              <a:rPr lang="en-US" smtClean="0"/>
+              <a:t>‹#›</a:t>
+            </a:fld>
+            <a:endParaRPr lang="en-US"/>
+          </a:p>
+        </p:txBody>
+      </p:sp>
+    </p:spTree>
+    <p:extLst>
+      <p:ext uri="{BB962C8B-B14F-4D97-AF65-F5344CB8AC3E}">
+        <p14:creationId xmlns:p14="http://schemas.microsoft.com/office/powerpoint/2010/main" val="3931429207"/>
+      </p:ext>
+    </p:extLst>
+  </p:cSld>
+  <p:clrMapOvr>
+    <a:masterClrMapping/>
+  </p:clrMapOvr>
+</p:sldLayout>
+</file>
+
+<file path=ppt/slideLayouts/slideLayout24.xml><?xml version="1.0" encoding="utf-8"?>
+<p:sldLayout xmlns:a="http://schemas.openxmlformats.org/drawingml/2006/main" xmlns:r="http://schemas.openxmlformats.org/officeDocument/2006/relationships" xmlns:p="http://schemas.openxmlformats.org/presentationml/2006/main" type="obj" preserve="1">
+  <p:cSld name="Title and Content">
+    <p:spTree>
+      <p:nvGrpSpPr>
+        <p:cNvPr id="1" name=""/>
+        <p:cNvGrpSpPr/>
+        <p:nvPr/>
+      </p:nvGrpSpPr>
+      <p:grpSpPr>
+        <a:xfrm>
+          <a:off x="0" y="0"/>
+          <a:ext cx="0" cy="0"/>
+          <a:chOff x="0" y="0"/>
+          <a:chExt cx="0" cy="0"/>
+        </a:xfrm>
+      </p:grpSpPr>
+      <p:sp>
+        <p:nvSpPr>
+          <p:cNvPr id="2" name="Title 1"/>
+          <p:cNvSpPr>
+            <a:spLocks noGrp="1"/>
+          </p:cNvSpPr>
+          <p:nvPr>
+            <p:ph type="title"/>
+          </p:nvPr>
+        </p:nvSpPr>
+        <p:spPr/>
+        <p:txBody>
+          <a:bodyPr/>
+          <a:lstStyle/>
+          <a:p>
+            <a:r>
+              <a:rPr lang="en-US"/>
+              <a:t>Click to edit Master title style</a:t>
+            </a:r>
+          </a:p>
+        </p:txBody>
+      </p:sp>
+      <p:sp>
+        <p:nvSpPr>
+          <p:cNvPr id="3" name="Content Placeholder 2"/>
+          <p:cNvSpPr>
+            <a:spLocks noGrp="1"/>
+          </p:cNvSpPr>
+          <p:nvPr>
+            <p:ph idx="1"/>
+          </p:nvPr>
+        </p:nvSpPr>
+        <p:spPr/>
+        <p:txBody>
+          <a:bodyPr/>
+          <a:lstStyle/>
+          <a:p>
+            <a:pPr lvl="0"/>
+            <a:r>
+              <a:rPr lang="en-US"/>
+              <a:t>Click to edit Master text styles</a:t>
+            </a:r>
+          </a:p>
+          <a:p>
+            <a:pPr lvl="1"/>
+            <a:r>
+              <a:rPr lang="en-US"/>
+              <a:t>Second level</a:t>
+            </a:r>
+          </a:p>
+          <a:p>
+            <a:pPr lvl="2"/>
+            <a:r>
+              <a:rPr lang="en-US"/>
+              <a:t>Third level</a:t>
+            </a:r>
+          </a:p>
+          <a:p>
+            <a:pPr lvl="3"/>
+            <a:r>
+              <a:rPr lang="en-US"/>
+              <a:t>Fourth level</a:t>
+            </a:r>
+          </a:p>
+          <a:p>
+            <a:pPr lvl="4"/>
+            <a:r>
+              <a:rPr lang="en-US"/>
+              <a:t>Fifth level</a:t>
+            </a:r>
+          </a:p>
+        </p:txBody>
+      </p:sp>
+      <p:sp>
+        <p:nvSpPr>
+          <p:cNvPr id="4" name="Date Placeholder 3"/>
+          <p:cNvSpPr>
+            <a:spLocks noGrp="1"/>
+          </p:cNvSpPr>
+          <p:nvPr>
+            <p:ph type="dt" sz="half" idx="10"/>
+          </p:nvPr>
+        </p:nvSpPr>
+        <p:spPr/>
+        <p:txBody>
+          <a:bodyPr/>
+          <a:lstStyle/>
+          <a:p>
+            <a:fld id="{1906F911-B8F3-1042-B226-54911C0C3F55}" type="datetimeFigureOut">
+              <a:rPr lang="en-US" smtClean="0"/>
+              <a:t>10/12/2018</a:t>
+            </a:fld>
+            <a:endParaRPr lang="en-US"/>
+          </a:p>
+        </p:txBody>
+      </p:sp>
+      <p:sp>
+        <p:nvSpPr>
+          <p:cNvPr id="5" name="Footer Placeholder 4"/>
+          <p:cNvSpPr>
+            <a:spLocks noGrp="1"/>
+          </p:cNvSpPr>
+          <p:nvPr>
+            <p:ph type="ftr" sz="quarter" idx="11"/>
+          </p:nvPr>
+        </p:nvSpPr>
+        <p:spPr/>
+        <p:txBody>
+          <a:bodyPr/>
+          <a:lstStyle/>
+          <a:p>
+            <a:endParaRPr lang="en-US"/>
+          </a:p>
+        </p:txBody>
+      </p:sp>
+      <p:sp>
+        <p:nvSpPr>
+          <p:cNvPr id="6" name="Slide Number Placeholder 5"/>
+          <p:cNvSpPr>
+            <a:spLocks noGrp="1"/>
+          </p:cNvSpPr>
+          <p:nvPr>
+            <p:ph type="sldNum" sz="quarter" idx="12"/>
+          </p:nvPr>
+        </p:nvSpPr>
+        <p:spPr/>
+        <p:txBody>
+          <a:bodyPr/>
+          <a:lstStyle/>
+          <a:p>
+            <a:fld id="{FF3A7EF9-53EA-2943-A568-BF2FEAB92E94}" type="slidenum">
+              <a:rPr lang="en-US" smtClean="0"/>
+              <a:t>‹#›</a:t>
+            </a:fld>
+            <a:endParaRPr lang="en-US"/>
+          </a:p>
+        </p:txBody>
+      </p:sp>
+    </p:spTree>
+    <p:extLst>
+      <p:ext uri="{BB962C8B-B14F-4D97-AF65-F5344CB8AC3E}">
+        <p14:creationId xmlns:p14="http://schemas.microsoft.com/office/powerpoint/2010/main" val="1286612255"/>
+      </p:ext>
+    </p:extLst>
+  </p:cSld>
+  <p:clrMapOvr>
+    <a:masterClrMapping/>
+  </p:clrMapOvr>
+</p:sldLayout>
+</file>
+
+<file path=ppt/slideLayouts/slideLayout25.xml><?xml version="1.0" encoding="utf-8"?>
 <p:sldLayout xmlns:a="http://schemas.openxmlformats.org/drawingml/2006/main" xmlns:r="http://schemas.openxmlformats.org/officeDocument/2006/relationships" xmlns:p="http://schemas.openxmlformats.org/presentationml/2006/main" type="secHead" preserve="1">
   <p:cSld name="Section Header">
     <p:spTree>
@@ -6801,13 +7161,7 @@
       </p:grpSpPr>
       <p:sp>
         <p:nvSpPr>
-          <p:cNvPr id="2" name="Title 1">
-            <a:extLst>
-              <a:ext uri="{FF2B5EF4-FFF2-40B4-BE49-F238E27FC236}">
-                <a16:creationId xmlns:a16="http://schemas.microsoft.com/office/drawing/2014/main" id="{B6689CAC-91C0-4F8C-BCA1-442A8544BDA1}"/>
-              </a:ext>
-            </a:extLst>
-          </p:cNvPr>
+          <p:cNvPr id="2" name="Title 1"/>
           <p:cNvSpPr>
             <a:spLocks noGrp="1"/>
           </p:cNvSpPr>
@@ -6838,13 +7192,7 @@
       </p:sp>
       <p:sp>
         <p:nvSpPr>
-          <p:cNvPr id="3" name="Text Placeholder 2">
-            <a:extLst>
-              <a:ext uri="{FF2B5EF4-FFF2-40B4-BE49-F238E27FC236}">
-                <a16:creationId xmlns:a16="http://schemas.microsoft.com/office/drawing/2014/main" id="{B008366B-C743-450D-92D0-0F80398BC175}"/>
-              </a:ext>
-            </a:extLst>
-          </p:cNvPr>
+          <p:cNvPr id="3" name="Text Placeholder 2"/>
           <p:cNvSpPr>
             <a:spLocks noGrp="1"/>
           </p:cNvSpPr>
@@ -6956,20 +7304,14 @@
             <a:pPr lvl="0"/>
             <a:r>
               <a:rPr lang="en-US"/>
-              <a:t>Edit Master text styles</a:t>
-            </a:r>
-          </a:p>
-        </p:txBody>
-      </p:sp>
-      <p:sp>
-        <p:nvSpPr>
-          <p:cNvPr id="4" name="Date Placeholder 3">
-            <a:extLst>
-              <a:ext uri="{FF2B5EF4-FFF2-40B4-BE49-F238E27FC236}">
-                <a16:creationId xmlns:a16="http://schemas.microsoft.com/office/drawing/2014/main" id="{58137962-F2B9-4EB1-800F-78DB5225A0B8}"/>
-              </a:ext>
-            </a:extLst>
-          </p:cNvPr>
+              <a:t>Click to edit Master text styles</a:t>
+            </a:r>
+          </a:p>
+        </p:txBody>
+      </p:sp>
+      <p:sp>
+        <p:nvSpPr>
+          <p:cNvPr id="4" name="Date Placeholder 3"/>
           <p:cNvSpPr>
             <a:spLocks noGrp="1"/>
           </p:cNvSpPr>
@@ -6982,9 +7324,9 @@
           <a:bodyPr/>
           <a:lstStyle/>
           <a:p>
-            <a:fld id="{B5D86D52-4857-4668-9EB7-B41E21252CF7}" type="datetimeFigureOut">
+            <a:fld id="{1906F911-B8F3-1042-B226-54911C0C3F55}" type="datetimeFigureOut">
               <a:rPr lang="en-US" smtClean="0"/>
-              <a:t>10/8/2018</a:t>
+              <a:t>10/12/2018</a:t>
             </a:fld>
             <a:endParaRPr lang="en-US"/>
           </a:p>
@@ -6992,13 +7334,7 @@
       </p:sp>
       <p:sp>
         <p:nvSpPr>
-          <p:cNvPr id="5" name="Footer Placeholder 4">
-            <a:extLst>
-              <a:ext uri="{FF2B5EF4-FFF2-40B4-BE49-F238E27FC236}">
-                <a16:creationId xmlns:a16="http://schemas.microsoft.com/office/drawing/2014/main" id="{6D4148F7-A1E0-404B-A261-644C555258C3}"/>
-              </a:ext>
-            </a:extLst>
-          </p:cNvPr>
+          <p:cNvPr id="5" name="Footer Placeholder 4"/>
           <p:cNvSpPr>
             <a:spLocks noGrp="1"/>
           </p:cNvSpPr>
@@ -7017,13 +7353,7 @@
       </p:sp>
       <p:sp>
         <p:nvSpPr>
-          <p:cNvPr id="6" name="Slide Number Placeholder 5">
-            <a:extLst>
-              <a:ext uri="{FF2B5EF4-FFF2-40B4-BE49-F238E27FC236}">
-                <a16:creationId xmlns:a16="http://schemas.microsoft.com/office/drawing/2014/main" id="{E5B3586B-F38F-4D81-A20C-EA09EA16DBBC}"/>
-              </a:ext>
-            </a:extLst>
-          </p:cNvPr>
+          <p:cNvPr id="6" name="Slide Number Placeholder 5"/>
           <p:cNvSpPr>
             <a:spLocks noGrp="1"/>
           </p:cNvSpPr>
@@ -7036,7 +7366,7 @@
           <a:bodyPr/>
           <a:lstStyle/>
           <a:p>
-            <a:fld id="{A9542AAE-06E7-470D-90C2-2FB1D417B3DE}" type="slidenum">
+            <a:fld id="{FF3A7EF9-53EA-2943-A568-BF2FEAB92E94}" type="slidenum">
               <a:rPr lang="en-US" smtClean="0"/>
               <a:t>‹#›</a:t>
             </a:fld>
@@ -7047,7 +7377,7 @@
     </p:spTree>
     <p:extLst>
       <p:ext uri="{BB962C8B-B14F-4D97-AF65-F5344CB8AC3E}">
-        <p14:creationId xmlns:p14="http://schemas.microsoft.com/office/powerpoint/2010/main" val="694596153"/>
+        <p14:creationId xmlns:p14="http://schemas.microsoft.com/office/powerpoint/2010/main" val="1016785212"/>
       </p:ext>
     </p:extLst>
   </p:cSld>
@@ -7057,7 +7387,7 @@
 </p:sldLayout>
 </file>
 
-<file path=ppt/slideLayouts/slideLayout4.xml><?xml version="1.0" encoding="utf-8"?>
+<file path=ppt/slideLayouts/slideLayout26.xml><?xml version="1.0" encoding="utf-8"?>
 <p:sldLayout xmlns:a="http://schemas.openxmlformats.org/drawingml/2006/main" xmlns:r="http://schemas.openxmlformats.org/officeDocument/2006/relationships" xmlns:p="http://schemas.openxmlformats.org/presentationml/2006/main" type="twoObj" preserve="1">
   <p:cSld name="Two Content">
     <p:spTree>
@@ -7076,13 +7406,7 @@
       </p:grpSpPr>
       <p:sp>
         <p:nvSpPr>
-          <p:cNvPr id="2" name="Title 1">
-            <a:extLst>
-              <a:ext uri="{FF2B5EF4-FFF2-40B4-BE49-F238E27FC236}">
-                <a16:creationId xmlns:a16="http://schemas.microsoft.com/office/drawing/2014/main" id="{FE8A913A-575B-4C0E-9BC4-F72E980E1C01}"/>
-              </a:ext>
-            </a:extLst>
-          </p:cNvPr>
+          <p:cNvPr id="2" name="Title 1"/>
           <p:cNvSpPr>
             <a:spLocks noGrp="1"/>
           </p:cNvSpPr>
@@ -7104,13 +7428,7 @@
       </p:sp>
       <p:sp>
         <p:nvSpPr>
-          <p:cNvPr id="3" name="Content Placeholder 2">
-            <a:extLst>
-              <a:ext uri="{FF2B5EF4-FFF2-40B4-BE49-F238E27FC236}">
-                <a16:creationId xmlns:a16="http://schemas.microsoft.com/office/drawing/2014/main" id="{F8648F1F-C79C-4299-B4DE-2B5A1C9BE9D5}"/>
-              </a:ext>
-            </a:extLst>
-          </p:cNvPr>
+          <p:cNvPr id="3" name="Content Placeholder 2"/>
           <p:cNvSpPr>
             <a:spLocks noGrp="1"/>
           </p:cNvSpPr>
@@ -7131,7 +7449,7 @@
             <a:pPr lvl="0"/>
             <a:r>
               <a:rPr lang="en-US"/>
-              <a:t>Edit Master text styles</a:t>
+              <a:t>Click to edit Master text styles</a:t>
             </a:r>
           </a:p>
           <a:p>
@@ -7166,13 +7484,7 @@
       </p:sp>
       <p:sp>
         <p:nvSpPr>
-          <p:cNvPr id="4" name="Content Placeholder 3">
-            <a:extLst>
-              <a:ext uri="{FF2B5EF4-FFF2-40B4-BE49-F238E27FC236}">
-                <a16:creationId xmlns:a16="http://schemas.microsoft.com/office/drawing/2014/main" id="{959051D4-1717-4E27-97F6-C7A8795D4DA4}"/>
-              </a:ext>
-            </a:extLst>
-          </p:cNvPr>
+          <p:cNvPr id="4" name="Content Placeholder 3"/>
           <p:cNvSpPr>
             <a:spLocks noGrp="1"/>
           </p:cNvSpPr>
@@ -7193,7 +7505,7 @@
             <a:pPr lvl="0"/>
             <a:r>
               <a:rPr lang="en-US"/>
-              <a:t>Edit Master text styles</a:t>
+              <a:t>Click to edit Master text styles</a:t>
             </a:r>
           </a:p>
           <a:p>
@@ -7228,13 +7540,7 @@
       </p:sp>
       <p:sp>
         <p:nvSpPr>
-          <p:cNvPr id="5" name="Date Placeholder 4">
-            <a:extLst>
-              <a:ext uri="{FF2B5EF4-FFF2-40B4-BE49-F238E27FC236}">
-                <a16:creationId xmlns:a16="http://schemas.microsoft.com/office/drawing/2014/main" id="{25891214-0042-4D0D-9DDD-8F0A712B1C94}"/>
-              </a:ext>
-            </a:extLst>
-          </p:cNvPr>
+          <p:cNvPr id="5" name="Date Placeholder 4"/>
           <p:cNvSpPr>
             <a:spLocks noGrp="1"/>
           </p:cNvSpPr>
@@ -7247,9 +7553,9 @@
           <a:bodyPr/>
           <a:lstStyle/>
           <a:p>
-            <a:fld id="{B5D86D52-4857-4668-9EB7-B41E21252CF7}" type="datetimeFigureOut">
+            <a:fld id="{1906F911-B8F3-1042-B226-54911C0C3F55}" type="datetimeFigureOut">
               <a:rPr lang="en-US" smtClean="0"/>
-              <a:t>10/8/2018</a:t>
+              <a:t>10/12/2018</a:t>
             </a:fld>
             <a:endParaRPr lang="en-US"/>
           </a:p>
@@ -7257,13 +7563,7 @@
       </p:sp>
       <p:sp>
         <p:nvSpPr>
-          <p:cNvPr id="6" name="Footer Placeholder 5">
-            <a:extLst>
-              <a:ext uri="{FF2B5EF4-FFF2-40B4-BE49-F238E27FC236}">
-                <a16:creationId xmlns:a16="http://schemas.microsoft.com/office/drawing/2014/main" id="{C64C7B05-5CCD-41ED-82A4-EA174FFACC66}"/>
-              </a:ext>
-            </a:extLst>
-          </p:cNvPr>
+          <p:cNvPr id="6" name="Footer Placeholder 5"/>
           <p:cNvSpPr>
             <a:spLocks noGrp="1"/>
           </p:cNvSpPr>
@@ -7282,13 +7582,7 @@
       </p:sp>
       <p:sp>
         <p:nvSpPr>
-          <p:cNvPr id="7" name="Slide Number Placeholder 6">
-            <a:extLst>
-              <a:ext uri="{FF2B5EF4-FFF2-40B4-BE49-F238E27FC236}">
-                <a16:creationId xmlns:a16="http://schemas.microsoft.com/office/drawing/2014/main" id="{C8F003C4-D149-4D0D-9E40-B1AD9551B59D}"/>
-              </a:ext>
-            </a:extLst>
-          </p:cNvPr>
+          <p:cNvPr id="7" name="Slide Number Placeholder 6"/>
           <p:cNvSpPr>
             <a:spLocks noGrp="1"/>
           </p:cNvSpPr>
@@ -7301,7 +7595,7 @@
           <a:bodyPr/>
           <a:lstStyle/>
           <a:p>
-            <a:fld id="{A9542AAE-06E7-470D-90C2-2FB1D417B3DE}" type="slidenum">
+            <a:fld id="{FF3A7EF9-53EA-2943-A568-BF2FEAB92E94}" type="slidenum">
               <a:rPr lang="en-US" smtClean="0"/>
               <a:t>‹#›</a:t>
             </a:fld>
@@ -7312,7 +7606,7 @@
     </p:spTree>
     <p:extLst>
       <p:ext uri="{BB962C8B-B14F-4D97-AF65-F5344CB8AC3E}">
-        <p14:creationId xmlns:p14="http://schemas.microsoft.com/office/powerpoint/2010/main" val="4093024564"/>
+        <p14:creationId xmlns:p14="http://schemas.microsoft.com/office/powerpoint/2010/main" val="532991102"/>
       </p:ext>
     </p:extLst>
   </p:cSld>
@@ -7322,7 +7616,7 @@
 </p:sldLayout>
 </file>
 
-<file path=ppt/slideLayouts/slideLayout5.xml><?xml version="1.0" encoding="utf-8"?>
+<file path=ppt/slideLayouts/slideLayout27.xml><?xml version="1.0" encoding="utf-8"?>
 <p:sldLayout xmlns:a="http://schemas.openxmlformats.org/drawingml/2006/main" xmlns:r="http://schemas.openxmlformats.org/officeDocument/2006/relationships" xmlns:p="http://schemas.openxmlformats.org/presentationml/2006/main" type="twoTxTwoObj" preserve="1">
   <p:cSld name="Comparison">
     <p:spTree>
@@ -7341,13 +7635,7 @@
       </p:grpSpPr>
       <p:sp>
         <p:nvSpPr>
-          <p:cNvPr id="2" name="Title 1">
-            <a:extLst>
-              <a:ext uri="{FF2B5EF4-FFF2-40B4-BE49-F238E27FC236}">
-                <a16:creationId xmlns:a16="http://schemas.microsoft.com/office/drawing/2014/main" id="{D0D0ABC2-3C95-495F-8666-38CDA7E145A9}"/>
-              </a:ext>
-            </a:extLst>
-          </p:cNvPr>
+          <p:cNvPr id="2" name="Title 1"/>
           <p:cNvSpPr>
             <a:spLocks noGrp="1"/>
           </p:cNvSpPr>
@@ -7374,13 +7662,7 @@
       </p:sp>
       <p:sp>
         <p:nvSpPr>
-          <p:cNvPr id="3" name="Text Placeholder 2">
-            <a:extLst>
-              <a:ext uri="{FF2B5EF4-FFF2-40B4-BE49-F238E27FC236}">
-                <a16:creationId xmlns:a16="http://schemas.microsoft.com/office/drawing/2014/main" id="{CE745E9D-33C9-4AE0-83BE-16FB44D608A9}"/>
-              </a:ext>
-            </a:extLst>
-          </p:cNvPr>
+          <p:cNvPr id="3" name="Text Placeholder 2"/>
           <p:cNvSpPr>
             <a:spLocks noGrp="1"/>
           </p:cNvSpPr>
@@ -7438,20 +7720,14 @@
             <a:pPr lvl="0"/>
             <a:r>
               <a:rPr lang="en-US"/>
-              <a:t>Edit Master text styles</a:t>
-            </a:r>
-          </a:p>
-        </p:txBody>
-      </p:sp>
-      <p:sp>
-        <p:nvSpPr>
-          <p:cNvPr id="4" name="Content Placeholder 3">
-            <a:extLst>
-              <a:ext uri="{FF2B5EF4-FFF2-40B4-BE49-F238E27FC236}">
-                <a16:creationId xmlns:a16="http://schemas.microsoft.com/office/drawing/2014/main" id="{83D4531B-055F-4D7A-861D-1CCA8ED615BD}"/>
-              </a:ext>
-            </a:extLst>
-          </p:cNvPr>
+              <a:t>Click to edit Master text styles</a:t>
+            </a:r>
+          </a:p>
+        </p:txBody>
+      </p:sp>
+      <p:sp>
+        <p:nvSpPr>
+          <p:cNvPr id="4" name="Content Placeholder 3"/>
           <p:cNvSpPr>
             <a:spLocks noGrp="1"/>
           </p:cNvSpPr>
@@ -7472,7 +7748,7 @@
             <a:pPr lvl="0"/>
             <a:r>
               <a:rPr lang="en-US"/>
-              <a:t>Edit Master text styles</a:t>
+              <a:t>Click to edit Master text styles</a:t>
             </a:r>
           </a:p>
           <a:p>
@@ -7507,13 +7783,7 @@
       </p:sp>
       <p:sp>
         <p:nvSpPr>
-          <p:cNvPr id="5" name="Text Placeholder 4">
-            <a:extLst>
-              <a:ext uri="{FF2B5EF4-FFF2-40B4-BE49-F238E27FC236}">
-                <a16:creationId xmlns:a16="http://schemas.microsoft.com/office/drawing/2014/main" id="{A42A1990-957A-4E67-8A79-F1DB04D4A377}"/>
-              </a:ext>
-            </a:extLst>
-          </p:cNvPr>
+          <p:cNvPr id="5" name="Text Placeholder 4"/>
           <p:cNvSpPr>
             <a:spLocks noGrp="1"/>
           </p:cNvSpPr>
@@ -7571,20 +7841,14 @@
             <a:pPr lvl="0"/>
             <a:r>
               <a:rPr lang="en-US"/>
-              <a:t>Edit Master text styles</a:t>
-            </a:r>
-          </a:p>
-        </p:txBody>
-      </p:sp>
-      <p:sp>
-        <p:nvSpPr>
-          <p:cNvPr id="6" name="Content Placeholder 5">
-            <a:extLst>
-              <a:ext uri="{FF2B5EF4-FFF2-40B4-BE49-F238E27FC236}">
-                <a16:creationId xmlns:a16="http://schemas.microsoft.com/office/drawing/2014/main" id="{D9319736-9954-499C-833D-B80E14332888}"/>
-              </a:ext>
-            </a:extLst>
-          </p:cNvPr>
+              <a:t>Click to edit Master text styles</a:t>
+            </a:r>
+          </a:p>
+        </p:txBody>
+      </p:sp>
+      <p:sp>
+        <p:nvSpPr>
+          <p:cNvPr id="6" name="Content Placeholder 5"/>
           <p:cNvSpPr>
             <a:spLocks noGrp="1"/>
           </p:cNvSpPr>
@@ -7605,7 +7869,7 @@
             <a:pPr lvl="0"/>
             <a:r>
               <a:rPr lang="en-US"/>
-              <a:t>Edit Master text styles</a:t>
+              <a:t>Click to edit Master text styles</a:t>
             </a:r>
           </a:p>
           <a:p>
@@ -7640,13 +7904,7 @@
       </p:sp>
       <p:sp>
         <p:nvSpPr>
-          <p:cNvPr id="7" name="Date Placeholder 6">
-            <a:extLst>
-              <a:ext uri="{FF2B5EF4-FFF2-40B4-BE49-F238E27FC236}">
-                <a16:creationId xmlns:a16="http://schemas.microsoft.com/office/drawing/2014/main" id="{337DF96D-3B9F-463B-A5F0-9854F458F2AF}"/>
-              </a:ext>
-            </a:extLst>
-          </p:cNvPr>
+          <p:cNvPr id="7" name="Date Placeholder 6"/>
           <p:cNvSpPr>
             <a:spLocks noGrp="1"/>
           </p:cNvSpPr>
@@ -7659,9 +7917,9 @@
           <a:bodyPr/>
           <a:lstStyle/>
           <a:p>
-            <a:fld id="{B5D86D52-4857-4668-9EB7-B41E21252CF7}" type="datetimeFigureOut">
+            <a:fld id="{1906F911-B8F3-1042-B226-54911C0C3F55}" type="datetimeFigureOut">
               <a:rPr lang="en-US" smtClean="0"/>
-              <a:t>10/8/2018</a:t>
+              <a:t>10/12/2018</a:t>
             </a:fld>
             <a:endParaRPr lang="en-US"/>
           </a:p>
@@ -7669,13 +7927,7 @@
       </p:sp>
       <p:sp>
         <p:nvSpPr>
-          <p:cNvPr id="8" name="Footer Placeholder 7">
-            <a:extLst>
-              <a:ext uri="{FF2B5EF4-FFF2-40B4-BE49-F238E27FC236}">
-                <a16:creationId xmlns:a16="http://schemas.microsoft.com/office/drawing/2014/main" id="{8802AB6D-CD75-4EFA-A193-0B33C772DF47}"/>
-              </a:ext>
-            </a:extLst>
-          </p:cNvPr>
+          <p:cNvPr id="8" name="Footer Placeholder 7"/>
           <p:cNvSpPr>
             <a:spLocks noGrp="1"/>
           </p:cNvSpPr>
@@ -7694,13 +7946,7 @@
       </p:sp>
       <p:sp>
         <p:nvSpPr>
-          <p:cNvPr id="9" name="Slide Number Placeholder 8">
-            <a:extLst>
-              <a:ext uri="{FF2B5EF4-FFF2-40B4-BE49-F238E27FC236}">
-                <a16:creationId xmlns:a16="http://schemas.microsoft.com/office/drawing/2014/main" id="{3C6616D0-8475-4237-A95E-3BB3727852DD}"/>
-              </a:ext>
-            </a:extLst>
-          </p:cNvPr>
+          <p:cNvPr id="9" name="Slide Number Placeholder 8"/>
           <p:cNvSpPr>
             <a:spLocks noGrp="1"/>
           </p:cNvSpPr>
@@ -7713,7 +7959,7 @@
           <a:bodyPr/>
           <a:lstStyle/>
           <a:p>
-            <a:fld id="{A9542AAE-06E7-470D-90C2-2FB1D417B3DE}" type="slidenum">
+            <a:fld id="{FF3A7EF9-53EA-2943-A568-BF2FEAB92E94}" type="slidenum">
               <a:rPr lang="en-US" smtClean="0"/>
               <a:t>‹#›</a:t>
             </a:fld>
@@ -7724,7 +7970,7 @@
     </p:spTree>
     <p:extLst>
       <p:ext uri="{BB962C8B-B14F-4D97-AF65-F5344CB8AC3E}">
-        <p14:creationId xmlns:p14="http://schemas.microsoft.com/office/powerpoint/2010/main" val="3081107386"/>
+        <p14:creationId xmlns:p14="http://schemas.microsoft.com/office/powerpoint/2010/main" val="1184038706"/>
       </p:ext>
     </p:extLst>
   </p:cSld>
@@ -7734,7 +7980,7 @@
 </p:sldLayout>
 </file>
 
-<file path=ppt/slideLayouts/slideLayout6.xml><?xml version="1.0" encoding="utf-8"?>
+<file path=ppt/slideLayouts/slideLayout28.xml><?xml version="1.0" encoding="utf-8"?>
 <p:sldLayout xmlns:a="http://schemas.openxmlformats.org/drawingml/2006/main" xmlns:r="http://schemas.openxmlformats.org/officeDocument/2006/relationships" xmlns:p="http://schemas.openxmlformats.org/presentationml/2006/main" type="titleOnly" preserve="1">
   <p:cSld name="Title Only">
     <p:spTree>
@@ -7753,13 +7999,7 @@
       </p:grpSpPr>
       <p:sp>
         <p:nvSpPr>
-          <p:cNvPr id="2" name="Title 1">
-            <a:extLst>
-              <a:ext uri="{FF2B5EF4-FFF2-40B4-BE49-F238E27FC236}">
-                <a16:creationId xmlns:a16="http://schemas.microsoft.com/office/drawing/2014/main" id="{475BAC91-DA49-4771-946E-46775E1DA684}"/>
-              </a:ext>
-            </a:extLst>
-          </p:cNvPr>
+          <p:cNvPr id="2" name="Title 1"/>
           <p:cNvSpPr>
             <a:spLocks noGrp="1"/>
           </p:cNvSpPr>
@@ -7781,13 +8021,7 @@
       </p:sp>
       <p:sp>
         <p:nvSpPr>
-          <p:cNvPr id="3" name="Date Placeholder 2">
-            <a:extLst>
-              <a:ext uri="{FF2B5EF4-FFF2-40B4-BE49-F238E27FC236}">
-                <a16:creationId xmlns:a16="http://schemas.microsoft.com/office/drawing/2014/main" id="{1C45BAD3-F9C3-4B6E-964D-113E7C189648}"/>
-              </a:ext>
-            </a:extLst>
-          </p:cNvPr>
+          <p:cNvPr id="3" name="Date Placeholder 2"/>
           <p:cNvSpPr>
             <a:spLocks noGrp="1"/>
           </p:cNvSpPr>
@@ -7800,9 +8034,9 @@
           <a:bodyPr/>
           <a:lstStyle/>
           <a:p>
-            <a:fld id="{B5D86D52-4857-4668-9EB7-B41E21252CF7}" type="datetimeFigureOut">
+            <a:fld id="{1906F911-B8F3-1042-B226-54911C0C3F55}" type="datetimeFigureOut">
               <a:rPr lang="en-US" smtClean="0"/>
-              <a:t>10/8/2018</a:t>
+              <a:t>10/12/2018</a:t>
             </a:fld>
             <a:endParaRPr lang="en-US"/>
           </a:p>
@@ -7810,13 +8044,7 @@
       </p:sp>
       <p:sp>
         <p:nvSpPr>
-          <p:cNvPr id="4" name="Footer Placeholder 3">
-            <a:extLst>
-              <a:ext uri="{FF2B5EF4-FFF2-40B4-BE49-F238E27FC236}">
-                <a16:creationId xmlns:a16="http://schemas.microsoft.com/office/drawing/2014/main" id="{94C06BA4-CB95-49B0-A9C0-476E7C7CD458}"/>
-              </a:ext>
-            </a:extLst>
-          </p:cNvPr>
+          <p:cNvPr id="4" name="Footer Placeholder 3"/>
           <p:cNvSpPr>
             <a:spLocks noGrp="1"/>
           </p:cNvSpPr>
@@ -7835,13 +8063,7 @@
       </p:sp>
       <p:sp>
         <p:nvSpPr>
-          <p:cNvPr id="5" name="Slide Number Placeholder 4">
-            <a:extLst>
-              <a:ext uri="{FF2B5EF4-FFF2-40B4-BE49-F238E27FC236}">
-                <a16:creationId xmlns:a16="http://schemas.microsoft.com/office/drawing/2014/main" id="{F67A450B-373D-4A94-BD43-56784748C978}"/>
-              </a:ext>
-            </a:extLst>
-          </p:cNvPr>
+          <p:cNvPr id="5" name="Slide Number Placeholder 4"/>
           <p:cNvSpPr>
             <a:spLocks noGrp="1"/>
           </p:cNvSpPr>
@@ -7854,7 +8076,7 @@
           <a:bodyPr/>
           <a:lstStyle/>
           <a:p>
-            <a:fld id="{A9542AAE-06E7-470D-90C2-2FB1D417B3DE}" type="slidenum">
+            <a:fld id="{FF3A7EF9-53EA-2943-A568-BF2FEAB92E94}" type="slidenum">
               <a:rPr lang="en-US" smtClean="0"/>
               <a:t>‹#›</a:t>
             </a:fld>
@@ -7865,7 +8087,7 @@
     </p:spTree>
     <p:extLst>
       <p:ext uri="{BB962C8B-B14F-4D97-AF65-F5344CB8AC3E}">
-        <p14:creationId xmlns:p14="http://schemas.microsoft.com/office/powerpoint/2010/main" val="1409491347"/>
+        <p14:creationId xmlns:p14="http://schemas.microsoft.com/office/powerpoint/2010/main" val="2001446792"/>
       </p:ext>
     </p:extLst>
   </p:cSld>
@@ -7875,7 +8097,7 @@
 </p:sldLayout>
 </file>
 
-<file path=ppt/slideLayouts/slideLayout7.xml><?xml version="1.0" encoding="utf-8"?>
+<file path=ppt/slideLayouts/slideLayout29.xml><?xml version="1.0" encoding="utf-8"?>
 <p:sldLayout xmlns:a="http://schemas.openxmlformats.org/drawingml/2006/main" xmlns:r="http://schemas.openxmlformats.org/officeDocument/2006/relationships" xmlns:p="http://schemas.openxmlformats.org/presentationml/2006/main" type="blank" preserve="1">
   <p:cSld name="Blank">
     <p:spTree>
@@ -7894,13 +8116,7 @@
       </p:grpSpPr>
       <p:sp>
         <p:nvSpPr>
-          <p:cNvPr id="2" name="Date Placeholder 1">
-            <a:extLst>
-              <a:ext uri="{FF2B5EF4-FFF2-40B4-BE49-F238E27FC236}">
-                <a16:creationId xmlns:a16="http://schemas.microsoft.com/office/drawing/2014/main" id="{C0CD9423-4A57-4694-BBAF-FA425D3BA04B}"/>
-              </a:ext>
-            </a:extLst>
-          </p:cNvPr>
+          <p:cNvPr id="2" name="Date Placeholder 1"/>
           <p:cNvSpPr>
             <a:spLocks noGrp="1"/>
           </p:cNvSpPr>
@@ -7913,9 +8129,9 @@
           <a:bodyPr/>
           <a:lstStyle/>
           <a:p>
-            <a:fld id="{B5D86D52-4857-4668-9EB7-B41E21252CF7}" type="datetimeFigureOut">
+            <a:fld id="{1906F911-B8F3-1042-B226-54911C0C3F55}" type="datetimeFigureOut">
               <a:rPr lang="en-US" smtClean="0"/>
-              <a:t>10/8/2018</a:t>
+              <a:t>10/12/2018</a:t>
             </a:fld>
             <a:endParaRPr lang="en-US"/>
           </a:p>
@@ -7923,13 +8139,7 @@
       </p:sp>
       <p:sp>
         <p:nvSpPr>
-          <p:cNvPr id="3" name="Footer Placeholder 2">
-            <a:extLst>
-              <a:ext uri="{FF2B5EF4-FFF2-40B4-BE49-F238E27FC236}">
-                <a16:creationId xmlns:a16="http://schemas.microsoft.com/office/drawing/2014/main" id="{8C6A4124-052F-4B11-AA63-5AC8BA5864D8}"/>
-              </a:ext>
-            </a:extLst>
-          </p:cNvPr>
+          <p:cNvPr id="3" name="Footer Placeholder 2"/>
           <p:cNvSpPr>
             <a:spLocks noGrp="1"/>
           </p:cNvSpPr>
@@ -7948,13 +8158,7 @@
       </p:sp>
       <p:sp>
         <p:nvSpPr>
-          <p:cNvPr id="4" name="Slide Number Placeholder 3">
-            <a:extLst>
-              <a:ext uri="{FF2B5EF4-FFF2-40B4-BE49-F238E27FC236}">
-                <a16:creationId xmlns:a16="http://schemas.microsoft.com/office/drawing/2014/main" id="{B6548BE6-6126-4E47-94FD-5D4B2474D426}"/>
-              </a:ext>
-            </a:extLst>
-          </p:cNvPr>
+          <p:cNvPr id="4" name="Slide Number Placeholder 3"/>
           <p:cNvSpPr>
             <a:spLocks noGrp="1"/>
           </p:cNvSpPr>
@@ -7967,7 +8171,7 @@
           <a:bodyPr/>
           <a:lstStyle/>
           <a:p>
-            <a:fld id="{A9542AAE-06E7-470D-90C2-2FB1D417B3DE}" type="slidenum">
+            <a:fld id="{FF3A7EF9-53EA-2943-A568-BF2FEAB92E94}" type="slidenum">
               <a:rPr lang="en-US" smtClean="0"/>
               <a:t>‹#›</a:t>
             </a:fld>
@@ -7978,7 +8182,7 @@
     </p:spTree>
     <p:extLst>
       <p:ext uri="{BB962C8B-B14F-4D97-AF65-F5344CB8AC3E}">
-        <p14:creationId xmlns:p14="http://schemas.microsoft.com/office/powerpoint/2010/main" val="35854030"/>
+        <p14:creationId xmlns:p14="http://schemas.microsoft.com/office/powerpoint/2010/main" val="1231338029"/>
       </p:ext>
     </p:extLst>
   </p:cSld>
@@ -7988,7 +8192,282 @@
 </p:sldLayout>
 </file>
 
-<file path=ppt/slideLayouts/slideLayout8.xml><?xml version="1.0" encoding="utf-8"?>
+<file path=ppt/slideLayouts/slideLayout3.xml><?xml version="1.0" encoding="utf-8"?>
+<p:sldLayout xmlns:a="http://schemas.openxmlformats.org/drawingml/2006/main" xmlns:r="http://schemas.openxmlformats.org/officeDocument/2006/relationships" xmlns:p="http://schemas.openxmlformats.org/presentationml/2006/main" type="secHead" preserve="1">
+  <p:cSld name="Section Header">
+    <p:spTree>
+      <p:nvGrpSpPr>
+        <p:cNvPr id="1" name=""/>
+        <p:cNvGrpSpPr/>
+        <p:nvPr/>
+      </p:nvGrpSpPr>
+      <p:grpSpPr>
+        <a:xfrm>
+          <a:off x="0" y="0"/>
+          <a:ext cx="0" cy="0"/>
+          <a:chOff x="0" y="0"/>
+          <a:chExt cx="0" cy="0"/>
+        </a:xfrm>
+      </p:grpSpPr>
+      <p:sp>
+        <p:nvSpPr>
+          <p:cNvPr id="2" name="Title 1">
+            <a:extLst>
+              <a:ext uri="{FF2B5EF4-FFF2-40B4-BE49-F238E27FC236}">
+                <a16:creationId xmlns:a16="http://schemas.microsoft.com/office/drawing/2014/main" id="{B6689CAC-91C0-4F8C-BCA1-442A8544BDA1}"/>
+              </a:ext>
+            </a:extLst>
+          </p:cNvPr>
+          <p:cNvSpPr>
+            <a:spLocks noGrp="1"/>
+          </p:cNvSpPr>
+          <p:nvPr>
+            <p:ph type="title"/>
+          </p:nvPr>
+        </p:nvSpPr>
+        <p:spPr>
+          <a:xfrm>
+            <a:off x="831850" y="1709738"/>
+            <a:ext cx="10515600" cy="2852737"/>
+          </a:xfrm>
+        </p:spPr>
+        <p:txBody>
+          <a:bodyPr anchor="b"/>
+          <a:lstStyle>
+            <a:lvl1pPr>
+              <a:defRPr sz="6000"/>
+            </a:lvl1pPr>
+          </a:lstStyle>
+          <a:p>
+            <a:r>
+              <a:rPr lang="en-US"/>
+              <a:t>Click to edit Master title style</a:t>
+            </a:r>
+          </a:p>
+        </p:txBody>
+      </p:sp>
+      <p:sp>
+        <p:nvSpPr>
+          <p:cNvPr id="3" name="Text Placeholder 2">
+            <a:extLst>
+              <a:ext uri="{FF2B5EF4-FFF2-40B4-BE49-F238E27FC236}">
+                <a16:creationId xmlns:a16="http://schemas.microsoft.com/office/drawing/2014/main" id="{B008366B-C743-450D-92D0-0F80398BC175}"/>
+              </a:ext>
+            </a:extLst>
+          </p:cNvPr>
+          <p:cNvSpPr>
+            <a:spLocks noGrp="1"/>
+          </p:cNvSpPr>
+          <p:nvPr>
+            <p:ph type="body" idx="1"/>
+          </p:nvPr>
+        </p:nvSpPr>
+        <p:spPr>
+          <a:xfrm>
+            <a:off x="831850" y="4589463"/>
+            <a:ext cx="10515600" cy="1500187"/>
+          </a:xfrm>
+        </p:spPr>
+        <p:txBody>
+          <a:bodyPr/>
+          <a:lstStyle>
+            <a:lvl1pPr marL="0" indent="0">
+              <a:buNone/>
+              <a:defRPr sz="2400">
+                <a:solidFill>
+                  <a:schemeClr val="tx1">
+                    <a:tint val="75000"/>
+                  </a:schemeClr>
+                </a:solidFill>
+              </a:defRPr>
+            </a:lvl1pPr>
+            <a:lvl2pPr marL="457200" indent="0">
+              <a:buNone/>
+              <a:defRPr sz="2000">
+                <a:solidFill>
+                  <a:schemeClr val="tx1">
+                    <a:tint val="75000"/>
+                  </a:schemeClr>
+                </a:solidFill>
+              </a:defRPr>
+            </a:lvl2pPr>
+            <a:lvl3pPr marL="914400" indent="0">
+              <a:buNone/>
+              <a:defRPr sz="1800">
+                <a:solidFill>
+                  <a:schemeClr val="tx1">
+                    <a:tint val="75000"/>
+                  </a:schemeClr>
+                </a:solidFill>
+              </a:defRPr>
+            </a:lvl3pPr>
+            <a:lvl4pPr marL="1371600" indent="0">
+              <a:buNone/>
+              <a:defRPr sz="1600">
+                <a:solidFill>
+                  <a:schemeClr val="tx1">
+                    <a:tint val="75000"/>
+                  </a:schemeClr>
+                </a:solidFill>
+              </a:defRPr>
+            </a:lvl4pPr>
+            <a:lvl5pPr marL="1828800" indent="0">
+              <a:buNone/>
+              <a:defRPr sz="1600">
+                <a:solidFill>
+                  <a:schemeClr val="tx1">
+                    <a:tint val="75000"/>
+                  </a:schemeClr>
+                </a:solidFill>
+              </a:defRPr>
+            </a:lvl5pPr>
+            <a:lvl6pPr marL="2286000" indent="0">
+              <a:buNone/>
+              <a:defRPr sz="1600">
+                <a:solidFill>
+                  <a:schemeClr val="tx1">
+                    <a:tint val="75000"/>
+                  </a:schemeClr>
+                </a:solidFill>
+              </a:defRPr>
+            </a:lvl6pPr>
+            <a:lvl7pPr marL="2743200" indent="0">
+              <a:buNone/>
+              <a:defRPr sz="1600">
+                <a:solidFill>
+                  <a:schemeClr val="tx1">
+                    <a:tint val="75000"/>
+                  </a:schemeClr>
+                </a:solidFill>
+              </a:defRPr>
+            </a:lvl7pPr>
+            <a:lvl8pPr marL="3200400" indent="0">
+              <a:buNone/>
+              <a:defRPr sz="1600">
+                <a:solidFill>
+                  <a:schemeClr val="tx1">
+                    <a:tint val="75000"/>
+                  </a:schemeClr>
+                </a:solidFill>
+              </a:defRPr>
+            </a:lvl8pPr>
+            <a:lvl9pPr marL="3657600" indent="0">
+              <a:buNone/>
+              <a:defRPr sz="1600">
+                <a:solidFill>
+                  <a:schemeClr val="tx1">
+                    <a:tint val="75000"/>
+                  </a:schemeClr>
+                </a:solidFill>
+              </a:defRPr>
+            </a:lvl9pPr>
+          </a:lstStyle>
+          <a:p>
+            <a:pPr lvl="0"/>
+            <a:r>
+              <a:rPr lang="en-US"/>
+              <a:t>Edit Master text styles</a:t>
+            </a:r>
+          </a:p>
+        </p:txBody>
+      </p:sp>
+      <p:sp>
+        <p:nvSpPr>
+          <p:cNvPr id="4" name="Date Placeholder 3">
+            <a:extLst>
+              <a:ext uri="{FF2B5EF4-FFF2-40B4-BE49-F238E27FC236}">
+                <a16:creationId xmlns:a16="http://schemas.microsoft.com/office/drawing/2014/main" id="{58137962-F2B9-4EB1-800F-78DB5225A0B8}"/>
+              </a:ext>
+            </a:extLst>
+          </p:cNvPr>
+          <p:cNvSpPr>
+            <a:spLocks noGrp="1"/>
+          </p:cNvSpPr>
+          <p:nvPr>
+            <p:ph type="dt" sz="half" idx="10"/>
+          </p:nvPr>
+        </p:nvSpPr>
+        <p:spPr/>
+        <p:txBody>
+          <a:bodyPr/>
+          <a:lstStyle/>
+          <a:p>
+            <a:fld id="{B5D86D52-4857-4668-9EB7-B41E21252CF7}" type="datetimeFigureOut">
+              <a:rPr lang="en-US" smtClean="0"/>
+              <a:t>10/12/2018</a:t>
+            </a:fld>
+            <a:endParaRPr lang="en-US"/>
+          </a:p>
+        </p:txBody>
+      </p:sp>
+      <p:sp>
+        <p:nvSpPr>
+          <p:cNvPr id="5" name="Footer Placeholder 4">
+            <a:extLst>
+              <a:ext uri="{FF2B5EF4-FFF2-40B4-BE49-F238E27FC236}">
+                <a16:creationId xmlns:a16="http://schemas.microsoft.com/office/drawing/2014/main" id="{6D4148F7-A1E0-404B-A261-644C555258C3}"/>
+              </a:ext>
+            </a:extLst>
+          </p:cNvPr>
+          <p:cNvSpPr>
+            <a:spLocks noGrp="1"/>
+          </p:cNvSpPr>
+          <p:nvPr>
+            <p:ph type="ftr" sz="quarter" idx="11"/>
+          </p:nvPr>
+        </p:nvSpPr>
+        <p:spPr/>
+        <p:txBody>
+          <a:bodyPr/>
+          <a:lstStyle/>
+          <a:p>
+            <a:endParaRPr lang="en-US"/>
+          </a:p>
+        </p:txBody>
+      </p:sp>
+      <p:sp>
+        <p:nvSpPr>
+          <p:cNvPr id="6" name="Slide Number Placeholder 5">
+            <a:extLst>
+              <a:ext uri="{FF2B5EF4-FFF2-40B4-BE49-F238E27FC236}">
+                <a16:creationId xmlns:a16="http://schemas.microsoft.com/office/drawing/2014/main" id="{E5B3586B-F38F-4D81-A20C-EA09EA16DBBC}"/>
+              </a:ext>
+            </a:extLst>
+          </p:cNvPr>
+          <p:cNvSpPr>
+            <a:spLocks noGrp="1"/>
+          </p:cNvSpPr>
+          <p:nvPr>
+            <p:ph type="sldNum" sz="quarter" idx="12"/>
+          </p:nvPr>
+        </p:nvSpPr>
+        <p:spPr/>
+        <p:txBody>
+          <a:bodyPr/>
+          <a:lstStyle/>
+          <a:p>
+            <a:fld id="{A9542AAE-06E7-470D-90C2-2FB1D417B3DE}" type="slidenum">
+              <a:rPr lang="en-US" smtClean="0"/>
+              <a:t>‹#›</a:t>
+            </a:fld>
+            <a:endParaRPr lang="en-US"/>
+          </a:p>
+        </p:txBody>
+      </p:sp>
+    </p:spTree>
+    <p:extLst>
+      <p:ext uri="{BB962C8B-B14F-4D97-AF65-F5344CB8AC3E}">
+        <p14:creationId xmlns:p14="http://schemas.microsoft.com/office/powerpoint/2010/main" val="694596153"/>
+      </p:ext>
+    </p:extLst>
+  </p:cSld>
+  <p:clrMapOvr>
+    <a:masterClrMapping/>
+  </p:clrMapOvr>
+</p:sldLayout>
+</file>
+
+<file path=ppt/slideLayouts/slideLayout30.xml><?xml version="1.0" encoding="utf-8"?>
 <p:sldLayout xmlns:a="http://schemas.openxmlformats.org/drawingml/2006/main" xmlns:r="http://schemas.openxmlformats.org/officeDocument/2006/relationships" xmlns:p="http://schemas.openxmlformats.org/presentationml/2006/main" type="objTx" preserve="1">
   <p:cSld name="Content with Caption">
     <p:spTree>
@@ -8007,13 +8486,7 @@
       </p:grpSpPr>
       <p:sp>
         <p:nvSpPr>
-          <p:cNvPr id="2" name="Title 1">
-            <a:extLst>
-              <a:ext uri="{FF2B5EF4-FFF2-40B4-BE49-F238E27FC236}">
-                <a16:creationId xmlns:a16="http://schemas.microsoft.com/office/drawing/2014/main" id="{78E1EBBF-1F95-46A0-A719-B5510C4EB281}"/>
-              </a:ext>
-            </a:extLst>
-          </p:cNvPr>
+          <p:cNvPr id="2" name="Title 1"/>
           <p:cNvSpPr>
             <a:spLocks noGrp="1"/>
           </p:cNvSpPr>
@@ -8044,13 +8517,7 @@
       </p:sp>
       <p:sp>
         <p:nvSpPr>
-          <p:cNvPr id="3" name="Content Placeholder 2">
-            <a:extLst>
-              <a:ext uri="{FF2B5EF4-FFF2-40B4-BE49-F238E27FC236}">
-                <a16:creationId xmlns:a16="http://schemas.microsoft.com/office/drawing/2014/main" id="{607B8433-F602-45AB-AE04-EEA127B73262}"/>
-              </a:ext>
-            </a:extLst>
-          </p:cNvPr>
+          <p:cNvPr id="3" name="Content Placeholder 2"/>
           <p:cNvSpPr>
             <a:spLocks noGrp="1"/>
           </p:cNvSpPr>
@@ -8099,7 +8566,7 @@
             <a:pPr lvl="0"/>
             <a:r>
               <a:rPr lang="en-US"/>
-              <a:t>Edit Master text styles</a:t>
+              <a:t>Click to edit Master text styles</a:t>
             </a:r>
           </a:p>
           <a:p>
@@ -8134,13 +8601,7 @@
       </p:sp>
       <p:sp>
         <p:nvSpPr>
-          <p:cNvPr id="4" name="Text Placeholder 3">
-            <a:extLst>
-              <a:ext uri="{FF2B5EF4-FFF2-40B4-BE49-F238E27FC236}">
-                <a16:creationId xmlns:a16="http://schemas.microsoft.com/office/drawing/2014/main" id="{A8B96607-1252-4AC6-9734-F1C77911E9BB}"/>
-              </a:ext>
-            </a:extLst>
-          </p:cNvPr>
+          <p:cNvPr id="4" name="Text Placeholder 3"/>
           <p:cNvSpPr>
             <a:spLocks noGrp="1"/>
           </p:cNvSpPr>
@@ -8198,20 +8659,14 @@
             <a:pPr lvl="0"/>
             <a:r>
               <a:rPr lang="en-US"/>
-              <a:t>Edit Master text styles</a:t>
-            </a:r>
-          </a:p>
-        </p:txBody>
-      </p:sp>
-      <p:sp>
-        <p:nvSpPr>
-          <p:cNvPr id="5" name="Date Placeholder 4">
-            <a:extLst>
-              <a:ext uri="{FF2B5EF4-FFF2-40B4-BE49-F238E27FC236}">
-                <a16:creationId xmlns:a16="http://schemas.microsoft.com/office/drawing/2014/main" id="{E1601919-719F-4C66-847E-40CDCC670742}"/>
-              </a:ext>
-            </a:extLst>
-          </p:cNvPr>
+              <a:t>Click to edit Master text styles</a:t>
+            </a:r>
+          </a:p>
+        </p:txBody>
+      </p:sp>
+      <p:sp>
+        <p:nvSpPr>
+          <p:cNvPr id="5" name="Date Placeholder 4"/>
           <p:cNvSpPr>
             <a:spLocks noGrp="1"/>
           </p:cNvSpPr>
@@ -8224,9 +8679,9 @@
           <a:bodyPr/>
           <a:lstStyle/>
           <a:p>
-            <a:fld id="{B5D86D52-4857-4668-9EB7-B41E21252CF7}" type="datetimeFigureOut">
+            <a:fld id="{1906F911-B8F3-1042-B226-54911C0C3F55}" type="datetimeFigureOut">
               <a:rPr lang="en-US" smtClean="0"/>
-              <a:t>10/8/2018</a:t>
+              <a:t>10/12/2018</a:t>
             </a:fld>
             <a:endParaRPr lang="en-US"/>
           </a:p>
@@ -8234,13 +8689,7 @@
       </p:sp>
       <p:sp>
         <p:nvSpPr>
-          <p:cNvPr id="6" name="Footer Placeholder 5">
-            <a:extLst>
-              <a:ext uri="{FF2B5EF4-FFF2-40B4-BE49-F238E27FC236}">
-                <a16:creationId xmlns:a16="http://schemas.microsoft.com/office/drawing/2014/main" id="{78405029-368B-4496-B3EF-5B42BBA8017D}"/>
-              </a:ext>
-            </a:extLst>
-          </p:cNvPr>
+          <p:cNvPr id="6" name="Footer Placeholder 5"/>
           <p:cNvSpPr>
             <a:spLocks noGrp="1"/>
           </p:cNvSpPr>
@@ -8259,13 +8708,7 @@
       </p:sp>
       <p:sp>
         <p:nvSpPr>
-          <p:cNvPr id="7" name="Slide Number Placeholder 6">
-            <a:extLst>
-              <a:ext uri="{FF2B5EF4-FFF2-40B4-BE49-F238E27FC236}">
-                <a16:creationId xmlns:a16="http://schemas.microsoft.com/office/drawing/2014/main" id="{6E448800-ABA2-46E5-AA0B-C0593C6C2AAA}"/>
-              </a:ext>
-            </a:extLst>
-          </p:cNvPr>
+          <p:cNvPr id="7" name="Slide Number Placeholder 6"/>
           <p:cNvSpPr>
             <a:spLocks noGrp="1"/>
           </p:cNvSpPr>
@@ -8278,7 +8721,7 @@
           <a:bodyPr/>
           <a:lstStyle/>
           <a:p>
-            <a:fld id="{A9542AAE-06E7-470D-90C2-2FB1D417B3DE}" type="slidenum">
+            <a:fld id="{FF3A7EF9-53EA-2943-A568-BF2FEAB92E94}" type="slidenum">
               <a:rPr lang="en-US" smtClean="0"/>
               <a:t>‹#›</a:t>
             </a:fld>
@@ -8289,7 +8732,7 @@
     </p:spTree>
     <p:extLst>
       <p:ext uri="{BB962C8B-B14F-4D97-AF65-F5344CB8AC3E}">
-        <p14:creationId xmlns:p14="http://schemas.microsoft.com/office/powerpoint/2010/main" val="1338901046"/>
+        <p14:creationId xmlns:p14="http://schemas.microsoft.com/office/powerpoint/2010/main" val="3964231783"/>
       </p:ext>
     </p:extLst>
   </p:cSld>
@@ -8299,7 +8742,7 @@
 </p:sldLayout>
 </file>
 
-<file path=ppt/slideLayouts/slideLayout9.xml><?xml version="1.0" encoding="utf-8"?>
+<file path=ppt/slideLayouts/slideLayout31.xml><?xml version="1.0" encoding="utf-8"?>
 <p:sldLayout xmlns:a="http://schemas.openxmlformats.org/drawingml/2006/main" xmlns:r="http://schemas.openxmlformats.org/officeDocument/2006/relationships" xmlns:p="http://schemas.openxmlformats.org/presentationml/2006/main" type="picTx" preserve="1">
   <p:cSld name="Picture with Caption">
     <p:spTree>
@@ -8318,13 +8761,7 @@
       </p:grpSpPr>
       <p:sp>
         <p:nvSpPr>
-          <p:cNvPr id="2" name="Title 1">
-            <a:extLst>
-              <a:ext uri="{FF2B5EF4-FFF2-40B4-BE49-F238E27FC236}">
-                <a16:creationId xmlns:a16="http://schemas.microsoft.com/office/drawing/2014/main" id="{0CA9A664-C4DD-45B8-895F-F4AE576B4754}"/>
-              </a:ext>
-            </a:extLst>
-          </p:cNvPr>
+          <p:cNvPr id="2" name="Title 1"/>
           <p:cNvSpPr>
             <a:spLocks noGrp="1"/>
           </p:cNvSpPr>
@@ -8355,13 +8792,7 @@
       </p:sp>
       <p:sp>
         <p:nvSpPr>
-          <p:cNvPr id="3" name="Picture Placeholder 2">
-            <a:extLst>
-              <a:ext uri="{FF2B5EF4-FFF2-40B4-BE49-F238E27FC236}">
-                <a16:creationId xmlns:a16="http://schemas.microsoft.com/office/drawing/2014/main" id="{99C2BCD5-A163-448F-A63E-DB86A63271AE}"/>
-              </a:ext>
-            </a:extLst>
-          </p:cNvPr>
+          <p:cNvPr id="3" name="Picture Placeholder 2"/>
           <p:cNvSpPr>
             <a:spLocks noGrp="1"/>
           </p:cNvSpPr>
@@ -8422,13 +8853,7 @@
       </p:sp>
       <p:sp>
         <p:nvSpPr>
-          <p:cNvPr id="4" name="Text Placeholder 3">
-            <a:extLst>
-              <a:ext uri="{FF2B5EF4-FFF2-40B4-BE49-F238E27FC236}">
-                <a16:creationId xmlns:a16="http://schemas.microsoft.com/office/drawing/2014/main" id="{A0AADA5C-974F-44F4-ADB5-2FDAAD0A1A2B}"/>
-              </a:ext>
-            </a:extLst>
-          </p:cNvPr>
+          <p:cNvPr id="4" name="Text Placeholder 3"/>
           <p:cNvSpPr>
             <a:spLocks noGrp="1"/>
           </p:cNvSpPr>
@@ -8486,6 +8911,1864 @@
             <a:pPr lvl="0"/>
             <a:r>
               <a:rPr lang="en-US"/>
+              <a:t>Click to edit Master text styles</a:t>
+            </a:r>
+          </a:p>
+        </p:txBody>
+      </p:sp>
+      <p:sp>
+        <p:nvSpPr>
+          <p:cNvPr id="5" name="Date Placeholder 4"/>
+          <p:cNvSpPr>
+            <a:spLocks noGrp="1"/>
+          </p:cNvSpPr>
+          <p:nvPr>
+            <p:ph type="dt" sz="half" idx="10"/>
+          </p:nvPr>
+        </p:nvSpPr>
+        <p:spPr/>
+        <p:txBody>
+          <a:bodyPr/>
+          <a:lstStyle/>
+          <a:p>
+            <a:fld id="{1906F911-B8F3-1042-B226-54911C0C3F55}" type="datetimeFigureOut">
+              <a:rPr lang="en-US" smtClean="0"/>
+              <a:t>10/12/2018</a:t>
+            </a:fld>
+            <a:endParaRPr lang="en-US"/>
+          </a:p>
+        </p:txBody>
+      </p:sp>
+      <p:sp>
+        <p:nvSpPr>
+          <p:cNvPr id="6" name="Footer Placeholder 5"/>
+          <p:cNvSpPr>
+            <a:spLocks noGrp="1"/>
+          </p:cNvSpPr>
+          <p:nvPr>
+            <p:ph type="ftr" sz="quarter" idx="11"/>
+          </p:nvPr>
+        </p:nvSpPr>
+        <p:spPr/>
+        <p:txBody>
+          <a:bodyPr/>
+          <a:lstStyle/>
+          <a:p>
+            <a:endParaRPr lang="en-US"/>
+          </a:p>
+        </p:txBody>
+      </p:sp>
+      <p:sp>
+        <p:nvSpPr>
+          <p:cNvPr id="7" name="Slide Number Placeholder 6"/>
+          <p:cNvSpPr>
+            <a:spLocks noGrp="1"/>
+          </p:cNvSpPr>
+          <p:nvPr>
+            <p:ph type="sldNum" sz="quarter" idx="12"/>
+          </p:nvPr>
+        </p:nvSpPr>
+        <p:spPr/>
+        <p:txBody>
+          <a:bodyPr/>
+          <a:lstStyle/>
+          <a:p>
+            <a:fld id="{FF3A7EF9-53EA-2943-A568-BF2FEAB92E94}" type="slidenum">
+              <a:rPr lang="en-US" smtClean="0"/>
+              <a:t>‹#›</a:t>
+            </a:fld>
+            <a:endParaRPr lang="en-US"/>
+          </a:p>
+        </p:txBody>
+      </p:sp>
+    </p:spTree>
+    <p:extLst>
+      <p:ext uri="{BB962C8B-B14F-4D97-AF65-F5344CB8AC3E}">
+        <p14:creationId xmlns:p14="http://schemas.microsoft.com/office/powerpoint/2010/main" val="2412525549"/>
+      </p:ext>
+    </p:extLst>
+  </p:cSld>
+  <p:clrMapOvr>
+    <a:masterClrMapping/>
+  </p:clrMapOvr>
+</p:sldLayout>
+</file>
+
+<file path=ppt/slideLayouts/slideLayout32.xml><?xml version="1.0" encoding="utf-8"?>
+<p:sldLayout xmlns:a="http://schemas.openxmlformats.org/drawingml/2006/main" xmlns:r="http://schemas.openxmlformats.org/officeDocument/2006/relationships" xmlns:p="http://schemas.openxmlformats.org/presentationml/2006/main" type="vertTx" preserve="1">
+  <p:cSld name="Title and Vertical Text">
+    <p:spTree>
+      <p:nvGrpSpPr>
+        <p:cNvPr id="1" name=""/>
+        <p:cNvGrpSpPr/>
+        <p:nvPr/>
+      </p:nvGrpSpPr>
+      <p:grpSpPr>
+        <a:xfrm>
+          <a:off x="0" y="0"/>
+          <a:ext cx="0" cy="0"/>
+          <a:chOff x="0" y="0"/>
+          <a:chExt cx="0" cy="0"/>
+        </a:xfrm>
+      </p:grpSpPr>
+      <p:sp>
+        <p:nvSpPr>
+          <p:cNvPr id="2" name="Title 1"/>
+          <p:cNvSpPr>
+            <a:spLocks noGrp="1"/>
+          </p:cNvSpPr>
+          <p:nvPr>
+            <p:ph type="title"/>
+          </p:nvPr>
+        </p:nvSpPr>
+        <p:spPr/>
+        <p:txBody>
+          <a:bodyPr/>
+          <a:lstStyle/>
+          <a:p>
+            <a:r>
+              <a:rPr lang="en-US"/>
+              <a:t>Click to edit Master title style</a:t>
+            </a:r>
+          </a:p>
+        </p:txBody>
+      </p:sp>
+      <p:sp>
+        <p:nvSpPr>
+          <p:cNvPr id="3" name="Vertical Text Placeholder 2"/>
+          <p:cNvSpPr>
+            <a:spLocks noGrp="1"/>
+          </p:cNvSpPr>
+          <p:nvPr>
+            <p:ph type="body" orient="vert" idx="1"/>
+          </p:nvPr>
+        </p:nvSpPr>
+        <p:spPr/>
+        <p:txBody>
+          <a:bodyPr vert="eaVert"/>
+          <a:lstStyle/>
+          <a:p>
+            <a:pPr lvl="0"/>
+            <a:r>
+              <a:rPr lang="en-US"/>
+              <a:t>Click to edit Master text styles</a:t>
+            </a:r>
+          </a:p>
+          <a:p>
+            <a:pPr lvl="1"/>
+            <a:r>
+              <a:rPr lang="en-US"/>
+              <a:t>Second level</a:t>
+            </a:r>
+          </a:p>
+          <a:p>
+            <a:pPr lvl="2"/>
+            <a:r>
+              <a:rPr lang="en-US"/>
+              <a:t>Third level</a:t>
+            </a:r>
+          </a:p>
+          <a:p>
+            <a:pPr lvl="3"/>
+            <a:r>
+              <a:rPr lang="en-US"/>
+              <a:t>Fourth level</a:t>
+            </a:r>
+          </a:p>
+          <a:p>
+            <a:pPr lvl="4"/>
+            <a:r>
+              <a:rPr lang="en-US"/>
+              <a:t>Fifth level</a:t>
+            </a:r>
+          </a:p>
+        </p:txBody>
+      </p:sp>
+      <p:sp>
+        <p:nvSpPr>
+          <p:cNvPr id="4" name="Date Placeholder 3"/>
+          <p:cNvSpPr>
+            <a:spLocks noGrp="1"/>
+          </p:cNvSpPr>
+          <p:nvPr>
+            <p:ph type="dt" sz="half" idx="10"/>
+          </p:nvPr>
+        </p:nvSpPr>
+        <p:spPr/>
+        <p:txBody>
+          <a:bodyPr/>
+          <a:lstStyle/>
+          <a:p>
+            <a:fld id="{1906F911-B8F3-1042-B226-54911C0C3F55}" type="datetimeFigureOut">
+              <a:rPr lang="en-US" smtClean="0"/>
+              <a:t>10/12/2018</a:t>
+            </a:fld>
+            <a:endParaRPr lang="en-US"/>
+          </a:p>
+        </p:txBody>
+      </p:sp>
+      <p:sp>
+        <p:nvSpPr>
+          <p:cNvPr id="5" name="Footer Placeholder 4"/>
+          <p:cNvSpPr>
+            <a:spLocks noGrp="1"/>
+          </p:cNvSpPr>
+          <p:nvPr>
+            <p:ph type="ftr" sz="quarter" idx="11"/>
+          </p:nvPr>
+        </p:nvSpPr>
+        <p:spPr/>
+        <p:txBody>
+          <a:bodyPr/>
+          <a:lstStyle/>
+          <a:p>
+            <a:endParaRPr lang="en-US"/>
+          </a:p>
+        </p:txBody>
+      </p:sp>
+      <p:sp>
+        <p:nvSpPr>
+          <p:cNvPr id="6" name="Slide Number Placeholder 5"/>
+          <p:cNvSpPr>
+            <a:spLocks noGrp="1"/>
+          </p:cNvSpPr>
+          <p:nvPr>
+            <p:ph type="sldNum" sz="quarter" idx="12"/>
+          </p:nvPr>
+        </p:nvSpPr>
+        <p:spPr/>
+        <p:txBody>
+          <a:bodyPr/>
+          <a:lstStyle/>
+          <a:p>
+            <a:fld id="{FF3A7EF9-53EA-2943-A568-BF2FEAB92E94}" type="slidenum">
+              <a:rPr lang="en-US" smtClean="0"/>
+              <a:t>‹#›</a:t>
+            </a:fld>
+            <a:endParaRPr lang="en-US"/>
+          </a:p>
+        </p:txBody>
+      </p:sp>
+    </p:spTree>
+    <p:extLst>
+      <p:ext uri="{BB962C8B-B14F-4D97-AF65-F5344CB8AC3E}">
+        <p14:creationId xmlns:p14="http://schemas.microsoft.com/office/powerpoint/2010/main" val="741159762"/>
+      </p:ext>
+    </p:extLst>
+  </p:cSld>
+  <p:clrMapOvr>
+    <a:masterClrMapping/>
+  </p:clrMapOvr>
+</p:sldLayout>
+</file>
+
+<file path=ppt/slideLayouts/slideLayout33.xml><?xml version="1.0" encoding="utf-8"?>
+<p:sldLayout xmlns:a="http://schemas.openxmlformats.org/drawingml/2006/main" xmlns:r="http://schemas.openxmlformats.org/officeDocument/2006/relationships" xmlns:p="http://schemas.openxmlformats.org/presentationml/2006/main" type="vertTitleAndTx" preserve="1">
+  <p:cSld name="Vertical Title and Text">
+    <p:spTree>
+      <p:nvGrpSpPr>
+        <p:cNvPr id="1" name=""/>
+        <p:cNvGrpSpPr/>
+        <p:nvPr/>
+      </p:nvGrpSpPr>
+      <p:grpSpPr>
+        <a:xfrm>
+          <a:off x="0" y="0"/>
+          <a:ext cx="0" cy="0"/>
+          <a:chOff x="0" y="0"/>
+          <a:chExt cx="0" cy="0"/>
+        </a:xfrm>
+      </p:grpSpPr>
+      <p:sp>
+        <p:nvSpPr>
+          <p:cNvPr id="2" name="Vertical Title 1"/>
+          <p:cNvSpPr>
+            <a:spLocks noGrp="1"/>
+          </p:cNvSpPr>
+          <p:nvPr>
+            <p:ph type="title" orient="vert"/>
+          </p:nvPr>
+        </p:nvSpPr>
+        <p:spPr>
+          <a:xfrm>
+            <a:off x="8724900" y="365125"/>
+            <a:ext cx="2628900" cy="5811838"/>
+          </a:xfrm>
+        </p:spPr>
+        <p:txBody>
+          <a:bodyPr vert="eaVert"/>
+          <a:lstStyle/>
+          <a:p>
+            <a:r>
+              <a:rPr lang="en-US"/>
+              <a:t>Click to edit Master title style</a:t>
+            </a:r>
+          </a:p>
+        </p:txBody>
+      </p:sp>
+      <p:sp>
+        <p:nvSpPr>
+          <p:cNvPr id="3" name="Vertical Text Placeholder 2"/>
+          <p:cNvSpPr>
+            <a:spLocks noGrp="1"/>
+          </p:cNvSpPr>
+          <p:nvPr>
+            <p:ph type="body" orient="vert" idx="1"/>
+          </p:nvPr>
+        </p:nvSpPr>
+        <p:spPr>
+          <a:xfrm>
+            <a:off x="838200" y="365125"/>
+            <a:ext cx="7734300" cy="5811838"/>
+          </a:xfrm>
+        </p:spPr>
+        <p:txBody>
+          <a:bodyPr vert="eaVert"/>
+          <a:lstStyle/>
+          <a:p>
+            <a:pPr lvl="0"/>
+            <a:r>
+              <a:rPr lang="en-US"/>
+              <a:t>Click to edit Master text styles</a:t>
+            </a:r>
+          </a:p>
+          <a:p>
+            <a:pPr lvl="1"/>
+            <a:r>
+              <a:rPr lang="en-US"/>
+              <a:t>Second level</a:t>
+            </a:r>
+          </a:p>
+          <a:p>
+            <a:pPr lvl="2"/>
+            <a:r>
+              <a:rPr lang="en-US"/>
+              <a:t>Third level</a:t>
+            </a:r>
+          </a:p>
+          <a:p>
+            <a:pPr lvl="3"/>
+            <a:r>
+              <a:rPr lang="en-US"/>
+              <a:t>Fourth level</a:t>
+            </a:r>
+          </a:p>
+          <a:p>
+            <a:pPr lvl="4"/>
+            <a:r>
+              <a:rPr lang="en-US"/>
+              <a:t>Fifth level</a:t>
+            </a:r>
+          </a:p>
+        </p:txBody>
+      </p:sp>
+      <p:sp>
+        <p:nvSpPr>
+          <p:cNvPr id="4" name="Date Placeholder 3"/>
+          <p:cNvSpPr>
+            <a:spLocks noGrp="1"/>
+          </p:cNvSpPr>
+          <p:nvPr>
+            <p:ph type="dt" sz="half" idx="10"/>
+          </p:nvPr>
+        </p:nvSpPr>
+        <p:spPr/>
+        <p:txBody>
+          <a:bodyPr/>
+          <a:lstStyle/>
+          <a:p>
+            <a:fld id="{1906F911-B8F3-1042-B226-54911C0C3F55}" type="datetimeFigureOut">
+              <a:rPr lang="en-US" smtClean="0"/>
+              <a:t>10/12/2018</a:t>
+            </a:fld>
+            <a:endParaRPr lang="en-US"/>
+          </a:p>
+        </p:txBody>
+      </p:sp>
+      <p:sp>
+        <p:nvSpPr>
+          <p:cNvPr id="5" name="Footer Placeholder 4"/>
+          <p:cNvSpPr>
+            <a:spLocks noGrp="1"/>
+          </p:cNvSpPr>
+          <p:nvPr>
+            <p:ph type="ftr" sz="quarter" idx="11"/>
+          </p:nvPr>
+        </p:nvSpPr>
+        <p:spPr/>
+        <p:txBody>
+          <a:bodyPr/>
+          <a:lstStyle/>
+          <a:p>
+            <a:endParaRPr lang="en-US"/>
+          </a:p>
+        </p:txBody>
+      </p:sp>
+      <p:sp>
+        <p:nvSpPr>
+          <p:cNvPr id="6" name="Slide Number Placeholder 5"/>
+          <p:cNvSpPr>
+            <a:spLocks noGrp="1"/>
+          </p:cNvSpPr>
+          <p:nvPr>
+            <p:ph type="sldNum" sz="quarter" idx="12"/>
+          </p:nvPr>
+        </p:nvSpPr>
+        <p:spPr/>
+        <p:txBody>
+          <a:bodyPr/>
+          <a:lstStyle/>
+          <a:p>
+            <a:fld id="{FF3A7EF9-53EA-2943-A568-BF2FEAB92E94}" type="slidenum">
+              <a:rPr lang="en-US" smtClean="0"/>
+              <a:t>‹#›</a:t>
+            </a:fld>
+            <a:endParaRPr lang="en-US"/>
+          </a:p>
+        </p:txBody>
+      </p:sp>
+    </p:spTree>
+    <p:extLst>
+      <p:ext uri="{BB962C8B-B14F-4D97-AF65-F5344CB8AC3E}">
+        <p14:creationId xmlns:p14="http://schemas.microsoft.com/office/powerpoint/2010/main" val="2960253130"/>
+      </p:ext>
+    </p:extLst>
+  </p:cSld>
+  <p:clrMapOvr>
+    <a:masterClrMapping/>
+  </p:clrMapOvr>
+</p:sldLayout>
+</file>
+
+<file path=ppt/slideLayouts/slideLayout4.xml><?xml version="1.0" encoding="utf-8"?>
+<p:sldLayout xmlns:a="http://schemas.openxmlformats.org/drawingml/2006/main" xmlns:r="http://schemas.openxmlformats.org/officeDocument/2006/relationships" xmlns:p="http://schemas.openxmlformats.org/presentationml/2006/main" type="twoObj" preserve="1">
+  <p:cSld name="Two Content">
+    <p:spTree>
+      <p:nvGrpSpPr>
+        <p:cNvPr id="1" name=""/>
+        <p:cNvGrpSpPr/>
+        <p:nvPr/>
+      </p:nvGrpSpPr>
+      <p:grpSpPr>
+        <a:xfrm>
+          <a:off x="0" y="0"/>
+          <a:ext cx="0" cy="0"/>
+          <a:chOff x="0" y="0"/>
+          <a:chExt cx="0" cy="0"/>
+        </a:xfrm>
+      </p:grpSpPr>
+      <p:sp>
+        <p:nvSpPr>
+          <p:cNvPr id="2" name="Title 1">
+            <a:extLst>
+              <a:ext uri="{FF2B5EF4-FFF2-40B4-BE49-F238E27FC236}">
+                <a16:creationId xmlns:a16="http://schemas.microsoft.com/office/drawing/2014/main" id="{FE8A913A-575B-4C0E-9BC4-F72E980E1C01}"/>
+              </a:ext>
+            </a:extLst>
+          </p:cNvPr>
+          <p:cNvSpPr>
+            <a:spLocks noGrp="1"/>
+          </p:cNvSpPr>
+          <p:nvPr>
+            <p:ph type="title"/>
+          </p:nvPr>
+        </p:nvSpPr>
+        <p:spPr/>
+        <p:txBody>
+          <a:bodyPr/>
+          <a:lstStyle/>
+          <a:p>
+            <a:r>
+              <a:rPr lang="en-US"/>
+              <a:t>Click to edit Master title style</a:t>
+            </a:r>
+          </a:p>
+        </p:txBody>
+      </p:sp>
+      <p:sp>
+        <p:nvSpPr>
+          <p:cNvPr id="3" name="Content Placeholder 2">
+            <a:extLst>
+              <a:ext uri="{FF2B5EF4-FFF2-40B4-BE49-F238E27FC236}">
+                <a16:creationId xmlns:a16="http://schemas.microsoft.com/office/drawing/2014/main" id="{F8648F1F-C79C-4299-B4DE-2B5A1C9BE9D5}"/>
+              </a:ext>
+            </a:extLst>
+          </p:cNvPr>
+          <p:cNvSpPr>
+            <a:spLocks noGrp="1"/>
+          </p:cNvSpPr>
+          <p:nvPr>
+            <p:ph sz="half" idx="1"/>
+          </p:nvPr>
+        </p:nvSpPr>
+        <p:spPr>
+          <a:xfrm>
+            <a:off x="838200" y="1825625"/>
+            <a:ext cx="5181600" cy="4351338"/>
+          </a:xfrm>
+        </p:spPr>
+        <p:txBody>
+          <a:bodyPr/>
+          <a:lstStyle/>
+          <a:p>
+            <a:pPr lvl="0"/>
+            <a:r>
+              <a:rPr lang="en-US"/>
+              <a:t>Edit Master text styles</a:t>
+            </a:r>
+          </a:p>
+          <a:p>
+            <a:pPr lvl="1"/>
+            <a:r>
+              <a:rPr lang="en-US"/>
+              <a:t>Second level</a:t>
+            </a:r>
+          </a:p>
+          <a:p>
+            <a:pPr lvl="2"/>
+            <a:r>
+              <a:rPr lang="en-US"/>
+              <a:t>Third level</a:t>
+            </a:r>
+          </a:p>
+          <a:p>
+            <a:pPr lvl="3"/>
+            <a:r>
+              <a:rPr lang="en-US"/>
+              <a:t>Fourth level</a:t>
+            </a:r>
+          </a:p>
+          <a:p>
+            <a:pPr lvl="4"/>
+            <a:r>
+              <a:rPr lang="en-US"/>
+              <a:t>Fifth level</a:t>
+            </a:r>
+          </a:p>
+        </p:txBody>
+      </p:sp>
+      <p:sp>
+        <p:nvSpPr>
+          <p:cNvPr id="4" name="Content Placeholder 3">
+            <a:extLst>
+              <a:ext uri="{FF2B5EF4-FFF2-40B4-BE49-F238E27FC236}">
+                <a16:creationId xmlns:a16="http://schemas.microsoft.com/office/drawing/2014/main" id="{959051D4-1717-4E27-97F6-C7A8795D4DA4}"/>
+              </a:ext>
+            </a:extLst>
+          </p:cNvPr>
+          <p:cNvSpPr>
+            <a:spLocks noGrp="1"/>
+          </p:cNvSpPr>
+          <p:nvPr>
+            <p:ph sz="half" idx="2"/>
+          </p:nvPr>
+        </p:nvSpPr>
+        <p:spPr>
+          <a:xfrm>
+            <a:off x="6172200" y="1825625"/>
+            <a:ext cx="5181600" cy="4351338"/>
+          </a:xfrm>
+        </p:spPr>
+        <p:txBody>
+          <a:bodyPr/>
+          <a:lstStyle/>
+          <a:p>
+            <a:pPr lvl="0"/>
+            <a:r>
+              <a:rPr lang="en-US"/>
+              <a:t>Edit Master text styles</a:t>
+            </a:r>
+          </a:p>
+          <a:p>
+            <a:pPr lvl="1"/>
+            <a:r>
+              <a:rPr lang="en-US"/>
+              <a:t>Second level</a:t>
+            </a:r>
+          </a:p>
+          <a:p>
+            <a:pPr lvl="2"/>
+            <a:r>
+              <a:rPr lang="en-US"/>
+              <a:t>Third level</a:t>
+            </a:r>
+          </a:p>
+          <a:p>
+            <a:pPr lvl="3"/>
+            <a:r>
+              <a:rPr lang="en-US"/>
+              <a:t>Fourth level</a:t>
+            </a:r>
+          </a:p>
+          <a:p>
+            <a:pPr lvl="4"/>
+            <a:r>
+              <a:rPr lang="en-US"/>
+              <a:t>Fifth level</a:t>
+            </a:r>
+          </a:p>
+        </p:txBody>
+      </p:sp>
+      <p:sp>
+        <p:nvSpPr>
+          <p:cNvPr id="5" name="Date Placeholder 4">
+            <a:extLst>
+              <a:ext uri="{FF2B5EF4-FFF2-40B4-BE49-F238E27FC236}">
+                <a16:creationId xmlns:a16="http://schemas.microsoft.com/office/drawing/2014/main" id="{25891214-0042-4D0D-9DDD-8F0A712B1C94}"/>
+              </a:ext>
+            </a:extLst>
+          </p:cNvPr>
+          <p:cNvSpPr>
+            <a:spLocks noGrp="1"/>
+          </p:cNvSpPr>
+          <p:nvPr>
+            <p:ph type="dt" sz="half" idx="10"/>
+          </p:nvPr>
+        </p:nvSpPr>
+        <p:spPr/>
+        <p:txBody>
+          <a:bodyPr/>
+          <a:lstStyle/>
+          <a:p>
+            <a:fld id="{B5D86D52-4857-4668-9EB7-B41E21252CF7}" type="datetimeFigureOut">
+              <a:rPr lang="en-US" smtClean="0"/>
+              <a:t>10/12/2018</a:t>
+            </a:fld>
+            <a:endParaRPr lang="en-US"/>
+          </a:p>
+        </p:txBody>
+      </p:sp>
+      <p:sp>
+        <p:nvSpPr>
+          <p:cNvPr id="6" name="Footer Placeholder 5">
+            <a:extLst>
+              <a:ext uri="{FF2B5EF4-FFF2-40B4-BE49-F238E27FC236}">
+                <a16:creationId xmlns:a16="http://schemas.microsoft.com/office/drawing/2014/main" id="{C64C7B05-5CCD-41ED-82A4-EA174FFACC66}"/>
+              </a:ext>
+            </a:extLst>
+          </p:cNvPr>
+          <p:cNvSpPr>
+            <a:spLocks noGrp="1"/>
+          </p:cNvSpPr>
+          <p:nvPr>
+            <p:ph type="ftr" sz="quarter" idx="11"/>
+          </p:nvPr>
+        </p:nvSpPr>
+        <p:spPr/>
+        <p:txBody>
+          <a:bodyPr/>
+          <a:lstStyle/>
+          <a:p>
+            <a:endParaRPr lang="en-US"/>
+          </a:p>
+        </p:txBody>
+      </p:sp>
+      <p:sp>
+        <p:nvSpPr>
+          <p:cNvPr id="7" name="Slide Number Placeholder 6">
+            <a:extLst>
+              <a:ext uri="{FF2B5EF4-FFF2-40B4-BE49-F238E27FC236}">
+                <a16:creationId xmlns:a16="http://schemas.microsoft.com/office/drawing/2014/main" id="{C8F003C4-D149-4D0D-9E40-B1AD9551B59D}"/>
+              </a:ext>
+            </a:extLst>
+          </p:cNvPr>
+          <p:cNvSpPr>
+            <a:spLocks noGrp="1"/>
+          </p:cNvSpPr>
+          <p:nvPr>
+            <p:ph type="sldNum" sz="quarter" idx="12"/>
+          </p:nvPr>
+        </p:nvSpPr>
+        <p:spPr/>
+        <p:txBody>
+          <a:bodyPr/>
+          <a:lstStyle/>
+          <a:p>
+            <a:fld id="{A9542AAE-06E7-470D-90C2-2FB1D417B3DE}" type="slidenum">
+              <a:rPr lang="en-US" smtClean="0"/>
+              <a:t>‹#›</a:t>
+            </a:fld>
+            <a:endParaRPr lang="en-US"/>
+          </a:p>
+        </p:txBody>
+      </p:sp>
+    </p:spTree>
+    <p:extLst>
+      <p:ext uri="{BB962C8B-B14F-4D97-AF65-F5344CB8AC3E}">
+        <p14:creationId xmlns:p14="http://schemas.microsoft.com/office/powerpoint/2010/main" val="4093024564"/>
+      </p:ext>
+    </p:extLst>
+  </p:cSld>
+  <p:clrMapOvr>
+    <a:masterClrMapping/>
+  </p:clrMapOvr>
+</p:sldLayout>
+</file>
+
+<file path=ppt/slideLayouts/slideLayout5.xml><?xml version="1.0" encoding="utf-8"?>
+<p:sldLayout xmlns:a="http://schemas.openxmlformats.org/drawingml/2006/main" xmlns:r="http://schemas.openxmlformats.org/officeDocument/2006/relationships" xmlns:p="http://schemas.openxmlformats.org/presentationml/2006/main" type="twoTxTwoObj" preserve="1">
+  <p:cSld name="Comparison">
+    <p:spTree>
+      <p:nvGrpSpPr>
+        <p:cNvPr id="1" name=""/>
+        <p:cNvGrpSpPr/>
+        <p:nvPr/>
+      </p:nvGrpSpPr>
+      <p:grpSpPr>
+        <a:xfrm>
+          <a:off x="0" y="0"/>
+          <a:ext cx="0" cy="0"/>
+          <a:chOff x="0" y="0"/>
+          <a:chExt cx="0" cy="0"/>
+        </a:xfrm>
+      </p:grpSpPr>
+      <p:sp>
+        <p:nvSpPr>
+          <p:cNvPr id="2" name="Title 1">
+            <a:extLst>
+              <a:ext uri="{FF2B5EF4-FFF2-40B4-BE49-F238E27FC236}">
+                <a16:creationId xmlns:a16="http://schemas.microsoft.com/office/drawing/2014/main" id="{D0D0ABC2-3C95-495F-8666-38CDA7E145A9}"/>
+              </a:ext>
+            </a:extLst>
+          </p:cNvPr>
+          <p:cNvSpPr>
+            <a:spLocks noGrp="1"/>
+          </p:cNvSpPr>
+          <p:nvPr>
+            <p:ph type="title"/>
+          </p:nvPr>
+        </p:nvSpPr>
+        <p:spPr>
+          <a:xfrm>
+            <a:off x="839788" y="365125"/>
+            <a:ext cx="10515600" cy="1325563"/>
+          </a:xfrm>
+        </p:spPr>
+        <p:txBody>
+          <a:bodyPr/>
+          <a:lstStyle/>
+          <a:p>
+            <a:r>
+              <a:rPr lang="en-US"/>
+              <a:t>Click to edit Master title style</a:t>
+            </a:r>
+          </a:p>
+        </p:txBody>
+      </p:sp>
+      <p:sp>
+        <p:nvSpPr>
+          <p:cNvPr id="3" name="Text Placeholder 2">
+            <a:extLst>
+              <a:ext uri="{FF2B5EF4-FFF2-40B4-BE49-F238E27FC236}">
+                <a16:creationId xmlns:a16="http://schemas.microsoft.com/office/drawing/2014/main" id="{CE745E9D-33C9-4AE0-83BE-16FB44D608A9}"/>
+              </a:ext>
+            </a:extLst>
+          </p:cNvPr>
+          <p:cNvSpPr>
+            <a:spLocks noGrp="1"/>
+          </p:cNvSpPr>
+          <p:nvPr>
+            <p:ph type="body" idx="1"/>
+          </p:nvPr>
+        </p:nvSpPr>
+        <p:spPr>
+          <a:xfrm>
+            <a:off x="839788" y="1681163"/>
+            <a:ext cx="5157787" cy="823912"/>
+          </a:xfrm>
+        </p:spPr>
+        <p:txBody>
+          <a:bodyPr anchor="b"/>
+          <a:lstStyle>
+            <a:lvl1pPr marL="0" indent="0">
+              <a:buNone/>
+              <a:defRPr sz="2400" b="1"/>
+            </a:lvl1pPr>
+            <a:lvl2pPr marL="457200" indent="0">
+              <a:buNone/>
+              <a:defRPr sz="2000" b="1"/>
+            </a:lvl2pPr>
+            <a:lvl3pPr marL="914400" indent="0">
+              <a:buNone/>
+              <a:defRPr sz="1800" b="1"/>
+            </a:lvl3pPr>
+            <a:lvl4pPr marL="1371600" indent="0">
+              <a:buNone/>
+              <a:defRPr sz="1600" b="1"/>
+            </a:lvl4pPr>
+            <a:lvl5pPr marL="1828800" indent="0">
+              <a:buNone/>
+              <a:defRPr sz="1600" b="1"/>
+            </a:lvl5pPr>
+            <a:lvl6pPr marL="2286000" indent="0">
+              <a:buNone/>
+              <a:defRPr sz="1600" b="1"/>
+            </a:lvl6pPr>
+            <a:lvl7pPr marL="2743200" indent="0">
+              <a:buNone/>
+              <a:defRPr sz="1600" b="1"/>
+            </a:lvl7pPr>
+            <a:lvl8pPr marL="3200400" indent="0">
+              <a:buNone/>
+              <a:defRPr sz="1600" b="1"/>
+            </a:lvl8pPr>
+            <a:lvl9pPr marL="3657600" indent="0">
+              <a:buNone/>
+              <a:defRPr sz="1600" b="1"/>
+            </a:lvl9pPr>
+          </a:lstStyle>
+          <a:p>
+            <a:pPr lvl="0"/>
+            <a:r>
+              <a:rPr lang="en-US"/>
+              <a:t>Edit Master text styles</a:t>
+            </a:r>
+          </a:p>
+        </p:txBody>
+      </p:sp>
+      <p:sp>
+        <p:nvSpPr>
+          <p:cNvPr id="4" name="Content Placeholder 3">
+            <a:extLst>
+              <a:ext uri="{FF2B5EF4-FFF2-40B4-BE49-F238E27FC236}">
+                <a16:creationId xmlns:a16="http://schemas.microsoft.com/office/drawing/2014/main" id="{83D4531B-055F-4D7A-861D-1CCA8ED615BD}"/>
+              </a:ext>
+            </a:extLst>
+          </p:cNvPr>
+          <p:cNvSpPr>
+            <a:spLocks noGrp="1"/>
+          </p:cNvSpPr>
+          <p:nvPr>
+            <p:ph sz="half" idx="2"/>
+          </p:nvPr>
+        </p:nvSpPr>
+        <p:spPr>
+          <a:xfrm>
+            <a:off x="839788" y="2505075"/>
+            <a:ext cx="5157787" cy="3684588"/>
+          </a:xfrm>
+        </p:spPr>
+        <p:txBody>
+          <a:bodyPr/>
+          <a:lstStyle/>
+          <a:p>
+            <a:pPr lvl="0"/>
+            <a:r>
+              <a:rPr lang="en-US"/>
+              <a:t>Edit Master text styles</a:t>
+            </a:r>
+          </a:p>
+          <a:p>
+            <a:pPr lvl="1"/>
+            <a:r>
+              <a:rPr lang="en-US"/>
+              <a:t>Second level</a:t>
+            </a:r>
+          </a:p>
+          <a:p>
+            <a:pPr lvl="2"/>
+            <a:r>
+              <a:rPr lang="en-US"/>
+              <a:t>Third level</a:t>
+            </a:r>
+          </a:p>
+          <a:p>
+            <a:pPr lvl="3"/>
+            <a:r>
+              <a:rPr lang="en-US"/>
+              <a:t>Fourth level</a:t>
+            </a:r>
+          </a:p>
+          <a:p>
+            <a:pPr lvl="4"/>
+            <a:r>
+              <a:rPr lang="en-US"/>
+              <a:t>Fifth level</a:t>
+            </a:r>
+          </a:p>
+        </p:txBody>
+      </p:sp>
+      <p:sp>
+        <p:nvSpPr>
+          <p:cNvPr id="5" name="Text Placeholder 4">
+            <a:extLst>
+              <a:ext uri="{FF2B5EF4-FFF2-40B4-BE49-F238E27FC236}">
+                <a16:creationId xmlns:a16="http://schemas.microsoft.com/office/drawing/2014/main" id="{A42A1990-957A-4E67-8A79-F1DB04D4A377}"/>
+              </a:ext>
+            </a:extLst>
+          </p:cNvPr>
+          <p:cNvSpPr>
+            <a:spLocks noGrp="1"/>
+          </p:cNvSpPr>
+          <p:nvPr>
+            <p:ph type="body" sz="quarter" idx="3"/>
+          </p:nvPr>
+        </p:nvSpPr>
+        <p:spPr>
+          <a:xfrm>
+            <a:off x="6172200" y="1681163"/>
+            <a:ext cx="5183188" cy="823912"/>
+          </a:xfrm>
+        </p:spPr>
+        <p:txBody>
+          <a:bodyPr anchor="b"/>
+          <a:lstStyle>
+            <a:lvl1pPr marL="0" indent="0">
+              <a:buNone/>
+              <a:defRPr sz="2400" b="1"/>
+            </a:lvl1pPr>
+            <a:lvl2pPr marL="457200" indent="0">
+              <a:buNone/>
+              <a:defRPr sz="2000" b="1"/>
+            </a:lvl2pPr>
+            <a:lvl3pPr marL="914400" indent="0">
+              <a:buNone/>
+              <a:defRPr sz="1800" b="1"/>
+            </a:lvl3pPr>
+            <a:lvl4pPr marL="1371600" indent="0">
+              <a:buNone/>
+              <a:defRPr sz="1600" b="1"/>
+            </a:lvl4pPr>
+            <a:lvl5pPr marL="1828800" indent="0">
+              <a:buNone/>
+              <a:defRPr sz="1600" b="1"/>
+            </a:lvl5pPr>
+            <a:lvl6pPr marL="2286000" indent="0">
+              <a:buNone/>
+              <a:defRPr sz="1600" b="1"/>
+            </a:lvl6pPr>
+            <a:lvl7pPr marL="2743200" indent="0">
+              <a:buNone/>
+              <a:defRPr sz="1600" b="1"/>
+            </a:lvl7pPr>
+            <a:lvl8pPr marL="3200400" indent="0">
+              <a:buNone/>
+              <a:defRPr sz="1600" b="1"/>
+            </a:lvl8pPr>
+            <a:lvl9pPr marL="3657600" indent="0">
+              <a:buNone/>
+              <a:defRPr sz="1600" b="1"/>
+            </a:lvl9pPr>
+          </a:lstStyle>
+          <a:p>
+            <a:pPr lvl="0"/>
+            <a:r>
+              <a:rPr lang="en-US"/>
+              <a:t>Edit Master text styles</a:t>
+            </a:r>
+          </a:p>
+        </p:txBody>
+      </p:sp>
+      <p:sp>
+        <p:nvSpPr>
+          <p:cNvPr id="6" name="Content Placeholder 5">
+            <a:extLst>
+              <a:ext uri="{FF2B5EF4-FFF2-40B4-BE49-F238E27FC236}">
+                <a16:creationId xmlns:a16="http://schemas.microsoft.com/office/drawing/2014/main" id="{D9319736-9954-499C-833D-B80E14332888}"/>
+              </a:ext>
+            </a:extLst>
+          </p:cNvPr>
+          <p:cNvSpPr>
+            <a:spLocks noGrp="1"/>
+          </p:cNvSpPr>
+          <p:nvPr>
+            <p:ph sz="quarter" idx="4"/>
+          </p:nvPr>
+        </p:nvSpPr>
+        <p:spPr>
+          <a:xfrm>
+            <a:off x="6172200" y="2505075"/>
+            <a:ext cx="5183188" cy="3684588"/>
+          </a:xfrm>
+        </p:spPr>
+        <p:txBody>
+          <a:bodyPr/>
+          <a:lstStyle/>
+          <a:p>
+            <a:pPr lvl="0"/>
+            <a:r>
+              <a:rPr lang="en-US"/>
+              <a:t>Edit Master text styles</a:t>
+            </a:r>
+          </a:p>
+          <a:p>
+            <a:pPr lvl="1"/>
+            <a:r>
+              <a:rPr lang="en-US"/>
+              <a:t>Second level</a:t>
+            </a:r>
+          </a:p>
+          <a:p>
+            <a:pPr lvl="2"/>
+            <a:r>
+              <a:rPr lang="en-US"/>
+              <a:t>Third level</a:t>
+            </a:r>
+          </a:p>
+          <a:p>
+            <a:pPr lvl="3"/>
+            <a:r>
+              <a:rPr lang="en-US"/>
+              <a:t>Fourth level</a:t>
+            </a:r>
+          </a:p>
+          <a:p>
+            <a:pPr lvl="4"/>
+            <a:r>
+              <a:rPr lang="en-US"/>
+              <a:t>Fifth level</a:t>
+            </a:r>
+          </a:p>
+        </p:txBody>
+      </p:sp>
+      <p:sp>
+        <p:nvSpPr>
+          <p:cNvPr id="7" name="Date Placeholder 6">
+            <a:extLst>
+              <a:ext uri="{FF2B5EF4-FFF2-40B4-BE49-F238E27FC236}">
+                <a16:creationId xmlns:a16="http://schemas.microsoft.com/office/drawing/2014/main" id="{337DF96D-3B9F-463B-A5F0-9854F458F2AF}"/>
+              </a:ext>
+            </a:extLst>
+          </p:cNvPr>
+          <p:cNvSpPr>
+            <a:spLocks noGrp="1"/>
+          </p:cNvSpPr>
+          <p:nvPr>
+            <p:ph type="dt" sz="half" idx="10"/>
+          </p:nvPr>
+        </p:nvSpPr>
+        <p:spPr/>
+        <p:txBody>
+          <a:bodyPr/>
+          <a:lstStyle/>
+          <a:p>
+            <a:fld id="{B5D86D52-4857-4668-9EB7-B41E21252CF7}" type="datetimeFigureOut">
+              <a:rPr lang="en-US" smtClean="0"/>
+              <a:t>10/12/2018</a:t>
+            </a:fld>
+            <a:endParaRPr lang="en-US"/>
+          </a:p>
+        </p:txBody>
+      </p:sp>
+      <p:sp>
+        <p:nvSpPr>
+          <p:cNvPr id="8" name="Footer Placeholder 7">
+            <a:extLst>
+              <a:ext uri="{FF2B5EF4-FFF2-40B4-BE49-F238E27FC236}">
+                <a16:creationId xmlns:a16="http://schemas.microsoft.com/office/drawing/2014/main" id="{8802AB6D-CD75-4EFA-A193-0B33C772DF47}"/>
+              </a:ext>
+            </a:extLst>
+          </p:cNvPr>
+          <p:cNvSpPr>
+            <a:spLocks noGrp="1"/>
+          </p:cNvSpPr>
+          <p:nvPr>
+            <p:ph type="ftr" sz="quarter" idx="11"/>
+          </p:nvPr>
+        </p:nvSpPr>
+        <p:spPr/>
+        <p:txBody>
+          <a:bodyPr/>
+          <a:lstStyle/>
+          <a:p>
+            <a:endParaRPr lang="en-US"/>
+          </a:p>
+        </p:txBody>
+      </p:sp>
+      <p:sp>
+        <p:nvSpPr>
+          <p:cNvPr id="9" name="Slide Number Placeholder 8">
+            <a:extLst>
+              <a:ext uri="{FF2B5EF4-FFF2-40B4-BE49-F238E27FC236}">
+                <a16:creationId xmlns:a16="http://schemas.microsoft.com/office/drawing/2014/main" id="{3C6616D0-8475-4237-A95E-3BB3727852DD}"/>
+              </a:ext>
+            </a:extLst>
+          </p:cNvPr>
+          <p:cNvSpPr>
+            <a:spLocks noGrp="1"/>
+          </p:cNvSpPr>
+          <p:nvPr>
+            <p:ph type="sldNum" sz="quarter" idx="12"/>
+          </p:nvPr>
+        </p:nvSpPr>
+        <p:spPr/>
+        <p:txBody>
+          <a:bodyPr/>
+          <a:lstStyle/>
+          <a:p>
+            <a:fld id="{A9542AAE-06E7-470D-90C2-2FB1D417B3DE}" type="slidenum">
+              <a:rPr lang="en-US" smtClean="0"/>
+              <a:t>‹#›</a:t>
+            </a:fld>
+            <a:endParaRPr lang="en-US"/>
+          </a:p>
+        </p:txBody>
+      </p:sp>
+    </p:spTree>
+    <p:extLst>
+      <p:ext uri="{BB962C8B-B14F-4D97-AF65-F5344CB8AC3E}">
+        <p14:creationId xmlns:p14="http://schemas.microsoft.com/office/powerpoint/2010/main" val="3081107386"/>
+      </p:ext>
+    </p:extLst>
+  </p:cSld>
+  <p:clrMapOvr>
+    <a:masterClrMapping/>
+  </p:clrMapOvr>
+</p:sldLayout>
+</file>
+
+<file path=ppt/slideLayouts/slideLayout6.xml><?xml version="1.0" encoding="utf-8"?>
+<p:sldLayout xmlns:a="http://schemas.openxmlformats.org/drawingml/2006/main" xmlns:r="http://schemas.openxmlformats.org/officeDocument/2006/relationships" xmlns:p="http://schemas.openxmlformats.org/presentationml/2006/main" type="titleOnly" preserve="1">
+  <p:cSld name="Title Only">
+    <p:spTree>
+      <p:nvGrpSpPr>
+        <p:cNvPr id="1" name=""/>
+        <p:cNvGrpSpPr/>
+        <p:nvPr/>
+      </p:nvGrpSpPr>
+      <p:grpSpPr>
+        <a:xfrm>
+          <a:off x="0" y="0"/>
+          <a:ext cx="0" cy="0"/>
+          <a:chOff x="0" y="0"/>
+          <a:chExt cx="0" cy="0"/>
+        </a:xfrm>
+      </p:grpSpPr>
+      <p:sp>
+        <p:nvSpPr>
+          <p:cNvPr id="2" name="Title 1">
+            <a:extLst>
+              <a:ext uri="{FF2B5EF4-FFF2-40B4-BE49-F238E27FC236}">
+                <a16:creationId xmlns:a16="http://schemas.microsoft.com/office/drawing/2014/main" id="{475BAC91-DA49-4771-946E-46775E1DA684}"/>
+              </a:ext>
+            </a:extLst>
+          </p:cNvPr>
+          <p:cNvSpPr>
+            <a:spLocks noGrp="1"/>
+          </p:cNvSpPr>
+          <p:nvPr>
+            <p:ph type="title"/>
+          </p:nvPr>
+        </p:nvSpPr>
+        <p:spPr/>
+        <p:txBody>
+          <a:bodyPr/>
+          <a:lstStyle/>
+          <a:p>
+            <a:r>
+              <a:rPr lang="en-US"/>
+              <a:t>Click to edit Master title style</a:t>
+            </a:r>
+          </a:p>
+        </p:txBody>
+      </p:sp>
+      <p:sp>
+        <p:nvSpPr>
+          <p:cNvPr id="3" name="Date Placeholder 2">
+            <a:extLst>
+              <a:ext uri="{FF2B5EF4-FFF2-40B4-BE49-F238E27FC236}">
+                <a16:creationId xmlns:a16="http://schemas.microsoft.com/office/drawing/2014/main" id="{1C45BAD3-F9C3-4B6E-964D-113E7C189648}"/>
+              </a:ext>
+            </a:extLst>
+          </p:cNvPr>
+          <p:cNvSpPr>
+            <a:spLocks noGrp="1"/>
+          </p:cNvSpPr>
+          <p:nvPr>
+            <p:ph type="dt" sz="half" idx="10"/>
+          </p:nvPr>
+        </p:nvSpPr>
+        <p:spPr/>
+        <p:txBody>
+          <a:bodyPr/>
+          <a:lstStyle/>
+          <a:p>
+            <a:fld id="{B5D86D52-4857-4668-9EB7-B41E21252CF7}" type="datetimeFigureOut">
+              <a:rPr lang="en-US" smtClean="0"/>
+              <a:t>10/12/2018</a:t>
+            </a:fld>
+            <a:endParaRPr lang="en-US"/>
+          </a:p>
+        </p:txBody>
+      </p:sp>
+      <p:sp>
+        <p:nvSpPr>
+          <p:cNvPr id="4" name="Footer Placeholder 3">
+            <a:extLst>
+              <a:ext uri="{FF2B5EF4-FFF2-40B4-BE49-F238E27FC236}">
+                <a16:creationId xmlns:a16="http://schemas.microsoft.com/office/drawing/2014/main" id="{94C06BA4-CB95-49B0-A9C0-476E7C7CD458}"/>
+              </a:ext>
+            </a:extLst>
+          </p:cNvPr>
+          <p:cNvSpPr>
+            <a:spLocks noGrp="1"/>
+          </p:cNvSpPr>
+          <p:nvPr>
+            <p:ph type="ftr" sz="quarter" idx="11"/>
+          </p:nvPr>
+        </p:nvSpPr>
+        <p:spPr/>
+        <p:txBody>
+          <a:bodyPr/>
+          <a:lstStyle/>
+          <a:p>
+            <a:endParaRPr lang="en-US"/>
+          </a:p>
+        </p:txBody>
+      </p:sp>
+      <p:sp>
+        <p:nvSpPr>
+          <p:cNvPr id="5" name="Slide Number Placeholder 4">
+            <a:extLst>
+              <a:ext uri="{FF2B5EF4-FFF2-40B4-BE49-F238E27FC236}">
+                <a16:creationId xmlns:a16="http://schemas.microsoft.com/office/drawing/2014/main" id="{F67A450B-373D-4A94-BD43-56784748C978}"/>
+              </a:ext>
+            </a:extLst>
+          </p:cNvPr>
+          <p:cNvSpPr>
+            <a:spLocks noGrp="1"/>
+          </p:cNvSpPr>
+          <p:nvPr>
+            <p:ph type="sldNum" sz="quarter" idx="12"/>
+          </p:nvPr>
+        </p:nvSpPr>
+        <p:spPr/>
+        <p:txBody>
+          <a:bodyPr/>
+          <a:lstStyle/>
+          <a:p>
+            <a:fld id="{A9542AAE-06E7-470D-90C2-2FB1D417B3DE}" type="slidenum">
+              <a:rPr lang="en-US" smtClean="0"/>
+              <a:t>‹#›</a:t>
+            </a:fld>
+            <a:endParaRPr lang="en-US"/>
+          </a:p>
+        </p:txBody>
+      </p:sp>
+    </p:spTree>
+    <p:extLst>
+      <p:ext uri="{BB962C8B-B14F-4D97-AF65-F5344CB8AC3E}">
+        <p14:creationId xmlns:p14="http://schemas.microsoft.com/office/powerpoint/2010/main" val="1409491347"/>
+      </p:ext>
+    </p:extLst>
+  </p:cSld>
+  <p:clrMapOvr>
+    <a:masterClrMapping/>
+  </p:clrMapOvr>
+</p:sldLayout>
+</file>
+
+<file path=ppt/slideLayouts/slideLayout7.xml><?xml version="1.0" encoding="utf-8"?>
+<p:sldLayout xmlns:a="http://schemas.openxmlformats.org/drawingml/2006/main" xmlns:r="http://schemas.openxmlformats.org/officeDocument/2006/relationships" xmlns:p="http://schemas.openxmlformats.org/presentationml/2006/main" type="blank" preserve="1">
+  <p:cSld name="Blank">
+    <p:spTree>
+      <p:nvGrpSpPr>
+        <p:cNvPr id="1" name=""/>
+        <p:cNvGrpSpPr/>
+        <p:nvPr/>
+      </p:nvGrpSpPr>
+      <p:grpSpPr>
+        <a:xfrm>
+          <a:off x="0" y="0"/>
+          <a:ext cx="0" cy="0"/>
+          <a:chOff x="0" y="0"/>
+          <a:chExt cx="0" cy="0"/>
+        </a:xfrm>
+      </p:grpSpPr>
+      <p:sp>
+        <p:nvSpPr>
+          <p:cNvPr id="2" name="Date Placeholder 1">
+            <a:extLst>
+              <a:ext uri="{FF2B5EF4-FFF2-40B4-BE49-F238E27FC236}">
+                <a16:creationId xmlns:a16="http://schemas.microsoft.com/office/drawing/2014/main" id="{C0CD9423-4A57-4694-BBAF-FA425D3BA04B}"/>
+              </a:ext>
+            </a:extLst>
+          </p:cNvPr>
+          <p:cNvSpPr>
+            <a:spLocks noGrp="1"/>
+          </p:cNvSpPr>
+          <p:nvPr>
+            <p:ph type="dt" sz="half" idx="10"/>
+          </p:nvPr>
+        </p:nvSpPr>
+        <p:spPr/>
+        <p:txBody>
+          <a:bodyPr/>
+          <a:lstStyle/>
+          <a:p>
+            <a:fld id="{B5D86D52-4857-4668-9EB7-B41E21252CF7}" type="datetimeFigureOut">
+              <a:rPr lang="en-US" smtClean="0"/>
+              <a:t>10/12/2018</a:t>
+            </a:fld>
+            <a:endParaRPr lang="en-US"/>
+          </a:p>
+        </p:txBody>
+      </p:sp>
+      <p:sp>
+        <p:nvSpPr>
+          <p:cNvPr id="3" name="Footer Placeholder 2">
+            <a:extLst>
+              <a:ext uri="{FF2B5EF4-FFF2-40B4-BE49-F238E27FC236}">
+                <a16:creationId xmlns:a16="http://schemas.microsoft.com/office/drawing/2014/main" id="{8C6A4124-052F-4B11-AA63-5AC8BA5864D8}"/>
+              </a:ext>
+            </a:extLst>
+          </p:cNvPr>
+          <p:cNvSpPr>
+            <a:spLocks noGrp="1"/>
+          </p:cNvSpPr>
+          <p:nvPr>
+            <p:ph type="ftr" sz="quarter" idx="11"/>
+          </p:nvPr>
+        </p:nvSpPr>
+        <p:spPr/>
+        <p:txBody>
+          <a:bodyPr/>
+          <a:lstStyle/>
+          <a:p>
+            <a:endParaRPr lang="en-US"/>
+          </a:p>
+        </p:txBody>
+      </p:sp>
+      <p:sp>
+        <p:nvSpPr>
+          <p:cNvPr id="4" name="Slide Number Placeholder 3">
+            <a:extLst>
+              <a:ext uri="{FF2B5EF4-FFF2-40B4-BE49-F238E27FC236}">
+                <a16:creationId xmlns:a16="http://schemas.microsoft.com/office/drawing/2014/main" id="{B6548BE6-6126-4E47-94FD-5D4B2474D426}"/>
+              </a:ext>
+            </a:extLst>
+          </p:cNvPr>
+          <p:cNvSpPr>
+            <a:spLocks noGrp="1"/>
+          </p:cNvSpPr>
+          <p:nvPr>
+            <p:ph type="sldNum" sz="quarter" idx="12"/>
+          </p:nvPr>
+        </p:nvSpPr>
+        <p:spPr/>
+        <p:txBody>
+          <a:bodyPr/>
+          <a:lstStyle/>
+          <a:p>
+            <a:fld id="{A9542AAE-06E7-470D-90C2-2FB1D417B3DE}" type="slidenum">
+              <a:rPr lang="en-US" smtClean="0"/>
+              <a:t>‹#›</a:t>
+            </a:fld>
+            <a:endParaRPr lang="en-US"/>
+          </a:p>
+        </p:txBody>
+      </p:sp>
+    </p:spTree>
+    <p:extLst>
+      <p:ext uri="{BB962C8B-B14F-4D97-AF65-F5344CB8AC3E}">
+        <p14:creationId xmlns:p14="http://schemas.microsoft.com/office/powerpoint/2010/main" val="35854030"/>
+      </p:ext>
+    </p:extLst>
+  </p:cSld>
+  <p:clrMapOvr>
+    <a:masterClrMapping/>
+  </p:clrMapOvr>
+</p:sldLayout>
+</file>
+
+<file path=ppt/slideLayouts/slideLayout8.xml><?xml version="1.0" encoding="utf-8"?>
+<p:sldLayout xmlns:a="http://schemas.openxmlformats.org/drawingml/2006/main" xmlns:r="http://schemas.openxmlformats.org/officeDocument/2006/relationships" xmlns:p="http://schemas.openxmlformats.org/presentationml/2006/main" type="objTx" preserve="1">
+  <p:cSld name="Content with Caption">
+    <p:spTree>
+      <p:nvGrpSpPr>
+        <p:cNvPr id="1" name=""/>
+        <p:cNvGrpSpPr/>
+        <p:nvPr/>
+      </p:nvGrpSpPr>
+      <p:grpSpPr>
+        <a:xfrm>
+          <a:off x="0" y="0"/>
+          <a:ext cx="0" cy="0"/>
+          <a:chOff x="0" y="0"/>
+          <a:chExt cx="0" cy="0"/>
+        </a:xfrm>
+      </p:grpSpPr>
+      <p:sp>
+        <p:nvSpPr>
+          <p:cNvPr id="2" name="Title 1">
+            <a:extLst>
+              <a:ext uri="{FF2B5EF4-FFF2-40B4-BE49-F238E27FC236}">
+                <a16:creationId xmlns:a16="http://schemas.microsoft.com/office/drawing/2014/main" id="{78E1EBBF-1F95-46A0-A719-B5510C4EB281}"/>
+              </a:ext>
+            </a:extLst>
+          </p:cNvPr>
+          <p:cNvSpPr>
+            <a:spLocks noGrp="1"/>
+          </p:cNvSpPr>
+          <p:nvPr>
+            <p:ph type="title"/>
+          </p:nvPr>
+        </p:nvSpPr>
+        <p:spPr>
+          <a:xfrm>
+            <a:off x="839788" y="457200"/>
+            <a:ext cx="3932237" cy="1600200"/>
+          </a:xfrm>
+        </p:spPr>
+        <p:txBody>
+          <a:bodyPr anchor="b"/>
+          <a:lstStyle>
+            <a:lvl1pPr>
+              <a:defRPr sz="3200"/>
+            </a:lvl1pPr>
+          </a:lstStyle>
+          <a:p>
+            <a:r>
+              <a:rPr lang="en-US"/>
+              <a:t>Click to edit Master title style</a:t>
+            </a:r>
+          </a:p>
+        </p:txBody>
+      </p:sp>
+      <p:sp>
+        <p:nvSpPr>
+          <p:cNvPr id="3" name="Content Placeholder 2">
+            <a:extLst>
+              <a:ext uri="{FF2B5EF4-FFF2-40B4-BE49-F238E27FC236}">
+                <a16:creationId xmlns:a16="http://schemas.microsoft.com/office/drawing/2014/main" id="{607B8433-F602-45AB-AE04-EEA127B73262}"/>
+              </a:ext>
+            </a:extLst>
+          </p:cNvPr>
+          <p:cNvSpPr>
+            <a:spLocks noGrp="1"/>
+          </p:cNvSpPr>
+          <p:nvPr>
+            <p:ph idx="1"/>
+          </p:nvPr>
+        </p:nvSpPr>
+        <p:spPr>
+          <a:xfrm>
+            <a:off x="5183188" y="987425"/>
+            <a:ext cx="6172200" cy="4873625"/>
+          </a:xfrm>
+        </p:spPr>
+        <p:txBody>
+          <a:bodyPr/>
+          <a:lstStyle>
+            <a:lvl1pPr>
+              <a:defRPr sz="3200"/>
+            </a:lvl1pPr>
+            <a:lvl2pPr>
+              <a:defRPr sz="2800"/>
+            </a:lvl2pPr>
+            <a:lvl3pPr>
+              <a:defRPr sz="2400"/>
+            </a:lvl3pPr>
+            <a:lvl4pPr>
+              <a:defRPr sz="2000"/>
+            </a:lvl4pPr>
+            <a:lvl5pPr>
+              <a:defRPr sz="2000"/>
+            </a:lvl5pPr>
+            <a:lvl6pPr>
+              <a:defRPr sz="2000"/>
+            </a:lvl6pPr>
+            <a:lvl7pPr>
+              <a:defRPr sz="2000"/>
+            </a:lvl7pPr>
+            <a:lvl8pPr>
+              <a:defRPr sz="2000"/>
+            </a:lvl8pPr>
+            <a:lvl9pPr>
+              <a:defRPr sz="2000"/>
+            </a:lvl9pPr>
+          </a:lstStyle>
+          <a:p>
+            <a:pPr lvl="0"/>
+            <a:r>
+              <a:rPr lang="en-US"/>
+              <a:t>Edit Master text styles</a:t>
+            </a:r>
+          </a:p>
+          <a:p>
+            <a:pPr lvl="1"/>
+            <a:r>
+              <a:rPr lang="en-US"/>
+              <a:t>Second level</a:t>
+            </a:r>
+          </a:p>
+          <a:p>
+            <a:pPr lvl="2"/>
+            <a:r>
+              <a:rPr lang="en-US"/>
+              <a:t>Third level</a:t>
+            </a:r>
+          </a:p>
+          <a:p>
+            <a:pPr lvl="3"/>
+            <a:r>
+              <a:rPr lang="en-US"/>
+              <a:t>Fourth level</a:t>
+            </a:r>
+          </a:p>
+          <a:p>
+            <a:pPr lvl="4"/>
+            <a:r>
+              <a:rPr lang="en-US"/>
+              <a:t>Fifth level</a:t>
+            </a:r>
+          </a:p>
+        </p:txBody>
+      </p:sp>
+      <p:sp>
+        <p:nvSpPr>
+          <p:cNvPr id="4" name="Text Placeholder 3">
+            <a:extLst>
+              <a:ext uri="{FF2B5EF4-FFF2-40B4-BE49-F238E27FC236}">
+                <a16:creationId xmlns:a16="http://schemas.microsoft.com/office/drawing/2014/main" id="{A8B96607-1252-4AC6-9734-F1C77911E9BB}"/>
+              </a:ext>
+            </a:extLst>
+          </p:cNvPr>
+          <p:cNvSpPr>
+            <a:spLocks noGrp="1"/>
+          </p:cNvSpPr>
+          <p:nvPr>
+            <p:ph type="body" sz="half" idx="2"/>
+          </p:nvPr>
+        </p:nvSpPr>
+        <p:spPr>
+          <a:xfrm>
+            <a:off x="839788" y="2057400"/>
+            <a:ext cx="3932237" cy="3811588"/>
+          </a:xfrm>
+        </p:spPr>
+        <p:txBody>
+          <a:bodyPr/>
+          <a:lstStyle>
+            <a:lvl1pPr marL="0" indent="0">
+              <a:buNone/>
+              <a:defRPr sz="1600"/>
+            </a:lvl1pPr>
+            <a:lvl2pPr marL="457200" indent="0">
+              <a:buNone/>
+              <a:defRPr sz="1400"/>
+            </a:lvl2pPr>
+            <a:lvl3pPr marL="914400" indent="0">
+              <a:buNone/>
+              <a:defRPr sz="1200"/>
+            </a:lvl3pPr>
+            <a:lvl4pPr marL="1371600" indent="0">
+              <a:buNone/>
+              <a:defRPr sz="1000"/>
+            </a:lvl4pPr>
+            <a:lvl5pPr marL="1828800" indent="0">
+              <a:buNone/>
+              <a:defRPr sz="1000"/>
+            </a:lvl5pPr>
+            <a:lvl6pPr marL="2286000" indent="0">
+              <a:buNone/>
+              <a:defRPr sz="1000"/>
+            </a:lvl6pPr>
+            <a:lvl7pPr marL="2743200" indent="0">
+              <a:buNone/>
+              <a:defRPr sz="1000"/>
+            </a:lvl7pPr>
+            <a:lvl8pPr marL="3200400" indent="0">
+              <a:buNone/>
+              <a:defRPr sz="1000"/>
+            </a:lvl8pPr>
+            <a:lvl9pPr marL="3657600" indent="0">
+              <a:buNone/>
+              <a:defRPr sz="1000"/>
+            </a:lvl9pPr>
+          </a:lstStyle>
+          <a:p>
+            <a:pPr lvl="0"/>
+            <a:r>
+              <a:rPr lang="en-US"/>
+              <a:t>Edit Master text styles</a:t>
+            </a:r>
+          </a:p>
+        </p:txBody>
+      </p:sp>
+      <p:sp>
+        <p:nvSpPr>
+          <p:cNvPr id="5" name="Date Placeholder 4">
+            <a:extLst>
+              <a:ext uri="{FF2B5EF4-FFF2-40B4-BE49-F238E27FC236}">
+                <a16:creationId xmlns:a16="http://schemas.microsoft.com/office/drawing/2014/main" id="{E1601919-719F-4C66-847E-40CDCC670742}"/>
+              </a:ext>
+            </a:extLst>
+          </p:cNvPr>
+          <p:cNvSpPr>
+            <a:spLocks noGrp="1"/>
+          </p:cNvSpPr>
+          <p:nvPr>
+            <p:ph type="dt" sz="half" idx="10"/>
+          </p:nvPr>
+        </p:nvSpPr>
+        <p:spPr/>
+        <p:txBody>
+          <a:bodyPr/>
+          <a:lstStyle/>
+          <a:p>
+            <a:fld id="{B5D86D52-4857-4668-9EB7-B41E21252CF7}" type="datetimeFigureOut">
+              <a:rPr lang="en-US" smtClean="0"/>
+              <a:t>10/12/2018</a:t>
+            </a:fld>
+            <a:endParaRPr lang="en-US"/>
+          </a:p>
+        </p:txBody>
+      </p:sp>
+      <p:sp>
+        <p:nvSpPr>
+          <p:cNvPr id="6" name="Footer Placeholder 5">
+            <a:extLst>
+              <a:ext uri="{FF2B5EF4-FFF2-40B4-BE49-F238E27FC236}">
+                <a16:creationId xmlns:a16="http://schemas.microsoft.com/office/drawing/2014/main" id="{78405029-368B-4496-B3EF-5B42BBA8017D}"/>
+              </a:ext>
+            </a:extLst>
+          </p:cNvPr>
+          <p:cNvSpPr>
+            <a:spLocks noGrp="1"/>
+          </p:cNvSpPr>
+          <p:nvPr>
+            <p:ph type="ftr" sz="quarter" idx="11"/>
+          </p:nvPr>
+        </p:nvSpPr>
+        <p:spPr/>
+        <p:txBody>
+          <a:bodyPr/>
+          <a:lstStyle/>
+          <a:p>
+            <a:endParaRPr lang="en-US"/>
+          </a:p>
+        </p:txBody>
+      </p:sp>
+      <p:sp>
+        <p:nvSpPr>
+          <p:cNvPr id="7" name="Slide Number Placeholder 6">
+            <a:extLst>
+              <a:ext uri="{FF2B5EF4-FFF2-40B4-BE49-F238E27FC236}">
+                <a16:creationId xmlns:a16="http://schemas.microsoft.com/office/drawing/2014/main" id="{6E448800-ABA2-46E5-AA0B-C0593C6C2AAA}"/>
+              </a:ext>
+            </a:extLst>
+          </p:cNvPr>
+          <p:cNvSpPr>
+            <a:spLocks noGrp="1"/>
+          </p:cNvSpPr>
+          <p:nvPr>
+            <p:ph type="sldNum" sz="quarter" idx="12"/>
+          </p:nvPr>
+        </p:nvSpPr>
+        <p:spPr/>
+        <p:txBody>
+          <a:bodyPr/>
+          <a:lstStyle/>
+          <a:p>
+            <a:fld id="{A9542AAE-06E7-470D-90C2-2FB1D417B3DE}" type="slidenum">
+              <a:rPr lang="en-US" smtClean="0"/>
+              <a:t>‹#›</a:t>
+            </a:fld>
+            <a:endParaRPr lang="en-US"/>
+          </a:p>
+        </p:txBody>
+      </p:sp>
+    </p:spTree>
+    <p:extLst>
+      <p:ext uri="{BB962C8B-B14F-4D97-AF65-F5344CB8AC3E}">
+        <p14:creationId xmlns:p14="http://schemas.microsoft.com/office/powerpoint/2010/main" val="1338901046"/>
+      </p:ext>
+    </p:extLst>
+  </p:cSld>
+  <p:clrMapOvr>
+    <a:masterClrMapping/>
+  </p:clrMapOvr>
+</p:sldLayout>
+</file>
+
+<file path=ppt/slideLayouts/slideLayout9.xml><?xml version="1.0" encoding="utf-8"?>
+<p:sldLayout xmlns:a="http://schemas.openxmlformats.org/drawingml/2006/main" xmlns:r="http://schemas.openxmlformats.org/officeDocument/2006/relationships" xmlns:p="http://schemas.openxmlformats.org/presentationml/2006/main" type="picTx" preserve="1">
+  <p:cSld name="Picture with Caption">
+    <p:spTree>
+      <p:nvGrpSpPr>
+        <p:cNvPr id="1" name=""/>
+        <p:cNvGrpSpPr/>
+        <p:nvPr/>
+      </p:nvGrpSpPr>
+      <p:grpSpPr>
+        <a:xfrm>
+          <a:off x="0" y="0"/>
+          <a:ext cx="0" cy="0"/>
+          <a:chOff x="0" y="0"/>
+          <a:chExt cx="0" cy="0"/>
+        </a:xfrm>
+      </p:grpSpPr>
+      <p:sp>
+        <p:nvSpPr>
+          <p:cNvPr id="2" name="Title 1">
+            <a:extLst>
+              <a:ext uri="{FF2B5EF4-FFF2-40B4-BE49-F238E27FC236}">
+                <a16:creationId xmlns:a16="http://schemas.microsoft.com/office/drawing/2014/main" id="{0CA9A664-C4DD-45B8-895F-F4AE576B4754}"/>
+              </a:ext>
+            </a:extLst>
+          </p:cNvPr>
+          <p:cNvSpPr>
+            <a:spLocks noGrp="1"/>
+          </p:cNvSpPr>
+          <p:nvPr>
+            <p:ph type="title"/>
+          </p:nvPr>
+        </p:nvSpPr>
+        <p:spPr>
+          <a:xfrm>
+            <a:off x="839788" y="457200"/>
+            <a:ext cx="3932237" cy="1600200"/>
+          </a:xfrm>
+        </p:spPr>
+        <p:txBody>
+          <a:bodyPr anchor="b"/>
+          <a:lstStyle>
+            <a:lvl1pPr>
+              <a:defRPr sz="3200"/>
+            </a:lvl1pPr>
+          </a:lstStyle>
+          <a:p>
+            <a:r>
+              <a:rPr lang="en-US"/>
+              <a:t>Click to edit Master title style</a:t>
+            </a:r>
+          </a:p>
+        </p:txBody>
+      </p:sp>
+      <p:sp>
+        <p:nvSpPr>
+          <p:cNvPr id="3" name="Picture Placeholder 2">
+            <a:extLst>
+              <a:ext uri="{FF2B5EF4-FFF2-40B4-BE49-F238E27FC236}">
+                <a16:creationId xmlns:a16="http://schemas.microsoft.com/office/drawing/2014/main" id="{99C2BCD5-A163-448F-A63E-DB86A63271AE}"/>
+              </a:ext>
+            </a:extLst>
+          </p:cNvPr>
+          <p:cNvSpPr>
+            <a:spLocks noGrp="1"/>
+          </p:cNvSpPr>
+          <p:nvPr>
+            <p:ph type="pic" idx="1"/>
+          </p:nvPr>
+        </p:nvSpPr>
+        <p:spPr>
+          <a:xfrm>
+            <a:off x="5183188" y="987425"/>
+            <a:ext cx="6172200" cy="4873625"/>
+          </a:xfrm>
+        </p:spPr>
+        <p:txBody>
+          <a:bodyPr/>
+          <a:lstStyle>
+            <a:lvl1pPr marL="0" indent="0">
+              <a:buNone/>
+              <a:defRPr sz="3200"/>
+            </a:lvl1pPr>
+            <a:lvl2pPr marL="457200" indent="0">
+              <a:buNone/>
+              <a:defRPr sz="2800"/>
+            </a:lvl2pPr>
+            <a:lvl3pPr marL="914400" indent="0">
+              <a:buNone/>
+              <a:defRPr sz="2400"/>
+            </a:lvl3pPr>
+            <a:lvl4pPr marL="1371600" indent="0">
+              <a:buNone/>
+              <a:defRPr sz="2000"/>
+            </a:lvl4pPr>
+            <a:lvl5pPr marL="1828800" indent="0">
+              <a:buNone/>
+              <a:defRPr sz="2000"/>
+            </a:lvl5pPr>
+            <a:lvl6pPr marL="2286000" indent="0">
+              <a:buNone/>
+              <a:defRPr sz="2000"/>
+            </a:lvl6pPr>
+            <a:lvl7pPr marL="2743200" indent="0">
+              <a:buNone/>
+              <a:defRPr sz="2000"/>
+            </a:lvl7pPr>
+            <a:lvl8pPr marL="3200400" indent="0">
+              <a:buNone/>
+              <a:defRPr sz="2000"/>
+            </a:lvl8pPr>
+            <a:lvl9pPr marL="3657600" indent="0">
+              <a:buNone/>
+              <a:defRPr sz="2000"/>
+            </a:lvl9pPr>
+          </a:lstStyle>
+          <a:p>
+            <a:endParaRPr lang="en-US"/>
+          </a:p>
+        </p:txBody>
+      </p:sp>
+      <p:sp>
+        <p:nvSpPr>
+          <p:cNvPr id="4" name="Text Placeholder 3">
+            <a:extLst>
+              <a:ext uri="{FF2B5EF4-FFF2-40B4-BE49-F238E27FC236}">
+                <a16:creationId xmlns:a16="http://schemas.microsoft.com/office/drawing/2014/main" id="{A0AADA5C-974F-44F4-ADB5-2FDAAD0A1A2B}"/>
+              </a:ext>
+            </a:extLst>
+          </p:cNvPr>
+          <p:cNvSpPr>
+            <a:spLocks noGrp="1"/>
+          </p:cNvSpPr>
+          <p:nvPr>
+            <p:ph type="body" sz="half" idx="2"/>
+          </p:nvPr>
+        </p:nvSpPr>
+        <p:spPr>
+          <a:xfrm>
+            <a:off x="839788" y="2057400"/>
+            <a:ext cx="3932237" cy="3811588"/>
+          </a:xfrm>
+        </p:spPr>
+        <p:txBody>
+          <a:bodyPr/>
+          <a:lstStyle>
+            <a:lvl1pPr marL="0" indent="0">
+              <a:buNone/>
+              <a:defRPr sz="1600"/>
+            </a:lvl1pPr>
+            <a:lvl2pPr marL="457200" indent="0">
+              <a:buNone/>
+              <a:defRPr sz="1400"/>
+            </a:lvl2pPr>
+            <a:lvl3pPr marL="914400" indent="0">
+              <a:buNone/>
+              <a:defRPr sz="1200"/>
+            </a:lvl3pPr>
+            <a:lvl4pPr marL="1371600" indent="0">
+              <a:buNone/>
+              <a:defRPr sz="1000"/>
+            </a:lvl4pPr>
+            <a:lvl5pPr marL="1828800" indent="0">
+              <a:buNone/>
+              <a:defRPr sz="1000"/>
+            </a:lvl5pPr>
+            <a:lvl6pPr marL="2286000" indent="0">
+              <a:buNone/>
+              <a:defRPr sz="1000"/>
+            </a:lvl6pPr>
+            <a:lvl7pPr marL="2743200" indent="0">
+              <a:buNone/>
+              <a:defRPr sz="1000"/>
+            </a:lvl7pPr>
+            <a:lvl8pPr marL="3200400" indent="0">
+              <a:buNone/>
+              <a:defRPr sz="1000"/>
+            </a:lvl8pPr>
+            <a:lvl9pPr marL="3657600" indent="0">
+              <a:buNone/>
+              <a:defRPr sz="1000"/>
+            </a:lvl9pPr>
+          </a:lstStyle>
+          <a:p>
+            <a:pPr lvl="0"/>
+            <a:r>
+              <a:rPr lang="en-US"/>
               <a:t>Edit Master text styles</a:t>
             </a:r>
           </a:p>
@@ -8514,7 +10797,7 @@
           <a:p>
             <a:fld id="{B5D86D52-4857-4668-9EB7-B41E21252CF7}" type="datetimeFigureOut">
               <a:rPr lang="en-US" smtClean="0"/>
-              <a:t>10/8/2018</a:t>
+              <a:t>10/12/2018</a:t>
             </a:fld>
             <a:endParaRPr lang="en-US"/>
           </a:p>
@@ -8755,7 +11038,7 @@
           <a:p>
             <a:fld id="{B5D86D52-4857-4668-9EB7-B41E21252CF7}" type="datetimeFigureOut">
               <a:rPr lang="en-US" smtClean="0"/>
-              <a:t>10/8/2018</a:t>
+              <a:t>10/12/2018</a:t>
             </a:fld>
             <a:endParaRPr lang="en-US"/>
           </a:p>
@@ -9307,7 +11590,7 @@
           <a:p>
             <a:fld id="{EEC3160E-2579-4584-9765-DC1BA0B358F9}" type="datetimeFigureOut">
               <a:rPr lang="en-US" smtClean="0"/>
-              <a:t>10/8/2018</a:t>
+              <a:t>10/12/2018</a:t>
             </a:fld>
             <a:endParaRPr lang="en-US"/>
           </a:p>
@@ -9585,6 +11868,544 @@
           <a:spcPts val="500"/>
         </a:spcBef>
         <a:buFont typeface="Arial" panose="020B0604020202020204" pitchFamily="34" charset="0"/>
+        <a:buChar char="•"/>
+        <a:defRPr sz="1800" kern="1200">
+          <a:solidFill>
+            <a:schemeClr val="tx1"/>
+          </a:solidFill>
+          <a:latin typeface="+mn-lt"/>
+          <a:ea typeface="+mn-ea"/>
+          <a:cs typeface="+mn-cs"/>
+        </a:defRPr>
+      </a:lvl9pPr>
+    </p:bodyStyle>
+    <p:otherStyle>
+      <a:defPPr>
+        <a:defRPr lang="en-US"/>
+      </a:defPPr>
+      <a:lvl1pPr marL="0" algn="l" defTabSz="914400" rtl="0" eaLnBrk="1" latinLnBrk="0" hangingPunct="1">
+        <a:defRPr sz="1800" kern="1200">
+          <a:solidFill>
+            <a:schemeClr val="tx1"/>
+          </a:solidFill>
+          <a:latin typeface="+mn-lt"/>
+          <a:ea typeface="+mn-ea"/>
+          <a:cs typeface="+mn-cs"/>
+        </a:defRPr>
+      </a:lvl1pPr>
+      <a:lvl2pPr marL="457200" algn="l" defTabSz="914400" rtl="0" eaLnBrk="1" latinLnBrk="0" hangingPunct="1">
+        <a:defRPr sz="1800" kern="1200">
+          <a:solidFill>
+            <a:schemeClr val="tx1"/>
+          </a:solidFill>
+          <a:latin typeface="+mn-lt"/>
+          <a:ea typeface="+mn-ea"/>
+          <a:cs typeface="+mn-cs"/>
+        </a:defRPr>
+      </a:lvl2pPr>
+      <a:lvl3pPr marL="914400" algn="l" defTabSz="914400" rtl="0" eaLnBrk="1" latinLnBrk="0" hangingPunct="1">
+        <a:defRPr sz="1800" kern="1200">
+          <a:solidFill>
+            <a:schemeClr val="tx1"/>
+          </a:solidFill>
+          <a:latin typeface="+mn-lt"/>
+          <a:ea typeface="+mn-ea"/>
+          <a:cs typeface="+mn-cs"/>
+        </a:defRPr>
+      </a:lvl3pPr>
+      <a:lvl4pPr marL="1371600" algn="l" defTabSz="914400" rtl="0" eaLnBrk="1" latinLnBrk="0" hangingPunct="1">
+        <a:defRPr sz="1800" kern="1200">
+          <a:solidFill>
+            <a:schemeClr val="tx1"/>
+          </a:solidFill>
+          <a:latin typeface="+mn-lt"/>
+          <a:ea typeface="+mn-ea"/>
+          <a:cs typeface="+mn-cs"/>
+        </a:defRPr>
+      </a:lvl4pPr>
+      <a:lvl5pPr marL="1828800" algn="l" defTabSz="914400" rtl="0" eaLnBrk="1" latinLnBrk="0" hangingPunct="1">
+        <a:defRPr sz="1800" kern="1200">
+          <a:solidFill>
+            <a:schemeClr val="tx1"/>
+          </a:solidFill>
+          <a:latin typeface="+mn-lt"/>
+          <a:ea typeface="+mn-ea"/>
+          <a:cs typeface="+mn-cs"/>
+        </a:defRPr>
+      </a:lvl5pPr>
+      <a:lvl6pPr marL="2286000" algn="l" defTabSz="914400" rtl="0" eaLnBrk="1" latinLnBrk="0" hangingPunct="1">
+        <a:defRPr sz="1800" kern="1200">
+          <a:solidFill>
+            <a:schemeClr val="tx1"/>
+          </a:solidFill>
+          <a:latin typeface="+mn-lt"/>
+          <a:ea typeface="+mn-ea"/>
+          <a:cs typeface="+mn-cs"/>
+        </a:defRPr>
+      </a:lvl6pPr>
+      <a:lvl7pPr marL="2743200" algn="l" defTabSz="914400" rtl="0" eaLnBrk="1" latinLnBrk="0" hangingPunct="1">
+        <a:defRPr sz="1800" kern="1200">
+          <a:solidFill>
+            <a:schemeClr val="tx1"/>
+          </a:solidFill>
+          <a:latin typeface="+mn-lt"/>
+          <a:ea typeface="+mn-ea"/>
+          <a:cs typeface="+mn-cs"/>
+        </a:defRPr>
+      </a:lvl7pPr>
+      <a:lvl8pPr marL="3200400" algn="l" defTabSz="914400" rtl="0" eaLnBrk="1" latinLnBrk="0" hangingPunct="1">
+        <a:defRPr sz="1800" kern="1200">
+          <a:solidFill>
+            <a:schemeClr val="tx1"/>
+          </a:solidFill>
+          <a:latin typeface="+mn-lt"/>
+          <a:ea typeface="+mn-ea"/>
+          <a:cs typeface="+mn-cs"/>
+        </a:defRPr>
+      </a:lvl8pPr>
+      <a:lvl9pPr marL="3657600" algn="l" defTabSz="914400" rtl="0" eaLnBrk="1" latinLnBrk="0" hangingPunct="1">
+        <a:defRPr sz="1800" kern="1200">
+          <a:solidFill>
+            <a:schemeClr val="tx1"/>
+          </a:solidFill>
+          <a:latin typeface="+mn-lt"/>
+          <a:ea typeface="+mn-ea"/>
+          <a:cs typeface="+mn-cs"/>
+        </a:defRPr>
+      </a:lvl9pPr>
+    </p:otherStyle>
+  </p:txStyles>
+</p:sldMaster>
+</file>
+
+<file path=ppt/slideMasters/slideMaster3.xml><?xml version="1.0" encoding="utf-8"?>
+<p:sldMaster xmlns:a="http://schemas.openxmlformats.org/drawingml/2006/main" xmlns:r="http://schemas.openxmlformats.org/officeDocument/2006/relationships" xmlns:p="http://schemas.openxmlformats.org/presentationml/2006/main">
+  <p:cSld>
+    <p:bg>
+      <p:bgRef idx="1001">
+        <a:schemeClr val="bg1"/>
+      </p:bgRef>
+    </p:bg>
+    <p:spTree>
+      <p:nvGrpSpPr>
+        <p:cNvPr id="1" name=""/>
+        <p:cNvGrpSpPr/>
+        <p:nvPr/>
+      </p:nvGrpSpPr>
+      <p:grpSpPr>
+        <a:xfrm>
+          <a:off x="0" y="0"/>
+          <a:ext cx="0" cy="0"/>
+          <a:chOff x="0" y="0"/>
+          <a:chExt cx="0" cy="0"/>
+        </a:xfrm>
+      </p:grpSpPr>
+      <p:sp>
+        <p:nvSpPr>
+          <p:cNvPr id="2" name="Title Placeholder 1"/>
+          <p:cNvSpPr>
+            <a:spLocks noGrp="1"/>
+          </p:cNvSpPr>
+          <p:nvPr>
+            <p:ph type="title"/>
+          </p:nvPr>
+        </p:nvSpPr>
+        <p:spPr>
+          <a:xfrm>
+            <a:off x="838200" y="365125"/>
+            <a:ext cx="10515600" cy="1325563"/>
+          </a:xfrm>
+          <a:prstGeom prst="rect">
+            <a:avLst/>
+          </a:prstGeom>
+        </p:spPr>
+        <p:txBody>
+          <a:bodyPr vert="horz" lIns="91440" tIns="45720" rIns="91440" bIns="45720" rtlCol="0" anchor="ctr">
+            <a:normAutofit/>
+          </a:bodyPr>
+          <a:lstStyle/>
+          <a:p>
+            <a:r>
+              <a:rPr lang="en-US"/>
+              <a:t>Click to edit Master title style</a:t>
+            </a:r>
+          </a:p>
+        </p:txBody>
+      </p:sp>
+      <p:sp>
+        <p:nvSpPr>
+          <p:cNvPr id="3" name="Text Placeholder 2"/>
+          <p:cNvSpPr>
+            <a:spLocks noGrp="1"/>
+          </p:cNvSpPr>
+          <p:nvPr>
+            <p:ph type="body" idx="1"/>
+          </p:nvPr>
+        </p:nvSpPr>
+        <p:spPr>
+          <a:xfrm>
+            <a:off x="838200" y="1825625"/>
+            <a:ext cx="10515600" cy="4351338"/>
+          </a:xfrm>
+          <a:prstGeom prst="rect">
+            <a:avLst/>
+          </a:prstGeom>
+        </p:spPr>
+        <p:txBody>
+          <a:bodyPr vert="horz" lIns="91440" tIns="45720" rIns="91440" bIns="45720" rtlCol="0">
+            <a:normAutofit/>
+          </a:bodyPr>
+          <a:lstStyle/>
+          <a:p>
+            <a:pPr lvl="0"/>
+            <a:r>
+              <a:rPr lang="en-US"/>
+              <a:t>Click to edit Master text styles</a:t>
+            </a:r>
+          </a:p>
+          <a:p>
+            <a:pPr lvl="1"/>
+            <a:r>
+              <a:rPr lang="en-US"/>
+              <a:t>Second level</a:t>
+            </a:r>
+          </a:p>
+          <a:p>
+            <a:pPr lvl="2"/>
+            <a:r>
+              <a:rPr lang="en-US"/>
+              <a:t>Third level</a:t>
+            </a:r>
+          </a:p>
+          <a:p>
+            <a:pPr lvl="3"/>
+            <a:r>
+              <a:rPr lang="en-US"/>
+              <a:t>Fourth level</a:t>
+            </a:r>
+          </a:p>
+          <a:p>
+            <a:pPr lvl="4"/>
+            <a:r>
+              <a:rPr lang="en-US"/>
+              <a:t>Fifth level</a:t>
+            </a:r>
+          </a:p>
+        </p:txBody>
+      </p:sp>
+      <p:sp>
+        <p:nvSpPr>
+          <p:cNvPr id="4" name="Date Placeholder 3"/>
+          <p:cNvSpPr>
+            <a:spLocks noGrp="1"/>
+          </p:cNvSpPr>
+          <p:nvPr>
+            <p:ph type="dt" sz="half" idx="2"/>
+          </p:nvPr>
+        </p:nvSpPr>
+        <p:spPr>
+          <a:xfrm>
+            <a:off x="838200" y="6356350"/>
+            <a:ext cx="2743200" cy="365125"/>
+          </a:xfrm>
+          <a:prstGeom prst="rect">
+            <a:avLst/>
+          </a:prstGeom>
+        </p:spPr>
+        <p:txBody>
+          <a:bodyPr vert="horz" lIns="91440" tIns="45720" rIns="91440" bIns="45720" rtlCol="0" anchor="ctr"/>
+          <a:lstStyle>
+            <a:lvl1pPr algn="l">
+              <a:defRPr sz="1200">
+                <a:solidFill>
+                  <a:schemeClr val="tx1">
+                    <a:tint val="75000"/>
+                  </a:schemeClr>
+                </a:solidFill>
+              </a:defRPr>
+            </a:lvl1pPr>
+          </a:lstStyle>
+          <a:p>
+            <a:fld id="{1906F911-B8F3-1042-B226-54911C0C3F55}" type="datetimeFigureOut">
+              <a:rPr lang="en-US" smtClean="0"/>
+              <a:t>10/12/2018</a:t>
+            </a:fld>
+            <a:endParaRPr lang="en-US"/>
+          </a:p>
+        </p:txBody>
+      </p:sp>
+      <p:sp>
+        <p:nvSpPr>
+          <p:cNvPr id="5" name="Footer Placeholder 4"/>
+          <p:cNvSpPr>
+            <a:spLocks noGrp="1"/>
+          </p:cNvSpPr>
+          <p:nvPr>
+            <p:ph type="ftr" sz="quarter" idx="3"/>
+          </p:nvPr>
+        </p:nvSpPr>
+        <p:spPr>
+          <a:xfrm>
+            <a:off x="4038600" y="6356350"/>
+            <a:ext cx="4114800" cy="365125"/>
+          </a:xfrm>
+          <a:prstGeom prst="rect">
+            <a:avLst/>
+          </a:prstGeom>
+        </p:spPr>
+        <p:txBody>
+          <a:bodyPr vert="horz" lIns="91440" tIns="45720" rIns="91440" bIns="45720" rtlCol="0" anchor="ctr"/>
+          <a:lstStyle>
+            <a:lvl1pPr algn="ctr">
+              <a:defRPr sz="1200">
+                <a:solidFill>
+                  <a:schemeClr val="tx1">
+                    <a:tint val="75000"/>
+                  </a:schemeClr>
+                </a:solidFill>
+              </a:defRPr>
+            </a:lvl1pPr>
+          </a:lstStyle>
+          <a:p>
+            <a:endParaRPr lang="en-US"/>
+          </a:p>
+        </p:txBody>
+      </p:sp>
+      <p:sp>
+        <p:nvSpPr>
+          <p:cNvPr id="6" name="Slide Number Placeholder 5"/>
+          <p:cNvSpPr>
+            <a:spLocks noGrp="1"/>
+          </p:cNvSpPr>
+          <p:nvPr>
+            <p:ph type="sldNum" sz="quarter" idx="4"/>
+          </p:nvPr>
+        </p:nvSpPr>
+        <p:spPr>
+          <a:xfrm>
+            <a:off x="8610600" y="6356350"/>
+            <a:ext cx="2743200" cy="365125"/>
+          </a:xfrm>
+          <a:prstGeom prst="rect">
+            <a:avLst/>
+          </a:prstGeom>
+        </p:spPr>
+        <p:txBody>
+          <a:bodyPr vert="horz" lIns="91440" tIns="45720" rIns="91440" bIns="45720" rtlCol="0" anchor="ctr"/>
+          <a:lstStyle>
+            <a:lvl1pPr algn="r">
+              <a:defRPr sz="1200">
+                <a:solidFill>
+                  <a:schemeClr val="tx1">
+                    <a:tint val="75000"/>
+                  </a:schemeClr>
+                </a:solidFill>
+              </a:defRPr>
+            </a:lvl1pPr>
+          </a:lstStyle>
+          <a:p>
+            <a:fld id="{FF3A7EF9-53EA-2943-A568-BF2FEAB92E94}" type="slidenum">
+              <a:rPr lang="en-US" smtClean="0"/>
+              <a:t>‹#›</a:t>
+            </a:fld>
+            <a:endParaRPr lang="en-US"/>
+          </a:p>
+        </p:txBody>
+      </p:sp>
+    </p:spTree>
+    <p:extLst>
+      <p:ext uri="{BB962C8B-B14F-4D97-AF65-F5344CB8AC3E}">
+        <p14:creationId xmlns:p14="http://schemas.microsoft.com/office/powerpoint/2010/main" val="3134017319"/>
+      </p:ext>
+    </p:extLst>
+  </p:cSld>
+  <p:clrMap bg1="lt1" tx1="dk1" bg2="lt2" tx2="dk2" accent1="accent1" accent2="accent2" accent3="accent3" accent4="accent4" accent5="accent5" accent6="accent6" hlink="hlink" folHlink="folHlink"/>
+  <p:sldLayoutIdLst>
+    <p:sldLayoutId id="2147483673" r:id="rId1"/>
+    <p:sldLayoutId id="2147483674" r:id="rId2"/>
+    <p:sldLayoutId id="2147483675" r:id="rId3"/>
+    <p:sldLayoutId id="2147483676" r:id="rId4"/>
+    <p:sldLayoutId id="2147483677" r:id="rId5"/>
+    <p:sldLayoutId id="2147483678" r:id="rId6"/>
+    <p:sldLayoutId id="2147483679" r:id="rId7"/>
+    <p:sldLayoutId id="2147483680" r:id="rId8"/>
+    <p:sldLayoutId id="2147483681" r:id="rId9"/>
+    <p:sldLayoutId id="2147483682" r:id="rId10"/>
+    <p:sldLayoutId id="2147483683" r:id="rId11"/>
+  </p:sldLayoutIdLst>
+  <p:txStyles>
+    <p:titleStyle>
+      <a:lvl1pPr algn="l" defTabSz="914400" rtl="0" eaLnBrk="1" latinLnBrk="0" hangingPunct="1">
+        <a:lnSpc>
+          <a:spcPct val="90000"/>
+        </a:lnSpc>
+        <a:spcBef>
+          <a:spcPct val="0"/>
+        </a:spcBef>
+        <a:buNone/>
+        <a:defRPr sz="4400" kern="1200">
+          <a:solidFill>
+            <a:schemeClr val="tx1"/>
+          </a:solidFill>
+          <a:latin typeface="+mj-lt"/>
+          <a:ea typeface="+mj-ea"/>
+          <a:cs typeface="+mj-cs"/>
+        </a:defRPr>
+      </a:lvl1pPr>
+    </p:titleStyle>
+    <p:bodyStyle>
+      <a:lvl1pPr marL="228600" indent="-228600" algn="l" defTabSz="914400" rtl="0" eaLnBrk="1" latinLnBrk="0" hangingPunct="1">
+        <a:lnSpc>
+          <a:spcPct val="90000"/>
+        </a:lnSpc>
+        <a:spcBef>
+          <a:spcPts val="1000"/>
+        </a:spcBef>
+        <a:buFont typeface="Arial"/>
+        <a:buChar char="•"/>
+        <a:defRPr sz="2800" kern="1200">
+          <a:solidFill>
+            <a:schemeClr val="tx1"/>
+          </a:solidFill>
+          <a:latin typeface="+mn-lt"/>
+          <a:ea typeface="+mn-ea"/>
+          <a:cs typeface="+mn-cs"/>
+        </a:defRPr>
+      </a:lvl1pPr>
+      <a:lvl2pPr marL="685800" indent="-228600" algn="l" defTabSz="914400" rtl="0" eaLnBrk="1" latinLnBrk="0" hangingPunct="1">
+        <a:lnSpc>
+          <a:spcPct val="90000"/>
+        </a:lnSpc>
+        <a:spcBef>
+          <a:spcPts val="500"/>
+        </a:spcBef>
+        <a:buFont typeface="Arial"/>
+        <a:buChar char="•"/>
+        <a:defRPr sz="2400" kern="1200">
+          <a:solidFill>
+            <a:schemeClr val="tx1"/>
+          </a:solidFill>
+          <a:latin typeface="+mn-lt"/>
+          <a:ea typeface="+mn-ea"/>
+          <a:cs typeface="+mn-cs"/>
+        </a:defRPr>
+      </a:lvl2pPr>
+      <a:lvl3pPr marL="1143000" indent="-228600" algn="l" defTabSz="914400" rtl="0" eaLnBrk="1" latinLnBrk="0" hangingPunct="1">
+        <a:lnSpc>
+          <a:spcPct val="90000"/>
+        </a:lnSpc>
+        <a:spcBef>
+          <a:spcPts val="500"/>
+        </a:spcBef>
+        <a:buFont typeface="Arial"/>
+        <a:buChar char="•"/>
+        <a:defRPr sz="2000" kern="1200">
+          <a:solidFill>
+            <a:schemeClr val="tx1"/>
+          </a:solidFill>
+          <a:latin typeface="+mn-lt"/>
+          <a:ea typeface="+mn-ea"/>
+          <a:cs typeface="+mn-cs"/>
+        </a:defRPr>
+      </a:lvl3pPr>
+      <a:lvl4pPr marL="1600200" indent="-228600" algn="l" defTabSz="914400" rtl="0" eaLnBrk="1" latinLnBrk="0" hangingPunct="1">
+        <a:lnSpc>
+          <a:spcPct val="90000"/>
+        </a:lnSpc>
+        <a:spcBef>
+          <a:spcPts val="500"/>
+        </a:spcBef>
+        <a:buFont typeface="Arial"/>
+        <a:buChar char="•"/>
+        <a:defRPr sz="1800" kern="1200">
+          <a:solidFill>
+            <a:schemeClr val="tx1"/>
+          </a:solidFill>
+          <a:latin typeface="+mn-lt"/>
+          <a:ea typeface="+mn-ea"/>
+          <a:cs typeface="+mn-cs"/>
+        </a:defRPr>
+      </a:lvl4pPr>
+      <a:lvl5pPr marL="2057400" indent="-228600" algn="l" defTabSz="914400" rtl="0" eaLnBrk="1" latinLnBrk="0" hangingPunct="1">
+        <a:lnSpc>
+          <a:spcPct val="90000"/>
+        </a:lnSpc>
+        <a:spcBef>
+          <a:spcPts val="500"/>
+        </a:spcBef>
+        <a:buFont typeface="Arial"/>
+        <a:buChar char="•"/>
+        <a:defRPr sz="1800" kern="1200">
+          <a:solidFill>
+            <a:schemeClr val="tx1"/>
+          </a:solidFill>
+          <a:latin typeface="+mn-lt"/>
+          <a:ea typeface="+mn-ea"/>
+          <a:cs typeface="+mn-cs"/>
+        </a:defRPr>
+      </a:lvl5pPr>
+      <a:lvl6pPr marL="2514600" indent="-228600" algn="l" defTabSz="914400" rtl="0" eaLnBrk="1" latinLnBrk="0" hangingPunct="1">
+        <a:lnSpc>
+          <a:spcPct val="90000"/>
+        </a:lnSpc>
+        <a:spcBef>
+          <a:spcPts val="500"/>
+        </a:spcBef>
+        <a:buFont typeface="Arial"/>
+        <a:buChar char="•"/>
+        <a:defRPr sz="1800" kern="1200">
+          <a:solidFill>
+            <a:schemeClr val="tx1"/>
+          </a:solidFill>
+          <a:latin typeface="+mn-lt"/>
+          <a:ea typeface="+mn-ea"/>
+          <a:cs typeface="+mn-cs"/>
+        </a:defRPr>
+      </a:lvl6pPr>
+      <a:lvl7pPr marL="2971800" indent="-228600" algn="l" defTabSz="914400" rtl="0" eaLnBrk="1" latinLnBrk="0" hangingPunct="1">
+        <a:lnSpc>
+          <a:spcPct val="90000"/>
+        </a:lnSpc>
+        <a:spcBef>
+          <a:spcPts val="500"/>
+        </a:spcBef>
+        <a:buFont typeface="Arial"/>
+        <a:buChar char="•"/>
+        <a:defRPr sz="1800" kern="1200">
+          <a:solidFill>
+            <a:schemeClr val="tx1"/>
+          </a:solidFill>
+          <a:latin typeface="+mn-lt"/>
+          <a:ea typeface="+mn-ea"/>
+          <a:cs typeface="+mn-cs"/>
+        </a:defRPr>
+      </a:lvl7pPr>
+      <a:lvl8pPr marL="3429000" indent="-228600" algn="l" defTabSz="914400" rtl="0" eaLnBrk="1" latinLnBrk="0" hangingPunct="1">
+        <a:lnSpc>
+          <a:spcPct val="90000"/>
+        </a:lnSpc>
+        <a:spcBef>
+          <a:spcPts val="500"/>
+        </a:spcBef>
+        <a:buFont typeface="Arial"/>
+        <a:buChar char="•"/>
+        <a:defRPr sz="1800" kern="1200">
+          <a:solidFill>
+            <a:schemeClr val="tx1"/>
+          </a:solidFill>
+          <a:latin typeface="+mn-lt"/>
+          <a:ea typeface="+mn-ea"/>
+          <a:cs typeface="+mn-cs"/>
+        </a:defRPr>
+      </a:lvl8pPr>
+      <a:lvl9pPr marL="3886200" indent="-228600" algn="l" defTabSz="914400" rtl="0" eaLnBrk="1" latinLnBrk="0" hangingPunct="1">
+        <a:lnSpc>
+          <a:spcPct val="90000"/>
+        </a:lnSpc>
+        <a:spcBef>
+          <a:spcPts val="500"/>
+        </a:spcBef>
+        <a:buFont typeface="Arial"/>
         <a:buChar char="•"/>
         <a:defRPr sz="1800" kern="1200">
           <a:solidFill>
@@ -15838,10 +18659,10 @@
                         <a:defRPr/>
                       </a:pPr>
                       <a:r>
-                        <a:rPr lang="en-US" sz="2300"/>
+                        <a:rPr lang="en-US" sz="2300" dirty="0"/>
                         <a:t>Environments</a:t>
                       </a:r>
-                      <a:endParaRPr lang="en-US" sz="2300" b="1"/>
+                      <a:endParaRPr lang="en-US" sz="2300" b="1" dirty="0"/>
                     </a:p>
                   </a:txBody>
                   <a:tcPr marL="75961" marR="75961" marT="37981" marB="37981"/>
@@ -16335,6 +19156,20 @@
 <file path=ppt/slides/slide2.xml><?xml version="1.0" encoding="utf-8"?>
 <p:sld xmlns:a="http://schemas.openxmlformats.org/drawingml/2006/main" xmlns:r="http://schemas.openxmlformats.org/officeDocument/2006/relationships" xmlns:p="http://schemas.openxmlformats.org/presentationml/2006/main">
   <p:cSld>
+    <p:bg>
+      <p:bgPr>
+        <a:blipFill dpi="0" rotWithShape="1">
+          <a:blip r:embed="rId2">
+            <a:lum/>
+          </a:blip>
+          <a:srcRect/>
+          <a:stretch>
+            <a:fillRect/>
+          </a:stretch>
+        </a:blipFill>
+        <a:effectLst/>
+      </p:bgPr>
+    </p:bg>
     <p:spTree>
       <p:nvGrpSpPr>
         <p:cNvPr id="1" name=""/>
@@ -16349,1664 +19184,10 @@
           <a:chExt cx="0" cy="0"/>
         </a:xfrm>
       </p:grpSpPr>
-      <p:sp>
-        <p:nvSpPr>
-          <p:cNvPr id="5" name="Rectangle 4">
-            <a:extLst>
-              <a:ext uri="{FF2B5EF4-FFF2-40B4-BE49-F238E27FC236}">
-                <a16:creationId xmlns:a16="http://schemas.microsoft.com/office/drawing/2014/main" id="{54972497-D559-4FE5-9845-0E27E9AB6F69}"/>
-              </a:ext>
-            </a:extLst>
-          </p:cNvPr>
-          <p:cNvSpPr/>
-          <p:nvPr/>
-        </p:nvSpPr>
-        <p:spPr>
-          <a:xfrm>
-            <a:off x="-19723" y="-6276"/>
-            <a:ext cx="9624467" cy="865991"/>
-          </a:xfrm>
-          <a:prstGeom prst="rect">
-            <a:avLst/>
-          </a:prstGeom>
-          <a:solidFill>
-            <a:srgbClr val="3A4481"/>
-          </a:solidFill>
-          <a:ln>
-            <a:noFill/>
-          </a:ln>
-        </p:spPr>
-        <p:style>
-          <a:lnRef idx="2">
-            <a:schemeClr val="accent1">
-              <a:shade val="50000"/>
-            </a:schemeClr>
-          </a:lnRef>
-          <a:fillRef idx="1">
-            <a:schemeClr val="accent1"/>
-          </a:fillRef>
-          <a:effectRef idx="0">
-            <a:schemeClr val="accent1"/>
-          </a:effectRef>
-          <a:fontRef idx="minor">
-            <a:schemeClr val="lt1"/>
-          </a:fontRef>
-        </p:style>
-        <p:txBody>
-          <a:bodyPr rtlCol="0" anchor="ctr"/>
-          <a:lstStyle/>
-          <a:p>
-            <a:pPr algn="ctr"/>
-            <a:endParaRPr lang="en-US"/>
-          </a:p>
-        </p:txBody>
-      </p:sp>
-      <p:sp>
-        <p:nvSpPr>
-          <p:cNvPr id="6" name="Rectangle 5">
-            <a:extLst>
-              <a:ext uri="{FF2B5EF4-FFF2-40B4-BE49-F238E27FC236}">
-                <a16:creationId xmlns:a16="http://schemas.microsoft.com/office/drawing/2014/main" id="{520501BE-589B-4344-B677-7E2C83682EA1}"/>
-              </a:ext>
-            </a:extLst>
-          </p:cNvPr>
-          <p:cNvSpPr/>
-          <p:nvPr/>
-        </p:nvSpPr>
-        <p:spPr>
-          <a:xfrm>
-            <a:off x="1" y="3708378"/>
-            <a:ext cx="9533860" cy="652739"/>
-          </a:xfrm>
-          <a:prstGeom prst="rect">
-            <a:avLst/>
-          </a:prstGeom>
-          <a:solidFill>
-            <a:srgbClr val="3A4481"/>
-          </a:solidFill>
-          <a:ln>
-            <a:noFill/>
-          </a:ln>
-        </p:spPr>
-        <p:style>
-          <a:lnRef idx="2">
-            <a:schemeClr val="accent1">
-              <a:shade val="50000"/>
-            </a:schemeClr>
-          </a:lnRef>
-          <a:fillRef idx="1">
-            <a:schemeClr val="accent1"/>
-          </a:fillRef>
-          <a:effectRef idx="0">
-            <a:schemeClr val="accent1"/>
-          </a:effectRef>
-          <a:fontRef idx="minor">
-            <a:schemeClr val="lt1"/>
-          </a:fontRef>
-        </p:style>
-        <p:txBody>
-          <a:bodyPr rtlCol="0" anchor="ctr"/>
-          <a:lstStyle/>
-          <a:p>
-            <a:pPr algn="ctr"/>
-            <a:endParaRPr lang="en-US"/>
-          </a:p>
-        </p:txBody>
-      </p:sp>
-      <p:sp>
-        <p:nvSpPr>
-          <p:cNvPr id="7" name="TextBox 6">
-            <a:extLst>
-              <a:ext uri="{FF2B5EF4-FFF2-40B4-BE49-F238E27FC236}">
-                <a16:creationId xmlns:a16="http://schemas.microsoft.com/office/drawing/2014/main" id="{D5BC6019-A32D-41C3-A651-14E5AD1B7476}"/>
-              </a:ext>
-            </a:extLst>
-          </p:cNvPr>
-          <p:cNvSpPr txBox="1"/>
-          <p:nvPr/>
-        </p:nvSpPr>
-        <p:spPr>
-          <a:xfrm>
-            <a:off x="252805" y="172122"/>
-            <a:ext cx="6299386" cy="646331"/>
-          </a:xfrm>
-          <a:prstGeom prst="rect">
-            <a:avLst/>
-          </a:prstGeom>
-          <a:noFill/>
-        </p:spPr>
-        <p:txBody>
-          <a:bodyPr wrap="square" rtlCol="0">
-            <a:spAutoFit/>
-          </a:bodyPr>
-          <a:lstStyle/>
-          <a:p>
-            <a:r>
-              <a:rPr lang="en-US" sz="3600" b="1" dirty="0">
-                <a:solidFill>
-                  <a:srgbClr val="E3138E"/>
-                </a:solidFill>
-                <a:latin typeface="Courier New" panose="02070309020205020404" pitchFamily="49" charset="0"/>
-                <a:cs typeface="Courier New" panose="02070309020205020404" pitchFamily="49" charset="0"/>
-              </a:rPr>
-              <a:t>Platinum Sponsors</a:t>
-            </a:r>
-          </a:p>
-        </p:txBody>
-      </p:sp>
-      <p:pic>
-        <p:nvPicPr>
-          <p:cNvPr id="9" name="Picture 8">
-            <a:extLst>
-              <a:ext uri="{FF2B5EF4-FFF2-40B4-BE49-F238E27FC236}">
-                <a16:creationId xmlns:a16="http://schemas.microsoft.com/office/drawing/2014/main" id="{4DD75A36-4BC5-42BB-9157-CDBDF97086CC}"/>
-              </a:ext>
-            </a:extLst>
-          </p:cNvPr>
-          <p:cNvPicPr>
-            <a:picLocks noChangeAspect="1"/>
-          </p:cNvPicPr>
-          <p:nvPr/>
-        </p:nvPicPr>
-        <p:blipFill rotWithShape="1">
-          <a:blip r:embed="rId2">
-            <a:extLst>
-              <a:ext uri="{28A0092B-C50C-407E-A947-70E740481C1C}">
-                <a14:useLocalDpi xmlns:a14="http://schemas.microsoft.com/office/drawing/2010/main" val="0"/>
-              </a:ext>
-            </a:extLst>
-          </a:blip>
-          <a:srcRect l="20724" t="40314" r="20290" b="42902"/>
-          <a:stretch/>
-        </p:blipFill>
-        <p:spPr>
-          <a:xfrm>
-            <a:off x="4481040" y="2829276"/>
-            <a:ext cx="3563778" cy="764177"/>
-          </a:xfrm>
-          <a:prstGeom prst="rect">
-            <a:avLst/>
-          </a:prstGeom>
-        </p:spPr>
-      </p:pic>
-      <p:pic>
-        <p:nvPicPr>
-          <p:cNvPr id="11" name="Picture 10">
-            <a:extLst>
-              <a:ext uri="{FF2B5EF4-FFF2-40B4-BE49-F238E27FC236}">
-                <a16:creationId xmlns:a16="http://schemas.microsoft.com/office/drawing/2014/main" id="{720694BB-5129-4A03-B27F-2C21C924CA4B}"/>
-              </a:ext>
-            </a:extLst>
-          </p:cNvPr>
-          <p:cNvPicPr>
-            <a:picLocks noChangeAspect="1"/>
-          </p:cNvPicPr>
-          <p:nvPr/>
-        </p:nvPicPr>
-        <p:blipFill rotWithShape="1">
-          <a:blip r:embed="rId3">
-            <a:extLst>
-              <a:ext uri="{28A0092B-C50C-407E-A947-70E740481C1C}">
-                <a14:useLocalDpi xmlns:a14="http://schemas.microsoft.com/office/drawing/2010/main" val="0"/>
-              </a:ext>
-            </a:extLst>
-          </a:blip>
-          <a:srcRect l="28137" t="33645" r="28054" b="31215"/>
-          <a:stretch/>
-        </p:blipFill>
-        <p:spPr>
-          <a:xfrm>
-            <a:off x="2905130" y="1552648"/>
-            <a:ext cx="2452243" cy="1482292"/>
-          </a:xfrm>
-          <a:prstGeom prst="rect">
-            <a:avLst/>
-          </a:prstGeom>
-        </p:spPr>
-      </p:pic>
-      <p:pic>
-        <p:nvPicPr>
-          <p:cNvPr id="13" name="Picture 12">
-            <a:extLst>
-              <a:ext uri="{FF2B5EF4-FFF2-40B4-BE49-F238E27FC236}">
-                <a16:creationId xmlns:a16="http://schemas.microsoft.com/office/drawing/2014/main" id="{094DA130-AAAC-479B-977E-4E964A6C4CC4}"/>
-              </a:ext>
-            </a:extLst>
-          </p:cNvPr>
-          <p:cNvPicPr>
-            <a:picLocks noChangeAspect="1"/>
-          </p:cNvPicPr>
-          <p:nvPr/>
-        </p:nvPicPr>
-        <p:blipFill rotWithShape="1">
-          <a:blip r:embed="rId4">
-            <a:extLst>
-              <a:ext uri="{28A0092B-C50C-407E-A947-70E740481C1C}">
-                <a14:useLocalDpi xmlns:a14="http://schemas.microsoft.com/office/drawing/2010/main" val="0"/>
-              </a:ext>
-            </a:extLst>
-          </a:blip>
-          <a:srcRect l="30508" t="26523" r="30051" b="23955"/>
-          <a:stretch/>
-        </p:blipFill>
-        <p:spPr>
-          <a:xfrm>
-            <a:off x="-173152" y="1094102"/>
-            <a:ext cx="2107536" cy="1994156"/>
-          </a:xfrm>
-          <a:prstGeom prst="rect">
-            <a:avLst/>
-          </a:prstGeom>
-        </p:spPr>
-      </p:pic>
-      <p:pic>
-        <p:nvPicPr>
-          <p:cNvPr id="15" name="Picture 14">
-            <a:extLst>
-              <a:ext uri="{FF2B5EF4-FFF2-40B4-BE49-F238E27FC236}">
-                <a16:creationId xmlns:a16="http://schemas.microsoft.com/office/drawing/2014/main" id="{2A900312-E5C8-4E80-AA9B-A41C93A00ADC}"/>
-              </a:ext>
-            </a:extLst>
-          </p:cNvPr>
-          <p:cNvPicPr>
-            <a:picLocks noChangeAspect="1"/>
-          </p:cNvPicPr>
-          <p:nvPr/>
-        </p:nvPicPr>
-        <p:blipFill rotWithShape="1">
-          <a:blip r:embed="rId5">
-            <a:extLst>
-              <a:ext uri="{28A0092B-C50C-407E-A947-70E740481C1C}">
-                <a14:useLocalDpi xmlns:a14="http://schemas.microsoft.com/office/drawing/2010/main" val="0"/>
-              </a:ext>
-            </a:extLst>
-          </a:blip>
-          <a:srcRect t="27183" b="27937"/>
-          <a:stretch/>
-        </p:blipFill>
-        <p:spPr>
-          <a:xfrm>
-            <a:off x="791103" y="2864628"/>
-            <a:ext cx="2538371" cy="858516"/>
-          </a:xfrm>
-          <a:prstGeom prst="rect">
-            <a:avLst/>
-          </a:prstGeom>
-        </p:spPr>
-      </p:pic>
-      <p:pic>
-        <p:nvPicPr>
-          <p:cNvPr id="17" name="Picture 16">
-            <a:extLst>
-              <a:ext uri="{FF2B5EF4-FFF2-40B4-BE49-F238E27FC236}">
-                <a16:creationId xmlns:a16="http://schemas.microsoft.com/office/drawing/2014/main" id="{E66E5D0F-94DE-49ED-9DA9-2C8C674F98DA}"/>
-              </a:ext>
-            </a:extLst>
-          </p:cNvPr>
-          <p:cNvPicPr>
-            <a:picLocks noChangeAspect="1"/>
-          </p:cNvPicPr>
-          <p:nvPr/>
-        </p:nvPicPr>
-        <p:blipFill rotWithShape="1">
-          <a:blip r:embed="rId6">
-            <a:extLst>
-              <a:ext uri="{28A0092B-C50C-407E-A947-70E740481C1C}">
-                <a14:useLocalDpi xmlns:a14="http://schemas.microsoft.com/office/drawing/2010/main" val="0"/>
-              </a:ext>
-            </a:extLst>
-          </a:blip>
-          <a:srcRect l="5281" t="33397" r="2200" b="22486"/>
-          <a:stretch/>
-        </p:blipFill>
-        <p:spPr>
-          <a:xfrm>
-            <a:off x="5614295" y="870073"/>
-            <a:ext cx="3244890" cy="1166054"/>
-          </a:xfrm>
-          <a:prstGeom prst="rect">
-            <a:avLst/>
-          </a:prstGeom>
-        </p:spPr>
-      </p:pic>
-      <p:pic>
-        <p:nvPicPr>
-          <p:cNvPr id="19" name="Picture 18">
-            <a:extLst>
-              <a:ext uri="{FF2B5EF4-FFF2-40B4-BE49-F238E27FC236}">
-                <a16:creationId xmlns:a16="http://schemas.microsoft.com/office/drawing/2014/main" id="{8A85B9A3-F405-4804-A0B6-47C08D57174B}"/>
-              </a:ext>
-            </a:extLst>
-          </p:cNvPr>
-          <p:cNvPicPr>
-            <a:picLocks noChangeAspect="1"/>
-          </p:cNvPicPr>
-          <p:nvPr/>
-        </p:nvPicPr>
-        <p:blipFill rotWithShape="1">
-          <a:blip r:embed="rId7">
-            <a:extLst>
-              <a:ext uri="{28A0092B-C50C-407E-A947-70E740481C1C}">
-                <a14:useLocalDpi xmlns:a14="http://schemas.microsoft.com/office/drawing/2010/main" val="0"/>
-              </a:ext>
-            </a:extLst>
-          </a:blip>
-          <a:srcRect l="936" t="34528" r="-936" b="37544"/>
-          <a:stretch/>
-        </p:blipFill>
-        <p:spPr>
-          <a:xfrm>
-            <a:off x="1996666" y="992833"/>
-            <a:ext cx="3357272" cy="706586"/>
-          </a:xfrm>
-          <a:prstGeom prst="rect">
-            <a:avLst/>
-          </a:prstGeom>
-        </p:spPr>
-      </p:pic>
-      <p:pic>
-        <p:nvPicPr>
-          <p:cNvPr id="21" name="Picture 20">
-            <a:extLst>
-              <a:ext uri="{FF2B5EF4-FFF2-40B4-BE49-F238E27FC236}">
-                <a16:creationId xmlns:a16="http://schemas.microsoft.com/office/drawing/2014/main" id="{6E426DB2-4F1E-4A89-B3F6-3E4C822EB035}"/>
-              </a:ext>
-            </a:extLst>
-          </p:cNvPr>
-          <p:cNvPicPr>
-            <a:picLocks noChangeAspect="1"/>
-          </p:cNvPicPr>
-          <p:nvPr/>
-        </p:nvPicPr>
-        <p:blipFill rotWithShape="1">
-          <a:blip r:embed="rId8">
-            <a:extLst>
-              <a:ext uri="{28A0092B-C50C-407E-A947-70E740481C1C}">
-                <a14:useLocalDpi xmlns:a14="http://schemas.microsoft.com/office/drawing/2010/main" val="0"/>
-              </a:ext>
-            </a:extLst>
-          </a:blip>
-          <a:srcRect t="26956" b="28082"/>
-          <a:stretch/>
-        </p:blipFill>
-        <p:spPr>
-          <a:xfrm>
-            <a:off x="6149389" y="1902180"/>
-            <a:ext cx="3237638" cy="1096992"/>
-          </a:xfrm>
-          <a:prstGeom prst="rect">
-            <a:avLst/>
-          </a:prstGeom>
-        </p:spPr>
-      </p:pic>
-      <p:sp>
-        <p:nvSpPr>
-          <p:cNvPr id="22" name="TextBox 21">
-            <a:extLst>
-              <a:ext uri="{FF2B5EF4-FFF2-40B4-BE49-F238E27FC236}">
-                <a16:creationId xmlns:a16="http://schemas.microsoft.com/office/drawing/2014/main" id="{65E5C4F2-5814-4EDD-AC4A-46EC085443B5}"/>
-              </a:ext>
-            </a:extLst>
-          </p:cNvPr>
-          <p:cNvSpPr txBox="1"/>
-          <p:nvPr/>
-        </p:nvSpPr>
-        <p:spPr>
-          <a:xfrm>
-            <a:off x="209773" y="3824119"/>
-            <a:ext cx="4840622" cy="523220"/>
-          </a:xfrm>
-          <a:prstGeom prst="rect">
-            <a:avLst/>
-          </a:prstGeom>
-          <a:noFill/>
-        </p:spPr>
-        <p:txBody>
-          <a:bodyPr wrap="square" rtlCol="0">
-            <a:spAutoFit/>
-          </a:bodyPr>
-          <a:lstStyle/>
-          <a:p>
-            <a:r>
-              <a:rPr lang="en-US" sz="2800" b="1" dirty="0">
-                <a:solidFill>
-                  <a:srgbClr val="E3138E"/>
-                </a:solidFill>
-                <a:latin typeface="Courier New" panose="02070309020205020404" pitchFamily="49" charset="0"/>
-                <a:cs typeface="Courier New" panose="02070309020205020404" pitchFamily="49" charset="0"/>
-              </a:rPr>
-              <a:t>Gold Sponsors</a:t>
-            </a:r>
-          </a:p>
-        </p:txBody>
-      </p:sp>
-      <p:pic>
-        <p:nvPicPr>
-          <p:cNvPr id="24" name="Picture 23">
-            <a:extLst>
-              <a:ext uri="{FF2B5EF4-FFF2-40B4-BE49-F238E27FC236}">
-                <a16:creationId xmlns:a16="http://schemas.microsoft.com/office/drawing/2014/main" id="{C7098E4A-F2BC-41A4-A269-1A7577643210}"/>
-              </a:ext>
-            </a:extLst>
-          </p:cNvPr>
-          <p:cNvPicPr>
-            <a:picLocks noChangeAspect="1"/>
-          </p:cNvPicPr>
-          <p:nvPr/>
-        </p:nvPicPr>
-        <p:blipFill rotWithShape="1">
-          <a:blip r:embed="rId9">
-            <a:extLst>
-              <a:ext uri="{28A0092B-C50C-407E-A947-70E740481C1C}">
-                <a14:useLocalDpi xmlns:a14="http://schemas.microsoft.com/office/drawing/2010/main" val="0"/>
-              </a:ext>
-            </a:extLst>
-          </a:blip>
-          <a:srcRect t="35526" b="35861"/>
-          <a:stretch/>
-        </p:blipFill>
-        <p:spPr>
-          <a:xfrm>
-            <a:off x="1067994" y="5026364"/>
-            <a:ext cx="1823644" cy="393222"/>
-          </a:xfrm>
-          <a:prstGeom prst="rect">
-            <a:avLst/>
-          </a:prstGeom>
-        </p:spPr>
-      </p:pic>
-      <p:pic>
-        <p:nvPicPr>
-          <p:cNvPr id="26" name="Picture 25">
-            <a:extLst>
-              <a:ext uri="{FF2B5EF4-FFF2-40B4-BE49-F238E27FC236}">
-                <a16:creationId xmlns:a16="http://schemas.microsoft.com/office/drawing/2014/main" id="{F69EFEF5-26FD-44F6-9098-0C70300DBA9E}"/>
-              </a:ext>
-            </a:extLst>
-          </p:cNvPr>
-          <p:cNvPicPr>
-            <a:picLocks noChangeAspect="1"/>
-          </p:cNvPicPr>
-          <p:nvPr/>
-        </p:nvPicPr>
-        <p:blipFill rotWithShape="1">
-          <a:blip r:embed="rId10">
-            <a:extLst>
-              <a:ext uri="{28A0092B-C50C-407E-A947-70E740481C1C}">
-                <a14:useLocalDpi xmlns:a14="http://schemas.microsoft.com/office/drawing/2010/main" val="0"/>
-              </a:ext>
-            </a:extLst>
-          </a:blip>
-          <a:srcRect l="3863" t="38818" r="13442" b="33189"/>
-          <a:stretch/>
-        </p:blipFill>
-        <p:spPr>
-          <a:xfrm>
-            <a:off x="252805" y="4510638"/>
-            <a:ext cx="1714430" cy="437336"/>
-          </a:xfrm>
-          <a:prstGeom prst="rect">
-            <a:avLst/>
-          </a:prstGeom>
-        </p:spPr>
-      </p:pic>
-      <p:pic>
-        <p:nvPicPr>
-          <p:cNvPr id="28" name="Picture 27">
-            <a:extLst>
-              <a:ext uri="{FF2B5EF4-FFF2-40B4-BE49-F238E27FC236}">
-                <a16:creationId xmlns:a16="http://schemas.microsoft.com/office/drawing/2014/main" id="{B51339C0-F553-47A0-A368-B49A2A24AFFF}"/>
-              </a:ext>
-            </a:extLst>
-          </p:cNvPr>
-          <p:cNvPicPr>
-            <a:picLocks noChangeAspect="1"/>
-          </p:cNvPicPr>
-          <p:nvPr/>
-        </p:nvPicPr>
-        <p:blipFill rotWithShape="1">
-          <a:blip r:embed="rId11">
-            <a:extLst>
-              <a:ext uri="{28A0092B-C50C-407E-A947-70E740481C1C}">
-                <a14:useLocalDpi xmlns:a14="http://schemas.microsoft.com/office/drawing/2010/main" val="0"/>
-              </a:ext>
-            </a:extLst>
-          </a:blip>
-          <a:srcRect t="30993" b="31331"/>
-          <a:stretch/>
-        </p:blipFill>
-        <p:spPr>
-          <a:xfrm>
-            <a:off x="2427490" y="4439967"/>
-            <a:ext cx="1540305" cy="437336"/>
-          </a:xfrm>
-          <a:prstGeom prst="rect">
-            <a:avLst/>
-          </a:prstGeom>
-        </p:spPr>
-      </p:pic>
-      <p:pic>
-        <p:nvPicPr>
-          <p:cNvPr id="30" name="Picture 29">
-            <a:extLst>
-              <a:ext uri="{FF2B5EF4-FFF2-40B4-BE49-F238E27FC236}">
-                <a16:creationId xmlns:a16="http://schemas.microsoft.com/office/drawing/2014/main" id="{5CF3F324-33B9-4DE9-BC46-DD2B3C4CC6E0}"/>
-              </a:ext>
-            </a:extLst>
-          </p:cNvPr>
-          <p:cNvPicPr>
-            <a:picLocks noChangeAspect="1"/>
-          </p:cNvPicPr>
-          <p:nvPr/>
-        </p:nvPicPr>
-        <p:blipFill rotWithShape="1">
-          <a:blip r:embed="rId12">
-            <a:extLst>
-              <a:ext uri="{28A0092B-C50C-407E-A947-70E740481C1C}">
-                <a14:useLocalDpi xmlns:a14="http://schemas.microsoft.com/office/drawing/2010/main" val="0"/>
-              </a:ext>
-            </a:extLst>
-          </a:blip>
-          <a:srcRect t="15897" b="18407"/>
-          <a:stretch/>
-        </p:blipFill>
-        <p:spPr>
-          <a:xfrm>
-            <a:off x="2460390" y="5436103"/>
-            <a:ext cx="1035513" cy="512660"/>
-          </a:xfrm>
-          <a:prstGeom prst="rect">
-            <a:avLst/>
-          </a:prstGeom>
-        </p:spPr>
-      </p:pic>
-      <p:pic>
-        <p:nvPicPr>
-          <p:cNvPr id="34" name="Picture 33">
-            <a:extLst>
-              <a:ext uri="{FF2B5EF4-FFF2-40B4-BE49-F238E27FC236}">
-                <a16:creationId xmlns:a16="http://schemas.microsoft.com/office/drawing/2014/main" id="{A30EBDD6-67FD-4482-94A6-C00CCFF459F0}"/>
-              </a:ext>
-            </a:extLst>
-          </p:cNvPr>
-          <p:cNvPicPr>
-            <a:picLocks noChangeAspect="1"/>
-          </p:cNvPicPr>
-          <p:nvPr/>
-        </p:nvPicPr>
-        <p:blipFill rotWithShape="1">
-          <a:blip r:embed="rId13">
-            <a:extLst>
-              <a:ext uri="{28A0092B-C50C-407E-A947-70E740481C1C}">
-                <a14:useLocalDpi xmlns:a14="http://schemas.microsoft.com/office/drawing/2010/main" val="0"/>
-              </a:ext>
-            </a:extLst>
-          </a:blip>
-          <a:srcRect l="11699" t="39657" r="11975" b="39512"/>
-          <a:stretch/>
-        </p:blipFill>
-        <p:spPr>
-          <a:xfrm>
-            <a:off x="6370217" y="5175632"/>
-            <a:ext cx="1710835" cy="351875"/>
-          </a:xfrm>
-          <a:prstGeom prst="rect">
-            <a:avLst/>
-          </a:prstGeom>
-        </p:spPr>
-      </p:pic>
-      <p:pic>
-        <p:nvPicPr>
-          <p:cNvPr id="36" name="Picture 35">
-            <a:extLst>
-              <a:ext uri="{FF2B5EF4-FFF2-40B4-BE49-F238E27FC236}">
-                <a16:creationId xmlns:a16="http://schemas.microsoft.com/office/drawing/2014/main" id="{1B1FB3D7-300B-4163-9DAF-F63B718308C2}"/>
-              </a:ext>
-            </a:extLst>
-          </p:cNvPr>
-          <p:cNvPicPr>
-            <a:picLocks noChangeAspect="1"/>
-          </p:cNvPicPr>
-          <p:nvPr/>
-        </p:nvPicPr>
-        <p:blipFill rotWithShape="1">
-          <a:blip r:embed="rId14">
-            <a:extLst>
-              <a:ext uri="{28A0092B-C50C-407E-A947-70E740481C1C}">
-                <a14:useLocalDpi xmlns:a14="http://schemas.microsoft.com/office/drawing/2010/main" val="0"/>
-              </a:ext>
-            </a:extLst>
-          </a:blip>
-          <a:srcRect l="19133" t="8514" r="19270" b="9888"/>
-          <a:stretch/>
-        </p:blipFill>
-        <p:spPr>
-          <a:xfrm>
-            <a:off x="4973188" y="5145059"/>
-            <a:ext cx="872363" cy="870885"/>
-          </a:xfrm>
-          <a:prstGeom prst="rect">
-            <a:avLst/>
-          </a:prstGeom>
-        </p:spPr>
-      </p:pic>
-      <p:pic>
-        <p:nvPicPr>
-          <p:cNvPr id="38" name="Picture 37">
-            <a:extLst>
-              <a:ext uri="{FF2B5EF4-FFF2-40B4-BE49-F238E27FC236}">
-                <a16:creationId xmlns:a16="http://schemas.microsoft.com/office/drawing/2014/main" id="{8FC3DF6B-AF34-4015-AB2C-04425853D837}"/>
-              </a:ext>
-            </a:extLst>
-          </p:cNvPr>
-          <p:cNvPicPr>
-            <a:picLocks noChangeAspect="1"/>
-          </p:cNvPicPr>
-          <p:nvPr/>
-        </p:nvPicPr>
-        <p:blipFill rotWithShape="1">
-          <a:blip r:embed="rId15">
-            <a:extLst>
-              <a:ext uri="{28A0092B-C50C-407E-A947-70E740481C1C}">
-                <a14:useLocalDpi xmlns:a14="http://schemas.microsoft.com/office/drawing/2010/main" val="0"/>
-              </a:ext>
-            </a:extLst>
-          </a:blip>
-          <a:srcRect l="31515" t="22572" r="30550" b="22008"/>
-          <a:stretch/>
-        </p:blipFill>
-        <p:spPr>
-          <a:xfrm>
-            <a:off x="92539" y="5146375"/>
-            <a:ext cx="913049" cy="1005206"/>
-          </a:xfrm>
-          <a:prstGeom prst="rect">
-            <a:avLst/>
-          </a:prstGeom>
-        </p:spPr>
-      </p:pic>
-      <p:pic>
-        <p:nvPicPr>
-          <p:cNvPr id="40" name="Picture 39">
-            <a:extLst>
-              <a:ext uri="{FF2B5EF4-FFF2-40B4-BE49-F238E27FC236}">
-                <a16:creationId xmlns:a16="http://schemas.microsoft.com/office/drawing/2014/main" id="{C938C5E1-86AA-432B-BC1C-3946F0B65653}"/>
-              </a:ext>
-            </a:extLst>
-          </p:cNvPr>
-          <p:cNvPicPr>
-            <a:picLocks noChangeAspect="1"/>
-          </p:cNvPicPr>
-          <p:nvPr/>
-        </p:nvPicPr>
-        <p:blipFill rotWithShape="1">
-          <a:blip r:embed="rId16">
-            <a:extLst>
-              <a:ext uri="{28A0092B-C50C-407E-A947-70E740481C1C}">
-                <a14:useLocalDpi xmlns:a14="http://schemas.microsoft.com/office/drawing/2010/main" val="0"/>
-              </a:ext>
-            </a:extLst>
-          </a:blip>
-          <a:srcRect t="15309" b="12562"/>
-          <a:stretch/>
-        </p:blipFill>
-        <p:spPr>
-          <a:xfrm>
-            <a:off x="5927527" y="4323108"/>
-            <a:ext cx="1540304" cy="837237"/>
-          </a:xfrm>
-          <a:prstGeom prst="rect">
-            <a:avLst/>
-          </a:prstGeom>
-        </p:spPr>
-      </p:pic>
-      <p:pic>
-        <p:nvPicPr>
-          <p:cNvPr id="42" name="Picture 41">
-            <a:extLst>
-              <a:ext uri="{FF2B5EF4-FFF2-40B4-BE49-F238E27FC236}">
-                <a16:creationId xmlns:a16="http://schemas.microsoft.com/office/drawing/2014/main" id="{A1131DA8-0512-4E33-8A42-C3AA6023DC11}"/>
-              </a:ext>
-            </a:extLst>
-          </p:cNvPr>
-          <p:cNvPicPr>
-            <a:picLocks noChangeAspect="1"/>
-          </p:cNvPicPr>
-          <p:nvPr/>
-        </p:nvPicPr>
-        <p:blipFill rotWithShape="1">
-          <a:blip r:embed="rId17">
-            <a:extLst>
-              <a:ext uri="{28A0092B-C50C-407E-A947-70E740481C1C}">
-                <a14:useLocalDpi xmlns:a14="http://schemas.microsoft.com/office/drawing/2010/main" val="0"/>
-              </a:ext>
-            </a:extLst>
-          </a:blip>
-          <a:srcRect t="16463" b="20927"/>
-          <a:stretch/>
-        </p:blipFill>
-        <p:spPr>
-          <a:xfrm>
-            <a:off x="2446939" y="6002584"/>
-            <a:ext cx="1471304" cy="694185"/>
-          </a:xfrm>
-          <a:prstGeom prst="rect">
-            <a:avLst/>
-          </a:prstGeom>
-        </p:spPr>
-      </p:pic>
-      <p:pic>
-        <p:nvPicPr>
-          <p:cNvPr id="44" name="Picture 43">
-            <a:extLst>
-              <a:ext uri="{FF2B5EF4-FFF2-40B4-BE49-F238E27FC236}">
-                <a16:creationId xmlns:a16="http://schemas.microsoft.com/office/drawing/2014/main" id="{3034DD88-B3D5-4195-87ED-561DBC400FCE}"/>
-              </a:ext>
-            </a:extLst>
-          </p:cNvPr>
-          <p:cNvPicPr>
-            <a:picLocks noChangeAspect="1"/>
-          </p:cNvPicPr>
-          <p:nvPr/>
-        </p:nvPicPr>
-        <p:blipFill rotWithShape="1">
-          <a:blip r:embed="rId18">
-            <a:extLst>
-              <a:ext uri="{28A0092B-C50C-407E-A947-70E740481C1C}">
-                <a14:useLocalDpi xmlns:a14="http://schemas.microsoft.com/office/drawing/2010/main" val="0"/>
-              </a:ext>
-            </a:extLst>
-          </a:blip>
-          <a:srcRect l="32034" t="31736" r="31795" b="32061"/>
-          <a:stretch/>
-        </p:blipFill>
-        <p:spPr>
-          <a:xfrm>
-            <a:off x="8089785" y="5175632"/>
-            <a:ext cx="1154639" cy="870885"/>
-          </a:xfrm>
-          <a:prstGeom prst="rect">
-            <a:avLst/>
-          </a:prstGeom>
-        </p:spPr>
-      </p:pic>
-      <p:pic>
-        <p:nvPicPr>
-          <p:cNvPr id="46" name="Picture 45">
-            <a:extLst>
-              <a:ext uri="{FF2B5EF4-FFF2-40B4-BE49-F238E27FC236}">
-                <a16:creationId xmlns:a16="http://schemas.microsoft.com/office/drawing/2014/main" id="{52A38EAC-B054-492E-80ED-6DB28B1B2D15}"/>
-              </a:ext>
-            </a:extLst>
-          </p:cNvPr>
-          <p:cNvPicPr>
-            <a:picLocks noChangeAspect="1"/>
-          </p:cNvPicPr>
-          <p:nvPr/>
-        </p:nvPicPr>
-        <p:blipFill rotWithShape="1">
-          <a:blip r:embed="rId19">
-            <a:extLst>
-              <a:ext uri="{28A0092B-C50C-407E-A947-70E740481C1C}">
-                <a14:useLocalDpi xmlns:a14="http://schemas.microsoft.com/office/drawing/2010/main" val="0"/>
-              </a:ext>
-            </a:extLst>
-          </a:blip>
-          <a:srcRect t="40833" b="40848"/>
-          <a:stretch/>
-        </p:blipFill>
-        <p:spPr>
-          <a:xfrm>
-            <a:off x="4165605" y="6463999"/>
-            <a:ext cx="2065480" cy="285138"/>
-          </a:xfrm>
-          <a:prstGeom prst="rect">
-            <a:avLst/>
-          </a:prstGeom>
-        </p:spPr>
-      </p:pic>
-      <p:pic>
-        <p:nvPicPr>
-          <p:cNvPr id="48" name="Picture 47">
-            <a:extLst>
-              <a:ext uri="{FF2B5EF4-FFF2-40B4-BE49-F238E27FC236}">
-                <a16:creationId xmlns:a16="http://schemas.microsoft.com/office/drawing/2014/main" id="{37CF1946-7A58-411B-8B0B-91DF3E0A1018}"/>
-              </a:ext>
-            </a:extLst>
-          </p:cNvPr>
-          <p:cNvPicPr>
-            <a:picLocks noChangeAspect="1"/>
-          </p:cNvPicPr>
-          <p:nvPr/>
-        </p:nvPicPr>
-        <p:blipFill rotWithShape="1">
-          <a:blip r:embed="rId20">
-            <a:extLst>
-              <a:ext uri="{28A0092B-C50C-407E-A947-70E740481C1C}">
-                <a14:useLocalDpi xmlns:a14="http://schemas.microsoft.com/office/drawing/2010/main" val="0"/>
-              </a:ext>
-            </a:extLst>
-          </a:blip>
-          <a:srcRect l="23294" t="40178" r="23642" b="40459"/>
-          <a:stretch/>
-        </p:blipFill>
-        <p:spPr>
-          <a:xfrm>
-            <a:off x="7763328" y="6290353"/>
-            <a:ext cx="1577848" cy="433904"/>
-          </a:xfrm>
-          <a:prstGeom prst="rect">
-            <a:avLst/>
-          </a:prstGeom>
-        </p:spPr>
-      </p:pic>
-      <p:pic>
-        <p:nvPicPr>
-          <p:cNvPr id="50" name="Picture 49">
-            <a:extLst>
-              <a:ext uri="{FF2B5EF4-FFF2-40B4-BE49-F238E27FC236}">
-                <a16:creationId xmlns:a16="http://schemas.microsoft.com/office/drawing/2014/main" id="{644DCF0B-627D-4519-B18A-50ADFCFFAFAA}"/>
-              </a:ext>
-            </a:extLst>
-          </p:cNvPr>
-          <p:cNvPicPr>
-            <a:picLocks noChangeAspect="1"/>
-          </p:cNvPicPr>
-          <p:nvPr/>
-        </p:nvPicPr>
-        <p:blipFill rotWithShape="1">
-          <a:blip r:embed="rId21">
-            <a:extLst>
-              <a:ext uri="{28A0092B-C50C-407E-A947-70E740481C1C}">
-                <a14:useLocalDpi xmlns:a14="http://schemas.microsoft.com/office/drawing/2010/main" val="0"/>
-              </a:ext>
-            </a:extLst>
-          </a:blip>
-          <a:srcRect l="14376" t="21551" r="15285" b="24149"/>
-          <a:stretch/>
-        </p:blipFill>
-        <p:spPr>
-          <a:xfrm>
-            <a:off x="609804" y="5702388"/>
-            <a:ext cx="1660603" cy="966053"/>
-          </a:xfrm>
-          <a:prstGeom prst="rect">
-            <a:avLst/>
-          </a:prstGeom>
-        </p:spPr>
-      </p:pic>
-      <p:pic>
-        <p:nvPicPr>
-          <p:cNvPr id="52" name="Picture 51">
-            <a:extLst>
-              <a:ext uri="{FF2B5EF4-FFF2-40B4-BE49-F238E27FC236}">
-                <a16:creationId xmlns:a16="http://schemas.microsoft.com/office/drawing/2014/main" id="{B49B9791-E3B1-41F4-8CD3-48A20F8972F9}"/>
-              </a:ext>
-            </a:extLst>
-          </p:cNvPr>
-          <p:cNvPicPr>
-            <a:picLocks noChangeAspect="1"/>
-          </p:cNvPicPr>
-          <p:nvPr/>
-        </p:nvPicPr>
-        <p:blipFill rotWithShape="1">
-          <a:blip r:embed="rId22">
-            <a:extLst>
-              <a:ext uri="{28A0092B-C50C-407E-A947-70E740481C1C}">
-                <a14:useLocalDpi xmlns:a14="http://schemas.microsoft.com/office/drawing/2010/main" val="0"/>
-              </a:ext>
-            </a:extLst>
-          </a:blip>
-          <a:srcRect l="11532" t="32649" r="10503" b="32358"/>
-          <a:stretch/>
-        </p:blipFill>
-        <p:spPr>
-          <a:xfrm>
-            <a:off x="6348353" y="5751879"/>
-            <a:ext cx="1461786" cy="494423"/>
-          </a:xfrm>
-          <a:prstGeom prst="rect">
-            <a:avLst/>
-          </a:prstGeom>
-        </p:spPr>
-      </p:pic>
-      <p:pic>
-        <p:nvPicPr>
-          <p:cNvPr id="54" name="Picture 53">
-            <a:extLst>
-              <a:ext uri="{FF2B5EF4-FFF2-40B4-BE49-F238E27FC236}">
-                <a16:creationId xmlns:a16="http://schemas.microsoft.com/office/drawing/2014/main" id="{0187AD4E-C8FF-4B7A-941F-A3A39786AA9C}"/>
-              </a:ext>
-            </a:extLst>
-          </p:cNvPr>
-          <p:cNvPicPr>
-            <a:picLocks noChangeAspect="1"/>
-          </p:cNvPicPr>
-          <p:nvPr/>
-        </p:nvPicPr>
-        <p:blipFill rotWithShape="1">
-          <a:blip r:embed="rId23">
-            <a:extLst>
-              <a:ext uri="{28A0092B-C50C-407E-A947-70E740481C1C}">
-                <a14:useLocalDpi xmlns:a14="http://schemas.microsoft.com/office/drawing/2010/main" val="0"/>
-              </a:ext>
-            </a:extLst>
-          </a:blip>
-          <a:srcRect l="17333" t="21073" r="19306" b="21815"/>
-          <a:stretch/>
-        </p:blipFill>
-        <p:spPr>
-          <a:xfrm>
-            <a:off x="4490474" y="4443971"/>
-            <a:ext cx="774000" cy="525767"/>
-          </a:xfrm>
-          <a:prstGeom prst="rect">
-            <a:avLst/>
-          </a:prstGeom>
-        </p:spPr>
-      </p:pic>
-      <p:pic>
-        <p:nvPicPr>
-          <p:cNvPr id="56" name="Picture 55">
-            <a:extLst>
-              <a:ext uri="{FF2B5EF4-FFF2-40B4-BE49-F238E27FC236}">
-                <a16:creationId xmlns:a16="http://schemas.microsoft.com/office/drawing/2014/main" id="{2849F42A-5CBB-4657-8E2B-5EF09161C1DC}"/>
-              </a:ext>
-            </a:extLst>
-          </p:cNvPr>
-          <p:cNvPicPr>
-            <a:picLocks noChangeAspect="1"/>
-          </p:cNvPicPr>
-          <p:nvPr/>
-        </p:nvPicPr>
-        <p:blipFill rotWithShape="1">
-          <a:blip r:embed="rId24">
-            <a:extLst>
-              <a:ext uri="{28A0092B-C50C-407E-A947-70E740481C1C}">
-                <a14:useLocalDpi xmlns:a14="http://schemas.microsoft.com/office/drawing/2010/main" val="0"/>
-              </a:ext>
-            </a:extLst>
-          </a:blip>
-          <a:srcRect l="14613" r="15173"/>
-          <a:stretch/>
-        </p:blipFill>
-        <p:spPr>
-          <a:xfrm>
-            <a:off x="3747304" y="5004501"/>
-            <a:ext cx="811434" cy="870885"/>
-          </a:xfrm>
-          <a:prstGeom prst="rect">
-            <a:avLst/>
-          </a:prstGeom>
-        </p:spPr>
-      </p:pic>
-      <p:pic>
-        <p:nvPicPr>
-          <p:cNvPr id="58" name="Picture 57">
-            <a:extLst>
-              <a:ext uri="{FF2B5EF4-FFF2-40B4-BE49-F238E27FC236}">
-                <a16:creationId xmlns:a16="http://schemas.microsoft.com/office/drawing/2014/main" id="{B456CD6D-D06D-4367-9C0C-1073561AC449}"/>
-              </a:ext>
-            </a:extLst>
-          </p:cNvPr>
-          <p:cNvPicPr>
-            <a:picLocks noChangeAspect="1"/>
-          </p:cNvPicPr>
-          <p:nvPr/>
-        </p:nvPicPr>
-        <p:blipFill rotWithShape="1">
-          <a:blip r:embed="rId25">
-            <a:extLst>
-              <a:ext uri="{28A0092B-C50C-407E-A947-70E740481C1C}">
-                <a14:useLocalDpi xmlns:a14="http://schemas.microsoft.com/office/drawing/2010/main" val="0"/>
-              </a:ext>
-            </a:extLst>
-          </a:blip>
-          <a:srcRect l="25153" t="39191" r="24919" b="38323"/>
-          <a:stretch/>
-        </p:blipFill>
-        <p:spPr>
-          <a:xfrm>
-            <a:off x="10419615" y="6189794"/>
-            <a:ext cx="978916" cy="332242"/>
-          </a:xfrm>
-          <a:prstGeom prst="rect">
-            <a:avLst/>
-          </a:prstGeom>
-        </p:spPr>
-      </p:pic>
-      <p:pic>
-        <p:nvPicPr>
-          <p:cNvPr id="60" name="Picture 59">
-            <a:extLst>
-              <a:ext uri="{FF2B5EF4-FFF2-40B4-BE49-F238E27FC236}">
-                <a16:creationId xmlns:a16="http://schemas.microsoft.com/office/drawing/2014/main" id="{F5E4E741-9177-4C90-B8CA-BD8B1693812D}"/>
-              </a:ext>
-            </a:extLst>
-          </p:cNvPr>
-          <p:cNvPicPr>
-            <a:picLocks noChangeAspect="1"/>
-          </p:cNvPicPr>
-          <p:nvPr/>
-        </p:nvPicPr>
-        <p:blipFill rotWithShape="1">
-          <a:blip r:embed="rId26">
-            <a:extLst>
-              <a:ext uri="{28A0092B-C50C-407E-A947-70E740481C1C}">
-                <a14:useLocalDpi xmlns:a14="http://schemas.microsoft.com/office/drawing/2010/main" val="0"/>
-              </a:ext>
-            </a:extLst>
-          </a:blip>
-          <a:srcRect l="9914" t="36496" r="7856" b="43497"/>
-          <a:stretch/>
-        </p:blipFill>
-        <p:spPr>
-          <a:xfrm>
-            <a:off x="9761682" y="543430"/>
-            <a:ext cx="2268279" cy="415881"/>
-          </a:xfrm>
-          <a:prstGeom prst="rect">
-            <a:avLst/>
-          </a:prstGeom>
-        </p:spPr>
-      </p:pic>
-      <p:sp>
-        <p:nvSpPr>
-          <p:cNvPr id="74" name="Rectangle 73">
-            <a:extLst>
-              <a:ext uri="{FF2B5EF4-FFF2-40B4-BE49-F238E27FC236}">
-                <a16:creationId xmlns:a16="http://schemas.microsoft.com/office/drawing/2014/main" id="{E61FEEF4-654D-4746-9121-019C5822D0A7}"/>
-              </a:ext>
-            </a:extLst>
-          </p:cNvPr>
-          <p:cNvSpPr/>
-          <p:nvPr/>
-        </p:nvSpPr>
-        <p:spPr>
-          <a:xfrm>
-            <a:off x="9647274" y="5880602"/>
-            <a:ext cx="2473842" cy="924236"/>
-          </a:xfrm>
-          <a:prstGeom prst="rect">
-            <a:avLst/>
-          </a:prstGeom>
-          <a:noFill/>
-        </p:spPr>
-        <p:style>
-          <a:lnRef idx="2">
-            <a:schemeClr val="accent1">
-              <a:shade val="50000"/>
-            </a:schemeClr>
-          </a:lnRef>
-          <a:fillRef idx="1">
-            <a:schemeClr val="accent1"/>
-          </a:fillRef>
-          <a:effectRef idx="0">
-            <a:schemeClr val="accent1"/>
-          </a:effectRef>
-          <a:fontRef idx="minor">
-            <a:schemeClr val="lt1"/>
-          </a:fontRef>
-        </p:style>
-        <p:txBody>
-          <a:bodyPr rtlCol="0" anchor="ctr"/>
-          <a:lstStyle/>
-          <a:p>
-            <a:pPr algn="ctr"/>
-            <a:endParaRPr lang="en-US"/>
-          </a:p>
-        </p:txBody>
-      </p:sp>
-      <p:sp>
-        <p:nvSpPr>
-          <p:cNvPr id="70" name="TextBox 69">
-            <a:extLst>
-              <a:ext uri="{FF2B5EF4-FFF2-40B4-BE49-F238E27FC236}">
-                <a16:creationId xmlns:a16="http://schemas.microsoft.com/office/drawing/2014/main" id="{8A1F4BB2-0C68-49F4-8EFC-DF93FFCC2060}"/>
-              </a:ext>
-            </a:extLst>
-          </p:cNvPr>
-          <p:cNvSpPr txBox="1"/>
-          <p:nvPr/>
-        </p:nvSpPr>
-        <p:spPr>
-          <a:xfrm>
-            <a:off x="10206566" y="5604624"/>
-            <a:ext cx="1250244" cy="523220"/>
-          </a:xfrm>
-          <a:prstGeom prst="rect">
-            <a:avLst/>
-          </a:prstGeom>
-          <a:solidFill>
-            <a:schemeClr val="bg1"/>
-          </a:solidFill>
-        </p:spPr>
-        <p:txBody>
-          <a:bodyPr wrap="square" rtlCol="0">
-            <a:spAutoFit/>
-          </a:bodyPr>
-          <a:lstStyle/>
-          <a:p>
-            <a:pPr algn="ctr"/>
-            <a:r>
-              <a:rPr lang="en-US" sz="2800" dirty="0">
-                <a:solidFill>
-                  <a:srgbClr val="E3138E"/>
-                </a:solidFill>
-                <a:latin typeface="Courier New" panose="02070309020205020404" pitchFamily="49" charset="0"/>
-                <a:cs typeface="Courier New" panose="02070309020205020404" pitchFamily="49" charset="0"/>
-              </a:rPr>
-              <a:t>Media</a:t>
-            </a:r>
-          </a:p>
-        </p:txBody>
-      </p:sp>
-      <p:pic>
-        <p:nvPicPr>
-          <p:cNvPr id="75" name="Picture 74">
-            <a:extLst>
-              <a:ext uri="{FF2B5EF4-FFF2-40B4-BE49-F238E27FC236}">
-                <a16:creationId xmlns:a16="http://schemas.microsoft.com/office/drawing/2014/main" id="{76CC81A9-F2B9-4158-A822-C017824D1842}"/>
-              </a:ext>
-            </a:extLst>
-          </p:cNvPr>
-          <p:cNvPicPr>
-            <a:picLocks noChangeAspect="1"/>
-          </p:cNvPicPr>
-          <p:nvPr/>
-        </p:nvPicPr>
-        <p:blipFill rotWithShape="1">
-          <a:blip r:embed="rId14">
-            <a:extLst>
-              <a:ext uri="{28A0092B-C50C-407E-A947-70E740481C1C}">
-                <a14:useLocalDpi xmlns:a14="http://schemas.microsoft.com/office/drawing/2010/main" val="0"/>
-              </a:ext>
-            </a:extLst>
-          </a:blip>
-          <a:srcRect l="19133" t="8514" r="19270" b="9888"/>
-          <a:stretch/>
-        </p:blipFill>
-        <p:spPr>
-          <a:xfrm>
-            <a:off x="10362277" y="1697129"/>
-            <a:ext cx="1035512" cy="1033758"/>
-          </a:xfrm>
-          <a:prstGeom prst="rect">
-            <a:avLst/>
-          </a:prstGeom>
-        </p:spPr>
-      </p:pic>
-      <p:pic>
-        <p:nvPicPr>
-          <p:cNvPr id="77" name="Picture 76">
-            <a:extLst>
-              <a:ext uri="{FF2B5EF4-FFF2-40B4-BE49-F238E27FC236}">
-                <a16:creationId xmlns:a16="http://schemas.microsoft.com/office/drawing/2014/main" id="{C095C728-9493-420E-AF4D-1EBD1D6E70DA}"/>
-              </a:ext>
-            </a:extLst>
-          </p:cNvPr>
-          <p:cNvPicPr>
-            <a:picLocks noChangeAspect="1"/>
-          </p:cNvPicPr>
-          <p:nvPr/>
-        </p:nvPicPr>
-        <p:blipFill rotWithShape="1">
-          <a:blip r:embed="rId6">
-            <a:extLst>
-              <a:ext uri="{28A0092B-C50C-407E-A947-70E740481C1C}">
-                <a14:useLocalDpi xmlns:a14="http://schemas.microsoft.com/office/drawing/2010/main" val="0"/>
-              </a:ext>
-            </a:extLst>
-          </a:blip>
-          <a:srcRect l="5281" t="33397" r="2200" b="22486"/>
-          <a:stretch/>
-        </p:blipFill>
-        <p:spPr>
-          <a:xfrm>
-            <a:off x="9868683" y="4708406"/>
-            <a:ext cx="2025031" cy="727697"/>
-          </a:xfrm>
-          <a:prstGeom prst="rect">
-            <a:avLst/>
-          </a:prstGeom>
-        </p:spPr>
-      </p:pic>
-      <p:sp>
-        <p:nvSpPr>
-          <p:cNvPr id="69" name="Rectangle 68">
-            <a:extLst>
-              <a:ext uri="{FF2B5EF4-FFF2-40B4-BE49-F238E27FC236}">
-                <a16:creationId xmlns:a16="http://schemas.microsoft.com/office/drawing/2014/main" id="{E403CE2D-AD2A-4A5D-938F-5B27051F8569}"/>
-              </a:ext>
-            </a:extLst>
-          </p:cNvPr>
-          <p:cNvSpPr/>
-          <p:nvPr/>
-        </p:nvSpPr>
-        <p:spPr>
-          <a:xfrm>
-            <a:off x="9654276" y="4517313"/>
-            <a:ext cx="2455661" cy="1106680"/>
-          </a:xfrm>
-          <a:prstGeom prst="rect">
-            <a:avLst/>
-          </a:prstGeom>
-          <a:noFill/>
-        </p:spPr>
-        <p:style>
-          <a:lnRef idx="2">
-            <a:schemeClr val="accent1">
-              <a:shade val="50000"/>
-            </a:schemeClr>
-          </a:lnRef>
-          <a:fillRef idx="1">
-            <a:schemeClr val="accent1"/>
-          </a:fillRef>
-          <a:effectRef idx="0">
-            <a:schemeClr val="accent1"/>
-          </a:effectRef>
-          <a:fontRef idx="minor">
-            <a:schemeClr val="lt1"/>
-          </a:fontRef>
-        </p:style>
-        <p:txBody>
-          <a:bodyPr rtlCol="0" anchor="ctr"/>
-          <a:lstStyle/>
-          <a:p>
-            <a:pPr algn="ctr"/>
-            <a:endParaRPr lang="en-US"/>
-          </a:p>
-        </p:txBody>
-      </p:sp>
-      <p:sp>
-        <p:nvSpPr>
-          <p:cNvPr id="73" name="TextBox 72">
-            <a:extLst>
-              <a:ext uri="{FF2B5EF4-FFF2-40B4-BE49-F238E27FC236}">
-                <a16:creationId xmlns:a16="http://schemas.microsoft.com/office/drawing/2014/main" id="{3A109B72-1EB8-430B-9D9B-BABAE192279E}"/>
-              </a:ext>
-            </a:extLst>
-          </p:cNvPr>
-          <p:cNvSpPr txBox="1"/>
-          <p:nvPr/>
-        </p:nvSpPr>
-        <p:spPr>
-          <a:xfrm>
-            <a:off x="9851217" y="4225214"/>
-            <a:ext cx="2131010" cy="523220"/>
-          </a:xfrm>
-          <a:prstGeom prst="rect">
-            <a:avLst/>
-          </a:prstGeom>
-          <a:solidFill>
-            <a:schemeClr val="bg1"/>
-          </a:solidFill>
-        </p:spPr>
-        <p:txBody>
-          <a:bodyPr wrap="square" rtlCol="0">
-            <a:spAutoFit/>
-          </a:bodyPr>
-          <a:lstStyle/>
-          <a:p>
-            <a:r>
-              <a:rPr lang="en-US" sz="2800" dirty="0">
-                <a:solidFill>
-                  <a:srgbClr val="E3138E"/>
-                </a:solidFill>
-                <a:latin typeface="Courier New" panose="02070309020205020404" pitchFamily="49" charset="0"/>
-                <a:cs typeface="Courier New" panose="02070309020205020404" pitchFamily="49" charset="0"/>
-              </a:rPr>
-              <a:t>Notebooks</a:t>
-            </a:r>
-          </a:p>
-        </p:txBody>
-      </p:sp>
-      <p:sp>
-        <p:nvSpPr>
-          <p:cNvPr id="72" name="Rectangle 71">
-            <a:extLst>
-              <a:ext uri="{FF2B5EF4-FFF2-40B4-BE49-F238E27FC236}">
-                <a16:creationId xmlns:a16="http://schemas.microsoft.com/office/drawing/2014/main" id="{E3A96A26-6009-41BA-B0CA-A56C405831A1}"/>
-              </a:ext>
-            </a:extLst>
-          </p:cNvPr>
-          <p:cNvSpPr/>
-          <p:nvPr/>
-        </p:nvSpPr>
-        <p:spPr>
-          <a:xfrm>
-            <a:off x="9620728" y="3088257"/>
-            <a:ext cx="2489210" cy="1164489"/>
-          </a:xfrm>
-          <a:prstGeom prst="rect">
-            <a:avLst/>
-          </a:prstGeom>
-          <a:noFill/>
-        </p:spPr>
-        <p:style>
-          <a:lnRef idx="2">
-            <a:schemeClr val="accent1">
-              <a:shade val="50000"/>
-            </a:schemeClr>
-          </a:lnRef>
-          <a:fillRef idx="1">
-            <a:schemeClr val="accent1"/>
-          </a:fillRef>
-          <a:effectRef idx="0">
-            <a:schemeClr val="accent1"/>
-          </a:effectRef>
-          <a:fontRef idx="minor">
-            <a:schemeClr val="lt1"/>
-          </a:fontRef>
-        </p:style>
-        <p:txBody>
-          <a:bodyPr rtlCol="0" anchor="ctr"/>
-          <a:lstStyle/>
-          <a:p>
-            <a:pPr algn="ctr"/>
-            <a:endParaRPr lang="en-US"/>
-          </a:p>
-        </p:txBody>
-      </p:sp>
-      <p:sp>
-        <p:nvSpPr>
-          <p:cNvPr id="62" name="TextBox 61">
-            <a:extLst>
-              <a:ext uri="{FF2B5EF4-FFF2-40B4-BE49-F238E27FC236}">
-                <a16:creationId xmlns:a16="http://schemas.microsoft.com/office/drawing/2014/main" id="{03B18486-81BA-415D-811C-48C262DDB877}"/>
-              </a:ext>
-            </a:extLst>
-          </p:cNvPr>
-          <p:cNvSpPr txBox="1"/>
-          <p:nvPr/>
-        </p:nvSpPr>
-        <p:spPr>
-          <a:xfrm>
-            <a:off x="10262641" y="2783151"/>
-            <a:ext cx="1258871" cy="523220"/>
-          </a:xfrm>
-          <a:prstGeom prst="rect">
-            <a:avLst/>
-          </a:prstGeom>
-          <a:solidFill>
-            <a:schemeClr val="bg1"/>
-          </a:solidFill>
-        </p:spPr>
-        <p:txBody>
-          <a:bodyPr wrap="square" rtlCol="0">
-            <a:spAutoFit/>
-          </a:bodyPr>
-          <a:lstStyle/>
-          <a:p>
-            <a:pPr algn="ctr"/>
-            <a:r>
-              <a:rPr lang="en-US" sz="2800" dirty="0">
-                <a:solidFill>
-                  <a:srgbClr val="E3138E"/>
-                </a:solidFill>
-                <a:latin typeface="Courier New" panose="02070309020205020404" pitchFamily="49" charset="0"/>
-                <a:cs typeface="Courier New" panose="02070309020205020404" pitchFamily="49" charset="0"/>
-              </a:rPr>
-              <a:t>Party</a:t>
-            </a:r>
-          </a:p>
-        </p:txBody>
-      </p:sp>
-      <p:sp>
-        <p:nvSpPr>
-          <p:cNvPr id="66" name="Rectangle 65">
-            <a:extLst>
-              <a:ext uri="{FF2B5EF4-FFF2-40B4-BE49-F238E27FC236}">
-                <a16:creationId xmlns:a16="http://schemas.microsoft.com/office/drawing/2014/main" id="{375D0931-2101-4C74-AC86-2EAFE98DF88E}"/>
-              </a:ext>
-            </a:extLst>
-          </p:cNvPr>
-          <p:cNvSpPr/>
-          <p:nvPr/>
-        </p:nvSpPr>
-        <p:spPr>
-          <a:xfrm>
-            <a:off x="9640245" y="1544797"/>
-            <a:ext cx="2473842" cy="1284479"/>
-          </a:xfrm>
-          <a:prstGeom prst="rect">
-            <a:avLst/>
-          </a:prstGeom>
-          <a:noFill/>
-        </p:spPr>
-        <p:style>
-          <a:lnRef idx="2">
-            <a:schemeClr val="accent1">
-              <a:shade val="50000"/>
-            </a:schemeClr>
-          </a:lnRef>
-          <a:fillRef idx="1">
-            <a:schemeClr val="accent1"/>
-          </a:fillRef>
-          <a:effectRef idx="0">
-            <a:schemeClr val="accent1"/>
-          </a:effectRef>
-          <a:fontRef idx="minor">
-            <a:schemeClr val="lt1"/>
-          </a:fontRef>
-        </p:style>
-        <p:txBody>
-          <a:bodyPr rtlCol="0" anchor="ctr"/>
-          <a:lstStyle/>
-          <a:p>
-            <a:pPr algn="ctr"/>
-            <a:endParaRPr lang="en-US"/>
-          </a:p>
-        </p:txBody>
-      </p:sp>
-      <p:sp>
-        <p:nvSpPr>
-          <p:cNvPr id="67" name="TextBox 66">
-            <a:extLst>
-              <a:ext uri="{FF2B5EF4-FFF2-40B4-BE49-F238E27FC236}">
-                <a16:creationId xmlns:a16="http://schemas.microsoft.com/office/drawing/2014/main" id="{B69E2785-D52B-410E-BDFC-AF4DED7F5845}"/>
-              </a:ext>
-            </a:extLst>
-          </p:cNvPr>
-          <p:cNvSpPr txBox="1"/>
-          <p:nvPr/>
-        </p:nvSpPr>
-        <p:spPr>
-          <a:xfrm>
-            <a:off x="9990106" y="1234007"/>
-            <a:ext cx="1903608" cy="523220"/>
-          </a:xfrm>
-          <a:prstGeom prst="rect">
-            <a:avLst/>
-          </a:prstGeom>
-          <a:solidFill>
-            <a:schemeClr val="bg1"/>
-          </a:solidFill>
-        </p:spPr>
-        <p:txBody>
-          <a:bodyPr wrap="square" rtlCol="0">
-            <a:spAutoFit/>
-          </a:bodyPr>
-          <a:lstStyle/>
-          <a:p>
-            <a:r>
-              <a:rPr lang="en-US" sz="2800" dirty="0">
-                <a:solidFill>
-                  <a:srgbClr val="E3138E"/>
-                </a:solidFill>
-                <a:latin typeface="Courier New" panose="02070309020205020404" pitchFamily="49" charset="0"/>
-                <a:cs typeface="Courier New" panose="02070309020205020404" pitchFamily="49" charset="0"/>
-              </a:rPr>
-              <a:t>Lanyards</a:t>
-            </a:r>
-          </a:p>
-        </p:txBody>
-      </p:sp>
-      <p:sp>
-        <p:nvSpPr>
-          <p:cNvPr id="63" name="Rectangle 62">
-            <a:extLst>
-              <a:ext uri="{FF2B5EF4-FFF2-40B4-BE49-F238E27FC236}">
-                <a16:creationId xmlns:a16="http://schemas.microsoft.com/office/drawing/2014/main" id="{EDADC62D-2FAD-48EA-94E3-B6D2228D322D}"/>
-              </a:ext>
-            </a:extLst>
-          </p:cNvPr>
-          <p:cNvSpPr/>
-          <p:nvPr/>
-        </p:nvSpPr>
-        <p:spPr>
-          <a:xfrm>
-            <a:off x="9662575" y="162134"/>
-            <a:ext cx="2459004" cy="1099862"/>
-          </a:xfrm>
-          <a:prstGeom prst="rect">
-            <a:avLst/>
-          </a:prstGeom>
-          <a:noFill/>
-        </p:spPr>
-        <p:style>
-          <a:lnRef idx="2">
-            <a:schemeClr val="accent1">
-              <a:shade val="50000"/>
-            </a:schemeClr>
-          </a:lnRef>
-          <a:fillRef idx="1">
-            <a:schemeClr val="accent1"/>
-          </a:fillRef>
-          <a:effectRef idx="0">
-            <a:schemeClr val="accent1"/>
-          </a:effectRef>
-          <a:fontRef idx="minor">
-            <a:schemeClr val="lt1"/>
-          </a:fontRef>
-        </p:style>
-        <p:txBody>
-          <a:bodyPr rtlCol="0" anchor="ctr"/>
-          <a:lstStyle/>
-          <a:p>
-            <a:pPr algn="ctr"/>
-            <a:endParaRPr lang="en-US"/>
-          </a:p>
-        </p:txBody>
-      </p:sp>
-      <p:sp>
-        <p:nvSpPr>
-          <p:cNvPr id="61" name="TextBox 60">
-            <a:extLst>
-              <a:ext uri="{FF2B5EF4-FFF2-40B4-BE49-F238E27FC236}">
-                <a16:creationId xmlns:a16="http://schemas.microsoft.com/office/drawing/2014/main" id="{E63D74D0-DBA3-4D08-BFC7-52A275550E69}"/>
-              </a:ext>
-            </a:extLst>
-          </p:cNvPr>
-          <p:cNvSpPr txBox="1"/>
-          <p:nvPr/>
-        </p:nvSpPr>
-        <p:spPr>
-          <a:xfrm>
-            <a:off x="9906626" y="-71487"/>
-            <a:ext cx="2123335" cy="523220"/>
-          </a:xfrm>
-          <a:prstGeom prst="rect">
-            <a:avLst/>
-          </a:prstGeom>
-          <a:solidFill>
-            <a:schemeClr val="bg1"/>
-          </a:solidFill>
-        </p:spPr>
-        <p:txBody>
-          <a:bodyPr wrap="square" rtlCol="0">
-            <a:spAutoFit/>
-          </a:bodyPr>
-          <a:lstStyle/>
-          <a:p>
-            <a:r>
-              <a:rPr lang="en-US" sz="2800" dirty="0">
-                <a:solidFill>
-                  <a:srgbClr val="E3138E"/>
-                </a:solidFill>
-                <a:latin typeface="Courier New" panose="02070309020205020404" pitchFamily="49" charset="0"/>
-                <a:cs typeface="Courier New" panose="02070309020205020404" pitchFamily="49" charset="0"/>
-              </a:rPr>
-              <a:t>Swag Bags</a:t>
-            </a:r>
-          </a:p>
-        </p:txBody>
-      </p:sp>
-      <p:pic>
-        <p:nvPicPr>
-          <p:cNvPr id="3" name="Picture 2" descr="A close up of a sign&#10;&#10;Description generated with very high confidence">
-            <a:extLst>
-              <a:ext uri="{FF2B5EF4-FFF2-40B4-BE49-F238E27FC236}">
-                <a16:creationId xmlns:a16="http://schemas.microsoft.com/office/drawing/2014/main" id="{B042BA30-82D2-4146-82B0-B7D6CC64B717}"/>
-              </a:ext>
-            </a:extLst>
-          </p:cNvPr>
-          <p:cNvPicPr>
-            <a:picLocks noChangeAspect="1"/>
-          </p:cNvPicPr>
-          <p:nvPr/>
-        </p:nvPicPr>
-        <p:blipFill>
-          <a:blip r:embed="rId27">
-            <a:extLst>
-              <a:ext uri="{28A0092B-C50C-407E-A947-70E740481C1C}">
-                <a14:useLocalDpi xmlns:a14="http://schemas.microsoft.com/office/drawing/2010/main" val="0"/>
-              </a:ext>
-            </a:extLst>
-          </a:blip>
-          <a:stretch>
-            <a:fillRect/>
-          </a:stretch>
-        </p:blipFill>
-        <p:spPr>
-          <a:xfrm>
-            <a:off x="7757782" y="4252991"/>
-            <a:ext cx="1183756" cy="892068"/>
-          </a:xfrm>
-          <a:prstGeom prst="rect">
-            <a:avLst/>
-          </a:prstGeom>
-        </p:spPr>
-      </p:pic>
-      <p:pic>
-        <p:nvPicPr>
-          <p:cNvPr id="76" name="Picture 75">
-            <a:extLst>
-              <a:ext uri="{FF2B5EF4-FFF2-40B4-BE49-F238E27FC236}">
-                <a16:creationId xmlns:a16="http://schemas.microsoft.com/office/drawing/2014/main" id="{AEF8726E-ACC4-4061-86CE-16B8AC8DB424}"/>
-              </a:ext>
-            </a:extLst>
-          </p:cNvPr>
-          <p:cNvPicPr>
-            <a:picLocks noChangeAspect="1"/>
-          </p:cNvPicPr>
-          <p:nvPr/>
-        </p:nvPicPr>
-        <p:blipFill rotWithShape="1">
-          <a:blip r:embed="rId4">
-            <a:extLst>
-              <a:ext uri="{28A0092B-C50C-407E-A947-70E740481C1C}">
-                <a14:useLocalDpi xmlns:a14="http://schemas.microsoft.com/office/drawing/2010/main" val="0"/>
-              </a:ext>
-            </a:extLst>
-          </a:blip>
-          <a:srcRect l="30508" t="26523" r="30051" b="23955"/>
-          <a:stretch/>
-        </p:blipFill>
-        <p:spPr>
-          <a:xfrm>
-            <a:off x="10324963" y="3173912"/>
-            <a:ext cx="1119143" cy="1058936"/>
-          </a:xfrm>
-          <a:prstGeom prst="rect">
-            <a:avLst/>
-          </a:prstGeom>
-        </p:spPr>
-      </p:pic>
     </p:spTree>
     <p:extLst>
       <p:ext uri="{BB962C8B-B14F-4D97-AF65-F5344CB8AC3E}">
-        <p14:creationId xmlns:p14="http://schemas.microsoft.com/office/powerpoint/2010/main" val="2245526147"/>
+        <p14:creationId xmlns:p14="http://schemas.microsoft.com/office/powerpoint/2010/main" val="257044050"/>
       </p:ext>
     </p:extLst>
   </p:cSld>
@@ -18465,7 +19646,7 @@
           <a:p>
             <a:r>
               <a:rPr lang="en-US" dirty="0"/>
-              <a:t>Demo</a:t>
+              <a:t>Demos</a:t>
             </a:r>
           </a:p>
         </p:txBody>
@@ -20921,14 +22102,14 @@
                             </p:stCondLst>
                             <p:childTnLst>
                               <p:par>
-                                <p:cTn id="5" presetID="26" presetClass="emph" presetSubtype="0" fill="hold" grpId="0" nodeType="afterEffect">
+                                <p:cTn id="5" presetID="26" presetClass="emph" presetSubtype="0" fill="remove" grpId="0" nodeType="afterEffect">
                                   <p:stCondLst>
                                     <p:cond delay="0"/>
                                   </p:stCondLst>
                                   <p:childTnLst>
                                     <p:animEffect transition="out" filter="fade">
                                       <p:cBhvr>
-                                        <p:cTn id="6" dur="750" tmFilter="0, 0; .2, .5; .8, .5; 1, 0"/>
+                                        <p:cTn id="6" dur="5000" tmFilter="0, 0; .2, .5; .8, .5; 1, 0"/>
                                         <p:tgtEl>
                                           <p:spTgt spid="6"/>
                                         </p:tgtEl>
@@ -20936,7 +22117,7 @@
                                     </p:animEffect>
                                     <p:animScale>
                                       <p:cBhvr>
-                                        <p:cTn id="7" dur="375" autoRev="1" fill="hold"/>
+                                        <p:cTn id="7" dur="2500" autoRev="1" fill="hold"/>
                                         <p:tgtEl>
                                           <p:spTgt spid="6"/>
                                         </p:tgtEl>
@@ -25425,6 +26606,267 @@
 </file>
 
 <file path=ppt/theme/theme3.xml><?xml version="1.0" encoding="utf-8"?>
+<a:theme xmlns:a="http://schemas.openxmlformats.org/drawingml/2006/main" name="2_Office Theme">
+  <a:themeElements>
+    <a:clrScheme name="Office">
+      <a:dk1>
+        <a:sysClr val="windowText" lastClr="000000"/>
+      </a:dk1>
+      <a:lt1>
+        <a:sysClr val="window" lastClr="FFFFFF"/>
+      </a:lt1>
+      <a:dk2>
+        <a:srgbClr val="44546A"/>
+      </a:dk2>
+      <a:lt2>
+        <a:srgbClr val="E7E6E6"/>
+      </a:lt2>
+      <a:accent1>
+        <a:srgbClr val="5B9BD5"/>
+      </a:accent1>
+      <a:accent2>
+        <a:srgbClr val="ED7D31"/>
+      </a:accent2>
+      <a:accent3>
+        <a:srgbClr val="A5A5A5"/>
+      </a:accent3>
+      <a:accent4>
+        <a:srgbClr val="FFC000"/>
+      </a:accent4>
+      <a:accent5>
+        <a:srgbClr val="4472C4"/>
+      </a:accent5>
+      <a:accent6>
+        <a:srgbClr val="70AD47"/>
+      </a:accent6>
+      <a:hlink>
+        <a:srgbClr val="0563C1"/>
+      </a:hlink>
+      <a:folHlink>
+        <a:srgbClr val="954F72"/>
+      </a:folHlink>
+    </a:clrScheme>
+    <a:fontScheme name="Office">
+      <a:majorFont>
+        <a:latin typeface="Calibri Light" panose="020F0302020204030204"/>
+        <a:ea typeface=""/>
+        <a:cs typeface=""/>
+        <a:font script="Jpan" typeface="ＭＳ Ｐゴシック"/>
+        <a:font script="Hang" typeface="맑은 고딕"/>
+        <a:font script="Hans" typeface="宋体"/>
+        <a:font script="Hant" typeface="新細明體"/>
+        <a:font script="Arab" typeface="Times New Roman"/>
+        <a:font script="Hebr" typeface="Times New Roman"/>
+        <a:font script="Thai" typeface="Angsana New"/>
+        <a:font script="Ethi" typeface="Nyala"/>
+        <a:font script="Beng" typeface="Vrinda"/>
+        <a:font script="Gujr" typeface="Shruti"/>
+        <a:font script="Khmr" typeface="MoolBoran"/>
+        <a:font script="Knda" typeface="Tunga"/>
+        <a:font script="Guru" typeface="Raavi"/>
+        <a:font script="Cans" typeface="Euphemia"/>
+        <a:font script="Cher" typeface="Plantagenet Cherokee"/>
+        <a:font script="Yiii" typeface="Microsoft Yi Baiti"/>
+        <a:font script="Tibt" typeface="Microsoft Himalaya"/>
+        <a:font script="Thaa" typeface="MV Boli"/>
+        <a:font script="Deva" typeface="Mangal"/>
+        <a:font script="Telu" typeface="Gautami"/>
+        <a:font script="Taml" typeface="Latha"/>
+        <a:font script="Syrc" typeface="Estrangelo Edessa"/>
+        <a:font script="Orya" typeface="Kalinga"/>
+        <a:font script="Mlym" typeface="Kartika"/>
+        <a:font script="Laoo" typeface="DokChampa"/>
+        <a:font script="Sinh" typeface="Iskoola Pota"/>
+        <a:font script="Mong" typeface="Mongolian Baiti"/>
+        <a:font script="Viet" typeface="Times New Roman"/>
+        <a:font script="Uigh" typeface="Microsoft Uighur"/>
+        <a:font script="Geor" typeface="Sylfaen"/>
+      </a:majorFont>
+      <a:minorFont>
+        <a:latin typeface="Calibri" panose="020F0502020204030204"/>
+        <a:ea typeface=""/>
+        <a:cs typeface=""/>
+        <a:font script="Jpan" typeface="ＭＳ Ｐゴシック"/>
+        <a:font script="Hang" typeface="맑은 고딕"/>
+        <a:font script="Hans" typeface="宋体"/>
+        <a:font script="Hant" typeface="新細明體"/>
+        <a:font script="Arab" typeface="Arial"/>
+        <a:font script="Hebr" typeface="Arial"/>
+        <a:font script="Thai" typeface="Cordia New"/>
+        <a:font script="Ethi" typeface="Nyala"/>
+        <a:font script="Beng" typeface="Vrinda"/>
+        <a:font script="Gujr" typeface="Shruti"/>
+        <a:font script="Khmr" typeface="DaunPenh"/>
+        <a:font script="Knda" typeface="Tunga"/>
+        <a:font script="Guru" typeface="Raavi"/>
+        <a:font script="Cans" typeface="Euphemia"/>
+        <a:font script="Cher" typeface="Plantagenet Cherokee"/>
+        <a:font script="Yiii" typeface="Microsoft Yi Baiti"/>
+        <a:font script="Tibt" typeface="Microsoft Himalaya"/>
+        <a:font script="Thaa" typeface="MV Boli"/>
+        <a:font script="Deva" typeface="Mangal"/>
+        <a:font script="Telu" typeface="Gautami"/>
+        <a:font script="Taml" typeface="Latha"/>
+        <a:font script="Syrc" typeface="Estrangelo Edessa"/>
+        <a:font script="Orya" typeface="Kalinga"/>
+        <a:font script="Mlym" typeface="Kartika"/>
+        <a:font script="Laoo" typeface="DokChampa"/>
+        <a:font script="Sinh" typeface="Iskoola Pota"/>
+        <a:font script="Mong" typeface="Mongolian Baiti"/>
+        <a:font script="Viet" typeface="Arial"/>
+        <a:font script="Uigh" typeface="Microsoft Uighur"/>
+        <a:font script="Geor" typeface="Sylfaen"/>
+      </a:minorFont>
+    </a:fontScheme>
+    <a:fmtScheme name="Office">
+      <a:fillStyleLst>
+        <a:solidFill>
+          <a:schemeClr val="phClr"/>
+        </a:solidFill>
+        <a:gradFill rotWithShape="1">
+          <a:gsLst>
+            <a:gs pos="0">
+              <a:schemeClr val="phClr">
+                <a:lumMod val="110000"/>
+                <a:satMod val="105000"/>
+                <a:tint val="67000"/>
+              </a:schemeClr>
+            </a:gs>
+            <a:gs pos="50000">
+              <a:schemeClr val="phClr">
+                <a:lumMod val="105000"/>
+                <a:satMod val="103000"/>
+                <a:tint val="73000"/>
+              </a:schemeClr>
+            </a:gs>
+            <a:gs pos="100000">
+              <a:schemeClr val="phClr">
+                <a:lumMod val="105000"/>
+                <a:satMod val="109000"/>
+                <a:tint val="81000"/>
+              </a:schemeClr>
+            </a:gs>
+          </a:gsLst>
+          <a:lin ang="5400000" scaled="0"/>
+        </a:gradFill>
+        <a:gradFill rotWithShape="1">
+          <a:gsLst>
+            <a:gs pos="0">
+              <a:schemeClr val="phClr">
+                <a:satMod val="103000"/>
+                <a:lumMod val="102000"/>
+                <a:tint val="94000"/>
+              </a:schemeClr>
+            </a:gs>
+            <a:gs pos="50000">
+              <a:schemeClr val="phClr">
+                <a:satMod val="110000"/>
+                <a:lumMod val="100000"/>
+                <a:shade val="100000"/>
+              </a:schemeClr>
+            </a:gs>
+            <a:gs pos="100000">
+              <a:schemeClr val="phClr">
+                <a:lumMod val="99000"/>
+                <a:satMod val="120000"/>
+                <a:shade val="78000"/>
+              </a:schemeClr>
+            </a:gs>
+          </a:gsLst>
+          <a:lin ang="5400000" scaled="0"/>
+        </a:gradFill>
+      </a:fillStyleLst>
+      <a:lnStyleLst>
+        <a:ln w="6350" cap="flat" cmpd="sng" algn="ctr">
+          <a:solidFill>
+            <a:schemeClr val="phClr"/>
+          </a:solidFill>
+          <a:prstDash val="solid"/>
+          <a:miter lim="800000"/>
+        </a:ln>
+        <a:ln w="12700" cap="flat" cmpd="sng" algn="ctr">
+          <a:solidFill>
+            <a:schemeClr val="phClr"/>
+          </a:solidFill>
+          <a:prstDash val="solid"/>
+          <a:miter lim="800000"/>
+        </a:ln>
+        <a:ln w="19050" cap="flat" cmpd="sng" algn="ctr">
+          <a:solidFill>
+            <a:schemeClr val="phClr"/>
+          </a:solidFill>
+          <a:prstDash val="solid"/>
+          <a:miter lim="800000"/>
+        </a:ln>
+      </a:lnStyleLst>
+      <a:effectStyleLst>
+        <a:effectStyle>
+          <a:effectLst/>
+        </a:effectStyle>
+        <a:effectStyle>
+          <a:effectLst/>
+        </a:effectStyle>
+        <a:effectStyle>
+          <a:effectLst>
+            <a:outerShdw blurRad="57150" dist="19050" dir="5400000" algn="ctr" rotWithShape="0">
+              <a:srgbClr val="000000">
+                <a:alpha val="63000"/>
+              </a:srgbClr>
+            </a:outerShdw>
+          </a:effectLst>
+        </a:effectStyle>
+      </a:effectStyleLst>
+      <a:bgFillStyleLst>
+        <a:solidFill>
+          <a:schemeClr val="phClr"/>
+        </a:solidFill>
+        <a:solidFill>
+          <a:schemeClr val="phClr">
+            <a:tint val="95000"/>
+            <a:satMod val="170000"/>
+          </a:schemeClr>
+        </a:solidFill>
+        <a:gradFill rotWithShape="1">
+          <a:gsLst>
+            <a:gs pos="0">
+              <a:schemeClr val="phClr">
+                <a:tint val="93000"/>
+                <a:satMod val="150000"/>
+                <a:shade val="98000"/>
+                <a:lumMod val="102000"/>
+              </a:schemeClr>
+            </a:gs>
+            <a:gs pos="50000">
+              <a:schemeClr val="phClr">
+                <a:tint val="98000"/>
+                <a:satMod val="130000"/>
+                <a:shade val="90000"/>
+                <a:lumMod val="103000"/>
+              </a:schemeClr>
+            </a:gs>
+            <a:gs pos="100000">
+              <a:schemeClr val="phClr">
+                <a:shade val="63000"/>
+                <a:satMod val="120000"/>
+              </a:schemeClr>
+            </a:gs>
+          </a:gsLst>
+          <a:lin ang="5400000" scaled="0"/>
+        </a:gradFill>
+      </a:bgFillStyleLst>
+    </a:fmtScheme>
+  </a:themeElements>
+  <a:objectDefaults/>
+  <a:extraClrSchemeLst/>
+  <a:extLst>
+    <a:ext uri="{05A4C25C-085E-4340-85A3-A5531E510DB2}">
+      <thm15:themeFamily xmlns:thm15="http://schemas.microsoft.com/office/thememl/2012/main" name="Office Theme" id="{62F939B6-93AF-4DB8-9C6B-D6C7DFDC589F}" vid="{4A3C46E8-61CC-4603-A589-7422A47A8E4A}"/>
+    </a:ext>
+  </a:extLst>
+</a:theme>
+</file>
+
+<file path=ppt/theme/theme4.xml><?xml version="1.0" encoding="utf-8"?>
 <a:theme xmlns:a="http://schemas.openxmlformats.org/drawingml/2006/main" name="Office Theme">
   <a:themeElements>
     <a:clrScheme name="Office">

--- a/Protecting App Secrets.pptx
+++ b/Protecting App Secrets.pptx
@@ -4,32 +4,30 @@
   <p:sldMasterIdLst>
     <p:sldMasterId id="2147483648" r:id="rId1"/>
     <p:sldMasterId id="2147483660" r:id="rId2"/>
-    <p:sldMasterId id="2147483672" r:id="rId3"/>
   </p:sldMasterIdLst>
   <p:notesMasterIdLst>
-    <p:notesMasterId r:id="rId24"/>
+    <p:notesMasterId r:id="rId22"/>
   </p:notesMasterIdLst>
   <p:sldIdLst>
-    <p:sldId id="256" r:id="rId4"/>
-    <p:sldId id="259" r:id="rId5"/>
-    <p:sldId id="322" r:id="rId6"/>
-    <p:sldId id="342" r:id="rId7"/>
-    <p:sldId id="328" r:id="rId8"/>
-    <p:sldId id="330" r:id="rId9"/>
-    <p:sldId id="323" r:id="rId10"/>
-    <p:sldId id="337" r:id="rId11"/>
-    <p:sldId id="332" r:id="rId12"/>
-    <p:sldId id="333" r:id="rId13"/>
-    <p:sldId id="343" r:id="rId14"/>
-    <p:sldId id="338" r:id="rId15"/>
-    <p:sldId id="335" r:id="rId16"/>
-    <p:sldId id="336" r:id="rId17"/>
-    <p:sldId id="339" r:id="rId18"/>
-    <p:sldId id="340" r:id="rId19"/>
-    <p:sldId id="341" r:id="rId20"/>
-    <p:sldId id="331" r:id="rId21"/>
-    <p:sldId id="334" r:id="rId22"/>
-    <p:sldId id="326" r:id="rId23"/>
+    <p:sldId id="256" r:id="rId3"/>
+    <p:sldId id="322" r:id="rId4"/>
+    <p:sldId id="342" r:id="rId5"/>
+    <p:sldId id="328" r:id="rId6"/>
+    <p:sldId id="330" r:id="rId7"/>
+    <p:sldId id="323" r:id="rId8"/>
+    <p:sldId id="337" r:id="rId9"/>
+    <p:sldId id="332" r:id="rId10"/>
+    <p:sldId id="333" r:id="rId11"/>
+    <p:sldId id="343" r:id="rId12"/>
+    <p:sldId id="338" r:id="rId13"/>
+    <p:sldId id="335" r:id="rId14"/>
+    <p:sldId id="336" r:id="rId15"/>
+    <p:sldId id="339" r:id="rId16"/>
+    <p:sldId id="345" r:id="rId17"/>
+    <p:sldId id="341" r:id="rId18"/>
+    <p:sldId id="331" r:id="rId19"/>
+    <p:sldId id="334" r:id="rId20"/>
+    <p:sldId id="326" r:id="rId21"/>
   </p:sldIdLst>
   <p:sldSz cx="12192000" cy="6858000"/>
   <p:notesSz cx="6858000" cy="9144000"/>
@@ -229,7 +227,7 @@
           <a:p>
             <a:fld id="{03886B9A-ACA2-4D2C-AAF6-D8003DE96699}" type="datetimeFigureOut">
               <a:rPr lang="en-US" smtClean="0"/>
-              <a:t>10/12/2018</a:t>
+              <a:t>2/25/2019</a:t>
             </a:fld>
             <a:endParaRPr lang="en-US"/>
           </a:p>
@@ -796,20 +794,7 @@
                 <a:ea typeface="+mn-ea"/>
                 <a:cs typeface="+mn-cs"/>
               </a:rPr>
-              <a:t> config)</a:t>
-            </a:r>
-          </a:p>
-          <a:p>
-            <a:r>
-              <a:rPr lang="en-US" sz="1200" kern="1200" dirty="0">
-                <a:solidFill>
-                  <a:schemeClr val="tx1"/>
-                </a:solidFill>
-                <a:latin typeface="+mn-lt"/>
-                <a:ea typeface="+mn-ea"/>
-                <a:cs typeface="+mn-cs"/>
-              </a:rPr>
-              <a:t>        {</a:t>
+              <a:t> config) =&gt;</a:t>
             </a:r>
           </a:p>
           <a:p>
@@ -826,19 +811,6 @@
             </a:r>
           </a:p>
           <a:p>
-            <a:r>
-              <a:rPr lang="en-US" sz="1200" kern="1200" dirty="0">
-                <a:solidFill>
-                  <a:schemeClr val="tx1"/>
-                </a:solidFill>
-                <a:latin typeface="+mn-lt"/>
-                <a:ea typeface="+mn-ea"/>
-                <a:cs typeface="+mn-cs"/>
-              </a:rPr>
-              <a:t>        }</a:t>
-            </a:r>
-          </a:p>
-          <a:p>
             <a:endParaRPr lang="en-US" sz="1200" kern="1200" dirty="0">
               <a:solidFill>
                 <a:schemeClr val="tx1"/>
@@ -880,20 +852,7 @@
                 <a:ea typeface="+mn-ea"/>
                 <a:cs typeface="+mn-cs"/>
               </a:rPr>
-              <a:t>()</a:t>
-            </a:r>
-          </a:p>
-          <a:p>
-            <a:r>
-              <a:rPr lang="en-US" sz="1200" kern="1200" dirty="0">
-                <a:solidFill>
-                  <a:schemeClr val="tx1"/>
-                </a:solidFill>
-                <a:latin typeface="+mn-lt"/>
-                <a:ea typeface="+mn-ea"/>
-                <a:cs typeface="+mn-cs"/>
-              </a:rPr>
-              <a:t>        {</a:t>
+              <a:t>() =&gt;</a:t>
             </a:r>
           </a:p>
           <a:p>
@@ -975,19 +934,177 @@
               <a:t>"];</a:t>
             </a:r>
           </a:p>
-          <a:p>
-            <a:r>
-              <a:rPr lang="en-US" sz="1200" kern="1200" dirty="0">
+        </p:txBody>
+      </p:sp>
+      <p:sp>
+        <p:nvSpPr>
+          <p:cNvPr id="4" name="Slide Number Placeholder 3"/>
+          <p:cNvSpPr>
+            <a:spLocks noGrp="1"/>
+          </p:cNvSpPr>
+          <p:nvPr>
+            <p:ph type="sldNum" sz="quarter" idx="10"/>
+          </p:nvPr>
+        </p:nvSpPr>
+        <p:spPr/>
+        <p:txBody>
+          <a:bodyPr/>
+          <a:lstStyle/>
+          <a:p>
+            <a:pPr marL="0" marR="0" lvl="0" indent="0" algn="r" defTabSz="457200" rtl="0" eaLnBrk="1" fontAlgn="auto" latinLnBrk="0" hangingPunct="1">
+              <a:lnSpc>
+                <a:spcPct val="100000"/>
+              </a:lnSpc>
+              <a:spcBef>
+                <a:spcPts val="0"/>
+              </a:spcBef>
+              <a:spcAft>
+                <a:spcPts val="0"/>
+              </a:spcAft>
+              <a:buClrTx/>
+              <a:buSzTx/>
+              <a:buFontTx/>
+              <a:buNone/>
+              <a:tabLst/>
+              <a:defRPr/>
+            </a:pPr>
+            <a:fld id="{16A87904-88DE-4022-A424-ACD2E6FC1751}" type="slidenum">
+              <a:rPr kumimoji="0" lang="en-US" sz="1200" b="0" i="0" u="none" strike="noStrike" kern="1200" cap="none" spc="0" normalizeH="0" baseline="0" noProof="0" smtClean="0">
+                <a:ln>
+                  <a:noFill/>
+                </a:ln>
                 <a:solidFill>
-                  <a:schemeClr val="tx1"/>
+                  <a:prstClr val="black"/>
                 </a:solidFill>
-                <a:latin typeface="+mn-lt"/>
+                <a:effectLst/>
+                <a:uLnTx/>
+                <a:uFillTx/>
+                <a:latin typeface="Calibri" panose="020F0502020204030204"/>
                 <a:ea typeface="+mn-ea"/>
                 <a:cs typeface="+mn-cs"/>
               </a:rPr>
-              <a:t>        }</a:t>
-            </a:r>
-            <a:endParaRPr lang="en-US" dirty="0"/>
+              <a:pPr marL="0" marR="0" lvl="0" indent="0" algn="r" defTabSz="457200" rtl="0" eaLnBrk="1" fontAlgn="auto" latinLnBrk="0" hangingPunct="1">
+                <a:lnSpc>
+                  <a:spcPct val="100000"/>
+                </a:lnSpc>
+                <a:spcBef>
+                  <a:spcPts val="0"/>
+                </a:spcBef>
+                <a:spcAft>
+                  <a:spcPts val="0"/>
+                </a:spcAft>
+                <a:buClrTx/>
+                <a:buSzTx/>
+                <a:buFontTx/>
+                <a:buNone/>
+                <a:tabLst/>
+                <a:defRPr/>
+              </a:pPr>
+              <a:t>10</a:t>
+            </a:fld>
+            <a:endParaRPr kumimoji="0" lang="en-US" sz="1200" b="0" i="0" u="none" strike="noStrike" kern="1200" cap="none" spc="0" normalizeH="0" baseline="0" noProof="0">
+              <a:ln>
+                <a:noFill/>
+              </a:ln>
+              <a:solidFill>
+                <a:prstClr val="black"/>
+              </a:solidFill>
+              <a:effectLst/>
+              <a:uLnTx/>
+              <a:uFillTx/>
+              <a:latin typeface="Calibri" panose="020F0502020204030204"/>
+              <a:ea typeface="+mn-ea"/>
+              <a:cs typeface="+mn-cs"/>
+            </a:endParaRPr>
+          </a:p>
+        </p:txBody>
+      </p:sp>
+    </p:spTree>
+    <p:extLst>
+      <p:ext uri="{BB962C8B-B14F-4D97-AF65-F5344CB8AC3E}">
+        <p14:creationId xmlns:p14="http://schemas.microsoft.com/office/powerpoint/2010/main" val="2295546409"/>
+      </p:ext>
+    </p:extLst>
+  </p:cSld>
+  <p:clrMapOvr>
+    <a:masterClrMapping/>
+  </p:clrMapOvr>
+</p:notes>
+</file>
+
+<file path=ppt/notesSlides/notesSlide11.xml><?xml version="1.0" encoding="utf-8"?>
+<p:notes xmlns:a="http://schemas.openxmlformats.org/drawingml/2006/main" xmlns:r="http://schemas.openxmlformats.org/officeDocument/2006/relationships" xmlns:p="http://schemas.openxmlformats.org/presentationml/2006/main">
+  <p:cSld>
+    <p:spTree>
+      <p:nvGrpSpPr>
+        <p:cNvPr id="1" name=""/>
+        <p:cNvGrpSpPr/>
+        <p:nvPr/>
+      </p:nvGrpSpPr>
+      <p:grpSpPr>
+        <a:xfrm>
+          <a:off x="0" y="0"/>
+          <a:ext cx="0" cy="0"/>
+          <a:chOff x="0" y="0"/>
+          <a:chExt cx="0" cy="0"/>
+        </a:xfrm>
+      </p:grpSpPr>
+      <p:sp>
+        <p:nvSpPr>
+          <p:cNvPr id="2" name="Slide Image Placeholder 1"/>
+          <p:cNvSpPr>
+            <a:spLocks noGrp="1" noRot="1" noChangeAspect="1"/>
+          </p:cNvSpPr>
+          <p:nvPr>
+            <p:ph type="sldImg"/>
+          </p:nvPr>
+        </p:nvSpPr>
+        <p:spPr/>
+      </p:sp>
+      <p:sp>
+        <p:nvSpPr>
+          <p:cNvPr id="3" name="Notes Placeholder 2"/>
+          <p:cNvSpPr>
+            <a:spLocks noGrp="1"/>
+          </p:cNvSpPr>
+          <p:nvPr>
+            <p:ph type="body" idx="1"/>
+          </p:nvPr>
+        </p:nvSpPr>
+        <p:spPr/>
+        <p:txBody>
+          <a:bodyPr/>
+          <a:lstStyle/>
+          <a:p>
+            <a:r>
+              <a:rPr lang="en-US" dirty="0"/>
+              <a:t>- Azure Cloud Shell </a:t>
+            </a:r>
+            <a:r>
+              <a:rPr lang="en-US" dirty="0">
+                <a:sym typeface="Wingdings" panose="05000000000000000000" pitchFamily="2" charset="2"/>
+              </a:rPr>
+              <a:t> the best CLI is the one you don’t have </a:t>
+            </a:r>
+            <a:r>
+              <a:rPr lang="en-US">
+                <a:sym typeface="Wingdings" panose="05000000000000000000" pitchFamily="2" charset="2"/>
+              </a:rPr>
+              <a:t>to install</a:t>
+            </a:r>
+            <a:endParaRPr lang="en-US"/>
+          </a:p>
+          <a:p>
+            <a:r>
+              <a:rPr lang="en-US" dirty="0"/>
+              <a:t>- VS 15.7 introduces Connected Services node Key Vault creation</a:t>
+            </a:r>
+          </a:p>
+          <a:p>
+            <a:r>
+              <a:rPr lang="en-US" dirty="0"/>
+              <a:t>- Key Vault takes precedence over Secret Manager at runtime, since it’s more secure</a:t>
+            </a:r>
           </a:p>
         </p:txBody>
       </p:sp>
@@ -1077,7 +1194,7 @@
     </p:spTree>
     <p:extLst>
       <p:ext uri="{BB962C8B-B14F-4D97-AF65-F5344CB8AC3E}">
-        <p14:creationId xmlns:p14="http://schemas.microsoft.com/office/powerpoint/2010/main" val="2295546409"/>
+        <p14:creationId xmlns:p14="http://schemas.microsoft.com/office/powerpoint/2010/main" val="3438339408"/>
       </p:ext>
     </p:extLst>
   </p:cSld>
@@ -1087,7 +1204,7 @@
 </p:notes>
 </file>
 
-<file path=ppt/notesSlides/notesSlide11.xml><?xml version="1.0" encoding="utf-8"?>
+<file path=ppt/notesSlides/notesSlide12.xml><?xml version="1.0" encoding="utf-8"?>
 <p:notes xmlns:a="http://schemas.openxmlformats.org/drawingml/2006/main" xmlns:r="http://schemas.openxmlformats.org/officeDocument/2006/relationships" xmlns:p="http://schemas.openxmlformats.org/presentationml/2006/main">
   <p:cSld>
     <p:spTree>
@@ -1131,35 +1248,7 @@
           <a:bodyPr/>
           <a:lstStyle/>
           <a:p>
-            <a:r>
-              <a:rPr lang="en-US" dirty="0"/>
-              <a:t>- Azure Cloud Shell </a:t>
-            </a:r>
-            <a:r>
-              <a:rPr lang="en-US" dirty="0">
-                <a:sym typeface="Wingdings" panose="05000000000000000000" pitchFamily="2" charset="2"/>
-              </a:rPr>
-              <a:t> the best CLI is the one you don’t have </a:t>
-            </a:r>
-            <a:r>
-              <a:rPr lang="en-US">
-                <a:sym typeface="Wingdings" panose="05000000000000000000" pitchFamily="2" charset="2"/>
-              </a:rPr>
-              <a:t>to install</a:t>
-            </a:r>
             <a:endParaRPr lang="en-US"/>
-          </a:p>
-          <a:p>
-            <a:r>
-              <a:rPr lang="en-US" dirty="0"/>
-              <a:t>- VS 15.7 introduces Connected Services node Key Vault creation</a:t>
-            </a:r>
-          </a:p>
-          <a:p>
-            <a:r>
-              <a:rPr lang="en-US" dirty="0"/>
-              <a:t>- Key Vault takes precedence over Secret Manager at runtime, since it’s more secure</a:t>
-            </a:r>
           </a:p>
         </p:txBody>
       </p:sp>
@@ -1249,7 +1338,7 @@
     </p:spTree>
     <p:extLst>
       <p:ext uri="{BB962C8B-B14F-4D97-AF65-F5344CB8AC3E}">
-        <p14:creationId xmlns:p14="http://schemas.microsoft.com/office/powerpoint/2010/main" val="3438339408"/>
+        <p14:creationId xmlns:p14="http://schemas.microsoft.com/office/powerpoint/2010/main" val="2284713912"/>
       </p:ext>
     </p:extLst>
   </p:cSld>
@@ -1259,7 +1348,7 @@
 </p:notes>
 </file>
 
-<file path=ppt/notesSlides/notesSlide12.xml><?xml version="1.0" encoding="utf-8"?>
+<file path=ppt/notesSlides/notesSlide13.xml><?xml version="1.0" encoding="utf-8"?>
 <p:notes xmlns:a="http://schemas.openxmlformats.org/drawingml/2006/main" xmlns:r="http://schemas.openxmlformats.org/officeDocument/2006/relationships" xmlns:p="http://schemas.openxmlformats.org/presentationml/2006/main">
   <p:cSld>
     <p:spTree>
@@ -1303,7 +1392,11 @@
           <a:bodyPr/>
           <a:lstStyle/>
           <a:p>
-            <a:endParaRPr lang="en-US"/>
+            <a:pPr marL="0" indent="0">
+              <a:buFontTx/>
+              <a:buNone/>
+            </a:pPr>
+            <a:endParaRPr lang="en-US" dirty="0"/>
           </a:p>
         </p:txBody>
       </p:sp>
@@ -1393,7 +1486,7 @@
     </p:spTree>
     <p:extLst>
       <p:ext uri="{BB962C8B-B14F-4D97-AF65-F5344CB8AC3E}">
-        <p14:creationId xmlns:p14="http://schemas.microsoft.com/office/powerpoint/2010/main" val="2284713912"/>
+        <p14:creationId xmlns:p14="http://schemas.microsoft.com/office/powerpoint/2010/main" val="662898044"/>
       </p:ext>
     </p:extLst>
   </p:cSld>
@@ -1403,7 +1496,7 @@
 </p:notes>
 </file>
 
-<file path=ppt/notesSlides/notesSlide13.xml><?xml version="1.0" encoding="utf-8"?>
+<file path=ppt/notesSlides/notesSlide14.xml><?xml version="1.0" encoding="utf-8"?>
 <p:notes xmlns:a="http://schemas.openxmlformats.org/drawingml/2006/main" xmlns:r="http://schemas.openxmlformats.org/officeDocument/2006/relationships" xmlns:p="http://schemas.openxmlformats.org/presentationml/2006/main">
   <p:cSld>
     <p:spTree>
@@ -1447,11 +1540,24 @@
           <a:bodyPr/>
           <a:lstStyle/>
           <a:p>
-            <a:pPr marL="0" indent="0">
+            <a:pPr marL="171450" indent="-171450">
               <a:buFontTx/>
-              <a:buNone/>
+              <a:buChar char="-"/>
             </a:pPr>
-            <a:endParaRPr lang="en-US" dirty="0"/>
+            <a:r>
+              <a:rPr lang="en-US" dirty="0"/>
+              <a:t>Download secrets from key vault with build task</a:t>
+            </a:r>
+          </a:p>
+          <a:p>
+            <a:pPr marL="628650" lvl="1" indent="-171450">
+              <a:buFontTx/>
+              <a:buChar char="-"/>
+            </a:pPr>
+            <a:r>
+              <a:rPr lang="en-US" dirty="0"/>
+              <a:t>Can use secrets as task variables in other build tasks</a:t>
+            </a:r>
           </a:p>
         </p:txBody>
       </p:sp>
@@ -1541,7 +1647,7 @@
     </p:spTree>
     <p:extLst>
       <p:ext uri="{BB962C8B-B14F-4D97-AF65-F5344CB8AC3E}">
-        <p14:creationId xmlns:p14="http://schemas.microsoft.com/office/powerpoint/2010/main" val="662898044"/>
+        <p14:creationId xmlns:p14="http://schemas.microsoft.com/office/powerpoint/2010/main" val="585389256"/>
       </p:ext>
     </p:extLst>
   </p:cSld>
@@ -1551,7 +1657,7 @@
 </p:notes>
 </file>
 
-<file path=ppt/notesSlides/notesSlide14.xml><?xml version="1.0" encoding="utf-8"?>
+<file path=ppt/notesSlides/notesSlide15.xml><?xml version="1.0" encoding="utf-8"?>
 <p:notes xmlns:a="http://schemas.openxmlformats.org/drawingml/2006/main" xmlns:r="http://schemas.openxmlformats.org/officeDocument/2006/relationships" xmlns:p="http://schemas.openxmlformats.org/presentationml/2006/main">
   <p:cSld>
     <p:spTree>
@@ -1595,23 +1701,9 @@
           <a:bodyPr/>
           <a:lstStyle/>
           <a:p>
-            <a:pPr marL="171450" indent="-171450">
-              <a:buFontTx/>
-              <a:buChar char="-"/>
-            </a:pPr>
             <a:r>
               <a:rPr lang="en-US" dirty="0"/>
-              <a:t>Download secrets from key vault with build task</a:t>
-            </a:r>
-          </a:p>
-          <a:p>
-            <a:pPr marL="628650" lvl="1" indent="-171450">
-              <a:buFontTx/>
-              <a:buChar char="-"/>
-            </a:pPr>
-            <a:r>
-              <a:rPr lang="en-US" dirty="0"/>
-              <a:t>Can use secrets as task variables in other build tasks</a:t>
+              <a:t>Allow your app service to communicate w/ other Azure services</a:t>
             </a:r>
           </a:p>
         </p:txBody>
@@ -1702,7 +1794,7 @@
     </p:spTree>
     <p:extLst>
       <p:ext uri="{BB962C8B-B14F-4D97-AF65-F5344CB8AC3E}">
-        <p14:creationId xmlns:p14="http://schemas.microsoft.com/office/powerpoint/2010/main" val="585389256"/>
+        <p14:creationId xmlns:p14="http://schemas.microsoft.com/office/powerpoint/2010/main" val="3625909594"/>
       </p:ext>
     </p:extLst>
   </p:cSld>
@@ -1712,7 +1804,7 @@
 </p:notes>
 </file>
 
-<file path=ppt/notesSlides/notesSlide15.xml><?xml version="1.0" encoding="utf-8"?>
+<file path=ppt/notesSlides/notesSlide16.xml><?xml version="1.0" encoding="utf-8"?>
 <p:notes xmlns:a="http://schemas.openxmlformats.org/drawingml/2006/main" xmlns:r="http://schemas.openxmlformats.org/officeDocument/2006/relationships" xmlns:p="http://schemas.openxmlformats.org/presentationml/2006/main">
   <p:cSld>
     <p:spTree>
@@ -1758,7 +1850,7 @@
           <a:p>
             <a:r>
               <a:rPr lang="en-US" dirty="0"/>
-              <a:t>Allow your app service to communicate w/ other Azure services</a:t>
+              <a:t>Add yourself for local development support</a:t>
             </a:r>
           </a:p>
         </p:txBody>
@@ -1849,7 +1941,7 @@
     </p:spTree>
     <p:extLst>
       <p:ext uri="{BB962C8B-B14F-4D97-AF65-F5344CB8AC3E}">
-        <p14:creationId xmlns:p14="http://schemas.microsoft.com/office/powerpoint/2010/main" val="2089021986"/>
+        <p14:creationId xmlns:p14="http://schemas.microsoft.com/office/powerpoint/2010/main" val="2286787676"/>
       </p:ext>
     </p:extLst>
   </p:cSld>
@@ -1859,7 +1951,7 @@
 </p:notes>
 </file>
 
-<file path=ppt/notesSlides/notesSlide16.xml><?xml version="1.0" encoding="utf-8"?>
+<file path=ppt/notesSlides/notesSlide17.xml><?xml version="1.0" encoding="utf-8"?>
 <p:notes xmlns:a="http://schemas.openxmlformats.org/drawingml/2006/main" xmlns:r="http://schemas.openxmlformats.org/officeDocument/2006/relationships" xmlns:p="http://schemas.openxmlformats.org/presentationml/2006/main">
   <p:cSld>
     <p:spTree>
@@ -1903,10 +1995,7 @@
           <a:bodyPr/>
           <a:lstStyle/>
           <a:p>
-            <a:r>
-              <a:rPr lang="en-US" dirty="0"/>
-              <a:t>Add yourself for local development support</a:t>
-            </a:r>
+            <a:endParaRPr lang="en-US" dirty="0"/>
           </a:p>
         </p:txBody>
       </p:sp>
@@ -1996,7 +2085,7 @@
     </p:spTree>
     <p:extLst>
       <p:ext uri="{BB962C8B-B14F-4D97-AF65-F5344CB8AC3E}">
-        <p14:creationId xmlns:p14="http://schemas.microsoft.com/office/powerpoint/2010/main" val="2286787676"/>
+        <p14:creationId xmlns:p14="http://schemas.microsoft.com/office/powerpoint/2010/main" val="2232734480"/>
       </p:ext>
     </p:extLst>
   </p:cSld>
@@ -2006,7 +2095,7 @@
 </p:notes>
 </file>
 
-<file path=ppt/notesSlides/notesSlide17.xml><?xml version="1.0" encoding="utf-8"?>
+<file path=ppt/notesSlides/notesSlide18.xml><?xml version="1.0" encoding="utf-8"?>
 <p:notes xmlns:a="http://schemas.openxmlformats.org/drawingml/2006/main" xmlns:r="http://schemas.openxmlformats.org/officeDocument/2006/relationships" xmlns:p="http://schemas.openxmlformats.org/presentationml/2006/main">
   <p:cSld>
     <p:spTree>
@@ -2140,7 +2229,7 @@
     </p:spTree>
     <p:extLst>
       <p:ext uri="{BB962C8B-B14F-4D97-AF65-F5344CB8AC3E}">
-        <p14:creationId xmlns:p14="http://schemas.microsoft.com/office/powerpoint/2010/main" val="2232734480"/>
+        <p14:creationId xmlns:p14="http://schemas.microsoft.com/office/powerpoint/2010/main" val="1203295569"/>
       </p:ext>
     </p:extLst>
   </p:cSld>
@@ -2150,7 +2239,7 @@
 </p:notes>
 </file>
 
-<file path=ppt/notesSlides/notesSlide18.xml><?xml version="1.0" encoding="utf-8"?>
+<file path=ppt/notesSlides/notesSlide19.xml><?xml version="1.0" encoding="utf-8"?>
 <p:notes xmlns:a="http://schemas.openxmlformats.org/drawingml/2006/main" xmlns:r="http://schemas.openxmlformats.org/officeDocument/2006/relationships" xmlns:p="http://schemas.openxmlformats.org/presentationml/2006/main">
   <p:cSld>
     <p:spTree>
@@ -2284,7 +2373,7 @@
     </p:spTree>
     <p:extLst>
       <p:ext uri="{BB962C8B-B14F-4D97-AF65-F5344CB8AC3E}">
-        <p14:creationId xmlns:p14="http://schemas.microsoft.com/office/powerpoint/2010/main" val="1203295569"/>
+        <p14:creationId xmlns:p14="http://schemas.microsoft.com/office/powerpoint/2010/main" val="2271797707"/>
       </p:ext>
     </p:extLst>
   </p:cSld>
@@ -2294,7 +2383,7 @@
 </p:notes>
 </file>
 
-<file path=ppt/notesSlides/notesSlide19.xml><?xml version="1.0" encoding="utf-8"?>
+<file path=ppt/notesSlides/notesSlide2.xml><?xml version="1.0" encoding="utf-8"?>
 <p:notes xmlns:a="http://schemas.openxmlformats.org/drawingml/2006/main" xmlns:r="http://schemas.openxmlformats.org/officeDocument/2006/relationships" xmlns:p="http://schemas.openxmlformats.org/presentationml/2006/main">
   <p:cSld>
     <p:spTree>
@@ -2338,7 +2427,7 @@
           <a:bodyPr/>
           <a:lstStyle/>
           <a:p>
-            <a:endParaRPr lang="en-US" dirty="0"/>
+            <a:endParaRPr lang="en-US"/>
           </a:p>
         </p:txBody>
       </p:sp>
@@ -2406,7 +2495,7 @@
                 <a:tabLst/>
                 <a:defRPr/>
               </a:pPr>
-              <a:t>20</a:t>
+              <a:t>2</a:t>
             </a:fld>
             <a:endParaRPr kumimoji="0" lang="en-US" sz="1200" b="0" i="0" u="none" strike="noStrike" kern="1200" cap="none" spc="0" normalizeH="0" baseline="0" noProof="0">
               <a:ln>
@@ -2428,7 +2517,7 @@
     </p:spTree>
     <p:extLst>
       <p:ext uri="{BB962C8B-B14F-4D97-AF65-F5344CB8AC3E}">
-        <p14:creationId xmlns:p14="http://schemas.microsoft.com/office/powerpoint/2010/main" val="2271797707"/>
+        <p14:creationId xmlns:p14="http://schemas.microsoft.com/office/powerpoint/2010/main" val="1039297501"/>
       </p:ext>
     </p:extLst>
   </p:cSld>
@@ -2438,7 +2527,7 @@
 </p:notes>
 </file>
 
-<file path=ppt/notesSlides/notesSlide2.xml><?xml version="1.0" encoding="utf-8"?>
+<file path=ppt/notesSlides/notesSlide3.xml><?xml version="1.0" encoding="utf-8"?>
 <p:notes xmlns:a="http://schemas.openxmlformats.org/drawingml/2006/main" xmlns:r="http://schemas.openxmlformats.org/officeDocument/2006/relationships" xmlns:p="http://schemas.openxmlformats.org/presentationml/2006/main">
   <p:cSld>
     <p:spTree>
@@ -2482,7 +2571,10 @@
           <a:bodyPr/>
           <a:lstStyle/>
           <a:p>
-            <a:endParaRPr lang="en-US"/>
+            <a:r>
+              <a:rPr lang="en-US" dirty="0"/>
+              <a:t>“Meet John: an overworked, underpaid developer fueled by caffeine and pizza.”</a:t>
+            </a:r>
           </a:p>
         </p:txBody>
       </p:sp>
@@ -2572,7 +2664,7 @@
     </p:spTree>
     <p:extLst>
       <p:ext uri="{BB962C8B-B14F-4D97-AF65-F5344CB8AC3E}">
-        <p14:creationId xmlns:p14="http://schemas.microsoft.com/office/powerpoint/2010/main" val="1039297501"/>
+        <p14:creationId xmlns:p14="http://schemas.microsoft.com/office/powerpoint/2010/main" val="3314926284"/>
       </p:ext>
     </p:extLst>
   </p:cSld>
@@ -2582,7 +2674,7 @@
 </p:notes>
 </file>
 
-<file path=ppt/notesSlides/notesSlide3.xml><?xml version="1.0" encoding="utf-8"?>
+<file path=ppt/notesSlides/notesSlide4.xml><?xml version="1.0" encoding="utf-8"?>
 <p:notes xmlns:a="http://schemas.openxmlformats.org/drawingml/2006/main" xmlns:r="http://schemas.openxmlformats.org/officeDocument/2006/relationships" xmlns:p="http://schemas.openxmlformats.org/presentationml/2006/main">
   <p:cSld>
     <p:spTree>
@@ -2626,10 +2718,7 @@
           <a:bodyPr/>
           <a:lstStyle/>
           <a:p>
-            <a:r>
-              <a:rPr lang="en-US" dirty="0"/>
-              <a:t>“Meet John: an overworked, underpaid developer fueled by caffeine and pizza.”</a:t>
-            </a:r>
+            <a:endParaRPr lang="en-US" dirty="0"/>
           </a:p>
         </p:txBody>
       </p:sp>
@@ -2719,7 +2808,7 @@
     </p:spTree>
     <p:extLst>
       <p:ext uri="{BB962C8B-B14F-4D97-AF65-F5344CB8AC3E}">
-        <p14:creationId xmlns:p14="http://schemas.microsoft.com/office/powerpoint/2010/main" val="3314926284"/>
+        <p14:creationId xmlns:p14="http://schemas.microsoft.com/office/powerpoint/2010/main" val="3606351379"/>
       </p:ext>
     </p:extLst>
   </p:cSld>
@@ -2729,7 +2818,7 @@
 </p:notes>
 </file>
 
-<file path=ppt/notesSlides/notesSlide4.xml><?xml version="1.0" encoding="utf-8"?>
+<file path=ppt/notesSlides/notesSlide5.xml><?xml version="1.0" encoding="utf-8"?>
 <p:notes xmlns:a="http://schemas.openxmlformats.org/drawingml/2006/main" xmlns:r="http://schemas.openxmlformats.org/officeDocument/2006/relationships" xmlns:p="http://schemas.openxmlformats.org/presentationml/2006/main">
   <p:cSld>
     <p:spTree>
@@ -2773,7 +2862,7 @@
           <a:bodyPr/>
           <a:lstStyle/>
           <a:p>
-            <a:endParaRPr lang="en-US" dirty="0"/>
+            <a:endParaRPr lang="en-US"/>
           </a:p>
         </p:txBody>
       </p:sp>
@@ -2863,7 +2952,7 @@
     </p:spTree>
     <p:extLst>
       <p:ext uri="{BB962C8B-B14F-4D97-AF65-F5344CB8AC3E}">
-        <p14:creationId xmlns:p14="http://schemas.microsoft.com/office/powerpoint/2010/main" val="3606351379"/>
+        <p14:creationId xmlns:p14="http://schemas.microsoft.com/office/powerpoint/2010/main" val="2086605041"/>
       </p:ext>
     </p:extLst>
   </p:cSld>
@@ -2873,7 +2962,7 @@
 </p:notes>
 </file>
 
-<file path=ppt/notesSlides/notesSlide5.xml><?xml version="1.0" encoding="utf-8"?>
+<file path=ppt/notesSlides/notesSlide6.xml><?xml version="1.0" encoding="utf-8"?>
 <p:notes xmlns:a="http://schemas.openxmlformats.org/drawingml/2006/main" xmlns:r="http://schemas.openxmlformats.org/officeDocument/2006/relationships" xmlns:p="http://schemas.openxmlformats.org/presentationml/2006/main">
   <p:cSld>
     <p:spTree>
@@ -2917,7 +3006,19 @@
           <a:bodyPr/>
           <a:lstStyle/>
           <a:p>
-            <a:endParaRPr lang="en-US"/>
+            <a:r>
+              <a:rPr lang="en-US" dirty="0"/>
+              <a:t>FIPS = Federal Information Processing Standard</a:t>
+            </a:r>
+          </a:p>
+          <a:p>
+            <a:endParaRPr lang="en-US" dirty="0"/>
+          </a:p>
+          <a:p>
+            <a:r>
+              <a:rPr lang="en-US" dirty="0"/>
+              <a:t>1 solution to this problem is Secret Manager</a:t>
+            </a:r>
           </a:p>
         </p:txBody>
       </p:sp>
@@ -3007,7 +3108,7 @@
     </p:spTree>
     <p:extLst>
       <p:ext uri="{BB962C8B-B14F-4D97-AF65-F5344CB8AC3E}">
-        <p14:creationId xmlns:p14="http://schemas.microsoft.com/office/powerpoint/2010/main" val="2086605041"/>
+        <p14:creationId xmlns:p14="http://schemas.microsoft.com/office/powerpoint/2010/main" val="1098370839"/>
       </p:ext>
     </p:extLst>
   </p:cSld>
@@ -3017,7 +3118,7 @@
 </p:notes>
 </file>
 
-<file path=ppt/notesSlides/notesSlide6.xml><?xml version="1.0" encoding="utf-8"?>
+<file path=ppt/notesSlides/notesSlide7.xml><?xml version="1.0" encoding="utf-8"?>
 <p:notes xmlns:a="http://schemas.openxmlformats.org/drawingml/2006/main" xmlns:r="http://schemas.openxmlformats.org/officeDocument/2006/relationships" xmlns:p="http://schemas.openxmlformats.org/presentationml/2006/main">
   <p:cSld>
     <p:spTree>
@@ -3062,17 +3163,53 @@
           <a:lstStyle/>
           <a:p>
             <a:r>
+              <a:rPr lang="en-US" u="sng" dirty="0"/>
+              <a:t>VS SUPPORT</a:t>
+            </a:r>
+          </a:p>
+          <a:p>
+            <a:pPr marL="171450" indent="-171450">
+              <a:buFontTx/>
+              <a:buChar char="-"/>
+            </a:pPr>
+            <a:r>
               <a:rPr lang="en-US" dirty="0"/>
-              <a:t>FIPS = Federal Information Processing Standard</a:t>
-            </a:r>
-          </a:p>
-          <a:p>
+              <a:t>.NET Core support ONLY in 15.7 (</a:t>
+            </a:r>
+            <a:r>
+              <a:rPr lang="en-US" dirty="0" err="1"/>
+              <a:t>secrets.json</a:t>
+            </a:r>
+            <a:r>
+              <a:rPr lang="en-US" dirty="0"/>
+              <a:t>)</a:t>
+            </a:r>
+          </a:p>
+          <a:p>
+            <a:pPr marL="171450" indent="-171450">
+              <a:buFontTx/>
+              <a:buChar char="-"/>
+            </a:pPr>
+            <a:r>
+              <a:rPr lang="en-US" dirty="0"/>
+              <a:t>.NET Framework support in 15.8 (secrets.xml)</a:t>
+            </a:r>
+          </a:p>
+          <a:p>
+            <a:pPr marL="171450" indent="-171450">
+              <a:buFontTx/>
+              <a:buChar char="-"/>
+            </a:pPr>
             <a:endParaRPr lang="en-US" dirty="0"/>
           </a:p>
           <a:p>
+            <a:pPr marL="0" indent="0">
+              <a:buFontTx/>
+              <a:buNone/>
+            </a:pPr>
             <a:r>
               <a:rPr lang="en-US" dirty="0"/>
-              <a:t>1 solution to this problem is Secret Manager</a:t>
+              <a:t>.NET Core SDK 2.1.300 bundles user-secrets command</a:t>
             </a:r>
           </a:p>
         </p:txBody>
@@ -3163,7 +3300,7 @@
     </p:spTree>
     <p:extLst>
       <p:ext uri="{BB962C8B-B14F-4D97-AF65-F5344CB8AC3E}">
-        <p14:creationId xmlns:p14="http://schemas.microsoft.com/office/powerpoint/2010/main" val="1098370839"/>
+        <p14:creationId xmlns:p14="http://schemas.microsoft.com/office/powerpoint/2010/main" val="1196958691"/>
       </p:ext>
     </p:extLst>
   </p:cSld>
@@ -3173,7 +3310,7 @@
 </p:notes>
 </file>
 
-<file path=ppt/notesSlides/notesSlide7.xml><?xml version="1.0" encoding="utf-8"?>
+<file path=ppt/notesSlides/notesSlide8.xml><?xml version="1.0" encoding="utf-8"?>
 <p:notes xmlns:a="http://schemas.openxmlformats.org/drawingml/2006/main" xmlns:r="http://schemas.openxmlformats.org/officeDocument/2006/relationships" xmlns:p="http://schemas.openxmlformats.org/presentationml/2006/main">
   <p:cSld>
     <p:spTree>
@@ -3218,53 +3355,8 @@
           <a:lstStyle/>
           <a:p>
             <a:r>
-              <a:rPr lang="en-US" u="sng" dirty="0"/>
-              <a:t>VS SUPPORT</a:t>
-            </a:r>
-          </a:p>
-          <a:p>
-            <a:pPr marL="171450" indent="-171450">
-              <a:buFontTx/>
-              <a:buChar char="-"/>
-            </a:pPr>
-            <a:r>
               <a:rPr lang="en-US" dirty="0"/>
-              <a:t>.NET Core support ONLY in 15.7 (</a:t>
-            </a:r>
-            <a:r>
-              <a:rPr lang="en-US" dirty="0" err="1"/>
-              <a:t>secrets.json</a:t>
-            </a:r>
-            <a:r>
-              <a:rPr lang="en-US" dirty="0"/>
-              <a:t>)</a:t>
-            </a:r>
-          </a:p>
-          <a:p>
-            <a:pPr marL="171450" indent="-171450">
-              <a:buFontTx/>
-              <a:buChar char="-"/>
-            </a:pPr>
-            <a:r>
-              <a:rPr lang="en-US" dirty="0"/>
-              <a:t>.NET Framework support in 15.8 (secrets.xml)</a:t>
-            </a:r>
-          </a:p>
-          <a:p>
-            <a:pPr marL="171450" indent="-171450">
-              <a:buFontTx/>
-              <a:buChar char="-"/>
-            </a:pPr>
-            <a:endParaRPr lang="en-US" dirty="0"/>
-          </a:p>
-          <a:p>
-            <a:pPr marL="0" indent="0">
-              <a:buFontTx/>
-              <a:buNone/>
-            </a:pPr>
-            <a:r>
-              <a:rPr lang="en-US" dirty="0"/>
-              <a:t>.NET Core SDK 2.1.300 bundles user-secrets command</a:t>
+              <a:t>VS shells out to the .NET Core CLI Secret Manager</a:t>
             </a:r>
           </a:p>
         </p:txBody>
@@ -3355,7 +3447,7 @@
     </p:spTree>
     <p:extLst>
       <p:ext uri="{BB962C8B-B14F-4D97-AF65-F5344CB8AC3E}">
-        <p14:creationId xmlns:p14="http://schemas.microsoft.com/office/powerpoint/2010/main" val="1196958691"/>
+        <p14:creationId xmlns:p14="http://schemas.microsoft.com/office/powerpoint/2010/main" val="2365127105"/>
       </p:ext>
     </p:extLst>
   </p:cSld>
@@ -3365,7 +3457,7 @@
 </p:notes>
 </file>
 
-<file path=ppt/notesSlides/notesSlide8.xml><?xml version="1.0" encoding="utf-8"?>
+<file path=ppt/notesSlides/notesSlide9.xml><?xml version="1.0" encoding="utf-8"?>
 <p:notes xmlns:a="http://schemas.openxmlformats.org/drawingml/2006/main" xmlns:r="http://schemas.openxmlformats.org/officeDocument/2006/relationships" xmlns:p="http://schemas.openxmlformats.org/presentationml/2006/main">
   <p:cSld>
     <p:spTree>
@@ -3409,10 +3501,7 @@
           <a:bodyPr/>
           <a:lstStyle/>
           <a:p>
-            <a:r>
-              <a:rPr lang="en-US" dirty="0"/>
-              <a:t>VS shells out to the .NET Core CLI Secret Manager</a:t>
-            </a:r>
+            <a:endParaRPr lang="en-US"/>
           </a:p>
         </p:txBody>
       </p:sp>
@@ -3502,150 +3591,6 @@
     </p:spTree>
     <p:extLst>
       <p:ext uri="{BB962C8B-B14F-4D97-AF65-F5344CB8AC3E}">
-        <p14:creationId xmlns:p14="http://schemas.microsoft.com/office/powerpoint/2010/main" val="2365127105"/>
-      </p:ext>
-    </p:extLst>
-  </p:cSld>
-  <p:clrMapOvr>
-    <a:masterClrMapping/>
-  </p:clrMapOvr>
-</p:notes>
-</file>
-
-<file path=ppt/notesSlides/notesSlide9.xml><?xml version="1.0" encoding="utf-8"?>
-<p:notes xmlns:a="http://schemas.openxmlformats.org/drawingml/2006/main" xmlns:r="http://schemas.openxmlformats.org/officeDocument/2006/relationships" xmlns:p="http://schemas.openxmlformats.org/presentationml/2006/main">
-  <p:cSld>
-    <p:spTree>
-      <p:nvGrpSpPr>
-        <p:cNvPr id="1" name=""/>
-        <p:cNvGrpSpPr/>
-        <p:nvPr/>
-      </p:nvGrpSpPr>
-      <p:grpSpPr>
-        <a:xfrm>
-          <a:off x="0" y="0"/>
-          <a:ext cx="0" cy="0"/>
-          <a:chOff x="0" y="0"/>
-          <a:chExt cx="0" cy="0"/>
-        </a:xfrm>
-      </p:grpSpPr>
-      <p:sp>
-        <p:nvSpPr>
-          <p:cNvPr id="2" name="Slide Image Placeholder 1"/>
-          <p:cNvSpPr>
-            <a:spLocks noGrp="1" noRot="1" noChangeAspect="1"/>
-          </p:cNvSpPr>
-          <p:nvPr>
-            <p:ph type="sldImg"/>
-          </p:nvPr>
-        </p:nvSpPr>
-        <p:spPr/>
-      </p:sp>
-      <p:sp>
-        <p:nvSpPr>
-          <p:cNvPr id="3" name="Notes Placeholder 2"/>
-          <p:cNvSpPr>
-            <a:spLocks noGrp="1"/>
-          </p:cNvSpPr>
-          <p:nvPr>
-            <p:ph type="body" idx="1"/>
-          </p:nvPr>
-        </p:nvSpPr>
-        <p:spPr/>
-        <p:txBody>
-          <a:bodyPr/>
-          <a:lstStyle/>
-          <a:p>
-            <a:endParaRPr lang="en-US"/>
-          </a:p>
-        </p:txBody>
-      </p:sp>
-      <p:sp>
-        <p:nvSpPr>
-          <p:cNvPr id="4" name="Slide Number Placeholder 3"/>
-          <p:cNvSpPr>
-            <a:spLocks noGrp="1"/>
-          </p:cNvSpPr>
-          <p:nvPr>
-            <p:ph type="sldNum" sz="quarter" idx="10"/>
-          </p:nvPr>
-        </p:nvSpPr>
-        <p:spPr/>
-        <p:txBody>
-          <a:bodyPr/>
-          <a:lstStyle/>
-          <a:p>
-            <a:pPr marL="0" marR="0" lvl="0" indent="0" algn="r" defTabSz="457200" rtl="0" eaLnBrk="1" fontAlgn="auto" latinLnBrk="0" hangingPunct="1">
-              <a:lnSpc>
-                <a:spcPct val="100000"/>
-              </a:lnSpc>
-              <a:spcBef>
-                <a:spcPts val="0"/>
-              </a:spcBef>
-              <a:spcAft>
-                <a:spcPts val="0"/>
-              </a:spcAft>
-              <a:buClrTx/>
-              <a:buSzTx/>
-              <a:buFontTx/>
-              <a:buNone/>
-              <a:tabLst/>
-              <a:defRPr/>
-            </a:pPr>
-            <a:fld id="{16A87904-88DE-4022-A424-ACD2E6FC1751}" type="slidenum">
-              <a:rPr kumimoji="0" lang="en-US" sz="1200" b="0" i="0" u="none" strike="noStrike" kern="1200" cap="none" spc="0" normalizeH="0" baseline="0" noProof="0" smtClean="0">
-                <a:ln>
-                  <a:noFill/>
-                </a:ln>
-                <a:solidFill>
-                  <a:prstClr val="black"/>
-                </a:solidFill>
-                <a:effectLst/>
-                <a:uLnTx/>
-                <a:uFillTx/>
-                <a:latin typeface="Calibri" panose="020F0502020204030204"/>
-                <a:ea typeface="+mn-ea"/>
-                <a:cs typeface="+mn-cs"/>
-              </a:rPr>
-              <a:pPr marL="0" marR="0" lvl="0" indent="0" algn="r" defTabSz="457200" rtl="0" eaLnBrk="1" fontAlgn="auto" latinLnBrk="0" hangingPunct="1">
-                <a:lnSpc>
-                  <a:spcPct val="100000"/>
-                </a:lnSpc>
-                <a:spcBef>
-                  <a:spcPts val="0"/>
-                </a:spcBef>
-                <a:spcAft>
-                  <a:spcPts val="0"/>
-                </a:spcAft>
-                <a:buClrTx/>
-                <a:buSzTx/>
-                <a:buFontTx/>
-                <a:buNone/>
-                <a:tabLst/>
-                <a:defRPr/>
-              </a:pPr>
-              <a:t>10</a:t>
-            </a:fld>
-            <a:endParaRPr kumimoji="0" lang="en-US" sz="1200" b="0" i="0" u="none" strike="noStrike" kern="1200" cap="none" spc="0" normalizeH="0" baseline="0" noProof="0">
-              <a:ln>
-                <a:noFill/>
-              </a:ln>
-              <a:solidFill>
-                <a:prstClr val="black"/>
-              </a:solidFill>
-              <a:effectLst/>
-              <a:uLnTx/>
-              <a:uFillTx/>
-              <a:latin typeface="Calibri" panose="020F0502020204030204"/>
-              <a:ea typeface="+mn-ea"/>
-              <a:cs typeface="+mn-cs"/>
-            </a:endParaRPr>
-          </a:p>
-        </p:txBody>
-      </p:sp>
-    </p:spTree>
-    <p:extLst>
-      <p:ext uri="{BB962C8B-B14F-4D97-AF65-F5344CB8AC3E}">
         <p14:creationId xmlns:p14="http://schemas.microsoft.com/office/powerpoint/2010/main" val="2133419073"/>
       </p:ext>
     </p:extLst>
@@ -3803,7 +3748,7 @@
           <a:p>
             <a:fld id="{B5D86D52-4857-4668-9EB7-B41E21252CF7}" type="datetimeFigureOut">
               <a:rPr lang="en-US" smtClean="0"/>
-              <a:t>10/12/2018</a:t>
+              <a:t>2/25/2019</a:t>
             </a:fld>
             <a:endParaRPr lang="en-US"/>
           </a:p>
@@ -4001,7 +3946,7 @@
           <a:p>
             <a:fld id="{B5D86D52-4857-4668-9EB7-B41E21252CF7}" type="datetimeFigureOut">
               <a:rPr lang="en-US" smtClean="0"/>
-              <a:t>10/12/2018</a:t>
+              <a:t>2/25/2019</a:t>
             </a:fld>
             <a:endParaRPr lang="en-US"/>
           </a:p>
@@ -4209,7 +4154,7 @@
           <a:p>
             <a:fld id="{B5D86D52-4857-4668-9EB7-B41E21252CF7}" type="datetimeFigureOut">
               <a:rPr lang="en-US" smtClean="0"/>
-              <a:t>10/12/2018</a:t>
+              <a:t>2/25/2019</a:t>
             </a:fld>
             <a:endParaRPr lang="en-US"/>
           </a:p>
@@ -4413,7 +4358,7 @@
           <a:p>
             <a:fld id="{EEC3160E-2579-4584-9765-DC1BA0B358F9}" type="datetimeFigureOut">
               <a:rPr lang="en-US" smtClean="0"/>
-              <a:t>10/12/2018</a:t>
+              <a:t>2/25/2019</a:t>
             </a:fld>
             <a:endParaRPr lang="en-US"/>
           </a:p>
@@ -4583,7 +4528,7 @@
           <a:p>
             <a:fld id="{EEC3160E-2579-4584-9765-DC1BA0B358F9}" type="datetimeFigureOut">
               <a:rPr lang="en-US" smtClean="0"/>
-              <a:t>10/12/2018</a:t>
+              <a:t>2/25/2019</a:t>
             </a:fld>
             <a:endParaRPr lang="en-US"/>
           </a:p>
@@ -4829,7 +4774,7 @@
           <a:p>
             <a:fld id="{EEC3160E-2579-4584-9765-DC1BA0B358F9}" type="datetimeFigureOut">
               <a:rPr lang="en-US" smtClean="0"/>
-              <a:t>10/12/2018</a:t>
+              <a:t>2/25/2019</a:t>
             </a:fld>
             <a:endParaRPr lang="en-US"/>
           </a:p>
@@ -5061,7 +5006,7 @@
           <a:p>
             <a:fld id="{EEC3160E-2579-4584-9765-DC1BA0B358F9}" type="datetimeFigureOut">
               <a:rPr lang="en-US" smtClean="0"/>
-              <a:t>10/12/2018</a:t>
+              <a:t>2/25/2019</a:t>
             </a:fld>
             <a:endParaRPr lang="en-US"/>
           </a:p>
@@ -5428,7 +5373,7 @@
           <a:p>
             <a:fld id="{EEC3160E-2579-4584-9765-DC1BA0B358F9}" type="datetimeFigureOut">
               <a:rPr lang="en-US" smtClean="0"/>
-              <a:t>10/12/2018</a:t>
+              <a:t>2/25/2019</a:t>
             </a:fld>
             <a:endParaRPr lang="en-US"/>
           </a:p>
@@ -5546,7 +5491,7 @@
           <a:p>
             <a:fld id="{EEC3160E-2579-4584-9765-DC1BA0B358F9}" type="datetimeFigureOut">
               <a:rPr lang="en-US" smtClean="0"/>
-              <a:t>10/12/2018</a:t>
+              <a:t>2/25/2019</a:t>
             </a:fld>
             <a:endParaRPr lang="en-US"/>
           </a:p>
@@ -5641,7 +5586,7 @@
           <a:p>
             <a:fld id="{EEC3160E-2579-4584-9765-DC1BA0B358F9}" type="datetimeFigureOut">
               <a:rPr lang="en-US" smtClean="0"/>
-              <a:t>10/12/2018</a:t>
+              <a:t>2/25/2019</a:t>
             </a:fld>
             <a:endParaRPr lang="en-US"/>
           </a:p>
@@ -5918,7 +5863,7 @@
           <a:p>
             <a:fld id="{EEC3160E-2579-4584-9765-DC1BA0B358F9}" type="datetimeFigureOut">
               <a:rPr lang="en-US" smtClean="0"/>
-              <a:t>10/12/2018</a:t>
+              <a:t>2/25/2019</a:t>
             </a:fld>
             <a:endParaRPr lang="en-US"/>
           </a:p>
@@ -6104,7 +6049,7 @@
           <a:p>
             <a:fld id="{B5D86D52-4857-4668-9EB7-B41E21252CF7}" type="datetimeFigureOut">
               <a:rPr lang="en-US" smtClean="0"/>
-              <a:t>10/12/2018</a:t>
+              <a:t>2/25/2019</a:t>
             </a:fld>
             <a:endParaRPr lang="en-US"/>
           </a:p>
@@ -6373,7 +6318,7 @@
           <a:p>
             <a:fld id="{EEC3160E-2579-4584-9765-DC1BA0B358F9}" type="datetimeFigureOut">
               <a:rPr lang="en-US" smtClean="0"/>
-              <a:t>10/12/2018</a:t>
+              <a:t>2/25/2019</a:t>
             </a:fld>
             <a:endParaRPr lang="en-US"/>
           </a:p>
@@ -6543,7 +6488,7 @@
           <a:p>
             <a:fld id="{EEC3160E-2579-4584-9765-DC1BA0B358F9}" type="datetimeFigureOut">
               <a:rPr lang="en-US" smtClean="0"/>
-              <a:t>10/12/2018</a:t>
+              <a:t>2/25/2019</a:t>
             </a:fld>
             <a:endParaRPr lang="en-US"/>
           </a:p>
@@ -6723,7 +6668,7 @@
           <a:p>
             <a:fld id="{EEC3160E-2579-4584-9765-DC1BA0B358F9}" type="datetimeFigureOut">
               <a:rPr lang="en-US" smtClean="0"/>
-              <a:t>10/12/2018</a:t>
+              <a:t>2/25/2019</a:t>
             </a:fld>
             <a:endParaRPr lang="en-US"/>
           </a:p>
@@ -6784,365 +6729,7 @@
 </p:sldLayout>
 </file>
 
-<file path=ppt/slideLayouts/slideLayout23.xml><?xml version="1.0" encoding="utf-8"?>
-<p:sldLayout xmlns:a="http://schemas.openxmlformats.org/drawingml/2006/main" xmlns:r="http://schemas.openxmlformats.org/officeDocument/2006/relationships" xmlns:p="http://schemas.openxmlformats.org/presentationml/2006/main" type="title" preserve="1">
-  <p:cSld name="Title Slide">
-    <p:spTree>
-      <p:nvGrpSpPr>
-        <p:cNvPr id="1" name=""/>
-        <p:cNvGrpSpPr/>
-        <p:nvPr/>
-      </p:nvGrpSpPr>
-      <p:grpSpPr>
-        <a:xfrm>
-          <a:off x="0" y="0"/>
-          <a:ext cx="0" cy="0"/>
-          <a:chOff x="0" y="0"/>
-          <a:chExt cx="0" cy="0"/>
-        </a:xfrm>
-      </p:grpSpPr>
-      <p:sp>
-        <p:nvSpPr>
-          <p:cNvPr id="2" name="Title 1"/>
-          <p:cNvSpPr>
-            <a:spLocks noGrp="1"/>
-          </p:cNvSpPr>
-          <p:nvPr>
-            <p:ph type="ctrTitle"/>
-          </p:nvPr>
-        </p:nvSpPr>
-        <p:spPr>
-          <a:xfrm>
-            <a:off x="1524000" y="1122363"/>
-            <a:ext cx="9144000" cy="2387600"/>
-          </a:xfrm>
-        </p:spPr>
-        <p:txBody>
-          <a:bodyPr anchor="b"/>
-          <a:lstStyle>
-            <a:lvl1pPr algn="ctr">
-              <a:defRPr sz="6000"/>
-            </a:lvl1pPr>
-          </a:lstStyle>
-          <a:p>
-            <a:r>
-              <a:rPr lang="en-US"/>
-              <a:t>Click to edit Master title style</a:t>
-            </a:r>
-          </a:p>
-        </p:txBody>
-      </p:sp>
-      <p:sp>
-        <p:nvSpPr>
-          <p:cNvPr id="3" name="Subtitle 2"/>
-          <p:cNvSpPr>
-            <a:spLocks noGrp="1"/>
-          </p:cNvSpPr>
-          <p:nvPr>
-            <p:ph type="subTitle" idx="1"/>
-          </p:nvPr>
-        </p:nvSpPr>
-        <p:spPr>
-          <a:xfrm>
-            <a:off x="1524000" y="3602038"/>
-            <a:ext cx="9144000" cy="1655762"/>
-          </a:xfrm>
-        </p:spPr>
-        <p:txBody>
-          <a:bodyPr/>
-          <a:lstStyle>
-            <a:lvl1pPr marL="0" indent="0" algn="ctr">
-              <a:buNone/>
-              <a:defRPr sz="2400"/>
-            </a:lvl1pPr>
-            <a:lvl2pPr marL="457200" indent="0" algn="ctr">
-              <a:buNone/>
-              <a:defRPr sz="2000"/>
-            </a:lvl2pPr>
-            <a:lvl3pPr marL="914400" indent="0" algn="ctr">
-              <a:buNone/>
-              <a:defRPr sz="1800"/>
-            </a:lvl3pPr>
-            <a:lvl4pPr marL="1371600" indent="0" algn="ctr">
-              <a:buNone/>
-              <a:defRPr sz="1600"/>
-            </a:lvl4pPr>
-            <a:lvl5pPr marL="1828800" indent="0" algn="ctr">
-              <a:buNone/>
-              <a:defRPr sz="1600"/>
-            </a:lvl5pPr>
-            <a:lvl6pPr marL="2286000" indent="0" algn="ctr">
-              <a:buNone/>
-              <a:defRPr sz="1600"/>
-            </a:lvl6pPr>
-            <a:lvl7pPr marL="2743200" indent="0" algn="ctr">
-              <a:buNone/>
-              <a:defRPr sz="1600"/>
-            </a:lvl7pPr>
-            <a:lvl8pPr marL="3200400" indent="0" algn="ctr">
-              <a:buNone/>
-              <a:defRPr sz="1600"/>
-            </a:lvl8pPr>
-            <a:lvl9pPr marL="3657600" indent="0" algn="ctr">
-              <a:buNone/>
-              <a:defRPr sz="1600"/>
-            </a:lvl9pPr>
-          </a:lstStyle>
-          <a:p>
-            <a:r>
-              <a:rPr lang="en-US"/>
-              <a:t>Click to edit Master subtitle style</a:t>
-            </a:r>
-          </a:p>
-        </p:txBody>
-      </p:sp>
-      <p:sp>
-        <p:nvSpPr>
-          <p:cNvPr id="4" name="Date Placeholder 3"/>
-          <p:cNvSpPr>
-            <a:spLocks noGrp="1"/>
-          </p:cNvSpPr>
-          <p:nvPr>
-            <p:ph type="dt" sz="half" idx="10"/>
-          </p:nvPr>
-        </p:nvSpPr>
-        <p:spPr/>
-        <p:txBody>
-          <a:bodyPr/>
-          <a:lstStyle/>
-          <a:p>
-            <a:fld id="{1906F911-B8F3-1042-B226-54911C0C3F55}" type="datetimeFigureOut">
-              <a:rPr lang="en-US" smtClean="0"/>
-              <a:t>10/12/2018</a:t>
-            </a:fld>
-            <a:endParaRPr lang="en-US"/>
-          </a:p>
-        </p:txBody>
-      </p:sp>
-      <p:sp>
-        <p:nvSpPr>
-          <p:cNvPr id="5" name="Footer Placeholder 4"/>
-          <p:cNvSpPr>
-            <a:spLocks noGrp="1"/>
-          </p:cNvSpPr>
-          <p:nvPr>
-            <p:ph type="ftr" sz="quarter" idx="11"/>
-          </p:nvPr>
-        </p:nvSpPr>
-        <p:spPr/>
-        <p:txBody>
-          <a:bodyPr/>
-          <a:lstStyle/>
-          <a:p>
-            <a:endParaRPr lang="en-US"/>
-          </a:p>
-        </p:txBody>
-      </p:sp>
-      <p:sp>
-        <p:nvSpPr>
-          <p:cNvPr id="6" name="Slide Number Placeholder 5"/>
-          <p:cNvSpPr>
-            <a:spLocks noGrp="1"/>
-          </p:cNvSpPr>
-          <p:nvPr>
-            <p:ph type="sldNum" sz="quarter" idx="12"/>
-          </p:nvPr>
-        </p:nvSpPr>
-        <p:spPr/>
-        <p:txBody>
-          <a:bodyPr/>
-          <a:lstStyle/>
-          <a:p>
-            <a:fld id="{FF3A7EF9-53EA-2943-A568-BF2FEAB92E94}" type="slidenum">
-              <a:rPr lang="en-US" smtClean="0"/>
-              <a:t>‹#›</a:t>
-            </a:fld>
-            <a:endParaRPr lang="en-US"/>
-          </a:p>
-        </p:txBody>
-      </p:sp>
-    </p:spTree>
-    <p:extLst>
-      <p:ext uri="{BB962C8B-B14F-4D97-AF65-F5344CB8AC3E}">
-        <p14:creationId xmlns:p14="http://schemas.microsoft.com/office/powerpoint/2010/main" val="3931429207"/>
-      </p:ext>
-    </p:extLst>
-  </p:cSld>
-  <p:clrMapOvr>
-    <a:masterClrMapping/>
-  </p:clrMapOvr>
-</p:sldLayout>
-</file>
-
-<file path=ppt/slideLayouts/slideLayout24.xml><?xml version="1.0" encoding="utf-8"?>
-<p:sldLayout xmlns:a="http://schemas.openxmlformats.org/drawingml/2006/main" xmlns:r="http://schemas.openxmlformats.org/officeDocument/2006/relationships" xmlns:p="http://schemas.openxmlformats.org/presentationml/2006/main" type="obj" preserve="1">
-  <p:cSld name="Title and Content">
-    <p:spTree>
-      <p:nvGrpSpPr>
-        <p:cNvPr id="1" name=""/>
-        <p:cNvGrpSpPr/>
-        <p:nvPr/>
-      </p:nvGrpSpPr>
-      <p:grpSpPr>
-        <a:xfrm>
-          <a:off x="0" y="0"/>
-          <a:ext cx="0" cy="0"/>
-          <a:chOff x="0" y="0"/>
-          <a:chExt cx="0" cy="0"/>
-        </a:xfrm>
-      </p:grpSpPr>
-      <p:sp>
-        <p:nvSpPr>
-          <p:cNvPr id="2" name="Title 1"/>
-          <p:cNvSpPr>
-            <a:spLocks noGrp="1"/>
-          </p:cNvSpPr>
-          <p:nvPr>
-            <p:ph type="title"/>
-          </p:nvPr>
-        </p:nvSpPr>
-        <p:spPr/>
-        <p:txBody>
-          <a:bodyPr/>
-          <a:lstStyle/>
-          <a:p>
-            <a:r>
-              <a:rPr lang="en-US"/>
-              <a:t>Click to edit Master title style</a:t>
-            </a:r>
-          </a:p>
-        </p:txBody>
-      </p:sp>
-      <p:sp>
-        <p:nvSpPr>
-          <p:cNvPr id="3" name="Content Placeholder 2"/>
-          <p:cNvSpPr>
-            <a:spLocks noGrp="1"/>
-          </p:cNvSpPr>
-          <p:nvPr>
-            <p:ph idx="1"/>
-          </p:nvPr>
-        </p:nvSpPr>
-        <p:spPr/>
-        <p:txBody>
-          <a:bodyPr/>
-          <a:lstStyle/>
-          <a:p>
-            <a:pPr lvl="0"/>
-            <a:r>
-              <a:rPr lang="en-US"/>
-              <a:t>Click to edit Master text styles</a:t>
-            </a:r>
-          </a:p>
-          <a:p>
-            <a:pPr lvl="1"/>
-            <a:r>
-              <a:rPr lang="en-US"/>
-              <a:t>Second level</a:t>
-            </a:r>
-          </a:p>
-          <a:p>
-            <a:pPr lvl="2"/>
-            <a:r>
-              <a:rPr lang="en-US"/>
-              <a:t>Third level</a:t>
-            </a:r>
-          </a:p>
-          <a:p>
-            <a:pPr lvl="3"/>
-            <a:r>
-              <a:rPr lang="en-US"/>
-              <a:t>Fourth level</a:t>
-            </a:r>
-          </a:p>
-          <a:p>
-            <a:pPr lvl="4"/>
-            <a:r>
-              <a:rPr lang="en-US"/>
-              <a:t>Fifth level</a:t>
-            </a:r>
-          </a:p>
-        </p:txBody>
-      </p:sp>
-      <p:sp>
-        <p:nvSpPr>
-          <p:cNvPr id="4" name="Date Placeholder 3"/>
-          <p:cNvSpPr>
-            <a:spLocks noGrp="1"/>
-          </p:cNvSpPr>
-          <p:nvPr>
-            <p:ph type="dt" sz="half" idx="10"/>
-          </p:nvPr>
-        </p:nvSpPr>
-        <p:spPr/>
-        <p:txBody>
-          <a:bodyPr/>
-          <a:lstStyle/>
-          <a:p>
-            <a:fld id="{1906F911-B8F3-1042-B226-54911C0C3F55}" type="datetimeFigureOut">
-              <a:rPr lang="en-US" smtClean="0"/>
-              <a:t>10/12/2018</a:t>
-            </a:fld>
-            <a:endParaRPr lang="en-US"/>
-          </a:p>
-        </p:txBody>
-      </p:sp>
-      <p:sp>
-        <p:nvSpPr>
-          <p:cNvPr id="5" name="Footer Placeholder 4"/>
-          <p:cNvSpPr>
-            <a:spLocks noGrp="1"/>
-          </p:cNvSpPr>
-          <p:nvPr>
-            <p:ph type="ftr" sz="quarter" idx="11"/>
-          </p:nvPr>
-        </p:nvSpPr>
-        <p:spPr/>
-        <p:txBody>
-          <a:bodyPr/>
-          <a:lstStyle/>
-          <a:p>
-            <a:endParaRPr lang="en-US"/>
-          </a:p>
-        </p:txBody>
-      </p:sp>
-      <p:sp>
-        <p:nvSpPr>
-          <p:cNvPr id="6" name="Slide Number Placeholder 5"/>
-          <p:cNvSpPr>
-            <a:spLocks noGrp="1"/>
-          </p:cNvSpPr>
-          <p:nvPr>
-            <p:ph type="sldNum" sz="quarter" idx="12"/>
-          </p:nvPr>
-        </p:nvSpPr>
-        <p:spPr/>
-        <p:txBody>
-          <a:bodyPr/>
-          <a:lstStyle/>
-          <a:p>
-            <a:fld id="{FF3A7EF9-53EA-2943-A568-BF2FEAB92E94}" type="slidenum">
-              <a:rPr lang="en-US" smtClean="0"/>
-              <a:t>‹#›</a:t>
-            </a:fld>
-            <a:endParaRPr lang="en-US"/>
-          </a:p>
-        </p:txBody>
-      </p:sp>
-    </p:spTree>
-    <p:extLst>
-      <p:ext uri="{BB962C8B-B14F-4D97-AF65-F5344CB8AC3E}">
-        <p14:creationId xmlns:p14="http://schemas.microsoft.com/office/powerpoint/2010/main" val="1286612255"/>
-      </p:ext>
-    </p:extLst>
-  </p:cSld>
-  <p:clrMapOvr>
-    <a:masterClrMapping/>
-  </p:clrMapOvr>
-</p:sldLayout>
-</file>
-
-<file path=ppt/slideLayouts/slideLayout25.xml><?xml version="1.0" encoding="utf-8"?>
+<file path=ppt/slideLayouts/slideLayout3.xml><?xml version="1.0" encoding="utf-8"?>
 <p:sldLayout xmlns:a="http://schemas.openxmlformats.org/drawingml/2006/main" xmlns:r="http://schemas.openxmlformats.org/officeDocument/2006/relationships" xmlns:p="http://schemas.openxmlformats.org/presentationml/2006/main" type="secHead" preserve="1">
   <p:cSld name="Section Header">
     <p:spTree>
@@ -7161,7 +6748,13 @@
       </p:grpSpPr>
       <p:sp>
         <p:nvSpPr>
-          <p:cNvPr id="2" name="Title 1"/>
+          <p:cNvPr id="2" name="Title 1">
+            <a:extLst>
+              <a:ext uri="{FF2B5EF4-FFF2-40B4-BE49-F238E27FC236}">
+                <a16:creationId xmlns:a16="http://schemas.microsoft.com/office/drawing/2014/main" id="{B6689CAC-91C0-4F8C-BCA1-442A8544BDA1}"/>
+              </a:ext>
+            </a:extLst>
+          </p:cNvPr>
           <p:cNvSpPr>
             <a:spLocks noGrp="1"/>
           </p:cNvSpPr>
@@ -7192,7 +6785,13 @@
       </p:sp>
       <p:sp>
         <p:nvSpPr>
-          <p:cNvPr id="3" name="Text Placeholder 2"/>
+          <p:cNvPr id="3" name="Text Placeholder 2">
+            <a:extLst>
+              <a:ext uri="{FF2B5EF4-FFF2-40B4-BE49-F238E27FC236}">
+                <a16:creationId xmlns:a16="http://schemas.microsoft.com/office/drawing/2014/main" id="{B008366B-C743-450D-92D0-0F80398BC175}"/>
+              </a:ext>
+            </a:extLst>
+          </p:cNvPr>
           <p:cNvSpPr>
             <a:spLocks noGrp="1"/>
           </p:cNvSpPr>
@@ -7304,14 +6903,20 @@
             <a:pPr lvl="0"/>
             <a:r>
               <a:rPr lang="en-US"/>
-              <a:t>Click to edit Master text styles</a:t>
+              <a:t>Edit Master text styles</a:t>
             </a:r>
           </a:p>
         </p:txBody>
       </p:sp>
       <p:sp>
         <p:nvSpPr>
-          <p:cNvPr id="4" name="Date Placeholder 3"/>
+          <p:cNvPr id="4" name="Date Placeholder 3">
+            <a:extLst>
+              <a:ext uri="{FF2B5EF4-FFF2-40B4-BE49-F238E27FC236}">
+                <a16:creationId xmlns:a16="http://schemas.microsoft.com/office/drawing/2014/main" id="{58137962-F2B9-4EB1-800F-78DB5225A0B8}"/>
+              </a:ext>
+            </a:extLst>
+          </p:cNvPr>
           <p:cNvSpPr>
             <a:spLocks noGrp="1"/>
           </p:cNvSpPr>
@@ -7324,9 +6929,9 @@
           <a:bodyPr/>
           <a:lstStyle/>
           <a:p>
-            <a:fld id="{1906F911-B8F3-1042-B226-54911C0C3F55}" type="datetimeFigureOut">
+            <a:fld id="{B5D86D52-4857-4668-9EB7-B41E21252CF7}" type="datetimeFigureOut">
               <a:rPr lang="en-US" smtClean="0"/>
-              <a:t>10/12/2018</a:t>
+              <a:t>2/25/2019</a:t>
             </a:fld>
             <a:endParaRPr lang="en-US"/>
           </a:p>
@@ -7334,7 +6939,13 @@
       </p:sp>
       <p:sp>
         <p:nvSpPr>
-          <p:cNvPr id="5" name="Footer Placeholder 4"/>
+          <p:cNvPr id="5" name="Footer Placeholder 4">
+            <a:extLst>
+              <a:ext uri="{FF2B5EF4-FFF2-40B4-BE49-F238E27FC236}">
+                <a16:creationId xmlns:a16="http://schemas.microsoft.com/office/drawing/2014/main" id="{6D4148F7-A1E0-404B-A261-644C555258C3}"/>
+              </a:ext>
+            </a:extLst>
+          </p:cNvPr>
           <p:cNvSpPr>
             <a:spLocks noGrp="1"/>
           </p:cNvSpPr>
@@ -7353,7 +6964,13 @@
       </p:sp>
       <p:sp>
         <p:nvSpPr>
-          <p:cNvPr id="6" name="Slide Number Placeholder 5"/>
+          <p:cNvPr id="6" name="Slide Number Placeholder 5">
+            <a:extLst>
+              <a:ext uri="{FF2B5EF4-FFF2-40B4-BE49-F238E27FC236}">
+                <a16:creationId xmlns:a16="http://schemas.microsoft.com/office/drawing/2014/main" id="{E5B3586B-F38F-4D81-A20C-EA09EA16DBBC}"/>
+              </a:ext>
+            </a:extLst>
+          </p:cNvPr>
           <p:cNvSpPr>
             <a:spLocks noGrp="1"/>
           </p:cNvSpPr>
@@ -7366,7 +6983,7 @@
           <a:bodyPr/>
           <a:lstStyle/>
           <a:p>
-            <a:fld id="{FF3A7EF9-53EA-2943-A568-BF2FEAB92E94}" type="slidenum">
+            <a:fld id="{A9542AAE-06E7-470D-90C2-2FB1D417B3DE}" type="slidenum">
               <a:rPr lang="en-US" smtClean="0"/>
               <a:t>‹#›</a:t>
             </a:fld>
@@ -7377,7 +6994,7 @@
     </p:spTree>
     <p:extLst>
       <p:ext uri="{BB962C8B-B14F-4D97-AF65-F5344CB8AC3E}">
-        <p14:creationId xmlns:p14="http://schemas.microsoft.com/office/powerpoint/2010/main" val="1016785212"/>
+        <p14:creationId xmlns:p14="http://schemas.microsoft.com/office/powerpoint/2010/main" val="694596153"/>
       </p:ext>
     </p:extLst>
   </p:cSld>
@@ -7387,7 +7004,7 @@
 </p:sldLayout>
 </file>
 
-<file path=ppt/slideLayouts/slideLayout26.xml><?xml version="1.0" encoding="utf-8"?>
+<file path=ppt/slideLayouts/slideLayout4.xml><?xml version="1.0" encoding="utf-8"?>
 <p:sldLayout xmlns:a="http://schemas.openxmlformats.org/drawingml/2006/main" xmlns:r="http://schemas.openxmlformats.org/officeDocument/2006/relationships" xmlns:p="http://schemas.openxmlformats.org/presentationml/2006/main" type="twoObj" preserve="1">
   <p:cSld name="Two Content">
     <p:spTree>
@@ -7406,7 +7023,13 @@
       </p:grpSpPr>
       <p:sp>
         <p:nvSpPr>
-          <p:cNvPr id="2" name="Title 1"/>
+          <p:cNvPr id="2" name="Title 1">
+            <a:extLst>
+              <a:ext uri="{FF2B5EF4-FFF2-40B4-BE49-F238E27FC236}">
+                <a16:creationId xmlns:a16="http://schemas.microsoft.com/office/drawing/2014/main" id="{FE8A913A-575B-4C0E-9BC4-F72E980E1C01}"/>
+              </a:ext>
+            </a:extLst>
+          </p:cNvPr>
           <p:cNvSpPr>
             <a:spLocks noGrp="1"/>
           </p:cNvSpPr>
@@ -7428,7 +7051,13 @@
       </p:sp>
       <p:sp>
         <p:nvSpPr>
-          <p:cNvPr id="3" name="Content Placeholder 2"/>
+          <p:cNvPr id="3" name="Content Placeholder 2">
+            <a:extLst>
+              <a:ext uri="{FF2B5EF4-FFF2-40B4-BE49-F238E27FC236}">
+                <a16:creationId xmlns:a16="http://schemas.microsoft.com/office/drawing/2014/main" id="{F8648F1F-C79C-4299-B4DE-2B5A1C9BE9D5}"/>
+              </a:ext>
+            </a:extLst>
+          </p:cNvPr>
           <p:cNvSpPr>
             <a:spLocks noGrp="1"/>
           </p:cNvSpPr>
@@ -7449,7 +7078,7 @@
             <a:pPr lvl="0"/>
             <a:r>
               <a:rPr lang="en-US"/>
-              <a:t>Click to edit Master text styles</a:t>
+              <a:t>Edit Master text styles</a:t>
             </a:r>
           </a:p>
           <a:p>
@@ -7484,7 +7113,13 @@
       </p:sp>
       <p:sp>
         <p:nvSpPr>
-          <p:cNvPr id="4" name="Content Placeholder 3"/>
+          <p:cNvPr id="4" name="Content Placeholder 3">
+            <a:extLst>
+              <a:ext uri="{FF2B5EF4-FFF2-40B4-BE49-F238E27FC236}">
+                <a16:creationId xmlns:a16="http://schemas.microsoft.com/office/drawing/2014/main" id="{959051D4-1717-4E27-97F6-C7A8795D4DA4}"/>
+              </a:ext>
+            </a:extLst>
+          </p:cNvPr>
           <p:cNvSpPr>
             <a:spLocks noGrp="1"/>
           </p:cNvSpPr>
@@ -7505,7 +7140,7 @@
             <a:pPr lvl="0"/>
             <a:r>
               <a:rPr lang="en-US"/>
-              <a:t>Click to edit Master text styles</a:t>
+              <a:t>Edit Master text styles</a:t>
             </a:r>
           </a:p>
           <a:p>
@@ -7540,7 +7175,13 @@
       </p:sp>
       <p:sp>
         <p:nvSpPr>
-          <p:cNvPr id="5" name="Date Placeholder 4"/>
+          <p:cNvPr id="5" name="Date Placeholder 4">
+            <a:extLst>
+              <a:ext uri="{FF2B5EF4-FFF2-40B4-BE49-F238E27FC236}">
+                <a16:creationId xmlns:a16="http://schemas.microsoft.com/office/drawing/2014/main" id="{25891214-0042-4D0D-9DDD-8F0A712B1C94}"/>
+              </a:ext>
+            </a:extLst>
+          </p:cNvPr>
           <p:cNvSpPr>
             <a:spLocks noGrp="1"/>
           </p:cNvSpPr>
@@ -7553,9 +7194,9 @@
           <a:bodyPr/>
           <a:lstStyle/>
           <a:p>
-            <a:fld id="{1906F911-B8F3-1042-B226-54911C0C3F55}" type="datetimeFigureOut">
+            <a:fld id="{B5D86D52-4857-4668-9EB7-B41E21252CF7}" type="datetimeFigureOut">
               <a:rPr lang="en-US" smtClean="0"/>
-              <a:t>10/12/2018</a:t>
+              <a:t>2/25/2019</a:t>
             </a:fld>
             <a:endParaRPr lang="en-US"/>
           </a:p>
@@ -7563,7 +7204,13 @@
       </p:sp>
       <p:sp>
         <p:nvSpPr>
-          <p:cNvPr id="6" name="Footer Placeholder 5"/>
+          <p:cNvPr id="6" name="Footer Placeholder 5">
+            <a:extLst>
+              <a:ext uri="{FF2B5EF4-FFF2-40B4-BE49-F238E27FC236}">
+                <a16:creationId xmlns:a16="http://schemas.microsoft.com/office/drawing/2014/main" id="{C64C7B05-5CCD-41ED-82A4-EA174FFACC66}"/>
+              </a:ext>
+            </a:extLst>
+          </p:cNvPr>
           <p:cNvSpPr>
             <a:spLocks noGrp="1"/>
           </p:cNvSpPr>
@@ -7582,7 +7229,13 @@
       </p:sp>
       <p:sp>
         <p:nvSpPr>
-          <p:cNvPr id="7" name="Slide Number Placeholder 6"/>
+          <p:cNvPr id="7" name="Slide Number Placeholder 6">
+            <a:extLst>
+              <a:ext uri="{FF2B5EF4-FFF2-40B4-BE49-F238E27FC236}">
+                <a16:creationId xmlns:a16="http://schemas.microsoft.com/office/drawing/2014/main" id="{C8F003C4-D149-4D0D-9E40-B1AD9551B59D}"/>
+              </a:ext>
+            </a:extLst>
+          </p:cNvPr>
           <p:cNvSpPr>
             <a:spLocks noGrp="1"/>
           </p:cNvSpPr>
@@ -7595,7 +7248,7 @@
           <a:bodyPr/>
           <a:lstStyle/>
           <a:p>
-            <a:fld id="{FF3A7EF9-53EA-2943-A568-BF2FEAB92E94}" type="slidenum">
+            <a:fld id="{A9542AAE-06E7-470D-90C2-2FB1D417B3DE}" type="slidenum">
               <a:rPr lang="en-US" smtClean="0"/>
               <a:t>‹#›</a:t>
             </a:fld>
@@ -7606,7 +7259,7 @@
     </p:spTree>
     <p:extLst>
       <p:ext uri="{BB962C8B-B14F-4D97-AF65-F5344CB8AC3E}">
-        <p14:creationId xmlns:p14="http://schemas.microsoft.com/office/powerpoint/2010/main" val="532991102"/>
+        <p14:creationId xmlns:p14="http://schemas.microsoft.com/office/powerpoint/2010/main" val="4093024564"/>
       </p:ext>
     </p:extLst>
   </p:cSld>
@@ -7616,7 +7269,7 @@
 </p:sldLayout>
 </file>
 
-<file path=ppt/slideLayouts/slideLayout27.xml><?xml version="1.0" encoding="utf-8"?>
+<file path=ppt/slideLayouts/slideLayout5.xml><?xml version="1.0" encoding="utf-8"?>
 <p:sldLayout xmlns:a="http://schemas.openxmlformats.org/drawingml/2006/main" xmlns:r="http://schemas.openxmlformats.org/officeDocument/2006/relationships" xmlns:p="http://schemas.openxmlformats.org/presentationml/2006/main" type="twoTxTwoObj" preserve="1">
   <p:cSld name="Comparison">
     <p:spTree>
@@ -7635,7 +7288,13 @@
       </p:grpSpPr>
       <p:sp>
         <p:nvSpPr>
-          <p:cNvPr id="2" name="Title 1"/>
+          <p:cNvPr id="2" name="Title 1">
+            <a:extLst>
+              <a:ext uri="{FF2B5EF4-FFF2-40B4-BE49-F238E27FC236}">
+                <a16:creationId xmlns:a16="http://schemas.microsoft.com/office/drawing/2014/main" id="{D0D0ABC2-3C95-495F-8666-38CDA7E145A9}"/>
+              </a:ext>
+            </a:extLst>
+          </p:cNvPr>
           <p:cNvSpPr>
             <a:spLocks noGrp="1"/>
           </p:cNvSpPr>
@@ -7662,7 +7321,13 @@
       </p:sp>
       <p:sp>
         <p:nvSpPr>
-          <p:cNvPr id="3" name="Text Placeholder 2"/>
+          <p:cNvPr id="3" name="Text Placeholder 2">
+            <a:extLst>
+              <a:ext uri="{FF2B5EF4-FFF2-40B4-BE49-F238E27FC236}">
+                <a16:creationId xmlns:a16="http://schemas.microsoft.com/office/drawing/2014/main" id="{CE745E9D-33C9-4AE0-83BE-16FB44D608A9}"/>
+              </a:ext>
+            </a:extLst>
+          </p:cNvPr>
           <p:cNvSpPr>
             <a:spLocks noGrp="1"/>
           </p:cNvSpPr>
@@ -7720,14 +7385,20 @@
             <a:pPr lvl="0"/>
             <a:r>
               <a:rPr lang="en-US"/>
-              <a:t>Click to edit Master text styles</a:t>
+              <a:t>Edit Master text styles</a:t>
             </a:r>
           </a:p>
         </p:txBody>
       </p:sp>
       <p:sp>
         <p:nvSpPr>
-          <p:cNvPr id="4" name="Content Placeholder 3"/>
+          <p:cNvPr id="4" name="Content Placeholder 3">
+            <a:extLst>
+              <a:ext uri="{FF2B5EF4-FFF2-40B4-BE49-F238E27FC236}">
+                <a16:creationId xmlns:a16="http://schemas.microsoft.com/office/drawing/2014/main" id="{83D4531B-055F-4D7A-861D-1CCA8ED615BD}"/>
+              </a:ext>
+            </a:extLst>
+          </p:cNvPr>
           <p:cNvSpPr>
             <a:spLocks noGrp="1"/>
           </p:cNvSpPr>
@@ -7748,7 +7419,7 @@
             <a:pPr lvl="0"/>
             <a:r>
               <a:rPr lang="en-US"/>
-              <a:t>Click to edit Master text styles</a:t>
+              <a:t>Edit Master text styles</a:t>
             </a:r>
           </a:p>
           <a:p>
@@ -7783,7 +7454,13 @@
       </p:sp>
       <p:sp>
         <p:nvSpPr>
-          <p:cNvPr id="5" name="Text Placeholder 4"/>
+          <p:cNvPr id="5" name="Text Placeholder 4">
+            <a:extLst>
+              <a:ext uri="{FF2B5EF4-FFF2-40B4-BE49-F238E27FC236}">
+                <a16:creationId xmlns:a16="http://schemas.microsoft.com/office/drawing/2014/main" id="{A42A1990-957A-4E67-8A79-F1DB04D4A377}"/>
+              </a:ext>
+            </a:extLst>
+          </p:cNvPr>
           <p:cNvSpPr>
             <a:spLocks noGrp="1"/>
           </p:cNvSpPr>
@@ -7841,14 +7518,20 @@
             <a:pPr lvl="0"/>
             <a:r>
               <a:rPr lang="en-US"/>
-              <a:t>Click to edit Master text styles</a:t>
+              <a:t>Edit Master text styles</a:t>
             </a:r>
           </a:p>
         </p:txBody>
       </p:sp>
       <p:sp>
         <p:nvSpPr>
-          <p:cNvPr id="6" name="Content Placeholder 5"/>
+          <p:cNvPr id="6" name="Content Placeholder 5">
+            <a:extLst>
+              <a:ext uri="{FF2B5EF4-FFF2-40B4-BE49-F238E27FC236}">
+                <a16:creationId xmlns:a16="http://schemas.microsoft.com/office/drawing/2014/main" id="{D9319736-9954-499C-833D-B80E14332888}"/>
+              </a:ext>
+            </a:extLst>
+          </p:cNvPr>
           <p:cNvSpPr>
             <a:spLocks noGrp="1"/>
           </p:cNvSpPr>
@@ -7869,7 +7552,7 @@
             <a:pPr lvl="0"/>
             <a:r>
               <a:rPr lang="en-US"/>
-              <a:t>Click to edit Master text styles</a:t>
+              <a:t>Edit Master text styles</a:t>
             </a:r>
           </a:p>
           <a:p>
@@ -7904,7 +7587,13 @@
       </p:sp>
       <p:sp>
         <p:nvSpPr>
-          <p:cNvPr id="7" name="Date Placeholder 6"/>
+          <p:cNvPr id="7" name="Date Placeholder 6">
+            <a:extLst>
+              <a:ext uri="{FF2B5EF4-FFF2-40B4-BE49-F238E27FC236}">
+                <a16:creationId xmlns:a16="http://schemas.microsoft.com/office/drawing/2014/main" id="{337DF96D-3B9F-463B-A5F0-9854F458F2AF}"/>
+              </a:ext>
+            </a:extLst>
+          </p:cNvPr>
           <p:cNvSpPr>
             <a:spLocks noGrp="1"/>
           </p:cNvSpPr>
@@ -7917,9 +7606,9 @@
           <a:bodyPr/>
           <a:lstStyle/>
           <a:p>
-            <a:fld id="{1906F911-B8F3-1042-B226-54911C0C3F55}" type="datetimeFigureOut">
+            <a:fld id="{B5D86D52-4857-4668-9EB7-B41E21252CF7}" type="datetimeFigureOut">
               <a:rPr lang="en-US" smtClean="0"/>
-              <a:t>10/12/2018</a:t>
+              <a:t>2/25/2019</a:t>
             </a:fld>
             <a:endParaRPr lang="en-US"/>
           </a:p>
@@ -7927,7 +7616,13 @@
       </p:sp>
       <p:sp>
         <p:nvSpPr>
-          <p:cNvPr id="8" name="Footer Placeholder 7"/>
+          <p:cNvPr id="8" name="Footer Placeholder 7">
+            <a:extLst>
+              <a:ext uri="{FF2B5EF4-FFF2-40B4-BE49-F238E27FC236}">
+                <a16:creationId xmlns:a16="http://schemas.microsoft.com/office/drawing/2014/main" id="{8802AB6D-CD75-4EFA-A193-0B33C772DF47}"/>
+              </a:ext>
+            </a:extLst>
+          </p:cNvPr>
           <p:cNvSpPr>
             <a:spLocks noGrp="1"/>
           </p:cNvSpPr>
@@ -7946,7 +7641,13 @@
       </p:sp>
       <p:sp>
         <p:nvSpPr>
-          <p:cNvPr id="9" name="Slide Number Placeholder 8"/>
+          <p:cNvPr id="9" name="Slide Number Placeholder 8">
+            <a:extLst>
+              <a:ext uri="{FF2B5EF4-FFF2-40B4-BE49-F238E27FC236}">
+                <a16:creationId xmlns:a16="http://schemas.microsoft.com/office/drawing/2014/main" id="{3C6616D0-8475-4237-A95E-3BB3727852DD}"/>
+              </a:ext>
+            </a:extLst>
+          </p:cNvPr>
           <p:cNvSpPr>
             <a:spLocks noGrp="1"/>
           </p:cNvSpPr>
@@ -7959,7 +7660,7 @@
           <a:bodyPr/>
           <a:lstStyle/>
           <a:p>
-            <a:fld id="{FF3A7EF9-53EA-2943-A568-BF2FEAB92E94}" type="slidenum">
+            <a:fld id="{A9542AAE-06E7-470D-90C2-2FB1D417B3DE}" type="slidenum">
               <a:rPr lang="en-US" smtClean="0"/>
               <a:t>‹#›</a:t>
             </a:fld>
@@ -7970,7 +7671,7 @@
     </p:spTree>
     <p:extLst>
       <p:ext uri="{BB962C8B-B14F-4D97-AF65-F5344CB8AC3E}">
-        <p14:creationId xmlns:p14="http://schemas.microsoft.com/office/powerpoint/2010/main" val="1184038706"/>
+        <p14:creationId xmlns:p14="http://schemas.microsoft.com/office/powerpoint/2010/main" val="3081107386"/>
       </p:ext>
     </p:extLst>
   </p:cSld>
@@ -7980,7 +7681,7 @@
 </p:sldLayout>
 </file>
 
-<file path=ppt/slideLayouts/slideLayout28.xml><?xml version="1.0" encoding="utf-8"?>
+<file path=ppt/slideLayouts/slideLayout6.xml><?xml version="1.0" encoding="utf-8"?>
 <p:sldLayout xmlns:a="http://schemas.openxmlformats.org/drawingml/2006/main" xmlns:r="http://schemas.openxmlformats.org/officeDocument/2006/relationships" xmlns:p="http://schemas.openxmlformats.org/presentationml/2006/main" type="titleOnly" preserve="1">
   <p:cSld name="Title Only">
     <p:spTree>
@@ -7999,7 +7700,13 @@
       </p:grpSpPr>
       <p:sp>
         <p:nvSpPr>
-          <p:cNvPr id="2" name="Title 1"/>
+          <p:cNvPr id="2" name="Title 1">
+            <a:extLst>
+              <a:ext uri="{FF2B5EF4-FFF2-40B4-BE49-F238E27FC236}">
+                <a16:creationId xmlns:a16="http://schemas.microsoft.com/office/drawing/2014/main" id="{475BAC91-DA49-4771-946E-46775E1DA684}"/>
+              </a:ext>
+            </a:extLst>
+          </p:cNvPr>
           <p:cNvSpPr>
             <a:spLocks noGrp="1"/>
           </p:cNvSpPr>
@@ -8021,7 +7728,13 @@
       </p:sp>
       <p:sp>
         <p:nvSpPr>
-          <p:cNvPr id="3" name="Date Placeholder 2"/>
+          <p:cNvPr id="3" name="Date Placeholder 2">
+            <a:extLst>
+              <a:ext uri="{FF2B5EF4-FFF2-40B4-BE49-F238E27FC236}">
+                <a16:creationId xmlns:a16="http://schemas.microsoft.com/office/drawing/2014/main" id="{1C45BAD3-F9C3-4B6E-964D-113E7C189648}"/>
+              </a:ext>
+            </a:extLst>
+          </p:cNvPr>
           <p:cNvSpPr>
             <a:spLocks noGrp="1"/>
           </p:cNvSpPr>
@@ -8034,9 +7747,9 @@
           <a:bodyPr/>
           <a:lstStyle/>
           <a:p>
-            <a:fld id="{1906F911-B8F3-1042-B226-54911C0C3F55}" type="datetimeFigureOut">
+            <a:fld id="{B5D86D52-4857-4668-9EB7-B41E21252CF7}" type="datetimeFigureOut">
               <a:rPr lang="en-US" smtClean="0"/>
-              <a:t>10/12/2018</a:t>
+              <a:t>2/25/2019</a:t>
             </a:fld>
             <a:endParaRPr lang="en-US"/>
           </a:p>
@@ -8044,7 +7757,13 @@
       </p:sp>
       <p:sp>
         <p:nvSpPr>
-          <p:cNvPr id="4" name="Footer Placeholder 3"/>
+          <p:cNvPr id="4" name="Footer Placeholder 3">
+            <a:extLst>
+              <a:ext uri="{FF2B5EF4-FFF2-40B4-BE49-F238E27FC236}">
+                <a16:creationId xmlns:a16="http://schemas.microsoft.com/office/drawing/2014/main" id="{94C06BA4-CB95-49B0-A9C0-476E7C7CD458}"/>
+              </a:ext>
+            </a:extLst>
+          </p:cNvPr>
           <p:cNvSpPr>
             <a:spLocks noGrp="1"/>
           </p:cNvSpPr>
@@ -8063,7 +7782,13 @@
       </p:sp>
       <p:sp>
         <p:nvSpPr>
-          <p:cNvPr id="5" name="Slide Number Placeholder 4"/>
+          <p:cNvPr id="5" name="Slide Number Placeholder 4">
+            <a:extLst>
+              <a:ext uri="{FF2B5EF4-FFF2-40B4-BE49-F238E27FC236}">
+                <a16:creationId xmlns:a16="http://schemas.microsoft.com/office/drawing/2014/main" id="{F67A450B-373D-4A94-BD43-56784748C978}"/>
+              </a:ext>
+            </a:extLst>
+          </p:cNvPr>
           <p:cNvSpPr>
             <a:spLocks noGrp="1"/>
           </p:cNvSpPr>
@@ -8076,7 +7801,7 @@
           <a:bodyPr/>
           <a:lstStyle/>
           <a:p>
-            <a:fld id="{FF3A7EF9-53EA-2943-A568-BF2FEAB92E94}" type="slidenum">
+            <a:fld id="{A9542AAE-06E7-470D-90C2-2FB1D417B3DE}" type="slidenum">
               <a:rPr lang="en-US" smtClean="0"/>
               <a:t>‹#›</a:t>
             </a:fld>
@@ -8087,7 +7812,7 @@
     </p:spTree>
     <p:extLst>
       <p:ext uri="{BB962C8B-B14F-4D97-AF65-F5344CB8AC3E}">
-        <p14:creationId xmlns:p14="http://schemas.microsoft.com/office/powerpoint/2010/main" val="2001446792"/>
+        <p14:creationId xmlns:p14="http://schemas.microsoft.com/office/powerpoint/2010/main" val="1409491347"/>
       </p:ext>
     </p:extLst>
   </p:cSld>
@@ -8097,7 +7822,7 @@
 </p:sldLayout>
 </file>
 
-<file path=ppt/slideLayouts/slideLayout29.xml><?xml version="1.0" encoding="utf-8"?>
+<file path=ppt/slideLayouts/slideLayout7.xml><?xml version="1.0" encoding="utf-8"?>
 <p:sldLayout xmlns:a="http://schemas.openxmlformats.org/drawingml/2006/main" xmlns:r="http://schemas.openxmlformats.org/officeDocument/2006/relationships" xmlns:p="http://schemas.openxmlformats.org/presentationml/2006/main" type="blank" preserve="1">
   <p:cSld name="Blank">
     <p:spTree>
@@ -8116,7 +7841,13 @@
       </p:grpSpPr>
       <p:sp>
         <p:nvSpPr>
-          <p:cNvPr id="2" name="Date Placeholder 1"/>
+          <p:cNvPr id="2" name="Date Placeholder 1">
+            <a:extLst>
+              <a:ext uri="{FF2B5EF4-FFF2-40B4-BE49-F238E27FC236}">
+                <a16:creationId xmlns:a16="http://schemas.microsoft.com/office/drawing/2014/main" id="{C0CD9423-4A57-4694-BBAF-FA425D3BA04B}"/>
+              </a:ext>
+            </a:extLst>
+          </p:cNvPr>
           <p:cNvSpPr>
             <a:spLocks noGrp="1"/>
           </p:cNvSpPr>
@@ -8129,9 +7860,9 @@
           <a:bodyPr/>
           <a:lstStyle/>
           <a:p>
-            <a:fld id="{1906F911-B8F3-1042-B226-54911C0C3F55}" type="datetimeFigureOut">
+            <a:fld id="{B5D86D52-4857-4668-9EB7-B41E21252CF7}" type="datetimeFigureOut">
               <a:rPr lang="en-US" smtClean="0"/>
-              <a:t>10/12/2018</a:t>
+              <a:t>2/25/2019</a:t>
             </a:fld>
             <a:endParaRPr lang="en-US"/>
           </a:p>
@@ -8139,7 +7870,13 @@
       </p:sp>
       <p:sp>
         <p:nvSpPr>
-          <p:cNvPr id="3" name="Footer Placeholder 2"/>
+          <p:cNvPr id="3" name="Footer Placeholder 2">
+            <a:extLst>
+              <a:ext uri="{FF2B5EF4-FFF2-40B4-BE49-F238E27FC236}">
+                <a16:creationId xmlns:a16="http://schemas.microsoft.com/office/drawing/2014/main" id="{8C6A4124-052F-4B11-AA63-5AC8BA5864D8}"/>
+              </a:ext>
+            </a:extLst>
+          </p:cNvPr>
           <p:cNvSpPr>
             <a:spLocks noGrp="1"/>
           </p:cNvSpPr>
@@ -8158,7 +7895,13 @@
       </p:sp>
       <p:sp>
         <p:nvSpPr>
-          <p:cNvPr id="4" name="Slide Number Placeholder 3"/>
+          <p:cNvPr id="4" name="Slide Number Placeholder 3">
+            <a:extLst>
+              <a:ext uri="{FF2B5EF4-FFF2-40B4-BE49-F238E27FC236}">
+                <a16:creationId xmlns:a16="http://schemas.microsoft.com/office/drawing/2014/main" id="{B6548BE6-6126-4E47-94FD-5D4B2474D426}"/>
+              </a:ext>
+            </a:extLst>
+          </p:cNvPr>
           <p:cNvSpPr>
             <a:spLocks noGrp="1"/>
           </p:cNvSpPr>
@@ -8171,7 +7914,7 @@
           <a:bodyPr/>
           <a:lstStyle/>
           <a:p>
-            <a:fld id="{FF3A7EF9-53EA-2943-A568-BF2FEAB92E94}" type="slidenum">
+            <a:fld id="{A9542AAE-06E7-470D-90C2-2FB1D417B3DE}" type="slidenum">
               <a:rPr lang="en-US" smtClean="0"/>
               <a:t>‹#›</a:t>
             </a:fld>
@@ -8182,7 +7925,7 @@
     </p:spTree>
     <p:extLst>
       <p:ext uri="{BB962C8B-B14F-4D97-AF65-F5344CB8AC3E}">
-        <p14:creationId xmlns:p14="http://schemas.microsoft.com/office/powerpoint/2010/main" val="1231338029"/>
+        <p14:creationId xmlns:p14="http://schemas.microsoft.com/office/powerpoint/2010/main" val="35854030"/>
       </p:ext>
     </p:extLst>
   </p:cSld>
@@ -8192,282 +7935,7 @@
 </p:sldLayout>
 </file>
 
-<file path=ppt/slideLayouts/slideLayout3.xml><?xml version="1.0" encoding="utf-8"?>
-<p:sldLayout xmlns:a="http://schemas.openxmlformats.org/drawingml/2006/main" xmlns:r="http://schemas.openxmlformats.org/officeDocument/2006/relationships" xmlns:p="http://schemas.openxmlformats.org/presentationml/2006/main" type="secHead" preserve="1">
-  <p:cSld name="Section Header">
-    <p:spTree>
-      <p:nvGrpSpPr>
-        <p:cNvPr id="1" name=""/>
-        <p:cNvGrpSpPr/>
-        <p:nvPr/>
-      </p:nvGrpSpPr>
-      <p:grpSpPr>
-        <a:xfrm>
-          <a:off x="0" y="0"/>
-          <a:ext cx="0" cy="0"/>
-          <a:chOff x="0" y="0"/>
-          <a:chExt cx="0" cy="0"/>
-        </a:xfrm>
-      </p:grpSpPr>
-      <p:sp>
-        <p:nvSpPr>
-          <p:cNvPr id="2" name="Title 1">
-            <a:extLst>
-              <a:ext uri="{FF2B5EF4-FFF2-40B4-BE49-F238E27FC236}">
-                <a16:creationId xmlns:a16="http://schemas.microsoft.com/office/drawing/2014/main" id="{B6689CAC-91C0-4F8C-BCA1-442A8544BDA1}"/>
-              </a:ext>
-            </a:extLst>
-          </p:cNvPr>
-          <p:cNvSpPr>
-            <a:spLocks noGrp="1"/>
-          </p:cNvSpPr>
-          <p:nvPr>
-            <p:ph type="title"/>
-          </p:nvPr>
-        </p:nvSpPr>
-        <p:spPr>
-          <a:xfrm>
-            <a:off x="831850" y="1709738"/>
-            <a:ext cx="10515600" cy="2852737"/>
-          </a:xfrm>
-        </p:spPr>
-        <p:txBody>
-          <a:bodyPr anchor="b"/>
-          <a:lstStyle>
-            <a:lvl1pPr>
-              <a:defRPr sz="6000"/>
-            </a:lvl1pPr>
-          </a:lstStyle>
-          <a:p>
-            <a:r>
-              <a:rPr lang="en-US"/>
-              <a:t>Click to edit Master title style</a:t>
-            </a:r>
-          </a:p>
-        </p:txBody>
-      </p:sp>
-      <p:sp>
-        <p:nvSpPr>
-          <p:cNvPr id="3" name="Text Placeholder 2">
-            <a:extLst>
-              <a:ext uri="{FF2B5EF4-FFF2-40B4-BE49-F238E27FC236}">
-                <a16:creationId xmlns:a16="http://schemas.microsoft.com/office/drawing/2014/main" id="{B008366B-C743-450D-92D0-0F80398BC175}"/>
-              </a:ext>
-            </a:extLst>
-          </p:cNvPr>
-          <p:cNvSpPr>
-            <a:spLocks noGrp="1"/>
-          </p:cNvSpPr>
-          <p:nvPr>
-            <p:ph type="body" idx="1"/>
-          </p:nvPr>
-        </p:nvSpPr>
-        <p:spPr>
-          <a:xfrm>
-            <a:off x="831850" y="4589463"/>
-            <a:ext cx="10515600" cy="1500187"/>
-          </a:xfrm>
-        </p:spPr>
-        <p:txBody>
-          <a:bodyPr/>
-          <a:lstStyle>
-            <a:lvl1pPr marL="0" indent="0">
-              <a:buNone/>
-              <a:defRPr sz="2400">
-                <a:solidFill>
-                  <a:schemeClr val="tx1">
-                    <a:tint val="75000"/>
-                  </a:schemeClr>
-                </a:solidFill>
-              </a:defRPr>
-            </a:lvl1pPr>
-            <a:lvl2pPr marL="457200" indent="0">
-              <a:buNone/>
-              <a:defRPr sz="2000">
-                <a:solidFill>
-                  <a:schemeClr val="tx1">
-                    <a:tint val="75000"/>
-                  </a:schemeClr>
-                </a:solidFill>
-              </a:defRPr>
-            </a:lvl2pPr>
-            <a:lvl3pPr marL="914400" indent="0">
-              <a:buNone/>
-              <a:defRPr sz="1800">
-                <a:solidFill>
-                  <a:schemeClr val="tx1">
-                    <a:tint val="75000"/>
-                  </a:schemeClr>
-                </a:solidFill>
-              </a:defRPr>
-            </a:lvl3pPr>
-            <a:lvl4pPr marL="1371600" indent="0">
-              <a:buNone/>
-              <a:defRPr sz="1600">
-                <a:solidFill>
-                  <a:schemeClr val="tx1">
-                    <a:tint val="75000"/>
-                  </a:schemeClr>
-                </a:solidFill>
-              </a:defRPr>
-            </a:lvl4pPr>
-            <a:lvl5pPr marL="1828800" indent="0">
-              <a:buNone/>
-              <a:defRPr sz="1600">
-                <a:solidFill>
-                  <a:schemeClr val="tx1">
-                    <a:tint val="75000"/>
-                  </a:schemeClr>
-                </a:solidFill>
-              </a:defRPr>
-            </a:lvl5pPr>
-            <a:lvl6pPr marL="2286000" indent="0">
-              <a:buNone/>
-              <a:defRPr sz="1600">
-                <a:solidFill>
-                  <a:schemeClr val="tx1">
-                    <a:tint val="75000"/>
-                  </a:schemeClr>
-                </a:solidFill>
-              </a:defRPr>
-            </a:lvl6pPr>
-            <a:lvl7pPr marL="2743200" indent="0">
-              <a:buNone/>
-              <a:defRPr sz="1600">
-                <a:solidFill>
-                  <a:schemeClr val="tx1">
-                    <a:tint val="75000"/>
-                  </a:schemeClr>
-                </a:solidFill>
-              </a:defRPr>
-            </a:lvl7pPr>
-            <a:lvl8pPr marL="3200400" indent="0">
-              <a:buNone/>
-              <a:defRPr sz="1600">
-                <a:solidFill>
-                  <a:schemeClr val="tx1">
-                    <a:tint val="75000"/>
-                  </a:schemeClr>
-                </a:solidFill>
-              </a:defRPr>
-            </a:lvl8pPr>
-            <a:lvl9pPr marL="3657600" indent="0">
-              <a:buNone/>
-              <a:defRPr sz="1600">
-                <a:solidFill>
-                  <a:schemeClr val="tx1">
-                    <a:tint val="75000"/>
-                  </a:schemeClr>
-                </a:solidFill>
-              </a:defRPr>
-            </a:lvl9pPr>
-          </a:lstStyle>
-          <a:p>
-            <a:pPr lvl="0"/>
-            <a:r>
-              <a:rPr lang="en-US"/>
-              <a:t>Edit Master text styles</a:t>
-            </a:r>
-          </a:p>
-        </p:txBody>
-      </p:sp>
-      <p:sp>
-        <p:nvSpPr>
-          <p:cNvPr id="4" name="Date Placeholder 3">
-            <a:extLst>
-              <a:ext uri="{FF2B5EF4-FFF2-40B4-BE49-F238E27FC236}">
-                <a16:creationId xmlns:a16="http://schemas.microsoft.com/office/drawing/2014/main" id="{58137962-F2B9-4EB1-800F-78DB5225A0B8}"/>
-              </a:ext>
-            </a:extLst>
-          </p:cNvPr>
-          <p:cNvSpPr>
-            <a:spLocks noGrp="1"/>
-          </p:cNvSpPr>
-          <p:nvPr>
-            <p:ph type="dt" sz="half" idx="10"/>
-          </p:nvPr>
-        </p:nvSpPr>
-        <p:spPr/>
-        <p:txBody>
-          <a:bodyPr/>
-          <a:lstStyle/>
-          <a:p>
-            <a:fld id="{B5D86D52-4857-4668-9EB7-B41E21252CF7}" type="datetimeFigureOut">
-              <a:rPr lang="en-US" smtClean="0"/>
-              <a:t>10/12/2018</a:t>
-            </a:fld>
-            <a:endParaRPr lang="en-US"/>
-          </a:p>
-        </p:txBody>
-      </p:sp>
-      <p:sp>
-        <p:nvSpPr>
-          <p:cNvPr id="5" name="Footer Placeholder 4">
-            <a:extLst>
-              <a:ext uri="{FF2B5EF4-FFF2-40B4-BE49-F238E27FC236}">
-                <a16:creationId xmlns:a16="http://schemas.microsoft.com/office/drawing/2014/main" id="{6D4148F7-A1E0-404B-A261-644C555258C3}"/>
-              </a:ext>
-            </a:extLst>
-          </p:cNvPr>
-          <p:cNvSpPr>
-            <a:spLocks noGrp="1"/>
-          </p:cNvSpPr>
-          <p:nvPr>
-            <p:ph type="ftr" sz="quarter" idx="11"/>
-          </p:nvPr>
-        </p:nvSpPr>
-        <p:spPr/>
-        <p:txBody>
-          <a:bodyPr/>
-          <a:lstStyle/>
-          <a:p>
-            <a:endParaRPr lang="en-US"/>
-          </a:p>
-        </p:txBody>
-      </p:sp>
-      <p:sp>
-        <p:nvSpPr>
-          <p:cNvPr id="6" name="Slide Number Placeholder 5">
-            <a:extLst>
-              <a:ext uri="{FF2B5EF4-FFF2-40B4-BE49-F238E27FC236}">
-                <a16:creationId xmlns:a16="http://schemas.microsoft.com/office/drawing/2014/main" id="{E5B3586B-F38F-4D81-A20C-EA09EA16DBBC}"/>
-              </a:ext>
-            </a:extLst>
-          </p:cNvPr>
-          <p:cNvSpPr>
-            <a:spLocks noGrp="1"/>
-          </p:cNvSpPr>
-          <p:nvPr>
-            <p:ph type="sldNum" sz="quarter" idx="12"/>
-          </p:nvPr>
-        </p:nvSpPr>
-        <p:spPr/>
-        <p:txBody>
-          <a:bodyPr/>
-          <a:lstStyle/>
-          <a:p>
-            <a:fld id="{A9542AAE-06E7-470D-90C2-2FB1D417B3DE}" type="slidenum">
-              <a:rPr lang="en-US" smtClean="0"/>
-              <a:t>‹#›</a:t>
-            </a:fld>
-            <a:endParaRPr lang="en-US"/>
-          </a:p>
-        </p:txBody>
-      </p:sp>
-    </p:spTree>
-    <p:extLst>
-      <p:ext uri="{BB962C8B-B14F-4D97-AF65-F5344CB8AC3E}">
-        <p14:creationId xmlns:p14="http://schemas.microsoft.com/office/powerpoint/2010/main" val="694596153"/>
-      </p:ext>
-    </p:extLst>
-  </p:cSld>
-  <p:clrMapOvr>
-    <a:masterClrMapping/>
-  </p:clrMapOvr>
-</p:sldLayout>
-</file>
-
-<file path=ppt/slideLayouts/slideLayout30.xml><?xml version="1.0" encoding="utf-8"?>
+<file path=ppt/slideLayouts/slideLayout8.xml><?xml version="1.0" encoding="utf-8"?>
 <p:sldLayout xmlns:a="http://schemas.openxmlformats.org/drawingml/2006/main" xmlns:r="http://schemas.openxmlformats.org/officeDocument/2006/relationships" xmlns:p="http://schemas.openxmlformats.org/presentationml/2006/main" type="objTx" preserve="1">
   <p:cSld name="Content with Caption">
     <p:spTree>
@@ -8486,7 +7954,13 @@
       </p:grpSpPr>
       <p:sp>
         <p:nvSpPr>
-          <p:cNvPr id="2" name="Title 1"/>
+          <p:cNvPr id="2" name="Title 1">
+            <a:extLst>
+              <a:ext uri="{FF2B5EF4-FFF2-40B4-BE49-F238E27FC236}">
+                <a16:creationId xmlns:a16="http://schemas.microsoft.com/office/drawing/2014/main" id="{78E1EBBF-1F95-46A0-A719-B5510C4EB281}"/>
+              </a:ext>
+            </a:extLst>
+          </p:cNvPr>
           <p:cNvSpPr>
             <a:spLocks noGrp="1"/>
           </p:cNvSpPr>
@@ -8517,7 +7991,13 @@
       </p:sp>
       <p:sp>
         <p:nvSpPr>
-          <p:cNvPr id="3" name="Content Placeholder 2"/>
+          <p:cNvPr id="3" name="Content Placeholder 2">
+            <a:extLst>
+              <a:ext uri="{FF2B5EF4-FFF2-40B4-BE49-F238E27FC236}">
+                <a16:creationId xmlns:a16="http://schemas.microsoft.com/office/drawing/2014/main" id="{607B8433-F602-45AB-AE04-EEA127B73262}"/>
+              </a:ext>
+            </a:extLst>
+          </p:cNvPr>
           <p:cNvSpPr>
             <a:spLocks noGrp="1"/>
           </p:cNvSpPr>
@@ -8566,7 +8046,7 @@
             <a:pPr lvl="0"/>
             <a:r>
               <a:rPr lang="en-US"/>
-              <a:t>Click to edit Master text styles</a:t>
+              <a:t>Edit Master text styles</a:t>
             </a:r>
           </a:p>
           <a:p>
@@ -8601,7 +8081,13 @@
       </p:sp>
       <p:sp>
         <p:nvSpPr>
-          <p:cNvPr id="4" name="Text Placeholder 3"/>
+          <p:cNvPr id="4" name="Text Placeholder 3">
+            <a:extLst>
+              <a:ext uri="{FF2B5EF4-FFF2-40B4-BE49-F238E27FC236}">
+                <a16:creationId xmlns:a16="http://schemas.microsoft.com/office/drawing/2014/main" id="{A8B96607-1252-4AC6-9734-F1C77911E9BB}"/>
+              </a:ext>
+            </a:extLst>
+          </p:cNvPr>
           <p:cNvSpPr>
             <a:spLocks noGrp="1"/>
           </p:cNvSpPr>
@@ -8659,14 +8145,20 @@
             <a:pPr lvl="0"/>
             <a:r>
               <a:rPr lang="en-US"/>
-              <a:t>Click to edit Master text styles</a:t>
+              <a:t>Edit Master text styles</a:t>
             </a:r>
           </a:p>
         </p:txBody>
       </p:sp>
       <p:sp>
         <p:nvSpPr>
-          <p:cNvPr id="5" name="Date Placeholder 4"/>
+          <p:cNvPr id="5" name="Date Placeholder 4">
+            <a:extLst>
+              <a:ext uri="{FF2B5EF4-FFF2-40B4-BE49-F238E27FC236}">
+                <a16:creationId xmlns:a16="http://schemas.microsoft.com/office/drawing/2014/main" id="{E1601919-719F-4C66-847E-40CDCC670742}"/>
+              </a:ext>
+            </a:extLst>
+          </p:cNvPr>
           <p:cNvSpPr>
             <a:spLocks noGrp="1"/>
           </p:cNvSpPr>
@@ -8679,9 +8171,9 @@
           <a:bodyPr/>
           <a:lstStyle/>
           <a:p>
-            <a:fld id="{1906F911-B8F3-1042-B226-54911C0C3F55}" type="datetimeFigureOut">
+            <a:fld id="{B5D86D52-4857-4668-9EB7-B41E21252CF7}" type="datetimeFigureOut">
               <a:rPr lang="en-US" smtClean="0"/>
-              <a:t>10/12/2018</a:t>
+              <a:t>2/25/2019</a:t>
             </a:fld>
             <a:endParaRPr lang="en-US"/>
           </a:p>
@@ -8689,7 +8181,13 @@
       </p:sp>
       <p:sp>
         <p:nvSpPr>
-          <p:cNvPr id="6" name="Footer Placeholder 5"/>
+          <p:cNvPr id="6" name="Footer Placeholder 5">
+            <a:extLst>
+              <a:ext uri="{FF2B5EF4-FFF2-40B4-BE49-F238E27FC236}">
+                <a16:creationId xmlns:a16="http://schemas.microsoft.com/office/drawing/2014/main" id="{78405029-368B-4496-B3EF-5B42BBA8017D}"/>
+              </a:ext>
+            </a:extLst>
+          </p:cNvPr>
           <p:cNvSpPr>
             <a:spLocks noGrp="1"/>
           </p:cNvSpPr>
@@ -8708,7 +8206,13 @@
       </p:sp>
       <p:sp>
         <p:nvSpPr>
-          <p:cNvPr id="7" name="Slide Number Placeholder 6"/>
+          <p:cNvPr id="7" name="Slide Number Placeholder 6">
+            <a:extLst>
+              <a:ext uri="{FF2B5EF4-FFF2-40B4-BE49-F238E27FC236}">
+                <a16:creationId xmlns:a16="http://schemas.microsoft.com/office/drawing/2014/main" id="{6E448800-ABA2-46E5-AA0B-C0593C6C2AAA}"/>
+              </a:ext>
+            </a:extLst>
+          </p:cNvPr>
           <p:cNvSpPr>
             <a:spLocks noGrp="1"/>
           </p:cNvSpPr>
@@ -8721,7 +8225,7 @@
           <a:bodyPr/>
           <a:lstStyle/>
           <a:p>
-            <a:fld id="{FF3A7EF9-53EA-2943-A568-BF2FEAB92E94}" type="slidenum">
+            <a:fld id="{A9542AAE-06E7-470D-90C2-2FB1D417B3DE}" type="slidenum">
               <a:rPr lang="en-US" smtClean="0"/>
               <a:t>‹#›</a:t>
             </a:fld>
@@ -8732,7 +8236,7 @@
     </p:spTree>
     <p:extLst>
       <p:ext uri="{BB962C8B-B14F-4D97-AF65-F5344CB8AC3E}">
-        <p14:creationId xmlns:p14="http://schemas.microsoft.com/office/powerpoint/2010/main" val="3964231783"/>
+        <p14:creationId xmlns:p14="http://schemas.microsoft.com/office/powerpoint/2010/main" val="1338901046"/>
       </p:ext>
     </p:extLst>
   </p:cSld>
@@ -8742,7 +8246,7 @@
 </p:sldLayout>
 </file>
 
-<file path=ppt/slideLayouts/slideLayout31.xml><?xml version="1.0" encoding="utf-8"?>
+<file path=ppt/slideLayouts/slideLayout9.xml><?xml version="1.0" encoding="utf-8"?>
 <p:sldLayout xmlns:a="http://schemas.openxmlformats.org/drawingml/2006/main" xmlns:r="http://schemas.openxmlformats.org/officeDocument/2006/relationships" xmlns:p="http://schemas.openxmlformats.org/presentationml/2006/main" type="picTx" preserve="1">
   <p:cSld name="Picture with Caption">
     <p:spTree>
@@ -8761,7 +8265,13 @@
       </p:grpSpPr>
       <p:sp>
         <p:nvSpPr>
-          <p:cNvPr id="2" name="Title 1"/>
+          <p:cNvPr id="2" name="Title 1">
+            <a:extLst>
+              <a:ext uri="{FF2B5EF4-FFF2-40B4-BE49-F238E27FC236}">
+                <a16:creationId xmlns:a16="http://schemas.microsoft.com/office/drawing/2014/main" id="{0CA9A664-C4DD-45B8-895F-F4AE576B4754}"/>
+              </a:ext>
+            </a:extLst>
+          </p:cNvPr>
           <p:cNvSpPr>
             <a:spLocks noGrp="1"/>
           </p:cNvSpPr>
@@ -8792,7 +8302,13 @@
       </p:sp>
       <p:sp>
         <p:nvSpPr>
-          <p:cNvPr id="3" name="Picture Placeholder 2"/>
+          <p:cNvPr id="3" name="Picture Placeholder 2">
+            <a:extLst>
+              <a:ext uri="{FF2B5EF4-FFF2-40B4-BE49-F238E27FC236}">
+                <a16:creationId xmlns:a16="http://schemas.microsoft.com/office/drawing/2014/main" id="{99C2BCD5-A163-448F-A63E-DB86A63271AE}"/>
+              </a:ext>
+            </a:extLst>
+          </p:cNvPr>
           <p:cNvSpPr>
             <a:spLocks noGrp="1"/>
           </p:cNvSpPr>
@@ -8853,7 +8369,13 @@
       </p:sp>
       <p:sp>
         <p:nvSpPr>
-          <p:cNvPr id="4" name="Text Placeholder 3"/>
+          <p:cNvPr id="4" name="Text Placeholder 3">
+            <a:extLst>
+              <a:ext uri="{FF2B5EF4-FFF2-40B4-BE49-F238E27FC236}">
+                <a16:creationId xmlns:a16="http://schemas.microsoft.com/office/drawing/2014/main" id="{A0AADA5C-974F-44F4-ADB5-2FDAAD0A1A2B}"/>
+              </a:ext>
+            </a:extLst>
+          </p:cNvPr>
           <p:cNvSpPr>
             <a:spLocks noGrp="1"/>
           </p:cNvSpPr>
@@ -8911,1864 +8433,6 @@
             <a:pPr lvl="0"/>
             <a:r>
               <a:rPr lang="en-US"/>
-              <a:t>Click to edit Master text styles</a:t>
-            </a:r>
-          </a:p>
-        </p:txBody>
-      </p:sp>
-      <p:sp>
-        <p:nvSpPr>
-          <p:cNvPr id="5" name="Date Placeholder 4"/>
-          <p:cNvSpPr>
-            <a:spLocks noGrp="1"/>
-          </p:cNvSpPr>
-          <p:nvPr>
-            <p:ph type="dt" sz="half" idx="10"/>
-          </p:nvPr>
-        </p:nvSpPr>
-        <p:spPr/>
-        <p:txBody>
-          <a:bodyPr/>
-          <a:lstStyle/>
-          <a:p>
-            <a:fld id="{1906F911-B8F3-1042-B226-54911C0C3F55}" type="datetimeFigureOut">
-              <a:rPr lang="en-US" smtClean="0"/>
-              <a:t>10/12/2018</a:t>
-            </a:fld>
-            <a:endParaRPr lang="en-US"/>
-          </a:p>
-        </p:txBody>
-      </p:sp>
-      <p:sp>
-        <p:nvSpPr>
-          <p:cNvPr id="6" name="Footer Placeholder 5"/>
-          <p:cNvSpPr>
-            <a:spLocks noGrp="1"/>
-          </p:cNvSpPr>
-          <p:nvPr>
-            <p:ph type="ftr" sz="quarter" idx="11"/>
-          </p:nvPr>
-        </p:nvSpPr>
-        <p:spPr/>
-        <p:txBody>
-          <a:bodyPr/>
-          <a:lstStyle/>
-          <a:p>
-            <a:endParaRPr lang="en-US"/>
-          </a:p>
-        </p:txBody>
-      </p:sp>
-      <p:sp>
-        <p:nvSpPr>
-          <p:cNvPr id="7" name="Slide Number Placeholder 6"/>
-          <p:cNvSpPr>
-            <a:spLocks noGrp="1"/>
-          </p:cNvSpPr>
-          <p:nvPr>
-            <p:ph type="sldNum" sz="quarter" idx="12"/>
-          </p:nvPr>
-        </p:nvSpPr>
-        <p:spPr/>
-        <p:txBody>
-          <a:bodyPr/>
-          <a:lstStyle/>
-          <a:p>
-            <a:fld id="{FF3A7EF9-53EA-2943-A568-BF2FEAB92E94}" type="slidenum">
-              <a:rPr lang="en-US" smtClean="0"/>
-              <a:t>‹#›</a:t>
-            </a:fld>
-            <a:endParaRPr lang="en-US"/>
-          </a:p>
-        </p:txBody>
-      </p:sp>
-    </p:spTree>
-    <p:extLst>
-      <p:ext uri="{BB962C8B-B14F-4D97-AF65-F5344CB8AC3E}">
-        <p14:creationId xmlns:p14="http://schemas.microsoft.com/office/powerpoint/2010/main" val="2412525549"/>
-      </p:ext>
-    </p:extLst>
-  </p:cSld>
-  <p:clrMapOvr>
-    <a:masterClrMapping/>
-  </p:clrMapOvr>
-</p:sldLayout>
-</file>
-
-<file path=ppt/slideLayouts/slideLayout32.xml><?xml version="1.0" encoding="utf-8"?>
-<p:sldLayout xmlns:a="http://schemas.openxmlformats.org/drawingml/2006/main" xmlns:r="http://schemas.openxmlformats.org/officeDocument/2006/relationships" xmlns:p="http://schemas.openxmlformats.org/presentationml/2006/main" type="vertTx" preserve="1">
-  <p:cSld name="Title and Vertical Text">
-    <p:spTree>
-      <p:nvGrpSpPr>
-        <p:cNvPr id="1" name=""/>
-        <p:cNvGrpSpPr/>
-        <p:nvPr/>
-      </p:nvGrpSpPr>
-      <p:grpSpPr>
-        <a:xfrm>
-          <a:off x="0" y="0"/>
-          <a:ext cx="0" cy="0"/>
-          <a:chOff x="0" y="0"/>
-          <a:chExt cx="0" cy="0"/>
-        </a:xfrm>
-      </p:grpSpPr>
-      <p:sp>
-        <p:nvSpPr>
-          <p:cNvPr id="2" name="Title 1"/>
-          <p:cNvSpPr>
-            <a:spLocks noGrp="1"/>
-          </p:cNvSpPr>
-          <p:nvPr>
-            <p:ph type="title"/>
-          </p:nvPr>
-        </p:nvSpPr>
-        <p:spPr/>
-        <p:txBody>
-          <a:bodyPr/>
-          <a:lstStyle/>
-          <a:p>
-            <a:r>
-              <a:rPr lang="en-US"/>
-              <a:t>Click to edit Master title style</a:t>
-            </a:r>
-          </a:p>
-        </p:txBody>
-      </p:sp>
-      <p:sp>
-        <p:nvSpPr>
-          <p:cNvPr id="3" name="Vertical Text Placeholder 2"/>
-          <p:cNvSpPr>
-            <a:spLocks noGrp="1"/>
-          </p:cNvSpPr>
-          <p:nvPr>
-            <p:ph type="body" orient="vert" idx="1"/>
-          </p:nvPr>
-        </p:nvSpPr>
-        <p:spPr/>
-        <p:txBody>
-          <a:bodyPr vert="eaVert"/>
-          <a:lstStyle/>
-          <a:p>
-            <a:pPr lvl="0"/>
-            <a:r>
-              <a:rPr lang="en-US"/>
-              <a:t>Click to edit Master text styles</a:t>
-            </a:r>
-          </a:p>
-          <a:p>
-            <a:pPr lvl="1"/>
-            <a:r>
-              <a:rPr lang="en-US"/>
-              <a:t>Second level</a:t>
-            </a:r>
-          </a:p>
-          <a:p>
-            <a:pPr lvl="2"/>
-            <a:r>
-              <a:rPr lang="en-US"/>
-              <a:t>Third level</a:t>
-            </a:r>
-          </a:p>
-          <a:p>
-            <a:pPr lvl="3"/>
-            <a:r>
-              <a:rPr lang="en-US"/>
-              <a:t>Fourth level</a:t>
-            </a:r>
-          </a:p>
-          <a:p>
-            <a:pPr lvl="4"/>
-            <a:r>
-              <a:rPr lang="en-US"/>
-              <a:t>Fifth level</a:t>
-            </a:r>
-          </a:p>
-        </p:txBody>
-      </p:sp>
-      <p:sp>
-        <p:nvSpPr>
-          <p:cNvPr id="4" name="Date Placeholder 3"/>
-          <p:cNvSpPr>
-            <a:spLocks noGrp="1"/>
-          </p:cNvSpPr>
-          <p:nvPr>
-            <p:ph type="dt" sz="half" idx="10"/>
-          </p:nvPr>
-        </p:nvSpPr>
-        <p:spPr/>
-        <p:txBody>
-          <a:bodyPr/>
-          <a:lstStyle/>
-          <a:p>
-            <a:fld id="{1906F911-B8F3-1042-B226-54911C0C3F55}" type="datetimeFigureOut">
-              <a:rPr lang="en-US" smtClean="0"/>
-              <a:t>10/12/2018</a:t>
-            </a:fld>
-            <a:endParaRPr lang="en-US"/>
-          </a:p>
-        </p:txBody>
-      </p:sp>
-      <p:sp>
-        <p:nvSpPr>
-          <p:cNvPr id="5" name="Footer Placeholder 4"/>
-          <p:cNvSpPr>
-            <a:spLocks noGrp="1"/>
-          </p:cNvSpPr>
-          <p:nvPr>
-            <p:ph type="ftr" sz="quarter" idx="11"/>
-          </p:nvPr>
-        </p:nvSpPr>
-        <p:spPr/>
-        <p:txBody>
-          <a:bodyPr/>
-          <a:lstStyle/>
-          <a:p>
-            <a:endParaRPr lang="en-US"/>
-          </a:p>
-        </p:txBody>
-      </p:sp>
-      <p:sp>
-        <p:nvSpPr>
-          <p:cNvPr id="6" name="Slide Number Placeholder 5"/>
-          <p:cNvSpPr>
-            <a:spLocks noGrp="1"/>
-          </p:cNvSpPr>
-          <p:nvPr>
-            <p:ph type="sldNum" sz="quarter" idx="12"/>
-          </p:nvPr>
-        </p:nvSpPr>
-        <p:spPr/>
-        <p:txBody>
-          <a:bodyPr/>
-          <a:lstStyle/>
-          <a:p>
-            <a:fld id="{FF3A7EF9-53EA-2943-A568-BF2FEAB92E94}" type="slidenum">
-              <a:rPr lang="en-US" smtClean="0"/>
-              <a:t>‹#›</a:t>
-            </a:fld>
-            <a:endParaRPr lang="en-US"/>
-          </a:p>
-        </p:txBody>
-      </p:sp>
-    </p:spTree>
-    <p:extLst>
-      <p:ext uri="{BB962C8B-B14F-4D97-AF65-F5344CB8AC3E}">
-        <p14:creationId xmlns:p14="http://schemas.microsoft.com/office/powerpoint/2010/main" val="741159762"/>
-      </p:ext>
-    </p:extLst>
-  </p:cSld>
-  <p:clrMapOvr>
-    <a:masterClrMapping/>
-  </p:clrMapOvr>
-</p:sldLayout>
-</file>
-
-<file path=ppt/slideLayouts/slideLayout33.xml><?xml version="1.0" encoding="utf-8"?>
-<p:sldLayout xmlns:a="http://schemas.openxmlformats.org/drawingml/2006/main" xmlns:r="http://schemas.openxmlformats.org/officeDocument/2006/relationships" xmlns:p="http://schemas.openxmlformats.org/presentationml/2006/main" type="vertTitleAndTx" preserve="1">
-  <p:cSld name="Vertical Title and Text">
-    <p:spTree>
-      <p:nvGrpSpPr>
-        <p:cNvPr id="1" name=""/>
-        <p:cNvGrpSpPr/>
-        <p:nvPr/>
-      </p:nvGrpSpPr>
-      <p:grpSpPr>
-        <a:xfrm>
-          <a:off x="0" y="0"/>
-          <a:ext cx="0" cy="0"/>
-          <a:chOff x="0" y="0"/>
-          <a:chExt cx="0" cy="0"/>
-        </a:xfrm>
-      </p:grpSpPr>
-      <p:sp>
-        <p:nvSpPr>
-          <p:cNvPr id="2" name="Vertical Title 1"/>
-          <p:cNvSpPr>
-            <a:spLocks noGrp="1"/>
-          </p:cNvSpPr>
-          <p:nvPr>
-            <p:ph type="title" orient="vert"/>
-          </p:nvPr>
-        </p:nvSpPr>
-        <p:spPr>
-          <a:xfrm>
-            <a:off x="8724900" y="365125"/>
-            <a:ext cx="2628900" cy="5811838"/>
-          </a:xfrm>
-        </p:spPr>
-        <p:txBody>
-          <a:bodyPr vert="eaVert"/>
-          <a:lstStyle/>
-          <a:p>
-            <a:r>
-              <a:rPr lang="en-US"/>
-              <a:t>Click to edit Master title style</a:t>
-            </a:r>
-          </a:p>
-        </p:txBody>
-      </p:sp>
-      <p:sp>
-        <p:nvSpPr>
-          <p:cNvPr id="3" name="Vertical Text Placeholder 2"/>
-          <p:cNvSpPr>
-            <a:spLocks noGrp="1"/>
-          </p:cNvSpPr>
-          <p:nvPr>
-            <p:ph type="body" orient="vert" idx="1"/>
-          </p:nvPr>
-        </p:nvSpPr>
-        <p:spPr>
-          <a:xfrm>
-            <a:off x="838200" y="365125"/>
-            <a:ext cx="7734300" cy="5811838"/>
-          </a:xfrm>
-        </p:spPr>
-        <p:txBody>
-          <a:bodyPr vert="eaVert"/>
-          <a:lstStyle/>
-          <a:p>
-            <a:pPr lvl="0"/>
-            <a:r>
-              <a:rPr lang="en-US"/>
-              <a:t>Click to edit Master text styles</a:t>
-            </a:r>
-          </a:p>
-          <a:p>
-            <a:pPr lvl="1"/>
-            <a:r>
-              <a:rPr lang="en-US"/>
-              <a:t>Second level</a:t>
-            </a:r>
-          </a:p>
-          <a:p>
-            <a:pPr lvl="2"/>
-            <a:r>
-              <a:rPr lang="en-US"/>
-              <a:t>Third level</a:t>
-            </a:r>
-          </a:p>
-          <a:p>
-            <a:pPr lvl="3"/>
-            <a:r>
-              <a:rPr lang="en-US"/>
-              <a:t>Fourth level</a:t>
-            </a:r>
-          </a:p>
-          <a:p>
-            <a:pPr lvl="4"/>
-            <a:r>
-              <a:rPr lang="en-US"/>
-              <a:t>Fifth level</a:t>
-            </a:r>
-          </a:p>
-        </p:txBody>
-      </p:sp>
-      <p:sp>
-        <p:nvSpPr>
-          <p:cNvPr id="4" name="Date Placeholder 3"/>
-          <p:cNvSpPr>
-            <a:spLocks noGrp="1"/>
-          </p:cNvSpPr>
-          <p:nvPr>
-            <p:ph type="dt" sz="half" idx="10"/>
-          </p:nvPr>
-        </p:nvSpPr>
-        <p:spPr/>
-        <p:txBody>
-          <a:bodyPr/>
-          <a:lstStyle/>
-          <a:p>
-            <a:fld id="{1906F911-B8F3-1042-B226-54911C0C3F55}" type="datetimeFigureOut">
-              <a:rPr lang="en-US" smtClean="0"/>
-              <a:t>10/12/2018</a:t>
-            </a:fld>
-            <a:endParaRPr lang="en-US"/>
-          </a:p>
-        </p:txBody>
-      </p:sp>
-      <p:sp>
-        <p:nvSpPr>
-          <p:cNvPr id="5" name="Footer Placeholder 4"/>
-          <p:cNvSpPr>
-            <a:spLocks noGrp="1"/>
-          </p:cNvSpPr>
-          <p:nvPr>
-            <p:ph type="ftr" sz="quarter" idx="11"/>
-          </p:nvPr>
-        </p:nvSpPr>
-        <p:spPr/>
-        <p:txBody>
-          <a:bodyPr/>
-          <a:lstStyle/>
-          <a:p>
-            <a:endParaRPr lang="en-US"/>
-          </a:p>
-        </p:txBody>
-      </p:sp>
-      <p:sp>
-        <p:nvSpPr>
-          <p:cNvPr id="6" name="Slide Number Placeholder 5"/>
-          <p:cNvSpPr>
-            <a:spLocks noGrp="1"/>
-          </p:cNvSpPr>
-          <p:nvPr>
-            <p:ph type="sldNum" sz="quarter" idx="12"/>
-          </p:nvPr>
-        </p:nvSpPr>
-        <p:spPr/>
-        <p:txBody>
-          <a:bodyPr/>
-          <a:lstStyle/>
-          <a:p>
-            <a:fld id="{FF3A7EF9-53EA-2943-A568-BF2FEAB92E94}" type="slidenum">
-              <a:rPr lang="en-US" smtClean="0"/>
-              <a:t>‹#›</a:t>
-            </a:fld>
-            <a:endParaRPr lang="en-US"/>
-          </a:p>
-        </p:txBody>
-      </p:sp>
-    </p:spTree>
-    <p:extLst>
-      <p:ext uri="{BB962C8B-B14F-4D97-AF65-F5344CB8AC3E}">
-        <p14:creationId xmlns:p14="http://schemas.microsoft.com/office/powerpoint/2010/main" val="2960253130"/>
-      </p:ext>
-    </p:extLst>
-  </p:cSld>
-  <p:clrMapOvr>
-    <a:masterClrMapping/>
-  </p:clrMapOvr>
-</p:sldLayout>
-</file>
-
-<file path=ppt/slideLayouts/slideLayout4.xml><?xml version="1.0" encoding="utf-8"?>
-<p:sldLayout xmlns:a="http://schemas.openxmlformats.org/drawingml/2006/main" xmlns:r="http://schemas.openxmlformats.org/officeDocument/2006/relationships" xmlns:p="http://schemas.openxmlformats.org/presentationml/2006/main" type="twoObj" preserve="1">
-  <p:cSld name="Two Content">
-    <p:spTree>
-      <p:nvGrpSpPr>
-        <p:cNvPr id="1" name=""/>
-        <p:cNvGrpSpPr/>
-        <p:nvPr/>
-      </p:nvGrpSpPr>
-      <p:grpSpPr>
-        <a:xfrm>
-          <a:off x="0" y="0"/>
-          <a:ext cx="0" cy="0"/>
-          <a:chOff x="0" y="0"/>
-          <a:chExt cx="0" cy="0"/>
-        </a:xfrm>
-      </p:grpSpPr>
-      <p:sp>
-        <p:nvSpPr>
-          <p:cNvPr id="2" name="Title 1">
-            <a:extLst>
-              <a:ext uri="{FF2B5EF4-FFF2-40B4-BE49-F238E27FC236}">
-                <a16:creationId xmlns:a16="http://schemas.microsoft.com/office/drawing/2014/main" id="{FE8A913A-575B-4C0E-9BC4-F72E980E1C01}"/>
-              </a:ext>
-            </a:extLst>
-          </p:cNvPr>
-          <p:cNvSpPr>
-            <a:spLocks noGrp="1"/>
-          </p:cNvSpPr>
-          <p:nvPr>
-            <p:ph type="title"/>
-          </p:nvPr>
-        </p:nvSpPr>
-        <p:spPr/>
-        <p:txBody>
-          <a:bodyPr/>
-          <a:lstStyle/>
-          <a:p>
-            <a:r>
-              <a:rPr lang="en-US"/>
-              <a:t>Click to edit Master title style</a:t>
-            </a:r>
-          </a:p>
-        </p:txBody>
-      </p:sp>
-      <p:sp>
-        <p:nvSpPr>
-          <p:cNvPr id="3" name="Content Placeholder 2">
-            <a:extLst>
-              <a:ext uri="{FF2B5EF4-FFF2-40B4-BE49-F238E27FC236}">
-                <a16:creationId xmlns:a16="http://schemas.microsoft.com/office/drawing/2014/main" id="{F8648F1F-C79C-4299-B4DE-2B5A1C9BE9D5}"/>
-              </a:ext>
-            </a:extLst>
-          </p:cNvPr>
-          <p:cNvSpPr>
-            <a:spLocks noGrp="1"/>
-          </p:cNvSpPr>
-          <p:nvPr>
-            <p:ph sz="half" idx="1"/>
-          </p:nvPr>
-        </p:nvSpPr>
-        <p:spPr>
-          <a:xfrm>
-            <a:off x="838200" y="1825625"/>
-            <a:ext cx="5181600" cy="4351338"/>
-          </a:xfrm>
-        </p:spPr>
-        <p:txBody>
-          <a:bodyPr/>
-          <a:lstStyle/>
-          <a:p>
-            <a:pPr lvl="0"/>
-            <a:r>
-              <a:rPr lang="en-US"/>
-              <a:t>Edit Master text styles</a:t>
-            </a:r>
-          </a:p>
-          <a:p>
-            <a:pPr lvl="1"/>
-            <a:r>
-              <a:rPr lang="en-US"/>
-              <a:t>Second level</a:t>
-            </a:r>
-          </a:p>
-          <a:p>
-            <a:pPr lvl="2"/>
-            <a:r>
-              <a:rPr lang="en-US"/>
-              <a:t>Third level</a:t>
-            </a:r>
-          </a:p>
-          <a:p>
-            <a:pPr lvl="3"/>
-            <a:r>
-              <a:rPr lang="en-US"/>
-              <a:t>Fourth level</a:t>
-            </a:r>
-          </a:p>
-          <a:p>
-            <a:pPr lvl="4"/>
-            <a:r>
-              <a:rPr lang="en-US"/>
-              <a:t>Fifth level</a:t>
-            </a:r>
-          </a:p>
-        </p:txBody>
-      </p:sp>
-      <p:sp>
-        <p:nvSpPr>
-          <p:cNvPr id="4" name="Content Placeholder 3">
-            <a:extLst>
-              <a:ext uri="{FF2B5EF4-FFF2-40B4-BE49-F238E27FC236}">
-                <a16:creationId xmlns:a16="http://schemas.microsoft.com/office/drawing/2014/main" id="{959051D4-1717-4E27-97F6-C7A8795D4DA4}"/>
-              </a:ext>
-            </a:extLst>
-          </p:cNvPr>
-          <p:cNvSpPr>
-            <a:spLocks noGrp="1"/>
-          </p:cNvSpPr>
-          <p:nvPr>
-            <p:ph sz="half" idx="2"/>
-          </p:nvPr>
-        </p:nvSpPr>
-        <p:spPr>
-          <a:xfrm>
-            <a:off x="6172200" y="1825625"/>
-            <a:ext cx="5181600" cy="4351338"/>
-          </a:xfrm>
-        </p:spPr>
-        <p:txBody>
-          <a:bodyPr/>
-          <a:lstStyle/>
-          <a:p>
-            <a:pPr lvl="0"/>
-            <a:r>
-              <a:rPr lang="en-US"/>
-              <a:t>Edit Master text styles</a:t>
-            </a:r>
-          </a:p>
-          <a:p>
-            <a:pPr lvl="1"/>
-            <a:r>
-              <a:rPr lang="en-US"/>
-              <a:t>Second level</a:t>
-            </a:r>
-          </a:p>
-          <a:p>
-            <a:pPr lvl="2"/>
-            <a:r>
-              <a:rPr lang="en-US"/>
-              <a:t>Third level</a:t>
-            </a:r>
-          </a:p>
-          <a:p>
-            <a:pPr lvl="3"/>
-            <a:r>
-              <a:rPr lang="en-US"/>
-              <a:t>Fourth level</a:t>
-            </a:r>
-          </a:p>
-          <a:p>
-            <a:pPr lvl="4"/>
-            <a:r>
-              <a:rPr lang="en-US"/>
-              <a:t>Fifth level</a:t>
-            </a:r>
-          </a:p>
-        </p:txBody>
-      </p:sp>
-      <p:sp>
-        <p:nvSpPr>
-          <p:cNvPr id="5" name="Date Placeholder 4">
-            <a:extLst>
-              <a:ext uri="{FF2B5EF4-FFF2-40B4-BE49-F238E27FC236}">
-                <a16:creationId xmlns:a16="http://schemas.microsoft.com/office/drawing/2014/main" id="{25891214-0042-4D0D-9DDD-8F0A712B1C94}"/>
-              </a:ext>
-            </a:extLst>
-          </p:cNvPr>
-          <p:cNvSpPr>
-            <a:spLocks noGrp="1"/>
-          </p:cNvSpPr>
-          <p:nvPr>
-            <p:ph type="dt" sz="half" idx="10"/>
-          </p:nvPr>
-        </p:nvSpPr>
-        <p:spPr/>
-        <p:txBody>
-          <a:bodyPr/>
-          <a:lstStyle/>
-          <a:p>
-            <a:fld id="{B5D86D52-4857-4668-9EB7-B41E21252CF7}" type="datetimeFigureOut">
-              <a:rPr lang="en-US" smtClean="0"/>
-              <a:t>10/12/2018</a:t>
-            </a:fld>
-            <a:endParaRPr lang="en-US"/>
-          </a:p>
-        </p:txBody>
-      </p:sp>
-      <p:sp>
-        <p:nvSpPr>
-          <p:cNvPr id="6" name="Footer Placeholder 5">
-            <a:extLst>
-              <a:ext uri="{FF2B5EF4-FFF2-40B4-BE49-F238E27FC236}">
-                <a16:creationId xmlns:a16="http://schemas.microsoft.com/office/drawing/2014/main" id="{C64C7B05-5CCD-41ED-82A4-EA174FFACC66}"/>
-              </a:ext>
-            </a:extLst>
-          </p:cNvPr>
-          <p:cNvSpPr>
-            <a:spLocks noGrp="1"/>
-          </p:cNvSpPr>
-          <p:nvPr>
-            <p:ph type="ftr" sz="quarter" idx="11"/>
-          </p:nvPr>
-        </p:nvSpPr>
-        <p:spPr/>
-        <p:txBody>
-          <a:bodyPr/>
-          <a:lstStyle/>
-          <a:p>
-            <a:endParaRPr lang="en-US"/>
-          </a:p>
-        </p:txBody>
-      </p:sp>
-      <p:sp>
-        <p:nvSpPr>
-          <p:cNvPr id="7" name="Slide Number Placeholder 6">
-            <a:extLst>
-              <a:ext uri="{FF2B5EF4-FFF2-40B4-BE49-F238E27FC236}">
-                <a16:creationId xmlns:a16="http://schemas.microsoft.com/office/drawing/2014/main" id="{C8F003C4-D149-4D0D-9E40-B1AD9551B59D}"/>
-              </a:ext>
-            </a:extLst>
-          </p:cNvPr>
-          <p:cNvSpPr>
-            <a:spLocks noGrp="1"/>
-          </p:cNvSpPr>
-          <p:nvPr>
-            <p:ph type="sldNum" sz="quarter" idx="12"/>
-          </p:nvPr>
-        </p:nvSpPr>
-        <p:spPr/>
-        <p:txBody>
-          <a:bodyPr/>
-          <a:lstStyle/>
-          <a:p>
-            <a:fld id="{A9542AAE-06E7-470D-90C2-2FB1D417B3DE}" type="slidenum">
-              <a:rPr lang="en-US" smtClean="0"/>
-              <a:t>‹#›</a:t>
-            </a:fld>
-            <a:endParaRPr lang="en-US"/>
-          </a:p>
-        </p:txBody>
-      </p:sp>
-    </p:spTree>
-    <p:extLst>
-      <p:ext uri="{BB962C8B-B14F-4D97-AF65-F5344CB8AC3E}">
-        <p14:creationId xmlns:p14="http://schemas.microsoft.com/office/powerpoint/2010/main" val="4093024564"/>
-      </p:ext>
-    </p:extLst>
-  </p:cSld>
-  <p:clrMapOvr>
-    <a:masterClrMapping/>
-  </p:clrMapOvr>
-</p:sldLayout>
-</file>
-
-<file path=ppt/slideLayouts/slideLayout5.xml><?xml version="1.0" encoding="utf-8"?>
-<p:sldLayout xmlns:a="http://schemas.openxmlformats.org/drawingml/2006/main" xmlns:r="http://schemas.openxmlformats.org/officeDocument/2006/relationships" xmlns:p="http://schemas.openxmlformats.org/presentationml/2006/main" type="twoTxTwoObj" preserve="1">
-  <p:cSld name="Comparison">
-    <p:spTree>
-      <p:nvGrpSpPr>
-        <p:cNvPr id="1" name=""/>
-        <p:cNvGrpSpPr/>
-        <p:nvPr/>
-      </p:nvGrpSpPr>
-      <p:grpSpPr>
-        <a:xfrm>
-          <a:off x="0" y="0"/>
-          <a:ext cx="0" cy="0"/>
-          <a:chOff x="0" y="0"/>
-          <a:chExt cx="0" cy="0"/>
-        </a:xfrm>
-      </p:grpSpPr>
-      <p:sp>
-        <p:nvSpPr>
-          <p:cNvPr id="2" name="Title 1">
-            <a:extLst>
-              <a:ext uri="{FF2B5EF4-FFF2-40B4-BE49-F238E27FC236}">
-                <a16:creationId xmlns:a16="http://schemas.microsoft.com/office/drawing/2014/main" id="{D0D0ABC2-3C95-495F-8666-38CDA7E145A9}"/>
-              </a:ext>
-            </a:extLst>
-          </p:cNvPr>
-          <p:cNvSpPr>
-            <a:spLocks noGrp="1"/>
-          </p:cNvSpPr>
-          <p:nvPr>
-            <p:ph type="title"/>
-          </p:nvPr>
-        </p:nvSpPr>
-        <p:spPr>
-          <a:xfrm>
-            <a:off x="839788" y="365125"/>
-            <a:ext cx="10515600" cy="1325563"/>
-          </a:xfrm>
-        </p:spPr>
-        <p:txBody>
-          <a:bodyPr/>
-          <a:lstStyle/>
-          <a:p>
-            <a:r>
-              <a:rPr lang="en-US"/>
-              <a:t>Click to edit Master title style</a:t>
-            </a:r>
-          </a:p>
-        </p:txBody>
-      </p:sp>
-      <p:sp>
-        <p:nvSpPr>
-          <p:cNvPr id="3" name="Text Placeholder 2">
-            <a:extLst>
-              <a:ext uri="{FF2B5EF4-FFF2-40B4-BE49-F238E27FC236}">
-                <a16:creationId xmlns:a16="http://schemas.microsoft.com/office/drawing/2014/main" id="{CE745E9D-33C9-4AE0-83BE-16FB44D608A9}"/>
-              </a:ext>
-            </a:extLst>
-          </p:cNvPr>
-          <p:cNvSpPr>
-            <a:spLocks noGrp="1"/>
-          </p:cNvSpPr>
-          <p:nvPr>
-            <p:ph type="body" idx="1"/>
-          </p:nvPr>
-        </p:nvSpPr>
-        <p:spPr>
-          <a:xfrm>
-            <a:off x="839788" y="1681163"/>
-            <a:ext cx="5157787" cy="823912"/>
-          </a:xfrm>
-        </p:spPr>
-        <p:txBody>
-          <a:bodyPr anchor="b"/>
-          <a:lstStyle>
-            <a:lvl1pPr marL="0" indent="0">
-              <a:buNone/>
-              <a:defRPr sz="2400" b="1"/>
-            </a:lvl1pPr>
-            <a:lvl2pPr marL="457200" indent="0">
-              <a:buNone/>
-              <a:defRPr sz="2000" b="1"/>
-            </a:lvl2pPr>
-            <a:lvl3pPr marL="914400" indent="0">
-              <a:buNone/>
-              <a:defRPr sz="1800" b="1"/>
-            </a:lvl3pPr>
-            <a:lvl4pPr marL="1371600" indent="0">
-              <a:buNone/>
-              <a:defRPr sz="1600" b="1"/>
-            </a:lvl4pPr>
-            <a:lvl5pPr marL="1828800" indent="0">
-              <a:buNone/>
-              <a:defRPr sz="1600" b="1"/>
-            </a:lvl5pPr>
-            <a:lvl6pPr marL="2286000" indent="0">
-              <a:buNone/>
-              <a:defRPr sz="1600" b="1"/>
-            </a:lvl6pPr>
-            <a:lvl7pPr marL="2743200" indent="0">
-              <a:buNone/>
-              <a:defRPr sz="1600" b="1"/>
-            </a:lvl7pPr>
-            <a:lvl8pPr marL="3200400" indent="0">
-              <a:buNone/>
-              <a:defRPr sz="1600" b="1"/>
-            </a:lvl8pPr>
-            <a:lvl9pPr marL="3657600" indent="0">
-              <a:buNone/>
-              <a:defRPr sz="1600" b="1"/>
-            </a:lvl9pPr>
-          </a:lstStyle>
-          <a:p>
-            <a:pPr lvl="0"/>
-            <a:r>
-              <a:rPr lang="en-US"/>
-              <a:t>Edit Master text styles</a:t>
-            </a:r>
-          </a:p>
-        </p:txBody>
-      </p:sp>
-      <p:sp>
-        <p:nvSpPr>
-          <p:cNvPr id="4" name="Content Placeholder 3">
-            <a:extLst>
-              <a:ext uri="{FF2B5EF4-FFF2-40B4-BE49-F238E27FC236}">
-                <a16:creationId xmlns:a16="http://schemas.microsoft.com/office/drawing/2014/main" id="{83D4531B-055F-4D7A-861D-1CCA8ED615BD}"/>
-              </a:ext>
-            </a:extLst>
-          </p:cNvPr>
-          <p:cNvSpPr>
-            <a:spLocks noGrp="1"/>
-          </p:cNvSpPr>
-          <p:nvPr>
-            <p:ph sz="half" idx="2"/>
-          </p:nvPr>
-        </p:nvSpPr>
-        <p:spPr>
-          <a:xfrm>
-            <a:off x="839788" y="2505075"/>
-            <a:ext cx="5157787" cy="3684588"/>
-          </a:xfrm>
-        </p:spPr>
-        <p:txBody>
-          <a:bodyPr/>
-          <a:lstStyle/>
-          <a:p>
-            <a:pPr lvl="0"/>
-            <a:r>
-              <a:rPr lang="en-US"/>
-              <a:t>Edit Master text styles</a:t>
-            </a:r>
-          </a:p>
-          <a:p>
-            <a:pPr lvl="1"/>
-            <a:r>
-              <a:rPr lang="en-US"/>
-              <a:t>Second level</a:t>
-            </a:r>
-          </a:p>
-          <a:p>
-            <a:pPr lvl="2"/>
-            <a:r>
-              <a:rPr lang="en-US"/>
-              <a:t>Third level</a:t>
-            </a:r>
-          </a:p>
-          <a:p>
-            <a:pPr lvl="3"/>
-            <a:r>
-              <a:rPr lang="en-US"/>
-              <a:t>Fourth level</a:t>
-            </a:r>
-          </a:p>
-          <a:p>
-            <a:pPr lvl="4"/>
-            <a:r>
-              <a:rPr lang="en-US"/>
-              <a:t>Fifth level</a:t>
-            </a:r>
-          </a:p>
-        </p:txBody>
-      </p:sp>
-      <p:sp>
-        <p:nvSpPr>
-          <p:cNvPr id="5" name="Text Placeholder 4">
-            <a:extLst>
-              <a:ext uri="{FF2B5EF4-FFF2-40B4-BE49-F238E27FC236}">
-                <a16:creationId xmlns:a16="http://schemas.microsoft.com/office/drawing/2014/main" id="{A42A1990-957A-4E67-8A79-F1DB04D4A377}"/>
-              </a:ext>
-            </a:extLst>
-          </p:cNvPr>
-          <p:cNvSpPr>
-            <a:spLocks noGrp="1"/>
-          </p:cNvSpPr>
-          <p:nvPr>
-            <p:ph type="body" sz="quarter" idx="3"/>
-          </p:nvPr>
-        </p:nvSpPr>
-        <p:spPr>
-          <a:xfrm>
-            <a:off x="6172200" y="1681163"/>
-            <a:ext cx="5183188" cy="823912"/>
-          </a:xfrm>
-        </p:spPr>
-        <p:txBody>
-          <a:bodyPr anchor="b"/>
-          <a:lstStyle>
-            <a:lvl1pPr marL="0" indent="0">
-              <a:buNone/>
-              <a:defRPr sz="2400" b="1"/>
-            </a:lvl1pPr>
-            <a:lvl2pPr marL="457200" indent="0">
-              <a:buNone/>
-              <a:defRPr sz="2000" b="1"/>
-            </a:lvl2pPr>
-            <a:lvl3pPr marL="914400" indent="0">
-              <a:buNone/>
-              <a:defRPr sz="1800" b="1"/>
-            </a:lvl3pPr>
-            <a:lvl4pPr marL="1371600" indent="0">
-              <a:buNone/>
-              <a:defRPr sz="1600" b="1"/>
-            </a:lvl4pPr>
-            <a:lvl5pPr marL="1828800" indent="0">
-              <a:buNone/>
-              <a:defRPr sz="1600" b="1"/>
-            </a:lvl5pPr>
-            <a:lvl6pPr marL="2286000" indent="0">
-              <a:buNone/>
-              <a:defRPr sz="1600" b="1"/>
-            </a:lvl6pPr>
-            <a:lvl7pPr marL="2743200" indent="0">
-              <a:buNone/>
-              <a:defRPr sz="1600" b="1"/>
-            </a:lvl7pPr>
-            <a:lvl8pPr marL="3200400" indent="0">
-              <a:buNone/>
-              <a:defRPr sz="1600" b="1"/>
-            </a:lvl8pPr>
-            <a:lvl9pPr marL="3657600" indent="0">
-              <a:buNone/>
-              <a:defRPr sz="1600" b="1"/>
-            </a:lvl9pPr>
-          </a:lstStyle>
-          <a:p>
-            <a:pPr lvl="0"/>
-            <a:r>
-              <a:rPr lang="en-US"/>
-              <a:t>Edit Master text styles</a:t>
-            </a:r>
-          </a:p>
-        </p:txBody>
-      </p:sp>
-      <p:sp>
-        <p:nvSpPr>
-          <p:cNvPr id="6" name="Content Placeholder 5">
-            <a:extLst>
-              <a:ext uri="{FF2B5EF4-FFF2-40B4-BE49-F238E27FC236}">
-                <a16:creationId xmlns:a16="http://schemas.microsoft.com/office/drawing/2014/main" id="{D9319736-9954-499C-833D-B80E14332888}"/>
-              </a:ext>
-            </a:extLst>
-          </p:cNvPr>
-          <p:cNvSpPr>
-            <a:spLocks noGrp="1"/>
-          </p:cNvSpPr>
-          <p:nvPr>
-            <p:ph sz="quarter" idx="4"/>
-          </p:nvPr>
-        </p:nvSpPr>
-        <p:spPr>
-          <a:xfrm>
-            <a:off x="6172200" y="2505075"/>
-            <a:ext cx="5183188" cy="3684588"/>
-          </a:xfrm>
-        </p:spPr>
-        <p:txBody>
-          <a:bodyPr/>
-          <a:lstStyle/>
-          <a:p>
-            <a:pPr lvl="0"/>
-            <a:r>
-              <a:rPr lang="en-US"/>
-              <a:t>Edit Master text styles</a:t>
-            </a:r>
-          </a:p>
-          <a:p>
-            <a:pPr lvl="1"/>
-            <a:r>
-              <a:rPr lang="en-US"/>
-              <a:t>Second level</a:t>
-            </a:r>
-          </a:p>
-          <a:p>
-            <a:pPr lvl="2"/>
-            <a:r>
-              <a:rPr lang="en-US"/>
-              <a:t>Third level</a:t>
-            </a:r>
-          </a:p>
-          <a:p>
-            <a:pPr lvl="3"/>
-            <a:r>
-              <a:rPr lang="en-US"/>
-              <a:t>Fourth level</a:t>
-            </a:r>
-          </a:p>
-          <a:p>
-            <a:pPr lvl="4"/>
-            <a:r>
-              <a:rPr lang="en-US"/>
-              <a:t>Fifth level</a:t>
-            </a:r>
-          </a:p>
-        </p:txBody>
-      </p:sp>
-      <p:sp>
-        <p:nvSpPr>
-          <p:cNvPr id="7" name="Date Placeholder 6">
-            <a:extLst>
-              <a:ext uri="{FF2B5EF4-FFF2-40B4-BE49-F238E27FC236}">
-                <a16:creationId xmlns:a16="http://schemas.microsoft.com/office/drawing/2014/main" id="{337DF96D-3B9F-463B-A5F0-9854F458F2AF}"/>
-              </a:ext>
-            </a:extLst>
-          </p:cNvPr>
-          <p:cNvSpPr>
-            <a:spLocks noGrp="1"/>
-          </p:cNvSpPr>
-          <p:nvPr>
-            <p:ph type="dt" sz="half" idx="10"/>
-          </p:nvPr>
-        </p:nvSpPr>
-        <p:spPr/>
-        <p:txBody>
-          <a:bodyPr/>
-          <a:lstStyle/>
-          <a:p>
-            <a:fld id="{B5D86D52-4857-4668-9EB7-B41E21252CF7}" type="datetimeFigureOut">
-              <a:rPr lang="en-US" smtClean="0"/>
-              <a:t>10/12/2018</a:t>
-            </a:fld>
-            <a:endParaRPr lang="en-US"/>
-          </a:p>
-        </p:txBody>
-      </p:sp>
-      <p:sp>
-        <p:nvSpPr>
-          <p:cNvPr id="8" name="Footer Placeholder 7">
-            <a:extLst>
-              <a:ext uri="{FF2B5EF4-FFF2-40B4-BE49-F238E27FC236}">
-                <a16:creationId xmlns:a16="http://schemas.microsoft.com/office/drawing/2014/main" id="{8802AB6D-CD75-4EFA-A193-0B33C772DF47}"/>
-              </a:ext>
-            </a:extLst>
-          </p:cNvPr>
-          <p:cNvSpPr>
-            <a:spLocks noGrp="1"/>
-          </p:cNvSpPr>
-          <p:nvPr>
-            <p:ph type="ftr" sz="quarter" idx="11"/>
-          </p:nvPr>
-        </p:nvSpPr>
-        <p:spPr/>
-        <p:txBody>
-          <a:bodyPr/>
-          <a:lstStyle/>
-          <a:p>
-            <a:endParaRPr lang="en-US"/>
-          </a:p>
-        </p:txBody>
-      </p:sp>
-      <p:sp>
-        <p:nvSpPr>
-          <p:cNvPr id="9" name="Slide Number Placeholder 8">
-            <a:extLst>
-              <a:ext uri="{FF2B5EF4-FFF2-40B4-BE49-F238E27FC236}">
-                <a16:creationId xmlns:a16="http://schemas.microsoft.com/office/drawing/2014/main" id="{3C6616D0-8475-4237-A95E-3BB3727852DD}"/>
-              </a:ext>
-            </a:extLst>
-          </p:cNvPr>
-          <p:cNvSpPr>
-            <a:spLocks noGrp="1"/>
-          </p:cNvSpPr>
-          <p:nvPr>
-            <p:ph type="sldNum" sz="quarter" idx="12"/>
-          </p:nvPr>
-        </p:nvSpPr>
-        <p:spPr/>
-        <p:txBody>
-          <a:bodyPr/>
-          <a:lstStyle/>
-          <a:p>
-            <a:fld id="{A9542AAE-06E7-470D-90C2-2FB1D417B3DE}" type="slidenum">
-              <a:rPr lang="en-US" smtClean="0"/>
-              <a:t>‹#›</a:t>
-            </a:fld>
-            <a:endParaRPr lang="en-US"/>
-          </a:p>
-        </p:txBody>
-      </p:sp>
-    </p:spTree>
-    <p:extLst>
-      <p:ext uri="{BB962C8B-B14F-4D97-AF65-F5344CB8AC3E}">
-        <p14:creationId xmlns:p14="http://schemas.microsoft.com/office/powerpoint/2010/main" val="3081107386"/>
-      </p:ext>
-    </p:extLst>
-  </p:cSld>
-  <p:clrMapOvr>
-    <a:masterClrMapping/>
-  </p:clrMapOvr>
-</p:sldLayout>
-</file>
-
-<file path=ppt/slideLayouts/slideLayout6.xml><?xml version="1.0" encoding="utf-8"?>
-<p:sldLayout xmlns:a="http://schemas.openxmlformats.org/drawingml/2006/main" xmlns:r="http://schemas.openxmlformats.org/officeDocument/2006/relationships" xmlns:p="http://schemas.openxmlformats.org/presentationml/2006/main" type="titleOnly" preserve="1">
-  <p:cSld name="Title Only">
-    <p:spTree>
-      <p:nvGrpSpPr>
-        <p:cNvPr id="1" name=""/>
-        <p:cNvGrpSpPr/>
-        <p:nvPr/>
-      </p:nvGrpSpPr>
-      <p:grpSpPr>
-        <a:xfrm>
-          <a:off x="0" y="0"/>
-          <a:ext cx="0" cy="0"/>
-          <a:chOff x="0" y="0"/>
-          <a:chExt cx="0" cy="0"/>
-        </a:xfrm>
-      </p:grpSpPr>
-      <p:sp>
-        <p:nvSpPr>
-          <p:cNvPr id="2" name="Title 1">
-            <a:extLst>
-              <a:ext uri="{FF2B5EF4-FFF2-40B4-BE49-F238E27FC236}">
-                <a16:creationId xmlns:a16="http://schemas.microsoft.com/office/drawing/2014/main" id="{475BAC91-DA49-4771-946E-46775E1DA684}"/>
-              </a:ext>
-            </a:extLst>
-          </p:cNvPr>
-          <p:cNvSpPr>
-            <a:spLocks noGrp="1"/>
-          </p:cNvSpPr>
-          <p:nvPr>
-            <p:ph type="title"/>
-          </p:nvPr>
-        </p:nvSpPr>
-        <p:spPr/>
-        <p:txBody>
-          <a:bodyPr/>
-          <a:lstStyle/>
-          <a:p>
-            <a:r>
-              <a:rPr lang="en-US"/>
-              <a:t>Click to edit Master title style</a:t>
-            </a:r>
-          </a:p>
-        </p:txBody>
-      </p:sp>
-      <p:sp>
-        <p:nvSpPr>
-          <p:cNvPr id="3" name="Date Placeholder 2">
-            <a:extLst>
-              <a:ext uri="{FF2B5EF4-FFF2-40B4-BE49-F238E27FC236}">
-                <a16:creationId xmlns:a16="http://schemas.microsoft.com/office/drawing/2014/main" id="{1C45BAD3-F9C3-4B6E-964D-113E7C189648}"/>
-              </a:ext>
-            </a:extLst>
-          </p:cNvPr>
-          <p:cNvSpPr>
-            <a:spLocks noGrp="1"/>
-          </p:cNvSpPr>
-          <p:nvPr>
-            <p:ph type="dt" sz="half" idx="10"/>
-          </p:nvPr>
-        </p:nvSpPr>
-        <p:spPr/>
-        <p:txBody>
-          <a:bodyPr/>
-          <a:lstStyle/>
-          <a:p>
-            <a:fld id="{B5D86D52-4857-4668-9EB7-B41E21252CF7}" type="datetimeFigureOut">
-              <a:rPr lang="en-US" smtClean="0"/>
-              <a:t>10/12/2018</a:t>
-            </a:fld>
-            <a:endParaRPr lang="en-US"/>
-          </a:p>
-        </p:txBody>
-      </p:sp>
-      <p:sp>
-        <p:nvSpPr>
-          <p:cNvPr id="4" name="Footer Placeholder 3">
-            <a:extLst>
-              <a:ext uri="{FF2B5EF4-FFF2-40B4-BE49-F238E27FC236}">
-                <a16:creationId xmlns:a16="http://schemas.microsoft.com/office/drawing/2014/main" id="{94C06BA4-CB95-49B0-A9C0-476E7C7CD458}"/>
-              </a:ext>
-            </a:extLst>
-          </p:cNvPr>
-          <p:cNvSpPr>
-            <a:spLocks noGrp="1"/>
-          </p:cNvSpPr>
-          <p:nvPr>
-            <p:ph type="ftr" sz="quarter" idx="11"/>
-          </p:nvPr>
-        </p:nvSpPr>
-        <p:spPr/>
-        <p:txBody>
-          <a:bodyPr/>
-          <a:lstStyle/>
-          <a:p>
-            <a:endParaRPr lang="en-US"/>
-          </a:p>
-        </p:txBody>
-      </p:sp>
-      <p:sp>
-        <p:nvSpPr>
-          <p:cNvPr id="5" name="Slide Number Placeholder 4">
-            <a:extLst>
-              <a:ext uri="{FF2B5EF4-FFF2-40B4-BE49-F238E27FC236}">
-                <a16:creationId xmlns:a16="http://schemas.microsoft.com/office/drawing/2014/main" id="{F67A450B-373D-4A94-BD43-56784748C978}"/>
-              </a:ext>
-            </a:extLst>
-          </p:cNvPr>
-          <p:cNvSpPr>
-            <a:spLocks noGrp="1"/>
-          </p:cNvSpPr>
-          <p:nvPr>
-            <p:ph type="sldNum" sz="quarter" idx="12"/>
-          </p:nvPr>
-        </p:nvSpPr>
-        <p:spPr/>
-        <p:txBody>
-          <a:bodyPr/>
-          <a:lstStyle/>
-          <a:p>
-            <a:fld id="{A9542AAE-06E7-470D-90C2-2FB1D417B3DE}" type="slidenum">
-              <a:rPr lang="en-US" smtClean="0"/>
-              <a:t>‹#›</a:t>
-            </a:fld>
-            <a:endParaRPr lang="en-US"/>
-          </a:p>
-        </p:txBody>
-      </p:sp>
-    </p:spTree>
-    <p:extLst>
-      <p:ext uri="{BB962C8B-B14F-4D97-AF65-F5344CB8AC3E}">
-        <p14:creationId xmlns:p14="http://schemas.microsoft.com/office/powerpoint/2010/main" val="1409491347"/>
-      </p:ext>
-    </p:extLst>
-  </p:cSld>
-  <p:clrMapOvr>
-    <a:masterClrMapping/>
-  </p:clrMapOvr>
-</p:sldLayout>
-</file>
-
-<file path=ppt/slideLayouts/slideLayout7.xml><?xml version="1.0" encoding="utf-8"?>
-<p:sldLayout xmlns:a="http://schemas.openxmlformats.org/drawingml/2006/main" xmlns:r="http://schemas.openxmlformats.org/officeDocument/2006/relationships" xmlns:p="http://schemas.openxmlformats.org/presentationml/2006/main" type="blank" preserve="1">
-  <p:cSld name="Blank">
-    <p:spTree>
-      <p:nvGrpSpPr>
-        <p:cNvPr id="1" name=""/>
-        <p:cNvGrpSpPr/>
-        <p:nvPr/>
-      </p:nvGrpSpPr>
-      <p:grpSpPr>
-        <a:xfrm>
-          <a:off x="0" y="0"/>
-          <a:ext cx="0" cy="0"/>
-          <a:chOff x="0" y="0"/>
-          <a:chExt cx="0" cy="0"/>
-        </a:xfrm>
-      </p:grpSpPr>
-      <p:sp>
-        <p:nvSpPr>
-          <p:cNvPr id="2" name="Date Placeholder 1">
-            <a:extLst>
-              <a:ext uri="{FF2B5EF4-FFF2-40B4-BE49-F238E27FC236}">
-                <a16:creationId xmlns:a16="http://schemas.microsoft.com/office/drawing/2014/main" id="{C0CD9423-4A57-4694-BBAF-FA425D3BA04B}"/>
-              </a:ext>
-            </a:extLst>
-          </p:cNvPr>
-          <p:cNvSpPr>
-            <a:spLocks noGrp="1"/>
-          </p:cNvSpPr>
-          <p:nvPr>
-            <p:ph type="dt" sz="half" idx="10"/>
-          </p:nvPr>
-        </p:nvSpPr>
-        <p:spPr/>
-        <p:txBody>
-          <a:bodyPr/>
-          <a:lstStyle/>
-          <a:p>
-            <a:fld id="{B5D86D52-4857-4668-9EB7-B41E21252CF7}" type="datetimeFigureOut">
-              <a:rPr lang="en-US" smtClean="0"/>
-              <a:t>10/12/2018</a:t>
-            </a:fld>
-            <a:endParaRPr lang="en-US"/>
-          </a:p>
-        </p:txBody>
-      </p:sp>
-      <p:sp>
-        <p:nvSpPr>
-          <p:cNvPr id="3" name="Footer Placeholder 2">
-            <a:extLst>
-              <a:ext uri="{FF2B5EF4-FFF2-40B4-BE49-F238E27FC236}">
-                <a16:creationId xmlns:a16="http://schemas.microsoft.com/office/drawing/2014/main" id="{8C6A4124-052F-4B11-AA63-5AC8BA5864D8}"/>
-              </a:ext>
-            </a:extLst>
-          </p:cNvPr>
-          <p:cNvSpPr>
-            <a:spLocks noGrp="1"/>
-          </p:cNvSpPr>
-          <p:nvPr>
-            <p:ph type="ftr" sz="quarter" idx="11"/>
-          </p:nvPr>
-        </p:nvSpPr>
-        <p:spPr/>
-        <p:txBody>
-          <a:bodyPr/>
-          <a:lstStyle/>
-          <a:p>
-            <a:endParaRPr lang="en-US"/>
-          </a:p>
-        </p:txBody>
-      </p:sp>
-      <p:sp>
-        <p:nvSpPr>
-          <p:cNvPr id="4" name="Slide Number Placeholder 3">
-            <a:extLst>
-              <a:ext uri="{FF2B5EF4-FFF2-40B4-BE49-F238E27FC236}">
-                <a16:creationId xmlns:a16="http://schemas.microsoft.com/office/drawing/2014/main" id="{B6548BE6-6126-4E47-94FD-5D4B2474D426}"/>
-              </a:ext>
-            </a:extLst>
-          </p:cNvPr>
-          <p:cNvSpPr>
-            <a:spLocks noGrp="1"/>
-          </p:cNvSpPr>
-          <p:nvPr>
-            <p:ph type="sldNum" sz="quarter" idx="12"/>
-          </p:nvPr>
-        </p:nvSpPr>
-        <p:spPr/>
-        <p:txBody>
-          <a:bodyPr/>
-          <a:lstStyle/>
-          <a:p>
-            <a:fld id="{A9542AAE-06E7-470D-90C2-2FB1D417B3DE}" type="slidenum">
-              <a:rPr lang="en-US" smtClean="0"/>
-              <a:t>‹#›</a:t>
-            </a:fld>
-            <a:endParaRPr lang="en-US"/>
-          </a:p>
-        </p:txBody>
-      </p:sp>
-    </p:spTree>
-    <p:extLst>
-      <p:ext uri="{BB962C8B-B14F-4D97-AF65-F5344CB8AC3E}">
-        <p14:creationId xmlns:p14="http://schemas.microsoft.com/office/powerpoint/2010/main" val="35854030"/>
-      </p:ext>
-    </p:extLst>
-  </p:cSld>
-  <p:clrMapOvr>
-    <a:masterClrMapping/>
-  </p:clrMapOvr>
-</p:sldLayout>
-</file>
-
-<file path=ppt/slideLayouts/slideLayout8.xml><?xml version="1.0" encoding="utf-8"?>
-<p:sldLayout xmlns:a="http://schemas.openxmlformats.org/drawingml/2006/main" xmlns:r="http://schemas.openxmlformats.org/officeDocument/2006/relationships" xmlns:p="http://schemas.openxmlformats.org/presentationml/2006/main" type="objTx" preserve="1">
-  <p:cSld name="Content with Caption">
-    <p:spTree>
-      <p:nvGrpSpPr>
-        <p:cNvPr id="1" name=""/>
-        <p:cNvGrpSpPr/>
-        <p:nvPr/>
-      </p:nvGrpSpPr>
-      <p:grpSpPr>
-        <a:xfrm>
-          <a:off x="0" y="0"/>
-          <a:ext cx="0" cy="0"/>
-          <a:chOff x="0" y="0"/>
-          <a:chExt cx="0" cy="0"/>
-        </a:xfrm>
-      </p:grpSpPr>
-      <p:sp>
-        <p:nvSpPr>
-          <p:cNvPr id="2" name="Title 1">
-            <a:extLst>
-              <a:ext uri="{FF2B5EF4-FFF2-40B4-BE49-F238E27FC236}">
-                <a16:creationId xmlns:a16="http://schemas.microsoft.com/office/drawing/2014/main" id="{78E1EBBF-1F95-46A0-A719-B5510C4EB281}"/>
-              </a:ext>
-            </a:extLst>
-          </p:cNvPr>
-          <p:cNvSpPr>
-            <a:spLocks noGrp="1"/>
-          </p:cNvSpPr>
-          <p:nvPr>
-            <p:ph type="title"/>
-          </p:nvPr>
-        </p:nvSpPr>
-        <p:spPr>
-          <a:xfrm>
-            <a:off x="839788" y="457200"/>
-            <a:ext cx="3932237" cy="1600200"/>
-          </a:xfrm>
-        </p:spPr>
-        <p:txBody>
-          <a:bodyPr anchor="b"/>
-          <a:lstStyle>
-            <a:lvl1pPr>
-              <a:defRPr sz="3200"/>
-            </a:lvl1pPr>
-          </a:lstStyle>
-          <a:p>
-            <a:r>
-              <a:rPr lang="en-US"/>
-              <a:t>Click to edit Master title style</a:t>
-            </a:r>
-          </a:p>
-        </p:txBody>
-      </p:sp>
-      <p:sp>
-        <p:nvSpPr>
-          <p:cNvPr id="3" name="Content Placeholder 2">
-            <a:extLst>
-              <a:ext uri="{FF2B5EF4-FFF2-40B4-BE49-F238E27FC236}">
-                <a16:creationId xmlns:a16="http://schemas.microsoft.com/office/drawing/2014/main" id="{607B8433-F602-45AB-AE04-EEA127B73262}"/>
-              </a:ext>
-            </a:extLst>
-          </p:cNvPr>
-          <p:cNvSpPr>
-            <a:spLocks noGrp="1"/>
-          </p:cNvSpPr>
-          <p:nvPr>
-            <p:ph idx="1"/>
-          </p:nvPr>
-        </p:nvSpPr>
-        <p:spPr>
-          <a:xfrm>
-            <a:off x="5183188" y="987425"/>
-            <a:ext cx="6172200" cy="4873625"/>
-          </a:xfrm>
-        </p:spPr>
-        <p:txBody>
-          <a:bodyPr/>
-          <a:lstStyle>
-            <a:lvl1pPr>
-              <a:defRPr sz="3200"/>
-            </a:lvl1pPr>
-            <a:lvl2pPr>
-              <a:defRPr sz="2800"/>
-            </a:lvl2pPr>
-            <a:lvl3pPr>
-              <a:defRPr sz="2400"/>
-            </a:lvl3pPr>
-            <a:lvl4pPr>
-              <a:defRPr sz="2000"/>
-            </a:lvl4pPr>
-            <a:lvl5pPr>
-              <a:defRPr sz="2000"/>
-            </a:lvl5pPr>
-            <a:lvl6pPr>
-              <a:defRPr sz="2000"/>
-            </a:lvl6pPr>
-            <a:lvl7pPr>
-              <a:defRPr sz="2000"/>
-            </a:lvl7pPr>
-            <a:lvl8pPr>
-              <a:defRPr sz="2000"/>
-            </a:lvl8pPr>
-            <a:lvl9pPr>
-              <a:defRPr sz="2000"/>
-            </a:lvl9pPr>
-          </a:lstStyle>
-          <a:p>
-            <a:pPr lvl="0"/>
-            <a:r>
-              <a:rPr lang="en-US"/>
-              <a:t>Edit Master text styles</a:t>
-            </a:r>
-          </a:p>
-          <a:p>
-            <a:pPr lvl="1"/>
-            <a:r>
-              <a:rPr lang="en-US"/>
-              <a:t>Second level</a:t>
-            </a:r>
-          </a:p>
-          <a:p>
-            <a:pPr lvl="2"/>
-            <a:r>
-              <a:rPr lang="en-US"/>
-              <a:t>Third level</a:t>
-            </a:r>
-          </a:p>
-          <a:p>
-            <a:pPr lvl="3"/>
-            <a:r>
-              <a:rPr lang="en-US"/>
-              <a:t>Fourth level</a:t>
-            </a:r>
-          </a:p>
-          <a:p>
-            <a:pPr lvl="4"/>
-            <a:r>
-              <a:rPr lang="en-US"/>
-              <a:t>Fifth level</a:t>
-            </a:r>
-          </a:p>
-        </p:txBody>
-      </p:sp>
-      <p:sp>
-        <p:nvSpPr>
-          <p:cNvPr id="4" name="Text Placeholder 3">
-            <a:extLst>
-              <a:ext uri="{FF2B5EF4-FFF2-40B4-BE49-F238E27FC236}">
-                <a16:creationId xmlns:a16="http://schemas.microsoft.com/office/drawing/2014/main" id="{A8B96607-1252-4AC6-9734-F1C77911E9BB}"/>
-              </a:ext>
-            </a:extLst>
-          </p:cNvPr>
-          <p:cNvSpPr>
-            <a:spLocks noGrp="1"/>
-          </p:cNvSpPr>
-          <p:nvPr>
-            <p:ph type="body" sz="half" idx="2"/>
-          </p:nvPr>
-        </p:nvSpPr>
-        <p:spPr>
-          <a:xfrm>
-            <a:off x="839788" y="2057400"/>
-            <a:ext cx="3932237" cy="3811588"/>
-          </a:xfrm>
-        </p:spPr>
-        <p:txBody>
-          <a:bodyPr/>
-          <a:lstStyle>
-            <a:lvl1pPr marL="0" indent="0">
-              <a:buNone/>
-              <a:defRPr sz="1600"/>
-            </a:lvl1pPr>
-            <a:lvl2pPr marL="457200" indent="0">
-              <a:buNone/>
-              <a:defRPr sz="1400"/>
-            </a:lvl2pPr>
-            <a:lvl3pPr marL="914400" indent="0">
-              <a:buNone/>
-              <a:defRPr sz="1200"/>
-            </a:lvl3pPr>
-            <a:lvl4pPr marL="1371600" indent="0">
-              <a:buNone/>
-              <a:defRPr sz="1000"/>
-            </a:lvl4pPr>
-            <a:lvl5pPr marL="1828800" indent="0">
-              <a:buNone/>
-              <a:defRPr sz="1000"/>
-            </a:lvl5pPr>
-            <a:lvl6pPr marL="2286000" indent="0">
-              <a:buNone/>
-              <a:defRPr sz="1000"/>
-            </a:lvl6pPr>
-            <a:lvl7pPr marL="2743200" indent="0">
-              <a:buNone/>
-              <a:defRPr sz="1000"/>
-            </a:lvl7pPr>
-            <a:lvl8pPr marL="3200400" indent="0">
-              <a:buNone/>
-              <a:defRPr sz="1000"/>
-            </a:lvl8pPr>
-            <a:lvl9pPr marL="3657600" indent="0">
-              <a:buNone/>
-              <a:defRPr sz="1000"/>
-            </a:lvl9pPr>
-          </a:lstStyle>
-          <a:p>
-            <a:pPr lvl="0"/>
-            <a:r>
-              <a:rPr lang="en-US"/>
-              <a:t>Edit Master text styles</a:t>
-            </a:r>
-          </a:p>
-        </p:txBody>
-      </p:sp>
-      <p:sp>
-        <p:nvSpPr>
-          <p:cNvPr id="5" name="Date Placeholder 4">
-            <a:extLst>
-              <a:ext uri="{FF2B5EF4-FFF2-40B4-BE49-F238E27FC236}">
-                <a16:creationId xmlns:a16="http://schemas.microsoft.com/office/drawing/2014/main" id="{E1601919-719F-4C66-847E-40CDCC670742}"/>
-              </a:ext>
-            </a:extLst>
-          </p:cNvPr>
-          <p:cNvSpPr>
-            <a:spLocks noGrp="1"/>
-          </p:cNvSpPr>
-          <p:nvPr>
-            <p:ph type="dt" sz="half" idx="10"/>
-          </p:nvPr>
-        </p:nvSpPr>
-        <p:spPr/>
-        <p:txBody>
-          <a:bodyPr/>
-          <a:lstStyle/>
-          <a:p>
-            <a:fld id="{B5D86D52-4857-4668-9EB7-B41E21252CF7}" type="datetimeFigureOut">
-              <a:rPr lang="en-US" smtClean="0"/>
-              <a:t>10/12/2018</a:t>
-            </a:fld>
-            <a:endParaRPr lang="en-US"/>
-          </a:p>
-        </p:txBody>
-      </p:sp>
-      <p:sp>
-        <p:nvSpPr>
-          <p:cNvPr id="6" name="Footer Placeholder 5">
-            <a:extLst>
-              <a:ext uri="{FF2B5EF4-FFF2-40B4-BE49-F238E27FC236}">
-                <a16:creationId xmlns:a16="http://schemas.microsoft.com/office/drawing/2014/main" id="{78405029-368B-4496-B3EF-5B42BBA8017D}"/>
-              </a:ext>
-            </a:extLst>
-          </p:cNvPr>
-          <p:cNvSpPr>
-            <a:spLocks noGrp="1"/>
-          </p:cNvSpPr>
-          <p:nvPr>
-            <p:ph type="ftr" sz="quarter" idx="11"/>
-          </p:nvPr>
-        </p:nvSpPr>
-        <p:spPr/>
-        <p:txBody>
-          <a:bodyPr/>
-          <a:lstStyle/>
-          <a:p>
-            <a:endParaRPr lang="en-US"/>
-          </a:p>
-        </p:txBody>
-      </p:sp>
-      <p:sp>
-        <p:nvSpPr>
-          <p:cNvPr id="7" name="Slide Number Placeholder 6">
-            <a:extLst>
-              <a:ext uri="{FF2B5EF4-FFF2-40B4-BE49-F238E27FC236}">
-                <a16:creationId xmlns:a16="http://schemas.microsoft.com/office/drawing/2014/main" id="{6E448800-ABA2-46E5-AA0B-C0593C6C2AAA}"/>
-              </a:ext>
-            </a:extLst>
-          </p:cNvPr>
-          <p:cNvSpPr>
-            <a:spLocks noGrp="1"/>
-          </p:cNvSpPr>
-          <p:nvPr>
-            <p:ph type="sldNum" sz="quarter" idx="12"/>
-          </p:nvPr>
-        </p:nvSpPr>
-        <p:spPr/>
-        <p:txBody>
-          <a:bodyPr/>
-          <a:lstStyle/>
-          <a:p>
-            <a:fld id="{A9542AAE-06E7-470D-90C2-2FB1D417B3DE}" type="slidenum">
-              <a:rPr lang="en-US" smtClean="0"/>
-              <a:t>‹#›</a:t>
-            </a:fld>
-            <a:endParaRPr lang="en-US"/>
-          </a:p>
-        </p:txBody>
-      </p:sp>
-    </p:spTree>
-    <p:extLst>
-      <p:ext uri="{BB962C8B-B14F-4D97-AF65-F5344CB8AC3E}">
-        <p14:creationId xmlns:p14="http://schemas.microsoft.com/office/powerpoint/2010/main" val="1338901046"/>
-      </p:ext>
-    </p:extLst>
-  </p:cSld>
-  <p:clrMapOvr>
-    <a:masterClrMapping/>
-  </p:clrMapOvr>
-</p:sldLayout>
-</file>
-
-<file path=ppt/slideLayouts/slideLayout9.xml><?xml version="1.0" encoding="utf-8"?>
-<p:sldLayout xmlns:a="http://schemas.openxmlformats.org/drawingml/2006/main" xmlns:r="http://schemas.openxmlformats.org/officeDocument/2006/relationships" xmlns:p="http://schemas.openxmlformats.org/presentationml/2006/main" type="picTx" preserve="1">
-  <p:cSld name="Picture with Caption">
-    <p:spTree>
-      <p:nvGrpSpPr>
-        <p:cNvPr id="1" name=""/>
-        <p:cNvGrpSpPr/>
-        <p:nvPr/>
-      </p:nvGrpSpPr>
-      <p:grpSpPr>
-        <a:xfrm>
-          <a:off x="0" y="0"/>
-          <a:ext cx="0" cy="0"/>
-          <a:chOff x="0" y="0"/>
-          <a:chExt cx="0" cy="0"/>
-        </a:xfrm>
-      </p:grpSpPr>
-      <p:sp>
-        <p:nvSpPr>
-          <p:cNvPr id="2" name="Title 1">
-            <a:extLst>
-              <a:ext uri="{FF2B5EF4-FFF2-40B4-BE49-F238E27FC236}">
-                <a16:creationId xmlns:a16="http://schemas.microsoft.com/office/drawing/2014/main" id="{0CA9A664-C4DD-45B8-895F-F4AE576B4754}"/>
-              </a:ext>
-            </a:extLst>
-          </p:cNvPr>
-          <p:cNvSpPr>
-            <a:spLocks noGrp="1"/>
-          </p:cNvSpPr>
-          <p:nvPr>
-            <p:ph type="title"/>
-          </p:nvPr>
-        </p:nvSpPr>
-        <p:spPr>
-          <a:xfrm>
-            <a:off x="839788" y="457200"/>
-            <a:ext cx="3932237" cy="1600200"/>
-          </a:xfrm>
-        </p:spPr>
-        <p:txBody>
-          <a:bodyPr anchor="b"/>
-          <a:lstStyle>
-            <a:lvl1pPr>
-              <a:defRPr sz="3200"/>
-            </a:lvl1pPr>
-          </a:lstStyle>
-          <a:p>
-            <a:r>
-              <a:rPr lang="en-US"/>
-              <a:t>Click to edit Master title style</a:t>
-            </a:r>
-          </a:p>
-        </p:txBody>
-      </p:sp>
-      <p:sp>
-        <p:nvSpPr>
-          <p:cNvPr id="3" name="Picture Placeholder 2">
-            <a:extLst>
-              <a:ext uri="{FF2B5EF4-FFF2-40B4-BE49-F238E27FC236}">
-                <a16:creationId xmlns:a16="http://schemas.microsoft.com/office/drawing/2014/main" id="{99C2BCD5-A163-448F-A63E-DB86A63271AE}"/>
-              </a:ext>
-            </a:extLst>
-          </p:cNvPr>
-          <p:cNvSpPr>
-            <a:spLocks noGrp="1"/>
-          </p:cNvSpPr>
-          <p:nvPr>
-            <p:ph type="pic" idx="1"/>
-          </p:nvPr>
-        </p:nvSpPr>
-        <p:spPr>
-          <a:xfrm>
-            <a:off x="5183188" y="987425"/>
-            <a:ext cx="6172200" cy="4873625"/>
-          </a:xfrm>
-        </p:spPr>
-        <p:txBody>
-          <a:bodyPr/>
-          <a:lstStyle>
-            <a:lvl1pPr marL="0" indent="0">
-              <a:buNone/>
-              <a:defRPr sz="3200"/>
-            </a:lvl1pPr>
-            <a:lvl2pPr marL="457200" indent="0">
-              <a:buNone/>
-              <a:defRPr sz="2800"/>
-            </a:lvl2pPr>
-            <a:lvl3pPr marL="914400" indent="0">
-              <a:buNone/>
-              <a:defRPr sz="2400"/>
-            </a:lvl3pPr>
-            <a:lvl4pPr marL="1371600" indent="0">
-              <a:buNone/>
-              <a:defRPr sz="2000"/>
-            </a:lvl4pPr>
-            <a:lvl5pPr marL="1828800" indent="0">
-              <a:buNone/>
-              <a:defRPr sz="2000"/>
-            </a:lvl5pPr>
-            <a:lvl6pPr marL="2286000" indent="0">
-              <a:buNone/>
-              <a:defRPr sz="2000"/>
-            </a:lvl6pPr>
-            <a:lvl7pPr marL="2743200" indent="0">
-              <a:buNone/>
-              <a:defRPr sz="2000"/>
-            </a:lvl7pPr>
-            <a:lvl8pPr marL="3200400" indent="0">
-              <a:buNone/>
-              <a:defRPr sz="2000"/>
-            </a:lvl8pPr>
-            <a:lvl9pPr marL="3657600" indent="0">
-              <a:buNone/>
-              <a:defRPr sz="2000"/>
-            </a:lvl9pPr>
-          </a:lstStyle>
-          <a:p>
-            <a:endParaRPr lang="en-US"/>
-          </a:p>
-        </p:txBody>
-      </p:sp>
-      <p:sp>
-        <p:nvSpPr>
-          <p:cNvPr id="4" name="Text Placeholder 3">
-            <a:extLst>
-              <a:ext uri="{FF2B5EF4-FFF2-40B4-BE49-F238E27FC236}">
-                <a16:creationId xmlns:a16="http://schemas.microsoft.com/office/drawing/2014/main" id="{A0AADA5C-974F-44F4-ADB5-2FDAAD0A1A2B}"/>
-              </a:ext>
-            </a:extLst>
-          </p:cNvPr>
-          <p:cNvSpPr>
-            <a:spLocks noGrp="1"/>
-          </p:cNvSpPr>
-          <p:nvPr>
-            <p:ph type="body" sz="half" idx="2"/>
-          </p:nvPr>
-        </p:nvSpPr>
-        <p:spPr>
-          <a:xfrm>
-            <a:off x="839788" y="2057400"/>
-            <a:ext cx="3932237" cy="3811588"/>
-          </a:xfrm>
-        </p:spPr>
-        <p:txBody>
-          <a:bodyPr/>
-          <a:lstStyle>
-            <a:lvl1pPr marL="0" indent="0">
-              <a:buNone/>
-              <a:defRPr sz="1600"/>
-            </a:lvl1pPr>
-            <a:lvl2pPr marL="457200" indent="0">
-              <a:buNone/>
-              <a:defRPr sz="1400"/>
-            </a:lvl2pPr>
-            <a:lvl3pPr marL="914400" indent="0">
-              <a:buNone/>
-              <a:defRPr sz="1200"/>
-            </a:lvl3pPr>
-            <a:lvl4pPr marL="1371600" indent="0">
-              <a:buNone/>
-              <a:defRPr sz="1000"/>
-            </a:lvl4pPr>
-            <a:lvl5pPr marL="1828800" indent="0">
-              <a:buNone/>
-              <a:defRPr sz="1000"/>
-            </a:lvl5pPr>
-            <a:lvl6pPr marL="2286000" indent="0">
-              <a:buNone/>
-              <a:defRPr sz="1000"/>
-            </a:lvl6pPr>
-            <a:lvl7pPr marL="2743200" indent="0">
-              <a:buNone/>
-              <a:defRPr sz="1000"/>
-            </a:lvl7pPr>
-            <a:lvl8pPr marL="3200400" indent="0">
-              <a:buNone/>
-              <a:defRPr sz="1000"/>
-            </a:lvl8pPr>
-            <a:lvl9pPr marL="3657600" indent="0">
-              <a:buNone/>
-              <a:defRPr sz="1000"/>
-            </a:lvl9pPr>
-          </a:lstStyle>
-          <a:p>
-            <a:pPr lvl="0"/>
-            <a:r>
-              <a:rPr lang="en-US"/>
               <a:t>Edit Master text styles</a:t>
             </a:r>
           </a:p>
@@ -10797,7 +8461,7 @@
           <a:p>
             <a:fld id="{B5D86D52-4857-4668-9EB7-B41E21252CF7}" type="datetimeFigureOut">
               <a:rPr lang="en-US" smtClean="0"/>
-              <a:t>10/12/2018</a:t>
+              <a:t>2/25/2019</a:t>
             </a:fld>
             <a:endParaRPr lang="en-US"/>
           </a:p>
@@ -11038,7 +8702,7 @@
           <a:p>
             <a:fld id="{B5D86D52-4857-4668-9EB7-B41E21252CF7}" type="datetimeFigureOut">
               <a:rPr lang="en-US" smtClean="0"/>
-              <a:t>10/12/2018</a:t>
+              <a:t>2/25/2019</a:t>
             </a:fld>
             <a:endParaRPr lang="en-US"/>
           </a:p>
@@ -11590,7 +9254,7 @@
           <a:p>
             <a:fld id="{EEC3160E-2579-4584-9765-DC1BA0B358F9}" type="datetimeFigureOut">
               <a:rPr lang="en-US" smtClean="0"/>
-              <a:t>10/12/2018</a:t>
+              <a:t>2/25/2019</a:t>
             </a:fld>
             <a:endParaRPr lang="en-US"/>
           </a:p>
@@ -11978,544 +9642,6 @@
 </p:sldMaster>
 </file>
 
-<file path=ppt/slideMasters/slideMaster3.xml><?xml version="1.0" encoding="utf-8"?>
-<p:sldMaster xmlns:a="http://schemas.openxmlformats.org/drawingml/2006/main" xmlns:r="http://schemas.openxmlformats.org/officeDocument/2006/relationships" xmlns:p="http://schemas.openxmlformats.org/presentationml/2006/main">
-  <p:cSld>
-    <p:bg>
-      <p:bgRef idx="1001">
-        <a:schemeClr val="bg1"/>
-      </p:bgRef>
-    </p:bg>
-    <p:spTree>
-      <p:nvGrpSpPr>
-        <p:cNvPr id="1" name=""/>
-        <p:cNvGrpSpPr/>
-        <p:nvPr/>
-      </p:nvGrpSpPr>
-      <p:grpSpPr>
-        <a:xfrm>
-          <a:off x="0" y="0"/>
-          <a:ext cx="0" cy="0"/>
-          <a:chOff x="0" y="0"/>
-          <a:chExt cx="0" cy="0"/>
-        </a:xfrm>
-      </p:grpSpPr>
-      <p:sp>
-        <p:nvSpPr>
-          <p:cNvPr id="2" name="Title Placeholder 1"/>
-          <p:cNvSpPr>
-            <a:spLocks noGrp="1"/>
-          </p:cNvSpPr>
-          <p:nvPr>
-            <p:ph type="title"/>
-          </p:nvPr>
-        </p:nvSpPr>
-        <p:spPr>
-          <a:xfrm>
-            <a:off x="838200" y="365125"/>
-            <a:ext cx="10515600" cy="1325563"/>
-          </a:xfrm>
-          <a:prstGeom prst="rect">
-            <a:avLst/>
-          </a:prstGeom>
-        </p:spPr>
-        <p:txBody>
-          <a:bodyPr vert="horz" lIns="91440" tIns="45720" rIns="91440" bIns="45720" rtlCol="0" anchor="ctr">
-            <a:normAutofit/>
-          </a:bodyPr>
-          <a:lstStyle/>
-          <a:p>
-            <a:r>
-              <a:rPr lang="en-US"/>
-              <a:t>Click to edit Master title style</a:t>
-            </a:r>
-          </a:p>
-        </p:txBody>
-      </p:sp>
-      <p:sp>
-        <p:nvSpPr>
-          <p:cNvPr id="3" name="Text Placeholder 2"/>
-          <p:cNvSpPr>
-            <a:spLocks noGrp="1"/>
-          </p:cNvSpPr>
-          <p:nvPr>
-            <p:ph type="body" idx="1"/>
-          </p:nvPr>
-        </p:nvSpPr>
-        <p:spPr>
-          <a:xfrm>
-            <a:off x="838200" y="1825625"/>
-            <a:ext cx="10515600" cy="4351338"/>
-          </a:xfrm>
-          <a:prstGeom prst="rect">
-            <a:avLst/>
-          </a:prstGeom>
-        </p:spPr>
-        <p:txBody>
-          <a:bodyPr vert="horz" lIns="91440" tIns="45720" rIns="91440" bIns="45720" rtlCol="0">
-            <a:normAutofit/>
-          </a:bodyPr>
-          <a:lstStyle/>
-          <a:p>
-            <a:pPr lvl="0"/>
-            <a:r>
-              <a:rPr lang="en-US"/>
-              <a:t>Click to edit Master text styles</a:t>
-            </a:r>
-          </a:p>
-          <a:p>
-            <a:pPr lvl="1"/>
-            <a:r>
-              <a:rPr lang="en-US"/>
-              <a:t>Second level</a:t>
-            </a:r>
-          </a:p>
-          <a:p>
-            <a:pPr lvl="2"/>
-            <a:r>
-              <a:rPr lang="en-US"/>
-              <a:t>Third level</a:t>
-            </a:r>
-          </a:p>
-          <a:p>
-            <a:pPr lvl="3"/>
-            <a:r>
-              <a:rPr lang="en-US"/>
-              <a:t>Fourth level</a:t>
-            </a:r>
-          </a:p>
-          <a:p>
-            <a:pPr lvl="4"/>
-            <a:r>
-              <a:rPr lang="en-US"/>
-              <a:t>Fifth level</a:t>
-            </a:r>
-          </a:p>
-        </p:txBody>
-      </p:sp>
-      <p:sp>
-        <p:nvSpPr>
-          <p:cNvPr id="4" name="Date Placeholder 3"/>
-          <p:cNvSpPr>
-            <a:spLocks noGrp="1"/>
-          </p:cNvSpPr>
-          <p:nvPr>
-            <p:ph type="dt" sz="half" idx="2"/>
-          </p:nvPr>
-        </p:nvSpPr>
-        <p:spPr>
-          <a:xfrm>
-            <a:off x="838200" y="6356350"/>
-            <a:ext cx="2743200" cy="365125"/>
-          </a:xfrm>
-          <a:prstGeom prst="rect">
-            <a:avLst/>
-          </a:prstGeom>
-        </p:spPr>
-        <p:txBody>
-          <a:bodyPr vert="horz" lIns="91440" tIns="45720" rIns="91440" bIns="45720" rtlCol="0" anchor="ctr"/>
-          <a:lstStyle>
-            <a:lvl1pPr algn="l">
-              <a:defRPr sz="1200">
-                <a:solidFill>
-                  <a:schemeClr val="tx1">
-                    <a:tint val="75000"/>
-                  </a:schemeClr>
-                </a:solidFill>
-              </a:defRPr>
-            </a:lvl1pPr>
-          </a:lstStyle>
-          <a:p>
-            <a:fld id="{1906F911-B8F3-1042-B226-54911C0C3F55}" type="datetimeFigureOut">
-              <a:rPr lang="en-US" smtClean="0"/>
-              <a:t>10/12/2018</a:t>
-            </a:fld>
-            <a:endParaRPr lang="en-US"/>
-          </a:p>
-        </p:txBody>
-      </p:sp>
-      <p:sp>
-        <p:nvSpPr>
-          <p:cNvPr id="5" name="Footer Placeholder 4"/>
-          <p:cNvSpPr>
-            <a:spLocks noGrp="1"/>
-          </p:cNvSpPr>
-          <p:nvPr>
-            <p:ph type="ftr" sz="quarter" idx="3"/>
-          </p:nvPr>
-        </p:nvSpPr>
-        <p:spPr>
-          <a:xfrm>
-            <a:off x="4038600" y="6356350"/>
-            <a:ext cx="4114800" cy="365125"/>
-          </a:xfrm>
-          <a:prstGeom prst="rect">
-            <a:avLst/>
-          </a:prstGeom>
-        </p:spPr>
-        <p:txBody>
-          <a:bodyPr vert="horz" lIns="91440" tIns="45720" rIns="91440" bIns="45720" rtlCol="0" anchor="ctr"/>
-          <a:lstStyle>
-            <a:lvl1pPr algn="ctr">
-              <a:defRPr sz="1200">
-                <a:solidFill>
-                  <a:schemeClr val="tx1">
-                    <a:tint val="75000"/>
-                  </a:schemeClr>
-                </a:solidFill>
-              </a:defRPr>
-            </a:lvl1pPr>
-          </a:lstStyle>
-          <a:p>
-            <a:endParaRPr lang="en-US"/>
-          </a:p>
-        </p:txBody>
-      </p:sp>
-      <p:sp>
-        <p:nvSpPr>
-          <p:cNvPr id="6" name="Slide Number Placeholder 5"/>
-          <p:cNvSpPr>
-            <a:spLocks noGrp="1"/>
-          </p:cNvSpPr>
-          <p:nvPr>
-            <p:ph type="sldNum" sz="quarter" idx="4"/>
-          </p:nvPr>
-        </p:nvSpPr>
-        <p:spPr>
-          <a:xfrm>
-            <a:off x="8610600" y="6356350"/>
-            <a:ext cx="2743200" cy="365125"/>
-          </a:xfrm>
-          <a:prstGeom prst="rect">
-            <a:avLst/>
-          </a:prstGeom>
-        </p:spPr>
-        <p:txBody>
-          <a:bodyPr vert="horz" lIns="91440" tIns="45720" rIns="91440" bIns="45720" rtlCol="0" anchor="ctr"/>
-          <a:lstStyle>
-            <a:lvl1pPr algn="r">
-              <a:defRPr sz="1200">
-                <a:solidFill>
-                  <a:schemeClr val="tx1">
-                    <a:tint val="75000"/>
-                  </a:schemeClr>
-                </a:solidFill>
-              </a:defRPr>
-            </a:lvl1pPr>
-          </a:lstStyle>
-          <a:p>
-            <a:fld id="{FF3A7EF9-53EA-2943-A568-BF2FEAB92E94}" type="slidenum">
-              <a:rPr lang="en-US" smtClean="0"/>
-              <a:t>‹#›</a:t>
-            </a:fld>
-            <a:endParaRPr lang="en-US"/>
-          </a:p>
-        </p:txBody>
-      </p:sp>
-    </p:spTree>
-    <p:extLst>
-      <p:ext uri="{BB962C8B-B14F-4D97-AF65-F5344CB8AC3E}">
-        <p14:creationId xmlns:p14="http://schemas.microsoft.com/office/powerpoint/2010/main" val="3134017319"/>
-      </p:ext>
-    </p:extLst>
-  </p:cSld>
-  <p:clrMap bg1="lt1" tx1="dk1" bg2="lt2" tx2="dk2" accent1="accent1" accent2="accent2" accent3="accent3" accent4="accent4" accent5="accent5" accent6="accent6" hlink="hlink" folHlink="folHlink"/>
-  <p:sldLayoutIdLst>
-    <p:sldLayoutId id="2147483673" r:id="rId1"/>
-    <p:sldLayoutId id="2147483674" r:id="rId2"/>
-    <p:sldLayoutId id="2147483675" r:id="rId3"/>
-    <p:sldLayoutId id="2147483676" r:id="rId4"/>
-    <p:sldLayoutId id="2147483677" r:id="rId5"/>
-    <p:sldLayoutId id="2147483678" r:id="rId6"/>
-    <p:sldLayoutId id="2147483679" r:id="rId7"/>
-    <p:sldLayoutId id="2147483680" r:id="rId8"/>
-    <p:sldLayoutId id="2147483681" r:id="rId9"/>
-    <p:sldLayoutId id="2147483682" r:id="rId10"/>
-    <p:sldLayoutId id="2147483683" r:id="rId11"/>
-  </p:sldLayoutIdLst>
-  <p:txStyles>
-    <p:titleStyle>
-      <a:lvl1pPr algn="l" defTabSz="914400" rtl="0" eaLnBrk="1" latinLnBrk="0" hangingPunct="1">
-        <a:lnSpc>
-          <a:spcPct val="90000"/>
-        </a:lnSpc>
-        <a:spcBef>
-          <a:spcPct val="0"/>
-        </a:spcBef>
-        <a:buNone/>
-        <a:defRPr sz="4400" kern="1200">
-          <a:solidFill>
-            <a:schemeClr val="tx1"/>
-          </a:solidFill>
-          <a:latin typeface="+mj-lt"/>
-          <a:ea typeface="+mj-ea"/>
-          <a:cs typeface="+mj-cs"/>
-        </a:defRPr>
-      </a:lvl1pPr>
-    </p:titleStyle>
-    <p:bodyStyle>
-      <a:lvl1pPr marL="228600" indent="-228600" algn="l" defTabSz="914400" rtl="0" eaLnBrk="1" latinLnBrk="0" hangingPunct="1">
-        <a:lnSpc>
-          <a:spcPct val="90000"/>
-        </a:lnSpc>
-        <a:spcBef>
-          <a:spcPts val="1000"/>
-        </a:spcBef>
-        <a:buFont typeface="Arial"/>
-        <a:buChar char="•"/>
-        <a:defRPr sz="2800" kern="1200">
-          <a:solidFill>
-            <a:schemeClr val="tx1"/>
-          </a:solidFill>
-          <a:latin typeface="+mn-lt"/>
-          <a:ea typeface="+mn-ea"/>
-          <a:cs typeface="+mn-cs"/>
-        </a:defRPr>
-      </a:lvl1pPr>
-      <a:lvl2pPr marL="685800" indent="-228600" algn="l" defTabSz="914400" rtl="0" eaLnBrk="1" latinLnBrk="0" hangingPunct="1">
-        <a:lnSpc>
-          <a:spcPct val="90000"/>
-        </a:lnSpc>
-        <a:spcBef>
-          <a:spcPts val="500"/>
-        </a:spcBef>
-        <a:buFont typeface="Arial"/>
-        <a:buChar char="•"/>
-        <a:defRPr sz="2400" kern="1200">
-          <a:solidFill>
-            <a:schemeClr val="tx1"/>
-          </a:solidFill>
-          <a:latin typeface="+mn-lt"/>
-          <a:ea typeface="+mn-ea"/>
-          <a:cs typeface="+mn-cs"/>
-        </a:defRPr>
-      </a:lvl2pPr>
-      <a:lvl3pPr marL="1143000" indent="-228600" algn="l" defTabSz="914400" rtl="0" eaLnBrk="1" latinLnBrk="0" hangingPunct="1">
-        <a:lnSpc>
-          <a:spcPct val="90000"/>
-        </a:lnSpc>
-        <a:spcBef>
-          <a:spcPts val="500"/>
-        </a:spcBef>
-        <a:buFont typeface="Arial"/>
-        <a:buChar char="•"/>
-        <a:defRPr sz="2000" kern="1200">
-          <a:solidFill>
-            <a:schemeClr val="tx1"/>
-          </a:solidFill>
-          <a:latin typeface="+mn-lt"/>
-          <a:ea typeface="+mn-ea"/>
-          <a:cs typeface="+mn-cs"/>
-        </a:defRPr>
-      </a:lvl3pPr>
-      <a:lvl4pPr marL="1600200" indent="-228600" algn="l" defTabSz="914400" rtl="0" eaLnBrk="1" latinLnBrk="0" hangingPunct="1">
-        <a:lnSpc>
-          <a:spcPct val="90000"/>
-        </a:lnSpc>
-        <a:spcBef>
-          <a:spcPts val="500"/>
-        </a:spcBef>
-        <a:buFont typeface="Arial"/>
-        <a:buChar char="•"/>
-        <a:defRPr sz="1800" kern="1200">
-          <a:solidFill>
-            <a:schemeClr val="tx1"/>
-          </a:solidFill>
-          <a:latin typeface="+mn-lt"/>
-          <a:ea typeface="+mn-ea"/>
-          <a:cs typeface="+mn-cs"/>
-        </a:defRPr>
-      </a:lvl4pPr>
-      <a:lvl5pPr marL="2057400" indent="-228600" algn="l" defTabSz="914400" rtl="0" eaLnBrk="1" latinLnBrk="0" hangingPunct="1">
-        <a:lnSpc>
-          <a:spcPct val="90000"/>
-        </a:lnSpc>
-        <a:spcBef>
-          <a:spcPts val="500"/>
-        </a:spcBef>
-        <a:buFont typeface="Arial"/>
-        <a:buChar char="•"/>
-        <a:defRPr sz="1800" kern="1200">
-          <a:solidFill>
-            <a:schemeClr val="tx1"/>
-          </a:solidFill>
-          <a:latin typeface="+mn-lt"/>
-          <a:ea typeface="+mn-ea"/>
-          <a:cs typeface="+mn-cs"/>
-        </a:defRPr>
-      </a:lvl5pPr>
-      <a:lvl6pPr marL="2514600" indent="-228600" algn="l" defTabSz="914400" rtl="0" eaLnBrk="1" latinLnBrk="0" hangingPunct="1">
-        <a:lnSpc>
-          <a:spcPct val="90000"/>
-        </a:lnSpc>
-        <a:spcBef>
-          <a:spcPts val="500"/>
-        </a:spcBef>
-        <a:buFont typeface="Arial"/>
-        <a:buChar char="•"/>
-        <a:defRPr sz="1800" kern="1200">
-          <a:solidFill>
-            <a:schemeClr val="tx1"/>
-          </a:solidFill>
-          <a:latin typeface="+mn-lt"/>
-          <a:ea typeface="+mn-ea"/>
-          <a:cs typeface="+mn-cs"/>
-        </a:defRPr>
-      </a:lvl6pPr>
-      <a:lvl7pPr marL="2971800" indent="-228600" algn="l" defTabSz="914400" rtl="0" eaLnBrk="1" latinLnBrk="0" hangingPunct="1">
-        <a:lnSpc>
-          <a:spcPct val="90000"/>
-        </a:lnSpc>
-        <a:spcBef>
-          <a:spcPts val="500"/>
-        </a:spcBef>
-        <a:buFont typeface="Arial"/>
-        <a:buChar char="•"/>
-        <a:defRPr sz="1800" kern="1200">
-          <a:solidFill>
-            <a:schemeClr val="tx1"/>
-          </a:solidFill>
-          <a:latin typeface="+mn-lt"/>
-          <a:ea typeface="+mn-ea"/>
-          <a:cs typeface="+mn-cs"/>
-        </a:defRPr>
-      </a:lvl7pPr>
-      <a:lvl8pPr marL="3429000" indent="-228600" algn="l" defTabSz="914400" rtl="0" eaLnBrk="1" latinLnBrk="0" hangingPunct="1">
-        <a:lnSpc>
-          <a:spcPct val="90000"/>
-        </a:lnSpc>
-        <a:spcBef>
-          <a:spcPts val="500"/>
-        </a:spcBef>
-        <a:buFont typeface="Arial"/>
-        <a:buChar char="•"/>
-        <a:defRPr sz="1800" kern="1200">
-          <a:solidFill>
-            <a:schemeClr val="tx1"/>
-          </a:solidFill>
-          <a:latin typeface="+mn-lt"/>
-          <a:ea typeface="+mn-ea"/>
-          <a:cs typeface="+mn-cs"/>
-        </a:defRPr>
-      </a:lvl8pPr>
-      <a:lvl9pPr marL="3886200" indent="-228600" algn="l" defTabSz="914400" rtl="0" eaLnBrk="1" latinLnBrk="0" hangingPunct="1">
-        <a:lnSpc>
-          <a:spcPct val="90000"/>
-        </a:lnSpc>
-        <a:spcBef>
-          <a:spcPts val="500"/>
-        </a:spcBef>
-        <a:buFont typeface="Arial"/>
-        <a:buChar char="•"/>
-        <a:defRPr sz="1800" kern="1200">
-          <a:solidFill>
-            <a:schemeClr val="tx1"/>
-          </a:solidFill>
-          <a:latin typeface="+mn-lt"/>
-          <a:ea typeface="+mn-ea"/>
-          <a:cs typeface="+mn-cs"/>
-        </a:defRPr>
-      </a:lvl9pPr>
-    </p:bodyStyle>
-    <p:otherStyle>
-      <a:defPPr>
-        <a:defRPr lang="en-US"/>
-      </a:defPPr>
-      <a:lvl1pPr marL="0" algn="l" defTabSz="914400" rtl="0" eaLnBrk="1" latinLnBrk="0" hangingPunct="1">
-        <a:defRPr sz="1800" kern="1200">
-          <a:solidFill>
-            <a:schemeClr val="tx1"/>
-          </a:solidFill>
-          <a:latin typeface="+mn-lt"/>
-          <a:ea typeface="+mn-ea"/>
-          <a:cs typeface="+mn-cs"/>
-        </a:defRPr>
-      </a:lvl1pPr>
-      <a:lvl2pPr marL="457200" algn="l" defTabSz="914400" rtl="0" eaLnBrk="1" latinLnBrk="0" hangingPunct="1">
-        <a:defRPr sz="1800" kern="1200">
-          <a:solidFill>
-            <a:schemeClr val="tx1"/>
-          </a:solidFill>
-          <a:latin typeface="+mn-lt"/>
-          <a:ea typeface="+mn-ea"/>
-          <a:cs typeface="+mn-cs"/>
-        </a:defRPr>
-      </a:lvl2pPr>
-      <a:lvl3pPr marL="914400" algn="l" defTabSz="914400" rtl="0" eaLnBrk="1" latinLnBrk="0" hangingPunct="1">
-        <a:defRPr sz="1800" kern="1200">
-          <a:solidFill>
-            <a:schemeClr val="tx1"/>
-          </a:solidFill>
-          <a:latin typeface="+mn-lt"/>
-          <a:ea typeface="+mn-ea"/>
-          <a:cs typeface="+mn-cs"/>
-        </a:defRPr>
-      </a:lvl3pPr>
-      <a:lvl4pPr marL="1371600" algn="l" defTabSz="914400" rtl="0" eaLnBrk="1" latinLnBrk="0" hangingPunct="1">
-        <a:defRPr sz="1800" kern="1200">
-          <a:solidFill>
-            <a:schemeClr val="tx1"/>
-          </a:solidFill>
-          <a:latin typeface="+mn-lt"/>
-          <a:ea typeface="+mn-ea"/>
-          <a:cs typeface="+mn-cs"/>
-        </a:defRPr>
-      </a:lvl4pPr>
-      <a:lvl5pPr marL="1828800" algn="l" defTabSz="914400" rtl="0" eaLnBrk="1" latinLnBrk="0" hangingPunct="1">
-        <a:defRPr sz="1800" kern="1200">
-          <a:solidFill>
-            <a:schemeClr val="tx1"/>
-          </a:solidFill>
-          <a:latin typeface="+mn-lt"/>
-          <a:ea typeface="+mn-ea"/>
-          <a:cs typeface="+mn-cs"/>
-        </a:defRPr>
-      </a:lvl5pPr>
-      <a:lvl6pPr marL="2286000" algn="l" defTabSz="914400" rtl="0" eaLnBrk="1" latinLnBrk="0" hangingPunct="1">
-        <a:defRPr sz="1800" kern="1200">
-          <a:solidFill>
-            <a:schemeClr val="tx1"/>
-          </a:solidFill>
-          <a:latin typeface="+mn-lt"/>
-          <a:ea typeface="+mn-ea"/>
-          <a:cs typeface="+mn-cs"/>
-        </a:defRPr>
-      </a:lvl6pPr>
-      <a:lvl7pPr marL="2743200" algn="l" defTabSz="914400" rtl="0" eaLnBrk="1" latinLnBrk="0" hangingPunct="1">
-        <a:defRPr sz="1800" kern="1200">
-          <a:solidFill>
-            <a:schemeClr val="tx1"/>
-          </a:solidFill>
-          <a:latin typeface="+mn-lt"/>
-          <a:ea typeface="+mn-ea"/>
-          <a:cs typeface="+mn-cs"/>
-        </a:defRPr>
-      </a:lvl7pPr>
-      <a:lvl8pPr marL="3200400" algn="l" defTabSz="914400" rtl="0" eaLnBrk="1" latinLnBrk="0" hangingPunct="1">
-        <a:defRPr sz="1800" kern="1200">
-          <a:solidFill>
-            <a:schemeClr val="tx1"/>
-          </a:solidFill>
-          <a:latin typeface="+mn-lt"/>
-          <a:ea typeface="+mn-ea"/>
-          <a:cs typeface="+mn-cs"/>
-        </a:defRPr>
-      </a:lvl8pPr>
-      <a:lvl9pPr marL="3657600" algn="l" defTabSz="914400" rtl="0" eaLnBrk="1" latinLnBrk="0" hangingPunct="1">
-        <a:defRPr sz="1800" kern="1200">
-          <a:solidFill>
-            <a:schemeClr val="tx1"/>
-          </a:solidFill>
-          <a:latin typeface="+mn-lt"/>
-          <a:ea typeface="+mn-ea"/>
-          <a:cs typeface="+mn-cs"/>
-        </a:defRPr>
-      </a:lvl9pPr>
-    </p:otherStyle>
-  </p:txStyles>
-</p:sldMaster>
-</file>
-
 <file path=ppt/slides/slide1.xml><?xml version="1.0" encoding="utf-8"?>
 <p:sld xmlns:a="http://schemas.openxmlformats.org/drawingml/2006/main" xmlns:r="http://schemas.openxmlformats.org/officeDocument/2006/relationships" xmlns:p="http://schemas.openxmlformats.org/presentationml/2006/main">
   <p:cSld>
@@ -13230,1270 +10356,6 @@
             <p:ph type="title"/>
           </p:nvPr>
         </p:nvSpPr>
-        <p:spPr/>
-        <p:txBody>
-          <a:bodyPr/>
-          <a:lstStyle/>
-          <a:p>
-            <a:r>
-              <a:rPr lang="en-US" dirty="0"/>
-              <a:t>Secret Manager: Retrieval</a:t>
-            </a:r>
-          </a:p>
-        </p:txBody>
-      </p:sp>
-      <p:graphicFrame>
-        <p:nvGraphicFramePr>
-          <p:cNvPr id="4" name="Table 3">
-            <a:extLst>
-              <a:ext uri="{FF2B5EF4-FFF2-40B4-BE49-F238E27FC236}">
-                <a16:creationId xmlns:a16="http://schemas.microsoft.com/office/drawing/2014/main" id="{FB18C7D4-3492-4E4E-800A-CAFC344516DD}"/>
-              </a:ext>
-            </a:extLst>
-          </p:cNvPr>
-          <p:cNvGraphicFramePr>
-            <a:graphicFrameLocks noGrp="1"/>
-          </p:cNvGraphicFramePr>
-          <p:nvPr>
-            <p:extLst>
-              <p:ext uri="{D42A27DB-BD31-4B8C-83A1-F6EECF244321}">
-                <p14:modId xmlns:p14="http://schemas.microsoft.com/office/powerpoint/2010/main" val="2112485447"/>
-              </p:ext>
-            </p:extLst>
-          </p:nvPr>
-        </p:nvGraphicFramePr>
-        <p:xfrm>
-          <a:off x="844462" y="1920876"/>
-          <a:ext cx="9165812" cy="4328160"/>
-        </p:xfrm>
-        <a:graphic>
-          <a:graphicData uri="http://schemas.openxmlformats.org/drawingml/2006/table">
-            <a:tbl>
-              <a:tblPr firstRow="1" bandRow="1"/>
-              <a:tblGrid>
-                <a:gridCol w="9165812">
-                  <a:extLst>
-                    <a:ext uri="{9D8B030D-6E8A-4147-A177-3AD203B41FA5}">
-                      <a16:colId xmlns:a16="http://schemas.microsoft.com/office/drawing/2014/main" val="1057070397"/>
-                    </a:ext>
-                  </a:extLst>
-                </a:gridCol>
-              </a:tblGrid>
-              <a:tr h="3800574">
-                <a:tc>
-                  <a:txBody>
-                    <a:bodyPr/>
-                    <a:lstStyle>
-                      <a:lvl1pPr marL="0" algn="l" defTabSz="914400" rtl="0" eaLnBrk="1" latinLnBrk="0" hangingPunct="1">
-                        <a:defRPr sz="1800" b="1" kern="1200">
-                          <a:solidFill>
-                            <a:schemeClr val="lt1"/>
-                          </a:solidFill>
-                          <a:latin typeface="Segoe UI Light"/>
-                        </a:defRPr>
-                      </a:lvl1pPr>
-                      <a:lvl2pPr marL="457200" algn="l" defTabSz="914400" rtl="0" eaLnBrk="1" latinLnBrk="0" hangingPunct="1">
-                        <a:defRPr sz="1800" b="1" kern="1200">
-                          <a:solidFill>
-                            <a:schemeClr val="lt1"/>
-                          </a:solidFill>
-                          <a:latin typeface="Segoe UI Light"/>
-                        </a:defRPr>
-                      </a:lvl2pPr>
-                      <a:lvl3pPr marL="914400" algn="l" defTabSz="914400" rtl="0" eaLnBrk="1" latinLnBrk="0" hangingPunct="1">
-                        <a:defRPr sz="1800" b="1" kern="1200">
-                          <a:solidFill>
-                            <a:schemeClr val="lt1"/>
-                          </a:solidFill>
-                          <a:latin typeface="Segoe UI Light"/>
-                        </a:defRPr>
-                      </a:lvl3pPr>
-                      <a:lvl4pPr marL="1371600" algn="l" defTabSz="914400" rtl="0" eaLnBrk="1" latinLnBrk="0" hangingPunct="1">
-                        <a:defRPr sz="1800" b="1" kern="1200">
-                          <a:solidFill>
-                            <a:schemeClr val="lt1"/>
-                          </a:solidFill>
-                          <a:latin typeface="Segoe UI Light"/>
-                        </a:defRPr>
-                      </a:lvl4pPr>
-                      <a:lvl5pPr marL="1828800" algn="l" defTabSz="914400" rtl="0" eaLnBrk="1" latinLnBrk="0" hangingPunct="1">
-                        <a:defRPr sz="1800" b="1" kern="1200">
-                          <a:solidFill>
-                            <a:schemeClr val="lt1"/>
-                          </a:solidFill>
-                          <a:latin typeface="Segoe UI Light"/>
-                        </a:defRPr>
-                      </a:lvl5pPr>
-                      <a:lvl6pPr marL="2286000" algn="l" defTabSz="914400" rtl="0" eaLnBrk="1" latinLnBrk="0" hangingPunct="1">
-                        <a:defRPr sz="1800" b="1" kern="1200">
-                          <a:solidFill>
-                            <a:schemeClr val="lt1"/>
-                          </a:solidFill>
-                          <a:latin typeface="Segoe UI Light"/>
-                        </a:defRPr>
-                      </a:lvl6pPr>
-                      <a:lvl7pPr marL="2743200" algn="l" defTabSz="914400" rtl="0" eaLnBrk="1" latinLnBrk="0" hangingPunct="1">
-                        <a:defRPr sz="1800" b="1" kern="1200">
-                          <a:solidFill>
-                            <a:schemeClr val="lt1"/>
-                          </a:solidFill>
-                          <a:latin typeface="Segoe UI Light"/>
-                        </a:defRPr>
-                      </a:lvl7pPr>
-                      <a:lvl8pPr marL="3200400" algn="l" defTabSz="914400" rtl="0" eaLnBrk="1" latinLnBrk="0" hangingPunct="1">
-                        <a:defRPr sz="1800" b="1" kern="1200">
-                          <a:solidFill>
-                            <a:schemeClr val="lt1"/>
-                          </a:solidFill>
-                          <a:latin typeface="Segoe UI Light"/>
-                        </a:defRPr>
-                      </a:lvl8pPr>
-                      <a:lvl9pPr marL="3657600" algn="l" defTabSz="914400" rtl="0" eaLnBrk="1" latinLnBrk="0" hangingPunct="1">
-                        <a:defRPr sz="1800" b="1" kern="1200">
-                          <a:solidFill>
-                            <a:schemeClr val="lt1"/>
-                          </a:solidFill>
-                          <a:latin typeface="Segoe UI Light"/>
-                        </a:defRPr>
-                      </a:lvl9pPr>
-                    </a:lstStyle>
-                    <a:p>
-                      <a:r>
-                        <a:rPr lang="en-US" sz="1600" dirty="0">
-                          <a:solidFill>
-                            <a:srgbClr val="0000FF"/>
-                          </a:solidFill>
-                          <a:latin typeface="Consolas" panose="020B0609020204030204" pitchFamily="49" charset="0"/>
-                        </a:rPr>
-                        <a:t>public</a:t>
-                      </a:r>
-                      <a:r>
-                        <a:rPr lang="en-US" sz="1600" dirty="0">
-                          <a:solidFill>
-                            <a:srgbClr val="000000"/>
-                          </a:solidFill>
-                          <a:latin typeface="Consolas" panose="020B0609020204030204" pitchFamily="49" charset="0"/>
-                        </a:rPr>
-                        <a:t> </a:t>
-                      </a:r>
-                      <a:r>
-                        <a:rPr lang="en-US" sz="1600" dirty="0">
-                          <a:solidFill>
-                            <a:srgbClr val="0000FF"/>
-                          </a:solidFill>
-                          <a:latin typeface="Consolas" panose="020B0609020204030204" pitchFamily="49" charset="0"/>
-                        </a:rPr>
-                        <a:t>class</a:t>
-                      </a:r>
-                      <a:r>
-                        <a:rPr lang="en-US" sz="1600" dirty="0">
-                          <a:solidFill>
-                            <a:srgbClr val="000000"/>
-                          </a:solidFill>
-                          <a:latin typeface="Consolas" panose="020B0609020204030204" pitchFamily="49" charset="0"/>
-                        </a:rPr>
-                        <a:t> </a:t>
-                      </a:r>
-                      <a:r>
-                        <a:rPr lang="en-US" sz="1600" dirty="0">
-                          <a:solidFill>
-                            <a:srgbClr val="2B91AF"/>
-                          </a:solidFill>
-                          <a:latin typeface="Consolas" panose="020B0609020204030204" pitchFamily="49" charset="0"/>
-                        </a:rPr>
-                        <a:t>Startup</a:t>
-                      </a:r>
-                      <a:endParaRPr lang="en-US" sz="1600" dirty="0">
-                        <a:solidFill>
-                          <a:srgbClr val="000000"/>
-                        </a:solidFill>
-                        <a:latin typeface="Consolas" panose="020B0609020204030204" pitchFamily="49" charset="0"/>
-                      </a:endParaRPr>
-                    </a:p>
-                    <a:p>
-                      <a:r>
-                        <a:rPr lang="en-US" sz="1600" dirty="0">
-                          <a:solidFill>
-                            <a:srgbClr val="000000"/>
-                          </a:solidFill>
-                          <a:latin typeface="Consolas" panose="020B0609020204030204" pitchFamily="49" charset="0"/>
-                        </a:rPr>
-                        <a:t>{</a:t>
-                      </a:r>
-                    </a:p>
-                    <a:p>
-                      <a:r>
-                        <a:rPr lang="en-US" sz="1600" dirty="0">
-                          <a:solidFill>
-                            <a:srgbClr val="000000"/>
-                          </a:solidFill>
-                          <a:latin typeface="Consolas" panose="020B0609020204030204" pitchFamily="49" charset="0"/>
-                        </a:rPr>
-                        <a:t>    </a:t>
-                      </a:r>
-                      <a:r>
-                        <a:rPr lang="en-US" sz="1600" dirty="0">
-                          <a:solidFill>
-                            <a:srgbClr val="0000FF"/>
-                          </a:solidFill>
-                          <a:latin typeface="Consolas" panose="020B0609020204030204" pitchFamily="49" charset="0"/>
-                        </a:rPr>
-                        <a:t>private</a:t>
-                      </a:r>
-                      <a:r>
-                        <a:rPr lang="en-US" sz="1600" dirty="0">
-                          <a:solidFill>
-                            <a:srgbClr val="000000"/>
-                          </a:solidFill>
-                          <a:latin typeface="Consolas" panose="020B0609020204030204" pitchFamily="49" charset="0"/>
-                        </a:rPr>
-                        <a:t> </a:t>
-                      </a:r>
-                      <a:r>
-                        <a:rPr lang="en-US" sz="1600" dirty="0">
-                          <a:solidFill>
-                            <a:srgbClr val="0000FF"/>
-                          </a:solidFill>
-                          <a:latin typeface="Consolas" panose="020B0609020204030204" pitchFamily="49" charset="0"/>
-                        </a:rPr>
-                        <a:t>string</a:t>
-                      </a:r>
-                      <a:r>
-                        <a:rPr lang="en-US" sz="1600" dirty="0">
-                          <a:solidFill>
-                            <a:srgbClr val="000000"/>
-                          </a:solidFill>
-                          <a:latin typeface="Consolas" panose="020B0609020204030204" pitchFamily="49" charset="0"/>
-                        </a:rPr>
-                        <a:t> _connection = </a:t>
-                      </a:r>
-                      <a:r>
-                        <a:rPr lang="en-US" sz="1600" dirty="0">
-                          <a:solidFill>
-                            <a:srgbClr val="0000FF"/>
-                          </a:solidFill>
-                          <a:latin typeface="Consolas" panose="020B0609020204030204" pitchFamily="49" charset="0"/>
-                        </a:rPr>
-                        <a:t>null</a:t>
-                      </a:r>
-                      <a:r>
-                        <a:rPr lang="en-US" sz="1600" dirty="0">
-                          <a:solidFill>
-                            <a:srgbClr val="000000"/>
-                          </a:solidFill>
-                          <a:latin typeface="Consolas" panose="020B0609020204030204" pitchFamily="49" charset="0"/>
-                        </a:rPr>
-                        <a:t>;</a:t>
-                      </a:r>
-                    </a:p>
-                    <a:p>
-                      <a:endParaRPr lang="en-US" sz="1600" dirty="0">
-                        <a:solidFill>
-                          <a:srgbClr val="000000"/>
-                        </a:solidFill>
-                        <a:latin typeface="Consolas" panose="020B0609020204030204" pitchFamily="49" charset="0"/>
-                      </a:endParaRPr>
-                    </a:p>
-                    <a:p>
-                      <a:r>
-                        <a:rPr lang="en-US" sz="1600" dirty="0">
-                          <a:solidFill>
-                            <a:srgbClr val="000000"/>
-                          </a:solidFill>
-                          <a:latin typeface="Consolas" panose="020B0609020204030204" pitchFamily="49" charset="0"/>
-                        </a:rPr>
-                        <a:t>    </a:t>
-                      </a:r>
-                      <a:r>
-                        <a:rPr lang="en-US" sz="1600" dirty="0">
-                          <a:solidFill>
-                            <a:srgbClr val="0000FF"/>
-                          </a:solidFill>
-                          <a:latin typeface="Consolas" panose="020B0609020204030204" pitchFamily="49" charset="0"/>
-                        </a:rPr>
-                        <a:t>public</a:t>
-                      </a:r>
-                      <a:r>
-                        <a:rPr lang="en-US" sz="1600" dirty="0">
-                          <a:solidFill>
-                            <a:srgbClr val="000000"/>
-                          </a:solidFill>
-                          <a:latin typeface="Consolas" panose="020B0609020204030204" pitchFamily="49" charset="0"/>
-                        </a:rPr>
-                        <a:t> Startup(</a:t>
-                      </a:r>
-                      <a:r>
-                        <a:rPr lang="en-US" sz="1600" dirty="0" err="1">
-                          <a:solidFill>
-                            <a:srgbClr val="000000"/>
-                          </a:solidFill>
-                          <a:latin typeface="Consolas" panose="020B0609020204030204" pitchFamily="49" charset="0"/>
-                        </a:rPr>
-                        <a:t>IConfiguration</a:t>
-                      </a:r>
-                      <a:r>
-                        <a:rPr lang="en-US" sz="1600" dirty="0">
-                          <a:solidFill>
-                            <a:srgbClr val="000000"/>
-                          </a:solidFill>
-                          <a:latin typeface="Consolas" panose="020B0609020204030204" pitchFamily="49" charset="0"/>
-                        </a:rPr>
-                        <a:t> configuration)</a:t>
-                      </a:r>
-                    </a:p>
-                    <a:p>
-                      <a:r>
-                        <a:rPr lang="en-US" sz="1600" dirty="0">
-                          <a:solidFill>
-                            <a:srgbClr val="000000"/>
-                          </a:solidFill>
-                          <a:latin typeface="Consolas" panose="020B0609020204030204" pitchFamily="49" charset="0"/>
-                        </a:rPr>
-                        <a:t>        =&gt; Configuration = configuration;</a:t>
-                      </a:r>
-                    </a:p>
-                    <a:p>
-                      <a:endParaRPr lang="en-US" sz="1600" dirty="0">
-                        <a:solidFill>
-                          <a:srgbClr val="000000"/>
-                        </a:solidFill>
-                        <a:latin typeface="Consolas" panose="020B0609020204030204" pitchFamily="49" charset="0"/>
-                      </a:endParaRPr>
-                    </a:p>
-                    <a:p>
-                      <a:r>
-                        <a:rPr lang="en-US" sz="1600" dirty="0">
-                          <a:solidFill>
-                            <a:srgbClr val="000000"/>
-                          </a:solidFill>
-                          <a:latin typeface="Consolas" panose="020B0609020204030204" pitchFamily="49" charset="0"/>
-                        </a:rPr>
-                        <a:t>    </a:t>
-                      </a:r>
-                      <a:r>
-                        <a:rPr lang="en-US" sz="1600" dirty="0">
-                          <a:solidFill>
-                            <a:srgbClr val="0000FF"/>
-                          </a:solidFill>
-                          <a:latin typeface="Consolas" panose="020B0609020204030204" pitchFamily="49" charset="0"/>
-                        </a:rPr>
-                        <a:t>public</a:t>
-                      </a:r>
-                      <a:r>
-                        <a:rPr lang="en-US" sz="1600" dirty="0">
-                          <a:solidFill>
-                            <a:srgbClr val="000000"/>
-                          </a:solidFill>
-                          <a:latin typeface="Consolas" panose="020B0609020204030204" pitchFamily="49" charset="0"/>
-                        </a:rPr>
-                        <a:t> </a:t>
-                      </a:r>
-                      <a:r>
-                        <a:rPr lang="en-US" sz="1600" dirty="0" err="1">
-                          <a:solidFill>
-                            <a:srgbClr val="000000"/>
-                          </a:solidFill>
-                          <a:latin typeface="Consolas" panose="020B0609020204030204" pitchFamily="49" charset="0"/>
-                        </a:rPr>
-                        <a:t>IConfiguration</a:t>
-                      </a:r>
-                      <a:r>
-                        <a:rPr lang="en-US" sz="1600" dirty="0">
-                          <a:solidFill>
-                            <a:srgbClr val="000000"/>
-                          </a:solidFill>
-                          <a:latin typeface="Consolas" panose="020B0609020204030204" pitchFamily="49" charset="0"/>
-                        </a:rPr>
-                        <a:t> Configuration { </a:t>
-                      </a:r>
-                      <a:r>
-                        <a:rPr lang="en-US" sz="1600" dirty="0">
-                          <a:solidFill>
-                            <a:srgbClr val="0000FF"/>
-                          </a:solidFill>
-                          <a:latin typeface="Consolas" panose="020B0609020204030204" pitchFamily="49" charset="0"/>
-                        </a:rPr>
-                        <a:t>get</a:t>
-                      </a:r>
-                      <a:r>
-                        <a:rPr lang="en-US" sz="1600" dirty="0">
-                          <a:solidFill>
-                            <a:srgbClr val="000000"/>
-                          </a:solidFill>
-                          <a:latin typeface="Consolas" panose="020B0609020204030204" pitchFamily="49" charset="0"/>
-                        </a:rPr>
-                        <a:t>; }</a:t>
-                      </a:r>
-                    </a:p>
-                    <a:p>
-                      <a:endParaRPr lang="en-US" sz="1600" dirty="0">
-                        <a:solidFill>
-                          <a:srgbClr val="000000"/>
-                        </a:solidFill>
-                        <a:latin typeface="Consolas" panose="020B0609020204030204" pitchFamily="49" charset="0"/>
-                      </a:endParaRPr>
-                    </a:p>
-                    <a:p>
-                      <a:r>
-                        <a:rPr lang="en-US" sz="1600" dirty="0">
-                          <a:solidFill>
-                            <a:srgbClr val="000000"/>
-                          </a:solidFill>
-                          <a:latin typeface="Consolas" panose="020B0609020204030204" pitchFamily="49" charset="0"/>
-                        </a:rPr>
-                        <a:t>    </a:t>
-                      </a:r>
-                      <a:r>
-                        <a:rPr lang="en-US" sz="1600" dirty="0">
-                          <a:solidFill>
-                            <a:srgbClr val="0000FF"/>
-                          </a:solidFill>
-                          <a:latin typeface="Consolas" panose="020B0609020204030204" pitchFamily="49" charset="0"/>
-                        </a:rPr>
-                        <a:t>public</a:t>
-                      </a:r>
-                      <a:r>
-                        <a:rPr lang="en-US" sz="1600" dirty="0">
-                          <a:solidFill>
-                            <a:srgbClr val="000000"/>
-                          </a:solidFill>
-                          <a:latin typeface="Consolas" panose="020B0609020204030204" pitchFamily="49" charset="0"/>
-                        </a:rPr>
-                        <a:t> </a:t>
-                      </a:r>
-                      <a:r>
-                        <a:rPr lang="en-US" sz="1600" dirty="0">
-                          <a:solidFill>
-                            <a:srgbClr val="0000FF"/>
-                          </a:solidFill>
-                          <a:latin typeface="Consolas" panose="020B0609020204030204" pitchFamily="49" charset="0"/>
-                        </a:rPr>
-                        <a:t>void</a:t>
-                      </a:r>
-                      <a:r>
-                        <a:rPr lang="en-US" sz="1600" dirty="0">
-                          <a:solidFill>
-                            <a:srgbClr val="000000"/>
-                          </a:solidFill>
-                          <a:latin typeface="Consolas" panose="020B0609020204030204" pitchFamily="49" charset="0"/>
-                        </a:rPr>
-                        <a:t> </a:t>
-                      </a:r>
-                      <a:r>
-                        <a:rPr lang="en-US" sz="1600" dirty="0" err="1">
-                          <a:solidFill>
-                            <a:srgbClr val="000000"/>
-                          </a:solidFill>
-                          <a:latin typeface="Consolas" panose="020B0609020204030204" pitchFamily="49" charset="0"/>
-                        </a:rPr>
-                        <a:t>ConfigureServices</a:t>
-                      </a:r>
-                      <a:r>
-                        <a:rPr lang="en-US" sz="1600" dirty="0">
-                          <a:solidFill>
-                            <a:srgbClr val="000000"/>
-                          </a:solidFill>
-                          <a:latin typeface="Consolas" panose="020B0609020204030204" pitchFamily="49" charset="0"/>
-                        </a:rPr>
-                        <a:t>(</a:t>
-                      </a:r>
-                      <a:r>
-                        <a:rPr lang="en-US" sz="1600" dirty="0" err="1">
-                          <a:solidFill>
-                            <a:srgbClr val="000000"/>
-                          </a:solidFill>
-                          <a:latin typeface="Consolas" panose="020B0609020204030204" pitchFamily="49" charset="0"/>
-                        </a:rPr>
-                        <a:t>IServiceCollection</a:t>
-                      </a:r>
-                      <a:r>
-                        <a:rPr lang="en-US" sz="1600" dirty="0">
-                          <a:solidFill>
-                            <a:srgbClr val="000000"/>
-                          </a:solidFill>
-                          <a:latin typeface="Consolas" panose="020B0609020204030204" pitchFamily="49" charset="0"/>
-                        </a:rPr>
-                        <a:t> services)</a:t>
-                      </a:r>
-                    </a:p>
-                    <a:p>
-                      <a:r>
-                        <a:rPr lang="en-US" sz="1600" dirty="0">
-                          <a:solidFill>
-                            <a:srgbClr val="000000"/>
-                          </a:solidFill>
-                          <a:latin typeface="Consolas" panose="020B0609020204030204" pitchFamily="49" charset="0"/>
-                        </a:rPr>
-                        <a:t>    {</a:t>
-                      </a:r>
-                    </a:p>
-                    <a:p>
-                      <a:r>
-                        <a:rPr lang="en-US" sz="1600" dirty="0">
-                          <a:solidFill>
-                            <a:srgbClr val="000000"/>
-                          </a:solidFill>
-                          <a:latin typeface="Consolas" panose="020B0609020204030204" pitchFamily="49" charset="0"/>
-                        </a:rPr>
-                        <a:t>        </a:t>
-                      </a:r>
-                      <a:r>
-                        <a:rPr lang="en-US" sz="1600" dirty="0">
-                          <a:solidFill>
-                            <a:srgbClr val="0000FF"/>
-                          </a:solidFill>
-                          <a:latin typeface="Consolas" panose="020B0609020204030204" pitchFamily="49" charset="0"/>
-                        </a:rPr>
-                        <a:t>var</a:t>
-                      </a:r>
-                      <a:r>
-                        <a:rPr lang="en-US" sz="1600" dirty="0">
-                          <a:solidFill>
-                            <a:srgbClr val="000000"/>
-                          </a:solidFill>
-                          <a:latin typeface="Consolas" panose="020B0609020204030204" pitchFamily="49" charset="0"/>
-                        </a:rPr>
-                        <a:t> builder = </a:t>
-                      </a:r>
-                      <a:r>
-                        <a:rPr lang="en-US" sz="1600" dirty="0">
-                          <a:solidFill>
-                            <a:srgbClr val="0000FF"/>
-                          </a:solidFill>
-                          <a:latin typeface="Consolas" panose="020B0609020204030204" pitchFamily="49" charset="0"/>
-                        </a:rPr>
-                        <a:t>new</a:t>
-                      </a:r>
-                      <a:r>
-                        <a:rPr lang="en-US" sz="1600" dirty="0">
-                          <a:solidFill>
-                            <a:srgbClr val="000000"/>
-                          </a:solidFill>
-                          <a:latin typeface="Consolas" panose="020B0609020204030204" pitchFamily="49" charset="0"/>
-                        </a:rPr>
-                        <a:t> </a:t>
-                      </a:r>
-                      <a:r>
-                        <a:rPr lang="en-US" sz="1600" dirty="0" err="1">
-                          <a:solidFill>
-                            <a:srgbClr val="000000"/>
-                          </a:solidFill>
-                          <a:latin typeface="Consolas" panose="020B0609020204030204" pitchFamily="49" charset="0"/>
-                        </a:rPr>
-                        <a:t>SqlConnectionStringBuilder</a:t>
-                      </a:r>
-                      <a:r>
-                        <a:rPr lang="en-US" sz="1600" dirty="0">
-                          <a:solidFill>
-                            <a:srgbClr val="000000"/>
-                          </a:solidFill>
-                          <a:latin typeface="Consolas" panose="020B0609020204030204" pitchFamily="49" charset="0"/>
-                        </a:rPr>
-                        <a:t>(</a:t>
-                      </a:r>
-                    </a:p>
-                    <a:p>
-                      <a:r>
-                        <a:rPr lang="en-US" sz="1600" dirty="0">
-                          <a:solidFill>
-                            <a:srgbClr val="000000"/>
-                          </a:solidFill>
-                          <a:latin typeface="Consolas" panose="020B0609020204030204" pitchFamily="49" charset="0"/>
-                        </a:rPr>
-                        <a:t>            </a:t>
-                      </a:r>
-                      <a:r>
-                        <a:rPr lang="en-US" sz="1600" dirty="0" err="1">
-                          <a:solidFill>
-                            <a:srgbClr val="000000"/>
-                          </a:solidFill>
-                          <a:latin typeface="Consolas" panose="020B0609020204030204" pitchFamily="49" charset="0"/>
-                        </a:rPr>
-                        <a:t>Configuration.GetConnectionString</a:t>
-                      </a:r>
-                      <a:r>
-                        <a:rPr lang="en-US" sz="1600" dirty="0">
-                          <a:solidFill>
-                            <a:srgbClr val="000000"/>
-                          </a:solidFill>
-                          <a:latin typeface="Consolas" panose="020B0609020204030204" pitchFamily="49" charset="0"/>
-                        </a:rPr>
-                        <a:t>(</a:t>
-                      </a:r>
-                      <a:r>
-                        <a:rPr lang="en-US" sz="1600" dirty="0">
-                          <a:solidFill>
-                            <a:srgbClr val="A31515"/>
-                          </a:solidFill>
-                          <a:latin typeface="Consolas" panose="020B0609020204030204" pitchFamily="49" charset="0"/>
-                        </a:rPr>
-                        <a:t>"Movies"</a:t>
-                      </a:r>
-                      <a:r>
-                        <a:rPr lang="en-US" sz="1600" dirty="0">
-                          <a:solidFill>
-                            <a:srgbClr val="000000"/>
-                          </a:solidFill>
-                          <a:latin typeface="Consolas" panose="020B0609020204030204" pitchFamily="49" charset="0"/>
-                        </a:rPr>
-                        <a:t>));</a:t>
-                      </a:r>
-                    </a:p>
-                    <a:p>
-                      <a:r>
-                        <a:rPr lang="en-US" sz="1600" dirty="0">
-                          <a:solidFill>
-                            <a:srgbClr val="000000"/>
-                          </a:solidFill>
-                          <a:latin typeface="Consolas" panose="020B0609020204030204" pitchFamily="49" charset="0"/>
-                        </a:rPr>
-                        <a:t>        </a:t>
-                      </a:r>
-                      <a:r>
-                        <a:rPr lang="en-US" sz="1600" dirty="0" err="1">
-                          <a:solidFill>
-                            <a:srgbClr val="000000"/>
-                          </a:solidFill>
-                          <a:latin typeface="Consolas" panose="020B0609020204030204" pitchFamily="49" charset="0"/>
-                        </a:rPr>
-                        <a:t>builder.UserID</a:t>
-                      </a:r>
-                      <a:r>
-                        <a:rPr lang="en-US" sz="1600" dirty="0">
-                          <a:solidFill>
-                            <a:srgbClr val="000000"/>
-                          </a:solidFill>
-                          <a:latin typeface="Consolas" panose="020B0609020204030204" pitchFamily="49" charset="0"/>
-                        </a:rPr>
-                        <a:t> = Configuration[</a:t>
-                      </a:r>
-                      <a:r>
-                        <a:rPr lang="en-US" sz="1600" dirty="0">
-                          <a:solidFill>
-                            <a:srgbClr val="A31515"/>
-                          </a:solidFill>
-                          <a:latin typeface="Consolas" panose="020B0609020204030204" pitchFamily="49" charset="0"/>
-                        </a:rPr>
-                        <a:t>"</a:t>
-                      </a:r>
-                      <a:r>
-                        <a:rPr lang="en-US" sz="1600" dirty="0" err="1">
-                          <a:solidFill>
-                            <a:srgbClr val="A31515"/>
-                          </a:solidFill>
-                          <a:latin typeface="Consolas" panose="020B0609020204030204" pitchFamily="49" charset="0"/>
-                        </a:rPr>
-                        <a:t>Movies:User</a:t>
-                      </a:r>
-                      <a:r>
-                        <a:rPr lang="en-US" sz="1600" dirty="0">
-                          <a:solidFill>
-                            <a:srgbClr val="A31515"/>
-                          </a:solidFill>
-                          <a:latin typeface="Consolas" panose="020B0609020204030204" pitchFamily="49" charset="0"/>
-                        </a:rPr>
-                        <a:t>"</a:t>
-                      </a:r>
-                      <a:r>
-                        <a:rPr lang="en-US" sz="1600" dirty="0">
-                          <a:solidFill>
-                            <a:srgbClr val="000000"/>
-                          </a:solidFill>
-                          <a:latin typeface="Consolas" panose="020B0609020204030204" pitchFamily="49" charset="0"/>
-                        </a:rPr>
-                        <a:t>];</a:t>
-                      </a:r>
-                    </a:p>
-                    <a:p>
-                      <a:r>
-                        <a:rPr lang="en-US" sz="1600" dirty="0">
-                          <a:solidFill>
-                            <a:srgbClr val="000000"/>
-                          </a:solidFill>
-                          <a:latin typeface="Consolas" panose="020B0609020204030204" pitchFamily="49" charset="0"/>
-                        </a:rPr>
-                        <a:t>        </a:t>
-                      </a:r>
-                      <a:r>
-                        <a:rPr lang="en-US" sz="1600" dirty="0" err="1">
-                          <a:solidFill>
-                            <a:srgbClr val="000000"/>
-                          </a:solidFill>
-                          <a:latin typeface="Consolas" panose="020B0609020204030204" pitchFamily="49" charset="0"/>
-                        </a:rPr>
-                        <a:t>builder.Password</a:t>
-                      </a:r>
-                      <a:r>
-                        <a:rPr lang="en-US" sz="1600" dirty="0">
-                          <a:solidFill>
-                            <a:srgbClr val="000000"/>
-                          </a:solidFill>
-                          <a:latin typeface="Consolas" panose="020B0609020204030204" pitchFamily="49" charset="0"/>
-                        </a:rPr>
-                        <a:t> = Configuration[</a:t>
-                      </a:r>
-                      <a:r>
-                        <a:rPr lang="en-US" sz="1600" dirty="0">
-                          <a:solidFill>
-                            <a:srgbClr val="A31515"/>
-                          </a:solidFill>
-                          <a:latin typeface="Consolas" panose="020B0609020204030204" pitchFamily="49" charset="0"/>
-                        </a:rPr>
-                        <a:t>"</a:t>
-                      </a:r>
-                      <a:r>
-                        <a:rPr lang="en-US" sz="1600" dirty="0" err="1">
-                          <a:solidFill>
-                            <a:srgbClr val="A31515"/>
-                          </a:solidFill>
-                          <a:latin typeface="Consolas" panose="020B0609020204030204" pitchFamily="49" charset="0"/>
-                        </a:rPr>
-                        <a:t>Movies:Password</a:t>
-                      </a:r>
-                      <a:r>
-                        <a:rPr lang="en-US" sz="1600" dirty="0">
-                          <a:solidFill>
-                            <a:srgbClr val="A31515"/>
-                          </a:solidFill>
-                          <a:latin typeface="Consolas" panose="020B0609020204030204" pitchFamily="49" charset="0"/>
-                        </a:rPr>
-                        <a:t>"</a:t>
-                      </a:r>
-                      <a:r>
-                        <a:rPr lang="en-US" sz="1600" dirty="0">
-                          <a:solidFill>
-                            <a:srgbClr val="000000"/>
-                          </a:solidFill>
-                          <a:latin typeface="Consolas" panose="020B0609020204030204" pitchFamily="49" charset="0"/>
-                        </a:rPr>
-                        <a:t>];</a:t>
-                      </a:r>
-                    </a:p>
-                    <a:p>
-                      <a:r>
-                        <a:rPr lang="en-US" sz="1600" dirty="0">
-                          <a:solidFill>
-                            <a:srgbClr val="000000"/>
-                          </a:solidFill>
-                          <a:latin typeface="Consolas" panose="020B0609020204030204" pitchFamily="49" charset="0"/>
-                        </a:rPr>
-                        <a:t>        _connection = </a:t>
-                      </a:r>
-                      <a:r>
-                        <a:rPr lang="en-US" sz="1600" dirty="0" err="1">
-                          <a:solidFill>
-                            <a:srgbClr val="000000"/>
-                          </a:solidFill>
-                          <a:latin typeface="Consolas" panose="020B0609020204030204" pitchFamily="49" charset="0"/>
-                        </a:rPr>
-                        <a:t>builder.ConnectionString</a:t>
-                      </a:r>
-                      <a:r>
-                        <a:rPr lang="en-US" sz="1600" dirty="0">
-                          <a:solidFill>
-                            <a:srgbClr val="000000"/>
-                          </a:solidFill>
-                          <a:latin typeface="Consolas" panose="020B0609020204030204" pitchFamily="49" charset="0"/>
-                        </a:rPr>
-                        <a:t>;</a:t>
-                      </a:r>
-                    </a:p>
-                  </a:txBody>
-                  <a:tcPr>
-                    <a:lnL w="12700" cap="flat" cmpd="sng" algn="ctr">
-                      <a:solidFill>
-                        <a:sysClr val="window" lastClr="FFFFFF"/>
-                      </a:solidFill>
-                      <a:prstDash val="solid"/>
-                      <a:round/>
-                      <a:headEnd type="none" w="med" len="med"/>
-                      <a:tailEnd type="none" w="med" len="med"/>
-                    </a:lnL>
-                    <a:lnR w="12700" cap="flat" cmpd="sng" algn="ctr">
-                      <a:solidFill>
-                        <a:sysClr val="window" lastClr="FFFFFF"/>
-                      </a:solidFill>
-                      <a:prstDash val="solid"/>
-                      <a:round/>
-                      <a:headEnd type="none" w="med" len="med"/>
-                      <a:tailEnd type="none" w="med" len="med"/>
-                    </a:lnR>
-                    <a:lnT w="12700" cap="flat" cmpd="sng" algn="ctr">
-                      <a:solidFill>
-                        <a:sysClr val="window" lastClr="FFFFFF"/>
-                      </a:solidFill>
-                      <a:prstDash val="solid"/>
-                      <a:round/>
-                      <a:headEnd type="none" w="med" len="med"/>
-                      <a:tailEnd type="none" w="med" len="med"/>
-                    </a:lnT>
-                    <a:lnB w="12700" cap="flat" cmpd="sng" algn="ctr">
-                      <a:solidFill>
-                        <a:sysClr val="window" lastClr="FFFFFF"/>
-                      </a:solidFill>
-                      <a:prstDash val="solid"/>
-                      <a:round/>
-                      <a:headEnd type="none" w="med" len="med"/>
-                      <a:tailEnd type="none" w="med" len="med"/>
-                    </a:lnB>
-                    <a:lnTlToBr w="12700" cmpd="sng">
-                      <a:noFill/>
-                      <a:prstDash val="solid"/>
-                    </a:lnTlToBr>
-                    <a:lnBlToTr w="12700" cmpd="sng">
-                      <a:noFill/>
-                      <a:prstDash val="solid"/>
-                    </a:lnBlToTr>
-                    <a:solidFill>
-                      <a:sysClr val="window" lastClr="FFFFFF"/>
-                    </a:solidFill>
-                  </a:tcPr>
-                </a:tc>
-                <a:extLst>
-                  <a:ext uri="{0D108BD9-81ED-4DB2-BD59-A6C34878D82A}">
-                    <a16:rowId xmlns:a16="http://schemas.microsoft.com/office/drawing/2014/main" val="3473222697"/>
-                  </a:ext>
-                </a:extLst>
-              </a:tr>
-              <a:tr h="319132">
-                <a:tc>
-                  <a:txBody>
-                    <a:bodyPr/>
-                    <a:lstStyle/>
-                    <a:p>
-                      <a:endParaRPr lang="en-US" sz="1600" dirty="0">
-                        <a:solidFill>
-                          <a:srgbClr val="000000"/>
-                        </a:solidFill>
-                        <a:latin typeface="Consolas" panose="020B0609020204030204" pitchFamily="49" charset="0"/>
-                      </a:endParaRPr>
-                    </a:p>
-                  </a:txBody>
-                  <a:tcPr>
-                    <a:lnL w="12700" cap="flat" cmpd="sng" algn="ctr">
-                      <a:solidFill>
-                        <a:sysClr val="window" lastClr="FFFFFF"/>
-                      </a:solidFill>
-                      <a:prstDash val="solid"/>
-                      <a:round/>
-                      <a:headEnd type="none" w="med" len="med"/>
-                      <a:tailEnd type="none" w="med" len="med"/>
-                    </a:lnL>
-                    <a:lnR w="12700" cap="flat" cmpd="sng" algn="ctr">
-                      <a:solidFill>
-                        <a:sysClr val="window" lastClr="FFFFFF"/>
-                      </a:solidFill>
-                      <a:prstDash val="solid"/>
-                      <a:round/>
-                      <a:headEnd type="none" w="med" len="med"/>
-                      <a:tailEnd type="none" w="med" len="med"/>
-                    </a:lnR>
-                    <a:lnT w="12700" cap="flat" cmpd="sng" algn="ctr">
-                      <a:solidFill>
-                        <a:sysClr val="window" lastClr="FFFFFF"/>
-                      </a:solidFill>
-                      <a:prstDash val="solid"/>
-                      <a:round/>
-                      <a:headEnd type="none" w="med" len="med"/>
-                      <a:tailEnd type="none" w="med" len="med"/>
-                    </a:lnT>
-                    <a:lnB w="12700" cap="flat" cmpd="sng" algn="ctr">
-                      <a:solidFill>
-                        <a:sysClr val="window" lastClr="FFFFFF"/>
-                      </a:solidFill>
-                      <a:prstDash val="solid"/>
-                      <a:round/>
-                      <a:headEnd type="none" w="med" len="med"/>
-                      <a:tailEnd type="none" w="med" len="med"/>
-                    </a:lnB>
-                    <a:lnTlToBr w="12700" cmpd="sng">
-                      <a:noFill/>
-                      <a:prstDash val="solid"/>
-                    </a:lnTlToBr>
-                    <a:lnBlToTr w="12700" cmpd="sng">
-                      <a:noFill/>
-                      <a:prstDash val="solid"/>
-                    </a:lnBlToTr>
-                    <a:solidFill>
-                      <a:sysClr val="window" lastClr="FFFFFF"/>
-                    </a:solidFill>
-                  </a:tcPr>
-                </a:tc>
-                <a:extLst>
-                  <a:ext uri="{0D108BD9-81ED-4DB2-BD59-A6C34878D82A}">
-                    <a16:rowId xmlns:a16="http://schemas.microsoft.com/office/drawing/2014/main" val="97062865"/>
-                  </a:ext>
-                </a:extLst>
-              </a:tr>
-            </a:tbl>
-          </a:graphicData>
-        </a:graphic>
-      </p:graphicFrame>
-      <p:sp>
-        <p:nvSpPr>
-          <p:cNvPr id="5" name="Rectangle 4">
-            <a:extLst>
-              <a:ext uri="{FF2B5EF4-FFF2-40B4-BE49-F238E27FC236}">
-                <a16:creationId xmlns:a16="http://schemas.microsoft.com/office/drawing/2014/main" id="{968B1320-9F80-48D4-8F49-987C2A75ECD9}"/>
-              </a:ext>
-            </a:extLst>
-          </p:cNvPr>
-          <p:cNvSpPr/>
-          <p:nvPr/>
-        </p:nvSpPr>
-        <p:spPr>
-          <a:xfrm>
-            <a:off x="838200" y="1474306"/>
-            <a:ext cx="1978891" cy="446567"/>
-          </a:xfrm>
-          <a:prstGeom prst="rect">
-            <a:avLst/>
-          </a:prstGeom>
-          <a:gradFill rotWithShape="1">
-            <a:gsLst>
-              <a:gs pos="0">
-                <a:srgbClr val="5B9BD5">
-                  <a:lumMod val="110000"/>
-                  <a:satMod val="105000"/>
-                  <a:tint val="67000"/>
-                </a:srgbClr>
-              </a:gs>
-              <a:gs pos="50000">
-                <a:srgbClr val="5B9BD5">
-                  <a:lumMod val="105000"/>
-                  <a:satMod val="103000"/>
-                  <a:tint val="73000"/>
-                </a:srgbClr>
-              </a:gs>
-              <a:gs pos="100000">
-                <a:srgbClr val="5B9BD5">
-                  <a:lumMod val="105000"/>
-                  <a:satMod val="109000"/>
-                  <a:tint val="81000"/>
-                </a:srgbClr>
-              </a:gs>
-            </a:gsLst>
-            <a:lin ang="5400000" scaled="0"/>
-          </a:gradFill>
-          <a:ln w="6350" cap="flat" cmpd="sng" algn="ctr">
-            <a:solidFill>
-              <a:srgbClr val="5B9BD5"/>
-            </a:solidFill>
-            <a:prstDash val="solid"/>
-            <a:miter lim="800000"/>
-          </a:ln>
-          <a:effectLst/>
-        </p:spPr>
-        <p:txBody>
-          <a:bodyPr rtlCol="0" anchor="ctr"/>
-          <a:lstStyle/>
-          <a:p>
-            <a:pPr marL="0" marR="0" lvl="0" indent="0" algn="ctr" defTabSz="914400" eaLnBrk="1" fontAlgn="auto" latinLnBrk="0" hangingPunct="1">
-              <a:lnSpc>
-                <a:spcPct val="100000"/>
-              </a:lnSpc>
-              <a:spcBef>
-                <a:spcPts val="0"/>
-              </a:spcBef>
-              <a:spcAft>
-                <a:spcPts val="0"/>
-              </a:spcAft>
-              <a:buClrTx/>
-              <a:buSzTx/>
-              <a:buFontTx/>
-              <a:buNone/>
-              <a:tabLst/>
-              <a:defRPr/>
-            </a:pPr>
-            <a:r>
-              <a:rPr lang="en-US" b="1" kern="0" dirty="0" err="1">
-                <a:solidFill>
-                  <a:prstClr val="black"/>
-                </a:solidFill>
-                <a:latin typeface="Segoe UI Light"/>
-              </a:rPr>
-              <a:t>Startup.cs</a:t>
-            </a:r>
-            <a:endParaRPr kumimoji="0" lang="en-US" sz="1800" b="1" i="0" u="none" strike="noStrike" kern="0" cap="none" spc="0" normalizeH="0" baseline="0" noProof="0" dirty="0">
-              <a:ln>
-                <a:noFill/>
-              </a:ln>
-              <a:solidFill>
-                <a:prstClr val="black"/>
-              </a:solidFill>
-              <a:effectLst/>
-              <a:uLnTx/>
-              <a:uFillTx/>
-              <a:latin typeface="Segoe UI Light"/>
-              <a:ea typeface="+mn-ea"/>
-              <a:cs typeface="+mn-cs"/>
-            </a:endParaRPr>
-          </a:p>
-        </p:txBody>
-      </p:sp>
-      <p:sp>
-        <p:nvSpPr>
-          <p:cNvPr id="6" name="Content Placeholder 5">
-            <a:extLst>
-              <a:ext uri="{FF2B5EF4-FFF2-40B4-BE49-F238E27FC236}">
-                <a16:creationId xmlns:a16="http://schemas.microsoft.com/office/drawing/2014/main" id="{E5A9F2D8-89AD-4C13-B6B2-AF06F5805B64}"/>
-              </a:ext>
-            </a:extLst>
-          </p:cNvPr>
-          <p:cNvSpPr>
-            <a:spLocks noGrp="1"/>
-          </p:cNvSpPr>
-          <p:nvPr>
-            <p:ph idx="1"/>
-          </p:nvPr>
-        </p:nvSpPr>
-        <p:spPr>
-          <a:xfrm>
-            <a:off x="1745673" y="5135418"/>
-            <a:ext cx="5902036" cy="517238"/>
-          </a:xfrm>
-          <a:prstGeom prst="rect">
-            <a:avLst/>
-          </a:prstGeom>
-          <a:noFill/>
-          <a:ln w="38100">
-            <a:solidFill>
-              <a:schemeClr val="accent1"/>
-            </a:solidFill>
-          </a:ln>
-        </p:spPr>
-        <p:style>
-          <a:lnRef idx="2">
-            <a:schemeClr val="accent1">
-              <a:shade val="50000"/>
-            </a:schemeClr>
-          </a:lnRef>
-          <a:fillRef idx="1">
-            <a:schemeClr val="accent1"/>
-          </a:fillRef>
-          <a:effectRef idx="0">
-            <a:schemeClr val="accent1"/>
-          </a:effectRef>
-          <a:fontRef idx="minor">
-            <a:schemeClr val="lt1"/>
-          </a:fontRef>
-        </p:style>
-        <p:txBody>
-          <a:bodyPr rtlCol="0" anchor="ctr"/>
-          <a:lstStyle/>
-          <a:p>
-            <a:endParaRPr lang="en-US" dirty="0"/>
-          </a:p>
-        </p:txBody>
-      </p:sp>
-    </p:spTree>
-    <p:extLst>
-      <p:ext uri="{BB962C8B-B14F-4D97-AF65-F5344CB8AC3E}">
-        <p14:creationId xmlns:p14="http://schemas.microsoft.com/office/powerpoint/2010/main" val="972511945"/>
-      </p:ext>
-    </p:extLst>
-  </p:cSld>
-  <p:clrMapOvr>
-    <a:masterClrMapping/>
-  </p:clrMapOvr>
-  <p:timing>
-    <p:tnLst>
-      <p:par>
-        <p:cTn id="1" dur="indefinite" restart="never" nodeType="tmRoot">
-          <p:childTnLst>
-            <p:seq concurrent="1" nextAc="seek">
-              <p:cTn id="2" dur="indefinite" nodeType="mainSeq">
-                <p:childTnLst>
-                  <p:par>
-                    <p:cTn id="3" fill="hold">
-                      <p:stCondLst>
-                        <p:cond delay="indefinite"/>
-                        <p:cond evt="onBegin" delay="0">
-                          <p:tn val="2"/>
-                        </p:cond>
-                      </p:stCondLst>
-                      <p:childTnLst>
-                        <p:par>
-                          <p:cTn id="4" fill="hold">
-                            <p:stCondLst>
-                              <p:cond delay="0"/>
-                            </p:stCondLst>
-                            <p:childTnLst>
-                              <p:par>
-                                <p:cTn id="5" presetID="10" presetClass="entr" presetSubtype="0" fill="hold" grpId="0" nodeType="withEffect">
-                                  <p:stCondLst>
-                                    <p:cond delay="0"/>
-                                  </p:stCondLst>
-                                  <p:childTnLst>
-                                    <p:set>
-                                      <p:cBhvr>
-                                        <p:cTn id="6" dur="1" fill="hold">
-                                          <p:stCondLst>
-                                            <p:cond delay="0"/>
-                                          </p:stCondLst>
-                                        </p:cTn>
-                                        <p:tgtEl>
-                                          <p:spTgt spid="5"/>
-                                        </p:tgtEl>
-                                        <p:attrNameLst>
-                                          <p:attrName>style.visibility</p:attrName>
-                                        </p:attrNameLst>
-                                      </p:cBhvr>
-                                      <p:to>
-                                        <p:strVal val="visible"/>
-                                      </p:to>
-                                    </p:set>
-                                    <p:animEffect transition="in" filter="fade">
-                                      <p:cBhvr>
-                                        <p:cTn id="7" dur="500"/>
-                                        <p:tgtEl>
-                                          <p:spTgt spid="5"/>
-                                        </p:tgtEl>
-                                      </p:cBhvr>
-                                    </p:animEffect>
-                                  </p:childTnLst>
-                                </p:cTn>
-                              </p:par>
-                              <p:par>
-                                <p:cTn id="8" presetID="10" presetClass="entr" presetSubtype="0" fill="hold" nodeType="withEffect">
-                                  <p:stCondLst>
-                                    <p:cond delay="0"/>
-                                  </p:stCondLst>
-                                  <p:childTnLst>
-                                    <p:set>
-                                      <p:cBhvr>
-                                        <p:cTn id="9" dur="1" fill="hold">
-                                          <p:stCondLst>
-                                            <p:cond delay="0"/>
-                                          </p:stCondLst>
-                                        </p:cTn>
-                                        <p:tgtEl>
-                                          <p:spTgt spid="4"/>
-                                        </p:tgtEl>
-                                        <p:attrNameLst>
-                                          <p:attrName>style.visibility</p:attrName>
-                                        </p:attrNameLst>
-                                      </p:cBhvr>
-                                      <p:to>
-                                        <p:strVal val="visible"/>
-                                      </p:to>
-                                    </p:set>
-                                    <p:animEffect transition="in" filter="fade">
-                                      <p:cBhvr>
-                                        <p:cTn id="10" dur="500"/>
-                                        <p:tgtEl>
-                                          <p:spTgt spid="4"/>
-                                        </p:tgtEl>
-                                      </p:cBhvr>
-                                    </p:animEffect>
-                                  </p:childTnLst>
-                                </p:cTn>
-                              </p:par>
-                              <p:par>
-                                <p:cTn id="11" presetID="10" presetClass="entr" presetSubtype="0" fill="hold" grpId="0" nodeType="withEffect">
-                                  <p:stCondLst>
-                                    <p:cond delay="0"/>
-                                  </p:stCondLst>
-                                  <p:childTnLst>
-                                    <p:set>
-                                      <p:cBhvr>
-                                        <p:cTn id="12" dur="1" fill="hold">
-                                          <p:stCondLst>
-                                            <p:cond delay="0"/>
-                                          </p:stCondLst>
-                                        </p:cTn>
-                                        <p:tgtEl>
-                                          <p:spTgt spid="6"/>
-                                        </p:tgtEl>
-                                        <p:attrNameLst>
-                                          <p:attrName>style.visibility</p:attrName>
-                                        </p:attrNameLst>
-                                      </p:cBhvr>
-                                      <p:to>
-                                        <p:strVal val="visible"/>
-                                      </p:to>
-                                    </p:set>
-                                    <p:animEffect transition="in" filter="fade">
-                                      <p:cBhvr>
-                                        <p:cTn id="13" dur="500"/>
-                                        <p:tgtEl>
-                                          <p:spTgt spid="6"/>
-                                        </p:tgtEl>
-                                      </p:cBhvr>
-                                    </p:animEffect>
-                                  </p:childTnLst>
-                                </p:cTn>
-                              </p:par>
-                            </p:childTnLst>
-                          </p:cTn>
-                        </p:par>
-                      </p:childTnLst>
-                    </p:cTn>
-                  </p:par>
-                </p:childTnLst>
-              </p:cTn>
-              <p:prevCondLst>
-                <p:cond evt="onPrev" delay="0">
-                  <p:tgtEl>
-                    <p:sldTgt/>
-                  </p:tgtEl>
-                </p:cond>
-              </p:prevCondLst>
-              <p:nextCondLst>
-                <p:cond evt="onNext" delay="0">
-                  <p:tgtEl>
-                    <p:sldTgt/>
-                  </p:tgtEl>
-                </p:cond>
-              </p:nextCondLst>
-            </p:seq>
-          </p:childTnLst>
-        </p:cTn>
-      </p:par>
-    </p:tnLst>
-    <p:bldLst>
-      <p:bldP spid="5" grpId="0" animBg="1"/>
-      <p:bldP spid="6" grpId="0" animBg="1"/>
-    </p:bldLst>
-  </p:timing>
-</p:sld>
-</file>
-
-<file path=ppt/slides/slide11.xml><?xml version="1.0" encoding="utf-8"?>
-<p:sld xmlns:a="http://schemas.openxmlformats.org/drawingml/2006/main" xmlns:r="http://schemas.openxmlformats.org/officeDocument/2006/relationships" xmlns:p="http://schemas.openxmlformats.org/presentationml/2006/main">
-  <p:cSld>
-    <p:bg>
-      <p:bgPr>
-        <a:solidFill>
-          <a:srgbClr val="505050"/>
-        </a:solidFill>
-        <a:effectLst/>
-      </p:bgPr>
-    </p:bg>
-    <p:spTree>
-      <p:nvGrpSpPr>
-        <p:cNvPr id="1" name=""/>
-        <p:cNvGrpSpPr/>
-        <p:nvPr/>
-      </p:nvGrpSpPr>
-      <p:grpSpPr>
-        <a:xfrm>
-          <a:off x="0" y="0"/>
-          <a:ext cx="0" cy="0"/>
-          <a:chOff x="0" y="0"/>
-          <a:chExt cx="0" cy="0"/>
-        </a:xfrm>
-      </p:grpSpPr>
-      <p:sp>
-        <p:nvSpPr>
-          <p:cNvPr id="2" name="Title 1"/>
-          <p:cNvSpPr>
-            <a:spLocks noGrp="1"/>
-          </p:cNvSpPr>
-          <p:nvPr>
-            <p:ph type="title"/>
-          </p:nvPr>
-        </p:nvSpPr>
         <p:spPr>
           <a:xfrm>
             <a:off x="831850" y="1709738"/>
@@ -14593,7 +10455,7 @@
 </p:sld>
 </file>
 
-<file path=ppt/slides/slide12.xml><?xml version="1.0" encoding="utf-8"?>
+<file path=ppt/slides/slide11.xml><?xml version="1.0" encoding="utf-8"?>
 <p:sld xmlns:a="http://schemas.openxmlformats.org/drawingml/2006/main" xmlns:r="http://schemas.openxmlformats.org/officeDocument/2006/relationships" xmlns:p="http://schemas.openxmlformats.org/presentationml/2006/main">
   <p:cSld>
     <p:bg>
@@ -15858,7 +11720,7 @@
 </p:sld>
 </file>
 
-<file path=ppt/slides/slide13.xml><?xml version="1.0" encoding="utf-8"?>
+<file path=ppt/slides/slide12.xml><?xml version="1.0" encoding="utf-8"?>
 <p:sld xmlns:a="http://schemas.openxmlformats.org/drawingml/2006/main" xmlns:r="http://schemas.openxmlformats.org/officeDocument/2006/relationships" xmlns:p="http://schemas.openxmlformats.org/presentationml/2006/main">
   <p:cSld>
     <p:bg>
@@ -16680,7 +12542,7 @@
 </p:sld>
 </file>
 
-<file path=ppt/slides/slide14.xml><?xml version="1.0" encoding="utf-8"?>
+<file path=ppt/slides/slide13.xml><?xml version="1.0" encoding="utf-8"?>
 <p:sld xmlns:a="http://schemas.openxmlformats.org/drawingml/2006/main" xmlns:r="http://schemas.openxmlformats.org/officeDocument/2006/relationships" xmlns:p="http://schemas.openxmlformats.org/presentationml/2006/main">
   <p:cSld>
     <p:bg>
@@ -17500,7 +13362,7 @@
 </p:sld>
 </file>
 
-<file path=ppt/slides/slide15.xml><?xml version="1.0" encoding="utf-8"?>
+<file path=ppt/slides/slide14.xml><?xml version="1.0" encoding="utf-8"?>
 <p:sld xmlns:a="http://schemas.openxmlformats.org/drawingml/2006/main" xmlns:r="http://schemas.openxmlformats.org/officeDocument/2006/relationships" xmlns:p="http://schemas.openxmlformats.org/presentationml/2006/main">
   <p:cSld>
     <p:bg>
@@ -17864,7 +13726,7 @@
 </p:sld>
 </file>
 
-<file path=ppt/slides/slide16.xml><?xml version="1.0" encoding="utf-8"?>
+<file path=ppt/slides/slide15.xml><?xml version="1.0" encoding="utf-8"?>
 <p:sld xmlns:a="http://schemas.openxmlformats.org/drawingml/2006/main" xmlns:r="http://schemas.openxmlformats.org/officeDocument/2006/relationships" xmlns:p="http://schemas.openxmlformats.org/presentationml/2006/main">
   <p:cSld>
     <p:bg>
@@ -17911,21 +13773,44 @@
           </a:p>
         </p:txBody>
       </p:sp>
+      <p:sp>
+        <p:nvSpPr>
+          <p:cNvPr id="10" name="Content Placeholder 9">
+            <a:extLst>
+              <a:ext uri="{FF2B5EF4-FFF2-40B4-BE49-F238E27FC236}">
+                <a16:creationId xmlns:a16="http://schemas.microsoft.com/office/drawing/2014/main" id="{8BA38B8A-1E67-44A0-B7DE-47E0ADFFBB70}"/>
+              </a:ext>
+            </a:extLst>
+          </p:cNvPr>
+          <p:cNvSpPr>
+            <a:spLocks noGrp="1"/>
+          </p:cNvSpPr>
+          <p:nvPr>
+            <p:ph idx="1"/>
+          </p:nvPr>
+        </p:nvSpPr>
+        <p:spPr/>
+        <p:txBody>
+          <a:bodyPr/>
+          <a:lstStyle/>
+          <a:p>
+            <a:endParaRPr lang="en-US"/>
+          </a:p>
+        </p:txBody>
+      </p:sp>
       <p:pic>
         <p:nvPicPr>
-          <p:cNvPr id="4" name="Content Placeholder 3">
+          <p:cNvPr id="11" name="Picture 10">
             <a:extLst>
               <a:ext uri="{FF2B5EF4-FFF2-40B4-BE49-F238E27FC236}">
-                <a16:creationId xmlns:a16="http://schemas.microsoft.com/office/drawing/2014/main" id="{14BEC922-47AD-4973-84E6-93B63223D7ED}"/>
+                <a16:creationId xmlns:a16="http://schemas.microsoft.com/office/drawing/2014/main" id="{5368BC33-F10B-4F4F-8386-BBF220F15638}"/>
               </a:ext>
             </a:extLst>
           </p:cNvPr>
           <p:cNvPicPr>
-            <a:picLocks noGrp="1" noChangeAspect="1"/>
+            <a:picLocks noChangeAspect="1"/>
           </p:cNvPicPr>
-          <p:nvPr>
-            <p:ph idx="1"/>
-          </p:nvPr>
+          <p:nvPr/>
         </p:nvPicPr>
         <p:blipFill>
           <a:blip r:embed="rId3"/>
@@ -17935,8 +13820,8 @@
         </p:blipFill>
         <p:spPr>
           <a:xfrm>
-            <a:off x="938372" y="1606303"/>
-            <a:ext cx="10555399" cy="3849412"/>
+            <a:off x="838200" y="1825625"/>
+            <a:ext cx="8249801" cy="4372585"/>
           </a:xfrm>
           <a:prstGeom prst="rect">
             <a:avLst/>
@@ -17946,7 +13831,7 @@
     </p:spTree>
     <p:extLst>
       <p:ext uri="{BB962C8B-B14F-4D97-AF65-F5344CB8AC3E}">
-        <p14:creationId xmlns:p14="http://schemas.microsoft.com/office/powerpoint/2010/main" val="2178576446"/>
+        <p14:creationId xmlns:p14="http://schemas.microsoft.com/office/powerpoint/2010/main" val="3289616536"/>
       </p:ext>
     </p:extLst>
   </p:cSld>
@@ -17956,7 +13841,7 @@
 </p:sld>
 </file>
 
-<file path=ppt/slides/slide17.xml><?xml version="1.0" encoding="utf-8"?>
+<file path=ppt/slides/slide16.xml><?xml version="1.0" encoding="utf-8"?>
 <p:sld xmlns:a="http://schemas.openxmlformats.org/drawingml/2006/main" xmlns:r="http://schemas.openxmlformats.org/officeDocument/2006/relationships" xmlns:p="http://schemas.openxmlformats.org/presentationml/2006/main">
   <p:cSld>
     <p:bg>
@@ -18385,7 +14270,7 @@
 </p:sld>
 </file>
 
-<file path=ppt/slides/slide18.xml><?xml version="1.0" encoding="utf-8"?>
+<file path=ppt/slides/slide17.xml><?xml version="1.0" encoding="utf-8"?>
 <p:sld xmlns:a="http://schemas.openxmlformats.org/drawingml/2006/main" xmlns:r="http://schemas.openxmlformats.org/officeDocument/2006/relationships" xmlns:p="http://schemas.openxmlformats.org/presentationml/2006/main">
   <p:cSld>
     <p:bg>
@@ -18971,7 +14856,7 @@
 </p:sld>
 </file>
 
-<file path=ppt/slides/slide19.xml><?xml version="1.0" encoding="utf-8"?>
+<file path=ppt/slides/slide18.xml><?xml version="1.0" encoding="utf-8"?>
 <p:sld xmlns:a="http://schemas.openxmlformats.org/drawingml/2006/main" xmlns:r="http://schemas.openxmlformats.org/officeDocument/2006/relationships" xmlns:p="http://schemas.openxmlformats.org/presentationml/2006/main">
   <p:cSld>
     <p:bg>
@@ -19153,51 +15038,7 @@
 </p:sld>
 </file>
 
-<file path=ppt/slides/slide2.xml><?xml version="1.0" encoding="utf-8"?>
-<p:sld xmlns:a="http://schemas.openxmlformats.org/drawingml/2006/main" xmlns:r="http://schemas.openxmlformats.org/officeDocument/2006/relationships" xmlns:p="http://schemas.openxmlformats.org/presentationml/2006/main">
-  <p:cSld>
-    <p:bg>
-      <p:bgPr>
-        <a:blipFill dpi="0" rotWithShape="1">
-          <a:blip r:embed="rId2">
-            <a:lum/>
-          </a:blip>
-          <a:srcRect/>
-          <a:stretch>
-            <a:fillRect/>
-          </a:stretch>
-        </a:blipFill>
-        <a:effectLst/>
-      </p:bgPr>
-    </p:bg>
-    <p:spTree>
-      <p:nvGrpSpPr>
-        <p:cNvPr id="1" name=""/>
-        <p:cNvGrpSpPr/>
-        <p:nvPr/>
-      </p:nvGrpSpPr>
-      <p:grpSpPr>
-        <a:xfrm>
-          <a:off x="0" y="0"/>
-          <a:ext cx="0" cy="0"/>
-          <a:chOff x="0" y="0"/>
-          <a:chExt cx="0" cy="0"/>
-        </a:xfrm>
-      </p:grpSpPr>
-    </p:spTree>
-    <p:extLst>
-      <p:ext uri="{BB962C8B-B14F-4D97-AF65-F5344CB8AC3E}">
-        <p14:creationId xmlns:p14="http://schemas.microsoft.com/office/powerpoint/2010/main" val="257044050"/>
-      </p:ext>
-    </p:extLst>
-  </p:cSld>
-  <p:clrMapOvr>
-    <a:masterClrMapping/>
-  </p:clrMapOvr>
-</p:sld>
-</file>
-
-<file path=ppt/slides/slide20.xml><?xml version="1.0" encoding="utf-8"?>
+<file path=ppt/slides/slide19.xml><?xml version="1.0" encoding="utf-8"?>
 <p:sld xmlns:a="http://schemas.openxmlformats.org/drawingml/2006/main" xmlns:r="http://schemas.openxmlformats.org/officeDocument/2006/relationships" xmlns:p="http://schemas.openxmlformats.org/presentationml/2006/main">
   <p:cSld>
     <p:bg>
@@ -19409,134 +15250,113 @@
           </a:prstGeom>
         </p:spPr>
       </p:pic>
-      <p:grpSp>
-        <p:nvGrpSpPr>
-          <p:cNvPr id="6" name="Group 5">
+      <p:pic>
+        <p:nvPicPr>
+          <p:cNvPr id="7" name="Picture 6">
             <a:extLst>
               <a:ext uri="{FF2B5EF4-FFF2-40B4-BE49-F238E27FC236}">
-                <a16:creationId xmlns:a16="http://schemas.microsoft.com/office/drawing/2014/main" id="{20DB7211-326D-476D-BB91-6C8C41564E30}"/>
+                <a16:creationId xmlns:a16="http://schemas.microsoft.com/office/drawing/2014/main" id="{867EAFBD-EBC0-4665-8891-DDEC61E19AA5}"/>
               </a:ext>
             </a:extLst>
           </p:cNvPr>
-          <p:cNvGrpSpPr/>
+          <p:cNvPicPr>
+            <a:picLocks noChangeAspect="1"/>
+          </p:cNvPicPr>
           <p:nvPr/>
-        </p:nvGrpSpPr>
-        <p:grpSpPr>
+        </p:nvPicPr>
+        <p:blipFill>
+          <a:blip r:embed="rId8"/>
+          <a:stretch>
+            <a:fillRect/>
+          </a:stretch>
+        </p:blipFill>
+        <p:spPr>
           <a:xfrm>
-            <a:off x="6743040" y="2643144"/>
-            <a:ext cx="5337835" cy="4120209"/>
-            <a:chOff x="7116717" y="2055624"/>
-            <a:chExt cx="5337835" cy="4120209"/>
+            <a:off x="8739977" y="4501541"/>
+            <a:ext cx="3340898" cy="2261812"/>
           </a:xfrm>
-        </p:grpSpPr>
-        <p:pic>
-          <p:nvPicPr>
-            <p:cNvPr id="7" name="Picture 6">
-              <a:extLst>
-                <a:ext uri="{FF2B5EF4-FFF2-40B4-BE49-F238E27FC236}">
-                  <a16:creationId xmlns:a16="http://schemas.microsoft.com/office/drawing/2014/main" id="{867EAFBD-EBC0-4665-8891-DDEC61E19AA5}"/>
-                </a:ext>
-              </a:extLst>
-            </p:cNvPr>
-            <p:cNvPicPr>
-              <a:picLocks noChangeAspect="1"/>
-            </p:cNvPicPr>
-            <p:nvPr/>
-          </p:nvPicPr>
-          <p:blipFill>
-            <a:blip r:embed="rId8"/>
-            <a:stretch>
-              <a:fillRect/>
-            </a:stretch>
-          </p:blipFill>
-          <p:spPr>
-            <a:xfrm>
-              <a:off x="9113654" y="3914021"/>
-              <a:ext cx="3340898" cy="2261812"/>
-            </a:xfrm>
-            <a:prstGeom prst="rect">
-              <a:avLst/>
-            </a:prstGeom>
-          </p:spPr>
-        </p:pic>
-        <p:pic>
-          <p:nvPicPr>
-            <p:cNvPr id="8" name="Picture 7">
-              <a:extLst>
-                <a:ext uri="{FF2B5EF4-FFF2-40B4-BE49-F238E27FC236}">
-                  <a16:creationId xmlns:a16="http://schemas.microsoft.com/office/drawing/2014/main" id="{435929FE-5E07-494B-A7F9-349E51255D53}"/>
-                </a:ext>
-              </a:extLst>
-            </p:cNvPr>
-            <p:cNvPicPr>
-              <a:picLocks noChangeAspect="1"/>
-            </p:cNvPicPr>
-            <p:nvPr/>
-          </p:nvPicPr>
-          <p:blipFill>
-            <a:blip r:embed="rId8"/>
-            <a:stretch>
-              <a:fillRect/>
-            </a:stretch>
-          </p:blipFill>
-          <p:spPr>
-            <a:xfrm>
-              <a:off x="7116717" y="2827606"/>
-              <a:ext cx="3340898" cy="2261812"/>
-            </a:xfrm>
-            <a:prstGeom prst="rect">
-              <a:avLst/>
-            </a:prstGeom>
-          </p:spPr>
-        </p:pic>
-        <p:pic>
-          <p:nvPicPr>
-            <p:cNvPr id="9" name="Picture 2">
-              <a:extLst>
-                <a:ext uri="{FF2B5EF4-FFF2-40B4-BE49-F238E27FC236}">
-                  <a16:creationId xmlns:a16="http://schemas.microsoft.com/office/drawing/2014/main" id="{CE7277AA-BEF1-4232-AAE5-6164CBC48464}"/>
-                </a:ext>
-              </a:extLst>
-            </p:cNvPr>
-            <p:cNvPicPr>
-              <a:picLocks noChangeAspect="1" noChangeArrowheads="1"/>
-            </p:cNvPicPr>
-            <p:nvPr/>
-          </p:nvPicPr>
-          <p:blipFill>
-            <a:blip r:embed="rId9">
-              <a:extLst>
-                <a:ext uri="{28A0092B-C50C-407E-A947-70E740481C1C}">
-                  <a14:useLocalDpi xmlns:a14="http://schemas.microsoft.com/office/drawing/2010/main" val="0"/>
-                </a:ext>
-              </a:extLst>
-            </a:blip>
-            <a:srcRect/>
-            <a:stretch>
-              <a:fillRect/>
-            </a:stretch>
-          </p:blipFill>
-          <p:spPr bwMode="auto">
-            <a:xfrm>
-              <a:off x="8132763" y="2055624"/>
-              <a:ext cx="3790950" cy="3533775"/>
-            </a:xfrm>
-            <a:prstGeom prst="rect">
-              <a:avLst/>
-            </a:prstGeom>
-            <a:noFill/>
+          <a:prstGeom prst="rect">
+            <a:avLst/>
+          </a:prstGeom>
+        </p:spPr>
+      </p:pic>
+      <p:pic>
+        <p:nvPicPr>
+          <p:cNvPr id="8" name="Picture 7">
             <a:extLst>
-              <a:ext uri="{909E8E84-426E-40DD-AFC4-6F175D3DCCD1}">
-                <a14:hiddenFill xmlns:a14="http://schemas.microsoft.com/office/drawing/2010/main">
-                  <a:solidFill>
-                    <a:srgbClr val="FFFFFF"/>
-                  </a:solidFill>
-                </a14:hiddenFill>
+              <a:ext uri="{FF2B5EF4-FFF2-40B4-BE49-F238E27FC236}">
+                <a16:creationId xmlns:a16="http://schemas.microsoft.com/office/drawing/2014/main" id="{435929FE-5E07-494B-A7F9-349E51255D53}"/>
               </a:ext>
             </a:extLst>
-          </p:spPr>
-        </p:pic>
-      </p:grpSp>
+          </p:cNvPr>
+          <p:cNvPicPr>
+            <a:picLocks noChangeAspect="1"/>
+          </p:cNvPicPr>
+          <p:nvPr/>
+        </p:nvPicPr>
+        <p:blipFill>
+          <a:blip r:embed="rId8"/>
+          <a:stretch>
+            <a:fillRect/>
+          </a:stretch>
+        </p:blipFill>
+        <p:spPr>
+          <a:xfrm>
+            <a:off x="6743040" y="3415126"/>
+            <a:ext cx="3340898" cy="2261812"/>
+          </a:xfrm>
+          <a:prstGeom prst="rect">
+            <a:avLst/>
+          </a:prstGeom>
+        </p:spPr>
+      </p:pic>
+      <p:pic>
+        <p:nvPicPr>
+          <p:cNvPr id="10" name="Picture 2">
+            <a:extLst>
+              <a:ext uri="{FF2B5EF4-FFF2-40B4-BE49-F238E27FC236}">
+                <a16:creationId xmlns:a16="http://schemas.microsoft.com/office/drawing/2014/main" id="{0FD61B34-5DDF-4160-BC16-3296F9AF6F72}"/>
+              </a:ext>
+            </a:extLst>
+          </p:cNvPr>
+          <p:cNvPicPr>
+            <a:picLocks noChangeAspect="1" noChangeArrowheads="1"/>
+          </p:cNvPicPr>
+          <p:nvPr/>
+        </p:nvPicPr>
+        <p:blipFill>
+          <a:blip r:embed="rId9">
+            <a:extLst>
+              <a:ext uri="{28A0092B-C50C-407E-A947-70E740481C1C}">
+                <a14:useLocalDpi xmlns:a14="http://schemas.microsoft.com/office/drawing/2010/main" val="0"/>
+              </a:ext>
+            </a:extLst>
+          </a:blip>
+          <a:srcRect/>
+          <a:stretch>
+            <a:fillRect/>
+          </a:stretch>
+        </p:blipFill>
+        <p:spPr bwMode="auto">
+          <a:xfrm>
+            <a:off x="7582605" y="2862710"/>
+            <a:ext cx="4352925" cy="3133725"/>
+          </a:xfrm>
+          <a:prstGeom prst="rect">
+            <a:avLst/>
+          </a:prstGeom>
+          <a:noFill/>
+          <a:extLst>
+            <a:ext uri="{909E8E84-426E-40DD-AFC4-6F175D3DCCD1}">
+              <a14:hiddenFill xmlns:a14="http://schemas.microsoft.com/office/drawing/2010/main">
+                <a:solidFill>
+                  <a:srgbClr val="FFFFFF"/>
+                </a:solidFill>
+              </a14:hiddenFill>
+            </a:ext>
+          </a:extLst>
+        </p:spPr>
+      </p:pic>
     </p:spTree>
     <p:extLst>
       <p:ext uri="{BB962C8B-B14F-4D97-AF65-F5344CB8AC3E}">
@@ -19550,7 +15370,7 @@
 </p:sld>
 </file>
 
-<file path=ppt/slides/slide3.xml><?xml version="1.0" encoding="utf-8"?>
+<file path=ppt/slides/slide2.xml><?xml version="1.0" encoding="utf-8"?>
 <p:sld xmlns:a="http://schemas.openxmlformats.org/drawingml/2006/main" xmlns:r="http://schemas.openxmlformats.org/officeDocument/2006/relationships" xmlns:p="http://schemas.openxmlformats.org/presentationml/2006/main">
   <p:cSld>
     <p:bg>
@@ -20060,7 +15880,7 @@
 </p:sld>
 </file>
 
-<file path=ppt/slides/slide4.xml><?xml version="1.0" encoding="utf-8"?>
+<file path=ppt/slides/slide3.xml><?xml version="1.0" encoding="utf-8"?>
 <p:sld xmlns:a="http://schemas.openxmlformats.org/drawingml/2006/main" xmlns:r="http://schemas.openxmlformats.org/officeDocument/2006/relationships" xmlns:p="http://schemas.openxmlformats.org/presentationml/2006/main">
   <p:cSld>
     <p:bg>
@@ -21407,7 +17227,7 @@
 </p:sld>
 </file>
 
-<file path=ppt/slides/slide5.xml><?xml version="1.0" encoding="utf-8"?>
+<file path=ppt/slides/slide4.xml><?xml version="1.0" encoding="utf-8"?>
 <p:sld xmlns:a="http://schemas.openxmlformats.org/drawingml/2006/main" xmlns:r="http://schemas.openxmlformats.org/officeDocument/2006/relationships" xmlns:p="http://schemas.openxmlformats.org/presentationml/2006/main">
   <p:cSld>
     <p:bg>
@@ -21858,7 +17678,7 @@
 </p:sld>
 </file>
 
-<file path=ppt/slides/slide6.xml><?xml version="1.0" encoding="utf-8"?>
+<file path=ppt/slides/slide5.xml><?xml version="1.0" encoding="utf-8"?>
 <p:sld xmlns:a="http://schemas.openxmlformats.org/drawingml/2006/main" xmlns:r="http://schemas.openxmlformats.org/officeDocument/2006/relationships" xmlns:p="http://schemas.openxmlformats.org/presentationml/2006/main">
   <p:cSld>
     <p:bg>
@@ -22161,7 +17981,7 @@
 </p:sld>
 </file>
 
-<file path=ppt/slides/slide7.xml><?xml version="1.0" encoding="utf-8"?>
+<file path=ppt/slides/slide6.xml><?xml version="1.0" encoding="utf-8"?>
 <p:sld xmlns:a="http://schemas.openxmlformats.org/drawingml/2006/main" xmlns:r="http://schemas.openxmlformats.org/officeDocument/2006/relationships" xmlns:p="http://schemas.openxmlformats.org/presentationml/2006/main">
   <p:cSld>
     <p:bg>
@@ -22540,7 +18360,7 @@
 </p:sld>
 </file>
 
-<file path=ppt/slides/slide8.xml><?xml version="1.0" encoding="utf-8"?>
+<file path=ppt/slides/slide7.xml><?xml version="1.0" encoding="utf-8"?>
 <p:sld xmlns:a="http://schemas.openxmlformats.org/drawingml/2006/main" xmlns:r="http://schemas.openxmlformats.org/officeDocument/2006/relationships" xmlns:p="http://schemas.openxmlformats.org/presentationml/2006/main">
   <p:cSld>
     <p:bg>
@@ -23688,7 +19508,7 @@
 </p:sld>
 </file>
 
-<file path=ppt/slides/slide9.xml><?xml version="1.0" encoding="utf-8"?>
+<file path=ppt/slides/slide8.xml><?xml version="1.0" encoding="utf-8"?>
 <p:sld xmlns:a="http://schemas.openxmlformats.org/drawingml/2006/main" xmlns:r="http://schemas.openxmlformats.org/officeDocument/2006/relationships" xmlns:p="http://schemas.openxmlformats.org/presentationml/2006/main">
   <p:cSld>
     <p:bg>
@@ -26109,6 +21929,1270 @@
 </p:sld>
 </file>
 
+<file path=ppt/slides/slide9.xml><?xml version="1.0" encoding="utf-8"?>
+<p:sld xmlns:a="http://schemas.openxmlformats.org/drawingml/2006/main" xmlns:r="http://schemas.openxmlformats.org/officeDocument/2006/relationships" xmlns:p="http://schemas.openxmlformats.org/presentationml/2006/main">
+  <p:cSld>
+    <p:bg>
+      <p:bgPr>
+        <a:solidFill>
+          <a:srgbClr val="505050"/>
+        </a:solidFill>
+        <a:effectLst/>
+      </p:bgPr>
+    </p:bg>
+    <p:spTree>
+      <p:nvGrpSpPr>
+        <p:cNvPr id="1" name=""/>
+        <p:cNvGrpSpPr/>
+        <p:nvPr/>
+      </p:nvGrpSpPr>
+      <p:grpSpPr>
+        <a:xfrm>
+          <a:off x="0" y="0"/>
+          <a:ext cx="0" cy="0"/>
+          <a:chOff x="0" y="0"/>
+          <a:chExt cx="0" cy="0"/>
+        </a:xfrm>
+      </p:grpSpPr>
+      <p:sp>
+        <p:nvSpPr>
+          <p:cNvPr id="2" name="Title 1"/>
+          <p:cNvSpPr>
+            <a:spLocks noGrp="1"/>
+          </p:cNvSpPr>
+          <p:nvPr>
+            <p:ph type="title"/>
+          </p:nvPr>
+        </p:nvSpPr>
+        <p:spPr/>
+        <p:txBody>
+          <a:bodyPr/>
+          <a:lstStyle/>
+          <a:p>
+            <a:r>
+              <a:rPr lang="en-US" dirty="0"/>
+              <a:t>Secret Manager: Retrieval</a:t>
+            </a:r>
+          </a:p>
+        </p:txBody>
+      </p:sp>
+      <p:graphicFrame>
+        <p:nvGraphicFramePr>
+          <p:cNvPr id="4" name="Table 3">
+            <a:extLst>
+              <a:ext uri="{FF2B5EF4-FFF2-40B4-BE49-F238E27FC236}">
+                <a16:creationId xmlns:a16="http://schemas.microsoft.com/office/drawing/2014/main" id="{FB18C7D4-3492-4E4E-800A-CAFC344516DD}"/>
+              </a:ext>
+            </a:extLst>
+          </p:cNvPr>
+          <p:cNvGraphicFramePr>
+            <a:graphicFrameLocks noGrp="1"/>
+          </p:cNvGraphicFramePr>
+          <p:nvPr>
+            <p:extLst>
+              <p:ext uri="{D42A27DB-BD31-4B8C-83A1-F6EECF244321}">
+                <p14:modId xmlns:p14="http://schemas.microsoft.com/office/powerpoint/2010/main" val="2112485447"/>
+              </p:ext>
+            </p:extLst>
+          </p:nvPr>
+        </p:nvGraphicFramePr>
+        <p:xfrm>
+          <a:off x="844462" y="1920876"/>
+          <a:ext cx="9165812" cy="4328160"/>
+        </p:xfrm>
+        <a:graphic>
+          <a:graphicData uri="http://schemas.openxmlformats.org/drawingml/2006/table">
+            <a:tbl>
+              <a:tblPr firstRow="1" bandRow="1"/>
+              <a:tblGrid>
+                <a:gridCol w="9165812">
+                  <a:extLst>
+                    <a:ext uri="{9D8B030D-6E8A-4147-A177-3AD203B41FA5}">
+                      <a16:colId xmlns:a16="http://schemas.microsoft.com/office/drawing/2014/main" val="1057070397"/>
+                    </a:ext>
+                  </a:extLst>
+                </a:gridCol>
+              </a:tblGrid>
+              <a:tr h="3800574">
+                <a:tc>
+                  <a:txBody>
+                    <a:bodyPr/>
+                    <a:lstStyle>
+                      <a:lvl1pPr marL="0" algn="l" defTabSz="914400" rtl="0" eaLnBrk="1" latinLnBrk="0" hangingPunct="1">
+                        <a:defRPr sz="1800" b="1" kern="1200">
+                          <a:solidFill>
+                            <a:schemeClr val="lt1"/>
+                          </a:solidFill>
+                          <a:latin typeface="Segoe UI Light"/>
+                        </a:defRPr>
+                      </a:lvl1pPr>
+                      <a:lvl2pPr marL="457200" algn="l" defTabSz="914400" rtl="0" eaLnBrk="1" latinLnBrk="0" hangingPunct="1">
+                        <a:defRPr sz="1800" b="1" kern="1200">
+                          <a:solidFill>
+                            <a:schemeClr val="lt1"/>
+                          </a:solidFill>
+                          <a:latin typeface="Segoe UI Light"/>
+                        </a:defRPr>
+                      </a:lvl2pPr>
+                      <a:lvl3pPr marL="914400" algn="l" defTabSz="914400" rtl="0" eaLnBrk="1" latinLnBrk="0" hangingPunct="1">
+                        <a:defRPr sz="1800" b="1" kern="1200">
+                          <a:solidFill>
+                            <a:schemeClr val="lt1"/>
+                          </a:solidFill>
+                          <a:latin typeface="Segoe UI Light"/>
+                        </a:defRPr>
+                      </a:lvl3pPr>
+                      <a:lvl4pPr marL="1371600" algn="l" defTabSz="914400" rtl="0" eaLnBrk="1" latinLnBrk="0" hangingPunct="1">
+                        <a:defRPr sz="1800" b="1" kern="1200">
+                          <a:solidFill>
+                            <a:schemeClr val="lt1"/>
+                          </a:solidFill>
+                          <a:latin typeface="Segoe UI Light"/>
+                        </a:defRPr>
+                      </a:lvl4pPr>
+                      <a:lvl5pPr marL="1828800" algn="l" defTabSz="914400" rtl="0" eaLnBrk="1" latinLnBrk="0" hangingPunct="1">
+                        <a:defRPr sz="1800" b="1" kern="1200">
+                          <a:solidFill>
+                            <a:schemeClr val="lt1"/>
+                          </a:solidFill>
+                          <a:latin typeface="Segoe UI Light"/>
+                        </a:defRPr>
+                      </a:lvl5pPr>
+                      <a:lvl6pPr marL="2286000" algn="l" defTabSz="914400" rtl="0" eaLnBrk="1" latinLnBrk="0" hangingPunct="1">
+                        <a:defRPr sz="1800" b="1" kern="1200">
+                          <a:solidFill>
+                            <a:schemeClr val="lt1"/>
+                          </a:solidFill>
+                          <a:latin typeface="Segoe UI Light"/>
+                        </a:defRPr>
+                      </a:lvl6pPr>
+                      <a:lvl7pPr marL="2743200" algn="l" defTabSz="914400" rtl="0" eaLnBrk="1" latinLnBrk="0" hangingPunct="1">
+                        <a:defRPr sz="1800" b="1" kern="1200">
+                          <a:solidFill>
+                            <a:schemeClr val="lt1"/>
+                          </a:solidFill>
+                          <a:latin typeface="Segoe UI Light"/>
+                        </a:defRPr>
+                      </a:lvl7pPr>
+                      <a:lvl8pPr marL="3200400" algn="l" defTabSz="914400" rtl="0" eaLnBrk="1" latinLnBrk="0" hangingPunct="1">
+                        <a:defRPr sz="1800" b="1" kern="1200">
+                          <a:solidFill>
+                            <a:schemeClr val="lt1"/>
+                          </a:solidFill>
+                          <a:latin typeface="Segoe UI Light"/>
+                        </a:defRPr>
+                      </a:lvl8pPr>
+                      <a:lvl9pPr marL="3657600" algn="l" defTabSz="914400" rtl="0" eaLnBrk="1" latinLnBrk="0" hangingPunct="1">
+                        <a:defRPr sz="1800" b="1" kern="1200">
+                          <a:solidFill>
+                            <a:schemeClr val="lt1"/>
+                          </a:solidFill>
+                          <a:latin typeface="Segoe UI Light"/>
+                        </a:defRPr>
+                      </a:lvl9pPr>
+                    </a:lstStyle>
+                    <a:p>
+                      <a:r>
+                        <a:rPr lang="en-US" sz="1600" dirty="0">
+                          <a:solidFill>
+                            <a:srgbClr val="0000FF"/>
+                          </a:solidFill>
+                          <a:latin typeface="Consolas" panose="020B0609020204030204" pitchFamily="49" charset="0"/>
+                        </a:rPr>
+                        <a:t>public</a:t>
+                      </a:r>
+                      <a:r>
+                        <a:rPr lang="en-US" sz="1600" dirty="0">
+                          <a:solidFill>
+                            <a:srgbClr val="000000"/>
+                          </a:solidFill>
+                          <a:latin typeface="Consolas" panose="020B0609020204030204" pitchFamily="49" charset="0"/>
+                        </a:rPr>
+                        <a:t> </a:t>
+                      </a:r>
+                      <a:r>
+                        <a:rPr lang="en-US" sz="1600" dirty="0">
+                          <a:solidFill>
+                            <a:srgbClr val="0000FF"/>
+                          </a:solidFill>
+                          <a:latin typeface="Consolas" panose="020B0609020204030204" pitchFamily="49" charset="0"/>
+                        </a:rPr>
+                        <a:t>class</a:t>
+                      </a:r>
+                      <a:r>
+                        <a:rPr lang="en-US" sz="1600" dirty="0">
+                          <a:solidFill>
+                            <a:srgbClr val="000000"/>
+                          </a:solidFill>
+                          <a:latin typeface="Consolas" panose="020B0609020204030204" pitchFamily="49" charset="0"/>
+                        </a:rPr>
+                        <a:t> </a:t>
+                      </a:r>
+                      <a:r>
+                        <a:rPr lang="en-US" sz="1600" dirty="0">
+                          <a:solidFill>
+                            <a:srgbClr val="2B91AF"/>
+                          </a:solidFill>
+                          <a:latin typeface="Consolas" panose="020B0609020204030204" pitchFamily="49" charset="0"/>
+                        </a:rPr>
+                        <a:t>Startup</a:t>
+                      </a:r>
+                      <a:endParaRPr lang="en-US" sz="1600" dirty="0">
+                        <a:solidFill>
+                          <a:srgbClr val="000000"/>
+                        </a:solidFill>
+                        <a:latin typeface="Consolas" panose="020B0609020204030204" pitchFamily="49" charset="0"/>
+                      </a:endParaRPr>
+                    </a:p>
+                    <a:p>
+                      <a:r>
+                        <a:rPr lang="en-US" sz="1600" dirty="0">
+                          <a:solidFill>
+                            <a:srgbClr val="000000"/>
+                          </a:solidFill>
+                          <a:latin typeface="Consolas" panose="020B0609020204030204" pitchFamily="49" charset="0"/>
+                        </a:rPr>
+                        <a:t>{</a:t>
+                      </a:r>
+                    </a:p>
+                    <a:p>
+                      <a:r>
+                        <a:rPr lang="en-US" sz="1600" dirty="0">
+                          <a:solidFill>
+                            <a:srgbClr val="000000"/>
+                          </a:solidFill>
+                          <a:latin typeface="Consolas" panose="020B0609020204030204" pitchFamily="49" charset="0"/>
+                        </a:rPr>
+                        <a:t>    </a:t>
+                      </a:r>
+                      <a:r>
+                        <a:rPr lang="en-US" sz="1600" dirty="0">
+                          <a:solidFill>
+                            <a:srgbClr val="0000FF"/>
+                          </a:solidFill>
+                          <a:latin typeface="Consolas" panose="020B0609020204030204" pitchFamily="49" charset="0"/>
+                        </a:rPr>
+                        <a:t>private</a:t>
+                      </a:r>
+                      <a:r>
+                        <a:rPr lang="en-US" sz="1600" dirty="0">
+                          <a:solidFill>
+                            <a:srgbClr val="000000"/>
+                          </a:solidFill>
+                          <a:latin typeface="Consolas" panose="020B0609020204030204" pitchFamily="49" charset="0"/>
+                        </a:rPr>
+                        <a:t> </a:t>
+                      </a:r>
+                      <a:r>
+                        <a:rPr lang="en-US" sz="1600" dirty="0">
+                          <a:solidFill>
+                            <a:srgbClr val="0000FF"/>
+                          </a:solidFill>
+                          <a:latin typeface="Consolas" panose="020B0609020204030204" pitchFamily="49" charset="0"/>
+                        </a:rPr>
+                        <a:t>string</a:t>
+                      </a:r>
+                      <a:r>
+                        <a:rPr lang="en-US" sz="1600" dirty="0">
+                          <a:solidFill>
+                            <a:srgbClr val="000000"/>
+                          </a:solidFill>
+                          <a:latin typeface="Consolas" panose="020B0609020204030204" pitchFamily="49" charset="0"/>
+                        </a:rPr>
+                        <a:t> _connection = </a:t>
+                      </a:r>
+                      <a:r>
+                        <a:rPr lang="en-US" sz="1600" dirty="0">
+                          <a:solidFill>
+                            <a:srgbClr val="0000FF"/>
+                          </a:solidFill>
+                          <a:latin typeface="Consolas" panose="020B0609020204030204" pitchFamily="49" charset="0"/>
+                        </a:rPr>
+                        <a:t>null</a:t>
+                      </a:r>
+                      <a:r>
+                        <a:rPr lang="en-US" sz="1600" dirty="0">
+                          <a:solidFill>
+                            <a:srgbClr val="000000"/>
+                          </a:solidFill>
+                          <a:latin typeface="Consolas" panose="020B0609020204030204" pitchFamily="49" charset="0"/>
+                        </a:rPr>
+                        <a:t>;</a:t>
+                      </a:r>
+                    </a:p>
+                    <a:p>
+                      <a:endParaRPr lang="en-US" sz="1600" dirty="0">
+                        <a:solidFill>
+                          <a:srgbClr val="000000"/>
+                        </a:solidFill>
+                        <a:latin typeface="Consolas" panose="020B0609020204030204" pitchFamily="49" charset="0"/>
+                      </a:endParaRPr>
+                    </a:p>
+                    <a:p>
+                      <a:r>
+                        <a:rPr lang="en-US" sz="1600" dirty="0">
+                          <a:solidFill>
+                            <a:srgbClr val="000000"/>
+                          </a:solidFill>
+                          <a:latin typeface="Consolas" panose="020B0609020204030204" pitchFamily="49" charset="0"/>
+                        </a:rPr>
+                        <a:t>    </a:t>
+                      </a:r>
+                      <a:r>
+                        <a:rPr lang="en-US" sz="1600" dirty="0">
+                          <a:solidFill>
+                            <a:srgbClr val="0000FF"/>
+                          </a:solidFill>
+                          <a:latin typeface="Consolas" panose="020B0609020204030204" pitchFamily="49" charset="0"/>
+                        </a:rPr>
+                        <a:t>public</a:t>
+                      </a:r>
+                      <a:r>
+                        <a:rPr lang="en-US" sz="1600" dirty="0">
+                          <a:solidFill>
+                            <a:srgbClr val="000000"/>
+                          </a:solidFill>
+                          <a:latin typeface="Consolas" panose="020B0609020204030204" pitchFamily="49" charset="0"/>
+                        </a:rPr>
+                        <a:t> Startup(</a:t>
+                      </a:r>
+                      <a:r>
+                        <a:rPr lang="en-US" sz="1600" dirty="0" err="1">
+                          <a:solidFill>
+                            <a:srgbClr val="000000"/>
+                          </a:solidFill>
+                          <a:latin typeface="Consolas" panose="020B0609020204030204" pitchFamily="49" charset="0"/>
+                        </a:rPr>
+                        <a:t>IConfiguration</a:t>
+                      </a:r>
+                      <a:r>
+                        <a:rPr lang="en-US" sz="1600" dirty="0">
+                          <a:solidFill>
+                            <a:srgbClr val="000000"/>
+                          </a:solidFill>
+                          <a:latin typeface="Consolas" panose="020B0609020204030204" pitchFamily="49" charset="0"/>
+                        </a:rPr>
+                        <a:t> configuration)</a:t>
+                      </a:r>
+                    </a:p>
+                    <a:p>
+                      <a:r>
+                        <a:rPr lang="en-US" sz="1600" dirty="0">
+                          <a:solidFill>
+                            <a:srgbClr val="000000"/>
+                          </a:solidFill>
+                          <a:latin typeface="Consolas" panose="020B0609020204030204" pitchFamily="49" charset="0"/>
+                        </a:rPr>
+                        <a:t>        =&gt; Configuration = configuration;</a:t>
+                      </a:r>
+                    </a:p>
+                    <a:p>
+                      <a:endParaRPr lang="en-US" sz="1600" dirty="0">
+                        <a:solidFill>
+                          <a:srgbClr val="000000"/>
+                        </a:solidFill>
+                        <a:latin typeface="Consolas" panose="020B0609020204030204" pitchFamily="49" charset="0"/>
+                      </a:endParaRPr>
+                    </a:p>
+                    <a:p>
+                      <a:r>
+                        <a:rPr lang="en-US" sz="1600" dirty="0">
+                          <a:solidFill>
+                            <a:srgbClr val="000000"/>
+                          </a:solidFill>
+                          <a:latin typeface="Consolas" panose="020B0609020204030204" pitchFamily="49" charset="0"/>
+                        </a:rPr>
+                        <a:t>    </a:t>
+                      </a:r>
+                      <a:r>
+                        <a:rPr lang="en-US" sz="1600" dirty="0">
+                          <a:solidFill>
+                            <a:srgbClr val="0000FF"/>
+                          </a:solidFill>
+                          <a:latin typeface="Consolas" panose="020B0609020204030204" pitchFamily="49" charset="0"/>
+                        </a:rPr>
+                        <a:t>public</a:t>
+                      </a:r>
+                      <a:r>
+                        <a:rPr lang="en-US" sz="1600" dirty="0">
+                          <a:solidFill>
+                            <a:srgbClr val="000000"/>
+                          </a:solidFill>
+                          <a:latin typeface="Consolas" panose="020B0609020204030204" pitchFamily="49" charset="0"/>
+                        </a:rPr>
+                        <a:t> </a:t>
+                      </a:r>
+                      <a:r>
+                        <a:rPr lang="en-US" sz="1600" dirty="0" err="1">
+                          <a:solidFill>
+                            <a:srgbClr val="000000"/>
+                          </a:solidFill>
+                          <a:latin typeface="Consolas" panose="020B0609020204030204" pitchFamily="49" charset="0"/>
+                        </a:rPr>
+                        <a:t>IConfiguration</a:t>
+                      </a:r>
+                      <a:r>
+                        <a:rPr lang="en-US" sz="1600" dirty="0">
+                          <a:solidFill>
+                            <a:srgbClr val="000000"/>
+                          </a:solidFill>
+                          <a:latin typeface="Consolas" panose="020B0609020204030204" pitchFamily="49" charset="0"/>
+                        </a:rPr>
+                        <a:t> Configuration { </a:t>
+                      </a:r>
+                      <a:r>
+                        <a:rPr lang="en-US" sz="1600" dirty="0">
+                          <a:solidFill>
+                            <a:srgbClr val="0000FF"/>
+                          </a:solidFill>
+                          <a:latin typeface="Consolas" panose="020B0609020204030204" pitchFamily="49" charset="0"/>
+                        </a:rPr>
+                        <a:t>get</a:t>
+                      </a:r>
+                      <a:r>
+                        <a:rPr lang="en-US" sz="1600" dirty="0">
+                          <a:solidFill>
+                            <a:srgbClr val="000000"/>
+                          </a:solidFill>
+                          <a:latin typeface="Consolas" panose="020B0609020204030204" pitchFamily="49" charset="0"/>
+                        </a:rPr>
+                        <a:t>; }</a:t>
+                      </a:r>
+                    </a:p>
+                    <a:p>
+                      <a:endParaRPr lang="en-US" sz="1600" dirty="0">
+                        <a:solidFill>
+                          <a:srgbClr val="000000"/>
+                        </a:solidFill>
+                        <a:latin typeface="Consolas" panose="020B0609020204030204" pitchFamily="49" charset="0"/>
+                      </a:endParaRPr>
+                    </a:p>
+                    <a:p>
+                      <a:r>
+                        <a:rPr lang="en-US" sz="1600" dirty="0">
+                          <a:solidFill>
+                            <a:srgbClr val="000000"/>
+                          </a:solidFill>
+                          <a:latin typeface="Consolas" panose="020B0609020204030204" pitchFamily="49" charset="0"/>
+                        </a:rPr>
+                        <a:t>    </a:t>
+                      </a:r>
+                      <a:r>
+                        <a:rPr lang="en-US" sz="1600" dirty="0">
+                          <a:solidFill>
+                            <a:srgbClr val="0000FF"/>
+                          </a:solidFill>
+                          <a:latin typeface="Consolas" panose="020B0609020204030204" pitchFamily="49" charset="0"/>
+                        </a:rPr>
+                        <a:t>public</a:t>
+                      </a:r>
+                      <a:r>
+                        <a:rPr lang="en-US" sz="1600" dirty="0">
+                          <a:solidFill>
+                            <a:srgbClr val="000000"/>
+                          </a:solidFill>
+                          <a:latin typeface="Consolas" panose="020B0609020204030204" pitchFamily="49" charset="0"/>
+                        </a:rPr>
+                        <a:t> </a:t>
+                      </a:r>
+                      <a:r>
+                        <a:rPr lang="en-US" sz="1600" dirty="0">
+                          <a:solidFill>
+                            <a:srgbClr val="0000FF"/>
+                          </a:solidFill>
+                          <a:latin typeface="Consolas" panose="020B0609020204030204" pitchFamily="49" charset="0"/>
+                        </a:rPr>
+                        <a:t>void</a:t>
+                      </a:r>
+                      <a:r>
+                        <a:rPr lang="en-US" sz="1600" dirty="0">
+                          <a:solidFill>
+                            <a:srgbClr val="000000"/>
+                          </a:solidFill>
+                          <a:latin typeface="Consolas" panose="020B0609020204030204" pitchFamily="49" charset="0"/>
+                        </a:rPr>
+                        <a:t> </a:t>
+                      </a:r>
+                      <a:r>
+                        <a:rPr lang="en-US" sz="1600" dirty="0" err="1">
+                          <a:solidFill>
+                            <a:srgbClr val="000000"/>
+                          </a:solidFill>
+                          <a:latin typeface="Consolas" panose="020B0609020204030204" pitchFamily="49" charset="0"/>
+                        </a:rPr>
+                        <a:t>ConfigureServices</a:t>
+                      </a:r>
+                      <a:r>
+                        <a:rPr lang="en-US" sz="1600" dirty="0">
+                          <a:solidFill>
+                            <a:srgbClr val="000000"/>
+                          </a:solidFill>
+                          <a:latin typeface="Consolas" panose="020B0609020204030204" pitchFamily="49" charset="0"/>
+                        </a:rPr>
+                        <a:t>(</a:t>
+                      </a:r>
+                      <a:r>
+                        <a:rPr lang="en-US" sz="1600" dirty="0" err="1">
+                          <a:solidFill>
+                            <a:srgbClr val="000000"/>
+                          </a:solidFill>
+                          <a:latin typeface="Consolas" panose="020B0609020204030204" pitchFamily="49" charset="0"/>
+                        </a:rPr>
+                        <a:t>IServiceCollection</a:t>
+                      </a:r>
+                      <a:r>
+                        <a:rPr lang="en-US" sz="1600" dirty="0">
+                          <a:solidFill>
+                            <a:srgbClr val="000000"/>
+                          </a:solidFill>
+                          <a:latin typeface="Consolas" panose="020B0609020204030204" pitchFamily="49" charset="0"/>
+                        </a:rPr>
+                        <a:t> services)</a:t>
+                      </a:r>
+                    </a:p>
+                    <a:p>
+                      <a:r>
+                        <a:rPr lang="en-US" sz="1600" dirty="0">
+                          <a:solidFill>
+                            <a:srgbClr val="000000"/>
+                          </a:solidFill>
+                          <a:latin typeface="Consolas" panose="020B0609020204030204" pitchFamily="49" charset="0"/>
+                        </a:rPr>
+                        <a:t>    {</a:t>
+                      </a:r>
+                    </a:p>
+                    <a:p>
+                      <a:r>
+                        <a:rPr lang="en-US" sz="1600" dirty="0">
+                          <a:solidFill>
+                            <a:srgbClr val="000000"/>
+                          </a:solidFill>
+                          <a:latin typeface="Consolas" panose="020B0609020204030204" pitchFamily="49" charset="0"/>
+                        </a:rPr>
+                        <a:t>        </a:t>
+                      </a:r>
+                      <a:r>
+                        <a:rPr lang="en-US" sz="1600" dirty="0">
+                          <a:solidFill>
+                            <a:srgbClr val="0000FF"/>
+                          </a:solidFill>
+                          <a:latin typeface="Consolas" panose="020B0609020204030204" pitchFamily="49" charset="0"/>
+                        </a:rPr>
+                        <a:t>var</a:t>
+                      </a:r>
+                      <a:r>
+                        <a:rPr lang="en-US" sz="1600" dirty="0">
+                          <a:solidFill>
+                            <a:srgbClr val="000000"/>
+                          </a:solidFill>
+                          <a:latin typeface="Consolas" panose="020B0609020204030204" pitchFamily="49" charset="0"/>
+                        </a:rPr>
+                        <a:t> builder = </a:t>
+                      </a:r>
+                      <a:r>
+                        <a:rPr lang="en-US" sz="1600" dirty="0">
+                          <a:solidFill>
+                            <a:srgbClr val="0000FF"/>
+                          </a:solidFill>
+                          <a:latin typeface="Consolas" panose="020B0609020204030204" pitchFamily="49" charset="0"/>
+                        </a:rPr>
+                        <a:t>new</a:t>
+                      </a:r>
+                      <a:r>
+                        <a:rPr lang="en-US" sz="1600" dirty="0">
+                          <a:solidFill>
+                            <a:srgbClr val="000000"/>
+                          </a:solidFill>
+                          <a:latin typeface="Consolas" panose="020B0609020204030204" pitchFamily="49" charset="0"/>
+                        </a:rPr>
+                        <a:t> </a:t>
+                      </a:r>
+                      <a:r>
+                        <a:rPr lang="en-US" sz="1600" dirty="0" err="1">
+                          <a:solidFill>
+                            <a:srgbClr val="000000"/>
+                          </a:solidFill>
+                          <a:latin typeface="Consolas" panose="020B0609020204030204" pitchFamily="49" charset="0"/>
+                        </a:rPr>
+                        <a:t>SqlConnectionStringBuilder</a:t>
+                      </a:r>
+                      <a:r>
+                        <a:rPr lang="en-US" sz="1600" dirty="0">
+                          <a:solidFill>
+                            <a:srgbClr val="000000"/>
+                          </a:solidFill>
+                          <a:latin typeface="Consolas" panose="020B0609020204030204" pitchFamily="49" charset="0"/>
+                        </a:rPr>
+                        <a:t>(</a:t>
+                      </a:r>
+                    </a:p>
+                    <a:p>
+                      <a:r>
+                        <a:rPr lang="en-US" sz="1600" dirty="0">
+                          <a:solidFill>
+                            <a:srgbClr val="000000"/>
+                          </a:solidFill>
+                          <a:latin typeface="Consolas" panose="020B0609020204030204" pitchFamily="49" charset="0"/>
+                        </a:rPr>
+                        <a:t>            </a:t>
+                      </a:r>
+                      <a:r>
+                        <a:rPr lang="en-US" sz="1600" dirty="0" err="1">
+                          <a:solidFill>
+                            <a:srgbClr val="000000"/>
+                          </a:solidFill>
+                          <a:latin typeface="Consolas" panose="020B0609020204030204" pitchFamily="49" charset="0"/>
+                        </a:rPr>
+                        <a:t>Configuration.GetConnectionString</a:t>
+                      </a:r>
+                      <a:r>
+                        <a:rPr lang="en-US" sz="1600" dirty="0">
+                          <a:solidFill>
+                            <a:srgbClr val="000000"/>
+                          </a:solidFill>
+                          <a:latin typeface="Consolas" panose="020B0609020204030204" pitchFamily="49" charset="0"/>
+                        </a:rPr>
+                        <a:t>(</a:t>
+                      </a:r>
+                      <a:r>
+                        <a:rPr lang="en-US" sz="1600" dirty="0">
+                          <a:solidFill>
+                            <a:srgbClr val="A31515"/>
+                          </a:solidFill>
+                          <a:latin typeface="Consolas" panose="020B0609020204030204" pitchFamily="49" charset="0"/>
+                        </a:rPr>
+                        <a:t>"Movies"</a:t>
+                      </a:r>
+                      <a:r>
+                        <a:rPr lang="en-US" sz="1600" dirty="0">
+                          <a:solidFill>
+                            <a:srgbClr val="000000"/>
+                          </a:solidFill>
+                          <a:latin typeface="Consolas" panose="020B0609020204030204" pitchFamily="49" charset="0"/>
+                        </a:rPr>
+                        <a:t>));</a:t>
+                      </a:r>
+                    </a:p>
+                    <a:p>
+                      <a:r>
+                        <a:rPr lang="en-US" sz="1600" dirty="0">
+                          <a:solidFill>
+                            <a:srgbClr val="000000"/>
+                          </a:solidFill>
+                          <a:latin typeface="Consolas" panose="020B0609020204030204" pitchFamily="49" charset="0"/>
+                        </a:rPr>
+                        <a:t>        </a:t>
+                      </a:r>
+                      <a:r>
+                        <a:rPr lang="en-US" sz="1600" dirty="0" err="1">
+                          <a:solidFill>
+                            <a:srgbClr val="000000"/>
+                          </a:solidFill>
+                          <a:latin typeface="Consolas" panose="020B0609020204030204" pitchFamily="49" charset="0"/>
+                        </a:rPr>
+                        <a:t>builder.UserID</a:t>
+                      </a:r>
+                      <a:r>
+                        <a:rPr lang="en-US" sz="1600" dirty="0">
+                          <a:solidFill>
+                            <a:srgbClr val="000000"/>
+                          </a:solidFill>
+                          <a:latin typeface="Consolas" panose="020B0609020204030204" pitchFamily="49" charset="0"/>
+                        </a:rPr>
+                        <a:t> = Configuration[</a:t>
+                      </a:r>
+                      <a:r>
+                        <a:rPr lang="en-US" sz="1600" dirty="0">
+                          <a:solidFill>
+                            <a:srgbClr val="A31515"/>
+                          </a:solidFill>
+                          <a:latin typeface="Consolas" panose="020B0609020204030204" pitchFamily="49" charset="0"/>
+                        </a:rPr>
+                        <a:t>"</a:t>
+                      </a:r>
+                      <a:r>
+                        <a:rPr lang="en-US" sz="1600" dirty="0" err="1">
+                          <a:solidFill>
+                            <a:srgbClr val="A31515"/>
+                          </a:solidFill>
+                          <a:latin typeface="Consolas" panose="020B0609020204030204" pitchFamily="49" charset="0"/>
+                        </a:rPr>
+                        <a:t>Movies:User</a:t>
+                      </a:r>
+                      <a:r>
+                        <a:rPr lang="en-US" sz="1600" dirty="0">
+                          <a:solidFill>
+                            <a:srgbClr val="A31515"/>
+                          </a:solidFill>
+                          <a:latin typeface="Consolas" panose="020B0609020204030204" pitchFamily="49" charset="0"/>
+                        </a:rPr>
+                        <a:t>"</a:t>
+                      </a:r>
+                      <a:r>
+                        <a:rPr lang="en-US" sz="1600" dirty="0">
+                          <a:solidFill>
+                            <a:srgbClr val="000000"/>
+                          </a:solidFill>
+                          <a:latin typeface="Consolas" panose="020B0609020204030204" pitchFamily="49" charset="0"/>
+                        </a:rPr>
+                        <a:t>];</a:t>
+                      </a:r>
+                    </a:p>
+                    <a:p>
+                      <a:r>
+                        <a:rPr lang="en-US" sz="1600" dirty="0">
+                          <a:solidFill>
+                            <a:srgbClr val="000000"/>
+                          </a:solidFill>
+                          <a:latin typeface="Consolas" panose="020B0609020204030204" pitchFamily="49" charset="0"/>
+                        </a:rPr>
+                        <a:t>        </a:t>
+                      </a:r>
+                      <a:r>
+                        <a:rPr lang="en-US" sz="1600" dirty="0" err="1">
+                          <a:solidFill>
+                            <a:srgbClr val="000000"/>
+                          </a:solidFill>
+                          <a:latin typeface="Consolas" panose="020B0609020204030204" pitchFamily="49" charset="0"/>
+                        </a:rPr>
+                        <a:t>builder.Password</a:t>
+                      </a:r>
+                      <a:r>
+                        <a:rPr lang="en-US" sz="1600" dirty="0">
+                          <a:solidFill>
+                            <a:srgbClr val="000000"/>
+                          </a:solidFill>
+                          <a:latin typeface="Consolas" panose="020B0609020204030204" pitchFamily="49" charset="0"/>
+                        </a:rPr>
+                        <a:t> = Configuration[</a:t>
+                      </a:r>
+                      <a:r>
+                        <a:rPr lang="en-US" sz="1600" dirty="0">
+                          <a:solidFill>
+                            <a:srgbClr val="A31515"/>
+                          </a:solidFill>
+                          <a:latin typeface="Consolas" panose="020B0609020204030204" pitchFamily="49" charset="0"/>
+                        </a:rPr>
+                        <a:t>"</a:t>
+                      </a:r>
+                      <a:r>
+                        <a:rPr lang="en-US" sz="1600" dirty="0" err="1">
+                          <a:solidFill>
+                            <a:srgbClr val="A31515"/>
+                          </a:solidFill>
+                          <a:latin typeface="Consolas" panose="020B0609020204030204" pitchFamily="49" charset="0"/>
+                        </a:rPr>
+                        <a:t>Movies:Password</a:t>
+                      </a:r>
+                      <a:r>
+                        <a:rPr lang="en-US" sz="1600" dirty="0">
+                          <a:solidFill>
+                            <a:srgbClr val="A31515"/>
+                          </a:solidFill>
+                          <a:latin typeface="Consolas" panose="020B0609020204030204" pitchFamily="49" charset="0"/>
+                        </a:rPr>
+                        <a:t>"</a:t>
+                      </a:r>
+                      <a:r>
+                        <a:rPr lang="en-US" sz="1600" dirty="0">
+                          <a:solidFill>
+                            <a:srgbClr val="000000"/>
+                          </a:solidFill>
+                          <a:latin typeface="Consolas" panose="020B0609020204030204" pitchFamily="49" charset="0"/>
+                        </a:rPr>
+                        <a:t>];</a:t>
+                      </a:r>
+                    </a:p>
+                    <a:p>
+                      <a:r>
+                        <a:rPr lang="en-US" sz="1600" dirty="0">
+                          <a:solidFill>
+                            <a:srgbClr val="000000"/>
+                          </a:solidFill>
+                          <a:latin typeface="Consolas" panose="020B0609020204030204" pitchFamily="49" charset="0"/>
+                        </a:rPr>
+                        <a:t>        _connection = </a:t>
+                      </a:r>
+                      <a:r>
+                        <a:rPr lang="en-US" sz="1600" dirty="0" err="1">
+                          <a:solidFill>
+                            <a:srgbClr val="000000"/>
+                          </a:solidFill>
+                          <a:latin typeface="Consolas" panose="020B0609020204030204" pitchFamily="49" charset="0"/>
+                        </a:rPr>
+                        <a:t>builder.ConnectionString</a:t>
+                      </a:r>
+                      <a:r>
+                        <a:rPr lang="en-US" sz="1600" dirty="0">
+                          <a:solidFill>
+                            <a:srgbClr val="000000"/>
+                          </a:solidFill>
+                          <a:latin typeface="Consolas" panose="020B0609020204030204" pitchFamily="49" charset="0"/>
+                        </a:rPr>
+                        <a:t>;</a:t>
+                      </a:r>
+                    </a:p>
+                  </a:txBody>
+                  <a:tcPr>
+                    <a:lnL w="12700" cap="flat" cmpd="sng" algn="ctr">
+                      <a:solidFill>
+                        <a:sysClr val="window" lastClr="FFFFFF"/>
+                      </a:solidFill>
+                      <a:prstDash val="solid"/>
+                      <a:round/>
+                      <a:headEnd type="none" w="med" len="med"/>
+                      <a:tailEnd type="none" w="med" len="med"/>
+                    </a:lnL>
+                    <a:lnR w="12700" cap="flat" cmpd="sng" algn="ctr">
+                      <a:solidFill>
+                        <a:sysClr val="window" lastClr="FFFFFF"/>
+                      </a:solidFill>
+                      <a:prstDash val="solid"/>
+                      <a:round/>
+                      <a:headEnd type="none" w="med" len="med"/>
+                      <a:tailEnd type="none" w="med" len="med"/>
+                    </a:lnR>
+                    <a:lnT w="12700" cap="flat" cmpd="sng" algn="ctr">
+                      <a:solidFill>
+                        <a:sysClr val="window" lastClr="FFFFFF"/>
+                      </a:solidFill>
+                      <a:prstDash val="solid"/>
+                      <a:round/>
+                      <a:headEnd type="none" w="med" len="med"/>
+                      <a:tailEnd type="none" w="med" len="med"/>
+                    </a:lnT>
+                    <a:lnB w="12700" cap="flat" cmpd="sng" algn="ctr">
+                      <a:solidFill>
+                        <a:sysClr val="window" lastClr="FFFFFF"/>
+                      </a:solidFill>
+                      <a:prstDash val="solid"/>
+                      <a:round/>
+                      <a:headEnd type="none" w="med" len="med"/>
+                      <a:tailEnd type="none" w="med" len="med"/>
+                    </a:lnB>
+                    <a:lnTlToBr w="12700" cmpd="sng">
+                      <a:noFill/>
+                      <a:prstDash val="solid"/>
+                    </a:lnTlToBr>
+                    <a:lnBlToTr w="12700" cmpd="sng">
+                      <a:noFill/>
+                      <a:prstDash val="solid"/>
+                    </a:lnBlToTr>
+                    <a:solidFill>
+                      <a:sysClr val="window" lastClr="FFFFFF"/>
+                    </a:solidFill>
+                  </a:tcPr>
+                </a:tc>
+                <a:extLst>
+                  <a:ext uri="{0D108BD9-81ED-4DB2-BD59-A6C34878D82A}">
+                    <a16:rowId xmlns:a16="http://schemas.microsoft.com/office/drawing/2014/main" val="3473222697"/>
+                  </a:ext>
+                </a:extLst>
+              </a:tr>
+              <a:tr h="319132">
+                <a:tc>
+                  <a:txBody>
+                    <a:bodyPr/>
+                    <a:lstStyle/>
+                    <a:p>
+                      <a:endParaRPr lang="en-US" sz="1600" dirty="0">
+                        <a:solidFill>
+                          <a:srgbClr val="000000"/>
+                        </a:solidFill>
+                        <a:latin typeface="Consolas" panose="020B0609020204030204" pitchFamily="49" charset="0"/>
+                      </a:endParaRPr>
+                    </a:p>
+                  </a:txBody>
+                  <a:tcPr>
+                    <a:lnL w="12700" cap="flat" cmpd="sng" algn="ctr">
+                      <a:solidFill>
+                        <a:sysClr val="window" lastClr="FFFFFF"/>
+                      </a:solidFill>
+                      <a:prstDash val="solid"/>
+                      <a:round/>
+                      <a:headEnd type="none" w="med" len="med"/>
+                      <a:tailEnd type="none" w="med" len="med"/>
+                    </a:lnL>
+                    <a:lnR w="12700" cap="flat" cmpd="sng" algn="ctr">
+                      <a:solidFill>
+                        <a:sysClr val="window" lastClr="FFFFFF"/>
+                      </a:solidFill>
+                      <a:prstDash val="solid"/>
+                      <a:round/>
+                      <a:headEnd type="none" w="med" len="med"/>
+                      <a:tailEnd type="none" w="med" len="med"/>
+                    </a:lnR>
+                    <a:lnT w="12700" cap="flat" cmpd="sng" algn="ctr">
+                      <a:solidFill>
+                        <a:sysClr val="window" lastClr="FFFFFF"/>
+                      </a:solidFill>
+                      <a:prstDash val="solid"/>
+                      <a:round/>
+                      <a:headEnd type="none" w="med" len="med"/>
+                      <a:tailEnd type="none" w="med" len="med"/>
+                    </a:lnT>
+                    <a:lnB w="12700" cap="flat" cmpd="sng" algn="ctr">
+                      <a:solidFill>
+                        <a:sysClr val="window" lastClr="FFFFFF"/>
+                      </a:solidFill>
+                      <a:prstDash val="solid"/>
+                      <a:round/>
+                      <a:headEnd type="none" w="med" len="med"/>
+                      <a:tailEnd type="none" w="med" len="med"/>
+                    </a:lnB>
+                    <a:lnTlToBr w="12700" cmpd="sng">
+                      <a:noFill/>
+                      <a:prstDash val="solid"/>
+                    </a:lnTlToBr>
+                    <a:lnBlToTr w="12700" cmpd="sng">
+                      <a:noFill/>
+                      <a:prstDash val="solid"/>
+                    </a:lnBlToTr>
+                    <a:solidFill>
+                      <a:sysClr val="window" lastClr="FFFFFF"/>
+                    </a:solidFill>
+                  </a:tcPr>
+                </a:tc>
+                <a:extLst>
+                  <a:ext uri="{0D108BD9-81ED-4DB2-BD59-A6C34878D82A}">
+                    <a16:rowId xmlns:a16="http://schemas.microsoft.com/office/drawing/2014/main" val="97062865"/>
+                  </a:ext>
+                </a:extLst>
+              </a:tr>
+            </a:tbl>
+          </a:graphicData>
+        </a:graphic>
+      </p:graphicFrame>
+      <p:sp>
+        <p:nvSpPr>
+          <p:cNvPr id="5" name="Rectangle 4">
+            <a:extLst>
+              <a:ext uri="{FF2B5EF4-FFF2-40B4-BE49-F238E27FC236}">
+                <a16:creationId xmlns:a16="http://schemas.microsoft.com/office/drawing/2014/main" id="{968B1320-9F80-48D4-8F49-987C2A75ECD9}"/>
+              </a:ext>
+            </a:extLst>
+          </p:cNvPr>
+          <p:cNvSpPr/>
+          <p:nvPr/>
+        </p:nvSpPr>
+        <p:spPr>
+          <a:xfrm>
+            <a:off x="838200" y="1474306"/>
+            <a:ext cx="1978891" cy="446567"/>
+          </a:xfrm>
+          <a:prstGeom prst="rect">
+            <a:avLst/>
+          </a:prstGeom>
+          <a:gradFill rotWithShape="1">
+            <a:gsLst>
+              <a:gs pos="0">
+                <a:srgbClr val="5B9BD5">
+                  <a:lumMod val="110000"/>
+                  <a:satMod val="105000"/>
+                  <a:tint val="67000"/>
+                </a:srgbClr>
+              </a:gs>
+              <a:gs pos="50000">
+                <a:srgbClr val="5B9BD5">
+                  <a:lumMod val="105000"/>
+                  <a:satMod val="103000"/>
+                  <a:tint val="73000"/>
+                </a:srgbClr>
+              </a:gs>
+              <a:gs pos="100000">
+                <a:srgbClr val="5B9BD5">
+                  <a:lumMod val="105000"/>
+                  <a:satMod val="109000"/>
+                  <a:tint val="81000"/>
+                </a:srgbClr>
+              </a:gs>
+            </a:gsLst>
+            <a:lin ang="5400000" scaled="0"/>
+          </a:gradFill>
+          <a:ln w="6350" cap="flat" cmpd="sng" algn="ctr">
+            <a:solidFill>
+              <a:srgbClr val="5B9BD5"/>
+            </a:solidFill>
+            <a:prstDash val="solid"/>
+            <a:miter lim="800000"/>
+          </a:ln>
+          <a:effectLst/>
+        </p:spPr>
+        <p:txBody>
+          <a:bodyPr rtlCol="0" anchor="ctr"/>
+          <a:lstStyle/>
+          <a:p>
+            <a:pPr marL="0" marR="0" lvl="0" indent="0" algn="ctr" defTabSz="914400" eaLnBrk="1" fontAlgn="auto" latinLnBrk="0" hangingPunct="1">
+              <a:lnSpc>
+                <a:spcPct val="100000"/>
+              </a:lnSpc>
+              <a:spcBef>
+                <a:spcPts val="0"/>
+              </a:spcBef>
+              <a:spcAft>
+                <a:spcPts val="0"/>
+              </a:spcAft>
+              <a:buClrTx/>
+              <a:buSzTx/>
+              <a:buFontTx/>
+              <a:buNone/>
+              <a:tabLst/>
+              <a:defRPr/>
+            </a:pPr>
+            <a:r>
+              <a:rPr lang="en-US" b="1" kern="0" dirty="0" err="1">
+                <a:solidFill>
+                  <a:prstClr val="black"/>
+                </a:solidFill>
+                <a:latin typeface="Segoe UI Light"/>
+              </a:rPr>
+              <a:t>Startup.cs</a:t>
+            </a:r>
+            <a:endParaRPr kumimoji="0" lang="en-US" sz="1800" b="1" i="0" u="none" strike="noStrike" kern="0" cap="none" spc="0" normalizeH="0" baseline="0" noProof="0" dirty="0">
+              <a:ln>
+                <a:noFill/>
+              </a:ln>
+              <a:solidFill>
+                <a:prstClr val="black"/>
+              </a:solidFill>
+              <a:effectLst/>
+              <a:uLnTx/>
+              <a:uFillTx/>
+              <a:latin typeface="Segoe UI Light"/>
+              <a:ea typeface="+mn-ea"/>
+              <a:cs typeface="+mn-cs"/>
+            </a:endParaRPr>
+          </a:p>
+        </p:txBody>
+      </p:sp>
+      <p:sp>
+        <p:nvSpPr>
+          <p:cNvPr id="6" name="Content Placeholder 5">
+            <a:extLst>
+              <a:ext uri="{FF2B5EF4-FFF2-40B4-BE49-F238E27FC236}">
+                <a16:creationId xmlns:a16="http://schemas.microsoft.com/office/drawing/2014/main" id="{E5A9F2D8-89AD-4C13-B6B2-AF06F5805B64}"/>
+              </a:ext>
+            </a:extLst>
+          </p:cNvPr>
+          <p:cNvSpPr>
+            <a:spLocks noGrp="1"/>
+          </p:cNvSpPr>
+          <p:nvPr>
+            <p:ph idx="1"/>
+          </p:nvPr>
+        </p:nvSpPr>
+        <p:spPr>
+          <a:xfrm>
+            <a:off x="1745673" y="5135418"/>
+            <a:ext cx="5902036" cy="517238"/>
+          </a:xfrm>
+          <a:prstGeom prst="rect">
+            <a:avLst/>
+          </a:prstGeom>
+          <a:noFill/>
+          <a:ln w="38100">
+            <a:solidFill>
+              <a:schemeClr val="accent1"/>
+            </a:solidFill>
+          </a:ln>
+        </p:spPr>
+        <p:style>
+          <a:lnRef idx="2">
+            <a:schemeClr val="accent1">
+              <a:shade val="50000"/>
+            </a:schemeClr>
+          </a:lnRef>
+          <a:fillRef idx="1">
+            <a:schemeClr val="accent1"/>
+          </a:fillRef>
+          <a:effectRef idx="0">
+            <a:schemeClr val="accent1"/>
+          </a:effectRef>
+          <a:fontRef idx="minor">
+            <a:schemeClr val="lt1"/>
+          </a:fontRef>
+        </p:style>
+        <p:txBody>
+          <a:bodyPr rtlCol="0" anchor="ctr"/>
+          <a:lstStyle/>
+          <a:p>
+            <a:endParaRPr lang="en-US" dirty="0"/>
+          </a:p>
+        </p:txBody>
+      </p:sp>
+    </p:spTree>
+    <p:extLst>
+      <p:ext uri="{BB962C8B-B14F-4D97-AF65-F5344CB8AC3E}">
+        <p14:creationId xmlns:p14="http://schemas.microsoft.com/office/powerpoint/2010/main" val="972511945"/>
+      </p:ext>
+    </p:extLst>
+  </p:cSld>
+  <p:clrMapOvr>
+    <a:masterClrMapping/>
+  </p:clrMapOvr>
+  <p:timing>
+    <p:tnLst>
+      <p:par>
+        <p:cTn id="1" dur="indefinite" restart="never" nodeType="tmRoot">
+          <p:childTnLst>
+            <p:seq concurrent="1" nextAc="seek">
+              <p:cTn id="2" dur="indefinite" nodeType="mainSeq">
+                <p:childTnLst>
+                  <p:par>
+                    <p:cTn id="3" fill="hold">
+                      <p:stCondLst>
+                        <p:cond delay="indefinite"/>
+                        <p:cond evt="onBegin" delay="0">
+                          <p:tn val="2"/>
+                        </p:cond>
+                      </p:stCondLst>
+                      <p:childTnLst>
+                        <p:par>
+                          <p:cTn id="4" fill="hold">
+                            <p:stCondLst>
+                              <p:cond delay="0"/>
+                            </p:stCondLst>
+                            <p:childTnLst>
+                              <p:par>
+                                <p:cTn id="5" presetID="10" presetClass="entr" presetSubtype="0" fill="hold" grpId="0" nodeType="withEffect">
+                                  <p:stCondLst>
+                                    <p:cond delay="0"/>
+                                  </p:stCondLst>
+                                  <p:childTnLst>
+                                    <p:set>
+                                      <p:cBhvr>
+                                        <p:cTn id="6" dur="1" fill="hold">
+                                          <p:stCondLst>
+                                            <p:cond delay="0"/>
+                                          </p:stCondLst>
+                                        </p:cTn>
+                                        <p:tgtEl>
+                                          <p:spTgt spid="5"/>
+                                        </p:tgtEl>
+                                        <p:attrNameLst>
+                                          <p:attrName>style.visibility</p:attrName>
+                                        </p:attrNameLst>
+                                      </p:cBhvr>
+                                      <p:to>
+                                        <p:strVal val="visible"/>
+                                      </p:to>
+                                    </p:set>
+                                    <p:animEffect transition="in" filter="fade">
+                                      <p:cBhvr>
+                                        <p:cTn id="7" dur="500"/>
+                                        <p:tgtEl>
+                                          <p:spTgt spid="5"/>
+                                        </p:tgtEl>
+                                      </p:cBhvr>
+                                    </p:animEffect>
+                                  </p:childTnLst>
+                                </p:cTn>
+                              </p:par>
+                              <p:par>
+                                <p:cTn id="8" presetID="10" presetClass="entr" presetSubtype="0" fill="hold" nodeType="withEffect">
+                                  <p:stCondLst>
+                                    <p:cond delay="0"/>
+                                  </p:stCondLst>
+                                  <p:childTnLst>
+                                    <p:set>
+                                      <p:cBhvr>
+                                        <p:cTn id="9" dur="1" fill="hold">
+                                          <p:stCondLst>
+                                            <p:cond delay="0"/>
+                                          </p:stCondLst>
+                                        </p:cTn>
+                                        <p:tgtEl>
+                                          <p:spTgt spid="4"/>
+                                        </p:tgtEl>
+                                        <p:attrNameLst>
+                                          <p:attrName>style.visibility</p:attrName>
+                                        </p:attrNameLst>
+                                      </p:cBhvr>
+                                      <p:to>
+                                        <p:strVal val="visible"/>
+                                      </p:to>
+                                    </p:set>
+                                    <p:animEffect transition="in" filter="fade">
+                                      <p:cBhvr>
+                                        <p:cTn id="10" dur="500"/>
+                                        <p:tgtEl>
+                                          <p:spTgt spid="4"/>
+                                        </p:tgtEl>
+                                      </p:cBhvr>
+                                    </p:animEffect>
+                                  </p:childTnLst>
+                                </p:cTn>
+                              </p:par>
+                              <p:par>
+                                <p:cTn id="11" presetID="10" presetClass="entr" presetSubtype="0" fill="hold" grpId="0" nodeType="withEffect">
+                                  <p:stCondLst>
+                                    <p:cond delay="0"/>
+                                  </p:stCondLst>
+                                  <p:childTnLst>
+                                    <p:set>
+                                      <p:cBhvr>
+                                        <p:cTn id="12" dur="1" fill="hold">
+                                          <p:stCondLst>
+                                            <p:cond delay="0"/>
+                                          </p:stCondLst>
+                                        </p:cTn>
+                                        <p:tgtEl>
+                                          <p:spTgt spid="6"/>
+                                        </p:tgtEl>
+                                        <p:attrNameLst>
+                                          <p:attrName>style.visibility</p:attrName>
+                                        </p:attrNameLst>
+                                      </p:cBhvr>
+                                      <p:to>
+                                        <p:strVal val="visible"/>
+                                      </p:to>
+                                    </p:set>
+                                    <p:animEffect transition="in" filter="fade">
+                                      <p:cBhvr>
+                                        <p:cTn id="13" dur="500"/>
+                                        <p:tgtEl>
+                                          <p:spTgt spid="6"/>
+                                        </p:tgtEl>
+                                      </p:cBhvr>
+                                    </p:animEffect>
+                                  </p:childTnLst>
+                                </p:cTn>
+                              </p:par>
+                            </p:childTnLst>
+                          </p:cTn>
+                        </p:par>
+                      </p:childTnLst>
+                    </p:cTn>
+                  </p:par>
+                </p:childTnLst>
+              </p:cTn>
+              <p:prevCondLst>
+                <p:cond evt="onPrev" delay="0">
+                  <p:tgtEl>
+                    <p:sldTgt/>
+                  </p:tgtEl>
+                </p:cond>
+              </p:prevCondLst>
+              <p:nextCondLst>
+                <p:cond evt="onNext" delay="0">
+                  <p:tgtEl>
+                    <p:sldTgt/>
+                  </p:tgtEl>
+                </p:cond>
+              </p:nextCondLst>
+            </p:seq>
+          </p:childTnLst>
+        </p:cTn>
+      </p:par>
+    </p:tnLst>
+    <p:bldLst>
+      <p:bldP spid="5" grpId="0" animBg="1"/>
+      <p:bldP spid="6" grpId="0" animBg="1"/>
+    </p:bldLst>
+  </p:timing>
+</p:sld>
+</file>
+
 <file path=ppt/theme/theme1.xml><?xml version="1.0" encoding="utf-8"?>
 <a:theme xmlns:a="http://schemas.openxmlformats.org/drawingml/2006/main" name="Office Theme">
   <a:themeElements>
@@ -26606,267 +23690,6 @@
 </file>
 
 <file path=ppt/theme/theme3.xml><?xml version="1.0" encoding="utf-8"?>
-<a:theme xmlns:a="http://schemas.openxmlformats.org/drawingml/2006/main" name="2_Office Theme">
-  <a:themeElements>
-    <a:clrScheme name="Office">
-      <a:dk1>
-        <a:sysClr val="windowText" lastClr="000000"/>
-      </a:dk1>
-      <a:lt1>
-        <a:sysClr val="window" lastClr="FFFFFF"/>
-      </a:lt1>
-      <a:dk2>
-        <a:srgbClr val="44546A"/>
-      </a:dk2>
-      <a:lt2>
-        <a:srgbClr val="E7E6E6"/>
-      </a:lt2>
-      <a:accent1>
-        <a:srgbClr val="5B9BD5"/>
-      </a:accent1>
-      <a:accent2>
-        <a:srgbClr val="ED7D31"/>
-      </a:accent2>
-      <a:accent3>
-        <a:srgbClr val="A5A5A5"/>
-      </a:accent3>
-      <a:accent4>
-        <a:srgbClr val="FFC000"/>
-      </a:accent4>
-      <a:accent5>
-        <a:srgbClr val="4472C4"/>
-      </a:accent5>
-      <a:accent6>
-        <a:srgbClr val="70AD47"/>
-      </a:accent6>
-      <a:hlink>
-        <a:srgbClr val="0563C1"/>
-      </a:hlink>
-      <a:folHlink>
-        <a:srgbClr val="954F72"/>
-      </a:folHlink>
-    </a:clrScheme>
-    <a:fontScheme name="Office">
-      <a:majorFont>
-        <a:latin typeface="Calibri Light" panose="020F0302020204030204"/>
-        <a:ea typeface=""/>
-        <a:cs typeface=""/>
-        <a:font script="Jpan" typeface="ＭＳ Ｐゴシック"/>
-        <a:font script="Hang" typeface="맑은 고딕"/>
-        <a:font script="Hans" typeface="宋体"/>
-        <a:font script="Hant" typeface="新細明體"/>
-        <a:font script="Arab" typeface="Times New Roman"/>
-        <a:font script="Hebr" typeface="Times New Roman"/>
-        <a:font script="Thai" typeface="Angsana New"/>
-        <a:font script="Ethi" typeface="Nyala"/>
-        <a:font script="Beng" typeface="Vrinda"/>
-        <a:font script="Gujr" typeface="Shruti"/>
-        <a:font script="Khmr" typeface="MoolBoran"/>
-        <a:font script="Knda" typeface="Tunga"/>
-        <a:font script="Guru" typeface="Raavi"/>
-        <a:font script="Cans" typeface="Euphemia"/>
-        <a:font script="Cher" typeface="Plantagenet Cherokee"/>
-        <a:font script="Yiii" typeface="Microsoft Yi Baiti"/>
-        <a:font script="Tibt" typeface="Microsoft Himalaya"/>
-        <a:font script="Thaa" typeface="MV Boli"/>
-        <a:font script="Deva" typeface="Mangal"/>
-        <a:font script="Telu" typeface="Gautami"/>
-        <a:font script="Taml" typeface="Latha"/>
-        <a:font script="Syrc" typeface="Estrangelo Edessa"/>
-        <a:font script="Orya" typeface="Kalinga"/>
-        <a:font script="Mlym" typeface="Kartika"/>
-        <a:font script="Laoo" typeface="DokChampa"/>
-        <a:font script="Sinh" typeface="Iskoola Pota"/>
-        <a:font script="Mong" typeface="Mongolian Baiti"/>
-        <a:font script="Viet" typeface="Times New Roman"/>
-        <a:font script="Uigh" typeface="Microsoft Uighur"/>
-        <a:font script="Geor" typeface="Sylfaen"/>
-      </a:majorFont>
-      <a:minorFont>
-        <a:latin typeface="Calibri" panose="020F0502020204030204"/>
-        <a:ea typeface=""/>
-        <a:cs typeface=""/>
-        <a:font script="Jpan" typeface="ＭＳ Ｐゴシック"/>
-        <a:font script="Hang" typeface="맑은 고딕"/>
-        <a:font script="Hans" typeface="宋体"/>
-        <a:font script="Hant" typeface="新細明體"/>
-        <a:font script="Arab" typeface="Arial"/>
-        <a:font script="Hebr" typeface="Arial"/>
-        <a:font script="Thai" typeface="Cordia New"/>
-        <a:font script="Ethi" typeface="Nyala"/>
-        <a:font script="Beng" typeface="Vrinda"/>
-        <a:font script="Gujr" typeface="Shruti"/>
-        <a:font script="Khmr" typeface="DaunPenh"/>
-        <a:font script="Knda" typeface="Tunga"/>
-        <a:font script="Guru" typeface="Raavi"/>
-        <a:font script="Cans" typeface="Euphemia"/>
-        <a:font script="Cher" typeface="Plantagenet Cherokee"/>
-        <a:font script="Yiii" typeface="Microsoft Yi Baiti"/>
-        <a:font script="Tibt" typeface="Microsoft Himalaya"/>
-        <a:font script="Thaa" typeface="MV Boli"/>
-        <a:font script="Deva" typeface="Mangal"/>
-        <a:font script="Telu" typeface="Gautami"/>
-        <a:font script="Taml" typeface="Latha"/>
-        <a:font script="Syrc" typeface="Estrangelo Edessa"/>
-        <a:font script="Orya" typeface="Kalinga"/>
-        <a:font script="Mlym" typeface="Kartika"/>
-        <a:font script="Laoo" typeface="DokChampa"/>
-        <a:font script="Sinh" typeface="Iskoola Pota"/>
-        <a:font script="Mong" typeface="Mongolian Baiti"/>
-        <a:font script="Viet" typeface="Arial"/>
-        <a:font script="Uigh" typeface="Microsoft Uighur"/>
-        <a:font script="Geor" typeface="Sylfaen"/>
-      </a:minorFont>
-    </a:fontScheme>
-    <a:fmtScheme name="Office">
-      <a:fillStyleLst>
-        <a:solidFill>
-          <a:schemeClr val="phClr"/>
-        </a:solidFill>
-        <a:gradFill rotWithShape="1">
-          <a:gsLst>
-            <a:gs pos="0">
-              <a:schemeClr val="phClr">
-                <a:lumMod val="110000"/>
-                <a:satMod val="105000"/>
-                <a:tint val="67000"/>
-              </a:schemeClr>
-            </a:gs>
-            <a:gs pos="50000">
-              <a:schemeClr val="phClr">
-                <a:lumMod val="105000"/>
-                <a:satMod val="103000"/>
-                <a:tint val="73000"/>
-              </a:schemeClr>
-            </a:gs>
-            <a:gs pos="100000">
-              <a:schemeClr val="phClr">
-                <a:lumMod val="105000"/>
-                <a:satMod val="109000"/>
-                <a:tint val="81000"/>
-              </a:schemeClr>
-            </a:gs>
-          </a:gsLst>
-          <a:lin ang="5400000" scaled="0"/>
-        </a:gradFill>
-        <a:gradFill rotWithShape="1">
-          <a:gsLst>
-            <a:gs pos="0">
-              <a:schemeClr val="phClr">
-                <a:satMod val="103000"/>
-                <a:lumMod val="102000"/>
-                <a:tint val="94000"/>
-              </a:schemeClr>
-            </a:gs>
-            <a:gs pos="50000">
-              <a:schemeClr val="phClr">
-                <a:satMod val="110000"/>
-                <a:lumMod val="100000"/>
-                <a:shade val="100000"/>
-              </a:schemeClr>
-            </a:gs>
-            <a:gs pos="100000">
-              <a:schemeClr val="phClr">
-                <a:lumMod val="99000"/>
-                <a:satMod val="120000"/>
-                <a:shade val="78000"/>
-              </a:schemeClr>
-            </a:gs>
-          </a:gsLst>
-          <a:lin ang="5400000" scaled="0"/>
-        </a:gradFill>
-      </a:fillStyleLst>
-      <a:lnStyleLst>
-        <a:ln w="6350" cap="flat" cmpd="sng" algn="ctr">
-          <a:solidFill>
-            <a:schemeClr val="phClr"/>
-          </a:solidFill>
-          <a:prstDash val="solid"/>
-          <a:miter lim="800000"/>
-        </a:ln>
-        <a:ln w="12700" cap="flat" cmpd="sng" algn="ctr">
-          <a:solidFill>
-            <a:schemeClr val="phClr"/>
-          </a:solidFill>
-          <a:prstDash val="solid"/>
-          <a:miter lim="800000"/>
-        </a:ln>
-        <a:ln w="19050" cap="flat" cmpd="sng" algn="ctr">
-          <a:solidFill>
-            <a:schemeClr val="phClr"/>
-          </a:solidFill>
-          <a:prstDash val="solid"/>
-          <a:miter lim="800000"/>
-        </a:ln>
-      </a:lnStyleLst>
-      <a:effectStyleLst>
-        <a:effectStyle>
-          <a:effectLst/>
-        </a:effectStyle>
-        <a:effectStyle>
-          <a:effectLst/>
-        </a:effectStyle>
-        <a:effectStyle>
-          <a:effectLst>
-            <a:outerShdw blurRad="57150" dist="19050" dir="5400000" algn="ctr" rotWithShape="0">
-              <a:srgbClr val="000000">
-                <a:alpha val="63000"/>
-              </a:srgbClr>
-            </a:outerShdw>
-          </a:effectLst>
-        </a:effectStyle>
-      </a:effectStyleLst>
-      <a:bgFillStyleLst>
-        <a:solidFill>
-          <a:schemeClr val="phClr"/>
-        </a:solidFill>
-        <a:solidFill>
-          <a:schemeClr val="phClr">
-            <a:tint val="95000"/>
-            <a:satMod val="170000"/>
-          </a:schemeClr>
-        </a:solidFill>
-        <a:gradFill rotWithShape="1">
-          <a:gsLst>
-            <a:gs pos="0">
-              <a:schemeClr val="phClr">
-                <a:tint val="93000"/>
-                <a:satMod val="150000"/>
-                <a:shade val="98000"/>
-                <a:lumMod val="102000"/>
-              </a:schemeClr>
-            </a:gs>
-            <a:gs pos="50000">
-              <a:schemeClr val="phClr">
-                <a:tint val="98000"/>
-                <a:satMod val="130000"/>
-                <a:shade val="90000"/>
-                <a:lumMod val="103000"/>
-              </a:schemeClr>
-            </a:gs>
-            <a:gs pos="100000">
-              <a:schemeClr val="phClr">
-                <a:shade val="63000"/>
-                <a:satMod val="120000"/>
-              </a:schemeClr>
-            </a:gs>
-          </a:gsLst>
-          <a:lin ang="5400000" scaled="0"/>
-        </a:gradFill>
-      </a:bgFillStyleLst>
-    </a:fmtScheme>
-  </a:themeElements>
-  <a:objectDefaults/>
-  <a:extraClrSchemeLst/>
-  <a:extLst>
-    <a:ext uri="{05A4C25C-085E-4340-85A3-A5531E510DB2}">
-      <thm15:themeFamily xmlns:thm15="http://schemas.microsoft.com/office/thememl/2012/main" name="Office Theme" id="{62F939B6-93AF-4DB8-9C6B-D6C7DFDC589F}" vid="{4A3C46E8-61CC-4603-A589-7422A47A8E4A}"/>
-    </a:ext>
-  </a:extLst>
-</a:theme>
-</file>
-
-<file path=ppt/theme/theme4.xml><?xml version="1.0" encoding="utf-8"?>
 <a:theme xmlns:a="http://schemas.openxmlformats.org/drawingml/2006/main" name="Office Theme">
   <a:themeElements>
     <a:clrScheme name="Office">

--- a/Protecting App Secrets.pptx
+++ b/Protecting App Secrets.pptx
@@ -6,7 +6,7 @@
     <p:sldMasterId id="2147483660" r:id="rId2"/>
   </p:sldMasterIdLst>
   <p:notesMasterIdLst>
-    <p:notesMasterId r:id="rId22"/>
+    <p:notesMasterId r:id="rId23"/>
   </p:notesMasterIdLst>
   <p:sldIdLst>
     <p:sldId id="256" r:id="rId3"/>
@@ -25,9 +25,10 @@
     <p:sldId id="339" r:id="rId16"/>
     <p:sldId id="345" r:id="rId17"/>
     <p:sldId id="341" r:id="rId18"/>
-    <p:sldId id="331" r:id="rId19"/>
-    <p:sldId id="334" r:id="rId20"/>
-    <p:sldId id="326" r:id="rId21"/>
+    <p:sldId id="346" r:id="rId19"/>
+    <p:sldId id="331" r:id="rId20"/>
+    <p:sldId id="334" r:id="rId21"/>
+    <p:sldId id="326" r:id="rId22"/>
   </p:sldIdLst>
   <p:sldSz cx="12192000" cy="6858000"/>
   <p:notesSz cx="6858000" cy="9144000"/>
@@ -227,7 +228,7 @@
           <a:p>
             <a:fld id="{03886B9A-ACA2-4D2C-AAF6-D8003DE96699}" type="datetimeFigureOut">
               <a:rPr lang="en-US" smtClean="0"/>
-              <a:t>2/25/2019</a:t>
+              <a:t>3/1/2019</a:t>
             </a:fld>
             <a:endParaRPr lang="en-US"/>
           </a:p>
@@ -622,20 +623,24 @@
           <a:bodyPr/>
           <a:lstStyle/>
           <a:p>
-            <a:pPr marL="228600" indent="-228600">
-              <a:buAutoNum type="arabicPeriod"/>
+            <a:pPr marL="0" indent="0">
+              <a:buNone/>
             </a:pPr>
             <a:r>
               <a:rPr lang="en-US" dirty="0"/>
-              <a:t>Add to </a:t>
-            </a:r>
-            <a:r>
-              <a:rPr lang="en-US" dirty="0" err="1"/>
+              <a:t>1. </a:t>
+            </a:r>
+            <a:r>
+              <a:rPr lang="en-US" b="1" dirty="0" err="1"/>
               <a:t>secrets.json</a:t>
             </a:r>
             <a:r>
+              <a:rPr lang="en-US" b="1" dirty="0"/>
+              <a:t>:</a:t>
+            </a:r>
+            <a:r>
               <a:rPr lang="en-US" dirty="0"/>
-              <a:t>: “Event”: { “Name”: “Cream City Code” }</a:t>
+              <a:t> “Event”: { “Name”: “SFLCC” }</a:t>
             </a:r>
           </a:p>
           <a:p>
@@ -648,10 +653,10 @@
                 <a:ea typeface="+mn-ea"/>
                 <a:cs typeface="+mn-cs"/>
               </a:rPr>
-              <a:t>2. Add to </a:t>
-            </a:r>
-            <a:r>
-              <a:rPr lang="en-US" sz="1200" kern="1200" dirty="0" err="1">
+              <a:t>2. </a:t>
+            </a:r>
+            <a:r>
+              <a:rPr lang="en-US" sz="1200" b="1" kern="1200" dirty="0" err="1">
                 <a:solidFill>
                   <a:schemeClr val="tx1"/>
                 </a:solidFill>
@@ -662,7 +667,7 @@
               <a:t>Index.cshtml.cs</a:t>
             </a:r>
             <a:r>
-              <a:rPr lang="en-US" sz="1200" kern="1200" dirty="0">
+              <a:rPr lang="en-US" sz="1200" b="1" kern="1200" dirty="0">
                 <a:solidFill>
                   <a:schemeClr val="tx1"/>
                 </a:solidFill>
@@ -830,6 +835,51 @@
                 <a:ea typeface="+mn-ea"/>
                 <a:cs typeface="+mn-cs"/>
               </a:rPr>
+              <a:t>        public string </a:t>
+            </a:r>
+            <a:r>
+              <a:rPr lang="en-US" sz="1200" kern="1200" dirty="0" err="1">
+                <a:solidFill>
+                  <a:schemeClr val="tx1"/>
+                </a:solidFill>
+                <a:latin typeface="+mn-lt"/>
+                <a:ea typeface="+mn-ea"/>
+                <a:cs typeface="+mn-cs"/>
+              </a:rPr>
+              <a:t>EventName</a:t>
+            </a:r>
+            <a:r>
+              <a:rPr lang="en-US" sz="1200" kern="1200" dirty="0">
+                <a:solidFill>
+                  <a:schemeClr val="tx1"/>
+                </a:solidFill>
+                <a:latin typeface="+mn-lt"/>
+                <a:ea typeface="+mn-ea"/>
+                <a:cs typeface="+mn-cs"/>
+              </a:rPr>
+              <a:t> { get; set; }</a:t>
+            </a:r>
+          </a:p>
+          <a:p>
+            <a:endParaRPr lang="en-US" sz="1200" kern="1200" dirty="0">
+              <a:solidFill>
+                <a:schemeClr val="tx1"/>
+              </a:solidFill>
+              <a:latin typeface="+mn-lt"/>
+              <a:ea typeface="+mn-ea"/>
+              <a:cs typeface="+mn-cs"/>
+            </a:endParaRPr>
+          </a:p>
+          <a:p>
+            <a:r>
+              <a:rPr lang="en-US" sz="1200" kern="1200" dirty="0">
+                <a:solidFill>
+                  <a:schemeClr val="tx1"/>
+                </a:solidFill>
+                <a:latin typeface="+mn-lt"/>
+                <a:ea typeface="+mn-ea"/>
+                <a:cs typeface="+mn-cs"/>
+              </a:rPr>
               <a:t>        public void </a:t>
             </a:r>
             <a:r>
@@ -876,7 +926,7 @@
                 <a:ea typeface="+mn-ea"/>
                 <a:cs typeface="+mn-cs"/>
               </a:rPr>
-              <a:t>ViewData</a:t>
+              <a:t>EventName</a:t>
             </a:r>
             <a:r>
               <a:rPr lang="en-US" sz="1200" kern="1200" dirty="0">
@@ -887,29 +937,7 @@
                 <a:ea typeface="+mn-ea"/>
                 <a:cs typeface="+mn-cs"/>
               </a:rPr>
-              <a:t>["</a:t>
-            </a:r>
-            <a:r>
-              <a:rPr lang="en-US" sz="1200" kern="1200" dirty="0" err="1">
-                <a:solidFill>
-                  <a:schemeClr val="tx1"/>
-                </a:solidFill>
-                <a:latin typeface="+mn-lt"/>
-                <a:ea typeface="+mn-ea"/>
-                <a:cs typeface="+mn-cs"/>
-              </a:rPr>
-              <a:t>EventName</a:t>
-            </a:r>
-            <a:r>
-              <a:rPr lang="en-US" sz="1200" kern="1200" dirty="0">
-                <a:solidFill>
-                  <a:schemeClr val="tx1"/>
-                </a:solidFill>
-                <a:latin typeface="+mn-lt"/>
-                <a:ea typeface="+mn-ea"/>
-                <a:cs typeface="+mn-cs"/>
-              </a:rPr>
-              <a:t>"] = _config["</a:t>
+              <a:t> = _config["</a:t>
             </a:r>
             <a:r>
               <a:rPr lang="en-US" sz="1200" kern="1200" dirty="0" err="1">
@@ -933,6 +961,71 @@
               </a:rPr>
               <a:t>"];</a:t>
             </a:r>
+          </a:p>
+          <a:p>
+            <a:r>
+              <a:rPr lang="en-US" sz="1200" kern="1200" dirty="0">
+                <a:solidFill>
+                  <a:schemeClr val="tx1"/>
+                </a:solidFill>
+                <a:latin typeface="+mn-lt"/>
+                <a:ea typeface="+mn-ea"/>
+                <a:cs typeface="+mn-cs"/>
+              </a:rPr>
+              <a:t>3. </a:t>
+            </a:r>
+            <a:r>
+              <a:rPr lang="en-US" sz="1200" b="1" kern="1200" dirty="0" err="1">
+                <a:solidFill>
+                  <a:schemeClr val="tx1"/>
+                </a:solidFill>
+                <a:latin typeface="+mn-lt"/>
+                <a:ea typeface="+mn-ea"/>
+                <a:cs typeface="+mn-cs"/>
+              </a:rPr>
+              <a:t>Index.cshtml</a:t>
+            </a:r>
+            <a:r>
+              <a:rPr lang="en-US" sz="1200" b="1" kern="1200" dirty="0">
+                <a:solidFill>
+                  <a:schemeClr val="tx1"/>
+                </a:solidFill>
+                <a:latin typeface="+mn-lt"/>
+                <a:ea typeface="+mn-ea"/>
+                <a:cs typeface="+mn-cs"/>
+              </a:rPr>
+              <a:t>:</a:t>
+            </a:r>
+            <a:r>
+              <a:rPr lang="en-US" sz="1200" kern="1200" dirty="0">
+                <a:solidFill>
+                  <a:schemeClr val="tx1"/>
+                </a:solidFill>
+                <a:latin typeface="+mn-lt"/>
+                <a:ea typeface="+mn-ea"/>
+                <a:cs typeface="+mn-cs"/>
+              </a:rPr>
+              <a:t> @</a:t>
+            </a:r>
+            <a:r>
+              <a:rPr lang="en-US" sz="1200" kern="1200" dirty="0" err="1">
+                <a:solidFill>
+                  <a:schemeClr val="tx1"/>
+                </a:solidFill>
+                <a:latin typeface="+mn-lt"/>
+                <a:ea typeface="+mn-ea"/>
+                <a:cs typeface="+mn-cs"/>
+              </a:rPr>
+              <a:t>Model.EventName</a:t>
+            </a:r>
+            <a:endParaRPr lang="en-US" sz="1200" kern="1200" dirty="0">
+              <a:solidFill>
+                <a:schemeClr val="tx1"/>
+              </a:solidFill>
+              <a:latin typeface="+mn-lt"/>
+              <a:ea typeface="+mn-ea"/>
+              <a:cs typeface="+mn-cs"/>
+            </a:endParaRPr>
           </a:p>
         </p:txBody>
       </p:sp>
@@ -1995,7 +2088,10 @@
           <a:bodyPr/>
           <a:lstStyle/>
           <a:p>
-            <a:endParaRPr lang="en-US" dirty="0"/>
+            <a:r>
+              <a:rPr lang="en-US" dirty="0"/>
+              <a:t>--object-id = GUID that identifies the principal that will receive permissions</a:t>
+            </a:r>
           </a:p>
         </p:txBody>
       </p:sp>
@@ -2006,7 +2102,7 @@
             <a:spLocks noGrp="1"/>
           </p:cNvSpPr>
           <p:nvPr>
-            <p:ph type="sldNum" sz="quarter" idx="10"/>
+            <p:ph type="sldNum" sz="quarter" idx="5"/>
           </p:nvPr>
         </p:nvSpPr>
         <p:spPr/>
@@ -2014,78 +2110,18 @@
           <a:bodyPr/>
           <a:lstStyle/>
           <a:p>
-            <a:pPr marL="0" marR="0" lvl="0" indent="0" algn="r" defTabSz="457200" rtl="0" eaLnBrk="1" fontAlgn="auto" latinLnBrk="0" hangingPunct="1">
-              <a:lnSpc>
-                <a:spcPct val="100000"/>
-              </a:lnSpc>
-              <a:spcBef>
-                <a:spcPts val="0"/>
-              </a:spcBef>
-              <a:spcAft>
-                <a:spcPts val="0"/>
-              </a:spcAft>
-              <a:buClrTx/>
-              <a:buSzTx/>
-              <a:buFontTx/>
-              <a:buNone/>
-              <a:tabLst/>
-              <a:defRPr/>
-            </a:pPr>
-            <a:fld id="{16A87904-88DE-4022-A424-ACD2E6FC1751}" type="slidenum">
-              <a:rPr kumimoji="0" lang="en-US" sz="1200" b="0" i="0" u="none" strike="noStrike" kern="1200" cap="none" spc="0" normalizeH="0" baseline="0" noProof="0" smtClean="0">
-                <a:ln>
-                  <a:noFill/>
-                </a:ln>
-                <a:solidFill>
-                  <a:prstClr val="black"/>
-                </a:solidFill>
-                <a:effectLst/>
-                <a:uLnTx/>
-                <a:uFillTx/>
-                <a:latin typeface="Calibri" panose="020F0502020204030204"/>
-                <a:ea typeface="+mn-ea"/>
-                <a:cs typeface="+mn-cs"/>
-              </a:rPr>
-              <a:pPr marL="0" marR="0" lvl="0" indent="0" algn="r" defTabSz="457200" rtl="0" eaLnBrk="1" fontAlgn="auto" latinLnBrk="0" hangingPunct="1">
-                <a:lnSpc>
-                  <a:spcPct val="100000"/>
-                </a:lnSpc>
-                <a:spcBef>
-                  <a:spcPts val="0"/>
-                </a:spcBef>
-                <a:spcAft>
-                  <a:spcPts val="0"/>
-                </a:spcAft>
-                <a:buClrTx/>
-                <a:buSzTx/>
-                <a:buFontTx/>
-                <a:buNone/>
-                <a:tabLst/>
-                <a:defRPr/>
-              </a:pPr>
+            <a:fld id="{40D55A08-0E86-45D7-AB2B-D5F1B665F082}" type="slidenum">
+              <a:rPr lang="en-US" smtClean="0"/>
               <a:t>17</a:t>
             </a:fld>
-            <a:endParaRPr kumimoji="0" lang="en-US" sz="1200" b="0" i="0" u="none" strike="noStrike" kern="1200" cap="none" spc="0" normalizeH="0" baseline="0" noProof="0">
-              <a:ln>
-                <a:noFill/>
-              </a:ln>
-              <a:solidFill>
-                <a:prstClr val="black"/>
-              </a:solidFill>
-              <a:effectLst/>
-              <a:uLnTx/>
-              <a:uFillTx/>
-              <a:latin typeface="Calibri" panose="020F0502020204030204"/>
-              <a:ea typeface="+mn-ea"/>
-              <a:cs typeface="+mn-cs"/>
-            </a:endParaRPr>
+            <a:endParaRPr lang="en-US"/>
           </a:p>
         </p:txBody>
       </p:sp>
     </p:spTree>
     <p:extLst>
       <p:ext uri="{BB962C8B-B14F-4D97-AF65-F5344CB8AC3E}">
-        <p14:creationId xmlns:p14="http://schemas.microsoft.com/office/powerpoint/2010/main" val="2232734480"/>
+        <p14:creationId xmlns:p14="http://schemas.microsoft.com/office/powerpoint/2010/main" val="2479955224"/>
       </p:ext>
     </p:extLst>
   </p:cSld>
@@ -2229,7 +2265,7 @@
     </p:spTree>
     <p:extLst>
       <p:ext uri="{BB962C8B-B14F-4D97-AF65-F5344CB8AC3E}">
-        <p14:creationId xmlns:p14="http://schemas.microsoft.com/office/powerpoint/2010/main" val="1203295569"/>
+        <p14:creationId xmlns:p14="http://schemas.microsoft.com/office/powerpoint/2010/main" val="2232734480"/>
       </p:ext>
     </p:extLst>
   </p:cSld>
@@ -2283,6 +2319,22 @@
           <a:bodyPr/>
           <a:lstStyle/>
           <a:p>
+            <a:r>
+              <a:rPr lang="en-US" dirty="0"/>
+              <a:t>show </a:t>
+            </a:r>
+            <a:r>
+              <a:rPr lang="en-US" dirty="0" err="1"/>
+              <a:t>Program.ConfigureKeyVault</a:t>
+            </a:r>
+            <a:r>
+              <a:rPr lang="en-US" dirty="0"/>
+              <a:t> in </a:t>
+            </a:r>
+            <a:r>
+              <a:rPr lang="en-US" dirty="0" err="1"/>
+              <a:t>ViewComponentsDemo</a:t>
+            </a:r>
             <a:endParaRPr lang="en-US" dirty="0"/>
           </a:p>
         </p:txBody>
@@ -2373,7 +2425,7 @@
     </p:spTree>
     <p:extLst>
       <p:ext uri="{BB962C8B-B14F-4D97-AF65-F5344CB8AC3E}">
-        <p14:creationId xmlns:p14="http://schemas.microsoft.com/office/powerpoint/2010/main" val="2271797707"/>
+        <p14:creationId xmlns:p14="http://schemas.microsoft.com/office/powerpoint/2010/main" val="1203295569"/>
       </p:ext>
     </p:extLst>
   </p:cSld>
@@ -2527,6 +2579,150 @@
 </p:notes>
 </file>
 
+<file path=ppt/notesSlides/notesSlide20.xml><?xml version="1.0" encoding="utf-8"?>
+<p:notes xmlns:a="http://schemas.openxmlformats.org/drawingml/2006/main" xmlns:r="http://schemas.openxmlformats.org/officeDocument/2006/relationships" xmlns:p="http://schemas.openxmlformats.org/presentationml/2006/main">
+  <p:cSld>
+    <p:spTree>
+      <p:nvGrpSpPr>
+        <p:cNvPr id="1" name=""/>
+        <p:cNvGrpSpPr/>
+        <p:nvPr/>
+      </p:nvGrpSpPr>
+      <p:grpSpPr>
+        <a:xfrm>
+          <a:off x="0" y="0"/>
+          <a:ext cx="0" cy="0"/>
+          <a:chOff x="0" y="0"/>
+          <a:chExt cx="0" cy="0"/>
+        </a:xfrm>
+      </p:grpSpPr>
+      <p:sp>
+        <p:nvSpPr>
+          <p:cNvPr id="2" name="Slide Image Placeholder 1"/>
+          <p:cNvSpPr>
+            <a:spLocks noGrp="1" noRot="1" noChangeAspect="1"/>
+          </p:cNvSpPr>
+          <p:nvPr>
+            <p:ph type="sldImg"/>
+          </p:nvPr>
+        </p:nvSpPr>
+        <p:spPr/>
+      </p:sp>
+      <p:sp>
+        <p:nvSpPr>
+          <p:cNvPr id="3" name="Notes Placeholder 2"/>
+          <p:cNvSpPr>
+            <a:spLocks noGrp="1"/>
+          </p:cNvSpPr>
+          <p:nvPr>
+            <p:ph type="body" idx="1"/>
+          </p:nvPr>
+        </p:nvSpPr>
+        <p:spPr/>
+        <p:txBody>
+          <a:bodyPr/>
+          <a:lstStyle/>
+          <a:p>
+            <a:endParaRPr lang="en-US" dirty="0"/>
+          </a:p>
+        </p:txBody>
+      </p:sp>
+      <p:sp>
+        <p:nvSpPr>
+          <p:cNvPr id="4" name="Slide Number Placeholder 3"/>
+          <p:cNvSpPr>
+            <a:spLocks noGrp="1"/>
+          </p:cNvSpPr>
+          <p:nvPr>
+            <p:ph type="sldNum" sz="quarter" idx="10"/>
+          </p:nvPr>
+        </p:nvSpPr>
+        <p:spPr/>
+        <p:txBody>
+          <a:bodyPr/>
+          <a:lstStyle/>
+          <a:p>
+            <a:pPr marL="0" marR="0" lvl="0" indent="0" algn="r" defTabSz="457200" rtl="0" eaLnBrk="1" fontAlgn="auto" latinLnBrk="0" hangingPunct="1">
+              <a:lnSpc>
+                <a:spcPct val="100000"/>
+              </a:lnSpc>
+              <a:spcBef>
+                <a:spcPts val="0"/>
+              </a:spcBef>
+              <a:spcAft>
+                <a:spcPts val="0"/>
+              </a:spcAft>
+              <a:buClrTx/>
+              <a:buSzTx/>
+              <a:buFontTx/>
+              <a:buNone/>
+              <a:tabLst/>
+              <a:defRPr/>
+            </a:pPr>
+            <a:fld id="{16A87904-88DE-4022-A424-ACD2E6FC1751}" type="slidenum">
+              <a:rPr kumimoji="0" lang="en-US" sz="1200" b="0" i="0" u="none" strike="noStrike" kern="1200" cap="none" spc="0" normalizeH="0" baseline="0" noProof="0" smtClean="0">
+                <a:ln>
+                  <a:noFill/>
+                </a:ln>
+                <a:solidFill>
+                  <a:prstClr val="black"/>
+                </a:solidFill>
+                <a:effectLst/>
+                <a:uLnTx/>
+                <a:uFillTx/>
+                <a:latin typeface="Calibri" panose="020F0502020204030204"/>
+                <a:ea typeface="+mn-ea"/>
+                <a:cs typeface="+mn-cs"/>
+              </a:rPr>
+              <a:pPr marL="0" marR="0" lvl="0" indent="0" algn="r" defTabSz="457200" rtl="0" eaLnBrk="1" fontAlgn="auto" latinLnBrk="0" hangingPunct="1">
+                <a:lnSpc>
+                  <a:spcPct val="100000"/>
+                </a:lnSpc>
+                <a:spcBef>
+                  <a:spcPts val="0"/>
+                </a:spcBef>
+                <a:spcAft>
+                  <a:spcPts val="0"/>
+                </a:spcAft>
+                <a:buClrTx/>
+                <a:buSzTx/>
+                <a:buFontTx/>
+                <a:buNone/>
+                <a:tabLst/>
+                <a:defRPr/>
+              </a:pPr>
+              <a:t>20</a:t>
+            </a:fld>
+            <a:endParaRPr kumimoji="0" lang="en-US" sz="1200" b="0" i="0" u="none" strike="noStrike" kern="1200" cap="none" spc="0" normalizeH="0" baseline="0" noProof="0">
+              <a:ln>
+                <a:noFill/>
+              </a:ln>
+              <a:solidFill>
+                <a:prstClr val="black"/>
+              </a:solidFill>
+              <a:effectLst/>
+              <a:uLnTx/>
+              <a:uFillTx/>
+              <a:latin typeface="Calibri" panose="020F0502020204030204"/>
+              <a:ea typeface="+mn-ea"/>
+              <a:cs typeface="+mn-cs"/>
+            </a:endParaRPr>
+          </a:p>
+        </p:txBody>
+      </p:sp>
+    </p:spTree>
+    <p:extLst>
+      <p:ext uri="{BB962C8B-B14F-4D97-AF65-F5344CB8AC3E}">
+        <p14:creationId xmlns:p14="http://schemas.microsoft.com/office/powerpoint/2010/main" val="2271797707"/>
+      </p:ext>
+    </p:extLst>
+  </p:cSld>
+  <p:clrMapOvr>
+    <a:masterClrMapping/>
+  </p:clrMapOvr>
+</p:notes>
+</file>
+
 <file path=ppt/notesSlides/notesSlide3.xml><?xml version="1.0" encoding="utf-8"?>
 <p:notes xmlns:a="http://schemas.openxmlformats.org/drawingml/2006/main" xmlns:r="http://schemas.openxmlformats.org/officeDocument/2006/relationships" xmlns:p="http://schemas.openxmlformats.org/presentationml/2006/main">
   <p:cSld>
@@ -3748,7 +3944,7 @@
           <a:p>
             <a:fld id="{B5D86D52-4857-4668-9EB7-B41E21252CF7}" type="datetimeFigureOut">
               <a:rPr lang="en-US" smtClean="0"/>
-              <a:t>2/25/2019</a:t>
+              <a:t>3/1/2019</a:t>
             </a:fld>
             <a:endParaRPr lang="en-US"/>
           </a:p>
@@ -3946,7 +4142,7 @@
           <a:p>
             <a:fld id="{B5D86D52-4857-4668-9EB7-B41E21252CF7}" type="datetimeFigureOut">
               <a:rPr lang="en-US" smtClean="0"/>
-              <a:t>2/25/2019</a:t>
+              <a:t>3/1/2019</a:t>
             </a:fld>
             <a:endParaRPr lang="en-US"/>
           </a:p>
@@ -4154,7 +4350,7 @@
           <a:p>
             <a:fld id="{B5D86D52-4857-4668-9EB7-B41E21252CF7}" type="datetimeFigureOut">
               <a:rPr lang="en-US" smtClean="0"/>
-              <a:t>2/25/2019</a:t>
+              <a:t>3/1/2019</a:t>
             </a:fld>
             <a:endParaRPr lang="en-US"/>
           </a:p>
@@ -4358,7 +4554,7 @@
           <a:p>
             <a:fld id="{EEC3160E-2579-4584-9765-DC1BA0B358F9}" type="datetimeFigureOut">
               <a:rPr lang="en-US" smtClean="0"/>
-              <a:t>2/25/2019</a:t>
+              <a:t>3/1/2019</a:t>
             </a:fld>
             <a:endParaRPr lang="en-US"/>
           </a:p>
@@ -4528,7 +4724,7 @@
           <a:p>
             <a:fld id="{EEC3160E-2579-4584-9765-DC1BA0B358F9}" type="datetimeFigureOut">
               <a:rPr lang="en-US" smtClean="0"/>
-              <a:t>2/25/2019</a:t>
+              <a:t>3/1/2019</a:t>
             </a:fld>
             <a:endParaRPr lang="en-US"/>
           </a:p>
@@ -4774,7 +4970,7 @@
           <a:p>
             <a:fld id="{EEC3160E-2579-4584-9765-DC1BA0B358F9}" type="datetimeFigureOut">
               <a:rPr lang="en-US" smtClean="0"/>
-              <a:t>2/25/2019</a:t>
+              <a:t>3/1/2019</a:t>
             </a:fld>
             <a:endParaRPr lang="en-US"/>
           </a:p>
@@ -5006,7 +5202,7 @@
           <a:p>
             <a:fld id="{EEC3160E-2579-4584-9765-DC1BA0B358F9}" type="datetimeFigureOut">
               <a:rPr lang="en-US" smtClean="0"/>
-              <a:t>2/25/2019</a:t>
+              <a:t>3/1/2019</a:t>
             </a:fld>
             <a:endParaRPr lang="en-US"/>
           </a:p>
@@ -5373,7 +5569,7 @@
           <a:p>
             <a:fld id="{EEC3160E-2579-4584-9765-DC1BA0B358F9}" type="datetimeFigureOut">
               <a:rPr lang="en-US" smtClean="0"/>
-              <a:t>2/25/2019</a:t>
+              <a:t>3/1/2019</a:t>
             </a:fld>
             <a:endParaRPr lang="en-US"/>
           </a:p>
@@ -5491,7 +5687,7 @@
           <a:p>
             <a:fld id="{EEC3160E-2579-4584-9765-DC1BA0B358F9}" type="datetimeFigureOut">
               <a:rPr lang="en-US" smtClean="0"/>
-              <a:t>2/25/2019</a:t>
+              <a:t>3/1/2019</a:t>
             </a:fld>
             <a:endParaRPr lang="en-US"/>
           </a:p>
@@ -5586,7 +5782,7 @@
           <a:p>
             <a:fld id="{EEC3160E-2579-4584-9765-DC1BA0B358F9}" type="datetimeFigureOut">
               <a:rPr lang="en-US" smtClean="0"/>
-              <a:t>2/25/2019</a:t>
+              <a:t>3/1/2019</a:t>
             </a:fld>
             <a:endParaRPr lang="en-US"/>
           </a:p>
@@ -5863,7 +6059,7 @@
           <a:p>
             <a:fld id="{EEC3160E-2579-4584-9765-DC1BA0B358F9}" type="datetimeFigureOut">
               <a:rPr lang="en-US" smtClean="0"/>
-              <a:t>2/25/2019</a:t>
+              <a:t>3/1/2019</a:t>
             </a:fld>
             <a:endParaRPr lang="en-US"/>
           </a:p>
@@ -6049,7 +6245,7 @@
           <a:p>
             <a:fld id="{B5D86D52-4857-4668-9EB7-B41E21252CF7}" type="datetimeFigureOut">
               <a:rPr lang="en-US" smtClean="0"/>
-              <a:t>2/25/2019</a:t>
+              <a:t>3/1/2019</a:t>
             </a:fld>
             <a:endParaRPr lang="en-US"/>
           </a:p>
@@ -6318,7 +6514,7 @@
           <a:p>
             <a:fld id="{EEC3160E-2579-4584-9765-DC1BA0B358F9}" type="datetimeFigureOut">
               <a:rPr lang="en-US" smtClean="0"/>
-              <a:t>2/25/2019</a:t>
+              <a:t>3/1/2019</a:t>
             </a:fld>
             <a:endParaRPr lang="en-US"/>
           </a:p>
@@ -6488,7 +6684,7 @@
           <a:p>
             <a:fld id="{EEC3160E-2579-4584-9765-DC1BA0B358F9}" type="datetimeFigureOut">
               <a:rPr lang="en-US" smtClean="0"/>
-              <a:t>2/25/2019</a:t>
+              <a:t>3/1/2019</a:t>
             </a:fld>
             <a:endParaRPr lang="en-US"/>
           </a:p>
@@ -6668,7 +6864,7 @@
           <a:p>
             <a:fld id="{EEC3160E-2579-4584-9765-DC1BA0B358F9}" type="datetimeFigureOut">
               <a:rPr lang="en-US" smtClean="0"/>
-              <a:t>2/25/2019</a:t>
+              <a:t>3/1/2019</a:t>
             </a:fld>
             <a:endParaRPr lang="en-US"/>
           </a:p>
@@ -6931,7 +7127,7 @@
           <a:p>
             <a:fld id="{B5D86D52-4857-4668-9EB7-B41E21252CF7}" type="datetimeFigureOut">
               <a:rPr lang="en-US" smtClean="0"/>
-              <a:t>2/25/2019</a:t>
+              <a:t>3/1/2019</a:t>
             </a:fld>
             <a:endParaRPr lang="en-US"/>
           </a:p>
@@ -7196,7 +7392,7 @@
           <a:p>
             <a:fld id="{B5D86D52-4857-4668-9EB7-B41E21252CF7}" type="datetimeFigureOut">
               <a:rPr lang="en-US" smtClean="0"/>
-              <a:t>2/25/2019</a:t>
+              <a:t>3/1/2019</a:t>
             </a:fld>
             <a:endParaRPr lang="en-US"/>
           </a:p>
@@ -7608,7 +7804,7 @@
           <a:p>
             <a:fld id="{B5D86D52-4857-4668-9EB7-B41E21252CF7}" type="datetimeFigureOut">
               <a:rPr lang="en-US" smtClean="0"/>
-              <a:t>2/25/2019</a:t>
+              <a:t>3/1/2019</a:t>
             </a:fld>
             <a:endParaRPr lang="en-US"/>
           </a:p>
@@ -7749,7 +7945,7 @@
           <a:p>
             <a:fld id="{B5D86D52-4857-4668-9EB7-B41E21252CF7}" type="datetimeFigureOut">
               <a:rPr lang="en-US" smtClean="0"/>
-              <a:t>2/25/2019</a:t>
+              <a:t>3/1/2019</a:t>
             </a:fld>
             <a:endParaRPr lang="en-US"/>
           </a:p>
@@ -7862,7 +8058,7 @@
           <a:p>
             <a:fld id="{B5D86D52-4857-4668-9EB7-B41E21252CF7}" type="datetimeFigureOut">
               <a:rPr lang="en-US" smtClean="0"/>
-              <a:t>2/25/2019</a:t>
+              <a:t>3/1/2019</a:t>
             </a:fld>
             <a:endParaRPr lang="en-US"/>
           </a:p>
@@ -8173,7 +8369,7 @@
           <a:p>
             <a:fld id="{B5D86D52-4857-4668-9EB7-B41E21252CF7}" type="datetimeFigureOut">
               <a:rPr lang="en-US" smtClean="0"/>
-              <a:t>2/25/2019</a:t>
+              <a:t>3/1/2019</a:t>
             </a:fld>
             <a:endParaRPr lang="en-US"/>
           </a:p>
@@ -8461,7 +8657,7 @@
           <a:p>
             <a:fld id="{B5D86D52-4857-4668-9EB7-B41E21252CF7}" type="datetimeFigureOut">
               <a:rPr lang="en-US" smtClean="0"/>
-              <a:t>2/25/2019</a:t>
+              <a:t>3/1/2019</a:t>
             </a:fld>
             <a:endParaRPr lang="en-US"/>
           </a:p>
@@ -8702,7 +8898,7 @@
           <a:p>
             <a:fld id="{B5D86D52-4857-4668-9EB7-B41E21252CF7}" type="datetimeFigureOut">
               <a:rPr lang="en-US" smtClean="0"/>
-              <a:t>2/25/2019</a:t>
+              <a:t>3/1/2019</a:t>
             </a:fld>
             <a:endParaRPr lang="en-US"/>
           </a:p>
@@ -9254,7 +9450,7 @@
           <a:p>
             <a:fld id="{EEC3160E-2579-4584-9765-DC1BA0B358F9}" type="datetimeFigureOut">
               <a:rPr lang="en-US" smtClean="0"/>
-              <a:t>2/25/2019</a:t>
+              <a:t>3/1/2019</a:t>
             </a:fld>
             <a:endParaRPr lang="en-US"/>
           </a:p>
@@ -9961,8 +10157,8 @@
         </p:nvSpPr>
         <p:spPr>
           <a:xfrm>
-            <a:off x="120399" y="5946883"/>
-            <a:ext cx="6618051" cy="911117"/>
+            <a:off x="120399" y="5558445"/>
+            <a:ext cx="6618051" cy="1299556"/>
           </a:xfrm>
         </p:spPr>
         <p:txBody>
@@ -9974,15 +10170,26 @@
             <a:pPr algn="l"/>
             <a:r>
               <a:rPr lang="en-US" sz="2000" b="1" dirty="0"/>
-              <a:t>Scott Addie | @</a:t>
+              <a:t>Scott Addie</a:t>
+            </a:r>
+          </a:p>
+          <a:p>
+            <a:pPr algn="l"/>
+            <a:r>
+              <a:rPr lang="en-US" sz="2000" b="1" dirty="0"/>
+              <a:t>@</a:t>
             </a:r>
             <a:r>
               <a:rPr lang="en-US" sz="2000" b="1" dirty="0" err="1"/>
               <a:t>Scott_Addie</a:t>
             </a:r>
+            <a:endParaRPr lang="en-US" sz="2000" b="1" dirty="0"/>
+          </a:p>
+          <a:p>
+            <a:pPr algn="l"/>
             <a:r>
               <a:rPr lang="en-US" sz="2000" b="1" dirty="0"/>
-              <a:t> | Senior Content Developer</a:t>
+              <a:t>Senior Content Developer</a:t>
             </a:r>
           </a:p>
         </p:txBody>
@@ -11786,14 +11993,13 @@
               <a:buNone/>
             </a:pPr>
             <a:r>
-              <a:rPr lang="en-US" sz="2400" b="1" dirty="0">
-                <a:latin typeface="Courier New" panose="02070309020205020404" pitchFamily="49" charset="0"/>
-                <a:cs typeface="Courier New" panose="02070309020205020404" pitchFamily="49" charset="0"/>
-              </a:rPr>
-              <a:t>&gt; </a:t>
-            </a:r>
-            <a:r>
               <a:rPr lang="en-US" sz="2400" dirty="0" err="1">
+                <a:solidFill>
+                  <a:schemeClr val="accent1">
+                    <a:lumMod val="40000"/>
+                    <a:lumOff val="60000"/>
+                  </a:schemeClr>
+                </a:solidFill>
                 <a:latin typeface="Courier New" panose="02070309020205020404" pitchFamily="49" charset="0"/>
                 <a:cs typeface="Courier New" panose="02070309020205020404" pitchFamily="49" charset="0"/>
               </a:rPr>
@@ -11801,6 +12007,12 @@
             </a:r>
             <a:r>
               <a:rPr lang="en-US" sz="2400" dirty="0">
+                <a:solidFill>
+                  <a:schemeClr val="accent1">
+                    <a:lumMod val="40000"/>
+                    <a:lumOff val="60000"/>
+                  </a:schemeClr>
+                </a:solidFill>
                 <a:latin typeface="Courier New" panose="02070309020205020404" pitchFamily="49" charset="0"/>
                 <a:cs typeface="Courier New" panose="02070309020205020404" pitchFamily="49" charset="0"/>
               </a:rPr>
@@ -11808,6 +12020,12 @@
             </a:r>
             <a:r>
               <a:rPr lang="en-US" sz="2400" dirty="0" err="1">
+                <a:solidFill>
+                  <a:schemeClr val="accent1">
+                    <a:lumMod val="40000"/>
+                    <a:lumOff val="60000"/>
+                  </a:schemeClr>
+                </a:solidFill>
                 <a:latin typeface="Courier New" panose="02070309020205020404" pitchFamily="49" charset="0"/>
                 <a:cs typeface="Courier New" panose="02070309020205020404" pitchFamily="49" charset="0"/>
               </a:rPr>
@@ -11815,13 +12033,39 @@
             </a:r>
             <a:r>
               <a:rPr lang="en-US" sz="2400" dirty="0">
+                <a:solidFill>
+                  <a:schemeClr val="accent1">
+                    <a:lumMod val="40000"/>
+                    <a:lumOff val="60000"/>
+                  </a:schemeClr>
+                </a:solidFill>
                 <a:latin typeface="Courier New" panose="02070309020205020404" pitchFamily="49" charset="0"/>
                 <a:cs typeface="Courier New" panose="02070309020205020404" pitchFamily="49" charset="0"/>
               </a:rPr>
-              <a:t> create --name `</a:t>
+              <a:t> create</a:t>
+            </a:r>
+            <a:r>
+              <a:rPr lang="en-US" sz="2400" dirty="0">
+                <a:latin typeface="Courier New" panose="02070309020205020404" pitchFamily="49" charset="0"/>
+                <a:cs typeface="Courier New" panose="02070309020205020404" pitchFamily="49" charset="0"/>
+              </a:rPr>
+              <a:t> --name </a:t>
+            </a:r>
+            <a:r>
+              <a:rPr lang="en-US" sz="2400" dirty="0">
+                <a:solidFill>
+                  <a:schemeClr val="accent4"/>
+                </a:solidFill>
+                <a:latin typeface="Courier New" panose="02070309020205020404" pitchFamily="49" charset="0"/>
+                <a:cs typeface="Courier New" panose="02070309020205020404" pitchFamily="49" charset="0"/>
+              </a:rPr>
+              <a:t>`</a:t>
             </a:r>
             <a:r>
               <a:rPr lang="en-US" sz="2400" dirty="0" err="1">
+                <a:solidFill>
+                  <a:schemeClr val="accent4"/>
+                </a:solidFill>
                 <a:latin typeface="Courier New" panose="02070309020205020404" pitchFamily="49" charset="0"/>
                 <a:cs typeface="Courier New" panose="02070309020205020404" pitchFamily="49" charset="0"/>
               </a:rPr>
@@ -11829,25 +12073,48 @@
             </a:r>
             <a:r>
               <a:rPr lang="en-US" sz="2400" dirty="0">
+                <a:solidFill>
+                  <a:schemeClr val="accent4"/>
+                </a:solidFill>
                 <a:latin typeface="Courier New" panose="02070309020205020404" pitchFamily="49" charset="0"/>
                 <a:cs typeface="Courier New" panose="02070309020205020404" pitchFamily="49" charset="0"/>
               </a:rPr>
               <a:t>`</a:t>
             </a:r>
-          </a:p>
-          <a:p>
-            <a:pPr marL="0" indent="0">
-              <a:buNone/>
-            </a:pPr>
             <a:r>
               <a:rPr lang="en-US" sz="2400" dirty="0">
                 <a:latin typeface="Courier New" panose="02070309020205020404" pitchFamily="49" charset="0"/>
                 <a:cs typeface="Courier New" panose="02070309020205020404" pitchFamily="49" charset="0"/>
               </a:rPr>
-              <a:t>				 --resource-group `</a:t>
+              <a:t> \</a:t>
+            </a:r>
+          </a:p>
+          <a:p>
+            <a:pPr marL="0" indent="0">
+              <a:buNone/>
+            </a:pPr>
+            <a:r>
+              <a:rPr lang="en-US" sz="2400" dirty="0">
+                <a:latin typeface="Courier New" panose="02070309020205020404" pitchFamily="49" charset="0"/>
+                <a:cs typeface="Courier New" panose="02070309020205020404" pitchFamily="49" charset="0"/>
+              </a:rPr>
+              <a:t>			    --resource-group </a:t>
+            </a:r>
+            <a:r>
+              <a:rPr lang="en-US" sz="2400" dirty="0">
+                <a:solidFill>
+                  <a:schemeClr val="accent4"/>
+                </a:solidFill>
+                <a:latin typeface="Courier New" panose="02070309020205020404" pitchFamily="49" charset="0"/>
+                <a:cs typeface="Courier New" panose="02070309020205020404" pitchFamily="49" charset="0"/>
+              </a:rPr>
+              <a:t>`</a:t>
             </a:r>
             <a:r>
               <a:rPr lang="en-US" sz="2400" dirty="0" err="1">
+                <a:solidFill>
+                  <a:schemeClr val="accent4"/>
+                </a:solidFill>
                 <a:latin typeface="Courier New" panose="02070309020205020404" pitchFamily="49" charset="0"/>
                 <a:cs typeface="Courier New" panose="02070309020205020404" pitchFamily="49" charset="0"/>
               </a:rPr>
@@ -11855,31 +12122,47 @@
             </a:r>
             <a:r>
               <a:rPr lang="en-US" sz="2400" dirty="0">
+                <a:solidFill>
+                  <a:schemeClr val="accent4"/>
+                </a:solidFill>
                 <a:latin typeface="Courier New" panose="02070309020205020404" pitchFamily="49" charset="0"/>
                 <a:cs typeface="Courier New" panose="02070309020205020404" pitchFamily="49" charset="0"/>
               </a:rPr>
               <a:t>`</a:t>
             </a:r>
-          </a:p>
-          <a:p>
-            <a:pPr marL="0" indent="0">
-              <a:buNone/>
-            </a:pPr>
             <a:r>
               <a:rPr lang="en-US" sz="2400" dirty="0">
                 <a:latin typeface="Courier New" panose="02070309020205020404" pitchFamily="49" charset="0"/>
                 <a:cs typeface="Courier New" panose="02070309020205020404" pitchFamily="49" charset="0"/>
               </a:rPr>
-              <a:t>				 --location </a:t>
+              <a:t> \</a:t>
+            </a:r>
+          </a:p>
+          <a:p>
+            <a:pPr marL="0" indent="0">
+              <a:buNone/>
+            </a:pPr>
+            <a:r>
+              <a:rPr lang="en-US" sz="2400" dirty="0">
+                <a:latin typeface="Courier New" panose="02070309020205020404" pitchFamily="49" charset="0"/>
+                <a:cs typeface="Courier New" panose="02070309020205020404" pitchFamily="49" charset="0"/>
+              </a:rPr>
+              <a:t>			    --location </a:t>
             </a:r>
             <a:r>
               <a:rPr lang="en-US" sz="2400" dirty="0" err="1">
+                <a:solidFill>
+                  <a:schemeClr val="accent4"/>
+                </a:solidFill>
                 <a:latin typeface="Courier New" panose="02070309020205020404" pitchFamily="49" charset="0"/>
                 <a:cs typeface="Courier New" panose="02070309020205020404" pitchFamily="49" charset="0"/>
               </a:rPr>
               <a:t>eastus</a:t>
             </a:r>
             <a:endParaRPr lang="en-US" sz="2400" dirty="0">
+              <a:solidFill>
+                <a:schemeClr val="accent4"/>
+              </a:solidFill>
               <a:latin typeface="Courier New" panose="02070309020205020404" pitchFamily="49" charset="0"/>
               <a:cs typeface="Courier New" panose="02070309020205020404" pitchFamily="49" charset="0"/>
             </a:endParaRPr>
@@ -11889,14 +12172,13 @@
               <a:buNone/>
             </a:pPr>
             <a:r>
-              <a:rPr lang="en-US" sz="2400" b="1" dirty="0">
-                <a:latin typeface="Courier New" panose="02070309020205020404" pitchFamily="49" charset="0"/>
-                <a:cs typeface="Courier New" panose="02070309020205020404" pitchFamily="49" charset="0"/>
-              </a:rPr>
-              <a:t>&gt; </a:t>
-            </a:r>
-            <a:r>
               <a:rPr lang="en-US" sz="2400" dirty="0" err="1">
+                <a:solidFill>
+                  <a:schemeClr val="accent1">
+                    <a:lumMod val="40000"/>
+                    <a:lumOff val="60000"/>
+                  </a:schemeClr>
+                </a:solidFill>
                 <a:latin typeface="Courier New" panose="02070309020205020404" pitchFamily="49" charset="0"/>
                 <a:cs typeface="Courier New" panose="02070309020205020404" pitchFamily="49" charset="0"/>
               </a:rPr>
@@ -11904,6 +12186,12 @@
             </a:r>
             <a:r>
               <a:rPr lang="en-US" sz="2400" dirty="0">
+                <a:solidFill>
+                  <a:schemeClr val="accent1">
+                    <a:lumMod val="40000"/>
+                    <a:lumOff val="60000"/>
+                  </a:schemeClr>
+                </a:solidFill>
                 <a:latin typeface="Courier New" panose="02070309020205020404" pitchFamily="49" charset="0"/>
                 <a:cs typeface="Courier New" panose="02070309020205020404" pitchFamily="49" charset="0"/>
               </a:rPr>
@@ -11911,6 +12199,12 @@
             </a:r>
             <a:r>
               <a:rPr lang="en-US" sz="2400" dirty="0" err="1">
+                <a:solidFill>
+                  <a:schemeClr val="accent1">
+                    <a:lumMod val="40000"/>
+                    <a:lumOff val="60000"/>
+                  </a:schemeClr>
+                </a:solidFill>
                 <a:latin typeface="Courier New" panose="02070309020205020404" pitchFamily="49" charset="0"/>
                 <a:cs typeface="Courier New" panose="02070309020205020404" pitchFamily="49" charset="0"/>
               </a:rPr>
@@ -11918,13 +12212,39 @@
             </a:r>
             <a:r>
               <a:rPr lang="en-US" sz="2400" dirty="0">
+                <a:solidFill>
+                  <a:schemeClr val="accent1">
+                    <a:lumMod val="40000"/>
+                    <a:lumOff val="60000"/>
+                  </a:schemeClr>
+                </a:solidFill>
                 <a:latin typeface="Courier New" panose="02070309020205020404" pitchFamily="49" charset="0"/>
                 <a:cs typeface="Courier New" panose="02070309020205020404" pitchFamily="49" charset="0"/>
               </a:rPr>
-              <a:t> secret set --vault-name `</a:t>
+              <a:t> secret set</a:t>
+            </a:r>
+            <a:r>
+              <a:rPr lang="en-US" sz="2400" dirty="0">
+                <a:latin typeface="Courier New" panose="02070309020205020404" pitchFamily="49" charset="0"/>
+                <a:cs typeface="Courier New" panose="02070309020205020404" pitchFamily="49" charset="0"/>
+              </a:rPr>
+              <a:t> --vault-name </a:t>
+            </a:r>
+            <a:r>
+              <a:rPr lang="en-US" sz="2400" dirty="0">
+                <a:solidFill>
+                  <a:schemeClr val="accent4"/>
+                </a:solidFill>
+                <a:latin typeface="Courier New" panose="02070309020205020404" pitchFamily="49" charset="0"/>
+                <a:cs typeface="Courier New" panose="02070309020205020404" pitchFamily="49" charset="0"/>
+              </a:rPr>
+              <a:t>`</a:t>
             </a:r>
             <a:r>
               <a:rPr lang="en-US" sz="2400" dirty="0" err="1">
+                <a:solidFill>
+                  <a:schemeClr val="accent4"/>
+                </a:solidFill>
                 <a:latin typeface="Courier New" panose="02070309020205020404" pitchFamily="49" charset="0"/>
                 <a:cs typeface="Courier New" panose="02070309020205020404" pitchFamily="49" charset="0"/>
               </a:rPr>
@@ -11932,11 +12252,21 @@
             </a:r>
             <a:r>
               <a:rPr lang="en-US" sz="2400" dirty="0">
+                <a:solidFill>
+                  <a:schemeClr val="accent4"/>
+                </a:solidFill>
                 <a:latin typeface="Courier New" panose="02070309020205020404" pitchFamily="49" charset="0"/>
                 <a:cs typeface="Courier New" panose="02070309020205020404" pitchFamily="49" charset="0"/>
               </a:rPr>
               <a:t>`</a:t>
             </a:r>
+            <a:r>
+              <a:rPr lang="en-US" sz="2400" dirty="0">
+                <a:latin typeface="Courier New" panose="02070309020205020404" pitchFamily="49" charset="0"/>
+                <a:cs typeface="Courier New" panose="02070309020205020404" pitchFamily="49" charset="0"/>
+              </a:rPr>
+              <a:t> \</a:t>
+            </a:r>
           </a:p>
           <a:p>
             <a:pPr marL="0" indent="0">
@@ -11947,28 +12277,58 @@
                 <a:latin typeface="Courier New" panose="02070309020205020404" pitchFamily="49" charset="0"/>
                 <a:cs typeface="Courier New" panose="02070309020205020404" pitchFamily="49" charset="0"/>
               </a:rPr>
-              <a:t>					</a:t>
+              <a:t>				   </a:t>
             </a:r>
             <a:r>
               <a:rPr lang="en-US" sz="2400" dirty="0">
                 <a:latin typeface="Courier New" panose="02070309020205020404" pitchFamily="49" charset="0"/>
                 <a:cs typeface="Courier New" panose="02070309020205020404" pitchFamily="49" charset="0"/>
               </a:rPr>
-              <a:t>--name `Password`</a:t>
-            </a:r>
-          </a:p>
-          <a:p>
-            <a:pPr marL="0" indent="0">
-              <a:buNone/>
-            </a:pPr>
+              <a:t>--name </a:t>
+            </a:r>
+            <a:r>
+              <a:rPr lang="en-US" sz="2400" dirty="0">
+                <a:solidFill>
+                  <a:schemeClr val="accent4"/>
+                </a:solidFill>
+                <a:latin typeface="Courier New" panose="02070309020205020404" pitchFamily="49" charset="0"/>
+                <a:cs typeface="Courier New" panose="02070309020205020404" pitchFamily="49" charset="0"/>
+              </a:rPr>
+              <a:t>`Password`</a:t>
+            </a:r>
             <a:r>
               <a:rPr lang="en-US" sz="2400" dirty="0">
                 <a:latin typeface="Courier New" panose="02070309020205020404" pitchFamily="49" charset="0"/>
                 <a:cs typeface="Courier New" panose="02070309020205020404" pitchFamily="49" charset="0"/>
               </a:rPr>
-              <a:t>					--value `pass123`</a:t>
+              <a:t> \</a:t>
+            </a:r>
+          </a:p>
+          <a:p>
+            <a:pPr marL="0" indent="0">
+              <a:buNone/>
+            </a:pPr>
+            <a:r>
+              <a:rPr lang="en-US" sz="2400" dirty="0">
+                <a:latin typeface="Courier New" panose="02070309020205020404" pitchFamily="49" charset="0"/>
+                <a:cs typeface="Courier New" panose="02070309020205020404" pitchFamily="49" charset="0"/>
+              </a:rPr>
+              <a:t>				   --value </a:t>
+            </a:r>
+            <a:r>
+              <a:rPr lang="en-US" sz="2400" dirty="0">
+                <a:solidFill>
+                  <a:schemeClr val="accent4"/>
+                </a:solidFill>
+                <a:latin typeface="Courier New" panose="02070309020205020404" pitchFamily="49" charset="0"/>
+                <a:cs typeface="Courier New" panose="02070309020205020404" pitchFamily="49" charset="0"/>
+              </a:rPr>
+              <a:t>`pass123`</a:t>
             </a:r>
             <a:endParaRPr lang="en-US" b="1" dirty="0">
+              <a:solidFill>
+                <a:schemeClr val="accent4"/>
+              </a:solidFill>
               <a:latin typeface="Courier New" panose="02070309020205020404" pitchFamily="49" charset="0"/>
               <a:cs typeface="Courier New" panose="02070309020205020404" pitchFamily="49" charset="0"/>
             </a:endParaRPr>
@@ -11978,14 +12338,13 @@
               <a:buNone/>
             </a:pPr>
             <a:r>
-              <a:rPr lang="en-US" sz="2400" b="1" dirty="0">
-                <a:latin typeface="Courier New" panose="02070309020205020404" pitchFamily="49" charset="0"/>
-                <a:cs typeface="Courier New" panose="02070309020205020404" pitchFamily="49" charset="0"/>
-              </a:rPr>
-              <a:t>&gt; </a:t>
-            </a:r>
-            <a:r>
               <a:rPr lang="en-US" sz="2400" dirty="0" err="1">
+                <a:solidFill>
+                  <a:schemeClr val="accent1">
+                    <a:lumMod val="40000"/>
+                    <a:lumOff val="60000"/>
+                  </a:schemeClr>
+                </a:solidFill>
                 <a:latin typeface="Courier New" panose="02070309020205020404" pitchFamily="49" charset="0"/>
                 <a:cs typeface="Courier New" panose="02070309020205020404" pitchFamily="49" charset="0"/>
               </a:rPr>
@@ -11993,6 +12352,12 @@
             </a:r>
             <a:r>
               <a:rPr lang="en-US" sz="2400" dirty="0">
+                <a:solidFill>
+                  <a:schemeClr val="accent1">
+                    <a:lumMod val="40000"/>
+                    <a:lumOff val="60000"/>
+                  </a:schemeClr>
+                </a:solidFill>
                 <a:latin typeface="Courier New" panose="02070309020205020404" pitchFamily="49" charset="0"/>
                 <a:cs typeface="Courier New" panose="02070309020205020404" pitchFamily="49" charset="0"/>
               </a:rPr>
@@ -12000,6 +12365,12 @@
             </a:r>
             <a:r>
               <a:rPr lang="en-US" sz="2400" dirty="0" err="1">
+                <a:solidFill>
+                  <a:schemeClr val="accent1">
+                    <a:lumMod val="40000"/>
+                    <a:lumOff val="60000"/>
+                  </a:schemeClr>
+                </a:solidFill>
                 <a:latin typeface="Courier New" panose="02070309020205020404" pitchFamily="49" charset="0"/>
                 <a:cs typeface="Courier New" panose="02070309020205020404" pitchFamily="49" charset="0"/>
               </a:rPr>
@@ -12007,13 +12378,39 @@
             </a:r>
             <a:r>
               <a:rPr lang="en-US" sz="2400" dirty="0">
+                <a:solidFill>
+                  <a:schemeClr val="accent1">
+                    <a:lumMod val="40000"/>
+                    <a:lumOff val="60000"/>
+                  </a:schemeClr>
+                </a:solidFill>
                 <a:latin typeface="Courier New" panose="02070309020205020404" pitchFamily="49" charset="0"/>
                 <a:cs typeface="Courier New" panose="02070309020205020404" pitchFamily="49" charset="0"/>
               </a:rPr>
-              <a:t> secret set --vault-name `</a:t>
+              <a:t> secret set</a:t>
+            </a:r>
+            <a:r>
+              <a:rPr lang="en-US" sz="2400" dirty="0">
+                <a:latin typeface="Courier New" panose="02070309020205020404" pitchFamily="49" charset="0"/>
+                <a:cs typeface="Courier New" panose="02070309020205020404" pitchFamily="49" charset="0"/>
+              </a:rPr>
+              <a:t> --vault-name </a:t>
+            </a:r>
+            <a:r>
+              <a:rPr lang="en-US" sz="2400" dirty="0">
+                <a:solidFill>
+                  <a:schemeClr val="accent4"/>
+                </a:solidFill>
+                <a:latin typeface="Courier New" panose="02070309020205020404" pitchFamily="49" charset="0"/>
+                <a:cs typeface="Courier New" panose="02070309020205020404" pitchFamily="49" charset="0"/>
+              </a:rPr>
+              <a:t>`</a:t>
             </a:r>
             <a:r>
               <a:rPr lang="en-US" sz="2400" dirty="0" err="1">
+                <a:solidFill>
+                  <a:schemeClr val="accent4"/>
+                </a:solidFill>
                 <a:latin typeface="Courier New" panose="02070309020205020404" pitchFamily="49" charset="0"/>
                 <a:cs typeface="Courier New" panose="02070309020205020404" pitchFamily="49" charset="0"/>
               </a:rPr>
@@ -12021,22 +12418,20 @@
             </a:r>
             <a:r>
               <a:rPr lang="en-US" sz="2400" dirty="0">
+                <a:solidFill>
+                  <a:schemeClr val="accent4"/>
+                </a:solidFill>
                 <a:latin typeface="Courier New" panose="02070309020205020404" pitchFamily="49" charset="0"/>
                 <a:cs typeface="Courier New" panose="02070309020205020404" pitchFamily="49" charset="0"/>
               </a:rPr>
               <a:t>`</a:t>
             </a:r>
-          </a:p>
-          <a:p>
-            <a:pPr marL="0" indent="0">
-              <a:buNone/>
-            </a:pPr>
             <a:r>
               <a:rPr lang="en-US" sz="2400" dirty="0">
                 <a:latin typeface="Courier New" panose="02070309020205020404" pitchFamily="49" charset="0"/>
                 <a:cs typeface="Courier New" panose="02070309020205020404" pitchFamily="49" charset="0"/>
               </a:rPr>
-              <a:t>					--name `User`</a:t>
+              <a:t> \</a:t>
             </a:r>
           </a:p>
           <a:p>
@@ -12048,10 +12443,52 @@
                 <a:latin typeface="Courier New" panose="02070309020205020404" pitchFamily="49" charset="0"/>
                 <a:cs typeface="Courier New" panose="02070309020205020404" pitchFamily="49" charset="0"/>
               </a:rPr>
-              <a:t>					--value `</a:t>
+              <a:t>				   --name </a:t>
+            </a:r>
+            <a:r>
+              <a:rPr lang="en-US" sz="2400" dirty="0">
+                <a:solidFill>
+                  <a:schemeClr val="accent4"/>
+                </a:solidFill>
+                <a:latin typeface="Courier New" panose="02070309020205020404" pitchFamily="49" charset="0"/>
+                <a:cs typeface="Courier New" panose="02070309020205020404" pitchFamily="49" charset="0"/>
+              </a:rPr>
+              <a:t>`User`</a:t>
+            </a:r>
+            <a:r>
+              <a:rPr lang="en-US" sz="2400" dirty="0">
+                <a:latin typeface="Courier New" panose="02070309020205020404" pitchFamily="49" charset="0"/>
+                <a:cs typeface="Courier New" panose="02070309020205020404" pitchFamily="49" charset="0"/>
+              </a:rPr>
+              <a:t> \</a:t>
+            </a:r>
+          </a:p>
+          <a:p>
+            <a:pPr marL="0" indent="0">
+              <a:buNone/>
+            </a:pPr>
+            <a:r>
+              <a:rPr lang="en-US" sz="2400" dirty="0">
+                <a:latin typeface="Courier New" panose="02070309020205020404" pitchFamily="49" charset="0"/>
+                <a:cs typeface="Courier New" panose="02070309020205020404" pitchFamily="49" charset="0"/>
+              </a:rPr>
+              <a:t>				   --value </a:t>
+            </a:r>
+            <a:r>
+              <a:rPr lang="en-US" sz="2400" dirty="0">
+                <a:solidFill>
+                  <a:schemeClr val="accent4"/>
+                </a:solidFill>
+                <a:latin typeface="Courier New" panose="02070309020205020404" pitchFamily="49" charset="0"/>
+                <a:cs typeface="Courier New" panose="02070309020205020404" pitchFamily="49" charset="0"/>
+              </a:rPr>
+              <a:t>`</a:t>
             </a:r>
             <a:r>
               <a:rPr lang="en-US" sz="2400" dirty="0" err="1">
+                <a:solidFill>
+                  <a:schemeClr val="accent4"/>
+                </a:solidFill>
                 <a:latin typeface="Courier New" panose="02070309020205020404" pitchFamily="49" charset="0"/>
                 <a:cs typeface="Courier New" panose="02070309020205020404" pitchFamily="49" charset="0"/>
               </a:rPr>
@@ -12059,6 +12496,9 @@
             </a:r>
             <a:r>
               <a:rPr lang="en-US" sz="2400" dirty="0">
+                <a:solidFill>
+                  <a:schemeClr val="accent4"/>
+                </a:solidFill>
                 <a:latin typeface="Courier New" panose="02070309020205020404" pitchFamily="49" charset="0"/>
                 <a:cs typeface="Courier New" panose="02070309020205020404" pitchFamily="49" charset="0"/>
               </a:rPr>
@@ -12653,13 +13093,13 @@
           <p:nvPr>
             <p:extLst>
               <p:ext uri="{D42A27DB-BD31-4B8C-83A1-F6EECF244321}">
-                <p14:modId xmlns:p14="http://schemas.microsoft.com/office/powerpoint/2010/main" val="2652412917"/>
+                <p14:modId xmlns:p14="http://schemas.microsoft.com/office/powerpoint/2010/main" val="1429947681"/>
               </p:ext>
             </p:extLst>
           </p:nvPr>
         </p:nvGraphicFramePr>
         <p:xfrm>
-          <a:off x="1167192" y="2738457"/>
+          <a:off x="844462" y="2915796"/>
           <a:ext cx="9165812" cy="2133600"/>
         </p:xfrm>
         <a:graphic>
@@ -13253,7 +13693,7 @@
         </p:nvSpPr>
         <p:spPr>
           <a:xfrm>
-            <a:off x="1160930" y="2291887"/>
+            <a:off x="838200" y="2469226"/>
             <a:ext cx="1978891" cy="446567"/>
           </a:xfrm>
           <a:prstGeom prst="rect">
@@ -13768,7 +14208,7 @@
           <a:p>
             <a:r>
               <a:rPr lang="en-US" dirty="0"/>
-              <a:t>Key Vault: Configure access</a:t>
+              <a:t>Key Vault: Configure access via portal</a:t>
             </a:r>
           </a:p>
         </p:txBody>
@@ -13883,7 +14323,7 @@
           <a:p>
             <a:r>
               <a:rPr lang="en-US" dirty="0"/>
-              <a:t>Key Vault: Configure access (cont.)</a:t>
+              <a:t>Key Vault: Configure access via portal (cont.)</a:t>
             </a:r>
           </a:p>
         </p:txBody>
@@ -14271,6 +14711,800 @@
 </file>
 
 <file path=ppt/slides/slide17.xml><?xml version="1.0" encoding="utf-8"?>
+<p:sld xmlns:a="http://schemas.openxmlformats.org/drawingml/2006/main" xmlns:r="http://schemas.openxmlformats.org/officeDocument/2006/relationships" xmlns:p="http://schemas.openxmlformats.org/presentationml/2006/main">
+  <p:cSld>
+    <p:spTree>
+      <p:nvGrpSpPr>
+        <p:cNvPr id="1" name=""/>
+        <p:cNvGrpSpPr/>
+        <p:nvPr/>
+      </p:nvGrpSpPr>
+      <p:grpSpPr>
+        <a:xfrm>
+          <a:off x="0" y="0"/>
+          <a:ext cx="0" cy="0"/>
+          <a:chOff x="0" y="0"/>
+          <a:chExt cx="0" cy="0"/>
+        </a:xfrm>
+      </p:grpSpPr>
+      <p:sp>
+        <p:nvSpPr>
+          <p:cNvPr id="2" name="Title 1">
+            <a:extLst>
+              <a:ext uri="{FF2B5EF4-FFF2-40B4-BE49-F238E27FC236}">
+                <a16:creationId xmlns:a16="http://schemas.microsoft.com/office/drawing/2014/main" id="{E4AF77D7-080D-49CB-9A0B-C43A678A607B}"/>
+              </a:ext>
+            </a:extLst>
+          </p:cNvPr>
+          <p:cNvSpPr>
+            <a:spLocks noGrp="1"/>
+          </p:cNvSpPr>
+          <p:nvPr>
+            <p:ph type="title"/>
+          </p:nvPr>
+        </p:nvSpPr>
+        <p:spPr/>
+        <p:txBody>
+          <a:bodyPr/>
+          <a:lstStyle/>
+          <a:p>
+            <a:r>
+              <a:rPr lang="en-US" dirty="0"/>
+              <a:t>Key Vault: Configure access via CLI</a:t>
+            </a:r>
+          </a:p>
+        </p:txBody>
+      </p:sp>
+      <p:sp>
+        <p:nvSpPr>
+          <p:cNvPr id="3" name="Content Placeholder 2">
+            <a:extLst>
+              <a:ext uri="{FF2B5EF4-FFF2-40B4-BE49-F238E27FC236}">
+                <a16:creationId xmlns:a16="http://schemas.microsoft.com/office/drawing/2014/main" id="{90573141-237E-41E8-BDC1-6D8AA08DD4C6}"/>
+              </a:ext>
+            </a:extLst>
+          </p:cNvPr>
+          <p:cNvSpPr>
+            <a:spLocks noGrp="1"/>
+          </p:cNvSpPr>
+          <p:nvPr>
+            <p:ph idx="1"/>
+          </p:nvPr>
+        </p:nvSpPr>
+        <p:spPr/>
+        <p:txBody>
+          <a:bodyPr>
+            <a:normAutofit lnSpcReduction="10000"/>
+          </a:bodyPr>
+          <a:lstStyle/>
+          <a:p>
+            <a:pPr marL="0" indent="0">
+              <a:buNone/>
+            </a:pPr>
+            <a:r>
+              <a:rPr lang="en-US" sz="2600" b="1" dirty="0">
+                <a:solidFill>
+                  <a:schemeClr val="accent6"/>
+                </a:solidFill>
+                <a:latin typeface="Courier New" panose="02070309020205020404" pitchFamily="49" charset="0"/>
+                <a:cs typeface="Courier New" panose="02070309020205020404" pitchFamily="49" charset="0"/>
+              </a:rPr>
+              <a:t># Enable Managed Service Identity on web app</a:t>
+            </a:r>
+          </a:p>
+          <a:p>
+            <a:pPr marL="0" indent="0">
+              <a:buNone/>
+            </a:pPr>
+            <a:r>
+              <a:rPr lang="en-US" sz="2600" dirty="0" err="1">
+                <a:latin typeface="Courier New" panose="02070309020205020404" pitchFamily="49" charset="0"/>
+                <a:cs typeface="Courier New" panose="02070309020205020404" pitchFamily="49" charset="0"/>
+              </a:rPr>
+              <a:t>webAppPrincipalId</a:t>
+            </a:r>
+            <a:r>
+              <a:rPr lang="en-US" sz="2600" dirty="0">
+                <a:latin typeface="Courier New" panose="02070309020205020404" pitchFamily="49" charset="0"/>
+                <a:cs typeface="Courier New" panose="02070309020205020404" pitchFamily="49" charset="0"/>
+              </a:rPr>
+              <a:t>=$(</a:t>
+            </a:r>
+            <a:r>
+              <a:rPr lang="en-US" sz="2600" dirty="0" err="1">
+                <a:solidFill>
+                  <a:schemeClr val="accent1">
+                    <a:lumMod val="40000"/>
+                    <a:lumOff val="60000"/>
+                  </a:schemeClr>
+                </a:solidFill>
+                <a:latin typeface="Courier New" panose="02070309020205020404" pitchFamily="49" charset="0"/>
+                <a:cs typeface="Courier New" panose="02070309020205020404" pitchFamily="49" charset="0"/>
+              </a:rPr>
+              <a:t>az</a:t>
+            </a:r>
+            <a:r>
+              <a:rPr lang="en-US" sz="2600" dirty="0">
+                <a:solidFill>
+                  <a:schemeClr val="accent1">
+                    <a:lumMod val="40000"/>
+                    <a:lumOff val="60000"/>
+                  </a:schemeClr>
+                </a:solidFill>
+                <a:latin typeface="Courier New" panose="02070309020205020404" pitchFamily="49" charset="0"/>
+                <a:cs typeface="Courier New" panose="02070309020205020404" pitchFamily="49" charset="0"/>
+              </a:rPr>
+              <a:t> </a:t>
+            </a:r>
+            <a:r>
+              <a:rPr lang="en-US" sz="2600" dirty="0" err="1">
+                <a:solidFill>
+                  <a:schemeClr val="accent1">
+                    <a:lumMod val="40000"/>
+                    <a:lumOff val="60000"/>
+                  </a:schemeClr>
+                </a:solidFill>
+                <a:latin typeface="Courier New" panose="02070309020205020404" pitchFamily="49" charset="0"/>
+                <a:cs typeface="Courier New" panose="02070309020205020404" pitchFamily="49" charset="0"/>
+              </a:rPr>
+              <a:t>webapp</a:t>
+            </a:r>
+            <a:r>
+              <a:rPr lang="en-US" sz="2600" dirty="0">
+                <a:solidFill>
+                  <a:schemeClr val="accent1">
+                    <a:lumMod val="40000"/>
+                    <a:lumOff val="60000"/>
+                  </a:schemeClr>
+                </a:solidFill>
+                <a:latin typeface="Courier New" panose="02070309020205020404" pitchFamily="49" charset="0"/>
+                <a:cs typeface="Courier New" panose="02070309020205020404" pitchFamily="49" charset="0"/>
+              </a:rPr>
+              <a:t> identity assign</a:t>
+            </a:r>
+            <a:r>
+              <a:rPr lang="en-US" sz="2600" dirty="0">
+                <a:latin typeface="Courier New" panose="02070309020205020404" pitchFamily="49" charset="0"/>
+                <a:cs typeface="Courier New" panose="02070309020205020404" pitchFamily="49" charset="0"/>
+              </a:rPr>
+              <a:t> \</a:t>
+            </a:r>
+          </a:p>
+          <a:p>
+            <a:pPr marL="0" indent="0">
+              <a:buNone/>
+            </a:pPr>
+            <a:r>
+              <a:rPr lang="en-US" sz="2600" dirty="0">
+                <a:latin typeface="Courier New" panose="02070309020205020404" pitchFamily="49" charset="0"/>
+                <a:cs typeface="Courier New" panose="02070309020205020404" pitchFamily="49" charset="0"/>
+              </a:rPr>
+              <a:t>		--query </a:t>
+            </a:r>
+            <a:r>
+              <a:rPr lang="en-US" sz="2600" dirty="0" err="1">
+                <a:solidFill>
+                  <a:schemeClr val="accent4"/>
+                </a:solidFill>
+                <a:latin typeface="Courier New" panose="02070309020205020404" pitchFamily="49" charset="0"/>
+                <a:cs typeface="Courier New" panose="02070309020205020404" pitchFamily="49" charset="0"/>
+              </a:rPr>
+              <a:t>principalId</a:t>
+            </a:r>
+            <a:r>
+              <a:rPr lang="en-US" sz="2600" dirty="0">
+                <a:latin typeface="Courier New" panose="02070309020205020404" pitchFamily="49" charset="0"/>
+                <a:cs typeface="Courier New" panose="02070309020205020404" pitchFamily="49" charset="0"/>
+              </a:rPr>
+              <a:t> \</a:t>
+            </a:r>
+          </a:p>
+          <a:p>
+            <a:pPr marL="0" indent="0">
+              <a:buNone/>
+            </a:pPr>
+            <a:r>
+              <a:rPr lang="en-US" sz="2600" dirty="0">
+                <a:latin typeface="Courier New" panose="02070309020205020404" pitchFamily="49" charset="0"/>
+                <a:cs typeface="Courier New" panose="02070309020205020404" pitchFamily="49" charset="0"/>
+              </a:rPr>
+              <a:t>		--output </a:t>
+            </a:r>
+            <a:r>
+              <a:rPr lang="en-US" sz="2600" dirty="0" err="1">
+                <a:solidFill>
+                  <a:schemeClr val="accent4"/>
+                </a:solidFill>
+                <a:latin typeface="Courier New" panose="02070309020205020404" pitchFamily="49" charset="0"/>
+                <a:cs typeface="Courier New" panose="02070309020205020404" pitchFamily="49" charset="0"/>
+              </a:rPr>
+              <a:t>tsv</a:t>
+            </a:r>
+            <a:r>
+              <a:rPr lang="en-US" sz="2600" dirty="0">
+                <a:latin typeface="Courier New" panose="02070309020205020404" pitchFamily="49" charset="0"/>
+                <a:cs typeface="Courier New" panose="02070309020205020404" pitchFamily="49" charset="0"/>
+              </a:rPr>
+              <a:t>)</a:t>
+            </a:r>
+          </a:p>
+          <a:p>
+            <a:pPr marL="0" indent="0">
+              <a:buNone/>
+            </a:pPr>
+            <a:endParaRPr lang="en-US" sz="2600" b="1" dirty="0">
+              <a:latin typeface="Courier New" panose="02070309020205020404" pitchFamily="49" charset="0"/>
+              <a:cs typeface="Courier New" panose="02070309020205020404" pitchFamily="49" charset="0"/>
+            </a:endParaRPr>
+          </a:p>
+          <a:p>
+            <a:pPr marL="0" indent="0">
+              <a:buNone/>
+            </a:pPr>
+            <a:r>
+              <a:rPr lang="en-US" sz="2600" dirty="0" err="1">
+                <a:solidFill>
+                  <a:schemeClr val="accent1">
+                    <a:lumMod val="40000"/>
+                    <a:lumOff val="60000"/>
+                  </a:schemeClr>
+                </a:solidFill>
+                <a:latin typeface="Courier New" panose="02070309020205020404" pitchFamily="49" charset="0"/>
+                <a:cs typeface="Courier New" panose="02070309020205020404" pitchFamily="49" charset="0"/>
+              </a:rPr>
+              <a:t>az</a:t>
+            </a:r>
+            <a:r>
+              <a:rPr lang="en-US" sz="2600" dirty="0">
+                <a:solidFill>
+                  <a:schemeClr val="accent1">
+                    <a:lumMod val="40000"/>
+                    <a:lumOff val="60000"/>
+                  </a:schemeClr>
+                </a:solidFill>
+                <a:latin typeface="Courier New" panose="02070309020205020404" pitchFamily="49" charset="0"/>
+                <a:cs typeface="Courier New" panose="02070309020205020404" pitchFamily="49" charset="0"/>
+              </a:rPr>
+              <a:t> </a:t>
+            </a:r>
+            <a:r>
+              <a:rPr lang="en-US" sz="2600" dirty="0" err="1">
+                <a:solidFill>
+                  <a:schemeClr val="accent1">
+                    <a:lumMod val="40000"/>
+                    <a:lumOff val="60000"/>
+                  </a:schemeClr>
+                </a:solidFill>
+                <a:latin typeface="Courier New" panose="02070309020205020404" pitchFamily="49" charset="0"/>
+                <a:cs typeface="Courier New" panose="02070309020205020404" pitchFamily="49" charset="0"/>
+              </a:rPr>
+              <a:t>keyvault</a:t>
+            </a:r>
+            <a:r>
+              <a:rPr lang="en-US" sz="2600" dirty="0">
+                <a:solidFill>
+                  <a:schemeClr val="accent1">
+                    <a:lumMod val="40000"/>
+                    <a:lumOff val="60000"/>
+                  </a:schemeClr>
+                </a:solidFill>
+                <a:latin typeface="Courier New" panose="02070309020205020404" pitchFamily="49" charset="0"/>
+                <a:cs typeface="Courier New" panose="02070309020205020404" pitchFamily="49" charset="0"/>
+              </a:rPr>
+              <a:t> set-policy</a:t>
+            </a:r>
+            <a:r>
+              <a:rPr lang="en-US" sz="2600" dirty="0">
+                <a:latin typeface="Courier New" panose="02070309020205020404" pitchFamily="49" charset="0"/>
+                <a:cs typeface="Courier New" panose="02070309020205020404" pitchFamily="49" charset="0"/>
+              </a:rPr>
+              <a:t> --name </a:t>
+            </a:r>
+            <a:r>
+              <a:rPr lang="en-US" dirty="0">
+                <a:solidFill>
+                  <a:schemeClr val="accent4"/>
+                </a:solidFill>
+                <a:latin typeface="Courier New" panose="02070309020205020404" pitchFamily="49" charset="0"/>
+                <a:cs typeface="Courier New" panose="02070309020205020404" pitchFamily="49" charset="0"/>
+              </a:rPr>
+              <a:t>`</a:t>
+            </a:r>
+            <a:r>
+              <a:rPr lang="en-US" dirty="0" err="1">
+                <a:solidFill>
+                  <a:schemeClr val="accent4"/>
+                </a:solidFill>
+                <a:latin typeface="Courier New" panose="02070309020205020404" pitchFamily="49" charset="0"/>
+                <a:cs typeface="Courier New" panose="02070309020205020404" pitchFamily="49" charset="0"/>
+              </a:rPr>
+              <a:t>MoviesVault</a:t>
+            </a:r>
+            <a:r>
+              <a:rPr lang="en-US" dirty="0">
+                <a:solidFill>
+                  <a:schemeClr val="accent4"/>
+                </a:solidFill>
+                <a:latin typeface="Courier New" panose="02070309020205020404" pitchFamily="49" charset="0"/>
+                <a:cs typeface="Courier New" panose="02070309020205020404" pitchFamily="49" charset="0"/>
+              </a:rPr>
+              <a:t>`</a:t>
+            </a:r>
+            <a:r>
+              <a:rPr lang="en-US" sz="2600" dirty="0">
+                <a:latin typeface="Courier New" panose="02070309020205020404" pitchFamily="49" charset="0"/>
+                <a:cs typeface="Courier New" panose="02070309020205020404" pitchFamily="49" charset="0"/>
+              </a:rPr>
+              <a:t> \</a:t>
+            </a:r>
+          </a:p>
+          <a:p>
+            <a:pPr marL="0" indent="0">
+              <a:buNone/>
+            </a:pPr>
+            <a:r>
+              <a:rPr lang="en-US" sz="2600" b="1" dirty="0">
+                <a:latin typeface="Courier New" panose="02070309020205020404" pitchFamily="49" charset="0"/>
+                <a:cs typeface="Courier New" panose="02070309020205020404" pitchFamily="49" charset="0"/>
+              </a:rPr>
+              <a:t>		</a:t>
+            </a:r>
+            <a:r>
+              <a:rPr lang="en-US" sz="2600" dirty="0">
+                <a:latin typeface="Courier New" panose="02070309020205020404" pitchFamily="49" charset="0"/>
+                <a:cs typeface="Courier New" panose="02070309020205020404" pitchFamily="49" charset="0"/>
+              </a:rPr>
+              <a:t>--object-id </a:t>
+            </a:r>
+            <a:r>
+              <a:rPr lang="en-US" sz="2600" dirty="0">
+                <a:solidFill>
+                  <a:schemeClr val="accent4"/>
+                </a:solidFill>
+                <a:latin typeface="Courier New" panose="02070309020205020404" pitchFamily="49" charset="0"/>
+                <a:cs typeface="Courier New" panose="02070309020205020404" pitchFamily="49" charset="0"/>
+              </a:rPr>
+              <a:t>$</a:t>
+            </a:r>
+            <a:r>
+              <a:rPr lang="en-US" sz="2600" dirty="0" err="1">
+                <a:solidFill>
+                  <a:schemeClr val="accent4"/>
+                </a:solidFill>
+                <a:latin typeface="Courier New" panose="02070309020205020404" pitchFamily="49" charset="0"/>
+                <a:cs typeface="Courier New" panose="02070309020205020404" pitchFamily="49" charset="0"/>
+              </a:rPr>
+              <a:t>webAppPrincipalId</a:t>
+            </a:r>
+            <a:r>
+              <a:rPr lang="en-US" sz="2600" dirty="0">
+                <a:latin typeface="Courier New" panose="02070309020205020404" pitchFamily="49" charset="0"/>
+                <a:cs typeface="Courier New" panose="02070309020205020404" pitchFamily="49" charset="0"/>
+              </a:rPr>
+              <a:t> \</a:t>
+            </a:r>
+          </a:p>
+          <a:p>
+            <a:pPr marL="0" indent="0">
+              <a:buNone/>
+            </a:pPr>
+            <a:r>
+              <a:rPr lang="en-US" sz="2600" b="1" dirty="0">
+                <a:latin typeface="Courier New" panose="02070309020205020404" pitchFamily="49" charset="0"/>
+                <a:cs typeface="Courier New" panose="02070309020205020404" pitchFamily="49" charset="0"/>
+              </a:rPr>
+              <a:t>		</a:t>
+            </a:r>
+            <a:r>
+              <a:rPr lang="en-US" sz="2600" dirty="0">
+                <a:latin typeface="Courier New" panose="02070309020205020404" pitchFamily="49" charset="0"/>
+                <a:cs typeface="Courier New" panose="02070309020205020404" pitchFamily="49" charset="0"/>
+              </a:rPr>
+              <a:t>--secret-permissions </a:t>
+            </a:r>
+            <a:r>
+              <a:rPr lang="en-US" sz="2600" dirty="0">
+                <a:solidFill>
+                  <a:schemeClr val="accent4"/>
+                </a:solidFill>
+                <a:latin typeface="Courier New" panose="02070309020205020404" pitchFamily="49" charset="0"/>
+                <a:cs typeface="Courier New" panose="02070309020205020404" pitchFamily="49" charset="0"/>
+              </a:rPr>
+              <a:t>get list</a:t>
+            </a:r>
+          </a:p>
+          <a:p>
+            <a:pPr marL="0" indent="0">
+              <a:buNone/>
+            </a:pPr>
+            <a:r>
+              <a:rPr lang="en-US" dirty="0"/>
+              <a:t> </a:t>
+            </a:r>
+          </a:p>
+        </p:txBody>
+      </p:sp>
+    </p:spTree>
+    <p:extLst>
+      <p:ext uri="{BB962C8B-B14F-4D97-AF65-F5344CB8AC3E}">
+        <p14:creationId xmlns:p14="http://schemas.microsoft.com/office/powerpoint/2010/main" val="1081566271"/>
+      </p:ext>
+    </p:extLst>
+  </p:cSld>
+  <p:clrMapOvr>
+    <a:masterClrMapping/>
+  </p:clrMapOvr>
+  <p:timing>
+    <p:tnLst>
+      <p:par>
+        <p:cTn id="1" dur="indefinite" restart="never" nodeType="tmRoot">
+          <p:childTnLst>
+            <p:seq concurrent="1" nextAc="seek">
+              <p:cTn id="2" dur="indefinite" nodeType="mainSeq">
+                <p:childTnLst>
+                  <p:par>
+                    <p:cTn id="3" fill="hold">
+                      <p:stCondLst>
+                        <p:cond delay="indefinite"/>
+                      </p:stCondLst>
+                      <p:childTnLst>
+                        <p:par>
+                          <p:cTn id="4" fill="hold">
+                            <p:stCondLst>
+                              <p:cond delay="0"/>
+                            </p:stCondLst>
+                            <p:childTnLst>
+                              <p:par>
+                                <p:cTn id="5" presetID="10" presetClass="entr" presetSubtype="0" fill="hold" nodeType="clickEffect">
+                                  <p:stCondLst>
+                                    <p:cond delay="0"/>
+                                  </p:stCondLst>
+                                  <p:childTnLst>
+                                    <p:set>
+                                      <p:cBhvr>
+                                        <p:cTn id="6" dur="1" fill="hold">
+                                          <p:stCondLst>
+                                            <p:cond delay="0"/>
+                                          </p:stCondLst>
+                                        </p:cTn>
+                                        <p:tgtEl>
+                                          <p:spTgt spid="3">
+                                            <p:txEl>
+                                              <p:pRg st="0" end="0"/>
+                                            </p:txEl>
+                                          </p:spTgt>
+                                        </p:tgtEl>
+                                        <p:attrNameLst>
+                                          <p:attrName>style.visibility</p:attrName>
+                                        </p:attrNameLst>
+                                      </p:cBhvr>
+                                      <p:to>
+                                        <p:strVal val="visible"/>
+                                      </p:to>
+                                    </p:set>
+                                    <p:animEffect transition="in" filter="fade">
+                                      <p:cBhvr>
+                                        <p:cTn id="7" dur="500"/>
+                                        <p:tgtEl>
+                                          <p:spTgt spid="3">
+                                            <p:txEl>
+                                              <p:pRg st="0" end="0"/>
+                                            </p:txEl>
+                                          </p:spTgt>
+                                        </p:tgtEl>
+                                      </p:cBhvr>
+                                    </p:animEffect>
+                                  </p:childTnLst>
+                                </p:cTn>
+                              </p:par>
+                              <p:par>
+                                <p:cTn id="8" presetID="10" presetClass="entr" presetSubtype="0" fill="hold" nodeType="withEffect">
+                                  <p:stCondLst>
+                                    <p:cond delay="0"/>
+                                  </p:stCondLst>
+                                  <p:childTnLst>
+                                    <p:set>
+                                      <p:cBhvr>
+                                        <p:cTn id="9" dur="1" fill="hold">
+                                          <p:stCondLst>
+                                            <p:cond delay="0"/>
+                                          </p:stCondLst>
+                                        </p:cTn>
+                                        <p:tgtEl>
+                                          <p:spTgt spid="3">
+                                            <p:txEl>
+                                              <p:pRg st="1" end="1"/>
+                                            </p:txEl>
+                                          </p:spTgt>
+                                        </p:tgtEl>
+                                        <p:attrNameLst>
+                                          <p:attrName>style.visibility</p:attrName>
+                                        </p:attrNameLst>
+                                      </p:cBhvr>
+                                      <p:to>
+                                        <p:strVal val="visible"/>
+                                      </p:to>
+                                    </p:set>
+                                    <p:animEffect transition="in" filter="fade">
+                                      <p:cBhvr>
+                                        <p:cTn id="10" dur="500"/>
+                                        <p:tgtEl>
+                                          <p:spTgt spid="3">
+                                            <p:txEl>
+                                              <p:pRg st="1" end="1"/>
+                                            </p:txEl>
+                                          </p:spTgt>
+                                        </p:tgtEl>
+                                      </p:cBhvr>
+                                    </p:animEffect>
+                                  </p:childTnLst>
+                                </p:cTn>
+                              </p:par>
+                              <p:par>
+                                <p:cTn id="11" presetID="10" presetClass="entr" presetSubtype="0" fill="hold" nodeType="withEffect">
+                                  <p:stCondLst>
+                                    <p:cond delay="0"/>
+                                  </p:stCondLst>
+                                  <p:childTnLst>
+                                    <p:set>
+                                      <p:cBhvr>
+                                        <p:cTn id="12" dur="1" fill="hold">
+                                          <p:stCondLst>
+                                            <p:cond delay="0"/>
+                                          </p:stCondLst>
+                                        </p:cTn>
+                                        <p:tgtEl>
+                                          <p:spTgt spid="3">
+                                            <p:txEl>
+                                              <p:pRg st="2" end="2"/>
+                                            </p:txEl>
+                                          </p:spTgt>
+                                        </p:tgtEl>
+                                        <p:attrNameLst>
+                                          <p:attrName>style.visibility</p:attrName>
+                                        </p:attrNameLst>
+                                      </p:cBhvr>
+                                      <p:to>
+                                        <p:strVal val="visible"/>
+                                      </p:to>
+                                    </p:set>
+                                    <p:animEffect transition="in" filter="fade">
+                                      <p:cBhvr>
+                                        <p:cTn id="13" dur="500"/>
+                                        <p:tgtEl>
+                                          <p:spTgt spid="3">
+                                            <p:txEl>
+                                              <p:pRg st="2" end="2"/>
+                                            </p:txEl>
+                                          </p:spTgt>
+                                        </p:tgtEl>
+                                      </p:cBhvr>
+                                    </p:animEffect>
+                                  </p:childTnLst>
+                                </p:cTn>
+                              </p:par>
+                              <p:par>
+                                <p:cTn id="14" presetID="10" presetClass="entr" presetSubtype="0" fill="hold" nodeType="withEffect">
+                                  <p:stCondLst>
+                                    <p:cond delay="0"/>
+                                  </p:stCondLst>
+                                  <p:childTnLst>
+                                    <p:set>
+                                      <p:cBhvr>
+                                        <p:cTn id="15" dur="1" fill="hold">
+                                          <p:stCondLst>
+                                            <p:cond delay="0"/>
+                                          </p:stCondLst>
+                                        </p:cTn>
+                                        <p:tgtEl>
+                                          <p:spTgt spid="3">
+                                            <p:txEl>
+                                              <p:pRg st="3" end="3"/>
+                                            </p:txEl>
+                                          </p:spTgt>
+                                        </p:tgtEl>
+                                        <p:attrNameLst>
+                                          <p:attrName>style.visibility</p:attrName>
+                                        </p:attrNameLst>
+                                      </p:cBhvr>
+                                      <p:to>
+                                        <p:strVal val="visible"/>
+                                      </p:to>
+                                    </p:set>
+                                    <p:animEffect transition="in" filter="fade">
+                                      <p:cBhvr>
+                                        <p:cTn id="16" dur="500"/>
+                                        <p:tgtEl>
+                                          <p:spTgt spid="3">
+                                            <p:txEl>
+                                              <p:pRg st="3" end="3"/>
+                                            </p:txEl>
+                                          </p:spTgt>
+                                        </p:tgtEl>
+                                      </p:cBhvr>
+                                    </p:animEffect>
+                                  </p:childTnLst>
+                                </p:cTn>
+                              </p:par>
+                            </p:childTnLst>
+                          </p:cTn>
+                        </p:par>
+                      </p:childTnLst>
+                    </p:cTn>
+                  </p:par>
+                  <p:par>
+                    <p:cTn id="17" fill="hold">
+                      <p:stCondLst>
+                        <p:cond delay="indefinite"/>
+                      </p:stCondLst>
+                      <p:childTnLst>
+                        <p:par>
+                          <p:cTn id="18" fill="hold">
+                            <p:stCondLst>
+                              <p:cond delay="0"/>
+                            </p:stCondLst>
+                            <p:childTnLst>
+                              <p:par>
+                                <p:cTn id="19" presetID="10" presetClass="entr" presetSubtype="0" fill="hold" nodeType="clickEffect">
+                                  <p:stCondLst>
+                                    <p:cond delay="0"/>
+                                  </p:stCondLst>
+                                  <p:childTnLst>
+                                    <p:set>
+                                      <p:cBhvr>
+                                        <p:cTn id="20" dur="1" fill="hold">
+                                          <p:stCondLst>
+                                            <p:cond delay="0"/>
+                                          </p:stCondLst>
+                                        </p:cTn>
+                                        <p:tgtEl>
+                                          <p:spTgt spid="3">
+                                            <p:txEl>
+                                              <p:pRg st="5" end="5"/>
+                                            </p:txEl>
+                                          </p:spTgt>
+                                        </p:tgtEl>
+                                        <p:attrNameLst>
+                                          <p:attrName>style.visibility</p:attrName>
+                                        </p:attrNameLst>
+                                      </p:cBhvr>
+                                      <p:to>
+                                        <p:strVal val="visible"/>
+                                      </p:to>
+                                    </p:set>
+                                    <p:animEffect transition="in" filter="fade">
+                                      <p:cBhvr>
+                                        <p:cTn id="21" dur="500"/>
+                                        <p:tgtEl>
+                                          <p:spTgt spid="3">
+                                            <p:txEl>
+                                              <p:pRg st="5" end="5"/>
+                                            </p:txEl>
+                                          </p:spTgt>
+                                        </p:tgtEl>
+                                      </p:cBhvr>
+                                    </p:animEffect>
+                                  </p:childTnLst>
+                                </p:cTn>
+                              </p:par>
+                              <p:par>
+                                <p:cTn id="22" presetID="10" presetClass="entr" presetSubtype="0" fill="hold" nodeType="withEffect">
+                                  <p:stCondLst>
+                                    <p:cond delay="0"/>
+                                  </p:stCondLst>
+                                  <p:childTnLst>
+                                    <p:set>
+                                      <p:cBhvr>
+                                        <p:cTn id="23" dur="1" fill="hold">
+                                          <p:stCondLst>
+                                            <p:cond delay="0"/>
+                                          </p:stCondLst>
+                                        </p:cTn>
+                                        <p:tgtEl>
+                                          <p:spTgt spid="3">
+                                            <p:txEl>
+                                              <p:pRg st="6" end="6"/>
+                                            </p:txEl>
+                                          </p:spTgt>
+                                        </p:tgtEl>
+                                        <p:attrNameLst>
+                                          <p:attrName>style.visibility</p:attrName>
+                                        </p:attrNameLst>
+                                      </p:cBhvr>
+                                      <p:to>
+                                        <p:strVal val="visible"/>
+                                      </p:to>
+                                    </p:set>
+                                    <p:animEffect transition="in" filter="fade">
+                                      <p:cBhvr>
+                                        <p:cTn id="24" dur="500"/>
+                                        <p:tgtEl>
+                                          <p:spTgt spid="3">
+                                            <p:txEl>
+                                              <p:pRg st="6" end="6"/>
+                                            </p:txEl>
+                                          </p:spTgt>
+                                        </p:tgtEl>
+                                      </p:cBhvr>
+                                    </p:animEffect>
+                                  </p:childTnLst>
+                                </p:cTn>
+                              </p:par>
+                              <p:par>
+                                <p:cTn id="25" presetID="10" presetClass="entr" presetSubtype="0" fill="hold" nodeType="withEffect">
+                                  <p:stCondLst>
+                                    <p:cond delay="0"/>
+                                  </p:stCondLst>
+                                  <p:childTnLst>
+                                    <p:set>
+                                      <p:cBhvr>
+                                        <p:cTn id="26" dur="1" fill="hold">
+                                          <p:stCondLst>
+                                            <p:cond delay="0"/>
+                                          </p:stCondLst>
+                                        </p:cTn>
+                                        <p:tgtEl>
+                                          <p:spTgt spid="3">
+                                            <p:txEl>
+                                              <p:pRg st="7" end="7"/>
+                                            </p:txEl>
+                                          </p:spTgt>
+                                        </p:tgtEl>
+                                        <p:attrNameLst>
+                                          <p:attrName>style.visibility</p:attrName>
+                                        </p:attrNameLst>
+                                      </p:cBhvr>
+                                      <p:to>
+                                        <p:strVal val="visible"/>
+                                      </p:to>
+                                    </p:set>
+                                    <p:animEffect transition="in" filter="fade">
+                                      <p:cBhvr>
+                                        <p:cTn id="27" dur="500"/>
+                                        <p:tgtEl>
+                                          <p:spTgt spid="3">
+                                            <p:txEl>
+                                              <p:pRg st="7" end="7"/>
+                                            </p:txEl>
+                                          </p:spTgt>
+                                        </p:tgtEl>
+                                      </p:cBhvr>
+                                    </p:animEffect>
+                                  </p:childTnLst>
+                                </p:cTn>
+                              </p:par>
+                            </p:childTnLst>
+                          </p:cTn>
+                        </p:par>
+                      </p:childTnLst>
+                    </p:cTn>
+                  </p:par>
+                </p:childTnLst>
+              </p:cTn>
+              <p:prevCondLst>
+                <p:cond evt="onPrev" delay="0">
+                  <p:tgtEl>
+                    <p:sldTgt/>
+                  </p:tgtEl>
+                </p:cond>
+              </p:prevCondLst>
+              <p:nextCondLst>
+                <p:cond evt="onNext" delay="0">
+                  <p:tgtEl>
+                    <p:sldTgt/>
+                  </p:tgtEl>
+                </p:cond>
+              </p:nextCondLst>
+            </p:seq>
+          </p:childTnLst>
+        </p:cTn>
+      </p:par>
+    </p:tnLst>
+  </p:timing>
+</p:sld>
+</file>
+
+<file path=ppt/slides/slide18.xml><?xml version="1.0" encoding="utf-8"?>
 <p:sld xmlns:a="http://schemas.openxmlformats.org/drawingml/2006/main" xmlns:r="http://schemas.openxmlformats.org/officeDocument/2006/relationships" xmlns:p="http://schemas.openxmlformats.org/presentationml/2006/main">
   <p:cSld>
     <p:bg>
@@ -14856,7 +16090,7 @@
 </p:sld>
 </file>
 
-<file path=ppt/slides/slide18.xml><?xml version="1.0" encoding="utf-8"?>
+<file path=ppt/slides/slide19.xml><?xml version="1.0" encoding="utf-8"?>
 <p:sld xmlns:a="http://schemas.openxmlformats.org/drawingml/2006/main" xmlns:r="http://schemas.openxmlformats.org/officeDocument/2006/relationships" xmlns:p="http://schemas.openxmlformats.org/presentationml/2006/main">
   <p:cSld>
     <p:bg>
@@ -15029,338 +16263,6 @@
     <p:extLst>
       <p:ext uri="{BB962C8B-B14F-4D97-AF65-F5344CB8AC3E}">
         <p14:creationId xmlns:p14="http://schemas.microsoft.com/office/powerpoint/2010/main" val="2460411575"/>
-      </p:ext>
-    </p:extLst>
-  </p:cSld>
-  <p:clrMapOvr>
-    <a:masterClrMapping/>
-  </p:clrMapOvr>
-</p:sld>
-</file>
-
-<file path=ppt/slides/slide19.xml><?xml version="1.0" encoding="utf-8"?>
-<p:sld xmlns:a="http://schemas.openxmlformats.org/drawingml/2006/main" xmlns:r="http://schemas.openxmlformats.org/officeDocument/2006/relationships" xmlns:p="http://schemas.openxmlformats.org/presentationml/2006/main">
-  <p:cSld>
-    <p:bg>
-      <p:bgPr>
-        <a:solidFill>
-          <a:srgbClr val="505050"/>
-        </a:solidFill>
-        <a:effectLst/>
-      </p:bgPr>
-    </p:bg>
-    <p:spTree>
-      <p:nvGrpSpPr>
-        <p:cNvPr id="1" name=""/>
-        <p:cNvGrpSpPr/>
-        <p:nvPr/>
-      </p:nvGrpSpPr>
-      <p:grpSpPr>
-        <a:xfrm>
-          <a:off x="0" y="0"/>
-          <a:ext cx="0" cy="0"/>
-          <a:chOff x="0" y="0"/>
-          <a:chExt cx="0" cy="0"/>
-        </a:xfrm>
-      </p:grpSpPr>
-      <p:sp>
-        <p:nvSpPr>
-          <p:cNvPr id="2" name="Title 1"/>
-          <p:cNvSpPr>
-            <a:spLocks noGrp="1"/>
-          </p:cNvSpPr>
-          <p:nvPr>
-            <p:ph type="title"/>
-          </p:nvPr>
-        </p:nvSpPr>
-        <p:spPr/>
-        <p:txBody>
-          <a:bodyPr/>
-          <a:lstStyle/>
-          <a:p>
-            <a:r>
-              <a:rPr lang="en-US" dirty="0"/>
-              <a:t>Resources</a:t>
-            </a:r>
-          </a:p>
-        </p:txBody>
-      </p:sp>
-      <p:sp>
-        <p:nvSpPr>
-          <p:cNvPr id="3" name="Content Placeholder 2"/>
-          <p:cNvSpPr>
-            <a:spLocks noGrp="1"/>
-          </p:cNvSpPr>
-          <p:nvPr>
-            <p:ph idx="1"/>
-          </p:nvPr>
-        </p:nvSpPr>
-        <p:spPr>
-          <a:xfrm>
-            <a:off x="838199" y="1825625"/>
-            <a:ext cx="10411047" cy="4351338"/>
-          </a:xfrm>
-        </p:spPr>
-        <p:txBody>
-          <a:bodyPr>
-            <a:normAutofit fontScale="92500"/>
-          </a:bodyPr>
-          <a:lstStyle/>
-          <a:p>
-            <a:pPr marL="0" indent="0">
-              <a:buNone/>
-            </a:pPr>
-            <a:r>
-              <a:rPr lang="en-US" b="1" dirty="0"/>
-              <a:t>Docs 									</a:t>
-            </a:r>
-            <a:r>
-              <a:rPr lang="en-US" dirty="0"/>
-              <a:t>@</a:t>
-            </a:r>
-            <a:r>
-              <a:rPr lang="en-US" dirty="0" err="1"/>
-              <a:t>Scott_Addie</a:t>
-            </a:r>
-            <a:endParaRPr lang="en-US" dirty="0">
-              <a:hlinkClick r:id="rId3"/>
-            </a:endParaRPr>
-          </a:p>
-          <a:p>
-            <a:pPr marL="0" indent="0">
-              <a:buNone/>
-            </a:pPr>
-            <a:r>
-              <a:rPr lang="en-US" dirty="0">
-                <a:hlinkClick r:id="rId3"/>
-              </a:rPr>
-              <a:t>aka.ms/dotnet-secret-mgr</a:t>
-            </a:r>
-          </a:p>
-          <a:p>
-            <a:pPr marL="0" indent="0">
-              <a:buNone/>
-            </a:pPr>
-            <a:r>
-              <a:rPr lang="en-US" dirty="0">
-                <a:hlinkClick r:id="rId4"/>
-              </a:rPr>
-              <a:t>aka.ms/</a:t>
-            </a:r>
-            <a:r>
-              <a:rPr lang="en-US" dirty="0" err="1">
-                <a:hlinkClick r:id="rId4"/>
-              </a:rPr>
-              <a:t>az</a:t>
-            </a:r>
-            <a:r>
-              <a:rPr lang="en-US" dirty="0">
-                <a:hlinkClick r:id="rId4"/>
-              </a:rPr>
-              <a:t>-key-vault</a:t>
-            </a:r>
-            <a:endParaRPr lang="en-US" dirty="0"/>
-          </a:p>
-          <a:p>
-            <a:endParaRPr lang="en-US" dirty="0"/>
-          </a:p>
-          <a:p>
-            <a:pPr marL="0" indent="0">
-              <a:buNone/>
-            </a:pPr>
-            <a:r>
-              <a:rPr lang="en-US" b="1" dirty="0"/>
-              <a:t>Slides</a:t>
-            </a:r>
-          </a:p>
-          <a:p>
-            <a:pPr marL="0" indent="0">
-              <a:buNone/>
-            </a:pPr>
-            <a:r>
-              <a:rPr lang="en-US" dirty="0">
-                <a:hlinkClick r:id="rId5"/>
-              </a:rPr>
-              <a:t>aka.ms/app-secrets-slides</a:t>
-            </a:r>
-            <a:endParaRPr lang="en-US" dirty="0"/>
-          </a:p>
-          <a:p>
-            <a:pPr marL="0" indent="0">
-              <a:buNone/>
-            </a:pPr>
-            <a:endParaRPr lang="en-US" b="1" dirty="0"/>
-          </a:p>
-          <a:p>
-            <a:pPr marL="0" indent="0">
-              <a:buNone/>
-            </a:pPr>
-            <a:r>
-              <a:rPr lang="en-US" b="1" dirty="0"/>
-              <a:t>Code</a:t>
-            </a:r>
-          </a:p>
-          <a:p>
-            <a:pPr marL="0" indent="0">
-              <a:buNone/>
-            </a:pPr>
-            <a:r>
-              <a:rPr lang="en-US" dirty="0">
-                <a:hlinkClick r:id="rId6"/>
-              </a:rPr>
-              <a:t>aka.ms/app-secrets-code</a:t>
-            </a:r>
-            <a:endParaRPr lang="en-US" dirty="0"/>
-          </a:p>
-        </p:txBody>
-      </p:sp>
-      <p:pic>
-        <p:nvPicPr>
-          <p:cNvPr id="5" name="Picture 4">
-            <a:extLst>
-              <a:ext uri="{FF2B5EF4-FFF2-40B4-BE49-F238E27FC236}">
-                <a16:creationId xmlns:a16="http://schemas.microsoft.com/office/drawing/2014/main" id="{A87E2C7C-B662-43BA-A5DB-0A1A5D5542DE}"/>
-              </a:ext>
-            </a:extLst>
-          </p:cNvPr>
-          <p:cNvPicPr>
-            <a:picLocks noChangeAspect="1"/>
-          </p:cNvPicPr>
-          <p:nvPr/>
-        </p:nvPicPr>
-        <p:blipFill>
-          <a:blip r:embed="rId7" cstate="print">
-            <a:extLst>
-              <a:ext uri="{28A0092B-C50C-407E-A947-70E740481C1C}">
-                <a14:useLocalDpi xmlns:a14="http://schemas.microsoft.com/office/drawing/2010/main" val="0"/>
-              </a:ext>
-            </a:extLst>
-          </a:blip>
-          <a:stretch>
-            <a:fillRect/>
-          </a:stretch>
-        </p:blipFill>
-        <p:spPr>
-          <a:xfrm>
-            <a:off x="8474876" y="1753612"/>
-            <a:ext cx="682893" cy="555188"/>
-          </a:xfrm>
-          <a:prstGeom prst="rect">
-            <a:avLst/>
-          </a:prstGeom>
-        </p:spPr>
-      </p:pic>
-      <p:pic>
-        <p:nvPicPr>
-          <p:cNvPr id="7" name="Picture 6">
-            <a:extLst>
-              <a:ext uri="{FF2B5EF4-FFF2-40B4-BE49-F238E27FC236}">
-                <a16:creationId xmlns:a16="http://schemas.microsoft.com/office/drawing/2014/main" id="{867EAFBD-EBC0-4665-8891-DDEC61E19AA5}"/>
-              </a:ext>
-            </a:extLst>
-          </p:cNvPr>
-          <p:cNvPicPr>
-            <a:picLocks noChangeAspect="1"/>
-          </p:cNvPicPr>
-          <p:nvPr/>
-        </p:nvPicPr>
-        <p:blipFill>
-          <a:blip r:embed="rId8"/>
-          <a:stretch>
-            <a:fillRect/>
-          </a:stretch>
-        </p:blipFill>
-        <p:spPr>
-          <a:xfrm>
-            <a:off x="8739977" y="4501541"/>
-            <a:ext cx="3340898" cy="2261812"/>
-          </a:xfrm>
-          <a:prstGeom prst="rect">
-            <a:avLst/>
-          </a:prstGeom>
-        </p:spPr>
-      </p:pic>
-      <p:pic>
-        <p:nvPicPr>
-          <p:cNvPr id="8" name="Picture 7">
-            <a:extLst>
-              <a:ext uri="{FF2B5EF4-FFF2-40B4-BE49-F238E27FC236}">
-                <a16:creationId xmlns:a16="http://schemas.microsoft.com/office/drawing/2014/main" id="{435929FE-5E07-494B-A7F9-349E51255D53}"/>
-              </a:ext>
-            </a:extLst>
-          </p:cNvPr>
-          <p:cNvPicPr>
-            <a:picLocks noChangeAspect="1"/>
-          </p:cNvPicPr>
-          <p:nvPr/>
-        </p:nvPicPr>
-        <p:blipFill>
-          <a:blip r:embed="rId8"/>
-          <a:stretch>
-            <a:fillRect/>
-          </a:stretch>
-        </p:blipFill>
-        <p:spPr>
-          <a:xfrm>
-            <a:off x="6743040" y="3415126"/>
-            <a:ext cx="3340898" cy="2261812"/>
-          </a:xfrm>
-          <a:prstGeom prst="rect">
-            <a:avLst/>
-          </a:prstGeom>
-        </p:spPr>
-      </p:pic>
-      <p:pic>
-        <p:nvPicPr>
-          <p:cNvPr id="10" name="Picture 2">
-            <a:extLst>
-              <a:ext uri="{FF2B5EF4-FFF2-40B4-BE49-F238E27FC236}">
-                <a16:creationId xmlns:a16="http://schemas.microsoft.com/office/drawing/2014/main" id="{0FD61B34-5DDF-4160-BC16-3296F9AF6F72}"/>
-              </a:ext>
-            </a:extLst>
-          </p:cNvPr>
-          <p:cNvPicPr>
-            <a:picLocks noChangeAspect="1" noChangeArrowheads="1"/>
-          </p:cNvPicPr>
-          <p:nvPr/>
-        </p:nvPicPr>
-        <p:blipFill>
-          <a:blip r:embed="rId9">
-            <a:extLst>
-              <a:ext uri="{28A0092B-C50C-407E-A947-70E740481C1C}">
-                <a14:useLocalDpi xmlns:a14="http://schemas.microsoft.com/office/drawing/2010/main" val="0"/>
-              </a:ext>
-            </a:extLst>
-          </a:blip>
-          <a:srcRect/>
-          <a:stretch>
-            <a:fillRect/>
-          </a:stretch>
-        </p:blipFill>
-        <p:spPr bwMode="auto">
-          <a:xfrm>
-            <a:off x="7582605" y="2862710"/>
-            <a:ext cx="4352925" cy="3133725"/>
-          </a:xfrm>
-          <a:prstGeom prst="rect">
-            <a:avLst/>
-          </a:prstGeom>
-          <a:noFill/>
-          <a:extLst>
-            <a:ext uri="{909E8E84-426E-40DD-AFC4-6F175D3DCCD1}">
-              <a14:hiddenFill xmlns:a14="http://schemas.microsoft.com/office/drawing/2010/main">
-                <a:solidFill>
-                  <a:srgbClr val="FFFFFF"/>
-                </a:solidFill>
-              </a14:hiddenFill>
-            </a:ext>
-          </a:extLst>
-        </p:spPr>
-      </p:pic>
-    </p:spTree>
-    <p:extLst>
-      <p:ext uri="{BB962C8B-B14F-4D97-AF65-F5344CB8AC3E}">
-        <p14:creationId xmlns:p14="http://schemas.microsoft.com/office/powerpoint/2010/main" val="2369877498"/>
       </p:ext>
     </p:extLst>
   </p:cSld>
@@ -15877,6 +16779,338 @@
       </p:par>
     </p:tnLst>
   </p:timing>
+</p:sld>
+</file>
+
+<file path=ppt/slides/slide20.xml><?xml version="1.0" encoding="utf-8"?>
+<p:sld xmlns:a="http://schemas.openxmlformats.org/drawingml/2006/main" xmlns:r="http://schemas.openxmlformats.org/officeDocument/2006/relationships" xmlns:p="http://schemas.openxmlformats.org/presentationml/2006/main">
+  <p:cSld>
+    <p:bg>
+      <p:bgPr>
+        <a:solidFill>
+          <a:srgbClr val="505050"/>
+        </a:solidFill>
+        <a:effectLst/>
+      </p:bgPr>
+    </p:bg>
+    <p:spTree>
+      <p:nvGrpSpPr>
+        <p:cNvPr id="1" name=""/>
+        <p:cNvGrpSpPr/>
+        <p:nvPr/>
+      </p:nvGrpSpPr>
+      <p:grpSpPr>
+        <a:xfrm>
+          <a:off x="0" y="0"/>
+          <a:ext cx="0" cy="0"/>
+          <a:chOff x="0" y="0"/>
+          <a:chExt cx="0" cy="0"/>
+        </a:xfrm>
+      </p:grpSpPr>
+      <p:sp>
+        <p:nvSpPr>
+          <p:cNvPr id="2" name="Title 1"/>
+          <p:cNvSpPr>
+            <a:spLocks noGrp="1"/>
+          </p:cNvSpPr>
+          <p:nvPr>
+            <p:ph type="title"/>
+          </p:nvPr>
+        </p:nvSpPr>
+        <p:spPr/>
+        <p:txBody>
+          <a:bodyPr/>
+          <a:lstStyle/>
+          <a:p>
+            <a:r>
+              <a:rPr lang="en-US" dirty="0"/>
+              <a:t>Resources</a:t>
+            </a:r>
+          </a:p>
+        </p:txBody>
+      </p:sp>
+      <p:sp>
+        <p:nvSpPr>
+          <p:cNvPr id="3" name="Content Placeholder 2"/>
+          <p:cNvSpPr>
+            <a:spLocks noGrp="1"/>
+          </p:cNvSpPr>
+          <p:nvPr>
+            <p:ph idx="1"/>
+          </p:nvPr>
+        </p:nvSpPr>
+        <p:spPr>
+          <a:xfrm>
+            <a:off x="838199" y="1825625"/>
+            <a:ext cx="10411047" cy="4351338"/>
+          </a:xfrm>
+        </p:spPr>
+        <p:txBody>
+          <a:bodyPr>
+            <a:normAutofit fontScale="92500"/>
+          </a:bodyPr>
+          <a:lstStyle/>
+          <a:p>
+            <a:pPr marL="0" indent="0">
+              <a:buNone/>
+            </a:pPr>
+            <a:r>
+              <a:rPr lang="en-US" b="1" dirty="0"/>
+              <a:t>Docs 									</a:t>
+            </a:r>
+            <a:r>
+              <a:rPr lang="en-US" dirty="0"/>
+              <a:t>@</a:t>
+            </a:r>
+            <a:r>
+              <a:rPr lang="en-US" dirty="0" err="1"/>
+              <a:t>Scott_Addie</a:t>
+            </a:r>
+            <a:endParaRPr lang="en-US" dirty="0">
+              <a:hlinkClick r:id="rId3"/>
+            </a:endParaRPr>
+          </a:p>
+          <a:p>
+            <a:pPr marL="0" indent="0">
+              <a:buNone/>
+            </a:pPr>
+            <a:r>
+              <a:rPr lang="en-US" dirty="0">
+                <a:hlinkClick r:id="rId3"/>
+              </a:rPr>
+              <a:t>aka.ms/dotnet-secret-mgr</a:t>
+            </a:r>
+          </a:p>
+          <a:p>
+            <a:pPr marL="0" indent="0">
+              <a:buNone/>
+            </a:pPr>
+            <a:r>
+              <a:rPr lang="en-US" dirty="0">
+                <a:hlinkClick r:id="rId4"/>
+              </a:rPr>
+              <a:t>aka.ms/</a:t>
+            </a:r>
+            <a:r>
+              <a:rPr lang="en-US" dirty="0" err="1">
+                <a:hlinkClick r:id="rId4"/>
+              </a:rPr>
+              <a:t>az</a:t>
+            </a:r>
+            <a:r>
+              <a:rPr lang="en-US" dirty="0">
+                <a:hlinkClick r:id="rId4"/>
+              </a:rPr>
+              <a:t>-key-vault</a:t>
+            </a:r>
+            <a:endParaRPr lang="en-US" dirty="0"/>
+          </a:p>
+          <a:p>
+            <a:endParaRPr lang="en-US" dirty="0"/>
+          </a:p>
+          <a:p>
+            <a:pPr marL="0" indent="0">
+              <a:buNone/>
+            </a:pPr>
+            <a:r>
+              <a:rPr lang="en-US" b="1" dirty="0"/>
+              <a:t>Slides</a:t>
+            </a:r>
+          </a:p>
+          <a:p>
+            <a:pPr marL="0" indent="0">
+              <a:buNone/>
+            </a:pPr>
+            <a:r>
+              <a:rPr lang="en-US" dirty="0">
+                <a:hlinkClick r:id="rId5"/>
+              </a:rPr>
+              <a:t>aka.ms/app-secrets-slides</a:t>
+            </a:r>
+            <a:endParaRPr lang="en-US" dirty="0"/>
+          </a:p>
+          <a:p>
+            <a:pPr marL="0" indent="0">
+              <a:buNone/>
+            </a:pPr>
+            <a:endParaRPr lang="en-US" b="1" dirty="0"/>
+          </a:p>
+          <a:p>
+            <a:pPr marL="0" indent="0">
+              <a:buNone/>
+            </a:pPr>
+            <a:r>
+              <a:rPr lang="en-US" b="1" dirty="0"/>
+              <a:t>Code</a:t>
+            </a:r>
+          </a:p>
+          <a:p>
+            <a:pPr marL="0" indent="0">
+              <a:buNone/>
+            </a:pPr>
+            <a:r>
+              <a:rPr lang="en-US" dirty="0">
+                <a:hlinkClick r:id="rId6"/>
+              </a:rPr>
+              <a:t>aka.ms/app-secrets-code</a:t>
+            </a:r>
+            <a:endParaRPr lang="en-US" dirty="0"/>
+          </a:p>
+        </p:txBody>
+      </p:sp>
+      <p:pic>
+        <p:nvPicPr>
+          <p:cNvPr id="5" name="Picture 4">
+            <a:extLst>
+              <a:ext uri="{FF2B5EF4-FFF2-40B4-BE49-F238E27FC236}">
+                <a16:creationId xmlns:a16="http://schemas.microsoft.com/office/drawing/2014/main" id="{A87E2C7C-B662-43BA-A5DB-0A1A5D5542DE}"/>
+              </a:ext>
+            </a:extLst>
+          </p:cNvPr>
+          <p:cNvPicPr>
+            <a:picLocks noChangeAspect="1"/>
+          </p:cNvPicPr>
+          <p:nvPr/>
+        </p:nvPicPr>
+        <p:blipFill>
+          <a:blip r:embed="rId7" cstate="print">
+            <a:extLst>
+              <a:ext uri="{28A0092B-C50C-407E-A947-70E740481C1C}">
+                <a14:useLocalDpi xmlns:a14="http://schemas.microsoft.com/office/drawing/2010/main" val="0"/>
+              </a:ext>
+            </a:extLst>
+          </a:blip>
+          <a:stretch>
+            <a:fillRect/>
+          </a:stretch>
+        </p:blipFill>
+        <p:spPr>
+          <a:xfrm>
+            <a:off x="8474876" y="1753612"/>
+            <a:ext cx="682893" cy="555188"/>
+          </a:xfrm>
+          <a:prstGeom prst="rect">
+            <a:avLst/>
+          </a:prstGeom>
+        </p:spPr>
+      </p:pic>
+      <p:pic>
+        <p:nvPicPr>
+          <p:cNvPr id="7" name="Picture 6">
+            <a:extLst>
+              <a:ext uri="{FF2B5EF4-FFF2-40B4-BE49-F238E27FC236}">
+                <a16:creationId xmlns:a16="http://schemas.microsoft.com/office/drawing/2014/main" id="{867EAFBD-EBC0-4665-8891-DDEC61E19AA5}"/>
+              </a:ext>
+            </a:extLst>
+          </p:cNvPr>
+          <p:cNvPicPr>
+            <a:picLocks noChangeAspect="1"/>
+          </p:cNvPicPr>
+          <p:nvPr/>
+        </p:nvPicPr>
+        <p:blipFill>
+          <a:blip r:embed="rId8"/>
+          <a:stretch>
+            <a:fillRect/>
+          </a:stretch>
+        </p:blipFill>
+        <p:spPr>
+          <a:xfrm>
+            <a:off x="8739977" y="4501541"/>
+            <a:ext cx="3340898" cy="2261812"/>
+          </a:xfrm>
+          <a:prstGeom prst="rect">
+            <a:avLst/>
+          </a:prstGeom>
+        </p:spPr>
+      </p:pic>
+      <p:pic>
+        <p:nvPicPr>
+          <p:cNvPr id="8" name="Picture 7">
+            <a:extLst>
+              <a:ext uri="{FF2B5EF4-FFF2-40B4-BE49-F238E27FC236}">
+                <a16:creationId xmlns:a16="http://schemas.microsoft.com/office/drawing/2014/main" id="{435929FE-5E07-494B-A7F9-349E51255D53}"/>
+              </a:ext>
+            </a:extLst>
+          </p:cNvPr>
+          <p:cNvPicPr>
+            <a:picLocks noChangeAspect="1"/>
+          </p:cNvPicPr>
+          <p:nvPr/>
+        </p:nvPicPr>
+        <p:blipFill>
+          <a:blip r:embed="rId8"/>
+          <a:stretch>
+            <a:fillRect/>
+          </a:stretch>
+        </p:blipFill>
+        <p:spPr>
+          <a:xfrm>
+            <a:off x="6743040" y="3415126"/>
+            <a:ext cx="3340898" cy="2261812"/>
+          </a:xfrm>
+          <a:prstGeom prst="rect">
+            <a:avLst/>
+          </a:prstGeom>
+        </p:spPr>
+      </p:pic>
+      <p:pic>
+        <p:nvPicPr>
+          <p:cNvPr id="10" name="Picture 2">
+            <a:extLst>
+              <a:ext uri="{FF2B5EF4-FFF2-40B4-BE49-F238E27FC236}">
+                <a16:creationId xmlns:a16="http://schemas.microsoft.com/office/drawing/2014/main" id="{0FD61B34-5DDF-4160-BC16-3296F9AF6F72}"/>
+              </a:ext>
+            </a:extLst>
+          </p:cNvPr>
+          <p:cNvPicPr>
+            <a:picLocks noChangeAspect="1" noChangeArrowheads="1"/>
+          </p:cNvPicPr>
+          <p:nvPr/>
+        </p:nvPicPr>
+        <p:blipFill>
+          <a:blip r:embed="rId9">
+            <a:extLst>
+              <a:ext uri="{28A0092B-C50C-407E-A947-70E740481C1C}">
+                <a14:useLocalDpi xmlns:a14="http://schemas.microsoft.com/office/drawing/2010/main" val="0"/>
+              </a:ext>
+            </a:extLst>
+          </a:blip>
+          <a:srcRect/>
+          <a:stretch>
+            <a:fillRect/>
+          </a:stretch>
+        </p:blipFill>
+        <p:spPr bwMode="auto">
+          <a:xfrm>
+            <a:off x="7582605" y="2862710"/>
+            <a:ext cx="4352925" cy="3133725"/>
+          </a:xfrm>
+          <a:prstGeom prst="rect">
+            <a:avLst/>
+          </a:prstGeom>
+          <a:noFill/>
+          <a:extLst>
+            <a:ext uri="{909E8E84-426E-40DD-AFC4-6F175D3DCCD1}">
+              <a14:hiddenFill xmlns:a14="http://schemas.microsoft.com/office/drawing/2010/main">
+                <a:solidFill>
+                  <a:srgbClr val="FFFFFF"/>
+                </a:solidFill>
+              </a14:hiddenFill>
+            </a:ext>
+          </a:extLst>
+        </p:spPr>
+      </p:pic>
+    </p:spTree>
+    <p:extLst>
+      <p:ext uri="{BB962C8B-B14F-4D97-AF65-F5344CB8AC3E}">
+        <p14:creationId xmlns:p14="http://schemas.microsoft.com/office/powerpoint/2010/main" val="2369877498"/>
+      </p:ext>
+    </p:extLst>
+  </p:cSld>
+  <p:clrMapOvr>
+    <a:masterClrMapping/>
+  </p:clrMapOvr>
 </p:sld>
 </file>
 
@@ -19582,13 +20816,39 @@
             </a:r>
             <a:r>
               <a:rPr lang="en-US" sz="2400" dirty="0">
+                <a:solidFill>
+                  <a:schemeClr val="accent1">
+                    <a:lumMod val="40000"/>
+                    <a:lumOff val="60000"/>
+                  </a:schemeClr>
+                </a:solidFill>
                 <a:latin typeface="Courier New" panose="02070309020205020404" pitchFamily="49" charset="0"/>
                 <a:cs typeface="Courier New" panose="02070309020205020404" pitchFamily="49" charset="0"/>
               </a:rPr>
-              <a:t>dotnet user-secrets set “</a:t>
+              <a:t>dotnet user-secrets set</a:t>
+            </a:r>
+            <a:r>
+              <a:rPr lang="en-US" sz="2400" dirty="0">
+                <a:latin typeface="Courier New" panose="02070309020205020404" pitchFamily="49" charset="0"/>
+                <a:cs typeface="Courier New" panose="02070309020205020404" pitchFamily="49" charset="0"/>
+              </a:rPr>
+              <a:t> </a:t>
+            </a:r>
+            <a:r>
+              <a:rPr lang="en-US" sz="2400" dirty="0">
+                <a:solidFill>
+                  <a:schemeClr val="accent4"/>
+                </a:solidFill>
+                <a:latin typeface="Courier New" panose="02070309020205020404" pitchFamily="49" charset="0"/>
+                <a:cs typeface="Courier New" panose="02070309020205020404" pitchFamily="49" charset="0"/>
+              </a:rPr>
+              <a:t>“</a:t>
             </a:r>
             <a:r>
               <a:rPr lang="en-US" sz="2400" dirty="0" err="1">
+                <a:solidFill>
+                  <a:schemeClr val="accent4"/>
+                </a:solidFill>
                 <a:latin typeface="Courier New" panose="02070309020205020404" pitchFamily="49" charset="0"/>
                 <a:cs typeface="Courier New" panose="02070309020205020404" pitchFamily="49" charset="0"/>
               </a:rPr>
@@ -19596,6 +20856,9 @@
             </a:r>
             <a:r>
               <a:rPr lang="en-US" sz="2400" dirty="0">
+                <a:solidFill>
+                  <a:schemeClr val="accent4"/>
+                </a:solidFill>
                 <a:latin typeface="Courier New" panose="02070309020205020404" pitchFamily="49" charset="0"/>
                 <a:cs typeface="Courier New" panose="02070309020205020404" pitchFamily="49" charset="0"/>
               </a:rPr>
@@ -19615,13 +20878,39 @@
             </a:r>
             <a:r>
               <a:rPr lang="en-US" sz="2400" dirty="0">
+                <a:solidFill>
+                  <a:schemeClr val="accent1">
+                    <a:lumMod val="40000"/>
+                    <a:lumOff val="60000"/>
+                  </a:schemeClr>
+                </a:solidFill>
                 <a:latin typeface="Courier New" panose="02070309020205020404" pitchFamily="49" charset="0"/>
                 <a:cs typeface="Courier New" panose="02070309020205020404" pitchFamily="49" charset="0"/>
               </a:rPr>
-              <a:t>dotnet user-secrets set “</a:t>
+              <a:t>dotnet user-secrets set</a:t>
+            </a:r>
+            <a:r>
+              <a:rPr lang="en-US" sz="2400" dirty="0">
+                <a:latin typeface="Courier New" panose="02070309020205020404" pitchFamily="49" charset="0"/>
+                <a:cs typeface="Courier New" panose="02070309020205020404" pitchFamily="49" charset="0"/>
+              </a:rPr>
+              <a:t> </a:t>
+            </a:r>
+            <a:r>
+              <a:rPr lang="en-US" sz="2400" dirty="0">
+                <a:solidFill>
+                  <a:schemeClr val="accent4"/>
+                </a:solidFill>
+                <a:latin typeface="Courier New" panose="02070309020205020404" pitchFamily="49" charset="0"/>
+                <a:cs typeface="Courier New" panose="02070309020205020404" pitchFamily="49" charset="0"/>
+              </a:rPr>
+              <a:t>“</a:t>
             </a:r>
             <a:r>
               <a:rPr lang="en-US" sz="2400" dirty="0" err="1">
+                <a:solidFill>
+                  <a:schemeClr val="accent4"/>
+                </a:solidFill>
                 <a:latin typeface="Courier New" panose="02070309020205020404" pitchFamily="49" charset="0"/>
                 <a:cs typeface="Courier New" panose="02070309020205020404" pitchFamily="49" charset="0"/>
               </a:rPr>
@@ -19629,6 +20918,9 @@
             </a:r>
             <a:r>
               <a:rPr lang="en-US" sz="2400" dirty="0">
+                <a:solidFill>
+                  <a:schemeClr val="accent4"/>
+                </a:solidFill>
                 <a:latin typeface="Courier New" panose="02070309020205020404" pitchFamily="49" charset="0"/>
                 <a:cs typeface="Courier New" panose="02070309020205020404" pitchFamily="49" charset="0"/>
               </a:rPr>
@@ -19636,6 +20928,9 @@
             </a:r>
             <a:r>
               <a:rPr lang="en-US" sz="2400" dirty="0" err="1">
+                <a:solidFill>
+                  <a:schemeClr val="accent4"/>
+                </a:solidFill>
                 <a:latin typeface="Courier New" panose="02070309020205020404" pitchFamily="49" charset="0"/>
                 <a:cs typeface="Courier New" panose="02070309020205020404" pitchFamily="49" charset="0"/>
               </a:rPr>
@@ -19643,12 +20938,18 @@
             </a:r>
             <a:r>
               <a:rPr lang="en-US" sz="2400" dirty="0">
+                <a:solidFill>
+                  <a:schemeClr val="accent4"/>
+                </a:solidFill>
                 <a:latin typeface="Courier New" panose="02070309020205020404" pitchFamily="49" charset="0"/>
                 <a:cs typeface="Courier New" panose="02070309020205020404" pitchFamily="49" charset="0"/>
               </a:rPr>
               <a:t>”</a:t>
             </a:r>
             <a:endParaRPr lang="en-US" dirty="0">
+              <a:solidFill>
+            